--- a/input/images/Source/Risk Adjustment Images.pptx
+++ b/input/images/Source/Risk Adjustment Images.pptx
@@ -6,12 +6,13 @@
     <p:sldMasterId id="2147483660" r:id="rId2"/>
   </p:sldMasterIdLst>
   <p:notesMasterIdLst>
-    <p:notesMasterId r:id="rId6"/>
+    <p:notesMasterId r:id="rId7"/>
   </p:notesMasterIdLst>
   <p:sldIdLst>
     <p:sldId id="256" r:id="rId3"/>
     <p:sldId id="267" r:id="rId4"/>
     <p:sldId id="268" r:id="rId5"/>
+    <p:sldId id="269" r:id="rId6"/>
   </p:sldIdLst>
   <p:sldSz cx="12192000" cy="6858000"/>
   <p:notesSz cx="6858000" cy="9144000"/>
@@ -110,6 +111,11 @@
       </a:defRPr>
     </a:lvl9pPr>
   </p:defaultTextStyle>
+  <p:extLst>
+    <p:ext uri="{EFAFB233-063F-42B5-8137-9DF3F51BA10A}">
+      <p15:sldGuideLst xmlns:p15="http://schemas.microsoft.com/office/powerpoint/2012/main"/>
+    </p:ext>
+  </p:extLst>
 </p:presentation>
 </file>
 
@@ -1812,7 +1818,7 @@
           <a:p>
             <a:fld id="{23F303CC-BC6F-44EE-9A09-81F690F71D2E}" type="datetime1">
               <a:rPr lang="en-US" altLang="en-US" smtClean="0"/>
-              <a:t>8/16/2021</a:t>
+              <a:t>8/19/2021</a:t>
             </a:fld>
             <a:endParaRPr lang="en-US" altLang="en-US" dirty="0"/>
           </a:p>
@@ -9123,7 +9129,7 @@
           <a:p>
             <a:fld id="{7CE3BD8C-C39F-4FFF-9CD5-05E4806DBFF3}" type="datetime1">
               <a:rPr lang="en-US" altLang="en-US" smtClean="0"/>
-              <a:t>8/16/2021</a:t>
+              <a:t>8/19/2021</a:t>
             </a:fld>
             <a:endParaRPr lang="en-US" altLang="en-US"/>
           </a:p>
@@ -11586,6 +11592,154 @@
     <p:extLst>
       <p:ext uri="{BB962C8B-B14F-4D97-AF65-F5344CB8AC3E}">
         <p14:creationId xmlns:p14="http://schemas.microsoft.com/office/powerpoint/2010/main" val="2056869718"/>
+      </p:ext>
+    </p:extLst>
+  </p:cSld>
+  <p:clrMapOvr>
+    <a:masterClrMapping/>
+  </p:clrMapOvr>
+</p:sld>
+</file>
+
+<file path=ppt/slides/slide4.xml><?xml version="1.0" encoding="utf-8"?>
+<p:sld xmlns:a="http://schemas.openxmlformats.org/drawingml/2006/main" xmlns:r="http://schemas.openxmlformats.org/officeDocument/2006/relationships" xmlns:p="http://schemas.openxmlformats.org/presentationml/2006/main">
+  <p:cSld>
+    <p:spTree>
+      <p:nvGrpSpPr>
+        <p:cNvPr id="1" name=""/>
+        <p:cNvGrpSpPr/>
+        <p:nvPr/>
+      </p:nvGrpSpPr>
+      <p:grpSpPr>
+        <a:xfrm>
+          <a:off x="0" y="0"/>
+          <a:ext cx="0" cy="0"/>
+          <a:chOff x="0" y="0"/>
+          <a:chExt cx="0" cy="0"/>
+        </a:xfrm>
+      </p:grpSpPr>
+      <p:sp>
+        <p:nvSpPr>
+          <p:cNvPr id="2" name="Title 1">
+            <a:extLst>
+              <a:ext uri="{FF2B5EF4-FFF2-40B4-BE49-F238E27FC236}">
+                <a16:creationId xmlns:a16="http://schemas.microsoft.com/office/drawing/2014/main" id="{CA312D2E-9348-4F8D-937D-6AA79DDE4A3B}"/>
+              </a:ext>
+            </a:extLst>
+          </p:cNvPr>
+          <p:cNvSpPr>
+            <a:spLocks noGrp="1"/>
+          </p:cNvSpPr>
+          <p:nvPr>
+            <p:ph type="title"/>
+          </p:nvPr>
+        </p:nvSpPr>
+        <p:spPr/>
+        <p:txBody>
+          <a:bodyPr/>
+          <a:lstStyle/>
+          <a:p>
+            <a:r>
+              <a:rPr lang="en-US" dirty="0"/>
+              <a:t>Resource Diagram</a:t>
+            </a:r>
+          </a:p>
+        </p:txBody>
+      </p:sp>
+      <p:sp>
+        <p:nvSpPr>
+          <p:cNvPr id="3" name="Text Placeholder 2">
+            <a:extLst>
+              <a:ext uri="{FF2B5EF4-FFF2-40B4-BE49-F238E27FC236}">
+                <a16:creationId xmlns:a16="http://schemas.microsoft.com/office/drawing/2014/main" id="{BB3CD43F-8553-40B1-9050-7F83A248717D}"/>
+              </a:ext>
+            </a:extLst>
+          </p:cNvPr>
+          <p:cNvSpPr>
+            <a:spLocks noGrp="1"/>
+          </p:cNvSpPr>
+          <p:nvPr>
+            <p:ph type="body" sz="quarter" idx="13"/>
+          </p:nvPr>
+        </p:nvSpPr>
+        <p:spPr/>
+        <p:txBody>
+          <a:bodyPr/>
+          <a:lstStyle/>
+          <a:p>
+            <a:endParaRPr lang="en-US"/>
+          </a:p>
+        </p:txBody>
+      </p:sp>
+      <p:sp>
+        <p:nvSpPr>
+          <p:cNvPr id="4" name="Footer Placeholder 3">
+            <a:extLst>
+              <a:ext uri="{FF2B5EF4-FFF2-40B4-BE49-F238E27FC236}">
+                <a16:creationId xmlns:a16="http://schemas.microsoft.com/office/drawing/2014/main" id="{398C3AFC-73DA-4BEE-9920-A96CBA4DB9DA}"/>
+              </a:ext>
+            </a:extLst>
+          </p:cNvPr>
+          <p:cNvSpPr>
+            <a:spLocks noGrp="1"/>
+          </p:cNvSpPr>
+          <p:nvPr>
+            <p:ph type="ftr" sz="quarter" idx="10"/>
+          </p:nvPr>
+        </p:nvSpPr>
+        <p:spPr/>
+        <p:txBody>
+          <a:bodyPr/>
+          <a:lstStyle/>
+          <a:p>
+            <a:r>
+              <a:rPr lang="en-US" b="1"/>
+              <a:t>© 2019 Health Level Seven ® International. Licensed under Creative Commons Attribution 4.0 International</a:t>
+            </a:r>
+          </a:p>
+          <a:p>
+            <a:r>
+              <a:rPr lang="en-US" b="1"/>
+              <a:t>HL7, Health Level Seven, FHIR and the FHIR flame logo are registered trademarks of Health Level Seven International. Reg. U.S. TM Office.</a:t>
+            </a:r>
+            <a:endParaRPr lang="en-US" b="1" dirty="0"/>
+          </a:p>
+        </p:txBody>
+      </p:sp>
+      <p:sp>
+        <p:nvSpPr>
+          <p:cNvPr id="5" name="Slide Number Placeholder 4">
+            <a:extLst>
+              <a:ext uri="{FF2B5EF4-FFF2-40B4-BE49-F238E27FC236}">
+                <a16:creationId xmlns:a16="http://schemas.microsoft.com/office/drawing/2014/main" id="{46F8B53C-135E-405E-BA3A-8FEF468B0C17}"/>
+              </a:ext>
+            </a:extLst>
+          </p:cNvPr>
+          <p:cNvSpPr>
+            <a:spLocks noGrp="1"/>
+          </p:cNvSpPr>
+          <p:nvPr>
+            <p:ph type="sldNum" sz="quarter" idx="11"/>
+          </p:nvPr>
+        </p:nvSpPr>
+        <p:spPr/>
+        <p:txBody>
+          <a:bodyPr/>
+          <a:lstStyle/>
+          <a:p>
+            <a:fld id="{6CACE926-AEF5-4BFE-8BD7-24414108CB7B}" type="slidenum">
+              <a:rPr lang="en-US" altLang="en-US" smtClean="0"/>
+              <a:pPr/>
+              <a:t>4</a:t>
+            </a:fld>
+            <a:endParaRPr lang="en-US" altLang="en-US" dirty="0"/>
+          </a:p>
+        </p:txBody>
+      </p:sp>
+    </p:spTree>
+    <p:extLst>
+      <p:ext uri="{BB962C8B-B14F-4D97-AF65-F5344CB8AC3E}">
+        <p14:creationId xmlns:p14="http://schemas.microsoft.com/office/powerpoint/2010/main" val="3236408681"/>
       </p:ext>
     </p:extLst>
   </p:cSld>

--- a/input/images/Source/Risk Adjustment Images.pptx
+++ b/input/images/Source/Risk Adjustment Images.pptx
@@ -6,13 +6,14 @@
     <p:sldMasterId id="2147483660" r:id="rId2"/>
   </p:sldMasterIdLst>
   <p:notesMasterIdLst>
-    <p:notesMasterId r:id="rId7"/>
+    <p:notesMasterId r:id="rId8"/>
   </p:notesMasterIdLst>
   <p:sldIdLst>
     <p:sldId id="256" r:id="rId3"/>
     <p:sldId id="267" r:id="rId4"/>
     <p:sldId id="268" r:id="rId5"/>
     <p:sldId id="269" r:id="rId6"/>
+    <p:sldId id="270" r:id="rId7"/>
   </p:sldIdLst>
   <p:sldSz cx="12192000" cy="6858000"/>
   <p:notesSz cx="6858000" cy="9144000"/>
@@ -11740,6 +11741,154 @@
     <p:extLst>
       <p:ext uri="{BB962C8B-B14F-4D97-AF65-F5344CB8AC3E}">
         <p14:creationId xmlns:p14="http://schemas.microsoft.com/office/powerpoint/2010/main" val="3236408681"/>
+      </p:ext>
+    </p:extLst>
+  </p:cSld>
+  <p:clrMapOvr>
+    <a:masterClrMapping/>
+  </p:clrMapOvr>
+</p:sld>
+</file>
+
+<file path=ppt/slides/slide5.xml><?xml version="1.0" encoding="utf-8"?>
+<p:sld xmlns:a="http://schemas.openxmlformats.org/drawingml/2006/main" xmlns:r="http://schemas.openxmlformats.org/officeDocument/2006/relationships" xmlns:p="http://schemas.openxmlformats.org/presentationml/2006/main">
+  <p:cSld>
+    <p:spTree>
+      <p:nvGrpSpPr>
+        <p:cNvPr id="1" name=""/>
+        <p:cNvGrpSpPr/>
+        <p:nvPr/>
+      </p:nvGrpSpPr>
+      <p:grpSpPr>
+        <a:xfrm>
+          <a:off x="0" y="0"/>
+          <a:ext cx="0" cy="0"/>
+          <a:chOff x="0" y="0"/>
+          <a:chExt cx="0" cy="0"/>
+        </a:xfrm>
+      </p:grpSpPr>
+      <p:sp>
+        <p:nvSpPr>
+          <p:cNvPr id="2" name="Title 1">
+            <a:extLst>
+              <a:ext uri="{FF2B5EF4-FFF2-40B4-BE49-F238E27FC236}">
+                <a16:creationId xmlns:a16="http://schemas.microsoft.com/office/drawing/2014/main" id="{4D7CB190-0D7D-494C-9311-B0617D77885B}"/>
+              </a:ext>
+            </a:extLst>
+          </p:cNvPr>
+          <p:cNvSpPr>
+            <a:spLocks noGrp="1"/>
+          </p:cNvSpPr>
+          <p:nvPr>
+            <p:ph type="title"/>
+          </p:nvPr>
+        </p:nvSpPr>
+        <p:spPr/>
+        <p:txBody>
+          <a:bodyPr/>
+          <a:lstStyle/>
+          <a:p>
+            <a:r>
+              <a:rPr lang="en-US"/>
+              <a:t>Report Example</a:t>
+            </a:r>
+          </a:p>
+        </p:txBody>
+      </p:sp>
+      <p:sp>
+        <p:nvSpPr>
+          <p:cNvPr id="3" name="Text Placeholder 2">
+            <a:extLst>
+              <a:ext uri="{FF2B5EF4-FFF2-40B4-BE49-F238E27FC236}">
+                <a16:creationId xmlns:a16="http://schemas.microsoft.com/office/drawing/2014/main" id="{236B773A-836E-4D87-9C92-B08C38F7CEE1}"/>
+              </a:ext>
+            </a:extLst>
+          </p:cNvPr>
+          <p:cNvSpPr>
+            <a:spLocks noGrp="1"/>
+          </p:cNvSpPr>
+          <p:nvPr>
+            <p:ph type="body" sz="quarter" idx="13"/>
+          </p:nvPr>
+        </p:nvSpPr>
+        <p:spPr/>
+        <p:txBody>
+          <a:bodyPr/>
+          <a:lstStyle/>
+          <a:p>
+            <a:endParaRPr lang="en-US"/>
+          </a:p>
+        </p:txBody>
+      </p:sp>
+      <p:sp>
+        <p:nvSpPr>
+          <p:cNvPr id="4" name="Footer Placeholder 3">
+            <a:extLst>
+              <a:ext uri="{FF2B5EF4-FFF2-40B4-BE49-F238E27FC236}">
+                <a16:creationId xmlns:a16="http://schemas.microsoft.com/office/drawing/2014/main" id="{1C8C59B2-4298-4ABD-A7BC-36BFD6BFDD28}"/>
+              </a:ext>
+            </a:extLst>
+          </p:cNvPr>
+          <p:cNvSpPr>
+            <a:spLocks noGrp="1"/>
+          </p:cNvSpPr>
+          <p:nvPr>
+            <p:ph type="ftr" sz="quarter" idx="10"/>
+          </p:nvPr>
+        </p:nvSpPr>
+        <p:spPr/>
+        <p:txBody>
+          <a:bodyPr/>
+          <a:lstStyle/>
+          <a:p>
+            <a:r>
+              <a:rPr lang="en-US" b="1"/>
+              <a:t>© 2019 Health Level Seven ® International. Licensed under Creative Commons Attribution 4.0 International</a:t>
+            </a:r>
+          </a:p>
+          <a:p>
+            <a:r>
+              <a:rPr lang="en-US" b="1"/>
+              <a:t>HL7, Health Level Seven, FHIR and the FHIR flame logo are registered trademarks of Health Level Seven International. Reg. U.S. TM Office.</a:t>
+            </a:r>
+            <a:endParaRPr lang="en-US" b="1" dirty="0"/>
+          </a:p>
+        </p:txBody>
+      </p:sp>
+      <p:sp>
+        <p:nvSpPr>
+          <p:cNvPr id="5" name="Slide Number Placeholder 4">
+            <a:extLst>
+              <a:ext uri="{FF2B5EF4-FFF2-40B4-BE49-F238E27FC236}">
+                <a16:creationId xmlns:a16="http://schemas.microsoft.com/office/drawing/2014/main" id="{EB22FE78-5AEE-4A50-9097-7AE62A24576F}"/>
+              </a:ext>
+            </a:extLst>
+          </p:cNvPr>
+          <p:cNvSpPr>
+            <a:spLocks noGrp="1"/>
+          </p:cNvSpPr>
+          <p:nvPr>
+            <p:ph type="sldNum" sz="quarter" idx="11"/>
+          </p:nvPr>
+        </p:nvSpPr>
+        <p:spPr/>
+        <p:txBody>
+          <a:bodyPr/>
+          <a:lstStyle/>
+          <a:p>
+            <a:fld id="{6CACE926-AEF5-4BFE-8BD7-24414108CB7B}" type="slidenum">
+              <a:rPr lang="en-US" altLang="en-US" smtClean="0"/>
+              <a:pPr/>
+              <a:t>5</a:t>
+            </a:fld>
+            <a:endParaRPr lang="en-US" altLang="en-US" dirty="0"/>
+          </a:p>
+        </p:txBody>
+      </p:sp>
+    </p:spTree>
+    <p:extLst>
+      <p:ext uri="{BB962C8B-B14F-4D97-AF65-F5344CB8AC3E}">
+        <p14:creationId xmlns:p14="http://schemas.microsoft.com/office/powerpoint/2010/main" val="2759159026"/>
       </p:ext>
     </p:extLst>
   </p:cSld>

--- a/input/images/Source/Risk Adjustment Images.pptx
+++ b/input/images/Source/Risk Adjustment Images.pptx
@@ -6,14 +6,15 @@
     <p:sldMasterId id="2147483660" r:id="rId2"/>
   </p:sldMasterIdLst>
   <p:notesMasterIdLst>
-    <p:notesMasterId r:id="rId8"/>
+    <p:notesMasterId r:id="rId9"/>
   </p:notesMasterIdLst>
   <p:sldIdLst>
     <p:sldId id="256" r:id="rId3"/>
     <p:sldId id="267" r:id="rId4"/>
     <p:sldId id="268" r:id="rId5"/>
     <p:sldId id="269" r:id="rId6"/>
-    <p:sldId id="270" r:id="rId7"/>
+    <p:sldId id="2966" r:id="rId7"/>
+    <p:sldId id="270" r:id="rId8"/>
   </p:sldIdLst>
   <p:sldSz cx="12192000" cy="6858000"/>
   <p:notesSz cx="6858000" cy="9144000"/>
@@ -11252,7 +11253,10 @@
             <a:pPr marL="0" indent="0">
               <a:buNone/>
             </a:pPr>
-            <a:endParaRPr lang="en-US" dirty="0"/>
+            <a:r>
+              <a:rPr lang="en-US" dirty="0"/>
+              <a:t> </a:t>
+            </a:r>
           </a:p>
         </p:txBody>
       </p:sp>
@@ -11385,7 +11389,7 @@
         </p:blipFill>
         <p:spPr>
           <a:xfrm>
-            <a:off x="4445355" y="2979090"/>
+            <a:off x="3683355" y="3080690"/>
             <a:ext cx="814124" cy="899821"/>
           </a:xfrm>
           <a:prstGeom prst="rect">
@@ -11407,7 +11411,7 @@
         </p:nvSpPr>
         <p:spPr>
           <a:xfrm>
-            <a:off x="7185595" y="2182145"/>
+            <a:off x="8282875" y="3157505"/>
             <a:ext cx="1259821" cy="707694"/>
           </a:xfrm>
           <a:prstGeom prst="rect">
@@ -11457,7 +11461,7 @@
         </p:nvSpPr>
         <p:spPr>
           <a:xfrm>
-            <a:off x="3782252" y="2416348"/>
+            <a:off x="2136332" y="3442508"/>
             <a:ext cx="2115679" cy="297454"/>
           </a:xfrm>
           <a:prstGeom prst="rect">
@@ -11497,10 +11501,10 @@
       </p:sp>
       <p:sp>
         <p:nvSpPr>
-          <p:cNvPr id="11" name="Arrow: Right 10">
-            <a:extLst>
-              <a:ext uri="{FF2B5EF4-FFF2-40B4-BE49-F238E27FC236}">
-                <a16:creationId xmlns:a16="http://schemas.microsoft.com/office/drawing/2014/main" id="{4435FF3E-23CA-4C74-B11B-A2260403BF70}"/>
+          <p:cNvPr id="8" name="Arrow: U-Turn 7">
+            <a:extLst>
+              <a:ext uri="{FF2B5EF4-FFF2-40B4-BE49-F238E27FC236}">
+                <a16:creationId xmlns:a16="http://schemas.microsoft.com/office/drawing/2014/main" id="{BBA494F5-C840-4276-B567-19F510FB3BE8}"/>
               </a:ext>
             </a:extLst>
           </p:cNvPr>
@@ -11508,11 +11512,11 @@
           <p:nvPr/>
         </p:nvSpPr>
         <p:spPr>
-          <a:xfrm>
-            <a:off x="5539666" y="3426781"/>
-            <a:ext cx="1775534" cy="674703"/>
-          </a:xfrm>
-          <a:prstGeom prst="rightArrow">
+          <a:xfrm flipH="1">
+            <a:off x="3931920" y="2326640"/>
+            <a:ext cx="3911600" cy="426720"/>
+          </a:xfrm>
+          <a:prstGeom prst="uturnArrow">
             <a:avLst/>
           </a:prstGeom>
         </p:spPr>
@@ -11535,19 +11539,20 @@
           <a:lstStyle/>
           <a:p>
             <a:pPr algn="ctr"/>
-            <a:r>
-              <a:rPr lang="en-US" sz="1200" dirty="0"/>
-              <a:t>Risk Adjustment Bundle</a:t>
-            </a:r>
-          </a:p>
-        </p:txBody>
-      </p:sp>
-      <p:sp>
-        <p:nvSpPr>
-          <p:cNvPr id="12" name="Arrow: Left 11">
-            <a:extLst>
-              <a:ext uri="{FF2B5EF4-FFF2-40B4-BE49-F238E27FC236}">
-                <a16:creationId xmlns:a16="http://schemas.microsoft.com/office/drawing/2014/main" id="{8DBA6246-9EC4-4965-9A61-20688F61A89F}"/>
+            <a:endParaRPr lang="en-US">
+              <a:solidFill>
+                <a:schemeClr val="tx1"/>
+              </a:solidFill>
+            </a:endParaRPr>
+          </a:p>
+        </p:txBody>
+      </p:sp>
+      <p:sp>
+        <p:nvSpPr>
+          <p:cNvPr id="13" name="Arrow: U-Turn 12">
+            <a:extLst>
+              <a:ext uri="{FF2B5EF4-FFF2-40B4-BE49-F238E27FC236}">
+                <a16:creationId xmlns:a16="http://schemas.microsoft.com/office/drawing/2014/main" id="{174416F3-D18D-44B8-B799-1F518BBC5027}"/>
               </a:ext>
             </a:extLst>
           </p:cNvPr>
@@ -11555,11 +11560,11 @@
           <p:nvPr/>
         </p:nvSpPr>
         <p:spPr>
-          <a:xfrm>
-            <a:off x="5495278" y="2885241"/>
-            <a:ext cx="1828800" cy="585927"/>
-          </a:xfrm>
-          <a:prstGeom prst="leftArrow">
+          <a:xfrm flipV="1">
+            <a:off x="4013200" y="4104640"/>
+            <a:ext cx="3870960" cy="497840"/>
+          </a:xfrm>
+          <a:prstGeom prst="uturnArrow">
             <a:avLst/>
           </a:prstGeom>
         </p:spPr>
@@ -11582,9 +11587,118 @@
           <a:lstStyle/>
           <a:p>
             <a:pPr algn="ctr"/>
-            <a:r>
-              <a:rPr lang="en-US" sz="1400" dirty="0"/>
+            <a:endParaRPr lang="en-US">
+              <a:solidFill>
+                <a:schemeClr val="tx1"/>
+              </a:solidFill>
+            </a:endParaRPr>
+          </a:p>
+        </p:txBody>
+      </p:sp>
+      <p:sp>
+        <p:nvSpPr>
+          <p:cNvPr id="14" name="Rectangle 13">
+            <a:extLst>
+              <a:ext uri="{FF2B5EF4-FFF2-40B4-BE49-F238E27FC236}">
+                <a16:creationId xmlns:a16="http://schemas.microsoft.com/office/drawing/2014/main" id="{330FFA72-BBBD-4DBC-800E-90E49E5C0B79}"/>
+              </a:ext>
+            </a:extLst>
+          </p:cNvPr>
+          <p:cNvSpPr/>
+          <p:nvPr/>
+        </p:nvSpPr>
+        <p:spPr>
+          <a:xfrm>
+            <a:off x="4998720" y="2225040"/>
+            <a:ext cx="1778000" cy="335280"/>
+          </a:xfrm>
+          <a:prstGeom prst="rect">
+            <a:avLst/>
+          </a:prstGeom>
+          <a:solidFill>
+            <a:schemeClr val="bg1"/>
+          </a:solidFill>
+        </p:spPr>
+        <p:style>
+          <a:lnRef idx="1">
+            <a:schemeClr val="accent1"/>
+          </a:lnRef>
+          <a:fillRef idx="3">
+            <a:schemeClr val="accent1"/>
+          </a:fillRef>
+          <a:effectRef idx="2">
+            <a:schemeClr val="accent1"/>
+          </a:effectRef>
+          <a:fontRef idx="minor">
+            <a:schemeClr val="lt1"/>
+          </a:fontRef>
+        </p:style>
+        <p:txBody>
+          <a:bodyPr rtlCol="0" anchor="ctr"/>
+          <a:lstStyle/>
+          <a:p>
+            <a:pPr algn="ctr"/>
+            <a:r>
+              <a:rPr lang="en-US" dirty="0">
+                <a:solidFill>
+                  <a:schemeClr val="tx1"/>
+                </a:solidFill>
+              </a:rPr>
               <a:t>$report</a:t>
+            </a:r>
+          </a:p>
+        </p:txBody>
+      </p:sp>
+      <p:sp>
+        <p:nvSpPr>
+          <p:cNvPr id="16" name="Rectangle 15">
+            <a:extLst>
+              <a:ext uri="{FF2B5EF4-FFF2-40B4-BE49-F238E27FC236}">
+                <a16:creationId xmlns:a16="http://schemas.microsoft.com/office/drawing/2014/main" id="{6908AAC3-35FE-4372-8B8E-78FD5F752EEB}"/>
+              </a:ext>
+            </a:extLst>
+          </p:cNvPr>
+          <p:cNvSpPr/>
+          <p:nvPr/>
+        </p:nvSpPr>
+        <p:spPr>
+          <a:xfrm>
+            <a:off x="5029200" y="4297680"/>
+            <a:ext cx="1778000" cy="396240"/>
+          </a:xfrm>
+          <a:prstGeom prst="rect">
+            <a:avLst/>
+          </a:prstGeom>
+          <a:solidFill>
+            <a:schemeClr val="bg1"/>
+          </a:solidFill>
+        </p:spPr>
+        <p:style>
+          <a:lnRef idx="1">
+            <a:schemeClr val="accent1"/>
+          </a:lnRef>
+          <a:fillRef idx="3">
+            <a:schemeClr val="accent1"/>
+          </a:fillRef>
+          <a:effectRef idx="2">
+            <a:schemeClr val="accent1"/>
+          </a:effectRef>
+          <a:fontRef idx="minor">
+            <a:schemeClr val="lt1"/>
+          </a:fontRef>
+        </p:style>
+        <p:txBody>
+          <a:bodyPr rtlCol="0" anchor="ctr"/>
+          <a:lstStyle/>
+          <a:p>
+            <a:pPr algn="ctr"/>
+            <a:r>
+              <a:rPr lang="en-US" sz="1400" dirty="0">
+                <a:solidFill>
+                  <a:schemeClr val="tx1"/>
+                </a:solidFill>
+              </a:rPr>
+              <a:t>Risk Adjustment Care Gap Reports</a:t>
             </a:r>
           </a:p>
         </p:txBody>
@@ -11772,6 +11886,211 @@
           <p:cNvPr id="2" name="Title 1">
             <a:extLst>
               <a:ext uri="{FF2B5EF4-FFF2-40B4-BE49-F238E27FC236}">
+                <a16:creationId xmlns:a16="http://schemas.microsoft.com/office/drawing/2014/main" id="{D839B762-5734-44CA-BA78-76FD98019C0D}"/>
+              </a:ext>
+            </a:extLst>
+          </p:cNvPr>
+          <p:cNvSpPr>
+            <a:spLocks noGrp="1"/>
+          </p:cNvSpPr>
+          <p:nvPr>
+            <p:ph type="title"/>
+          </p:nvPr>
+        </p:nvSpPr>
+        <p:spPr/>
+        <p:txBody>
+          <a:bodyPr/>
+          <a:lstStyle/>
+          <a:p>
+            <a:r>
+              <a:rPr lang="en-US" dirty="0"/>
+              <a:t>Example Risk Adjustment Report</a:t>
+            </a:r>
+          </a:p>
+        </p:txBody>
+      </p:sp>
+      <p:sp>
+        <p:nvSpPr>
+          <p:cNvPr id="4" name="Footer Placeholder 3">
+            <a:extLst>
+              <a:ext uri="{FF2B5EF4-FFF2-40B4-BE49-F238E27FC236}">
+                <a16:creationId xmlns:a16="http://schemas.microsoft.com/office/drawing/2014/main" id="{C18F18B0-D93F-44AA-9787-691A06C0D216}"/>
+              </a:ext>
+            </a:extLst>
+          </p:cNvPr>
+          <p:cNvSpPr>
+            <a:spLocks noGrp="1"/>
+          </p:cNvSpPr>
+          <p:nvPr>
+            <p:ph type="ftr" sz="quarter" idx="10"/>
+          </p:nvPr>
+        </p:nvSpPr>
+        <p:spPr/>
+        <p:txBody>
+          <a:bodyPr/>
+          <a:lstStyle/>
+          <a:p>
+            <a:pPr defTabSz="609585" fontAlgn="base">
+              <a:spcBef>
+                <a:spcPct val="0"/>
+              </a:spcBef>
+              <a:spcAft>
+                <a:spcPct val="0"/>
+              </a:spcAft>
+            </a:pPr>
+            <a:r>
+              <a:rPr lang="en-US" b="1">
+                <a:latin typeface="Arial" panose="020B0604020202020204" pitchFamily="34" charset="0"/>
+                <a:ea typeface="ヒラギノ角ゴ Pro W3" pitchFamily="-126" charset="-128"/>
+              </a:rPr>
+              <a:t>© 2019 Health Level Seven ® International. Licensed under Creative Commons Attribution 4.0 International</a:t>
+            </a:r>
+          </a:p>
+          <a:p>
+            <a:pPr defTabSz="609585" fontAlgn="base">
+              <a:spcBef>
+                <a:spcPct val="0"/>
+              </a:spcBef>
+              <a:spcAft>
+                <a:spcPct val="0"/>
+              </a:spcAft>
+            </a:pPr>
+            <a:r>
+              <a:rPr lang="en-US" b="1">
+                <a:latin typeface="Arial" panose="020B0604020202020204" pitchFamily="34" charset="0"/>
+                <a:ea typeface="ヒラギノ角ゴ Pro W3" pitchFamily="-126" charset="-128"/>
+              </a:rPr>
+              <a:t>HL7, Health Level Seven, FHIR and the FHIR flame logo are registered trademarks of Health Level Seven International. Reg. U.S. TM Office.</a:t>
+            </a:r>
+            <a:endParaRPr lang="en-US" b="1" dirty="0">
+              <a:latin typeface="Arial" panose="020B0604020202020204" pitchFamily="34" charset="0"/>
+              <a:ea typeface="ヒラギノ角ゴ Pro W3" pitchFamily="-126" charset="-128"/>
+            </a:endParaRPr>
+          </a:p>
+        </p:txBody>
+      </p:sp>
+      <p:sp>
+        <p:nvSpPr>
+          <p:cNvPr id="5" name="Slide Number Placeholder 4">
+            <a:extLst>
+              <a:ext uri="{FF2B5EF4-FFF2-40B4-BE49-F238E27FC236}">
+                <a16:creationId xmlns:a16="http://schemas.microsoft.com/office/drawing/2014/main" id="{8536C7B4-DF79-45E4-A016-77A29D38BF35}"/>
+              </a:ext>
+            </a:extLst>
+          </p:cNvPr>
+          <p:cNvSpPr>
+            <a:spLocks noGrp="1"/>
+          </p:cNvSpPr>
+          <p:nvPr>
+            <p:ph type="sldNum" sz="quarter" idx="11"/>
+          </p:nvPr>
+        </p:nvSpPr>
+        <p:spPr/>
+        <p:txBody>
+          <a:bodyPr/>
+          <a:lstStyle/>
+          <a:p>
+            <a:pPr defTabSz="609585" fontAlgn="base">
+              <a:spcBef>
+                <a:spcPct val="0"/>
+              </a:spcBef>
+              <a:spcAft>
+                <a:spcPct val="0"/>
+              </a:spcAft>
+            </a:pPr>
+            <a:fld id="{6CACE926-AEF5-4BFE-8BD7-24414108CB7B}" type="slidenum">
+              <a:rPr lang="en-US" altLang="en-US">
+                <a:solidFill>
+                  <a:prstClr val="black"/>
+                </a:solidFill>
+                <a:latin typeface="Arial" panose="020B0604020202020204" pitchFamily="34" charset="0"/>
+                <a:ea typeface="ヒラギノ角ゴ Pro W3" pitchFamily="-126" charset="-128"/>
+              </a:rPr>
+              <a:pPr defTabSz="609585" fontAlgn="base">
+                <a:spcBef>
+                  <a:spcPct val="0"/>
+                </a:spcBef>
+                <a:spcAft>
+                  <a:spcPct val="0"/>
+                </a:spcAft>
+              </a:pPr>
+              <a:t>5</a:t>
+            </a:fld>
+            <a:endParaRPr lang="en-US" altLang="en-US" dirty="0">
+              <a:solidFill>
+                <a:prstClr val="black"/>
+              </a:solidFill>
+              <a:latin typeface="Arial" panose="020B0604020202020204" pitchFamily="34" charset="0"/>
+              <a:ea typeface="ヒラギノ角ゴ Pro W3" pitchFamily="-126" charset="-128"/>
+            </a:endParaRPr>
+          </a:p>
+        </p:txBody>
+      </p:sp>
+      <p:pic>
+        <p:nvPicPr>
+          <p:cNvPr id="7" name="Picture 6">
+            <a:extLst>
+              <a:ext uri="{FF2B5EF4-FFF2-40B4-BE49-F238E27FC236}">
+                <a16:creationId xmlns:a16="http://schemas.microsoft.com/office/drawing/2014/main" id="{0826DA6F-F2AB-4016-A214-D6219D201496}"/>
+              </a:ext>
+            </a:extLst>
+          </p:cNvPr>
+          <p:cNvPicPr>
+            <a:picLocks noChangeAspect="1"/>
+          </p:cNvPicPr>
+          <p:nvPr/>
+        </p:nvPicPr>
+        <p:blipFill>
+          <a:blip r:embed="rId2"/>
+          <a:stretch>
+            <a:fillRect/>
+          </a:stretch>
+        </p:blipFill>
+        <p:spPr>
+          <a:xfrm>
+            <a:off x="1743456" y="1258209"/>
+            <a:ext cx="7660640" cy="5130203"/>
+          </a:xfrm>
+          <a:prstGeom prst="rect">
+            <a:avLst/>
+          </a:prstGeom>
+        </p:spPr>
+      </p:pic>
+    </p:spTree>
+    <p:extLst>
+      <p:ext uri="{BB962C8B-B14F-4D97-AF65-F5344CB8AC3E}">
+        <p14:creationId xmlns:p14="http://schemas.microsoft.com/office/powerpoint/2010/main" val="498929417"/>
+      </p:ext>
+    </p:extLst>
+  </p:cSld>
+  <p:clrMapOvr>
+    <a:masterClrMapping/>
+  </p:clrMapOvr>
+</p:sld>
+</file>
+
+<file path=ppt/slides/slide6.xml><?xml version="1.0" encoding="utf-8"?>
+<p:sld xmlns:a="http://schemas.openxmlformats.org/drawingml/2006/main" xmlns:r="http://schemas.openxmlformats.org/officeDocument/2006/relationships" xmlns:p="http://schemas.openxmlformats.org/presentationml/2006/main">
+  <p:cSld>
+    <p:spTree>
+      <p:nvGrpSpPr>
+        <p:cNvPr id="1" name=""/>
+        <p:cNvGrpSpPr/>
+        <p:nvPr/>
+      </p:nvGrpSpPr>
+      <p:grpSpPr>
+        <a:xfrm>
+          <a:off x="0" y="0"/>
+          <a:ext cx="0" cy="0"/>
+          <a:chOff x="0" y="0"/>
+          <a:chExt cx="0" cy="0"/>
+        </a:xfrm>
+      </p:grpSpPr>
+      <p:sp>
+        <p:nvSpPr>
+          <p:cNvPr id="2" name="Title 1">
+            <a:extLst>
+              <a:ext uri="{FF2B5EF4-FFF2-40B4-BE49-F238E27FC236}">
                 <a16:creationId xmlns:a16="http://schemas.microsoft.com/office/drawing/2014/main" id="{4D7CB190-0D7D-494C-9311-B0617D77885B}"/>
               </a:ext>
             </a:extLst>
@@ -11879,7 +12198,7 @@
             <a:fld id="{6CACE926-AEF5-4BFE-8BD7-24414108CB7B}" type="slidenum">
               <a:rPr lang="en-US" altLang="en-US" smtClean="0"/>
               <a:pPr/>
-              <a:t>5</a:t>
+              <a:t>6</a:t>
             </a:fld>
             <a:endParaRPr lang="en-US" altLang="en-US" dirty="0"/>
           </a:p>

--- a/input/images/Source/Risk Adjustment Images.pptx
+++ b/input/images/Source/Risk Adjustment Images.pptx
@@ -6,7 +6,7 @@
     <p:sldMasterId id="2147483660" r:id="rId2"/>
   </p:sldMasterIdLst>
   <p:notesMasterIdLst>
-    <p:notesMasterId r:id="rId9"/>
+    <p:notesMasterId r:id="rId12"/>
   </p:notesMasterIdLst>
   <p:sldIdLst>
     <p:sldId id="256" r:id="rId3"/>
@@ -14,7 +14,10 @@
     <p:sldId id="268" r:id="rId5"/>
     <p:sldId id="269" r:id="rId6"/>
     <p:sldId id="2966" r:id="rId7"/>
-    <p:sldId id="270" r:id="rId8"/>
+    <p:sldId id="264" r:id="rId8"/>
+    <p:sldId id="2968" r:id="rId9"/>
+    <p:sldId id="2967" r:id="rId10"/>
+    <p:sldId id="270" r:id="rId11"/>
   </p:sldIdLst>
   <p:sldSz cx="12192000" cy="6858000"/>
   <p:notesSz cx="6858000" cy="9144000"/>
@@ -203,7 +206,7 @@
           <a:p>
             <a:fld id="{4337D45E-38B5-4093-B633-D3DDCA61416C}" type="datetimeFigureOut">
               <a:rPr lang="en-US" smtClean="0"/>
-              <a:t>8/19/2021</a:t>
+              <a:t>8/23/2021</a:t>
             </a:fld>
             <a:endParaRPr lang="en-US"/>
           </a:p>
@@ -701,6 +704,188 @@
 </p:notes>
 </file>
 
+<file path=ppt/notesSlides/notesSlide3.xml><?xml version="1.0" encoding="utf-8"?>
+<p:notes xmlns:a="http://schemas.openxmlformats.org/drawingml/2006/main" xmlns:r="http://schemas.openxmlformats.org/officeDocument/2006/relationships" xmlns:p="http://schemas.openxmlformats.org/presentationml/2006/main">
+  <p:cSld>
+    <p:spTree>
+      <p:nvGrpSpPr>
+        <p:cNvPr id="1" name=""/>
+        <p:cNvGrpSpPr/>
+        <p:nvPr/>
+      </p:nvGrpSpPr>
+      <p:grpSpPr>
+        <a:xfrm>
+          <a:off x="0" y="0"/>
+          <a:ext cx="0" cy="0"/>
+          <a:chOff x="0" y="0"/>
+          <a:chExt cx="0" cy="0"/>
+        </a:xfrm>
+      </p:grpSpPr>
+      <p:sp>
+        <p:nvSpPr>
+          <p:cNvPr id="2" name="Slide Image Placeholder 1"/>
+          <p:cNvSpPr>
+            <a:spLocks noGrp="1" noRot="1" noChangeAspect="1"/>
+          </p:cNvSpPr>
+          <p:nvPr>
+            <p:ph type="sldImg"/>
+          </p:nvPr>
+        </p:nvSpPr>
+        <p:spPr/>
+      </p:sp>
+      <p:sp>
+        <p:nvSpPr>
+          <p:cNvPr id="3" name="Notes Placeholder 2"/>
+          <p:cNvSpPr>
+            <a:spLocks noGrp="1"/>
+          </p:cNvSpPr>
+          <p:nvPr>
+            <p:ph type="body" idx="1"/>
+          </p:nvPr>
+        </p:nvSpPr>
+        <p:spPr/>
+        <p:txBody>
+          <a:bodyPr/>
+          <a:lstStyle/>
+          <a:p>
+            <a:r>
+              <a:rPr lang="en-US" dirty="0"/>
+              <a:t>Source is </a:t>
+            </a:r>
+            <a:r>
+              <a:rPr lang="en-US" dirty="0" err="1"/>
+              <a:t>visio</a:t>
+            </a:r>
+            <a:r>
+              <a:rPr lang="en-US" dirty="0"/>
+              <a:t>, </a:t>
+            </a:r>
+          </a:p>
+        </p:txBody>
+      </p:sp>
+      <p:sp>
+        <p:nvSpPr>
+          <p:cNvPr id="4" name="Slide Number Placeholder 3"/>
+          <p:cNvSpPr>
+            <a:spLocks noGrp="1"/>
+          </p:cNvSpPr>
+          <p:nvPr>
+            <p:ph type="sldNum" sz="quarter" idx="5"/>
+          </p:nvPr>
+        </p:nvSpPr>
+        <p:spPr/>
+        <p:txBody>
+          <a:bodyPr/>
+          <a:lstStyle/>
+          <a:p>
+            <a:fld id="{1D553A4D-C549-44B5-B4F2-4FBA040D2BDB}" type="slidenum">
+              <a:rPr lang="en-US" smtClean="0"/>
+              <a:t>5</a:t>
+            </a:fld>
+            <a:endParaRPr lang="en-US"/>
+          </a:p>
+        </p:txBody>
+      </p:sp>
+    </p:spTree>
+    <p:extLst>
+      <p:ext uri="{BB962C8B-B14F-4D97-AF65-F5344CB8AC3E}">
+        <p14:creationId xmlns:p14="http://schemas.microsoft.com/office/powerpoint/2010/main" val="4071961976"/>
+      </p:ext>
+    </p:extLst>
+  </p:cSld>
+  <p:clrMapOvr>
+    <a:masterClrMapping/>
+  </p:clrMapOvr>
+</p:notes>
+</file>
+
+<file path=ppt/notesSlides/notesSlide4.xml><?xml version="1.0" encoding="utf-8"?>
+<p:notes xmlns:a="http://schemas.openxmlformats.org/drawingml/2006/main" xmlns:r="http://schemas.openxmlformats.org/officeDocument/2006/relationships" xmlns:p="http://schemas.openxmlformats.org/presentationml/2006/main">
+  <p:cSld>
+    <p:spTree>
+      <p:nvGrpSpPr>
+        <p:cNvPr id="1" name=""/>
+        <p:cNvGrpSpPr/>
+        <p:nvPr/>
+      </p:nvGrpSpPr>
+      <p:grpSpPr>
+        <a:xfrm>
+          <a:off x="0" y="0"/>
+          <a:ext cx="0" cy="0"/>
+          <a:chOff x="0" y="0"/>
+          <a:chExt cx="0" cy="0"/>
+        </a:xfrm>
+      </p:grpSpPr>
+      <p:sp>
+        <p:nvSpPr>
+          <p:cNvPr id="2" name="Slide Image Placeholder 1"/>
+          <p:cNvSpPr>
+            <a:spLocks noGrp="1" noRot="1" noChangeAspect="1"/>
+          </p:cNvSpPr>
+          <p:nvPr>
+            <p:ph type="sldImg"/>
+          </p:nvPr>
+        </p:nvSpPr>
+        <p:spPr/>
+      </p:sp>
+      <p:sp>
+        <p:nvSpPr>
+          <p:cNvPr id="3" name="Notes Placeholder 2"/>
+          <p:cNvSpPr>
+            <a:spLocks noGrp="1"/>
+          </p:cNvSpPr>
+          <p:nvPr>
+            <p:ph type="body" idx="1"/>
+          </p:nvPr>
+        </p:nvSpPr>
+        <p:spPr/>
+        <p:txBody>
+          <a:bodyPr/>
+          <a:lstStyle/>
+          <a:p>
+            <a:r>
+              <a:rPr lang="en-US" dirty="0"/>
+              <a:t>Resource Graph to match Report	</a:t>
+            </a:r>
+          </a:p>
+        </p:txBody>
+      </p:sp>
+      <p:sp>
+        <p:nvSpPr>
+          <p:cNvPr id="4" name="Slide Number Placeholder 3"/>
+          <p:cNvSpPr>
+            <a:spLocks noGrp="1"/>
+          </p:cNvSpPr>
+          <p:nvPr>
+            <p:ph type="sldNum" sz="quarter" idx="5"/>
+          </p:nvPr>
+        </p:nvSpPr>
+        <p:spPr/>
+        <p:txBody>
+          <a:bodyPr/>
+          <a:lstStyle/>
+          <a:p>
+            <a:fld id="{1D553A4D-C549-44B5-B4F2-4FBA040D2BDB}" type="slidenum">
+              <a:rPr lang="en-US" smtClean="0"/>
+              <a:t>6</a:t>
+            </a:fld>
+            <a:endParaRPr lang="en-US"/>
+          </a:p>
+        </p:txBody>
+      </p:sp>
+    </p:spTree>
+    <p:extLst>
+      <p:ext uri="{BB962C8B-B14F-4D97-AF65-F5344CB8AC3E}">
+        <p14:creationId xmlns:p14="http://schemas.microsoft.com/office/powerpoint/2010/main" val="3329769776"/>
+      </p:ext>
+    </p:extLst>
+  </p:cSld>
+  <p:clrMapOvr>
+    <a:masterClrMapping/>
+  </p:clrMapOvr>
+</p:notes>
+</file>
+
 <file path=ppt/slideLayouts/slideLayout1.xml><?xml version="1.0" encoding="utf-8"?>
 <p:sldLayout xmlns:a="http://schemas.openxmlformats.org/drawingml/2006/main" xmlns:r="http://schemas.openxmlformats.org/officeDocument/2006/relationships" xmlns:p="http://schemas.openxmlformats.org/presentationml/2006/main" type="title" preserve="1">
   <p:cSld name="Title Slide">
@@ -848,7 +1033,7 @@
           <a:p>
             <a:fld id="{3E232C92-DF21-4A04-859B-AAF8BD4EC904}" type="datetimeFigureOut">
               <a:rPr lang="en-US" smtClean="0"/>
-              <a:t>8/19/2021</a:t>
+              <a:t>8/23/2021</a:t>
             </a:fld>
             <a:endParaRPr lang="en-US"/>
           </a:p>
@@ -1046,7 +1231,7 @@
           <a:p>
             <a:fld id="{3E232C92-DF21-4A04-859B-AAF8BD4EC904}" type="datetimeFigureOut">
               <a:rPr lang="en-US" smtClean="0"/>
-              <a:t>8/19/2021</a:t>
+              <a:t>8/23/2021</a:t>
             </a:fld>
             <a:endParaRPr lang="en-US"/>
           </a:p>
@@ -1254,7 +1439,7 @@
           <a:p>
             <a:fld id="{3E232C92-DF21-4A04-859B-AAF8BD4EC904}" type="datetimeFigureOut">
               <a:rPr lang="en-US" smtClean="0"/>
-              <a:t>8/19/2021</a:t>
+              <a:t>8/23/2021</a:t>
             </a:fld>
             <a:endParaRPr lang="en-US"/>
           </a:p>
@@ -1820,7 +2005,7 @@
           <a:p>
             <a:fld id="{23F303CC-BC6F-44EE-9A09-81F690F71D2E}" type="datetime1">
               <a:rPr lang="en-US" altLang="en-US" smtClean="0"/>
-              <a:t>8/19/2021</a:t>
+              <a:t>8/23/2021</a:t>
             </a:fld>
             <a:endParaRPr lang="en-US" altLang="en-US" dirty="0"/>
           </a:p>
@@ -6112,7 +6297,7 @@
           <a:p>
             <a:fld id="{3E232C92-DF21-4A04-859B-AAF8BD4EC904}" type="datetimeFigureOut">
               <a:rPr lang="en-US" smtClean="0"/>
-              <a:t>8/19/2021</a:t>
+              <a:t>8/23/2021</a:t>
             </a:fld>
             <a:endParaRPr lang="en-US"/>
           </a:p>
@@ -6735,7 +6920,7 @@
           <a:p>
             <a:fld id="{3E232C92-DF21-4A04-859B-AAF8BD4EC904}" type="datetimeFigureOut">
               <a:rPr lang="en-US" smtClean="0"/>
-              <a:t>8/19/2021</a:t>
+              <a:t>8/23/2021</a:t>
             </a:fld>
             <a:endParaRPr lang="en-US"/>
           </a:p>
@@ -7000,7 +7185,7 @@
           <a:p>
             <a:fld id="{3E232C92-DF21-4A04-859B-AAF8BD4EC904}" type="datetimeFigureOut">
               <a:rPr lang="en-US" smtClean="0"/>
-              <a:t>8/19/2021</a:t>
+              <a:t>8/23/2021</a:t>
             </a:fld>
             <a:endParaRPr lang="en-US"/>
           </a:p>
@@ -7412,7 +7597,7 @@
           <a:p>
             <a:fld id="{3E232C92-DF21-4A04-859B-AAF8BD4EC904}" type="datetimeFigureOut">
               <a:rPr lang="en-US" smtClean="0"/>
-              <a:t>8/19/2021</a:t>
+              <a:t>8/23/2021</a:t>
             </a:fld>
             <a:endParaRPr lang="en-US"/>
           </a:p>
@@ -7553,7 +7738,7 @@
           <a:p>
             <a:fld id="{3E232C92-DF21-4A04-859B-AAF8BD4EC904}" type="datetimeFigureOut">
               <a:rPr lang="en-US" smtClean="0"/>
-              <a:t>8/19/2021</a:t>
+              <a:t>8/23/2021</a:t>
             </a:fld>
             <a:endParaRPr lang="en-US"/>
           </a:p>
@@ -7666,7 +7851,7 @@
           <a:p>
             <a:fld id="{3E232C92-DF21-4A04-859B-AAF8BD4EC904}" type="datetimeFigureOut">
               <a:rPr lang="en-US" smtClean="0"/>
-              <a:t>8/19/2021</a:t>
+              <a:t>8/23/2021</a:t>
             </a:fld>
             <a:endParaRPr lang="en-US"/>
           </a:p>
@@ -7977,7 +8162,7 @@
           <a:p>
             <a:fld id="{3E232C92-DF21-4A04-859B-AAF8BD4EC904}" type="datetimeFigureOut">
               <a:rPr lang="en-US" smtClean="0"/>
-              <a:t>8/19/2021</a:t>
+              <a:t>8/23/2021</a:t>
             </a:fld>
             <a:endParaRPr lang="en-US"/>
           </a:p>
@@ -8265,7 +8450,7 @@
           <a:p>
             <a:fld id="{3E232C92-DF21-4A04-859B-AAF8BD4EC904}" type="datetimeFigureOut">
               <a:rPr lang="en-US" smtClean="0"/>
-              <a:t>8/19/2021</a:t>
+              <a:t>8/23/2021</a:t>
             </a:fld>
             <a:endParaRPr lang="en-US"/>
           </a:p>
@@ -8506,7 +8691,7 @@
           <a:p>
             <a:fld id="{3E232C92-DF21-4A04-859B-AAF8BD4EC904}" type="datetimeFigureOut">
               <a:rPr lang="en-US" smtClean="0"/>
-              <a:t>8/19/2021</a:t>
+              <a:t>8/23/2021</a:t>
             </a:fld>
             <a:endParaRPr lang="en-US"/>
           </a:p>
@@ -9131,7 +9316,7 @@
           <a:p>
             <a:fld id="{7CE3BD8C-C39F-4FFF-9CD5-05E4806DBFF3}" type="datetime1">
               <a:rPr lang="en-US" altLang="en-US" smtClean="0"/>
-              <a:t>8/19/2021</a:t>
+              <a:t>8/23/2021</a:t>
             </a:fld>
             <a:endParaRPr lang="en-US" altLang="en-US"/>
           </a:p>
@@ -12028,10 +12213,10 @@
       </p:sp>
       <p:pic>
         <p:nvPicPr>
-          <p:cNvPr id="7" name="Picture 6">
-            <a:extLst>
-              <a:ext uri="{FF2B5EF4-FFF2-40B4-BE49-F238E27FC236}">
-                <a16:creationId xmlns:a16="http://schemas.microsoft.com/office/drawing/2014/main" id="{0826DA6F-F2AB-4016-A214-D6219D201496}"/>
+          <p:cNvPr id="3" name="Picture 2">
+            <a:extLst>
+              <a:ext uri="{FF2B5EF4-FFF2-40B4-BE49-F238E27FC236}">
+                <a16:creationId xmlns:a16="http://schemas.microsoft.com/office/drawing/2014/main" id="{DA1C2CDA-CE72-488D-93B7-E84324163216}"/>
               </a:ext>
             </a:extLst>
           </p:cNvPr>
@@ -12041,15 +12226,15 @@
           <p:nvPr/>
         </p:nvPicPr>
         <p:blipFill>
-          <a:blip r:embed="rId2"/>
+          <a:blip r:embed="rId3"/>
           <a:stretch>
             <a:fillRect/>
           </a:stretch>
         </p:blipFill>
         <p:spPr>
           <a:xfrm>
-            <a:off x="1743456" y="1258209"/>
-            <a:ext cx="7660640" cy="5130203"/>
+            <a:off x="1940560" y="1359990"/>
+            <a:ext cx="7260859" cy="4837604"/>
           </a:xfrm>
           <a:prstGeom prst="rect">
             <a:avLst/>
@@ -12091,7 +12276,7 @@
           <p:cNvPr id="2" name="Title 1">
             <a:extLst>
               <a:ext uri="{FF2B5EF4-FFF2-40B4-BE49-F238E27FC236}">
-                <a16:creationId xmlns:a16="http://schemas.microsoft.com/office/drawing/2014/main" id="{4D7CB190-0D7D-494C-9311-B0617D77885B}"/>
+                <a16:creationId xmlns:a16="http://schemas.microsoft.com/office/drawing/2014/main" id="{66FC9293-5253-4045-B6FF-0BF8D01B1EC4}"/>
               </a:ext>
             </a:extLst>
           </p:cNvPr>
@@ -12102,6 +12287,6400 @@
             <p:ph type="title"/>
           </p:nvPr>
         </p:nvSpPr>
+        <p:spPr>
+          <a:xfrm>
+            <a:off x="1031240" y="0"/>
+            <a:ext cx="10515600" cy="1325563"/>
+          </a:xfrm>
+        </p:spPr>
+        <p:txBody>
+          <a:bodyPr/>
+          <a:lstStyle/>
+          <a:p>
+            <a:r>
+              <a:rPr lang="en-US" dirty="0"/>
+              <a:t> </a:t>
+            </a:r>
+          </a:p>
+        </p:txBody>
+      </p:sp>
+      <p:sp>
+        <p:nvSpPr>
+          <p:cNvPr id="3" name="Content Placeholder 2">
+            <a:extLst>
+              <a:ext uri="{FF2B5EF4-FFF2-40B4-BE49-F238E27FC236}">
+                <a16:creationId xmlns:a16="http://schemas.microsoft.com/office/drawing/2014/main" id="{059F4AA5-BD88-4606-ACB3-39118129AFB3}"/>
+              </a:ext>
+            </a:extLst>
+          </p:cNvPr>
+          <p:cNvSpPr>
+            <a:spLocks noGrp="1"/>
+          </p:cNvSpPr>
+          <p:nvPr>
+            <p:ph idx="1"/>
+          </p:nvPr>
+        </p:nvSpPr>
+        <p:spPr>
+          <a:xfrm>
+            <a:off x="361716" y="893213"/>
+            <a:ext cx="11185124" cy="5599662"/>
+          </a:xfrm>
+        </p:spPr>
+        <p:txBody>
+          <a:bodyPr/>
+          <a:lstStyle/>
+          <a:p>
+            <a:pPr marL="0" indent="0">
+              <a:buNone/>
+            </a:pPr>
+            <a:r>
+              <a:rPr lang="en-US" dirty="0"/>
+              <a:t> </a:t>
+            </a:r>
+          </a:p>
+        </p:txBody>
+      </p:sp>
+      <p:sp>
+        <p:nvSpPr>
+          <p:cNvPr id="13" name="Flowchart: Process 12">
+            <a:extLst>
+              <a:ext uri="{FF2B5EF4-FFF2-40B4-BE49-F238E27FC236}">
+                <a16:creationId xmlns:a16="http://schemas.microsoft.com/office/drawing/2014/main" id="{7C494011-9B4B-4108-B2F1-32F5A7D22803}"/>
+              </a:ext>
+            </a:extLst>
+          </p:cNvPr>
+          <p:cNvSpPr/>
+          <p:nvPr/>
+        </p:nvSpPr>
+        <p:spPr>
+          <a:xfrm>
+            <a:off x="566458" y="2107143"/>
+            <a:ext cx="1864311" cy="795922"/>
+          </a:xfrm>
+          <a:prstGeom prst="flowChartProcess">
+            <a:avLst/>
+          </a:prstGeom>
+          <a:solidFill>
+            <a:schemeClr val="accent3"/>
+          </a:solidFill>
+          <a:ln>
+            <a:solidFill>
+              <a:schemeClr val="tx1"/>
+            </a:solidFill>
+          </a:ln>
+        </p:spPr>
+        <p:style>
+          <a:lnRef idx="2">
+            <a:schemeClr val="accent1">
+              <a:shade val="50000"/>
+            </a:schemeClr>
+          </a:lnRef>
+          <a:fillRef idx="1">
+            <a:schemeClr val="accent1"/>
+          </a:fillRef>
+          <a:effectRef idx="0">
+            <a:schemeClr val="accent1"/>
+          </a:effectRef>
+          <a:fontRef idx="minor">
+            <a:schemeClr val="lt1"/>
+          </a:fontRef>
+        </p:style>
+        <p:txBody>
+          <a:bodyPr rtlCol="0" anchor="ctr"/>
+          <a:lstStyle/>
+          <a:p>
+            <a:pPr marL="0" marR="0" lvl="0" indent="0" algn="ctr" defTabSz="914400" rtl="0" eaLnBrk="1" fontAlgn="auto" latinLnBrk="0" hangingPunct="1">
+              <a:lnSpc>
+                <a:spcPct val="100000"/>
+              </a:lnSpc>
+              <a:spcBef>
+                <a:spcPts val="0"/>
+              </a:spcBef>
+              <a:spcAft>
+                <a:spcPts val="0"/>
+              </a:spcAft>
+              <a:buClrTx/>
+              <a:buSzTx/>
+              <a:buFontTx/>
+              <a:buNone/>
+              <a:tabLst/>
+              <a:defRPr/>
+            </a:pPr>
+            <a:r>
+              <a:rPr kumimoji="0" lang="en-US" sz="1600" b="0" i="0" u="none" strike="noStrike" kern="1200" cap="none" spc="0" normalizeH="0" baseline="0" noProof="0" dirty="0">
+                <a:ln>
+                  <a:noFill/>
+                </a:ln>
+                <a:solidFill>
+                  <a:prstClr val="white"/>
+                </a:solidFill>
+                <a:effectLst/>
+                <a:uLnTx/>
+                <a:uFillTx/>
+                <a:latin typeface="Calibri" panose="020F0502020204030204"/>
+                <a:ea typeface="+mn-ea"/>
+                <a:cs typeface="+mn-cs"/>
+              </a:rPr>
+              <a:t>US Core Patient*</a:t>
+            </a:r>
+          </a:p>
+          <a:p>
+            <a:pPr marL="0" marR="0" lvl="0" indent="0" algn="ctr" defTabSz="914400" rtl="0" eaLnBrk="1" fontAlgn="auto" latinLnBrk="0" hangingPunct="1">
+              <a:lnSpc>
+                <a:spcPct val="100000"/>
+              </a:lnSpc>
+              <a:spcBef>
+                <a:spcPts val="0"/>
+              </a:spcBef>
+              <a:spcAft>
+                <a:spcPts val="0"/>
+              </a:spcAft>
+              <a:buClrTx/>
+              <a:buSzTx/>
+              <a:buFontTx/>
+              <a:buNone/>
+              <a:tabLst/>
+              <a:defRPr/>
+            </a:pPr>
+            <a:r>
+              <a:rPr kumimoji="0" lang="en-US" sz="1200" b="0" i="0" u="none" strike="noStrike" kern="1200" cap="none" spc="0" normalizeH="0" baseline="0" noProof="0" dirty="0">
+                <a:ln>
+                  <a:noFill/>
+                </a:ln>
+                <a:solidFill>
+                  <a:prstClr val="white"/>
+                </a:solidFill>
+                <a:effectLst/>
+                <a:uLnTx/>
+                <a:uFillTx/>
+                <a:latin typeface="Calibri" panose="020F0502020204030204"/>
+                <a:ea typeface="+mn-ea"/>
+                <a:cs typeface="+mn-cs"/>
+              </a:rPr>
+              <a:t>Mary Jones</a:t>
+            </a:r>
+          </a:p>
+          <a:p>
+            <a:pPr marL="0" marR="0" lvl="0" indent="0" algn="ctr" defTabSz="914400" rtl="0" eaLnBrk="1" fontAlgn="auto" latinLnBrk="0" hangingPunct="1">
+              <a:lnSpc>
+                <a:spcPct val="100000"/>
+              </a:lnSpc>
+              <a:spcBef>
+                <a:spcPts val="0"/>
+              </a:spcBef>
+              <a:spcAft>
+                <a:spcPts val="0"/>
+              </a:spcAft>
+              <a:buClrTx/>
+              <a:buSzTx/>
+              <a:buFontTx/>
+              <a:buNone/>
+              <a:tabLst/>
+              <a:defRPr/>
+            </a:pPr>
+            <a:r>
+              <a:rPr kumimoji="0" lang="en-US" sz="900" b="0" i="0" u="none" strike="noStrike" kern="1200" cap="none" spc="0" normalizeH="0" baseline="0" noProof="0" dirty="0">
+                <a:ln>
+                  <a:noFill/>
+                </a:ln>
+                <a:solidFill>
+                  <a:prstClr val="white"/>
+                </a:solidFill>
+                <a:effectLst/>
+                <a:uLnTx/>
+                <a:uFillTx/>
+                <a:latin typeface="Calibri" panose="020F0502020204030204"/>
+                <a:ea typeface="+mn-ea"/>
+                <a:cs typeface="+mn-cs"/>
+              </a:rPr>
+              <a:t>DOB: 03231958</a:t>
+            </a:r>
+          </a:p>
+        </p:txBody>
+      </p:sp>
+      <p:sp>
+        <p:nvSpPr>
+          <p:cNvPr id="15" name="Flowchart: Process 14">
+            <a:extLst>
+              <a:ext uri="{FF2B5EF4-FFF2-40B4-BE49-F238E27FC236}">
+                <a16:creationId xmlns:a16="http://schemas.microsoft.com/office/drawing/2014/main" id="{AAB520D8-1327-4035-B17F-8E435832F332}"/>
+              </a:ext>
+            </a:extLst>
+          </p:cNvPr>
+          <p:cNvSpPr/>
+          <p:nvPr/>
+        </p:nvSpPr>
+        <p:spPr>
+          <a:xfrm>
+            <a:off x="9147278" y="3738880"/>
+            <a:ext cx="1896642" cy="752365"/>
+          </a:xfrm>
+          <a:prstGeom prst="flowChartProcess">
+            <a:avLst/>
+          </a:prstGeom>
+          <a:solidFill>
+            <a:schemeClr val="accent1"/>
+          </a:solidFill>
+          <a:ln>
+            <a:solidFill>
+              <a:schemeClr val="tx1"/>
+            </a:solidFill>
+          </a:ln>
+        </p:spPr>
+        <p:style>
+          <a:lnRef idx="2">
+            <a:schemeClr val="accent1">
+              <a:shade val="50000"/>
+            </a:schemeClr>
+          </a:lnRef>
+          <a:fillRef idx="1">
+            <a:schemeClr val="accent1"/>
+          </a:fillRef>
+          <a:effectRef idx="0">
+            <a:schemeClr val="accent1"/>
+          </a:effectRef>
+          <a:fontRef idx="minor">
+            <a:schemeClr val="lt1"/>
+          </a:fontRef>
+        </p:style>
+        <p:txBody>
+          <a:bodyPr rtlCol="0" anchor="ctr"/>
+          <a:lstStyle/>
+          <a:p>
+            <a:pPr marL="0" marR="0" lvl="0" indent="0" algn="ctr" defTabSz="914400" rtl="0" eaLnBrk="1" fontAlgn="auto" latinLnBrk="0" hangingPunct="1">
+              <a:lnSpc>
+                <a:spcPct val="100000"/>
+              </a:lnSpc>
+              <a:spcBef>
+                <a:spcPts val="0"/>
+              </a:spcBef>
+              <a:spcAft>
+                <a:spcPts val="0"/>
+              </a:spcAft>
+              <a:buClrTx/>
+              <a:buSzTx/>
+              <a:buFontTx/>
+              <a:buNone/>
+              <a:tabLst/>
+              <a:defRPr/>
+            </a:pPr>
+            <a:r>
+              <a:rPr kumimoji="0" lang="en-US" sz="1600" b="0" i="0" u="none" strike="noStrike" kern="1200" cap="none" spc="0" normalizeH="0" baseline="0" noProof="0" dirty="0">
+                <a:ln>
+                  <a:noFill/>
+                </a:ln>
+                <a:solidFill>
+                  <a:prstClr val="white"/>
+                </a:solidFill>
+                <a:effectLst/>
+                <a:uLnTx/>
+                <a:uFillTx/>
+                <a:latin typeface="Calibri" panose="020F0502020204030204"/>
+                <a:ea typeface="+mn-ea"/>
+                <a:cs typeface="+mn-cs"/>
+              </a:rPr>
+              <a:t>US Core Condition</a:t>
+            </a:r>
+          </a:p>
+          <a:p>
+            <a:pPr marL="0" marR="0" lvl="0" indent="0" algn="ctr" defTabSz="914400" rtl="0" eaLnBrk="1" fontAlgn="auto" latinLnBrk="0" hangingPunct="1">
+              <a:lnSpc>
+                <a:spcPct val="100000"/>
+              </a:lnSpc>
+              <a:spcBef>
+                <a:spcPts val="0"/>
+              </a:spcBef>
+              <a:spcAft>
+                <a:spcPts val="0"/>
+              </a:spcAft>
+              <a:buClrTx/>
+              <a:buSzTx/>
+              <a:buFontTx/>
+              <a:buNone/>
+              <a:tabLst/>
+              <a:defRPr/>
+            </a:pPr>
+            <a:r>
+              <a:rPr kumimoji="0" lang="en-US" sz="1400" b="0" i="0" u="none" strike="noStrike" kern="1200" cap="none" spc="0" normalizeH="0" baseline="0" noProof="0" dirty="0">
+                <a:ln>
+                  <a:noFill/>
+                </a:ln>
+                <a:solidFill>
+                  <a:prstClr val="white"/>
+                </a:solidFill>
+                <a:effectLst/>
+                <a:uLnTx/>
+                <a:uFillTx/>
+                <a:latin typeface="Calibri" panose="020F0502020204030204"/>
+                <a:ea typeface="+mn-ea"/>
+                <a:cs typeface="+mn-cs"/>
+              </a:rPr>
+              <a:t>E66.01  Morbid obesity 06012020</a:t>
+            </a:r>
+          </a:p>
+          <a:p>
+            <a:pPr marL="0" marR="0" lvl="0" indent="0" algn="ctr" defTabSz="914400" rtl="0" eaLnBrk="1" fontAlgn="auto" latinLnBrk="0" hangingPunct="1">
+              <a:lnSpc>
+                <a:spcPct val="100000"/>
+              </a:lnSpc>
+              <a:spcBef>
+                <a:spcPts val="0"/>
+              </a:spcBef>
+              <a:spcAft>
+                <a:spcPts val="0"/>
+              </a:spcAft>
+              <a:buClrTx/>
+              <a:buSzTx/>
+              <a:buFontTx/>
+              <a:buNone/>
+              <a:tabLst/>
+              <a:defRPr/>
+            </a:pPr>
+            <a:endParaRPr kumimoji="0" lang="en-US" sz="1000" b="0" i="0" u="none" strike="noStrike" kern="1200" cap="none" spc="0" normalizeH="0" baseline="0" noProof="0" dirty="0">
+              <a:ln>
+                <a:noFill/>
+              </a:ln>
+              <a:solidFill>
+                <a:prstClr val="white"/>
+              </a:solidFill>
+              <a:effectLst/>
+              <a:uLnTx/>
+              <a:uFillTx/>
+              <a:latin typeface="Calibri" panose="020F0502020204030204"/>
+              <a:ea typeface="+mn-ea"/>
+              <a:cs typeface="+mn-cs"/>
+            </a:endParaRPr>
+          </a:p>
+        </p:txBody>
+      </p:sp>
+      <p:sp>
+        <p:nvSpPr>
+          <p:cNvPr id="19" name="Flowchart: Process 18">
+            <a:extLst>
+              <a:ext uri="{FF2B5EF4-FFF2-40B4-BE49-F238E27FC236}">
+                <a16:creationId xmlns:a16="http://schemas.microsoft.com/office/drawing/2014/main" id="{F4DCC147-F1CD-4EAF-9C73-16087FFCF623}"/>
+              </a:ext>
+            </a:extLst>
+          </p:cNvPr>
+          <p:cNvSpPr/>
+          <p:nvPr/>
+        </p:nvSpPr>
+        <p:spPr>
+          <a:xfrm>
+            <a:off x="4605415" y="2164715"/>
+            <a:ext cx="1864311" cy="4023360"/>
+          </a:xfrm>
+          <a:prstGeom prst="flowChartProcess">
+            <a:avLst/>
+          </a:prstGeom>
+          <a:solidFill>
+            <a:schemeClr val="accent1"/>
+          </a:solidFill>
+          <a:ln>
+            <a:solidFill>
+              <a:schemeClr val="tx1"/>
+            </a:solidFill>
+          </a:ln>
+        </p:spPr>
+        <p:style>
+          <a:lnRef idx="2">
+            <a:schemeClr val="accent1">
+              <a:shade val="50000"/>
+            </a:schemeClr>
+          </a:lnRef>
+          <a:fillRef idx="1">
+            <a:schemeClr val="accent1"/>
+          </a:fillRef>
+          <a:effectRef idx="0">
+            <a:schemeClr val="accent1"/>
+          </a:effectRef>
+          <a:fontRef idx="minor">
+            <a:schemeClr val="lt1"/>
+          </a:fontRef>
+        </p:style>
+        <p:txBody>
+          <a:bodyPr rtlCol="0" anchor="t" anchorCtr="0"/>
+          <a:lstStyle/>
+          <a:p>
+            <a:pPr marL="0" marR="0" lvl="0" indent="0" defTabSz="914400" rtl="0" eaLnBrk="1" fontAlgn="auto" latinLnBrk="0" hangingPunct="1">
+              <a:lnSpc>
+                <a:spcPct val="100000"/>
+              </a:lnSpc>
+              <a:spcBef>
+                <a:spcPts val="0"/>
+              </a:spcBef>
+              <a:spcAft>
+                <a:spcPts val="0"/>
+              </a:spcAft>
+              <a:buClrTx/>
+              <a:buSzTx/>
+              <a:buFontTx/>
+              <a:buNone/>
+              <a:tabLst/>
+              <a:defRPr/>
+            </a:pPr>
+            <a:r>
+              <a:rPr kumimoji="0" lang="en-US" sz="1600" b="0" i="0" u="none" strike="noStrike" kern="1200" cap="none" spc="0" normalizeH="0" baseline="0" noProof="0" dirty="0">
+                <a:ln>
+                  <a:noFill/>
+                </a:ln>
+                <a:solidFill>
+                  <a:prstClr val="white"/>
+                </a:solidFill>
+                <a:effectLst/>
+                <a:uLnTx/>
+                <a:uFillTx/>
+                <a:latin typeface="Calibri" panose="020F0502020204030204"/>
+                <a:ea typeface="+mn-ea"/>
+                <a:cs typeface="+mn-cs"/>
+              </a:rPr>
+              <a:t>Risk Adjustment Coding Gap Report</a:t>
+            </a:r>
+          </a:p>
+        </p:txBody>
+      </p:sp>
+      <p:sp>
+        <p:nvSpPr>
+          <p:cNvPr id="28" name="Flowchart: Process 27">
+            <a:extLst>
+              <a:ext uri="{FF2B5EF4-FFF2-40B4-BE49-F238E27FC236}">
+                <a16:creationId xmlns:a16="http://schemas.microsoft.com/office/drawing/2014/main" id="{2555D1CD-2F4B-4CC0-B94D-2ED0919C3F39}"/>
+              </a:ext>
+            </a:extLst>
+          </p:cNvPr>
+          <p:cNvSpPr/>
+          <p:nvPr/>
+        </p:nvSpPr>
+        <p:spPr>
+          <a:xfrm>
+            <a:off x="9140579" y="2756651"/>
+            <a:ext cx="1872861" cy="776860"/>
+          </a:xfrm>
+          <a:prstGeom prst="flowChartProcess">
+            <a:avLst/>
+          </a:prstGeom>
+          <a:ln>
+            <a:solidFill>
+              <a:schemeClr val="tx1"/>
+            </a:solidFill>
+          </a:ln>
+        </p:spPr>
+        <p:style>
+          <a:lnRef idx="2">
+            <a:schemeClr val="accent1">
+              <a:shade val="50000"/>
+            </a:schemeClr>
+          </a:lnRef>
+          <a:fillRef idx="1">
+            <a:schemeClr val="accent1"/>
+          </a:fillRef>
+          <a:effectRef idx="0">
+            <a:schemeClr val="accent1"/>
+          </a:effectRef>
+          <a:fontRef idx="minor">
+            <a:schemeClr val="lt1"/>
+          </a:fontRef>
+        </p:style>
+        <p:txBody>
+          <a:bodyPr rtlCol="0" anchor="ctr"/>
+          <a:lstStyle/>
+          <a:p>
+            <a:pPr marL="0" marR="0" lvl="0" indent="0" algn="ctr" defTabSz="914400" rtl="0" eaLnBrk="1" fontAlgn="auto" latinLnBrk="0" hangingPunct="1">
+              <a:lnSpc>
+                <a:spcPct val="100000"/>
+              </a:lnSpc>
+              <a:spcBef>
+                <a:spcPts val="0"/>
+              </a:spcBef>
+              <a:spcAft>
+                <a:spcPts val="0"/>
+              </a:spcAft>
+              <a:buClrTx/>
+              <a:buSzTx/>
+              <a:buFontTx/>
+              <a:buNone/>
+              <a:tabLst/>
+              <a:defRPr/>
+            </a:pPr>
+            <a:r>
+              <a:rPr kumimoji="0" lang="en-US" sz="1600" b="0" i="0" u="none" strike="noStrike" kern="1200" cap="none" spc="0" normalizeH="0" baseline="0" noProof="0" dirty="0">
+                <a:ln>
+                  <a:noFill/>
+                </a:ln>
+                <a:solidFill>
+                  <a:prstClr val="white"/>
+                </a:solidFill>
+                <a:effectLst/>
+                <a:uLnTx/>
+                <a:uFillTx/>
+                <a:latin typeface="Calibri" panose="020F0502020204030204"/>
+                <a:ea typeface="+mn-ea"/>
+                <a:cs typeface="+mn-cs"/>
+              </a:rPr>
+              <a:t>US Core Condition</a:t>
+            </a:r>
+          </a:p>
+          <a:p>
+            <a:pPr algn="ctr"/>
+            <a:r>
+              <a:rPr kumimoji="0" lang="en-US" sz="1400" b="0" i="0" u="none" strike="noStrike" kern="1200" cap="none" spc="0" normalizeH="0" baseline="0" noProof="0" dirty="0">
+                <a:ln>
+                  <a:noFill/>
+                </a:ln>
+                <a:solidFill>
+                  <a:prstClr val="white"/>
+                </a:solidFill>
+                <a:effectLst/>
+                <a:uLnTx/>
+                <a:uFillTx/>
+                <a:latin typeface="Calibri" panose="020F0502020204030204"/>
+                <a:ea typeface="+mn-ea"/>
+                <a:cs typeface="+mn-cs"/>
+              </a:rPr>
+              <a:t>Z89.511 </a:t>
+            </a:r>
+            <a:r>
+              <a:rPr lang="en-US" sz="1100" dirty="0"/>
+              <a:t>Acquired absence of right leg below knee</a:t>
+            </a:r>
+          </a:p>
+          <a:p>
+            <a:pPr marL="0" marR="0" lvl="0" indent="0" algn="ctr" defTabSz="914400" rtl="0" eaLnBrk="1" fontAlgn="auto" latinLnBrk="0" hangingPunct="1">
+              <a:lnSpc>
+                <a:spcPct val="100000"/>
+              </a:lnSpc>
+              <a:spcBef>
+                <a:spcPts val="0"/>
+              </a:spcBef>
+              <a:spcAft>
+                <a:spcPts val="0"/>
+              </a:spcAft>
+              <a:buClrTx/>
+              <a:buSzTx/>
+              <a:buFontTx/>
+              <a:buNone/>
+              <a:tabLst/>
+              <a:defRPr/>
+            </a:pPr>
+            <a:r>
+              <a:rPr kumimoji="0" lang="en-US" sz="1400" b="0" i="0" u="none" strike="noStrike" kern="1200" cap="none" spc="0" normalizeH="0" baseline="0" noProof="0" dirty="0">
+                <a:ln>
+                  <a:noFill/>
+                </a:ln>
+                <a:solidFill>
+                  <a:prstClr val="white"/>
+                </a:solidFill>
+                <a:effectLst/>
+                <a:uLnTx/>
+                <a:uFillTx/>
+                <a:latin typeface="Calibri" panose="020F0502020204030204"/>
+                <a:ea typeface="+mn-ea"/>
+                <a:cs typeface="+mn-cs"/>
+              </a:rPr>
+              <a:t>20210401</a:t>
+            </a:r>
+          </a:p>
+        </p:txBody>
+      </p:sp>
+      <p:cxnSp>
+        <p:nvCxnSpPr>
+          <p:cNvPr id="47" name="Straight Arrow Connector 46">
+            <a:extLst>
+              <a:ext uri="{FF2B5EF4-FFF2-40B4-BE49-F238E27FC236}">
+                <a16:creationId xmlns:a16="http://schemas.microsoft.com/office/drawing/2014/main" id="{0F9137BA-4C1E-470D-9CE5-C3A73B892B8B}"/>
+              </a:ext>
+            </a:extLst>
+          </p:cNvPr>
+          <p:cNvCxnSpPr>
+            <a:cxnSpLocks/>
+            <a:stCxn id="59" idx="3"/>
+            <a:endCxn id="28" idx="1"/>
+          </p:cNvCxnSpPr>
+          <p:nvPr/>
+        </p:nvCxnSpPr>
+        <p:spPr>
+          <a:xfrm flipV="1">
+            <a:off x="6492240" y="3145081"/>
+            <a:ext cx="2648339" cy="294079"/>
+          </a:xfrm>
+          <a:prstGeom prst="straightConnector1">
+            <a:avLst/>
+          </a:prstGeom>
+          <a:ln>
+            <a:tailEnd type="triangle"/>
+          </a:ln>
+        </p:spPr>
+        <p:style>
+          <a:lnRef idx="1">
+            <a:schemeClr val="accent1"/>
+          </a:lnRef>
+          <a:fillRef idx="0">
+            <a:schemeClr val="accent1"/>
+          </a:fillRef>
+          <a:effectRef idx="0">
+            <a:schemeClr val="accent1"/>
+          </a:effectRef>
+          <a:fontRef idx="minor">
+            <a:schemeClr val="tx1"/>
+          </a:fontRef>
+        </p:style>
+      </p:cxnSp>
+      <p:cxnSp>
+        <p:nvCxnSpPr>
+          <p:cNvPr id="154" name="Straight Arrow Connector 153">
+            <a:extLst>
+              <a:ext uri="{FF2B5EF4-FFF2-40B4-BE49-F238E27FC236}">
+                <a16:creationId xmlns:a16="http://schemas.microsoft.com/office/drawing/2014/main" id="{ACE8CF9B-7ACD-48E8-BB5C-C165C6517CEC}"/>
+              </a:ext>
+            </a:extLst>
+          </p:cNvPr>
+          <p:cNvCxnSpPr>
+            <a:cxnSpLocks/>
+            <a:endCxn id="13" idx="3"/>
+          </p:cNvCxnSpPr>
+          <p:nvPr/>
+        </p:nvCxnSpPr>
+        <p:spPr>
+          <a:xfrm flipH="1">
+            <a:off x="2430769" y="2505104"/>
+            <a:ext cx="2161551" cy="0"/>
+          </a:xfrm>
+          <a:prstGeom prst="straightConnector1">
+            <a:avLst/>
+          </a:prstGeom>
+          <a:ln>
+            <a:tailEnd type="triangle"/>
+          </a:ln>
+        </p:spPr>
+        <p:style>
+          <a:lnRef idx="1">
+            <a:schemeClr val="accent1"/>
+          </a:lnRef>
+          <a:fillRef idx="0">
+            <a:schemeClr val="accent1"/>
+          </a:fillRef>
+          <a:effectRef idx="0">
+            <a:schemeClr val="accent1"/>
+          </a:effectRef>
+          <a:fontRef idx="minor">
+            <a:schemeClr val="tx1"/>
+          </a:fontRef>
+        </p:style>
+      </p:cxnSp>
+      <p:sp>
+        <p:nvSpPr>
+          <p:cNvPr id="161" name="TextBox 160">
+            <a:extLst>
+              <a:ext uri="{FF2B5EF4-FFF2-40B4-BE49-F238E27FC236}">
+                <a16:creationId xmlns:a16="http://schemas.microsoft.com/office/drawing/2014/main" id="{3EFFA89C-5A0F-43E9-8E5E-E7EFE761E46D}"/>
+              </a:ext>
+            </a:extLst>
+          </p:cNvPr>
+          <p:cNvSpPr txBox="1"/>
+          <p:nvPr/>
+        </p:nvSpPr>
+        <p:spPr>
+          <a:xfrm>
+            <a:off x="627359" y="5340004"/>
+            <a:ext cx="2075630" cy="646331"/>
+          </a:xfrm>
+          <a:prstGeom prst="rect">
+            <a:avLst/>
+          </a:prstGeom>
+          <a:noFill/>
+        </p:spPr>
+        <p:txBody>
+          <a:bodyPr wrap="square" rtlCol="0">
+            <a:spAutoFit/>
+          </a:bodyPr>
+          <a:lstStyle/>
+          <a:p>
+            <a:pPr marL="0" marR="0" lvl="0" indent="0" algn="l" defTabSz="914400" rtl="0" eaLnBrk="1" fontAlgn="auto" latinLnBrk="0" hangingPunct="1">
+              <a:lnSpc>
+                <a:spcPct val="100000"/>
+              </a:lnSpc>
+              <a:spcBef>
+                <a:spcPts val="0"/>
+              </a:spcBef>
+              <a:spcAft>
+                <a:spcPts val="0"/>
+              </a:spcAft>
+              <a:buClrTx/>
+              <a:buSzTx/>
+              <a:buFontTx/>
+              <a:buNone/>
+              <a:tabLst/>
+              <a:defRPr/>
+            </a:pPr>
+            <a:r>
+              <a:rPr kumimoji="0" lang="en-US" sz="900" b="1" i="0" u="none" strike="noStrike" kern="1200" cap="none" spc="0" normalizeH="0" baseline="0" noProof="0" dirty="0">
+                <a:ln>
+                  <a:noFill/>
+                </a:ln>
+                <a:solidFill>
+                  <a:prstClr val="black"/>
+                </a:solidFill>
+                <a:effectLst/>
+                <a:uLnTx/>
+                <a:uFillTx/>
+                <a:latin typeface="Calibri" panose="020F0502020204030204"/>
+                <a:ea typeface="+mn-ea"/>
+                <a:cs typeface="+mn-cs"/>
+              </a:rPr>
+              <a:t>*US Core Patient is also pointed to by all  RA Measure Reports, US Core Procedure,  US Core  Lab Observations, US Core Condition, etc.</a:t>
+            </a:r>
+          </a:p>
+        </p:txBody>
+      </p:sp>
+      <p:sp>
+        <p:nvSpPr>
+          <p:cNvPr id="51" name="Flowchart: Process 50">
+            <a:extLst>
+              <a:ext uri="{FF2B5EF4-FFF2-40B4-BE49-F238E27FC236}">
+                <a16:creationId xmlns:a16="http://schemas.microsoft.com/office/drawing/2014/main" id="{26D4DD73-45E1-43F9-ADDC-8A6DA302101C}"/>
+              </a:ext>
+            </a:extLst>
+          </p:cNvPr>
+          <p:cNvSpPr/>
+          <p:nvPr/>
+        </p:nvSpPr>
+        <p:spPr>
+          <a:xfrm>
+            <a:off x="4570202" y="1005840"/>
+            <a:ext cx="1934738" cy="755570"/>
+          </a:xfrm>
+          <a:prstGeom prst="flowChartProcess">
+            <a:avLst/>
+          </a:prstGeom>
+          <a:ln>
+            <a:solidFill>
+              <a:schemeClr val="tx1"/>
+            </a:solidFill>
+          </a:ln>
+        </p:spPr>
+        <p:style>
+          <a:lnRef idx="2">
+            <a:schemeClr val="accent1">
+              <a:shade val="50000"/>
+            </a:schemeClr>
+          </a:lnRef>
+          <a:fillRef idx="1">
+            <a:schemeClr val="accent1"/>
+          </a:fillRef>
+          <a:effectRef idx="0">
+            <a:schemeClr val="accent1"/>
+          </a:effectRef>
+          <a:fontRef idx="minor">
+            <a:schemeClr val="lt1"/>
+          </a:fontRef>
+        </p:style>
+        <p:txBody>
+          <a:bodyPr rtlCol="0" anchor="ctr"/>
+          <a:lstStyle/>
+          <a:p>
+            <a:pPr marL="0" marR="0" lvl="0" indent="0" algn="ctr" defTabSz="914400" rtl="0" eaLnBrk="1" fontAlgn="auto" latinLnBrk="0" hangingPunct="1">
+              <a:lnSpc>
+                <a:spcPct val="100000"/>
+              </a:lnSpc>
+              <a:spcBef>
+                <a:spcPts val="0"/>
+              </a:spcBef>
+              <a:spcAft>
+                <a:spcPts val="0"/>
+              </a:spcAft>
+              <a:buClrTx/>
+              <a:buSzTx/>
+              <a:buFontTx/>
+              <a:buNone/>
+              <a:tabLst/>
+              <a:defRPr/>
+            </a:pPr>
+            <a:r>
+              <a:rPr kumimoji="0" lang="en-US" sz="1600" b="0" i="0" u="none" strike="noStrike" kern="1200" cap="none" spc="0" normalizeH="0" baseline="0" noProof="0" dirty="0">
+                <a:ln>
+                  <a:noFill/>
+                </a:ln>
+                <a:solidFill>
+                  <a:prstClr val="white"/>
+                </a:solidFill>
+                <a:effectLst/>
+                <a:uLnTx/>
+                <a:uFillTx/>
+                <a:latin typeface="Calibri" panose="020F0502020204030204"/>
+                <a:ea typeface="+mn-ea"/>
+                <a:cs typeface="+mn-cs"/>
+              </a:rPr>
+              <a:t>Risk Adjustment Model Measure</a:t>
+            </a:r>
+          </a:p>
+          <a:p>
+            <a:pPr marL="0" marR="0" lvl="0" indent="0" algn="ctr" defTabSz="914400" rtl="0" eaLnBrk="1" fontAlgn="auto" latinLnBrk="0" hangingPunct="1">
+              <a:lnSpc>
+                <a:spcPct val="100000"/>
+              </a:lnSpc>
+              <a:spcBef>
+                <a:spcPts val="0"/>
+              </a:spcBef>
+              <a:spcAft>
+                <a:spcPts val="0"/>
+              </a:spcAft>
+              <a:buClrTx/>
+              <a:buSzTx/>
+              <a:buFontTx/>
+              <a:buNone/>
+              <a:tabLst/>
+              <a:defRPr/>
+            </a:pPr>
+            <a:r>
+              <a:rPr kumimoji="0" lang="en-US" sz="1600" b="0" i="0" u="none" strike="noStrike" kern="1200" cap="none" spc="0" normalizeH="0" baseline="0" noProof="0" dirty="0">
+                <a:ln>
+                  <a:noFill/>
+                </a:ln>
+                <a:solidFill>
+                  <a:prstClr val="white"/>
+                </a:solidFill>
+                <a:effectLst/>
+                <a:uLnTx/>
+                <a:uFillTx/>
+                <a:latin typeface="Calibri" panose="020F0502020204030204"/>
+                <a:ea typeface="+mn-ea"/>
+                <a:cs typeface="+mn-cs"/>
+              </a:rPr>
+              <a:t>CMS HCC v24</a:t>
+            </a:r>
+          </a:p>
+        </p:txBody>
+      </p:sp>
+      <p:cxnSp>
+        <p:nvCxnSpPr>
+          <p:cNvPr id="29" name="Straight Arrow Connector 28">
+            <a:extLst>
+              <a:ext uri="{FF2B5EF4-FFF2-40B4-BE49-F238E27FC236}">
+                <a16:creationId xmlns:a16="http://schemas.microsoft.com/office/drawing/2014/main" id="{1D879AAF-6430-4FAA-9C17-0821D2F4F1D5}"/>
+              </a:ext>
+            </a:extLst>
+          </p:cNvPr>
+          <p:cNvCxnSpPr>
+            <a:cxnSpLocks/>
+            <a:stCxn id="19" idx="0"/>
+            <a:endCxn id="51" idx="2"/>
+          </p:cNvCxnSpPr>
+          <p:nvPr/>
+        </p:nvCxnSpPr>
+        <p:spPr>
+          <a:xfrm flipV="1">
+            <a:off x="5537571" y="1761410"/>
+            <a:ext cx="0" cy="403305"/>
+          </a:xfrm>
+          <a:prstGeom prst="straightConnector1">
+            <a:avLst/>
+          </a:prstGeom>
+          <a:ln>
+            <a:tailEnd type="triangle"/>
+          </a:ln>
+        </p:spPr>
+        <p:style>
+          <a:lnRef idx="1">
+            <a:schemeClr val="accent1"/>
+          </a:lnRef>
+          <a:fillRef idx="0">
+            <a:schemeClr val="accent1"/>
+          </a:fillRef>
+          <a:effectRef idx="0">
+            <a:schemeClr val="accent1"/>
+          </a:effectRef>
+          <a:fontRef idx="minor">
+            <a:schemeClr val="tx1"/>
+          </a:fontRef>
+        </p:style>
+      </p:cxnSp>
+      <p:sp>
+        <p:nvSpPr>
+          <p:cNvPr id="52" name="TextBox 51">
+            <a:extLst>
+              <a:ext uri="{FF2B5EF4-FFF2-40B4-BE49-F238E27FC236}">
+                <a16:creationId xmlns:a16="http://schemas.microsoft.com/office/drawing/2014/main" id="{8C27D146-23E1-4682-8A4A-54C5926B687F}"/>
+              </a:ext>
+            </a:extLst>
+          </p:cNvPr>
+          <p:cNvSpPr txBox="1"/>
+          <p:nvPr/>
+        </p:nvSpPr>
+        <p:spPr>
+          <a:xfrm>
+            <a:off x="5230815" y="1881304"/>
+            <a:ext cx="1092114" cy="230832"/>
+          </a:xfrm>
+          <a:prstGeom prst="rect">
+            <a:avLst/>
+          </a:prstGeom>
+          <a:solidFill>
+            <a:schemeClr val="bg1"/>
+          </a:solidFill>
+        </p:spPr>
+        <p:txBody>
+          <a:bodyPr wrap="square" rtlCol="0">
+            <a:spAutoFit/>
+          </a:bodyPr>
+          <a:lstStyle/>
+          <a:p>
+            <a:pPr marL="0" marR="0" lvl="0" indent="0" algn="l" defTabSz="914400" rtl="0" eaLnBrk="1" fontAlgn="auto" latinLnBrk="0" hangingPunct="1">
+              <a:lnSpc>
+                <a:spcPct val="100000"/>
+              </a:lnSpc>
+              <a:spcBef>
+                <a:spcPts val="0"/>
+              </a:spcBef>
+              <a:spcAft>
+                <a:spcPts val="0"/>
+              </a:spcAft>
+              <a:buClrTx/>
+              <a:buSzTx/>
+              <a:buFontTx/>
+              <a:buNone/>
+              <a:tabLst/>
+              <a:defRPr/>
+            </a:pPr>
+            <a:r>
+              <a:rPr kumimoji="0" lang="en-US" sz="900" b="1" i="0" u="none" strike="noStrike" kern="1200" cap="none" spc="0" normalizeH="0" baseline="0" noProof="0" dirty="0">
+                <a:ln>
+                  <a:noFill/>
+                </a:ln>
+                <a:solidFill>
+                  <a:prstClr val="black"/>
+                </a:solidFill>
+                <a:effectLst/>
+                <a:uLnTx/>
+                <a:uFillTx/>
+                <a:latin typeface="Calibri" panose="020F0502020204030204"/>
+                <a:ea typeface="+mn-ea"/>
+                <a:cs typeface="+mn-cs"/>
+              </a:rPr>
+              <a:t>measure</a:t>
+            </a:r>
+          </a:p>
+        </p:txBody>
+      </p:sp>
+      <p:sp>
+        <p:nvSpPr>
+          <p:cNvPr id="54" name="Flowchart: Process 53">
+            <a:extLst>
+              <a:ext uri="{FF2B5EF4-FFF2-40B4-BE49-F238E27FC236}">
+                <a16:creationId xmlns:a16="http://schemas.microsoft.com/office/drawing/2014/main" id="{53785A16-DD10-419D-9D42-DB4D56208B37}"/>
+              </a:ext>
+            </a:extLst>
+          </p:cNvPr>
+          <p:cNvSpPr/>
+          <p:nvPr/>
+        </p:nvSpPr>
+        <p:spPr>
+          <a:xfrm>
+            <a:off x="545200" y="3736217"/>
+            <a:ext cx="1864310" cy="940558"/>
+          </a:xfrm>
+          <a:prstGeom prst="flowChartProcess">
+            <a:avLst/>
+          </a:prstGeom>
+          <a:ln>
+            <a:solidFill>
+              <a:schemeClr val="tx1"/>
+            </a:solidFill>
+          </a:ln>
+        </p:spPr>
+        <p:style>
+          <a:lnRef idx="2">
+            <a:schemeClr val="accent1">
+              <a:shade val="50000"/>
+            </a:schemeClr>
+          </a:lnRef>
+          <a:fillRef idx="1">
+            <a:schemeClr val="accent1"/>
+          </a:fillRef>
+          <a:effectRef idx="0">
+            <a:schemeClr val="accent1"/>
+          </a:effectRef>
+          <a:fontRef idx="minor">
+            <a:schemeClr val="lt1"/>
+          </a:fontRef>
+        </p:style>
+        <p:txBody>
+          <a:bodyPr rtlCol="0" anchor="ctr"/>
+          <a:lstStyle/>
+          <a:p>
+            <a:pPr marL="0" marR="0" lvl="0" indent="0" algn="ctr" defTabSz="914400" rtl="0" eaLnBrk="1" fontAlgn="auto" latinLnBrk="0" hangingPunct="1">
+              <a:lnSpc>
+                <a:spcPct val="100000"/>
+              </a:lnSpc>
+              <a:spcBef>
+                <a:spcPts val="0"/>
+              </a:spcBef>
+              <a:spcAft>
+                <a:spcPts val="0"/>
+              </a:spcAft>
+              <a:buClrTx/>
+              <a:buSzTx/>
+              <a:buFontTx/>
+              <a:buNone/>
+              <a:tabLst/>
+              <a:defRPr/>
+            </a:pPr>
+            <a:r>
+              <a:rPr kumimoji="0" lang="en-US" sz="1600" b="0" i="0" u="none" strike="noStrike" kern="1200" cap="none" spc="0" normalizeH="0" baseline="0" noProof="0" dirty="0">
+                <a:ln>
+                  <a:noFill/>
+                </a:ln>
+                <a:solidFill>
+                  <a:prstClr val="white"/>
+                </a:solidFill>
+                <a:effectLst/>
+                <a:uLnTx/>
+                <a:uFillTx/>
+                <a:latin typeface="Calibri" panose="020F0502020204030204"/>
+                <a:ea typeface="+mn-ea"/>
+                <a:cs typeface="+mn-cs"/>
+              </a:rPr>
+              <a:t>US Core Encounter</a:t>
+            </a:r>
+          </a:p>
+          <a:p>
+            <a:pPr marL="0" marR="0" lvl="0" indent="0" algn="ctr" defTabSz="914400" rtl="0" eaLnBrk="1" fontAlgn="auto" latinLnBrk="0" hangingPunct="1">
+              <a:lnSpc>
+                <a:spcPct val="100000"/>
+              </a:lnSpc>
+              <a:spcBef>
+                <a:spcPts val="0"/>
+              </a:spcBef>
+              <a:spcAft>
+                <a:spcPts val="0"/>
+              </a:spcAft>
+              <a:buClrTx/>
+              <a:buSzTx/>
+              <a:buFontTx/>
+              <a:buNone/>
+              <a:tabLst/>
+              <a:defRPr/>
+            </a:pPr>
+            <a:r>
+              <a:rPr kumimoji="0" lang="en-US" sz="1600" b="0" i="0" u="none" strike="noStrike" kern="1200" cap="none" spc="0" normalizeH="0" baseline="0" noProof="0" dirty="0">
+                <a:ln>
+                  <a:noFill/>
+                </a:ln>
+                <a:solidFill>
+                  <a:prstClr val="white"/>
+                </a:solidFill>
+                <a:effectLst/>
+                <a:uLnTx/>
+                <a:uFillTx/>
+                <a:latin typeface="Calibri" panose="020F0502020204030204"/>
+                <a:ea typeface="+mn-ea"/>
+                <a:cs typeface="+mn-cs"/>
+              </a:rPr>
+              <a:t>04012021</a:t>
+            </a:r>
+            <a:endParaRPr kumimoji="0" lang="en-US" sz="1000" b="0" i="0" u="none" strike="noStrike" kern="1200" cap="none" spc="0" normalizeH="0" baseline="0" noProof="0" dirty="0">
+              <a:ln>
+                <a:noFill/>
+              </a:ln>
+              <a:solidFill>
+                <a:prstClr val="white"/>
+              </a:solidFill>
+              <a:effectLst/>
+              <a:uLnTx/>
+              <a:uFillTx/>
+              <a:latin typeface="Calibri" panose="020F0502020204030204"/>
+              <a:ea typeface="+mn-ea"/>
+              <a:cs typeface="+mn-cs"/>
+            </a:endParaRPr>
+          </a:p>
+        </p:txBody>
+      </p:sp>
+      <p:sp>
+        <p:nvSpPr>
+          <p:cNvPr id="56" name="Flowchart: Process 55">
+            <a:extLst>
+              <a:ext uri="{FF2B5EF4-FFF2-40B4-BE49-F238E27FC236}">
+                <a16:creationId xmlns:a16="http://schemas.microsoft.com/office/drawing/2014/main" id="{C9F96D85-F524-4D73-94B2-0434F1DF9812}"/>
+              </a:ext>
+            </a:extLst>
+          </p:cNvPr>
+          <p:cNvSpPr/>
+          <p:nvPr/>
+        </p:nvSpPr>
+        <p:spPr>
+          <a:xfrm>
+            <a:off x="9148180" y="4573342"/>
+            <a:ext cx="1895740" cy="917206"/>
+          </a:xfrm>
+          <a:prstGeom prst="flowChartProcess">
+            <a:avLst/>
+          </a:prstGeom>
+          <a:ln>
+            <a:solidFill>
+              <a:schemeClr val="tx1"/>
+            </a:solidFill>
+          </a:ln>
+        </p:spPr>
+        <p:style>
+          <a:lnRef idx="2">
+            <a:schemeClr val="accent1">
+              <a:shade val="50000"/>
+            </a:schemeClr>
+          </a:lnRef>
+          <a:fillRef idx="1">
+            <a:schemeClr val="accent1"/>
+          </a:fillRef>
+          <a:effectRef idx="0">
+            <a:schemeClr val="accent1"/>
+          </a:effectRef>
+          <a:fontRef idx="minor">
+            <a:schemeClr val="lt1"/>
+          </a:fontRef>
+        </p:style>
+        <p:txBody>
+          <a:bodyPr rtlCol="0" anchor="ctr"/>
+          <a:lstStyle/>
+          <a:p>
+            <a:pPr marL="0" marR="0" lvl="0" indent="0" algn="ctr" defTabSz="914400" rtl="0" eaLnBrk="1" fontAlgn="auto" latinLnBrk="0" hangingPunct="1">
+              <a:lnSpc>
+                <a:spcPct val="100000"/>
+              </a:lnSpc>
+              <a:spcBef>
+                <a:spcPts val="0"/>
+              </a:spcBef>
+              <a:spcAft>
+                <a:spcPts val="0"/>
+              </a:spcAft>
+              <a:buClrTx/>
+              <a:buSzTx/>
+              <a:buFontTx/>
+              <a:buNone/>
+              <a:tabLst/>
+              <a:defRPr/>
+            </a:pPr>
+            <a:r>
+              <a:rPr kumimoji="0" lang="en-US" sz="1600" b="0" i="0" u="none" strike="noStrike" kern="1200" cap="none" spc="0" normalizeH="0" baseline="0" noProof="0" dirty="0">
+                <a:ln>
+                  <a:noFill/>
+                </a:ln>
+                <a:solidFill>
+                  <a:prstClr val="white"/>
+                </a:solidFill>
+                <a:effectLst/>
+                <a:uLnTx/>
+                <a:uFillTx/>
+                <a:latin typeface="Calibri" panose="020F0502020204030204"/>
+                <a:ea typeface="+mn-ea"/>
+                <a:cs typeface="+mn-cs"/>
+              </a:rPr>
+              <a:t>US Core Observation</a:t>
+            </a:r>
+          </a:p>
+          <a:p>
+            <a:pPr marL="0" marR="0" lvl="0" indent="0" algn="ctr" defTabSz="914400" rtl="0" eaLnBrk="1" fontAlgn="auto" latinLnBrk="0" hangingPunct="1">
+              <a:lnSpc>
+                <a:spcPct val="100000"/>
+              </a:lnSpc>
+              <a:spcBef>
+                <a:spcPts val="0"/>
+              </a:spcBef>
+              <a:spcAft>
+                <a:spcPts val="0"/>
+              </a:spcAft>
+              <a:buClrTx/>
+              <a:buSzTx/>
+              <a:buFontTx/>
+              <a:buNone/>
+              <a:tabLst/>
+              <a:defRPr/>
+            </a:pPr>
+            <a:r>
+              <a:rPr kumimoji="0" lang="en-US" sz="1400" b="0" i="0" u="none" strike="noStrike" kern="1200" cap="none" spc="0" normalizeH="0" baseline="0" noProof="0" dirty="0">
+                <a:ln>
+                  <a:noFill/>
+                </a:ln>
+                <a:solidFill>
+                  <a:prstClr val="white"/>
+                </a:solidFill>
+                <a:effectLst/>
+                <a:uLnTx/>
+                <a:uFillTx/>
+                <a:latin typeface="Calibri" panose="020F0502020204030204"/>
+                <a:ea typeface="+mn-ea"/>
+                <a:cs typeface="+mn-cs"/>
+              </a:rPr>
+              <a:t>Hemoglobin A1C of 9.4</a:t>
+            </a:r>
+          </a:p>
+          <a:p>
+            <a:pPr marL="0" marR="0" lvl="0" indent="0" algn="ctr" defTabSz="914400" rtl="0" eaLnBrk="1" fontAlgn="auto" latinLnBrk="0" hangingPunct="1">
+              <a:lnSpc>
+                <a:spcPct val="100000"/>
+              </a:lnSpc>
+              <a:spcBef>
+                <a:spcPts val="0"/>
+              </a:spcBef>
+              <a:spcAft>
+                <a:spcPts val="0"/>
+              </a:spcAft>
+              <a:buClrTx/>
+              <a:buSzTx/>
+              <a:buFontTx/>
+              <a:buNone/>
+              <a:tabLst/>
+              <a:defRPr/>
+            </a:pPr>
+            <a:r>
+              <a:rPr kumimoji="0" lang="en-US" sz="1400" b="0" i="0" u="none" strike="noStrike" kern="1200" cap="none" spc="0" normalizeH="0" baseline="0" noProof="0" dirty="0">
+                <a:ln>
+                  <a:noFill/>
+                </a:ln>
+                <a:solidFill>
+                  <a:prstClr val="white"/>
+                </a:solidFill>
+                <a:effectLst/>
+                <a:uLnTx/>
+                <a:uFillTx/>
+                <a:latin typeface="Calibri" panose="020F0502020204030204"/>
+                <a:ea typeface="+mn-ea"/>
+                <a:cs typeface="+mn-cs"/>
+              </a:rPr>
+              <a:t>20201215</a:t>
+            </a:r>
+          </a:p>
+        </p:txBody>
+      </p:sp>
+      <p:cxnSp>
+        <p:nvCxnSpPr>
+          <p:cNvPr id="40" name="Straight Arrow Connector 39">
+            <a:extLst>
+              <a:ext uri="{FF2B5EF4-FFF2-40B4-BE49-F238E27FC236}">
+                <a16:creationId xmlns:a16="http://schemas.microsoft.com/office/drawing/2014/main" id="{98C70785-72DF-4B04-B087-9C4D80B1FCF5}"/>
+              </a:ext>
+            </a:extLst>
+          </p:cNvPr>
+          <p:cNvCxnSpPr>
+            <a:cxnSpLocks/>
+            <a:stCxn id="56" idx="1"/>
+            <a:endCxn id="66" idx="3"/>
+          </p:cNvCxnSpPr>
+          <p:nvPr/>
+        </p:nvCxnSpPr>
+        <p:spPr>
+          <a:xfrm flipH="1">
+            <a:off x="6471920" y="5031945"/>
+            <a:ext cx="2676260" cy="657655"/>
+          </a:xfrm>
+          <a:prstGeom prst="straightConnector1">
+            <a:avLst/>
+          </a:prstGeom>
+          <a:ln>
+            <a:tailEnd type="triangle"/>
+          </a:ln>
+        </p:spPr>
+        <p:style>
+          <a:lnRef idx="1">
+            <a:schemeClr val="accent1"/>
+          </a:lnRef>
+          <a:fillRef idx="0">
+            <a:schemeClr val="accent1"/>
+          </a:fillRef>
+          <a:effectRef idx="0">
+            <a:schemeClr val="accent1"/>
+          </a:effectRef>
+          <a:fontRef idx="minor">
+            <a:schemeClr val="tx1"/>
+          </a:fontRef>
+        </p:style>
+      </p:cxnSp>
+      <p:cxnSp>
+        <p:nvCxnSpPr>
+          <p:cNvPr id="64" name="Straight Arrow Connector 63">
+            <a:extLst>
+              <a:ext uri="{FF2B5EF4-FFF2-40B4-BE49-F238E27FC236}">
+                <a16:creationId xmlns:a16="http://schemas.microsoft.com/office/drawing/2014/main" id="{DD3DA6C3-C316-4DD9-92F3-8C0C8B4E40FD}"/>
+              </a:ext>
+            </a:extLst>
+          </p:cNvPr>
+          <p:cNvCxnSpPr>
+            <a:cxnSpLocks/>
+            <a:stCxn id="20" idx="3"/>
+            <a:endCxn id="15" idx="1"/>
+          </p:cNvCxnSpPr>
+          <p:nvPr/>
+        </p:nvCxnSpPr>
+        <p:spPr>
+          <a:xfrm flipV="1">
+            <a:off x="6471920" y="4115063"/>
+            <a:ext cx="2675358" cy="462017"/>
+          </a:xfrm>
+          <a:prstGeom prst="straightConnector1">
+            <a:avLst/>
+          </a:prstGeom>
+          <a:ln>
+            <a:tailEnd type="triangle"/>
+          </a:ln>
+        </p:spPr>
+        <p:style>
+          <a:lnRef idx="1">
+            <a:schemeClr val="accent1"/>
+          </a:lnRef>
+          <a:fillRef idx="0">
+            <a:schemeClr val="accent1"/>
+          </a:fillRef>
+          <a:effectRef idx="0">
+            <a:schemeClr val="accent1"/>
+          </a:effectRef>
+          <a:fontRef idx="minor">
+            <a:schemeClr val="tx1"/>
+          </a:fontRef>
+        </p:style>
+      </p:cxnSp>
+      <p:sp>
+        <p:nvSpPr>
+          <p:cNvPr id="115" name="TextBox 114">
+            <a:extLst>
+              <a:ext uri="{FF2B5EF4-FFF2-40B4-BE49-F238E27FC236}">
+                <a16:creationId xmlns:a16="http://schemas.microsoft.com/office/drawing/2014/main" id="{0EBEC07C-D02C-4F92-A128-D6F909ECB4F8}"/>
+              </a:ext>
+            </a:extLst>
+          </p:cNvPr>
+          <p:cNvSpPr txBox="1"/>
+          <p:nvPr/>
+        </p:nvSpPr>
+        <p:spPr>
+          <a:xfrm>
+            <a:off x="6879248" y="4176525"/>
+            <a:ext cx="1972652" cy="230832"/>
+          </a:xfrm>
+          <a:prstGeom prst="rect">
+            <a:avLst/>
+          </a:prstGeom>
+          <a:solidFill>
+            <a:schemeClr val="bg1"/>
+          </a:solidFill>
+        </p:spPr>
+        <p:txBody>
+          <a:bodyPr wrap="square" rtlCol="0">
+            <a:spAutoFit/>
+          </a:bodyPr>
+          <a:lstStyle/>
+          <a:p>
+            <a:pPr marL="0" marR="0" lvl="0" indent="0" algn="l" defTabSz="914400" rtl="0" eaLnBrk="1" fontAlgn="auto" latinLnBrk="0" hangingPunct="1">
+              <a:lnSpc>
+                <a:spcPct val="100000"/>
+              </a:lnSpc>
+              <a:spcBef>
+                <a:spcPts val="0"/>
+              </a:spcBef>
+              <a:spcAft>
+                <a:spcPts val="0"/>
+              </a:spcAft>
+              <a:buClrTx/>
+              <a:buSzTx/>
+              <a:buFontTx/>
+              <a:buNone/>
+              <a:tabLst/>
+              <a:defRPr/>
+            </a:pPr>
+            <a:r>
+              <a:rPr kumimoji="0" lang="en-US" sz="900" b="1" i="0" u="none" strike="noStrike" kern="1200" cap="none" spc="0" normalizeH="0" baseline="0" noProof="0" dirty="0">
+                <a:ln>
+                  <a:noFill/>
+                </a:ln>
+                <a:solidFill>
+                  <a:prstClr val="black"/>
+                </a:solidFill>
+                <a:effectLst/>
+                <a:uLnTx/>
+                <a:uFillTx/>
+                <a:latin typeface="Calibri" panose="020F0502020204030204"/>
+                <a:ea typeface="+mn-ea"/>
+                <a:cs typeface="+mn-cs"/>
+              </a:rPr>
+              <a:t>group[2].extension-historicDiagnosis</a:t>
+            </a:r>
+          </a:p>
+        </p:txBody>
+      </p:sp>
+      <p:sp>
+        <p:nvSpPr>
+          <p:cNvPr id="116" name="TextBox 115">
+            <a:extLst>
+              <a:ext uri="{FF2B5EF4-FFF2-40B4-BE49-F238E27FC236}">
+                <a16:creationId xmlns:a16="http://schemas.microsoft.com/office/drawing/2014/main" id="{4660E1F6-0794-42D9-B4A6-C18B5F782A67}"/>
+              </a:ext>
+            </a:extLst>
+          </p:cNvPr>
+          <p:cNvSpPr txBox="1"/>
+          <p:nvPr/>
+        </p:nvSpPr>
+        <p:spPr>
+          <a:xfrm>
+            <a:off x="6810668" y="3119885"/>
+            <a:ext cx="1972652" cy="230832"/>
+          </a:xfrm>
+          <a:prstGeom prst="rect">
+            <a:avLst/>
+          </a:prstGeom>
+          <a:solidFill>
+            <a:schemeClr val="bg1"/>
+          </a:solidFill>
+        </p:spPr>
+        <p:txBody>
+          <a:bodyPr wrap="square" rtlCol="0">
+            <a:spAutoFit/>
+          </a:bodyPr>
+          <a:lstStyle/>
+          <a:p>
+            <a:pPr marL="0" marR="0" lvl="0" indent="0" algn="l" defTabSz="914400" rtl="0" eaLnBrk="1" fontAlgn="auto" latinLnBrk="0" hangingPunct="1">
+              <a:lnSpc>
+                <a:spcPct val="100000"/>
+              </a:lnSpc>
+              <a:spcBef>
+                <a:spcPts val="0"/>
+              </a:spcBef>
+              <a:spcAft>
+                <a:spcPts val="0"/>
+              </a:spcAft>
+              <a:buClrTx/>
+              <a:buSzTx/>
+              <a:buFontTx/>
+              <a:buNone/>
+              <a:tabLst/>
+              <a:defRPr/>
+            </a:pPr>
+            <a:r>
+              <a:rPr kumimoji="0" lang="en-US" sz="900" b="1" i="0" u="none" strike="noStrike" kern="1200" cap="none" spc="0" normalizeH="0" baseline="0" noProof="0" dirty="0">
+                <a:ln>
+                  <a:noFill/>
+                </a:ln>
+                <a:solidFill>
+                  <a:prstClr val="black"/>
+                </a:solidFill>
+                <a:effectLst/>
+                <a:uLnTx/>
+                <a:uFillTx/>
+                <a:latin typeface="Calibri" panose="020F0502020204030204"/>
+                <a:ea typeface="+mn-ea"/>
+                <a:cs typeface="+mn-cs"/>
+              </a:rPr>
+              <a:t>group[1].extension-historicDiagnosis</a:t>
+            </a:r>
+          </a:p>
+        </p:txBody>
+      </p:sp>
+      <p:sp>
+        <p:nvSpPr>
+          <p:cNvPr id="20" name="Rectangle 19">
+            <a:extLst>
+              <a:ext uri="{FF2B5EF4-FFF2-40B4-BE49-F238E27FC236}">
+                <a16:creationId xmlns:a16="http://schemas.microsoft.com/office/drawing/2014/main" id="{AB5ECAD1-D1E9-4CC8-B592-FACF50CFEFE7}"/>
+              </a:ext>
+            </a:extLst>
+          </p:cNvPr>
+          <p:cNvSpPr/>
+          <p:nvPr/>
+        </p:nvSpPr>
+        <p:spPr>
+          <a:xfrm>
+            <a:off x="4592320" y="4064000"/>
+            <a:ext cx="1879600" cy="1026160"/>
+          </a:xfrm>
+          <a:prstGeom prst="rect">
+            <a:avLst/>
+          </a:prstGeom>
+          <a:solidFill>
+            <a:schemeClr val="accent1">
+              <a:lumMod val="75000"/>
+            </a:schemeClr>
+          </a:solidFill>
+        </p:spPr>
+        <p:style>
+          <a:lnRef idx="2">
+            <a:schemeClr val="accent4">
+              <a:shade val="50000"/>
+            </a:schemeClr>
+          </a:lnRef>
+          <a:fillRef idx="1">
+            <a:schemeClr val="accent4"/>
+          </a:fillRef>
+          <a:effectRef idx="0">
+            <a:schemeClr val="accent4"/>
+          </a:effectRef>
+          <a:fontRef idx="minor">
+            <a:schemeClr val="lt1"/>
+          </a:fontRef>
+        </p:style>
+        <p:txBody>
+          <a:bodyPr rtlCol="0" anchor="t" anchorCtr="0"/>
+          <a:lstStyle/>
+          <a:p>
+            <a:pPr lvl="0" algn="ctr">
+              <a:defRPr/>
+            </a:pPr>
+            <a:r>
+              <a:rPr lang="en-US" sz="1400" b="1" dirty="0">
+                <a:solidFill>
+                  <a:prstClr val="white"/>
+                </a:solidFill>
+              </a:rPr>
+              <a:t>.Group[2]</a:t>
+            </a:r>
+          </a:p>
+          <a:p>
+            <a:pPr lvl="0" algn="ctr">
+              <a:defRPr/>
+            </a:pPr>
+            <a:r>
+              <a:rPr lang="en-US" sz="1400" b="1" dirty="0">
+                <a:solidFill>
+                  <a:prstClr val="white"/>
+                </a:solidFill>
+              </a:rPr>
+              <a:t>.code – 019 </a:t>
+            </a:r>
+          </a:p>
+          <a:p>
+            <a:pPr lvl="0" algn="ctr">
+              <a:defRPr/>
+            </a:pPr>
+            <a:r>
+              <a:rPr lang="en-US" sz="1000" b="1" dirty="0">
+                <a:solidFill>
+                  <a:prstClr val="white"/>
+                </a:solidFill>
+              </a:rPr>
+              <a:t>Morbid obesity</a:t>
+            </a:r>
+          </a:p>
+          <a:p>
+            <a:pPr lvl="0" algn="ctr">
+              <a:defRPr/>
+            </a:pPr>
+            <a:r>
+              <a:rPr lang="en-US" sz="1000" b="1" dirty="0">
+                <a:solidFill>
+                  <a:prstClr val="white"/>
+                </a:solidFill>
+              </a:rPr>
+              <a:t>Historic</a:t>
+            </a:r>
+          </a:p>
+          <a:p>
+            <a:pPr lvl="0" algn="ctr">
+              <a:defRPr/>
+            </a:pPr>
+            <a:r>
+              <a:rPr lang="en-US" sz="1000" b="1" dirty="0">
+                <a:solidFill>
+                  <a:prstClr val="white"/>
+                </a:solidFill>
+              </a:rPr>
+              <a:t>Non-confirmed</a:t>
+            </a:r>
+            <a:endParaRPr lang="en-US" b="1" dirty="0">
+              <a:solidFill>
+                <a:prstClr val="white"/>
+              </a:solidFill>
+            </a:endParaRPr>
+          </a:p>
+        </p:txBody>
+      </p:sp>
+      <p:sp>
+        <p:nvSpPr>
+          <p:cNvPr id="59" name="Rectangle 58">
+            <a:extLst>
+              <a:ext uri="{FF2B5EF4-FFF2-40B4-BE49-F238E27FC236}">
+                <a16:creationId xmlns:a16="http://schemas.microsoft.com/office/drawing/2014/main" id="{F32A2D2D-F2A6-4027-97CC-385DE4F856FF}"/>
+              </a:ext>
+            </a:extLst>
+          </p:cNvPr>
+          <p:cNvSpPr/>
+          <p:nvPr/>
+        </p:nvSpPr>
+        <p:spPr>
+          <a:xfrm>
+            <a:off x="4602480" y="2915920"/>
+            <a:ext cx="1889760" cy="1046479"/>
+          </a:xfrm>
+          <a:prstGeom prst="rect">
+            <a:avLst/>
+          </a:prstGeom>
+          <a:solidFill>
+            <a:schemeClr val="accent1">
+              <a:lumMod val="75000"/>
+            </a:schemeClr>
+          </a:solidFill>
+        </p:spPr>
+        <p:style>
+          <a:lnRef idx="2">
+            <a:schemeClr val="accent4">
+              <a:shade val="50000"/>
+            </a:schemeClr>
+          </a:lnRef>
+          <a:fillRef idx="1">
+            <a:schemeClr val="accent4"/>
+          </a:fillRef>
+          <a:effectRef idx="0">
+            <a:schemeClr val="accent4"/>
+          </a:effectRef>
+          <a:fontRef idx="minor">
+            <a:schemeClr val="lt1"/>
+          </a:fontRef>
+        </p:style>
+        <p:txBody>
+          <a:bodyPr rtlCol="0" anchor="t" anchorCtr="0"/>
+          <a:lstStyle/>
+          <a:p>
+            <a:pPr lvl="0" algn="ctr">
+              <a:defRPr/>
+            </a:pPr>
+            <a:r>
+              <a:rPr lang="en-US" sz="1400" dirty="0">
+                <a:solidFill>
+                  <a:prstClr val="white"/>
+                </a:solidFill>
+              </a:rPr>
+              <a:t>.</a:t>
+            </a:r>
+            <a:r>
+              <a:rPr lang="en-US" sz="1400" b="1" dirty="0">
+                <a:solidFill>
+                  <a:prstClr val="white"/>
+                </a:solidFill>
+              </a:rPr>
+              <a:t>Group[1]</a:t>
+            </a:r>
+          </a:p>
+          <a:p>
+            <a:pPr lvl="0" algn="ctr">
+              <a:defRPr/>
+            </a:pPr>
+            <a:r>
+              <a:rPr lang="en-US" sz="1400" b="1" dirty="0">
+                <a:solidFill>
+                  <a:prstClr val="white"/>
+                </a:solidFill>
+              </a:rPr>
+              <a:t>.code – 189</a:t>
+            </a:r>
+          </a:p>
+          <a:p>
+            <a:pPr lvl="0" algn="ctr">
+              <a:defRPr/>
+            </a:pPr>
+            <a:r>
+              <a:rPr lang="en-US" sz="1000" b="1" dirty="0">
+                <a:solidFill>
+                  <a:prstClr val="white"/>
+                </a:solidFill>
+              </a:rPr>
+              <a:t>Amputation Status, Lower Limb </a:t>
+            </a:r>
+          </a:p>
+          <a:p>
+            <a:pPr lvl="0" algn="ctr">
+              <a:defRPr/>
+            </a:pPr>
+            <a:r>
+              <a:rPr lang="en-US" sz="1000" b="1" dirty="0">
+                <a:solidFill>
+                  <a:prstClr val="white"/>
+                </a:solidFill>
+              </a:rPr>
+              <a:t>Historic</a:t>
+            </a:r>
+          </a:p>
+          <a:p>
+            <a:pPr lvl="0" algn="ctr">
+              <a:defRPr/>
+            </a:pPr>
+            <a:r>
+              <a:rPr lang="en-US" sz="1000" b="1" dirty="0">
+                <a:solidFill>
+                  <a:prstClr val="white"/>
+                </a:solidFill>
+              </a:rPr>
+              <a:t>confirmed</a:t>
+            </a:r>
+            <a:endParaRPr lang="en-US" b="1" dirty="0">
+              <a:solidFill>
+                <a:prstClr val="white"/>
+              </a:solidFill>
+            </a:endParaRPr>
+          </a:p>
+          <a:p>
+            <a:pPr lvl="0" algn="ctr">
+              <a:defRPr/>
+            </a:pPr>
+            <a:r>
+              <a:rPr lang="en-US" dirty="0">
+                <a:solidFill>
+                  <a:prstClr val="white"/>
+                </a:solidFill>
+              </a:rPr>
+              <a:t> </a:t>
+            </a:r>
+          </a:p>
+        </p:txBody>
+      </p:sp>
+      <p:sp>
+        <p:nvSpPr>
+          <p:cNvPr id="66" name="Rectangle 65">
+            <a:extLst>
+              <a:ext uri="{FF2B5EF4-FFF2-40B4-BE49-F238E27FC236}">
+                <a16:creationId xmlns:a16="http://schemas.microsoft.com/office/drawing/2014/main" id="{6DC95344-58A8-4B2F-92B9-FE86AA56FB88}"/>
+              </a:ext>
+            </a:extLst>
+          </p:cNvPr>
+          <p:cNvSpPr/>
+          <p:nvPr/>
+        </p:nvSpPr>
+        <p:spPr>
+          <a:xfrm>
+            <a:off x="4592320" y="5171440"/>
+            <a:ext cx="1879600" cy="1036320"/>
+          </a:xfrm>
+          <a:prstGeom prst="rect">
+            <a:avLst/>
+          </a:prstGeom>
+          <a:solidFill>
+            <a:schemeClr val="accent1">
+              <a:lumMod val="75000"/>
+            </a:schemeClr>
+          </a:solidFill>
+        </p:spPr>
+        <p:style>
+          <a:lnRef idx="2">
+            <a:schemeClr val="accent4">
+              <a:shade val="50000"/>
+            </a:schemeClr>
+          </a:lnRef>
+          <a:fillRef idx="1">
+            <a:schemeClr val="accent4"/>
+          </a:fillRef>
+          <a:effectRef idx="0">
+            <a:schemeClr val="accent4"/>
+          </a:effectRef>
+          <a:fontRef idx="minor">
+            <a:schemeClr val="lt1"/>
+          </a:fontRef>
+        </p:style>
+        <p:txBody>
+          <a:bodyPr rtlCol="0" anchor="t" anchorCtr="0"/>
+          <a:lstStyle/>
+          <a:p>
+            <a:pPr lvl="0" algn="ctr">
+              <a:defRPr/>
+            </a:pPr>
+            <a:r>
+              <a:rPr lang="en-US" sz="1400" b="1" dirty="0">
+                <a:solidFill>
+                  <a:prstClr val="white"/>
+                </a:solidFill>
+              </a:rPr>
+              <a:t>.Group[3]</a:t>
+            </a:r>
+          </a:p>
+          <a:p>
+            <a:pPr lvl="0" algn="ctr">
+              <a:defRPr/>
+            </a:pPr>
+            <a:r>
+              <a:rPr lang="en-US" sz="1400" b="1" dirty="0">
+                <a:solidFill>
+                  <a:prstClr val="white"/>
+                </a:solidFill>
+              </a:rPr>
+              <a:t>.code – 022 </a:t>
+            </a:r>
+          </a:p>
+          <a:p>
+            <a:pPr lvl="0" algn="ctr">
+              <a:defRPr/>
+            </a:pPr>
+            <a:r>
+              <a:rPr lang="en-US" sz="1000" b="1" dirty="0">
+                <a:solidFill>
+                  <a:prstClr val="white"/>
+                </a:solidFill>
+              </a:rPr>
+              <a:t>Diabetes with no complications</a:t>
+            </a:r>
+          </a:p>
+          <a:p>
+            <a:pPr lvl="0" algn="ctr">
+              <a:defRPr/>
+            </a:pPr>
+            <a:r>
+              <a:rPr lang="en-US" sz="1000" b="1" dirty="0">
+                <a:solidFill>
+                  <a:prstClr val="white"/>
+                </a:solidFill>
+              </a:rPr>
+              <a:t>Suspected</a:t>
+            </a:r>
+          </a:p>
+          <a:p>
+            <a:pPr lvl="0" algn="ctr">
+              <a:defRPr/>
+            </a:pPr>
+            <a:r>
+              <a:rPr lang="en-US" sz="1000" b="1" dirty="0">
+                <a:solidFill>
+                  <a:prstClr val="white"/>
+                </a:solidFill>
+              </a:rPr>
+              <a:t>Non-confirmed</a:t>
+            </a:r>
+            <a:endParaRPr lang="en-US" b="1" dirty="0">
+              <a:solidFill>
+                <a:prstClr val="white"/>
+              </a:solidFill>
+            </a:endParaRPr>
+          </a:p>
+        </p:txBody>
+      </p:sp>
+      <p:sp>
+        <p:nvSpPr>
+          <p:cNvPr id="93" name="Flowchart: Process 92">
+            <a:extLst>
+              <a:ext uri="{FF2B5EF4-FFF2-40B4-BE49-F238E27FC236}">
+                <a16:creationId xmlns:a16="http://schemas.microsoft.com/office/drawing/2014/main" id="{75596BB8-5D46-4F4F-988C-EC62F488C8FD}"/>
+              </a:ext>
+            </a:extLst>
+          </p:cNvPr>
+          <p:cNvSpPr/>
+          <p:nvPr/>
+        </p:nvSpPr>
+        <p:spPr>
+          <a:xfrm>
+            <a:off x="9138020" y="5585829"/>
+            <a:ext cx="1895740" cy="917206"/>
+          </a:xfrm>
+          <a:prstGeom prst="flowChartProcess">
+            <a:avLst/>
+          </a:prstGeom>
+          <a:ln>
+            <a:solidFill>
+              <a:schemeClr val="tx1"/>
+            </a:solidFill>
+          </a:ln>
+        </p:spPr>
+        <p:style>
+          <a:lnRef idx="2">
+            <a:schemeClr val="accent1">
+              <a:shade val="50000"/>
+            </a:schemeClr>
+          </a:lnRef>
+          <a:fillRef idx="1">
+            <a:schemeClr val="accent1"/>
+          </a:fillRef>
+          <a:effectRef idx="0">
+            <a:schemeClr val="accent1"/>
+          </a:effectRef>
+          <a:fontRef idx="minor">
+            <a:schemeClr val="lt1"/>
+          </a:fontRef>
+        </p:style>
+        <p:txBody>
+          <a:bodyPr rtlCol="0" anchor="ctr"/>
+          <a:lstStyle/>
+          <a:p>
+            <a:pPr marL="0" marR="0" lvl="0" indent="0" algn="ctr" defTabSz="914400" rtl="0" eaLnBrk="1" fontAlgn="auto" latinLnBrk="0" hangingPunct="1">
+              <a:lnSpc>
+                <a:spcPct val="100000"/>
+              </a:lnSpc>
+              <a:spcBef>
+                <a:spcPts val="0"/>
+              </a:spcBef>
+              <a:spcAft>
+                <a:spcPts val="0"/>
+              </a:spcAft>
+              <a:buClrTx/>
+              <a:buSzTx/>
+              <a:buFontTx/>
+              <a:buNone/>
+              <a:tabLst/>
+              <a:defRPr/>
+            </a:pPr>
+            <a:r>
+              <a:rPr kumimoji="0" lang="en-US" sz="1600" b="0" i="0" u="none" strike="noStrike" kern="1200" cap="none" spc="0" normalizeH="0" baseline="0" noProof="0" dirty="0">
+                <a:ln>
+                  <a:noFill/>
+                </a:ln>
+                <a:solidFill>
+                  <a:prstClr val="white"/>
+                </a:solidFill>
+                <a:effectLst/>
+                <a:uLnTx/>
+                <a:uFillTx/>
+                <a:latin typeface="Calibri" panose="020F0502020204030204"/>
+                <a:ea typeface="+mn-ea"/>
+                <a:cs typeface="+mn-cs"/>
+              </a:rPr>
+              <a:t>US Core Observation</a:t>
+            </a:r>
+          </a:p>
+          <a:p>
+            <a:pPr marL="0" marR="0" lvl="0" indent="0" algn="ctr" defTabSz="914400" rtl="0" eaLnBrk="1" fontAlgn="auto" latinLnBrk="0" hangingPunct="1">
+              <a:lnSpc>
+                <a:spcPct val="100000"/>
+              </a:lnSpc>
+              <a:spcBef>
+                <a:spcPts val="0"/>
+              </a:spcBef>
+              <a:spcAft>
+                <a:spcPts val="0"/>
+              </a:spcAft>
+              <a:buClrTx/>
+              <a:buSzTx/>
+              <a:buFontTx/>
+              <a:buNone/>
+              <a:tabLst/>
+              <a:defRPr/>
+            </a:pPr>
+            <a:r>
+              <a:rPr kumimoji="0" lang="en-US" sz="1400" b="0" i="0" u="none" strike="noStrike" kern="1200" cap="none" spc="0" normalizeH="0" baseline="0" noProof="0" dirty="0">
+                <a:ln>
+                  <a:noFill/>
+                </a:ln>
+                <a:solidFill>
+                  <a:prstClr val="white"/>
+                </a:solidFill>
+                <a:effectLst/>
+                <a:uLnTx/>
+                <a:uFillTx/>
+                <a:latin typeface="Calibri" panose="020F0502020204030204"/>
+                <a:ea typeface="+mn-ea"/>
+                <a:cs typeface="+mn-cs"/>
+              </a:rPr>
+              <a:t>Urine glucose 3+ 20201215</a:t>
+            </a:r>
+          </a:p>
+        </p:txBody>
+      </p:sp>
+      <p:cxnSp>
+        <p:nvCxnSpPr>
+          <p:cNvPr id="94" name="Straight Arrow Connector 93">
+            <a:extLst>
+              <a:ext uri="{FF2B5EF4-FFF2-40B4-BE49-F238E27FC236}">
+                <a16:creationId xmlns:a16="http://schemas.microsoft.com/office/drawing/2014/main" id="{E43B15D5-F49A-42AE-91FF-550F7FA57FBC}"/>
+              </a:ext>
+            </a:extLst>
+          </p:cNvPr>
+          <p:cNvCxnSpPr>
+            <a:cxnSpLocks/>
+            <a:stCxn id="93" idx="1"/>
+            <a:endCxn id="66" idx="3"/>
+          </p:cNvCxnSpPr>
+          <p:nvPr/>
+        </p:nvCxnSpPr>
+        <p:spPr>
+          <a:xfrm flipH="1" flipV="1">
+            <a:off x="6471920" y="5689600"/>
+            <a:ext cx="2666100" cy="354832"/>
+          </a:xfrm>
+          <a:prstGeom prst="straightConnector1">
+            <a:avLst/>
+          </a:prstGeom>
+          <a:ln>
+            <a:tailEnd type="triangle"/>
+          </a:ln>
+        </p:spPr>
+        <p:style>
+          <a:lnRef idx="1">
+            <a:schemeClr val="accent1"/>
+          </a:lnRef>
+          <a:fillRef idx="0">
+            <a:schemeClr val="accent1"/>
+          </a:fillRef>
+          <a:effectRef idx="0">
+            <a:schemeClr val="accent1"/>
+          </a:effectRef>
+          <a:fontRef idx="minor">
+            <a:schemeClr val="tx1"/>
+          </a:fontRef>
+        </p:style>
+      </p:cxnSp>
+      <p:sp>
+        <p:nvSpPr>
+          <p:cNvPr id="121" name="TextBox 120">
+            <a:extLst>
+              <a:ext uri="{FF2B5EF4-FFF2-40B4-BE49-F238E27FC236}">
+                <a16:creationId xmlns:a16="http://schemas.microsoft.com/office/drawing/2014/main" id="{8FAB9936-E302-461B-A255-E0C9D8B7B9A5}"/>
+              </a:ext>
+            </a:extLst>
+          </p:cNvPr>
+          <p:cNvSpPr txBox="1"/>
+          <p:nvPr/>
+        </p:nvSpPr>
+        <p:spPr>
+          <a:xfrm>
+            <a:off x="7168723" y="5571496"/>
+            <a:ext cx="1609518" cy="369332"/>
+          </a:xfrm>
+          <a:prstGeom prst="rect">
+            <a:avLst/>
+          </a:prstGeom>
+          <a:solidFill>
+            <a:schemeClr val="bg1"/>
+          </a:solidFill>
+        </p:spPr>
+        <p:txBody>
+          <a:bodyPr wrap="square" rtlCol="0">
+            <a:spAutoFit/>
+          </a:bodyPr>
+          <a:lstStyle/>
+          <a:p>
+            <a:pPr marL="0" marR="0" lvl="0" indent="0" algn="l" defTabSz="914400" rtl="0" eaLnBrk="1" fontAlgn="auto" latinLnBrk="0" hangingPunct="1">
+              <a:lnSpc>
+                <a:spcPct val="100000"/>
+              </a:lnSpc>
+              <a:spcBef>
+                <a:spcPts val="0"/>
+              </a:spcBef>
+              <a:spcAft>
+                <a:spcPts val="0"/>
+              </a:spcAft>
+              <a:buClrTx/>
+              <a:buSzTx/>
+              <a:buFontTx/>
+              <a:buNone/>
+              <a:tabLst/>
+              <a:defRPr/>
+            </a:pPr>
+            <a:r>
+              <a:rPr kumimoji="0" lang="en-US" sz="900" b="1" i="0" u="none" strike="noStrike" kern="1200" cap="none" spc="0" normalizeH="0" baseline="0" noProof="0" dirty="0">
+                <a:ln>
+                  <a:noFill/>
+                </a:ln>
+                <a:solidFill>
+                  <a:prstClr val="black"/>
+                </a:solidFill>
+                <a:effectLst/>
+                <a:uLnTx/>
+                <a:uFillTx/>
+                <a:latin typeface="Calibri" panose="020F0502020204030204"/>
+                <a:ea typeface="+mn-ea"/>
+                <a:cs typeface="+mn-cs"/>
+              </a:rPr>
+              <a:t>evaluateResources.extension-groupReference</a:t>
+            </a:r>
+          </a:p>
+        </p:txBody>
+      </p:sp>
+      <p:cxnSp>
+        <p:nvCxnSpPr>
+          <p:cNvPr id="101" name="Straight Arrow Connector 100">
+            <a:extLst>
+              <a:ext uri="{FF2B5EF4-FFF2-40B4-BE49-F238E27FC236}">
+                <a16:creationId xmlns:a16="http://schemas.microsoft.com/office/drawing/2014/main" id="{532DF6E0-BF18-4A7C-82A2-59ED6A28065E}"/>
+              </a:ext>
+            </a:extLst>
+          </p:cNvPr>
+          <p:cNvCxnSpPr>
+            <a:cxnSpLocks/>
+            <a:stCxn id="54" idx="3"/>
+            <a:endCxn id="59" idx="1"/>
+          </p:cNvCxnSpPr>
+          <p:nvPr/>
+        </p:nvCxnSpPr>
+        <p:spPr>
+          <a:xfrm flipV="1">
+            <a:off x="2409510" y="3439160"/>
+            <a:ext cx="2192970" cy="767336"/>
+          </a:xfrm>
+          <a:prstGeom prst="straightConnector1">
+            <a:avLst/>
+          </a:prstGeom>
+          <a:ln>
+            <a:tailEnd type="triangle"/>
+          </a:ln>
+        </p:spPr>
+        <p:style>
+          <a:lnRef idx="1">
+            <a:schemeClr val="accent1"/>
+          </a:lnRef>
+          <a:fillRef idx="0">
+            <a:schemeClr val="accent1"/>
+          </a:fillRef>
+          <a:effectRef idx="0">
+            <a:schemeClr val="accent1"/>
+          </a:effectRef>
+          <a:fontRef idx="minor">
+            <a:schemeClr val="tx1"/>
+          </a:fontRef>
+        </p:style>
+      </p:cxnSp>
+      <p:cxnSp>
+        <p:nvCxnSpPr>
+          <p:cNvPr id="126" name="Straight Arrow Connector 125">
+            <a:extLst>
+              <a:ext uri="{FF2B5EF4-FFF2-40B4-BE49-F238E27FC236}">
+                <a16:creationId xmlns:a16="http://schemas.microsoft.com/office/drawing/2014/main" id="{F37388B6-58AA-49B3-8EA4-07613683DFD9}"/>
+              </a:ext>
+            </a:extLst>
+          </p:cNvPr>
+          <p:cNvCxnSpPr>
+            <a:cxnSpLocks/>
+            <a:stCxn id="54" idx="3"/>
+            <a:endCxn id="20" idx="1"/>
+          </p:cNvCxnSpPr>
+          <p:nvPr/>
+        </p:nvCxnSpPr>
+        <p:spPr>
+          <a:xfrm>
+            <a:off x="2409510" y="4206496"/>
+            <a:ext cx="2182810" cy="370584"/>
+          </a:xfrm>
+          <a:prstGeom prst="straightConnector1">
+            <a:avLst/>
+          </a:prstGeom>
+          <a:ln>
+            <a:tailEnd type="triangle"/>
+          </a:ln>
+        </p:spPr>
+        <p:style>
+          <a:lnRef idx="1">
+            <a:schemeClr val="accent1"/>
+          </a:lnRef>
+          <a:fillRef idx="0">
+            <a:schemeClr val="accent1"/>
+          </a:fillRef>
+          <a:effectRef idx="0">
+            <a:schemeClr val="accent1"/>
+          </a:effectRef>
+          <a:fontRef idx="minor">
+            <a:schemeClr val="tx1"/>
+          </a:fontRef>
+        </p:style>
+      </p:cxnSp>
+      <p:cxnSp>
+        <p:nvCxnSpPr>
+          <p:cNvPr id="129" name="Straight Arrow Connector 128">
+            <a:extLst>
+              <a:ext uri="{FF2B5EF4-FFF2-40B4-BE49-F238E27FC236}">
+                <a16:creationId xmlns:a16="http://schemas.microsoft.com/office/drawing/2014/main" id="{CFDC41DC-8311-4210-AD3B-CC2259810370}"/>
+              </a:ext>
+            </a:extLst>
+          </p:cNvPr>
+          <p:cNvCxnSpPr>
+            <a:cxnSpLocks/>
+            <a:stCxn id="54" idx="3"/>
+            <a:endCxn id="66" idx="1"/>
+          </p:cNvCxnSpPr>
+          <p:nvPr/>
+        </p:nvCxnSpPr>
+        <p:spPr>
+          <a:xfrm>
+            <a:off x="2409510" y="4206496"/>
+            <a:ext cx="2182810" cy="1483104"/>
+          </a:xfrm>
+          <a:prstGeom prst="straightConnector1">
+            <a:avLst/>
+          </a:prstGeom>
+          <a:ln>
+            <a:tailEnd type="triangle"/>
+          </a:ln>
+        </p:spPr>
+        <p:style>
+          <a:lnRef idx="1">
+            <a:schemeClr val="accent1"/>
+          </a:lnRef>
+          <a:fillRef idx="0">
+            <a:schemeClr val="accent1"/>
+          </a:fillRef>
+          <a:effectRef idx="0">
+            <a:schemeClr val="accent1"/>
+          </a:effectRef>
+          <a:fontRef idx="minor">
+            <a:schemeClr val="tx1"/>
+          </a:fontRef>
+        </p:style>
+      </p:cxnSp>
+      <p:sp>
+        <p:nvSpPr>
+          <p:cNvPr id="132" name="TextBox 131">
+            <a:extLst>
+              <a:ext uri="{FF2B5EF4-FFF2-40B4-BE49-F238E27FC236}">
+                <a16:creationId xmlns:a16="http://schemas.microsoft.com/office/drawing/2014/main" id="{8E79B077-5332-4A0F-8709-3C70FEE650F5}"/>
+              </a:ext>
+            </a:extLst>
+          </p:cNvPr>
+          <p:cNvSpPr txBox="1"/>
+          <p:nvPr/>
+        </p:nvSpPr>
+        <p:spPr>
+          <a:xfrm>
+            <a:off x="2820243" y="3966216"/>
+            <a:ext cx="1233597" cy="507831"/>
+          </a:xfrm>
+          <a:prstGeom prst="rect">
+            <a:avLst/>
+          </a:prstGeom>
+          <a:solidFill>
+            <a:schemeClr val="bg1"/>
+          </a:solidFill>
+        </p:spPr>
+        <p:txBody>
+          <a:bodyPr wrap="square" rtlCol="0">
+            <a:spAutoFit/>
+          </a:bodyPr>
+          <a:lstStyle/>
+          <a:p>
+            <a:pPr marL="0" marR="0" lvl="0" indent="0" algn="l" defTabSz="914400" rtl="0" eaLnBrk="1" fontAlgn="auto" latinLnBrk="0" hangingPunct="1">
+              <a:lnSpc>
+                <a:spcPct val="100000"/>
+              </a:lnSpc>
+              <a:spcBef>
+                <a:spcPts val="0"/>
+              </a:spcBef>
+              <a:spcAft>
+                <a:spcPts val="0"/>
+              </a:spcAft>
+              <a:buClrTx/>
+              <a:buSzTx/>
+              <a:buFontTx/>
+              <a:buNone/>
+              <a:tabLst/>
+              <a:defRPr/>
+            </a:pPr>
+            <a:r>
+              <a:rPr kumimoji="0" lang="en-US" sz="900" b="1" i="0" u="none" strike="noStrike" kern="1200" cap="none" spc="0" normalizeH="0" baseline="0" noProof="0" dirty="0">
+                <a:ln>
+                  <a:noFill/>
+                </a:ln>
+                <a:solidFill>
+                  <a:prstClr val="black"/>
+                </a:solidFill>
+                <a:effectLst/>
+                <a:uLnTx/>
+                <a:uFillTx/>
+                <a:latin typeface="Calibri" panose="020F0502020204030204"/>
+                <a:ea typeface="+mn-ea"/>
+                <a:cs typeface="+mn-cs"/>
+              </a:rPr>
+              <a:t>evaluateResources.</a:t>
+            </a:r>
+          </a:p>
+          <a:p>
+            <a:pPr marL="0" marR="0" lvl="0" indent="0" algn="l" defTabSz="914400" rtl="0" eaLnBrk="1" fontAlgn="auto" latinLnBrk="0" hangingPunct="1">
+              <a:lnSpc>
+                <a:spcPct val="100000"/>
+              </a:lnSpc>
+              <a:spcBef>
+                <a:spcPts val="0"/>
+              </a:spcBef>
+              <a:spcAft>
+                <a:spcPts val="0"/>
+              </a:spcAft>
+              <a:buClrTx/>
+              <a:buSzTx/>
+              <a:buFontTx/>
+              <a:buNone/>
+              <a:tabLst/>
+              <a:defRPr/>
+            </a:pPr>
+            <a:r>
+              <a:rPr kumimoji="0" lang="en-US" sz="900" b="1" i="0" u="none" strike="noStrike" kern="1200" cap="none" spc="0" normalizeH="0" baseline="0" noProof="0" dirty="0">
+                <a:ln>
+                  <a:noFill/>
+                </a:ln>
+                <a:solidFill>
+                  <a:prstClr val="black"/>
+                </a:solidFill>
+                <a:effectLst/>
+                <a:uLnTx/>
+                <a:uFillTx/>
+                <a:latin typeface="Calibri" panose="020F0502020204030204"/>
+                <a:ea typeface="+mn-ea"/>
+                <a:cs typeface="+mn-cs"/>
+              </a:rPr>
+              <a:t>extension-</a:t>
+            </a:r>
+          </a:p>
+          <a:p>
+            <a:pPr marL="0" marR="0" lvl="0" indent="0" algn="l" defTabSz="914400" rtl="0" eaLnBrk="1" fontAlgn="auto" latinLnBrk="0" hangingPunct="1">
+              <a:lnSpc>
+                <a:spcPct val="100000"/>
+              </a:lnSpc>
+              <a:spcBef>
+                <a:spcPts val="0"/>
+              </a:spcBef>
+              <a:spcAft>
+                <a:spcPts val="0"/>
+              </a:spcAft>
+              <a:buClrTx/>
+              <a:buSzTx/>
+              <a:buFontTx/>
+              <a:buNone/>
+              <a:tabLst/>
+              <a:defRPr/>
+            </a:pPr>
+            <a:r>
+              <a:rPr kumimoji="0" lang="en-US" sz="900" b="1" i="0" u="none" strike="noStrike" kern="1200" cap="none" spc="0" normalizeH="0" baseline="0" noProof="0" dirty="0">
+                <a:ln>
+                  <a:noFill/>
+                </a:ln>
+                <a:solidFill>
+                  <a:prstClr val="black"/>
+                </a:solidFill>
+                <a:effectLst/>
+                <a:uLnTx/>
+                <a:uFillTx/>
+                <a:latin typeface="Calibri" panose="020F0502020204030204"/>
+                <a:ea typeface="+mn-ea"/>
+                <a:cs typeface="+mn-cs"/>
+              </a:rPr>
+              <a:t>groupReference</a:t>
+            </a:r>
+          </a:p>
+        </p:txBody>
+      </p:sp>
+      <p:sp>
+        <p:nvSpPr>
+          <p:cNvPr id="55" name="TextBox 54">
+            <a:extLst>
+              <a:ext uri="{FF2B5EF4-FFF2-40B4-BE49-F238E27FC236}">
+                <a16:creationId xmlns:a16="http://schemas.microsoft.com/office/drawing/2014/main" id="{E3F7F9A1-8F24-4136-BF9D-69A2F98F5CB6}"/>
+              </a:ext>
+            </a:extLst>
+          </p:cNvPr>
+          <p:cNvSpPr txBox="1"/>
+          <p:nvPr/>
+        </p:nvSpPr>
+        <p:spPr>
+          <a:xfrm>
+            <a:off x="7168723" y="5022856"/>
+            <a:ext cx="1599358" cy="369332"/>
+          </a:xfrm>
+          <a:prstGeom prst="rect">
+            <a:avLst/>
+          </a:prstGeom>
+          <a:solidFill>
+            <a:schemeClr val="bg1"/>
+          </a:solidFill>
+        </p:spPr>
+        <p:txBody>
+          <a:bodyPr wrap="square" rtlCol="0">
+            <a:spAutoFit/>
+          </a:bodyPr>
+          <a:lstStyle/>
+          <a:p>
+            <a:pPr marL="0" marR="0" lvl="0" indent="0" algn="l" defTabSz="914400" rtl="0" eaLnBrk="1" fontAlgn="auto" latinLnBrk="0" hangingPunct="1">
+              <a:lnSpc>
+                <a:spcPct val="100000"/>
+              </a:lnSpc>
+              <a:spcBef>
+                <a:spcPts val="0"/>
+              </a:spcBef>
+              <a:spcAft>
+                <a:spcPts val="0"/>
+              </a:spcAft>
+              <a:buClrTx/>
+              <a:buSzTx/>
+              <a:buFontTx/>
+              <a:buNone/>
+              <a:tabLst/>
+              <a:defRPr/>
+            </a:pPr>
+            <a:r>
+              <a:rPr kumimoji="0" lang="en-US" sz="900" b="1" i="0" u="none" strike="noStrike" kern="1200" cap="none" spc="0" normalizeH="0" baseline="0" noProof="0" dirty="0">
+                <a:ln>
+                  <a:noFill/>
+                </a:ln>
+                <a:solidFill>
+                  <a:prstClr val="black"/>
+                </a:solidFill>
+                <a:effectLst/>
+                <a:uLnTx/>
+                <a:uFillTx/>
+                <a:latin typeface="Calibri" panose="020F0502020204030204"/>
+                <a:ea typeface="+mn-ea"/>
+                <a:cs typeface="+mn-cs"/>
+              </a:rPr>
+              <a:t>evaluateResources.extension-groupReference</a:t>
+            </a:r>
+          </a:p>
+        </p:txBody>
+      </p:sp>
+      <p:sp>
+        <p:nvSpPr>
+          <p:cNvPr id="143" name="Flowchart: Process 142">
+            <a:extLst>
+              <a:ext uri="{FF2B5EF4-FFF2-40B4-BE49-F238E27FC236}">
+                <a16:creationId xmlns:a16="http://schemas.microsoft.com/office/drawing/2014/main" id="{29000138-1CAD-4B68-A6E3-89DA357089FE}"/>
+              </a:ext>
+            </a:extLst>
+          </p:cNvPr>
+          <p:cNvSpPr/>
+          <p:nvPr/>
+        </p:nvSpPr>
+        <p:spPr>
+          <a:xfrm>
+            <a:off x="9171059" y="1110731"/>
+            <a:ext cx="1872861" cy="776860"/>
+          </a:xfrm>
+          <a:prstGeom prst="flowChartProcess">
+            <a:avLst/>
+          </a:prstGeom>
+          <a:solidFill>
+            <a:schemeClr val="bg1">
+              <a:lumMod val="65000"/>
+            </a:schemeClr>
+          </a:solidFill>
+          <a:ln>
+            <a:solidFill>
+              <a:schemeClr val="tx1"/>
+            </a:solidFill>
+          </a:ln>
+        </p:spPr>
+        <p:style>
+          <a:lnRef idx="2">
+            <a:schemeClr val="accent1">
+              <a:shade val="50000"/>
+            </a:schemeClr>
+          </a:lnRef>
+          <a:fillRef idx="1">
+            <a:schemeClr val="accent1"/>
+          </a:fillRef>
+          <a:effectRef idx="0">
+            <a:schemeClr val="accent1"/>
+          </a:effectRef>
+          <a:fontRef idx="minor">
+            <a:schemeClr val="lt1"/>
+          </a:fontRef>
+        </p:style>
+        <p:txBody>
+          <a:bodyPr rtlCol="0" anchor="ctr"/>
+          <a:lstStyle/>
+          <a:p>
+            <a:pPr marL="0" marR="0" lvl="0" indent="0" algn="ctr" defTabSz="914400" rtl="0" eaLnBrk="1" fontAlgn="auto" latinLnBrk="0" hangingPunct="1">
+              <a:lnSpc>
+                <a:spcPct val="100000"/>
+              </a:lnSpc>
+              <a:spcBef>
+                <a:spcPts val="0"/>
+              </a:spcBef>
+              <a:spcAft>
+                <a:spcPts val="0"/>
+              </a:spcAft>
+              <a:buClrTx/>
+              <a:buSzTx/>
+              <a:buFontTx/>
+              <a:buNone/>
+              <a:tabLst/>
+              <a:defRPr/>
+            </a:pPr>
+            <a:r>
+              <a:rPr kumimoji="0" lang="en-US" sz="1600" b="0" i="0" u="none" strike="noStrike" kern="1200" cap="none" spc="0" normalizeH="0" baseline="0" noProof="0" dirty="0">
+                <a:ln>
+                  <a:noFill/>
+                </a:ln>
+                <a:solidFill>
+                  <a:prstClr val="white"/>
+                </a:solidFill>
+                <a:effectLst/>
+                <a:uLnTx/>
+                <a:uFillTx/>
+                <a:latin typeface="Calibri" panose="020F0502020204030204"/>
+                <a:ea typeface="+mn-ea"/>
+                <a:cs typeface="+mn-cs"/>
+              </a:rPr>
+              <a:t>US Core Organization</a:t>
+            </a:r>
+          </a:p>
+          <a:p>
+            <a:pPr marL="0" marR="0" lvl="0" indent="0" algn="ctr" defTabSz="914400" rtl="0" eaLnBrk="1" fontAlgn="auto" latinLnBrk="0" hangingPunct="1">
+              <a:lnSpc>
+                <a:spcPct val="100000"/>
+              </a:lnSpc>
+              <a:spcBef>
+                <a:spcPts val="0"/>
+              </a:spcBef>
+              <a:spcAft>
+                <a:spcPts val="0"/>
+              </a:spcAft>
+              <a:buClrTx/>
+              <a:buSzTx/>
+              <a:buFontTx/>
+              <a:buNone/>
+              <a:tabLst/>
+              <a:defRPr/>
+            </a:pPr>
+            <a:r>
+              <a:rPr kumimoji="0" lang="en-US" sz="1600" b="0" i="0" u="none" strike="noStrike" kern="1200" cap="none" spc="0" normalizeH="0" baseline="0" noProof="0" dirty="0">
+                <a:ln>
+                  <a:noFill/>
+                </a:ln>
+                <a:solidFill>
+                  <a:prstClr val="white"/>
+                </a:solidFill>
+                <a:effectLst/>
+                <a:uLnTx/>
+                <a:uFillTx/>
+                <a:latin typeface="Calibri" panose="020F0502020204030204"/>
+                <a:ea typeface="+mn-ea"/>
+                <a:cs typeface="+mn-cs"/>
+              </a:rPr>
+              <a:t>ABC Payer</a:t>
+            </a:r>
+          </a:p>
+        </p:txBody>
+      </p:sp>
+      <p:cxnSp>
+        <p:nvCxnSpPr>
+          <p:cNvPr id="144" name="Straight Arrow Connector 143">
+            <a:extLst>
+              <a:ext uri="{FF2B5EF4-FFF2-40B4-BE49-F238E27FC236}">
+                <a16:creationId xmlns:a16="http://schemas.microsoft.com/office/drawing/2014/main" id="{4F3117ED-38ED-44E6-ADB0-45CC71252C9C}"/>
+              </a:ext>
+            </a:extLst>
+          </p:cNvPr>
+          <p:cNvCxnSpPr>
+            <a:cxnSpLocks/>
+            <a:endCxn id="143" idx="1"/>
+          </p:cNvCxnSpPr>
+          <p:nvPr/>
+        </p:nvCxnSpPr>
+        <p:spPr>
+          <a:xfrm flipV="1">
+            <a:off x="6482080" y="1499161"/>
+            <a:ext cx="2688979" cy="929079"/>
+          </a:xfrm>
+          <a:prstGeom prst="straightConnector1">
+            <a:avLst/>
+          </a:prstGeom>
+          <a:ln>
+            <a:tailEnd type="triangle"/>
+          </a:ln>
+        </p:spPr>
+        <p:style>
+          <a:lnRef idx="1">
+            <a:schemeClr val="accent1"/>
+          </a:lnRef>
+          <a:fillRef idx="0">
+            <a:schemeClr val="accent1"/>
+          </a:fillRef>
+          <a:effectRef idx="0">
+            <a:schemeClr val="accent1"/>
+          </a:effectRef>
+          <a:fontRef idx="minor">
+            <a:schemeClr val="tx1"/>
+          </a:fontRef>
+        </p:style>
+      </p:cxnSp>
+      <p:sp>
+        <p:nvSpPr>
+          <p:cNvPr id="148" name="TextBox 147">
+            <a:extLst>
+              <a:ext uri="{FF2B5EF4-FFF2-40B4-BE49-F238E27FC236}">
+                <a16:creationId xmlns:a16="http://schemas.microsoft.com/office/drawing/2014/main" id="{80BF47F0-FCE4-470D-AA0E-6BCE75A132CF}"/>
+              </a:ext>
+            </a:extLst>
+          </p:cNvPr>
+          <p:cNvSpPr txBox="1"/>
+          <p:nvPr/>
+        </p:nvSpPr>
+        <p:spPr>
+          <a:xfrm>
+            <a:off x="3131143" y="2370635"/>
+            <a:ext cx="573375" cy="230832"/>
+          </a:xfrm>
+          <a:prstGeom prst="rect">
+            <a:avLst/>
+          </a:prstGeom>
+          <a:solidFill>
+            <a:schemeClr val="bg1"/>
+          </a:solidFill>
+        </p:spPr>
+        <p:txBody>
+          <a:bodyPr wrap="square" rtlCol="0">
+            <a:spAutoFit/>
+          </a:bodyPr>
+          <a:lstStyle/>
+          <a:p>
+            <a:pPr marL="0" marR="0" lvl="0" indent="0" algn="l" defTabSz="914400" rtl="0" eaLnBrk="1" fontAlgn="auto" latinLnBrk="0" hangingPunct="1">
+              <a:lnSpc>
+                <a:spcPct val="100000"/>
+              </a:lnSpc>
+              <a:spcBef>
+                <a:spcPts val="0"/>
+              </a:spcBef>
+              <a:spcAft>
+                <a:spcPts val="0"/>
+              </a:spcAft>
+              <a:buClrTx/>
+              <a:buSzTx/>
+              <a:buFontTx/>
+              <a:buNone/>
+              <a:tabLst/>
+              <a:defRPr/>
+            </a:pPr>
+            <a:r>
+              <a:rPr kumimoji="0" lang="en-US" sz="900" b="1" i="0" u="none" strike="noStrike" kern="1200" cap="none" spc="0" normalizeH="0" baseline="0" noProof="0" dirty="0">
+                <a:ln>
+                  <a:noFill/>
+                </a:ln>
+                <a:solidFill>
+                  <a:prstClr val="black"/>
+                </a:solidFill>
+                <a:effectLst/>
+                <a:uLnTx/>
+                <a:uFillTx/>
+                <a:latin typeface="Calibri" panose="020F0502020204030204"/>
+                <a:ea typeface="+mn-ea"/>
+                <a:cs typeface="+mn-cs"/>
+              </a:rPr>
+              <a:t>subject</a:t>
+            </a:r>
+          </a:p>
+        </p:txBody>
+      </p:sp>
+      <p:sp>
+        <p:nvSpPr>
+          <p:cNvPr id="152" name="TextBox 151">
+            <a:extLst>
+              <a:ext uri="{FF2B5EF4-FFF2-40B4-BE49-F238E27FC236}">
+                <a16:creationId xmlns:a16="http://schemas.microsoft.com/office/drawing/2014/main" id="{D3300274-2349-48D8-AC96-7401EAAF9C70}"/>
+              </a:ext>
+            </a:extLst>
+          </p:cNvPr>
+          <p:cNvSpPr txBox="1"/>
+          <p:nvPr/>
+        </p:nvSpPr>
+        <p:spPr>
+          <a:xfrm>
+            <a:off x="7306903" y="1893115"/>
+            <a:ext cx="678857" cy="230832"/>
+          </a:xfrm>
+          <a:prstGeom prst="rect">
+            <a:avLst/>
+          </a:prstGeom>
+          <a:solidFill>
+            <a:schemeClr val="bg1"/>
+          </a:solidFill>
+        </p:spPr>
+        <p:txBody>
+          <a:bodyPr wrap="square" rtlCol="0">
+            <a:spAutoFit/>
+          </a:bodyPr>
+          <a:lstStyle/>
+          <a:p>
+            <a:pPr marL="0" marR="0" lvl="0" indent="0" algn="l" defTabSz="914400" rtl="0" eaLnBrk="1" fontAlgn="auto" latinLnBrk="0" hangingPunct="1">
+              <a:lnSpc>
+                <a:spcPct val="100000"/>
+              </a:lnSpc>
+              <a:spcBef>
+                <a:spcPts val="0"/>
+              </a:spcBef>
+              <a:spcAft>
+                <a:spcPts val="0"/>
+              </a:spcAft>
+              <a:buClrTx/>
+              <a:buSzTx/>
+              <a:buFontTx/>
+              <a:buNone/>
+              <a:tabLst/>
+              <a:defRPr/>
+            </a:pPr>
+            <a:r>
+              <a:rPr kumimoji="0" lang="en-US" sz="900" b="1" i="0" u="none" strike="noStrike" kern="1200" cap="none" spc="0" normalizeH="0" baseline="0" noProof="0" dirty="0">
+                <a:ln>
+                  <a:noFill/>
+                </a:ln>
+                <a:solidFill>
+                  <a:prstClr val="black"/>
+                </a:solidFill>
+                <a:effectLst/>
+                <a:uLnTx/>
+                <a:uFillTx/>
+                <a:latin typeface="Calibri" panose="020F0502020204030204"/>
+                <a:ea typeface="+mn-ea"/>
+                <a:cs typeface="+mn-cs"/>
+              </a:rPr>
+              <a:t>reporter</a:t>
+            </a:r>
+          </a:p>
+        </p:txBody>
+      </p:sp>
+    </p:spTree>
+    <p:extLst>
+      <p:ext uri="{BB962C8B-B14F-4D97-AF65-F5344CB8AC3E}">
+        <p14:creationId xmlns:p14="http://schemas.microsoft.com/office/powerpoint/2010/main" val="3917934670"/>
+      </p:ext>
+    </p:extLst>
+  </p:cSld>
+  <p:clrMapOvr>
+    <a:masterClrMapping/>
+  </p:clrMapOvr>
+</p:sld>
+</file>
+
+<file path=ppt/slides/slide7.xml><?xml version="1.0" encoding="utf-8"?>
+<p:sld xmlns:a="http://schemas.openxmlformats.org/drawingml/2006/main" xmlns:r="http://schemas.openxmlformats.org/officeDocument/2006/relationships" xmlns:p="http://schemas.openxmlformats.org/presentationml/2006/main">
+  <p:cSld>
+    <p:spTree>
+      <p:nvGrpSpPr>
+        <p:cNvPr id="1" name=""/>
+        <p:cNvGrpSpPr/>
+        <p:nvPr/>
+      </p:nvGrpSpPr>
+      <p:grpSpPr>
+        <a:xfrm>
+          <a:off x="0" y="0"/>
+          <a:ext cx="0" cy="0"/>
+          <a:chOff x="0" y="0"/>
+          <a:chExt cx="0" cy="0"/>
+        </a:xfrm>
+      </p:grpSpPr>
+      <p:sp>
+        <p:nvSpPr>
+          <p:cNvPr id="2" name="Title 1">
+            <a:extLst>
+              <a:ext uri="{FF2B5EF4-FFF2-40B4-BE49-F238E27FC236}">
+                <a16:creationId xmlns:a16="http://schemas.microsoft.com/office/drawing/2014/main" id="{53418D1A-52BF-46AF-A383-E397DB5CB828}"/>
+              </a:ext>
+            </a:extLst>
+          </p:cNvPr>
+          <p:cNvSpPr>
+            <a:spLocks noGrp="1"/>
+          </p:cNvSpPr>
+          <p:nvPr>
+            <p:ph type="title"/>
+          </p:nvPr>
+        </p:nvSpPr>
+        <p:spPr/>
+        <p:txBody>
+          <a:bodyPr/>
+          <a:lstStyle/>
+          <a:p>
+            <a:r>
+              <a:rPr lang="en-US" dirty="0"/>
+              <a:t>Multiple Measure Reports</a:t>
+            </a:r>
+          </a:p>
+        </p:txBody>
+      </p:sp>
+      <p:sp>
+        <p:nvSpPr>
+          <p:cNvPr id="3" name="Content Placeholder 2">
+            <a:extLst>
+              <a:ext uri="{FF2B5EF4-FFF2-40B4-BE49-F238E27FC236}">
+                <a16:creationId xmlns:a16="http://schemas.microsoft.com/office/drawing/2014/main" id="{9D8DD8C6-DD1F-4ADE-A56D-92DA7F694DD6}"/>
+              </a:ext>
+            </a:extLst>
+          </p:cNvPr>
+          <p:cNvSpPr>
+            <a:spLocks noGrp="1"/>
+          </p:cNvSpPr>
+          <p:nvPr>
+            <p:ph idx="1"/>
+          </p:nvPr>
+        </p:nvSpPr>
+        <p:spPr/>
+        <p:txBody>
+          <a:bodyPr/>
+          <a:lstStyle/>
+          <a:p>
+            <a:endParaRPr lang="en-US"/>
+          </a:p>
+        </p:txBody>
+      </p:sp>
+    </p:spTree>
+    <p:extLst>
+      <p:ext uri="{BB962C8B-B14F-4D97-AF65-F5344CB8AC3E}">
+        <p14:creationId xmlns:p14="http://schemas.microsoft.com/office/powerpoint/2010/main" val="2271221613"/>
+      </p:ext>
+    </p:extLst>
+  </p:cSld>
+  <p:clrMapOvr>
+    <a:masterClrMapping/>
+  </p:clrMapOvr>
+</p:sld>
+</file>
+
+<file path=ppt/slides/slide8.xml><?xml version="1.0" encoding="utf-8"?>
+<p:sld xmlns:a="http://schemas.openxmlformats.org/drawingml/2006/main" xmlns:r="http://schemas.openxmlformats.org/officeDocument/2006/relationships" xmlns:p="http://schemas.openxmlformats.org/presentationml/2006/main">
+  <p:cSld>
+    <p:spTree>
+      <p:nvGrpSpPr>
+        <p:cNvPr id="1" name=""/>
+        <p:cNvGrpSpPr/>
+        <p:nvPr/>
+      </p:nvGrpSpPr>
+      <p:grpSpPr>
+        <a:xfrm>
+          <a:off x="0" y="0"/>
+          <a:ext cx="0" cy="0"/>
+          <a:chOff x="0" y="0"/>
+          <a:chExt cx="0" cy="0"/>
+        </a:xfrm>
+      </p:grpSpPr>
+      <p:cxnSp>
+        <p:nvCxnSpPr>
+          <p:cNvPr id="35" name="Straight Arrow Connector 34">
+            <a:extLst>
+              <a:ext uri="{FF2B5EF4-FFF2-40B4-BE49-F238E27FC236}">
+                <a16:creationId xmlns:a16="http://schemas.microsoft.com/office/drawing/2014/main" id="{AAA7B3DF-9DB0-4B96-BD97-21C858567EE1}"/>
+              </a:ext>
+            </a:extLst>
+          </p:cNvPr>
+          <p:cNvCxnSpPr>
+            <a:cxnSpLocks/>
+            <a:stCxn id="4" idx="3"/>
+            <a:endCxn id="19" idx="1"/>
+          </p:cNvCxnSpPr>
+          <p:nvPr/>
+        </p:nvCxnSpPr>
+        <p:spPr>
+          <a:xfrm flipV="1">
+            <a:off x="5116354" y="1905132"/>
+            <a:ext cx="1179425" cy="2004250"/>
+          </a:xfrm>
+          <a:prstGeom prst="straightConnector1">
+            <a:avLst/>
+          </a:prstGeom>
+          <a:ln>
+            <a:tailEnd type="triangle"/>
+          </a:ln>
+        </p:spPr>
+        <p:style>
+          <a:lnRef idx="1">
+            <a:schemeClr val="accent1"/>
+          </a:lnRef>
+          <a:fillRef idx="0">
+            <a:schemeClr val="accent1"/>
+          </a:fillRef>
+          <a:effectRef idx="0">
+            <a:schemeClr val="accent1"/>
+          </a:effectRef>
+          <a:fontRef idx="minor">
+            <a:schemeClr val="tx1"/>
+          </a:fontRef>
+        </p:style>
+      </p:cxnSp>
+      <p:sp>
+        <p:nvSpPr>
+          <p:cNvPr id="173" name="TextBox 172">
+            <a:extLst>
+              <a:ext uri="{FF2B5EF4-FFF2-40B4-BE49-F238E27FC236}">
+                <a16:creationId xmlns:a16="http://schemas.microsoft.com/office/drawing/2014/main" id="{B9C1C471-DB5F-48E8-887C-88A5C9B7C936}"/>
+              </a:ext>
+            </a:extLst>
+          </p:cNvPr>
+          <p:cNvSpPr txBox="1"/>
+          <p:nvPr/>
+        </p:nvSpPr>
+        <p:spPr>
+          <a:xfrm>
+            <a:off x="8341694" y="5126472"/>
+            <a:ext cx="1200459" cy="230832"/>
+          </a:xfrm>
+          <a:prstGeom prst="rect">
+            <a:avLst/>
+          </a:prstGeom>
+          <a:solidFill>
+            <a:schemeClr val="bg1"/>
+          </a:solidFill>
+        </p:spPr>
+        <p:txBody>
+          <a:bodyPr wrap="square" rtlCol="0">
+            <a:spAutoFit/>
+          </a:bodyPr>
+          <a:lstStyle/>
+          <a:p>
+            <a:pPr marL="0" marR="0" lvl="0" indent="0" algn="l" defTabSz="914400" rtl="0" eaLnBrk="1" fontAlgn="auto" latinLnBrk="0" hangingPunct="1">
+              <a:lnSpc>
+                <a:spcPct val="100000"/>
+              </a:lnSpc>
+              <a:spcBef>
+                <a:spcPts val="0"/>
+              </a:spcBef>
+              <a:spcAft>
+                <a:spcPts val="0"/>
+              </a:spcAft>
+              <a:buClrTx/>
+              <a:buSzTx/>
+              <a:buFontTx/>
+              <a:buNone/>
+              <a:tabLst/>
+              <a:defRPr/>
+            </a:pPr>
+            <a:r>
+              <a:rPr kumimoji="0" lang="en-US" sz="900" b="1" i="0" u="none" strike="noStrike" kern="1200" cap="none" spc="0" normalizeH="0" baseline="0" noProof="0" dirty="0">
+                <a:ln>
+                  <a:noFill/>
+                </a:ln>
+                <a:solidFill>
+                  <a:prstClr val="black"/>
+                </a:solidFill>
+                <a:effectLst/>
+                <a:uLnTx/>
+                <a:uFillTx/>
+                <a:latin typeface="Calibri" panose="020F0502020204030204"/>
+                <a:ea typeface="+mn-ea"/>
+                <a:cs typeface="+mn-cs"/>
+              </a:rPr>
+              <a:t>evaluateResources</a:t>
+            </a:r>
+          </a:p>
+        </p:txBody>
+      </p:sp>
+      <p:sp>
+        <p:nvSpPr>
+          <p:cNvPr id="177" name="TextBox 176">
+            <a:extLst>
+              <a:ext uri="{FF2B5EF4-FFF2-40B4-BE49-F238E27FC236}">
+                <a16:creationId xmlns:a16="http://schemas.microsoft.com/office/drawing/2014/main" id="{ECBEBC19-2399-4EB5-8810-02FF1ACE01D9}"/>
+              </a:ext>
+            </a:extLst>
+          </p:cNvPr>
+          <p:cNvSpPr txBox="1"/>
+          <p:nvPr/>
+        </p:nvSpPr>
+        <p:spPr>
+          <a:xfrm>
+            <a:off x="5241293" y="3696262"/>
+            <a:ext cx="573375" cy="369332"/>
+          </a:xfrm>
+          <a:prstGeom prst="rect">
+            <a:avLst/>
+          </a:prstGeom>
+          <a:solidFill>
+            <a:schemeClr val="bg1"/>
+          </a:solidFill>
+        </p:spPr>
+        <p:txBody>
+          <a:bodyPr wrap="square" rtlCol="0">
+            <a:spAutoFit/>
+          </a:bodyPr>
+          <a:lstStyle/>
+          <a:p>
+            <a:pPr marL="0" marR="0" lvl="0" indent="0" algn="l" defTabSz="914400" rtl="0" eaLnBrk="1" fontAlgn="auto" latinLnBrk="0" hangingPunct="1">
+              <a:lnSpc>
+                <a:spcPct val="100000"/>
+              </a:lnSpc>
+              <a:spcBef>
+                <a:spcPts val="0"/>
+              </a:spcBef>
+              <a:spcAft>
+                <a:spcPts val="0"/>
+              </a:spcAft>
+              <a:buClrTx/>
+              <a:buSzTx/>
+              <a:buFontTx/>
+              <a:buNone/>
+              <a:tabLst/>
+              <a:defRPr/>
+            </a:pPr>
+            <a:r>
+              <a:rPr kumimoji="0" lang="en-US" sz="900" b="1" i="0" u="none" strike="noStrike" kern="1200" cap="none" spc="0" normalizeH="0" baseline="0" noProof="0" dirty="0">
+                <a:ln>
+                  <a:noFill/>
+                </a:ln>
+                <a:solidFill>
+                  <a:prstClr val="black"/>
+                </a:solidFill>
+                <a:effectLst/>
+                <a:uLnTx/>
+                <a:uFillTx/>
+                <a:latin typeface="Calibri" panose="020F0502020204030204"/>
+                <a:ea typeface="+mn-ea"/>
+                <a:cs typeface="+mn-cs"/>
+              </a:rPr>
+              <a:t>section.focus</a:t>
+            </a:r>
+          </a:p>
+        </p:txBody>
+      </p:sp>
+      <p:sp>
+        <p:nvSpPr>
+          <p:cNvPr id="2" name="Title 1">
+            <a:extLst>
+              <a:ext uri="{FF2B5EF4-FFF2-40B4-BE49-F238E27FC236}">
+                <a16:creationId xmlns:a16="http://schemas.microsoft.com/office/drawing/2014/main" id="{66FC9293-5253-4045-B6FF-0BF8D01B1EC4}"/>
+              </a:ext>
+            </a:extLst>
+          </p:cNvPr>
+          <p:cNvSpPr>
+            <a:spLocks noGrp="1"/>
+          </p:cNvSpPr>
+          <p:nvPr>
+            <p:ph type="title"/>
+          </p:nvPr>
+        </p:nvSpPr>
+        <p:spPr/>
+        <p:txBody>
+          <a:bodyPr/>
+          <a:lstStyle/>
+          <a:p>
+            <a:r>
+              <a:rPr lang="en-US" dirty="0"/>
+              <a:t>Risk Adjustment </a:t>
+            </a:r>
+            <a:br>
+              <a:rPr lang="en-US" dirty="0"/>
+            </a:br>
+            <a:r>
+              <a:rPr lang="en-US" dirty="0"/>
+              <a:t>Resources</a:t>
+            </a:r>
+          </a:p>
+        </p:txBody>
+      </p:sp>
+      <p:sp>
+        <p:nvSpPr>
+          <p:cNvPr id="3" name="Content Placeholder 2">
+            <a:extLst>
+              <a:ext uri="{FF2B5EF4-FFF2-40B4-BE49-F238E27FC236}">
+                <a16:creationId xmlns:a16="http://schemas.microsoft.com/office/drawing/2014/main" id="{059F4AA5-BD88-4606-ACB3-39118129AFB3}"/>
+              </a:ext>
+            </a:extLst>
+          </p:cNvPr>
+          <p:cNvSpPr>
+            <a:spLocks noGrp="1"/>
+          </p:cNvSpPr>
+          <p:nvPr>
+            <p:ph idx="1"/>
+          </p:nvPr>
+        </p:nvSpPr>
+        <p:spPr>
+          <a:xfrm>
+            <a:off x="168676" y="1258338"/>
+            <a:ext cx="11185124" cy="5142461"/>
+          </a:xfrm>
+        </p:spPr>
+        <p:txBody>
+          <a:bodyPr/>
+          <a:lstStyle/>
+          <a:p>
+            <a:pPr marL="0" indent="0">
+              <a:buNone/>
+            </a:pPr>
+            <a:r>
+              <a:rPr lang="en-US" dirty="0"/>
+              <a:t> </a:t>
+            </a:r>
+          </a:p>
+        </p:txBody>
+      </p:sp>
+      <p:sp>
+        <p:nvSpPr>
+          <p:cNvPr id="4" name="Flowchart: Process 3">
+            <a:extLst>
+              <a:ext uri="{FF2B5EF4-FFF2-40B4-BE49-F238E27FC236}">
+                <a16:creationId xmlns:a16="http://schemas.microsoft.com/office/drawing/2014/main" id="{3DEA0A30-6A6C-4FA4-B9FC-7A051391A0D6}"/>
+              </a:ext>
+            </a:extLst>
+          </p:cNvPr>
+          <p:cNvSpPr/>
+          <p:nvPr/>
+        </p:nvSpPr>
+        <p:spPr>
+          <a:xfrm>
+            <a:off x="3252043" y="3520952"/>
+            <a:ext cx="1864311" cy="776860"/>
+          </a:xfrm>
+          <a:prstGeom prst="flowChartProcess">
+            <a:avLst/>
+          </a:prstGeom>
+          <a:solidFill>
+            <a:schemeClr val="accent3"/>
+          </a:solidFill>
+          <a:ln>
+            <a:solidFill>
+              <a:schemeClr val="tx1"/>
+            </a:solidFill>
+          </a:ln>
+        </p:spPr>
+        <p:style>
+          <a:lnRef idx="2">
+            <a:schemeClr val="accent1">
+              <a:shade val="50000"/>
+            </a:schemeClr>
+          </a:lnRef>
+          <a:fillRef idx="1">
+            <a:schemeClr val="accent1"/>
+          </a:fillRef>
+          <a:effectRef idx="0">
+            <a:schemeClr val="accent1"/>
+          </a:effectRef>
+          <a:fontRef idx="minor">
+            <a:schemeClr val="lt1"/>
+          </a:fontRef>
+        </p:style>
+        <p:txBody>
+          <a:bodyPr rtlCol="0" anchor="ctr"/>
+          <a:lstStyle/>
+          <a:p>
+            <a:pPr marL="0" marR="0" lvl="0" indent="0" algn="ctr" defTabSz="914400" rtl="0" eaLnBrk="1" fontAlgn="auto" latinLnBrk="0" hangingPunct="1">
+              <a:lnSpc>
+                <a:spcPct val="100000"/>
+              </a:lnSpc>
+              <a:spcBef>
+                <a:spcPts val="0"/>
+              </a:spcBef>
+              <a:spcAft>
+                <a:spcPts val="0"/>
+              </a:spcAft>
+              <a:buClrTx/>
+              <a:buSzTx/>
+              <a:buFontTx/>
+              <a:buNone/>
+              <a:tabLst/>
+              <a:defRPr/>
+            </a:pPr>
+            <a:r>
+              <a:rPr kumimoji="0" lang="en-US" sz="1600" b="0" i="0" u="none" strike="noStrike" kern="1200" cap="none" spc="0" normalizeH="0" baseline="0" noProof="0" dirty="0">
+                <a:ln>
+                  <a:noFill/>
+                </a:ln>
+                <a:solidFill>
+                  <a:prstClr val="white"/>
+                </a:solidFill>
+                <a:effectLst/>
+                <a:uLnTx/>
+                <a:uFillTx/>
+                <a:latin typeface="Calibri" panose="020F0502020204030204"/>
+                <a:ea typeface="+mn-ea"/>
+                <a:cs typeface="+mn-cs"/>
+              </a:rPr>
+              <a:t>RA Composition</a:t>
+            </a:r>
+          </a:p>
+        </p:txBody>
+      </p:sp>
+      <p:sp>
+        <p:nvSpPr>
+          <p:cNvPr id="5" name="Flowchart: Process 4">
+            <a:extLst>
+              <a:ext uri="{FF2B5EF4-FFF2-40B4-BE49-F238E27FC236}">
+                <a16:creationId xmlns:a16="http://schemas.microsoft.com/office/drawing/2014/main" id="{B7A7E221-C938-4426-AA48-B09EFF0C8A7E}"/>
+              </a:ext>
+            </a:extLst>
+          </p:cNvPr>
+          <p:cNvSpPr/>
+          <p:nvPr/>
+        </p:nvSpPr>
+        <p:spPr>
+          <a:xfrm>
+            <a:off x="3248552" y="1646804"/>
+            <a:ext cx="1864311" cy="795922"/>
+          </a:xfrm>
+          <a:prstGeom prst="flowChartProcess">
+            <a:avLst/>
+          </a:prstGeom>
+          <a:solidFill>
+            <a:schemeClr val="accent3"/>
+          </a:solidFill>
+          <a:ln>
+            <a:solidFill>
+              <a:schemeClr val="tx1"/>
+            </a:solidFill>
+          </a:ln>
+        </p:spPr>
+        <p:style>
+          <a:lnRef idx="2">
+            <a:schemeClr val="accent1">
+              <a:shade val="50000"/>
+            </a:schemeClr>
+          </a:lnRef>
+          <a:fillRef idx="1">
+            <a:schemeClr val="accent1"/>
+          </a:fillRef>
+          <a:effectRef idx="0">
+            <a:schemeClr val="accent1"/>
+          </a:effectRef>
+          <a:fontRef idx="minor">
+            <a:schemeClr val="lt1"/>
+          </a:fontRef>
+        </p:style>
+        <p:txBody>
+          <a:bodyPr rtlCol="0" anchor="ctr"/>
+          <a:lstStyle/>
+          <a:p>
+            <a:pPr marL="0" marR="0" lvl="0" indent="0" algn="ctr" defTabSz="914400" rtl="0" eaLnBrk="1" fontAlgn="auto" latinLnBrk="0" hangingPunct="1">
+              <a:lnSpc>
+                <a:spcPct val="100000"/>
+              </a:lnSpc>
+              <a:spcBef>
+                <a:spcPts val="0"/>
+              </a:spcBef>
+              <a:spcAft>
+                <a:spcPts val="0"/>
+              </a:spcAft>
+              <a:buClrTx/>
+              <a:buSzTx/>
+              <a:buFontTx/>
+              <a:buNone/>
+              <a:tabLst/>
+              <a:defRPr/>
+            </a:pPr>
+            <a:r>
+              <a:rPr kumimoji="0" lang="en-US" sz="1600" b="0" i="0" u="none" strike="noStrike" kern="1200" cap="none" spc="0" normalizeH="0" baseline="0" noProof="0" dirty="0">
+                <a:ln>
+                  <a:noFill/>
+                </a:ln>
+                <a:solidFill>
+                  <a:prstClr val="white"/>
+                </a:solidFill>
+                <a:effectLst/>
+                <a:uLnTx/>
+                <a:uFillTx/>
+                <a:latin typeface="Calibri" panose="020F0502020204030204"/>
+                <a:ea typeface="+mn-ea"/>
+                <a:cs typeface="+mn-cs"/>
+              </a:rPr>
+              <a:t>RA Bundle</a:t>
+            </a:r>
+          </a:p>
+        </p:txBody>
+      </p:sp>
+      <p:sp>
+        <p:nvSpPr>
+          <p:cNvPr id="7" name="Flowchart: Process 6">
+            <a:extLst>
+              <a:ext uri="{FF2B5EF4-FFF2-40B4-BE49-F238E27FC236}">
+                <a16:creationId xmlns:a16="http://schemas.microsoft.com/office/drawing/2014/main" id="{C91FCB4F-F2B6-436E-9248-D1FB7A9503A1}"/>
+              </a:ext>
+            </a:extLst>
+          </p:cNvPr>
+          <p:cNvSpPr/>
+          <p:nvPr/>
+        </p:nvSpPr>
+        <p:spPr>
+          <a:xfrm>
+            <a:off x="6261837" y="4865351"/>
+            <a:ext cx="1864311" cy="776860"/>
+          </a:xfrm>
+          <a:prstGeom prst="flowChartProcess">
+            <a:avLst/>
+          </a:prstGeom>
+          <a:solidFill>
+            <a:schemeClr val="accent1">
+              <a:lumMod val="60000"/>
+              <a:lumOff val="40000"/>
+            </a:schemeClr>
+          </a:solidFill>
+          <a:ln>
+            <a:solidFill>
+              <a:schemeClr val="tx1"/>
+            </a:solidFill>
+          </a:ln>
+        </p:spPr>
+        <p:style>
+          <a:lnRef idx="2">
+            <a:schemeClr val="accent1">
+              <a:shade val="50000"/>
+            </a:schemeClr>
+          </a:lnRef>
+          <a:fillRef idx="1">
+            <a:schemeClr val="accent1"/>
+          </a:fillRef>
+          <a:effectRef idx="0">
+            <a:schemeClr val="accent1"/>
+          </a:effectRef>
+          <a:fontRef idx="minor">
+            <a:schemeClr val="lt1"/>
+          </a:fontRef>
+        </p:style>
+        <p:txBody>
+          <a:bodyPr rtlCol="0" anchor="ctr"/>
+          <a:lstStyle/>
+          <a:p>
+            <a:pPr marL="0" marR="0" lvl="0" indent="0" algn="ctr" defTabSz="914400" rtl="0" eaLnBrk="1" fontAlgn="auto" latinLnBrk="0" hangingPunct="1">
+              <a:lnSpc>
+                <a:spcPct val="100000"/>
+              </a:lnSpc>
+              <a:spcBef>
+                <a:spcPts val="0"/>
+              </a:spcBef>
+              <a:spcAft>
+                <a:spcPts val="0"/>
+              </a:spcAft>
+              <a:buClrTx/>
+              <a:buSzTx/>
+              <a:buFontTx/>
+              <a:buNone/>
+              <a:tabLst/>
+              <a:defRPr/>
+            </a:pPr>
+            <a:r>
+              <a:rPr kumimoji="0" lang="en-US" sz="1600" b="0" i="0" u="none" strike="noStrike" kern="1200" cap="none" spc="0" normalizeH="0" baseline="0" noProof="0" dirty="0">
+                <a:ln>
+                  <a:noFill/>
+                </a:ln>
+                <a:solidFill>
+                  <a:prstClr val="white"/>
+                </a:solidFill>
+                <a:effectLst/>
+                <a:uLnTx/>
+                <a:uFillTx/>
+                <a:latin typeface="Calibri" panose="020F0502020204030204"/>
+                <a:ea typeface="+mn-ea"/>
+                <a:cs typeface="+mn-cs"/>
+              </a:rPr>
+              <a:t>RA Measure Report #2 </a:t>
+            </a:r>
+          </a:p>
+          <a:p>
+            <a:pPr marL="0" marR="0" lvl="0" indent="0" algn="ctr" defTabSz="914400" rtl="0" eaLnBrk="1" fontAlgn="auto" latinLnBrk="0" hangingPunct="1">
+              <a:lnSpc>
+                <a:spcPct val="100000"/>
+              </a:lnSpc>
+              <a:spcBef>
+                <a:spcPts val="0"/>
+              </a:spcBef>
+              <a:spcAft>
+                <a:spcPts val="0"/>
+              </a:spcAft>
+              <a:buClrTx/>
+              <a:buSzTx/>
+              <a:buFontTx/>
+              <a:buNone/>
+              <a:tabLst/>
+              <a:defRPr/>
+            </a:pPr>
+            <a:r>
+              <a:rPr kumimoji="0" lang="en-US" sz="1600" b="0" i="0" u="none" strike="noStrike" kern="1200" cap="none" spc="0" normalizeH="0" baseline="0" noProof="0" dirty="0">
+                <a:ln>
+                  <a:noFill/>
+                </a:ln>
+                <a:solidFill>
+                  <a:prstClr val="white"/>
+                </a:solidFill>
+                <a:effectLst/>
+                <a:uLnTx/>
+                <a:uFillTx/>
+                <a:latin typeface="Calibri" panose="020F0502020204030204"/>
+                <a:ea typeface="+mn-ea"/>
+                <a:cs typeface="+mn-cs"/>
+              </a:rPr>
+              <a:t>RX HCC</a:t>
+            </a:r>
+          </a:p>
+        </p:txBody>
+      </p:sp>
+      <p:sp>
+        <p:nvSpPr>
+          <p:cNvPr id="13" name="Flowchart: Process 12">
+            <a:extLst>
+              <a:ext uri="{FF2B5EF4-FFF2-40B4-BE49-F238E27FC236}">
+                <a16:creationId xmlns:a16="http://schemas.microsoft.com/office/drawing/2014/main" id="{7C494011-9B4B-4108-B2F1-32F5A7D22803}"/>
+              </a:ext>
+            </a:extLst>
+          </p:cNvPr>
+          <p:cNvSpPr/>
+          <p:nvPr/>
+        </p:nvSpPr>
+        <p:spPr>
+          <a:xfrm>
+            <a:off x="596938" y="3518748"/>
+            <a:ext cx="1864311" cy="795922"/>
+          </a:xfrm>
+          <a:prstGeom prst="flowChartProcess">
+            <a:avLst/>
+          </a:prstGeom>
+          <a:solidFill>
+            <a:schemeClr val="accent3"/>
+          </a:solidFill>
+          <a:ln>
+            <a:solidFill>
+              <a:schemeClr val="tx1"/>
+            </a:solidFill>
+          </a:ln>
+        </p:spPr>
+        <p:style>
+          <a:lnRef idx="2">
+            <a:schemeClr val="accent1">
+              <a:shade val="50000"/>
+            </a:schemeClr>
+          </a:lnRef>
+          <a:fillRef idx="1">
+            <a:schemeClr val="accent1"/>
+          </a:fillRef>
+          <a:effectRef idx="0">
+            <a:schemeClr val="accent1"/>
+          </a:effectRef>
+          <a:fontRef idx="minor">
+            <a:schemeClr val="lt1"/>
+          </a:fontRef>
+        </p:style>
+        <p:txBody>
+          <a:bodyPr rtlCol="0" anchor="ctr"/>
+          <a:lstStyle/>
+          <a:p>
+            <a:pPr marL="0" marR="0" lvl="0" indent="0" algn="ctr" defTabSz="914400" rtl="0" eaLnBrk="1" fontAlgn="auto" latinLnBrk="0" hangingPunct="1">
+              <a:lnSpc>
+                <a:spcPct val="100000"/>
+              </a:lnSpc>
+              <a:spcBef>
+                <a:spcPts val="0"/>
+              </a:spcBef>
+              <a:spcAft>
+                <a:spcPts val="0"/>
+              </a:spcAft>
+              <a:buClrTx/>
+              <a:buSzTx/>
+              <a:buFontTx/>
+              <a:buNone/>
+              <a:tabLst/>
+              <a:defRPr/>
+            </a:pPr>
+            <a:r>
+              <a:rPr kumimoji="0" lang="en-US" sz="1600" b="0" i="0" u="none" strike="noStrike" kern="1200" cap="none" spc="0" normalizeH="0" baseline="0" noProof="0" dirty="0">
+                <a:ln>
+                  <a:noFill/>
+                </a:ln>
+                <a:solidFill>
+                  <a:prstClr val="white"/>
+                </a:solidFill>
+                <a:effectLst/>
+                <a:uLnTx/>
+                <a:uFillTx/>
+                <a:latin typeface="Calibri" panose="020F0502020204030204"/>
+                <a:ea typeface="+mn-ea"/>
+                <a:cs typeface="+mn-cs"/>
+              </a:rPr>
+              <a:t>US Core Patient*</a:t>
+            </a:r>
+          </a:p>
+          <a:p>
+            <a:pPr marL="0" marR="0" lvl="0" indent="0" algn="ctr" defTabSz="914400" rtl="0" eaLnBrk="1" fontAlgn="auto" latinLnBrk="0" hangingPunct="1">
+              <a:lnSpc>
+                <a:spcPct val="100000"/>
+              </a:lnSpc>
+              <a:spcBef>
+                <a:spcPts val="0"/>
+              </a:spcBef>
+              <a:spcAft>
+                <a:spcPts val="0"/>
+              </a:spcAft>
+              <a:buClrTx/>
+              <a:buSzTx/>
+              <a:buFontTx/>
+              <a:buNone/>
+              <a:tabLst/>
+              <a:defRPr/>
+            </a:pPr>
+            <a:r>
+              <a:rPr kumimoji="0" lang="en-US" sz="900" b="0" i="0" u="none" strike="noStrike" kern="1200" cap="none" spc="0" normalizeH="0" baseline="0" noProof="0" dirty="0">
+                <a:ln>
+                  <a:noFill/>
+                </a:ln>
+                <a:solidFill>
+                  <a:prstClr val="white"/>
+                </a:solidFill>
+                <a:effectLst/>
+                <a:uLnTx/>
+                <a:uFillTx/>
+                <a:latin typeface="Calibri" panose="020F0502020204030204"/>
+                <a:ea typeface="+mn-ea"/>
+                <a:cs typeface="+mn-cs"/>
+              </a:rPr>
+              <a:t>Age 63</a:t>
+            </a:r>
+          </a:p>
+        </p:txBody>
+      </p:sp>
+      <p:sp>
+        <p:nvSpPr>
+          <p:cNvPr id="15" name="Flowchart: Process 14">
+            <a:extLst>
+              <a:ext uri="{FF2B5EF4-FFF2-40B4-BE49-F238E27FC236}">
+                <a16:creationId xmlns:a16="http://schemas.microsoft.com/office/drawing/2014/main" id="{AAB520D8-1327-4035-B17F-8E435832F332}"/>
+              </a:ext>
+            </a:extLst>
+          </p:cNvPr>
+          <p:cNvSpPr/>
+          <p:nvPr/>
+        </p:nvSpPr>
+        <p:spPr>
+          <a:xfrm>
+            <a:off x="6261838" y="3643732"/>
+            <a:ext cx="1864310" cy="779355"/>
+          </a:xfrm>
+          <a:prstGeom prst="flowChartProcess">
+            <a:avLst/>
+          </a:prstGeom>
+          <a:solidFill>
+            <a:schemeClr val="accent1">
+              <a:lumMod val="60000"/>
+              <a:lumOff val="40000"/>
+            </a:schemeClr>
+          </a:solidFill>
+          <a:ln>
+            <a:solidFill>
+              <a:schemeClr val="tx1"/>
+            </a:solidFill>
+          </a:ln>
+        </p:spPr>
+        <p:style>
+          <a:lnRef idx="2">
+            <a:schemeClr val="accent1">
+              <a:shade val="50000"/>
+            </a:schemeClr>
+          </a:lnRef>
+          <a:fillRef idx="1">
+            <a:schemeClr val="accent1"/>
+          </a:fillRef>
+          <a:effectRef idx="0">
+            <a:schemeClr val="accent1"/>
+          </a:effectRef>
+          <a:fontRef idx="minor">
+            <a:schemeClr val="lt1"/>
+          </a:fontRef>
+        </p:style>
+        <p:txBody>
+          <a:bodyPr rtlCol="0" anchor="ctr"/>
+          <a:lstStyle/>
+          <a:p>
+            <a:pPr marL="0" marR="0" lvl="0" indent="0" algn="ctr" defTabSz="914400" rtl="0" eaLnBrk="1" fontAlgn="auto" latinLnBrk="0" hangingPunct="1">
+              <a:lnSpc>
+                <a:spcPct val="100000"/>
+              </a:lnSpc>
+              <a:spcBef>
+                <a:spcPts val="0"/>
+              </a:spcBef>
+              <a:spcAft>
+                <a:spcPts val="0"/>
+              </a:spcAft>
+              <a:buClrTx/>
+              <a:buSzTx/>
+              <a:buFontTx/>
+              <a:buNone/>
+              <a:tabLst/>
+              <a:defRPr/>
+            </a:pPr>
+            <a:r>
+              <a:rPr kumimoji="0" lang="en-US" sz="1600" b="0" i="0" u="none" strike="noStrike" kern="1200" cap="none" spc="0" normalizeH="0" baseline="0" noProof="0" dirty="0">
+                <a:ln>
+                  <a:noFill/>
+                </a:ln>
+                <a:solidFill>
+                  <a:prstClr val="white"/>
+                </a:solidFill>
+                <a:effectLst/>
+                <a:uLnTx/>
+                <a:uFillTx/>
+                <a:latin typeface="Calibri" panose="020F0502020204030204"/>
+                <a:ea typeface="+mn-ea"/>
+                <a:cs typeface="+mn-cs"/>
+              </a:rPr>
+              <a:t>US Core Condition</a:t>
+            </a:r>
+          </a:p>
+          <a:p>
+            <a:pPr marL="0" marR="0" lvl="0" indent="0" algn="ctr" defTabSz="914400" rtl="0" eaLnBrk="1" fontAlgn="auto" latinLnBrk="0" hangingPunct="1">
+              <a:lnSpc>
+                <a:spcPct val="100000"/>
+              </a:lnSpc>
+              <a:spcBef>
+                <a:spcPts val="0"/>
+              </a:spcBef>
+              <a:spcAft>
+                <a:spcPts val="0"/>
+              </a:spcAft>
+              <a:buClrTx/>
+              <a:buSzTx/>
+              <a:buFontTx/>
+              <a:buNone/>
+              <a:tabLst/>
+              <a:defRPr/>
+            </a:pPr>
+            <a:r>
+              <a:rPr kumimoji="0" lang="en-US" sz="1000" b="0" i="0" u="none" strike="noStrike" kern="1200" cap="none" spc="0" normalizeH="0" baseline="0" noProof="0" dirty="0">
+                <a:ln>
+                  <a:noFill/>
+                </a:ln>
+                <a:solidFill>
+                  <a:prstClr val="white"/>
+                </a:solidFill>
+                <a:effectLst/>
+                <a:uLnTx/>
+                <a:uFillTx/>
+                <a:latin typeface="Calibri" panose="020F0502020204030204"/>
+                <a:ea typeface="+mn-ea"/>
+                <a:cs typeface="+mn-cs"/>
+              </a:rPr>
+              <a:t>M06252 Rheumatoid bursitis, left hip 12/042021</a:t>
+            </a:r>
+          </a:p>
+          <a:p>
+            <a:pPr marL="0" marR="0" lvl="0" indent="0" algn="ctr" defTabSz="914400" rtl="0" eaLnBrk="1" fontAlgn="auto" latinLnBrk="0" hangingPunct="1">
+              <a:lnSpc>
+                <a:spcPct val="100000"/>
+              </a:lnSpc>
+              <a:spcBef>
+                <a:spcPts val="0"/>
+              </a:spcBef>
+              <a:spcAft>
+                <a:spcPts val="0"/>
+              </a:spcAft>
+              <a:buClrTx/>
+              <a:buSzTx/>
+              <a:buFontTx/>
+              <a:buNone/>
+              <a:tabLst/>
+              <a:defRPr/>
+            </a:pPr>
+            <a:endParaRPr kumimoji="0" lang="en-US" sz="1000" b="0" i="0" u="none" strike="noStrike" kern="1200" cap="none" spc="0" normalizeH="0" baseline="0" noProof="0" dirty="0">
+              <a:ln>
+                <a:noFill/>
+              </a:ln>
+              <a:solidFill>
+                <a:prstClr val="white"/>
+              </a:solidFill>
+              <a:effectLst/>
+              <a:uLnTx/>
+              <a:uFillTx/>
+              <a:latin typeface="Calibri" panose="020F0502020204030204"/>
+              <a:ea typeface="+mn-ea"/>
+              <a:cs typeface="+mn-cs"/>
+            </a:endParaRPr>
+          </a:p>
+        </p:txBody>
+      </p:sp>
+      <p:sp>
+        <p:nvSpPr>
+          <p:cNvPr id="16" name="Flowchart: Process 15">
+            <a:extLst>
+              <a:ext uri="{FF2B5EF4-FFF2-40B4-BE49-F238E27FC236}">
+                <a16:creationId xmlns:a16="http://schemas.microsoft.com/office/drawing/2014/main" id="{820EB801-38A6-47AA-A42B-B341458DA83D}"/>
+              </a:ext>
+            </a:extLst>
+          </p:cNvPr>
+          <p:cNvSpPr/>
+          <p:nvPr/>
+        </p:nvSpPr>
+        <p:spPr>
+          <a:xfrm>
+            <a:off x="3242456" y="5282939"/>
+            <a:ext cx="1864311" cy="747552"/>
+          </a:xfrm>
+          <a:prstGeom prst="flowChartProcess">
+            <a:avLst/>
+          </a:prstGeom>
+          <a:solidFill>
+            <a:schemeClr val="accent3"/>
+          </a:solidFill>
+          <a:ln>
+            <a:solidFill>
+              <a:schemeClr val="tx1"/>
+            </a:solidFill>
+          </a:ln>
+        </p:spPr>
+        <p:style>
+          <a:lnRef idx="2">
+            <a:schemeClr val="accent1">
+              <a:shade val="50000"/>
+            </a:schemeClr>
+          </a:lnRef>
+          <a:fillRef idx="1">
+            <a:schemeClr val="accent1"/>
+          </a:fillRef>
+          <a:effectRef idx="0">
+            <a:schemeClr val="accent1"/>
+          </a:effectRef>
+          <a:fontRef idx="minor">
+            <a:schemeClr val="lt1"/>
+          </a:fontRef>
+        </p:style>
+        <p:txBody>
+          <a:bodyPr rtlCol="0" anchor="ctr"/>
+          <a:lstStyle/>
+          <a:p>
+            <a:pPr marL="0" marR="0" lvl="0" indent="0" algn="ctr" defTabSz="914400" rtl="0" eaLnBrk="1" fontAlgn="auto" latinLnBrk="0" hangingPunct="1">
+              <a:lnSpc>
+                <a:spcPct val="100000"/>
+              </a:lnSpc>
+              <a:spcBef>
+                <a:spcPts val="0"/>
+              </a:spcBef>
+              <a:spcAft>
+                <a:spcPts val="0"/>
+              </a:spcAft>
+              <a:buClrTx/>
+              <a:buSzTx/>
+              <a:buFontTx/>
+              <a:buNone/>
+              <a:tabLst/>
+              <a:defRPr/>
+            </a:pPr>
+            <a:r>
+              <a:rPr kumimoji="0" lang="en-US" sz="1600" b="0" i="0" u="none" strike="noStrike" kern="1200" cap="none" spc="0" normalizeH="0" baseline="0" noProof="0" dirty="0">
+                <a:ln>
+                  <a:noFill/>
+                </a:ln>
+                <a:solidFill>
+                  <a:prstClr val="white"/>
+                </a:solidFill>
+                <a:effectLst/>
+                <a:uLnTx/>
+                <a:uFillTx/>
+                <a:latin typeface="Calibri" panose="020F0502020204030204"/>
+                <a:ea typeface="+mn-ea"/>
+                <a:cs typeface="+mn-cs"/>
+              </a:rPr>
+              <a:t>US Core Organization</a:t>
+            </a:r>
+          </a:p>
+          <a:p>
+            <a:pPr marL="0" marR="0" lvl="0" indent="0" algn="ctr" defTabSz="914400" rtl="0" eaLnBrk="1" fontAlgn="auto" latinLnBrk="0" hangingPunct="1">
+              <a:lnSpc>
+                <a:spcPct val="100000"/>
+              </a:lnSpc>
+              <a:spcBef>
+                <a:spcPts val="0"/>
+              </a:spcBef>
+              <a:spcAft>
+                <a:spcPts val="0"/>
+              </a:spcAft>
+              <a:buClrTx/>
+              <a:buSzTx/>
+              <a:buFontTx/>
+              <a:buNone/>
+              <a:tabLst/>
+              <a:defRPr/>
+            </a:pPr>
+            <a:r>
+              <a:rPr kumimoji="0" lang="en-US" sz="1000" b="0" i="0" u="none" strike="noStrike" kern="1200" cap="none" spc="0" normalizeH="0" baseline="0" noProof="0" dirty="0">
+                <a:ln>
+                  <a:noFill/>
+                </a:ln>
+                <a:solidFill>
+                  <a:prstClr val="white"/>
+                </a:solidFill>
+                <a:effectLst/>
+                <a:uLnTx/>
+                <a:uFillTx/>
+                <a:latin typeface="Calibri" panose="020F0502020204030204"/>
+                <a:ea typeface="+mn-ea"/>
+                <a:cs typeface="+mn-cs"/>
+              </a:rPr>
+              <a:t>(example Payer)</a:t>
+            </a:r>
+          </a:p>
+        </p:txBody>
+      </p:sp>
+      <p:sp>
+        <p:nvSpPr>
+          <p:cNvPr id="19" name="Flowchart: Process 18">
+            <a:extLst>
+              <a:ext uri="{FF2B5EF4-FFF2-40B4-BE49-F238E27FC236}">
+                <a16:creationId xmlns:a16="http://schemas.microsoft.com/office/drawing/2014/main" id="{F4DCC147-F1CD-4EAF-9C73-16087FFCF623}"/>
+              </a:ext>
+            </a:extLst>
+          </p:cNvPr>
+          <p:cNvSpPr/>
+          <p:nvPr/>
+        </p:nvSpPr>
+        <p:spPr>
+          <a:xfrm>
+            <a:off x="6295779" y="1531356"/>
+            <a:ext cx="1864311" cy="747552"/>
+          </a:xfrm>
+          <a:prstGeom prst="flowChartProcess">
+            <a:avLst/>
+          </a:prstGeom>
+          <a:solidFill>
+            <a:schemeClr val="accent1"/>
+          </a:solidFill>
+          <a:ln>
+            <a:solidFill>
+              <a:schemeClr val="tx1"/>
+            </a:solidFill>
+          </a:ln>
+        </p:spPr>
+        <p:style>
+          <a:lnRef idx="2">
+            <a:schemeClr val="accent1">
+              <a:shade val="50000"/>
+            </a:schemeClr>
+          </a:lnRef>
+          <a:fillRef idx="1">
+            <a:schemeClr val="accent1"/>
+          </a:fillRef>
+          <a:effectRef idx="0">
+            <a:schemeClr val="accent1"/>
+          </a:effectRef>
+          <a:fontRef idx="minor">
+            <a:schemeClr val="lt1"/>
+          </a:fontRef>
+        </p:style>
+        <p:txBody>
+          <a:bodyPr rtlCol="0" anchor="ctr"/>
+          <a:lstStyle/>
+          <a:p>
+            <a:pPr marL="0" marR="0" lvl="0" indent="0" algn="ctr" defTabSz="914400" rtl="0" eaLnBrk="1" fontAlgn="auto" latinLnBrk="0" hangingPunct="1">
+              <a:lnSpc>
+                <a:spcPct val="100000"/>
+              </a:lnSpc>
+              <a:spcBef>
+                <a:spcPts val="0"/>
+              </a:spcBef>
+              <a:spcAft>
+                <a:spcPts val="0"/>
+              </a:spcAft>
+              <a:buClrTx/>
+              <a:buSzTx/>
+              <a:buFontTx/>
+              <a:buNone/>
+              <a:tabLst/>
+              <a:defRPr/>
+            </a:pPr>
+            <a:r>
+              <a:rPr kumimoji="0" lang="en-US" sz="1600" b="0" i="0" u="none" strike="noStrike" kern="1200" cap="none" spc="0" normalizeH="0" baseline="0" noProof="0" dirty="0">
+                <a:ln>
+                  <a:noFill/>
+                </a:ln>
+                <a:solidFill>
+                  <a:prstClr val="white"/>
+                </a:solidFill>
+                <a:effectLst/>
+                <a:uLnTx/>
+                <a:uFillTx/>
+                <a:latin typeface="Calibri" panose="020F0502020204030204"/>
+                <a:ea typeface="+mn-ea"/>
+                <a:cs typeface="+mn-cs"/>
+              </a:rPr>
+              <a:t>RA Measure Report #1</a:t>
+            </a:r>
+          </a:p>
+          <a:p>
+            <a:pPr marL="0" marR="0" lvl="0" indent="0" algn="ctr" defTabSz="914400" rtl="0" eaLnBrk="1" fontAlgn="auto" latinLnBrk="0" hangingPunct="1">
+              <a:lnSpc>
+                <a:spcPct val="100000"/>
+              </a:lnSpc>
+              <a:spcBef>
+                <a:spcPts val="0"/>
+              </a:spcBef>
+              <a:spcAft>
+                <a:spcPts val="0"/>
+              </a:spcAft>
+              <a:buClrTx/>
+              <a:buSzTx/>
+              <a:buFontTx/>
+              <a:buNone/>
+              <a:tabLst/>
+              <a:defRPr/>
+            </a:pPr>
+            <a:r>
+              <a:rPr kumimoji="0" lang="en-US" sz="1600" b="0" i="0" u="none" strike="noStrike" kern="1200" cap="none" spc="0" normalizeH="0" baseline="0" noProof="0" dirty="0">
+                <a:ln>
+                  <a:noFill/>
+                </a:ln>
+                <a:solidFill>
+                  <a:prstClr val="white"/>
+                </a:solidFill>
+                <a:effectLst/>
+                <a:uLnTx/>
+                <a:uFillTx/>
+                <a:latin typeface="Calibri" panose="020F0502020204030204"/>
+                <a:ea typeface="+mn-ea"/>
+                <a:cs typeface="+mn-cs"/>
+              </a:rPr>
+              <a:t>2 HCC, 189 &amp; 19</a:t>
+            </a:r>
+          </a:p>
+        </p:txBody>
+      </p:sp>
+      <p:cxnSp>
+        <p:nvCxnSpPr>
+          <p:cNvPr id="22" name="Straight Arrow Connector 21">
+            <a:extLst>
+              <a:ext uri="{FF2B5EF4-FFF2-40B4-BE49-F238E27FC236}">
+                <a16:creationId xmlns:a16="http://schemas.microsoft.com/office/drawing/2014/main" id="{4B41447D-68B5-4C39-B3CC-B31F7134DC48}"/>
+              </a:ext>
+            </a:extLst>
+          </p:cNvPr>
+          <p:cNvCxnSpPr>
+            <a:cxnSpLocks/>
+            <a:stCxn id="5" idx="2"/>
+            <a:endCxn id="4" idx="0"/>
+          </p:cNvCxnSpPr>
+          <p:nvPr/>
+        </p:nvCxnSpPr>
+        <p:spPr>
+          <a:xfrm>
+            <a:off x="4180708" y="2442726"/>
+            <a:ext cx="3491" cy="1078226"/>
+          </a:xfrm>
+          <a:prstGeom prst="straightConnector1">
+            <a:avLst/>
+          </a:prstGeom>
+          <a:ln>
+            <a:tailEnd type="triangle"/>
+          </a:ln>
+        </p:spPr>
+        <p:style>
+          <a:lnRef idx="1">
+            <a:schemeClr val="accent1"/>
+          </a:lnRef>
+          <a:fillRef idx="0">
+            <a:schemeClr val="accent1"/>
+          </a:fillRef>
+          <a:effectRef idx="0">
+            <a:schemeClr val="accent1"/>
+          </a:effectRef>
+          <a:fontRef idx="minor">
+            <a:schemeClr val="tx1"/>
+          </a:fontRef>
+        </p:style>
+      </p:cxnSp>
+      <p:cxnSp>
+        <p:nvCxnSpPr>
+          <p:cNvPr id="24" name="Straight Arrow Connector 23">
+            <a:extLst>
+              <a:ext uri="{FF2B5EF4-FFF2-40B4-BE49-F238E27FC236}">
+                <a16:creationId xmlns:a16="http://schemas.microsoft.com/office/drawing/2014/main" id="{8464D613-60CE-4D58-A3FC-5904161E60D2}"/>
+              </a:ext>
+            </a:extLst>
+          </p:cNvPr>
+          <p:cNvCxnSpPr>
+            <a:cxnSpLocks/>
+            <a:stCxn id="4" idx="3"/>
+            <a:endCxn id="7" idx="1"/>
+          </p:cNvCxnSpPr>
+          <p:nvPr/>
+        </p:nvCxnSpPr>
+        <p:spPr>
+          <a:xfrm>
+            <a:off x="5116354" y="3909382"/>
+            <a:ext cx="1145483" cy="1344399"/>
+          </a:xfrm>
+          <a:prstGeom prst="straightConnector1">
+            <a:avLst/>
+          </a:prstGeom>
+          <a:ln>
+            <a:tailEnd type="triangle"/>
+          </a:ln>
+        </p:spPr>
+        <p:style>
+          <a:lnRef idx="1">
+            <a:schemeClr val="accent1"/>
+          </a:lnRef>
+          <a:fillRef idx="0">
+            <a:schemeClr val="accent1"/>
+          </a:fillRef>
+          <a:effectRef idx="0">
+            <a:schemeClr val="accent1"/>
+          </a:effectRef>
+          <a:fontRef idx="minor">
+            <a:schemeClr val="tx1"/>
+          </a:fontRef>
+        </p:style>
+      </p:cxnSp>
+      <p:sp>
+        <p:nvSpPr>
+          <p:cNvPr id="28" name="Flowchart: Process 27">
+            <a:extLst>
+              <a:ext uri="{FF2B5EF4-FFF2-40B4-BE49-F238E27FC236}">
+                <a16:creationId xmlns:a16="http://schemas.microsoft.com/office/drawing/2014/main" id="{2555D1CD-2F4B-4CC0-B94D-2ED0919C3F39}"/>
+              </a:ext>
+            </a:extLst>
+          </p:cNvPr>
+          <p:cNvSpPr/>
+          <p:nvPr/>
+        </p:nvSpPr>
+        <p:spPr>
+          <a:xfrm>
+            <a:off x="6295779" y="2717726"/>
+            <a:ext cx="1864311" cy="776860"/>
+          </a:xfrm>
+          <a:prstGeom prst="flowChartProcess">
+            <a:avLst/>
+          </a:prstGeom>
+          <a:ln>
+            <a:solidFill>
+              <a:schemeClr val="tx1"/>
+            </a:solidFill>
+          </a:ln>
+        </p:spPr>
+        <p:style>
+          <a:lnRef idx="2">
+            <a:schemeClr val="accent1">
+              <a:shade val="50000"/>
+            </a:schemeClr>
+          </a:lnRef>
+          <a:fillRef idx="1">
+            <a:schemeClr val="accent1"/>
+          </a:fillRef>
+          <a:effectRef idx="0">
+            <a:schemeClr val="accent1"/>
+          </a:effectRef>
+          <a:fontRef idx="minor">
+            <a:schemeClr val="lt1"/>
+          </a:fontRef>
+        </p:style>
+        <p:txBody>
+          <a:bodyPr rtlCol="0" anchor="ctr"/>
+          <a:lstStyle/>
+          <a:p>
+            <a:pPr marL="0" marR="0" lvl="0" indent="0" algn="ctr" defTabSz="914400" rtl="0" eaLnBrk="1" fontAlgn="auto" latinLnBrk="0" hangingPunct="1">
+              <a:lnSpc>
+                <a:spcPct val="100000"/>
+              </a:lnSpc>
+              <a:spcBef>
+                <a:spcPts val="0"/>
+              </a:spcBef>
+              <a:spcAft>
+                <a:spcPts val="0"/>
+              </a:spcAft>
+              <a:buClrTx/>
+              <a:buSzTx/>
+              <a:buFontTx/>
+              <a:buNone/>
+              <a:tabLst/>
+              <a:defRPr/>
+            </a:pPr>
+            <a:r>
+              <a:rPr kumimoji="0" lang="en-US" sz="1600" b="0" i="0" u="none" strike="noStrike" kern="1200" cap="none" spc="0" normalizeH="0" baseline="0" noProof="0" dirty="0">
+                <a:ln>
+                  <a:noFill/>
+                </a:ln>
+                <a:solidFill>
+                  <a:prstClr val="white"/>
+                </a:solidFill>
+                <a:effectLst/>
+                <a:uLnTx/>
+                <a:uFillTx/>
+                <a:latin typeface="Calibri" panose="020F0502020204030204"/>
+                <a:ea typeface="+mn-ea"/>
+                <a:cs typeface="+mn-cs"/>
+              </a:rPr>
+              <a:t>US Core Condition</a:t>
+            </a:r>
+          </a:p>
+          <a:p>
+            <a:pPr marL="0" marR="0" lvl="0" indent="0" algn="ctr" defTabSz="914400" rtl="0" eaLnBrk="1" fontAlgn="auto" latinLnBrk="0" hangingPunct="1">
+              <a:lnSpc>
+                <a:spcPct val="100000"/>
+              </a:lnSpc>
+              <a:spcBef>
+                <a:spcPts val="0"/>
+              </a:spcBef>
+              <a:spcAft>
+                <a:spcPts val="0"/>
+              </a:spcAft>
+              <a:buClrTx/>
+              <a:buSzTx/>
+              <a:buFontTx/>
+              <a:buNone/>
+              <a:tabLst/>
+              <a:defRPr/>
+            </a:pPr>
+            <a:r>
+              <a:rPr kumimoji="0" lang="en-US" sz="1600" b="0" i="0" u="none" strike="noStrike" kern="1200" cap="none" spc="0" normalizeH="0" baseline="0" noProof="0" dirty="0">
+                <a:ln>
+                  <a:noFill/>
+                </a:ln>
+                <a:solidFill>
+                  <a:prstClr val="white"/>
+                </a:solidFill>
+                <a:effectLst/>
+                <a:uLnTx/>
+                <a:uFillTx/>
+                <a:latin typeface="Calibri" panose="020F0502020204030204"/>
+                <a:ea typeface="+mn-ea"/>
+                <a:cs typeface="+mn-cs"/>
+              </a:rPr>
+              <a:t>ICD</a:t>
+            </a:r>
+          </a:p>
+          <a:p>
+            <a:pPr marL="0" marR="0" lvl="0" indent="0" algn="ctr" defTabSz="914400" rtl="0" eaLnBrk="1" fontAlgn="auto" latinLnBrk="0" hangingPunct="1">
+              <a:lnSpc>
+                <a:spcPct val="100000"/>
+              </a:lnSpc>
+              <a:spcBef>
+                <a:spcPts val="0"/>
+              </a:spcBef>
+              <a:spcAft>
+                <a:spcPts val="0"/>
+              </a:spcAft>
+              <a:buClrTx/>
+              <a:buSzTx/>
+              <a:buFontTx/>
+              <a:buNone/>
+              <a:tabLst/>
+              <a:defRPr/>
+            </a:pPr>
+            <a:r>
+              <a:rPr kumimoji="0" lang="en-US" sz="1600" b="0" i="0" u="none" strike="noStrike" kern="1200" cap="none" spc="0" normalizeH="0" baseline="0" noProof="0" dirty="0">
+                <a:ln>
+                  <a:noFill/>
+                </a:ln>
+                <a:solidFill>
+                  <a:prstClr val="white"/>
+                </a:solidFill>
+                <a:effectLst/>
+                <a:uLnTx/>
+                <a:uFillTx/>
+                <a:latin typeface="Calibri" panose="020F0502020204030204"/>
+                <a:ea typeface="+mn-ea"/>
+                <a:cs typeface="+mn-cs"/>
+              </a:rPr>
+              <a:t>Z89.511/20210401</a:t>
+            </a:r>
+          </a:p>
+        </p:txBody>
+      </p:sp>
+      <p:cxnSp>
+        <p:nvCxnSpPr>
+          <p:cNvPr id="44" name="Straight Arrow Connector 43">
+            <a:extLst>
+              <a:ext uri="{FF2B5EF4-FFF2-40B4-BE49-F238E27FC236}">
+                <a16:creationId xmlns:a16="http://schemas.microsoft.com/office/drawing/2014/main" id="{5CF496CA-7DA1-4920-B8A9-499D311987BA}"/>
+              </a:ext>
+            </a:extLst>
+          </p:cNvPr>
+          <p:cNvCxnSpPr>
+            <a:cxnSpLocks/>
+            <a:stCxn id="7" idx="0"/>
+            <a:endCxn id="15" idx="2"/>
+          </p:cNvCxnSpPr>
+          <p:nvPr/>
+        </p:nvCxnSpPr>
+        <p:spPr>
+          <a:xfrm flipV="1">
+            <a:off x="7193993" y="4423087"/>
+            <a:ext cx="0" cy="442264"/>
+          </a:xfrm>
+          <a:prstGeom prst="straightConnector1">
+            <a:avLst/>
+          </a:prstGeom>
+          <a:ln>
+            <a:tailEnd type="triangle"/>
+          </a:ln>
+        </p:spPr>
+        <p:style>
+          <a:lnRef idx="1">
+            <a:schemeClr val="accent1"/>
+          </a:lnRef>
+          <a:fillRef idx="0">
+            <a:schemeClr val="accent1"/>
+          </a:fillRef>
+          <a:effectRef idx="0">
+            <a:schemeClr val="accent1"/>
+          </a:effectRef>
+          <a:fontRef idx="minor">
+            <a:schemeClr val="tx1"/>
+          </a:fontRef>
+        </p:style>
+      </p:cxnSp>
+      <p:cxnSp>
+        <p:nvCxnSpPr>
+          <p:cNvPr id="47" name="Straight Arrow Connector 46">
+            <a:extLst>
+              <a:ext uri="{FF2B5EF4-FFF2-40B4-BE49-F238E27FC236}">
+                <a16:creationId xmlns:a16="http://schemas.microsoft.com/office/drawing/2014/main" id="{0F9137BA-4C1E-470D-9CE5-C3A73B892B8B}"/>
+              </a:ext>
+            </a:extLst>
+          </p:cNvPr>
+          <p:cNvCxnSpPr>
+            <a:cxnSpLocks/>
+            <a:stCxn id="19" idx="2"/>
+            <a:endCxn id="28" idx="0"/>
+          </p:cNvCxnSpPr>
+          <p:nvPr/>
+        </p:nvCxnSpPr>
+        <p:spPr>
+          <a:xfrm>
+            <a:off x="7227935" y="2278908"/>
+            <a:ext cx="0" cy="438818"/>
+          </a:xfrm>
+          <a:prstGeom prst="straightConnector1">
+            <a:avLst/>
+          </a:prstGeom>
+          <a:ln>
+            <a:tailEnd type="triangle"/>
+          </a:ln>
+        </p:spPr>
+        <p:style>
+          <a:lnRef idx="1">
+            <a:schemeClr val="accent1"/>
+          </a:lnRef>
+          <a:fillRef idx="0">
+            <a:schemeClr val="accent1"/>
+          </a:fillRef>
+          <a:effectRef idx="0">
+            <a:schemeClr val="accent1"/>
+          </a:effectRef>
+          <a:fontRef idx="minor">
+            <a:schemeClr val="tx1"/>
+          </a:fontRef>
+        </p:style>
+      </p:cxnSp>
+      <p:cxnSp>
+        <p:nvCxnSpPr>
+          <p:cNvPr id="141" name="Straight Arrow Connector 140">
+            <a:extLst>
+              <a:ext uri="{FF2B5EF4-FFF2-40B4-BE49-F238E27FC236}">
+                <a16:creationId xmlns:a16="http://schemas.microsoft.com/office/drawing/2014/main" id="{879550D5-89BE-4FBE-82D9-CB3521CF2D58}"/>
+              </a:ext>
+            </a:extLst>
+          </p:cNvPr>
+          <p:cNvCxnSpPr>
+            <a:cxnSpLocks/>
+            <a:stCxn id="4" idx="2"/>
+            <a:endCxn id="16" idx="0"/>
+          </p:cNvCxnSpPr>
+          <p:nvPr/>
+        </p:nvCxnSpPr>
+        <p:spPr>
+          <a:xfrm flipH="1">
+            <a:off x="4174612" y="4297812"/>
+            <a:ext cx="9587" cy="985127"/>
+          </a:xfrm>
+          <a:prstGeom prst="straightConnector1">
+            <a:avLst/>
+          </a:prstGeom>
+          <a:ln>
+            <a:tailEnd type="triangle"/>
+          </a:ln>
+        </p:spPr>
+        <p:style>
+          <a:lnRef idx="1">
+            <a:schemeClr val="accent1"/>
+          </a:lnRef>
+          <a:fillRef idx="0">
+            <a:schemeClr val="accent1"/>
+          </a:fillRef>
+          <a:effectRef idx="0">
+            <a:schemeClr val="accent1"/>
+          </a:effectRef>
+          <a:fontRef idx="minor">
+            <a:schemeClr val="tx1"/>
+          </a:fontRef>
+        </p:style>
+      </p:cxnSp>
+      <p:cxnSp>
+        <p:nvCxnSpPr>
+          <p:cNvPr id="147" name="Straight Arrow Connector 146">
+            <a:extLst>
+              <a:ext uri="{FF2B5EF4-FFF2-40B4-BE49-F238E27FC236}">
+                <a16:creationId xmlns:a16="http://schemas.microsoft.com/office/drawing/2014/main" id="{CAE3AF3E-4461-4BF9-AD1A-870ECDBF5C9D}"/>
+              </a:ext>
+            </a:extLst>
+          </p:cNvPr>
+          <p:cNvCxnSpPr>
+            <a:cxnSpLocks/>
+            <a:stCxn id="5" idx="3"/>
+            <a:endCxn id="7" idx="1"/>
+          </p:cNvCxnSpPr>
+          <p:nvPr/>
+        </p:nvCxnSpPr>
+        <p:spPr>
+          <a:xfrm>
+            <a:off x="5112863" y="2044765"/>
+            <a:ext cx="1148974" cy="3209016"/>
+          </a:xfrm>
+          <a:prstGeom prst="straightConnector1">
+            <a:avLst/>
+          </a:prstGeom>
+          <a:ln>
+            <a:solidFill>
+              <a:schemeClr val="tx1"/>
+            </a:solidFill>
+            <a:tailEnd type="triangle"/>
+          </a:ln>
+        </p:spPr>
+        <p:style>
+          <a:lnRef idx="1">
+            <a:schemeClr val="accent1"/>
+          </a:lnRef>
+          <a:fillRef idx="0">
+            <a:schemeClr val="accent1"/>
+          </a:fillRef>
+          <a:effectRef idx="0">
+            <a:schemeClr val="accent1"/>
+          </a:effectRef>
+          <a:fontRef idx="minor">
+            <a:schemeClr val="tx1"/>
+          </a:fontRef>
+        </p:style>
+      </p:cxnSp>
+      <p:cxnSp>
+        <p:nvCxnSpPr>
+          <p:cNvPr id="150" name="Straight Arrow Connector 149">
+            <a:extLst>
+              <a:ext uri="{FF2B5EF4-FFF2-40B4-BE49-F238E27FC236}">
+                <a16:creationId xmlns:a16="http://schemas.microsoft.com/office/drawing/2014/main" id="{B0A502EB-4FA3-419A-B0EE-C00113470861}"/>
+              </a:ext>
+            </a:extLst>
+          </p:cNvPr>
+          <p:cNvCxnSpPr>
+            <a:cxnSpLocks/>
+            <a:stCxn id="5" idx="3"/>
+            <a:endCxn id="19" idx="1"/>
+          </p:cNvCxnSpPr>
+          <p:nvPr/>
+        </p:nvCxnSpPr>
+        <p:spPr>
+          <a:xfrm flipV="1">
+            <a:off x="5112863" y="1905132"/>
+            <a:ext cx="1182916" cy="139633"/>
+          </a:xfrm>
+          <a:prstGeom prst="straightConnector1">
+            <a:avLst/>
+          </a:prstGeom>
+          <a:ln>
+            <a:solidFill>
+              <a:schemeClr val="tx1"/>
+            </a:solidFill>
+            <a:tailEnd type="triangle"/>
+          </a:ln>
+        </p:spPr>
+        <p:style>
+          <a:lnRef idx="1">
+            <a:schemeClr val="accent1"/>
+          </a:lnRef>
+          <a:fillRef idx="0">
+            <a:schemeClr val="accent1"/>
+          </a:fillRef>
+          <a:effectRef idx="0">
+            <a:schemeClr val="accent1"/>
+          </a:effectRef>
+          <a:fontRef idx="minor">
+            <a:schemeClr val="tx1"/>
+          </a:fontRef>
+        </p:style>
+      </p:cxnSp>
+      <p:cxnSp>
+        <p:nvCxnSpPr>
+          <p:cNvPr id="154" name="Straight Arrow Connector 153">
+            <a:extLst>
+              <a:ext uri="{FF2B5EF4-FFF2-40B4-BE49-F238E27FC236}">
+                <a16:creationId xmlns:a16="http://schemas.microsoft.com/office/drawing/2014/main" id="{ACE8CF9B-7ACD-48E8-BB5C-C165C6517CEC}"/>
+              </a:ext>
+            </a:extLst>
+          </p:cNvPr>
+          <p:cNvCxnSpPr>
+            <a:cxnSpLocks/>
+            <a:stCxn id="4" idx="1"/>
+            <a:endCxn id="13" idx="3"/>
+          </p:cNvCxnSpPr>
+          <p:nvPr/>
+        </p:nvCxnSpPr>
+        <p:spPr>
+          <a:xfrm flipH="1">
+            <a:off x="2461249" y="3909382"/>
+            <a:ext cx="790794" cy="7327"/>
+          </a:xfrm>
+          <a:prstGeom prst="straightConnector1">
+            <a:avLst/>
+          </a:prstGeom>
+          <a:ln>
+            <a:tailEnd type="triangle"/>
+          </a:ln>
+        </p:spPr>
+        <p:style>
+          <a:lnRef idx="1">
+            <a:schemeClr val="accent1"/>
+          </a:lnRef>
+          <a:fillRef idx="0">
+            <a:schemeClr val="accent1"/>
+          </a:fillRef>
+          <a:effectRef idx="0">
+            <a:schemeClr val="accent1"/>
+          </a:effectRef>
+          <a:fontRef idx="minor">
+            <a:schemeClr val="tx1"/>
+          </a:fontRef>
+        </p:style>
+      </p:cxnSp>
+      <p:sp>
+        <p:nvSpPr>
+          <p:cNvPr id="161" name="TextBox 160">
+            <a:extLst>
+              <a:ext uri="{FF2B5EF4-FFF2-40B4-BE49-F238E27FC236}">
+                <a16:creationId xmlns:a16="http://schemas.microsoft.com/office/drawing/2014/main" id="{3EFFA89C-5A0F-43E9-8E5E-E7EFE761E46D}"/>
+              </a:ext>
+            </a:extLst>
+          </p:cNvPr>
+          <p:cNvSpPr txBox="1"/>
+          <p:nvPr/>
+        </p:nvSpPr>
+        <p:spPr>
+          <a:xfrm>
+            <a:off x="718799" y="5034569"/>
+            <a:ext cx="2075630" cy="646331"/>
+          </a:xfrm>
+          <a:prstGeom prst="rect">
+            <a:avLst/>
+          </a:prstGeom>
+          <a:noFill/>
+        </p:spPr>
+        <p:txBody>
+          <a:bodyPr wrap="square" rtlCol="0">
+            <a:spAutoFit/>
+          </a:bodyPr>
+          <a:lstStyle/>
+          <a:p>
+            <a:pPr marL="0" marR="0" lvl="0" indent="0" algn="l" defTabSz="914400" rtl="0" eaLnBrk="1" fontAlgn="auto" latinLnBrk="0" hangingPunct="1">
+              <a:lnSpc>
+                <a:spcPct val="100000"/>
+              </a:lnSpc>
+              <a:spcBef>
+                <a:spcPts val="0"/>
+              </a:spcBef>
+              <a:spcAft>
+                <a:spcPts val="0"/>
+              </a:spcAft>
+              <a:buClrTx/>
+              <a:buSzTx/>
+              <a:buFontTx/>
+              <a:buNone/>
+              <a:tabLst/>
+              <a:defRPr/>
+            </a:pPr>
+            <a:r>
+              <a:rPr kumimoji="0" lang="en-US" sz="900" b="1" i="0" u="none" strike="noStrike" kern="1200" cap="none" spc="0" normalizeH="0" baseline="0" noProof="0" dirty="0">
+                <a:ln>
+                  <a:noFill/>
+                </a:ln>
+                <a:solidFill>
+                  <a:prstClr val="black"/>
+                </a:solidFill>
+                <a:effectLst/>
+                <a:uLnTx/>
+                <a:uFillTx/>
+                <a:latin typeface="Calibri" panose="020F0502020204030204"/>
+                <a:ea typeface="+mn-ea"/>
+                <a:cs typeface="+mn-cs"/>
+              </a:rPr>
+              <a:t>*US Core Patient is also pointed to by all  RA Measure Reports, US Core Procedure,  US Core  Lab Observations, US Core Condition, etc</a:t>
+            </a:r>
+          </a:p>
+        </p:txBody>
+      </p:sp>
+      <p:sp>
+        <p:nvSpPr>
+          <p:cNvPr id="165" name="TextBox 164">
+            <a:extLst>
+              <a:ext uri="{FF2B5EF4-FFF2-40B4-BE49-F238E27FC236}">
+                <a16:creationId xmlns:a16="http://schemas.microsoft.com/office/drawing/2014/main" id="{8F126E68-CFBC-4650-89F4-8608C59D3052}"/>
+              </a:ext>
+            </a:extLst>
+          </p:cNvPr>
+          <p:cNvSpPr txBox="1"/>
+          <p:nvPr/>
+        </p:nvSpPr>
+        <p:spPr>
+          <a:xfrm>
+            <a:off x="2716620" y="2684407"/>
+            <a:ext cx="851536" cy="230832"/>
+          </a:xfrm>
+          <a:prstGeom prst="rect">
+            <a:avLst/>
+          </a:prstGeom>
+          <a:solidFill>
+            <a:schemeClr val="bg1"/>
+          </a:solidFill>
+        </p:spPr>
+        <p:txBody>
+          <a:bodyPr wrap="square" rtlCol="0">
+            <a:spAutoFit/>
+          </a:bodyPr>
+          <a:lstStyle/>
+          <a:p>
+            <a:pPr marL="0" marR="0" lvl="0" indent="0" algn="l" defTabSz="914400" rtl="0" eaLnBrk="1" fontAlgn="auto" latinLnBrk="0" hangingPunct="1">
+              <a:lnSpc>
+                <a:spcPct val="100000"/>
+              </a:lnSpc>
+              <a:spcBef>
+                <a:spcPts val="0"/>
+              </a:spcBef>
+              <a:spcAft>
+                <a:spcPts val="0"/>
+              </a:spcAft>
+              <a:buClrTx/>
+              <a:buSzTx/>
+              <a:buFontTx/>
+              <a:buNone/>
+              <a:tabLst/>
+              <a:defRPr/>
+            </a:pPr>
+            <a:r>
+              <a:rPr kumimoji="0" lang="en-US" sz="900" b="1" i="0" u="none" strike="noStrike" kern="1200" cap="none" spc="0" normalizeH="0" baseline="0" noProof="0" dirty="0">
+                <a:ln>
+                  <a:noFill/>
+                </a:ln>
+                <a:solidFill>
+                  <a:prstClr val="black"/>
+                </a:solidFill>
+                <a:effectLst/>
+                <a:uLnTx/>
+                <a:uFillTx/>
+                <a:latin typeface="Calibri" panose="020F0502020204030204"/>
+                <a:ea typeface="+mn-ea"/>
+                <a:cs typeface="+mn-cs"/>
+              </a:rPr>
+              <a:t>section.entry</a:t>
+            </a:r>
+          </a:p>
+        </p:txBody>
+      </p:sp>
+      <p:sp>
+        <p:nvSpPr>
+          <p:cNvPr id="174" name="TextBox 173">
+            <a:extLst>
+              <a:ext uri="{FF2B5EF4-FFF2-40B4-BE49-F238E27FC236}">
+                <a16:creationId xmlns:a16="http://schemas.microsoft.com/office/drawing/2014/main" id="{89984EC5-4D27-490C-94D4-8134C6A2E37D}"/>
+              </a:ext>
+            </a:extLst>
+          </p:cNvPr>
+          <p:cNvSpPr txBox="1"/>
+          <p:nvPr/>
+        </p:nvSpPr>
+        <p:spPr>
+          <a:xfrm>
+            <a:off x="1250351" y="2956726"/>
+            <a:ext cx="573375" cy="230832"/>
+          </a:xfrm>
+          <a:prstGeom prst="rect">
+            <a:avLst/>
+          </a:prstGeom>
+          <a:solidFill>
+            <a:schemeClr val="bg1"/>
+          </a:solidFill>
+        </p:spPr>
+        <p:txBody>
+          <a:bodyPr wrap="square" rtlCol="0">
+            <a:spAutoFit/>
+          </a:bodyPr>
+          <a:lstStyle/>
+          <a:p>
+            <a:pPr marL="0" marR="0" lvl="0" indent="0" algn="l" defTabSz="914400" rtl="0" eaLnBrk="1" fontAlgn="auto" latinLnBrk="0" hangingPunct="1">
+              <a:lnSpc>
+                <a:spcPct val="100000"/>
+              </a:lnSpc>
+              <a:spcBef>
+                <a:spcPts val="0"/>
+              </a:spcBef>
+              <a:spcAft>
+                <a:spcPts val="0"/>
+              </a:spcAft>
+              <a:buClrTx/>
+              <a:buSzTx/>
+              <a:buFontTx/>
+              <a:buNone/>
+              <a:tabLst/>
+              <a:defRPr/>
+            </a:pPr>
+            <a:r>
+              <a:rPr kumimoji="0" lang="en-US" sz="900" b="1" i="0" u="none" strike="noStrike" kern="1200" cap="none" spc="0" normalizeH="0" baseline="0" noProof="0" dirty="0">
+                <a:ln>
+                  <a:noFill/>
+                </a:ln>
+                <a:solidFill>
+                  <a:prstClr val="black"/>
+                </a:solidFill>
+                <a:effectLst/>
+                <a:uLnTx/>
+                <a:uFillTx/>
+                <a:latin typeface="Calibri" panose="020F0502020204030204"/>
+                <a:ea typeface="+mn-ea"/>
+                <a:cs typeface="+mn-cs"/>
+              </a:rPr>
+              <a:t>patient</a:t>
+            </a:r>
+          </a:p>
+        </p:txBody>
+      </p:sp>
+      <p:sp>
+        <p:nvSpPr>
+          <p:cNvPr id="175" name="TextBox 174">
+            <a:extLst>
+              <a:ext uri="{FF2B5EF4-FFF2-40B4-BE49-F238E27FC236}">
+                <a16:creationId xmlns:a16="http://schemas.microsoft.com/office/drawing/2014/main" id="{D0295861-70D2-48F2-A70D-BD6830F6561F}"/>
+              </a:ext>
+            </a:extLst>
+          </p:cNvPr>
+          <p:cNvSpPr txBox="1"/>
+          <p:nvPr/>
+        </p:nvSpPr>
+        <p:spPr>
+          <a:xfrm>
+            <a:off x="2602823" y="3782240"/>
+            <a:ext cx="573375" cy="230832"/>
+          </a:xfrm>
+          <a:prstGeom prst="rect">
+            <a:avLst/>
+          </a:prstGeom>
+          <a:solidFill>
+            <a:schemeClr val="bg1"/>
+          </a:solidFill>
+        </p:spPr>
+        <p:txBody>
+          <a:bodyPr wrap="square" rtlCol="0">
+            <a:spAutoFit/>
+          </a:bodyPr>
+          <a:lstStyle/>
+          <a:p>
+            <a:pPr marL="0" marR="0" lvl="0" indent="0" algn="l" defTabSz="914400" rtl="0" eaLnBrk="1" fontAlgn="auto" latinLnBrk="0" hangingPunct="1">
+              <a:lnSpc>
+                <a:spcPct val="100000"/>
+              </a:lnSpc>
+              <a:spcBef>
+                <a:spcPts val="0"/>
+              </a:spcBef>
+              <a:spcAft>
+                <a:spcPts val="0"/>
+              </a:spcAft>
+              <a:buClrTx/>
+              <a:buSzTx/>
+              <a:buFontTx/>
+              <a:buNone/>
+              <a:tabLst/>
+              <a:defRPr/>
+            </a:pPr>
+            <a:r>
+              <a:rPr kumimoji="0" lang="en-US" sz="900" b="1" i="0" u="none" strike="noStrike" kern="1200" cap="none" spc="0" normalizeH="0" baseline="0" noProof="0" dirty="0">
+                <a:ln>
+                  <a:noFill/>
+                </a:ln>
+                <a:solidFill>
+                  <a:prstClr val="black"/>
+                </a:solidFill>
+                <a:effectLst/>
+                <a:uLnTx/>
+                <a:uFillTx/>
+                <a:latin typeface="Calibri" panose="020F0502020204030204"/>
+                <a:ea typeface="+mn-ea"/>
+                <a:cs typeface="+mn-cs"/>
+              </a:rPr>
+              <a:t>subject</a:t>
+            </a:r>
+          </a:p>
+        </p:txBody>
+      </p:sp>
+      <p:sp>
+        <p:nvSpPr>
+          <p:cNvPr id="176" name="TextBox 175">
+            <a:extLst>
+              <a:ext uri="{FF2B5EF4-FFF2-40B4-BE49-F238E27FC236}">
+                <a16:creationId xmlns:a16="http://schemas.microsoft.com/office/drawing/2014/main" id="{F4254C16-5AD4-454F-B8DE-A78DB7317DD0}"/>
+              </a:ext>
+            </a:extLst>
+          </p:cNvPr>
+          <p:cNvSpPr txBox="1"/>
+          <p:nvPr/>
+        </p:nvSpPr>
+        <p:spPr>
+          <a:xfrm>
+            <a:off x="3850155" y="4568002"/>
+            <a:ext cx="798376" cy="230832"/>
+          </a:xfrm>
+          <a:prstGeom prst="rect">
+            <a:avLst/>
+          </a:prstGeom>
+          <a:solidFill>
+            <a:schemeClr val="bg1"/>
+          </a:solidFill>
+        </p:spPr>
+        <p:txBody>
+          <a:bodyPr wrap="square" rtlCol="0">
+            <a:spAutoFit/>
+          </a:bodyPr>
+          <a:lstStyle/>
+          <a:p>
+            <a:pPr marL="0" marR="0" lvl="0" indent="0" algn="l" defTabSz="914400" rtl="0" eaLnBrk="1" fontAlgn="auto" latinLnBrk="0" hangingPunct="1">
+              <a:lnSpc>
+                <a:spcPct val="100000"/>
+              </a:lnSpc>
+              <a:spcBef>
+                <a:spcPts val="0"/>
+              </a:spcBef>
+              <a:spcAft>
+                <a:spcPts val="0"/>
+              </a:spcAft>
+              <a:buClrTx/>
+              <a:buSzTx/>
+              <a:buFontTx/>
+              <a:buNone/>
+              <a:tabLst/>
+              <a:defRPr/>
+            </a:pPr>
+            <a:r>
+              <a:rPr kumimoji="0" lang="en-US" sz="900" b="1" i="0" u="none" strike="noStrike" kern="1200" cap="none" spc="0" normalizeH="0" baseline="0" noProof="0" dirty="0">
+                <a:ln>
+                  <a:noFill/>
+                </a:ln>
+                <a:solidFill>
+                  <a:prstClr val="black"/>
+                </a:solidFill>
+                <a:effectLst/>
+                <a:uLnTx/>
+                <a:uFillTx/>
+                <a:latin typeface="Calibri" panose="020F0502020204030204"/>
+                <a:ea typeface="+mn-ea"/>
+                <a:cs typeface="+mn-cs"/>
+              </a:rPr>
+              <a:t>custodian</a:t>
+            </a:r>
+          </a:p>
+        </p:txBody>
+      </p:sp>
+      <p:sp>
+        <p:nvSpPr>
+          <p:cNvPr id="178" name="TextBox 177">
+            <a:extLst>
+              <a:ext uri="{FF2B5EF4-FFF2-40B4-BE49-F238E27FC236}">
+                <a16:creationId xmlns:a16="http://schemas.microsoft.com/office/drawing/2014/main" id="{6DC5E373-7EFD-4CA0-9108-834DD55A204E}"/>
+              </a:ext>
+            </a:extLst>
+          </p:cNvPr>
+          <p:cNvSpPr txBox="1"/>
+          <p:nvPr/>
+        </p:nvSpPr>
+        <p:spPr>
+          <a:xfrm>
+            <a:off x="3912843" y="2797557"/>
+            <a:ext cx="573375" cy="230832"/>
+          </a:xfrm>
+          <a:prstGeom prst="rect">
+            <a:avLst/>
+          </a:prstGeom>
+          <a:solidFill>
+            <a:schemeClr val="bg1"/>
+          </a:solidFill>
+        </p:spPr>
+        <p:txBody>
+          <a:bodyPr wrap="square" rtlCol="0">
+            <a:spAutoFit/>
+          </a:bodyPr>
+          <a:lstStyle/>
+          <a:p>
+            <a:pPr marL="0" marR="0" lvl="0" indent="0" algn="l" defTabSz="914400" rtl="0" eaLnBrk="1" fontAlgn="auto" latinLnBrk="0" hangingPunct="1">
+              <a:lnSpc>
+                <a:spcPct val="100000"/>
+              </a:lnSpc>
+              <a:spcBef>
+                <a:spcPts val="0"/>
+              </a:spcBef>
+              <a:spcAft>
+                <a:spcPts val="0"/>
+              </a:spcAft>
+              <a:buClrTx/>
+              <a:buSzTx/>
+              <a:buFontTx/>
+              <a:buNone/>
+              <a:tabLst/>
+              <a:defRPr/>
+            </a:pPr>
+            <a:r>
+              <a:rPr kumimoji="0" lang="en-US" sz="900" b="1" i="0" u="none" strike="noStrike" kern="1200" cap="none" spc="0" normalizeH="0" baseline="0" noProof="0" dirty="0">
+                <a:ln>
+                  <a:noFill/>
+                </a:ln>
+                <a:solidFill>
+                  <a:prstClr val="black"/>
+                </a:solidFill>
+                <a:effectLst/>
+                <a:uLnTx/>
+                <a:uFillTx/>
+                <a:latin typeface="Calibri" panose="020F0502020204030204"/>
+                <a:ea typeface="+mn-ea"/>
+                <a:cs typeface="+mn-cs"/>
+              </a:rPr>
+              <a:t>entry</a:t>
+            </a:r>
+          </a:p>
+        </p:txBody>
+      </p:sp>
+      <p:sp>
+        <p:nvSpPr>
+          <p:cNvPr id="51" name="Flowchart: Process 50">
+            <a:extLst>
+              <a:ext uri="{FF2B5EF4-FFF2-40B4-BE49-F238E27FC236}">
+                <a16:creationId xmlns:a16="http://schemas.microsoft.com/office/drawing/2014/main" id="{26D4DD73-45E1-43F9-ADDC-8A6DA302101C}"/>
+              </a:ext>
+            </a:extLst>
+          </p:cNvPr>
+          <p:cNvSpPr/>
+          <p:nvPr/>
+        </p:nvSpPr>
+        <p:spPr>
+          <a:xfrm>
+            <a:off x="6256762" y="342663"/>
+            <a:ext cx="1934738" cy="747552"/>
+          </a:xfrm>
+          <a:prstGeom prst="flowChartProcess">
+            <a:avLst/>
+          </a:prstGeom>
+          <a:ln>
+            <a:solidFill>
+              <a:schemeClr val="tx1"/>
+            </a:solidFill>
+          </a:ln>
+        </p:spPr>
+        <p:style>
+          <a:lnRef idx="2">
+            <a:schemeClr val="accent1">
+              <a:shade val="50000"/>
+            </a:schemeClr>
+          </a:lnRef>
+          <a:fillRef idx="1">
+            <a:schemeClr val="accent1"/>
+          </a:fillRef>
+          <a:effectRef idx="0">
+            <a:schemeClr val="accent1"/>
+          </a:effectRef>
+          <a:fontRef idx="minor">
+            <a:schemeClr val="lt1"/>
+          </a:fontRef>
+        </p:style>
+        <p:txBody>
+          <a:bodyPr rtlCol="0" anchor="ctr"/>
+          <a:lstStyle/>
+          <a:p>
+            <a:pPr marL="0" marR="0" lvl="0" indent="0" algn="ctr" defTabSz="914400" rtl="0" eaLnBrk="1" fontAlgn="auto" latinLnBrk="0" hangingPunct="1">
+              <a:lnSpc>
+                <a:spcPct val="100000"/>
+              </a:lnSpc>
+              <a:spcBef>
+                <a:spcPts val="0"/>
+              </a:spcBef>
+              <a:spcAft>
+                <a:spcPts val="0"/>
+              </a:spcAft>
+              <a:buClrTx/>
+              <a:buSzTx/>
+              <a:buFontTx/>
+              <a:buNone/>
+              <a:tabLst/>
+              <a:defRPr/>
+            </a:pPr>
+            <a:r>
+              <a:rPr kumimoji="0" lang="en-US" sz="1600" b="0" i="0" u="none" strike="noStrike" kern="1200" cap="none" spc="0" normalizeH="0" baseline="0" noProof="0" dirty="0">
+                <a:ln>
+                  <a:noFill/>
+                </a:ln>
+                <a:solidFill>
+                  <a:prstClr val="white"/>
+                </a:solidFill>
+                <a:effectLst/>
+                <a:uLnTx/>
+                <a:uFillTx/>
+                <a:latin typeface="Calibri" panose="020F0502020204030204"/>
+                <a:ea typeface="+mn-ea"/>
+                <a:cs typeface="+mn-cs"/>
+              </a:rPr>
+              <a:t>RA Measure</a:t>
+            </a:r>
+          </a:p>
+          <a:p>
+            <a:pPr marL="0" marR="0" lvl="0" indent="0" algn="ctr" defTabSz="914400" rtl="0" eaLnBrk="1" fontAlgn="auto" latinLnBrk="0" hangingPunct="1">
+              <a:lnSpc>
+                <a:spcPct val="100000"/>
+              </a:lnSpc>
+              <a:spcBef>
+                <a:spcPts val="0"/>
+              </a:spcBef>
+              <a:spcAft>
+                <a:spcPts val="0"/>
+              </a:spcAft>
+              <a:buClrTx/>
+              <a:buSzTx/>
+              <a:buFontTx/>
+              <a:buNone/>
+              <a:tabLst/>
+              <a:defRPr/>
+            </a:pPr>
+            <a:r>
+              <a:rPr kumimoji="0" lang="en-US" sz="1600" b="0" i="0" u="none" strike="noStrike" kern="1200" cap="none" spc="0" normalizeH="0" baseline="0" noProof="0" dirty="0">
+                <a:ln>
+                  <a:noFill/>
+                </a:ln>
+                <a:solidFill>
+                  <a:prstClr val="white"/>
+                </a:solidFill>
+                <a:effectLst/>
+                <a:uLnTx/>
+                <a:uFillTx/>
+                <a:latin typeface="Calibri" panose="020F0502020204030204"/>
+                <a:ea typeface="+mn-ea"/>
+                <a:cs typeface="+mn-cs"/>
+              </a:rPr>
+              <a:t>CMS HCC v24</a:t>
+            </a:r>
+          </a:p>
+        </p:txBody>
+      </p:sp>
+      <p:cxnSp>
+        <p:nvCxnSpPr>
+          <p:cNvPr id="29" name="Straight Arrow Connector 28">
+            <a:extLst>
+              <a:ext uri="{FF2B5EF4-FFF2-40B4-BE49-F238E27FC236}">
+                <a16:creationId xmlns:a16="http://schemas.microsoft.com/office/drawing/2014/main" id="{1D879AAF-6430-4FAA-9C17-0821D2F4F1D5}"/>
+              </a:ext>
+            </a:extLst>
+          </p:cNvPr>
+          <p:cNvCxnSpPr>
+            <a:cxnSpLocks/>
+            <a:stCxn id="19" idx="0"/>
+            <a:endCxn id="51" idx="2"/>
+          </p:cNvCxnSpPr>
+          <p:nvPr/>
+        </p:nvCxnSpPr>
+        <p:spPr>
+          <a:xfrm flipH="1" flipV="1">
+            <a:off x="7224131" y="1090215"/>
+            <a:ext cx="3804" cy="441141"/>
+          </a:xfrm>
+          <a:prstGeom prst="straightConnector1">
+            <a:avLst/>
+          </a:prstGeom>
+          <a:ln>
+            <a:tailEnd type="triangle"/>
+          </a:ln>
+        </p:spPr>
+        <p:style>
+          <a:lnRef idx="1">
+            <a:schemeClr val="accent1"/>
+          </a:lnRef>
+          <a:fillRef idx="0">
+            <a:schemeClr val="accent1"/>
+          </a:fillRef>
+          <a:effectRef idx="0">
+            <a:schemeClr val="accent1"/>
+          </a:effectRef>
+          <a:fontRef idx="minor">
+            <a:schemeClr val="tx1"/>
+          </a:fontRef>
+        </p:style>
+      </p:cxnSp>
+      <p:sp>
+        <p:nvSpPr>
+          <p:cNvPr id="52" name="TextBox 51">
+            <a:extLst>
+              <a:ext uri="{FF2B5EF4-FFF2-40B4-BE49-F238E27FC236}">
+                <a16:creationId xmlns:a16="http://schemas.microsoft.com/office/drawing/2014/main" id="{8C27D146-23E1-4682-8A4A-54C5926B687F}"/>
+              </a:ext>
+            </a:extLst>
+          </p:cNvPr>
+          <p:cNvSpPr txBox="1"/>
+          <p:nvPr/>
+        </p:nvSpPr>
+        <p:spPr>
+          <a:xfrm>
+            <a:off x="6958015" y="1210109"/>
+            <a:ext cx="1092114" cy="230832"/>
+          </a:xfrm>
+          <a:prstGeom prst="rect">
+            <a:avLst/>
+          </a:prstGeom>
+          <a:solidFill>
+            <a:schemeClr val="bg1"/>
+          </a:solidFill>
+        </p:spPr>
+        <p:txBody>
+          <a:bodyPr wrap="square" rtlCol="0">
+            <a:spAutoFit/>
+          </a:bodyPr>
+          <a:lstStyle/>
+          <a:p>
+            <a:pPr marL="0" marR="0" lvl="0" indent="0" algn="l" defTabSz="914400" rtl="0" eaLnBrk="1" fontAlgn="auto" latinLnBrk="0" hangingPunct="1">
+              <a:lnSpc>
+                <a:spcPct val="100000"/>
+              </a:lnSpc>
+              <a:spcBef>
+                <a:spcPts val="0"/>
+              </a:spcBef>
+              <a:spcAft>
+                <a:spcPts val="0"/>
+              </a:spcAft>
+              <a:buClrTx/>
+              <a:buSzTx/>
+              <a:buFontTx/>
+              <a:buNone/>
+              <a:tabLst/>
+              <a:defRPr/>
+            </a:pPr>
+            <a:r>
+              <a:rPr kumimoji="0" lang="en-US" sz="900" b="1" i="0" u="none" strike="noStrike" kern="1200" cap="none" spc="0" normalizeH="0" baseline="0" noProof="0" dirty="0">
+                <a:ln>
+                  <a:noFill/>
+                </a:ln>
+                <a:solidFill>
+                  <a:prstClr val="black"/>
+                </a:solidFill>
+                <a:effectLst/>
+                <a:uLnTx/>
+                <a:uFillTx/>
+                <a:latin typeface="Calibri" panose="020F0502020204030204"/>
+                <a:ea typeface="+mn-ea"/>
+                <a:cs typeface="+mn-cs"/>
+              </a:rPr>
+              <a:t>measure</a:t>
+            </a:r>
+          </a:p>
+        </p:txBody>
+      </p:sp>
+      <p:sp>
+        <p:nvSpPr>
+          <p:cNvPr id="55" name="TextBox 54">
+            <a:extLst>
+              <a:ext uri="{FF2B5EF4-FFF2-40B4-BE49-F238E27FC236}">
+                <a16:creationId xmlns:a16="http://schemas.microsoft.com/office/drawing/2014/main" id="{E3F7F9A1-8F24-4136-BF9D-69A2F98F5CB6}"/>
+              </a:ext>
+            </a:extLst>
+          </p:cNvPr>
+          <p:cNvSpPr txBox="1"/>
+          <p:nvPr/>
+        </p:nvSpPr>
+        <p:spPr>
+          <a:xfrm>
+            <a:off x="8520003" y="1913261"/>
+            <a:ext cx="1092114" cy="230832"/>
+          </a:xfrm>
+          <a:prstGeom prst="rect">
+            <a:avLst/>
+          </a:prstGeom>
+          <a:solidFill>
+            <a:schemeClr val="bg1"/>
+          </a:solidFill>
+        </p:spPr>
+        <p:txBody>
+          <a:bodyPr wrap="square" rtlCol="0">
+            <a:spAutoFit/>
+          </a:bodyPr>
+          <a:lstStyle/>
+          <a:p>
+            <a:pPr marL="0" marR="0" lvl="0" indent="0" algn="l" defTabSz="914400" rtl="0" eaLnBrk="1" fontAlgn="auto" latinLnBrk="0" hangingPunct="1">
+              <a:lnSpc>
+                <a:spcPct val="100000"/>
+              </a:lnSpc>
+              <a:spcBef>
+                <a:spcPts val="0"/>
+              </a:spcBef>
+              <a:spcAft>
+                <a:spcPts val="0"/>
+              </a:spcAft>
+              <a:buClrTx/>
+              <a:buSzTx/>
+              <a:buFontTx/>
+              <a:buNone/>
+              <a:tabLst/>
+              <a:defRPr/>
+            </a:pPr>
+            <a:r>
+              <a:rPr kumimoji="0" lang="en-US" sz="900" b="1" i="0" u="none" strike="noStrike" kern="1200" cap="none" spc="0" normalizeH="0" baseline="0" noProof="0" dirty="0">
+                <a:ln>
+                  <a:noFill/>
+                </a:ln>
+                <a:solidFill>
+                  <a:prstClr val="black"/>
+                </a:solidFill>
+                <a:effectLst/>
+                <a:uLnTx/>
+                <a:uFillTx/>
+                <a:latin typeface="Calibri" panose="020F0502020204030204"/>
+                <a:ea typeface="+mn-ea"/>
+                <a:cs typeface="+mn-cs"/>
+              </a:rPr>
+              <a:t>evaluateResources</a:t>
+            </a:r>
+          </a:p>
+        </p:txBody>
+      </p:sp>
+      <p:sp>
+        <p:nvSpPr>
+          <p:cNvPr id="53" name="Flowchart: Process 52">
+            <a:extLst>
+              <a:ext uri="{FF2B5EF4-FFF2-40B4-BE49-F238E27FC236}">
+                <a16:creationId xmlns:a16="http://schemas.microsoft.com/office/drawing/2014/main" id="{4134BEED-462A-4D21-92CE-2B5D05EAFFE6}"/>
+              </a:ext>
+            </a:extLst>
+          </p:cNvPr>
+          <p:cNvSpPr/>
+          <p:nvPr/>
+        </p:nvSpPr>
+        <p:spPr>
+          <a:xfrm>
+            <a:off x="6261101" y="6110448"/>
+            <a:ext cx="1879599" cy="747552"/>
+          </a:xfrm>
+          <a:prstGeom prst="flowChartProcess">
+            <a:avLst/>
+          </a:prstGeom>
+          <a:solidFill>
+            <a:schemeClr val="accent1">
+              <a:lumMod val="60000"/>
+              <a:lumOff val="40000"/>
+            </a:schemeClr>
+          </a:solidFill>
+          <a:ln>
+            <a:solidFill>
+              <a:schemeClr val="tx1"/>
+            </a:solidFill>
+          </a:ln>
+        </p:spPr>
+        <p:style>
+          <a:lnRef idx="2">
+            <a:schemeClr val="accent1">
+              <a:shade val="50000"/>
+            </a:schemeClr>
+          </a:lnRef>
+          <a:fillRef idx="1">
+            <a:schemeClr val="accent1"/>
+          </a:fillRef>
+          <a:effectRef idx="0">
+            <a:schemeClr val="accent1"/>
+          </a:effectRef>
+          <a:fontRef idx="minor">
+            <a:schemeClr val="lt1"/>
+          </a:fontRef>
+        </p:style>
+        <p:txBody>
+          <a:bodyPr rtlCol="0" anchor="ctr"/>
+          <a:lstStyle/>
+          <a:p>
+            <a:pPr marL="0" marR="0" lvl="0" indent="0" algn="ctr" defTabSz="914400" rtl="0" eaLnBrk="1" fontAlgn="auto" latinLnBrk="0" hangingPunct="1">
+              <a:lnSpc>
+                <a:spcPct val="100000"/>
+              </a:lnSpc>
+              <a:spcBef>
+                <a:spcPts val="0"/>
+              </a:spcBef>
+              <a:spcAft>
+                <a:spcPts val="0"/>
+              </a:spcAft>
+              <a:buClrTx/>
+              <a:buSzTx/>
+              <a:buFontTx/>
+              <a:buNone/>
+              <a:tabLst/>
+              <a:defRPr/>
+            </a:pPr>
+            <a:r>
+              <a:rPr kumimoji="0" lang="en-US" sz="1600" b="0" i="0" u="none" strike="noStrike" kern="1200" cap="none" spc="0" normalizeH="0" baseline="0" noProof="0" dirty="0">
+                <a:ln>
+                  <a:noFill/>
+                </a:ln>
+                <a:solidFill>
+                  <a:prstClr val="white"/>
+                </a:solidFill>
+                <a:effectLst/>
+                <a:uLnTx/>
+                <a:uFillTx/>
+                <a:latin typeface="Calibri" panose="020F0502020204030204"/>
+                <a:ea typeface="+mn-ea"/>
+                <a:cs typeface="+mn-cs"/>
+              </a:rPr>
+              <a:t>RA Measure</a:t>
+            </a:r>
+          </a:p>
+          <a:p>
+            <a:pPr marL="0" marR="0" lvl="0" indent="0" algn="ctr" defTabSz="914400" rtl="0" eaLnBrk="1" fontAlgn="auto" latinLnBrk="0" hangingPunct="1">
+              <a:lnSpc>
+                <a:spcPct val="100000"/>
+              </a:lnSpc>
+              <a:spcBef>
+                <a:spcPts val="0"/>
+              </a:spcBef>
+              <a:spcAft>
+                <a:spcPts val="0"/>
+              </a:spcAft>
+              <a:buClrTx/>
+              <a:buSzTx/>
+              <a:buFontTx/>
+              <a:buNone/>
+              <a:tabLst/>
+              <a:defRPr/>
+            </a:pPr>
+            <a:r>
+              <a:rPr kumimoji="0" lang="en-US" sz="1600" b="0" i="0" u="none" strike="noStrike" kern="1200" cap="none" spc="0" normalizeH="0" baseline="0" noProof="0" dirty="0">
+                <a:ln>
+                  <a:noFill/>
+                </a:ln>
+                <a:solidFill>
+                  <a:prstClr val="white"/>
+                </a:solidFill>
+                <a:effectLst/>
+                <a:uLnTx/>
+                <a:uFillTx/>
+                <a:latin typeface="Calibri" panose="020F0502020204030204"/>
+                <a:ea typeface="+mn-ea"/>
+                <a:cs typeface="+mn-cs"/>
+              </a:rPr>
+              <a:t>Rx HCC v05</a:t>
+            </a:r>
+          </a:p>
+        </p:txBody>
+      </p:sp>
+      <p:sp>
+        <p:nvSpPr>
+          <p:cNvPr id="54" name="Flowchart: Process 53">
+            <a:extLst>
+              <a:ext uri="{FF2B5EF4-FFF2-40B4-BE49-F238E27FC236}">
+                <a16:creationId xmlns:a16="http://schemas.microsoft.com/office/drawing/2014/main" id="{53785A16-DD10-419D-9D42-DB4D56208B37}"/>
+              </a:ext>
+            </a:extLst>
+          </p:cNvPr>
+          <p:cNvSpPr/>
+          <p:nvPr/>
+        </p:nvSpPr>
+        <p:spPr>
+          <a:xfrm>
+            <a:off x="9943200" y="1104142"/>
+            <a:ext cx="1864310" cy="940558"/>
+          </a:xfrm>
+          <a:prstGeom prst="flowChartProcess">
+            <a:avLst/>
+          </a:prstGeom>
+          <a:ln>
+            <a:solidFill>
+              <a:schemeClr val="tx1"/>
+            </a:solidFill>
+          </a:ln>
+        </p:spPr>
+        <p:style>
+          <a:lnRef idx="2">
+            <a:schemeClr val="accent1">
+              <a:shade val="50000"/>
+            </a:schemeClr>
+          </a:lnRef>
+          <a:fillRef idx="1">
+            <a:schemeClr val="accent1"/>
+          </a:fillRef>
+          <a:effectRef idx="0">
+            <a:schemeClr val="accent1"/>
+          </a:effectRef>
+          <a:fontRef idx="minor">
+            <a:schemeClr val="lt1"/>
+          </a:fontRef>
+        </p:style>
+        <p:txBody>
+          <a:bodyPr rtlCol="0" anchor="ctr"/>
+          <a:lstStyle/>
+          <a:p>
+            <a:pPr marL="0" marR="0" lvl="0" indent="0" algn="ctr" defTabSz="914400" rtl="0" eaLnBrk="1" fontAlgn="auto" latinLnBrk="0" hangingPunct="1">
+              <a:lnSpc>
+                <a:spcPct val="100000"/>
+              </a:lnSpc>
+              <a:spcBef>
+                <a:spcPts val="0"/>
+              </a:spcBef>
+              <a:spcAft>
+                <a:spcPts val="0"/>
+              </a:spcAft>
+              <a:buClrTx/>
+              <a:buSzTx/>
+              <a:buFontTx/>
+              <a:buNone/>
+              <a:tabLst/>
+              <a:defRPr/>
+            </a:pPr>
+            <a:r>
+              <a:rPr kumimoji="0" lang="en-US" sz="1600" b="0" i="0" u="none" strike="noStrike" kern="1200" cap="none" spc="0" normalizeH="0" baseline="0" noProof="0" dirty="0">
+                <a:ln>
+                  <a:noFill/>
+                </a:ln>
+                <a:solidFill>
+                  <a:prstClr val="white"/>
+                </a:solidFill>
+                <a:effectLst/>
+                <a:uLnTx/>
+                <a:uFillTx/>
+                <a:latin typeface="Calibri" panose="020F0502020204030204"/>
+                <a:ea typeface="+mn-ea"/>
+                <a:cs typeface="+mn-cs"/>
+              </a:rPr>
+              <a:t>US Core Encounter</a:t>
+            </a:r>
+          </a:p>
+          <a:p>
+            <a:pPr marL="0" marR="0" lvl="0" indent="0" algn="ctr" defTabSz="914400" rtl="0" eaLnBrk="1" fontAlgn="auto" latinLnBrk="0" hangingPunct="1">
+              <a:lnSpc>
+                <a:spcPct val="100000"/>
+              </a:lnSpc>
+              <a:spcBef>
+                <a:spcPts val="0"/>
+              </a:spcBef>
+              <a:spcAft>
+                <a:spcPts val="0"/>
+              </a:spcAft>
+              <a:buClrTx/>
+              <a:buSzTx/>
+              <a:buFontTx/>
+              <a:buNone/>
+              <a:tabLst/>
+              <a:defRPr/>
+            </a:pPr>
+            <a:r>
+              <a:rPr kumimoji="0" lang="en-US" sz="1600" b="0" i="0" u="none" strike="noStrike" kern="1200" cap="none" spc="0" normalizeH="0" baseline="0" noProof="0" dirty="0">
+                <a:ln>
+                  <a:noFill/>
+                </a:ln>
+                <a:solidFill>
+                  <a:prstClr val="white"/>
+                </a:solidFill>
+                <a:effectLst/>
+                <a:uLnTx/>
+                <a:uFillTx/>
+                <a:latin typeface="Calibri" panose="020F0502020204030204"/>
+                <a:ea typeface="+mn-ea"/>
+                <a:cs typeface="+mn-cs"/>
+              </a:rPr>
+              <a:t>20210401</a:t>
+            </a:r>
+            <a:endParaRPr kumimoji="0" lang="en-US" sz="1000" b="0" i="0" u="none" strike="noStrike" kern="1200" cap="none" spc="0" normalizeH="0" baseline="0" noProof="0" dirty="0">
+              <a:ln>
+                <a:noFill/>
+              </a:ln>
+              <a:solidFill>
+                <a:prstClr val="white"/>
+              </a:solidFill>
+              <a:effectLst/>
+              <a:uLnTx/>
+              <a:uFillTx/>
+              <a:latin typeface="Calibri" panose="020F0502020204030204"/>
+              <a:ea typeface="+mn-ea"/>
+              <a:cs typeface="+mn-cs"/>
+            </a:endParaRPr>
+          </a:p>
+        </p:txBody>
+      </p:sp>
+      <p:sp>
+        <p:nvSpPr>
+          <p:cNvPr id="56" name="Flowchart: Process 55">
+            <a:extLst>
+              <a:ext uri="{FF2B5EF4-FFF2-40B4-BE49-F238E27FC236}">
+                <a16:creationId xmlns:a16="http://schemas.microsoft.com/office/drawing/2014/main" id="{C9F96D85-F524-4D73-94B2-0434F1DF9812}"/>
+              </a:ext>
+            </a:extLst>
+          </p:cNvPr>
+          <p:cNvSpPr/>
+          <p:nvPr/>
+        </p:nvSpPr>
+        <p:spPr>
+          <a:xfrm>
+            <a:off x="9930500" y="2338910"/>
+            <a:ext cx="1864310" cy="917206"/>
+          </a:xfrm>
+          <a:prstGeom prst="flowChartProcess">
+            <a:avLst/>
+          </a:prstGeom>
+          <a:ln>
+            <a:solidFill>
+              <a:schemeClr val="tx1"/>
+            </a:solidFill>
+          </a:ln>
+        </p:spPr>
+        <p:style>
+          <a:lnRef idx="2">
+            <a:schemeClr val="accent1">
+              <a:shade val="50000"/>
+            </a:schemeClr>
+          </a:lnRef>
+          <a:fillRef idx="1">
+            <a:schemeClr val="accent1"/>
+          </a:fillRef>
+          <a:effectRef idx="0">
+            <a:schemeClr val="accent1"/>
+          </a:effectRef>
+          <a:fontRef idx="minor">
+            <a:schemeClr val="lt1"/>
+          </a:fontRef>
+        </p:style>
+        <p:txBody>
+          <a:bodyPr rtlCol="0" anchor="ctr"/>
+          <a:lstStyle/>
+          <a:p>
+            <a:pPr marL="0" marR="0" lvl="0" indent="0" algn="ctr" defTabSz="914400" rtl="0" eaLnBrk="1" fontAlgn="auto" latinLnBrk="0" hangingPunct="1">
+              <a:lnSpc>
+                <a:spcPct val="100000"/>
+              </a:lnSpc>
+              <a:spcBef>
+                <a:spcPts val="0"/>
+              </a:spcBef>
+              <a:spcAft>
+                <a:spcPts val="0"/>
+              </a:spcAft>
+              <a:buClrTx/>
+              <a:buSzTx/>
+              <a:buFontTx/>
+              <a:buNone/>
+              <a:tabLst/>
+              <a:defRPr/>
+            </a:pPr>
+            <a:r>
+              <a:rPr kumimoji="0" lang="en-US" sz="1600" b="0" i="0" u="none" strike="noStrike" kern="1200" cap="none" spc="0" normalizeH="0" baseline="0" noProof="0" dirty="0">
+                <a:ln>
+                  <a:noFill/>
+                </a:ln>
+                <a:solidFill>
+                  <a:prstClr val="white"/>
+                </a:solidFill>
+                <a:effectLst/>
+                <a:uLnTx/>
+                <a:uFillTx/>
+                <a:latin typeface="Calibri" panose="020F0502020204030204"/>
+                <a:ea typeface="+mn-ea"/>
+                <a:cs typeface="+mn-cs"/>
+              </a:rPr>
+              <a:t>US Core Observation</a:t>
+            </a:r>
+          </a:p>
+          <a:p>
+            <a:pPr marL="0" marR="0" lvl="0" indent="0" algn="ctr" defTabSz="914400" rtl="0" eaLnBrk="1" fontAlgn="auto" latinLnBrk="0" hangingPunct="1">
+              <a:lnSpc>
+                <a:spcPct val="100000"/>
+              </a:lnSpc>
+              <a:spcBef>
+                <a:spcPts val="0"/>
+              </a:spcBef>
+              <a:spcAft>
+                <a:spcPts val="0"/>
+              </a:spcAft>
+              <a:buClrTx/>
+              <a:buSzTx/>
+              <a:buFontTx/>
+              <a:buNone/>
+              <a:tabLst/>
+              <a:defRPr/>
+            </a:pPr>
+            <a:r>
+              <a:rPr kumimoji="0" lang="en-US" sz="1600" b="0" i="0" u="none" strike="noStrike" kern="1200" cap="none" spc="0" normalizeH="0" baseline="0" noProof="0" dirty="0">
+                <a:ln>
+                  <a:noFill/>
+                </a:ln>
+                <a:solidFill>
+                  <a:prstClr val="white"/>
+                </a:solidFill>
+                <a:effectLst/>
+                <a:uLnTx/>
+                <a:uFillTx/>
+                <a:latin typeface="Calibri" panose="020F0502020204030204"/>
+                <a:ea typeface="+mn-ea"/>
+                <a:cs typeface="+mn-cs"/>
+              </a:rPr>
+              <a:t>A1C of 9.4/20210401</a:t>
+            </a:r>
+            <a:endParaRPr kumimoji="0" lang="en-US" sz="1000" b="0" i="0" u="none" strike="noStrike" kern="1200" cap="none" spc="0" normalizeH="0" baseline="0" noProof="0" dirty="0">
+              <a:ln>
+                <a:noFill/>
+              </a:ln>
+              <a:solidFill>
+                <a:prstClr val="white"/>
+              </a:solidFill>
+              <a:effectLst/>
+              <a:uLnTx/>
+              <a:uFillTx/>
+              <a:latin typeface="Calibri" panose="020F0502020204030204"/>
+              <a:ea typeface="+mn-ea"/>
+              <a:cs typeface="+mn-cs"/>
+            </a:endParaRPr>
+          </a:p>
+        </p:txBody>
+      </p:sp>
+      <p:cxnSp>
+        <p:nvCxnSpPr>
+          <p:cNvPr id="40" name="Straight Arrow Connector 39">
+            <a:extLst>
+              <a:ext uri="{FF2B5EF4-FFF2-40B4-BE49-F238E27FC236}">
+                <a16:creationId xmlns:a16="http://schemas.microsoft.com/office/drawing/2014/main" id="{98C70785-72DF-4B04-B087-9C4D80B1FCF5}"/>
+              </a:ext>
+            </a:extLst>
+          </p:cNvPr>
+          <p:cNvCxnSpPr>
+            <a:cxnSpLocks/>
+            <a:stCxn id="19" idx="3"/>
+            <a:endCxn id="56" idx="1"/>
+          </p:cNvCxnSpPr>
+          <p:nvPr/>
+        </p:nvCxnSpPr>
+        <p:spPr>
+          <a:xfrm>
+            <a:off x="8160090" y="1905132"/>
+            <a:ext cx="1770410" cy="892381"/>
+          </a:xfrm>
+          <a:prstGeom prst="straightConnector1">
+            <a:avLst/>
+          </a:prstGeom>
+          <a:ln>
+            <a:tailEnd type="triangle"/>
+          </a:ln>
+        </p:spPr>
+        <p:style>
+          <a:lnRef idx="1">
+            <a:schemeClr val="accent1"/>
+          </a:lnRef>
+          <a:fillRef idx="0">
+            <a:schemeClr val="accent1"/>
+          </a:fillRef>
+          <a:effectRef idx="0">
+            <a:schemeClr val="accent1"/>
+          </a:effectRef>
+          <a:fontRef idx="minor">
+            <a:schemeClr val="tx1"/>
+          </a:fontRef>
+        </p:style>
+      </p:cxnSp>
+      <p:cxnSp>
+        <p:nvCxnSpPr>
+          <p:cNvPr id="64" name="Straight Arrow Connector 63">
+            <a:extLst>
+              <a:ext uri="{FF2B5EF4-FFF2-40B4-BE49-F238E27FC236}">
+                <a16:creationId xmlns:a16="http://schemas.microsoft.com/office/drawing/2014/main" id="{DD3DA6C3-C316-4DD9-92F3-8C0C8B4E40FD}"/>
+              </a:ext>
+            </a:extLst>
+          </p:cNvPr>
+          <p:cNvCxnSpPr>
+            <a:cxnSpLocks/>
+            <a:stCxn id="19" idx="3"/>
+            <a:endCxn id="54" idx="1"/>
+          </p:cNvCxnSpPr>
+          <p:nvPr/>
+        </p:nvCxnSpPr>
+        <p:spPr>
+          <a:xfrm flipV="1">
+            <a:off x="8160090" y="1574421"/>
+            <a:ext cx="1783110" cy="330711"/>
+          </a:xfrm>
+          <a:prstGeom prst="straightConnector1">
+            <a:avLst/>
+          </a:prstGeom>
+          <a:ln>
+            <a:tailEnd type="triangle"/>
+          </a:ln>
+        </p:spPr>
+        <p:style>
+          <a:lnRef idx="1">
+            <a:schemeClr val="accent1"/>
+          </a:lnRef>
+          <a:fillRef idx="0">
+            <a:schemeClr val="accent1"/>
+          </a:fillRef>
+          <a:effectRef idx="0">
+            <a:schemeClr val="accent1"/>
+          </a:effectRef>
+          <a:fontRef idx="minor">
+            <a:schemeClr val="tx1"/>
+          </a:fontRef>
+        </p:style>
+      </p:cxnSp>
+      <p:sp>
+        <p:nvSpPr>
+          <p:cNvPr id="85" name="TextBox 84">
+            <a:extLst>
+              <a:ext uri="{FF2B5EF4-FFF2-40B4-BE49-F238E27FC236}">
+                <a16:creationId xmlns:a16="http://schemas.microsoft.com/office/drawing/2014/main" id="{94D89C9C-B25B-4E82-8DC1-C7DB743DDEC7}"/>
+              </a:ext>
+            </a:extLst>
+          </p:cNvPr>
+          <p:cNvSpPr txBox="1"/>
+          <p:nvPr/>
+        </p:nvSpPr>
+        <p:spPr>
+          <a:xfrm>
+            <a:off x="5270934" y="2227647"/>
+            <a:ext cx="503893" cy="246221"/>
+          </a:xfrm>
+          <a:prstGeom prst="rect">
+            <a:avLst/>
+          </a:prstGeom>
+          <a:solidFill>
+            <a:schemeClr val="bg1"/>
+          </a:solidFill>
+        </p:spPr>
+        <p:txBody>
+          <a:bodyPr wrap="square" rtlCol="0">
+            <a:spAutoFit/>
+          </a:bodyPr>
+          <a:lstStyle/>
+          <a:p>
+            <a:pPr marL="0" marR="0" lvl="0" indent="0" algn="l" defTabSz="914400" rtl="0" eaLnBrk="1" fontAlgn="auto" latinLnBrk="0" hangingPunct="1">
+              <a:lnSpc>
+                <a:spcPct val="100000"/>
+              </a:lnSpc>
+              <a:spcBef>
+                <a:spcPts val="0"/>
+              </a:spcBef>
+              <a:spcAft>
+                <a:spcPts val="0"/>
+              </a:spcAft>
+              <a:buClrTx/>
+              <a:buSzTx/>
+              <a:buFontTx/>
+              <a:buNone/>
+              <a:tabLst/>
+              <a:defRPr/>
+            </a:pPr>
+            <a:r>
+              <a:rPr kumimoji="0" lang="en-US" sz="1000" b="1" i="0" u="none" strike="noStrike" kern="1200" cap="none" spc="0" normalizeH="0" baseline="0" noProof="0" dirty="0">
+                <a:ln>
+                  <a:noFill/>
+                </a:ln>
+                <a:solidFill>
+                  <a:prstClr val="black"/>
+                </a:solidFill>
+                <a:effectLst/>
+                <a:uLnTx/>
+                <a:uFillTx/>
+                <a:latin typeface="Calibri" panose="020F0502020204030204"/>
+                <a:ea typeface="+mn-ea"/>
+                <a:cs typeface="+mn-cs"/>
+              </a:rPr>
+              <a:t>entry</a:t>
+            </a:r>
+          </a:p>
+        </p:txBody>
+      </p:sp>
+      <p:sp>
+        <p:nvSpPr>
+          <p:cNvPr id="115" name="TextBox 114">
+            <a:extLst>
+              <a:ext uri="{FF2B5EF4-FFF2-40B4-BE49-F238E27FC236}">
+                <a16:creationId xmlns:a16="http://schemas.microsoft.com/office/drawing/2014/main" id="{0EBEC07C-D02C-4F92-A128-D6F909ECB4F8}"/>
+              </a:ext>
+            </a:extLst>
+          </p:cNvPr>
+          <p:cNvSpPr txBox="1"/>
+          <p:nvPr/>
+        </p:nvSpPr>
+        <p:spPr>
+          <a:xfrm>
+            <a:off x="6472848" y="4551810"/>
+            <a:ext cx="1972652" cy="230832"/>
+          </a:xfrm>
+          <a:prstGeom prst="rect">
+            <a:avLst/>
+          </a:prstGeom>
+          <a:solidFill>
+            <a:schemeClr val="bg1"/>
+          </a:solidFill>
+        </p:spPr>
+        <p:txBody>
+          <a:bodyPr wrap="square" rtlCol="0">
+            <a:spAutoFit/>
+          </a:bodyPr>
+          <a:lstStyle/>
+          <a:p>
+            <a:pPr marL="0" marR="0" lvl="0" indent="0" algn="l" defTabSz="914400" rtl="0" eaLnBrk="1" fontAlgn="auto" latinLnBrk="0" hangingPunct="1">
+              <a:lnSpc>
+                <a:spcPct val="100000"/>
+              </a:lnSpc>
+              <a:spcBef>
+                <a:spcPts val="0"/>
+              </a:spcBef>
+              <a:spcAft>
+                <a:spcPts val="0"/>
+              </a:spcAft>
+              <a:buClrTx/>
+              <a:buSzTx/>
+              <a:buFontTx/>
+              <a:buNone/>
+              <a:tabLst/>
+              <a:defRPr/>
+            </a:pPr>
+            <a:r>
+              <a:rPr kumimoji="0" lang="en-US" sz="900" b="1" i="0" u="none" strike="noStrike" kern="1200" cap="none" spc="0" normalizeH="0" baseline="0" noProof="0" dirty="0">
+                <a:ln>
+                  <a:noFill/>
+                </a:ln>
+                <a:solidFill>
+                  <a:prstClr val="black"/>
+                </a:solidFill>
+                <a:effectLst/>
+                <a:uLnTx/>
+                <a:uFillTx/>
+                <a:latin typeface="Calibri" panose="020F0502020204030204"/>
+                <a:ea typeface="+mn-ea"/>
+                <a:cs typeface="+mn-cs"/>
+              </a:rPr>
+              <a:t>group[1].extension-historicDiagnosis</a:t>
+            </a:r>
+          </a:p>
+        </p:txBody>
+      </p:sp>
+      <p:sp>
+        <p:nvSpPr>
+          <p:cNvPr id="116" name="TextBox 115">
+            <a:extLst>
+              <a:ext uri="{FF2B5EF4-FFF2-40B4-BE49-F238E27FC236}">
+                <a16:creationId xmlns:a16="http://schemas.microsoft.com/office/drawing/2014/main" id="{4660E1F6-0794-42D9-B4A6-C18B5F782A67}"/>
+              </a:ext>
+            </a:extLst>
+          </p:cNvPr>
+          <p:cNvSpPr txBox="1"/>
+          <p:nvPr/>
+        </p:nvSpPr>
+        <p:spPr>
+          <a:xfrm>
+            <a:off x="6282348" y="2367410"/>
+            <a:ext cx="1972652" cy="230832"/>
+          </a:xfrm>
+          <a:prstGeom prst="rect">
+            <a:avLst/>
+          </a:prstGeom>
+          <a:solidFill>
+            <a:schemeClr val="bg1"/>
+          </a:solidFill>
+        </p:spPr>
+        <p:txBody>
+          <a:bodyPr wrap="square" rtlCol="0">
+            <a:spAutoFit/>
+          </a:bodyPr>
+          <a:lstStyle/>
+          <a:p>
+            <a:pPr marL="0" marR="0" lvl="0" indent="0" algn="l" defTabSz="914400" rtl="0" eaLnBrk="1" fontAlgn="auto" latinLnBrk="0" hangingPunct="1">
+              <a:lnSpc>
+                <a:spcPct val="100000"/>
+              </a:lnSpc>
+              <a:spcBef>
+                <a:spcPts val="0"/>
+              </a:spcBef>
+              <a:spcAft>
+                <a:spcPts val="0"/>
+              </a:spcAft>
+              <a:buClrTx/>
+              <a:buSzTx/>
+              <a:buFontTx/>
+              <a:buNone/>
+              <a:tabLst/>
+              <a:defRPr/>
+            </a:pPr>
+            <a:r>
+              <a:rPr kumimoji="0" lang="en-US" sz="900" b="1" i="0" u="none" strike="noStrike" kern="1200" cap="none" spc="0" normalizeH="0" baseline="0" noProof="0" dirty="0">
+                <a:ln>
+                  <a:noFill/>
+                </a:ln>
+                <a:solidFill>
+                  <a:prstClr val="black"/>
+                </a:solidFill>
+                <a:effectLst/>
+                <a:uLnTx/>
+                <a:uFillTx/>
+                <a:latin typeface="Calibri" panose="020F0502020204030204"/>
+                <a:ea typeface="+mn-ea"/>
+                <a:cs typeface="+mn-cs"/>
+              </a:rPr>
+              <a:t>group[1].extension-historicDiagnosis</a:t>
+            </a:r>
+          </a:p>
+        </p:txBody>
+      </p:sp>
+      <p:cxnSp>
+        <p:nvCxnSpPr>
+          <p:cNvPr id="138" name="Straight Arrow Connector 137">
+            <a:extLst>
+              <a:ext uri="{FF2B5EF4-FFF2-40B4-BE49-F238E27FC236}">
+                <a16:creationId xmlns:a16="http://schemas.microsoft.com/office/drawing/2014/main" id="{635E9CDB-CC75-4613-9E5B-258CAEEAD026}"/>
+              </a:ext>
+            </a:extLst>
+          </p:cNvPr>
+          <p:cNvCxnSpPr>
+            <a:cxnSpLocks/>
+            <a:stCxn id="7" idx="2"/>
+            <a:endCxn id="53" idx="0"/>
+          </p:cNvCxnSpPr>
+          <p:nvPr/>
+        </p:nvCxnSpPr>
+        <p:spPr>
+          <a:xfrm>
+            <a:off x="7193993" y="5642211"/>
+            <a:ext cx="6908" cy="468237"/>
+          </a:xfrm>
+          <a:prstGeom prst="straightConnector1">
+            <a:avLst/>
+          </a:prstGeom>
+          <a:ln>
+            <a:tailEnd type="triangle"/>
+          </a:ln>
+        </p:spPr>
+        <p:style>
+          <a:lnRef idx="1">
+            <a:schemeClr val="accent1"/>
+          </a:lnRef>
+          <a:fillRef idx="0">
+            <a:schemeClr val="accent1"/>
+          </a:fillRef>
+          <a:effectRef idx="0">
+            <a:schemeClr val="accent1"/>
+          </a:effectRef>
+          <a:fontRef idx="minor">
+            <a:schemeClr val="tx1"/>
+          </a:fontRef>
+        </p:style>
+      </p:cxnSp>
+      <p:sp>
+        <p:nvSpPr>
+          <p:cNvPr id="123" name="TextBox 122">
+            <a:extLst>
+              <a:ext uri="{FF2B5EF4-FFF2-40B4-BE49-F238E27FC236}">
+                <a16:creationId xmlns:a16="http://schemas.microsoft.com/office/drawing/2014/main" id="{1AF808F2-DDD4-42B9-B8B0-C93A2CC765F2}"/>
+              </a:ext>
+            </a:extLst>
+          </p:cNvPr>
+          <p:cNvSpPr txBox="1"/>
+          <p:nvPr/>
+        </p:nvSpPr>
+        <p:spPr>
+          <a:xfrm>
+            <a:off x="6869115" y="5731309"/>
+            <a:ext cx="1092114" cy="230832"/>
+          </a:xfrm>
+          <a:prstGeom prst="rect">
+            <a:avLst/>
+          </a:prstGeom>
+          <a:solidFill>
+            <a:schemeClr val="bg1"/>
+          </a:solidFill>
+        </p:spPr>
+        <p:txBody>
+          <a:bodyPr wrap="square" rtlCol="0">
+            <a:spAutoFit/>
+          </a:bodyPr>
+          <a:lstStyle/>
+          <a:p>
+            <a:pPr marL="0" marR="0" lvl="0" indent="0" algn="l" defTabSz="914400" rtl="0" eaLnBrk="1" fontAlgn="auto" latinLnBrk="0" hangingPunct="1">
+              <a:lnSpc>
+                <a:spcPct val="100000"/>
+              </a:lnSpc>
+              <a:spcBef>
+                <a:spcPts val="0"/>
+              </a:spcBef>
+              <a:spcAft>
+                <a:spcPts val="0"/>
+              </a:spcAft>
+              <a:buClrTx/>
+              <a:buSzTx/>
+              <a:buFontTx/>
+              <a:buNone/>
+              <a:tabLst/>
+              <a:defRPr/>
+            </a:pPr>
+            <a:r>
+              <a:rPr kumimoji="0" lang="en-US" sz="900" b="1" i="0" u="none" strike="noStrike" kern="1200" cap="none" spc="0" normalizeH="0" baseline="0" noProof="0" dirty="0">
+                <a:ln>
+                  <a:noFill/>
+                </a:ln>
+                <a:solidFill>
+                  <a:prstClr val="black"/>
+                </a:solidFill>
+                <a:effectLst/>
+                <a:uLnTx/>
+                <a:uFillTx/>
+                <a:latin typeface="Calibri" panose="020F0502020204030204"/>
+                <a:ea typeface="+mn-ea"/>
+                <a:cs typeface="+mn-cs"/>
+              </a:rPr>
+              <a:t>measure</a:t>
+            </a:r>
+          </a:p>
+        </p:txBody>
+      </p:sp>
+      <p:cxnSp>
+        <p:nvCxnSpPr>
+          <p:cNvPr id="149" name="Straight Arrow Connector 148">
+            <a:extLst>
+              <a:ext uri="{FF2B5EF4-FFF2-40B4-BE49-F238E27FC236}">
+                <a16:creationId xmlns:a16="http://schemas.microsoft.com/office/drawing/2014/main" id="{DEA2ECFD-A9C5-4080-91B9-1EF1FAD5B146}"/>
+              </a:ext>
+            </a:extLst>
+          </p:cNvPr>
+          <p:cNvCxnSpPr>
+            <a:cxnSpLocks/>
+            <a:stCxn id="7" idx="3"/>
+            <a:endCxn id="151" idx="1"/>
+          </p:cNvCxnSpPr>
+          <p:nvPr/>
+        </p:nvCxnSpPr>
+        <p:spPr>
+          <a:xfrm flipV="1">
+            <a:off x="8126148" y="4609721"/>
+            <a:ext cx="1462352" cy="644060"/>
+          </a:xfrm>
+          <a:prstGeom prst="straightConnector1">
+            <a:avLst/>
+          </a:prstGeom>
+          <a:ln>
+            <a:tailEnd type="triangle"/>
+          </a:ln>
+        </p:spPr>
+        <p:style>
+          <a:lnRef idx="1">
+            <a:schemeClr val="accent1"/>
+          </a:lnRef>
+          <a:fillRef idx="0">
+            <a:schemeClr val="accent1"/>
+          </a:fillRef>
+          <a:effectRef idx="0">
+            <a:schemeClr val="accent1"/>
+          </a:effectRef>
+          <a:fontRef idx="minor">
+            <a:schemeClr val="tx1"/>
+          </a:fontRef>
+        </p:style>
+      </p:cxnSp>
+      <p:sp>
+        <p:nvSpPr>
+          <p:cNvPr id="151" name="Flowchart: Process 150">
+            <a:extLst>
+              <a:ext uri="{FF2B5EF4-FFF2-40B4-BE49-F238E27FC236}">
+                <a16:creationId xmlns:a16="http://schemas.microsoft.com/office/drawing/2014/main" id="{51868D15-457B-41D4-9DBD-9854C4DE3812}"/>
+              </a:ext>
+            </a:extLst>
+          </p:cNvPr>
+          <p:cNvSpPr/>
+          <p:nvPr/>
+        </p:nvSpPr>
+        <p:spPr>
+          <a:xfrm>
+            <a:off x="9588500" y="4139442"/>
+            <a:ext cx="1876110" cy="940558"/>
+          </a:xfrm>
+          <a:prstGeom prst="flowChartProcess">
+            <a:avLst/>
+          </a:prstGeom>
+          <a:solidFill>
+            <a:schemeClr val="accent1">
+              <a:lumMod val="60000"/>
+              <a:lumOff val="40000"/>
+            </a:schemeClr>
+          </a:solidFill>
+          <a:ln>
+            <a:solidFill>
+              <a:schemeClr val="tx1"/>
+            </a:solidFill>
+          </a:ln>
+        </p:spPr>
+        <p:style>
+          <a:lnRef idx="2">
+            <a:schemeClr val="accent1">
+              <a:shade val="50000"/>
+            </a:schemeClr>
+          </a:lnRef>
+          <a:fillRef idx="1">
+            <a:schemeClr val="accent1"/>
+          </a:fillRef>
+          <a:effectRef idx="0">
+            <a:schemeClr val="accent1"/>
+          </a:effectRef>
+          <a:fontRef idx="minor">
+            <a:schemeClr val="lt1"/>
+          </a:fontRef>
+        </p:style>
+        <p:txBody>
+          <a:bodyPr rtlCol="0" anchor="ctr"/>
+          <a:lstStyle/>
+          <a:p>
+            <a:pPr marL="0" marR="0" lvl="0" indent="0" algn="ctr" defTabSz="914400" rtl="0" eaLnBrk="1" fontAlgn="auto" latinLnBrk="0" hangingPunct="1">
+              <a:lnSpc>
+                <a:spcPct val="100000"/>
+              </a:lnSpc>
+              <a:spcBef>
+                <a:spcPts val="0"/>
+              </a:spcBef>
+              <a:spcAft>
+                <a:spcPts val="0"/>
+              </a:spcAft>
+              <a:buClrTx/>
+              <a:buSzTx/>
+              <a:buFontTx/>
+              <a:buNone/>
+              <a:tabLst/>
+              <a:defRPr/>
+            </a:pPr>
+            <a:r>
+              <a:rPr kumimoji="0" lang="en-US" sz="1600" b="0" i="0" u="none" strike="noStrike" kern="1200" cap="none" spc="0" normalizeH="0" baseline="0" noProof="0" dirty="0">
+                <a:ln>
+                  <a:noFill/>
+                </a:ln>
+                <a:solidFill>
+                  <a:prstClr val="white"/>
+                </a:solidFill>
+                <a:effectLst/>
+                <a:uLnTx/>
+                <a:uFillTx/>
+                <a:latin typeface="Calibri" panose="020F0502020204030204"/>
+                <a:ea typeface="+mn-ea"/>
+                <a:cs typeface="+mn-cs"/>
+              </a:rPr>
+              <a:t>MedicationDispense</a:t>
+            </a:r>
+          </a:p>
+          <a:p>
+            <a:pPr marL="0" marR="0" lvl="0" indent="0" algn="ctr" defTabSz="914400" rtl="0" eaLnBrk="1" fontAlgn="auto" latinLnBrk="0" hangingPunct="1">
+              <a:lnSpc>
+                <a:spcPct val="100000"/>
+              </a:lnSpc>
+              <a:spcBef>
+                <a:spcPts val="0"/>
+              </a:spcBef>
+              <a:spcAft>
+                <a:spcPts val="0"/>
+              </a:spcAft>
+              <a:buClrTx/>
+              <a:buSzTx/>
+              <a:buFontTx/>
+              <a:buNone/>
+              <a:tabLst/>
+              <a:defRPr/>
+            </a:pPr>
+            <a:r>
+              <a:rPr kumimoji="0" lang="en-US" sz="1600" b="0" i="0" u="none" strike="noStrike" kern="1200" cap="none" spc="0" normalizeH="0" baseline="0" noProof="0" dirty="0">
+                <a:ln>
+                  <a:noFill/>
+                </a:ln>
+                <a:solidFill>
+                  <a:prstClr val="white"/>
+                </a:solidFill>
+                <a:effectLst/>
+                <a:uLnTx/>
+                <a:uFillTx/>
+                <a:latin typeface="Calibri" panose="020F0502020204030204"/>
+                <a:ea typeface="+mn-ea"/>
+                <a:cs typeface="+mn-cs"/>
+              </a:rPr>
+              <a:t>20210323</a:t>
+            </a:r>
+          </a:p>
+        </p:txBody>
+      </p:sp>
+      <p:sp>
+        <p:nvSpPr>
+          <p:cNvPr id="159" name="Flowchart: Process 158">
+            <a:extLst>
+              <a:ext uri="{FF2B5EF4-FFF2-40B4-BE49-F238E27FC236}">
+                <a16:creationId xmlns:a16="http://schemas.microsoft.com/office/drawing/2014/main" id="{5CD24286-BCDA-4D99-B85D-D32151805C89}"/>
+              </a:ext>
+            </a:extLst>
+          </p:cNvPr>
+          <p:cNvSpPr/>
+          <p:nvPr/>
+        </p:nvSpPr>
+        <p:spPr>
+          <a:xfrm>
+            <a:off x="9639300" y="5612642"/>
+            <a:ext cx="1876110" cy="940558"/>
+          </a:xfrm>
+          <a:prstGeom prst="flowChartProcess">
+            <a:avLst/>
+          </a:prstGeom>
+          <a:solidFill>
+            <a:schemeClr val="accent1">
+              <a:lumMod val="60000"/>
+              <a:lumOff val="40000"/>
+            </a:schemeClr>
+          </a:solidFill>
+          <a:ln>
+            <a:solidFill>
+              <a:schemeClr val="tx1"/>
+            </a:solidFill>
+          </a:ln>
+        </p:spPr>
+        <p:style>
+          <a:lnRef idx="2">
+            <a:schemeClr val="accent1">
+              <a:shade val="50000"/>
+            </a:schemeClr>
+          </a:lnRef>
+          <a:fillRef idx="1">
+            <a:schemeClr val="accent1"/>
+          </a:fillRef>
+          <a:effectRef idx="0">
+            <a:schemeClr val="accent1"/>
+          </a:effectRef>
+          <a:fontRef idx="minor">
+            <a:schemeClr val="lt1"/>
+          </a:fontRef>
+        </p:style>
+        <p:txBody>
+          <a:bodyPr rtlCol="0" anchor="ctr"/>
+          <a:lstStyle/>
+          <a:p>
+            <a:pPr marL="0" marR="0" lvl="0" indent="0" algn="ctr" defTabSz="914400" rtl="0" eaLnBrk="1" fontAlgn="auto" latinLnBrk="0" hangingPunct="1">
+              <a:lnSpc>
+                <a:spcPct val="100000"/>
+              </a:lnSpc>
+              <a:spcBef>
+                <a:spcPts val="0"/>
+              </a:spcBef>
+              <a:spcAft>
+                <a:spcPts val="0"/>
+              </a:spcAft>
+              <a:buClrTx/>
+              <a:buSzTx/>
+              <a:buFontTx/>
+              <a:buNone/>
+              <a:tabLst/>
+              <a:defRPr/>
+            </a:pPr>
+            <a:r>
+              <a:rPr kumimoji="0" lang="en-US" sz="1600" b="0" i="0" u="none" strike="noStrike" kern="1200" cap="none" spc="0" normalizeH="0" baseline="0" noProof="0" dirty="0">
+                <a:ln>
+                  <a:noFill/>
+                </a:ln>
+                <a:solidFill>
+                  <a:prstClr val="white"/>
+                </a:solidFill>
+                <a:effectLst/>
+                <a:uLnTx/>
+                <a:uFillTx/>
+                <a:latin typeface="Calibri" panose="020F0502020204030204"/>
+                <a:ea typeface="+mn-ea"/>
+                <a:cs typeface="+mn-cs"/>
+              </a:rPr>
+              <a:t>Medication</a:t>
+            </a:r>
+          </a:p>
+          <a:p>
+            <a:pPr marL="0" marR="0" lvl="0" indent="0" algn="ctr" defTabSz="914400" rtl="0" eaLnBrk="1" fontAlgn="auto" latinLnBrk="0" hangingPunct="1">
+              <a:lnSpc>
+                <a:spcPct val="100000"/>
+              </a:lnSpc>
+              <a:spcBef>
+                <a:spcPts val="0"/>
+              </a:spcBef>
+              <a:spcAft>
+                <a:spcPts val="0"/>
+              </a:spcAft>
+              <a:buClrTx/>
+              <a:buSzTx/>
+              <a:buFontTx/>
+              <a:buNone/>
+              <a:tabLst/>
+              <a:defRPr/>
+            </a:pPr>
+            <a:r>
+              <a:rPr kumimoji="0" lang="en-US" sz="1800" b="0" i="0" u="none" strike="noStrike" kern="1200" cap="none" spc="0" normalizeH="0" baseline="0" noProof="0" dirty="0">
+                <a:ln>
+                  <a:noFill/>
+                </a:ln>
+                <a:solidFill>
+                  <a:prstClr val="white"/>
+                </a:solidFill>
+                <a:effectLst/>
+                <a:uLnTx/>
+                <a:uFillTx/>
+                <a:latin typeface="Calibri" panose="020F0502020204030204"/>
+                <a:ea typeface="+mn-ea"/>
+                <a:cs typeface="+mn-cs"/>
+              </a:rPr>
+              <a:t>Rinvoq (Upadacitinib)</a:t>
+            </a:r>
+            <a:endParaRPr kumimoji="0" lang="en-US" sz="1000" b="0" i="0" u="none" strike="noStrike" kern="1200" cap="none" spc="0" normalizeH="0" baseline="0" noProof="0" dirty="0">
+              <a:ln>
+                <a:noFill/>
+              </a:ln>
+              <a:solidFill>
+                <a:prstClr val="white"/>
+              </a:solidFill>
+              <a:effectLst/>
+              <a:uLnTx/>
+              <a:uFillTx/>
+              <a:latin typeface="Calibri" panose="020F0502020204030204"/>
+              <a:ea typeface="+mn-ea"/>
+              <a:cs typeface="+mn-cs"/>
+            </a:endParaRPr>
+          </a:p>
+        </p:txBody>
+      </p:sp>
+      <p:cxnSp>
+        <p:nvCxnSpPr>
+          <p:cNvPr id="160" name="Straight Arrow Connector 159">
+            <a:extLst>
+              <a:ext uri="{FF2B5EF4-FFF2-40B4-BE49-F238E27FC236}">
+                <a16:creationId xmlns:a16="http://schemas.microsoft.com/office/drawing/2014/main" id="{14EF0705-2A19-4FAE-AB3B-F0BACBDF5674}"/>
+              </a:ext>
+            </a:extLst>
+          </p:cNvPr>
+          <p:cNvCxnSpPr>
+            <a:cxnSpLocks/>
+            <a:stCxn id="7" idx="3"/>
+            <a:endCxn id="159" idx="1"/>
+          </p:cNvCxnSpPr>
+          <p:nvPr/>
+        </p:nvCxnSpPr>
+        <p:spPr>
+          <a:xfrm>
+            <a:off x="8126148" y="5253781"/>
+            <a:ext cx="1513152" cy="829140"/>
+          </a:xfrm>
+          <a:prstGeom prst="straightConnector1">
+            <a:avLst/>
+          </a:prstGeom>
+          <a:ln>
+            <a:tailEnd type="triangle"/>
+          </a:ln>
+        </p:spPr>
+        <p:style>
+          <a:lnRef idx="1">
+            <a:schemeClr val="accent1"/>
+          </a:lnRef>
+          <a:fillRef idx="0">
+            <a:schemeClr val="accent1"/>
+          </a:fillRef>
+          <a:effectRef idx="0">
+            <a:schemeClr val="accent1"/>
+          </a:effectRef>
+          <a:fontRef idx="minor">
+            <a:schemeClr val="tx1"/>
+          </a:fontRef>
+        </p:style>
+      </p:cxnSp>
+      <p:cxnSp>
+        <p:nvCxnSpPr>
+          <p:cNvPr id="99" name="Straight Arrow Connector 98">
+            <a:extLst>
+              <a:ext uri="{FF2B5EF4-FFF2-40B4-BE49-F238E27FC236}">
+                <a16:creationId xmlns:a16="http://schemas.microsoft.com/office/drawing/2014/main" id="{609035BD-15F0-49F8-B1A3-80D3E178A3A5}"/>
+              </a:ext>
+            </a:extLst>
+          </p:cNvPr>
+          <p:cNvCxnSpPr>
+            <a:stCxn id="151" idx="2"/>
+            <a:endCxn id="159" idx="0"/>
+          </p:cNvCxnSpPr>
+          <p:nvPr/>
+        </p:nvCxnSpPr>
+        <p:spPr>
+          <a:xfrm>
+            <a:off x="10526555" y="5080000"/>
+            <a:ext cx="50800" cy="532642"/>
+          </a:xfrm>
+          <a:prstGeom prst="straightConnector1">
+            <a:avLst/>
+          </a:prstGeom>
+          <a:ln>
+            <a:tailEnd type="triangle"/>
+          </a:ln>
+        </p:spPr>
+        <p:style>
+          <a:lnRef idx="1">
+            <a:schemeClr val="accent1"/>
+          </a:lnRef>
+          <a:fillRef idx="0">
+            <a:schemeClr val="accent1"/>
+          </a:fillRef>
+          <a:effectRef idx="0">
+            <a:schemeClr val="accent1"/>
+          </a:effectRef>
+          <a:fontRef idx="minor">
+            <a:schemeClr val="tx1"/>
+          </a:fontRef>
+        </p:style>
+      </p:cxnSp>
+      <p:sp>
+        <p:nvSpPr>
+          <p:cNvPr id="162" name="TextBox 161">
+            <a:extLst>
+              <a:ext uri="{FF2B5EF4-FFF2-40B4-BE49-F238E27FC236}">
+                <a16:creationId xmlns:a16="http://schemas.microsoft.com/office/drawing/2014/main" id="{4550AB65-DED2-4D35-B618-30357DC0A91D}"/>
+              </a:ext>
+            </a:extLst>
+          </p:cNvPr>
+          <p:cNvSpPr txBox="1"/>
+          <p:nvPr/>
+        </p:nvSpPr>
+        <p:spPr>
+          <a:xfrm>
+            <a:off x="10233994" y="5202672"/>
+            <a:ext cx="1200459" cy="230832"/>
+          </a:xfrm>
+          <a:prstGeom prst="rect">
+            <a:avLst/>
+          </a:prstGeom>
+          <a:solidFill>
+            <a:schemeClr val="bg1"/>
+          </a:solidFill>
+        </p:spPr>
+        <p:txBody>
+          <a:bodyPr wrap="square" rtlCol="0">
+            <a:spAutoFit/>
+          </a:bodyPr>
+          <a:lstStyle/>
+          <a:p>
+            <a:pPr marL="0" marR="0" lvl="0" indent="0" algn="l" defTabSz="914400" rtl="0" eaLnBrk="1" fontAlgn="auto" latinLnBrk="0" hangingPunct="1">
+              <a:lnSpc>
+                <a:spcPct val="100000"/>
+              </a:lnSpc>
+              <a:spcBef>
+                <a:spcPts val="0"/>
+              </a:spcBef>
+              <a:spcAft>
+                <a:spcPts val="0"/>
+              </a:spcAft>
+              <a:buClrTx/>
+              <a:buSzTx/>
+              <a:buFontTx/>
+              <a:buNone/>
+              <a:tabLst/>
+              <a:defRPr/>
+            </a:pPr>
+            <a:r>
+              <a:rPr kumimoji="0" lang="en-US" sz="900" b="1" i="0" u="none" strike="noStrike" kern="1200" cap="none" spc="0" normalizeH="0" baseline="0" noProof="0" dirty="0">
+                <a:ln>
+                  <a:noFill/>
+                </a:ln>
+                <a:solidFill>
+                  <a:prstClr val="black"/>
+                </a:solidFill>
+                <a:effectLst/>
+                <a:uLnTx/>
+                <a:uFillTx/>
+                <a:latin typeface="Calibri" panose="020F0502020204030204"/>
+                <a:ea typeface="+mn-ea"/>
+                <a:cs typeface="+mn-cs"/>
+              </a:rPr>
+              <a:t>Medication	</a:t>
+            </a:r>
+          </a:p>
+        </p:txBody>
+      </p:sp>
+    </p:spTree>
+    <p:extLst>
+      <p:ext uri="{BB962C8B-B14F-4D97-AF65-F5344CB8AC3E}">
+        <p14:creationId xmlns:p14="http://schemas.microsoft.com/office/powerpoint/2010/main" val="759523600"/>
+      </p:ext>
+    </p:extLst>
+  </p:cSld>
+  <p:clrMapOvr>
+    <a:masterClrMapping/>
+  </p:clrMapOvr>
+</p:sld>
+</file>
+
+<file path=ppt/slides/slide9.xml><?xml version="1.0" encoding="utf-8"?>
+<p:sld xmlns:a="http://schemas.openxmlformats.org/drawingml/2006/main" xmlns:r="http://schemas.openxmlformats.org/officeDocument/2006/relationships" xmlns:p="http://schemas.openxmlformats.org/presentationml/2006/main">
+  <p:cSld>
+    <p:spTree>
+      <p:nvGrpSpPr>
+        <p:cNvPr id="1" name=""/>
+        <p:cNvGrpSpPr/>
+        <p:nvPr/>
+      </p:nvGrpSpPr>
+      <p:grpSpPr>
+        <a:xfrm>
+          <a:off x="0" y="0"/>
+          <a:ext cx="0" cy="0"/>
+          <a:chOff x="0" y="0"/>
+          <a:chExt cx="0" cy="0"/>
+        </a:xfrm>
+      </p:grpSpPr>
+      <p:sp>
+        <p:nvSpPr>
+          <p:cNvPr id="2" name="Title 1">
+            <a:extLst>
+              <a:ext uri="{FF2B5EF4-FFF2-40B4-BE49-F238E27FC236}">
+                <a16:creationId xmlns:a16="http://schemas.microsoft.com/office/drawing/2014/main" id="{4D7CB190-0D7D-494C-9311-B0617D77885B}"/>
+              </a:ext>
+            </a:extLst>
+          </p:cNvPr>
+          <p:cNvSpPr>
+            <a:spLocks noGrp="1"/>
+          </p:cNvSpPr>
+          <p:nvPr>
+            <p:ph type="title"/>
+          </p:nvPr>
+        </p:nvSpPr>
         <p:spPr/>
         <p:txBody>
           <a:bodyPr/>
@@ -12198,7 +18777,7 @@
             <a:fld id="{6CACE926-AEF5-4BFE-8BD7-24414108CB7B}" type="slidenum">
               <a:rPr lang="en-US" altLang="en-US" smtClean="0"/>
               <a:pPr/>
-              <a:t>6</a:t>
+              <a:t>9</a:t>
             </a:fld>
             <a:endParaRPr lang="en-US" altLang="en-US" dirty="0"/>
           </a:p>

--- a/input/images/Source/Risk Adjustment Images.pptx
+++ b/input/images/Source/Risk Adjustment Images.pptx
@@ -6,7 +6,7 @@
     <p:sldMasterId id="2147483660" r:id="rId2"/>
   </p:sldMasterIdLst>
   <p:notesMasterIdLst>
-    <p:notesMasterId r:id="rId12"/>
+    <p:notesMasterId r:id="rId13"/>
   </p:notesMasterIdLst>
   <p:sldIdLst>
     <p:sldId id="256" r:id="rId3"/>
@@ -15,9 +15,10 @@
     <p:sldId id="269" r:id="rId6"/>
     <p:sldId id="2966" r:id="rId7"/>
     <p:sldId id="264" r:id="rId8"/>
-    <p:sldId id="2968" r:id="rId9"/>
-    <p:sldId id="2967" r:id="rId10"/>
-    <p:sldId id="270" r:id="rId11"/>
+    <p:sldId id="2969" r:id="rId9"/>
+    <p:sldId id="2968" r:id="rId10"/>
+    <p:sldId id="2967" r:id="rId11"/>
+    <p:sldId id="270" r:id="rId12"/>
   </p:sldIdLst>
   <p:sldSz cx="12192000" cy="6858000"/>
   <p:notesSz cx="6858000" cy="9144000"/>
@@ -206,7 +207,7 @@
           <a:p>
             <a:fld id="{4337D45E-38B5-4093-B633-D3DDCA61416C}" type="datetimeFigureOut">
               <a:rPr lang="en-US" smtClean="0"/>
-              <a:t>8/23/2021</a:t>
+              <a:t>8/24/2021</a:t>
             </a:fld>
             <a:endParaRPr lang="en-US"/>
           </a:p>
@@ -886,6 +887,99 @@
 </p:notes>
 </file>
 
+<file path=ppt/notesSlides/notesSlide5.xml><?xml version="1.0" encoding="utf-8"?>
+<p:notes xmlns:a="http://schemas.openxmlformats.org/drawingml/2006/main" xmlns:r="http://schemas.openxmlformats.org/officeDocument/2006/relationships" xmlns:p="http://schemas.openxmlformats.org/presentationml/2006/main">
+  <p:cSld>
+    <p:spTree>
+      <p:nvGrpSpPr>
+        <p:cNvPr id="1" name=""/>
+        <p:cNvGrpSpPr/>
+        <p:nvPr/>
+      </p:nvGrpSpPr>
+      <p:grpSpPr>
+        <a:xfrm>
+          <a:off x="0" y="0"/>
+          <a:ext cx="0" cy="0"/>
+          <a:chOff x="0" y="0"/>
+          <a:chExt cx="0" cy="0"/>
+        </a:xfrm>
+      </p:grpSpPr>
+      <p:sp>
+        <p:nvSpPr>
+          <p:cNvPr id="2" name="Slide Image Placeholder 1"/>
+          <p:cNvSpPr>
+            <a:spLocks noGrp="1" noRot="1" noChangeAspect="1"/>
+          </p:cNvSpPr>
+          <p:nvPr>
+            <p:ph type="sldImg"/>
+          </p:nvPr>
+        </p:nvSpPr>
+        <p:spPr/>
+      </p:sp>
+      <p:sp>
+        <p:nvSpPr>
+          <p:cNvPr id="3" name="Notes Placeholder 2"/>
+          <p:cNvSpPr>
+            <a:spLocks noGrp="1"/>
+          </p:cNvSpPr>
+          <p:nvPr>
+            <p:ph type="body" idx="1"/>
+          </p:nvPr>
+        </p:nvSpPr>
+        <p:spPr/>
+        <p:txBody>
+          <a:bodyPr/>
+          <a:lstStyle/>
+          <a:p>
+            <a:r>
+              <a:rPr lang="en-US" dirty="0"/>
+              <a:t>Generated using /sequencediagram.org</a:t>
+            </a:r>
+          </a:p>
+          <a:p>
+            <a:r>
+              <a:rPr lang="en-US" dirty="0"/>
+              <a:t>Input file in image/source/Risk-Adjustment-Coding-Gap-Report-Single-Patient.txt</a:t>
+            </a:r>
+          </a:p>
+        </p:txBody>
+      </p:sp>
+      <p:sp>
+        <p:nvSpPr>
+          <p:cNvPr id="4" name="Slide Number Placeholder 3"/>
+          <p:cNvSpPr>
+            <a:spLocks noGrp="1"/>
+          </p:cNvSpPr>
+          <p:nvPr>
+            <p:ph type="sldNum" sz="quarter" idx="5"/>
+          </p:nvPr>
+        </p:nvSpPr>
+        <p:spPr/>
+        <p:txBody>
+          <a:bodyPr/>
+          <a:lstStyle/>
+          <a:p>
+            <a:fld id="{1D553A4D-C549-44B5-B4F2-4FBA040D2BDB}" type="slidenum">
+              <a:rPr lang="en-US" smtClean="0"/>
+              <a:t>7</a:t>
+            </a:fld>
+            <a:endParaRPr lang="en-US"/>
+          </a:p>
+        </p:txBody>
+      </p:sp>
+    </p:spTree>
+    <p:extLst>
+      <p:ext uri="{BB962C8B-B14F-4D97-AF65-F5344CB8AC3E}">
+        <p14:creationId xmlns:p14="http://schemas.microsoft.com/office/powerpoint/2010/main" val="305341683"/>
+      </p:ext>
+    </p:extLst>
+  </p:cSld>
+  <p:clrMapOvr>
+    <a:masterClrMapping/>
+  </p:clrMapOvr>
+</p:notes>
+</file>
+
 <file path=ppt/slideLayouts/slideLayout1.xml><?xml version="1.0" encoding="utf-8"?>
 <p:sldLayout xmlns:a="http://schemas.openxmlformats.org/drawingml/2006/main" xmlns:r="http://schemas.openxmlformats.org/officeDocument/2006/relationships" xmlns:p="http://schemas.openxmlformats.org/presentationml/2006/main" type="title" preserve="1">
   <p:cSld name="Title Slide">
@@ -1033,7 +1127,7 @@
           <a:p>
             <a:fld id="{3E232C92-DF21-4A04-859B-AAF8BD4EC904}" type="datetimeFigureOut">
               <a:rPr lang="en-US" smtClean="0"/>
-              <a:t>8/23/2021</a:t>
+              <a:t>8/24/2021</a:t>
             </a:fld>
             <a:endParaRPr lang="en-US"/>
           </a:p>
@@ -1231,7 +1325,7 @@
           <a:p>
             <a:fld id="{3E232C92-DF21-4A04-859B-AAF8BD4EC904}" type="datetimeFigureOut">
               <a:rPr lang="en-US" smtClean="0"/>
-              <a:t>8/23/2021</a:t>
+              <a:t>8/24/2021</a:t>
             </a:fld>
             <a:endParaRPr lang="en-US"/>
           </a:p>
@@ -1439,7 +1533,7 @@
           <a:p>
             <a:fld id="{3E232C92-DF21-4A04-859B-AAF8BD4EC904}" type="datetimeFigureOut">
               <a:rPr lang="en-US" smtClean="0"/>
-              <a:t>8/23/2021</a:t>
+              <a:t>8/24/2021</a:t>
             </a:fld>
             <a:endParaRPr lang="en-US"/>
           </a:p>
@@ -2005,7 +2099,7 @@
           <a:p>
             <a:fld id="{23F303CC-BC6F-44EE-9A09-81F690F71D2E}" type="datetime1">
               <a:rPr lang="en-US" altLang="en-US" smtClean="0"/>
-              <a:t>8/23/2021</a:t>
+              <a:t>8/24/2021</a:t>
             </a:fld>
             <a:endParaRPr lang="en-US" altLang="en-US" dirty="0"/>
           </a:p>
@@ -6297,7 +6391,7 @@
           <a:p>
             <a:fld id="{3E232C92-DF21-4A04-859B-AAF8BD4EC904}" type="datetimeFigureOut">
               <a:rPr lang="en-US" smtClean="0"/>
-              <a:t>8/23/2021</a:t>
+              <a:t>8/24/2021</a:t>
             </a:fld>
             <a:endParaRPr lang="en-US"/>
           </a:p>
@@ -6920,7 +7014,7 @@
           <a:p>
             <a:fld id="{3E232C92-DF21-4A04-859B-AAF8BD4EC904}" type="datetimeFigureOut">
               <a:rPr lang="en-US" smtClean="0"/>
-              <a:t>8/23/2021</a:t>
+              <a:t>8/24/2021</a:t>
             </a:fld>
             <a:endParaRPr lang="en-US"/>
           </a:p>
@@ -7185,7 +7279,7 @@
           <a:p>
             <a:fld id="{3E232C92-DF21-4A04-859B-AAF8BD4EC904}" type="datetimeFigureOut">
               <a:rPr lang="en-US" smtClean="0"/>
-              <a:t>8/23/2021</a:t>
+              <a:t>8/24/2021</a:t>
             </a:fld>
             <a:endParaRPr lang="en-US"/>
           </a:p>
@@ -7597,7 +7691,7 @@
           <a:p>
             <a:fld id="{3E232C92-DF21-4A04-859B-AAF8BD4EC904}" type="datetimeFigureOut">
               <a:rPr lang="en-US" smtClean="0"/>
-              <a:t>8/23/2021</a:t>
+              <a:t>8/24/2021</a:t>
             </a:fld>
             <a:endParaRPr lang="en-US"/>
           </a:p>
@@ -7738,7 +7832,7 @@
           <a:p>
             <a:fld id="{3E232C92-DF21-4A04-859B-AAF8BD4EC904}" type="datetimeFigureOut">
               <a:rPr lang="en-US" smtClean="0"/>
-              <a:t>8/23/2021</a:t>
+              <a:t>8/24/2021</a:t>
             </a:fld>
             <a:endParaRPr lang="en-US"/>
           </a:p>
@@ -7851,7 +7945,7 @@
           <a:p>
             <a:fld id="{3E232C92-DF21-4A04-859B-AAF8BD4EC904}" type="datetimeFigureOut">
               <a:rPr lang="en-US" smtClean="0"/>
-              <a:t>8/23/2021</a:t>
+              <a:t>8/24/2021</a:t>
             </a:fld>
             <a:endParaRPr lang="en-US"/>
           </a:p>
@@ -8162,7 +8256,7 @@
           <a:p>
             <a:fld id="{3E232C92-DF21-4A04-859B-AAF8BD4EC904}" type="datetimeFigureOut">
               <a:rPr lang="en-US" smtClean="0"/>
-              <a:t>8/23/2021</a:t>
+              <a:t>8/24/2021</a:t>
             </a:fld>
             <a:endParaRPr lang="en-US"/>
           </a:p>
@@ -8450,7 +8544,7 @@
           <a:p>
             <a:fld id="{3E232C92-DF21-4A04-859B-AAF8BD4EC904}" type="datetimeFigureOut">
               <a:rPr lang="en-US" smtClean="0"/>
-              <a:t>8/23/2021</a:t>
+              <a:t>8/24/2021</a:t>
             </a:fld>
             <a:endParaRPr lang="en-US"/>
           </a:p>
@@ -8691,7 +8785,7 @@
           <a:p>
             <a:fld id="{3E232C92-DF21-4A04-859B-AAF8BD4EC904}" type="datetimeFigureOut">
               <a:rPr lang="en-US" smtClean="0"/>
-              <a:t>8/23/2021</a:t>
+              <a:t>8/24/2021</a:t>
             </a:fld>
             <a:endParaRPr lang="en-US"/>
           </a:p>
@@ -9316,7 +9410,7 @@
           <a:p>
             <a:fld id="{7CE3BD8C-C39F-4FFF-9CD5-05E4806DBFF3}" type="datetime1">
               <a:rPr lang="en-US" altLang="en-US" smtClean="0"/>
-              <a:t>8/23/2021</a:t>
+              <a:t>8/24/2021</a:t>
             </a:fld>
             <a:endParaRPr lang="en-US" altLang="en-US"/>
           </a:p>
@@ -9914,6 +10008,154 @@
 </p:sld>
 </file>
 
+<file path=ppt/slides/slide10.xml><?xml version="1.0" encoding="utf-8"?>
+<p:sld xmlns:a="http://schemas.openxmlformats.org/drawingml/2006/main" xmlns:r="http://schemas.openxmlformats.org/officeDocument/2006/relationships" xmlns:p="http://schemas.openxmlformats.org/presentationml/2006/main">
+  <p:cSld>
+    <p:spTree>
+      <p:nvGrpSpPr>
+        <p:cNvPr id="1" name=""/>
+        <p:cNvGrpSpPr/>
+        <p:nvPr/>
+      </p:nvGrpSpPr>
+      <p:grpSpPr>
+        <a:xfrm>
+          <a:off x="0" y="0"/>
+          <a:ext cx="0" cy="0"/>
+          <a:chOff x="0" y="0"/>
+          <a:chExt cx="0" cy="0"/>
+        </a:xfrm>
+      </p:grpSpPr>
+      <p:sp>
+        <p:nvSpPr>
+          <p:cNvPr id="2" name="Title 1">
+            <a:extLst>
+              <a:ext uri="{FF2B5EF4-FFF2-40B4-BE49-F238E27FC236}">
+                <a16:creationId xmlns:a16="http://schemas.microsoft.com/office/drawing/2014/main" id="{4D7CB190-0D7D-494C-9311-B0617D77885B}"/>
+              </a:ext>
+            </a:extLst>
+          </p:cNvPr>
+          <p:cNvSpPr>
+            <a:spLocks noGrp="1"/>
+          </p:cNvSpPr>
+          <p:nvPr>
+            <p:ph type="title"/>
+          </p:nvPr>
+        </p:nvSpPr>
+        <p:spPr/>
+        <p:txBody>
+          <a:bodyPr/>
+          <a:lstStyle/>
+          <a:p>
+            <a:r>
+              <a:rPr lang="en-US"/>
+              <a:t>Report Example</a:t>
+            </a:r>
+          </a:p>
+        </p:txBody>
+      </p:sp>
+      <p:sp>
+        <p:nvSpPr>
+          <p:cNvPr id="3" name="Text Placeholder 2">
+            <a:extLst>
+              <a:ext uri="{FF2B5EF4-FFF2-40B4-BE49-F238E27FC236}">
+                <a16:creationId xmlns:a16="http://schemas.microsoft.com/office/drawing/2014/main" id="{236B773A-836E-4D87-9C92-B08C38F7CEE1}"/>
+              </a:ext>
+            </a:extLst>
+          </p:cNvPr>
+          <p:cNvSpPr>
+            <a:spLocks noGrp="1"/>
+          </p:cNvSpPr>
+          <p:nvPr>
+            <p:ph type="body" sz="quarter" idx="13"/>
+          </p:nvPr>
+        </p:nvSpPr>
+        <p:spPr/>
+        <p:txBody>
+          <a:bodyPr/>
+          <a:lstStyle/>
+          <a:p>
+            <a:endParaRPr lang="en-US"/>
+          </a:p>
+        </p:txBody>
+      </p:sp>
+      <p:sp>
+        <p:nvSpPr>
+          <p:cNvPr id="4" name="Footer Placeholder 3">
+            <a:extLst>
+              <a:ext uri="{FF2B5EF4-FFF2-40B4-BE49-F238E27FC236}">
+                <a16:creationId xmlns:a16="http://schemas.microsoft.com/office/drawing/2014/main" id="{1C8C59B2-4298-4ABD-A7BC-36BFD6BFDD28}"/>
+              </a:ext>
+            </a:extLst>
+          </p:cNvPr>
+          <p:cNvSpPr>
+            <a:spLocks noGrp="1"/>
+          </p:cNvSpPr>
+          <p:nvPr>
+            <p:ph type="ftr" sz="quarter" idx="10"/>
+          </p:nvPr>
+        </p:nvSpPr>
+        <p:spPr/>
+        <p:txBody>
+          <a:bodyPr/>
+          <a:lstStyle/>
+          <a:p>
+            <a:r>
+              <a:rPr lang="en-US" b="1"/>
+              <a:t>© 2019 Health Level Seven ® International. Licensed under Creative Commons Attribution 4.0 International</a:t>
+            </a:r>
+          </a:p>
+          <a:p>
+            <a:r>
+              <a:rPr lang="en-US" b="1"/>
+              <a:t>HL7, Health Level Seven, FHIR and the FHIR flame logo are registered trademarks of Health Level Seven International. Reg. U.S. TM Office.</a:t>
+            </a:r>
+            <a:endParaRPr lang="en-US" b="1" dirty="0"/>
+          </a:p>
+        </p:txBody>
+      </p:sp>
+      <p:sp>
+        <p:nvSpPr>
+          <p:cNvPr id="5" name="Slide Number Placeholder 4">
+            <a:extLst>
+              <a:ext uri="{FF2B5EF4-FFF2-40B4-BE49-F238E27FC236}">
+                <a16:creationId xmlns:a16="http://schemas.microsoft.com/office/drawing/2014/main" id="{EB22FE78-5AEE-4A50-9097-7AE62A24576F}"/>
+              </a:ext>
+            </a:extLst>
+          </p:cNvPr>
+          <p:cNvSpPr>
+            <a:spLocks noGrp="1"/>
+          </p:cNvSpPr>
+          <p:nvPr>
+            <p:ph type="sldNum" sz="quarter" idx="11"/>
+          </p:nvPr>
+        </p:nvSpPr>
+        <p:spPr/>
+        <p:txBody>
+          <a:bodyPr/>
+          <a:lstStyle/>
+          <a:p>
+            <a:fld id="{6CACE926-AEF5-4BFE-8BD7-24414108CB7B}" type="slidenum">
+              <a:rPr lang="en-US" altLang="en-US" smtClean="0"/>
+              <a:pPr/>
+              <a:t>10</a:t>
+            </a:fld>
+            <a:endParaRPr lang="en-US" altLang="en-US" dirty="0"/>
+          </a:p>
+        </p:txBody>
+      </p:sp>
+    </p:spTree>
+    <p:extLst>
+      <p:ext uri="{BB962C8B-B14F-4D97-AF65-F5344CB8AC3E}">
+        <p14:creationId xmlns:p14="http://schemas.microsoft.com/office/powerpoint/2010/main" val="2759159026"/>
+      </p:ext>
+    </p:extLst>
+  </p:cSld>
+  <p:clrMapOvr>
+    <a:masterClrMapping/>
+  </p:clrMapOvr>
+</p:sld>
+</file>
+
 <file path=ppt/slides/slide2.xml><?xml version="1.0" encoding="utf-8"?>
 <p:sld xmlns:a="http://schemas.openxmlformats.org/drawingml/2006/main" xmlns:r="http://schemas.openxmlformats.org/officeDocument/2006/relationships" xmlns:p="http://schemas.openxmlformats.org/presentationml/2006/main">
   <p:cSld>
@@ -15040,7 +15282,7 @@
           <p:cNvPr id="2" name="Title 1">
             <a:extLst>
               <a:ext uri="{FF2B5EF4-FFF2-40B4-BE49-F238E27FC236}">
-                <a16:creationId xmlns:a16="http://schemas.microsoft.com/office/drawing/2014/main" id="{53418D1A-52BF-46AF-A383-E397DB5CB828}"/>
+                <a16:creationId xmlns:a16="http://schemas.microsoft.com/office/drawing/2014/main" id="{EAFD3DE7-0219-45E4-80C3-649D2F20F1CA}"/>
               </a:ext>
             </a:extLst>
           </p:cNvPr>
@@ -15053,45 +15295,52 @@
         </p:nvSpPr>
         <p:spPr/>
         <p:txBody>
-          <a:bodyPr/>
+          <a:bodyPr>
+            <a:normAutofit/>
+          </a:bodyPr>
           <a:lstStyle/>
           <a:p>
             <a:r>
-              <a:rPr lang="en-US" dirty="0"/>
-              <a:t>Multiple Measure Reports</a:t>
-            </a:r>
-          </a:p>
-        </p:txBody>
-      </p:sp>
-      <p:sp>
-        <p:nvSpPr>
-          <p:cNvPr id="3" name="Content Placeholder 2">
-            <a:extLst>
-              <a:ext uri="{FF2B5EF4-FFF2-40B4-BE49-F238E27FC236}">
-                <a16:creationId xmlns:a16="http://schemas.microsoft.com/office/drawing/2014/main" id="{9D8DD8C6-DD1F-4ADE-A56D-92DA7F694DD6}"/>
-              </a:ext>
-            </a:extLst>
-          </p:cNvPr>
-          <p:cNvSpPr>
-            <a:spLocks noGrp="1"/>
-          </p:cNvSpPr>
-          <p:nvPr>
-            <p:ph idx="1"/>
-          </p:nvPr>
-        </p:nvSpPr>
-        <p:spPr/>
-        <p:txBody>
-          <a:bodyPr/>
-          <a:lstStyle/>
-          <a:p>
-            <a:endParaRPr lang="en-US"/>
-          </a:p>
-        </p:txBody>
-      </p:sp>
+              <a:rPr lang="en-US" sz="3600" dirty="0"/>
+              <a:t>Risk Adjustment Coding Gap Report (Single Patient)</a:t>
+            </a:r>
+          </a:p>
+        </p:txBody>
+      </p:sp>
+      <p:pic>
+        <p:nvPicPr>
+          <p:cNvPr id="3" name="Picture 2">
+            <a:extLst>
+              <a:ext uri="{FF2B5EF4-FFF2-40B4-BE49-F238E27FC236}">
+                <a16:creationId xmlns:a16="http://schemas.microsoft.com/office/drawing/2014/main" id="{7BD6F338-751B-41B7-A1C7-5059E3FC5D07}"/>
+              </a:ext>
+            </a:extLst>
+          </p:cNvPr>
+          <p:cNvPicPr>
+            <a:picLocks noChangeAspect="1"/>
+          </p:cNvPicPr>
+          <p:nvPr/>
+        </p:nvPicPr>
+        <p:blipFill>
+          <a:blip r:embed="rId3"/>
+          <a:stretch>
+            <a:fillRect/>
+          </a:stretch>
+        </p:blipFill>
+        <p:spPr>
+          <a:xfrm>
+            <a:off x="1477880" y="1497162"/>
+            <a:ext cx="9236240" cy="3863675"/>
+          </a:xfrm>
+          <a:prstGeom prst="rect">
+            <a:avLst/>
+          </a:prstGeom>
+        </p:spPr>
+      </p:pic>
     </p:spTree>
     <p:extLst>
       <p:ext uri="{BB962C8B-B14F-4D97-AF65-F5344CB8AC3E}">
-        <p14:creationId xmlns:p14="http://schemas.microsoft.com/office/powerpoint/2010/main" val="2271221613"/>
+        <p14:creationId xmlns:p14="http://schemas.microsoft.com/office/powerpoint/2010/main" val="2554652219"/>
       </p:ext>
     </p:extLst>
   </p:cSld>
@@ -15118,189 +15367,12 @@
           <a:chExt cx="0" cy="0"/>
         </a:xfrm>
       </p:grpSpPr>
-      <p:cxnSp>
-        <p:nvCxnSpPr>
-          <p:cNvPr id="35" name="Straight Arrow Connector 34">
-            <a:extLst>
-              <a:ext uri="{FF2B5EF4-FFF2-40B4-BE49-F238E27FC236}">
-                <a16:creationId xmlns:a16="http://schemas.microsoft.com/office/drawing/2014/main" id="{AAA7B3DF-9DB0-4B96-BD97-21C858567EE1}"/>
-              </a:ext>
-            </a:extLst>
-          </p:cNvPr>
-          <p:cNvCxnSpPr>
-            <a:cxnSpLocks/>
-            <a:stCxn id="4" idx="3"/>
-            <a:endCxn id="19" idx="1"/>
-          </p:cNvCxnSpPr>
-          <p:nvPr/>
-        </p:nvCxnSpPr>
-        <p:spPr>
-          <a:xfrm flipV="1">
-            <a:off x="5116354" y="1905132"/>
-            <a:ext cx="1179425" cy="2004250"/>
-          </a:xfrm>
-          <a:prstGeom prst="straightConnector1">
-            <a:avLst/>
-          </a:prstGeom>
-          <a:ln>
-            <a:tailEnd type="triangle"/>
-          </a:ln>
-        </p:spPr>
-        <p:style>
-          <a:lnRef idx="1">
-            <a:schemeClr val="accent1"/>
-          </a:lnRef>
-          <a:fillRef idx="0">
-            <a:schemeClr val="accent1"/>
-          </a:fillRef>
-          <a:effectRef idx="0">
-            <a:schemeClr val="accent1"/>
-          </a:effectRef>
-          <a:fontRef idx="minor">
-            <a:schemeClr val="tx1"/>
-          </a:fontRef>
-        </p:style>
-      </p:cxnSp>
-      <p:sp>
-        <p:nvSpPr>
-          <p:cNvPr id="173" name="TextBox 172">
-            <a:extLst>
-              <a:ext uri="{FF2B5EF4-FFF2-40B4-BE49-F238E27FC236}">
-                <a16:creationId xmlns:a16="http://schemas.microsoft.com/office/drawing/2014/main" id="{B9C1C471-DB5F-48E8-887C-88A5C9B7C936}"/>
-              </a:ext>
-            </a:extLst>
-          </p:cNvPr>
-          <p:cNvSpPr txBox="1"/>
-          <p:nvPr/>
-        </p:nvSpPr>
-        <p:spPr>
-          <a:xfrm>
-            <a:off x="8341694" y="5126472"/>
-            <a:ext cx="1200459" cy="230832"/>
-          </a:xfrm>
-          <a:prstGeom prst="rect">
-            <a:avLst/>
-          </a:prstGeom>
-          <a:solidFill>
-            <a:schemeClr val="bg1"/>
-          </a:solidFill>
-        </p:spPr>
-        <p:txBody>
-          <a:bodyPr wrap="square" rtlCol="0">
-            <a:spAutoFit/>
-          </a:bodyPr>
-          <a:lstStyle/>
-          <a:p>
-            <a:pPr marL="0" marR="0" lvl="0" indent="0" algn="l" defTabSz="914400" rtl="0" eaLnBrk="1" fontAlgn="auto" latinLnBrk="0" hangingPunct="1">
-              <a:lnSpc>
-                <a:spcPct val="100000"/>
-              </a:lnSpc>
-              <a:spcBef>
-                <a:spcPts val="0"/>
-              </a:spcBef>
-              <a:spcAft>
-                <a:spcPts val="0"/>
-              </a:spcAft>
-              <a:buClrTx/>
-              <a:buSzTx/>
-              <a:buFontTx/>
-              <a:buNone/>
-              <a:tabLst/>
-              <a:defRPr/>
-            </a:pPr>
-            <a:r>
-              <a:rPr kumimoji="0" lang="en-US" sz="900" b="1" i="0" u="none" strike="noStrike" kern="1200" cap="none" spc="0" normalizeH="0" baseline="0" noProof="0" dirty="0">
-                <a:ln>
-                  <a:noFill/>
-                </a:ln>
-                <a:solidFill>
-                  <a:prstClr val="black"/>
-                </a:solidFill>
-                <a:effectLst/>
-                <a:uLnTx/>
-                <a:uFillTx/>
-                <a:latin typeface="Calibri" panose="020F0502020204030204"/>
-                <a:ea typeface="+mn-ea"/>
-                <a:cs typeface="+mn-cs"/>
-              </a:rPr>
-              <a:t>evaluateResources</a:t>
-            </a:r>
-          </a:p>
-        </p:txBody>
-      </p:sp>
-      <p:sp>
-        <p:nvSpPr>
-          <p:cNvPr id="177" name="TextBox 176">
-            <a:extLst>
-              <a:ext uri="{FF2B5EF4-FFF2-40B4-BE49-F238E27FC236}">
-                <a16:creationId xmlns:a16="http://schemas.microsoft.com/office/drawing/2014/main" id="{ECBEBC19-2399-4EB5-8810-02FF1ACE01D9}"/>
-              </a:ext>
-            </a:extLst>
-          </p:cNvPr>
-          <p:cNvSpPr txBox="1"/>
-          <p:nvPr/>
-        </p:nvSpPr>
-        <p:spPr>
-          <a:xfrm>
-            <a:off x="5241293" y="3696262"/>
-            <a:ext cx="573375" cy="369332"/>
-          </a:xfrm>
-          <a:prstGeom prst="rect">
-            <a:avLst/>
-          </a:prstGeom>
-          <a:solidFill>
-            <a:schemeClr val="bg1"/>
-          </a:solidFill>
-        </p:spPr>
-        <p:txBody>
-          <a:bodyPr wrap="square" rtlCol="0">
-            <a:spAutoFit/>
-          </a:bodyPr>
-          <a:lstStyle/>
-          <a:p>
-            <a:pPr marL="0" marR="0" lvl="0" indent="0" algn="l" defTabSz="914400" rtl="0" eaLnBrk="1" fontAlgn="auto" latinLnBrk="0" hangingPunct="1">
-              <a:lnSpc>
-                <a:spcPct val="100000"/>
-              </a:lnSpc>
-              <a:spcBef>
-                <a:spcPts val="0"/>
-              </a:spcBef>
-              <a:spcAft>
-                <a:spcPts val="0"/>
-              </a:spcAft>
-              <a:buClrTx/>
-              <a:buSzTx/>
-              <a:buFontTx/>
-              <a:buNone/>
-              <a:tabLst/>
-              <a:defRPr/>
-            </a:pPr>
-            <a:r>
-              <a:rPr kumimoji="0" lang="en-US" sz="900" b="1" i="0" u="none" strike="noStrike" kern="1200" cap="none" spc="0" normalizeH="0" baseline="0" noProof="0" dirty="0">
-                <a:ln>
-                  <a:noFill/>
-                </a:ln>
-                <a:solidFill>
-                  <a:prstClr val="black"/>
-                </a:solidFill>
-                <a:effectLst/>
-                <a:uLnTx/>
-                <a:uFillTx/>
-                <a:latin typeface="Calibri" panose="020F0502020204030204"/>
-                <a:ea typeface="+mn-ea"/>
-                <a:cs typeface="+mn-cs"/>
-              </a:rPr>
-              <a:t>section.focus</a:t>
-            </a:r>
-          </a:p>
-        </p:txBody>
-      </p:sp>
       <p:sp>
         <p:nvSpPr>
           <p:cNvPr id="2" name="Title 1">
             <a:extLst>
               <a:ext uri="{FF2B5EF4-FFF2-40B4-BE49-F238E27FC236}">
-                <a16:creationId xmlns:a16="http://schemas.microsoft.com/office/drawing/2014/main" id="{66FC9293-5253-4045-B6FF-0BF8D01B1EC4}"/>
+                <a16:creationId xmlns:a16="http://schemas.microsoft.com/office/drawing/2014/main" id="{53418D1A-52BF-46AF-A383-E397DB5CB828}"/>
               </a:ext>
             </a:extLst>
           </p:cNvPr>
@@ -15318,14 +15390,7 @@
           <a:p>
             <a:r>
               <a:rPr lang="en-US" dirty="0"/>
-              <a:t>Risk Adjustment </a:t>
-            </a:r>
-            <a:br>
-              <a:rPr lang="en-US" dirty="0"/>
-            </a:br>
-            <a:r>
-              <a:rPr lang="en-US" dirty="0"/>
-              <a:t>Resources</a:t>
+              <a:t>Multiple Measure Reports</a:t>
             </a:r>
           </a:p>
         </p:txBody>
@@ -15335,7 +15400,7 @@
           <p:cNvPr id="3" name="Content Placeholder 2">
             <a:extLst>
               <a:ext uri="{FF2B5EF4-FFF2-40B4-BE49-F238E27FC236}">
-                <a16:creationId xmlns:a16="http://schemas.microsoft.com/office/drawing/2014/main" id="{059F4AA5-BD88-4606-ACB3-39118129AFB3}"/>
+                <a16:creationId xmlns:a16="http://schemas.microsoft.com/office/drawing/2014/main" id="{9D8DD8C6-DD1F-4ADE-A56D-92DA7F694DD6}"/>
               </a:ext>
             </a:extLst>
           </p:cNvPr>
@@ -15346,3299 +15411,19 @@
             <p:ph idx="1"/>
           </p:nvPr>
         </p:nvSpPr>
-        <p:spPr>
-          <a:xfrm>
-            <a:off x="168676" y="1258338"/>
-            <a:ext cx="11185124" cy="5142461"/>
-          </a:xfrm>
-        </p:spPr>
+        <p:spPr/>
         <p:txBody>
           <a:bodyPr/>
           <a:lstStyle/>
           <a:p>
-            <a:pPr marL="0" indent="0">
-              <a:buNone/>
-            </a:pPr>
-            <a:r>
-              <a:rPr lang="en-US" dirty="0"/>
-              <a:t> </a:t>
-            </a:r>
-          </a:p>
-        </p:txBody>
-      </p:sp>
-      <p:sp>
-        <p:nvSpPr>
-          <p:cNvPr id="4" name="Flowchart: Process 3">
-            <a:extLst>
-              <a:ext uri="{FF2B5EF4-FFF2-40B4-BE49-F238E27FC236}">
-                <a16:creationId xmlns:a16="http://schemas.microsoft.com/office/drawing/2014/main" id="{3DEA0A30-6A6C-4FA4-B9FC-7A051391A0D6}"/>
-              </a:ext>
-            </a:extLst>
-          </p:cNvPr>
-          <p:cNvSpPr/>
-          <p:nvPr/>
-        </p:nvSpPr>
-        <p:spPr>
-          <a:xfrm>
-            <a:off x="3252043" y="3520952"/>
-            <a:ext cx="1864311" cy="776860"/>
-          </a:xfrm>
-          <a:prstGeom prst="flowChartProcess">
-            <a:avLst/>
-          </a:prstGeom>
-          <a:solidFill>
-            <a:schemeClr val="accent3"/>
-          </a:solidFill>
-          <a:ln>
-            <a:solidFill>
-              <a:schemeClr val="tx1"/>
-            </a:solidFill>
-          </a:ln>
-        </p:spPr>
-        <p:style>
-          <a:lnRef idx="2">
-            <a:schemeClr val="accent1">
-              <a:shade val="50000"/>
-            </a:schemeClr>
-          </a:lnRef>
-          <a:fillRef idx="1">
-            <a:schemeClr val="accent1"/>
-          </a:fillRef>
-          <a:effectRef idx="0">
-            <a:schemeClr val="accent1"/>
-          </a:effectRef>
-          <a:fontRef idx="minor">
-            <a:schemeClr val="lt1"/>
-          </a:fontRef>
-        </p:style>
-        <p:txBody>
-          <a:bodyPr rtlCol="0" anchor="ctr"/>
-          <a:lstStyle/>
-          <a:p>
-            <a:pPr marL="0" marR="0" lvl="0" indent="0" algn="ctr" defTabSz="914400" rtl="0" eaLnBrk="1" fontAlgn="auto" latinLnBrk="0" hangingPunct="1">
-              <a:lnSpc>
-                <a:spcPct val="100000"/>
-              </a:lnSpc>
-              <a:spcBef>
-                <a:spcPts val="0"/>
-              </a:spcBef>
-              <a:spcAft>
-                <a:spcPts val="0"/>
-              </a:spcAft>
-              <a:buClrTx/>
-              <a:buSzTx/>
-              <a:buFontTx/>
-              <a:buNone/>
-              <a:tabLst/>
-              <a:defRPr/>
-            </a:pPr>
-            <a:r>
-              <a:rPr kumimoji="0" lang="en-US" sz="1600" b="0" i="0" u="none" strike="noStrike" kern="1200" cap="none" spc="0" normalizeH="0" baseline="0" noProof="0" dirty="0">
-                <a:ln>
-                  <a:noFill/>
-                </a:ln>
-                <a:solidFill>
-                  <a:prstClr val="white"/>
-                </a:solidFill>
-                <a:effectLst/>
-                <a:uLnTx/>
-                <a:uFillTx/>
-                <a:latin typeface="Calibri" panose="020F0502020204030204"/>
-                <a:ea typeface="+mn-ea"/>
-                <a:cs typeface="+mn-cs"/>
-              </a:rPr>
-              <a:t>RA Composition</a:t>
-            </a:r>
-          </a:p>
-        </p:txBody>
-      </p:sp>
-      <p:sp>
-        <p:nvSpPr>
-          <p:cNvPr id="5" name="Flowchart: Process 4">
-            <a:extLst>
-              <a:ext uri="{FF2B5EF4-FFF2-40B4-BE49-F238E27FC236}">
-                <a16:creationId xmlns:a16="http://schemas.microsoft.com/office/drawing/2014/main" id="{B7A7E221-C938-4426-AA48-B09EFF0C8A7E}"/>
-              </a:ext>
-            </a:extLst>
-          </p:cNvPr>
-          <p:cNvSpPr/>
-          <p:nvPr/>
-        </p:nvSpPr>
-        <p:spPr>
-          <a:xfrm>
-            <a:off x="3248552" y="1646804"/>
-            <a:ext cx="1864311" cy="795922"/>
-          </a:xfrm>
-          <a:prstGeom prst="flowChartProcess">
-            <a:avLst/>
-          </a:prstGeom>
-          <a:solidFill>
-            <a:schemeClr val="accent3"/>
-          </a:solidFill>
-          <a:ln>
-            <a:solidFill>
-              <a:schemeClr val="tx1"/>
-            </a:solidFill>
-          </a:ln>
-        </p:spPr>
-        <p:style>
-          <a:lnRef idx="2">
-            <a:schemeClr val="accent1">
-              <a:shade val="50000"/>
-            </a:schemeClr>
-          </a:lnRef>
-          <a:fillRef idx="1">
-            <a:schemeClr val="accent1"/>
-          </a:fillRef>
-          <a:effectRef idx="0">
-            <a:schemeClr val="accent1"/>
-          </a:effectRef>
-          <a:fontRef idx="minor">
-            <a:schemeClr val="lt1"/>
-          </a:fontRef>
-        </p:style>
-        <p:txBody>
-          <a:bodyPr rtlCol="0" anchor="ctr"/>
-          <a:lstStyle/>
-          <a:p>
-            <a:pPr marL="0" marR="0" lvl="0" indent="0" algn="ctr" defTabSz="914400" rtl="0" eaLnBrk="1" fontAlgn="auto" latinLnBrk="0" hangingPunct="1">
-              <a:lnSpc>
-                <a:spcPct val="100000"/>
-              </a:lnSpc>
-              <a:spcBef>
-                <a:spcPts val="0"/>
-              </a:spcBef>
-              <a:spcAft>
-                <a:spcPts val="0"/>
-              </a:spcAft>
-              <a:buClrTx/>
-              <a:buSzTx/>
-              <a:buFontTx/>
-              <a:buNone/>
-              <a:tabLst/>
-              <a:defRPr/>
-            </a:pPr>
-            <a:r>
-              <a:rPr kumimoji="0" lang="en-US" sz="1600" b="0" i="0" u="none" strike="noStrike" kern="1200" cap="none" spc="0" normalizeH="0" baseline="0" noProof="0" dirty="0">
-                <a:ln>
-                  <a:noFill/>
-                </a:ln>
-                <a:solidFill>
-                  <a:prstClr val="white"/>
-                </a:solidFill>
-                <a:effectLst/>
-                <a:uLnTx/>
-                <a:uFillTx/>
-                <a:latin typeface="Calibri" panose="020F0502020204030204"/>
-                <a:ea typeface="+mn-ea"/>
-                <a:cs typeface="+mn-cs"/>
-              </a:rPr>
-              <a:t>RA Bundle</a:t>
-            </a:r>
-          </a:p>
-        </p:txBody>
-      </p:sp>
-      <p:sp>
-        <p:nvSpPr>
-          <p:cNvPr id="7" name="Flowchart: Process 6">
-            <a:extLst>
-              <a:ext uri="{FF2B5EF4-FFF2-40B4-BE49-F238E27FC236}">
-                <a16:creationId xmlns:a16="http://schemas.microsoft.com/office/drawing/2014/main" id="{C91FCB4F-F2B6-436E-9248-D1FB7A9503A1}"/>
-              </a:ext>
-            </a:extLst>
-          </p:cNvPr>
-          <p:cNvSpPr/>
-          <p:nvPr/>
-        </p:nvSpPr>
-        <p:spPr>
-          <a:xfrm>
-            <a:off x="6261837" y="4865351"/>
-            <a:ext cx="1864311" cy="776860"/>
-          </a:xfrm>
-          <a:prstGeom prst="flowChartProcess">
-            <a:avLst/>
-          </a:prstGeom>
-          <a:solidFill>
-            <a:schemeClr val="accent1">
-              <a:lumMod val="60000"/>
-              <a:lumOff val="40000"/>
-            </a:schemeClr>
-          </a:solidFill>
-          <a:ln>
-            <a:solidFill>
-              <a:schemeClr val="tx1"/>
-            </a:solidFill>
-          </a:ln>
-        </p:spPr>
-        <p:style>
-          <a:lnRef idx="2">
-            <a:schemeClr val="accent1">
-              <a:shade val="50000"/>
-            </a:schemeClr>
-          </a:lnRef>
-          <a:fillRef idx="1">
-            <a:schemeClr val="accent1"/>
-          </a:fillRef>
-          <a:effectRef idx="0">
-            <a:schemeClr val="accent1"/>
-          </a:effectRef>
-          <a:fontRef idx="minor">
-            <a:schemeClr val="lt1"/>
-          </a:fontRef>
-        </p:style>
-        <p:txBody>
-          <a:bodyPr rtlCol="0" anchor="ctr"/>
-          <a:lstStyle/>
-          <a:p>
-            <a:pPr marL="0" marR="0" lvl="0" indent="0" algn="ctr" defTabSz="914400" rtl="0" eaLnBrk="1" fontAlgn="auto" latinLnBrk="0" hangingPunct="1">
-              <a:lnSpc>
-                <a:spcPct val="100000"/>
-              </a:lnSpc>
-              <a:spcBef>
-                <a:spcPts val="0"/>
-              </a:spcBef>
-              <a:spcAft>
-                <a:spcPts val="0"/>
-              </a:spcAft>
-              <a:buClrTx/>
-              <a:buSzTx/>
-              <a:buFontTx/>
-              <a:buNone/>
-              <a:tabLst/>
-              <a:defRPr/>
-            </a:pPr>
-            <a:r>
-              <a:rPr kumimoji="0" lang="en-US" sz="1600" b="0" i="0" u="none" strike="noStrike" kern="1200" cap="none" spc="0" normalizeH="0" baseline="0" noProof="0" dirty="0">
-                <a:ln>
-                  <a:noFill/>
-                </a:ln>
-                <a:solidFill>
-                  <a:prstClr val="white"/>
-                </a:solidFill>
-                <a:effectLst/>
-                <a:uLnTx/>
-                <a:uFillTx/>
-                <a:latin typeface="Calibri" panose="020F0502020204030204"/>
-                <a:ea typeface="+mn-ea"/>
-                <a:cs typeface="+mn-cs"/>
-              </a:rPr>
-              <a:t>RA Measure Report #2 </a:t>
-            </a:r>
-          </a:p>
-          <a:p>
-            <a:pPr marL="0" marR="0" lvl="0" indent="0" algn="ctr" defTabSz="914400" rtl="0" eaLnBrk="1" fontAlgn="auto" latinLnBrk="0" hangingPunct="1">
-              <a:lnSpc>
-                <a:spcPct val="100000"/>
-              </a:lnSpc>
-              <a:spcBef>
-                <a:spcPts val="0"/>
-              </a:spcBef>
-              <a:spcAft>
-                <a:spcPts val="0"/>
-              </a:spcAft>
-              <a:buClrTx/>
-              <a:buSzTx/>
-              <a:buFontTx/>
-              <a:buNone/>
-              <a:tabLst/>
-              <a:defRPr/>
-            </a:pPr>
-            <a:r>
-              <a:rPr kumimoji="0" lang="en-US" sz="1600" b="0" i="0" u="none" strike="noStrike" kern="1200" cap="none" spc="0" normalizeH="0" baseline="0" noProof="0" dirty="0">
-                <a:ln>
-                  <a:noFill/>
-                </a:ln>
-                <a:solidFill>
-                  <a:prstClr val="white"/>
-                </a:solidFill>
-                <a:effectLst/>
-                <a:uLnTx/>
-                <a:uFillTx/>
-                <a:latin typeface="Calibri" panose="020F0502020204030204"/>
-                <a:ea typeface="+mn-ea"/>
-                <a:cs typeface="+mn-cs"/>
-              </a:rPr>
-              <a:t>RX HCC</a:t>
-            </a:r>
-          </a:p>
-        </p:txBody>
-      </p:sp>
-      <p:sp>
-        <p:nvSpPr>
-          <p:cNvPr id="13" name="Flowchart: Process 12">
-            <a:extLst>
-              <a:ext uri="{FF2B5EF4-FFF2-40B4-BE49-F238E27FC236}">
-                <a16:creationId xmlns:a16="http://schemas.microsoft.com/office/drawing/2014/main" id="{7C494011-9B4B-4108-B2F1-32F5A7D22803}"/>
-              </a:ext>
-            </a:extLst>
-          </p:cNvPr>
-          <p:cNvSpPr/>
-          <p:nvPr/>
-        </p:nvSpPr>
-        <p:spPr>
-          <a:xfrm>
-            <a:off x="596938" y="3518748"/>
-            <a:ext cx="1864311" cy="795922"/>
-          </a:xfrm>
-          <a:prstGeom prst="flowChartProcess">
-            <a:avLst/>
-          </a:prstGeom>
-          <a:solidFill>
-            <a:schemeClr val="accent3"/>
-          </a:solidFill>
-          <a:ln>
-            <a:solidFill>
-              <a:schemeClr val="tx1"/>
-            </a:solidFill>
-          </a:ln>
-        </p:spPr>
-        <p:style>
-          <a:lnRef idx="2">
-            <a:schemeClr val="accent1">
-              <a:shade val="50000"/>
-            </a:schemeClr>
-          </a:lnRef>
-          <a:fillRef idx="1">
-            <a:schemeClr val="accent1"/>
-          </a:fillRef>
-          <a:effectRef idx="0">
-            <a:schemeClr val="accent1"/>
-          </a:effectRef>
-          <a:fontRef idx="minor">
-            <a:schemeClr val="lt1"/>
-          </a:fontRef>
-        </p:style>
-        <p:txBody>
-          <a:bodyPr rtlCol="0" anchor="ctr"/>
-          <a:lstStyle/>
-          <a:p>
-            <a:pPr marL="0" marR="0" lvl="0" indent="0" algn="ctr" defTabSz="914400" rtl="0" eaLnBrk="1" fontAlgn="auto" latinLnBrk="0" hangingPunct="1">
-              <a:lnSpc>
-                <a:spcPct val="100000"/>
-              </a:lnSpc>
-              <a:spcBef>
-                <a:spcPts val="0"/>
-              </a:spcBef>
-              <a:spcAft>
-                <a:spcPts val="0"/>
-              </a:spcAft>
-              <a:buClrTx/>
-              <a:buSzTx/>
-              <a:buFontTx/>
-              <a:buNone/>
-              <a:tabLst/>
-              <a:defRPr/>
-            </a:pPr>
-            <a:r>
-              <a:rPr kumimoji="0" lang="en-US" sz="1600" b="0" i="0" u="none" strike="noStrike" kern="1200" cap="none" spc="0" normalizeH="0" baseline="0" noProof="0" dirty="0">
-                <a:ln>
-                  <a:noFill/>
-                </a:ln>
-                <a:solidFill>
-                  <a:prstClr val="white"/>
-                </a:solidFill>
-                <a:effectLst/>
-                <a:uLnTx/>
-                <a:uFillTx/>
-                <a:latin typeface="Calibri" panose="020F0502020204030204"/>
-                <a:ea typeface="+mn-ea"/>
-                <a:cs typeface="+mn-cs"/>
-              </a:rPr>
-              <a:t>US Core Patient*</a:t>
-            </a:r>
-          </a:p>
-          <a:p>
-            <a:pPr marL="0" marR="0" lvl="0" indent="0" algn="ctr" defTabSz="914400" rtl="0" eaLnBrk="1" fontAlgn="auto" latinLnBrk="0" hangingPunct="1">
-              <a:lnSpc>
-                <a:spcPct val="100000"/>
-              </a:lnSpc>
-              <a:spcBef>
-                <a:spcPts val="0"/>
-              </a:spcBef>
-              <a:spcAft>
-                <a:spcPts val="0"/>
-              </a:spcAft>
-              <a:buClrTx/>
-              <a:buSzTx/>
-              <a:buFontTx/>
-              <a:buNone/>
-              <a:tabLst/>
-              <a:defRPr/>
-            </a:pPr>
-            <a:r>
-              <a:rPr kumimoji="0" lang="en-US" sz="900" b="0" i="0" u="none" strike="noStrike" kern="1200" cap="none" spc="0" normalizeH="0" baseline="0" noProof="0" dirty="0">
-                <a:ln>
-                  <a:noFill/>
-                </a:ln>
-                <a:solidFill>
-                  <a:prstClr val="white"/>
-                </a:solidFill>
-                <a:effectLst/>
-                <a:uLnTx/>
-                <a:uFillTx/>
-                <a:latin typeface="Calibri" panose="020F0502020204030204"/>
-                <a:ea typeface="+mn-ea"/>
-                <a:cs typeface="+mn-cs"/>
-              </a:rPr>
-              <a:t>Age 63</a:t>
-            </a:r>
-          </a:p>
-        </p:txBody>
-      </p:sp>
-      <p:sp>
-        <p:nvSpPr>
-          <p:cNvPr id="15" name="Flowchart: Process 14">
-            <a:extLst>
-              <a:ext uri="{FF2B5EF4-FFF2-40B4-BE49-F238E27FC236}">
-                <a16:creationId xmlns:a16="http://schemas.microsoft.com/office/drawing/2014/main" id="{AAB520D8-1327-4035-B17F-8E435832F332}"/>
-              </a:ext>
-            </a:extLst>
-          </p:cNvPr>
-          <p:cNvSpPr/>
-          <p:nvPr/>
-        </p:nvSpPr>
-        <p:spPr>
-          <a:xfrm>
-            <a:off x="6261838" y="3643732"/>
-            <a:ext cx="1864310" cy="779355"/>
-          </a:xfrm>
-          <a:prstGeom prst="flowChartProcess">
-            <a:avLst/>
-          </a:prstGeom>
-          <a:solidFill>
-            <a:schemeClr val="accent1">
-              <a:lumMod val="60000"/>
-              <a:lumOff val="40000"/>
-            </a:schemeClr>
-          </a:solidFill>
-          <a:ln>
-            <a:solidFill>
-              <a:schemeClr val="tx1"/>
-            </a:solidFill>
-          </a:ln>
-        </p:spPr>
-        <p:style>
-          <a:lnRef idx="2">
-            <a:schemeClr val="accent1">
-              <a:shade val="50000"/>
-            </a:schemeClr>
-          </a:lnRef>
-          <a:fillRef idx="1">
-            <a:schemeClr val="accent1"/>
-          </a:fillRef>
-          <a:effectRef idx="0">
-            <a:schemeClr val="accent1"/>
-          </a:effectRef>
-          <a:fontRef idx="minor">
-            <a:schemeClr val="lt1"/>
-          </a:fontRef>
-        </p:style>
-        <p:txBody>
-          <a:bodyPr rtlCol="0" anchor="ctr"/>
-          <a:lstStyle/>
-          <a:p>
-            <a:pPr marL="0" marR="0" lvl="0" indent="0" algn="ctr" defTabSz="914400" rtl="0" eaLnBrk="1" fontAlgn="auto" latinLnBrk="0" hangingPunct="1">
-              <a:lnSpc>
-                <a:spcPct val="100000"/>
-              </a:lnSpc>
-              <a:spcBef>
-                <a:spcPts val="0"/>
-              </a:spcBef>
-              <a:spcAft>
-                <a:spcPts val="0"/>
-              </a:spcAft>
-              <a:buClrTx/>
-              <a:buSzTx/>
-              <a:buFontTx/>
-              <a:buNone/>
-              <a:tabLst/>
-              <a:defRPr/>
-            </a:pPr>
-            <a:r>
-              <a:rPr kumimoji="0" lang="en-US" sz="1600" b="0" i="0" u="none" strike="noStrike" kern="1200" cap="none" spc="0" normalizeH="0" baseline="0" noProof="0" dirty="0">
-                <a:ln>
-                  <a:noFill/>
-                </a:ln>
-                <a:solidFill>
-                  <a:prstClr val="white"/>
-                </a:solidFill>
-                <a:effectLst/>
-                <a:uLnTx/>
-                <a:uFillTx/>
-                <a:latin typeface="Calibri" panose="020F0502020204030204"/>
-                <a:ea typeface="+mn-ea"/>
-                <a:cs typeface="+mn-cs"/>
-              </a:rPr>
-              <a:t>US Core Condition</a:t>
-            </a:r>
-          </a:p>
-          <a:p>
-            <a:pPr marL="0" marR="0" lvl="0" indent="0" algn="ctr" defTabSz="914400" rtl="0" eaLnBrk="1" fontAlgn="auto" latinLnBrk="0" hangingPunct="1">
-              <a:lnSpc>
-                <a:spcPct val="100000"/>
-              </a:lnSpc>
-              <a:spcBef>
-                <a:spcPts val="0"/>
-              </a:spcBef>
-              <a:spcAft>
-                <a:spcPts val="0"/>
-              </a:spcAft>
-              <a:buClrTx/>
-              <a:buSzTx/>
-              <a:buFontTx/>
-              <a:buNone/>
-              <a:tabLst/>
-              <a:defRPr/>
-            </a:pPr>
-            <a:r>
-              <a:rPr kumimoji="0" lang="en-US" sz="1000" b="0" i="0" u="none" strike="noStrike" kern="1200" cap="none" spc="0" normalizeH="0" baseline="0" noProof="0" dirty="0">
-                <a:ln>
-                  <a:noFill/>
-                </a:ln>
-                <a:solidFill>
-                  <a:prstClr val="white"/>
-                </a:solidFill>
-                <a:effectLst/>
-                <a:uLnTx/>
-                <a:uFillTx/>
-                <a:latin typeface="Calibri" panose="020F0502020204030204"/>
-                <a:ea typeface="+mn-ea"/>
-                <a:cs typeface="+mn-cs"/>
-              </a:rPr>
-              <a:t>M06252 Rheumatoid bursitis, left hip 12/042021</a:t>
-            </a:r>
-          </a:p>
-          <a:p>
-            <a:pPr marL="0" marR="0" lvl="0" indent="0" algn="ctr" defTabSz="914400" rtl="0" eaLnBrk="1" fontAlgn="auto" latinLnBrk="0" hangingPunct="1">
-              <a:lnSpc>
-                <a:spcPct val="100000"/>
-              </a:lnSpc>
-              <a:spcBef>
-                <a:spcPts val="0"/>
-              </a:spcBef>
-              <a:spcAft>
-                <a:spcPts val="0"/>
-              </a:spcAft>
-              <a:buClrTx/>
-              <a:buSzTx/>
-              <a:buFontTx/>
-              <a:buNone/>
-              <a:tabLst/>
-              <a:defRPr/>
-            </a:pPr>
-            <a:endParaRPr kumimoji="0" lang="en-US" sz="1000" b="0" i="0" u="none" strike="noStrike" kern="1200" cap="none" spc="0" normalizeH="0" baseline="0" noProof="0" dirty="0">
-              <a:ln>
-                <a:noFill/>
-              </a:ln>
-              <a:solidFill>
-                <a:prstClr val="white"/>
-              </a:solidFill>
-              <a:effectLst/>
-              <a:uLnTx/>
-              <a:uFillTx/>
-              <a:latin typeface="Calibri" panose="020F0502020204030204"/>
-              <a:ea typeface="+mn-ea"/>
-              <a:cs typeface="+mn-cs"/>
-            </a:endParaRPr>
-          </a:p>
-        </p:txBody>
-      </p:sp>
-      <p:sp>
-        <p:nvSpPr>
-          <p:cNvPr id="16" name="Flowchart: Process 15">
-            <a:extLst>
-              <a:ext uri="{FF2B5EF4-FFF2-40B4-BE49-F238E27FC236}">
-                <a16:creationId xmlns:a16="http://schemas.microsoft.com/office/drawing/2014/main" id="{820EB801-38A6-47AA-A42B-B341458DA83D}"/>
-              </a:ext>
-            </a:extLst>
-          </p:cNvPr>
-          <p:cNvSpPr/>
-          <p:nvPr/>
-        </p:nvSpPr>
-        <p:spPr>
-          <a:xfrm>
-            <a:off x="3242456" y="5282939"/>
-            <a:ext cx="1864311" cy="747552"/>
-          </a:xfrm>
-          <a:prstGeom prst="flowChartProcess">
-            <a:avLst/>
-          </a:prstGeom>
-          <a:solidFill>
-            <a:schemeClr val="accent3"/>
-          </a:solidFill>
-          <a:ln>
-            <a:solidFill>
-              <a:schemeClr val="tx1"/>
-            </a:solidFill>
-          </a:ln>
-        </p:spPr>
-        <p:style>
-          <a:lnRef idx="2">
-            <a:schemeClr val="accent1">
-              <a:shade val="50000"/>
-            </a:schemeClr>
-          </a:lnRef>
-          <a:fillRef idx="1">
-            <a:schemeClr val="accent1"/>
-          </a:fillRef>
-          <a:effectRef idx="0">
-            <a:schemeClr val="accent1"/>
-          </a:effectRef>
-          <a:fontRef idx="minor">
-            <a:schemeClr val="lt1"/>
-          </a:fontRef>
-        </p:style>
-        <p:txBody>
-          <a:bodyPr rtlCol="0" anchor="ctr"/>
-          <a:lstStyle/>
-          <a:p>
-            <a:pPr marL="0" marR="0" lvl="0" indent="0" algn="ctr" defTabSz="914400" rtl="0" eaLnBrk="1" fontAlgn="auto" latinLnBrk="0" hangingPunct="1">
-              <a:lnSpc>
-                <a:spcPct val="100000"/>
-              </a:lnSpc>
-              <a:spcBef>
-                <a:spcPts val="0"/>
-              </a:spcBef>
-              <a:spcAft>
-                <a:spcPts val="0"/>
-              </a:spcAft>
-              <a:buClrTx/>
-              <a:buSzTx/>
-              <a:buFontTx/>
-              <a:buNone/>
-              <a:tabLst/>
-              <a:defRPr/>
-            </a:pPr>
-            <a:r>
-              <a:rPr kumimoji="0" lang="en-US" sz="1600" b="0" i="0" u="none" strike="noStrike" kern="1200" cap="none" spc="0" normalizeH="0" baseline="0" noProof="0" dirty="0">
-                <a:ln>
-                  <a:noFill/>
-                </a:ln>
-                <a:solidFill>
-                  <a:prstClr val="white"/>
-                </a:solidFill>
-                <a:effectLst/>
-                <a:uLnTx/>
-                <a:uFillTx/>
-                <a:latin typeface="Calibri" panose="020F0502020204030204"/>
-                <a:ea typeface="+mn-ea"/>
-                <a:cs typeface="+mn-cs"/>
-              </a:rPr>
-              <a:t>US Core Organization</a:t>
-            </a:r>
-          </a:p>
-          <a:p>
-            <a:pPr marL="0" marR="0" lvl="0" indent="0" algn="ctr" defTabSz="914400" rtl="0" eaLnBrk="1" fontAlgn="auto" latinLnBrk="0" hangingPunct="1">
-              <a:lnSpc>
-                <a:spcPct val="100000"/>
-              </a:lnSpc>
-              <a:spcBef>
-                <a:spcPts val="0"/>
-              </a:spcBef>
-              <a:spcAft>
-                <a:spcPts val="0"/>
-              </a:spcAft>
-              <a:buClrTx/>
-              <a:buSzTx/>
-              <a:buFontTx/>
-              <a:buNone/>
-              <a:tabLst/>
-              <a:defRPr/>
-            </a:pPr>
-            <a:r>
-              <a:rPr kumimoji="0" lang="en-US" sz="1000" b="0" i="0" u="none" strike="noStrike" kern="1200" cap="none" spc="0" normalizeH="0" baseline="0" noProof="0" dirty="0">
-                <a:ln>
-                  <a:noFill/>
-                </a:ln>
-                <a:solidFill>
-                  <a:prstClr val="white"/>
-                </a:solidFill>
-                <a:effectLst/>
-                <a:uLnTx/>
-                <a:uFillTx/>
-                <a:latin typeface="Calibri" panose="020F0502020204030204"/>
-                <a:ea typeface="+mn-ea"/>
-                <a:cs typeface="+mn-cs"/>
-              </a:rPr>
-              <a:t>(example Payer)</a:t>
-            </a:r>
-          </a:p>
-        </p:txBody>
-      </p:sp>
-      <p:sp>
-        <p:nvSpPr>
-          <p:cNvPr id="19" name="Flowchart: Process 18">
-            <a:extLst>
-              <a:ext uri="{FF2B5EF4-FFF2-40B4-BE49-F238E27FC236}">
-                <a16:creationId xmlns:a16="http://schemas.microsoft.com/office/drawing/2014/main" id="{F4DCC147-F1CD-4EAF-9C73-16087FFCF623}"/>
-              </a:ext>
-            </a:extLst>
-          </p:cNvPr>
-          <p:cNvSpPr/>
-          <p:nvPr/>
-        </p:nvSpPr>
-        <p:spPr>
-          <a:xfrm>
-            <a:off x="6295779" y="1531356"/>
-            <a:ext cx="1864311" cy="747552"/>
-          </a:xfrm>
-          <a:prstGeom prst="flowChartProcess">
-            <a:avLst/>
-          </a:prstGeom>
-          <a:solidFill>
-            <a:schemeClr val="accent1"/>
-          </a:solidFill>
-          <a:ln>
-            <a:solidFill>
-              <a:schemeClr val="tx1"/>
-            </a:solidFill>
-          </a:ln>
-        </p:spPr>
-        <p:style>
-          <a:lnRef idx="2">
-            <a:schemeClr val="accent1">
-              <a:shade val="50000"/>
-            </a:schemeClr>
-          </a:lnRef>
-          <a:fillRef idx="1">
-            <a:schemeClr val="accent1"/>
-          </a:fillRef>
-          <a:effectRef idx="0">
-            <a:schemeClr val="accent1"/>
-          </a:effectRef>
-          <a:fontRef idx="minor">
-            <a:schemeClr val="lt1"/>
-          </a:fontRef>
-        </p:style>
-        <p:txBody>
-          <a:bodyPr rtlCol="0" anchor="ctr"/>
-          <a:lstStyle/>
-          <a:p>
-            <a:pPr marL="0" marR="0" lvl="0" indent="0" algn="ctr" defTabSz="914400" rtl="0" eaLnBrk="1" fontAlgn="auto" latinLnBrk="0" hangingPunct="1">
-              <a:lnSpc>
-                <a:spcPct val="100000"/>
-              </a:lnSpc>
-              <a:spcBef>
-                <a:spcPts val="0"/>
-              </a:spcBef>
-              <a:spcAft>
-                <a:spcPts val="0"/>
-              </a:spcAft>
-              <a:buClrTx/>
-              <a:buSzTx/>
-              <a:buFontTx/>
-              <a:buNone/>
-              <a:tabLst/>
-              <a:defRPr/>
-            </a:pPr>
-            <a:r>
-              <a:rPr kumimoji="0" lang="en-US" sz="1600" b="0" i="0" u="none" strike="noStrike" kern="1200" cap="none" spc="0" normalizeH="0" baseline="0" noProof="0" dirty="0">
-                <a:ln>
-                  <a:noFill/>
-                </a:ln>
-                <a:solidFill>
-                  <a:prstClr val="white"/>
-                </a:solidFill>
-                <a:effectLst/>
-                <a:uLnTx/>
-                <a:uFillTx/>
-                <a:latin typeface="Calibri" panose="020F0502020204030204"/>
-                <a:ea typeface="+mn-ea"/>
-                <a:cs typeface="+mn-cs"/>
-              </a:rPr>
-              <a:t>RA Measure Report #1</a:t>
-            </a:r>
-          </a:p>
-          <a:p>
-            <a:pPr marL="0" marR="0" lvl="0" indent="0" algn="ctr" defTabSz="914400" rtl="0" eaLnBrk="1" fontAlgn="auto" latinLnBrk="0" hangingPunct="1">
-              <a:lnSpc>
-                <a:spcPct val="100000"/>
-              </a:lnSpc>
-              <a:spcBef>
-                <a:spcPts val="0"/>
-              </a:spcBef>
-              <a:spcAft>
-                <a:spcPts val="0"/>
-              </a:spcAft>
-              <a:buClrTx/>
-              <a:buSzTx/>
-              <a:buFontTx/>
-              <a:buNone/>
-              <a:tabLst/>
-              <a:defRPr/>
-            </a:pPr>
-            <a:r>
-              <a:rPr kumimoji="0" lang="en-US" sz="1600" b="0" i="0" u="none" strike="noStrike" kern="1200" cap="none" spc="0" normalizeH="0" baseline="0" noProof="0" dirty="0">
-                <a:ln>
-                  <a:noFill/>
-                </a:ln>
-                <a:solidFill>
-                  <a:prstClr val="white"/>
-                </a:solidFill>
-                <a:effectLst/>
-                <a:uLnTx/>
-                <a:uFillTx/>
-                <a:latin typeface="Calibri" panose="020F0502020204030204"/>
-                <a:ea typeface="+mn-ea"/>
-                <a:cs typeface="+mn-cs"/>
-              </a:rPr>
-              <a:t>2 HCC, 189 &amp; 19</a:t>
-            </a:r>
-          </a:p>
-        </p:txBody>
-      </p:sp>
-      <p:cxnSp>
-        <p:nvCxnSpPr>
-          <p:cNvPr id="22" name="Straight Arrow Connector 21">
-            <a:extLst>
-              <a:ext uri="{FF2B5EF4-FFF2-40B4-BE49-F238E27FC236}">
-                <a16:creationId xmlns:a16="http://schemas.microsoft.com/office/drawing/2014/main" id="{4B41447D-68B5-4C39-B3CC-B31F7134DC48}"/>
-              </a:ext>
-            </a:extLst>
-          </p:cNvPr>
-          <p:cNvCxnSpPr>
-            <a:cxnSpLocks/>
-            <a:stCxn id="5" idx="2"/>
-            <a:endCxn id="4" idx="0"/>
-          </p:cNvCxnSpPr>
-          <p:nvPr/>
-        </p:nvCxnSpPr>
-        <p:spPr>
-          <a:xfrm>
-            <a:off x="4180708" y="2442726"/>
-            <a:ext cx="3491" cy="1078226"/>
-          </a:xfrm>
-          <a:prstGeom prst="straightConnector1">
-            <a:avLst/>
-          </a:prstGeom>
-          <a:ln>
-            <a:tailEnd type="triangle"/>
-          </a:ln>
-        </p:spPr>
-        <p:style>
-          <a:lnRef idx="1">
-            <a:schemeClr val="accent1"/>
-          </a:lnRef>
-          <a:fillRef idx="0">
-            <a:schemeClr val="accent1"/>
-          </a:fillRef>
-          <a:effectRef idx="0">
-            <a:schemeClr val="accent1"/>
-          </a:effectRef>
-          <a:fontRef idx="minor">
-            <a:schemeClr val="tx1"/>
-          </a:fontRef>
-        </p:style>
-      </p:cxnSp>
-      <p:cxnSp>
-        <p:nvCxnSpPr>
-          <p:cNvPr id="24" name="Straight Arrow Connector 23">
-            <a:extLst>
-              <a:ext uri="{FF2B5EF4-FFF2-40B4-BE49-F238E27FC236}">
-                <a16:creationId xmlns:a16="http://schemas.microsoft.com/office/drawing/2014/main" id="{8464D613-60CE-4D58-A3FC-5904161E60D2}"/>
-              </a:ext>
-            </a:extLst>
-          </p:cNvPr>
-          <p:cNvCxnSpPr>
-            <a:cxnSpLocks/>
-            <a:stCxn id="4" idx="3"/>
-            <a:endCxn id="7" idx="1"/>
-          </p:cNvCxnSpPr>
-          <p:nvPr/>
-        </p:nvCxnSpPr>
-        <p:spPr>
-          <a:xfrm>
-            <a:off x="5116354" y="3909382"/>
-            <a:ext cx="1145483" cy="1344399"/>
-          </a:xfrm>
-          <a:prstGeom prst="straightConnector1">
-            <a:avLst/>
-          </a:prstGeom>
-          <a:ln>
-            <a:tailEnd type="triangle"/>
-          </a:ln>
-        </p:spPr>
-        <p:style>
-          <a:lnRef idx="1">
-            <a:schemeClr val="accent1"/>
-          </a:lnRef>
-          <a:fillRef idx="0">
-            <a:schemeClr val="accent1"/>
-          </a:fillRef>
-          <a:effectRef idx="0">
-            <a:schemeClr val="accent1"/>
-          </a:effectRef>
-          <a:fontRef idx="minor">
-            <a:schemeClr val="tx1"/>
-          </a:fontRef>
-        </p:style>
-      </p:cxnSp>
-      <p:sp>
-        <p:nvSpPr>
-          <p:cNvPr id="28" name="Flowchart: Process 27">
-            <a:extLst>
-              <a:ext uri="{FF2B5EF4-FFF2-40B4-BE49-F238E27FC236}">
-                <a16:creationId xmlns:a16="http://schemas.microsoft.com/office/drawing/2014/main" id="{2555D1CD-2F4B-4CC0-B94D-2ED0919C3F39}"/>
-              </a:ext>
-            </a:extLst>
-          </p:cNvPr>
-          <p:cNvSpPr/>
-          <p:nvPr/>
-        </p:nvSpPr>
-        <p:spPr>
-          <a:xfrm>
-            <a:off x="6295779" y="2717726"/>
-            <a:ext cx="1864311" cy="776860"/>
-          </a:xfrm>
-          <a:prstGeom prst="flowChartProcess">
-            <a:avLst/>
-          </a:prstGeom>
-          <a:ln>
-            <a:solidFill>
-              <a:schemeClr val="tx1"/>
-            </a:solidFill>
-          </a:ln>
-        </p:spPr>
-        <p:style>
-          <a:lnRef idx="2">
-            <a:schemeClr val="accent1">
-              <a:shade val="50000"/>
-            </a:schemeClr>
-          </a:lnRef>
-          <a:fillRef idx="1">
-            <a:schemeClr val="accent1"/>
-          </a:fillRef>
-          <a:effectRef idx="0">
-            <a:schemeClr val="accent1"/>
-          </a:effectRef>
-          <a:fontRef idx="minor">
-            <a:schemeClr val="lt1"/>
-          </a:fontRef>
-        </p:style>
-        <p:txBody>
-          <a:bodyPr rtlCol="0" anchor="ctr"/>
-          <a:lstStyle/>
-          <a:p>
-            <a:pPr marL="0" marR="0" lvl="0" indent="0" algn="ctr" defTabSz="914400" rtl="0" eaLnBrk="1" fontAlgn="auto" latinLnBrk="0" hangingPunct="1">
-              <a:lnSpc>
-                <a:spcPct val="100000"/>
-              </a:lnSpc>
-              <a:spcBef>
-                <a:spcPts val="0"/>
-              </a:spcBef>
-              <a:spcAft>
-                <a:spcPts val="0"/>
-              </a:spcAft>
-              <a:buClrTx/>
-              <a:buSzTx/>
-              <a:buFontTx/>
-              <a:buNone/>
-              <a:tabLst/>
-              <a:defRPr/>
-            </a:pPr>
-            <a:r>
-              <a:rPr kumimoji="0" lang="en-US" sz="1600" b="0" i="0" u="none" strike="noStrike" kern="1200" cap="none" spc="0" normalizeH="0" baseline="0" noProof="0" dirty="0">
-                <a:ln>
-                  <a:noFill/>
-                </a:ln>
-                <a:solidFill>
-                  <a:prstClr val="white"/>
-                </a:solidFill>
-                <a:effectLst/>
-                <a:uLnTx/>
-                <a:uFillTx/>
-                <a:latin typeface="Calibri" panose="020F0502020204030204"/>
-                <a:ea typeface="+mn-ea"/>
-                <a:cs typeface="+mn-cs"/>
-              </a:rPr>
-              <a:t>US Core Condition</a:t>
-            </a:r>
-          </a:p>
-          <a:p>
-            <a:pPr marL="0" marR="0" lvl="0" indent="0" algn="ctr" defTabSz="914400" rtl="0" eaLnBrk="1" fontAlgn="auto" latinLnBrk="0" hangingPunct="1">
-              <a:lnSpc>
-                <a:spcPct val="100000"/>
-              </a:lnSpc>
-              <a:spcBef>
-                <a:spcPts val="0"/>
-              </a:spcBef>
-              <a:spcAft>
-                <a:spcPts val="0"/>
-              </a:spcAft>
-              <a:buClrTx/>
-              <a:buSzTx/>
-              <a:buFontTx/>
-              <a:buNone/>
-              <a:tabLst/>
-              <a:defRPr/>
-            </a:pPr>
-            <a:r>
-              <a:rPr kumimoji="0" lang="en-US" sz="1600" b="0" i="0" u="none" strike="noStrike" kern="1200" cap="none" spc="0" normalizeH="0" baseline="0" noProof="0" dirty="0">
-                <a:ln>
-                  <a:noFill/>
-                </a:ln>
-                <a:solidFill>
-                  <a:prstClr val="white"/>
-                </a:solidFill>
-                <a:effectLst/>
-                <a:uLnTx/>
-                <a:uFillTx/>
-                <a:latin typeface="Calibri" panose="020F0502020204030204"/>
-                <a:ea typeface="+mn-ea"/>
-                <a:cs typeface="+mn-cs"/>
-              </a:rPr>
-              <a:t>ICD</a:t>
-            </a:r>
-          </a:p>
-          <a:p>
-            <a:pPr marL="0" marR="0" lvl="0" indent="0" algn="ctr" defTabSz="914400" rtl="0" eaLnBrk="1" fontAlgn="auto" latinLnBrk="0" hangingPunct="1">
-              <a:lnSpc>
-                <a:spcPct val="100000"/>
-              </a:lnSpc>
-              <a:spcBef>
-                <a:spcPts val="0"/>
-              </a:spcBef>
-              <a:spcAft>
-                <a:spcPts val="0"/>
-              </a:spcAft>
-              <a:buClrTx/>
-              <a:buSzTx/>
-              <a:buFontTx/>
-              <a:buNone/>
-              <a:tabLst/>
-              <a:defRPr/>
-            </a:pPr>
-            <a:r>
-              <a:rPr kumimoji="0" lang="en-US" sz="1600" b="0" i="0" u="none" strike="noStrike" kern="1200" cap="none" spc="0" normalizeH="0" baseline="0" noProof="0" dirty="0">
-                <a:ln>
-                  <a:noFill/>
-                </a:ln>
-                <a:solidFill>
-                  <a:prstClr val="white"/>
-                </a:solidFill>
-                <a:effectLst/>
-                <a:uLnTx/>
-                <a:uFillTx/>
-                <a:latin typeface="Calibri" panose="020F0502020204030204"/>
-                <a:ea typeface="+mn-ea"/>
-                <a:cs typeface="+mn-cs"/>
-              </a:rPr>
-              <a:t>Z89.511/20210401</a:t>
-            </a:r>
-          </a:p>
-        </p:txBody>
-      </p:sp>
-      <p:cxnSp>
-        <p:nvCxnSpPr>
-          <p:cNvPr id="44" name="Straight Arrow Connector 43">
-            <a:extLst>
-              <a:ext uri="{FF2B5EF4-FFF2-40B4-BE49-F238E27FC236}">
-                <a16:creationId xmlns:a16="http://schemas.microsoft.com/office/drawing/2014/main" id="{5CF496CA-7DA1-4920-B8A9-499D311987BA}"/>
-              </a:ext>
-            </a:extLst>
-          </p:cNvPr>
-          <p:cNvCxnSpPr>
-            <a:cxnSpLocks/>
-            <a:stCxn id="7" idx="0"/>
-            <a:endCxn id="15" idx="2"/>
-          </p:cNvCxnSpPr>
-          <p:nvPr/>
-        </p:nvCxnSpPr>
-        <p:spPr>
-          <a:xfrm flipV="1">
-            <a:off x="7193993" y="4423087"/>
-            <a:ext cx="0" cy="442264"/>
-          </a:xfrm>
-          <a:prstGeom prst="straightConnector1">
-            <a:avLst/>
-          </a:prstGeom>
-          <a:ln>
-            <a:tailEnd type="triangle"/>
-          </a:ln>
-        </p:spPr>
-        <p:style>
-          <a:lnRef idx="1">
-            <a:schemeClr val="accent1"/>
-          </a:lnRef>
-          <a:fillRef idx="0">
-            <a:schemeClr val="accent1"/>
-          </a:fillRef>
-          <a:effectRef idx="0">
-            <a:schemeClr val="accent1"/>
-          </a:effectRef>
-          <a:fontRef idx="minor">
-            <a:schemeClr val="tx1"/>
-          </a:fontRef>
-        </p:style>
-      </p:cxnSp>
-      <p:cxnSp>
-        <p:nvCxnSpPr>
-          <p:cNvPr id="47" name="Straight Arrow Connector 46">
-            <a:extLst>
-              <a:ext uri="{FF2B5EF4-FFF2-40B4-BE49-F238E27FC236}">
-                <a16:creationId xmlns:a16="http://schemas.microsoft.com/office/drawing/2014/main" id="{0F9137BA-4C1E-470D-9CE5-C3A73B892B8B}"/>
-              </a:ext>
-            </a:extLst>
-          </p:cNvPr>
-          <p:cNvCxnSpPr>
-            <a:cxnSpLocks/>
-            <a:stCxn id="19" idx="2"/>
-            <a:endCxn id="28" idx="0"/>
-          </p:cNvCxnSpPr>
-          <p:nvPr/>
-        </p:nvCxnSpPr>
-        <p:spPr>
-          <a:xfrm>
-            <a:off x="7227935" y="2278908"/>
-            <a:ext cx="0" cy="438818"/>
-          </a:xfrm>
-          <a:prstGeom prst="straightConnector1">
-            <a:avLst/>
-          </a:prstGeom>
-          <a:ln>
-            <a:tailEnd type="triangle"/>
-          </a:ln>
-        </p:spPr>
-        <p:style>
-          <a:lnRef idx="1">
-            <a:schemeClr val="accent1"/>
-          </a:lnRef>
-          <a:fillRef idx="0">
-            <a:schemeClr val="accent1"/>
-          </a:fillRef>
-          <a:effectRef idx="0">
-            <a:schemeClr val="accent1"/>
-          </a:effectRef>
-          <a:fontRef idx="minor">
-            <a:schemeClr val="tx1"/>
-          </a:fontRef>
-        </p:style>
-      </p:cxnSp>
-      <p:cxnSp>
-        <p:nvCxnSpPr>
-          <p:cNvPr id="141" name="Straight Arrow Connector 140">
-            <a:extLst>
-              <a:ext uri="{FF2B5EF4-FFF2-40B4-BE49-F238E27FC236}">
-                <a16:creationId xmlns:a16="http://schemas.microsoft.com/office/drawing/2014/main" id="{879550D5-89BE-4FBE-82D9-CB3521CF2D58}"/>
-              </a:ext>
-            </a:extLst>
-          </p:cNvPr>
-          <p:cNvCxnSpPr>
-            <a:cxnSpLocks/>
-            <a:stCxn id="4" idx="2"/>
-            <a:endCxn id="16" idx="0"/>
-          </p:cNvCxnSpPr>
-          <p:nvPr/>
-        </p:nvCxnSpPr>
-        <p:spPr>
-          <a:xfrm flipH="1">
-            <a:off x="4174612" y="4297812"/>
-            <a:ext cx="9587" cy="985127"/>
-          </a:xfrm>
-          <a:prstGeom prst="straightConnector1">
-            <a:avLst/>
-          </a:prstGeom>
-          <a:ln>
-            <a:tailEnd type="triangle"/>
-          </a:ln>
-        </p:spPr>
-        <p:style>
-          <a:lnRef idx="1">
-            <a:schemeClr val="accent1"/>
-          </a:lnRef>
-          <a:fillRef idx="0">
-            <a:schemeClr val="accent1"/>
-          </a:fillRef>
-          <a:effectRef idx="0">
-            <a:schemeClr val="accent1"/>
-          </a:effectRef>
-          <a:fontRef idx="minor">
-            <a:schemeClr val="tx1"/>
-          </a:fontRef>
-        </p:style>
-      </p:cxnSp>
-      <p:cxnSp>
-        <p:nvCxnSpPr>
-          <p:cNvPr id="147" name="Straight Arrow Connector 146">
-            <a:extLst>
-              <a:ext uri="{FF2B5EF4-FFF2-40B4-BE49-F238E27FC236}">
-                <a16:creationId xmlns:a16="http://schemas.microsoft.com/office/drawing/2014/main" id="{CAE3AF3E-4461-4BF9-AD1A-870ECDBF5C9D}"/>
-              </a:ext>
-            </a:extLst>
-          </p:cNvPr>
-          <p:cNvCxnSpPr>
-            <a:cxnSpLocks/>
-            <a:stCxn id="5" idx="3"/>
-            <a:endCxn id="7" idx="1"/>
-          </p:cNvCxnSpPr>
-          <p:nvPr/>
-        </p:nvCxnSpPr>
-        <p:spPr>
-          <a:xfrm>
-            <a:off x="5112863" y="2044765"/>
-            <a:ext cx="1148974" cy="3209016"/>
-          </a:xfrm>
-          <a:prstGeom prst="straightConnector1">
-            <a:avLst/>
-          </a:prstGeom>
-          <a:ln>
-            <a:solidFill>
-              <a:schemeClr val="tx1"/>
-            </a:solidFill>
-            <a:tailEnd type="triangle"/>
-          </a:ln>
-        </p:spPr>
-        <p:style>
-          <a:lnRef idx="1">
-            <a:schemeClr val="accent1"/>
-          </a:lnRef>
-          <a:fillRef idx="0">
-            <a:schemeClr val="accent1"/>
-          </a:fillRef>
-          <a:effectRef idx="0">
-            <a:schemeClr val="accent1"/>
-          </a:effectRef>
-          <a:fontRef idx="minor">
-            <a:schemeClr val="tx1"/>
-          </a:fontRef>
-        </p:style>
-      </p:cxnSp>
-      <p:cxnSp>
-        <p:nvCxnSpPr>
-          <p:cNvPr id="150" name="Straight Arrow Connector 149">
-            <a:extLst>
-              <a:ext uri="{FF2B5EF4-FFF2-40B4-BE49-F238E27FC236}">
-                <a16:creationId xmlns:a16="http://schemas.microsoft.com/office/drawing/2014/main" id="{B0A502EB-4FA3-419A-B0EE-C00113470861}"/>
-              </a:ext>
-            </a:extLst>
-          </p:cNvPr>
-          <p:cNvCxnSpPr>
-            <a:cxnSpLocks/>
-            <a:stCxn id="5" idx="3"/>
-            <a:endCxn id="19" idx="1"/>
-          </p:cNvCxnSpPr>
-          <p:nvPr/>
-        </p:nvCxnSpPr>
-        <p:spPr>
-          <a:xfrm flipV="1">
-            <a:off x="5112863" y="1905132"/>
-            <a:ext cx="1182916" cy="139633"/>
-          </a:xfrm>
-          <a:prstGeom prst="straightConnector1">
-            <a:avLst/>
-          </a:prstGeom>
-          <a:ln>
-            <a:solidFill>
-              <a:schemeClr val="tx1"/>
-            </a:solidFill>
-            <a:tailEnd type="triangle"/>
-          </a:ln>
-        </p:spPr>
-        <p:style>
-          <a:lnRef idx="1">
-            <a:schemeClr val="accent1"/>
-          </a:lnRef>
-          <a:fillRef idx="0">
-            <a:schemeClr val="accent1"/>
-          </a:fillRef>
-          <a:effectRef idx="0">
-            <a:schemeClr val="accent1"/>
-          </a:effectRef>
-          <a:fontRef idx="minor">
-            <a:schemeClr val="tx1"/>
-          </a:fontRef>
-        </p:style>
-      </p:cxnSp>
-      <p:cxnSp>
-        <p:nvCxnSpPr>
-          <p:cNvPr id="154" name="Straight Arrow Connector 153">
-            <a:extLst>
-              <a:ext uri="{FF2B5EF4-FFF2-40B4-BE49-F238E27FC236}">
-                <a16:creationId xmlns:a16="http://schemas.microsoft.com/office/drawing/2014/main" id="{ACE8CF9B-7ACD-48E8-BB5C-C165C6517CEC}"/>
-              </a:ext>
-            </a:extLst>
-          </p:cNvPr>
-          <p:cNvCxnSpPr>
-            <a:cxnSpLocks/>
-            <a:stCxn id="4" idx="1"/>
-            <a:endCxn id="13" idx="3"/>
-          </p:cNvCxnSpPr>
-          <p:nvPr/>
-        </p:nvCxnSpPr>
-        <p:spPr>
-          <a:xfrm flipH="1">
-            <a:off x="2461249" y="3909382"/>
-            <a:ext cx="790794" cy="7327"/>
-          </a:xfrm>
-          <a:prstGeom prst="straightConnector1">
-            <a:avLst/>
-          </a:prstGeom>
-          <a:ln>
-            <a:tailEnd type="triangle"/>
-          </a:ln>
-        </p:spPr>
-        <p:style>
-          <a:lnRef idx="1">
-            <a:schemeClr val="accent1"/>
-          </a:lnRef>
-          <a:fillRef idx="0">
-            <a:schemeClr val="accent1"/>
-          </a:fillRef>
-          <a:effectRef idx="0">
-            <a:schemeClr val="accent1"/>
-          </a:effectRef>
-          <a:fontRef idx="minor">
-            <a:schemeClr val="tx1"/>
-          </a:fontRef>
-        </p:style>
-      </p:cxnSp>
-      <p:sp>
-        <p:nvSpPr>
-          <p:cNvPr id="161" name="TextBox 160">
-            <a:extLst>
-              <a:ext uri="{FF2B5EF4-FFF2-40B4-BE49-F238E27FC236}">
-                <a16:creationId xmlns:a16="http://schemas.microsoft.com/office/drawing/2014/main" id="{3EFFA89C-5A0F-43E9-8E5E-E7EFE761E46D}"/>
-              </a:ext>
-            </a:extLst>
-          </p:cNvPr>
-          <p:cNvSpPr txBox="1"/>
-          <p:nvPr/>
-        </p:nvSpPr>
-        <p:spPr>
-          <a:xfrm>
-            <a:off x="718799" y="5034569"/>
-            <a:ext cx="2075630" cy="646331"/>
-          </a:xfrm>
-          <a:prstGeom prst="rect">
-            <a:avLst/>
-          </a:prstGeom>
-          <a:noFill/>
-        </p:spPr>
-        <p:txBody>
-          <a:bodyPr wrap="square" rtlCol="0">
-            <a:spAutoFit/>
-          </a:bodyPr>
-          <a:lstStyle/>
-          <a:p>
-            <a:pPr marL="0" marR="0" lvl="0" indent="0" algn="l" defTabSz="914400" rtl="0" eaLnBrk="1" fontAlgn="auto" latinLnBrk="0" hangingPunct="1">
-              <a:lnSpc>
-                <a:spcPct val="100000"/>
-              </a:lnSpc>
-              <a:spcBef>
-                <a:spcPts val="0"/>
-              </a:spcBef>
-              <a:spcAft>
-                <a:spcPts val="0"/>
-              </a:spcAft>
-              <a:buClrTx/>
-              <a:buSzTx/>
-              <a:buFontTx/>
-              <a:buNone/>
-              <a:tabLst/>
-              <a:defRPr/>
-            </a:pPr>
-            <a:r>
-              <a:rPr kumimoji="0" lang="en-US" sz="900" b="1" i="0" u="none" strike="noStrike" kern="1200" cap="none" spc="0" normalizeH="0" baseline="0" noProof="0" dirty="0">
-                <a:ln>
-                  <a:noFill/>
-                </a:ln>
-                <a:solidFill>
-                  <a:prstClr val="black"/>
-                </a:solidFill>
-                <a:effectLst/>
-                <a:uLnTx/>
-                <a:uFillTx/>
-                <a:latin typeface="Calibri" panose="020F0502020204030204"/>
-                <a:ea typeface="+mn-ea"/>
-                <a:cs typeface="+mn-cs"/>
-              </a:rPr>
-              <a:t>*US Core Patient is also pointed to by all  RA Measure Reports, US Core Procedure,  US Core  Lab Observations, US Core Condition, etc</a:t>
-            </a:r>
-          </a:p>
-        </p:txBody>
-      </p:sp>
-      <p:sp>
-        <p:nvSpPr>
-          <p:cNvPr id="165" name="TextBox 164">
-            <a:extLst>
-              <a:ext uri="{FF2B5EF4-FFF2-40B4-BE49-F238E27FC236}">
-                <a16:creationId xmlns:a16="http://schemas.microsoft.com/office/drawing/2014/main" id="{8F126E68-CFBC-4650-89F4-8608C59D3052}"/>
-              </a:ext>
-            </a:extLst>
-          </p:cNvPr>
-          <p:cNvSpPr txBox="1"/>
-          <p:nvPr/>
-        </p:nvSpPr>
-        <p:spPr>
-          <a:xfrm>
-            <a:off x="2716620" y="2684407"/>
-            <a:ext cx="851536" cy="230832"/>
-          </a:xfrm>
-          <a:prstGeom prst="rect">
-            <a:avLst/>
-          </a:prstGeom>
-          <a:solidFill>
-            <a:schemeClr val="bg1"/>
-          </a:solidFill>
-        </p:spPr>
-        <p:txBody>
-          <a:bodyPr wrap="square" rtlCol="0">
-            <a:spAutoFit/>
-          </a:bodyPr>
-          <a:lstStyle/>
-          <a:p>
-            <a:pPr marL="0" marR="0" lvl="0" indent="0" algn="l" defTabSz="914400" rtl="0" eaLnBrk="1" fontAlgn="auto" latinLnBrk="0" hangingPunct="1">
-              <a:lnSpc>
-                <a:spcPct val="100000"/>
-              </a:lnSpc>
-              <a:spcBef>
-                <a:spcPts val="0"/>
-              </a:spcBef>
-              <a:spcAft>
-                <a:spcPts val="0"/>
-              </a:spcAft>
-              <a:buClrTx/>
-              <a:buSzTx/>
-              <a:buFontTx/>
-              <a:buNone/>
-              <a:tabLst/>
-              <a:defRPr/>
-            </a:pPr>
-            <a:r>
-              <a:rPr kumimoji="0" lang="en-US" sz="900" b="1" i="0" u="none" strike="noStrike" kern="1200" cap="none" spc="0" normalizeH="0" baseline="0" noProof="0" dirty="0">
-                <a:ln>
-                  <a:noFill/>
-                </a:ln>
-                <a:solidFill>
-                  <a:prstClr val="black"/>
-                </a:solidFill>
-                <a:effectLst/>
-                <a:uLnTx/>
-                <a:uFillTx/>
-                <a:latin typeface="Calibri" panose="020F0502020204030204"/>
-                <a:ea typeface="+mn-ea"/>
-                <a:cs typeface="+mn-cs"/>
-              </a:rPr>
-              <a:t>section.entry</a:t>
-            </a:r>
-          </a:p>
-        </p:txBody>
-      </p:sp>
-      <p:sp>
-        <p:nvSpPr>
-          <p:cNvPr id="174" name="TextBox 173">
-            <a:extLst>
-              <a:ext uri="{FF2B5EF4-FFF2-40B4-BE49-F238E27FC236}">
-                <a16:creationId xmlns:a16="http://schemas.microsoft.com/office/drawing/2014/main" id="{89984EC5-4D27-490C-94D4-8134C6A2E37D}"/>
-              </a:ext>
-            </a:extLst>
-          </p:cNvPr>
-          <p:cNvSpPr txBox="1"/>
-          <p:nvPr/>
-        </p:nvSpPr>
-        <p:spPr>
-          <a:xfrm>
-            <a:off x="1250351" y="2956726"/>
-            <a:ext cx="573375" cy="230832"/>
-          </a:xfrm>
-          <a:prstGeom prst="rect">
-            <a:avLst/>
-          </a:prstGeom>
-          <a:solidFill>
-            <a:schemeClr val="bg1"/>
-          </a:solidFill>
-        </p:spPr>
-        <p:txBody>
-          <a:bodyPr wrap="square" rtlCol="0">
-            <a:spAutoFit/>
-          </a:bodyPr>
-          <a:lstStyle/>
-          <a:p>
-            <a:pPr marL="0" marR="0" lvl="0" indent="0" algn="l" defTabSz="914400" rtl="0" eaLnBrk="1" fontAlgn="auto" latinLnBrk="0" hangingPunct="1">
-              <a:lnSpc>
-                <a:spcPct val="100000"/>
-              </a:lnSpc>
-              <a:spcBef>
-                <a:spcPts val="0"/>
-              </a:spcBef>
-              <a:spcAft>
-                <a:spcPts val="0"/>
-              </a:spcAft>
-              <a:buClrTx/>
-              <a:buSzTx/>
-              <a:buFontTx/>
-              <a:buNone/>
-              <a:tabLst/>
-              <a:defRPr/>
-            </a:pPr>
-            <a:r>
-              <a:rPr kumimoji="0" lang="en-US" sz="900" b="1" i="0" u="none" strike="noStrike" kern="1200" cap="none" spc="0" normalizeH="0" baseline="0" noProof="0" dirty="0">
-                <a:ln>
-                  <a:noFill/>
-                </a:ln>
-                <a:solidFill>
-                  <a:prstClr val="black"/>
-                </a:solidFill>
-                <a:effectLst/>
-                <a:uLnTx/>
-                <a:uFillTx/>
-                <a:latin typeface="Calibri" panose="020F0502020204030204"/>
-                <a:ea typeface="+mn-ea"/>
-                <a:cs typeface="+mn-cs"/>
-              </a:rPr>
-              <a:t>patient</a:t>
-            </a:r>
-          </a:p>
-        </p:txBody>
-      </p:sp>
-      <p:sp>
-        <p:nvSpPr>
-          <p:cNvPr id="175" name="TextBox 174">
-            <a:extLst>
-              <a:ext uri="{FF2B5EF4-FFF2-40B4-BE49-F238E27FC236}">
-                <a16:creationId xmlns:a16="http://schemas.microsoft.com/office/drawing/2014/main" id="{D0295861-70D2-48F2-A70D-BD6830F6561F}"/>
-              </a:ext>
-            </a:extLst>
-          </p:cNvPr>
-          <p:cNvSpPr txBox="1"/>
-          <p:nvPr/>
-        </p:nvSpPr>
-        <p:spPr>
-          <a:xfrm>
-            <a:off x="2602823" y="3782240"/>
-            <a:ext cx="573375" cy="230832"/>
-          </a:xfrm>
-          <a:prstGeom prst="rect">
-            <a:avLst/>
-          </a:prstGeom>
-          <a:solidFill>
-            <a:schemeClr val="bg1"/>
-          </a:solidFill>
-        </p:spPr>
-        <p:txBody>
-          <a:bodyPr wrap="square" rtlCol="0">
-            <a:spAutoFit/>
-          </a:bodyPr>
-          <a:lstStyle/>
-          <a:p>
-            <a:pPr marL="0" marR="0" lvl="0" indent="0" algn="l" defTabSz="914400" rtl="0" eaLnBrk="1" fontAlgn="auto" latinLnBrk="0" hangingPunct="1">
-              <a:lnSpc>
-                <a:spcPct val="100000"/>
-              </a:lnSpc>
-              <a:spcBef>
-                <a:spcPts val="0"/>
-              </a:spcBef>
-              <a:spcAft>
-                <a:spcPts val="0"/>
-              </a:spcAft>
-              <a:buClrTx/>
-              <a:buSzTx/>
-              <a:buFontTx/>
-              <a:buNone/>
-              <a:tabLst/>
-              <a:defRPr/>
-            </a:pPr>
-            <a:r>
-              <a:rPr kumimoji="0" lang="en-US" sz="900" b="1" i="0" u="none" strike="noStrike" kern="1200" cap="none" spc="0" normalizeH="0" baseline="0" noProof="0" dirty="0">
-                <a:ln>
-                  <a:noFill/>
-                </a:ln>
-                <a:solidFill>
-                  <a:prstClr val="black"/>
-                </a:solidFill>
-                <a:effectLst/>
-                <a:uLnTx/>
-                <a:uFillTx/>
-                <a:latin typeface="Calibri" panose="020F0502020204030204"/>
-                <a:ea typeface="+mn-ea"/>
-                <a:cs typeface="+mn-cs"/>
-              </a:rPr>
-              <a:t>subject</a:t>
-            </a:r>
-          </a:p>
-        </p:txBody>
-      </p:sp>
-      <p:sp>
-        <p:nvSpPr>
-          <p:cNvPr id="176" name="TextBox 175">
-            <a:extLst>
-              <a:ext uri="{FF2B5EF4-FFF2-40B4-BE49-F238E27FC236}">
-                <a16:creationId xmlns:a16="http://schemas.microsoft.com/office/drawing/2014/main" id="{F4254C16-5AD4-454F-B8DE-A78DB7317DD0}"/>
-              </a:ext>
-            </a:extLst>
-          </p:cNvPr>
-          <p:cNvSpPr txBox="1"/>
-          <p:nvPr/>
-        </p:nvSpPr>
-        <p:spPr>
-          <a:xfrm>
-            <a:off x="3850155" y="4568002"/>
-            <a:ext cx="798376" cy="230832"/>
-          </a:xfrm>
-          <a:prstGeom prst="rect">
-            <a:avLst/>
-          </a:prstGeom>
-          <a:solidFill>
-            <a:schemeClr val="bg1"/>
-          </a:solidFill>
-        </p:spPr>
-        <p:txBody>
-          <a:bodyPr wrap="square" rtlCol="0">
-            <a:spAutoFit/>
-          </a:bodyPr>
-          <a:lstStyle/>
-          <a:p>
-            <a:pPr marL="0" marR="0" lvl="0" indent="0" algn="l" defTabSz="914400" rtl="0" eaLnBrk="1" fontAlgn="auto" latinLnBrk="0" hangingPunct="1">
-              <a:lnSpc>
-                <a:spcPct val="100000"/>
-              </a:lnSpc>
-              <a:spcBef>
-                <a:spcPts val="0"/>
-              </a:spcBef>
-              <a:spcAft>
-                <a:spcPts val="0"/>
-              </a:spcAft>
-              <a:buClrTx/>
-              <a:buSzTx/>
-              <a:buFontTx/>
-              <a:buNone/>
-              <a:tabLst/>
-              <a:defRPr/>
-            </a:pPr>
-            <a:r>
-              <a:rPr kumimoji="0" lang="en-US" sz="900" b="1" i="0" u="none" strike="noStrike" kern="1200" cap="none" spc="0" normalizeH="0" baseline="0" noProof="0" dirty="0">
-                <a:ln>
-                  <a:noFill/>
-                </a:ln>
-                <a:solidFill>
-                  <a:prstClr val="black"/>
-                </a:solidFill>
-                <a:effectLst/>
-                <a:uLnTx/>
-                <a:uFillTx/>
-                <a:latin typeface="Calibri" panose="020F0502020204030204"/>
-                <a:ea typeface="+mn-ea"/>
-                <a:cs typeface="+mn-cs"/>
-              </a:rPr>
-              <a:t>custodian</a:t>
-            </a:r>
-          </a:p>
-        </p:txBody>
-      </p:sp>
-      <p:sp>
-        <p:nvSpPr>
-          <p:cNvPr id="178" name="TextBox 177">
-            <a:extLst>
-              <a:ext uri="{FF2B5EF4-FFF2-40B4-BE49-F238E27FC236}">
-                <a16:creationId xmlns:a16="http://schemas.microsoft.com/office/drawing/2014/main" id="{6DC5E373-7EFD-4CA0-9108-834DD55A204E}"/>
-              </a:ext>
-            </a:extLst>
-          </p:cNvPr>
-          <p:cNvSpPr txBox="1"/>
-          <p:nvPr/>
-        </p:nvSpPr>
-        <p:spPr>
-          <a:xfrm>
-            <a:off x="3912843" y="2797557"/>
-            <a:ext cx="573375" cy="230832"/>
-          </a:xfrm>
-          <a:prstGeom prst="rect">
-            <a:avLst/>
-          </a:prstGeom>
-          <a:solidFill>
-            <a:schemeClr val="bg1"/>
-          </a:solidFill>
-        </p:spPr>
-        <p:txBody>
-          <a:bodyPr wrap="square" rtlCol="0">
-            <a:spAutoFit/>
-          </a:bodyPr>
-          <a:lstStyle/>
-          <a:p>
-            <a:pPr marL="0" marR="0" lvl="0" indent="0" algn="l" defTabSz="914400" rtl="0" eaLnBrk="1" fontAlgn="auto" latinLnBrk="0" hangingPunct="1">
-              <a:lnSpc>
-                <a:spcPct val="100000"/>
-              </a:lnSpc>
-              <a:spcBef>
-                <a:spcPts val="0"/>
-              </a:spcBef>
-              <a:spcAft>
-                <a:spcPts val="0"/>
-              </a:spcAft>
-              <a:buClrTx/>
-              <a:buSzTx/>
-              <a:buFontTx/>
-              <a:buNone/>
-              <a:tabLst/>
-              <a:defRPr/>
-            </a:pPr>
-            <a:r>
-              <a:rPr kumimoji="0" lang="en-US" sz="900" b="1" i="0" u="none" strike="noStrike" kern="1200" cap="none" spc="0" normalizeH="0" baseline="0" noProof="0" dirty="0">
-                <a:ln>
-                  <a:noFill/>
-                </a:ln>
-                <a:solidFill>
-                  <a:prstClr val="black"/>
-                </a:solidFill>
-                <a:effectLst/>
-                <a:uLnTx/>
-                <a:uFillTx/>
-                <a:latin typeface="Calibri" panose="020F0502020204030204"/>
-                <a:ea typeface="+mn-ea"/>
-                <a:cs typeface="+mn-cs"/>
-              </a:rPr>
-              <a:t>entry</a:t>
-            </a:r>
-          </a:p>
-        </p:txBody>
-      </p:sp>
-      <p:sp>
-        <p:nvSpPr>
-          <p:cNvPr id="51" name="Flowchart: Process 50">
-            <a:extLst>
-              <a:ext uri="{FF2B5EF4-FFF2-40B4-BE49-F238E27FC236}">
-                <a16:creationId xmlns:a16="http://schemas.microsoft.com/office/drawing/2014/main" id="{26D4DD73-45E1-43F9-ADDC-8A6DA302101C}"/>
-              </a:ext>
-            </a:extLst>
-          </p:cNvPr>
-          <p:cNvSpPr/>
-          <p:nvPr/>
-        </p:nvSpPr>
-        <p:spPr>
-          <a:xfrm>
-            <a:off x="6256762" y="342663"/>
-            <a:ext cx="1934738" cy="747552"/>
-          </a:xfrm>
-          <a:prstGeom prst="flowChartProcess">
-            <a:avLst/>
-          </a:prstGeom>
-          <a:ln>
-            <a:solidFill>
-              <a:schemeClr val="tx1"/>
-            </a:solidFill>
-          </a:ln>
-        </p:spPr>
-        <p:style>
-          <a:lnRef idx="2">
-            <a:schemeClr val="accent1">
-              <a:shade val="50000"/>
-            </a:schemeClr>
-          </a:lnRef>
-          <a:fillRef idx="1">
-            <a:schemeClr val="accent1"/>
-          </a:fillRef>
-          <a:effectRef idx="0">
-            <a:schemeClr val="accent1"/>
-          </a:effectRef>
-          <a:fontRef idx="minor">
-            <a:schemeClr val="lt1"/>
-          </a:fontRef>
-        </p:style>
-        <p:txBody>
-          <a:bodyPr rtlCol="0" anchor="ctr"/>
-          <a:lstStyle/>
-          <a:p>
-            <a:pPr marL="0" marR="0" lvl="0" indent="0" algn="ctr" defTabSz="914400" rtl="0" eaLnBrk="1" fontAlgn="auto" latinLnBrk="0" hangingPunct="1">
-              <a:lnSpc>
-                <a:spcPct val="100000"/>
-              </a:lnSpc>
-              <a:spcBef>
-                <a:spcPts val="0"/>
-              </a:spcBef>
-              <a:spcAft>
-                <a:spcPts val="0"/>
-              </a:spcAft>
-              <a:buClrTx/>
-              <a:buSzTx/>
-              <a:buFontTx/>
-              <a:buNone/>
-              <a:tabLst/>
-              <a:defRPr/>
-            </a:pPr>
-            <a:r>
-              <a:rPr kumimoji="0" lang="en-US" sz="1600" b="0" i="0" u="none" strike="noStrike" kern="1200" cap="none" spc="0" normalizeH="0" baseline="0" noProof="0" dirty="0">
-                <a:ln>
-                  <a:noFill/>
-                </a:ln>
-                <a:solidFill>
-                  <a:prstClr val="white"/>
-                </a:solidFill>
-                <a:effectLst/>
-                <a:uLnTx/>
-                <a:uFillTx/>
-                <a:latin typeface="Calibri" panose="020F0502020204030204"/>
-                <a:ea typeface="+mn-ea"/>
-                <a:cs typeface="+mn-cs"/>
-              </a:rPr>
-              <a:t>RA Measure</a:t>
-            </a:r>
-          </a:p>
-          <a:p>
-            <a:pPr marL="0" marR="0" lvl="0" indent="0" algn="ctr" defTabSz="914400" rtl="0" eaLnBrk="1" fontAlgn="auto" latinLnBrk="0" hangingPunct="1">
-              <a:lnSpc>
-                <a:spcPct val="100000"/>
-              </a:lnSpc>
-              <a:spcBef>
-                <a:spcPts val="0"/>
-              </a:spcBef>
-              <a:spcAft>
-                <a:spcPts val="0"/>
-              </a:spcAft>
-              <a:buClrTx/>
-              <a:buSzTx/>
-              <a:buFontTx/>
-              <a:buNone/>
-              <a:tabLst/>
-              <a:defRPr/>
-            </a:pPr>
-            <a:r>
-              <a:rPr kumimoji="0" lang="en-US" sz="1600" b="0" i="0" u="none" strike="noStrike" kern="1200" cap="none" spc="0" normalizeH="0" baseline="0" noProof="0" dirty="0">
-                <a:ln>
-                  <a:noFill/>
-                </a:ln>
-                <a:solidFill>
-                  <a:prstClr val="white"/>
-                </a:solidFill>
-                <a:effectLst/>
-                <a:uLnTx/>
-                <a:uFillTx/>
-                <a:latin typeface="Calibri" panose="020F0502020204030204"/>
-                <a:ea typeface="+mn-ea"/>
-                <a:cs typeface="+mn-cs"/>
-              </a:rPr>
-              <a:t>CMS HCC v24</a:t>
-            </a:r>
-          </a:p>
-        </p:txBody>
-      </p:sp>
-      <p:cxnSp>
-        <p:nvCxnSpPr>
-          <p:cNvPr id="29" name="Straight Arrow Connector 28">
-            <a:extLst>
-              <a:ext uri="{FF2B5EF4-FFF2-40B4-BE49-F238E27FC236}">
-                <a16:creationId xmlns:a16="http://schemas.microsoft.com/office/drawing/2014/main" id="{1D879AAF-6430-4FAA-9C17-0821D2F4F1D5}"/>
-              </a:ext>
-            </a:extLst>
-          </p:cNvPr>
-          <p:cNvCxnSpPr>
-            <a:cxnSpLocks/>
-            <a:stCxn id="19" idx="0"/>
-            <a:endCxn id="51" idx="2"/>
-          </p:cNvCxnSpPr>
-          <p:nvPr/>
-        </p:nvCxnSpPr>
-        <p:spPr>
-          <a:xfrm flipH="1" flipV="1">
-            <a:off x="7224131" y="1090215"/>
-            <a:ext cx="3804" cy="441141"/>
-          </a:xfrm>
-          <a:prstGeom prst="straightConnector1">
-            <a:avLst/>
-          </a:prstGeom>
-          <a:ln>
-            <a:tailEnd type="triangle"/>
-          </a:ln>
-        </p:spPr>
-        <p:style>
-          <a:lnRef idx="1">
-            <a:schemeClr val="accent1"/>
-          </a:lnRef>
-          <a:fillRef idx="0">
-            <a:schemeClr val="accent1"/>
-          </a:fillRef>
-          <a:effectRef idx="0">
-            <a:schemeClr val="accent1"/>
-          </a:effectRef>
-          <a:fontRef idx="minor">
-            <a:schemeClr val="tx1"/>
-          </a:fontRef>
-        </p:style>
-      </p:cxnSp>
-      <p:sp>
-        <p:nvSpPr>
-          <p:cNvPr id="52" name="TextBox 51">
-            <a:extLst>
-              <a:ext uri="{FF2B5EF4-FFF2-40B4-BE49-F238E27FC236}">
-                <a16:creationId xmlns:a16="http://schemas.microsoft.com/office/drawing/2014/main" id="{8C27D146-23E1-4682-8A4A-54C5926B687F}"/>
-              </a:ext>
-            </a:extLst>
-          </p:cNvPr>
-          <p:cNvSpPr txBox="1"/>
-          <p:nvPr/>
-        </p:nvSpPr>
-        <p:spPr>
-          <a:xfrm>
-            <a:off x="6958015" y="1210109"/>
-            <a:ext cx="1092114" cy="230832"/>
-          </a:xfrm>
-          <a:prstGeom prst="rect">
-            <a:avLst/>
-          </a:prstGeom>
-          <a:solidFill>
-            <a:schemeClr val="bg1"/>
-          </a:solidFill>
-        </p:spPr>
-        <p:txBody>
-          <a:bodyPr wrap="square" rtlCol="0">
-            <a:spAutoFit/>
-          </a:bodyPr>
-          <a:lstStyle/>
-          <a:p>
-            <a:pPr marL="0" marR="0" lvl="0" indent="0" algn="l" defTabSz="914400" rtl="0" eaLnBrk="1" fontAlgn="auto" latinLnBrk="0" hangingPunct="1">
-              <a:lnSpc>
-                <a:spcPct val="100000"/>
-              </a:lnSpc>
-              <a:spcBef>
-                <a:spcPts val="0"/>
-              </a:spcBef>
-              <a:spcAft>
-                <a:spcPts val="0"/>
-              </a:spcAft>
-              <a:buClrTx/>
-              <a:buSzTx/>
-              <a:buFontTx/>
-              <a:buNone/>
-              <a:tabLst/>
-              <a:defRPr/>
-            </a:pPr>
-            <a:r>
-              <a:rPr kumimoji="0" lang="en-US" sz="900" b="1" i="0" u="none" strike="noStrike" kern="1200" cap="none" spc="0" normalizeH="0" baseline="0" noProof="0" dirty="0">
-                <a:ln>
-                  <a:noFill/>
-                </a:ln>
-                <a:solidFill>
-                  <a:prstClr val="black"/>
-                </a:solidFill>
-                <a:effectLst/>
-                <a:uLnTx/>
-                <a:uFillTx/>
-                <a:latin typeface="Calibri" panose="020F0502020204030204"/>
-                <a:ea typeface="+mn-ea"/>
-                <a:cs typeface="+mn-cs"/>
-              </a:rPr>
-              <a:t>measure</a:t>
-            </a:r>
-          </a:p>
-        </p:txBody>
-      </p:sp>
-      <p:sp>
-        <p:nvSpPr>
-          <p:cNvPr id="55" name="TextBox 54">
-            <a:extLst>
-              <a:ext uri="{FF2B5EF4-FFF2-40B4-BE49-F238E27FC236}">
-                <a16:creationId xmlns:a16="http://schemas.microsoft.com/office/drawing/2014/main" id="{E3F7F9A1-8F24-4136-BF9D-69A2F98F5CB6}"/>
-              </a:ext>
-            </a:extLst>
-          </p:cNvPr>
-          <p:cNvSpPr txBox="1"/>
-          <p:nvPr/>
-        </p:nvSpPr>
-        <p:spPr>
-          <a:xfrm>
-            <a:off x="8520003" y="1913261"/>
-            <a:ext cx="1092114" cy="230832"/>
-          </a:xfrm>
-          <a:prstGeom prst="rect">
-            <a:avLst/>
-          </a:prstGeom>
-          <a:solidFill>
-            <a:schemeClr val="bg1"/>
-          </a:solidFill>
-        </p:spPr>
-        <p:txBody>
-          <a:bodyPr wrap="square" rtlCol="0">
-            <a:spAutoFit/>
-          </a:bodyPr>
-          <a:lstStyle/>
-          <a:p>
-            <a:pPr marL="0" marR="0" lvl="0" indent="0" algn="l" defTabSz="914400" rtl="0" eaLnBrk="1" fontAlgn="auto" latinLnBrk="0" hangingPunct="1">
-              <a:lnSpc>
-                <a:spcPct val="100000"/>
-              </a:lnSpc>
-              <a:spcBef>
-                <a:spcPts val="0"/>
-              </a:spcBef>
-              <a:spcAft>
-                <a:spcPts val="0"/>
-              </a:spcAft>
-              <a:buClrTx/>
-              <a:buSzTx/>
-              <a:buFontTx/>
-              <a:buNone/>
-              <a:tabLst/>
-              <a:defRPr/>
-            </a:pPr>
-            <a:r>
-              <a:rPr kumimoji="0" lang="en-US" sz="900" b="1" i="0" u="none" strike="noStrike" kern="1200" cap="none" spc="0" normalizeH="0" baseline="0" noProof="0" dirty="0">
-                <a:ln>
-                  <a:noFill/>
-                </a:ln>
-                <a:solidFill>
-                  <a:prstClr val="black"/>
-                </a:solidFill>
-                <a:effectLst/>
-                <a:uLnTx/>
-                <a:uFillTx/>
-                <a:latin typeface="Calibri" panose="020F0502020204030204"/>
-                <a:ea typeface="+mn-ea"/>
-                <a:cs typeface="+mn-cs"/>
-              </a:rPr>
-              <a:t>evaluateResources</a:t>
-            </a:r>
-          </a:p>
-        </p:txBody>
-      </p:sp>
-      <p:sp>
-        <p:nvSpPr>
-          <p:cNvPr id="53" name="Flowchart: Process 52">
-            <a:extLst>
-              <a:ext uri="{FF2B5EF4-FFF2-40B4-BE49-F238E27FC236}">
-                <a16:creationId xmlns:a16="http://schemas.microsoft.com/office/drawing/2014/main" id="{4134BEED-462A-4D21-92CE-2B5D05EAFFE6}"/>
-              </a:ext>
-            </a:extLst>
-          </p:cNvPr>
-          <p:cNvSpPr/>
-          <p:nvPr/>
-        </p:nvSpPr>
-        <p:spPr>
-          <a:xfrm>
-            <a:off x="6261101" y="6110448"/>
-            <a:ext cx="1879599" cy="747552"/>
-          </a:xfrm>
-          <a:prstGeom prst="flowChartProcess">
-            <a:avLst/>
-          </a:prstGeom>
-          <a:solidFill>
-            <a:schemeClr val="accent1">
-              <a:lumMod val="60000"/>
-              <a:lumOff val="40000"/>
-            </a:schemeClr>
-          </a:solidFill>
-          <a:ln>
-            <a:solidFill>
-              <a:schemeClr val="tx1"/>
-            </a:solidFill>
-          </a:ln>
-        </p:spPr>
-        <p:style>
-          <a:lnRef idx="2">
-            <a:schemeClr val="accent1">
-              <a:shade val="50000"/>
-            </a:schemeClr>
-          </a:lnRef>
-          <a:fillRef idx="1">
-            <a:schemeClr val="accent1"/>
-          </a:fillRef>
-          <a:effectRef idx="0">
-            <a:schemeClr val="accent1"/>
-          </a:effectRef>
-          <a:fontRef idx="minor">
-            <a:schemeClr val="lt1"/>
-          </a:fontRef>
-        </p:style>
-        <p:txBody>
-          <a:bodyPr rtlCol="0" anchor="ctr"/>
-          <a:lstStyle/>
-          <a:p>
-            <a:pPr marL="0" marR="0" lvl="0" indent="0" algn="ctr" defTabSz="914400" rtl="0" eaLnBrk="1" fontAlgn="auto" latinLnBrk="0" hangingPunct="1">
-              <a:lnSpc>
-                <a:spcPct val="100000"/>
-              </a:lnSpc>
-              <a:spcBef>
-                <a:spcPts val="0"/>
-              </a:spcBef>
-              <a:spcAft>
-                <a:spcPts val="0"/>
-              </a:spcAft>
-              <a:buClrTx/>
-              <a:buSzTx/>
-              <a:buFontTx/>
-              <a:buNone/>
-              <a:tabLst/>
-              <a:defRPr/>
-            </a:pPr>
-            <a:r>
-              <a:rPr kumimoji="0" lang="en-US" sz="1600" b="0" i="0" u="none" strike="noStrike" kern="1200" cap="none" spc="0" normalizeH="0" baseline="0" noProof="0" dirty="0">
-                <a:ln>
-                  <a:noFill/>
-                </a:ln>
-                <a:solidFill>
-                  <a:prstClr val="white"/>
-                </a:solidFill>
-                <a:effectLst/>
-                <a:uLnTx/>
-                <a:uFillTx/>
-                <a:latin typeface="Calibri" panose="020F0502020204030204"/>
-                <a:ea typeface="+mn-ea"/>
-                <a:cs typeface="+mn-cs"/>
-              </a:rPr>
-              <a:t>RA Measure</a:t>
-            </a:r>
-          </a:p>
-          <a:p>
-            <a:pPr marL="0" marR="0" lvl="0" indent="0" algn="ctr" defTabSz="914400" rtl="0" eaLnBrk="1" fontAlgn="auto" latinLnBrk="0" hangingPunct="1">
-              <a:lnSpc>
-                <a:spcPct val="100000"/>
-              </a:lnSpc>
-              <a:spcBef>
-                <a:spcPts val="0"/>
-              </a:spcBef>
-              <a:spcAft>
-                <a:spcPts val="0"/>
-              </a:spcAft>
-              <a:buClrTx/>
-              <a:buSzTx/>
-              <a:buFontTx/>
-              <a:buNone/>
-              <a:tabLst/>
-              <a:defRPr/>
-            </a:pPr>
-            <a:r>
-              <a:rPr kumimoji="0" lang="en-US" sz="1600" b="0" i="0" u="none" strike="noStrike" kern="1200" cap="none" spc="0" normalizeH="0" baseline="0" noProof="0" dirty="0">
-                <a:ln>
-                  <a:noFill/>
-                </a:ln>
-                <a:solidFill>
-                  <a:prstClr val="white"/>
-                </a:solidFill>
-                <a:effectLst/>
-                <a:uLnTx/>
-                <a:uFillTx/>
-                <a:latin typeface="Calibri" panose="020F0502020204030204"/>
-                <a:ea typeface="+mn-ea"/>
-                <a:cs typeface="+mn-cs"/>
-              </a:rPr>
-              <a:t>Rx HCC v05</a:t>
-            </a:r>
-          </a:p>
-        </p:txBody>
-      </p:sp>
-      <p:sp>
-        <p:nvSpPr>
-          <p:cNvPr id="54" name="Flowchart: Process 53">
-            <a:extLst>
-              <a:ext uri="{FF2B5EF4-FFF2-40B4-BE49-F238E27FC236}">
-                <a16:creationId xmlns:a16="http://schemas.microsoft.com/office/drawing/2014/main" id="{53785A16-DD10-419D-9D42-DB4D56208B37}"/>
-              </a:ext>
-            </a:extLst>
-          </p:cNvPr>
-          <p:cNvSpPr/>
-          <p:nvPr/>
-        </p:nvSpPr>
-        <p:spPr>
-          <a:xfrm>
-            <a:off x="9943200" y="1104142"/>
-            <a:ext cx="1864310" cy="940558"/>
-          </a:xfrm>
-          <a:prstGeom prst="flowChartProcess">
-            <a:avLst/>
-          </a:prstGeom>
-          <a:ln>
-            <a:solidFill>
-              <a:schemeClr val="tx1"/>
-            </a:solidFill>
-          </a:ln>
-        </p:spPr>
-        <p:style>
-          <a:lnRef idx="2">
-            <a:schemeClr val="accent1">
-              <a:shade val="50000"/>
-            </a:schemeClr>
-          </a:lnRef>
-          <a:fillRef idx="1">
-            <a:schemeClr val="accent1"/>
-          </a:fillRef>
-          <a:effectRef idx="0">
-            <a:schemeClr val="accent1"/>
-          </a:effectRef>
-          <a:fontRef idx="minor">
-            <a:schemeClr val="lt1"/>
-          </a:fontRef>
-        </p:style>
-        <p:txBody>
-          <a:bodyPr rtlCol="0" anchor="ctr"/>
-          <a:lstStyle/>
-          <a:p>
-            <a:pPr marL="0" marR="0" lvl="0" indent="0" algn="ctr" defTabSz="914400" rtl="0" eaLnBrk="1" fontAlgn="auto" latinLnBrk="0" hangingPunct="1">
-              <a:lnSpc>
-                <a:spcPct val="100000"/>
-              </a:lnSpc>
-              <a:spcBef>
-                <a:spcPts val="0"/>
-              </a:spcBef>
-              <a:spcAft>
-                <a:spcPts val="0"/>
-              </a:spcAft>
-              <a:buClrTx/>
-              <a:buSzTx/>
-              <a:buFontTx/>
-              <a:buNone/>
-              <a:tabLst/>
-              <a:defRPr/>
-            </a:pPr>
-            <a:r>
-              <a:rPr kumimoji="0" lang="en-US" sz="1600" b="0" i="0" u="none" strike="noStrike" kern="1200" cap="none" spc="0" normalizeH="0" baseline="0" noProof="0" dirty="0">
-                <a:ln>
-                  <a:noFill/>
-                </a:ln>
-                <a:solidFill>
-                  <a:prstClr val="white"/>
-                </a:solidFill>
-                <a:effectLst/>
-                <a:uLnTx/>
-                <a:uFillTx/>
-                <a:latin typeface="Calibri" panose="020F0502020204030204"/>
-                <a:ea typeface="+mn-ea"/>
-                <a:cs typeface="+mn-cs"/>
-              </a:rPr>
-              <a:t>US Core Encounter</a:t>
-            </a:r>
-          </a:p>
-          <a:p>
-            <a:pPr marL="0" marR="0" lvl="0" indent="0" algn="ctr" defTabSz="914400" rtl="0" eaLnBrk="1" fontAlgn="auto" latinLnBrk="0" hangingPunct="1">
-              <a:lnSpc>
-                <a:spcPct val="100000"/>
-              </a:lnSpc>
-              <a:spcBef>
-                <a:spcPts val="0"/>
-              </a:spcBef>
-              <a:spcAft>
-                <a:spcPts val="0"/>
-              </a:spcAft>
-              <a:buClrTx/>
-              <a:buSzTx/>
-              <a:buFontTx/>
-              <a:buNone/>
-              <a:tabLst/>
-              <a:defRPr/>
-            </a:pPr>
-            <a:r>
-              <a:rPr kumimoji="0" lang="en-US" sz="1600" b="0" i="0" u="none" strike="noStrike" kern="1200" cap="none" spc="0" normalizeH="0" baseline="0" noProof="0" dirty="0">
-                <a:ln>
-                  <a:noFill/>
-                </a:ln>
-                <a:solidFill>
-                  <a:prstClr val="white"/>
-                </a:solidFill>
-                <a:effectLst/>
-                <a:uLnTx/>
-                <a:uFillTx/>
-                <a:latin typeface="Calibri" panose="020F0502020204030204"/>
-                <a:ea typeface="+mn-ea"/>
-                <a:cs typeface="+mn-cs"/>
-              </a:rPr>
-              <a:t>20210401</a:t>
-            </a:r>
-            <a:endParaRPr kumimoji="0" lang="en-US" sz="1000" b="0" i="0" u="none" strike="noStrike" kern="1200" cap="none" spc="0" normalizeH="0" baseline="0" noProof="0" dirty="0">
-              <a:ln>
-                <a:noFill/>
-              </a:ln>
-              <a:solidFill>
-                <a:prstClr val="white"/>
-              </a:solidFill>
-              <a:effectLst/>
-              <a:uLnTx/>
-              <a:uFillTx/>
-              <a:latin typeface="Calibri" panose="020F0502020204030204"/>
-              <a:ea typeface="+mn-ea"/>
-              <a:cs typeface="+mn-cs"/>
-            </a:endParaRPr>
-          </a:p>
-        </p:txBody>
-      </p:sp>
-      <p:sp>
-        <p:nvSpPr>
-          <p:cNvPr id="56" name="Flowchart: Process 55">
-            <a:extLst>
-              <a:ext uri="{FF2B5EF4-FFF2-40B4-BE49-F238E27FC236}">
-                <a16:creationId xmlns:a16="http://schemas.microsoft.com/office/drawing/2014/main" id="{C9F96D85-F524-4D73-94B2-0434F1DF9812}"/>
-              </a:ext>
-            </a:extLst>
-          </p:cNvPr>
-          <p:cNvSpPr/>
-          <p:nvPr/>
-        </p:nvSpPr>
-        <p:spPr>
-          <a:xfrm>
-            <a:off x="9930500" y="2338910"/>
-            <a:ext cx="1864310" cy="917206"/>
-          </a:xfrm>
-          <a:prstGeom prst="flowChartProcess">
-            <a:avLst/>
-          </a:prstGeom>
-          <a:ln>
-            <a:solidFill>
-              <a:schemeClr val="tx1"/>
-            </a:solidFill>
-          </a:ln>
-        </p:spPr>
-        <p:style>
-          <a:lnRef idx="2">
-            <a:schemeClr val="accent1">
-              <a:shade val="50000"/>
-            </a:schemeClr>
-          </a:lnRef>
-          <a:fillRef idx="1">
-            <a:schemeClr val="accent1"/>
-          </a:fillRef>
-          <a:effectRef idx="0">
-            <a:schemeClr val="accent1"/>
-          </a:effectRef>
-          <a:fontRef idx="minor">
-            <a:schemeClr val="lt1"/>
-          </a:fontRef>
-        </p:style>
-        <p:txBody>
-          <a:bodyPr rtlCol="0" anchor="ctr"/>
-          <a:lstStyle/>
-          <a:p>
-            <a:pPr marL="0" marR="0" lvl="0" indent="0" algn="ctr" defTabSz="914400" rtl="0" eaLnBrk="1" fontAlgn="auto" latinLnBrk="0" hangingPunct="1">
-              <a:lnSpc>
-                <a:spcPct val="100000"/>
-              </a:lnSpc>
-              <a:spcBef>
-                <a:spcPts val="0"/>
-              </a:spcBef>
-              <a:spcAft>
-                <a:spcPts val="0"/>
-              </a:spcAft>
-              <a:buClrTx/>
-              <a:buSzTx/>
-              <a:buFontTx/>
-              <a:buNone/>
-              <a:tabLst/>
-              <a:defRPr/>
-            </a:pPr>
-            <a:r>
-              <a:rPr kumimoji="0" lang="en-US" sz="1600" b="0" i="0" u="none" strike="noStrike" kern="1200" cap="none" spc="0" normalizeH="0" baseline="0" noProof="0" dirty="0">
-                <a:ln>
-                  <a:noFill/>
-                </a:ln>
-                <a:solidFill>
-                  <a:prstClr val="white"/>
-                </a:solidFill>
-                <a:effectLst/>
-                <a:uLnTx/>
-                <a:uFillTx/>
-                <a:latin typeface="Calibri" panose="020F0502020204030204"/>
-                <a:ea typeface="+mn-ea"/>
-                <a:cs typeface="+mn-cs"/>
-              </a:rPr>
-              <a:t>US Core Observation</a:t>
-            </a:r>
-          </a:p>
-          <a:p>
-            <a:pPr marL="0" marR="0" lvl="0" indent="0" algn="ctr" defTabSz="914400" rtl="0" eaLnBrk="1" fontAlgn="auto" latinLnBrk="0" hangingPunct="1">
-              <a:lnSpc>
-                <a:spcPct val="100000"/>
-              </a:lnSpc>
-              <a:spcBef>
-                <a:spcPts val="0"/>
-              </a:spcBef>
-              <a:spcAft>
-                <a:spcPts val="0"/>
-              </a:spcAft>
-              <a:buClrTx/>
-              <a:buSzTx/>
-              <a:buFontTx/>
-              <a:buNone/>
-              <a:tabLst/>
-              <a:defRPr/>
-            </a:pPr>
-            <a:r>
-              <a:rPr kumimoji="0" lang="en-US" sz="1600" b="0" i="0" u="none" strike="noStrike" kern="1200" cap="none" spc="0" normalizeH="0" baseline="0" noProof="0" dirty="0">
-                <a:ln>
-                  <a:noFill/>
-                </a:ln>
-                <a:solidFill>
-                  <a:prstClr val="white"/>
-                </a:solidFill>
-                <a:effectLst/>
-                <a:uLnTx/>
-                <a:uFillTx/>
-                <a:latin typeface="Calibri" panose="020F0502020204030204"/>
-                <a:ea typeface="+mn-ea"/>
-                <a:cs typeface="+mn-cs"/>
-              </a:rPr>
-              <a:t>A1C of 9.4/20210401</a:t>
-            </a:r>
-            <a:endParaRPr kumimoji="0" lang="en-US" sz="1000" b="0" i="0" u="none" strike="noStrike" kern="1200" cap="none" spc="0" normalizeH="0" baseline="0" noProof="0" dirty="0">
-              <a:ln>
-                <a:noFill/>
-              </a:ln>
-              <a:solidFill>
-                <a:prstClr val="white"/>
-              </a:solidFill>
-              <a:effectLst/>
-              <a:uLnTx/>
-              <a:uFillTx/>
-              <a:latin typeface="Calibri" panose="020F0502020204030204"/>
-              <a:ea typeface="+mn-ea"/>
-              <a:cs typeface="+mn-cs"/>
-            </a:endParaRPr>
-          </a:p>
-        </p:txBody>
-      </p:sp>
-      <p:cxnSp>
-        <p:nvCxnSpPr>
-          <p:cNvPr id="40" name="Straight Arrow Connector 39">
-            <a:extLst>
-              <a:ext uri="{FF2B5EF4-FFF2-40B4-BE49-F238E27FC236}">
-                <a16:creationId xmlns:a16="http://schemas.microsoft.com/office/drawing/2014/main" id="{98C70785-72DF-4B04-B087-9C4D80B1FCF5}"/>
-              </a:ext>
-            </a:extLst>
-          </p:cNvPr>
-          <p:cNvCxnSpPr>
-            <a:cxnSpLocks/>
-            <a:stCxn id="19" idx="3"/>
-            <a:endCxn id="56" idx="1"/>
-          </p:cNvCxnSpPr>
-          <p:nvPr/>
-        </p:nvCxnSpPr>
-        <p:spPr>
-          <a:xfrm>
-            <a:off x="8160090" y="1905132"/>
-            <a:ext cx="1770410" cy="892381"/>
-          </a:xfrm>
-          <a:prstGeom prst="straightConnector1">
-            <a:avLst/>
-          </a:prstGeom>
-          <a:ln>
-            <a:tailEnd type="triangle"/>
-          </a:ln>
-        </p:spPr>
-        <p:style>
-          <a:lnRef idx="1">
-            <a:schemeClr val="accent1"/>
-          </a:lnRef>
-          <a:fillRef idx="0">
-            <a:schemeClr val="accent1"/>
-          </a:fillRef>
-          <a:effectRef idx="0">
-            <a:schemeClr val="accent1"/>
-          </a:effectRef>
-          <a:fontRef idx="minor">
-            <a:schemeClr val="tx1"/>
-          </a:fontRef>
-        </p:style>
-      </p:cxnSp>
-      <p:cxnSp>
-        <p:nvCxnSpPr>
-          <p:cNvPr id="64" name="Straight Arrow Connector 63">
-            <a:extLst>
-              <a:ext uri="{FF2B5EF4-FFF2-40B4-BE49-F238E27FC236}">
-                <a16:creationId xmlns:a16="http://schemas.microsoft.com/office/drawing/2014/main" id="{DD3DA6C3-C316-4DD9-92F3-8C0C8B4E40FD}"/>
-              </a:ext>
-            </a:extLst>
-          </p:cNvPr>
-          <p:cNvCxnSpPr>
-            <a:cxnSpLocks/>
-            <a:stCxn id="19" idx="3"/>
-            <a:endCxn id="54" idx="1"/>
-          </p:cNvCxnSpPr>
-          <p:nvPr/>
-        </p:nvCxnSpPr>
-        <p:spPr>
-          <a:xfrm flipV="1">
-            <a:off x="8160090" y="1574421"/>
-            <a:ext cx="1783110" cy="330711"/>
-          </a:xfrm>
-          <a:prstGeom prst="straightConnector1">
-            <a:avLst/>
-          </a:prstGeom>
-          <a:ln>
-            <a:tailEnd type="triangle"/>
-          </a:ln>
-        </p:spPr>
-        <p:style>
-          <a:lnRef idx="1">
-            <a:schemeClr val="accent1"/>
-          </a:lnRef>
-          <a:fillRef idx="0">
-            <a:schemeClr val="accent1"/>
-          </a:fillRef>
-          <a:effectRef idx="0">
-            <a:schemeClr val="accent1"/>
-          </a:effectRef>
-          <a:fontRef idx="minor">
-            <a:schemeClr val="tx1"/>
-          </a:fontRef>
-        </p:style>
-      </p:cxnSp>
-      <p:sp>
-        <p:nvSpPr>
-          <p:cNvPr id="85" name="TextBox 84">
-            <a:extLst>
-              <a:ext uri="{FF2B5EF4-FFF2-40B4-BE49-F238E27FC236}">
-                <a16:creationId xmlns:a16="http://schemas.microsoft.com/office/drawing/2014/main" id="{94D89C9C-B25B-4E82-8DC1-C7DB743DDEC7}"/>
-              </a:ext>
-            </a:extLst>
-          </p:cNvPr>
-          <p:cNvSpPr txBox="1"/>
-          <p:nvPr/>
-        </p:nvSpPr>
-        <p:spPr>
-          <a:xfrm>
-            <a:off x="5270934" y="2227647"/>
-            <a:ext cx="503893" cy="246221"/>
-          </a:xfrm>
-          <a:prstGeom prst="rect">
-            <a:avLst/>
-          </a:prstGeom>
-          <a:solidFill>
-            <a:schemeClr val="bg1"/>
-          </a:solidFill>
-        </p:spPr>
-        <p:txBody>
-          <a:bodyPr wrap="square" rtlCol="0">
-            <a:spAutoFit/>
-          </a:bodyPr>
-          <a:lstStyle/>
-          <a:p>
-            <a:pPr marL="0" marR="0" lvl="0" indent="0" algn="l" defTabSz="914400" rtl="0" eaLnBrk="1" fontAlgn="auto" latinLnBrk="0" hangingPunct="1">
-              <a:lnSpc>
-                <a:spcPct val="100000"/>
-              </a:lnSpc>
-              <a:spcBef>
-                <a:spcPts val="0"/>
-              </a:spcBef>
-              <a:spcAft>
-                <a:spcPts val="0"/>
-              </a:spcAft>
-              <a:buClrTx/>
-              <a:buSzTx/>
-              <a:buFontTx/>
-              <a:buNone/>
-              <a:tabLst/>
-              <a:defRPr/>
-            </a:pPr>
-            <a:r>
-              <a:rPr kumimoji="0" lang="en-US" sz="1000" b="1" i="0" u="none" strike="noStrike" kern="1200" cap="none" spc="0" normalizeH="0" baseline="0" noProof="0" dirty="0">
-                <a:ln>
-                  <a:noFill/>
-                </a:ln>
-                <a:solidFill>
-                  <a:prstClr val="black"/>
-                </a:solidFill>
-                <a:effectLst/>
-                <a:uLnTx/>
-                <a:uFillTx/>
-                <a:latin typeface="Calibri" panose="020F0502020204030204"/>
-                <a:ea typeface="+mn-ea"/>
-                <a:cs typeface="+mn-cs"/>
-              </a:rPr>
-              <a:t>entry</a:t>
-            </a:r>
-          </a:p>
-        </p:txBody>
-      </p:sp>
-      <p:sp>
-        <p:nvSpPr>
-          <p:cNvPr id="115" name="TextBox 114">
-            <a:extLst>
-              <a:ext uri="{FF2B5EF4-FFF2-40B4-BE49-F238E27FC236}">
-                <a16:creationId xmlns:a16="http://schemas.microsoft.com/office/drawing/2014/main" id="{0EBEC07C-D02C-4F92-A128-D6F909ECB4F8}"/>
-              </a:ext>
-            </a:extLst>
-          </p:cNvPr>
-          <p:cNvSpPr txBox="1"/>
-          <p:nvPr/>
-        </p:nvSpPr>
-        <p:spPr>
-          <a:xfrm>
-            <a:off x="6472848" y="4551810"/>
-            <a:ext cx="1972652" cy="230832"/>
-          </a:xfrm>
-          <a:prstGeom prst="rect">
-            <a:avLst/>
-          </a:prstGeom>
-          <a:solidFill>
-            <a:schemeClr val="bg1"/>
-          </a:solidFill>
-        </p:spPr>
-        <p:txBody>
-          <a:bodyPr wrap="square" rtlCol="0">
-            <a:spAutoFit/>
-          </a:bodyPr>
-          <a:lstStyle/>
-          <a:p>
-            <a:pPr marL="0" marR="0" lvl="0" indent="0" algn="l" defTabSz="914400" rtl="0" eaLnBrk="1" fontAlgn="auto" latinLnBrk="0" hangingPunct="1">
-              <a:lnSpc>
-                <a:spcPct val="100000"/>
-              </a:lnSpc>
-              <a:spcBef>
-                <a:spcPts val="0"/>
-              </a:spcBef>
-              <a:spcAft>
-                <a:spcPts val="0"/>
-              </a:spcAft>
-              <a:buClrTx/>
-              <a:buSzTx/>
-              <a:buFontTx/>
-              <a:buNone/>
-              <a:tabLst/>
-              <a:defRPr/>
-            </a:pPr>
-            <a:r>
-              <a:rPr kumimoji="0" lang="en-US" sz="900" b="1" i="0" u="none" strike="noStrike" kern="1200" cap="none" spc="0" normalizeH="0" baseline="0" noProof="0" dirty="0">
-                <a:ln>
-                  <a:noFill/>
-                </a:ln>
-                <a:solidFill>
-                  <a:prstClr val="black"/>
-                </a:solidFill>
-                <a:effectLst/>
-                <a:uLnTx/>
-                <a:uFillTx/>
-                <a:latin typeface="Calibri" panose="020F0502020204030204"/>
-                <a:ea typeface="+mn-ea"/>
-                <a:cs typeface="+mn-cs"/>
-              </a:rPr>
-              <a:t>group[1].extension-historicDiagnosis</a:t>
-            </a:r>
-          </a:p>
-        </p:txBody>
-      </p:sp>
-      <p:sp>
-        <p:nvSpPr>
-          <p:cNvPr id="116" name="TextBox 115">
-            <a:extLst>
-              <a:ext uri="{FF2B5EF4-FFF2-40B4-BE49-F238E27FC236}">
-                <a16:creationId xmlns:a16="http://schemas.microsoft.com/office/drawing/2014/main" id="{4660E1F6-0794-42D9-B4A6-C18B5F782A67}"/>
-              </a:ext>
-            </a:extLst>
-          </p:cNvPr>
-          <p:cNvSpPr txBox="1"/>
-          <p:nvPr/>
-        </p:nvSpPr>
-        <p:spPr>
-          <a:xfrm>
-            <a:off x="6282348" y="2367410"/>
-            <a:ext cx="1972652" cy="230832"/>
-          </a:xfrm>
-          <a:prstGeom prst="rect">
-            <a:avLst/>
-          </a:prstGeom>
-          <a:solidFill>
-            <a:schemeClr val="bg1"/>
-          </a:solidFill>
-        </p:spPr>
-        <p:txBody>
-          <a:bodyPr wrap="square" rtlCol="0">
-            <a:spAutoFit/>
-          </a:bodyPr>
-          <a:lstStyle/>
-          <a:p>
-            <a:pPr marL="0" marR="0" lvl="0" indent="0" algn="l" defTabSz="914400" rtl="0" eaLnBrk="1" fontAlgn="auto" latinLnBrk="0" hangingPunct="1">
-              <a:lnSpc>
-                <a:spcPct val="100000"/>
-              </a:lnSpc>
-              <a:spcBef>
-                <a:spcPts val="0"/>
-              </a:spcBef>
-              <a:spcAft>
-                <a:spcPts val="0"/>
-              </a:spcAft>
-              <a:buClrTx/>
-              <a:buSzTx/>
-              <a:buFontTx/>
-              <a:buNone/>
-              <a:tabLst/>
-              <a:defRPr/>
-            </a:pPr>
-            <a:r>
-              <a:rPr kumimoji="0" lang="en-US" sz="900" b="1" i="0" u="none" strike="noStrike" kern="1200" cap="none" spc="0" normalizeH="0" baseline="0" noProof="0" dirty="0">
-                <a:ln>
-                  <a:noFill/>
-                </a:ln>
-                <a:solidFill>
-                  <a:prstClr val="black"/>
-                </a:solidFill>
-                <a:effectLst/>
-                <a:uLnTx/>
-                <a:uFillTx/>
-                <a:latin typeface="Calibri" panose="020F0502020204030204"/>
-                <a:ea typeface="+mn-ea"/>
-                <a:cs typeface="+mn-cs"/>
-              </a:rPr>
-              <a:t>group[1].extension-historicDiagnosis</a:t>
-            </a:r>
-          </a:p>
-        </p:txBody>
-      </p:sp>
-      <p:cxnSp>
-        <p:nvCxnSpPr>
-          <p:cNvPr id="138" name="Straight Arrow Connector 137">
-            <a:extLst>
-              <a:ext uri="{FF2B5EF4-FFF2-40B4-BE49-F238E27FC236}">
-                <a16:creationId xmlns:a16="http://schemas.microsoft.com/office/drawing/2014/main" id="{635E9CDB-CC75-4613-9E5B-258CAEEAD026}"/>
-              </a:ext>
-            </a:extLst>
-          </p:cNvPr>
-          <p:cNvCxnSpPr>
-            <a:cxnSpLocks/>
-            <a:stCxn id="7" idx="2"/>
-            <a:endCxn id="53" idx="0"/>
-          </p:cNvCxnSpPr>
-          <p:nvPr/>
-        </p:nvCxnSpPr>
-        <p:spPr>
-          <a:xfrm>
-            <a:off x="7193993" y="5642211"/>
-            <a:ext cx="6908" cy="468237"/>
-          </a:xfrm>
-          <a:prstGeom prst="straightConnector1">
-            <a:avLst/>
-          </a:prstGeom>
-          <a:ln>
-            <a:tailEnd type="triangle"/>
-          </a:ln>
-        </p:spPr>
-        <p:style>
-          <a:lnRef idx="1">
-            <a:schemeClr val="accent1"/>
-          </a:lnRef>
-          <a:fillRef idx="0">
-            <a:schemeClr val="accent1"/>
-          </a:fillRef>
-          <a:effectRef idx="0">
-            <a:schemeClr val="accent1"/>
-          </a:effectRef>
-          <a:fontRef idx="minor">
-            <a:schemeClr val="tx1"/>
-          </a:fontRef>
-        </p:style>
-      </p:cxnSp>
-      <p:sp>
-        <p:nvSpPr>
-          <p:cNvPr id="123" name="TextBox 122">
-            <a:extLst>
-              <a:ext uri="{FF2B5EF4-FFF2-40B4-BE49-F238E27FC236}">
-                <a16:creationId xmlns:a16="http://schemas.microsoft.com/office/drawing/2014/main" id="{1AF808F2-DDD4-42B9-B8B0-C93A2CC765F2}"/>
-              </a:ext>
-            </a:extLst>
-          </p:cNvPr>
-          <p:cNvSpPr txBox="1"/>
-          <p:nvPr/>
-        </p:nvSpPr>
-        <p:spPr>
-          <a:xfrm>
-            <a:off x="6869115" y="5731309"/>
-            <a:ext cx="1092114" cy="230832"/>
-          </a:xfrm>
-          <a:prstGeom prst="rect">
-            <a:avLst/>
-          </a:prstGeom>
-          <a:solidFill>
-            <a:schemeClr val="bg1"/>
-          </a:solidFill>
-        </p:spPr>
-        <p:txBody>
-          <a:bodyPr wrap="square" rtlCol="0">
-            <a:spAutoFit/>
-          </a:bodyPr>
-          <a:lstStyle/>
-          <a:p>
-            <a:pPr marL="0" marR="0" lvl="0" indent="0" algn="l" defTabSz="914400" rtl="0" eaLnBrk="1" fontAlgn="auto" latinLnBrk="0" hangingPunct="1">
-              <a:lnSpc>
-                <a:spcPct val="100000"/>
-              </a:lnSpc>
-              <a:spcBef>
-                <a:spcPts val="0"/>
-              </a:spcBef>
-              <a:spcAft>
-                <a:spcPts val="0"/>
-              </a:spcAft>
-              <a:buClrTx/>
-              <a:buSzTx/>
-              <a:buFontTx/>
-              <a:buNone/>
-              <a:tabLst/>
-              <a:defRPr/>
-            </a:pPr>
-            <a:r>
-              <a:rPr kumimoji="0" lang="en-US" sz="900" b="1" i="0" u="none" strike="noStrike" kern="1200" cap="none" spc="0" normalizeH="0" baseline="0" noProof="0" dirty="0">
-                <a:ln>
-                  <a:noFill/>
-                </a:ln>
-                <a:solidFill>
-                  <a:prstClr val="black"/>
-                </a:solidFill>
-                <a:effectLst/>
-                <a:uLnTx/>
-                <a:uFillTx/>
-                <a:latin typeface="Calibri" panose="020F0502020204030204"/>
-                <a:ea typeface="+mn-ea"/>
-                <a:cs typeface="+mn-cs"/>
-              </a:rPr>
-              <a:t>measure</a:t>
-            </a:r>
-          </a:p>
-        </p:txBody>
-      </p:sp>
-      <p:cxnSp>
-        <p:nvCxnSpPr>
-          <p:cNvPr id="149" name="Straight Arrow Connector 148">
-            <a:extLst>
-              <a:ext uri="{FF2B5EF4-FFF2-40B4-BE49-F238E27FC236}">
-                <a16:creationId xmlns:a16="http://schemas.microsoft.com/office/drawing/2014/main" id="{DEA2ECFD-A9C5-4080-91B9-1EF1FAD5B146}"/>
-              </a:ext>
-            </a:extLst>
-          </p:cNvPr>
-          <p:cNvCxnSpPr>
-            <a:cxnSpLocks/>
-            <a:stCxn id="7" idx="3"/>
-            <a:endCxn id="151" idx="1"/>
-          </p:cNvCxnSpPr>
-          <p:nvPr/>
-        </p:nvCxnSpPr>
-        <p:spPr>
-          <a:xfrm flipV="1">
-            <a:off x="8126148" y="4609721"/>
-            <a:ext cx="1462352" cy="644060"/>
-          </a:xfrm>
-          <a:prstGeom prst="straightConnector1">
-            <a:avLst/>
-          </a:prstGeom>
-          <a:ln>
-            <a:tailEnd type="triangle"/>
-          </a:ln>
-        </p:spPr>
-        <p:style>
-          <a:lnRef idx="1">
-            <a:schemeClr val="accent1"/>
-          </a:lnRef>
-          <a:fillRef idx="0">
-            <a:schemeClr val="accent1"/>
-          </a:fillRef>
-          <a:effectRef idx="0">
-            <a:schemeClr val="accent1"/>
-          </a:effectRef>
-          <a:fontRef idx="minor">
-            <a:schemeClr val="tx1"/>
-          </a:fontRef>
-        </p:style>
-      </p:cxnSp>
-      <p:sp>
-        <p:nvSpPr>
-          <p:cNvPr id="151" name="Flowchart: Process 150">
-            <a:extLst>
-              <a:ext uri="{FF2B5EF4-FFF2-40B4-BE49-F238E27FC236}">
-                <a16:creationId xmlns:a16="http://schemas.microsoft.com/office/drawing/2014/main" id="{51868D15-457B-41D4-9DBD-9854C4DE3812}"/>
-              </a:ext>
-            </a:extLst>
-          </p:cNvPr>
-          <p:cNvSpPr/>
-          <p:nvPr/>
-        </p:nvSpPr>
-        <p:spPr>
-          <a:xfrm>
-            <a:off x="9588500" y="4139442"/>
-            <a:ext cx="1876110" cy="940558"/>
-          </a:xfrm>
-          <a:prstGeom prst="flowChartProcess">
-            <a:avLst/>
-          </a:prstGeom>
-          <a:solidFill>
-            <a:schemeClr val="accent1">
-              <a:lumMod val="60000"/>
-              <a:lumOff val="40000"/>
-            </a:schemeClr>
-          </a:solidFill>
-          <a:ln>
-            <a:solidFill>
-              <a:schemeClr val="tx1"/>
-            </a:solidFill>
-          </a:ln>
-        </p:spPr>
-        <p:style>
-          <a:lnRef idx="2">
-            <a:schemeClr val="accent1">
-              <a:shade val="50000"/>
-            </a:schemeClr>
-          </a:lnRef>
-          <a:fillRef idx="1">
-            <a:schemeClr val="accent1"/>
-          </a:fillRef>
-          <a:effectRef idx="0">
-            <a:schemeClr val="accent1"/>
-          </a:effectRef>
-          <a:fontRef idx="minor">
-            <a:schemeClr val="lt1"/>
-          </a:fontRef>
-        </p:style>
-        <p:txBody>
-          <a:bodyPr rtlCol="0" anchor="ctr"/>
-          <a:lstStyle/>
-          <a:p>
-            <a:pPr marL="0" marR="0" lvl="0" indent="0" algn="ctr" defTabSz="914400" rtl="0" eaLnBrk="1" fontAlgn="auto" latinLnBrk="0" hangingPunct="1">
-              <a:lnSpc>
-                <a:spcPct val="100000"/>
-              </a:lnSpc>
-              <a:spcBef>
-                <a:spcPts val="0"/>
-              </a:spcBef>
-              <a:spcAft>
-                <a:spcPts val="0"/>
-              </a:spcAft>
-              <a:buClrTx/>
-              <a:buSzTx/>
-              <a:buFontTx/>
-              <a:buNone/>
-              <a:tabLst/>
-              <a:defRPr/>
-            </a:pPr>
-            <a:r>
-              <a:rPr kumimoji="0" lang="en-US" sz="1600" b="0" i="0" u="none" strike="noStrike" kern="1200" cap="none" spc="0" normalizeH="0" baseline="0" noProof="0" dirty="0">
-                <a:ln>
-                  <a:noFill/>
-                </a:ln>
-                <a:solidFill>
-                  <a:prstClr val="white"/>
-                </a:solidFill>
-                <a:effectLst/>
-                <a:uLnTx/>
-                <a:uFillTx/>
-                <a:latin typeface="Calibri" panose="020F0502020204030204"/>
-                <a:ea typeface="+mn-ea"/>
-                <a:cs typeface="+mn-cs"/>
-              </a:rPr>
-              <a:t>MedicationDispense</a:t>
-            </a:r>
-          </a:p>
-          <a:p>
-            <a:pPr marL="0" marR="0" lvl="0" indent="0" algn="ctr" defTabSz="914400" rtl="0" eaLnBrk="1" fontAlgn="auto" latinLnBrk="0" hangingPunct="1">
-              <a:lnSpc>
-                <a:spcPct val="100000"/>
-              </a:lnSpc>
-              <a:spcBef>
-                <a:spcPts val="0"/>
-              </a:spcBef>
-              <a:spcAft>
-                <a:spcPts val="0"/>
-              </a:spcAft>
-              <a:buClrTx/>
-              <a:buSzTx/>
-              <a:buFontTx/>
-              <a:buNone/>
-              <a:tabLst/>
-              <a:defRPr/>
-            </a:pPr>
-            <a:r>
-              <a:rPr kumimoji="0" lang="en-US" sz="1600" b="0" i="0" u="none" strike="noStrike" kern="1200" cap="none" spc="0" normalizeH="0" baseline="0" noProof="0" dirty="0">
-                <a:ln>
-                  <a:noFill/>
-                </a:ln>
-                <a:solidFill>
-                  <a:prstClr val="white"/>
-                </a:solidFill>
-                <a:effectLst/>
-                <a:uLnTx/>
-                <a:uFillTx/>
-                <a:latin typeface="Calibri" panose="020F0502020204030204"/>
-                <a:ea typeface="+mn-ea"/>
-                <a:cs typeface="+mn-cs"/>
-              </a:rPr>
-              <a:t>20210323</a:t>
-            </a:r>
-          </a:p>
-        </p:txBody>
-      </p:sp>
-      <p:sp>
-        <p:nvSpPr>
-          <p:cNvPr id="159" name="Flowchart: Process 158">
-            <a:extLst>
-              <a:ext uri="{FF2B5EF4-FFF2-40B4-BE49-F238E27FC236}">
-                <a16:creationId xmlns:a16="http://schemas.microsoft.com/office/drawing/2014/main" id="{5CD24286-BCDA-4D99-B85D-D32151805C89}"/>
-              </a:ext>
-            </a:extLst>
-          </p:cNvPr>
-          <p:cNvSpPr/>
-          <p:nvPr/>
-        </p:nvSpPr>
-        <p:spPr>
-          <a:xfrm>
-            <a:off x="9639300" y="5612642"/>
-            <a:ext cx="1876110" cy="940558"/>
-          </a:xfrm>
-          <a:prstGeom prst="flowChartProcess">
-            <a:avLst/>
-          </a:prstGeom>
-          <a:solidFill>
-            <a:schemeClr val="accent1">
-              <a:lumMod val="60000"/>
-              <a:lumOff val="40000"/>
-            </a:schemeClr>
-          </a:solidFill>
-          <a:ln>
-            <a:solidFill>
-              <a:schemeClr val="tx1"/>
-            </a:solidFill>
-          </a:ln>
-        </p:spPr>
-        <p:style>
-          <a:lnRef idx="2">
-            <a:schemeClr val="accent1">
-              <a:shade val="50000"/>
-            </a:schemeClr>
-          </a:lnRef>
-          <a:fillRef idx="1">
-            <a:schemeClr val="accent1"/>
-          </a:fillRef>
-          <a:effectRef idx="0">
-            <a:schemeClr val="accent1"/>
-          </a:effectRef>
-          <a:fontRef idx="minor">
-            <a:schemeClr val="lt1"/>
-          </a:fontRef>
-        </p:style>
-        <p:txBody>
-          <a:bodyPr rtlCol="0" anchor="ctr"/>
-          <a:lstStyle/>
-          <a:p>
-            <a:pPr marL="0" marR="0" lvl="0" indent="0" algn="ctr" defTabSz="914400" rtl="0" eaLnBrk="1" fontAlgn="auto" latinLnBrk="0" hangingPunct="1">
-              <a:lnSpc>
-                <a:spcPct val="100000"/>
-              </a:lnSpc>
-              <a:spcBef>
-                <a:spcPts val="0"/>
-              </a:spcBef>
-              <a:spcAft>
-                <a:spcPts val="0"/>
-              </a:spcAft>
-              <a:buClrTx/>
-              <a:buSzTx/>
-              <a:buFontTx/>
-              <a:buNone/>
-              <a:tabLst/>
-              <a:defRPr/>
-            </a:pPr>
-            <a:r>
-              <a:rPr kumimoji="0" lang="en-US" sz="1600" b="0" i="0" u="none" strike="noStrike" kern="1200" cap="none" spc="0" normalizeH="0" baseline="0" noProof="0" dirty="0">
-                <a:ln>
-                  <a:noFill/>
-                </a:ln>
-                <a:solidFill>
-                  <a:prstClr val="white"/>
-                </a:solidFill>
-                <a:effectLst/>
-                <a:uLnTx/>
-                <a:uFillTx/>
-                <a:latin typeface="Calibri" panose="020F0502020204030204"/>
-                <a:ea typeface="+mn-ea"/>
-                <a:cs typeface="+mn-cs"/>
-              </a:rPr>
-              <a:t>Medication</a:t>
-            </a:r>
-          </a:p>
-          <a:p>
-            <a:pPr marL="0" marR="0" lvl="0" indent="0" algn="ctr" defTabSz="914400" rtl="0" eaLnBrk="1" fontAlgn="auto" latinLnBrk="0" hangingPunct="1">
-              <a:lnSpc>
-                <a:spcPct val="100000"/>
-              </a:lnSpc>
-              <a:spcBef>
-                <a:spcPts val="0"/>
-              </a:spcBef>
-              <a:spcAft>
-                <a:spcPts val="0"/>
-              </a:spcAft>
-              <a:buClrTx/>
-              <a:buSzTx/>
-              <a:buFontTx/>
-              <a:buNone/>
-              <a:tabLst/>
-              <a:defRPr/>
-            </a:pPr>
-            <a:r>
-              <a:rPr kumimoji="0" lang="en-US" sz="1800" b="0" i="0" u="none" strike="noStrike" kern="1200" cap="none" spc="0" normalizeH="0" baseline="0" noProof="0" dirty="0">
-                <a:ln>
-                  <a:noFill/>
-                </a:ln>
-                <a:solidFill>
-                  <a:prstClr val="white"/>
-                </a:solidFill>
-                <a:effectLst/>
-                <a:uLnTx/>
-                <a:uFillTx/>
-                <a:latin typeface="Calibri" panose="020F0502020204030204"/>
-                <a:ea typeface="+mn-ea"/>
-                <a:cs typeface="+mn-cs"/>
-              </a:rPr>
-              <a:t>Rinvoq (Upadacitinib)</a:t>
-            </a:r>
-            <a:endParaRPr kumimoji="0" lang="en-US" sz="1000" b="0" i="0" u="none" strike="noStrike" kern="1200" cap="none" spc="0" normalizeH="0" baseline="0" noProof="0" dirty="0">
-              <a:ln>
-                <a:noFill/>
-              </a:ln>
-              <a:solidFill>
-                <a:prstClr val="white"/>
-              </a:solidFill>
-              <a:effectLst/>
-              <a:uLnTx/>
-              <a:uFillTx/>
-              <a:latin typeface="Calibri" panose="020F0502020204030204"/>
-              <a:ea typeface="+mn-ea"/>
-              <a:cs typeface="+mn-cs"/>
-            </a:endParaRPr>
-          </a:p>
-        </p:txBody>
-      </p:sp>
-      <p:cxnSp>
-        <p:nvCxnSpPr>
-          <p:cNvPr id="160" name="Straight Arrow Connector 159">
-            <a:extLst>
-              <a:ext uri="{FF2B5EF4-FFF2-40B4-BE49-F238E27FC236}">
-                <a16:creationId xmlns:a16="http://schemas.microsoft.com/office/drawing/2014/main" id="{14EF0705-2A19-4FAE-AB3B-F0BACBDF5674}"/>
-              </a:ext>
-            </a:extLst>
-          </p:cNvPr>
-          <p:cNvCxnSpPr>
-            <a:cxnSpLocks/>
-            <a:stCxn id="7" idx="3"/>
-            <a:endCxn id="159" idx="1"/>
-          </p:cNvCxnSpPr>
-          <p:nvPr/>
-        </p:nvCxnSpPr>
-        <p:spPr>
-          <a:xfrm>
-            <a:off x="8126148" y="5253781"/>
-            <a:ext cx="1513152" cy="829140"/>
-          </a:xfrm>
-          <a:prstGeom prst="straightConnector1">
-            <a:avLst/>
-          </a:prstGeom>
-          <a:ln>
-            <a:tailEnd type="triangle"/>
-          </a:ln>
-        </p:spPr>
-        <p:style>
-          <a:lnRef idx="1">
-            <a:schemeClr val="accent1"/>
-          </a:lnRef>
-          <a:fillRef idx="0">
-            <a:schemeClr val="accent1"/>
-          </a:fillRef>
-          <a:effectRef idx="0">
-            <a:schemeClr val="accent1"/>
-          </a:effectRef>
-          <a:fontRef idx="minor">
-            <a:schemeClr val="tx1"/>
-          </a:fontRef>
-        </p:style>
-      </p:cxnSp>
-      <p:cxnSp>
-        <p:nvCxnSpPr>
-          <p:cNvPr id="99" name="Straight Arrow Connector 98">
-            <a:extLst>
-              <a:ext uri="{FF2B5EF4-FFF2-40B4-BE49-F238E27FC236}">
-                <a16:creationId xmlns:a16="http://schemas.microsoft.com/office/drawing/2014/main" id="{609035BD-15F0-49F8-B1A3-80D3E178A3A5}"/>
-              </a:ext>
-            </a:extLst>
-          </p:cNvPr>
-          <p:cNvCxnSpPr>
-            <a:stCxn id="151" idx="2"/>
-            <a:endCxn id="159" idx="0"/>
-          </p:cNvCxnSpPr>
-          <p:nvPr/>
-        </p:nvCxnSpPr>
-        <p:spPr>
-          <a:xfrm>
-            <a:off x="10526555" y="5080000"/>
-            <a:ext cx="50800" cy="532642"/>
-          </a:xfrm>
-          <a:prstGeom prst="straightConnector1">
-            <a:avLst/>
-          </a:prstGeom>
-          <a:ln>
-            <a:tailEnd type="triangle"/>
-          </a:ln>
-        </p:spPr>
-        <p:style>
-          <a:lnRef idx="1">
-            <a:schemeClr val="accent1"/>
-          </a:lnRef>
-          <a:fillRef idx="0">
-            <a:schemeClr val="accent1"/>
-          </a:fillRef>
-          <a:effectRef idx="0">
-            <a:schemeClr val="accent1"/>
-          </a:effectRef>
-          <a:fontRef idx="minor">
-            <a:schemeClr val="tx1"/>
-          </a:fontRef>
-        </p:style>
-      </p:cxnSp>
-      <p:sp>
-        <p:nvSpPr>
-          <p:cNvPr id="162" name="TextBox 161">
-            <a:extLst>
-              <a:ext uri="{FF2B5EF4-FFF2-40B4-BE49-F238E27FC236}">
-                <a16:creationId xmlns:a16="http://schemas.microsoft.com/office/drawing/2014/main" id="{4550AB65-DED2-4D35-B618-30357DC0A91D}"/>
-              </a:ext>
-            </a:extLst>
-          </p:cNvPr>
-          <p:cNvSpPr txBox="1"/>
-          <p:nvPr/>
-        </p:nvSpPr>
-        <p:spPr>
-          <a:xfrm>
-            <a:off x="10233994" y="5202672"/>
-            <a:ext cx="1200459" cy="230832"/>
-          </a:xfrm>
-          <a:prstGeom prst="rect">
-            <a:avLst/>
-          </a:prstGeom>
-          <a:solidFill>
-            <a:schemeClr val="bg1"/>
-          </a:solidFill>
-        </p:spPr>
-        <p:txBody>
-          <a:bodyPr wrap="square" rtlCol="0">
-            <a:spAutoFit/>
-          </a:bodyPr>
-          <a:lstStyle/>
-          <a:p>
-            <a:pPr marL="0" marR="0" lvl="0" indent="0" algn="l" defTabSz="914400" rtl="0" eaLnBrk="1" fontAlgn="auto" latinLnBrk="0" hangingPunct="1">
-              <a:lnSpc>
-                <a:spcPct val="100000"/>
-              </a:lnSpc>
-              <a:spcBef>
-                <a:spcPts val="0"/>
-              </a:spcBef>
-              <a:spcAft>
-                <a:spcPts val="0"/>
-              </a:spcAft>
-              <a:buClrTx/>
-              <a:buSzTx/>
-              <a:buFontTx/>
-              <a:buNone/>
-              <a:tabLst/>
-              <a:defRPr/>
-            </a:pPr>
-            <a:r>
-              <a:rPr kumimoji="0" lang="en-US" sz="900" b="1" i="0" u="none" strike="noStrike" kern="1200" cap="none" spc="0" normalizeH="0" baseline="0" noProof="0" dirty="0">
-                <a:ln>
-                  <a:noFill/>
-                </a:ln>
-                <a:solidFill>
-                  <a:prstClr val="black"/>
-                </a:solidFill>
-                <a:effectLst/>
-                <a:uLnTx/>
-                <a:uFillTx/>
-                <a:latin typeface="Calibri" panose="020F0502020204030204"/>
-                <a:ea typeface="+mn-ea"/>
-                <a:cs typeface="+mn-cs"/>
-              </a:rPr>
-              <a:t>Medication	</a:t>
-            </a:r>
+            <a:endParaRPr lang="en-US"/>
           </a:p>
         </p:txBody>
       </p:sp>
     </p:spTree>
     <p:extLst>
       <p:ext uri="{BB962C8B-B14F-4D97-AF65-F5344CB8AC3E}">
-        <p14:creationId xmlns:p14="http://schemas.microsoft.com/office/powerpoint/2010/main" val="759523600"/>
+        <p14:creationId xmlns:p14="http://schemas.microsoft.com/office/powerpoint/2010/main" val="2271221613"/>
       </p:ext>
     </p:extLst>
   </p:cSld>
@@ -18665,12 +15450,189 @@
           <a:chExt cx="0" cy="0"/>
         </a:xfrm>
       </p:grpSpPr>
+      <p:cxnSp>
+        <p:nvCxnSpPr>
+          <p:cNvPr id="35" name="Straight Arrow Connector 34">
+            <a:extLst>
+              <a:ext uri="{FF2B5EF4-FFF2-40B4-BE49-F238E27FC236}">
+                <a16:creationId xmlns:a16="http://schemas.microsoft.com/office/drawing/2014/main" id="{AAA7B3DF-9DB0-4B96-BD97-21C858567EE1}"/>
+              </a:ext>
+            </a:extLst>
+          </p:cNvPr>
+          <p:cNvCxnSpPr>
+            <a:cxnSpLocks/>
+            <a:stCxn id="4" idx="3"/>
+            <a:endCxn id="19" idx="1"/>
+          </p:cNvCxnSpPr>
+          <p:nvPr/>
+        </p:nvCxnSpPr>
+        <p:spPr>
+          <a:xfrm flipV="1">
+            <a:off x="5116354" y="1905132"/>
+            <a:ext cx="1179425" cy="2004250"/>
+          </a:xfrm>
+          <a:prstGeom prst="straightConnector1">
+            <a:avLst/>
+          </a:prstGeom>
+          <a:ln>
+            <a:tailEnd type="triangle"/>
+          </a:ln>
+        </p:spPr>
+        <p:style>
+          <a:lnRef idx="1">
+            <a:schemeClr val="accent1"/>
+          </a:lnRef>
+          <a:fillRef idx="0">
+            <a:schemeClr val="accent1"/>
+          </a:fillRef>
+          <a:effectRef idx="0">
+            <a:schemeClr val="accent1"/>
+          </a:effectRef>
+          <a:fontRef idx="minor">
+            <a:schemeClr val="tx1"/>
+          </a:fontRef>
+        </p:style>
+      </p:cxnSp>
+      <p:sp>
+        <p:nvSpPr>
+          <p:cNvPr id="173" name="TextBox 172">
+            <a:extLst>
+              <a:ext uri="{FF2B5EF4-FFF2-40B4-BE49-F238E27FC236}">
+                <a16:creationId xmlns:a16="http://schemas.microsoft.com/office/drawing/2014/main" id="{B9C1C471-DB5F-48E8-887C-88A5C9B7C936}"/>
+              </a:ext>
+            </a:extLst>
+          </p:cNvPr>
+          <p:cNvSpPr txBox="1"/>
+          <p:nvPr/>
+        </p:nvSpPr>
+        <p:spPr>
+          <a:xfrm>
+            <a:off x="8341694" y="5126472"/>
+            <a:ext cx="1200459" cy="230832"/>
+          </a:xfrm>
+          <a:prstGeom prst="rect">
+            <a:avLst/>
+          </a:prstGeom>
+          <a:solidFill>
+            <a:schemeClr val="bg1"/>
+          </a:solidFill>
+        </p:spPr>
+        <p:txBody>
+          <a:bodyPr wrap="square" rtlCol="0">
+            <a:spAutoFit/>
+          </a:bodyPr>
+          <a:lstStyle/>
+          <a:p>
+            <a:pPr marL="0" marR="0" lvl="0" indent="0" algn="l" defTabSz="914400" rtl="0" eaLnBrk="1" fontAlgn="auto" latinLnBrk="0" hangingPunct="1">
+              <a:lnSpc>
+                <a:spcPct val="100000"/>
+              </a:lnSpc>
+              <a:spcBef>
+                <a:spcPts val="0"/>
+              </a:spcBef>
+              <a:spcAft>
+                <a:spcPts val="0"/>
+              </a:spcAft>
+              <a:buClrTx/>
+              <a:buSzTx/>
+              <a:buFontTx/>
+              <a:buNone/>
+              <a:tabLst/>
+              <a:defRPr/>
+            </a:pPr>
+            <a:r>
+              <a:rPr kumimoji="0" lang="en-US" sz="900" b="1" i="0" u="none" strike="noStrike" kern="1200" cap="none" spc="0" normalizeH="0" baseline="0" noProof="0" dirty="0">
+                <a:ln>
+                  <a:noFill/>
+                </a:ln>
+                <a:solidFill>
+                  <a:prstClr val="black"/>
+                </a:solidFill>
+                <a:effectLst/>
+                <a:uLnTx/>
+                <a:uFillTx/>
+                <a:latin typeface="Calibri" panose="020F0502020204030204"/>
+                <a:ea typeface="+mn-ea"/>
+                <a:cs typeface="+mn-cs"/>
+              </a:rPr>
+              <a:t>evaluateResources</a:t>
+            </a:r>
+          </a:p>
+        </p:txBody>
+      </p:sp>
+      <p:sp>
+        <p:nvSpPr>
+          <p:cNvPr id="177" name="TextBox 176">
+            <a:extLst>
+              <a:ext uri="{FF2B5EF4-FFF2-40B4-BE49-F238E27FC236}">
+                <a16:creationId xmlns:a16="http://schemas.microsoft.com/office/drawing/2014/main" id="{ECBEBC19-2399-4EB5-8810-02FF1ACE01D9}"/>
+              </a:ext>
+            </a:extLst>
+          </p:cNvPr>
+          <p:cNvSpPr txBox="1"/>
+          <p:nvPr/>
+        </p:nvSpPr>
+        <p:spPr>
+          <a:xfrm>
+            <a:off x="5241293" y="3696262"/>
+            <a:ext cx="573375" cy="369332"/>
+          </a:xfrm>
+          <a:prstGeom prst="rect">
+            <a:avLst/>
+          </a:prstGeom>
+          <a:solidFill>
+            <a:schemeClr val="bg1"/>
+          </a:solidFill>
+        </p:spPr>
+        <p:txBody>
+          <a:bodyPr wrap="square" rtlCol="0">
+            <a:spAutoFit/>
+          </a:bodyPr>
+          <a:lstStyle/>
+          <a:p>
+            <a:pPr marL="0" marR="0" lvl="0" indent="0" algn="l" defTabSz="914400" rtl="0" eaLnBrk="1" fontAlgn="auto" latinLnBrk="0" hangingPunct="1">
+              <a:lnSpc>
+                <a:spcPct val="100000"/>
+              </a:lnSpc>
+              <a:spcBef>
+                <a:spcPts val="0"/>
+              </a:spcBef>
+              <a:spcAft>
+                <a:spcPts val="0"/>
+              </a:spcAft>
+              <a:buClrTx/>
+              <a:buSzTx/>
+              <a:buFontTx/>
+              <a:buNone/>
+              <a:tabLst/>
+              <a:defRPr/>
+            </a:pPr>
+            <a:r>
+              <a:rPr kumimoji="0" lang="en-US" sz="900" b="1" i="0" u="none" strike="noStrike" kern="1200" cap="none" spc="0" normalizeH="0" baseline="0" noProof="0" dirty="0">
+                <a:ln>
+                  <a:noFill/>
+                </a:ln>
+                <a:solidFill>
+                  <a:prstClr val="black"/>
+                </a:solidFill>
+                <a:effectLst/>
+                <a:uLnTx/>
+                <a:uFillTx/>
+                <a:latin typeface="Calibri" panose="020F0502020204030204"/>
+                <a:ea typeface="+mn-ea"/>
+                <a:cs typeface="+mn-cs"/>
+              </a:rPr>
+              <a:t>section.focus</a:t>
+            </a:r>
+          </a:p>
+        </p:txBody>
+      </p:sp>
       <p:sp>
         <p:nvSpPr>
           <p:cNvPr id="2" name="Title 1">
             <a:extLst>
               <a:ext uri="{FF2B5EF4-FFF2-40B4-BE49-F238E27FC236}">
-                <a16:creationId xmlns:a16="http://schemas.microsoft.com/office/drawing/2014/main" id="{4D7CB190-0D7D-494C-9311-B0617D77885B}"/>
+                <a16:creationId xmlns:a16="http://schemas.microsoft.com/office/drawing/2014/main" id="{66FC9293-5253-4045-B6FF-0BF8D01B1EC4}"/>
               </a:ext>
             </a:extLst>
           </p:cNvPr>
@@ -18687,18 +15649,25 @@
           <a:lstStyle/>
           <a:p>
             <a:r>
-              <a:rPr lang="en-US"/>
-              <a:t>Report Example</a:t>
-            </a:r>
-          </a:p>
-        </p:txBody>
-      </p:sp>
-      <p:sp>
-        <p:nvSpPr>
-          <p:cNvPr id="3" name="Text Placeholder 2">
-            <a:extLst>
-              <a:ext uri="{FF2B5EF4-FFF2-40B4-BE49-F238E27FC236}">
-                <a16:creationId xmlns:a16="http://schemas.microsoft.com/office/drawing/2014/main" id="{236B773A-836E-4D87-9C92-B08C38F7CEE1}"/>
+              <a:rPr lang="en-US" dirty="0"/>
+              <a:t>Risk Adjustment </a:t>
+            </a:r>
+            <a:br>
+              <a:rPr lang="en-US" dirty="0"/>
+            </a:br>
+            <a:r>
+              <a:rPr lang="en-US" dirty="0"/>
+              <a:t>Resources</a:t>
+            </a:r>
+          </a:p>
+        </p:txBody>
+      </p:sp>
+      <p:sp>
+        <p:nvSpPr>
+          <p:cNvPr id="3" name="Content Placeholder 2">
+            <a:extLst>
+              <a:ext uri="{FF2B5EF4-FFF2-40B4-BE49-F238E27FC236}">
+                <a16:creationId xmlns:a16="http://schemas.microsoft.com/office/drawing/2014/main" id="{059F4AA5-BD88-4606-ACB3-39118129AFB3}"/>
               </a:ext>
             </a:extLst>
           </p:cNvPr>
@@ -18706,87 +15675,3302 @@
             <a:spLocks noGrp="1"/>
           </p:cNvSpPr>
           <p:nvPr>
-            <p:ph type="body" sz="quarter" idx="13"/>
+            <p:ph idx="1"/>
           </p:nvPr>
         </p:nvSpPr>
-        <p:spPr/>
+        <p:spPr>
+          <a:xfrm>
+            <a:off x="168676" y="1258338"/>
+            <a:ext cx="11185124" cy="5142461"/>
+          </a:xfrm>
+        </p:spPr>
         <p:txBody>
           <a:bodyPr/>
           <a:lstStyle/>
           <a:p>
-            <a:endParaRPr lang="en-US"/>
-          </a:p>
-        </p:txBody>
-      </p:sp>
-      <p:sp>
-        <p:nvSpPr>
-          <p:cNvPr id="4" name="Footer Placeholder 3">
-            <a:extLst>
-              <a:ext uri="{FF2B5EF4-FFF2-40B4-BE49-F238E27FC236}">
-                <a16:creationId xmlns:a16="http://schemas.microsoft.com/office/drawing/2014/main" id="{1C8C59B2-4298-4ABD-A7BC-36BFD6BFDD28}"/>
-              </a:ext>
-            </a:extLst>
-          </p:cNvPr>
-          <p:cNvSpPr>
-            <a:spLocks noGrp="1"/>
-          </p:cNvSpPr>
-          <p:nvPr>
-            <p:ph type="ftr" sz="quarter" idx="10"/>
-          </p:nvPr>
-        </p:nvSpPr>
-        <p:spPr/>
-        <p:txBody>
-          <a:bodyPr/>
+            <a:pPr marL="0" indent="0">
+              <a:buNone/>
+            </a:pPr>
+            <a:r>
+              <a:rPr lang="en-US" dirty="0"/>
+              <a:t> </a:t>
+            </a:r>
+          </a:p>
+        </p:txBody>
+      </p:sp>
+      <p:sp>
+        <p:nvSpPr>
+          <p:cNvPr id="4" name="Flowchart: Process 3">
+            <a:extLst>
+              <a:ext uri="{FF2B5EF4-FFF2-40B4-BE49-F238E27FC236}">
+                <a16:creationId xmlns:a16="http://schemas.microsoft.com/office/drawing/2014/main" id="{3DEA0A30-6A6C-4FA4-B9FC-7A051391A0D6}"/>
+              </a:ext>
+            </a:extLst>
+          </p:cNvPr>
+          <p:cNvSpPr/>
+          <p:nvPr/>
+        </p:nvSpPr>
+        <p:spPr>
+          <a:xfrm>
+            <a:off x="3252043" y="3520952"/>
+            <a:ext cx="1864311" cy="776860"/>
+          </a:xfrm>
+          <a:prstGeom prst="flowChartProcess">
+            <a:avLst/>
+          </a:prstGeom>
+          <a:solidFill>
+            <a:schemeClr val="accent3"/>
+          </a:solidFill>
+          <a:ln>
+            <a:solidFill>
+              <a:schemeClr val="tx1"/>
+            </a:solidFill>
+          </a:ln>
+        </p:spPr>
+        <p:style>
+          <a:lnRef idx="2">
+            <a:schemeClr val="accent1">
+              <a:shade val="50000"/>
+            </a:schemeClr>
+          </a:lnRef>
+          <a:fillRef idx="1">
+            <a:schemeClr val="accent1"/>
+          </a:fillRef>
+          <a:effectRef idx="0">
+            <a:schemeClr val="accent1"/>
+          </a:effectRef>
+          <a:fontRef idx="minor">
+            <a:schemeClr val="lt1"/>
+          </a:fontRef>
+        </p:style>
+        <p:txBody>
+          <a:bodyPr rtlCol="0" anchor="ctr"/>
           <a:lstStyle/>
           <a:p>
-            <a:r>
-              <a:rPr lang="en-US" b="1"/>
-              <a:t>© 2019 Health Level Seven ® International. Licensed under Creative Commons Attribution 4.0 International</a:t>
-            </a:r>
-          </a:p>
-          <a:p>
-            <a:r>
-              <a:rPr lang="en-US" b="1"/>
-              <a:t>HL7, Health Level Seven, FHIR and the FHIR flame logo are registered trademarks of Health Level Seven International. Reg. U.S. TM Office.</a:t>
-            </a:r>
-            <a:endParaRPr lang="en-US" b="1" dirty="0"/>
-          </a:p>
-        </p:txBody>
-      </p:sp>
-      <p:sp>
-        <p:nvSpPr>
-          <p:cNvPr id="5" name="Slide Number Placeholder 4">
-            <a:extLst>
-              <a:ext uri="{FF2B5EF4-FFF2-40B4-BE49-F238E27FC236}">
-                <a16:creationId xmlns:a16="http://schemas.microsoft.com/office/drawing/2014/main" id="{EB22FE78-5AEE-4A50-9097-7AE62A24576F}"/>
-              </a:ext>
-            </a:extLst>
-          </p:cNvPr>
-          <p:cNvSpPr>
-            <a:spLocks noGrp="1"/>
-          </p:cNvSpPr>
-          <p:nvPr>
-            <p:ph type="sldNum" sz="quarter" idx="11"/>
-          </p:nvPr>
-        </p:nvSpPr>
-        <p:spPr/>
-        <p:txBody>
-          <a:bodyPr/>
+            <a:pPr marL="0" marR="0" lvl="0" indent="0" algn="ctr" defTabSz="914400" rtl="0" eaLnBrk="1" fontAlgn="auto" latinLnBrk="0" hangingPunct="1">
+              <a:lnSpc>
+                <a:spcPct val="100000"/>
+              </a:lnSpc>
+              <a:spcBef>
+                <a:spcPts val="0"/>
+              </a:spcBef>
+              <a:spcAft>
+                <a:spcPts val="0"/>
+              </a:spcAft>
+              <a:buClrTx/>
+              <a:buSzTx/>
+              <a:buFontTx/>
+              <a:buNone/>
+              <a:tabLst/>
+              <a:defRPr/>
+            </a:pPr>
+            <a:r>
+              <a:rPr kumimoji="0" lang="en-US" sz="1600" b="0" i="0" u="none" strike="noStrike" kern="1200" cap="none" spc="0" normalizeH="0" baseline="0" noProof="0" dirty="0">
+                <a:ln>
+                  <a:noFill/>
+                </a:ln>
+                <a:solidFill>
+                  <a:prstClr val="white"/>
+                </a:solidFill>
+                <a:effectLst/>
+                <a:uLnTx/>
+                <a:uFillTx/>
+                <a:latin typeface="Calibri" panose="020F0502020204030204"/>
+                <a:ea typeface="+mn-ea"/>
+                <a:cs typeface="+mn-cs"/>
+              </a:rPr>
+              <a:t>RA Composition</a:t>
+            </a:r>
+          </a:p>
+        </p:txBody>
+      </p:sp>
+      <p:sp>
+        <p:nvSpPr>
+          <p:cNvPr id="5" name="Flowchart: Process 4">
+            <a:extLst>
+              <a:ext uri="{FF2B5EF4-FFF2-40B4-BE49-F238E27FC236}">
+                <a16:creationId xmlns:a16="http://schemas.microsoft.com/office/drawing/2014/main" id="{B7A7E221-C938-4426-AA48-B09EFF0C8A7E}"/>
+              </a:ext>
+            </a:extLst>
+          </p:cNvPr>
+          <p:cNvSpPr/>
+          <p:nvPr/>
+        </p:nvSpPr>
+        <p:spPr>
+          <a:xfrm>
+            <a:off x="3248552" y="1646804"/>
+            <a:ext cx="1864311" cy="795922"/>
+          </a:xfrm>
+          <a:prstGeom prst="flowChartProcess">
+            <a:avLst/>
+          </a:prstGeom>
+          <a:solidFill>
+            <a:schemeClr val="accent3"/>
+          </a:solidFill>
+          <a:ln>
+            <a:solidFill>
+              <a:schemeClr val="tx1"/>
+            </a:solidFill>
+          </a:ln>
+        </p:spPr>
+        <p:style>
+          <a:lnRef idx="2">
+            <a:schemeClr val="accent1">
+              <a:shade val="50000"/>
+            </a:schemeClr>
+          </a:lnRef>
+          <a:fillRef idx="1">
+            <a:schemeClr val="accent1"/>
+          </a:fillRef>
+          <a:effectRef idx="0">
+            <a:schemeClr val="accent1"/>
+          </a:effectRef>
+          <a:fontRef idx="minor">
+            <a:schemeClr val="lt1"/>
+          </a:fontRef>
+        </p:style>
+        <p:txBody>
+          <a:bodyPr rtlCol="0" anchor="ctr"/>
           <a:lstStyle/>
           <a:p>
-            <a:fld id="{6CACE926-AEF5-4BFE-8BD7-24414108CB7B}" type="slidenum">
-              <a:rPr lang="en-US" altLang="en-US" smtClean="0"/>
-              <a:pPr/>
-              <a:t>9</a:t>
-            </a:fld>
-            <a:endParaRPr lang="en-US" altLang="en-US" dirty="0"/>
+            <a:pPr marL="0" marR="0" lvl="0" indent="0" algn="ctr" defTabSz="914400" rtl="0" eaLnBrk="1" fontAlgn="auto" latinLnBrk="0" hangingPunct="1">
+              <a:lnSpc>
+                <a:spcPct val="100000"/>
+              </a:lnSpc>
+              <a:spcBef>
+                <a:spcPts val="0"/>
+              </a:spcBef>
+              <a:spcAft>
+                <a:spcPts val="0"/>
+              </a:spcAft>
+              <a:buClrTx/>
+              <a:buSzTx/>
+              <a:buFontTx/>
+              <a:buNone/>
+              <a:tabLst/>
+              <a:defRPr/>
+            </a:pPr>
+            <a:r>
+              <a:rPr kumimoji="0" lang="en-US" sz="1600" b="0" i="0" u="none" strike="noStrike" kern="1200" cap="none" spc="0" normalizeH="0" baseline="0" noProof="0" dirty="0">
+                <a:ln>
+                  <a:noFill/>
+                </a:ln>
+                <a:solidFill>
+                  <a:prstClr val="white"/>
+                </a:solidFill>
+                <a:effectLst/>
+                <a:uLnTx/>
+                <a:uFillTx/>
+                <a:latin typeface="Calibri" panose="020F0502020204030204"/>
+                <a:ea typeface="+mn-ea"/>
+                <a:cs typeface="+mn-cs"/>
+              </a:rPr>
+              <a:t>RA Bundle</a:t>
+            </a:r>
+          </a:p>
+        </p:txBody>
+      </p:sp>
+      <p:sp>
+        <p:nvSpPr>
+          <p:cNvPr id="7" name="Flowchart: Process 6">
+            <a:extLst>
+              <a:ext uri="{FF2B5EF4-FFF2-40B4-BE49-F238E27FC236}">
+                <a16:creationId xmlns:a16="http://schemas.microsoft.com/office/drawing/2014/main" id="{C91FCB4F-F2B6-436E-9248-D1FB7A9503A1}"/>
+              </a:ext>
+            </a:extLst>
+          </p:cNvPr>
+          <p:cNvSpPr/>
+          <p:nvPr/>
+        </p:nvSpPr>
+        <p:spPr>
+          <a:xfrm>
+            <a:off x="6261837" y="4865351"/>
+            <a:ext cx="1864311" cy="776860"/>
+          </a:xfrm>
+          <a:prstGeom prst="flowChartProcess">
+            <a:avLst/>
+          </a:prstGeom>
+          <a:solidFill>
+            <a:schemeClr val="accent1">
+              <a:lumMod val="60000"/>
+              <a:lumOff val="40000"/>
+            </a:schemeClr>
+          </a:solidFill>
+          <a:ln>
+            <a:solidFill>
+              <a:schemeClr val="tx1"/>
+            </a:solidFill>
+          </a:ln>
+        </p:spPr>
+        <p:style>
+          <a:lnRef idx="2">
+            <a:schemeClr val="accent1">
+              <a:shade val="50000"/>
+            </a:schemeClr>
+          </a:lnRef>
+          <a:fillRef idx="1">
+            <a:schemeClr val="accent1"/>
+          </a:fillRef>
+          <a:effectRef idx="0">
+            <a:schemeClr val="accent1"/>
+          </a:effectRef>
+          <a:fontRef idx="minor">
+            <a:schemeClr val="lt1"/>
+          </a:fontRef>
+        </p:style>
+        <p:txBody>
+          <a:bodyPr rtlCol="0" anchor="ctr"/>
+          <a:lstStyle/>
+          <a:p>
+            <a:pPr marL="0" marR="0" lvl="0" indent="0" algn="ctr" defTabSz="914400" rtl="0" eaLnBrk="1" fontAlgn="auto" latinLnBrk="0" hangingPunct="1">
+              <a:lnSpc>
+                <a:spcPct val="100000"/>
+              </a:lnSpc>
+              <a:spcBef>
+                <a:spcPts val="0"/>
+              </a:spcBef>
+              <a:spcAft>
+                <a:spcPts val="0"/>
+              </a:spcAft>
+              <a:buClrTx/>
+              <a:buSzTx/>
+              <a:buFontTx/>
+              <a:buNone/>
+              <a:tabLst/>
+              <a:defRPr/>
+            </a:pPr>
+            <a:r>
+              <a:rPr kumimoji="0" lang="en-US" sz="1600" b="0" i="0" u="none" strike="noStrike" kern="1200" cap="none" spc="0" normalizeH="0" baseline="0" noProof="0" dirty="0">
+                <a:ln>
+                  <a:noFill/>
+                </a:ln>
+                <a:solidFill>
+                  <a:prstClr val="white"/>
+                </a:solidFill>
+                <a:effectLst/>
+                <a:uLnTx/>
+                <a:uFillTx/>
+                <a:latin typeface="Calibri" panose="020F0502020204030204"/>
+                <a:ea typeface="+mn-ea"/>
+                <a:cs typeface="+mn-cs"/>
+              </a:rPr>
+              <a:t>RA Measure Report #2 </a:t>
+            </a:r>
+          </a:p>
+          <a:p>
+            <a:pPr marL="0" marR="0" lvl="0" indent="0" algn="ctr" defTabSz="914400" rtl="0" eaLnBrk="1" fontAlgn="auto" latinLnBrk="0" hangingPunct="1">
+              <a:lnSpc>
+                <a:spcPct val="100000"/>
+              </a:lnSpc>
+              <a:spcBef>
+                <a:spcPts val="0"/>
+              </a:spcBef>
+              <a:spcAft>
+                <a:spcPts val="0"/>
+              </a:spcAft>
+              <a:buClrTx/>
+              <a:buSzTx/>
+              <a:buFontTx/>
+              <a:buNone/>
+              <a:tabLst/>
+              <a:defRPr/>
+            </a:pPr>
+            <a:r>
+              <a:rPr kumimoji="0" lang="en-US" sz="1600" b="0" i="0" u="none" strike="noStrike" kern="1200" cap="none" spc="0" normalizeH="0" baseline="0" noProof="0" dirty="0">
+                <a:ln>
+                  <a:noFill/>
+                </a:ln>
+                <a:solidFill>
+                  <a:prstClr val="white"/>
+                </a:solidFill>
+                <a:effectLst/>
+                <a:uLnTx/>
+                <a:uFillTx/>
+                <a:latin typeface="Calibri" panose="020F0502020204030204"/>
+                <a:ea typeface="+mn-ea"/>
+                <a:cs typeface="+mn-cs"/>
+              </a:rPr>
+              <a:t>RX HCC</a:t>
+            </a:r>
+          </a:p>
+        </p:txBody>
+      </p:sp>
+      <p:sp>
+        <p:nvSpPr>
+          <p:cNvPr id="13" name="Flowchart: Process 12">
+            <a:extLst>
+              <a:ext uri="{FF2B5EF4-FFF2-40B4-BE49-F238E27FC236}">
+                <a16:creationId xmlns:a16="http://schemas.microsoft.com/office/drawing/2014/main" id="{7C494011-9B4B-4108-B2F1-32F5A7D22803}"/>
+              </a:ext>
+            </a:extLst>
+          </p:cNvPr>
+          <p:cNvSpPr/>
+          <p:nvPr/>
+        </p:nvSpPr>
+        <p:spPr>
+          <a:xfrm>
+            <a:off x="596938" y="3518748"/>
+            <a:ext cx="1864311" cy="795922"/>
+          </a:xfrm>
+          <a:prstGeom prst="flowChartProcess">
+            <a:avLst/>
+          </a:prstGeom>
+          <a:solidFill>
+            <a:schemeClr val="accent3"/>
+          </a:solidFill>
+          <a:ln>
+            <a:solidFill>
+              <a:schemeClr val="tx1"/>
+            </a:solidFill>
+          </a:ln>
+        </p:spPr>
+        <p:style>
+          <a:lnRef idx="2">
+            <a:schemeClr val="accent1">
+              <a:shade val="50000"/>
+            </a:schemeClr>
+          </a:lnRef>
+          <a:fillRef idx="1">
+            <a:schemeClr val="accent1"/>
+          </a:fillRef>
+          <a:effectRef idx="0">
+            <a:schemeClr val="accent1"/>
+          </a:effectRef>
+          <a:fontRef idx="minor">
+            <a:schemeClr val="lt1"/>
+          </a:fontRef>
+        </p:style>
+        <p:txBody>
+          <a:bodyPr rtlCol="0" anchor="ctr"/>
+          <a:lstStyle/>
+          <a:p>
+            <a:pPr marL="0" marR="0" lvl="0" indent="0" algn="ctr" defTabSz="914400" rtl="0" eaLnBrk="1" fontAlgn="auto" latinLnBrk="0" hangingPunct="1">
+              <a:lnSpc>
+                <a:spcPct val="100000"/>
+              </a:lnSpc>
+              <a:spcBef>
+                <a:spcPts val="0"/>
+              </a:spcBef>
+              <a:spcAft>
+                <a:spcPts val="0"/>
+              </a:spcAft>
+              <a:buClrTx/>
+              <a:buSzTx/>
+              <a:buFontTx/>
+              <a:buNone/>
+              <a:tabLst/>
+              <a:defRPr/>
+            </a:pPr>
+            <a:r>
+              <a:rPr kumimoji="0" lang="en-US" sz="1600" b="0" i="0" u="none" strike="noStrike" kern="1200" cap="none" spc="0" normalizeH="0" baseline="0" noProof="0" dirty="0">
+                <a:ln>
+                  <a:noFill/>
+                </a:ln>
+                <a:solidFill>
+                  <a:prstClr val="white"/>
+                </a:solidFill>
+                <a:effectLst/>
+                <a:uLnTx/>
+                <a:uFillTx/>
+                <a:latin typeface="Calibri" panose="020F0502020204030204"/>
+                <a:ea typeface="+mn-ea"/>
+                <a:cs typeface="+mn-cs"/>
+              </a:rPr>
+              <a:t>US Core Patient*</a:t>
+            </a:r>
+          </a:p>
+          <a:p>
+            <a:pPr marL="0" marR="0" lvl="0" indent="0" algn="ctr" defTabSz="914400" rtl="0" eaLnBrk="1" fontAlgn="auto" latinLnBrk="0" hangingPunct="1">
+              <a:lnSpc>
+                <a:spcPct val="100000"/>
+              </a:lnSpc>
+              <a:spcBef>
+                <a:spcPts val="0"/>
+              </a:spcBef>
+              <a:spcAft>
+                <a:spcPts val="0"/>
+              </a:spcAft>
+              <a:buClrTx/>
+              <a:buSzTx/>
+              <a:buFontTx/>
+              <a:buNone/>
+              <a:tabLst/>
+              <a:defRPr/>
+            </a:pPr>
+            <a:r>
+              <a:rPr kumimoji="0" lang="en-US" sz="900" b="0" i="0" u="none" strike="noStrike" kern="1200" cap="none" spc="0" normalizeH="0" baseline="0" noProof="0" dirty="0">
+                <a:ln>
+                  <a:noFill/>
+                </a:ln>
+                <a:solidFill>
+                  <a:prstClr val="white"/>
+                </a:solidFill>
+                <a:effectLst/>
+                <a:uLnTx/>
+                <a:uFillTx/>
+                <a:latin typeface="Calibri" panose="020F0502020204030204"/>
+                <a:ea typeface="+mn-ea"/>
+                <a:cs typeface="+mn-cs"/>
+              </a:rPr>
+              <a:t>Age 63</a:t>
+            </a:r>
+          </a:p>
+        </p:txBody>
+      </p:sp>
+      <p:sp>
+        <p:nvSpPr>
+          <p:cNvPr id="15" name="Flowchart: Process 14">
+            <a:extLst>
+              <a:ext uri="{FF2B5EF4-FFF2-40B4-BE49-F238E27FC236}">
+                <a16:creationId xmlns:a16="http://schemas.microsoft.com/office/drawing/2014/main" id="{AAB520D8-1327-4035-B17F-8E435832F332}"/>
+              </a:ext>
+            </a:extLst>
+          </p:cNvPr>
+          <p:cNvSpPr/>
+          <p:nvPr/>
+        </p:nvSpPr>
+        <p:spPr>
+          <a:xfrm>
+            <a:off x="6261838" y="3643732"/>
+            <a:ext cx="1864310" cy="779355"/>
+          </a:xfrm>
+          <a:prstGeom prst="flowChartProcess">
+            <a:avLst/>
+          </a:prstGeom>
+          <a:solidFill>
+            <a:schemeClr val="accent1">
+              <a:lumMod val="60000"/>
+              <a:lumOff val="40000"/>
+            </a:schemeClr>
+          </a:solidFill>
+          <a:ln>
+            <a:solidFill>
+              <a:schemeClr val="tx1"/>
+            </a:solidFill>
+          </a:ln>
+        </p:spPr>
+        <p:style>
+          <a:lnRef idx="2">
+            <a:schemeClr val="accent1">
+              <a:shade val="50000"/>
+            </a:schemeClr>
+          </a:lnRef>
+          <a:fillRef idx="1">
+            <a:schemeClr val="accent1"/>
+          </a:fillRef>
+          <a:effectRef idx="0">
+            <a:schemeClr val="accent1"/>
+          </a:effectRef>
+          <a:fontRef idx="minor">
+            <a:schemeClr val="lt1"/>
+          </a:fontRef>
+        </p:style>
+        <p:txBody>
+          <a:bodyPr rtlCol="0" anchor="ctr"/>
+          <a:lstStyle/>
+          <a:p>
+            <a:pPr marL="0" marR="0" lvl="0" indent="0" algn="ctr" defTabSz="914400" rtl="0" eaLnBrk="1" fontAlgn="auto" latinLnBrk="0" hangingPunct="1">
+              <a:lnSpc>
+                <a:spcPct val="100000"/>
+              </a:lnSpc>
+              <a:spcBef>
+                <a:spcPts val="0"/>
+              </a:spcBef>
+              <a:spcAft>
+                <a:spcPts val="0"/>
+              </a:spcAft>
+              <a:buClrTx/>
+              <a:buSzTx/>
+              <a:buFontTx/>
+              <a:buNone/>
+              <a:tabLst/>
+              <a:defRPr/>
+            </a:pPr>
+            <a:r>
+              <a:rPr kumimoji="0" lang="en-US" sz="1600" b="0" i="0" u="none" strike="noStrike" kern="1200" cap="none" spc="0" normalizeH="0" baseline="0" noProof="0" dirty="0">
+                <a:ln>
+                  <a:noFill/>
+                </a:ln>
+                <a:solidFill>
+                  <a:prstClr val="white"/>
+                </a:solidFill>
+                <a:effectLst/>
+                <a:uLnTx/>
+                <a:uFillTx/>
+                <a:latin typeface="Calibri" panose="020F0502020204030204"/>
+                <a:ea typeface="+mn-ea"/>
+                <a:cs typeface="+mn-cs"/>
+              </a:rPr>
+              <a:t>US Core Condition</a:t>
+            </a:r>
+          </a:p>
+          <a:p>
+            <a:pPr marL="0" marR="0" lvl="0" indent="0" algn="ctr" defTabSz="914400" rtl="0" eaLnBrk="1" fontAlgn="auto" latinLnBrk="0" hangingPunct="1">
+              <a:lnSpc>
+                <a:spcPct val="100000"/>
+              </a:lnSpc>
+              <a:spcBef>
+                <a:spcPts val="0"/>
+              </a:spcBef>
+              <a:spcAft>
+                <a:spcPts val="0"/>
+              </a:spcAft>
+              <a:buClrTx/>
+              <a:buSzTx/>
+              <a:buFontTx/>
+              <a:buNone/>
+              <a:tabLst/>
+              <a:defRPr/>
+            </a:pPr>
+            <a:r>
+              <a:rPr kumimoji="0" lang="en-US" sz="1000" b="0" i="0" u="none" strike="noStrike" kern="1200" cap="none" spc="0" normalizeH="0" baseline="0" noProof="0" dirty="0">
+                <a:ln>
+                  <a:noFill/>
+                </a:ln>
+                <a:solidFill>
+                  <a:prstClr val="white"/>
+                </a:solidFill>
+                <a:effectLst/>
+                <a:uLnTx/>
+                <a:uFillTx/>
+                <a:latin typeface="Calibri" panose="020F0502020204030204"/>
+                <a:ea typeface="+mn-ea"/>
+                <a:cs typeface="+mn-cs"/>
+              </a:rPr>
+              <a:t>M06252 Rheumatoid bursitis, left hip 12/042021</a:t>
+            </a:r>
+          </a:p>
+          <a:p>
+            <a:pPr marL="0" marR="0" lvl="0" indent="0" algn="ctr" defTabSz="914400" rtl="0" eaLnBrk="1" fontAlgn="auto" latinLnBrk="0" hangingPunct="1">
+              <a:lnSpc>
+                <a:spcPct val="100000"/>
+              </a:lnSpc>
+              <a:spcBef>
+                <a:spcPts val="0"/>
+              </a:spcBef>
+              <a:spcAft>
+                <a:spcPts val="0"/>
+              </a:spcAft>
+              <a:buClrTx/>
+              <a:buSzTx/>
+              <a:buFontTx/>
+              <a:buNone/>
+              <a:tabLst/>
+              <a:defRPr/>
+            </a:pPr>
+            <a:endParaRPr kumimoji="0" lang="en-US" sz="1000" b="0" i="0" u="none" strike="noStrike" kern="1200" cap="none" spc="0" normalizeH="0" baseline="0" noProof="0" dirty="0">
+              <a:ln>
+                <a:noFill/>
+              </a:ln>
+              <a:solidFill>
+                <a:prstClr val="white"/>
+              </a:solidFill>
+              <a:effectLst/>
+              <a:uLnTx/>
+              <a:uFillTx/>
+              <a:latin typeface="Calibri" panose="020F0502020204030204"/>
+              <a:ea typeface="+mn-ea"/>
+              <a:cs typeface="+mn-cs"/>
+            </a:endParaRPr>
+          </a:p>
+        </p:txBody>
+      </p:sp>
+      <p:sp>
+        <p:nvSpPr>
+          <p:cNvPr id="16" name="Flowchart: Process 15">
+            <a:extLst>
+              <a:ext uri="{FF2B5EF4-FFF2-40B4-BE49-F238E27FC236}">
+                <a16:creationId xmlns:a16="http://schemas.microsoft.com/office/drawing/2014/main" id="{820EB801-38A6-47AA-A42B-B341458DA83D}"/>
+              </a:ext>
+            </a:extLst>
+          </p:cNvPr>
+          <p:cNvSpPr/>
+          <p:nvPr/>
+        </p:nvSpPr>
+        <p:spPr>
+          <a:xfrm>
+            <a:off x="3242456" y="5282939"/>
+            <a:ext cx="1864311" cy="747552"/>
+          </a:xfrm>
+          <a:prstGeom prst="flowChartProcess">
+            <a:avLst/>
+          </a:prstGeom>
+          <a:solidFill>
+            <a:schemeClr val="accent3"/>
+          </a:solidFill>
+          <a:ln>
+            <a:solidFill>
+              <a:schemeClr val="tx1"/>
+            </a:solidFill>
+          </a:ln>
+        </p:spPr>
+        <p:style>
+          <a:lnRef idx="2">
+            <a:schemeClr val="accent1">
+              <a:shade val="50000"/>
+            </a:schemeClr>
+          </a:lnRef>
+          <a:fillRef idx="1">
+            <a:schemeClr val="accent1"/>
+          </a:fillRef>
+          <a:effectRef idx="0">
+            <a:schemeClr val="accent1"/>
+          </a:effectRef>
+          <a:fontRef idx="minor">
+            <a:schemeClr val="lt1"/>
+          </a:fontRef>
+        </p:style>
+        <p:txBody>
+          <a:bodyPr rtlCol="0" anchor="ctr"/>
+          <a:lstStyle/>
+          <a:p>
+            <a:pPr marL="0" marR="0" lvl="0" indent="0" algn="ctr" defTabSz="914400" rtl="0" eaLnBrk="1" fontAlgn="auto" latinLnBrk="0" hangingPunct="1">
+              <a:lnSpc>
+                <a:spcPct val="100000"/>
+              </a:lnSpc>
+              <a:spcBef>
+                <a:spcPts val="0"/>
+              </a:spcBef>
+              <a:spcAft>
+                <a:spcPts val="0"/>
+              </a:spcAft>
+              <a:buClrTx/>
+              <a:buSzTx/>
+              <a:buFontTx/>
+              <a:buNone/>
+              <a:tabLst/>
+              <a:defRPr/>
+            </a:pPr>
+            <a:r>
+              <a:rPr kumimoji="0" lang="en-US" sz="1600" b="0" i="0" u="none" strike="noStrike" kern="1200" cap="none" spc="0" normalizeH="0" baseline="0" noProof="0" dirty="0">
+                <a:ln>
+                  <a:noFill/>
+                </a:ln>
+                <a:solidFill>
+                  <a:prstClr val="white"/>
+                </a:solidFill>
+                <a:effectLst/>
+                <a:uLnTx/>
+                <a:uFillTx/>
+                <a:latin typeface="Calibri" panose="020F0502020204030204"/>
+                <a:ea typeface="+mn-ea"/>
+                <a:cs typeface="+mn-cs"/>
+              </a:rPr>
+              <a:t>US Core Organization</a:t>
+            </a:r>
+          </a:p>
+          <a:p>
+            <a:pPr marL="0" marR="0" lvl="0" indent="0" algn="ctr" defTabSz="914400" rtl="0" eaLnBrk="1" fontAlgn="auto" latinLnBrk="0" hangingPunct="1">
+              <a:lnSpc>
+                <a:spcPct val="100000"/>
+              </a:lnSpc>
+              <a:spcBef>
+                <a:spcPts val="0"/>
+              </a:spcBef>
+              <a:spcAft>
+                <a:spcPts val="0"/>
+              </a:spcAft>
+              <a:buClrTx/>
+              <a:buSzTx/>
+              <a:buFontTx/>
+              <a:buNone/>
+              <a:tabLst/>
+              <a:defRPr/>
+            </a:pPr>
+            <a:r>
+              <a:rPr kumimoji="0" lang="en-US" sz="1000" b="0" i="0" u="none" strike="noStrike" kern="1200" cap="none" spc="0" normalizeH="0" baseline="0" noProof="0" dirty="0">
+                <a:ln>
+                  <a:noFill/>
+                </a:ln>
+                <a:solidFill>
+                  <a:prstClr val="white"/>
+                </a:solidFill>
+                <a:effectLst/>
+                <a:uLnTx/>
+                <a:uFillTx/>
+                <a:latin typeface="Calibri" panose="020F0502020204030204"/>
+                <a:ea typeface="+mn-ea"/>
+                <a:cs typeface="+mn-cs"/>
+              </a:rPr>
+              <a:t>(example Payer)</a:t>
+            </a:r>
+          </a:p>
+        </p:txBody>
+      </p:sp>
+      <p:sp>
+        <p:nvSpPr>
+          <p:cNvPr id="19" name="Flowchart: Process 18">
+            <a:extLst>
+              <a:ext uri="{FF2B5EF4-FFF2-40B4-BE49-F238E27FC236}">
+                <a16:creationId xmlns:a16="http://schemas.microsoft.com/office/drawing/2014/main" id="{F4DCC147-F1CD-4EAF-9C73-16087FFCF623}"/>
+              </a:ext>
+            </a:extLst>
+          </p:cNvPr>
+          <p:cNvSpPr/>
+          <p:nvPr/>
+        </p:nvSpPr>
+        <p:spPr>
+          <a:xfrm>
+            <a:off x="6295779" y="1531356"/>
+            <a:ext cx="1864311" cy="747552"/>
+          </a:xfrm>
+          <a:prstGeom prst="flowChartProcess">
+            <a:avLst/>
+          </a:prstGeom>
+          <a:solidFill>
+            <a:schemeClr val="accent1"/>
+          </a:solidFill>
+          <a:ln>
+            <a:solidFill>
+              <a:schemeClr val="tx1"/>
+            </a:solidFill>
+          </a:ln>
+        </p:spPr>
+        <p:style>
+          <a:lnRef idx="2">
+            <a:schemeClr val="accent1">
+              <a:shade val="50000"/>
+            </a:schemeClr>
+          </a:lnRef>
+          <a:fillRef idx="1">
+            <a:schemeClr val="accent1"/>
+          </a:fillRef>
+          <a:effectRef idx="0">
+            <a:schemeClr val="accent1"/>
+          </a:effectRef>
+          <a:fontRef idx="minor">
+            <a:schemeClr val="lt1"/>
+          </a:fontRef>
+        </p:style>
+        <p:txBody>
+          <a:bodyPr rtlCol="0" anchor="ctr"/>
+          <a:lstStyle/>
+          <a:p>
+            <a:pPr marL="0" marR="0" lvl="0" indent="0" algn="ctr" defTabSz="914400" rtl="0" eaLnBrk="1" fontAlgn="auto" latinLnBrk="0" hangingPunct="1">
+              <a:lnSpc>
+                <a:spcPct val="100000"/>
+              </a:lnSpc>
+              <a:spcBef>
+                <a:spcPts val="0"/>
+              </a:spcBef>
+              <a:spcAft>
+                <a:spcPts val="0"/>
+              </a:spcAft>
+              <a:buClrTx/>
+              <a:buSzTx/>
+              <a:buFontTx/>
+              <a:buNone/>
+              <a:tabLst/>
+              <a:defRPr/>
+            </a:pPr>
+            <a:r>
+              <a:rPr kumimoji="0" lang="en-US" sz="1600" b="0" i="0" u="none" strike="noStrike" kern="1200" cap="none" spc="0" normalizeH="0" baseline="0" noProof="0" dirty="0">
+                <a:ln>
+                  <a:noFill/>
+                </a:ln>
+                <a:solidFill>
+                  <a:prstClr val="white"/>
+                </a:solidFill>
+                <a:effectLst/>
+                <a:uLnTx/>
+                <a:uFillTx/>
+                <a:latin typeface="Calibri" panose="020F0502020204030204"/>
+                <a:ea typeface="+mn-ea"/>
+                <a:cs typeface="+mn-cs"/>
+              </a:rPr>
+              <a:t>RA Measure Report #1</a:t>
+            </a:r>
+          </a:p>
+          <a:p>
+            <a:pPr marL="0" marR="0" lvl="0" indent="0" algn="ctr" defTabSz="914400" rtl="0" eaLnBrk="1" fontAlgn="auto" latinLnBrk="0" hangingPunct="1">
+              <a:lnSpc>
+                <a:spcPct val="100000"/>
+              </a:lnSpc>
+              <a:spcBef>
+                <a:spcPts val="0"/>
+              </a:spcBef>
+              <a:spcAft>
+                <a:spcPts val="0"/>
+              </a:spcAft>
+              <a:buClrTx/>
+              <a:buSzTx/>
+              <a:buFontTx/>
+              <a:buNone/>
+              <a:tabLst/>
+              <a:defRPr/>
+            </a:pPr>
+            <a:r>
+              <a:rPr kumimoji="0" lang="en-US" sz="1600" b="0" i="0" u="none" strike="noStrike" kern="1200" cap="none" spc="0" normalizeH="0" baseline="0" noProof="0" dirty="0">
+                <a:ln>
+                  <a:noFill/>
+                </a:ln>
+                <a:solidFill>
+                  <a:prstClr val="white"/>
+                </a:solidFill>
+                <a:effectLst/>
+                <a:uLnTx/>
+                <a:uFillTx/>
+                <a:latin typeface="Calibri" panose="020F0502020204030204"/>
+                <a:ea typeface="+mn-ea"/>
+                <a:cs typeface="+mn-cs"/>
+              </a:rPr>
+              <a:t>2 HCC, 189 &amp; 19</a:t>
+            </a:r>
+          </a:p>
+        </p:txBody>
+      </p:sp>
+      <p:cxnSp>
+        <p:nvCxnSpPr>
+          <p:cNvPr id="22" name="Straight Arrow Connector 21">
+            <a:extLst>
+              <a:ext uri="{FF2B5EF4-FFF2-40B4-BE49-F238E27FC236}">
+                <a16:creationId xmlns:a16="http://schemas.microsoft.com/office/drawing/2014/main" id="{4B41447D-68B5-4C39-B3CC-B31F7134DC48}"/>
+              </a:ext>
+            </a:extLst>
+          </p:cNvPr>
+          <p:cNvCxnSpPr>
+            <a:cxnSpLocks/>
+            <a:stCxn id="5" idx="2"/>
+            <a:endCxn id="4" idx="0"/>
+          </p:cNvCxnSpPr>
+          <p:nvPr/>
+        </p:nvCxnSpPr>
+        <p:spPr>
+          <a:xfrm>
+            <a:off x="4180708" y="2442726"/>
+            <a:ext cx="3491" cy="1078226"/>
+          </a:xfrm>
+          <a:prstGeom prst="straightConnector1">
+            <a:avLst/>
+          </a:prstGeom>
+          <a:ln>
+            <a:tailEnd type="triangle"/>
+          </a:ln>
+        </p:spPr>
+        <p:style>
+          <a:lnRef idx="1">
+            <a:schemeClr val="accent1"/>
+          </a:lnRef>
+          <a:fillRef idx="0">
+            <a:schemeClr val="accent1"/>
+          </a:fillRef>
+          <a:effectRef idx="0">
+            <a:schemeClr val="accent1"/>
+          </a:effectRef>
+          <a:fontRef idx="minor">
+            <a:schemeClr val="tx1"/>
+          </a:fontRef>
+        </p:style>
+      </p:cxnSp>
+      <p:cxnSp>
+        <p:nvCxnSpPr>
+          <p:cNvPr id="24" name="Straight Arrow Connector 23">
+            <a:extLst>
+              <a:ext uri="{FF2B5EF4-FFF2-40B4-BE49-F238E27FC236}">
+                <a16:creationId xmlns:a16="http://schemas.microsoft.com/office/drawing/2014/main" id="{8464D613-60CE-4D58-A3FC-5904161E60D2}"/>
+              </a:ext>
+            </a:extLst>
+          </p:cNvPr>
+          <p:cNvCxnSpPr>
+            <a:cxnSpLocks/>
+            <a:stCxn id="4" idx="3"/>
+            <a:endCxn id="7" idx="1"/>
+          </p:cNvCxnSpPr>
+          <p:nvPr/>
+        </p:nvCxnSpPr>
+        <p:spPr>
+          <a:xfrm>
+            <a:off x="5116354" y="3909382"/>
+            <a:ext cx="1145483" cy="1344399"/>
+          </a:xfrm>
+          <a:prstGeom prst="straightConnector1">
+            <a:avLst/>
+          </a:prstGeom>
+          <a:ln>
+            <a:tailEnd type="triangle"/>
+          </a:ln>
+        </p:spPr>
+        <p:style>
+          <a:lnRef idx="1">
+            <a:schemeClr val="accent1"/>
+          </a:lnRef>
+          <a:fillRef idx="0">
+            <a:schemeClr val="accent1"/>
+          </a:fillRef>
+          <a:effectRef idx="0">
+            <a:schemeClr val="accent1"/>
+          </a:effectRef>
+          <a:fontRef idx="minor">
+            <a:schemeClr val="tx1"/>
+          </a:fontRef>
+        </p:style>
+      </p:cxnSp>
+      <p:sp>
+        <p:nvSpPr>
+          <p:cNvPr id="28" name="Flowchart: Process 27">
+            <a:extLst>
+              <a:ext uri="{FF2B5EF4-FFF2-40B4-BE49-F238E27FC236}">
+                <a16:creationId xmlns:a16="http://schemas.microsoft.com/office/drawing/2014/main" id="{2555D1CD-2F4B-4CC0-B94D-2ED0919C3F39}"/>
+              </a:ext>
+            </a:extLst>
+          </p:cNvPr>
+          <p:cNvSpPr/>
+          <p:nvPr/>
+        </p:nvSpPr>
+        <p:spPr>
+          <a:xfrm>
+            <a:off x="6295779" y="2717726"/>
+            <a:ext cx="1864311" cy="776860"/>
+          </a:xfrm>
+          <a:prstGeom prst="flowChartProcess">
+            <a:avLst/>
+          </a:prstGeom>
+          <a:ln>
+            <a:solidFill>
+              <a:schemeClr val="tx1"/>
+            </a:solidFill>
+          </a:ln>
+        </p:spPr>
+        <p:style>
+          <a:lnRef idx="2">
+            <a:schemeClr val="accent1">
+              <a:shade val="50000"/>
+            </a:schemeClr>
+          </a:lnRef>
+          <a:fillRef idx="1">
+            <a:schemeClr val="accent1"/>
+          </a:fillRef>
+          <a:effectRef idx="0">
+            <a:schemeClr val="accent1"/>
+          </a:effectRef>
+          <a:fontRef idx="minor">
+            <a:schemeClr val="lt1"/>
+          </a:fontRef>
+        </p:style>
+        <p:txBody>
+          <a:bodyPr rtlCol="0" anchor="ctr"/>
+          <a:lstStyle/>
+          <a:p>
+            <a:pPr marL="0" marR="0" lvl="0" indent="0" algn="ctr" defTabSz="914400" rtl="0" eaLnBrk="1" fontAlgn="auto" latinLnBrk="0" hangingPunct="1">
+              <a:lnSpc>
+                <a:spcPct val="100000"/>
+              </a:lnSpc>
+              <a:spcBef>
+                <a:spcPts val="0"/>
+              </a:spcBef>
+              <a:spcAft>
+                <a:spcPts val="0"/>
+              </a:spcAft>
+              <a:buClrTx/>
+              <a:buSzTx/>
+              <a:buFontTx/>
+              <a:buNone/>
+              <a:tabLst/>
+              <a:defRPr/>
+            </a:pPr>
+            <a:r>
+              <a:rPr kumimoji="0" lang="en-US" sz="1600" b="0" i="0" u="none" strike="noStrike" kern="1200" cap="none" spc="0" normalizeH="0" baseline="0" noProof="0" dirty="0">
+                <a:ln>
+                  <a:noFill/>
+                </a:ln>
+                <a:solidFill>
+                  <a:prstClr val="white"/>
+                </a:solidFill>
+                <a:effectLst/>
+                <a:uLnTx/>
+                <a:uFillTx/>
+                <a:latin typeface="Calibri" panose="020F0502020204030204"/>
+                <a:ea typeface="+mn-ea"/>
+                <a:cs typeface="+mn-cs"/>
+              </a:rPr>
+              <a:t>US Core Condition</a:t>
+            </a:r>
+          </a:p>
+          <a:p>
+            <a:pPr marL="0" marR="0" lvl="0" indent="0" algn="ctr" defTabSz="914400" rtl="0" eaLnBrk="1" fontAlgn="auto" latinLnBrk="0" hangingPunct="1">
+              <a:lnSpc>
+                <a:spcPct val="100000"/>
+              </a:lnSpc>
+              <a:spcBef>
+                <a:spcPts val="0"/>
+              </a:spcBef>
+              <a:spcAft>
+                <a:spcPts val="0"/>
+              </a:spcAft>
+              <a:buClrTx/>
+              <a:buSzTx/>
+              <a:buFontTx/>
+              <a:buNone/>
+              <a:tabLst/>
+              <a:defRPr/>
+            </a:pPr>
+            <a:r>
+              <a:rPr kumimoji="0" lang="en-US" sz="1600" b="0" i="0" u="none" strike="noStrike" kern="1200" cap="none" spc="0" normalizeH="0" baseline="0" noProof="0" dirty="0">
+                <a:ln>
+                  <a:noFill/>
+                </a:ln>
+                <a:solidFill>
+                  <a:prstClr val="white"/>
+                </a:solidFill>
+                <a:effectLst/>
+                <a:uLnTx/>
+                <a:uFillTx/>
+                <a:latin typeface="Calibri" panose="020F0502020204030204"/>
+                <a:ea typeface="+mn-ea"/>
+                <a:cs typeface="+mn-cs"/>
+              </a:rPr>
+              <a:t>ICD</a:t>
+            </a:r>
+          </a:p>
+          <a:p>
+            <a:pPr marL="0" marR="0" lvl="0" indent="0" algn="ctr" defTabSz="914400" rtl="0" eaLnBrk="1" fontAlgn="auto" latinLnBrk="0" hangingPunct="1">
+              <a:lnSpc>
+                <a:spcPct val="100000"/>
+              </a:lnSpc>
+              <a:spcBef>
+                <a:spcPts val="0"/>
+              </a:spcBef>
+              <a:spcAft>
+                <a:spcPts val="0"/>
+              </a:spcAft>
+              <a:buClrTx/>
+              <a:buSzTx/>
+              <a:buFontTx/>
+              <a:buNone/>
+              <a:tabLst/>
+              <a:defRPr/>
+            </a:pPr>
+            <a:r>
+              <a:rPr kumimoji="0" lang="en-US" sz="1600" b="0" i="0" u="none" strike="noStrike" kern="1200" cap="none" spc="0" normalizeH="0" baseline="0" noProof="0" dirty="0">
+                <a:ln>
+                  <a:noFill/>
+                </a:ln>
+                <a:solidFill>
+                  <a:prstClr val="white"/>
+                </a:solidFill>
+                <a:effectLst/>
+                <a:uLnTx/>
+                <a:uFillTx/>
+                <a:latin typeface="Calibri" panose="020F0502020204030204"/>
+                <a:ea typeface="+mn-ea"/>
+                <a:cs typeface="+mn-cs"/>
+              </a:rPr>
+              <a:t>Z89.511/20210401</a:t>
+            </a:r>
+          </a:p>
+        </p:txBody>
+      </p:sp>
+      <p:cxnSp>
+        <p:nvCxnSpPr>
+          <p:cNvPr id="44" name="Straight Arrow Connector 43">
+            <a:extLst>
+              <a:ext uri="{FF2B5EF4-FFF2-40B4-BE49-F238E27FC236}">
+                <a16:creationId xmlns:a16="http://schemas.microsoft.com/office/drawing/2014/main" id="{5CF496CA-7DA1-4920-B8A9-499D311987BA}"/>
+              </a:ext>
+            </a:extLst>
+          </p:cNvPr>
+          <p:cNvCxnSpPr>
+            <a:cxnSpLocks/>
+            <a:stCxn id="7" idx="0"/>
+            <a:endCxn id="15" idx="2"/>
+          </p:cNvCxnSpPr>
+          <p:nvPr/>
+        </p:nvCxnSpPr>
+        <p:spPr>
+          <a:xfrm flipV="1">
+            <a:off x="7193993" y="4423087"/>
+            <a:ext cx="0" cy="442264"/>
+          </a:xfrm>
+          <a:prstGeom prst="straightConnector1">
+            <a:avLst/>
+          </a:prstGeom>
+          <a:ln>
+            <a:tailEnd type="triangle"/>
+          </a:ln>
+        </p:spPr>
+        <p:style>
+          <a:lnRef idx="1">
+            <a:schemeClr val="accent1"/>
+          </a:lnRef>
+          <a:fillRef idx="0">
+            <a:schemeClr val="accent1"/>
+          </a:fillRef>
+          <a:effectRef idx="0">
+            <a:schemeClr val="accent1"/>
+          </a:effectRef>
+          <a:fontRef idx="minor">
+            <a:schemeClr val="tx1"/>
+          </a:fontRef>
+        </p:style>
+      </p:cxnSp>
+      <p:cxnSp>
+        <p:nvCxnSpPr>
+          <p:cNvPr id="47" name="Straight Arrow Connector 46">
+            <a:extLst>
+              <a:ext uri="{FF2B5EF4-FFF2-40B4-BE49-F238E27FC236}">
+                <a16:creationId xmlns:a16="http://schemas.microsoft.com/office/drawing/2014/main" id="{0F9137BA-4C1E-470D-9CE5-C3A73B892B8B}"/>
+              </a:ext>
+            </a:extLst>
+          </p:cNvPr>
+          <p:cNvCxnSpPr>
+            <a:cxnSpLocks/>
+            <a:stCxn id="19" idx="2"/>
+            <a:endCxn id="28" idx="0"/>
+          </p:cNvCxnSpPr>
+          <p:nvPr/>
+        </p:nvCxnSpPr>
+        <p:spPr>
+          <a:xfrm>
+            <a:off x="7227935" y="2278908"/>
+            <a:ext cx="0" cy="438818"/>
+          </a:xfrm>
+          <a:prstGeom prst="straightConnector1">
+            <a:avLst/>
+          </a:prstGeom>
+          <a:ln>
+            <a:tailEnd type="triangle"/>
+          </a:ln>
+        </p:spPr>
+        <p:style>
+          <a:lnRef idx="1">
+            <a:schemeClr val="accent1"/>
+          </a:lnRef>
+          <a:fillRef idx="0">
+            <a:schemeClr val="accent1"/>
+          </a:fillRef>
+          <a:effectRef idx="0">
+            <a:schemeClr val="accent1"/>
+          </a:effectRef>
+          <a:fontRef idx="minor">
+            <a:schemeClr val="tx1"/>
+          </a:fontRef>
+        </p:style>
+      </p:cxnSp>
+      <p:cxnSp>
+        <p:nvCxnSpPr>
+          <p:cNvPr id="141" name="Straight Arrow Connector 140">
+            <a:extLst>
+              <a:ext uri="{FF2B5EF4-FFF2-40B4-BE49-F238E27FC236}">
+                <a16:creationId xmlns:a16="http://schemas.microsoft.com/office/drawing/2014/main" id="{879550D5-89BE-4FBE-82D9-CB3521CF2D58}"/>
+              </a:ext>
+            </a:extLst>
+          </p:cNvPr>
+          <p:cNvCxnSpPr>
+            <a:cxnSpLocks/>
+            <a:stCxn id="4" idx="2"/>
+            <a:endCxn id="16" idx="0"/>
+          </p:cNvCxnSpPr>
+          <p:nvPr/>
+        </p:nvCxnSpPr>
+        <p:spPr>
+          <a:xfrm flipH="1">
+            <a:off x="4174612" y="4297812"/>
+            <a:ext cx="9587" cy="985127"/>
+          </a:xfrm>
+          <a:prstGeom prst="straightConnector1">
+            <a:avLst/>
+          </a:prstGeom>
+          <a:ln>
+            <a:tailEnd type="triangle"/>
+          </a:ln>
+        </p:spPr>
+        <p:style>
+          <a:lnRef idx="1">
+            <a:schemeClr val="accent1"/>
+          </a:lnRef>
+          <a:fillRef idx="0">
+            <a:schemeClr val="accent1"/>
+          </a:fillRef>
+          <a:effectRef idx="0">
+            <a:schemeClr val="accent1"/>
+          </a:effectRef>
+          <a:fontRef idx="minor">
+            <a:schemeClr val="tx1"/>
+          </a:fontRef>
+        </p:style>
+      </p:cxnSp>
+      <p:cxnSp>
+        <p:nvCxnSpPr>
+          <p:cNvPr id="147" name="Straight Arrow Connector 146">
+            <a:extLst>
+              <a:ext uri="{FF2B5EF4-FFF2-40B4-BE49-F238E27FC236}">
+                <a16:creationId xmlns:a16="http://schemas.microsoft.com/office/drawing/2014/main" id="{CAE3AF3E-4461-4BF9-AD1A-870ECDBF5C9D}"/>
+              </a:ext>
+            </a:extLst>
+          </p:cNvPr>
+          <p:cNvCxnSpPr>
+            <a:cxnSpLocks/>
+            <a:stCxn id="5" idx="3"/>
+            <a:endCxn id="7" idx="1"/>
+          </p:cNvCxnSpPr>
+          <p:nvPr/>
+        </p:nvCxnSpPr>
+        <p:spPr>
+          <a:xfrm>
+            <a:off x="5112863" y="2044765"/>
+            <a:ext cx="1148974" cy="3209016"/>
+          </a:xfrm>
+          <a:prstGeom prst="straightConnector1">
+            <a:avLst/>
+          </a:prstGeom>
+          <a:ln>
+            <a:solidFill>
+              <a:schemeClr val="tx1"/>
+            </a:solidFill>
+            <a:tailEnd type="triangle"/>
+          </a:ln>
+        </p:spPr>
+        <p:style>
+          <a:lnRef idx="1">
+            <a:schemeClr val="accent1"/>
+          </a:lnRef>
+          <a:fillRef idx="0">
+            <a:schemeClr val="accent1"/>
+          </a:fillRef>
+          <a:effectRef idx="0">
+            <a:schemeClr val="accent1"/>
+          </a:effectRef>
+          <a:fontRef idx="minor">
+            <a:schemeClr val="tx1"/>
+          </a:fontRef>
+        </p:style>
+      </p:cxnSp>
+      <p:cxnSp>
+        <p:nvCxnSpPr>
+          <p:cNvPr id="150" name="Straight Arrow Connector 149">
+            <a:extLst>
+              <a:ext uri="{FF2B5EF4-FFF2-40B4-BE49-F238E27FC236}">
+                <a16:creationId xmlns:a16="http://schemas.microsoft.com/office/drawing/2014/main" id="{B0A502EB-4FA3-419A-B0EE-C00113470861}"/>
+              </a:ext>
+            </a:extLst>
+          </p:cNvPr>
+          <p:cNvCxnSpPr>
+            <a:cxnSpLocks/>
+            <a:stCxn id="5" idx="3"/>
+            <a:endCxn id="19" idx="1"/>
+          </p:cNvCxnSpPr>
+          <p:nvPr/>
+        </p:nvCxnSpPr>
+        <p:spPr>
+          <a:xfrm flipV="1">
+            <a:off x="5112863" y="1905132"/>
+            <a:ext cx="1182916" cy="139633"/>
+          </a:xfrm>
+          <a:prstGeom prst="straightConnector1">
+            <a:avLst/>
+          </a:prstGeom>
+          <a:ln>
+            <a:solidFill>
+              <a:schemeClr val="tx1"/>
+            </a:solidFill>
+            <a:tailEnd type="triangle"/>
+          </a:ln>
+        </p:spPr>
+        <p:style>
+          <a:lnRef idx="1">
+            <a:schemeClr val="accent1"/>
+          </a:lnRef>
+          <a:fillRef idx="0">
+            <a:schemeClr val="accent1"/>
+          </a:fillRef>
+          <a:effectRef idx="0">
+            <a:schemeClr val="accent1"/>
+          </a:effectRef>
+          <a:fontRef idx="minor">
+            <a:schemeClr val="tx1"/>
+          </a:fontRef>
+        </p:style>
+      </p:cxnSp>
+      <p:cxnSp>
+        <p:nvCxnSpPr>
+          <p:cNvPr id="154" name="Straight Arrow Connector 153">
+            <a:extLst>
+              <a:ext uri="{FF2B5EF4-FFF2-40B4-BE49-F238E27FC236}">
+                <a16:creationId xmlns:a16="http://schemas.microsoft.com/office/drawing/2014/main" id="{ACE8CF9B-7ACD-48E8-BB5C-C165C6517CEC}"/>
+              </a:ext>
+            </a:extLst>
+          </p:cNvPr>
+          <p:cNvCxnSpPr>
+            <a:cxnSpLocks/>
+            <a:stCxn id="4" idx="1"/>
+            <a:endCxn id="13" idx="3"/>
+          </p:cNvCxnSpPr>
+          <p:nvPr/>
+        </p:nvCxnSpPr>
+        <p:spPr>
+          <a:xfrm flipH="1">
+            <a:off x="2461249" y="3909382"/>
+            <a:ext cx="790794" cy="7327"/>
+          </a:xfrm>
+          <a:prstGeom prst="straightConnector1">
+            <a:avLst/>
+          </a:prstGeom>
+          <a:ln>
+            <a:tailEnd type="triangle"/>
+          </a:ln>
+        </p:spPr>
+        <p:style>
+          <a:lnRef idx="1">
+            <a:schemeClr val="accent1"/>
+          </a:lnRef>
+          <a:fillRef idx="0">
+            <a:schemeClr val="accent1"/>
+          </a:fillRef>
+          <a:effectRef idx="0">
+            <a:schemeClr val="accent1"/>
+          </a:effectRef>
+          <a:fontRef idx="minor">
+            <a:schemeClr val="tx1"/>
+          </a:fontRef>
+        </p:style>
+      </p:cxnSp>
+      <p:sp>
+        <p:nvSpPr>
+          <p:cNvPr id="161" name="TextBox 160">
+            <a:extLst>
+              <a:ext uri="{FF2B5EF4-FFF2-40B4-BE49-F238E27FC236}">
+                <a16:creationId xmlns:a16="http://schemas.microsoft.com/office/drawing/2014/main" id="{3EFFA89C-5A0F-43E9-8E5E-E7EFE761E46D}"/>
+              </a:ext>
+            </a:extLst>
+          </p:cNvPr>
+          <p:cNvSpPr txBox="1"/>
+          <p:nvPr/>
+        </p:nvSpPr>
+        <p:spPr>
+          <a:xfrm>
+            <a:off x="718799" y="5034569"/>
+            <a:ext cx="2075630" cy="646331"/>
+          </a:xfrm>
+          <a:prstGeom prst="rect">
+            <a:avLst/>
+          </a:prstGeom>
+          <a:noFill/>
+        </p:spPr>
+        <p:txBody>
+          <a:bodyPr wrap="square" rtlCol="0">
+            <a:spAutoFit/>
+          </a:bodyPr>
+          <a:lstStyle/>
+          <a:p>
+            <a:pPr marL="0" marR="0" lvl="0" indent="0" algn="l" defTabSz="914400" rtl="0" eaLnBrk="1" fontAlgn="auto" latinLnBrk="0" hangingPunct="1">
+              <a:lnSpc>
+                <a:spcPct val="100000"/>
+              </a:lnSpc>
+              <a:spcBef>
+                <a:spcPts val="0"/>
+              </a:spcBef>
+              <a:spcAft>
+                <a:spcPts val="0"/>
+              </a:spcAft>
+              <a:buClrTx/>
+              <a:buSzTx/>
+              <a:buFontTx/>
+              <a:buNone/>
+              <a:tabLst/>
+              <a:defRPr/>
+            </a:pPr>
+            <a:r>
+              <a:rPr kumimoji="0" lang="en-US" sz="900" b="1" i="0" u="none" strike="noStrike" kern="1200" cap="none" spc="0" normalizeH="0" baseline="0" noProof="0" dirty="0">
+                <a:ln>
+                  <a:noFill/>
+                </a:ln>
+                <a:solidFill>
+                  <a:prstClr val="black"/>
+                </a:solidFill>
+                <a:effectLst/>
+                <a:uLnTx/>
+                <a:uFillTx/>
+                <a:latin typeface="Calibri" panose="020F0502020204030204"/>
+                <a:ea typeface="+mn-ea"/>
+                <a:cs typeface="+mn-cs"/>
+              </a:rPr>
+              <a:t>*US Core Patient is also pointed to by all  RA Measure Reports, US Core Procedure,  US Core  Lab Observations, US Core Condition, etc</a:t>
+            </a:r>
+          </a:p>
+        </p:txBody>
+      </p:sp>
+      <p:sp>
+        <p:nvSpPr>
+          <p:cNvPr id="165" name="TextBox 164">
+            <a:extLst>
+              <a:ext uri="{FF2B5EF4-FFF2-40B4-BE49-F238E27FC236}">
+                <a16:creationId xmlns:a16="http://schemas.microsoft.com/office/drawing/2014/main" id="{8F126E68-CFBC-4650-89F4-8608C59D3052}"/>
+              </a:ext>
+            </a:extLst>
+          </p:cNvPr>
+          <p:cNvSpPr txBox="1"/>
+          <p:nvPr/>
+        </p:nvSpPr>
+        <p:spPr>
+          <a:xfrm>
+            <a:off x="2716620" y="2684407"/>
+            <a:ext cx="851536" cy="230832"/>
+          </a:xfrm>
+          <a:prstGeom prst="rect">
+            <a:avLst/>
+          </a:prstGeom>
+          <a:solidFill>
+            <a:schemeClr val="bg1"/>
+          </a:solidFill>
+        </p:spPr>
+        <p:txBody>
+          <a:bodyPr wrap="square" rtlCol="0">
+            <a:spAutoFit/>
+          </a:bodyPr>
+          <a:lstStyle/>
+          <a:p>
+            <a:pPr marL="0" marR="0" lvl="0" indent="0" algn="l" defTabSz="914400" rtl="0" eaLnBrk="1" fontAlgn="auto" latinLnBrk="0" hangingPunct="1">
+              <a:lnSpc>
+                <a:spcPct val="100000"/>
+              </a:lnSpc>
+              <a:spcBef>
+                <a:spcPts val="0"/>
+              </a:spcBef>
+              <a:spcAft>
+                <a:spcPts val="0"/>
+              </a:spcAft>
+              <a:buClrTx/>
+              <a:buSzTx/>
+              <a:buFontTx/>
+              <a:buNone/>
+              <a:tabLst/>
+              <a:defRPr/>
+            </a:pPr>
+            <a:r>
+              <a:rPr kumimoji="0" lang="en-US" sz="900" b="1" i="0" u="none" strike="noStrike" kern="1200" cap="none" spc="0" normalizeH="0" baseline="0" noProof="0" dirty="0">
+                <a:ln>
+                  <a:noFill/>
+                </a:ln>
+                <a:solidFill>
+                  <a:prstClr val="black"/>
+                </a:solidFill>
+                <a:effectLst/>
+                <a:uLnTx/>
+                <a:uFillTx/>
+                <a:latin typeface="Calibri" panose="020F0502020204030204"/>
+                <a:ea typeface="+mn-ea"/>
+                <a:cs typeface="+mn-cs"/>
+              </a:rPr>
+              <a:t>section.entry</a:t>
+            </a:r>
+          </a:p>
+        </p:txBody>
+      </p:sp>
+      <p:sp>
+        <p:nvSpPr>
+          <p:cNvPr id="174" name="TextBox 173">
+            <a:extLst>
+              <a:ext uri="{FF2B5EF4-FFF2-40B4-BE49-F238E27FC236}">
+                <a16:creationId xmlns:a16="http://schemas.microsoft.com/office/drawing/2014/main" id="{89984EC5-4D27-490C-94D4-8134C6A2E37D}"/>
+              </a:ext>
+            </a:extLst>
+          </p:cNvPr>
+          <p:cNvSpPr txBox="1"/>
+          <p:nvPr/>
+        </p:nvSpPr>
+        <p:spPr>
+          <a:xfrm>
+            <a:off x="1250351" y="2956726"/>
+            <a:ext cx="573375" cy="230832"/>
+          </a:xfrm>
+          <a:prstGeom prst="rect">
+            <a:avLst/>
+          </a:prstGeom>
+          <a:solidFill>
+            <a:schemeClr val="bg1"/>
+          </a:solidFill>
+        </p:spPr>
+        <p:txBody>
+          <a:bodyPr wrap="square" rtlCol="0">
+            <a:spAutoFit/>
+          </a:bodyPr>
+          <a:lstStyle/>
+          <a:p>
+            <a:pPr marL="0" marR="0" lvl="0" indent="0" algn="l" defTabSz="914400" rtl="0" eaLnBrk="1" fontAlgn="auto" latinLnBrk="0" hangingPunct="1">
+              <a:lnSpc>
+                <a:spcPct val="100000"/>
+              </a:lnSpc>
+              <a:spcBef>
+                <a:spcPts val="0"/>
+              </a:spcBef>
+              <a:spcAft>
+                <a:spcPts val="0"/>
+              </a:spcAft>
+              <a:buClrTx/>
+              <a:buSzTx/>
+              <a:buFontTx/>
+              <a:buNone/>
+              <a:tabLst/>
+              <a:defRPr/>
+            </a:pPr>
+            <a:r>
+              <a:rPr kumimoji="0" lang="en-US" sz="900" b="1" i="0" u="none" strike="noStrike" kern="1200" cap="none" spc="0" normalizeH="0" baseline="0" noProof="0" dirty="0">
+                <a:ln>
+                  <a:noFill/>
+                </a:ln>
+                <a:solidFill>
+                  <a:prstClr val="black"/>
+                </a:solidFill>
+                <a:effectLst/>
+                <a:uLnTx/>
+                <a:uFillTx/>
+                <a:latin typeface="Calibri" panose="020F0502020204030204"/>
+                <a:ea typeface="+mn-ea"/>
+                <a:cs typeface="+mn-cs"/>
+              </a:rPr>
+              <a:t>patient</a:t>
+            </a:r>
+          </a:p>
+        </p:txBody>
+      </p:sp>
+      <p:sp>
+        <p:nvSpPr>
+          <p:cNvPr id="175" name="TextBox 174">
+            <a:extLst>
+              <a:ext uri="{FF2B5EF4-FFF2-40B4-BE49-F238E27FC236}">
+                <a16:creationId xmlns:a16="http://schemas.microsoft.com/office/drawing/2014/main" id="{D0295861-70D2-48F2-A70D-BD6830F6561F}"/>
+              </a:ext>
+            </a:extLst>
+          </p:cNvPr>
+          <p:cNvSpPr txBox="1"/>
+          <p:nvPr/>
+        </p:nvSpPr>
+        <p:spPr>
+          <a:xfrm>
+            <a:off x="2602823" y="3782240"/>
+            <a:ext cx="573375" cy="230832"/>
+          </a:xfrm>
+          <a:prstGeom prst="rect">
+            <a:avLst/>
+          </a:prstGeom>
+          <a:solidFill>
+            <a:schemeClr val="bg1"/>
+          </a:solidFill>
+        </p:spPr>
+        <p:txBody>
+          <a:bodyPr wrap="square" rtlCol="0">
+            <a:spAutoFit/>
+          </a:bodyPr>
+          <a:lstStyle/>
+          <a:p>
+            <a:pPr marL="0" marR="0" lvl="0" indent="0" algn="l" defTabSz="914400" rtl="0" eaLnBrk="1" fontAlgn="auto" latinLnBrk="0" hangingPunct="1">
+              <a:lnSpc>
+                <a:spcPct val="100000"/>
+              </a:lnSpc>
+              <a:spcBef>
+                <a:spcPts val="0"/>
+              </a:spcBef>
+              <a:spcAft>
+                <a:spcPts val="0"/>
+              </a:spcAft>
+              <a:buClrTx/>
+              <a:buSzTx/>
+              <a:buFontTx/>
+              <a:buNone/>
+              <a:tabLst/>
+              <a:defRPr/>
+            </a:pPr>
+            <a:r>
+              <a:rPr kumimoji="0" lang="en-US" sz="900" b="1" i="0" u="none" strike="noStrike" kern="1200" cap="none" spc="0" normalizeH="0" baseline="0" noProof="0" dirty="0">
+                <a:ln>
+                  <a:noFill/>
+                </a:ln>
+                <a:solidFill>
+                  <a:prstClr val="black"/>
+                </a:solidFill>
+                <a:effectLst/>
+                <a:uLnTx/>
+                <a:uFillTx/>
+                <a:latin typeface="Calibri" panose="020F0502020204030204"/>
+                <a:ea typeface="+mn-ea"/>
+                <a:cs typeface="+mn-cs"/>
+              </a:rPr>
+              <a:t>subject</a:t>
+            </a:r>
+          </a:p>
+        </p:txBody>
+      </p:sp>
+      <p:sp>
+        <p:nvSpPr>
+          <p:cNvPr id="176" name="TextBox 175">
+            <a:extLst>
+              <a:ext uri="{FF2B5EF4-FFF2-40B4-BE49-F238E27FC236}">
+                <a16:creationId xmlns:a16="http://schemas.microsoft.com/office/drawing/2014/main" id="{F4254C16-5AD4-454F-B8DE-A78DB7317DD0}"/>
+              </a:ext>
+            </a:extLst>
+          </p:cNvPr>
+          <p:cNvSpPr txBox="1"/>
+          <p:nvPr/>
+        </p:nvSpPr>
+        <p:spPr>
+          <a:xfrm>
+            <a:off x="3850155" y="4568002"/>
+            <a:ext cx="798376" cy="230832"/>
+          </a:xfrm>
+          <a:prstGeom prst="rect">
+            <a:avLst/>
+          </a:prstGeom>
+          <a:solidFill>
+            <a:schemeClr val="bg1"/>
+          </a:solidFill>
+        </p:spPr>
+        <p:txBody>
+          <a:bodyPr wrap="square" rtlCol="0">
+            <a:spAutoFit/>
+          </a:bodyPr>
+          <a:lstStyle/>
+          <a:p>
+            <a:pPr marL="0" marR="0" lvl="0" indent="0" algn="l" defTabSz="914400" rtl="0" eaLnBrk="1" fontAlgn="auto" latinLnBrk="0" hangingPunct="1">
+              <a:lnSpc>
+                <a:spcPct val="100000"/>
+              </a:lnSpc>
+              <a:spcBef>
+                <a:spcPts val="0"/>
+              </a:spcBef>
+              <a:spcAft>
+                <a:spcPts val="0"/>
+              </a:spcAft>
+              <a:buClrTx/>
+              <a:buSzTx/>
+              <a:buFontTx/>
+              <a:buNone/>
+              <a:tabLst/>
+              <a:defRPr/>
+            </a:pPr>
+            <a:r>
+              <a:rPr kumimoji="0" lang="en-US" sz="900" b="1" i="0" u="none" strike="noStrike" kern="1200" cap="none" spc="0" normalizeH="0" baseline="0" noProof="0" dirty="0">
+                <a:ln>
+                  <a:noFill/>
+                </a:ln>
+                <a:solidFill>
+                  <a:prstClr val="black"/>
+                </a:solidFill>
+                <a:effectLst/>
+                <a:uLnTx/>
+                <a:uFillTx/>
+                <a:latin typeface="Calibri" panose="020F0502020204030204"/>
+                <a:ea typeface="+mn-ea"/>
+                <a:cs typeface="+mn-cs"/>
+              </a:rPr>
+              <a:t>custodian</a:t>
+            </a:r>
+          </a:p>
+        </p:txBody>
+      </p:sp>
+      <p:sp>
+        <p:nvSpPr>
+          <p:cNvPr id="178" name="TextBox 177">
+            <a:extLst>
+              <a:ext uri="{FF2B5EF4-FFF2-40B4-BE49-F238E27FC236}">
+                <a16:creationId xmlns:a16="http://schemas.microsoft.com/office/drawing/2014/main" id="{6DC5E373-7EFD-4CA0-9108-834DD55A204E}"/>
+              </a:ext>
+            </a:extLst>
+          </p:cNvPr>
+          <p:cNvSpPr txBox="1"/>
+          <p:nvPr/>
+        </p:nvSpPr>
+        <p:spPr>
+          <a:xfrm>
+            <a:off x="3912843" y="2797557"/>
+            <a:ext cx="573375" cy="230832"/>
+          </a:xfrm>
+          <a:prstGeom prst="rect">
+            <a:avLst/>
+          </a:prstGeom>
+          <a:solidFill>
+            <a:schemeClr val="bg1"/>
+          </a:solidFill>
+        </p:spPr>
+        <p:txBody>
+          <a:bodyPr wrap="square" rtlCol="0">
+            <a:spAutoFit/>
+          </a:bodyPr>
+          <a:lstStyle/>
+          <a:p>
+            <a:pPr marL="0" marR="0" lvl="0" indent="0" algn="l" defTabSz="914400" rtl="0" eaLnBrk="1" fontAlgn="auto" latinLnBrk="0" hangingPunct="1">
+              <a:lnSpc>
+                <a:spcPct val="100000"/>
+              </a:lnSpc>
+              <a:spcBef>
+                <a:spcPts val="0"/>
+              </a:spcBef>
+              <a:spcAft>
+                <a:spcPts val="0"/>
+              </a:spcAft>
+              <a:buClrTx/>
+              <a:buSzTx/>
+              <a:buFontTx/>
+              <a:buNone/>
+              <a:tabLst/>
+              <a:defRPr/>
+            </a:pPr>
+            <a:r>
+              <a:rPr kumimoji="0" lang="en-US" sz="900" b="1" i="0" u="none" strike="noStrike" kern="1200" cap="none" spc="0" normalizeH="0" baseline="0" noProof="0" dirty="0">
+                <a:ln>
+                  <a:noFill/>
+                </a:ln>
+                <a:solidFill>
+                  <a:prstClr val="black"/>
+                </a:solidFill>
+                <a:effectLst/>
+                <a:uLnTx/>
+                <a:uFillTx/>
+                <a:latin typeface="Calibri" panose="020F0502020204030204"/>
+                <a:ea typeface="+mn-ea"/>
+                <a:cs typeface="+mn-cs"/>
+              </a:rPr>
+              <a:t>entry</a:t>
+            </a:r>
+          </a:p>
+        </p:txBody>
+      </p:sp>
+      <p:sp>
+        <p:nvSpPr>
+          <p:cNvPr id="51" name="Flowchart: Process 50">
+            <a:extLst>
+              <a:ext uri="{FF2B5EF4-FFF2-40B4-BE49-F238E27FC236}">
+                <a16:creationId xmlns:a16="http://schemas.microsoft.com/office/drawing/2014/main" id="{26D4DD73-45E1-43F9-ADDC-8A6DA302101C}"/>
+              </a:ext>
+            </a:extLst>
+          </p:cNvPr>
+          <p:cNvSpPr/>
+          <p:nvPr/>
+        </p:nvSpPr>
+        <p:spPr>
+          <a:xfrm>
+            <a:off x="6256762" y="342663"/>
+            <a:ext cx="1934738" cy="747552"/>
+          </a:xfrm>
+          <a:prstGeom prst="flowChartProcess">
+            <a:avLst/>
+          </a:prstGeom>
+          <a:ln>
+            <a:solidFill>
+              <a:schemeClr val="tx1"/>
+            </a:solidFill>
+          </a:ln>
+        </p:spPr>
+        <p:style>
+          <a:lnRef idx="2">
+            <a:schemeClr val="accent1">
+              <a:shade val="50000"/>
+            </a:schemeClr>
+          </a:lnRef>
+          <a:fillRef idx="1">
+            <a:schemeClr val="accent1"/>
+          </a:fillRef>
+          <a:effectRef idx="0">
+            <a:schemeClr val="accent1"/>
+          </a:effectRef>
+          <a:fontRef idx="minor">
+            <a:schemeClr val="lt1"/>
+          </a:fontRef>
+        </p:style>
+        <p:txBody>
+          <a:bodyPr rtlCol="0" anchor="ctr"/>
+          <a:lstStyle/>
+          <a:p>
+            <a:pPr marL="0" marR="0" lvl="0" indent="0" algn="ctr" defTabSz="914400" rtl="0" eaLnBrk="1" fontAlgn="auto" latinLnBrk="0" hangingPunct="1">
+              <a:lnSpc>
+                <a:spcPct val="100000"/>
+              </a:lnSpc>
+              <a:spcBef>
+                <a:spcPts val="0"/>
+              </a:spcBef>
+              <a:spcAft>
+                <a:spcPts val="0"/>
+              </a:spcAft>
+              <a:buClrTx/>
+              <a:buSzTx/>
+              <a:buFontTx/>
+              <a:buNone/>
+              <a:tabLst/>
+              <a:defRPr/>
+            </a:pPr>
+            <a:r>
+              <a:rPr kumimoji="0" lang="en-US" sz="1600" b="0" i="0" u="none" strike="noStrike" kern="1200" cap="none" spc="0" normalizeH="0" baseline="0" noProof="0" dirty="0">
+                <a:ln>
+                  <a:noFill/>
+                </a:ln>
+                <a:solidFill>
+                  <a:prstClr val="white"/>
+                </a:solidFill>
+                <a:effectLst/>
+                <a:uLnTx/>
+                <a:uFillTx/>
+                <a:latin typeface="Calibri" panose="020F0502020204030204"/>
+                <a:ea typeface="+mn-ea"/>
+                <a:cs typeface="+mn-cs"/>
+              </a:rPr>
+              <a:t>RA Measure</a:t>
+            </a:r>
+          </a:p>
+          <a:p>
+            <a:pPr marL="0" marR="0" lvl="0" indent="0" algn="ctr" defTabSz="914400" rtl="0" eaLnBrk="1" fontAlgn="auto" latinLnBrk="0" hangingPunct="1">
+              <a:lnSpc>
+                <a:spcPct val="100000"/>
+              </a:lnSpc>
+              <a:spcBef>
+                <a:spcPts val="0"/>
+              </a:spcBef>
+              <a:spcAft>
+                <a:spcPts val="0"/>
+              </a:spcAft>
+              <a:buClrTx/>
+              <a:buSzTx/>
+              <a:buFontTx/>
+              <a:buNone/>
+              <a:tabLst/>
+              <a:defRPr/>
+            </a:pPr>
+            <a:r>
+              <a:rPr kumimoji="0" lang="en-US" sz="1600" b="0" i="0" u="none" strike="noStrike" kern="1200" cap="none" spc="0" normalizeH="0" baseline="0" noProof="0" dirty="0">
+                <a:ln>
+                  <a:noFill/>
+                </a:ln>
+                <a:solidFill>
+                  <a:prstClr val="white"/>
+                </a:solidFill>
+                <a:effectLst/>
+                <a:uLnTx/>
+                <a:uFillTx/>
+                <a:latin typeface="Calibri" panose="020F0502020204030204"/>
+                <a:ea typeface="+mn-ea"/>
+                <a:cs typeface="+mn-cs"/>
+              </a:rPr>
+              <a:t>CMS HCC v24</a:t>
+            </a:r>
+          </a:p>
+        </p:txBody>
+      </p:sp>
+      <p:cxnSp>
+        <p:nvCxnSpPr>
+          <p:cNvPr id="29" name="Straight Arrow Connector 28">
+            <a:extLst>
+              <a:ext uri="{FF2B5EF4-FFF2-40B4-BE49-F238E27FC236}">
+                <a16:creationId xmlns:a16="http://schemas.microsoft.com/office/drawing/2014/main" id="{1D879AAF-6430-4FAA-9C17-0821D2F4F1D5}"/>
+              </a:ext>
+            </a:extLst>
+          </p:cNvPr>
+          <p:cNvCxnSpPr>
+            <a:cxnSpLocks/>
+            <a:stCxn id="19" idx="0"/>
+            <a:endCxn id="51" idx="2"/>
+          </p:cNvCxnSpPr>
+          <p:nvPr/>
+        </p:nvCxnSpPr>
+        <p:spPr>
+          <a:xfrm flipH="1" flipV="1">
+            <a:off x="7224131" y="1090215"/>
+            <a:ext cx="3804" cy="441141"/>
+          </a:xfrm>
+          <a:prstGeom prst="straightConnector1">
+            <a:avLst/>
+          </a:prstGeom>
+          <a:ln>
+            <a:tailEnd type="triangle"/>
+          </a:ln>
+        </p:spPr>
+        <p:style>
+          <a:lnRef idx="1">
+            <a:schemeClr val="accent1"/>
+          </a:lnRef>
+          <a:fillRef idx="0">
+            <a:schemeClr val="accent1"/>
+          </a:fillRef>
+          <a:effectRef idx="0">
+            <a:schemeClr val="accent1"/>
+          </a:effectRef>
+          <a:fontRef idx="minor">
+            <a:schemeClr val="tx1"/>
+          </a:fontRef>
+        </p:style>
+      </p:cxnSp>
+      <p:sp>
+        <p:nvSpPr>
+          <p:cNvPr id="52" name="TextBox 51">
+            <a:extLst>
+              <a:ext uri="{FF2B5EF4-FFF2-40B4-BE49-F238E27FC236}">
+                <a16:creationId xmlns:a16="http://schemas.microsoft.com/office/drawing/2014/main" id="{8C27D146-23E1-4682-8A4A-54C5926B687F}"/>
+              </a:ext>
+            </a:extLst>
+          </p:cNvPr>
+          <p:cNvSpPr txBox="1"/>
+          <p:nvPr/>
+        </p:nvSpPr>
+        <p:spPr>
+          <a:xfrm>
+            <a:off x="6958015" y="1210109"/>
+            <a:ext cx="1092114" cy="230832"/>
+          </a:xfrm>
+          <a:prstGeom prst="rect">
+            <a:avLst/>
+          </a:prstGeom>
+          <a:solidFill>
+            <a:schemeClr val="bg1"/>
+          </a:solidFill>
+        </p:spPr>
+        <p:txBody>
+          <a:bodyPr wrap="square" rtlCol="0">
+            <a:spAutoFit/>
+          </a:bodyPr>
+          <a:lstStyle/>
+          <a:p>
+            <a:pPr marL="0" marR="0" lvl="0" indent="0" algn="l" defTabSz="914400" rtl="0" eaLnBrk="1" fontAlgn="auto" latinLnBrk="0" hangingPunct="1">
+              <a:lnSpc>
+                <a:spcPct val="100000"/>
+              </a:lnSpc>
+              <a:spcBef>
+                <a:spcPts val="0"/>
+              </a:spcBef>
+              <a:spcAft>
+                <a:spcPts val="0"/>
+              </a:spcAft>
+              <a:buClrTx/>
+              <a:buSzTx/>
+              <a:buFontTx/>
+              <a:buNone/>
+              <a:tabLst/>
+              <a:defRPr/>
+            </a:pPr>
+            <a:r>
+              <a:rPr kumimoji="0" lang="en-US" sz="900" b="1" i="0" u="none" strike="noStrike" kern="1200" cap="none" spc="0" normalizeH="0" baseline="0" noProof="0" dirty="0">
+                <a:ln>
+                  <a:noFill/>
+                </a:ln>
+                <a:solidFill>
+                  <a:prstClr val="black"/>
+                </a:solidFill>
+                <a:effectLst/>
+                <a:uLnTx/>
+                <a:uFillTx/>
+                <a:latin typeface="Calibri" panose="020F0502020204030204"/>
+                <a:ea typeface="+mn-ea"/>
+                <a:cs typeface="+mn-cs"/>
+              </a:rPr>
+              <a:t>measure</a:t>
+            </a:r>
+          </a:p>
+        </p:txBody>
+      </p:sp>
+      <p:sp>
+        <p:nvSpPr>
+          <p:cNvPr id="55" name="TextBox 54">
+            <a:extLst>
+              <a:ext uri="{FF2B5EF4-FFF2-40B4-BE49-F238E27FC236}">
+                <a16:creationId xmlns:a16="http://schemas.microsoft.com/office/drawing/2014/main" id="{E3F7F9A1-8F24-4136-BF9D-69A2F98F5CB6}"/>
+              </a:ext>
+            </a:extLst>
+          </p:cNvPr>
+          <p:cNvSpPr txBox="1"/>
+          <p:nvPr/>
+        </p:nvSpPr>
+        <p:spPr>
+          <a:xfrm>
+            <a:off x="8520003" y="1913261"/>
+            <a:ext cx="1092114" cy="230832"/>
+          </a:xfrm>
+          <a:prstGeom prst="rect">
+            <a:avLst/>
+          </a:prstGeom>
+          <a:solidFill>
+            <a:schemeClr val="bg1"/>
+          </a:solidFill>
+        </p:spPr>
+        <p:txBody>
+          <a:bodyPr wrap="square" rtlCol="0">
+            <a:spAutoFit/>
+          </a:bodyPr>
+          <a:lstStyle/>
+          <a:p>
+            <a:pPr marL="0" marR="0" lvl="0" indent="0" algn="l" defTabSz="914400" rtl="0" eaLnBrk="1" fontAlgn="auto" latinLnBrk="0" hangingPunct="1">
+              <a:lnSpc>
+                <a:spcPct val="100000"/>
+              </a:lnSpc>
+              <a:spcBef>
+                <a:spcPts val="0"/>
+              </a:spcBef>
+              <a:spcAft>
+                <a:spcPts val="0"/>
+              </a:spcAft>
+              <a:buClrTx/>
+              <a:buSzTx/>
+              <a:buFontTx/>
+              <a:buNone/>
+              <a:tabLst/>
+              <a:defRPr/>
+            </a:pPr>
+            <a:r>
+              <a:rPr kumimoji="0" lang="en-US" sz="900" b="1" i="0" u="none" strike="noStrike" kern="1200" cap="none" spc="0" normalizeH="0" baseline="0" noProof="0" dirty="0">
+                <a:ln>
+                  <a:noFill/>
+                </a:ln>
+                <a:solidFill>
+                  <a:prstClr val="black"/>
+                </a:solidFill>
+                <a:effectLst/>
+                <a:uLnTx/>
+                <a:uFillTx/>
+                <a:latin typeface="Calibri" panose="020F0502020204030204"/>
+                <a:ea typeface="+mn-ea"/>
+                <a:cs typeface="+mn-cs"/>
+              </a:rPr>
+              <a:t>evaluateResources</a:t>
+            </a:r>
+          </a:p>
+        </p:txBody>
+      </p:sp>
+      <p:sp>
+        <p:nvSpPr>
+          <p:cNvPr id="53" name="Flowchart: Process 52">
+            <a:extLst>
+              <a:ext uri="{FF2B5EF4-FFF2-40B4-BE49-F238E27FC236}">
+                <a16:creationId xmlns:a16="http://schemas.microsoft.com/office/drawing/2014/main" id="{4134BEED-462A-4D21-92CE-2B5D05EAFFE6}"/>
+              </a:ext>
+            </a:extLst>
+          </p:cNvPr>
+          <p:cNvSpPr/>
+          <p:nvPr/>
+        </p:nvSpPr>
+        <p:spPr>
+          <a:xfrm>
+            <a:off x="6261101" y="6110448"/>
+            <a:ext cx="1879599" cy="747552"/>
+          </a:xfrm>
+          <a:prstGeom prst="flowChartProcess">
+            <a:avLst/>
+          </a:prstGeom>
+          <a:solidFill>
+            <a:schemeClr val="accent1">
+              <a:lumMod val="60000"/>
+              <a:lumOff val="40000"/>
+            </a:schemeClr>
+          </a:solidFill>
+          <a:ln>
+            <a:solidFill>
+              <a:schemeClr val="tx1"/>
+            </a:solidFill>
+          </a:ln>
+        </p:spPr>
+        <p:style>
+          <a:lnRef idx="2">
+            <a:schemeClr val="accent1">
+              <a:shade val="50000"/>
+            </a:schemeClr>
+          </a:lnRef>
+          <a:fillRef idx="1">
+            <a:schemeClr val="accent1"/>
+          </a:fillRef>
+          <a:effectRef idx="0">
+            <a:schemeClr val="accent1"/>
+          </a:effectRef>
+          <a:fontRef idx="minor">
+            <a:schemeClr val="lt1"/>
+          </a:fontRef>
+        </p:style>
+        <p:txBody>
+          <a:bodyPr rtlCol="0" anchor="ctr"/>
+          <a:lstStyle/>
+          <a:p>
+            <a:pPr marL="0" marR="0" lvl="0" indent="0" algn="ctr" defTabSz="914400" rtl="0" eaLnBrk="1" fontAlgn="auto" latinLnBrk="0" hangingPunct="1">
+              <a:lnSpc>
+                <a:spcPct val="100000"/>
+              </a:lnSpc>
+              <a:spcBef>
+                <a:spcPts val="0"/>
+              </a:spcBef>
+              <a:spcAft>
+                <a:spcPts val="0"/>
+              </a:spcAft>
+              <a:buClrTx/>
+              <a:buSzTx/>
+              <a:buFontTx/>
+              <a:buNone/>
+              <a:tabLst/>
+              <a:defRPr/>
+            </a:pPr>
+            <a:r>
+              <a:rPr kumimoji="0" lang="en-US" sz="1600" b="0" i="0" u="none" strike="noStrike" kern="1200" cap="none" spc="0" normalizeH="0" baseline="0" noProof="0" dirty="0">
+                <a:ln>
+                  <a:noFill/>
+                </a:ln>
+                <a:solidFill>
+                  <a:prstClr val="white"/>
+                </a:solidFill>
+                <a:effectLst/>
+                <a:uLnTx/>
+                <a:uFillTx/>
+                <a:latin typeface="Calibri" panose="020F0502020204030204"/>
+                <a:ea typeface="+mn-ea"/>
+                <a:cs typeface="+mn-cs"/>
+              </a:rPr>
+              <a:t>RA Measure</a:t>
+            </a:r>
+          </a:p>
+          <a:p>
+            <a:pPr marL="0" marR="0" lvl="0" indent="0" algn="ctr" defTabSz="914400" rtl="0" eaLnBrk="1" fontAlgn="auto" latinLnBrk="0" hangingPunct="1">
+              <a:lnSpc>
+                <a:spcPct val="100000"/>
+              </a:lnSpc>
+              <a:spcBef>
+                <a:spcPts val="0"/>
+              </a:spcBef>
+              <a:spcAft>
+                <a:spcPts val="0"/>
+              </a:spcAft>
+              <a:buClrTx/>
+              <a:buSzTx/>
+              <a:buFontTx/>
+              <a:buNone/>
+              <a:tabLst/>
+              <a:defRPr/>
+            </a:pPr>
+            <a:r>
+              <a:rPr kumimoji="0" lang="en-US" sz="1600" b="0" i="0" u="none" strike="noStrike" kern="1200" cap="none" spc="0" normalizeH="0" baseline="0" noProof="0" dirty="0">
+                <a:ln>
+                  <a:noFill/>
+                </a:ln>
+                <a:solidFill>
+                  <a:prstClr val="white"/>
+                </a:solidFill>
+                <a:effectLst/>
+                <a:uLnTx/>
+                <a:uFillTx/>
+                <a:latin typeface="Calibri" panose="020F0502020204030204"/>
+                <a:ea typeface="+mn-ea"/>
+                <a:cs typeface="+mn-cs"/>
+              </a:rPr>
+              <a:t>Rx HCC v05</a:t>
+            </a:r>
+          </a:p>
+        </p:txBody>
+      </p:sp>
+      <p:sp>
+        <p:nvSpPr>
+          <p:cNvPr id="54" name="Flowchart: Process 53">
+            <a:extLst>
+              <a:ext uri="{FF2B5EF4-FFF2-40B4-BE49-F238E27FC236}">
+                <a16:creationId xmlns:a16="http://schemas.microsoft.com/office/drawing/2014/main" id="{53785A16-DD10-419D-9D42-DB4D56208B37}"/>
+              </a:ext>
+            </a:extLst>
+          </p:cNvPr>
+          <p:cNvSpPr/>
+          <p:nvPr/>
+        </p:nvSpPr>
+        <p:spPr>
+          <a:xfrm>
+            <a:off x="9943200" y="1104142"/>
+            <a:ext cx="1864310" cy="940558"/>
+          </a:xfrm>
+          <a:prstGeom prst="flowChartProcess">
+            <a:avLst/>
+          </a:prstGeom>
+          <a:ln>
+            <a:solidFill>
+              <a:schemeClr val="tx1"/>
+            </a:solidFill>
+          </a:ln>
+        </p:spPr>
+        <p:style>
+          <a:lnRef idx="2">
+            <a:schemeClr val="accent1">
+              <a:shade val="50000"/>
+            </a:schemeClr>
+          </a:lnRef>
+          <a:fillRef idx="1">
+            <a:schemeClr val="accent1"/>
+          </a:fillRef>
+          <a:effectRef idx="0">
+            <a:schemeClr val="accent1"/>
+          </a:effectRef>
+          <a:fontRef idx="minor">
+            <a:schemeClr val="lt1"/>
+          </a:fontRef>
+        </p:style>
+        <p:txBody>
+          <a:bodyPr rtlCol="0" anchor="ctr"/>
+          <a:lstStyle/>
+          <a:p>
+            <a:pPr marL="0" marR="0" lvl="0" indent="0" algn="ctr" defTabSz="914400" rtl="0" eaLnBrk="1" fontAlgn="auto" latinLnBrk="0" hangingPunct="1">
+              <a:lnSpc>
+                <a:spcPct val="100000"/>
+              </a:lnSpc>
+              <a:spcBef>
+                <a:spcPts val="0"/>
+              </a:spcBef>
+              <a:spcAft>
+                <a:spcPts val="0"/>
+              </a:spcAft>
+              <a:buClrTx/>
+              <a:buSzTx/>
+              <a:buFontTx/>
+              <a:buNone/>
+              <a:tabLst/>
+              <a:defRPr/>
+            </a:pPr>
+            <a:r>
+              <a:rPr kumimoji="0" lang="en-US" sz="1600" b="0" i="0" u="none" strike="noStrike" kern="1200" cap="none" spc="0" normalizeH="0" baseline="0" noProof="0" dirty="0">
+                <a:ln>
+                  <a:noFill/>
+                </a:ln>
+                <a:solidFill>
+                  <a:prstClr val="white"/>
+                </a:solidFill>
+                <a:effectLst/>
+                <a:uLnTx/>
+                <a:uFillTx/>
+                <a:latin typeface="Calibri" panose="020F0502020204030204"/>
+                <a:ea typeface="+mn-ea"/>
+                <a:cs typeface="+mn-cs"/>
+              </a:rPr>
+              <a:t>US Core Encounter</a:t>
+            </a:r>
+          </a:p>
+          <a:p>
+            <a:pPr marL="0" marR="0" lvl="0" indent="0" algn="ctr" defTabSz="914400" rtl="0" eaLnBrk="1" fontAlgn="auto" latinLnBrk="0" hangingPunct="1">
+              <a:lnSpc>
+                <a:spcPct val="100000"/>
+              </a:lnSpc>
+              <a:spcBef>
+                <a:spcPts val="0"/>
+              </a:spcBef>
+              <a:spcAft>
+                <a:spcPts val="0"/>
+              </a:spcAft>
+              <a:buClrTx/>
+              <a:buSzTx/>
+              <a:buFontTx/>
+              <a:buNone/>
+              <a:tabLst/>
+              <a:defRPr/>
+            </a:pPr>
+            <a:r>
+              <a:rPr kumimoji="0" lang="en-US" sz="1600" b="0" i="0" u="none" strike="noStrike" kern="1200" cap="none" spc="0" normalizeH="0" baseline="0" noProof="0" dirty="0">
+                <a:ln>
+                  <a:noFill/>
+                </a:ln>
+                <a:solidFill>
+                  <a:prstClr val="white"/>
+                </a:solidFill>
+                <a:effectLst/>
+                <a:uLnTx/>
+                <a:uFillTx/>
+                <a:latin typeface="Calibri" panose="020F0502020204030204"/>
+                <a:ea typeface="+mn-ea"/>
+                <a:cs typeface="+mn-cs"/>
+              </a:rPr>
+              <a:t>20210401</a:t>
+            </a:r>
+            <a:endParaRPr kumimoji="0" lang="en-US" sz="1000" b="0" i="0" u="none" strike="noStrike" kern="1200" cap="none" spc="0" normalizeH="0" baseline="0" noProof="0" dirty="0">
+              <a:ln>
+                <a:noFill/>
+              </a:ln>
+              <a:solidFill>
+                <a:prstClr val="white"/>
+              </a:solidFill>
+              <a:effectLst/>
+              <a:uLnTx/>
+              <a:uFillTx/>
+              <a:latin typeface="Calibri" panose="020F0502020204030204"/>
+              <a:ea typeface="+mn-ea"/>
+              <a:cs typeface="+mn-cs"/>
+            </a:endParaRPr>
+          </a:p>
+        </p:txBody>
+      </p:sp>
+      <p:sp>
+        <p:nvSpPr>
+          <p:cNvPr id="56" name="Flowchart: Process 55">
+            <a:extLst>
+              <a:ext uri="{FF2B5EF4-FFF2-40B4-BE49-F238E27FC236}">
+                <a16:creationId xmlns:a16="http://schemas.microsoft.com/office/drawing/2014/main" id="{C9F96D85-F524-4D73-94B2-0434F1DF9812}"/>
+              </a:ext>
+            </a:extLst>
+          </p:cNvPr>
+          <p:cNvSpPr/>
+          <p:nvPr/>
+        </p:nvSpPr>
+        <p:spPr>
+          <a:xfrm>
+            <a:off x="9930500" y="2338910"/>
+            <a:ext cx="1864310" cy="917206"/>
+          </a:xfrm>
+          <a:prstGeom prst="flowChartProcess">
+            <a:avLst/>
+          </a:prstGeom>
+          <a:ln>
+            <a:solidFill>
+              <a:schemeClr val="tx1"/>
+            </a:solidFill>
+          </a:ln>
+        </p:spPr>
+        <p:style>
+          <a:lnRef idx="2">
+            <a:schemeClr val="accent1">
+              <a:shade val="50000"/>
+            </a:schemeClr>
+          </a:lnRef>
+          <a:fillRef idx="1">
+            <a:schemeClr val="accent1"/>
+          </a:fillRef>
+          <a:effectRef idx="0">
+            <a:schemeClr val="accent1"/>
+          </a:effectRef>
+          <a:fontRef idx="minor">
+            <a:schemeClr val="lt1"/>
+          </a:fontRef>
+        </p:style>
+        <p:txBody>
+          <a:bodyPr rtlCol="0" anchor="ctr"/>
+          <a:lstStyle/>
+          <a:p>
+            <a:pPr marL="0" marR="0" lvl="0" indent="0" algn="ctr" defTabSz="914400" rtl="0" eaLnBrk="1" fontAlgn="auto" latinLnBrk="0" hangingPunct="1">
+              <a:lnSpc>
+                <a:spcPct val="100000"/>
+              </a:lnSpc>
+              <a:spcBef>
+                <a:spcPts val="0"/>
+              </a:spcBef>
+              <a:spcAft>
+                <a:spcPts val="0"/>
+              </a:spcAft>
+              <a:buClrTx/>
+              <a:buSzTx/>
+              <a:buFontTx/>
+              <a:buNone/>
+              <a:tabLst/>
+              <a:defRPr/>
+            </a:pPr>
+            <a:r>
+              <a:rPr kumimoji="0" lang="en-US" sz="1600" b="0" i="0" u="none" strike="noStrike" kern="1200" cap="none" spc="0" normalizeH="0" baseline="0" noProof="0" dirty="0">
+                <a:ln>
+                  <a:noFill/>
+                </a:ln>
+                <a:solidFill>
+                  <a:prstClr val="white"/>
+                </a:solidFill>
+                <a:effectLst/>
+                <a:uLnTx/>
+                <a:uFillTx/>
+                <a:latin typeface="Calibri" panose="020F0502020204030204"/>
+                <a:ea typeface="+mn-ea"/>
+                <a:cs typeface="+mn-cs"/>
+              </a:rPr>
+              <a:t>US Core Observation</a:t>
+            </a:r>
+          </a:p>
+          <a:p>
+            <a:pPr marL="0" marR="0" lvl="0" indent="0" algn="ctr" defTabSz="914400" rtl="0" eaLnBrk="1" fontAlgn="auto" latinLnBrk="0" hangingPunct="1">
+              <a:lnSpc>
+                <a:spcPct val="100000"/>
+              </a:lnSpc>
+              <a:spcBef>
+                <a:spcPts val="0"/>
+              </a:spcBef>
+              <a:spcAft>
+                <a:spcPts val="0"/>
+              </a:spcAft>
+              <a:buClrTx/>
+              <a:buSzTx/>
+              <a:buFontTx/>
+              <a:buNone/>
+              <a:tabLst/>
+              <a:defRPr/>
+            </a:pPr>
+            <a:r>
+              <a:rPr kumimoji="0" lang="en-US" sz="1600" b="0" i="0" u="none" strike="noStrike" kern="1200" cap="none" spc="0" normalizeH="0" baseline="0" noProof="0" dirty="0">
+                <a:ln>
+                  <a:noFill/>
+                </a:ln>
+                <a:solidFill>
+                  <a:prstClr val="white"/>
+                </a:solidFill>
+                <a:effectLst/>
+                <a:uLnTx/>
+                <a:uFillTx/>
+                <a:latin typeface="Calibri" panose="020F0502020204030204"/>
+                <a:ea typeface="+mn-ea"/>
+                <a:cs typeface="+mn-cs"/>
+              </a:rPr>
+              <a:t>A1C of 9.4/20210401</a:t>
+            </a:r>
+            <a:endParaRPr kumimoji="0" lang="en-US" sz="1000" b="0" i="0" u="none" strike="noStrike" kern="1200" cap="none" spc="0" normalizeH="0" baseline="0" noProof="0" dirty="0">
+              <a:ln>
+                <a:noFill/>
+              </a:ln>
+              <a:solidFill>
+                <a:prstClr val="white"/>
+              </a:solidFill>
+              <a:effectLst/>
+              <a:uLnTx/>
+              <a:uFillTx/>
+              <a:latin typeface="Calibri" panose="020F0502020204030204"/>
+              <a:ea typeface="+mn-ea"/>
+              <a:cs typeface="+mn-cs"/>
+            </a:endParaRPr>
+          </a:p>
+        </p:txBody>
+      </p:sp>
+      <p:cxnSp>
+        <p:nvCxnSpPr>
+          <p:cNvPr id="40" name="Straight Arrow Connector 39">
+            <a:extLst>
+              <a:ext uri="{FF2B5EF4-FFF2-40B4-BE49-F238E27FC236}">
+                <a16:creationId xmlns:a16="http://schemas.microsoft.com/office/drawing/2014/main" id="{98C70785-72DF-4B04-B087-9C4D80B1FCF5}"/>
+              </a:ext>
+            </a:extLst>
+          </p:cNvPr>
+          <p:cNvCxnSpPr>
+            <a:cxnSpLocks/>
+            <a:stCxn id="19" idx="3"/>
+            <a:endCxn id="56" idx="1"/>
+          </p:cNvCxnSpPr>
+          <p:nvPr/>
+        </p:nvCxnSpPr>
+        <p:spPr>
+          <a:xfrm>
+            <a:off x="8160090" y="1905132"/>
+            <a:ext cx="1770410" cy="892381"/>
+          </a:xfrm>
+          <a:prstGeom prst="straightConnector1">
+            <a:avLst/>
+          </a:prstGeom>
+          <a:ln>
+            <a:tailEnd type="triangle"/>
+          </a:ln>
+        </p:spPr>
+        <p:style>
+          <a:lnRef idx="1">
+            <a:schemeClr val="accent1"/>
+          </a:lnRef>
+          <a:fillRef idx="0">
+            <a:schemeClr val="accent1"/>
+          </a:fillRef>
+          <a:effectRef idx="0">
+            <a:schemeClr val="accent1"/>
+          </a:effectRef>
+          <a:fontRef idx="minor">
+            <a:schemeClr val="tx1"/>
+          </a:fontRef>
+        </p:style>
+      </p:cxnSp>
+      <p:cxnSp>
+        <p:nvCxnSpPr>
+          <p:cNvPr id="64" name="Straight Arrow Connector 63">
+            <a:extLst>
+              <a:ext uri="{FF2B5EF4-FFF2-40B4-BE49-F238E27FC236}">
+                <a16:creationId xmlns:a16="http://schemas.microsoft.com/office/drawing/2014/main" id="{DD3DA6C3-C316-4DD9-92F3-8C0C8B4E40FD}"/>
+              </a:ext>
+            </a:extLst>
+          </p:cNvPr>
+          <p:cNvCxnSpPr>
+            <a:cxnSpLocks/>
+            <a:stCxn id="19" idx="3"/>
+            <a:endCxn id="54" idx="1"/>
+          </p:cNvCxnSpPr>
+          <p:nvPr/>
+        </p:nvCxnSpPr>
+        <p:spPr>
+          <a:xfrm flipV="1">
+            <a:off x="8160090" y="1574421"/>
+            <a:ext cx="1783110" cy="330711"/>
+          </a:xfrm>
+          <a:prstGeom prst="straightConnector1">
+            <a:avLst/>
+          </a:prstGeom>
+          <a:ln>
+            <a:tailEnd type="triangle"/>
+          </a:ln>
+        </p:spPr>
+        <p:style>
+          <a:lnRef idx="1">
+            <a:schemeClr val="accent1"/>
+          </a:lnRef>
+          <a:fillRef idx="0">
+            <a:schemeClr val="accent1"/>
+          </a:fillRef>
+          <a:effectRef idx="0">
+            <a:schemeClr val="accent1"/>
+          </a:effectRef>
+          <a:fontRef idx="minor">
+            <a:schemeClr val="tx1"/>
+          </a:fontRef>
+        </p:style>
+      </p:cxnSp>
+      <p:sp>
+        <p:nvSpPr>
+          <p:cNvPr id="85" name="TextBox 84">
+            <a:extLst>
+              <a:ext uri="{FF2B5EF4-FFF2-40B4-BE49-F238E27FC236}">
+                <a16:creationId xmlns:a16="http://schemas.microsoft.com/office/drawing/2014/main" id="{94D89C9C-B25B-4E82-8DC1-C7DB743DDEC7}"/>
+              </a:ext>
+            </a:extLst>
+          </p:cNvPr>
+          <p:cNvSpPr txBox="1"/>
+          <p:nvPr/>
+        </p:nvSpPr>
+        <p:spPr>
+          <a:xfrm>
+            <a:off x="5270934" y="2227647"/>
+            <a:ext cx="503893" cy="246221"/>
+          </a:xfrm>
+          <a:prstGeom prst="rect">
+            <a:avLst/>
+          </a:prstGeom>
+          <a:solidFill>
+            <a:schemeClr val="bg1"/>
+          </a:solidFill>
+        </p:spPr>
+        <p:txBody>
+          <a:bodyPr wrap="square" rtlCol="0">
+            <a:spAutoFit/>
+          </a:bodyPr>
+          <a:lstStyle/>
+          <a:p>
+            <a:pPr marL="0" marR="0" lvl="0" indent="0" algn="l" defTabSz="914400" rtl="0" eaLnBrk="1" fontAlgn="auto" latinLnBrk="0" hangingPunct="1">
+              <a:lnSpc>
+                <a:spcPct val="100000"/>
+              </a:lnSpc>
+              <a:spcBef>
+                <a:spcPts val="0"/>
+              </a:spcBef>
+              <a:spcAft>
+                <a:spcPts val="0"/>
+              </a:spcAft>
+              <a:buClrTx/>
+              <a:buSzTx/>
+              <a:buFontTx/>
+              <a:buNone/>
+              <a:tabLst/>
+              <a:defRPr/>
+            </a:pPr>
+            <a:r>
+              <a:rPr kumimoji="0" lang="en-US" sz="1000" b="1" i="0" u="none" strike="noStrike" kern="1200" cap="none" spc="0" normalizeH="0" baseline="0" noProof="0" dirty="0">
+                <a:ln>
+                  <a:noFill/>
+                </a:ln>
+                <a:solidFill>
+                  <a:prstClr val="black"/>
+                </a:solidFill>
+                <a:effectLst/>
+                <a:uLnTx/>
+                <a:uFillTx/>
+                <a:latin typeface="Calibri" panose="020F0502020204030204"/>
+                <a:ea typeface="+mn-ea"/>
+                <a:cs typeface="+mn-cs"/>
+              </a:rPr>
+              <a:t>entry</a:t>
+            </a:r>
+          </a:p>
+        </p:txBody>
+      </p:sp>
+      <p:sp>
+        <p:nvSpPr>
+          <p:cNvPr id="115" name="TextBox 114">
+            <a:extLst>
+              <a:ext uri="{FF2B5EF4-FFF2-40B4-BE49-F238E27FC236}">
+                <a16:creationId xmlns:a16="http://schemas.microsoft.com/office/drawing/2014/main" id="{0EBEC07C-D02C-4F92-A128-D6F909ECB4F8}"/>
+              </a:ext>
+            </a:extLst>
+          </p:cNvPr>
+          <p:cNvSpPr txBox="1"/>
+          <p:nvPr/>
+        </p:nvSpPr>
+        <p:spPr>
+          <a:xfrm>
+            <a:off x="6472848" y="4551810"/>
+            <a:ext cx="1972652" cy="230832"/>
+          </a:xfrm>
+          <a:prstGeom prst="rect">
+            <a:avLst/>
+          </a:prstGeom>
+          <a:solidFill>
+            <a:schemeClr val="bg1"/>
+          </a:solidFill>
+        </p:spPr>
+        <p:txBody>
+          <a:bodyPr wrap="square" rtlCol="0">
+            <a:spAutoFit/>
+          </a:bodyPr>
+          <a:lstStyle/>
+          <a:p>
+            <a:pPr marL="0" marR="0" lvl="0" indent="0" algn="l" defTabSz="914400" rtl="0" eaLnBrk="1" fontAlgn="auto" latinLnBrk="0" hangingPunct="1">
+              <a:lnSpc>
+                <a:spcPct val="100000"/>
+              </a:lnSpc>
+              <a:spcBef>
+                <a:spcPts val="0"/>
+              </a:spcBef>
+              <a:spcAft>
+                <a:spcPts val="0"/>
+              </a:spcAft>
+              <a:buClrTx/>
+              <a:buSzTx/>
+              <a:buFontTx/>
+              <a:buNone/>
+              <a:tabLst/>
+              <a:defRPr/>
+            </a:pPr>
+            <a:r>
+              <a:rPr kumimoji="0" lang="en-US" sz="900" b="1" i="0" u="none" strike="noStrike" kern="1200" cap="none" spc="0" normalizeH="0" baseline="0" noProof="0" dirty="0">
+                <a:ln>
+                  <a:noFill/>
+                </a:ln>
+                <a:solidFill>
+                  <a:prstClr val="black"/>
+                </a:solidFill>
+                <a:effectLst/>
+                <a:uLnTx/>
+                <a:uFillTx/>
+                <a:latin typeface="Calibri" panose="020F0502020204030204"/>
+                <a:ea typeface="+mn-ea"/>
+                <a:cs typeface="+mn-cs"/>
+              </a:rPr>
+              <a:t>group[1].extension-historicDiagnosis</a:t>
+            </a:r>
+          </a:p>
+        </p:txBody>
+      </p:sp>
+      <p:sp>
+        <p:nvSpPr>
+          <p:cNvPr id="116" name="TextBox 115">
+            <a:extLst>
+              <a:ext uri="{FF2B5EF4-FFF2-40B4-BE49-F238E27FC236}">
+                <a16:creationId xmlns:a16="http://schemas.microsoft.com/office/drawing/2014/main" id="{4660E1F6-0794-42D9-B4A6-C18B5F782A67}"/>
+              </a:ext>
+            </a:extLst>
+          </p:cNvPr>
+          <p:cNvSpPr txBox="1"/>
+          <p:nvPr/>
+        </p:nvSpPr>
+        <p:spPr>
+          <a:xfrm>
+            <a:off x="6282348" y="2367410"/>
+            <a:ext cx="1972652" cy="230832"/>
+          </a:xfrm>
+          <a:prstGeom prst="rect">
+            <a:avLst/>
+          </a:prstGeom>
+          <a:solidFill>
+            <a:schemeClr val="bg1"/>
+          </a:solidFill>
+        </p:spPr>
+        <p:txBody>
+          <a:bodyPr wrap="square" rtlCol="0">
+            <a:spAutoFit/>
+          </a:bodyPr>
+          <a:lstStyle/>
+          <a:p>
+            <a:pPr marL="0" marR="0" lvl="0" indent="0" algn="l" defTabSz="914400" rtl="0" eaLnBrk="1" fontAlgn="auto" latinLnBrk="0" hangingPunct="1">
+              <a:lnSpc>
+                <a:spcPct val="100000"/>
+              </a:lnSpc>
+              <a:spcBef>
+                <a:spcPts val="0"/>
+              </a:spcBef>
+              <a:spcAft>
+                <a:spcPts val="0"/>
+              </a:spcAft>
+              <a:buClrTx/>
+              <a:buSzTx/>
+              <a:buFontTx/>
+              <a:buNone/>
+              <a:tabLst/>
+              <a:defRPr/>
+            </a:pPr>
+            <a:r>
+              <a:rPr kumimoji="0" lang="en-US" sz="900" b="1" i="0" u="none" strike="noStrike" kern="1200" cap="none" spc="0" normalizeH="0" baseline="0" noProof="0" dirty="0">
+                <a:ln>
+                  <a:noFill/>
+                </a:ln>
+                <a:solidFill>
+                  <a:prstClr val="black"/>
+                </a:solidFill>
+                <a:effectLst/>
+                <a:uLnTx/>
+                <a:uFillTx/>
+                <a:latin typeface="Calibri" panose="020F0502020204030204"/>
+                <a:ea typeface="+mn-ea"/>
+                <a:cs typeface="+mn-cs"/>
+              </a:rPr>
+              <a:t>group[1].extension-historicDiagnosis</a:t>
+            </a:r>
+          </a:p>
+        </p:txBody>
+      </p:sp>
+      <p:cxnSp>
+        <p:nvCxnSpPr>
+          <p:cNvPr id="138" name="Straight Arrow Connector 137">
+            <a:extLst>
+              <a:ext uri="{FF2B5EF4-FFF2-40B4-BE49-F238E27FC236}">
+                <a16:creationId xmlns:a16="http://schemas.microsoft.com/office/drawing/2014/main" id="{635E9CDB-CC75-4613-9E5B-258CAEEAD026}"/>
+              </a:ext>
+            </a:extLst>
+          </p:cNvPr>
+          <p:cNvCxnSpPr>
+            <a:cxnSpLocks/>
+            <a:stCxn id="7" idx="2"/>
+            <a:endCxn id="53" idx="0"/>
+          </p:cNvCxnSpPr>
+          <p:nvPr/>
+        </p:nvCxnSpPr>
+        <p:spPr>
+          <a:xfrm>
+            <a:off x="7193993" y="5642211"/>
+            <a:ext cx="6908" cy="468237"/>
+          </a:xfrm>
+          <a:prstGeom prst="straightConnector1">
+            <a:avLst/>
+          </a:prstGeom>
+          <a:ln>
+            <a:tailEnd type="triangle"/>
+          </a:ln>
+        </p:spPr>
+        <p:style>
+          <a:lnRef idx="1">
+            <a:schemeClr val="accent1"/>
+          </a:lnRef>
+          <a:fillRef idx="0">
+            <a:schemeClr val="accent1"/>
+          </a:fillRef>
+          <a:effectRef idx="0">
+            <a:schemeClr val="accent1"/>
+          </a:effectRef>
+          <a:fontRef idx="minor">
+            <a:schemeClr val="tx1"/>
+          </a:fontRef>
+        </p:style>
+      </p:cxnSp>
+      <p:sp>
+        <p:nvSpPr>
+          <p:cNvPr id="123" name="TextBox 122">
+            <a:extLst>
+              <a:ext uri="{FF2B5EF4-FFF2-40B4-BE49-F238E27FC236}">
+                <a16:creationId xmlns:a16="http://schemas.microsoft.com/office/drawing/2014/main" id="{1AF808F2-DDD4-42B9-B8B0-C93A2CC765F2}"/>
+              </a:ext>
+            </a:extLst>
+          </p:cNvPr>
+          <p:cNvSpPr txBox="1"/>
+          <p:nvPr/>
+        </p:nvSpPr>
+        <p:spPr>
+          <a:xfrm>
+            <a:off x="6869115" y="5731309"/>
+            <a:ext cx="1092114" cy="230832"/>
+          </a:xfrm>
+          <a:prstGeom prst="rect">
+            <a:avLst/>
+          </a:prstGeom>
+          <a:solidFill>
+            <a:schemeClr val="bg1"/>
+          </a:solidFill>
+        </p:spPr>
+        <p:txBody>
+          <a:bodyPr wrap="square" rtlCol="0">
+            <a:spAutoFit/>
+          </a:bodyPr>
+          <a:lstStyle/>
+          <a:p>
+            <a:pPr marL="0" marR="0" lvl="0" indent="0" algn="l" defTabSz="914400" rtl="0" eaLnBrk="1" fontAlgn="auto" latinLnBrk="0" hangingPunct="1">
+              <a:lnSpc>
+                <a:spcPct val="100000"/>
+              </a:lnSpc>
+              <a:spcBef>
+                <a:spcPts val="0"/>
+              </a:spcBef>
+              <a:spcAft>
+                <a:spcPts val="0"/>
+              </a:spcAft>
+              <a:buClrTx/>
+              <a:buSzTx/>
+              <a:buFontTx/>
+              <a:buNone/>
+              <a:tabLst/>
+              <a:defRPr/>
+            </a:pPr>
+            <a:r>
+              <a:rPr kumimoji="0" lang="en-US" sz="900" b="1" i="0" u="none" strike="noStrike" kern="1200" cap="none" spc="0" normalizeH="0" baseline="0" noProof="0" dirty="0">
+                <a:ln>
+                  <a:noFill/>
+                </a:ln>
+                <a:solidFill>
+                  <a:prstClr val="black"/>
+                </a:solidFill>
+                <a:effectLst/>
+                <a:uLnTx/>
+                <a:uFillTx/>
+                <a:latin typeface="Calibri" panose="020F0502020204030204"/>
+                <a:ea typeface="+mn-ea"/>
+                <a:cs typeface="+mn-cs"/>
+              </a:rPr>
+              <a:t>measure</a:t>
+            </a:r>
+          </a:p>
+        </p:txBody>
+      </p:sp>
+      <p:cxnSp>
+        <p:nvCxnSpPr>
+          <p:cNvPr id="149" name="Straight Arrow Connector 148">
+            <a:extLst>
+              <a:ext uri="{FF2B5EF4-FFF2-40B4-BE49-F238E27FC236}">
+                <a16:creationId xmlns:a16="http://schemas.microsoft.com/office/drawing/2014/main" id="{DEA2ECFD-A9C5-4080-91B9-1EF1FAD5B146}"/>
+              </a:ext>
+            </a:extLst>
+          </p:cNvPr>
+          <p:cNvCxnSpPr>
+            <a:cxnSpLocks/>
+            <a:stCxn id="7" idx="3"/>
+            <a:endCxn id="151" idx="1"/>
+          </p:cNvCxnSpPr>
+          <p:nvPr/>
+        </p:nvCxnSpPr>
+        <p:spPr>
+          <a:xfrm flipV="1">
+            <a:off x="8126148" y="4609721"/>
+            <a:ext cx="1462352" cy="644060"/>
+          </a:xfrm>
+          <a:prstGeom prst="straightConnector1">
+            <a:avLst/>
+          </a:prstGeom>
+          <a:ln>
+            <a:tailEnd type="triangle"/>
+          </a:ln>
+        </p:spPr>
+        <p:style>
+          <a:lnRef idx="1">
+            <a:schemeClr val="accent1"/>
+          </a:lnRef>
+          <a:fillRef idx="0">
+            <a:schemeClr val="accent1"/>
+          </a:fillRef>
+          <a:effectRef idx="0">
+            <a:schemeClr val="accent1"/>
+          </a:effectRef>
+          <a:fontRef idx="minor">
+            <a:schemeClr val="tx1"/>
+          </a:fontRef>
+        </p:style>
+      </p:cxnSp>
+      <p:sp>
+        <p:nvSpPr>
+          <p:cNvPr id="151" name="Flowchart: Process 150">
+            <a:extLst>
+              <a:ext uri="{FF2B5EF4-FFF2-40B4-BE49-F238E27FC236}">
+                <a16:creationId xmlns:a16="http://schemas.microsoft.com/office/drawing/2014/main" id="{51868D15-457B-41D4-9DBD-9854C4DE3812}"/>
+              </a:ext>
+            </a:extLst>
+          </p:cNvPr>
+          <p:cNvSpPr/>
+          <p:nvPr/>
+        </p:nvSpPr>
+        <p:spPr>
+          <a:xfrm>
+            <a:off x="9588500" y="4139442"/>
+            <a:ext cx="1876110" cy="940558"/>
+          </a:xfrm>
+          <a:prstGeom prst="flowChartProcess">
+            <a:avLst/>
+          </a:prstGeom>
+          <a:solidFill>
+            <a:schemeClr val="accent1">
+              <a:lumMod val="60000"/>
+              <a:lumOff val="40000"/>
+            </a:schemeClr>
+          </a:solidFill>
+          <a:ln>
+            <a:solidFill>
+              <a:schemeClr val="tx1"/>
+            </a:solidFill>
+          </a:ln>
+        </p:spPr>
+        <p:style>
+          <a:lnRef idx="2">
+            <a:schemeClr val="accent1">
+              <a:shade val="50000"/>
+            </a:schemeClr>
+          </a:lnRef>
+          <a:fillRef idx="1">
+            <a:schemeClr val="accent1"/>
+          </a:fillRef>
+          <a:effectRef idx="0">
+            <a:schemeClr val="accent1"/>
+          </a:effectRef>
+          <a:fontRef idx="minor">
+            <a:schemeClr val="lt1"/>
+          </a:fontRef>
+        </p:style>
+        <p:txBody>
+          <a:bodyPr rtlCol="0" anchor="ctr"/>
+          <a:lstStyle/>
+          <a:p>
+            <a:pPr marL="0" marR="0" lvl="0" indent="0" algn="ctr" defTabSz="914400" rtl="0" eaLnBrk="1" fontAlgn="auto" latinLnBrk="0" hangingPunct="1">
+              <a:lnSpc>
+                <a:spcPct val="100000"/>
+              </a:lnSpc>
+              <a:spcBef>
+                <a:spcPts val="0"/>
+              </a:spcBef>
+              <a:spcAft>
+                <a:spcPts val="0"/>
+              </a:spcAft>
+              <a:buClrTx/>
+              <a:buSzTx/>
+              <a:buFontTx/>
+              <a:buNone/>
+              <a:tabLst/>
+              <a:defRPr/>
+            </a:pPr>
+            <a:r>
+              <a:rPr kumimoji="0" lang="en-US" sz="1600" b="0" i="0" u="none" strike="noStrike" kern="1200" cap="none" spc="0" normalizeH="0" baseline="0" noProof="0" dirty="0">
+                <a:ln>
+                  <a:noFill/>
+                </a:ln>
+                <a:solidFill>
+                  <a:prstClr val="white"/>
+                </a:solidFill>
+                <a:effectLst/>
+                <a:uLnTx/>
+                <a:uFillTx/>
+                <a:latin typeface="Calibri" panose="020F0502020204030204"/>
+                <a:ea typeface="+mn-ea"/>
+                <a:cs typeface="+mn-cs"/>
+              </a:rPr>
+              <a:t>MedicationDispense</a:t>
+            </a:r>
+          </a:p>
+          <a:p>
+            <a:pPr marL="0" marR="0" lvl="0" indent="0" algn="ctr" defTabSz="914400" rtl="0" eaLnBrk="1" fontAlgn="auto" latinLnBrk="0" hangingPunct="1">
+              <a:lnSpc>
+                <a:spcPct val="100000"/>
+              </a:lnSpc>
+              <a:spcBef>
+                <a:spcPts val="0"/>
+              </a:spcBef>
+              <a:spcAft>
+                <a:spcPts val="0"/>
+              </a:spcAft>
+              <a:buClrTx/>
+              <a:buSzTx/>
+              <a:buFontTx/>
+              <a:buNone/>
+              <a:tabLst/>
+              <a:defRPr/>
+            </a:pPr>
+            <a:r>
+              <a:rPr kumimoji="0" lang="en-US" sz="1600" b="0" i="0" u="none" strike="noStrike" kern="1200" cap="none" spc="0" normalizeH="0" baseline="0" noProof="0" dirty="0">
+                <a:ln>
+                  <a:noFill/>
+                </a:ln>
+                <a:solidFill>
+                  <a:prstClr val="white"/>
+                </a:solidFill>
+                <a:effectLst/>
+                <a:uLnTx/>
+                <a:uFillTx/>
+                <a:latin typeface="Calibri" panose="020F0502020204030204"/>
+                <a:ea typeface="+mn-ea"/>
+                <a:cs typeface="+mn-cs"/>
+              </a:rPr>
+              <a:t>20210323</a:t>
+            </a:r>
+          </a:p>
+        </p:txBody>
+      </p:sp>
+      <p:sp>
+        <p:nvSpPr>
+          <p:cNvPr id="159" name="Flowchart: Process 158">
+            <a:extLst>
+              <a:ext uri="{FF2B5EF4-FFF2-40B4-BE49-F238E27FC236}">
+                <a16:creationId xmlns:a16="http://schemas.microsoft.com/office/drawing/2014/main" id="{5CD24286-BCDA-4D99-B85D-D32151805C89}"/>
+              </a:ext>
+            </a:extLst>
+          </p:cNvPr>
+          <p:cNvSpPr/>
+          <p:nvPr/>
+        </p:nvSpPr>
+        <p:spPr>
+          <a:xfrm>
+            <a:off x="9639300" y="5612642"/>
+            <a:ext cx="1876110" cy="940558"/>
+          </a:xfrm>
+          <a:prstGeom prst="flowChartProcess">
+            <a:avLst/>
+          </a:prstGeom>
+          <a:solidFill>
+            <a:schemeClr val="accent1">
+              <a:lumMod val="60000"/>
+              <a:lumOff val="40000"/>
+            </a:schemeClr>
+          </a:solidFill>
+          <a:ln>
+            <a:solidFill>
+              <a:schemeClr val="tx1"/>
+            </a:solidFill>
+          </a:ln>
+        </p:spPr>
+        <p:style>
+          <a:lnRef idx="2">
+            <a:schemeClr val="accent1">
+              <a:shade val="50000"/>
+            </a:schemeClr>
+          </a:lnRef>
+          <a:fillRef idx="1">
+            <a:schemeClr val="accent1"/>
+          </a:fillRef>
+          <a:effectRef idx="0">
+            <a:schemeClr val="accent1"/>
+          </a:effectRef>
+          <a:fontRef idx="minor">
+            <a:schemeClr val="lt1"/>
+          </a:fontRef>
+        </p:style>
+        <p:txBody>
+          <a:bodyPr rtlCol="0" anchor="ctr"/>
+          <a:lstStyle/>
+          <a:p>
+            <a:pPr marL="0" marR="0" lvl="0" indent="0" algn="ctr" defTabSz="914400" rtl="0" eaLnBrk="1" fontAlgn="auto" latinLnBrk="0" hangingPunct="1">
+              <a:lnSpc>
+                <a:spcPct val="100000"/>
+              </a:lnSpc>
+              <a:spcBef>
+                <a:spcPts val="0"/>
+              </a:spcBef>
+              <a:spcAft>
+                <a:spcPts val="0"/>
+              </a:spcAft>
+              <a:buClrTx/>
+              <a:buSzTx/>
+              <a:buFontTx/>
+              <a:buNone/>
+              <a:tabLst/>
+              <a:defRPr/>
+            </a:pPr>
+            <a:r>
+              <a:rPr kumimoji="0" lang="en-US" sz="1600" b="0" i="0" u="none" strike="noStrike" kern="1200" cap="none" spc="0" normalizeH="0" baseline="0" noProof="0" dirty="0">
+                <a:ln>
+                  <a:noFill/>
+                </a:ln>
+                <a:solidFill>
+                  <a:prstClr val="white"/>
+                </a:solidFill>
+                <a:effectLst/>
+                <a:uLnTx/>
+                <a:uFillTx/>
+                <a:latin typeface="Calibri" panose="020F0502020204030204"/>
+                <a:ea typeface="+mn-ea"/>
+                <a:cs typeface="+mn-cs"/>
+              </a:rPr>
+              <a:t>Medication</a:t>
+            </a:r>
+          </a:p>
+          <a:p>
+            <a:pPr marL="0" marR="0" lvl="0" indent="0" algn="ctr" defTabSz="914400" rtl="0" eaLnBrk="1" fontAlgn="auto" latinLnBrk="0" hangingPunct="1">
+              <a:lnSpc>
+                <a:spcPct val="100000"/>
+              </a:lnSpc>
+              <a:spcBef>
+                <a:spcPts val="0"/>
+              </a:spcBef>
+              <a:spcAft>
+                <a:spcPts val="0"/>
+              </a:spcAft>
+              <a:buClrTx/>
+              <a:buSzTx/>
+              <a:buFontTx/>
+              <a:buNone/>
+              <a:tabLst/>
+              <a:defRPr/>
+            </a:pPr>
+            <a:r>
+              <a:rPr kumimoji="0" lang="en-US" sz="1800" b="0" i="0" u="none" strike="noStrike" kern="1200" cap="none" spc="0" normalizeH="0" baseline="0" noProof="0" dirty="0">
+                <a:ln>
+                  <a:noFill/>
+                </a:ln>
+                <a:solidFill>
+                  <a:prstClr val="white"/>
+                </a:solidFill>
+                <a:effectLst/>
+                <a:uLnTx/>
+                <a:uFillTx/>
+                <a:latin typeface="Calibri" panose="020F0502020204030204"/>
+                <a:ea typeface="+mn-ea"/>
+                <a:cs typeface="+mn-cs"/>
+              </a:rPr>
+              <a:t>Rinvoq (Upadacitinib)</a:t>
+            </a:r>
+            <a:endParaRPr kumimoji="0" lang="en-US" sz="1000" b="0" i="0" u="none" strike="noStrike" kern="1200" cap="none" spc="0" normalizeH="0" baseline="0" noProof="0" dirty="0">
+              <a:ln>
+                <a:noFill/>
+              </a:ln>
+              <a:solidFill>
+                <a:prstClr val="white"/>
+              </a:solidFill>
+              <a:effectLst/>
+              <a:uLnTx/>
+              <a:uFillTx/>
+              <a:latin typeface="Calibri" panose="020F0502020204030204"/>
+              <a:ea typeface="+mn-ea"/>
+              <a:cs typeface="+mn-cs"/>
+            </a:endParaRPr>
+          </a:p>
+        </p:txBody>
+      </p:sp>
+      <p:cxnSp>
+        <p:nvCxnSpPr>
+          <p:cNvPr id="160" name="Straight Arrow Connector 159">
+            <a:extLst>
+              <a:ext uri="{FF2B5EF4-FFF2-40B4-BE49-F238E27FC236}">
+                <a16:creationId xmlns:a16="http://schemas.microsoft.com/office/drawing/2014/main" id="{14EF0705-2A19-4FAE-AB3B-F0BACBDF5674}"/>
+              </a:ext>
+            </a:extLst>
+          </p:cNvPr>
+          <p:cNvCxnSpPr>
+            <a:cxnSpLocks/>
+            <a:stCxn id="7" idx="3"/>
+            <a:endCxn id="159" idx="1"/>
+          </p:cNvCxnSpPr>
+          <p:nvPr/>
+        </p:nvCxnSpPr>
+        <p:spPr>
+          <a:xfrm>
+            <a:off x="8126148" y="5253781"/>
+            <a:ext cx="1513152" cy="829140"/>
+          </a:xfrm>
+          <a:prstGeom prst="straightConnector1">
+            <a:avLst/>
+          </a:prstGeom>
+          <a:ln>
+            <a:tailEnd type="triangle"/>
+          </a:ln>
+        </p:spPr>
+        <p:style>
+          <a:lnRef idx="1">
+            <a:schemeClr val="accent1"/>
+          </a:lnRef>
+          <a:fillRef idx="0">
+            <a:schemeClr val="accent1"/>
+          </a:fillRef>
+          <a:effectRef idx="0">
+            <a:schemeClr val="accent1"/>
+          </a:effectRef>
+          <a:fontRef idx="minor">
+            <a:schemeClr val="tx1"/>
+          </a:fontRef>
+        </p:style>
+      </p:cxnSp>
+      <p:cxnSp>
+        <p:nvCxnSpPr>
+          <p:cNvPr id="99" name="Straight Arrow Connector 98">
+            <a:extLst>
+              <a:ext uri="{FF2B5EF4-FFF2-40B4-BE49-F238E27FC236}">
+                <a16:creationId xmlns:a16="http://schemas.microsoft.com/office/drawing/2014/main" id="{609035BD-15F0-49F8-B1A3-80D3E178A3A5}"/>
+              </a:ext>
+            </a:extLst>
+          </p:cNvPr>
+          <p:cNvCxnSpPr>
+            <a:stCxn id="151" idx="2"/>
+            <a:endCxn id="159" idx="0"/>
+          </p:cNvCxnSpPr>
+          <p:nvPr/>
+        </p:nvCxnSpPr>
+        <p:spPr>
+          <a:xfrm>
+            <a:off x="10526555" y="5080000"/>
+            <a:ext cx="50800" cy="532642"/>
+          </a:xfrm>
+          <a:prstGeom prst="straightConnector1">
+            <a:avLst/>
+          </a:prstGeom>
+          <a:ln>
+            <a:tailEnd type="triangle"/>
+          </a:ln>
+        </p:spPr>
+        <p:style>
+          <a:lnRef idx="1">
+            <a:schemeClr val="accent1"/>
+          </a:lnRef>
+          <a:fillRef idx="0">
+            <a:schemeClr val="accent1"/>
+          </a:fillRef>
+          <a:effectRef idx="0">
+            <a:schemeClr val="accent1"/>
+          </a:effectRef>
+          <a:fontRef idx="minor">
+            <a:schemeClr val="tx1"/>
+          </a:fontRef>
+        </p:style>
+      </p:cxnSp>
+      <p:sp>
+        <p:nvSpPr>
+          <p:cNvPr id="162" name="TextBox 161">
+            <a:extLst>
+              <a:ext uri="{FF2B5EF4-FFF2-40B4-BE49-F238E27FC236}">
+                <a16:creationId xmlns:a16="http://schemas.microsoft.com/office/drawing/2014/main" id="{4550AB65-DED2-4D35-B618-30357DC0A91D}"/>
+              </a:ext>
+            </a:extLst>
+          </p:cNvPr>
+          <p:cNvSpPr txBox="1"/>
+          <p:nvPr/>
+        </p:nvSpPr>
+        <p:spPr>
+          <a:xfrm>
+            <a:off x="10233994" y="5202672"/>
+            <a:ext cx="1200459" cy="230832"/>
+          </a:xfrm>
+          <a:prstGeom prst="rect">
+            <a:avLst/>
+          </a:prstGeom>
+          <a:solidFill>
+            <a:schemeClr val="bg1"/>
+          </a:solidFill>
+        </p:spPr>
+        <p:txBody>
+          <a:bodyPr wrap="square" rtlCol="0">
+            <a:spAutoFit/>
+          </a:bodyPr>
+          <a:lstStyle/>
+          <a:p>
+            <a:pPr marL="0" marR="0" lvl="0" indent="0" algn="l" defTabSz="914400" rtl="0" eaLnBrk="1" fontAlgn="auto" latinLnBrk="0" hangingPunct="1">
+              <a:lnSpc>
+                <a:spcPct val="100000"/>
+              </a:lnSpc>
+              <a:spcBef>
+                <a:spcPts val="0"/>
+              </a:spcBef>
+              <a:spcAft>
+                <a:spcPts val="0"/>
+              </a:spcAft>
+              <a:buClrTx/>
+              <a:buSzTx/>
+              <a:buFontTx/>
+              <a:buNone/>
+              <a:tabLst/>
+              <a:defRPr/>
+            </a:pPr>
+            <a:r>
+              <a:rPr kumimoji="0" lang="en-US" sz="900" b="1" i="0" u="none" strike="noStrike" kern="1200" cap="none" spc="0" normalizeH="0" baseline="0" noProof="0" dirty="0">
+                <a:ln>
+                  <a:noFill/>
+                </a:ln>
+                <a:solidFill>
+                  <a:prstClr val="black"/>
+                </a:solidFill>
+                <a:effectLst/>
+                <a:uLnTx/>
+                <a:uFillTx/>
+                <a:latin typeface="Calibri" panose="020F0502020204030204"/>
+                <a:ea typeface="+mn-ea"/>
+                <a:cs typeface="+mn-cs"/>
+              </a:rPr>
+              <a:t>Medication	</a:t>
+            </a:r>
           </a:p>
         </p:txBody>
       </p:sp>
     </p:spTree>
     <p:extLst>
       <p:ext uri="{BB962C8B-B14F-4D97-AF65-F5344CB8AC3E}">
-        <p14:creationId xmlns:p14="http://schemas.microsoft.com/office/powerpoint/2010/main" val="2759159026"/>
+        <p14:creationId xmlns:p14="http://schemas.microsoft.com/office/powerpoint/2010/main" val="759523600"/>
       </p:ext>
     </p:extLst>
   </p:cSld>

--- a/input/images/Source/Risk Adjustment Images.pptx
+++ b/input/images/Source/Risk Adjustment Images.pptx
@@ -207,7 +207,7 @@
           <a:p>
             <a:fld id="{4337D45E-38B5-4093-B633-D3DDCA61416C}" type="datetimeFigureOut">
               <a:rPr lang="en-US" smtClean="0"/>
-              <a:t>8/24/2021</a:t>
+              <a:t>8/26/2021</a:t>
             </a:fld>
             <a:endParaRPr lang="en-US"/>
           </a:p>
@@ -1127,7 +1127,7 @@
           <a:p>
             <a:fld id="{3E232C92-DF21-4A04-859B-AAF8BD4EC904}" type="datetimeFigureOut">
               <a:rPr lang="en-US" smtClean="0"/>
-              <a:t>8/24/2021</a:t>
+              <a:t>8/26/2021</a:t>
             </a:fld>
             <a:endParaRPr lang="en-US"/>
           </a:p>
@@ -1325,7 +1325,7 @@
           <a:p>
             <a:fld id="{3E232C92-DF21-4A04-859B-AAF8BD4EC904}" type="datetimeFigureOut">
               <a:rPr lang="en-US" smtClean="0"/>
-              <a:t>8/24/2021</a:t>
+              <a:t>8/26/2021</a:t>
             </a:fld>
             <a:endParaRPr lang="en-US"/>
           </a:p>
@@ -1533,7 +1533,7 @@
           <a:p>
             <a:fld id="{3E232C92-DF21-4A04-859B-AAF8BD4EC904}" type="datetimeFigureOut">
               <a:rPr lang="en-US" smtClean="0"/>
-              <a:t>8/24/2021</a:t>
+              <a:t>8/26/2021</a:t>
             </a:fld>
             <a:endParaRPr lang="en-US"/>
           </a:p>
@@ -2099,7 +2099,7 @@
           <a:p>
             <a:fld id="{23F303CC-BC6F-44EE-9A09-81F690F71D2E}" type="datetime1">
               <a:rPr lang="en-US" altLang="en-US" smtClean="0"/>
-              <a:t>8/24/2021</a:t>
+              <a:t>8/26/2021</a:t>
             </a:fld>
             <a:endParaRPr lang="en-US" altLang="en-US" dirty="0"/>
           </a:p>
@@ -6391,7 +6391,7 @@
           <a:p>
             <a:fld id="{3E232C92-DF21-4A04-859B-AAF8BD4EC904}" type="datetimeFigureOut">
               <a:rPr lang="en-US" smtClean="0"/>
-              <a:t>8/24/2021</a:t>
+              <a:t>8/26/2021</a:t>
             </a:fld>
             <a:endParaRPr lang="en-US"/>
           </a:p>
@@ -7014,7 +7014,7 @@
           <a:p>
             <a:fld id="{3E232C92-DF21-4A04-859B-AAF8BD4EC904}" type="datetimeFigureOut">
               <a:rPr lang="en-US" smtClean="0"/>
-              <a:t>8/24/2021</a:t>
+              <a:t>8/26/2021</a:t>
             </a:fld>
             <a:endParaRPr lang="en-US"/>
           </a:p>
@@ -7279,7 +7279,7 @@
           <a:p>
             <a:fld id="{3E232C92-DF21-4A04-859B-AAF8BD4EC904}" type="datetimeFigureOut">
               <a:rPr lang="en-US" smtClean="0"/>
-              <a:t>8/24/2021</a:t>
+              <a:t>8/26/2021</a:t>
             </a:fld>
             <a:endParaRPr lang="en-US"/>
           </a:p>
@@ -7691,7 +7691,7 @@
           <a:p>
             <a:fld id="{3E232C92-DF21-4A04-859B-AAF8BD4EC904}" type="datetimeFigureOut">
               <a:rPr lang="en-US" smtClean="0"/>
-              <a:t>8/24/2021</a:t>
+              <a:t>8/26/2021</a:t>
             </a:fld>
             <a:endParaRPr lang="en-US"/>
           </a:p>
@@ -7832,7 +7832,7 @@
           <a:p>
             <a:fld id="{3E232C92-DF21-4A04-859B-AAF8BD4EC904}" type="datetimeFigureOut">
               <a:rPr lang="en-US" smtClean="0"/>
-              <a:t>8/24/2021</a:t>
+              <a:t>8/26/2021</a:t>
             </a:fld>
             <a:endParaRPr lang="en-US"/>
           </a:p>
@@ -7945,7 +7945,7 @@
           <a:p>
             <a:fld id="{3E232C92-DF21-4A04-859B-AAF8BD4EC904}" type="datetimeFigureOut">
               <a:rPr lang="en-US" smtClean="0"/>
-              <a:t>8/24/2021</a:t>
+              <a:t>8/26/2021</a:t>
             </a:fld>
             <a:endParaRPr lang="en-US"/>
           </a:p>
@@ -8256,7 +8256,7 @@
           <a:p>
             <a:fld id="{3E232C92-DF21-4A04-859B-AAF8BD4EC904}" type="datetimeFigureOut">
               <a:rPr lang="en-US" smtClean="0"/>
-              <a:t>8/24/2021</a:t>
+              <a:t>8/26/2021</a:t>
             </a:fld>
             <a:endParaRPr lang="en-US"/>
           </a:p>
@@ -8544,7 +8544,7 @@
           <a:p>
             <a:fld id="{3E232C92-DF21-4A04-859B-AAF8BD4EC904}" type="datetimeFigureOut">
               <a:rPr lang="en-US" smtClean="0"/>
-              <a:t>8/24/2021</a:t>
+              <a:t>8/26/2021</a:t>
             </a:fld>
             <a:endParaRPr lang="en-US"/>
           </a:p>
@@ -8785,7 +8785,7 @@
           <a:p>
             <a:fld id="{3E232C92-DF21-4A04-859B-AAF8BD4EC904}" type="datetimeFigureOut">
               <a:rPr lang="en-US" smtClean="0"/>
-              <a:t>8/24/2021</a:t>
+              <a:t>8/26/2021</a:t>
             </a:fld>
             <a:endParaRPr lang="en-US"/>
           </a:p>
@@ -9410,7 +9410,7 @@
           <a:p>
             <a:fld id="{7CE3BD8C-C39F-4FFF-9CD5-05E4806DBFF3}" type="datetime1">
               <a:rPr lang="en-US" altLang="en-US" smtClean="0"/>
-              <a:t>8/24/2021</a:t>
+              <a:t>8/26/2021</a:t>
             </a:fld>
             <a:endParaRPr lang="en-US" altLang="en-US"/>
           </a:p>
@@ -11869,38 +11869,9 @@
                 <a:latin typeface="Arial"/>
                 <a:ea typeface="ヒラギノ角ゴ Pro W3" pitchFamily="-126" charset="-128"/>
               </a:rPr>
-              <a:t>Provider/ Provider Group</a:t>
-            </a:r>
-          </a:p>
-        </p:txBody>
-      </p:sp>
-      <p:sp>
-        <p:nvSpPr>
-          <p:cNvPr id="10" name="TextBox 9">
-            <a:extLst>
-              <a:ext uri="{FF2B5EF4-FFF2-40B4-BE49-F238E27FC236}">
-                <a16:creationId xmlns:a16="http://schemas.microsoft.com/office/drawing/2014/main" id="{984AE2E2-20A9-4B44-A58D-4BBB1DF61213}"/>
-              </a:ext>
-            </a:extLst>
-          </p:cNvPr>
-          <p:cNvSpPr txBox="1"/>
-          <p:nvPr/>
-        </p:nvSpPr>
-        <p:spPr>
-          <a:xfrm>
-            <a:off x="2136332" y="3442508"/>
-            <a:ext cx="2115679" cy="297454"/>
-          </a:xfrm>
-          <a:prstGeom prst="rect">
-            <a:avLst/>
-          </a:prstGeom>
-          <a:noFill/>
-        </p:spPr>
-        <p:txBody>
-          <a:bodyPr wrap="square" rtlCol="0">
-            <a:spAutoFit/>
-          </a:bodyPr>
-          <a:lstStyle/>
+              <a:t>Client</a:t>
+            </a:r>
+          </a:p>
           <a:p>
             <a:pPr algn="ctr" defTabSz="609585" fontAlgn="base">
               <a:spcBef>
@@ -11914,6 +11885,56 @@
             <a:r>
               <a:rPr lang="en-US" sz="1333" b="1" dirty="0">
                 <a:solidFill>
+                  <a:srgbClr val="C00000"/>
+                </a:solidFill>
+                <a:latin typeface="Arial"/>
+                <a:ea typeface="ヒラギノ角ゴ Pro W3" pitchFamily="-126" charset="-128"/>
+              </a:rPr>
+              <a:t>(example Provider)</a:t>
+            </a:r>
+          </a:p>
+        </p:txBody>
+      </p:sp>
+      <p:sp>
+        <p:nvSpPr>
+          <p:cNvPr id="10" name="TextBox 9">
+            <a:extLst>
+              <a:ext uri="{FF2B5EF4-FFF2-40B4-BE49-F238E27FC236}">
+                <a16:creationId xmlns:a16="http://schemas.microsoft.com/office/drawing/2014/main" id="{984AE2E2-20A9-4B44-A58D-4BBB1DF61213}"/>
+              </a:ext>
+            </a:extLst>
+          </p:cNvPr>
+          <p:cNvSpPr txBox="1"/>
+          <p:nvPr/>
+        </p:nvSpPr>
+        <p:spPr>
+          <a:xfrm>
+            <a:off x="1831532" y="3442508"/>
+            <a:ext cx="2115679" cy="502573"/>
+          </a:xfrm>
+          <a:prstGeom prst="rect">
+            <a:avLst/>
+          </a:prstGeom>
+          <a:noFill/>
+        </p:spPr>
+        <p:txBody>
+          <a:bodyPr wrap="square" rtlCol="0">
+            <a:spAutoFit/>
+          </a:bodyPr>
+          <a:lstStyle/>
+          <a:p>
+            <a:pPr algn="ctr" defTabSz="609585" fontAlgn="base">
+              <a:spcBef>
+                <a:spcPct val="0"/>
+              </a:spcBef>
+              <a:spcAft>
+                <a:spcPct val="0"/>
+              </a:spcAft>
+              <a:defRPr/>
+            </a:pPr>
+            <a:r>
+              <a:rPr lang="en-US" sz="1333" b="1" dirty="0">
+                <a:solidFill>
                   <a:srgbClr val="F79646">
                     <a:lumMod val="50000"/>
                   </a:srgbClr>
@@ -11921,7 +11942,30 @@
                 <a:latin typeface="Arial"/>
                 <a:ea typeface="ヒラギノ角ゴ Pro W3" pitchFamily="-126" charset="-128"/>
               </a:rPr>
-              <a:t>Payer</a:t>
+              <a:t>Server</a:t>
+            </a:r>
+          </a:p>
+          <a:p>
+            <a:pPr algn="ctr" defTabSz="609585" fontAlgn="base">
+              <a:spcBef>
+                <a:spcPct val="0"/>
+              </a:spcBef>
+              <a:spcAft>
+                <a:spcPct val="0"/>
+              </a:spcAft>
+              <a:defRPr/>
+            </a:pPr>
+            <a:r>
+              <a:rPr lang="en-US" sz="1333" b="1" dirty="0">
+                <a:solidFill>
+                  <a:srgbClr val="F79646">
+                    <a:lumMod val="50000"/>
+                  </a:srgbClr>
+                </a:solidFill>
+                <a:latin typeface="Arial"/>
+                <a:ea typeface="ヒラギノ角ゴ Pro W3" pitchFamily="-126" charset="-128"/>
+              </a:rPr>
+              <a:t>(example Payer)</a:t>
             </a:r>
           </a:p>
         </p:txBody>

--- a/input/images/Source/Risk Adjustment Images.pptx
+++ b/input/images/Source/Risk Adjustment Images.pptx
@@ -14,7 +14,7 @@
     <p:sldId id="2970" r:id="rId5"/>
     <p:sldId id="267" r:id="rId6"/>
     <p:sldId id="268" r:id="rId7"/>
-    <p:sldId id="269" r:id="rId8"/>
+    <p:sldId id="2971" r:id="rId8"/>
     <p:sldId id="2966" r:id="rId9"/>
     <p:sldId id="264" r:id="rId10"/>
     <p:sldId id="2969" r:id="rId11"/>
@@ -208,7 +208,7 @@
           <a:p>
             <a:fld id="{4337D45E-38B5-4093-B633-D3DDCA61416C}" type="datetimeFigureOut">
               <a:rPr lang="en-US" smtClean="0"/>
-              <a:t>10/12/2021</a:t>
+              <a:t>11/8/2021</a:t>
             </a:fld>
             <a:endParaRPr lang="en-US"/>
           </a:p>
@@ -879,15 +879,7 @@
           <a:p>
             <a:r>
               <a:rPr lang="en-US" dirty="0"/>
-              <a:t>Source is </a:t>
-            </a:r>
-            <a:r>
-              <a:rPr lang="en-US" dirty="0" err="1"/>
-              <a:t>visio</a:t>
-            </a:r>
-            <a:r>
-              <a:rPr lang="en-US" dirty="0"/>
-              <a:t>, </a:t>
+              <a:t>Used for risk-adjustment-gaps-workflow.png</a:t>
             </a:r>
           </a:p>
         </p:txBody>
@@ -909,7 +901,7 @@
           <a:p>
             <a:fld id="{1D553A4D-C549-44B5-B4F2-4FBA040D2BDB}" type="slidenum">
               <a:rPr lang="en-US" smtClean="0"/>
-              <a:t>7</a:t>
+              <a:t>6</a:t>
             </a:fld>
             <a:endParaRPr lang="en-US"/>
           </a:p>
@@ -918,7 +910,7 @@
     </p:spTree>
     <p:extLst>
       <p:ext uri="{BB962C8B-B14F-4D97-AF65-F5344CB8AC3E}">
-        <p14:creationId xmlns:p14="http://schemas.microsoft.com/office/powerpoint/2010/main" val="4071961976"/>
+        <p14:creationId xmlns:p14="http://schemas.microsoft.com/office/powerpoint/2010/main" val="2511305095"/>
       </p:ext>
     </p:extLst>
   </p:cSld>
@@ -974,6 +966,101 @@
           <a:p>
             <a:r>
               <a:rPr lang="en-US" dirty="0"/>
+              <a:t>Source is </a:t>
+            </a:r>
+            <a:r>
+              <a:rPr lang="en-US" dirty="0" err="1"/>
+              <a:t>visio</a:t>
+            </a:r>
+            <a:r>
+              <a:rPr lang="en-US" dirty="0"/>
+              <a:t>, </a:t>
+            </a:r>
+          </a:p>
+        </p:txBody>
+      </p:sp>
+      <p:sp>
+        <p:nvSpPr>
+          <p:cNvPr id="4" name="Slide Number Placeholder 3"/>
+          <p:cNvSpPr>
+            <a:spLocks noGrp="1"/>
+          </p:cNvSpPr>
+          <p:nvPr>
+            <p:ph type="sldNum" sz="quarter" idx="5"/>
+          </p:nvPr>
+        </p:nvSpPr>
+        <p:spPr/>
+        <p:txBody>
+          <a:bodyPr/>
+          <a:lstStyle/>
+          <a:p>
+            <a:fld id="{1D553A4D-C549-44B5-B4F2-4FBA040D2BDB}" type="slidenum">
+              <a:rPr lang="en-US" smtClean="0"/>
+              <a:t>7</a:t>
+            </a:fld>
+            <a:endParaRPr lang="en-US"/>
+          </a:p>
+        </p:txBody>
+      </p:sp>
+    </p:spTree>
+    <p:extLst>
+      <p:ext uri="{BB962C8B-B14F-4D97-AF65-F5344CB8AC3E}">
+        <p14:creationId xmlns:p14="http://schemas.microsoft.com/office/powerpoint/2010/main" val="4071961976"/>
+      </p:ext>
+    </p:extLst>
+  </p:cSld>
+  <p:clrMapOvr>
+    <a:masterClrMapping/>
+  </p:clrMapOvr>
+</p:notes>
+</file>
+
+<file path=ppt/notesSlides/notesSlide6.xml><?xml version="1.0" encoding="utf-8"?>
+<p:notes xmlns:a="http://schemas.openxmlformats.org/drawingml/2006/main" xmlns:r="http://schemas.openxmlformats.org/officeDocument/2006/relationships" xmlns:p="http://schemas.openxmlformats.org/presentationml/2006/main">
+  <p:cSld>
+    <p:spTree>
+      <p:nvGrpSpPr>
+        <p:cNvPr id="1" name=""/>
+        <p:cNvGrpSpPr/>
+        <p:nvPr/>
+      </p:nvGrpSpPr>
+      <p:grpSpPr>
+        <a:xfrm>
+          <a:off x="0" y="0"/>
+          <a:ext cx="0" cy="0"/>
+          <a:chOff x="0" y="0"/>
+          <a:chExt cx="0" cy="0"/>
+        </a:xfrm>
+      </p:grpSpPr>
+      <p:sp>
+        <p:nvSpPr>
+          <p:cNvPr id="2" name="Slide Image Placeholder 1"/>
+          <p:cNvSpPr>
+            <a:spLocks noGrp="1" noRot="1" noChangeAspect="1"/>
+          </p:cNvSpPr>
+          <p:nvPr>
+            <p:ph type="sldImg"/>
+          </p:nvPr>
+        </p:nvSpPr>
+        <p:spPr/>
+      </p:sp>
+      <p:sp>
+        <p:nvSpPr>
+          <p:cNvPr id="3" name="Notes Placeholder 2"/>
+          <p:cNvSpPr>
+            <a:spLocks noGrp="1"/>
+          </p:cNvSpPr>
+          <p:nvPr>
+            <p:ph type="body" idx="1"/>
+          </p:nvPr>
+        </p:nvSpPr>
+        <p:spPr/>
+        <p:txBody>
+          <a:bodyPr/>
+          <a:lstStyle/>
+          <a:p>
+            <a:r>
+              <a:rPr lang="en-US" dirty="0"/>
               <a:t>Resource Graph to match Report	</a:t>
             </a:r>
           </a:p>
@@ -1015,7 +1102,7 @@
 </p:notes>
 </file>
 
-<file path=ppt/notesSlides/notesSlide6.xml><?xml version="1.0" encoding="utf-8"?>
+<file path=ppt/notesSlides/notesSlide7.xml><?xml version="1.0" encoding="utf-8"?>
 <p:notes xmlns:a="http://schemas.openxmlformats.org/drawingml/2006/main" xmlns:r="http://schemas.openxmlformats.org/officeDocument/2006/relationships" xmlns:p="http://schemas.openxmlformats.org/presentationml/2006/main">
   <p:cSld>
     <p:spTree>
@@ -1255,7 +1342,7 @@
           <a:p>
             <a:fld id="{3E232C92-DF21-4A04-859B-AAF8BD4EC904}" type="datetimeFigureOut">
               <a:rPr lang="en-US" smtClean="0"/>
-              <a:t>10/12/2021</a:t>
+              <a:t>11/8/2021</a:t>
             </a:fld>
             <a:endParaRPr lang="en-US"/>
           </a:p>
@@ -1453,7 +1540,7 @@
           <a:p>
             <a:fld id="{3E232C92-DF21-4A04-859B-AAF8BD4EC904}" type="datetimeFigureOut">
               <a:rPr lang="en-US" smtClean="0"/>
-              <a:t>10/12/2021</a:t>
+              <a:t>11/8/2021</a:t>
             </a:fld>
             <a:endParaRPr lang="en-US"/>
           </a:p>
@@ -1661,7 +1748,7 @@
           <a:p>
             <a:fld id="{3E232C92-DF21-4A04-859B-AAF8BD4EC904}" type="datetimeFigureOut">
               <a:rPr lang="en-US" smtClean="0"/>
-              <a:t>10/12/2021</a:t>
+              <a:t>11/8/2021</a:t>
             </a:fld>
             <a:endParaRPr lang="en-US"/>
           </a:p>
@@ -2603,7 +2690,7 @@
           <a:p>
             <a:fld id="{23F303CC-BC6F-44EE-9A09-81F690F71D2E}" type="datetime1">
               <a:rPr lang="en-US" altLang="en-US" smtClean="0"/>
-              <a:t>10/12/2021</a:t>
+              <a:t>11/8/2021</a:t>
             </a:fld>
             <a:endParaRPr lang="en-US" altLang="en-US" dirty="0"/>
           </a:p>
@@ -6425,7 +6512,7 @@
           <a:p>
             <a:fld id="{3E232C92-DF21-4A04-859B-AAF8BD4EC904}" type="datetimeFigureOut">
               <a:rPr lang="en-US" smtClean="0"/>
-              <a:t>10/12/2021</a:t>
+              <a:t>11/8/2021</a:t>
             </a:fld>
             <a:endParaRPr lang="en-US"/>
           </a:p>
@@ -7518,7 +7605,7 @@
           <a:p>
             <a:fld id="{3E232C92-DF21-4A04-859B-AAF8BD4EC904}" type="datetimeFigureOut">
               <a:rPr lang="en-US" smtClean="0"/>
-              <a:t>10/12/2021</a:t>
+              <a:t>11/8/2021</a:t>
             </a:fld>
             <a:endParaRPr lang="en-US"/>
           </a:p>
@@ -7783,7 +7870,7 @@
           <a:p>
             <a:fld id="{3E232C92-DF21-4A04-859B-AAF8BD4EC904}" type="datetimeFigureOut">
               <a:rPr lang="en-US" smtClean="0"/>
-              <a:t>10/12/2021</a:t>
+              <a:t>11/8/2021</a:t>
             </a:fld>
             <a:endParaRPr lang="en-US"/>
           </a:p>
@@ -8195,7 +8282,7 @@
           <a:p>
             <a:fld id="{3E232C92-DF21-4A04-859B-AAF8BD4EC904}" type="datetimeFigureOut">
               <a:rPr lang="en-US" smtClean="0"/>
-              <a:t>10/12/2021</a:t>
+              <a:t>11/8/2021</a:t>
             </a:fld>
             <a:endParaRPr lang="en-US"/>
           </a:p>
@@ -8336,7 +8423,7 @@
           <a:p>
             <a:fld id="{3E232C92-DF21-4A04-859B-AAF8BD4EC904}" type="datetimeFigureOut">
               <a:rPr lang="en-US" smtClean="0"/>
-              <a:t>10/12/2021</a:t>
+              <a:t>11/8/2021</a:t>
             </a:fld>
             <a:endParaRPr lang="en-US"/>
           </a:p>
@@ -8449,7 +8536,7 @@
           <a:p>
             <a:fld id="{3E232C92-DF21-4A04-859B-AAF8BD4EC904}" type="datetimeFigureOut">
               <a:rPr lang="en-US" smtClean="0"/>
-              <a:t>10/12/2021</a:t>
+              <a:t>11/8/2021</a:t>
             </a:fld>
             <a:endParaRPr lang="en-US"/>
           </a:p>
@@ -8760,7 +8847,7 @@
           <a:p>
             <a:fld id="{3E232C92-DF21-4A04-859B-AAF8BD4EC904}" type="datetimeFigureOut">
               <a:rPr lang="en-US" smtClean="0"/>
-              <a:t>10/12/2021</a:t>
+              <a:t>11/8/2021</a:t>
             </a:fld>
             <a:endParaRPr lang="en-US"/>
           </a:p>
@@ -9048,7 +9135,7 @@
           <a:p>
             <a:fld id="{3E232C92-DF21-4A04-859B-AAF8BD4EC904}" type="datetimeFigureOut">
               <a:rPr lang="en-US" smtClean="0"/>
-              <a:t>10/12/2021</a:t>
+              <a:t>11/8/2021</a:t>
             </a:fld>
             <a:endParaRPr lang="en-US"/>
           </a:p>
@@ -9289,7 +9376,7 @@
           <a:p>
             <a:fld id="{3E232C92-DF21-4A04-859B-AAF8BD4EC904}" type="datetimeFigureOut">
               <a:rPr lang="en-US" smtClean="0"/>
-              <a:t>10/12/2021</a:t>
+              <a:t>11/8/2021</a:t>
             </a:fld>
             <a:endParaRPr lang="en-US"/>
           </a:p>
@@ -9915,7 +10002,7 @@
           <a:p>
             <a:fld id="{7CE3BD8C-C39F-4FFF-9CD5-05E4806DBFF3}" type="datetime1">
               <a:rPr lang="en-US" altLang="en-US" smtClean="0"/>
-              <a:t>10/12/2021</a:t>
+              <a:t>11/8/2021</a:t>
             </a:fld>
             <a:endParaRPr lang="en-US" altLang="en-US"/>
           </a:p>
@@ -17754,7 +17841,7 @@
           <p:cNvPr id="2" name="Title 1">
             <a:extLst>
               <a:ext uri="{FF2B5EF4-FFF2-40B4-BE49-F238E27FC236}">
-                <a16:creationId xmlns:a16="http://schemas.microsoft.com/office/drawing/2014/main" id="{CA312D2E-9348-4F8D-937D-6AA79DDE4A3B}"/>
+                <a16:creationId xmlns:a16="http://schemas.microsoft.com/office/drawing/2014/main" id="{DE4FC254-7E84-4C1E-B2B1-8F45C616E91E}"/>
               </a:ext>
             </a:extLst>
           </p:cNvPr>
@@ -17771,9 +17858,10 @@
           <a:lstStyle/>
           <a:p>
             <a:r>
-              <a:rPr lang="en-US" dirty="0"/>
-              <a:t>Guidance Page</a:t>
-            </a:r>
+              <a:rPr lang="en-US"/>
+              <a:t>Figure 1-3 (Home page)</a:t>
+            </a:r>
+            <a:endParaRPr lang="en-US" dirty="0"/>
           </a:p>
         </p:txBody>
       </p:sp>
@@ -17782,7 +17870,7 @@
           <p:cNvPr id="3" name="Text Placeholder 2">
             <a:extLst>
               <a:ext uri="{FF2B5EF4-FFF2-40B4-BE49-F238E27FC236}">
-                <a16:creationId xmlns:a16="http://schemas.microsoft.com/office/drawing/2014/main" id="{BB3CD43F-8553-40B1-9050-7F83A248717D}"/>
+                <a16:creationId xmlns:a16="http://schemas.microsoft.com/office/drawing/2014/main" id="{4025DF32-5ADE-4348-8F51-B2255B4D83D2}"/>
               </a:ext>
             </a:extLst>
           </p:cNvPr>
@@ -17798,7 +17886,13 @@
           <a:bodyPr/>
           <a:lstStyle/>
           <a:p>
-            <a:endParaRPr lang="en-US"/>
+            <a:pPr marL="0" indent="0">
+              <a:buNone/>
+            </a:pPr>
+            <a:r>
+              <a:rPr lang="en-US" dirty="0"/>
+              <a:t> </a:t>
+            </a:r>
           </a:p>
         </p:txBody>
       </p:sp>
@@ -17807,7 +17901,7 @@
           <p:cNvPr id="4" name="Footer Placeholder 3">
             <a:extLst>
               <a:ext uri="{FF2B5EF4-FFF2-40B4-BE49-F238E27FC236}">
-                <a16:creationId xmlns:a16="http://schemas.microsoft.com/office/drawing/2014/main" id="{398C3AFC-73DA-4BEE-9920-A96CBA4DB9DA}"/>
+                <a16:creationId xmlns:a16="http://schemas.microsoft.com/office/drawing/2014/main" id="{6F1D9FDC-5EC9-421B-B816-669D4CBA8D03}"/>
               </a:ext>
             </a:extLst>
           </p:cNvPr>
@@ -17842,7 +17936,7 @@
           <p:cNvPr id="5" name="Slide Number Placeholder 4">
             <a:extLst>
               <a:ext uri="{FF2B5EF4-FFF2-40B4-BE49-F238E27FC236}">
-                <a16:creationId xmlns:a16="http://schemas.microsoft.com/office/drawing/2014/main" id="{46F8B53C-135E-405E-BA3A-8FEF468B0C17}"/>
+                <a16:creationId xmlns:a16="http://schemas.microsoft.com/office/drawing/2014/main" id="{ABC91477-8158-43AE-8C67-AA1E9785A906}"/>
               </a:ext>
             </a:extLst>
           </p:cNvPr>
@@ -17867,10 +17961,434 @@
           </a:p>
         </p:txBody>
       </p:sp>
+      <p:pic>
+        <p:nvPicPr>
+          <p:cNvPr id="6" name="Graphic 5">
+            <a:extLst>
+              <a:ext uri="{FF2B5EF4-FFF2-40B4-BE49-F238E27FC236}">
+                <a16:creationId xmlns:a16="http://schemas.microsoft.com/office/drawing/2014/main" id="{842186CE-C3CB-491F-B90D-334B74F93238}"/>
+              </a:ext>
+            </a:extLst>
+          </p:cNvPr>
+          <p:cNvPicPr>
+            <a:picLocks noChangeAspect="1"/>
+          </p:cNvPicPr>
+          <p:nvPr/>
+        </p:nvPicPr>
+        <p:blipFill>
+          <a:blip r:embed="rId3">
+            <a:extLst>
+              <a:ext uri="{96DAC541-7B7A-43D3-8B79-37D633B846F1}">
+                <asvg:svgBlip xmlns:asvg="http://schemas.microsoft.com/office/drawing/2016/SVG/main" r:embed="rId4"/>
+              </a:ext>
+            </a:extLst>
+          </a:blip>
+          <a:stretch>
+            <a:fillRect/>
+          </a:stretch>
+        </p:blipFill>
+        <p:spPr>
+          <a:xfrm>
+            <a:off x="3428016" y="3173224"/>
+            <a:ext cx="659817" cy="996459"/>
+          </a:xfrm>
+          <a:prstGeom prst="rect">
+            <a:avLst/>
+          </a:prstGeom>
+        </p:spPr>
+      </p:pic>
+      <p:pic>
+        <p:nvPicPr>
+          <p:cNvPr id="7" name="Graphic 6">
+            <a:extLst>
+              <a:ext uri="{FF2B5EF4-FFF2-40B4-BE49-F238E27FC236}">
+                <a16:creationId xmlns:a16="http://schemas.microsoft.com/office/drawing/2014/main" id="{3E4BF30F-2D52-4FA7-8B6E-989427E65C55}"/>
+              </a:ext>
+            </a:extLst>
+          </p:cNvPr>
+          <p:cNvPicPr>
+            <a:picLocks noChangeAspect="1"/>
+          </p:cNvPicPr>
+          <p:nvPr/>
+        </p:nvPicPr>
+        <p:blipFill>
+          <a:blip r:embed="rId5">
+            <a:extLst>
+              <a:ext uri="{96DAC541-7B7A-43D3-8B79-37D633B846F1}">
+                <asvg:svgBlip xmlns:asvg="http://schemas.microsoft.com/office/drawing/2016/SVG/main" r:embed="rId6"/>
+              </a:ext>
+            </a:extLst>
+          </a:blip>
+          <a:stretch>
+            <a:fillRect/>
+          </a:stretch>
+        </p:blipFill>
+        <p:spPr>
+          <a:xfrm>
+            <a:off x="7464510" y="2979089"/>
+            <a:ext cx="814124" cy="899821"/>
+          </a:xfrm>
+          <a:prstGeom prst="rect">
+            <a:avLst/>
+          </a:prstGeom>
+        </p:spPr>
+      </p:pic>
+      <p:sp>
+        <p:nvSpPr>
+          <p:cNvPr id="9" name="TextBox 8">
+            <a:extLst>
+              <a:ext uri="{FF2B5EF4-FFF2-40B4-BE49-F238E27FC236}">
+                <a16:creationId xmlns:a16="http://schemas.microsoft.com/office/drawing/2014/main" id="{F400E8FA-0292-4288-B1BB-DA58B38789C1}"/>
+              </a:ext>
+            </a:extLst>
+          </p:cNvPr>
+          <p:cNvSpPr txBox="1"/>
+          <p:nvPr/>
+        </p:nvSpPr>
+        <p:spPr>
+          <a:xfrm>
+            <a:off x="1368638" y="3121037"/>
+            <a:ext cx="2162408" cy="584775"/>
+          </a:xfrm>
+          <a:prstGeom prst="rect">
+            <a:avLst/>
+          </a:prstGeom>
+          <a:noFill/>
+        </p:spPr>
+        <p:txBody>
+          <a:bodyPr wrap="square" rtlCol="0">
+            <a:spAutoFit/>
+          </a:bodyPr>
+          <a:lstStyle/>
+          <a:p>
+            <a:pPr algn="ctr" defTabSz="609585" fontAlgn="base">
+              <a:spcBef>
+                <a:spcPct val="0"/>
+              </a:spcBef>
+              <a:spcAft>
+                <a:spcPct val="0"/>
+              </a:spcAft>
+              <a:defRPr/>
+            </a:pPr>
+            <a:r>
+              <a:rPr lang="en-US" sz="1600" b="1" dirty="0">
+                <a:solidFill>
+                  <a:srgbClr val="C00000"/>
+                </a:solidFill>
+                <a:latin typeface="Arial"/>
+                <a:ea typeface="ヒラギノ角ゴ Pro W3" pitchFamily="-126" charset="-128"/>
+              </a:rPr>
+              <a:t>Client</a:t>
+            </a:r>
+          </a:p>
+          <a:p>
+            <a:pPr algn="ctr" defTabSz="609585" fontAlgn="base">
+              <a:spcBef>
+                <a:spcPct val="0"/>
+              </a:spcBef>
+              <a:spcAft>
+                <a:spcPct val="0"/>
+              </a:spcAft>
+              <a:defRPr/>
+            </a:pPr>
+            <a:r>
+              <a:rPr lang="en-US" sz="1600" b="1" dirty="0">
+                <a:solidFill>
+                  <a:srgbClr val="C00000"/>
+                </a:solidFill>
+                <a:latin typeface="Arial"/>
+                <a:ea typeface="ヒラギノ角ゴ Pro W3" pitchFamily="-126" charset="-128"/>
+              </a:rPr>
+              <a:t>(example Provider)</a:t>
+            </a:r>
+          </a:p>
+        </p:txBody>
+      </p:sp>
+      <p:sp>
+        <p:nvSpPr>
+          <p:cNvPr id="10" name="TextBox 9">
+            <a:extLst>
+              <a:ext uri="{FF2B5EF4-FFF2-40B4-BE49-F238E27FC236}">
+                <a16:creationId xmlns:a16="http://schemas.microsoft.com/office/drawing/2014/main" id="{984AE2E2-20A9-4B44-A58D-4BBB1DF61213}"/>
+              </a:ext>
+            </a:extLst>
+          </p:cNvPr>
+          <p:cNvSpPr txBox="1"/>
+          <p:nvPr/>
+        </p:nvSpPr>
+        <p:spPr>
+          <a:xfrm>
+            <a:off x="8076248" y="3100638"/>
+            <a:ext cx="2115679" cy="584775"/>
+          </a:xfrm>
+          <a:prstGeom prst="rect">
+            <a:avLst/>
+          </a:prstGeom>
+          <a:noFill/>
+        </p:spPr>
+        <p:txBody>
+          <a:bodyPr wrap="square" rtlCol="0">
+            <a:spAutoFit/>
+          </a:bodyPr>
+          <a:lstStyle/>
+          <a:p>
+            <a:pPr algn="ctr" defTabSz="609585" fontAlgn="base">
+              <a:spcBef>
+                <a:spcPct val="0"/>
+              </a:spcBef>
+              <a:spcAft>
+                <a:spcPct val="0"/>
+              </a:spcAft>
+              <a:defRPr/>
+            </a:pPr>
+            <a:r>
+              <a:rPr lang="en-US" sz="1600" b="1" dirty="0">
+                <a:solidFill>
+                  <a:srgbClr val="F79646">
+                    <a:lumMod val="50000"/>
+                  </a:srgbClr>
+                </a:solidFill>
+                <a:latin typeface="Arial"/>
+                <a:ea typeface="ヒラギノ角ゴ Pro W3" pitchFamily="-126" charset="-128"/>
+              </a:rPr>
+              <a:t>Server</a:t>
+            </a:r>
+          </a:p>
+          <a:p>
+            <a:pPr algn="ctr" defTabSz="609585" fontAlgn="base">
+              <a:spcBef>
+                <a:spcPct val="0"/>
+              </a:spcBef>
+              <a:spcAft>
+                <a:spcPct val="0"/>
+              </a:spcAft>
+              <a:defRPr/>
+            </a:pPr>
+            <a:r>
+              <a:rPr lang="en-US" sz="1600" b="1" dirty="0">
+                <a:solidFill>
+                  <a:srgbClr val="F79646">
+                    <a:lumMod val="50000"/>
+                  </a:srgbClr>
+                </a:solidFill>
+                <a:latin typeface="Arial"/>
+                <a:ea typeface="ヒラギノ角ゴ Pro W3" pitchFamily="-126" charset="-128"/>
+              </a:rPr>
+              <a:t>(example Payer)</a:t>
+            </a:r>
+          </a:p>
+        </p:txBody>
+      </p:sp>
+      <p:sp>
+        <p:nvSpPr>
+          <p:cNvPr id="8" name="Arrow: U-Turn 7">
+            <a:extLst>
+              <a:ext uri="{FF2B5EF4-FFF2-40B4-BE49-F238E27FC236}">
+                <a16:creationId xmlns:a16="http://schemas.microsoft.com/office/drawing/2014/main" id="{BBA494F5-C840-4276-B567-19F510FB3BE8}"/>
+              </a:ext>
+            </a:extLst>
+          </p:cNvPr>
+          <p:cNvSpPr/>
+          <p:nvPr/>
+        </p:nvSpPr>
+        <p:spPr>
+          <a:xfrm rot="10800000" flipH="1" flipV="1">
+            <a:off x="3604184" y="1851892"/>
+            <a:ext cx="4572963" cy="1202435"/>
+          </a:xfrm>
+          <a:prstGeom prst="uturnArrow">
+            <a:avLst/>
+          </a:prstGeom>
+        </p:spPr>
+        <p:style>
+          <a:lnRef idx="1">
+            <a:schemeClr val="accent1"/>
+          </a:lnRef>
+          <a:fillRef idx="3">
+            <a:schemeClr val="accent1"/>
+          </a:fillRef>
+          <a:effectRef idx="2">
+            <a:schemeClr val="accent1"/>
+          </a:effectRef>
+          <a:fontRef idx="minor">
+            <a:schemeClr val="lt1"/>
+          </a:fontRef>
+        </p:style>
+        <p:txBody>
+          <a:bodyPr rtlCol="0" anchor="ctr"/>
+          <a:lstStyle/>
+          <a:p>
+            <a:pPr algn="ctr"/>
+            <a:endParaRPr lang="en-US">
+              <a:solidFill>
+                <a:schemeClr val="tx1"/>
+              </a:solidFill>
+            </a:endParaRPr>
+          </a:p>
+        </p:txBody>
+      </p:sp>
+      <p:sp>
+        <p:nvSpPr>
+          <p:cNvPr id="13" name="Arrow: U-Turn 12">
+            <a:extLst>
+              <a:ext uri="{FF2B5EF4-FFF2-40B4-BE49-F238E27FC236}">
+                <a16:creationId xmlns:a16="http://schemas.microsoft.com/office/drawing/2014/main" id="{174416F3-D18D-44B8-B799-1F518BBC5027}"/>
+              </a:ext>
+            </a:extLst>
+          </p:cNvPr>
+          <p:cNvSpPr/>
+          <p:nvPr/>
+        </p:nvSpPr>
+        <p:spPr>
+          <a:xfrm rot="10800000">
+            <a:off x="3531047" y="3933241"/>
+            <a:ext cx="4472642" cy="1202435"/>
+          </a:xfrm>
+          <a:prstGeom prst="uturnArrow">
+            <a:avLst/>
+          </a:prstGeom>
+        </p:spPr>
+        <p:style>
+          <a:lnRef idx="1">
+            <a:schemeClr val="accent1"/>
+          </a:lnRef>
+          <a:fillRef idx="3">
+            <a:schemeClr val="accent1"/>
+          </a:fillRef>
+          <a:effectRef idx="2">
+            <a:schemeClr val="accent1"/>
+          </a:effectRef>
+          <a:fontRef idx="minor">
+            <a:schemeClr val="lt1"/>
+          </a:fontRef>
+        </p:style>
+        <p:txBody>
+          <a:bodyPr rtlCol="0" anchor="ctr"/>
+          <a:lstStyle/>
+          <a:p>
+            <a:pPr algn="ctr"/>
+            <a:endParaRPr lang="en-US">
+              <a:solidFill>
+                <a:schemeClr val="tx1"/>
+              </a:solidFill>
+            </a:endParaRPr>
+          </a:p>
+        </p:txBody>
+      </p:sp>
+      <p:sp>
+        <p:nvSpPr>
+          <p:cNvPr id="14" name="Rectangle 13">
+            <a:extLst>
+              <a:ext uri="{FF2B5EF4-FFF2-40B4-BE49-F238E27FC236}">
+                <a16:creationId xmlns:a16="http://schemas.microsoft.com/office/drawing/2014/main" id="{330FFA72-BBBD-4DBC-800E-90E49E5C0B79}"/>
+              </a:ext>
+            </a:extLst>
+          </p:cNvPr>
+          <p:cNvSpPr/>
+          <p:nvPr/>
+        </p:nvSpPr>
+        <p:spPr>
+          <a:xfrm>
+            <a:off x="4878367" y="1693366"/>
+            <a:ext cx="1778000" cy="598013"/>
+          </a:xfrm>
+          <a:prstGeom prst="rect">
+            <a:avLst/>
+          </a:prstGeom>
+          <a:solidFill>
+            <a:schemeClr val="bg1"/>
+          </a:solidFill>
+        </p:spPr>
+        <p:style>
+          <a:lnRef idx="1">
+            <a:schemeClr val="accent1"/>
+          </a:lnRef>
+          <a:fillRef idx="3">
+            <a:schemeClr val="accent1"/>
+          </a:fillRef>
+          <a:effectRef idx="2">
+            <a:schemeClr val="accent1"/>
+          </a:effectRef>
+          <a:fontRef idx="minor">
+            <a:schemeClr val="lt1"/>
+          </a:fontRef>
+        </p:style>
+        <p:txBody>
+          <a:bodyPr rtlCol="0" anchor="ctr"/>
+          <a:lstStyle/>
+          <a:p>
+            <a:pPr algn="ctr"/>
+            <a:r>
+              <a:rPr lang="en-US" sz="1600" b="1" dirty="0">
+                <a:solidFill>
+                  <a:schemeClr val="tx1"/>
+                </a:solidFill>
+              </a:rPr>
+              <a:t>$report</a:t>
+            </a:r>
+          </a:p>
+        </p:txBody>
+      </p:sp>
+      <p:sp>
+        <p:nvSpPr>
+          <p:cNvPr id="16" name="Rectangle 15">
+            <a:extLst>
+              <a:ext uri="{FF2B5EF4-FFF2-40B4-BE49-F238E27FC236}">
+                <a16:creationId xmlns:a16="http://schemas.microsoft.com/office/drawing/2014/main" id="{6908AAC3-35FE-4372-8B8E-78FD5F752EEB}"/>
+              </a:ext>
+            </a:extLst>
+          </p:cNvPr>
+          <p:cNvSpPr/>
+          <p:nvPr/>
+        </p:nvSpPr>
+        <p:spPr>
+          <a:xfrm>
+            <a:off x="4880094" y="4665336"/>
+            <a:ext cx="2021142" cy="658153"/>
+          </a:xfrm>
+          <a:prstGeom prst="rect">
+            <a:avLst/>
+          </a:prstGeom>
+          <a:solidFill>
+            <a:schemeClr val="bg1"/>
+          </a:solidFill>
+        </p:spPr>
+        <p:style>
+          <a:lnRef idx="1">
+            <a:schemeClr val="accent1"/>
+          </a:lnRef>
+          <a:fillRef idx="3">
+            <a:schemeClr val="accent1"/>
+          </a:fillRef>
+          <a:effectRef idx="2">
+            <a:schemeClr val="accent1"/>
+          </a:effectRef>
+          <a:fontRef idx="minor">
+            <a:schemeClr val="lt1"/>
+          </a:fontRef>
+        </p:style>
+        <p:txBody>
+          <a:bodyPr rtlCol="0" anchor="ctr"/>
+          <a:lstStyle/>
+          <a:p>
+            <a:pPr algn="ctr"/>
+            <a:r>
+              <a:rPr lang="en-US" sz="1400" b="1" dirty="0">
+                <a:solidFill>
+                  <a:schemeClr val="tx1"/>
+                </a:solidFill>
+                <a:latin typeface="Arial" panose="020B0604020202020204" pitchFamily="34" charset="0"/>
+                <a:cs typeface="Arial" panose="020B0604020202020204" pitchFamily="34" charset="0"/>
+              </a:rPr>
+              <a:t>Risk Adjustment Coding Gap Reports</a:t>
+            </a:r>
+          </a:p>
+        </p:txBody>
+      </p:sp>
     </p:spTree>
     <p:extLst>
       <p:ext uri="{BB962C8B-B14F-4D97-AF65-F5344CB8AC3E}">
-        <p14:creationId xmlns:p14="http://schemas.microsoft.com/office/powerpoint/2010/main" val="3236408681"/>
+        <p14:creationId xmlns:p14="http://schemas.microsoft.com/office/powerpoint/2010/main" val="841643404"/>
       </p:ext>
     </p:extLst>
   </p:cSld>

--- a/input/images/Source/Risk Adjustment Images.pptx
+++ b/input/images/Source/Risk Adjustment Images.pptx
@@ -211,7 +211,7 @@
           <a:p>
             <a:fld id="{4337D45E-38B5-4093-B633-D3DDCA61416C}" type="datetimeFigureOut">
               <a:rPr lang="en-US" smtClean="0"/>
-              <a:t>11/12/2021</a:t>
+              <a:t>1/16/2022</a:t>
             </a:fld>
             <a:endParaRPr lang="en-US"/>
           </a:p>
@@ -975,7 +975,10 @@
           <a:bodyPr/>
           <a:lstStyle/>
           <a:p>
-            <a:endParaRPr lang="en-US"/>
+            <a:r>
+              <a:rPr lang="en-US" dirty="0"/>
+              <a:t>Note: 1-16-2022 corrected HCC 18 from Diabetes with No Complication to Diabetes with Chronic Complication</a:t>
+            </a:r>
           </a:p>
         </p:txBody>
       </p:sp>
@@ -1524,7 +1527,7 @@
           <a:p>
             <a:fld id="{3E232C92-DF21-4A04-859B-AAF8BD4EC904}" type="datetimeFigureOut">
               <a:rPr lang="en-US" smtClean="0"/>
-              <a:t>11/12/2021</a:t>
+              <a:t>1/16/2022</a:t>
             </a:fld>
             <a:endParaRPr lang="en-US"/>
           </a:p>
@@ -1722,7 +1725,7 @@
           <a:p>
             <a:fld id="{3E232C92-DF21-4A04-859B-AAF8BD4EC904}" type="datetimeFigureOut">
               <a:rPr lang="en-US" smtClean="0"/>
-              <a:t>11/12/2021</a:t>
+              <a:t>1/16/2022</a:t>
             </a:fld>
             <a:endParaRPr lang="en-US"/>
           </a:p>
@@ -1930,7 +1933,7 @@
           <a:p>
             <a:fld id="{3E232C92-DF21-4A04-859B-AAF8BD4EC904}" type="datetimeFigureOut">
               <a:rPr lang="en-US" smtClean="0"/>
-              <a:t>11/12/2021</a:t>
+              <a:t>1/16/2022</a:t>
             </a:fld>
             <a:endParaRPr lang="en-US"/>
           </a:p>
@@ -2872,7 +2875,7 @@
           <a:p>
             <a:fld id="{23F303CC-BC6F-44EE-9A09-81F690F71D2E}" type="datetime1">
               <a:rPr lang="en-US" altLang="en-US" smtClean="0"/>
-              <a:t>11/12/2021</a:t>
+              <a:t>1/16/2022</a:t>
             </a:fld>
             <a:endParaRPr lang="en-US" altLang="en-US" dirty="0"/>
           </a:p>
@@ -6694,7 +6697,7 @@
           <a:p>
             <a:fld id="{3E232C92-DF21-4A04-859B-AAF8BD4EC904}" type="datetimeFigureOut">
               <a:rPr lang="en-US" smtClean="0"/>
-              <a:t>11/12/2021</a:t>
+              <a:t>1/16/2022</a:t>
             </a:fld>
             <a:endParaRPr lang="en-US"/>
           </a:p>
@@ -7710,7 +7713,7 @@
           <a:p>
             <a:fld id="{3E232C92-DF21-4A04-859B-AAF8BD4EC904}" type="datetimeFigureOut">
               <a:rPr lang="en-US" smtClean="0"/>
-              <a:t>11/12/2021</a:t>
+              <a:t>1/16/2022</a:t>
             </a:fld>
             <a:endParaRPr lang="en-US"/>
           </a:p>
@@ -7985,7 +7988,7 @@
           <a:p>
             <a:fld id="{3E232C92-DF21-4A04-859B-AAF8BD4EC904}" type="datetimeFigureOut">
               <a:rPr lang="en-US" smtClean="0"/>
-              <a:t>11/12/2021</a:t>
+              <a:t>1/16/2022</a:t>
             </a:fld>
             <a:endParaRPr lang="en-US"/>
           </a:p>
@@ -8250,7 +8253,7 @@
           <a:p>
             <a:fld id="{3E232C92-DF21-4A04-859B-AAF8BD4EC904}" type="datetimeFigureOut">
               <a:rPr lang="en-US" smtClean="0"/>
-              <a:t>11/12/2021</a:t>
+              <a:t>1/16/2022</a:t>
             </a:fld>
             <a:endParaRPr lang="en-US"/>
           </a:p>
@@ -8662,7 +8665,7 @@
           <a:p>
             <a:fld id="{3E232C92-DF21-4A04-859B-AAF8BD4EC904}" type="datetimeFigureOut">
               <a:rPr lang="en-US" smtClean="0"/>
-              <a:t>11/12/2021</a:t>
+              <a:t>1/16/2022</a:t>
             </a:fld>
             <a:endParaRPr lang="en-US"/>
           </a:p>
@@ -8803,7 +8806,7 @@
           <a:p>
             <a:fld id="{3E232C92-DF21-4A04-859B-AAF8BD4EC904}" type="datetimeFigureOut">
               <a:rPr lang="en-US" smtClean="0"/>
-              <a:t>11/12/2021</a:t>
+              <a:t>1/16/2022</a:t>
             </a:fld>
             <a:endParaRPr lang="en-US"/>
           </a:p>
@@ -8916,7 +8919,7 @@
           <a:p>
             <a:fld id="{3E232C92-DF21-4A04-859B-AAF8BD4EC904}" type="datetimeFigureOut">
               <a:rPr lang="en-US" smtClean="0"/>
-              <a:t>11/12/2021</a:t>
+              <a:t>1/16/2022</a:t>
             </a:fld>
             <a:endParaRPr lang="en-US"/>
           </a:p>
@@ -9227,7 +9230,7 @@
           <a:p>
             <a:fld id="{3E232C92-DF21-4A04-859B-AAF8BD4EC904}" type="datetimeFigureOut">
               <a:rPr lang="en-US" smtClean="0"/>
-              <a:t>11/12/2021</a:t>
+              <a:t>1/16/2022</a:t>
             </a:fld>
             <a:endParaRPr lang="en-US"/>
           </a:p>
@@ -9515,7 +9518,7 @@
           <a:p>
             <a:fld id="{3E232C92-DF21-4A04-859B-AAF8BD4EC904}" type="datetimeFigureOut">
               <a:rPr lang="en-US" smtClean="0"/>
-              <a:t>11/12/2021</a:t>
+              <a:t>1/16/2022</a:t>
             </a:fld>
             <a:endParaRPr lang="en-US"/>
           </a:p>
@@ -9756,7 +9759,7 @@
           <a:p>
             <a:fld id="{3E232C92-DF21-4A04-859B-AAF8BD4EC904}" type="datetimeFigureOut">
               <a:rPr lang="en-US" smtClean="0"/>
-              <a:t>11/12/2021</a:t>
+              <a:t>1/16/2022</a:t>
             </a:fld>
             <a:endParaRPr lang="en-US"/>
           </a:p>
@@ -10382,7 +10385,7 @@
           <a:p>
             <a:fld id="{7CE3BD8C-C39F-4FFF-9CD5-05E4806DBFF3}" type="datetime1">
               <a:rPr lang="en-US" altLang="en-US" smtClean="0"/>
-              <a:t>11/12/2021</a:t>
+              <a:t>1/16/2022</a:t>
             </a:fld>
             <a:endParaRPr lang="en-US" altLang="en-US"/>
           </a:p>
@@ -23490,7 +23493,7 @@
                   <a:prstClr val="white"/>
                 </a:solidFill>
               </a:rPr>
-              <a:t>    .code: 18 Diabetes with No Complication</a:t>
+              <a:t>    .code: 18 Diabetes with Chronic Complications</a:t>
             </a:r>
           </a:p>
           <a:p>

--- a/input/images/Source/Risk Adjustment Images.pptx
+++ b/input/images/Source/Risk Adjustment Images.pptx
@@ -6,23 +6,25 @@
     <p:sldMasterId id="2147483660" r:id="rId2"/>
   </p:sldMasterIdLst>
   <p:notesMasterIdLst>
-    <p:notesMasterId r:id="rId17"/>
+    <p:notesMasterId r:id="rId19"/>
   </p:notesMasterIdLst>
   <p:sldIdLst>
     <p:sldId id="256" r:id="rId3"/>
     <p:sldId id="273" r:id="rId4"/>
     <p:sldId id="2970" r:id="rId5"/>
     <p:sldId id="267" r:id="rId6"/>
-    <p:sldId id="2973" r:id="rId7"/>
-    <p:sldId id="2971" r:id="rId8"/>
-    <p:sldId id="2976" r:id="rId9"/>
-    <p:sldId id="2969" r:id="rId10"/>
-    <p:sldId id="2968" r:id="rId11"/>
-    <p:sldId id="2967" r:id="rId12"/>
-    <p:sldId id="2972" r:id="rId13"/>
-    <p:sldId id="268" r:id="rId14"/>
-    <p:sldId id="2966" r:id="rId15"/>
-    <p:sldId id="2975" r:id="rId16"/>
+    <p:sldId id="2977" r:id="rId7"/>
+    <p:sldId id="2978" r:id="rId8"/>
+    <p:sldId id="2973" r:id="rId9"/>
+    <p:sldId id="2971" r:id="rId10"/>
+    <p:sldId id="2976" r:id="rId11"/>
+    <p:sldId id="2969" r:id="rId12"/>
+    <p:sldId id="2968" r:id="rId13"/>
+    <p:sldId id="2967" r:id="rId14"/>
+    <p:sldId id="2972" r:id="rId15"/>
+    <p:sldId id="268" r:id="rId16"/>
+    <p:sldId id="2966" r:id="rId17"/>
+    <p:sldId id="2975" r:id="rId18"/>
   </p:sldIdLst>
   <p:sldSz cx="12192000" cy="6858000"/>
   <p:notesSz cx="6858000" cy="9144000"/>
@@ -211,7 +213,7 @@
           <a:p>
             <a:fld id="{4337D45E-38B5-4093-B633-D3DDCA61416C}" type="datetimeFigureOut">
               <a:rPr lang="en-US" smtClean="0"/>
-              <a:t>1/16/2022</a:t>
+              <a:t>1/31/2022</a:t>
             </a:fld>
             <a:endParaRPr lang="en-US"/>
           </a:p>
@@ -605,6 +607,188 @@
 </p:notes>
 </file>
 
+<file path=ppt/notesSlides/notesSlide10.xml><?xml version="1.0" encoding="utf-8"?>
+<p:notes xmlns:a="http://schemas.openxmlformats.org/drawingml/2006/main" xmlns:r="http://schemas.openxmlformats.org/officeDocument/2006/relationships" xmlns:p="http://schemas.openxmlformats.org/presentationml/2006/main">
+  <p:cSld>
+    <p:spTree>
+      <p:nvGrpSpPr>
+        <p:cNvPr id="1" name=""/>
+        <p:cNvGrpSpPr/>
+        <p:nvPr/>
+      </p:nvGrpSpPr>
+      <p:grpSpPr>
+        <a:xfrm>
+          <a:off x="0" y="0"/>
+          <a:ext cx="0" cy="0"/>
+          <a:chOff x="0" y="0"/>
+          <a:chExt cx="0" cy="0"/>
+        </a:xfrm>
+      </p:grpSpPr>
+      <p:sp>
+        <p:nvSpPr>
+          <p:cNvPr id="2" name="Slide Image Placeholder 1"/>
+          <p:cNvSpPr>
+            <a:spLocks noGrp="1" noRot="1" noChangeAspect="1"/>
+          </p:cNvSpPr>
+          <p:nvPr>
+            <p:ph type="sldImg"/>
+          </p:nvPr>
+        </p:nvSpPr>
+        <p:spPr/>
+      </p:sp>
+      <p:sp>
+        <p:nvSpPr>
+          <p:cNvPr id="3" name="Notes Placeholder 2"/>
+          <p:cNvSpPr>
+            <a:spLocks noGrp="1"/>
+          </p:cNvSpPr>
+          <p:nvPr>
+            <p:ph type="body" idx="1"/>
+          </p:nvPr>
+        </p:nvSpPr>
+        <p:spPr/>
+        <p:txBody>
+          <a:bodyPr/>
+          <a:lstStyle/>
+          <a:p>
+            <a:r>
+              <a:rPr lang="en-US" dirty="0"/>
+              <a:t>Source is </a:t>
+            </a:r>
+            <a:r>
+              <a:rPr lang="en-US" dirty="0" err="1"/>
+              <a:t>visio</a:t>
+            </a:r>
+            <a:r>
+              <a:rPr lang="en-US" dirty="0"/>
+              <a:t>, </a:t>
+            </a:r>
+          </a:p>
+        </p:txBody>
+      </p:sp>
+      <p:sp>
+        <p:nvSpPr>
+          <p:cNvPr id="4" name="Slide Number Placeholder 3"/>
+          <p:cNvSpPr>
+            <a:spLocks noGrp="1"/>
+          </p:cNvSpPr>
+          <p:nvPr>
+            <p:ph type="sldNum" sz="quarter" idx="5"/>
+          </p:nvPr>
+        </p:nvSpPr>
+        <p:spPr/>
+        <p:txBody>
+          <a:bodyPr/>
+          <a:lstStyle/>
+          <a:p>
+            <a:fld id="{1D553A4D-C549-44B5-B4F2-4FBA040D2BDB}" type="slidenum">
+              <a:rPr lang="en-US" smtClean="0"/>
+              <a:t>15</a:t>
+            </a:fld>
+            <a:endParaRPr lang="en-US"/>
+          </a:p>
+        </p:txBody>
+      </p:sp>
+    </p:spTree>
+    <p:extLst>
+      <p:ext uri="{BB962C8B-B14F-4D97-AF65-F5344CB8AC3E}">
+        <p14:creationId xmlns:p14="http://schemas.microsoft.com/office/powerpoint/2010/main" val="1997305611"/>
+      </p:ext>
+    </p:extLst>
+  </p:cSld>
+  <p:clrMapOvr>
+    <a:masterClrMapping/>
+  </p:clrMapOvr>
+</p:notes>
+</file>
+
+<file path=ppt/notesSlides/notesSlide11.xml><?xml version="1.0" encoding="utf-8"?>
+<p:notes xmlns:a="http://schemas.openxmlformats.org/drawingml/2006/main" xmlns:r="http://schemas.openxmlformats.org/officeDocument/2006/relationships" xmlns:p="http://schemas.openxmlformats.org/presentationml/2006/main">
+  <p:cSld>
+    <p:spTree>
+      <p:nvGrpSpPr>
+        <p:cNvPr id="1" name=""/>
+        <p:cNvGrpSpPr/>
+        <p:nvPr/>
+      </p:nvGrpSpPr>
+      <p:grpSpPr>
+        <a:xfrm>
+          <a:off x="0" y="0"/>
+          <a:ext cx="0" cy="0"/>
+          <a:chOff x="0" y="0"/>
+          <a:chExt cx="0" cy="0"/>
+        </a:xfrm>
+      </p:grpSpPr>
+      <p:sp>
+        <p:nvSpPr>
+          <p:cNvPr id="2" name="Slide Image Placeholder 1"/>
+          <p:cNvSpPr>
+            <a:spLocks noGrp="1" noRot="1" noChangeAspect="1"/>
+          </p:cNvSpPr>
+          <p:nvPr>
+            <p:ph type="sldImg"/>
+          </p:nvPr>
+        </p:nvSpPr>
+        <p:spPr/>
+      </p:sp>
+      <p:sp>
+        <p:nvSpPr>
+          <p:cNvPr id="3" name="Notes Placeholder 2"/>
+          <p:cNvSpPr>
+            <a:spLocks noGrp="1"/>
+          </p:cNvSpPr>
+          <p:nvPr>
+            <p:ph type="body" idx="1"/>
+          </p:nvPr>
+        </p:nvSpPr>
+        <p:spPr/>
+        <p:txBody>
+          <a:bodyPr/>
+          <a:lstStyle/>
+          <a:p>
+            <a:r>
+              <a:rPr lang="en-US" dirty="0"/>
+              <a:t>Resource Graph to match Report	</a:t>
+            </a:r>
+          </a:p>
+        </p:txBody>
+      </p:sp>
+      <p:sp>
+        <p:nvSpPr>
+          <p:cNvPr id="4" name="Slide Number Placeholder 3"/>
+          <p:cNvSpPr>
+            <a:spLocks noGrp="1"/>
+          </p:cNvSpPr>
+          <p:nvPr>
+            <p:ph type="sldNum" sz="quarter" idx="5"/>
+          </p:nvPr>
+        </p:nvSpPr>
+        <p:spPr/>
+        <p:txBody>
+          <a:bodyPr/>
+          <a:lstStyle/>
+          <a:p>
+            <a:fld id="{1D553A4D-C549-44B5-B4F2-4FBA040D2BDB}" type="slidenum">
+              <a:rPr lang="en-US" smtClean="0"/>
+              <a:t>16</a:t>
+            </a:fld>
+            <a:endParaRPr lang="en-US"/>
+          </a:p>
+        </p:txBody>
+      </p:sp>
+    </p:spTree>
+    <p:extLst>
+      <p:ext uri="{BB962C8B-B14F-4D97-AF65-F5344CB8AC3E}">
+        <p14:creationId xmlns:p14="http://schemas.microsoft.com/office/powerpoint/2010/main" val="59845284"/>
+      </p:ext>
+    </p:extLst>
+  </p:cSld>
+  <p:clrMapOvr>
+    <a:masterClrMapping/>
+  </p:clrMapOvr>
+</p:notes>
+</file>
+
 <file path=ppt/notesSlides/notesSlide2.xml><?xml version="1.0" encoding="utf-8"?>
 <p:notes xmlns:a="http://schemas.openxmlformats.org/drawingml/2006/main" xmlns:r="http://schemas.openxmlformats.org/officeDocument/2006/relationships" xmlns:p="http://schemas.openxmlformats.org/presentationml/2006/main">
   <p:cSld>
@@ -795,15 +979,7 @@
           <a:p>
             <a:r>
               <a:rPr lang="en-US" dirty="0"/>
-              <a:t>Source is </a:t>
-            </a:r>
-            <a:r>
-              <a:rPr lang="en-US" dirty="0" err="1"/>
-              <a:t>visio</a:t>
-            </a:r>
-            <a:r>
-              <a:rPr lang="en-US" dirty="0"/>
-              <a:t>, </a:t>
+              <a:t>FHIR Tracker possible revision FHIR-34778</a:t>
             </a:r>
           </a:p>
         </p:txBody>
@@ -823,18 +999,78 @@
           <a:bodyPr/>
           <a:lstStyle/>
           <a:p>
-            <a:fld id="{1D553A4D-C549-44B5-B4F2-4FBA040D2BDB}" type="slidenum">
-              <a:rPr lang="en-US" smtClean="0"/>
+            <a:pPr marL="0" marR="0" lvl="0" indent="0" algn="r" defTabSz="457200" rtl="0" eaLnBrk="1" fontAlgn="base" latinLnBrk="0" hangingPunct="1">
+              <a:lnSpc>
+                <a:spcPct val="100000"/>
+              </a:lnSpc>
+              <a:spcBef>
+                <a:spcPct val="0"/>
+              </a:spcBef>
+              <a:spcAft>
+                <a:spcPct val="0"/>
+              </a:spcAft>
+              <a:buClrTx/>
+              <a:buSzTx/>
+              <a:buFontTx/>
+              <a:buNone/>
+              <a:tabLst/>
+              <a:defRPr/>
+            </a:pPr>
+            <a:fld id="{CF4A7F80-F256-4EC8-A9CC-1A842C6C5143}" type="slidenum">
+              <a:rPr kumimoji="0" lang="en-US" altLang="en-US" sz="1200" b="0" i="0" u="none" strike="noStrike" kern="1200" cap="none" spc="0" normalizeH="0" baseline="0" noProof="0" smtClean="0">
+                <a:ln>
+                  <a:noFill/>
+                </a:ln>
+                <a:solidFill>
+                  <a:prstClr val="black"/>
+                </a:solidFill>
+                <a:effectLst/>
+                <a:uLnTx/>
+                <a:uFillTx/>
+                <a:latin typeface="Calibri" panose="020F0502020204030204" pitchFamily="34" charset="0"/>
+                <a:ea typeface="ヒラギノ角ゴ Pro W3" pitchFamily="-126" charset="-128"/>
+                <a:cs typeface="+mn-cs"/>
+              </a:rPr>
+              <a:pPr marL="0" marR="0" lvl="0" indent="0" algn="r" defTabSz="457200" rtl="0" eaLnBrk="1" fontAlgn="base" latinLnBrk="0" hangingPunct="1">
+                <a:lnSpc>
+                  <a:spcPct val="100000"/>
+                </a:lnSpc>
+                <a:spcBef>
+                  <a:spcPct val="0"/>
+                </a:spcBef>
+                <a:spcAft>
+                  <a:spcPct val="0"/>
+                </a:spcAft>
+                <a:buClrTx/>
+                <a:buSzTx/>
+                <a:buFontTx/>
+                <a:buNone/>
+                <a:tabLst/>
+                <a:defRPr/>
+              </a:pPr>
               <a:t>5</a:t>
             </a:fld>
-            <a:endParaRPr lang="en-US"/>
+            <a:endParaRPr kumimoji="0" lang="en-US" altLang="en-US" sz="1200" b="0" i="0" u="none" strike="noStrike" kern="1200" cap="none" spc="0" normalizeH="0" baseline="0" noProof="0">
+              <a:ln>
+                <a:noFill/>
+              </a:ln>
+              <a:solidFill>
+                <a:prstClr val="black"/>
+              </a:solidFill>
+              <a:effectLst/>
+              <a:uLnTx/>
+              <a:uFillTx/>
+              <a:latin typeface="Calibri" panose="020F0502020204030204" pitchFamily="34" charset="0"/>
+              <a:ea typeface="ヒラギノ角ゴ Pro W3" pitchFamily="-126" charset="-128"/>
+              <a:cs typeface="+mn-cs"/>
+            </a:endParaRPr>
           </a:p>
         </p:txBody>
       </p:sp>
     </p:spTree>
     <p:extLst>
       <p:ext uri="{BB962C8B-B14F-4D97-AF65-F5344CB8AC3E}">
-        <p14:creationId xmlns:p14="http://schemas.microsoft.com/office/powerpoint/2010/main" val="3003593020"/>
+        <p14:creationId xmlns:p14="http://schemas.microsoft.com/office/powerpoint/2010/main" val="1618216121"/>
       </p:ext>
     </p:extLst>
   </p:cSld>
@@ -890,8 +1126,13 @@
           <a:p>
             <a:r>
               <a:rPr lang="en-US" dirty="0"/>
-              <a:t>Used for risk-adjustment-gaps-workflow.png</a:t>
-            </a:r>
+              <a:t>FHIR Tracker possible revision FHIR-35324 – adding push/</a:t>
+            </a:r>
+            <a:r>
+              <a:rPr lang="en-US"/>
+              <a:t>post scenario</a:t>
+            </a:r>
+            <a:endParaRPr lang="en-US" dirty="0"/>
           </a:p>
         </p:txBody>
       </p:sp>
@@ -910,18 +1151,78 @@
           <a:bodyPr/>
           <a:lstStyle/>
           <a:p>
-            <a:fld id="{1D553A4D-C549-44B5-B4F2-4FBA040D2BDB}" type="slidenum">
-              <a:rPr lang="en-US" smtClean="0"/>
+            <a:pPr marL="0" marR="0" lvl="0" indent="0" algn="r" defTabSz="457200" rtl="0" eaLnBrk="1" fontAlgn="base" latinLnBrk="0" hangingPunct="1">
+              <a:lnSpc>
+                <a:spcPct val="100000"/>
+              </a:lnSpc>
+              <a:spcBef>
+                <a:spcPct val="0"/>
+              </a:spcBef>
+              <a:spcAft>
+                <a:spcPct val="0"/>
+              </a:spcAft>
+              <a:buClrTx/>
+              <a:buSzTx/>
+              <a:buFontTx/>
+              <a:buNone/>
+              <a:tabLst/>
+              <a:defRPr/>
+            </a:pPr>
+            <a:fld id="{CF4A7F80-F256-4EC8-A9CC-1A842C6C5143}" type="slidenum">
+              <a:rPr kumimoji="0" lang="en-US" altLang="en-US" sz="1200" b="0" i="0" u="none" strike="noStrike" kern="1200" cap="none" spc="0" normalizeH="0" baseline="0" noProof="0" smtClean="0">
+                <a:ln>
+                  <a:noFill/>
+                </a:ln>
+                <a:solidFill>
+                  <a:prstClr val="black"/>
+                </a:solidFill>
+                <a:effectLst/>
+                <a:uLnTx/>
+                <a:uFillTx/>
+                <a:latin typeface="Calibri" panose="020F0502020204030204" pitchFamily="34" charset="0"/>
+                <a:ea typeface="ヒラギノ角ゴ Pro W3" pitchFamily="-126" charset="-128"/>
+                <a:cs typeface="+mn-cs"/>
+              </a:rPr>
+              <a:pPr marL="0" marR="0" lvl="0" indent="0" algn="r" defTabSz="457200" rtl="0" eaLnBrk="1" fontAlgn="base" latinLnBrk="0" hangingPunct="1">
+                <a:lnSpc>
+                  <a:spcPct val="100000"/>
+                </a:lnSpc>
+                <a:spcBef>
+                  <a:spcPct val="0"/>
+                </a:spcBef>
+                <a:spcAft>
+                  <a:spcPct val="0"/>
+                </a:spcAft>
+                <a:buClrTx/>
+                <a:buSzTx/>
+                <a:buFontTx/>
+                <a:buNone/>
+                <a:tabLst/>
+                <a:defRPr/>
+              </a:pPr>
               <a:t>6</a:t>
             </a:fld>
-            <a:endParaRPr lang="en-US"/>
+            <a:endParaRPr kumimoji="0" lang="en-US" altLang="en-US" sz="1200" b="0" i="0" u="none" strike="noStrike" kern="1200" cap="none" spc="0" normalizeH="0" baseline="0" noProof="0">
+              <a:ln>
+                <a:noFill/>
+              </a:ln>
+              <a:solidFill>
+                <a:prstClr val="black"/>
+              </a:solidFill>
+              <a:effectLst/>
+              <a:uLnTx/>
+              <a:uFillTx/>
+              <a:latin typeface="Calibri" panose="020F0502020204030204" pitchFamily="34" charset="0"/>
+              <a:ea typeface="ヒラギノ角ゴ Pro W3" pitchFamily="-126" charset="-128"/>
+              <a:cs typeface="+mn-cs"/>
+            </a:endParaRPr>
           </a:p>
         </p:txBody>
       </p:sp>
     </p:spTree>
     <p:extLst>
       <p:ext uri="{BB962C8B-B14F-4D97-AF65-F5344CB8AC3E}">
-        <p14:creationId xmlns:p14="http://schemas.microsoft.com/office/powerpoint/2010/main" val="2511305095"/>
+        <p14:creationId xmlns:p14="http://schemas.microsoft.com/office/powerpoint/2010/main" val="1470079664"/>
       </p:ext>
     </p:extLst>
   </p:cSld>
@@ -977,7 +1278,15 @@
           <a:p>
             <a:r>
               <a:rPr lang="en-US" dirty="0"/>
-              <a:t>Note: 1-16-2022 corrected HCC 18 from Diabetes with No Complication to Diabetes with Chronic Complication</a:t>
+              <a:t>Source is </a:t>
+            </a:r>
+            <a:r>
+              <a:rPr lang="en-US" dirty="0" err="1"/>
+              <a:t>visio</a:t>
+            </a:r>
+            <a:r>
+              <a:rPr lang="en-US" dirty="0"/>
+              <a:t>, </a:t>
             </a:r>
           </a:p>
         </p:txBody>
@@ -1008,7 +1317,7 @@
     </p:spTree>
     <p:extLst>
       <p:ext uri="{BB962C8B-B14F-4D97-AF65-F5344CB8AC3E}">
-        <p14:creationId xmlns:p14="http://schemas.microsoft.com/office/powerpoint/2010/main" val="2088308294"/>
+        <p14:creationId xmlns:p14="http://schemas.microsoft.com/office/powerpoint/2010/main" val="3003593020"/>
       </p:ext>
     </p:extLst>
   </p:cSld>
@@ -1064,13 +1373,7 @@
           <a:p>
             <a:r>
               <a:rPr lang="en-US" dirty="0"/>
-              <a:t>Generated using /sequencediagram.org</a:t>
-            </a:r>
-          </a:p>
-          <a:p>
-            <a:r>
-              <a:rPr lang="en-US" dirty="0"/>
-              <a:t>Input file in image/source/Risk-Adjustment-Coding-Gap-Report-Single-Patient.txt</a:t>
+              <a:t>Used for risk-adjustment-gaps-workflow.png</a:t>
             </a:r>
           </a:p>
         </p:txBody>
@@ -1101,7 +1404,7 @@
     </p:spTree>
     <p:extLst>
       <p:ext uri="{BB962C8B-B14F-4D97-AF65-F5344CB8AC3E}">
-        <p14:creationId xmlns:p14="http://schemas.microsoft.com/office/powerpoint/2010/main" val="305341683"/>
+        <p14:creationId xmlns:p14="http://schemas.microsoft.com/office/powerpoint/2010/main" val="2511305095"/>
       </p:ext>
     </p:extLst>
   </p:cSld>
@@ -1157,7 +1460,7 @@
           <a:p>
             <a:r>
               <a:rPr lang="en-US" dirty="0"/>
-              <a:t>Used for risk-adjustment-gaps-workflow.png</a:t>
+              <a:t>Note: 1-16-2022 corrected HCC 18 from Diabetes with No Complication to Diabetes with Chronic Complication</a:t>
             </a:r>
           </a:p>
         </p:txBody>
@@ -1179,7 +1482,7 @@
           <a:p>
             <a:fld id="{1D553A4D-C549-44B5-B4F2-4FBA040D2BDB}" type="slidenum">
               <a:rPr lang="en-US" smtClean="0"/>
-              <a:t>12</a:t>
+              <a:t>9</a:t>
             </a:fld>
             <a:endParaRPr lang="en-US"/>
           </a:p>
@@ -1188,7 +1491,7 @@
     </p:spTree>
     <p:extLst>
       <p:ext uri="{BB962C8B-B14F-4D97-AF65-F5344CB8AC3E}">
-        <p14:creationId xmlns:p14="http://schemas.microsoft.com/office/powerpoint/2010/main" val="2896009126"/>
+        <p14:creationId xmlns:p14="http://schemas.microsoft.com/office/powerpoint/2010/main" val="2088308294"/>
       </p:ext>
     </p:extLst>
   </p:cSld>
@@ -1244,15 +1547,13 @@
           <a:p>
             <a:r>
               <a:rPr lang="en-US" dirty="0"/>
-              <a:t>Source is </a:t>
-            </a:r>
-            <a:r>
-              <a:rPr lang="en-US" dirty="0" err="1"/>
-              <a:t>visio</a:t>
-            </a:r>
+              <a:t>Generated using /sequencediagram.org</a:t>
+            </a:r>
+          </a:p>
+          <a:p>
             <a:r>
               <a:rPr lang="en-US" dirty="0"/>
-              <a:t>, </a:t>
+              <a:t>Input file in image/source/Risk-Adjustment-Coding-Gap-Report-Single-Patient.txt</a:t>
             </a:r>
           </a:p>
         </p:txBody>
@@ -1274,7 +1575,7 @@
           <a:p>
             <a:fld id="{1D553A4D-C549-44B5-B4F2-4FBA040D2BDB}" type="slidenum">
               <a:rPr lang="en-US" smtClean="0"/>
-              <a:t>13</a:t>
+              <a:t>10</a:t>
             </a:fld>
             <a:endParaRPr lang="en-US"/>
           </a:p>
@@ -1283,7 +1584,7 @@
     </p:spTree>
     <p:extLst>
       <p:ext uri="{BB962C8B-B14F-4D97-AF65-F5344CB8AC3E}">
-        <p14:creationId xmlns:p14="http://schemas.microsoft.com/office/powerpoint/2010/main" val="1997305611"/>
+        <p14:creationId xmlns:p14="http://schemas.microsoft.com/office/powerpoint/2010/main" val="305341683"/>
       </p:ext>
     </p:extLst>
   </p:cSld>
@@ -1339,7 +1640,7 @@
           <a:p>
             <a:r>
               <a:rPr lang="en-US" dirty="0"/>
-              <a:t>Resource Graph to match Report	</a:t>
+              <a:t>Used for risk-adjustment-gaps-workflow.png</a:t>
             </a:r>
           </a:p>
         </p:txBody>
@@ -1370,7 +1671,7 @@
     </p:spTree>
     <p:extLst>
       <p:ext uri="{BB962C8B-B14F-4D97-AF65-F5344CB8AC3E}">
-        <p14:creationId xmlns:p14="http://schemas.microsoft.com/office/powerpoint/2010/main" val="59845284"/>
+        <p14:creationId xmlns:p14="http://schemas.microsoft.com/office/powerpoint/2010/main" val="2896009126"/>
       </p:ext>
     </p:extLst>
   </p:cSld>
@@ -1527,7 +1828,7 @@
           <a:p>
             <a:fld id="{3E232C92-DF21-4A04-859B-AAF8BD4EC904}" type="datetimeFigureOut">
               <a:rPr lang="en-US" smtClean="0"/>
-              <a:t>1/16/2022</a:t>
+              <a:t>1/31/2022</a:t>
             </a:fld>
             <a:endParaRPr lang="en-US"/>
           </a:p>
@@ -1725,7 +2026,7 @@
           <a:p>
             <a:fld id="{3E232C92-DF21-4A04-859B-AAF8BD4EC904}" type="datetimeFigureOut">
               <a:rPr lang="en-US" smtClean="0"/>
-              <a:t>1/16/2022</a:t>
+              <a:t>1/31/2022</a:t>
             </a:fld>
             <a:endParaRPr lang="en-US"/>
           </a:p>
@@ -1933,7 +2234,7 @@
           <a:p>
             <a:fld id="{3E232C92-DF21-4A04-859B-AAF8BD4EC904}" type="datetimeFigureOut">
               <a:rPr lang="en-US" smtClean="0"/>
-              <a:t>1/16/2022</a:t>
+              <a:t>1/31/2022</a:t>
             </a:fld>
             <a:endParaRPr lang="en-US"/>
           </a:p>
@@ -2875,7 +3176,7 @@
           <a:p>
             <a:fld id="{23F303CC-BC6F-44EE-9A09-81F690F71D2E}" type="datetime1">
               <a:rPr lang="en-US" altLang="en-US" smtClean="0"/>
-              <a:t>1/16/2022</a:t>
+              <a:t>1/31/2022</a:t>
             </a:fld>
             <a:endParaRPr lang="en-US" altLang="en-US" dirty="0"/>
           </a:p>
@@ -6697,7 +6998,7 @@
           <a:p>
             <a:fld id="{3E232C92-DF21-4A04-859B-AAF8BD4EC904}" type="datetimeFigureOut">
               <a:rPr lang="en-US" smtClean="0"/>
-              <a:t>1/16/2022</a:t>
+              <a:t>1/31/2022</a:t>
             </a:fld>
             <a:endParaRPr lang="en-US"/>
           </a:p>
@@ -7713,7 +8014,7 @@
           <a:p>
             <a:fld id="{3E232C92-DF21-4A04-859B-AAF8BD4EC904}" type="datetimeFigureOut">
               <a:rPr lang="en-US" smtClean="0"/>
-              <a:t>1/16/2022</a:t>
+              <a:t>1/31/2022</a:t>
             </a:fld>
             <a:endParaRPr lang="en-US"/>
           </a:p>
@@ -7988,7 +8289,7 @@
           <a:p>
             <a:fld id="{3E232C92-DF21-4A04-859B-AAF8BD4EC904}" type="datetimeFigureOut">
               <a:rPr lang="en-US" smtClean="0"/>
-              <a:t>1/16/2022</a:t>
+              <a:t>1/31/2022</a:t>
             </a:fld>
             <a:endParaRPr lang="en-US"/>
           </a:p>
@@ -8253,7 +8554,7 @@
           <a:p>
             <a:fld id="{3E232C92-DF21-4A04-859B-AAF8BD4EC904}" type="datetimeFigureOut">
               <a:rPr lang="en-US" smtClean="0"/>
-              <a:t>1/16/2022</a:t>
+              <a:t>1/31/2022</a:t>
             </a:fld>
             <a:endParaRPr lang="en-US"/>
           </a:p>
@@ -8665,7 +8966,7 @@
           <a:p>
             <a:fld id="{3E232C92-DF21-4A04-859B-AAF8BD4EC904}" type="datetimeFigureOut">
               <a:rPr lang="en-US" smtClean="0"/>
-              <a:t>1/16/2022</a:t>
+              <a:t>1/31/2022</a:t>
             </a:fld>
             <a:endParaRPr lang="en-US"/>
           </a:p>
@@ -8806,7 +9107,7 @@
           <a:p>
             <a:fld id="{3E232C92-DF21-4A04-859B-AAF8BD4EC904}" type="datetimeFigureOut">
               <a:rPr lang="en-US" smtClean="0"/>
-              <a:t>1/16/2022</a:t>
+              <a:t>1/31/2022</a:t>
             </a:fld>
             <a:endParaRPr lang="en-US"/>
           </a:p>
@@ -8919,7 +9220,7 @@
           <a:p>
             <a:fld id="{3E232C92-DF21-4A04-859B-AAF8BD4EC904}" type="datetimeFigureOut">
               <a:rPr lang="en-US" smtClean="0"/>
-              <a:t>1/16/2022</a:t>
+              <a:t>1/31/2022</a:t>
             </a:fld>
             <a:endParaRPr lang="en-US"/>
           </a:p>
@@ -9230,7 +9531,7 @@
           <a:p>
             <a:fld id="{3E232C92-DF21-4A04-859B-AAF8BD4EC904}" type="datetimeFigureOut">
               <a:rPr lang="en-US" smtClean="0"/>
-              <a:t>1/16/2022</a:t>
+              <a:t>1/31/2022</a:t>
             </a:fld>
             <a:endParaRPr lang="en-US"/>
           </a:p>
@@ -9518,7 +9819,7 @@
           <a:p>
             <a:fld id="{3E232C92-DF21-4A04-859B-AAF8BD4EC904}" type="datetimeFigureOut">
               <a:rPr lang="en-US" smtClean="0"/>
-              <a:t>1/16/2022</a:t>
+              <a:t>1/31/2022</a:t>
             </a:fld>
             <a:endParaRPr lang="en-US"/>
           </a:p>
@@ -9759,7 +10060,7 @@
           <a:p>
             <a:fld id="{3E232C92-DF21-4A04-859B-AAF8BD4EC904}" type="datetimeFigureOut">
               <a:rPr lang="en-US" smtClean="0"/>
-              <a:t>1/16/2022</a:t>
+              <a:t>1/31/2022</a:t>
             </a:fld>
             <a:endParaRPr lang="en-US"/>
           </a:p>
@@ -10385,7 +10686,7 @@
           <a:p>
             <a:fld id="{7CE3BD8C-C39F-4FFF-9CD5-05E4806DBFF3}" type="datetime1">
               <a:rPr lang="en-US" altLang="en-US" smtClean="0"/>
-              <a:t>1/16/2022</a:t>
+              <a:t>1/31/2022</a:t>
             </a:fld>
             <a:endParaRPr lang="en-US" altLang="en-US"/>
           </a:p>
@@ -11001,6 +11302,179 @@
           <a:chExt cx="0" cy="0"/>
         </a:xfrm>
       </p:grpSpPr>
+      <p:sp>
+        <p:nvSpPr>
+          <p:cNvPr id="2" name="Title 1">
+            <a:extLst>
+              <a:ext uri="{FF2B5EF4-FFF2-40B4-BE49-F238E27FC236}">
+                <a16:creationId xmlns:a16="http://schemas.microsoft.com/office/drawing/2014/main" id="{EAFD3DE7-0219-45E4-80C3-649D2F20F1CA}"/>
+              </a:ext>
+            </a:extLst>
+          </p:cNvPr>
+          <p:cNvSpPr>
+            <a:spLocks noGrp="1"/>
+          </p:cNvSpPr>
+          <p:nvPr>
+            <p:ph type="title"/>
+          </p:nvPr>
+        </p:nvSpPr>
+        <p:spPr/>
+        <p:txBody>
+          <a:bodyPr>
+            <a:normAutofit/>
+          </a:bodyPr>
+          <a:lstStyle/>
+          <a:p>
+            <a:r>
+              <a:rPr lang="en-US" sz="3600" dirty="0"/>
+              <a:t>Risk Adjustment Coding Gap Report (Single Patient)</a:t>
+            </a:r>
+          </a:p>
+        </p:txBody>
+      </p:sp>
+      <p:pic>
+        <p:nvPicPr>
+          <p:cNvPr id="3" name="Picture 2">
+            <a:extLst>
+              <a:ext uri="{FF2B5EF4-FFF2-40B4-BE49-F238E27FC236}">
+                <a16:creationId xmlns:a16="http://schemas.microsoft.com/office/drawing/2014/main" id="{7BD6F338-751B-41B7-A1C7-5059E3FC5D07}"/>
+              </a:ext>
+            </a:extLst>
+          </p:cNvPr>
+          <p:cNvPicPr>
+            <a:picLocks noChangeAspect="1"/>
+          </p:cNvPicPr>
+          <p:nvPr/>
+        </p:nvPicPr>
+        <p:blipFill>
+          <a:blip r:embed="rId3"/>
+          <a:stretch>
+            <a:fillRect/>
+          </a:stretch>
+        </p:blipFill>
+        <p:spPr>
+          <a:xfrm>
+            <a:off x="1477880" y="1497162"/>
+            <a:ext cx="9236240" cy="3863675"/>
+          </a:xfrm>
+          <a:prstGeom prst="rect">
+            <a:avLst/>
+          </a:prstGeom>
+        </p:spPr>
+      </p:pic>
+    </p:spTree>
+    <p:extLst>
+      <p:ext uri="{BB962C8B-B14F-4D97-AF65-F5344CB8AC3E}">
+        <p14:creationId xmlns:p14="http://schemas.microsoft.com/office/powerpoint/2010/main" val="2554652219"/>
+      </p:ext>
+    </p:extLst>
+  </p:cSld>
+  <p:clrMapOvr>
+    <a:masterClrMapping/>
+  </p:clrMapOvr>
+</p:sld>
+</file>
+
+<file path=ppt/slides/slide11.xml><?xml version="1.0" encoding="utf-8"?>
+<p:sld xmlns:a="http://schemas.openxmlformats.org/drawingml/2006/main" xmlns:r="http://schemas.openxmlformats.org/officeDocument/2006/relationships" xmlns:p="http://schemas.openxmlformats.org/presentationml/2006/main">
+  <p:cSld>
+    <p:spTree>
+      <p:nvGrpSpPr>
+        <p:cNvPr id="1" name=""/>
+        <p:cNvGrpSpPr/>
+        <p:nvPr/>
+      </p:nvGrpSpPr>
+      <p:grpSpPr>
+        <a:xfrm>
+          <a:off x="0" y="0"/>
+          <a:ext cx="0" cy="0"/>
+          <a:chOff x="0" y="0"/>
+          <a:chExt cx="0" cy="0"/>
+        </a:xfrm>
+      </p:grpSpPr>
+      <p:sp>
+        <p:nvSpPr>
+          <p:cNvPr id="2" name="Title 1">
+            <a:extLst>
+              <a:ext uri="{FF2B5EF4-FFF2-40B4-BE49-F238E27FC236}">
+                <a16:creationId xmlns:a16="http://schemas.microsoft.com/office/drawing/2014/main" id="{53418D1A-52BF-46AF-A383-E397DB5CB828}"/>
+              </a:ext>
+            </a:extLst>
+          </p:cNvPr>
+          <p:cNvSpPr>
+            <a:spLocks noGrp="1"/>
+          </p:cNvSpPr>
+          <p:nvPr>
+            <p:ph type="title"/>
+          </p:nvPr>
+        </p:nvSpPr>
+        <p:spPr/>
+        <p:txBody>
+          <a:bodyPr/>
+          <a:lstStyle/>
+          <a:p>
+            <a:r>
+              <a:rPr lang="en-US" dirty="0"/>
+              <a:t>Multiple Measure Reports</a:t>
+            </a:r>
+          </a:p>
+        </p:txBody>
+      </p:sp>
+      <p:sp>
+        <p:nvSpPr>
+          <p:cNvPr id="3" name="Content Placeholder 2">
+            <a:extLst>
+              <a:ext uri="{FF2B5EF4-FFF2-40B4-BE49-F238E27FC236}">
+                <a16:creationId xmlns:a16="http://schemas.microsoft.com/office/drawing/2014/main" id="{9D8DD8C6-DD1F-4ADE-A56D-92DA7F694DD6}"/>
+              </a:ext>
+            </a:extLst>
+          </p:cNvPr>
+          <p:cNvSpPr>
+            <a:spLocks noGrp="1"/>
+          </p:cNvSpPr>
+          <p:nvPr>
+            <p:ph idx="1"/>
+          </p:nvPr>
+        </p:nvSpPr>
+        <p:spPr/>
+        <p:txBody>
+          <a:bodyPr/>
+          <a:lstStyle/>
+          <a:p>
+            <a:endParaRPr lang="en-US"/>
+          </a:p>
+        </p:txBody>
+      </p:sp>
+    </p:spTree>
+    <p:extLst>
+      <p:ext uri="{BB962C8B-B14F-4D97-AF65-F5344CB8AC3E}">
+        <p14:creationId xmlns:p14="http://schemas.microsoft.com/office/powerpoint/2010/main" val="2271221613"/>
+      </p:ext>
+    </p:extLst>
+  </p:cSld>
+  <p:clrMapOvr>
+    <a:masterClrMapping/>
+  </p:clrMapOvr>
+</p:sld>
+</file>
+
+<file path=ppt/slides/slide12.xml><?xml version="1.0" encoding="utf-8"?>
+<p:sld xmlns:a="http://schemas.openxmlformats.org/drawingml/2006/main" xmlns:r="http://schemas.openxmlformats.org/officeDocument/2006/relationships" xmlns:p="http://schemas.openxmlformats.org/presentationml/2006/main">
+  <p:cSld>
+    <p:spTree>
+      <p:nvGrpSpPr>
+        <p:cNvPr id="1" name=""/>
+        <p:cNvGrpSpPr/>
+        <p:nvPr/>
+      </p:nvGrpSpPr>
+      <p:grpSpPr>
+        <a:xfrm>
+          <a:off x="0" y="0"/>
+          <a:ext cx="0" cy="0"/>
+          <a:chOff x="0" y="0"/>
+          <a:chExt cx="0" cy="0"/>
+        </a:xfrm>
+      </p:grpSpPr>
       <p:cxnSp>
         <p:nvCxnSpPr>
           <p:cNvPr id="35" name="Straight Arrow Connector 34">
@@ -14531,705 +15005,6 @@
 </p:sld>
 </file>
 
-<file path=ppt/slides/slide11.xml><?xml version="1.0" encoding="utf-8"?>
-<p:sld xmlns:a="http://schemas.openxmlformats.org/drawingml/2006/main" xmlns:r="http://schemas.openxmlformats.org/officeDocument/2006/relationships" xmlns:p="http://schemas.openxmlformats.org/presentationml/2006/main">
-  <p:cSld>
-    <p:spTree>
-      <p:nvGrpSpPr>
-        <p:cNvPr id="1" name=""/>
-        <p:cNvGrpSpPr/>
-        <p:nvPr/>
-      </p:nvGrpSpPr>
-      <p:grpSpPr>
-        <a:xfrm>
-          <a:off x="0" y="0"/>
-          <a:ext cx="0" cy="0"/>
-          <a:chOff x="0" y="0"/>
-          <a:chExt cx="0" cy="0"/>
-        </a:xfrm>
-      </p:grpSpPr>
-      <p:sp>
-        <p:nvSpPr>
-          <p:cNvPr id="2" name="Title 1">
-            <a:extLst>
-              <a:ext uri="{FF2B5EF4-FFF2-40B4-BE49-F238E27FC236}">
-                <a16:creationId xmlns:a16="http://schemas.microsoft.com/office/drawing/2014/main" id="{EEE064F5-F9F1-43C0-A746-25B3F07B0F1F}"/>
-              </a:ext>
-            </a:extLst>
-          </p:cNvPr>
-          <p:cNvSpPr>
-            <a:spLocks noGrp="1"/>
-          </p:cNvSpPr>
-          <p:nvPr>
-            <p:ph type="title"/>
-          </p:nvPr>
-        </p:nvSpPr>
-        <p:spPr/>
-        <p:txBody>
-          <a:bodyPr/>
-          <a:lstStyle/>
-          <a:p>
-            <a:r>
-              <a:rPr lang="en-US" dirty="0"/>
-              <a:t>Old versions of figures – not used</a:t>
-            </a:r>
-          </a:p>
-        </p:txBody>
-      </p:sp>
-      <p:sp>
-        <p:nvSpPr>
-          <p:cNvPr id="3" name="Footer Placeholder 2">
-            <a:extLst>
-              <a:ext uri="{FF2B5EF4-FFF2-40B4-BE49-F238E27FC236}">
-                <a16:creationId xmlns:a16="http://schemas.microsoft.com/office/drawing/2014/main" id="{03AE268B-CF95-4E65-B1EF-7AF43BDA13AB}"/>
-              </a:ext>
-            </a:extLst>
-          </p:cNvPr>
-          <p:cNvSpPr>
-            <a:spLocks noGrp="1"/>
-          </p:cNvSpPr>
-          <p:nvPr>
-            <p:ph type="ftr" sz="quarter" idx="10"/>
-          </p:nvPr>
-        </p:nvSpPr>
-        <p:spPr/>
-        <p:txBody>
-          <a:bodyPr/>
-          <a:lstStyle/>
-          <a:p>
-            <a:r>
-              <a:rPr lang="en-US" b="1"/>
-              <a:t>© 2019 Health Level Seven ® International. Licensed under Creative Commons Attribution 4.0 International</a:t>
-            </a:r>
-          </a:p>
-          <a:p>
-            <a:r>
-              <a:rPr lang="en-US" b="1"/>
-              <a:t>HL7, Health Level Seven, FHIR and the FHIR flame logo are registered trademarks of Health Level Seven International. Reg. U.S. TM Office.</a:t>
-            </a:r>
-            <a:endParaRPr lang="en-US" b="1" dirty="0"/>
-          </a:p>
-        </p:txBody>
-      </p:sp>
-      <p:sp>
-        <p:nvSpPr>
-          <p:cNvPr id="4" name="Slide Number Placeholder 3">
-            <a:extLst>
-              <a:ext uri="{FF2B5EF4-FFF2-40B4-BE49-F238E27FC236}">
-                <a16:creationId xmlns:a16="http://schemas.microsoft.com/office/drawing/2014/main" id="{18373F79-2D3A-494D-B6F2-9975501DB261}"/>
-              </a:ext>
-            </a:extLst>
-          </p:cNvPr>
-          <p:cNvSpPr>
-            <a:spLocks noGrp="1"/>
-          </p:cNvSpPr>
-          <p:nvPr>
-            <p:ph type="sldNum" sz="quarter" idx="11"/>
-          </p:nvPr>
-        </p:nvSpPr>
-        <p:spPr/>
-        <p:txBody>
-          <a:bodyPr/>
-          <a:lstStyle/>
-          <a:p>
-            <a:fld id="{6CACE926-AEF5-4BFE-8BD7-24414108CB7B}" type="slidenum">
-              <a:rPr lang="en-US" altLang="en-US" smtClean="0"/>
-              <a:pPr/>
-              <a:t>11</a:t>
-            </a:fld>
-            <a:endParaRPr lang="en-US" altLang="en-US" dirty="0"/>
-          </a:p>
-        </p:txBody>
-      </p:sp>
-    </p:spTree>
-    <p:extLst>
-      <p:ext uri="{BB962C8B-B14F-4D97-AF65-F5344CB8AC3E}">
-        <p14:creationId xmlns:p14="http://schemas.microsoft.com/office/powerpoint/2010/main" val="2034284899"/>
-      </p:ext>
-    </p:extLst>
-  </p:cSld>
-  <p:clrMapOvr>
-    <a:masterClrMapping/>
-  </p:clrMapOvr>
-</p:sld>
-</file>
-
-<file path=ppt/slides/slide12.xml><?xml version="1.0" encoding="utf-8"?>
-<p:sld xmlns:a="http://schemas.openxmlformats.org/drawingml/2006/main" xmlns:r="http://schemas.openxmlformats.org/officeDocument/2006/relationships" xmlns:p="http://schemas.openxmlformats.org/presentationml/2006/main">
-  <p:cSld>
-    <p:spTree>
-      <p:nvGrpSpPr>
-        <p:cNvPr id="1" name=""/>
-        <p:cNvGrpSpPr/>
-        <p:nvPr/>
-      </p:nvGrpSpPr>
-      <p:grpSpPr>
-        <a:xfrm>
-          <a:off x="0" y="0"/>
-          <a:ext cx="0" cy="0"/>
-          <a:chOff x="0" y="0"/>
-          <a:chExt cx="0" cy="0"/>
-        </a:xfrm>
-      </p:grpSpPr>
-      <p:sp>
-        <p:nvSpPr>
-          <p:cNvPr id="2" name="Title 1">
-            <a:extLst>
-              <a:ext uri="{FF2B5EF4-FFF2-40B4-BE49-F238E27FC236}">
-                <a16:creationId xmlns:a16="http://schemas.microsoft.com/office/drawing/2014/main" id="{DE4FC254-7E84-4C1E-B2B1-8F45C616E91E}"/>
-              </a:ext>
-            </a:extLst>
-          </p:cNvPr>
-          <p:cNvSpPr>
-            <a:spLocks noGrp="1"/>
-          </p:cNvSpPr>
-          <p:nvPr>
-            <p:ph type="title"/>
-          </p:nvPr>
-        </p:nvSpPr>
-        <p:spPr/>
-        <p:txBody>
-          <a:bodyPr/>
-          <a:lstStyle/>
-          <a:p>
-            <a:r>
-              <a:rPr lang="en-US" dirty="0"/>
-              <a:t>For Guidance Page</a:t>
-            </a:r>
-          </a:p>
-        </p:txBody>
-      </p:sp>
-      <p:sp>
-        <p:nvSpPr>
-          <p:cNvPr id="3" name="Text Placeholder 2">
-            <a:extLst>
-              <a:ext uri="{FF2B5EF4-FFF2-40B4-BE49-F238E27FC236}">
-                <a16:creationId xmlns:a16="http://schemas.microsoft.com/office/drawing/2014/main" id="{4025DF32-5ADE-4348-8F51-B2255B4D83D2}"/>
-              </a:ext>
-            </a:extLst>
-          </p:cNvPr>
-          <p:cNvSpPr>
-            <a:spLocks noGrp="1"/>
-          </p:cNvSpPr>
-          <p:nvPr>
-            <p:ph type="body" sz="quarter" idx="13"/>
-          </p:nvPr>
-        </p:nvSpPr>
-        <p:spPr/>
-        <p:txBody>
-          <a:bodyPr/>
-          <a:lstStyle/>
-          <a:p>
-            <a:pPr marL="0" indent="0">
-              <a:buNone/>
-            </a:pPr>
-            <a:r>
-              <a:rPr lang="en-US" dirty="0"/>
-              <a:t> </a:t>
-            </a:r>
-          </a:p>
-        </p:txBody>
-      </p:sp>
-      <p:sp>
-        <p:nvSpPr>
-          <p:cNvPr id="4" name="Footer Placeholder 3">
-            <a:extLst>
-              <a:ext uri="{FF2B5EF4-FFF2-40B4-BE49-F238E27FC236}">
-                <a16:creationId xmlns:a16="http://schemas.microsoft.com/office/drawing/2014/main" id="{6F1D9FDC-5EC9-421B-B816-669D4CBA8D03}"/>
-              </a:ext>
-            </a:extLst>
-          </p:cNvPr>
-          <p:cNvSpPr>
-            <a:spLocks noGrp="1"/>
-          </p:cNvSpPr>
-          <p:nvPr>
-            <p:ph type="ftr" sz="quarter" idx="10"/>
-          </p:nvPr>
-        </p:nvSpPr>
-        <p:spPr/>
-        <p:txBody>
-          <a:bodyPr/>
-          <a:lstStyle/>
-          <a:p>
-            <a:r>
-              <a:rPr lang="en-US" b="1"/>
-              <a:t>© 2019 Health Level Seven ® International. Licensed under Creative Commons Attribution 4.0 International</a:t>
-            </a:r>
-          </a:p>
-          <a:p>
-            <a:r>
-              <a:rPr lang="en-US" b="1"/>
-              <a:t>HL7, Health Level Seven, FHIR and the FHIR flame logo are registered trademarks of Health Level Seven International. Reg. U.S. TM Office.</a:t>
-            </a:r>
-            <a:endParaRPr lang="en-US" b="1" dirty="0"/>
-          </a:p>
-        </p:txBody>
-      </p:sp>
-      <p:sp>
-        <p:nvSpPr>
-          <p:cNvPr id="5" name="Slide Number Placeholder 4">
-            <a:extLst>
-              <a:ext uri="{FF2B5EF4-FFF2-40B4-BE49-F238E27FC236}">
-                <a16:creationId xmlns:a16="http://schemas.microsoft.com/office/drawing/2014/main" id="{ABC91477-8158-43AE-8C67-AA1E9785A906}"/>
-              </a:ext>
-            </a:extLst>
-          </p:cNvPr>
-          <p:cNvSpPr>
-            <a:spLocks noGrp="1"/>
-          </p:cNvSpPr>
-          <p:nvPr>
-            <p:ph type="sldNum" sz="quarter" idx="11"/>
-          </p:nvPr>
-        </p:nvSpPr>
-        <p:spPr/>
-        <p:txBody>
-          <a:bodyPr/>
-          <a:lstStyle/>
-          <a:p>
-            <a:fld id="{6CACE926-AEF5-4BFE-8BD7-24414108CB7B}" type="slidenum">
-              <a:rPr lang="en-US" altLang="en-US" smtClean="0"/>
-              <a:pPr/>
-              <a:t>12</a:t>
-            </a:fld>
-            <a:endParaRPr lang="en-US" altLang="en-US" dirty="0"/>
-          </a:p>
-        </p:txBody>
-      </p:sp>
-      <p:pic>
-        <p:nvPicPr>
-          <p:cNvPr id="6" name="Graphic 5">
-            <a:extLst>
-              <a:ext uri="{FF2B5EF4-FFF2-40B4-BE49-F238E27FC236}">
-                <a16:creationId xmlns:a16="http://schemas.microsoft.com/office/drawing/2014/main" id="{842186CE-C3CB-491F-B90D-334B74F93238}"/>
-              </a:ext>
-            </a:extLst>
-          </p:cNvPr>
-          <p:cNvPicPr>
-            <a:picLocks noChangeAspect="1"/>
-          </p:cNvPicPr>
-          <p:nvPr/>
-        </p:nvPicPr>
-        <p:blipFill>
-          <a:blip r:embed="rId3">
-            <a:extLst>
-              <a:ext uri="{96DAC541-7B7A-43D3-8B79-37D633B846F1}">
-                <asvg:svgBlip xmlns:asvg="http://schemas.microsoft.com/office/drawing/2016/SVG/main" r:embed="rId4"/>
-              </a:ext>
-            </a:extLst>
-          </a:blip>
-          <a:stretch>
-            <a:fillRect/>
-          </a:stretch>
-        </p:blipFill>
-        <p:spPr>
-          <a:xfrm>
-            <a:off x="7512232" y="2961683"/>
-            <a:ext cx="659817" cy="996459"/>
-          </a:xfrm>
-          <a:prstGeom prst="rect">
-            <a:avLst/>
-          </a:prstGeom>
-        </p:spPr>
-      </p:pic>
-      <p:pic>
-        <p:nvPicPr>
-          <p:cNvPr id="7" name="Graphic 6">
-            <a:extLst>
-              <a:ext uri="{FF2B5EF4-FFF2-40B4-BE49-F238E27FC236}">
-                <a16:creationId xmlns:a16="http://schemas.microsoft.com/office/drawing/2014/main" id="{3E4BF30F-2D52-4FA7-8B6E-989427E65C55}"/>
-              </a:ext>
-            </a:extLst>
-          </p:cNvPr>
-          <p:cNvPicPr>
-            <a:picLocks noChangeAspect="1"/>
-          </p:cNvPicPr>
-          <p:nvPr/>
-        </p:nvPicPr>
-        <p:blipFill>
-          <a:blip r:embed="rId5">
-            <a:extLst>
-              <a:ext uri="{96DAC541-7B7A-43D3-8B79-37D633B846F1}">
-                <asvg:svgBlip xmlns:asvg="http://schemas.microsoft.com/office/drawing/2016/SVG/main" r:embed="rId6"/>
-              </a:ext>
-            </a:extLst>
-          </a:blip>
-          <a:stretch>
-            <a:fillRect/>
-          </a:stretch>
-        </p:blipFill>
-        <p:spPr>
-          <a:xfrm>
-            <a:off x="3683355" y="3080690"/>
-            <a:ext cx="814124" cy="899821"/>
-          </a:xfrm>
-          <a:prstGeom prst="rect">
-            <a:avLst/>
-          </a:prstGeom>
-        </p:spPr>
-      </p:pic>
-      <p:sp>
-        <p:nvSpPr>
-          <p:cNvPr id="9" name="TextBox 8">
-            <a:extLst>
-              <a:ext uri="{FF2B5EF4-FFF2-40B4-BE49-F238E27FC236}">
-                <a16:creationId xmlns:a16="http://schemas.microsoft.com/office/drawing/2014/main" id="{F400E8FA-0292-4288-B1BB-DA58B38789C1}"/>
-              </a:ext>
-            </a:extLst>
-          </p:cNvPr>
-          <p:cNvSpPr txBox="1"/>
-          <p:nvPr/>
-        </p:nvSpPr>
-        <p:spPr>
-          <a:xfrm>
-            <a:off x="8282875" y="3157505"/>
-            <a:ext cx="1259821" cy="707694"/>
-          </a:xfrm>
-          <a:prstGeom prst="rect">
-            <a:avLst/>
-          </a:prstGeom>
-          <a:noFill/>
-        </p:spPr>
-        <p:txBody>
-          <a:bodyPr wrap="square" rtlCol="0">
-            <a:spAutoFit/>
-          </a:bodyPr>
-          <a:lstStyle/>
-          <a:p>
-            <a:pPr algn="ctr" defTabSz="609585" fontAlgn="base">
-              <a:spcBef>
-                <a:spcPct val="0"/>
-              </a:spcBef>
-              <a:spcAft>
-                <a:spcPct val="0"/>
-              </a:spcAft>
-              <a:defRPr/>
-            </a:pPr>
-            <a:r>
-              <a:rPr lang="en-US" sz="1333" b="1" dirty="0">
-                <a:solidFill>
-                  <a:srgbClr val="C00000"/>
-                </a:solidFill>
-                <a:latin typeface="Arial"/>
-                <a:ea typeface="ヒラギノ角ゴ Pro W3" pitchFamily="-126" charset="-128"/>
-              </a:rPr>
-              <a:t>Client</a:t>
-            </a:r>
-          </a:p>
-          <a:p>
-            <a:pPr algn="ctr" defTabSz="609585" fontAlgn="base">
-              <a:spcBef>
-                <a:spcPct val="0"/>
-              </a:spcBef>
-              <a:spcAft>
-                <a:spcPct val="0"/>
-              </a:spcAft>
-              <a:defRPr/>
-            </a:pPr>
-            <a:r>
-              <a:rPr lang="en-US" sz="1333" b="1" dirty="0">
-                <a:solidFill>
-                  <a:srgbClr val="C00000"/>
-                </a:solidFill>
-                <a:latin typeface="Arial"/>
-                <a:ea typeface="ヒラギノ角ゴ Pro W3" pitchFamily="-126" charset="-128"/>
-              </a:rPr>
-              <a:t>(example Provider)</a:t>
-            </a:r>
-          </a:p>
-        </p:txBody>
-      </p:sp>
-      <p:sp>
-        <p:nvSpPr>
-          <p:cNvPr id="10" name="TextBox 9">
-            <a:extLst>
-              <a:ext uri="{FF2B5EF4-FFF2-40B4-BE49-F238E27FC236}">
-                <a16:creationId xmlns:a16="http://schemas.microsoft.com/office/drawing/2014/main" id="{984AE2E2-20A9-4B44-A58D-4BBB1DF61213}"/>
-              </a:ext>
-            </a:extLst>
-          </p:cNvPr>
-          <p:cNvSpPr txBox="1"/>
-          <p:nvPr/>
-        </p:nvSpPr>
-        <p:spPr>
-          <a:xfrm>
-            <a:off x="1831532" y="3442508"/>
-            <a:ext cx="2115679" cy="502573"/>
-          </a:xfrm>
-          <a:prstGeom prst="rect">
-            <a:avLst/>
-          </a:prstGeom>
-          <a:noFill/>
-        </p:spPr>
-        <p:txBody>
-          <a:bodyPr wrap="square" rtlCol="0">
-            <a:spAutoFit/>
-          </a:bodyPr>
-          <a:lstStyle/>
-          <a:p>
-            <a:pPr algn="ctr" defTabSz="609585" fontAlgn="base">
-              <a:spcBef>
-                <a:spcPct val="0"/>
-              </a:spcBef>
-              <a:spcAft>
-                <a:spcPct val="0"/>
-              </a:spcAft>
-              <a:defRPr/>
-            </a:pPr>
-            <a:r>
-              <a:rPr lang="en-US" sz="1333" b="1" dirty="0">
-                <a:solidFill>
-                  <a:srgbClr val="F79646">
-                    <a:lumMod val="50000"/>
-                  </a:srgbClr>
-                </a:solidFill>
-                <a:latin typeface="Arial"/>
-                <a:ea typeface="ヒラギノ角ゴ Pro W3" pitchFamily="-126" charset="-128"/>
-              </a:rPr>
-              <a:t>Server</a:t>
-            </a:r>
-          </a:p>
-          <a:p>
-            <a:pPr algn="ctr" defTabSz="609585" fontAlgn="base">
-              <a:spcBef>
-                <a:spcPct val="0"/>
-              </a:spcBef>
-              <a:spcAft>
-                <a:spcPct val="0"/>
-              </a:spcAft>
-              <a:defRPr/>
-            </a:pPr>
-            <a:r>
-              <a:rPr lang="en-US" sz="1333" b="1" dirty="0">
-                <a:solidFill>
-                  <a:srgbClr val="F79646">
-                    <a:lumMod val="50000"/>
-                  </a:srgbClr>
-                </a:solidFill>
-                <a:latin typeface="Arial"/>
-                <a:ea typeface="ヒラギノ角ゴ Pro W3" pitchFamily="-126" charset="-128"/>
-              </a:rPr>
-              <a:t>(example Payer)</a:t>
-            </a:r>
-          </a:p>
-        </p:txBody>
-      </p:sp>
-      <p:sp>
-        <p:nvSpPr>
-          <p:cNvPr id="8" name="Arrow: U-Turn 7">
-            <a:extLst>
-              <a:ext uri="{FF2B5EF4-FFF2-40B4-BE49-F238E27FC236}">
-                <a16:creationId xmlns:a16="http://schemas.microsoft.com/office/drawing/2014/main" id="{BBA494F5-C840-4276-B567-19F510FB3BE8}"/>
-              </a:ext>
-            </a:extLst>
-          </p:cNvPr>
-          <p:cNvSpPr/>
-          <p:nvPr/>
-        </p:nvSpPr>
-        <p:spPr>
-          <a:xfrm flipH="1">
-            <a:off x="3931920" y="2326640"/>
-            <a:ext cx="3911600" cy="426720"/>
-          </a:xfrm>
-          <a:prstGeom prst="uturnArrow">
-            <a:avLst/>
-          </a:prstGeom>
-        </p:spPr>
-        <p:style>
-          <a:lnRef idx="1">
-            <a:schemeClr val="accent1"/>
-          </a:lnRef>
-          <a:fillRef idx="3">
-            <a:schemeClr val="accent1"/>
-          </a:fillRef>
-          <a:effectRef idx="2">
-            <a:schemeClr val="accent1"/>
-          </a:effectRef>
-          <a:fontRef idx="minor">
-            <a:schemeClr val="lt1"/>
-          </a:fontRef>
-        </p:style>
-        <p:txBody>
-          <a:bodyPr rtlCol="0" anchor="ctr"/>
-          <a:lstStyle/>
-          <a:p>
-            <a:pPr algn="ctr"/>
-            <a:endParaRPr lang="en-US">
-              <a:solidFill>
-                <a:schemeClr val="tx1"/>
-              </a:solidFill>
-            </a:endParaRPr>
-          </a:p>
-        </p:txBody>
-      </p:sp>
-      <p:sp>
-        <p:nvSpPr>
-          <p:cNvPr id="13" name="Arrow: U-Turn 12">
-            <a:extLst>
-              <a:ext uri="{FF2B5EF4-FFF2-40B4-BE49-F238E27FC236}">
-                <a16:creationId xmlns:a16="http://schemas.microsoft.com/office/drawing/2014/main" id="{174416F3-D18D-44B8-B799-1F518BBC5027}"/>
-              </a:ext>
-            </a:extLst>
-          </p:cNvPr>
-          <p:cNvSpPr/>
-          <p:nvPr/>
-        </p:nvSpPr>
-        <p:spPr>
-          <a:xfrm flipV="1">
-            <a:off x="4013200" y="4104640"/>
-            <a:ext cx="3870960" cy="497840"/>
-          </a:xfrm>
-          <a:prstGeom prst="uturnArrow">
-            <a:avLst/>
-          </a:prstGeom>
-        </p:spPr>
-        <p:style>
-          <a:lnRef idx="1">
-            <a:schemeClr val="accent1"/>
-          </a:lnRef>
-          <a:fillRef idx="3">
-            <a:schemeClr val="accent1"/>
-          </a:fillRef>
-          <a:effectRef idx="2">
-            <a:schemeClr val="accent1"/>
-          </a:effectRef>
-          <a:fontRef idx="minor">
-            <a:schemeClr val="lt1"/>
-          </a:fontRef>
-        </p:style>
-        <p:txBody>
-          <a:bodyPr rtlCol="0" anchor="ctr"/>
-          <a:lstStyle/>
-          <a:p>
-            <a:pPr algn="ctr"/>
-            <a:endParaRPr lang="en-US">
-              <a:solidFill>
-                <a:schemeClr val="tx1"/>
-              </a:solidFill>
-            </a:endParaRPr>
-          </a:p>
-        </p:txBody>
-      </p:sp>
-      <p:sp>
-        <p:nvSpPr>
-          <p:cNvPr id="14" name="Rectangle 13">
-            <a:extLst>
-              <a:ext uri="{FF2B5EF4-FFF2-40B4-BE49-F238E27FC236}">
-                <a16:creationId xmlns:a16="http://schemas.microsoft.com/office/drawing/2014/main" id="{330FFA72-BBBD-4DBC-800E-90E49E5C0B79}"/>
-              </a:ext>
-            </a:extLst>
-          </p:cNvPr>
-          <p:cNvSpPr/>
-          <p:nvPr/>
-        </p:nvSpPr>
-        <p:spPr>
-          <a:xfrm>
-            <a:off x="4998720" y="2225040"/>
-            <a:ext cx="1778000" cy="335280"/>
-          </a:xfrm>
-          <a:prstGeom prst="rect">
-            <a:avLst/>
-          </a:prstGeom>
-          <a:solidFill>
-            <a:schemeClr val="bg1"/>
-          </a:solidFill>
-        </p:spPr>
-        <p:style>
-          <a:lnRef idx="1">
-            <a:schemeClr val="accent1"/>
-          </a:lnRef>
-          <a:fillRef idx="3">
-            <a:schemeClr val="accent1"/>
-          </a:fillRef>
-          <a:effectRef idx="2">
-            <a:schemeClr val="accent1"/>
-          </a:effectRef>
-          <a:fontRef idx="minor">
-            <a:schemeClr val="lt1"/>
-          </a:fontRef>
-        </p:style>
-        <p:txBody>
-          <a:bodyPr rtlCol="0" anchor="ctr"/>
-          <a:lstStyle/>
-          <a:p>
-            <a:pPr algn="ctr"/>
-            <a:r>
-              <a:rPr lang="en-US" dirty="0">
-                <a:solidFill>
-                  <a:schemeClr val="tx1"/>
-                </a:solidFill>
-              </a:rPr>
-              <a:t>$report</a:t>
-            </a:r>
-          </a:p>
-        </p:txBody>
-      </p:sp>
-      <p:sp>
-        <p:nvSpPr>
-          <p:cNvPr id="16" name="Rectangle 15">
-            <a:extLst>
-              <a:ext uri="{FF2B5EF4-FFF2-40B4-BE49-F238E27FC236}">
-                <a16:creationId xmlns:a16="http://schemas.microsoft.com/office/drawing/2014/main" id="{6908AAC3-35FE-4372-8B8E-78FD5F752EEB}"/>
-              </a:ext>
-            </a:extLst>
-          </p:cNvPr>
-          <p:cNvSpPr/>
-          <p:nvPr/>
-        </p:nvSpPr>
-        <p:spPr>
-          <a:xfrm>
-            <a:off x="5029200" y="4297680"/>
-            <a:ext cx="1778000" cy="396240"/>
-          </a:xfrm>
-          <a:prstGeom prst="rect">
-            <a:avLst/>
-          </a:prstGeom>
-          <a:solidFill>
-            <a:schemeClr val="bg1"/>
-          </a:solidFill>
-        </p:spPr>
-        <p:style>
-          <a:lnRef idx="1">
-            <a:schemeClr val="accent1"/>
-          </a:lnRef>
-          <a:fillRef idx="3">
-            <a:schemeClr val="accent1"/>
-          </a:fillRef>
-          <a:effectRef idx="2">
-            <a:schemeClr val="accent1"/>
-          </a:effectRef>
-          <a:fontRef idx="minor">
-            <a:schemeClr val="lt1"/>
-          </a:fontRef>
-        </p:style>
-        <p:txBody>
-          <a:bodyPr rtlCol="0" anchor="ctr"/>
-          <a:lstStyle/>
-          <a:p>
-            <a:pPr algn="ctr"/>
-            <a:r>
-              <a:rPr lang="en-US" sz="1400" dirty="0">
-                <a:solidFill>
-                  <a:schemeClr val="tx1"/>
-                </a:solidFill>
-              </a:rPr>
-              <a:t>Risk Adjustment Care Gap Reports</a:t>
-            </a:r>
-          </a:p>
-        </p:txBody>
-      </p:sp>
-    </p:spTree>
-    <p:extLst>
-      <p:ext uri="{BB962C8B-B14F-4D97-AF65-F5344CB8AC3E}">
-        <p14:creationId xmlns:p14="http://schemas.microsoft.com/office/powerpoint/2010/main" val="2117979091"/>
-      </p:ext>
-    </p:extLst>
-  </p:cSld>
-  <p:clrMapOvr>
-    <a:masterClrMapping/>
-  </p:clrMapOvr>
-</p:sld>
-</file>
-
 <file path=ppt/slides/slide13.xml><?xml version="1.0" encoding="utf-8"?>
 <p:sld xmlns:a="http://schemas.openxmlformats.org/drawingml/2006/main" xmlns:r="http://schemas.openxmlformats.org/officeDocument/2006/relationships" xmlns:p="http://schemas.openxmlformats.org/presentationml/2006/main">
   <p:cSld>
@@ -15252,6 +15027,705 @@
           <p:cNvPr id="2" name="Title 1">
             <a:extLst>
               <a:ext uri="{FF2B5EF4-FFF2-40B4-BE49-F238E27FC236}">
+                <a16:creationId xmlns:a16="http://schemas.microsoft.com/office/drawing/2014/main" id="{EEE064F5-F9F1-43C0-A746-25B3F07B0F1F}"/>
+              </a:ext>
+            </a:extLst>
+          </p:cNvPr>
+          <p:cNvSpPr>
+            <a:spLocks noGrp="1"/>
+          </p:cNvSpPr>
+          <p:nvPr>
+            <p:ph type="title"/>
+          </p:nvPr>
+        </p:nvSpPr>
+        <p:spPr/>
+        <p:txBody>
+          <a:bodyPr/>
+          <a:lstStyle/>
+          <a:p>
+            <a:r>
+              <a:rPr lang="en-US" dirty="0"/>
+              <a:t>Old versions of figures – not used</a:t>
+            </a:r>
+          </a:p>
+        </p:txBody>
+      </p:sp>
+      <p:sp>
+        <p:nvSpPr>
+          <p:cNvPr id="3" name="Footer Placeholder 2">
+            <a:extLst>
+              <a:ext uri="{FF2B5EF4-FFF2-40B4-BE49-F238E27FC236}">
+                <a16:creationId xmlns:a16="http://schemas.microsoft.com/office/drawing/2014/main" id="{03AE268B-CF95-4E65-B1EF-7AF43BDA13AB}"/>
+              </a:ext>
+            </a:extLst>
+          </p:cNvPr>
+          <p:cNvSpPr>
+            <a:spLocks noGrp="1"/>
+          </p:cNvSpPr>
+          <p:nvPr>
+            <p:ph type="ftr" sz="quarter" idx="10"/>
+          </p:nvPr>
+        </p:nvSpPr>
+        <p:spPr/>
+        <p:txBody>
+          <a:bodyPr/>
+          <a:lstStyle/>
+          <a:p>
+            <a:r>
+              <a:rPr lang="en-US" b="1"/>
+              <a:t>© 2019 Health Level Seven ® International. Licensed under Creative Commons Attribution 4.0 International</a:t>
+            </a:r>
+          </a:p>
+          <a:p>
+            <a:r>
+              <a:rPr lang="en-US" b="1"/>
+              <a:t>HL7, Health Level Seven, FHIR and the FHIR flame logo are registered trademarks of Health Level Seven International. Reg. U.S. TM Office.</a:t>
+            </a:r>
+            <a:endParaRPr lang="en-US" b="1" dirty="0"/>
+          </a:p>
+        </p:txBody>
+      </p:sp>
+      <p:sp>
+        <p:nvSpPr>
+          <p:cNvPr id="4" name="Slide Number Placeholder 3">
+            <a:extLst>
+              <a:ext uri="{FF2B5EF4-FFF2-40B4-BE49-F238E27FC236}">
+                <a16:creationId xmlns:a16="http://schemas.microsoft.com/office/drawing/2014/main" id="{18373F79-2D3A-494D-B6F2-9975501DB261}"/>
+              </a:ext>
+            </a:extLst>
+          </p:cNvPr>
+          <p:cNvSpPr>
+            <a:spLocks noGrp="1"/>
+          </p:cNvSpPr>
+          <p:nvPr>
+            <p:ph type="sldNum" sz="quarter" idx="11"/>
+          </p:nvPr>
+        </p:nvSpPr>
+        <p:spPr/>
+        <p:txBody>
+          <a:bodyPr/>
+          <a:lstStyle/>
+          <a:p>
+            <a:fld id="{6CACE926-AEF5-4BFE-8BD7-24414108CB7B}" type="slidenum">
+              <a:rPr lang="en-US" altLang="en-US" smtClean="0"/>
+              <a:pPr/>
+              <a:t>13</a:t>
+            </a:fld>
+            <a:endParaRPr lang="en-US" altLang="en-US" dirty="0"/>
+          </a:p>
+        </p:txBody>
+      </p:sp>
+    </p:spTree>
+    <p:extLst>
+      <p:ext uri="{BB962C8B-B14F-4D97-AF65-F5344CB8AC3E}">
+        <p14:creationId xmlns:p14="http://schemas.microsoft.com/office/powerpoint/2010/main" val="2034284899"/>
+      </p:ext>
+    </p:extLst>
+  </p:cSld>
+  <p:clrMapOvr>
+    <a:masterClrMapping/>
+  </p:clrMapOvr>
+</p:sld>
+</file>
+
+<file path=ppt/slides/slide14.xml><?xml version="1.0" encoding="utf-8"?>
+<p:sld xmlns:a="http://schemas.openxmlformats.org/drawingml/2006/main" xmlns:r="http://schemas.openxmlformats.org/officeDocument/2006/relationships" xmlns:p="http://schemas.openxmlformats.org/presentationml/2006/main">
+  <p:cSld>
+    <p:spTree>
+      <p:nvGrpSpPr>
+        <p:cNvPr id="1" name=""/>
+        <p:cNvGrpSpPr/>
+        <p:nvPr/>
+      </p:nvGrpSpPr>
+      <p:grpSpPr>
+        <a:xfrm>
+          <a:off x="0" y="0"/>
+          <a:ext cx="0" cy="0"/>
+          <a:chOff x="0" y="0"/>
+          <a:chExt cx="0" cy="0"/>
+        </a:xfrm>
+      </p:grpSpPr>
+      <p:sp>
+        <p:nvSpPr>
+          <p:cNvPr id="2" name="Title 1">
+            <a:extLst>
+              <a:ext uri="{FF2B5EF4-FFF2-40B4-BE49-F238E27FC236}">
+                <a16:creationId xmlns:a16="http://schemas.microsoft.com/office/drawing/2014/main" id="{DE4FC254-7E84-4C1E-B2B1-8F45C616E91E}"/>
+              </a:ext>
+            </a:extLst>
+          </p:cNvPr>
+          <p:cNvSpPr>
+            <a:spLocks noGrp="1"/>
+          </p:cNvSpPr>
+          <p:nvPr>
+            <p:ph type="title"/>
+          </p:nvPr>
+        </p:nvSpPr>
+        <p:spPr/>
+        <p:txBody>
+          <a:bodyPr/>
+          <a:lstStyle/>
+          <a:p>
+            <a:r>
+              <a:rPr lang="en-US" dirty="0"/>
+              <a:t>For Guidance Page</a:t>
+            </a:r>
+          </a:p>
+        </p:txBody>
+      </p:sp>
+      <p:sp>
+        <p:nvSpPr>
+          <p:cNvPr id="3" name="Text Placeholder 2">
+            <a:extLst>
+              <a:ext uri="{FF2B5EF4-FFF2-40B4-BE49-F238E27FC236}">
+                <a16:creationId xmlns:a16="http://schemas.microsoft.com/office/drawing/2014/main" id="{4025DF32-5ADE-4348-8F51-B2255B4D83D2}"/>
+              </a:ext>
+            </a:extLst>
+          </p:cNvPr>
+          <p:cNvSpPr>
+            <a:spLocks noGrp="1"/>
+          </p:cNvSpPr>
+          <p:nvPr>
+            <p:ph type="body" sz="quarter" idx="13"/>
+          </p:nvPr>
+        </p:nvSpPr>
+        <p:spPr/>
+        <p:txBody>
+          <a:bodyPr/>
+          <a:lstStyle/>
+          <a:p>
+            <a:pPr marL="0" indent="0">
+              <a:buNone/>
+            </a:pPr>
+            <a:r>
+              <a:rPr lang="en-US" dirty="0"/>
+              <a:t> </a:t>
+            </a:r>
+          </a:p>
+        </p:txBody>
+      </p:sp>
+      <p:sp>
+        <p:nvSpPr>
+          <p:cNvPr id="4" name="Footer Placeholder 3">
+            <a:extLst>
+              <a:ext uri="{FF2B5EF4-FFF2-40B4-BE49-F238E27FC236}">
+                <a16:creationId xmlns:a16="http://schemas.microsoft.com/office/drawing/2014/main" id="{6F1D9FDC-5EC9-421B-B816-669D4CBA8D03}"/>
+              </a:ext>
+            </a:extLst>
+          </p:cNvPr>
+          <p:cNvSpPr>
+            <a:spLocks noGrp="1"/>
+          </p:cNvSpPr>
+          <p:nvPr>
+            <p:ph type="ftr" sz="quarter" idx="10"/>
+          </p:nvPr>
+        </p:nvSpPr>
+        <p:spPr/>
+        <p:txBody>
+          <a:bodyPr/>
+          <a:lstStyle/>
+          <a:p>
+            <a:r>
+              <a:rPr lang="en-US" b="1"/>
+              <a:t>© 2019 Health Level Seven ® International. Licensed under Creative Commons Attribution 4.0 International</a:t>
+            </a:r>
+          </a:p>
+          <a:p>
+            <a:r>
+              <a:rPr lang="en-US" b="1"/>
+              <a:t>HL7, Health Level Seven, FHIR and the FHIR flame logo are registered trademarks of Health Level Seven International. Reg. U.S. TM Office.</a:t>
+            </a:r>
+            <a:endParaRPr lang="en-US" b="1" dirty="0"/>
+          </a:p>
+        </p:txBody>
+      </p:sp>
+      <p:sp>
+        <p:nvSpPr>
+          <p:cNvPr id="5" name="Slide Number Placeholder 4">
+            <a:extLst>
+              <a:ext uri="{FF2B5EF4-FFF2-40B4-BE49-F238E27FC236}">
+                <a16:creationId xmlns:a16="http://schemas.microsoft.com/office/drawing/2014/main" id="{ABC91477-8158-43AE-8C67-AA1E9785A906}"/>
+              </a:ext>
+            </a:extLst>
+          </p:cNvPr>
+          <p:cNvSpPr>
+            <a:spLocks noGrp="1"/>
+          </p:cNvSpPr>
+          <p:nvPr>
+            <p:ph type="sldNum" sz="quarter" idx="11"/>
+          </p:nvPr>
+        </p:nvSpPr>
+        <p:spPr/>
+        <p:txBody>
+          <a:bodyPr/>
+          <a:lstStyle/>
+          <a:p>
+            <a:fld id="{6CACE926-AEF5-4BFE-8BD7-24414108CB7B}" type="slidenum">
+              <a:rPr lang="en-US" altLang="en-US" smtClean="0"/>
+              <a:pPr/>
+              <a:t>14</a:t>
+            </a:fld>
+            <a:endParaRPr lang="en-US" altLang="en-US" dirty="0"/>
+          </a:p>
+        </p:txBody>
+      </p:sp>
+      <p:pic>
+        <p:nvPicPr>
+          <p:cNvPr id="6" name="Graphic 5">
+            <a:extLst>
+              <a:ext uri="{FF2B5EF4-FFF2-40B4-BE49-F238E27FC236}">
+                <a16:creationId xmlns:a16="http://schemas.microsoft.com/office/drawing/2014/main" id="{842186CE-C3CB-491F-B90D-334B74F93238}"/>
+              </a:ext>
+            </a:extLst>
+          </p:cNvPr>
+          <p:cNvPicPr>
+            <a:picLocks noChangeAspect="1"/>
+          </p:cNvPicPr>
+          <p:nvPr/>
+        </p:nvPicPr>
+        <p:blipFill>
+          <a:blip r:embed="rId3">
+            <a:extLst>
+              <a:ext uri="{96DAC541-7B7A-43D3-8B79-37D633B846F1}">
+                <asvg:svgBlip xmlns:asvg="http://schemas.microsoft.com/office/drawing/2016/SVG/main" r:embed="rId4"/>
+              </a:ext>
+            </a:extLst>
+          </a:blip>
+          <a:stretch>
+            <a:fillRect/>
+          </a:stretch>
+        </p:blipFill>
+        <p:spPr>
+          <a:xfrm>
+            <a:off x="7512232" y="2961683"/>
+            <a:ext cx="659817" cy="996459"/>
+          </a:xfrm>
+          <a:prstGeom prst="rect">
+            <a:avLst/>
+          </a:prstGeom>
+        </p:spPr>
+      </p:pic>
+      <p:pic>
+        <p:nvPicPr>
+          <p:cNvPr id="7" name="Graphic 6">
+            <a:extLst>
+              <a:ext uri="{FF2B5EF4-FFF2-40B4-BE49-F238E27FC236}">
+                <a16:creationId xmlns:a16="http://schemas.microsoft.com/office/drawing/2014/main" id="{3E4BF30F-2D52-4FA7-8B6E-989427E65C55}"/>
+              </a:ext>
+            </a:extLst>
+          </p:cNvPr>
+          <p:cNvPicPr>
+            <a:picLocks noChangeAspect="1"/>
+          </p:cNvPicPr>
+          <p:nvPr/>
+        </p:nvPicPr>
+        <p:blipFill>
+          <a:blip r:embed="rId5">
+            <a:extLst>
+              <a:ext uri="{96DAC541-7B7A-43D3-8B79-37D633B846F1}">
+                <asvg:svgBlip xmlns:asvg="http://schemas.microsoft.com/office/drawing/2016/SVG/main" r:embed="rId6"/>
+              </a:ext>
+            </a:extLst>
+          </a:blip>
+          <a:stretch>
+            <a:fillRect/>
+          </a:stretch>
+        </p:blipFill>
+        <p:spPr>
+          <a:xfrm>
+            <a:off x="3683355" y="3080690"/>
+            <a:ext cx="814124" cy="899821"/>
+          </a:xfrm>
+          <a:prstGeom prst="rect">
+            <a:avLst/>
+          </a:prstGeom>
+        </p:spPr>
+      </p:pic>
+      <p:sp>
+        <p:nvSpPr>
+          <p:cNvPr id="9" name="TextBox 8">
+            <a:extLst>
+              <a:ext uri="{FF2B5EF4-FFF2-40B4-BE49-F238E27FC236}">
+                <a16:creationId xmlns:a16="http://schemas.microsoft.com/office/drawing/2014/main" id="{F400E8FA-0292-4288-B1BB-DA58B38789C1}"/>
+              </a:ext>
+            </a:extLst>
+          </p:cNvPr>
+          <p:cNvSpPr txBox="1"/>
+          <p:nvPr/>
+        </p:nvSpPr>
+        <p:spPr>
+          <a:xfrm>
+            <a:off x="8282875" y="3157505"/>
+            <a:ext cx="1259821" cy="707694"/>
+          </a:xfrm>
+          <a:prstGeom prst="rect">
+            <a:avLst/>
+          </a:prstGeom>
+          <a:noFill/>
+        </p:spPr>
+        <p:txBody>
+          <a:bodyPr wrap="square" rtlCol="0">
+            <a:spAutoFit/>
+          </a:bodyPr>
+          <a:lstStyle/>
+          <a:p>
+            <a:pPr algn="ctr" defTabSz="609585" fontAlgn="base">
+              <a:spcBef>
+                <a:spcPct val="0"/>
+              </a:spcBef>
+              <a:spcAft>
+                <a:spcPct val="0"/>
+              </a:spcAft>
+              <a:defRPr/>
+            </a:pPr>
+            <a:r>
+              <a:rPr lang="en-US" sz="1333" b="1" dirty="0">
+                <a:solidFill>
+                  <a:srgbClr val="C00000"/>
+                </a:solidFill>
+                <a:latin typeface="Arial"/>
+                <a:ea typeface="ヒラギノ角ゴ Pro W3" pitchFamily="-126" charset="-128"/>
+              </a:rPr>
+              <a:t>Client</a:t>
+            </a:r>
+          </a:p>
+          <a:p>
+            <a:pPr algn="ctr" defTabSz="609585" fontAlgn="base">
+              <a:spcBef>
+                <a:spcPct val="0"/>
+              </a:spcBef>
+              <a:spcAft>
+                <a:spcPct val="0"/>
+              </a:spcAft>
+              <a:defRPr/>
+            </a:pPr>
+            <a:r>
+              <a:rPr lang="en-US" sz="1333" b="1" dirty="0">
+                <a:solidFill>
+                  <a:srgbClr val="C00000"/>
+                </a:solidFill>
+                <a:latin typeface="Arial"/>
+                <a:ea typeface="ヒラギノ角ゴ Pro W3" pitchFamily="-126" charset="-128"/>
+              </a:rPr>
+              <a:t>(example Provider)</a:t>
+            </a:r>
+          </a:p>
+        </p:txBody>
+      </p:sp>
+      <p:sp>
+        <p:nvSpPr>
+          <p:cNvPr id="10" name="TextBox 9">
+            <a:extLst>
+              <a:ext uri="{FF2B5EF4-FFF2-40B4-BE49-F238E27FC236}">
+                <a16:creationId xmlns:a16="http://schemas.microsoft.com/office/drawing/2014/main" id="{984AE2E2-20A9-4B44-A58D-4BBB1DF61213}"/>
+              </a:ext>
+            </a:extLst>
+          </p:cNvPr>
+          <p:cNvSpPr txBox="1"/>
+          <p:nvPr/>
+        </p:nvSpPr>
+        <p:spPr>
+          <a:xfrm>
+            <a:off x="1831532" y="3442508"/>
+            <a:ext cx="2115679" cy="502573"/>
+          </a:xfrm>
+          <a:prstGeom prst="rect">
+            <a:avLst/>
+          </a:prstGeom>
+          <a:noFill/>
+        </p:spPr>
+        <p:txBody>
+          <a:bodyPr wrap="square" rtlCol="0">
+            <a:spAutoFit/>
+          </a:bodyPr>
+          <a:lstStyle/>
+          <a:p>
+            <a:pPr algn="ctr" defTabSz="609585" fontAlgn="base">
+              <a:spcBef>
+                <a:spcPct val="0"/>
+              </a:spcBef>
+              <a:spcAft>
+                <a:spcPct val="0"/>
+              </a:spcAft>
+              <a:defRPr/>
+            </a:pPr>
+            <a:r>
+              <a:rPr lang="en-US" sz="1333" b="1" dirty="0">
+                <a:solidFill>
+                  <a:srgbClr val="F79646">
+                    <a:lumMod val="50000"/>
+                  </a:srgbClr>
+                </a:solidFill>
+                <a:latin typeface="Arial"/>
+                <a:ea typeface="ヒラギノ角ゴ Pro W3" pitchFamily="-126" charset="-128"/>
+              </a:rPr>
+              <a:t>Server</a:t>
+            </a:r>
+          </a:p>
+          <a:p>
+            <a:pPr algn="ctr" defTabSz="609585" fontAlgn="base">
+              <a:spcBef>
+                <a:spcPct val="0"/>
+              </a:spcBef>
+              <a:spcAft>
+                <a:spcPct val="0"/>
+              </a:spcAft>
+              <a:defRPr/>
+            </a:pPr>
+            <a:r>
+              <a:rPr lang="en-US" sz="1333" b="1" dirty="0">
+                <a:solidFill>
+                  <a:srgbClr val="F79646">
+                    <a:lumMod val="50000"/>
+                  </a:srgbClr>
+                </a:solidFill>
+                <a:latin typeface="Arial"/>
+                <a:ea typeface="ヒラギノ角ゴ Pro W3" pitchFamily="-126" charset="-128"/>
+              </a:rPr>
+              <a:t>(example Payer)</a:t>
+            </a:r>
+          </a:p>
+        </p:txBody>
+      </p:sp>
+      <p:sp>
+        <p:nvSpPr>
+          <p:cNvPr id="8" name="Arrow: U-Turn 7">
+            <a:extLst>
+              <a:ext uri="{FF2B5EF4-FFF2-40B4-BE49-F238E27FC236}">
+                <a16:creationId xmlns:a16="http://schemas.microsoft.com/office/drawing/2014/main" id="{BBA494F5-C840-4276-B567-19F510FB3BE8}"/>
+              </a:ext>
+            </a:extLst>
+          </p:cNvPr>
+          <p:cNvSpPr/>
+          <p:nvPr/>
+        </p:nvSpPr>
+        <p:spPr>
+          <a:xfrm flipH="1">
+            <a:off x="3931920" y="2326640"/>
+            <a:ext cx="3911600" cy="426720"/>
+          </a:xfrm>
+          <a:prstGeom prst="uturnArrow">
+            <a:avLst/>
+          </a:prstGeom>
+        </p:spPr>
+        <p:style>
+          <a:lnRef idx="1">
+            <a:schemeClr val="accent1"/>
+          </a:lnRef>
+          <a:fillRef idx="3">
+            <a:schemeClr val="accent1"/>
+          </a:fillRef>
+          <a:effectRef idx="2">
+            <a:schemeClr val="accent1"/>
+          </a:effectRef>
+          <a:fontRef idx="minor">
+            <a:schemeClr val="lt1"/>
+          </a:fontRef>
+        </p:style>
+        <p:txBody>
+          <a:bodyPr rtlCol="0" anchor="ctr"/>
+          <a:lstStyle/>
+          <a:p>
+            <a:pPr algn="ctr"/>
+            <a:endParaRPr lang="en-US">
+              <a:solidFill>
+                <a:schemeClr val="tx1"/>
+              </a:solidFill>
+            </a:endParaRPr>
+          </a:p>
+        </p:txBody>
+      </p:sp>
+      <p:sp>
+        <p:nvSpPr>
+          <p:cNvPr id="13" name="Arrow: U-Turn 12">
+            <a:extLst>
+              <a:ext uri="{FF2B5EF4-FFF2-40B4-BE49-F238E27FC236}">
+                <a16:creationId xmlns:a16="http://schemas.microsoft.com/office/drawing/2014/main" id="{174416F3-D18D-44B8-B799-1F518BBC5027}"/>
+              </a:ext>
+            </a:extLst>
+          </p:cNvPr>
+          <p:cNvSpPr/>
+          <p:nvPr/>
+        </p:nvSpPr>
+        <p:spPr>
+          <a:xfrm flipV="1">
+            <a:off x="4013200" y="4104640"/>
+            <a:ext cx="3870960" cy="497840"/>
+          </a:xfrm>
+          <a:prstGeom prst="uturnArrow">
+            <a:avLst/>
+          </a:prstGeom>
+        </p:spPr>
+        <p:style>
+          <a:lnRef idx="1">
+            <a:schemeClr val="accent1"/>
+          </a:lnRef>
+          <a:fillRef idx="3">
+            <a:schemeClr val="accent1"/>
+          </a:fillRef>
+          <a:effectRef idx="2">
+            <a:schemeClr val="accent1"/>
+          </a:effectRef>
+          <a:fontRef idx="minor">
+            <a:schemeClr val="lt1"/>
+          </a:fontRef>
+        </p:style>
+        <p:txBody>
+          <a:bodyPr rtlCol="0" anchor="ctr"/>
+          <a:lstStyle/>
+          <a:p>
+            <a:pPr algn="ctr"/>
+            <a:endParaRPr lang="en-US">
+              <a:solidFill>
+                <a:schemeClr val="tx1"/>
+              </a:solidFill>
+            </a:endParaRPr>
+          </a:p>
+        </p:txBody>
+      </p:sp>
+      <p:sp>
+        <p:nvSpPr>
+          <p:cNvPr id="14" name="Rectangle 13">
+            <a:extLst>
+              <a:ext uri="{FF2B5EF4-FFF2-40B4-BE49-F238E27FC236}">
+                <a16:creationId xmlns:a16="http://schemas.microsoft.com/office/drawing/2014/main" id="{330FFA72-BBBD-4DBC-800E-90E49E5C0B79}"/>
+              </a:ext>
+            </a:extLst>
+          </p:cNvPr>
+          <p:cNvSpPr/>
+          <p:nvPr/>
+        </p:nvSpPr>
+        <p:spPr>
+          <a:xfrm>
+            <a:off x="4998720" y="2225040"/>
+            <a:ext cx="1778000" cy="335280"/>
+          </a:xfrm>
+          <a:prstGeom prst="rect">
+            <a:avLst/>
+          </a:prstGeom>
+          <a:solidFill>
+            <a:schemeClr val="bg1"/>
+          </a:solidFill>
+        </p:spPr>
+        <p:style>
+          <a:lnRef idx="1">
+            <a:schemeClr val="accent1"/>
+          </a:lnRef>
+          <a:fillRef idx="3">
+            <a:schemeClr val="accent1"/>
+          </a:fillRef>
+          <a:effectRef idx="2">
+            <a:schemeClr val="accent1"/>
+          </a:effectRef>
+          <a:fontRef idx="minor">
+            <a:schemeClr val="lt1"/>
+          </a:fontRef>
+        </p:style>
+        <p:txBody>
+          <a:bodyPr rtlCol="0" anchor="ctr"/>
+          <a:lstStyle/>
+          <a:p>
+            <a:pPr algn="ctr"/>
+            <a:r>
+              <a:rPr lang="en-US" dirty="0">
+                <a:solidFill>
+                  <a:schemeClr val="tx1"/>
+                </a:solidFill>
+              </a:rPr>
+              <a:t>$report</a:t>
+            </a:r>
+          </a:p>
+        </p:txBody>
+      </p:sp>
+      <p:sp>
+        <p:nvSpPr>
+          <p:cNvPr id="16" name="Rectangle 15">
+            <a:extLst>
+              <a:ext uri="{FF2B5EF4-FFF2-40B4-BE49-F238E27FC236}">
+                <a16:creationId xmlns:a16="http://schemas.microsoft.com/office/drawing/2014/main" id="{6908AAC3-35FE-4372-8B8E-78FD5F752EEB}"/>
+              </a:ext>
+            </a:extLst>
+          </p:cNvPr>
+          <p:cNvSpPr/>
+          <p:nvPr/>
+        </p:nvSpPr>
+        <p:spPr>
+          <a:xfrm>
+            <a:off x="5029200" y="4297680"/>
+            <a:ext cx="1778000" cy="396240"/>
+          </a:xfrm>
+          <a:prstGeom prst="rect">
+            <a:avLst/>
+          </a:prstGeom>
+          <a:solidFill>
+            <a:schemeClr val="bg1"/>
+          </a:solidFill>
+        </p:spPr>
+        <p:style>
+          <a:lnRef idx="1">
+            <a:schemeClr val="accent1"/>
+          </a:lnRef>
+          <a:fillRef idx="3">
+            <a:schemeClr val="accent1"/>
+          </a:fillRef>
+          <a:effectRef idx="2">
+            <a:schemeClr val="accent1"/>
+          </a:effectRef>
+          <a:fontRef idx="minor">
+            <a:schemeClr val="lt1"/>
+          </a:fontRef>
+        </p:style>
+        <p:txBody>
+          <a:bodyPr rtlCol="0" anchor="ctr"/>
+          <a:lstStyle/>
+          <a:p>
+            <a:pPr algn="ctr"/>
+            <a:r>
+              <a:rPr lang="en-US" sz="1400" dirty="0">
+                <a:solidFill>
+                  <a:schemeClr val="tx1"/>
+                </a:solidFill>
+              </a:rPr>
+              <a:t>Risk Adjustment Care Gap Reports</a:t>
+            </a:r>
+          </a:p>
+        </p:txBody>
+      </p:sp>
+    </p:spTree>
+    <p:extLst>
+      <p:ext uri="{BB962C8B-B14F-4D97-AF65-F5344CB8AC3E}">
+        <p14:creationId xmlns:p14="http://schemas.microsoft.com/office/powerpoint/2010/main" val="2117979091"/>
+      </p:ext>
+    </p:extLst>
+  </p:cSld>
+  <p:clrMapOvr>
+    <a:masterClrMapping/>
+  </p:clrMapOvr>
+</p:sld>
+</file>
+
+<file path=ppt/slides/slide15.xml><?xml version="1.0" encoding="utf-8"?>
+<p:sld xmlns:a="http://schemas.openxmlformats.org/drawingml/2006/main" xmlns:r="http://schemas.openxmlformats.org/officeDocument/2006/relationships" xmlns:p="http://schemas.openxmlformats.org/presentationml/2006/main">
+  <p:cSld>
+    <p:spTree>
+      <p:nvGrpSpPr>
+        <p:cNvPr id="1" name=""/>
+        <p:cNvGrpSpPr/>
+        <p:nvPr/>
+      </p:nvGrpSpPr>
+      <p:grpSpPr>
+        <a:xfrm>
+          <a:off x="0" y="0"/>
+          <a:ext cx="0" cy="0"/>
+          <a:chOff x="0" y="0"/>
+          <a:chExt cx="0" cy="0"/>
+        </a:xfrm>
+      </p:grpSpPr>
+      <p:sp>
+        <p:nvSpPr>
+          <p:cNvPr id="2" name="Title 1">
+            <a:extLst>
+              <a:ext uri="{FF2B5EF4-FFF2-40B4-BE49-F238E27FC236}">
                 <a16:creationId xmlns:a16="http://schemas.microsoft.com/office/drawing/2014/main" id="{D839B762-5734-44CA-BA78-76FD98019C0D}"/>
               </a:ext>
             </a:extLst>
@@ -15380,7 +15854,7 @@
                   <a:spcPct val="0"/>
                 </a:spcAft>
               </a:pPr>
-              <a:t>13</a:t>
+              <a:t>15</a:t>
             </a:fld>
             <a:endParaRPr lang="en-US" altLang="en-US" dirty="0">
               <a:solidFill>
@@ -15435,7 +15909,7 @@
 </p:sld>
 </file>
 
-<file path=ppt/slides/slide14.xml><?xml version="1.0" encoding="utf-8"?>
+<file path=ppt/slides/slide16.xml><?xml version="1.0" encoding="utf-8"?>
 <p:sld xmlns:a="http://schemas.openxmlformats.org/drawingml/2006/main" xmlns:r="http://schemas.openxmlformats.org/officeDocument/2006/relationships" xmlns:p="http://schemas.openxmlformats.org/presentationml/2006/main">
   <p:cSld>
     <p:spTree>
@@ -21231,10 +21705,54 @@
       </p:grpSpPr>
       <p:sp>
         <p:nvSpPr>
-          <p:cNvPr id="2" name="Title 1">
-            <a:extLst>
-              <a:ext uri="{FF2B5EF4-FFF2-40B4-BE49-F238E27FC236}">
-                <a16:creationId xmlns:a16="http://schemas.microsoft.com/office/drawing/2014/main" id="{D839B762-5734-44CA-BA78-76FD98019C0D}"/>
+          <p:cNvPr id="14" name="Rectangle 13">
+            <a:extLst>
+              <a:ext uri="{FF2B5EF4-FFF2-40B4-BE49-F238E27FC236}">
+                <a16:creationId xmlns:a16="http://schemas.microsoft.com/office/drawing/2014/main" id="{CF806683-A300-4B81-8383-0467E3567E38}"/>
+              </a:ext>
+            </a:extLst>
+          </p:cNvPr>
+          <p:cNvSpPr/>
+          <p:nvPr/>
+        </p:nvSpPr>
+        <p:spPr>
+          <a:xfrm>
+            <a:off x="1510199" y="4890716"/>
+            <a:ext cx="4900672" cy="1360809"/>
+          </a:xfrm>
+          <a:prstGeom prst="rect">
+            <a:avLst/>
+          </a:prstGeom>
+        </p:spPr>
+        <p:style>
+          <a:lnRef idx="1">
+            <a:schemeClr val="accent1"/>
+          </a:lnRef>
+          <a:fillRef idx="3">
+            <a:schemeClr val="accent1"/>
+          </a:fillRef>
+          <a:effectRef idx="2">
+            <a:schemeClr val="accent1"/>
+          </a:effectRef>
+          <a:fontRef idx="minor">
+            <a:schemeClr val="lt1"/>
+          </a:fontRef>
+        </p:style>
+        <p:txBody>
+          <a:bodyPr rtlCol="0" anchor="ctr"/>
+          <a:lstStyle/>
+          <a:p>
+            <a:pPr algn="ctr"/>
+            <a:endParaRPr lang="en-US"/>
+          </a:p>
+        </p:txBody>
+      </p:sp>
+      <p:sp>
+        <p:nvSpPr>
+          <p:cNvPr id="15361" name="Title 1">
+            <a:extLst>
+              <a:ext uri="{FF2B5EF4-FFF2-40B4-BE49-F238E27FC236}">
+                <a16:creationId xmlns:a16="http://schemas.microsoft.com/office/drawing/2014/main" id="{9BD03358-C736-4C1A-8E91-843C37ADF1DB}"/>
               </a:ext>
             </a:extLst>
           </p:cNvPr>
@@ -21251,18 +21769,18 @@
           <a:lstStyle/>
           <a:p>
             <a:r>
-              <a:rPr lang="en-US" dirty="0"/>
-              <a:t>Example Risk Adjustment Report</a:t>
-            </a:r>
-          </a:p>
-        </p:txBody>
-      </p:sp>
-      <p:sp>
-        <p:nvSpPr>
-          <p:cNvPr id="4" name="Footer Placeholder 3">
-            <a:extLst>
-              <a:ext uri="{FF2B5EF4-FFF2-40B4-BE49-F238E27FC236}">
-                <a16:creationId xmlns:a16="http://schemas.microsoft.com/office/drawing/2014/main" id="{C18F18B0-D93F-44AA-9787-691A06C0D216}"/>
+              <a:rPr lang="en-US" altLang="en-US" dirty="0"/>
+              <a:t>Workflow for Medicare Advantage Population</a:t>
+            </a:r>
+          </a:p>
+        </p:txBody>
+      </p:sp>
+      <p:sp>
+        <p:nvSpPr>
+          <p:cNvPr id="15363" name="Footer Placeholder 3">
+            <a:extLst>
+              <a:ext uri="{FF2B5EF4-FFF2-40B4-BE49-F238E27FC236}">
+                <a16:creationId xmlns:a16="http://schemas.microsoft.com/office/drawing/2014/main" id="{62AFA8FB-2E5A-4324-ADD7-1326236DA958}"/>
               </a:ext>
             </a:extLst>
           </p:cNvPr>
@@ -21276,7 +21794,113 @@
         <p:spPr/>
         <p:txBody>
           <a:bodyPr/>
-          <a:lstStyle/>
+          <a:lstStyle>
+            <a:lvl1pPr>
+              <a:defRPr>
+                <a:solidFill>
+                  <a:schemeClr val="tx1"/>
+                </a:solidFill>
+                <a:latin typeface="Arial" panose="020B0604020202020204" pitchFamily="34" charset="0"/>
+                <a:ea typeface="ヒラギノ角ゴ Pro W3" pitchFamily="-126" charset="-128"/>
+              </a:defRPr>
+            </a:lvl1pPr>
+            <a:lvl2pPr marL="990575" indent="-380990">
+              <a:defRPr>
+                <a:solidFill>
+                  <a:schemeClr val="tx1"/>
+                </a:solidFill>
+                <a:latin typeface="Arial" panose="020B0604020202020204" pitchFamily="34" charset="0"/>
+                <a:ea typeface="ヒラギノ角ゴ Pro W3" pitchFamily="-126" charset="-128"/>
+              </a:defRPr>
+            </a:lvl2pPr>
+            <a:lvl3pPr marL="1523962" indent="-304792">
+              <a:defRPr>
+                <a:solidFill>
+                  <a:schemeClr val="tx1"/>
+                </a:solidFill>
+                <a:latin typeface="Arial" panose="020B0604020202020204" pitchFamily="34" charset="0"/>
+                <a:ea typeface="ヒラギノ角ゴ Pro W3" pitchFamily="-126" charset="-128"/>
+              </a:defRPr>
+            </a:lvl3pPr>
+            <a:lvl4pPr marL="2133547" indent="-304792">
+              <a:defRPr>
+                <a:solidFill>
+                  <a:schemeClr val="tx1"/>
+                </a:solidFill>
+                <a:latin typeface="Arial" panose="020B0604020202020204" pitchFamily="34" charset="0"/>
+                <a:ea typeface="ヒラギノ角ゴ Pro W3" pitchFamily="-126" charset="-128"/>
+              </a:defRPr>
+            </a:lvl4pPr>
+            <a:lvl5pPr marL="2743131" indent="-304792">
+              <a:defRPr>
+                <a:solidFill>
+                  <a:schemeClr val="tx1"/>
+                </a:solidFill>
+                <a:latin typeface="Arial" panose="020B0604020202020204" pitchFamily="34" charset="0"/>
+                <a:ea typeface="ヒラギノ角ゴ Pro W3" pitchFamily="-126" charset="-128"/>
+              </a:defRPr>
+            </a:lvl5pPr>
+            <a:lvl6pPr marL="3352716" indent="-304792" defTabSz="609585" fontAlgn="base">
+              <a:spcBef>
+                <a:spcPct val="0"/>
+              </a:spcBef>
+              <a:spcAft>
+                <a:spcPct val="0"/>
+              </a:spcAft>
+              <a:defRPr>
+                <a:solidFill>
+                  <a:schemeClr val="tx1"/>
+                </a:solidFill>
+                <a:latin typeface="Arial" panose="020B0604020202020204" pitchFamily="34" charset="0"/>
+                <a:ea typeface="ヒラギノ角ゴ Pro W3" pitchFamily="-126" charset="-128"/>
+              </a:defRPr>
+            </a:lvl6pPr>
+            <a:lvl7pPr marL="3962301" indent="-304792" defTabSz="609585" fontAlgn="base">
+              <a:spcBef>
+                <a:spcPct val="0"/>
+              </a:spcBef>
+              <a:spcAft>
+                <a:spcPct val="0"/>
+              </a:spcAft>
+              <a:defRPr>
+                <a:solidFill>
+                  <a:schemeClr val="tx1"/>
+                </a:solidFill>
+                <a:latin typeface="Arial" panose="020B0604020202020204" pitchFamily="34" charset="0"/>
+                <a:ea typeface="ヒラギノ角ゴ Pro W3" pitchFamily="-126" charset="-128"/>
+              </a:defRPr>
+            </a:lvl7pPr>
+            <a:lvl8pPr marL="4571886" indent="-304792" defTabSz="609585" fontAlgn="base">
+              <a:spcBef>
+                <a:spcPct val="0"/>
+              </a:spcBef>
+              <a:spcAft>
+                <a:spcPct val="0"/>
+              </a:spcAft>
+              <a:defRPr>
+                <a:solidFill>
+                  <a:schemeClr val="tx1"/>
+                </a:solidFill>
+                <a:latin typeface="Arial" panose="020B0604020202020204" pitchFamily="34" charset="0"/>
+                <a:ea typeface="ヒラギノ角ゴ Pro W3" pitchFamily="-126" charset="-128"/>
+              </a:defRPr>
+            </a:lvl8pPr>
+            <a:lvl9pPr marL="5181470" indent="-304792" defTabSz="609585" fontAlgn="base">
+              <a:spcBef>
+                <a:spcPct val="0"/>
+              </a:spcBef>
+              <a:spcAft>
+                <a:spcPct val="0"/>
+              </a:spcAft>
+              <a:defRPr>
+                <a:solidFill>
+                  <a:schemeClr val="tx1"/>
+                </a:solidFill>
+                <a:latin typeface="Arial" panose="020B0604020202020204" pitchFamily="34" charset="0"/>
+                <a:ea typeface="ヒラギノ角ゴ Pro W3" pitchFamily="-126" charset="-128"/>
+              </a:defRPr>
+            </a:lvl9pPr>
+          </a:lstStyle>
           <a:p>
             <a:pPr defTabSz="609585" fontAlgn="base">
               <a:spcBef>
@@ -21287,13 +21911,142 @@
               </a:spcAft>
             </a:pPr>
             <a:r>
-              <a:rPr lang="en-US" b="1">
+              <a:rPr lang="en-US" altLang="en-US">
+                <a:solidFill>
+                  <a:prstClr val="black"/>
+                </a:solidFill>
+              </a:rPr>
+              <a:t>© 2019 Health Level Seven ® International. Licensed under Creative Commons Attribution 4.0 International HL7, Health Level Seven, FHIR and the FHIR flame logo are registered trademarks of Health Level Seven International. Reg. U.S. TM Office.</a:t>
+            </a:r>
+          </a:p>
+        </p:txBody>
+      </p:sp>
+      <p:sp>
+        <p:nvSpPr>
+          <p:cNvPr id="15364" name="Slide Number Placeholder 4">
+            <a:extLst>
+              <a:ext uri="{FF2B5EF4-FFF2-40B4-BE49-F238E27FC236}">
+                <a16:creationId xmlns:a16="http://schemas.microsoft.com/office/drawing/2014/main" id="{2EEC91F9-0B4D-4914-992D-9AA65CF32774}"/>
+              </a:ext>
+            </a:extLst>
+          </p:cNvPr>
+          <p:cNvSpPr>
+            <a:spLocks noGrp="1"/>
+          </p:cNvSpPr>
+          <p:nvPr>
+            <p:ph type="sldNum" sz="quarter" idx="11"/>
+          </p:nvPr>
+        </p:nvSpPr>
+        <p:spPr/>
+        <p:txBody>
+          <a:bodyPr/>
+          <a:lstStyle>
+            <a:lvl1pPr>
+              <a:defRPr>
+                <a:solidFill>
+                  <a:schemeClr val="tx1"/>
+                </a:solidFill>
                 <a:latin typeface="Arial" panose="020B0604020202020204" pitchFamily="34" charset="0"/>
                 <a:ea typeface="ヒラギノ角ゴ Pro W3" pitchFamily="-126" charset="-128"/>
-              </a:rPr>
-              <a:t>© 2019 Health Level Seven ® International. Licensed under Creative Commons Attribution 4.0 International</a:t>
-            </a:r>
-          </a:p>
+              </a:defRPr>
+            </a:lvl1pPr>
+            <a:lvl2pPr marL="990575" indent="-380990">
+              <a:defRPr>
+                <a:solidFill>
+                  <a:schemeClr val="tx1"/>
+                </a:solidFill>
+                <a:latin typeface="Arial" panose="020B0604020202020204" pitchFamily="34" charset="0"/>
+                <a:ea typeface="ヒラギノ角ゴ Pro W3" pitchFamily="-126" charset="-128"/>
+              </a:defRPr>
+            </a:lvl2pPr>
+            <a:lvl3pPr marL="1523962" indent="-304792">
+              <a:defRPr>
+                <a:solidFill>
+                  <a:schemeClr val="tx1"/>
+                </a:solidFill>
+                <a:latin typeface="Arial" panose="020B0604020202020204" pitchFamily="34" charset="0"/>
+                <a:ea typeface="ヒラギノ角ゴ Pro W3" pitchFamily="-126" charset="-128"/>
+              </a:defRPr>
+            </a:lvl3pPr>
+            <a:lvl4pPr marL="2133547" indent="-304792">
+              <a:defRPr>
+                <a:solidFill>
+                  <a:schemeClr val="tx1"/>
+                </a:solidFill>
+                <a:latin typeface="Arial" panose="020B0604020202020204" pitchFamily="34" charset="0"/>
+                <a:ea typeface="ヒラギノ角ゴ Pro W3" pitchFamily="-126" charset="-128"/>
+              </a:defRPr>
+            </a:lvl4pPr>
+            <a:lvl5pPr marL="2743131" indent="-304792">
+              <a:defRPr>
+                <a:solidFill>
+                  <a:schemeClr val="tx1"/>
+                </a:solidFill>
+                <a:latin typeface="Arial" panose="020B0604020202020204" pitchFamily="34" charset="0"/>
+                <a:ea typeface="ヒラギノ角ゴ Pro W3" pitchFamily="-126" charset="-128"/>
+              </a:defRPr>
+            </a:lvl5pPr>
+            <a:lvl6pPr marL="3352716" indent="-304792" defTabSz="609585" fontAlgn="base">
+              <a:spcBef>
+                <a:spcPct val="0"/>
+              </a:spcBef>
+              <a:spcAft>
+                <a:spcPct val="0"/>
+              </a:spcAft>
+              <a:defRPr>
+                <a:solidFill>
+                  <a:schemeClr val="tx1"/>
+                </a:solidFill>
+                <a:latin typeface="Arial" panose="020B0604020202020204" pitchFamily="34" charset="0"/>
+                <a:ea typeface="ヒラギノ角ゴ Pro W3" pitchFamily="-126" charset="-128"/>
+              </a:defRPr>
+            </a:lvl6pPr>
+            <a:lvl7pPr marL="3962301" indent="-304792" defTabSz="609585" fontAlgn="base">
+              <a:spcBef>
+                <a:spcPct val="0"/>
+              </a:spcBef>
+              <a:spcAft>
+                <a:spcPct val="0"/>
+              </a:spcAft>
+              <a:defRPr>
+                <a:solidFill>
+                  <a:schemeClr val="tx1"/>
+                </a:solidFill>
+                <a:latin typeface="Arial" panose="020B0604020202020204" pitchFamily="34" charset="0"/>
+                <a:ea typeface="ヒラギノ角ゴ Pro W3" pitchFamily="-126" charset="-128"/>
+              </a:defRPr>
+            </a:lvl7pPr>
+            <a:lvl8pPr marL="4571886" indent="-304792" defTabSz="609585" fontAlgn="base">
+              <a:spcBef>
+                <a:spcPct val="0"/>
+              </a:spcBef>
+              <a:spcAft>
+                <a:spcPct val="0"/>
+              </a:spcAft>
+              <a:defRPr>
+                <a:solidFill>
+                  <a:schemeClr val="tx1"/>
+                </a:solidFill>
+                <a:latin typeface="Arial" panose="020B0604020202020204" pitchFamily="34" charset="0"/>
+                <a:ea typeface="ヒラギノ角ゴ Pro W3" pitchFamily="-126" charset="-128"/>
+              </a:defRPr>
+            </a:lvl8pPr>
+            <a:lvl9pPr marL="5181470" indent="-304792" defTabSz="609585" fontAlgn="base">
+              <a:spcBef>
+                <a:spcPct val="0"/>
+              </a:spcBef>
+              <a:spcAft>
+                <a:spcPct val="0"/>
+              </a:spcAft>
+              <a:defRPr>
+                <a:solidFill>
+                  <a:schemeClr val="tx1"/>
+                </a:solidFill>
+                <a:latin typeface="Arial" panose="020B0604020202020204" pitchFamily="34" charset="0"/>
+                <a:ea typeface="ヒラギノ角ゴ Pro W3" pitchFamily="-126" charset="-128"/>
+              </a:defRPr>
+            </a:lvl9pPr>
+          </a:lstStyle>
           <a:p>
             <a:pPr defTabSz="609585" fontAlgn="base">
               <a:spcBef>
@@ -21303,56 +22056,11 @@
                 <a:spcPct val="0"/>
               </a:spcAft>
             </a:pPr>
-            <a:r>
-              <a:rPr lang="en-US" b="1">
-                <a:latin typeface="Arial" panose="020B0604020202020204" pitchFamily="34" charset="0"/>
-                <a:ea typeface="ヒラギノ角ゴ Pro W3" pitchFamily="-126" charset="-128"/>
-              </a:rPr>
-              <a:t>HL7, Health Level Seven, FHIR and the FHIR flame logo are registered trademarks of Health Level Seven International. Reg. U.S. TM Office.</a:t>
-            </a:r>
-            <a:endParaRPr lang="en-US" b="1" dirty="0">
-              <a:latin typeface="Arial" panose="020B0604020202020204" pitchFamily="34" charset="0"/>
-              <a:ea typeface="ヒラギノ角ゴ Pro W3" pitchFamily="-126" charset="-128"/>
-            </a:endParaRPr>
-          </a:p>
-        </p:txBody>
-      </p:sp>
-      <p:sp>
-        <p:nvSpPr>
-          <p:cNvPr id="5" name="Slide Number Placeholder 4">
-            <a:extLst>
-              <a:ext uri="{FF2B5EF4-FFF2-40B4-BE49-F238E27FC236}">
-                <a16:creationId xmlns:a16="http://schemas.microsoft.com/office/drawing/2014/main" id="{8536C7B4-DF79-45E4-A016-77A29D38BF35}"/>
-              </a:ext>
-            </a:extLst>
-          </p:cNvPr>
-          <p:cNvSpPr>
-            <a:spLocks noGrp="1"/>
-          </p:cNvSpPr>
-          <p:nvPr>
-            <p:ph type="sldNum" sz="quarter" idx="11"/>
-          </p:nvPr>
-        </p:nvSpPr>
-        <p:spPr/>
-        <p:txBody>
-          <a:bodyPr/>
-          <a:lstStyle/>
-          <a:p>
-            <a:pPr defTabSz="609585" fontAlgn="base">
-              <a:spcBef>
-                <a:spcPct val="0"/>
-              </a:spcBef>
-              <a:spcAft>
-                <a:spcPct val="0"/>
-              </a:spcAft>
-            </a:pPr>
-            <a:fld id="{6CACE926-AEF5-4BFE-8BD7-24414108CB7B}" type="slidenum">
+            <a:fld id="{A6B490F0-9F17-4BC8-B7C0-FB1407BB346B}" type="slidenum">
               <a:rPr lang="en-US" altLang="en-US">
                 <a:solidFill>
                   <a:prstClr val="black"/>
                 </a:solidFill>
-                <a:latin typeface="Arial" panose="020B0604020202020204" pitchFamily="34" charset="0"/>
-                <a:ea typeface="ヒラギノ角ゴ Pro W3" pitchFamily="-126" charset="-128"/>
               </a:rPr>
               <a:pPr defTabSz="609585" fontAlgn="base">
                 <a:spcBef>
@@ -21364,22 +22072,20 @@
               </a:pPr>
               <a:t>5</a:t>
             </a:fld>
-            <a:endParaRPr lang="en-US" altLang="en-US" dirty="0">
+            <a:endParaRPr lang="en-US" altLang="en-US">
               <a:solidFill>
                 <a:prstClr val="black"/>
               </a:solidFill>
-              <a:latin typeface="Arial" panose="020B0604020202020204" pitchFamily="34" charset="0"/>
-              <a:ea typeface="ヒラギノ角ゴ Pro W3" pitchFamily="-126" charset="-128"/>
             </a:endParaRPr>
           </a:p>
         </p:txBody>
       </p:sp>
       <p:pic>
         <p:nvPicPr>
-          <p:cNvPr id="7" name="Picture 6">
-            <a:extLst>
-              <a:ext uri="{FF2B5EF4-FFF2-40B4-BE49-F238E27FC236}">
-                <a16:creationId xmlns:a16="http://schemas.microsoft.com/office/drawing/2014/main" id="{A550DA12-3A5E-41B1-AC70-AB0E4A5610EE}"/>
+          <p:cNvPr id="27" name="Graphic 26">
+            <a:extLst>
+              <a:ext uri="{FF2B5EF4-FFF2-40B4-BE49-F238E27FC236}">
+                <a16:creationId xmlns:a16="http://schemas.microsoft.com/office/drawing/2014/main" id="{FCA3DB60-E4FD-411D-BFC4-01DA17A8ABBA}"/>
               </a:ext>
             </a:extLst>
           </p:cNvPr>
@@ -21391,8 +22097,8 @@
         <p:blipFill>
           <a:blip r:embed="rId3">
             <a:extLst>
-              <a:ext uri="{28A0092B-C50C-407E-A947-70E740481C1C}">
-                <a14:useLocalDpi xmlns:a14="http://schemas.microsoft.com/office/drawing/2010/main" val="0"/>
+              <a:ext uri="{96DAC541-7B7A-43D3-8B79-37D633B846F1}">
+                <asvg:svgBlip xmlns:asvg="http://schemas.microsoft.com/office/drawing/2016/SVG/main" r:embed="rId4"/>
               </a:ext>
             </a:extLst>
           </a:blip>
@@ -21402,18 +22108,1451 @@
         </p:blipFill>
         <p:spPr>
           <a:xfrm>
-            <a:off x="3062977" y="1035815"/>
-            <a:ext cx="6066046" cy="5822185"/>
+            <a:off x="9615027" y="5137051"/>
+            <a:ext cx="659817" cy="817600"/>
           </a:xfrm>
           <a:prstGeom prst="rect">
             <a:avLst/>
           </a:prstGeom>
         </p:spPr>
       </p:pic>
+      <p:pic>
+        <p:nvPicPr>
+          <p:cNvPr id="28" name="Graphic 27">
+            <a:extLst>
+              <a:ext uri="{FF2B5EF4-FFF2-40B4-BE49-F238E27FC236}">
+                <a16:creationId xmlns:a16="http://schemas.microsoft.com/office/drawing/2014/main" id="{8129DB4E-D9A3-45FE-9463-3C9796BFFFB2}"/>
+              </a:ext>
+            </a:extLst>
+          </p:cNvPr>
+          <p:cNvPicPr>
+            <a:picLocks noChangeAspect="1"/>
+          </p:cNvPicPr>
+          <p:nvPr/>
+        </p:nvPicPr>
+        <p:blipFill>
+          <a:blip r:embed="rId5">
+            <a:extLst>
+              <a:ext uri="{96DAC541-7B7A-43D3-8B79-37D633B846F1}">
+                <asvg:svgBlip xmlns:asvg="http://schemas.microsoft.com/office/drawing/2016/SVG/main" r:embed="rId6"/>
+              </a:ext>
+            </a:extLst>
+          </a:blip>
+          <a:stretch>
+            <a:fillRect/>
+          </a:stretch>
+        </p:blipFill>
+        <p:spPr>
+          <a:xfrm>
+            <a:off x="9643308" y="2769053"/>
+            <a:ext cx="659817" cy="996459"/>
+          </a:xfrm>
+          <a:prstGeom prst="rect">
+            <a:avLst/>
+          </a:prstGeom>
+        </p:spPr>
+      </p:pic>
+      <p:pic>
+        <p:nvPicPr>
+          <p:cNvPr id="29" name="Graphic 28">
+            <a:extLst>
+              <a:ext uri="{FF2B5EF4-FFF2-40B4-BE49-F238E27FC236}">
+                <a16:creationId xmlns:a16="http://schemas.microsoft.com/office/drawing/2014/main" id="{D25F9C97-C24C-4ADA-AAB2-031E49EE5393}"/>
+              </a:ext>
+            </a:extLst>
+          </p:cNvPr>
+          <p:cNvPicPr>
+            <a:picLocks noChangeAspect="1"/>
+          </p:cNvPicPr>
+          <p:nvPr/>
+        </p:nvPicPr>
+        <p:blipFill>
+          <a:blip r:embed="rId7">
+            <a:extLst>
+              <a:ext uri="{96DAC541-7B7A-43D3-8B79-37D633B846F1}">
+                <asvg:svgBlip xmlns:asvg="http://schemas.microsoft.com/office/drawing/2016/SVG/main" r:embed="rId8"/>
+              </a:ext>
+            </a:extLst>
+          </a:blip>
+          <a:stretch>
+            <a:fillRect/>
+          </a:stretch>
+        </p:blipFill>
+        <p:spPr>
+          <a:xfrm>
+            <a:off x="4488361" y="2989394"/>
+            <a:ext cx="814124" cy="899821"/>
+          </a:xfrm>
+          <a:prstGeom prst="rect">
+            <a:avLst/>
+          </a:prstGeom>
+        </p:spPr>
+      </p:pic>
+      <p:sp>
+        <p:nvSpPr>
+          <p:cNvPr id="30" name="Rounded Rectangle 3">
+            <a:extLst>
+              <a:ext uri="{FF2B5EF4-FFF2-40B4-BE49-F238E27FC236}">
+                <a16:creationId xmlns:a16="http://schemas.microsoft.com/office/drawing/2014/main" id="{02FF7B03-5F23-45A9-82FE-ABEE01E53862}"/>
+              </a:ext>
+            </a:extLst>
+          </p:cNvPr>
+          <p:cNvSpPr/>
+          <p:nvPr/>
+        </p:nvSpPr>
+        <p:spPr>
+          <a:xfrm>
+            <a:off x="5601878" y="2241622"/>
+            <a:ext cx="1630257" cy="997412"/>
+          </a:xfrm>
+          <a:prstGeom prst="roundRect">
+            <a:avLst/>
+          </a:prstGeom>
+          <a:solidFill>
+            <a:schemeClr val="accent2">
+              <a:lumMod val="40000"/>
+              <a:lumOff val="60000"/>
+            </a:schemeClr>
+          </a:solidFill>
+          <a:ln w="28575" cap="flat" cmpd="sng" algn="ctr">
+            <a:solidFill>
+              <a:schemeClr val="accent2">
+                <a:lumMod val="60000"/>
+                <a:lumOff val="40000"/>
+              </a:schemeClr>
+            </a:solidFill>
+            <a:prstDash val="solid"/>
+            <a:miter lim="800000"/>
+          </a:ln>
+          <a:effectLst/>
+        </p:spPr>
+        <p:txBody>
+          <a:bodyPr rtlCol="0" anchor="t" anchorCtr="0"/>
+          <a:lstStyle/>
+          <a:p>
+            <a:pPr algn="ctr" defTabSz="609585" fontAlgn="base">
+              <a:spcBef>
+                <a:spcPct val="0"/>
+              </a:spcBef>
+              <a:spcAft>
+                <a:spcPct val="0"/>
+              </a:spcAft>
+              <a:defRPr/>
+            </a:pPr>
+            <a:r>
+              <a:rPr lang="en-US" sz="1200" b="1" dirty="0">
+                <a:solidFill>
+                  <a:prstClr val="black"/>
+                </a:solidFill>
+                <a:latin typeface="Arial" panose="020B0604020202020204" pitchFamily="34" charset="0"/>
+                <a:ea typeface="ヒラギノ角ゴ Pro W3" pitchFamily="-126" charset="-128"/>
+                <a:cs typeface="Arial" panose="020B0604020202020204" pitchFamily="34" charset="0"/>
+              </a:rPr>
+              <a:t>Provider requests and Payer Sends Risk Coding report to provider group</a:t>
+            </a:r>
+          </a:p>
+        </p:txBody>
+      </p:sp>
+      <p:cxnSp>
+        <p:nvCxnSpPr>
+          <p:cNvPr id="31" name="Straight Arrow Connector 30">
+            <a:extLst>
+              <a:ext uri="{FF2B5EF4-FFF2-40B4-BE49-F238E27FC236}">
+                <a16:creationId xmlns:a16="http://schemas.microsoft.com/office/drawing/2014/main" id="{9719D31E-8A9E-445D-B5AE-979F276B314D}"/>
+              </a:ext>
+            </a:extLst>
+          </p:cNvPr>
+          <p:cNvCxnSpPr>
+            <a:cxnSpLocks/>
+          </p:cNvCxnSpPr>
+          <p:nvPr/>
+        </p:nvCxnSpPr>
+        <p:spPr>
+          <a:xfrm>
+            <a:off x="9057746" y="4144972"/>
+            <a:ext cx="893598" cy="1052051"/>
+          </a:xfrm>
+          <a:prstGeom prst="straightConnector1">
+            <a:avLst/>
+          </a:prstGeom>
+          <a:ln w="38100">
+            <a:solidFill>
+              <a:schemeClr val="bg1">
+                <a:lumMod val="75000"/>
+              </a:schemeClr>
+            </a:solidFill>
+            <a:headEnd type="triangle" w="med" len="med"/>
+            <a:tailEnd type="none" w="med" len="med"/>
+          </a:ln>
+        </p:spPr>
+        <p:style>
+          <a:lnRef idx="1">
+            <a:schemeClr val="accent1"/>
+          </a:lnRef>
+          <a:fillRef idx="0">
+            <a:schemeClr val="accent1"/>
+          </a:fillRef>
+          <a:effectRef idx="0">
+            <a:schemeClr val="accent1"/>
+          </a:effectRef>
+          <a:fontRef idx="minor">
+            <a:schemeClr val="tx1"/>
+          </a:fontRef>
+        </p:style>
+      </p:cxnSp>
+      <p:pic>
+        <p:nvPicPr>
+          <p:cNvPr id="32" name="Graphic 31">
+            <a:extLst>
+              <a:ext uri="{FF2B5EF4-FFF2-40B4-BE49-F238E27FC236}">
+                <a16:creationId xmlns:a16="http://schemas.microsoft.com/office/drawing/2014/main" id="{67B26F22-9F6E-4E1E-9DFE-1B22426633F9}"/>
+              </a:ext>
+            </a:extLst>
+          </p:cNvPr>
+          <p:cNvPicPr>
+            <a:picLocks noChangeAspect="1"/>
+          </p:cNvPicPr>
+          <p:nvPr/>
+        </p:nvPicPr>
+        <p:blipFill>
+          <a:blip r:embed="rId9">
+            <a:extLst>
+              <a:ext uri="{96DAC541-7B7A-43D3-8B79-37D633B846F1}">
+                <asvg:svgBlip xmlns:asvg="http://schemas.microsoft.com/office/drawing/2016/SVG/main" r:embed="rId10"/>
+              </a:ext>
+            </a:extLst>
+          </a:blip>
+          <a:stretch>
+            <a:fillRect/>
+          </a:stretch>
+        </p:blipFill>
+        <p:spPr>
+          <a:xfrm>
+            <a:off x="8829058" y="2827421"/>
+            <a:ext cx="566328" cy="499701"/>
+          </a:xfrm>
+          <a:prstGeom prst="rect">
+            <a:avLst/>
+          </a:prstGeom>
+        </p:spPr>
+      </p:pic>
+      <p:cxnSp>
+        <p:nvCxnSpPr>
+          <p:cNvPr id="33" name="Straight Arrow Connector 32">
+            <a:extLst>
+              <a:ext uri="{FF2B5EF4-FFF2-40B4-BE49-F238E27FC236}">
+                <a16:creationId xmlns:a16="http://schemas.microsoft.com/office/drawing/2014/main" id="{D7F51C0D-6B70-4864-874E-EA5E93427A95}"/>
+              </a:ext>
+            </a:extLst>
+          </p:cNvPr>
+          <p:cNvCxnSpPr>
+            <a:cxnSpLocks/>
+            <a:stCxn id="14" idx="3"/>
+            <a:endCxn id="27" idx="1"/>
+          </p:cNvCxnSpPr>
+          <p:nvPr/>
+        </p:nvCxnSpPr>
+        <p:spPr>
+          <a:xfrm flipV="1">
+            <a:off x="6410871" y="5545851"/>
+            <a:ext cx="3204156" cy="25270"/>
+          </a:xfrm>
+          <a:prstGeom prst="straightConnector1">
+            <a:avLst/>
+          </a:prstGeom>
+          <a:ln w="38100">
+            <a:solidFill>
+              <a:schemeClr val="bg1">
+                <a:lumMod val="75000"/>
+              </a:schemeClr>
+            </a:solidFill>
+            <a:headEnd type="triangle" w="med" len="med"/>
+            <a:tailEnd type="none" w="med" len="med"/>
+          </a:ln>
+        </p:spPr>
+        <p:style>
+          <a:lnRef idx="1">
+            <a:schemeClr val="accent1"/>
+          </a:lnRef>
+          <a:fillRef idx="0">
+            <a:schemeClr val="accent1"/>
+          </a:fillRef>
+          <a:effectRef idx="0">
+            <a:schemeClr val="accent1"/>
+          </a:effectRef>
+          <a:fontRef idx="minor">
+            <a:schemeClr val="tx1"/>
+          </a:fontRef>
+        </p:style>
+      </p:cxnSp>
+      <p:cxnSp>
+        <p:nvCxnSpPr>
+          <p:cNvPr id="34" name="Straight Arrow Connector 33">
+            <a:extLst>
+              <a:ext uri="{FF2B5EF4-FFF2-40B4-BE49-F238E27FC236}">
+                <a16:creationId xmlns:a16="http://schemas.microsoft.com/office/drawing/2014/main" id="{F8591E37-DF51-4BFB-9CA6-E112737AFCEF}"/>
+              </a:ext>
+            </a:extLst>
+          </p:cNvPr>
+          <p:cNvCxnSpPr>
+            <a:cxnSpLocks/>
+          </p:cNvCxnSpPr>
+          <p:nvPr/>
+        </p:nvCxnSpPr>
+        <p:spPr>
+          <a:xfrm flipH="1">
+            <a:off x="5645918" y="3403600"/>
+            <a:ext cx="1595364" cy="0"/>
+          </a:xfrm>
+          <a:prstGeom prst="straightConnector1">
+            <a:avLst/>
+          </a:prstGeom>
+          <a:ln w="38100">
+            <a:solidFill>
+              <a:schemeClr val="bg1">
+                <a:lumMod val="75000"/>
+              </a:schemeClr>
+            </a:solidFill>
+            <a:headEnd type="triangle" w="med" len="med"/>
+            <a:tailEnd type="none" w="med" len="med"/>
+          </a:ln>
+        </p:spPr>
+        <p:style>
+          <a:lnRef idx="1">
+            <a:schemeClr val="accent1"/>
+          </a:lnRef>
+          <a:fillRef idx="0">
+            <a:schemeClr val="accent1"/>
+          </a:fillRef>
+          <a:effectRef idx="0">
+            <a:schemeClr val="accent1"/>
+          </a:effectRef>
+          <a:fontRef idx="minor">
+            <a:schemeClr val="tx1"/>
+          </a:fontRef>
+        </p:style>
+      </p:cxnSp>
+      <p:sp>
+        <p:nvSpPr>
+          <p:cNvPr id="35" name="Rounded Rectangle 3">
+            <a:extLst>
+              <a:ext uri="{FF2B5EF4-FFF2-40B4-BE49-F238E27FC236}">
+                <a16:creationId xmlns:a16="http://schemas.microsoft.com/office/drawing/2014/main" id="{DBF3F585-87FF-4A30-A5F2-55205A27B61F}"/>
+              </a:ext>
+            </a:extLst>
+          </p:cNvPr>
+          <p:cNvSpPr/>
+          <p:nvPr/>
+        </p:nvSpPr>
+        <p:spPr>
+          <a:xfrm>
+            <a:off x="6013467" y="4247482"/>
+            <a:ext cx="1705799" cy="667561"/>
+          </a:xfrm>
+          <a:prstGeom prst="roundRect">
+            <a:avLst>
+              <a:gd name="adj" fmla="val 0"/>
+            </a:avLst>
+          </a:prstGeom>
+          <a:noFill/>
+          <a:ln w="12700" cap="flat" cmpd="sng" algn="ctr">
+            <a:noFill/>
+            <a:prstDash val="solid"/>
+            <a:miter lim="800000"/>
+          </a:ln>
+          <a:effectLst/>
+        </p:spPr>
+        <p:txBody>
+          <a:bodyPr rtlCol="0" anchor="ctr" anchorCtr="0"/>
+          <a:lstStyle/>
+          <a:p>
+            <a:pPr algn="ctr" defTabSz="609585" fontAlgn="base">
+              <a:spcBef>
+                <a:spcPct val="0"/>
+              </a:spcBef>
+              <a:spcAft>
+                <a:spcPct val="0"/>
+              </a:spcAft>
+              <a:defRPr/>
+            </a:pPr>
+            <a:r>
+              <a:rPr lang="en-US" sz="1200" b="1" dirty="0">
+                <a:solidFill>
+                  <a:prstClr val="black"/>
+                </a:solidFill>
+                <a:latin typeface="Arial" panose="020B0604020202020204" pitchFamily="34" charset="0"/>
+                <a:ea typeface="ヒラギノ角ゴ Pro W3" pitchFamily="-126" charset="-128"/>
+                <a:cs typeface="Arial" panose="020B0604020202020204" pitchFamily="34" charset="0"/>
+              </a:rPr>
+              <a:t>Provider submits accurate diagnoses to payer</a:t>
+            </a:r>
+          </a:p>
+        </p:txBody>
+      </p:sp>
+      <p:pic>
+        <p:nvPicPr>
+          <p:cNvPr id="36" name="Picture 2" descr="Centers for Medicare &amp; Medicaid Services - Wikipedia">
+            <a:extLst>
+              <a:ext uri="{FF2B5EF4-FFF2-40B4-BE49-F238E27FC236}">
+                <a16:creationId xmlns:a16="http://schemas.microsoft.com/office/drawing/2014/main" id="{890BA03F-6052-4F98-886E-B5C1A9D0AC21}"/>
+              </a:ext>
+            </a:extLst>
+          </p:cNvPr>
+          <p:cNvPicPr>
+            <a:picLocks noChangeAspect="1" noChangeArrowheads="1"/>
+          </p:cNvPicPr>
+          <p:nvPr/>
+        </p:nvPicPr>
+        <p:blipFill>
+          <a:blip r:embed="rId11">
+            <a:extLst>
+              <a:ext uri="{28A0092B-C50C-407E-A947-70E740481C1C}">
+                <a14:useLocalDpi xmlns:a14="http://schemas.microsoft.com/office/drawing/2010/main" val="0"/>
+              </a:ext>
+            </a:extLst>
+          </a:blip>
+          <a:srcRect/>
+          <a:stretch>
+            <a:fillRect/>
+          </a:stretch>
+        </p:blipFill>
+        <p:spPr bwMode="auto">
+          <a:xfrm>
+            <a:off x="452084" y="3235005"/>
+            <a:ext cx="1711037" cy="592800"/>
+          </a:xfrm>
+          <a:prstGeom prst="rect">
+            <a:avLst/>
+          </a:prstGeom>
+          <a:noFill/>
+          <a:extLst>
+            <a:ext uri="{909E8E84-426E-40DD-AFC4-6F175D3DCCD1}">
+              <a14:hiddenFill xmlns:a14="http://schemas.microsoft.com/office/drawing/2010/main">
+                <a:solidFill>
+                  <a:srgbClr val="FFFFFF"/>
+                </a:solidFill>
+              </a14:hiddenFill>
+            </a:ext>
+          </a:extLst>
+        </p:spPr>
+      </p:pic>
+      <p:cxnSp>
+        <p:nvCxnSpPr>
+          <p:cNvPr id="37" name="Straight Arrow Connector 36">
+            <a:extLst>
+              <a:ext uri="{FF2B5EF4-FFF2-40B4-BE49-F238E27FC236}">
+                <a16:creationId xmlns:a16="http://schemas.microsoft.com/office/drawing/2014/main" id="{4A02C928-3291-45D2-AE0A-6DCA2CCAB054}"/>
+              </a:ext>
+            </a:extLst>
+          </p:cNvPr>
+          <p:cNvCxnSpPr>
+            <a:cxnSpLocks/>
+          </p:cNvCxnSpPr>
+          <p:nvPr/>
+        </p:nvCxnSpPr>
+        <p:spPr>
+          <a:xfrm flipH="1">
+            <a:off x="2594194" y="3429000"/>
+            <a:ext cx="1529073" cy="0"/>
+          </a:xfrm>
+          <a:prstGeom prst="straightConnector1">
+            <a:avLst/>
+          </a:prstGeom>
+          <a:ln w="38100">
+            <a:solidFill>
+              <a:schemeClr val="bg1">
+                <a:lumMod val="75000"/>
+              </a:schemeClr>
+            </a:solidFill>
+            <a:headEnd type="triangle" w="med" len="med"/>
+            <a:tailEnd type="none" w="med" len="med"/>
+          </a:ln>
+        </p:spPr>
+        <p:style>
+          <a:lnRef idx="1">
+            <a:schemeClr val="accent1"/>
+          </a:lnRef>
+          <a:fillRef idx="0">
+            <a:schemeClr val="accent1"/>
+          </a:fillRef>
+          <a:effectRef idx="0">
+            <a:schemeClr val="accent1"/>
+          </a:effectRef>
+          <a:fontRef idx="minor">
+            <a:schemeClr val="tx1"/>
+          </a:fontRef>
+        </p:style>
+      </p:cxnSp>
+      <p:sp>
+        <p:nvSpPr>
+          <p:cNvPr id="38" name="Rounded Rectangle 3">
+            <a:extLst>
+              <a:ext uri="{FF2B5EF4-FFF2-40B4-BE49-F238E27FC236}">
+                <a16:creationId xmlns:a16="http://schemas.microsoft.com/office/drawing/2014/main" id="{6DEC7F72-7631-48C7-8470-8BA4F3FE5E2E}"/>
+              </a:ext>
+            </a:extLst>
+          </p:cNvPr>
+          <p:cNvSpPr/>
+          <p:nvPr/>
+        </p:nvSpPr>
+        <p:spPr>
+          <a:xfrm>
+            <a:off x="2167395" y="2557579"/>
+            <a:ext cx="2002987" cy="808208"/>
+          </a:xfrm>
+          <a:prstGeom prst="roundRect">
+            <a:avLst>
+              <a:gd name="adj" fmla="val 0"/>
+            </a:avLst>
+          </a:prstGeom>
+          <a:noFill/>
+          <a:ln w="12700" cap="flat" cmpd="sng" algn="ctr">
+            <a:noFill/>
+            <a:prstDash val="solid"/>
+            <a:miter lim="800000"/>
+          </a:ln>
+          <a:effectLst/>
+        </p:spPr>
+        <p:txBody>
+          <a:bodyPr rtlCol="0" anchor="b" anchorCtr="0"/>
+          <a:lstStyle/>
+          <a:p>
+            <a:pPr algn="ctr" defTabSz="609585" fontAlgn="base">
+              <a:spcBef>
+                <a:spcPct val="0"/>
+              </a:spcBef>
+              <a:spcAft>
+                <a:spcPct val="0"/>
+              </a:spcAft>
+              <a:defRPr/>
+            </a:pPr>
+            <a:r>
+              <a:rPr lang="en-US" sz="1200" b="1" dirty="0">
+                <a:solidFill>
+                  <a:prstClr val="black"/>
+                </a:solidFill>
+                <a:latin typeface="Arial" panose="020B0604020202020204" pitchFamily="34" charset="0"/>
+                <a:ea typeface="ヒラギノ角ゴ Pro W3" pitchFamily="-126" charset="-128"/>
+                <a:cs typeface="Arial" panose="020B0604020202020204" pitchFamily="34" charset="0"/>
+              </a:rPr>
+              <a:t>CMS allows payer to offer MA plan</a:t>
+            </a:r>
+          </a:p>
+        </p:txBody>
+      </p:sp>
+      <p:cxnSp>
+        <p:nvCxnSpPr>
+          <p:cNvPr id="39" name="Straight Arrow Connector 38">
+            <a:extLst>
+              <a:ext uri="{FF2B5EF4-FFF2-40B4-BE49-F238E27FC236}">
+                <a16:creationId xmlns:a16="http://schemas.microsoft.com/office/drawing/2014/main" id="{7F924731-280C-4507-8CA6-D28D52C23F72}"/>
+              </a:ext>
+            </a:extLst>
+          </p:cNvPr>
+          <p:cNvCxnSpPr>
+            <a:cxnSpLocks/>
+          </p:cNvCxnSpPr>
+          <p:nvPr/>
+        </p:nvCxnSpPr>
+        <p:spPr>
+          <a:xfrm>
+            <a:off x="2594191" y="3676571"/>
+            <a:ext cx="1529076" cy="0"/>
+          </a:xfrm>
+          <a:prstGeom prst="straightConnector1">
+            <a:avLst/>
+          </a:prstGeom>
+          <a:ln w="38100">
+            <a:solidFill>
+              <a:schemeClr val="bg1">
+                <a:lumMod val="75000"/>
+              </a:schemeClr>
+            </a:solidFill>
+            <a:headEnd type="triangle" w="med" len="med"/>
+            <a:tailEnd type="none" w="med" len="med"/>
+          </a:ln>
+        </p:spPr>
+        <p:style>
+          <a:lnRef idx="1">
+            <a:schemeClr val="accent1"/>
+          </a:lnRef>
+          <a:fillRef idx="0">
+            <a:schemeClr val="accent1"/>
+          </a:fillRef>
+          <a:effectRef idx="0">
+            <a:schemeClr val="accent1"/>
+          </a:effectRef>
+          <a:fontRef idx="minor">
+            <a:schemeClr val="tx1"/>
+          </a:fontRef>
+        </p:style>
+      </p:cxnSp>
+      <p:sp>
+        <p:nvSpPr>
+          <p:cNvPr id="40" name="Rounded Rectangle 3">
+            <a:extLst>
+              <a:ext uri="{FF2B5EF4-FFF2-40B4-BE49-F238E27FC236}">
+                <a16:creationId xmlns:a16="http://schemas.microsoft.com/office/drawing/2014/main" id="{89FB3CA7-AFC2-4D51-BE81-EBE43508B846}"/>
+              </a:ext>
+            </a:extLst>
+          </p:cNvPr>
+          <p:cNvSpPr/>
+          <p:nvPr/>
+        </p:nvSpPr>
+        <p:spPr>
+          <a:xfrm>
+            <a:off x="9944936" y="3618221"/>
+            <a:ext cx="1869760" cy="652728"/>
+          </a:xfrm>
+          <a:prstGeom prst="roundRect">
+            <a:avLst>
+              <a:gd name="adj" fmla="val 0"/>
+            </a:avLst>
+          </a:prstGeom>
+          <a:noFill/>
+          <a:ln w="12700" cap="flat" cmpd="sng" algn="ctr">
+            <a:noFill/>
+            <a:prstDash val="solid"/>
+            <a:miter lim="800000"/>
+          </a:ln>
+          <a:effectLst/>
+        </p:spPr>
+        <p:txBody>
+          <a:bodyPr lIns="121920" tIns="60960" rIns="121920" bIns="60960" rtlCol="0" anchor="b" anchorCtr="0"/>
+          <a:lstStyle/>
+          <a:p>
+            <a:pPr algn="ctr" defTabSz="609585" fontAlgn="base">
+              <a:spcBef>
+                <a:spcPct val="0"/>
+              </a:spcBef>
+              <a:spcAft>
+                <a:spcPct val="0"/>
+              </a:spcAft>
+              <a:defRPr/>
+            </a:pPr>
+            <a:r>
+              <a:rPr lang="en-US" sz="1200" b="1" dirty="0">
+                <a:solidFill>
+                  <a:prstClr val="black"/>
+                </a:solidFill>
+                <a:latin typeface="Arial" panose="020B0604020202020204" pitchFamily="34" charset="0"/>
+                <a:ea typeface="ヒラギノ角ゴ Pro W3" pitchFamily="-126" charset="-128"/>
+              </a:rPr>
+              <a:t>Provider group may schedule a visit with the patient</a:t>
+            </a:r>
+          </a:p>
+        </p:txBody>
+      </p:sp>
+      <p:sp>
+        <p:nvSpPr>
+          <p:cNvPr id="41" name="Rounded Rectangle 3">
+            <a:extLst>
+              <a:ext uri="{FF2B5EF4-FFF2-40B4-BE49-F238E27FC236}">
+                <a16:creationId xmlns:a16="http://schemas.microsoft.com/office/drawing/2014/main" id="{93419742-EA41-4935-B639-2E758B2480CE}"/>
+              </a:ext>
+            </a:extLst>
+          </p:cNvPr>
+          <p:cNvSpPr/>
+          <p:nvPr/>
+        </p:nvSpPr>
+        <p:spPr>
+          <a:xfrm>
+            <a:off x="8259322" y="3453303"/>
+            <a:ext cx="1705800" cy="803231"/>
+          </a:xfrm>
+          <a:prstGeom prst="roundRect">
+            <a:avLst>
+              <a:gd name="adj" fmla="val 0"/>
+            </a:avLst>
+          </a:prstGeom>
+          <a:noFill/>
+          <a:ln w="12700" cap="flat" cmpd="sng" algn="ctr">
+            <a:noFill/>
+            <a:prstDash val="solid"/>
+            <a:miter lim="800000"/>
+          </a:ln>
+          <a:effectLst/>
+        </p:spPr>
+        <p:txBody>
+          <a:bodyPr rtlCol="0" anchor="ctr" anchorCtr="0"/>
+          <a:lstStyle/>
+          <a:p>
+            <a:pPr algn="ctr" defTabSz="609585" fontAlgn="base">
+              <a:spcBef>
+                <a:spcPct val="0"/>
+              </a:spcBef>
+              <a:spcAft>
+                <a:spcPct val="0"/>
+              </a:spcAft>
+              <a:defRPr/>
+            </a:pPr>
+            <a:r>
+              <a:rPr lang="en-US" sz="1200" b="1" dirty="0">
+                <a:solidFill>
+                  <a:prstClr val="black"/>
+                </a:solidFill>
+                <a:latin typeface="Arial" panose="020B0604020202020204" pitchFamily="34" charset="0"/>
+                <a:ea typeface="ヒラギノ角ゴ Pro W3" pitchFamily="-126" charset="-128"/>
+                <a:cs typeface="Arial" panose="020B0604020202020204" pitchFamily="34" charset="0"/>
+              </a:rPr>
+              <a:t>Patient comes in and the appropriate codes get captured</a:t>
+            </a:r>
+          </a:p>
+        </p:txBody>
+      </p:sp>
+      <p:cxnSp>
+        <p:nvCxnSpPr>
+          <p:cNvPr id="42" name="Straight Arrow Connector 41">
+            <a:extLst>
+              <a:ext uri="{FF2B5EF4-FFF2-40B4-BE49-F238E27FC236}">
+                <a16:creationId xmlns:a16="http://schemas.microsoft.com/office/drawing/2014/main" id="{864EE59C-9E32-4468-8F5E-0D3BC2F1F405}"/>
+              </a:ext>
+            </a:extLst>
+          </p:cNvPr>
+          <p:cNvCxnSpPr>
+            <a:cxnSpLocks/>
+            <a:endCxn id="32" idx="1"/>
+          </p:cNvCxnSpPr>
+          <p:nvPr/>
+        </p:nvCxnSpPr>
+        <p:spPr>
+          <a:xfrm flipV="1">
+            <a:off x="6002989" y="3077272"/>
+            <a:ext cx="2826069" cy="1813446"/>
+          </a:xfrm>
+          <a:prstGeom prst="straightConnector1">
+            <a:avLst/>
+          </a:prstGeom>
+          <a:ln w="38100">
+            <a:solidFill>
+              <a:schemeClr val="bg1">
+                <a:lumMod val="75000"/>
+              </a:schemeClr>
+            </a:solidFill>
+            <a:headEnd type="triangle" w="med" len="med"/>
+            <a:tailEnd type="none" w="med" len="med"/>
+          </a:ln>
+        </p:spPr>
+        <p:style>
+          <a:lnRef idx="1">
+            <a:schemeClr val="accent1"/>
+          </a:lnRef>
+          <a:fillRef idx="0">
+            <a:schemeClr val="accent1"/>
+          </a:fillRef>
+          <a:effectRef idx="0">
+            <a:schemeClr val="accent1"/>
+          </a:effectRef>
+          <a:fontRef idx="minor">
+            <a:schemeClr val="tx1"/>
+          </a:fontRef>
+        </p:style>
+      </p:cxnSp>
+      <p:sp>
+        <p:nvSpPr>
+          <p:cNvPr id="43" name="Rounded Rectangle 3">
+            <a:extLst>
+              <a:ext uri="{FF2B5EF4-FFF2-40B4-BE49-F238E27FC236}">
+                <a16:creationId xmlns:a16="http://schemas.microsoft.com/office/drawing/2014/main" id="{CF99DBC3-EA4C-4379-B165-91BB61B50DAF}"/>
+              </a:ext>
+            </a:extLst>
+          </p:cNvPr>
+          <p:cNvSpPr/>
+          <p:nvPr/>
+        </p:nvSpPr>
+        <p:spPr>
+          <a:xfrm>
+            <a:off x="2247064" y="3739786"/>
+            <a:ext cx="2255153" cy="919687"/>
+          </a:xfrm>
+          <a:prstGeom prst="roundRect">
+            <a:avLst>
+              <a:gd name="adj" fmla="val 0"/>
+            </a:avLst>
+          </a:prstGeom>
+          <a:noFill/>
+          <a:ln w="12700" cap="flat" cmpd="sng" algn="ctr">
+            <a:noFill/>
+            <a:prstDash val="solid"/>
+            <a:miter lim="800000"/>
+          </a:ln>
+          <a:effectLst/>
+        </p:spPr>
+        <p:txBody>
+          <a:bodyPr rtlCol="0" anchor="ctr" anchorCtr="0"/>
+          <a:lstStyle/>
+          <a:p>
+            <a:pPr algn="ctr" defTabSz="609585" fontAlgn="base">
+              <a:spcBef>
+                <a:spcPct val="0"/>
+              </a:spcBef>
+              <a:spcAft>
+                <a:spcPct val="0"/>
+              </a:spcAft>
+              <a:defRPr/>
+            </a:pPr>
+            <a:r>
+              <a:rPr lang="en-US" sz="1200" b="1" dirty="0">
+                <a:solidFill>
+                  <a:prstClr val="black"/>
+                </a:solidFill>
+                <a:latin typeface="Arial" panose="020B0604020202020204" pitchFamily="34" charset="0"/>
+                <a:ea typeface="ヒラギノ角ゴ Pro W3" pitchFamily="-126" charset="-128"/>
+                <a:cs typeface="Arial" panose="020B0604020202020204" pitchFamily="34" charset="0"/>
+              </a:rPr>
+              <a:t>Payer sends codes to CMS for use in calculating appropriate monthly member premium</a:t>
+            </a:r>
+          </a:p>
+        </p:txBody>
+      </p:sp>
+      <p:sp>
+        <p:nvSpPr>
+          <p:cNvPr id="52" name="Rounded Rectangle 15">
+            <a:extLst>
+              <a:ext uri="{FF2B5EF4-FFF2-40B4-BE49-F238E27FC236}">
+                <a16:creationId xmlns:a16="http://schemas.microsoft.com/office/drawing/2014/main" id="{22C6AAF8-C3A5-4B46-B7CD-85F1D3E9DB03}"/>
+              </a:ext>
+            </a:extLst>
+          </p:cNvPr>
+          <p:cNvSpPr/>
+          <p:nvPr/>
+        </p:nvSpPr>
+        <p:spPr>
+          <a:xfrm>
+            <a:off x="9263348" y="5804889"/>
+            <a:ext cx="1363173" cy="681056"/>
+          </a:xfrm>
+          <a:prstGeom prst="roundRect">
+            <a:avLst>
+              <a:gd name="adj" fmla="val 0"/>
+            </a:avLst>
+          </a:prstGeom>
+          <a:noFill/>
+          <a:ln w="12700" cap="flat" cmpd="sng" algn="ctr">
+            <a:noFill/>
+            <a:prstDash val="solid"/>
+            <a:miter lim="800000"/>
+          </a:ln>
+          <a:effectLst/>
+        </p:spPr>
+        <p:txBody>
+          <a:bodyPr rtlCol="0" anchor="ctr" anchorCtr="0"/>
+          <a:lstStyle/>
+          <a:p>
+            <a:pPr algn="ctr" defTabSz="1219170">
+              <a:defRPr/>
+            </a:pPr>
+            <a:r>
+              <a:rPr lang="en-US" sz="1333" b="1" dirty="0">
+                <a:solidFill>
+                  <a:srgbClr val="C00000"/>
+                </a:solidFill>
+                <a:latin typeface="Arial"/>
+                <a:ea typeface="ヒラギノ角ゴ Pro W3" pitchFamily="-126" charset="-128"/>
+              </a:rPr>
+              <a:t>Patient</a:t>
+            </a:r>
+            <a:endParaRPr lang="en-US" sz="1333" b="1" kern="0" dirty="0">
+              <a:solidFill>
+                <a:srgbClr val="C00000"/>
+              </a:solidFill>
+              <a:latin typeface="Arial"/>
+              <a:ea typeface="ヒラギノ角ゴ Pro W3" pitchFamily="-126" charset="-128"/>
+            </a:endParaRPr>
+          </a:p>
+        </p:txBody>
+      </p:sp>
+      <p:sp>
+        <p:nvSpPr>
+          <p:cNvPr id="53" name="TextBox 52">
+            <a:extLst>
+              <a:ext uri="{FF2B5EF4-FFF2-40B4-BE49-F238E27FC236}">
+                <a16:creationId xmlns:a16="http://schemas.microsoft.com/office/drawing/2014/main" id="{BA5094DE-7D34-4FC5-82BA-BAF7A1628703}"/>
+              </a:ext>
+            </a:extLst>
+          </p:cNvPr>
+          <p:cNvSpPr txBox="1"/>
+          <p:nvPr/>
+        </p:nvSpPr>
+        <p:spPr>
+          <a:xfrm>
+            <a:off x="7212228" y="2395209"/>
+            <a:ext cx="1259821" cy="502573"/>
+          </a:xfrm>
+          <a:prstGeom prst="rect">
+            <a:avLst/>
+          </a:prstGeom>
+          <a:noFill/>
+        </p:spPr>
+        <p:txBody>
+          <a:bodyPr wrap="square" rtlCol="0">
+            <a:spAutoFit/>
+          </a:bodyPr>
+          <a:lstStyle/>
+          <a:p>
+            <a:pPr algn="ctr" defTabSz="609585" fontAlgn="base">
+              <a:spcBef>
+                <a:spcPct val="0"/>
+              </a:spcBef>
+              <a:spcAft>
+                <a:spcPct val="0"/>
+              </a:spcAft>
+              <a:defRPr/>
+            </a:pPr>
+            <a:r>
+              <a:rPr lang="en-US" sz="1333" b="1" dirty="0">
+                <a:solidFill>
+                  <a:srgbClr val="C00000"/>
+                </a:solidFill>
+                <a:latin typeface="Arial"/>
+                <a:ea typeface="ヒラギノ角ゴ Pro W3" pitchFamily="-126" charset="-128"/>
+              </a:rPr>
+              <a:t>Provider Group</a:t>
+            </a:r>
+          </a:p>
+        </p:txBody>
+      </p:sp>
+      <p:sp>
+        <p:nvSpPr>
+          <p:cNvPr id="54" name="TextBox 53">
+            <a:extLst>
+              <a:ext uri="{FF2B5EF4-FFF2-40B4-BE49-F238E27FC236}">
+                <a16:creationId xmlns:a16="http://schemas.microsoft.com/office/drawing/2014/main" id="{1BF9B401-9E22-49A1-8DA8-76E6172C43D0}"/>
+              </a:ext>
+            </a:extLst>
+          </p:cNvPr>
+          <p:cNvSpPr txBox="1"/>
+          <p:nvPr/>
+        </p:nvSpPr>
+        <p:spPr>
+          <a:xfrm>
+            <a:off x="3764497" y="2514002"/>
+            <a:ext cx="2115679" cy="297454"/>
+          </a:xfrm>
+          <a:prstGeom prst="rect">
+            <a:avLst/>
+          </a:prstGeom>
+          <a:noFill/>
+        </p:spPr>
+        <p:txBody>
+          <a:bodyPr wrap="square" rtlCol="0">
+            <a:spAutoFit/>
+          </a:bodyPr>
+          <a:lstStyle/>
+          <a:p>
+            <a:pPr algn="ctr" defTabSz="609585" fontAlgn="base">
+              <a:spcBef>
+                <a:spcPct val="0"/>
+              </a:spcBef>
+              <a:spcAft>
+                <a:spcPct val="0"/>
+              </a:spcAft>
+              <a:defRPr/>
+            </a:pPr>
+            <a:r>
+              <a:rPr lang="en-US" sz="1333" b="1" dirty="0">
+                <a:solidFill>
+                  <a:srgbClr val="F79646">
+                    <a:lumMod val="50000"/>
+                  </a:srgbClr>
+                </a:solidFill>
+                <a:latin typeface="Arial"/>
+                <a:ea typeface="ヒラギノ角ゴ Pro W3" pitchFamily="-126" charset="-128"/>
+              </a:rPr>
+              <a:t>Payer</a:t>
+            </a:r>
+          </a:p>
+        </p:txBody>
+      </p:sp>
+      <p:sp>
+        <p:nvSpPr>
+          <p:cNvPr id="2" name="Oval 1">
+            <a:extLst>
+              <a:ext uri="{FF2B5EF4-FFF2-40B4-BE49-F238E27FC236}">
+                <a16:creationId xmlns:a16="http://schemas.microsoft.com/office/drawing/2014/main" id="{5D0169D5-6BC7-48EA-B0F1-149FA0F465C3}"/>
+              </a:ext>
+            </a:extLst>
+          </p:cNvPr>
+          <p:cNvSpPr/>
+          <p:nvPr/>
+        </p:nvSpPr>
+        <p:spPr>
+          <a:xfrm>
+            <a:off x="4414964" y="1657510"/>
+            <a:ext cx="3912321" cy="1917711"/>
+          </a:xfrm>
+          <a:prstGeom prst="ellipse">
+            <a:avLst/>
+          </a:prstGeom>
+          <a:noFill/>
+          <a:ln>
+            <a:solidFill>
+              <a:srgbClr val="00B050"/>
+            </a:solidFill>
+          </a:ln>
+        </p:spPr>
+        <p:style>
+          <a:lnRef idx="1">
+            <a:schemeClr val="accent1"/>
+          </a:lnRef>
+          <a:fillRef idx="3">
+            <a:schemeClr val="accent1"/>
+          </a:fillRef>
+          <a:effectRef idx="2">
+            <a:schemeClr val="accent1"/>
+          </a:effectRef>
+          <a:fontRef idx="minor">
+            <a:schemeClr val="lt1"/>
+          </a:fontRef>
+        </p:style>
+        <p:txBody>
+          <a:bodyPr rtlCol="0" anchor="ctr"/>
+          <a:lstStyle/>
+          <a:p>
+            <a:pPr algn="ctr" defTabSz="609585" fontAlgn="base">
+              <a:spcBef>
+                <a:spcPct val="0"/>
+              </a:spcBef>
+              <a:spcAft>
+                <a:spcPct val="0"/>
+              </a:spcAft>
+            </a:pPr>
+            <a:endParaRPr lang="en-US" sz="2400" dirty="0">
+              <a:solidFill>
+                <a:prstClr val="white"/>
+              </a:solidFill>
+              <a:latin typeface="Arial"/>
+            </a:endParaRPr>
+          </a:p>
+        </p:txBody>
+      </p:sp>
+      <p:sp>
+        <p:nvSpPr>
+          <p:cNvPr id="3" name="TextBox 2">
+            <a:extLst>
+              <a:ext uri="{FF2B5EF4-FFF2-40B4-BE49-F238E27FC236}">
+                <a16:creationId xmlns:a16="http://schemas.microsoft.com/office/drawing/2014/main" id="{C58EE0DD-6D0B-4581-BB37-C408CD8456B4}"/>
+              </a:ext>
+            </a:extLst>
+          </p:cNvPr>
+          <p:cNvSpPr txBox="1"/>
+          <p:nvPr/>
+        </p:nvSpPr>
+        <p:spPr>
+          <a:xfrm>
+            <a:off x="5645918" y="1674039"/>
+            <a:ext cx="764953" cy="338554"/>
+          </a:xfrm>
+          <a:prstGeom prst="rect">
+            <a:avLst/>
+          </a:prstGeom>
+          <a:noFill/>
+        </p:spPr>
+        <p:txBody>
+          <a:bodyPr wrap="none" rtlCol="0">
+            <a:spAutoFit/>
+          </a:bodyPr>
+          <a:lstStyle/>
+          <a:p>
+            <a:pPr defTabSz="609585" fontAlgn="base">
+              <a:spcBef>
+                <a:spcPct val="0"/>
+              </a:spcBef>
+              <a:spcAft>
+                <a:spcPct val="0"/>
+              </a:spcAft>
+            </a:pPr>
+            <a:r>
+              <a:rPr lang="en-US" sz="1600" dirty="0">
+                <a:solidFill>
+                  <a:srgbClr val="00B050"/>
+                </a:solidFill>
+                <a:latin typeface="Arial" panose="020B0604020202020204" pitchFamily="34" charset="0"/>
+                <a:ea typeface="ヒラギノ角ゴ Pro W3" pitchFamily="-126" charset="-128"/>
+              </a:rPr>
+              <a:t>STU 1</a:t>
+            </a:r>
+          </a:p>
+        </p:txBody>
+      </p:sp>
+      <p:pic>
+        <p:nvPicPr>
+          <p:cNvPr id="45" name="Graphic 44">
+            <a:extLst>
+              <a:ext uri="{FF2B5EF4-FFF2-40B4-BE49-F238E27FC236}">
+                <a16:creationId xmlns:a16="http://schemas.microsoft.com/office/drawing/2014/main" id="{EF8BA341-F28F-4CAC-84E6-0369C91D6B9D}"/>
+              </a:ext>
+            </a:extLst>
+          </p:cNvPr>
+          <p:cNvPicPr>
+            <a:picLocks noChangeAspect="1"/>
+          </p:cNvPicPr>
+          <p:nvPr/>
+        </p:nvPicPr>
+        <p:blipFill>
+          <a:blip r:embed="rId7">
+            <a:extLst>
+              <a:ext uri="{96DAC541-7B7A-43D3-8B79-37D633B846F1}">
+                <asvg:svgBlip xmlns:asvg="http://schemas.microsoft.com/office/drawing/2016/SVG/main" r:embed="rId8"/>
+              </a:ext>
+            </a:extLst>
+          </a:blip>
+          <a:stretch>
+            <a:fillRect/>
+          </a:stretch>
+        </p:blipFill>
+        <p:spPr>
+          <a:xfrm>
+            <a:off x="4488361" y="5222301"/>
+            <a:ext cx="814124" cy="899821"/>
+          </a:xfrm>
+          <a:prstGeom prst="rect">
+            <a:avLst/>
+          </a:prstGeom>
+        </p:spPr>
+      </p:pic>
+      <p:pic>
+        <p:nvPicPr>
+          <p:cNvPr id="46" name="Graphic 45" descr="Microscope outline">
+            <a:extLst>
+              <a:ext uri="{FF2B5EF4-FFF2-40B4-BE49-F238E27FC236}">
+                <a16:creationId xmlns:a16="http://schemas.microsoft.com/office/drawing/2014/main" id="{A8735016-A45E-4FA7-9A6C-A472745BFE22}"/>
+              </a:ext>
+            </a:extLst>
+          </p:cNvPr>
+          <p:cNvPicPr>
+            <a:picLocks noChangeAspect="1"/>
+          </p:cNvPicPr>
+          <p:nvPr/>
+        </p:nvPicPr>
+        <p:blipFill>
+          <a:blip r:embed="rId12">
+            <a:extLst>
+              <a:ext uri="{28A0092B-C50C-407E-A947-70E740481C1C}">
+                <a14:useLocalDpi xmlns:a14="http://schemas.microsoft.com/office/drawing/2010/main" val="0"/>
+              </a:ext>
+              <a:ext uri="{96DAC541-7B7A-43D3-8B79-37D633B846F1}">
+                <asvg:svgBlip xmlns:asvg="http://schemas.microsoft.com/office/drawing/2016/SVG/main" r:embed="rId13"/>
+              </a:ext>
+            </a:extLst>
+          </a:blip>
+          <a:stretch>
+            <a:fillRect/>
+          </a:stretch>
+        </p:blipFill>
+        <p:spPr>
+          <a:xfrm>
+            <a:off x="2530626" y="5207722"/>
+            <a:ext cx="914400" cy="914400"/>
+          </a:xfrm>
+          <a:prstGeom prst="rect">
+            <a:avLst/>
+          </a:prstGeom>
+        </p:spPr>
+      </p:pic>
+      <p:cxnSp>
+        <p:nvCxnSpPr>
+          <p:cNvPr id="47" name="Straight Arrow Connector 46">
+            <a:extLst>
+              <a:ext uri="{FF2B5EF4-FFF2-40B4-BE49-F238E27FC236}">
+                <a16:creationId xmlns:a16="http://schemas.microsoft.com/office/drawing/2014/main" id="{F0B9FBCB-09F4-408F-AEB5-E5D1A016BE63}"/>
+              </a:ext>
+            </a:extLst>
+          </p:cNvPr>
+          <p:cNvCxnSpPr>
+            <a:cxnSpLocks/>
+          </p:cNvCxnSpPr>
+          <p:nvPr/>
+        </p:nvCxnSpPr>
+        <p:spPr>
+          <a:xfrm flipV="1">
+            <a:off x="9951344" y="4214933"/>
+            <a:ext cx="965002" cy="971582"/>
+          </a:xfrm>
+          <a:prstGeom prst="straightConnector1">
+            <a:avLst/>
+          </a:prstGeom>
+          <a:ln w="38100">
+            <a:solidFill>
+              <a:schemeClr val="bg1">
+                <a:lumMod val="75000"/>
+              </a:schemeClr>
+            </a:solidFill>
+            <a:headEnd type="triangle" w="med" len="med"/>
+            <a:tailEnd type="none" w="med" len="med"/>
+          </a:ln>
+        </p:spPr>
+        <p:style>
+          <a:lnRef idx="1">
+            <a:schemeClr val="accent1"/>
+          </a:lnRef>
+          <a:fillRef idx="0">
+            <a:schemeClr val="accent1"/>
+          </a:fillRef>
+          <a:effectRef idx="0">
+            <a:schemeClr val="accent1"/>
+          </a:effectRef>
+          <a:fontRef idx="minor">
+            <a:schemeClr val="tx1"/>
+          </a:fontRef>
+        </p:style>
+      </p:cxnSp>
+      <p:cxnSp>
+        <p:nvCxnSpPr>
+          <p:cNvPr id="48" name="Straight Arrow Connector 47">
+            <a:extLst>
+              <a:ext uri="{FF2B5EF4-FFF2-40B4-BE49-F238E27FC236}">
+                <a16:creationId xmlns:a16="http://schemas.microsoft.com/office/drawing/2014/main" id="{579C8660-292B-4923-948A-4C74F1BB3BAE}"/>
+              </a:ext>
+            </a:extLst>
+          </p:cNvPr>
+          <p:cNvCxnSpPr>
+            <a:cxnSpLocks/>
+          </p:cNvCxnSpPr>
+          <p:nvPr/>
+        </p:nvCxnSpPr>
+        <p:spPr>
+          <a:xfrm flipH="1">
+            <a:off x="4649386" y="3983391"/>
+            <a:ext cx="146198" cy="1117568"/>
+          </a:xfrm>
+          <a:prstGeom prst="straightConnector1">
+            <a:avLst/>
+          </a:prstGeom>
+          <a:ln w="38100">
+            <a:solidFill>
+              <a:schemeClr val="bg1">
+                <a:lumMod val="75000"/>
+              </a:schemeClr>
+            </a:solidFill>
+            <a:headEnd type="triangle" w="med" len="med"/>
+            <a:tailEnd type="none" w="med" len="med"/>
+          </a:ln>
+        </p:spPr>
+        <p:style>
+          <a:lnRef idx="1">
+            <a:schemeClr val="accent1"/>
+          </a:lnRef>
+          <a:fillRef idx="0">
+            <a:schemeClr val="accent1"/>
+          </a:fillRef>
+          <a:effectRef idx="0">
+            <a:schemeClr val="accent1"/>
+          </a:effectRef>
+          <a:fontRef idx="minor">
+            <a:schemeClr val="tx1"/>
+          </a:fontRef>
+        </p:style>
+      </p:cxnSp>
+      <p:pic>
+        <p:nvPicPr>
+          <p:cNvPr id="50" name="Graphic 49">
+            <a:extLst>
+              <a:ext uri="{FF2B5EF4-FFF2-40B4-BE49-F238E27FC236}">
+                <a16:creationId xmlns:a16="http://schemas.microsoft.com/office/drawing/2014/main" id="{86DF99FA-6065-4F47-AFC5-7DF64B218D66}"/>
+              </a:ext>
+            </a:extLst>
+          </p:cNvPr>
+          <p:cNvPicPr>
+            <a:picLocks noChangeAspect="1"/>
+          </p:cNvPicPr>
+          <p:nvPr/>
+        </p:nvPicPr>
+        <p:blipFill>
+          <a:blip r:embed="rId5">
+            <a:extLst>
+              <a:ext uri="{96DAC541-7B7A-43D3-8B79-37D633B846F1}">
+                <asvg:svgBlip xmlns:asvg="http://schemas.microsoft.com/office/drawing/2016/SVG/main" r:embed="rId6"/>
+              </a:ext>
+            </a:extLst>
+          </a:blip>
+          <a:stretch>
+            <a:fillRect/>
+          </a:stretch>
+        </p:blipFill>
+        <p:spPr>
+          <a:xfrm>
+            <a:off x="5515718" y="5144072"/>
+            <a:ext cx="659817" cy="996459"/>
+          </a:xfrm>
+          <a:prstGeom prst="rect">
+            <a:avLst/>
+          </a:prstGeom>
+        </p:spPr>
+      </p:pic>
+      <p:pic>
+        <p:nvPicPr>
+          <p:cNvPr id="55" name="Graphic 54">
+            <a:extLst>
+              <a:ext uri="{FF2B5EF4-FFF2-40B4-BE49-F238E27FC236}">
+                <a16:creationId xmlns:a16="http://schemas.microsoft.com/office/drawing/2014/main" id="{5D4A3B1F-66CC-40AA-80EB-AFAB436B166B}"/>
+              </a:ext>
+            </a:extLst>
+          </p:cNvPr>
+          <p:cNvPicPr>
+            <a:picLocks noChangeAspect="1"/>
+          </p:cNvPicPr>
+          <p:nvPr/>
+        </p:nvPicPr>
+        <p:blipFill>
+          <a:blip r:embed="rId14">
+            <a:extLst>
+              <a:ext uri="{96DAC541-7B7A-43D3-8B79-37D633B846F1}">
+                <asvg:svgBlip xmlns:asvg="http://schemas.microsoft.com/office/drawing/2016/SVG/main" r:embed="rId15"/>
+              </a:ext>
+            </a:extLst>
+          </a:blip>
+          <a:stretch>
+            <a:fillRect/>
+          </a:stretch>
+        </p:blipFill>
+        <p:spPr>
+          <a:xfrm>
+            <a:off x="1732391" y="5186515"/>
+            <a:ext cx="659817" cy="996459"/>
+          </a:xfrm>
+          <a:prstGeom prst="rect">
+            <a:avLst/>
+          </a:prstGeom>
+        </p:spPr>
+      </p:pic>
+      <p:sp>
+        <p:nvSpPr>
+          <p:cNvPr id="22" name="Rectangle 21">
+            <a:extLst>
+              <a:ext uri="{FF2B5EF4-FFF2-40B4-BE49-F238E27FC236}">
+                <a16:creationId xmlns:a16="http://schemas.microsoft.com/office/drawing/2014/main" id="{E05D57A9-C026-4189-BA85-066DAF1A2485}"/>
+              </a:ext>
+            </a:extLst>
+          </p:cNvPr>
+          <p:cNvSpPr/>
+          <p:nvPr/>
+        </p:nvSpPr>
+        <p:spPr>
+          <a:xfrm>
+            <a:off x="2722880" y="4916314"/>
+            <a:ext cx="2579605" cy="270201"/>
+          </a:xfrm>
+          <a:prstGeom prst="rect">
+            <a:avLst/>
+          </a:prstGeom>
+        </p:spPr>
+        <p:style>
+          <a:lnRef idx="1">
+            <a:schemeClr val="accent1"/>
+          </a:lnRef>
+          <a:fillRef idx="3">
+            <a:schemeClr val="accent1"/>
+          </a:fillRef>
+          <a:effectRef idx="2">
+            <a:schemeClr val="accent1"/>
+          </a:effectRef>
+          <a:fontRef idx="minor">
+            <a:schemeClr val="lt1"/>
+          </a:fontRef>
+        </p:style>
+        <p:txBody>
+          <a:bodyPr rtlCol="0" anchor="ctr"/>
+          <a:lstStyle/>
+          <a:p>
+            <a:pPr algn="ctr"/>
+            <a:r>
+              <a:rPr lang="en-US" dirty="0"/>
+              <a:t>Payer Data on File</a:t>
+            </a:r>
+          </a:p>
+        </p:txBody>
+      </p:sp>
+      <p:pic>
+        <p:nvPicPr>
+          <p:cNvPr id="62" name="Graphic 61" descr="Medicine with solid fill">
+            <a:extLst>
+              <a:ext uri="{FF2B5EF4-FFF2-40B4-BE49-F238E27FC236}">
+                <a16:creationId xmlns:a16="http://schemas.microsoft.com/office/drawing/2014/main" id="{FF5549DF-3B55-4924-9628-49E08F228496}"/>
+              </a:ext>
+            </a:extLst>
+          </p:cNvPr>
+          <p:cNvPicPr>
+            <a:picLocks noChangeAspect="1"/>
+          </p:cNvPicPr>
+          <p:nvPr/>
+        </p:nvPicPr>
+        <p:blipFill>
+          <a:blip r:embed="rId16">
+            <a:extLst>
+              <a:ext uri="{28A0092B-C50C-407E-A947-70E740481C1C}">
+                <a14:useLocalDpi xmlns:a14="http://schemas.microsoft.com/office/drawing/2010/main" val="0"/>
+              </a:ext>
+              <a:ext uri="{96DAC541-7B7A-43D3-8B79-37D633B846F1}">
+                <asvg:svgBlip xmlns:asvg="http://schemas.microsoft.com/office/drawing/2016/SVG/main" r:embed="rId17"/>
+              </a:ext>
+            </a:extLst>
+          </a:blip>
+          <a:stretch>
+            <a:fillRect/>
+          </a:stretch>
+        </p:blipFill>
+        <p:spPr>
+          <a:xfrm>
+            <a:off x="3487139" y="5276201"/>
+            <a:ext cx="914400" cy="914400"/>
+          </a:xfrm>
+          <a:prstGeom prst="rect">
+            <a:avLst/>
+          </a:prstGeom>
+        </p:spPr>
+      </p:pic>
+      <p:cxnSp>
+        <p:nvCxnSpPr>
+          <p:cNvPr id="66" name="Straight Arrow Connector 65">
+            <a:extLst>
+              <a:ext uri="{FF2B5EF4-FFF2-40B4-BE49-F238E27FC236}">
+                <a16:creationId xmlns:a16="http://schemas.microsoft.com/office/drawing/2014/main" id="{D9D12828-2FD6-49DF-8299-2E412D427DDB}"/>
+              </a:ext>
+            </a:extLst>
+          </p:cNvPr>
+          <p:cNvCxnSpPr>
+            <a:cxnSpLocks/>
+          </p:cNvCxnSpPr>
+          <p:nvPr/>
+        </p:nvCxnSpPr>
+        <p:spPr>
+          <a:xfrm>
+            <a:off x="5720080" y="2113280"/>
+            <a:ext cx="1492148" cy="0"/>
+          </a:xfrm>
+          <a:prstGeom prst="straightConnector1">
+            <a:avLst/>
+          </a:prstGeom>
+          <a:ln w="38100">
+            <a:solidFill>
+              <a:schemeClr val="bg1">
+                <a:lumMod val="75000"/>
+              </a:schemeClr>
+            </a:solidFill>
+            <a:headEnd type="triangle" w="med" len="med"/>
+            <a:tailEnd type="none" w="med" len="med"/>
+          </a:ln>
+        </p:spPr>
+        <p:style>
+          <a:lnRef idx="1">
+            <a:schemeClr val="accent1"/>
+          </a:lnRef>
+          <a:fillRef idx="0">
+            <a:schemeClr val="accent1"/>
+          </a:fillRef>
+          <a:effectRef idx="0">
+            <a:schemeClr val="accent1"/>
+          </a:effectRef>
+          <a:fontRef idx="minor">
+            <a:schemeClr val="tx1"/>
+          </a:fontRef>
+        </p:style>
+      </p:cxnSp>
     </p:spTree>
     <p:extLst>
       <p:ext uri="{BB962C8B-B14F-4D97-AF65-F5344CB8AC3E}">
-        <p14:creationId xmlns:p14="http://schemas.microsoft.com/office/powerpoint/2010/main" val="4285956358"/>
+        <p14:creationId xmlns:p14="http://schemas.microsoft.com/office/powerpoint/2010/main" val="786638985"/>
       </p:ext>
     </p:extLst>
   </p:cSld>
@@ -21442,10 +23581,54 @@
       </p:grpSpPr>
       <p:sp>
         <p:nvSpPr>
-          <p:cNvPr id="2" name="Title 1">
-            <a:extLst>
-              <a:ext uri="{FF2B5EF4-FFF2-40B4-BE49-F238E27FC236}">
-                <a16:creationId xmlns:a16="http://schemas.microsoft.com/office/drawing/2014/main" id="{DE4FC254-7E84-4C1E-B2B1-8F45C616E91E}"/>
+          <p:cNvPr id="14" name="Rectangle 13">
+            <a:extLst>
+              <a:ext uri="{FF2B5EF4-FFF2-40B4-BE49-F238E27FC236}">
+                <a16:creationId xmlns:a16="http://schemas.microsoft.com/office/drawing/2014/main" id="{CF806683-A300-4B81-8383-0467E3567E38}"/>
+              </a:ext>
+            </a:extLst>
+          </p:cNvPr>
+          <p:cNvSpPr/>
+          <p:nvPr/>
+        </p:nvSpPr>
+        <p:spPr>
+          <a:xfrm>
+            <a:off x="1510199" y="4890716"/>
+            <a:ext cx="4900672" cy="1360809"/>
+          </a:xfrm>
+          <a:prstGeom prst="rect">
+            <a:avLst/>
+          </a:prstGeom>
+        </p:spPr>
+        <p:style>
+          <a:lnRef idx="1">
+            <a:schemeClr val="accent1"/>
+          </a:lnRef>
+          <a:fillRef idx="3">
+            <a:schemeClr val="accent1"/>
+          </a:fillRef>
+          <a:effectRef idx="2">
+            <a:schemeClr val="accent1"/>
+          </a:effectRef>
+          <a:fontRef idx="minor">
+            <a:schemeClr val="lt1"/>
+          </a:fontRef>
+        </p:style>
+        <p:txBody>
+          <a:bodyPr rtlCol="0" anchor="ctr"/>
+          <a:lstStyle/>
+          <a:p>
+            <a:pPr algn="ctr"/>
+            <a:endParaRPr lang="en-US"/>
+          </a:p>
+        </p:txBody>
+      </p:sp>
+      <p:sp>
+        <p:nvSpPr>
+          <p:cNvPr id="15361" name="Title 1">
+            <a:extLst>
+              <a:ext uri="{FF2B5EF4-FFF2-40B4-BE49-F238E27FC236}">
+                <a16:creationId xmlns:a16="http://schemas.microsoft.com/office/drawing/2014/main" id="{9BD03358-C736-4C1A-8E91-843C37ADF1DB}"/>
               </a:ext>
             </a:extLst>
           </p:cNvPr>
@@ -21462,50 +23645,18 @@
           <a:lstStyle/>
           <a:p>
             <a:r>
-              <a:rPr lang="en-US"/>
-              <a:t>Figure 1-3 (Home page)</a:t>
-            </a:r>
-            <a:endParaRPr lang="en-US" dirty="0"/>
-          </a:p>
-        </p:txBody>
-      </p:sp>
-      <p:sp>
-        <p:nvSpPr>
-          <p:cNvPr id="3" name="Text Placeholder 2">
-            <a:extLst>
-              <a:ext uri="{FF2B5EF4-FFF2-40B4-BE49-F238E27FC236}">
-                <a16:creationId xmlns:a16="http://schemas.microsoft.com/office/drawing/2014/main" id="{4025DF32-5ADE-4348-8F51-B2255B4D83D2}"/>
-              </a:ext>
-            </a:extLst>
-          </p:cNvPr>
-          <p:cNvSpPr>
-            <a:spLocks noGrp="1"/>
-          </p:cNvSpPr>
-          <p:nvPr>
-            <p:ph type="body" sz="quarter" idx="13"/>
-          </p:nvPr>
-        </p:nvSpPr>
-        <p:spPr/>
-        <p:txBody>
-          <a:bodyPr/>
-          <a:lstStyle/>
-          <a:p>
-            <a:pPr marL="0" indent="0">
-              <a:buNone/>
-            </a:pPr>
-            <a:r>
-              <a:rPr lang="en-US" dirty="0"/>
-              <a:t> </a:t>
-            </a:r>
-          </a:p>
-        </p:txBody>
-      </p:sp>
-      <p:sp>
-        <p:nvSpPr>
-          <p:cNvPr id="4" name="Footer Placeholder 3">
-            <a:extLst>
-              <a:ext uri="{FF2B5EF4-FFF2-40B4-BE49-F238E27FC236}">
-                <a16:creationId xmlns:a16="http://schemas.microsoft.com/office/drawing/2014/main" id="{6F1D9FDC-5EC9-421B-B816-669D4CBA8D03}"/>
+              <a:rPr lang="en-US" altLang="en-US" dirty="0"/>
+              <a:t>Workflow for Medicare Advantage Population</a:t>
+            </a:r>
+          </a:p>
+        </p:txBody>
+      </p:sp>
+      <p:sp>
+        <p:nvSpPr>
+          <p:cNvPr id="15363" name="Footer Placeholder 3">
+            <a:extLst>
+              <a:ext uri="{FF2B5EF4-FFF2-40B4-BE49-F238E27FC236}">
+                <a16:creationId xmlns:a16="http://schemas.microsoft.com/office/drawing/2014/main" id="{62AFA8FB-2E5A-4324-ADD7-1326236DA958}"/>
               </a:ext>
             </a:extLst>
           </p:cNvPr>
@@ -21519,28 +23670,139 @@
         <p:spPr/>
         <p:txBody>
           <a:bodyPr/>
-          <a:lstStyle/>
-          <a:p>
-            <a:r>
-              <a:rPr lang="en-US" b="1"/>
-              <a:t>© 2019 Health Level Seven ® International. Licensed under Creative Commons Attribution 4.0 International</a:t>
-            </a:r>
-          </a:p>
-          <a:p>
-            <a:r>
-              <a:rPr lang="en-US" b="1"/>
-              <a:t>HL7, Health Level Seven, FHIR and the FHIR flame logo are registered trademarks of Health Level Seven International. Reg. U.S. TM Office.</a:t>
-            </a:r>
-            <a:endParaRPr lang="en-US" b="1" dirty="0"/>
-          </a:p>
-        </p:txBody>
-      </p:sp>
-      <p:sp>
-        <p:nvSpPr>
-          <p:cNvPr id="5" name="Slide Number Placeholder 4">
-            <a:extLst>
-              <a:ext uri="{FF2B5EF4-FFF2-40B4-BE49-F238E27FC236}">
-                <a16:creationId xmlns:a16="http://schemas.microsoft.com/office/drawing/2014/main" id="{ABC91477-8158-43AE-8C67-AA1E9785A906}"/>
+          <a:lstStyle>
+            <a:lvl1pPr>
+              <a:defRPr>
+                <a:solidFill>
+                  <a:schemeClr val="tx1"/>
+                </a:solidFill>
+                <a:latin typeface="Arial" panose="020B0604020202020204" pitchFamily="34" charset="0"/>
+                <a:ea typeface="ヒラギノ角ゴ Pro W3" pitchFamily="-126" charset="-128"/>
+              </a:defRPr>
+            </a:lvl1pPr>
+            <a:lvl2pPr marL="990575" indent="-380990">
+              <a:defRPr>
+                <a:solidFill>
+                  <a:schemeClr val="tx1"/>
+                </a:solidFill>
+                <a:latin typeface="Arial" panose="020B0604020202020204" pitchFamily="34" charset="0"/>
+                <a:ea typeface="ヒラギノ角ゴ Pro W3" pitchFamily="-126" charset="-128"/>
+              </a:defRPr>
+            </a:lvl2pPr>
+            <a:lvl3pPr marL="1523962" indent="-304792">
+              <a:defRPr>
+                <a:solidFill>
+                  <a:schemeClr val="tx1"/>
+                </a:solidFill>
+                <a:latin typeface="Arial" panose="020B0604020202020204" pitchFamily="34" charset="0"/>
+                <a:ea typeface="ヒラギノ角ゴ Pro W3" pitchFamily="-126" charset="-128"/>
+              </a:defRPr>
+            </a:lvl3pPr>
+            <a:lvl4pPr marL="2133547" indent="-304792">
+              <a:defRPr>
+                <a:solidFill>
+                  <a:schemeClr val="tx1"/>
+                </a:solidFill>
+                <a:latin typeface="Arial" panose="020B0604020202020204" pitchFamily="34" charset="0"/>
+                <a:ea typeface="ヒラギノ角ゴ Pro W3" pitchFamily="-126" charset="-128"/>
+              </a:defRPr>
+            </a:lvl4pPr>
+            <a:lvl5pPr marL="2743131" indent="-304792">
+              <a:defRPr>
+                <a:solidFill>
+                  <a:schemeClr val="tx1"/>
+                </a:solidFill>
+                <a:latin typeface="Arial" panose="020B0604020202020204" pitchFamily="34" charset="0"/>
+                <a:ea typeface="ヒラギノ角ゴ Pro W3" pitchFamily="-126" charset="-128"/>
+              </a:defRPr>
+            </a:lvl5pPr>
+            <a:lvl6pPr marL="3352716" indent="-304792" defTabSz="609585" fontAlgn="base">
+              <a:spcBef>
+                <a:spcPct val="0"/>
+              </a:spcBef>
+              <a:spcAft>
+                <a:spcPct val="0"/>
+              </a:spcAft>
+              <a:defRPr>
+                <a:solidFill>
+                  <a:schemeClr val="tx1"/>
+                </a:solidFill>
+                <a:latin typeface="Arial" panose="020B0604020202020204" pitchFamily="34" charset="0"/>
+                <a:ea typeface="ヒラギノ角ゴ Pro W3" pitchFamily="-126" charset="-128"/>
+              </a:defRPr>
+            </a:lvl6pPr>
+            <a:lvl7pPr marL="3962301" indent="-304792" defTabSz="609585" fontAlgn="base">
+              <a:spcBef>
+                <a:spcPct val="0"/>
+              </a:spcBef>
+              <a:spcAft>
+                <a:spcPct val="0"/>
+              </a:spcAft>
+              <a:defRPr>
+                <a:solidFill>
+                  <a:schemeClr val="tx1"/>
+                </a:solidFill>
+                <a:latin typeface="Arial" panose="020B0604020202020204" pitchFamily="34" charset="0"/>
+                <a:ea typeface="ヒラギノ角ゴ Pro W3" pitchFamily="-126" charset="-128"/>
+              </a:defRPr>
+            </a:lvl7pPr>
+            <a:lvl8pPr marL="4571886" indent="-304792" defTabSz="609585" fontAlgn="base">
+              <a:spcBef>
+                <a:spcPct val="0"/>
+              </a:spcBef>
+              <a:spcAft>
+                <a:spcPct val="0"/>
+              </a:spcAft>
+              <a:defRPr>
+                <a:solidFill>
+                  <a:schemeClr val="tx1"/>
+                </a:solidFill>
+                <a:latin typeface="Arial" panose="020B0604020202020204" pitchFamily="34" charset="0"/>
+                <a:ea typeface="ヒラギノ角ゴ Pro W3" pitchFamily="-126" charset="-128"/>
+              </a:defRPr>
+            </a:lvl8pPr>
+            <a:lvl9pPr marL="5181470" indent="-304792" defTabSz="609585" fontAlgn="base">
+              <a:spcBef>
+                <a:spcPct val="0"/>
+              </a:spcBef>
+              <a:spcAft>
+                <a:spcPct val="0"/>
+              </a:spcAft>
+              <a:defRPr>
+                <a:solidFill>
+                  <a:schemeClr val="tx1"/>
+                </a:solidFill>
+                <a:latin typeface="Arial" panose="020B0604020202020204" pitchFamily="34" charset="0"/>
+                <a:ea typeface="ヒラギノ角ゴ Pro W3" pitchFamily="-126" charset="-128"/>
+              </a:defRPr>
+            </a:lvl9pPr>
+          </a:lstStyle>
+          <a:p>
+            <a:pPr defTabSz="609585" fontAlgn="base">
+              <a:spcBef>
+                <a:spcPct val="0"/>
+              </a:spcBef>
+              <a:spcAft>
+                <a:spcPct val="0"/>
+              </a:spcAft>
+            </a:pPr>
+            <a:r>
+              <a:rPr lang="en-US" altLang="en-US">
+                <a:solidFill>
+                  <a:prstClr val="black"/>
+                </a:solidFill>
+              </a:rPr>
+              <a:t>© 2019 Health Level Seven ® International. Licensed under Creative Commons Attribution 4.0 International HL7, Health Level Seven, FHIR and the FHIR flame logo are registered trademarks of Health Level Seven International. Reg. U.S. TM Office.</a:t>
+            </a:r>
+          </a:p>
+        </p:txBody>
+      </p:sp>
+      <p:sp>
+        <p:nvSpPr>
+          <p:cNvPr id="15364" name="Slide Number Placeholder 4">
+            <a:extLst>
+              <a:ext uri="{FF2B5EF4-FFF2-40B4-BE49-F238E27FC236}">
+                <a16:creationId xmlns:a16="http://schemas.microsoft.com/office/drawing/2014/main" id="{2EEC91F9-0B4D-4914-992D-9AA65CF32774}"/>
               </a:ext>
             </a:extLst>
           </p:cNvPr>
@@ -21554,23 +23816,152 @@
         <p:spPr/>
         <p:txBody>
           <a:bodyPr/>
-          <a:lstStyle/>
-          <a:p>
-            <a:fld id="{6CACE926-AEF5-4BFE-8BD7-24414108CB7B}" type="slidenum">
-              <a:rPr lang="en-US" altLang="en-US" smtClean="0"/>
-              <a:pPr/>
+          <a:lstStyle>
+            <a:lvl1pPr>
+              <a:defRPr>
+                <a:solidFill>
+                  <a:schemeClr val="tx1"/>
+                </a:solidFill>
+                <a:latin typeface="Arial" panose="020B0604020202020204" pitchFamily="34" charset="0"/>
+                <a:ea typeface="ヒラギノ角ゴ Pro W3" pitchFamily="-126" charset="-128"/>
+              </a:defRPr>
+            </a:lvl1pPr>
+            <a:lvl2pPr marL="990575" indent="-380990">
+              <a:defRPr>
+                <a:solidFill>
+                  <a:schemeClr val="tx1"/>
+                </a:solidFill>
+                <a:latin typeface="Arial" panose="020B0604020202020204" pitchFamily="34" charset="0"/>
+                <a:ea typeface="ヒラギノ角ゴ Pro W3" pitchFamily="-126" charset="-128"/>
+              </a:defRPr>
+            </a:lvl2pPr>
+            <a:lvl3pPr marL="1523962" indent="-304792">
+              <a:defRPr>
+                <a:solidFill>
+                  <a:schemeClr val="tx1"/>
+                </a:solidFill>
+                <a:latin typeface="Arial" panose="020B0604020202020204" pitchFamily="34" charset="0"/>
+                <a:ea typeface="ヒラギノ角ゴ Pro W3" pitchFamily="-126" charset="-128"/>
+              </a:defRPr>
+            </a:lvl3pPr>
+            <a:lvl4pPr marL="2133547" indent="-304792">
+              <a:defRPr>
+                <a:solidFill>
+                  <a:schemeClr val="tx1"/>
+                </a:solidFill>
+                <a:latin typeface="Arial" panose="020B0604020202020204" pitchFamily="34" charset="0"/>
+                <a:ea typeface="ヒラギノ角ゴ Pro W3" pitchFamily="-126" charset="-128"/>
+              </a:defRPr>
+            </a:lvl4pPr>
+            <a:lvl5pPr marL="2743131" indent="-304792">
+              <a:defRPr>
+                <a:solidFill>
+                  <a:schemeClr val="tx1"/>
+                </a:solidFill>
+                <a:latin typeface="Arial" panose="020B0604020202020204" pitchFamily="34" charset="0"/>
+                <a:ea typeface="ヒラギノ角ゴ Pro W3" pitchFamily="-126" charset="-128"/>
+              </a:defRPr>
+            </a:lvl5pPr>
+            <a:lvl6pPr marL="3352716" indent="-304792" defTabSz="609585" fontAlgn="base">
+              <a:spcBef>
+                <a:spcPct val="0"/>
+              </a:spcBef>
+              <a:spcAft>
+                <a:spcPct val="0"/>
+              </a:spcAft>
+              <a:defRPr>
+                <a:solidFill>
+                  <a:schemeClr val="tx1"/>
+                </a:solidFill>
+                <a:latin typeface="Arial" panose="020B0604020202020204" pitchFamily="34" charset="0"/>
+                <a:ea typeface="ヒラギノ角ゴ Pro W3" pitchFamily="-126" charset="-128"/>
+              </a:defRPr>
+            </a:lvl6pPr>
+            <a:lvl7pPr marL="3962301" indent="-304792" defTabSz="609585" fontAlgn="base">
+              <a:spcBef>
+                <a:spcPct val="0"/>
+              </a:spcBef>
+              <a:spcAft>
+                <a:spcPct val="0"/>
+              </a:spcAft>
+              <a:defRPr>
+                <a:solidFill>
+                  <a:schemeClr val="tx1"/>
+                </a:solidFill>
+                <a:latin typeface="Arial" panose="020B0604020202020204" pitchFamily="34" charset="0"/>
+                <a:ea typeface="ヒラギノ角ゴ Pro W3" pitchFamily="-126" charset="-128"/>
+              </a:defRPr>
+            </a:lvl7pPr>
+            <a:lvl8pPr marL="4571886" indent="-304792" defTabSz="609585" fontAlgn="base">
+              <a:spcBef>
+                <a:spcPct val="0"/>
+              </a:spcBef>
+              <a:spcAft>
+                <a:spcPct val="0"/>
+              </a:spcAft>
+              <a:defRPr>
+                <a:solidFill>
+                  <a:schemeClr val="tx1"/>
+                </a:solidFill>
+                <a:latin typeface="Arial" panose="020B0604020202020204" pitchFamily="34" charset="0"/>
+                <a:ea typeface="ヒラギノ角ゴ Pro W3" pitchFamily="-126" charset="-128"/>
+              </a:defRPr>
+            </a:lvl8pPr>
+            <a:lvl9pPr marL="5181470" indent="-304792" defTabSz="609585" fontAlgn="base">
+              <a:spcBef>
+                <a:spcPct val="0"/>
+              </a:spcBef>
+              <a:spcAft>
+                <a:spcPct val="0"/>
+              </a:spcAft>
+              <a:defRPr>
+                <a:solidFill>
+                  <a:schemeClr val="tx1"/>
+                </a:solidFill>
+                <a:latin typeface="Arial" panose="020B0604020202020204" pitchFamily="34" charset="0"/>
+                <a:ea typeface="ヒラギノ角ゴ Pro W3" pitchFamily="-126" charset="-128"/>
+              </a:defRPr>
+            </a:lvl9pPr>
+          </a:lstStyle>
+          <a:p>
+            <a:pPr defTabSz="609585" fontAlgn="base">
+              <a:spcBef>
+                <a:spcPct val="0"/>
+              </a:spcBef>
+              <a:spcAft>
+                <a:spcPct val="0"/>
+              </a:spcAft>
+            </a:pPr>
+            <a:fld id="{A6B490F0-9F17-4BC8-B7C0-FB1407BB346B}" type="slidenum">
+              <a:rPr lang="en-US" altLang="en-US">
+                <a:solidFill>
+                  <a:prstClr val="black"/>
+                </a:solidFill>
+              </a:rPr>
+              <a:pPr defTabSz="609585" fontAlgn="base">
+                <a:spcBef>
+                  <a:spcPct val="0"/>
+                </a:spcBef>
+                <a:spcAft>
+                  <a:spcPct val="0"/>
+                </a:spcAft>
+              </a:pPr>
               <a:t>6</a:t>
             </a:fld>
-            <a:endParaRPr lang="en-US" altLang="en-US" dirty="0"/>
+            <a:endParaRPr lang="en-US" altLang="en-US">
+              <a:solidFill>
+                <a:prstClr val="black"/>
+              </a:solidFill>
+            </a:endParaRPr>
           </a:p>
         </p:txBody>
       </p:sp>
       <p:pic>
         <p:nvPicPr>
-          <p:cNvPr id="6" name="Graphic 5">
-            <a:extLst>
-              <a:ext uri="{FF2B5EF4-FFF2-40B4-BE49-F238E27FC236}">
-                <a16:creationId xmlns:a16="http://schemas.microsoft.com/office/drawing/2014/main" id="{842186CE-C3CB-491F-B90D-334B74F93238}"/>
+          <p:cNvPr id="27" name="Graphic 26">
+            <a:extLst>
+              <a:ext uri="{FF2B5EF4-FFF2-40B4-BE49-F238E27FC236}">
+                <a16:creationId xmlns:a16="http://schemas.microsoft.com/office/drawing/2014/main" id="{FCA3DB60-E4FD-411D-BFC4-01DA17A8ABBA}"/>
               </a:ext>
             </a:extLst>
           </p:cNvPr>
@@ -21593,8 +23984,8 @@
         </p:blipFill>
         <p:spPr>
           <a:xfrm>
-            <a:off x="3428016" y="3173224"/>
-            <a:ext cx="659817" cy="996459"/>
+            <a:off x="9615027" y="5137051"/>
+            <a:ext cx="659817" cy="817600"/>
           </a:xfrm>
           <a:prstGeom prst="rect">
             <a:avLst/>
@@ -21603,10 +23994,10 @@
       </p:pic>
       <p:pic>
         <p:nvPicPr>
-          <p:cNvPr id="7" name="Graphic 6">
-            <a:extLst>
-              <a:ext uri="{FF2B5EF4-FFF2-40B4-BE49-F238E27FC236}">
-                <a16:creationId xmlns:a16="http://schemas.microsoft.com/office/drawing/2014/main" id="{3E4BF30F-2D52-4FA7-8B6E-989427E65C55}"/>
+          <p:cNvPr id="28" name="Graphic 27">
+            <a:extLst>
+              <a:ext uri="{FF2B5EF4-FFF2-40B4-BE49-F238E27FC236}">
+                <a16:creationId xmlns:a16="http://schemas.microsoft.com/office/drawing/2014/main" id="{8129DB4E-D9A3-45FE-9463-3C9796BFFFB2}"/>
               </a:ext>
             </a:extLst>
           </p:cNvPr>
@@ -21629,40 +24020,90 @@
         </p:blipFill>
         <p:spPr>
           <a:xfrm>
-            <a:off x="7464510" y="2979089"/>
-            <a:ext cx="814124" cy="899821"/>
+            <a:off x="9643308" y="2769053"/>
+            <a:ext cx="659817" cy="996459"/>
           </a:xfrm>
           <a:prstGeom prst="rect">
             <a:avLst/>
           </a:prstGeom>
         </p:spPr>
       </p:pic>
-      <p:sp>
-        <p:nvSpPr>
-          <p:cNvPr id="9" name="TextBox 8">
-            <a:extLst>
-              <a:ext uri="{FF2B5EF4-FFF2-40B4-BE49-F238E27FC236}">
-                <a16:creationId xmlns:a16="http://schemas.microsoft.com/office/drawing/2014/main" id="{F400E8FA-0292-4288-B1BB-DA58B38789C1}"/>
-              </a:ext>
-            </a:extLst>
-          </p:cNvPr>
-          <p:cNvSpPr txBox="1"/>
+      <p:pic>
+        <p:nvPicPr>
+          <p:cNvPr id="29" name="Graphic 28">
+            <a:extLst>
+              <a:ext uri="{FF2B5EF4-FFF2-40B4-BE49-F238E27FC236}">
+                <a16:creationId xmlns:a16="http://schemas.microsoft.com/office/drawing/2014/main" id="{D25F9C97-C24C-4ADA-AAB2-031E49EE5393}"/>
+              </a:ext>
+            </a:extLst>
+          </p:cNvPr>
+          <p:cNvPicPr>
+            <a:picLocks noChangeAspect="1"/>
+          </p:cNvPicPr>
           <p:nvPr/>
-        </p:nvSpPr>
-        <p:spPr>
-          <a:xfrm>
-            <a:off x="1368638" y="3121037"/>
-            <a:ext cx="2162408" cy="584775"/>
+        </p:nvPicPr>
+        <p:blipFill>
+          <a:blip r:embed="rId7">
+            <a:extLst>
+              <a:ext uri="{96DAC541-7B7A-43D3-8B79-37D633B846F1}">
+                <asvg:svgBlip xmlns:asvg="http://schemas.microsoft.com/office/drawing/2016/SVG/main" r:embed="rId8"/>
+              </a:ext>
+            </a:extLst>
+          </a:blip>
+          <a:stretch>
+            <a:fillRect/>
+          </a:stretch>
+        </p:blipFill>
+        <p:spPr>
+          <a:xfrm>
+            <a:off x="4488361" y="2989394"/>
+            <a:ext cx="814124" cy="899821"/>
           </a:xfrm>
           <a:prstGeom prst="rect">
             <a:avLst/>
           </a:prstGeom>
-          <a:noFill/>
-        </p:spPr>
-        <p:txBody>
-          <a:bodyPr wrap="square" rtlCol="0">
-            <a:spAutoFit/>
-          </a:bodyPr>
+        </p:spPr>
+      </p:pic>
+      <p:sp>
+        <p:nvSpPr>
+          <p:cNvPr id="30" name="Rounded Rectangle 3">
+            <a:extLst>
+              <a:ext uri="{FF2B5EF4-FFF2-40B4-BE49-F238E27FC236}">
+                <a16:creationId xmlns:a16="http://schemas.microsoft.com/office/drawing/2014/main" id="{02FF7B03-5F23-45A9-82FE-ABEE01E53862}"/>
+              </a:ext>
+            </a:extLst>
+          </p:cNvPr>
+          <p:cNvSpPr/>
+          <p:nvPr/>
+        </p:nvSpPr>
+        <p:spPr>
+          <a:xfrm>
+            <a:off x="5601878" y="2381431"/>
+            <a:ext cx="1630257" cy="784360"/>
+          </a:xfrm>
+          <a:prstGeom prst="roundRect">
+            <a:avLst/>
+          </a:prstGeom>
+          <a:solidFill>
+            <a:schemeClr val="accent2">
+              <a:lumMod val="40000"/>
+              <a:lumOff val="60000"/>
+            </a:schemeClr>
+          </a:solidFill>
+          <a:ln w="28575" cap="flat" cmpd="sng" algn="ctr">
+            <a:solidFill>
+              <a:schemeClr val="accent2">
+                <a:lumMod val="60000"/>
+                <a:lumOff val="40000"/>
+              </a:schemeClr>
+            </a:solidFill>
+            <a:prstDash val="solid"/>
+            <a:miter lim="800000"/>
+          </a:ln>
+          <a:effectLst/>
+        </p:spPr>
+        <p:txBody>
+          <a:bodyPr rtlCol="0" anchor="t" anchorCtr="0"/>
           <a:lstStyle/>
           <a:p>
             <a:pPr algn="ctr" defTabSz="609585" fontAlgn="base">
@@ -21675,16 +24116,231 @@
               <a:defRPr/>
             </a:pPr>
             <a:r>
-              <a:rPr lang="en-US" sz="1600" b="1" dirty="0">
-                <a:solidFill>
-                  <a:srgbClr val="C00000"/>
-                </a:solidFill>
-                <a:latin typeface="Arial"/>
+              <a:rPr lang="en-US" sz="1200" b="1" dirty="0">
+                <a:solidFill>
+                  <a:prstClr val="black"/>
+                </a:solidFill>
+                <a:latin typeface="Arial" panose="020B0604020202020204" pitchFamily="34" charset="0"/>
                 <a:ea typeface="ヒラギノ角ゴ Pro W3" pitchFamily="-126" charset="-128"/>
+                <a:cs typeface="Arial" panose="020B0604020202020204" pitchFamily="34" charset="0"/>
               </a:rPr>
-              <a:t>Client</a:t>
-            </a:r>
-          </a:p>
+              <a:t>Payer Posts Risk Coding report to provider group</a:t>
+            </a:r>
+          </a:p>
+        </p:txBody>
+      </p:sp>
+      <p:cxnSp>
+        <p:nvCxnSpPr>
+          <p:cNvPr id="31" name="Straight Arrow Connector 30">
+            <a:extLst>
+              <a:ext uri="{FF2B5EF4-FFF2-40B4-BE49-F238E27FC236}">
+                <a16:creationId xmlns:a16="http://schemas.microsoft.com/office/drawing/2014/main" id="{9719D31E-8A9E-445D-B5AE-979F276B314D}"/>
+              </a:ext>
+            </a:extLst>
+          </p:cNvPr>
+          <p:cNvCxnSpPr>
+            <a:cxnSpLocks/>
+          </p:cNvCxnSpPr>
+          <p:nvPr/>
+        </p:nvCxnSpPr>
+        <p:spPr>
+          <a:xfrm>
+            <a:off x="9057746" y="4144972"/>
+            <a:ext cx="893598" cy="1052051"/>
+          </a:xfrm>
+          <a:prstGeom prst="straightConnector1">
+            <a:avLst/>
+          </a:prstGeom>
+          <a:ln w="38100">
+            <a:solidFill>
+              <a:schemeClr val="bg1">
+                <a:lumMod val="75000"/>
+              </a:schemeClr>
+            </a:solidFill>
+            <a:headEnd type="triangle" w="med" len="med"/>
+            <a:tailEnd type="none" w="med" len="med"/>
+          </a:ln>
+        </p:spPr>
+        <p:style>
+          <a:lnRef idx="1">
+            <a:schemeClr val="accent1"/>
+          </a:lnRef>
+          <a:fillRef idx="0">
+            <a:schemeClr val="accent1"/>
+          </a:fillRef>
+          <a:effectRef idx="0">
+            <a:schemeClr val="accent1"/>
+          </a:effectRef>
+          <a:fontRef idx="minor">
+            <a:schemeClr val="tx1"/>
+          </a:fontRef>
+        </p:style>
+      </p:cxnSp>
+      <p:pic>
+        <p:nvPicPr>
+          <p:cNvPr id="32" name="Graphic 31">
+            <a:extLst>
+              <a:ext uri="{FF2B5EF4-FFF2-40B4-BE49-F238E27FC236}">
+                <a16:creationId xmlns:a16="http://schemas.microsoft.com/office/drawing/2014/main" id="{67B26F22-9F6E-4E1E-9DFE-1B22426633F9}"/>
+              </a:ext>
+            </a:extLst>
+          </p:cNvPr>
+          <p:cNvPicPr>
+            <a:picLocks noChangeAspect="1"/>
+          </p:cNvPicPr>
+          <p:nvPr/>
+        </p:nvPicPr>
+        <p:blipFill>
+          <a:blip r:embed="rId9">
+            <a:extLst>
+              <a:ext uri="{96DAC541-7B7A-43D3-8B79-37D633B846F1}">
+                <asvg:svgBlip xmlns:asvg="http://schemas.microsoft.com/office/drawing/2016/SVG/main" r:embed="rId10"/>
+              </a:ext>
+            </a:extLst>
+          </a:blip>
+          <a:stretch>
+            <a:fillRect/>
+          </a:stretch>
+        </p:blipFill>
+        <p:spPr>
+          <a:xfrm>
+            <a:off x="8829058" y="2827421"/>
+            <a:ext cx="566328" cy="499701"/>
+          </a:xfrm>
+          <a:prstGeom prst="rect">
+            <a:avLst/>
+          </a:prstGeom>
+        </p:spPr>
+      </p:pic>
+      <p:cxnSp>
+        <p:nvCxnSpPr>
+          <p:cNvPr id="33" name="Straight Arrow Connector 32">
+            <a:extLst>
+              <a:ext uri="{FF2B5EF4-FFF2-40B4-BE49-F238E27FC236}">
+                <a16:creationId xmlns:a16="http://schemas.microsoft.com/office/drawing/2014/main" id="{D7F51C0D-6B70-4864-874E-EA5E93427A95}"/>
+              </a:ext>
+            </a:extLst>
+          </p:cNvPr>
+          <p:cNvCxnSpPr>
+            <a:cxnSpLocks/>
+            <a:stCxn id="14" idx="3"/>
+            <a:endCxn id="27" idx="1"/>
+          </p:cNvCxnSpPr>
+          <p:nvPr/>
+        </p:nvCxnSpPr>
+        <p:spPr>
+          <a:xfrm flipV="1">
+            <a:off x="6410871" y="5545851"/>
+            <a:ext cx="3204156" cy="25270"/>
+          </a:xfrm>
+          <a:prstGeom prst="straightConnector1">
+            <a:avLst/>
+          </a:prstGeom>
+          <a:ln w="38100">
+            <a:solidFill>
+              <a:schemeClr val="bg1">
+                <a:lumMod val="75000"/>
+              </a:schemeClr>
+            </a:solidFill>
+            <a:headEnd type="triangle" w="med" len="med"/>
+            <a:tailEnd type="none" w="med" len="med"/>
+          </a:ln>
+        </p:spPr>
+        <p:style>
+          <a:lnRef idx="1">
+            <a:schemeClr val="accent1"/>
+          </a:lnRef>
+          <a:fillRef idx="0">
+            <a:schemeClr val="accent1"/>
+          </a:fillRef>
+          <a:effectRef idx="0">
+            <a:schemeClr val="accent1"/>
+          </a:effectRef>
+          <a:fontRef idx="minor">
+            <a:schemeClr val="tx1"/>
+          </a:fontRef>
+        </p:style>
+      </p:cxnSp>
+      <p:cxnSp>
+        <p:nvCxnSpPr>
+          <p:cNvPr id="34" name="Straight Arrow Connector 33">
+            <a:extLst>
+              <a:ext uri="{FF2B5EF4-FFF2-40B4-BE49-F238E27FC236}">
+                <a16:creationId xmlns:a16="http://schemas.microsoft.com/office/drawing/2014/main" id="{F8591E37-DF51-4BFB-9CA6-E112737AFCEF}"/>
+              </a:ext>
+            </a:extLst>
+          </p:cNvPr>
+          <p:cNvCxnSpPr>
+            <a:cxnSpLocks/>
+          </p:cNvCxnSpPr>
+          <p:nvPr/>
+        </p:nvCxnSpPr>
+        <p:spPr>
+          <a:xfrm flipH="1">
+            <a:off x="5645918" y="3403600"/>
+            <a:ext cx="1595364" cy="0"/>
+          </a:xfrm>
+          <a:prstGeom prst="straightConnector1">
+            <a:avLst/>
+          </a:prstGeom>
+          <a:ln w="38100">
+            <a:solidFill>
+              <a:schemeClr val="bg1">
+                <a:lumMod val="75000"/>
+              </a:schemeClr>
+            </a:solidFill>
+            <a:headEnd type="triangle" w="med" len="med"/>
+            <a:tailEnd type="none" w="med" len="med"/>
+          </a:ln>
+        </p:spPr>
+        <p:style>
+          <a:lnRef idx="1">
+            <a:schemeClr val="accent1"/>
+          </a:lnRef>
+          <a:fillRef idx="0">
+            <a:schemeClr val="accent1"/>
+          </a:fillRef>
+          <a:effectRef idx="0">
+            <a:schemeClr val="accent1"/>
+          </a:effectRef>
+          <a:fontRef idx="minor">
+            <a:schemeClr val="tx1"/>
+          </a:fontRef>
+        </p:style>
+      </p:cxnSp>
+      <p:sp>
+        <p:nvSpPr>
+          <p:cNvPr id="35" name="Rounded Rectangle 3">
+            <a:extLst>
+              <a:ext uri="{FF2B5EF4-FFF2-40B4-BE49-F238E27FC236}">
+                <a16:creationId xmlns:a16="http://schemas.microsoft.com/office/drawing/2014/main" id="{DBF3F585-87FF-4A30-A5F2-55205A27B61F}"/>
+              </a:ext>
+            </a:extLst>
+          </p:cNvPr>
+          <p:cNvSpPr/>
+          <p:nvPr/>
+        </p:nvSpPr>
+        <p:spPr>
+          <a:xfrm>
+            <a:off x="6013467" y="4247482"/>
+            <a:ext cx="1705799" cy="667561"/>
+          </a:xfrm>
+          <a:prstGeom prst="roundRect">
+            <a:avLst>
+              <a:gd name="adj" fmla="val 0"/>
+            </a:avLst>
+          </a:prstGeom>
+          <a:noFill/>
+          <a:ln w="12700" cap="flat" cmpd="sng" algn="ctr">
+            <a:noFill/>
+            <a:prstDash val="solid"/>
+            <a:miter lim="800000"/>
+          </a:ln>
+          <a:effectLst/>
+        </p:spPr>
+        <p:txBody>
+          <a:bodyPr rtlCol="0" anchor="ctr" anchorCtr="0"/>
+          <a:lstStyle/>
           <a:p>
             <a:pPr algn="ctr" defTabSz="609585" fontAlgn="base">
               <a:spcBef>
@@ -21696,44 +24352,145 @@
               <a:defRPr/>
             </a:pPr>
             <a:r>
-              <a:rPr lang="en-US" sz="1600" b="1" dirty="0">
-                <a:solidFill>
-                  <a:srgbClr val="C00000"/>
-                </a:solidFill>
-                <a:latin typeface="Arial"/>
+              <a:rPr lang="en-US" sz="1200" b="1" dirty="0">
+                <a:solidFill>
+                  <a:prstClr val="black"/>
+                </a:solidFill>
+                <a:latin typeface="Arial" panose="020B0604020202020204" pitchFamily="34" charset="0"/>
                 <a:ea typeface="ヒラギノ角ゴ Pro W3" pitchFamily="-126" charset="-128"/>
+                <a:cs typeface="Arial" panose="020B0604020202020204" pitchFamily="34" charset="0"/>
               </a:rPr>
-              <a:t>(example Provider)</a:t>
-            </a:r>
-          </a:p>
-        </p:txBody>
-      </p:sp>
-      <p:sp>
-        <p:nvSpPr>
-          <p:cNvPr id="10" name="TextBox 9">
-            <a:extLst>
-              <a:ext uri="{FF2B5EF4-FFF2-40B4-BE49-F238E27FC236}">
-                <a16:creationId xmlns:a16="http://schemas.microsoft.com/office/drawing/2014/main" id="{984AE2E2-20A9-4B44-A58D-4BBB1DF61213}"/>
-              </a:ext>
-            </a:extLst>
-          </p:cNvPr>
-          <p:cNvSpPr txBox="1"/>
+              <a:t>Provider submits accurate diagnoses to payer</a:t>
+            </a:r>
+          </a:p>
+        </p:txBody>
+      </p:sp>
+      <p:pic>
+        <p:nvPicPr>
+          <p:cNvPr id="36" name="Picture 2" descr="Centers for Medicare &amp; Medicaid Services - Wikipedia">
+            <a:extLst>
+              <a:ext uri="{FF2B5EF4-FFF2-40B4-BE49-F238E27FC236}">
+                <a16:creationId xmlns:a16="http://schemas.microsoft.com/office/drawing/2014/main" id="{890BA03F-6052-4F98-886E-B5C1A9D0AC21}"/>
+              </a:ext>
+            </a:extLst>
+          </p:cNvPr>
+          <p:cNvPicPr>
+            <a:picLocks noChangeAspect="1" noChangeArrowheads="1"/>
+          </p:cNvPicPr>
           <p:nvPr/>
-        </p:nvSpPr>
-        <p:spPr>
-          <a:xfrm>
-            <a:off x="8076248" y="3100638"/>
-            <a:ext cx="2115679" cy="584775"/>
+        </p:nvPicPr>
+        <p:blipFill>
+          <a:blip r:embed="rId11">
+            <a:extLst>
+              <a:ext uri="{28A0092B-C50C-407E-A947-70E740481C1C}">
+                <a14:useLocalDpi xmlns:a14="http://schemas.microsoft.com/office/drawing/2010/main" val="0"/>
+              </a:ext>
+            </a:extLst>
+          </a:blip>
+          <a:srcRect/>
+          <a:stretch>
+            <a:fillRect/>
+          </a:stretch>
+        </p:blipFill>
+        <p:spPr bwMode="auto">
+          <a:xfrm>
+            <a:off x="452084" y="3235005"/>
+            <a:ext cx="1711037" cy="592800"/>
           </a:xfrm>
           <a:prstGeom prst="rect">
             <a:avLst/>
           </a:prstGeom>
           <a:noFill/>
-        </p:spPr>
-        <p:txBody>
-          <a:bodyPr wrap="square" rtlCol="0">
-            <a:spAutoFit/>
-          </a:bodyPr>
+          <a:extLst>
+            <a:ext uri="{909E8E84-426E-40DD-AFC4-6F175D3DCCD1}">
+              <a14:hiddenFill xmlns:a14="http://schemas.microsoft.com/office/drawing/2010/main">
+                <a:solidFill>
+                  <a:srgbClr val="FFFFFF"/>
+                </a:solidFill>
+              </a14:hiddenFill>
+            </a:ext>
+          </a:extLst>
+        </p:spPr>
+      </p:pic>
+      <p:cxnSp>
+        <p:nvCxnSpPr>
+          <p:cNvPr id="37" name="Straight Arrow Connector 36">
+            <a:extLst>
+              <a:ext uri="{FF2B5EF4-FFF2-40B4-BE49-F238E27FC236}">
+                <a16:creationId xmlns:a16="http://schemas.microsoft.com/office/drawing/2014/main" id="{4A02C928-3291-45D2-AE0A-6DCA2CCAB054}"/>
+              </a:ext>
+            </a:extLst>
+          </p:cNvPr>
+          <p:cNvCxnSpPr>
+            <a:cxnSpLocks/>
+          </p:cNvCxnSpPr>
+          <p:nvPr/>
+        </p:nvCxnSpPr>
+        <p:spPr>
+          <a:xfrm flipH="1">
+            <a:off x="2594194" y="3429000"/>
+            <a:ext cx="1529073" cy="0"/>
+          </a:xfrm>
+          <a:prstGeom prst="straightConnector1">
+            <a:avLst/>
+          </a:prstGeom>
+          <a:ln w="38100">
+            <a:solidFill>
+              <a:schemeClr val="bg1">
+                <a:lumMod val="75000"/>
+              </a:schemeClr>
+            </a:solidFill>
+            <a:headEnd type="triangle" w="med" len="med"/>
+            <a:tailEnd type="none" w="med" len="med"/>
+          </a:ln>
+        </p:spPr>
+        <p:style>
+          <a:lnRef idx="1">
+            <a:schemeClr val="accent1"/>
+          </a:lnRef>
+          <a:fillRef idx="0">
+            <a:schemeClr val="accent1"/>
+          </a:fillRef>
+          <a:effectRef idx="0">
+            <a:schemeClr val="accent1"/>
+          </a:effectRef>
+          <a:fontRef idx="minor">
+            <a:schemeClr val="tx1"/>
+          </a:fontRef>
+        </p:style>
+      </p:cxnSp>
+      <p:sp>
+        <p:nvSpPr>
+          <p:cNvPr id="38" name="Rounded Rectangle 3">
+            <a:extLst>
+              <a:ext uri="{FF2B5EF4-FFF2-40B4-BE49-F238E27FC236}">
+                <a16:creationId xmlns:a16="http://schemas.microsoft.com/office/drawing/2014/main" id="{6DEC7F72-7631-48C7-8470-8BA4F3FE5E2E}"/>
+              </a:ext>
+            </a:extLst>
+          </p:cNvPr>
+          <p:cNvSpPr/>
+          <p:nvPr/>
+        </p:nvSpPr>
+        <p:spPr>
+          <a:xfrm>
+            <a:off x="2167395" y="2557579"/>
+            <a:ext cx="2002987" cy="808208"/>
+          </a:xfrm>
+          <a:prstGeom prst="roundRect">
+            <a:avLst>
+              <a:gd name="adj" fmla="val 0"/>
+            </a:avLst>
+          </a:prstGeom>
+          <a:noFill/>
+          <a:ln w="12700" cap="flat" cmpd="sng" algn="ctr">
+            <a:noFill/>
+            <a:prstDash val="solid"/>
+            <a:miter lim="800000"/>
+          </a:ln>
+          <a:effectLst/>
+        </p:spPr>
+        <p:txBody>
+          <a:bodyPr rtlCol="0" anchor="b" anchorCtr="0"/>
           <a:lstStyle/>
           <a:p>
             <a:pPr algn="ctr" defTabSz="609585" fontAlgn="base">
@@ -21746,18 +24503,99 @@
               <a:defRPr/>
             </a:pPr>
             <a:r>
-              <a:rPr lang="en-US" sz="1600" b="1" dirty="0">
-                <a:solidFill>
-                  <a:srgbClr val="F79646">
-                    <a:lumMod val="50000"/>
-                  </a:srgbClr>
-                </a:solidFill>
-                <a:latin typeface="Arial"/>
+              <a:rPr lang="en-US" sz="1200" b="1" dirty="0">
+                <a:solidFill>
+                  <a:prstClr val="black"/>
+                </a:solidFill>
+                <a:latin typeface="Arial" panose="020B0604020202020204" pitchFamily="34" charset="0"/>
                 <a:ea typeface="ヒラギノ角ゴ Pro W3" pitchFamily="-126" charset="-128"/>
+                <a:cs typeface="Arial" panose="020B0604020202020204" pitchFamily="34" charset="0"/>
               </a:rPr>
-              <a:t>Server</a:t>
-            </a:r>
-          </a:p>
+              <a:t>CMS allows payer to offer MA plan</a:t>
+            </a:r>
+          </a:p>
+        </p:txBody>
+      </p:sp>
+      <p:cxnSp>
+        <p:nvCxnSpPr>
+          <p:cNvPr id="39" name="Straight Arrow Connector 38">
+            <a:extLst>
+              <a:ext uri="{FF2B5EF4-FFF2-40B4-BE49-F238E27FC236}">
+                <a16:creationId xmlns:a16="http://schemas.microsoft.com/office/drawing/2014/main" id="{7F924731-280C-4507-8CA6-D28D52C23F72}"/>
+              </a:ext>
+            </a:extLst>
+          </p:cNvPr>
+          <p:cNvCxnSpPr>
+            <a:cxnSpLocks/>
+          </p:cNvCxnSpPr>
+          <p:nvPr/>
+        </p:nvCxnSpPr>
+        <p:spPr>
+          <a:xfrm>
+            <a:off x="2594191" y="3676571"/>
+            <a:ext cx="1529076" cy="0"/>
+          </a:xfrm>
+          <a:prstGeom prst="straightConnector1">
+            <a:avLst/>
+          </a:prstGeom>
+          <a:ln w="38100">
+            <a:solidFill>
+              <a:schemeClr val="bg1">
+                <a:lumMod val="75000"/>
+              </a:schemeClr>
+            </a:solidFill>
+            <a:headEnd type="triangle" w="med" len="med"/>
+            <a:tailEnd type="none" w="med" len="med"/>
+          </a:ln>
+        </p:spPr>
+        <p:style>
+          <a:lnRef idx="1">
+            <a:schemeClr val="accent1"/>
+          </a:lnRef>
+          <a:fillRef idx="0">
+            <a:schemeClr val="accent1"/>
+          </a:fillRef>
+          <a:effectRef idx="0">
+            <a:schemeClr val="accent1"/>
+          </a:effectRef>
+          <a:fontRef idx="minor">
+            <a:schemeClr val="tx1"/>
+          </a:fontRef>
+        </p:style>
+      </p:cxnSp>
+      <p:sp>
+        <p:nvSpPr>
+          <p:cNvPr id="40" name="Rounded Rectangle 3">
+            <a:extLst>
+              <a:ext uri="{FF2B5EF4-FFF2-40B4-BE49-F238E27FC236}">
+                <a16:creationId xmlns:a16="http://schemas.microsoft.com/office/drawing/2014/main" id="{89FB3CA7-AFC2-4D51-BE81-EBE43508B846}"/>
+              </a:ext>
+            </a:extLst>
+          </p:cNvPr>
+          <p:cNvSpPr/>
+          <p:nvPr/>
+        </p:nvSpPr>
+        <p:spPr>
+          <a:xfrm>
+            <a:off x="9944936" y="3618221"/>
+            <a:ext cx="1869760" cy="652728"/>
+          </a:xfrm>
+          <a:prstGeom prst="roundRect">
+            <a:avLst>
+              <a:gd name="adj" fmla="val 0"/>
+            </a:avLst>
+          </a:prstGeom>
+          <a:noFill/>
+          <a:ln w="12700" cap="flat" cmpd="sng" algn="ctr">
+            <a:noFill/>
+            <a:prstDash val="solid"/>
+            <a:miter lim="800000"/>
+          </a:ln>
+          <a:effectLst/>
+        </p:spPr>
+        <p:txBody>
+          <a:bodyPr lIns="121920" tIns="60960" rIns="121920" bIns="60960" rtlCol="0" anchor="b" anchorCtr="0"/>
+          <a:lstStyle/>
           <a:p>
             <a:pPr algn="ctr" defTabSz="609585" fontAlgn="base">
               <a:spcBef>
@@ -21769,7 +24607,326 @@
               <a:defRPr/>
             </a:pPr>
             <a:r>
-              <a:rPr lang="en-US" sz="1600" b="1" dirty="0">
+              <a:rPr lang="en-US" sz="1200" b="1" dirty="0">
+                <a:solidFill>
+                  <a:prstClr val="black"/>
+                </a:solidFill>
+                <a:latin typeface="Arial" panose="020B0604020202020204" pitchFamily="34" charset="0"/>
+                <a:ea typeface="ヒラギノ角ゴ Pro W3" pitchFamily="-126" charset="-128"/>
+              </a:rPr>
+              <a:t>Provider group may schedule a visit with the patient</a:t>
+            </a:r>
+          </a:p>
+        </p:txBody>
+      </p:sp>
+      <p:sp>
+        <p:nvSpPr>
+          <p:cNvPr id="41" name="Rounded Rectangle 3">
+            <a:extLst>
+              <a:ext uri="{FF2B5EF4-FFF2-40B4-BE49-F238E27FC236}">
+                <a16:creationId xmlns:a16="http://schemas.microsoft.com/office/drawing/2014/main" id="{93419742-EA41-4935-B639-2E758B2480CE}"/>
+              </a:ext>
+            </a:extLst>
+          </p:cNvPr>
+          <p:cNvSpPr/>
+          <p:nvPr/>
+        </p:nvSpPr>
+        <p:spPr>
+          <a:xfrm>
+            <a:off x="8259322" y="3453303"/>
+            <a:ext cx="1705800" cy="803231"/>
+          </a:xfrm>
+          <a:prstGeom prst="roundRect">
+            <a:avLst>
+              <a:gd name="adj" fmla="val 0"/>
+            </a:avLst>
+          </a:prstGeom>
+          <a:noFill/>
+          <a:ln w="12700" cap="flat" cmpd="sng" algn="ctr">
+            <a:noFill/>
+            <a:prstDash val="solid"/>
+            <a:miter lim="800000"/>
+          </a:ln>
+          <a:effectLst/>
+        </p:spPr>
+        <p:txBody>
+          <a:bodyPr rtlCol="0" anchor="ctr" anchorCtr="0"/>
+          <a:lstStyle/>
+          <a:p>
+            <a:pPr algn="ctr" defTabSz="609585" fontAlgn="base">
+              <a:spcBef>
+                <a:spcPct val="0"/>
+              </a:spcBef>
+              <a:spcAft>
+                <a:spcPct val="0"/>
+              </a:spcAft>
+              <a:defRPr/>
+            </a:pPr>
+            <a:r>
+              <a:rPr lang="en-US" sz="1200" b="1" dirty="0">
+                <a:solidFill>
+                  <a:prstClr val="black"/>
+                </a:solidFill>
+                <a:latin typeface="Arial" panose="020B0604020202020204" pitchFamily="34" charset="0"/>
+                <a:ea typeface="ヒラギノ角ゴ Pro W3" pitchFamily="-126" charset="-128"/>
+                <a:cs typeface="Arial" panose="020B0604020202020204" pitchFamily="34" charset="0"/>
+              </a:rPr>
+              <a:t>Patient comes in and the appropriate codes get captured</a:t>
+            </a:r>
+          </a:p>
+        </p:txBody>
+      </p:sp>
+      <p:cxnSp>
+        <p:nvCxnSpPr>
+          <p:cNvPr id="42" name="Straight Arrow Connector 41">
+            <a:extLst>
+              <a:ext uri="{FF2B5EF4-FFF2-40B4-BE49-F238E27FC236}">
+                <a16:creationId xmlns:a16="http://schemas.microsoft.com/office/drawing/2014/main" id="{864EE59C-9E32-4468-8F5E-0D3BC2F1F405}"/>
+              </a:ext>
+            </a:extLst>
+          </p:cNvPr>
+          <p:cNvCxnSpPr>
+            <a:cxnSpLocks/>
+            <a:endCxn id="32" idx="1"/>
+          </p:cNvCxnSpPr>
+          <p:nvPr/>
+        </p:nvCxnSpPr>
+        <p:spPr>
+          <a:xfrm flipV="1">
+            <a:off x="6002989" y="3077272"/>
+            <a:ext cx="2826069" cy="1813446"/>
+          </a:xfrm>
+          <a:prstGeom prst="straightConnector1">
+            <a:avLst/>
+          </a:prstGeom>
+          <a:ln w="38100">
+            <a:solidFill>
+              <a:schemeClr val="bg1">
+                <a:lumMod val="75000"/>
+              </a:schemeClr>
+            </a:solidFill>
+            <a:headEnd type="triangle" w="med" len="med"/>
+            <a:tailEnd type="none" w="med" len="med"/>
+          </a:ln>
+        </p:spPr>
+        <p:style>
+          <a:lnRef idx="1">
+            <a:schemeClr val="accent1"/>
+          </a:lnRef>
+          <a:fillRef idx="0">
+            <a:schemeClr val="accent1"/>
+          </a:fillRef>
+          <a:effectRef idx="0">
+            <a:schemeClr val="accent1"/>
+          </a:effectRef>
+          <a:fontRef idx="minor">
+            <a:schemeClr val="tx1"/>
+          </a:fontRef>
+        </p:style>
+      </p:cxnSp>
+      <p:sp>
+        <p:nvSpPr>
+          <p:cNvPr id="43" name="Rounded Rectangle 3">
+            <a:extLst>
+              <a:ext uri="{FF2B5EF4-FFF2-40B4-BE49-F238E27FC236}">
+                <a16:creationId xmlns:a16="http://schemas.microsoft.com/office/drawing/2014/main" id="{CF99DBC3-EA4C-4379-B165-91BB61B50DAF}"/>
+              </a:ext>
+            </a:extLst>
+          </p:cNvPr>
+          <p:cNvSpPr/>
+          <p:nvPr/>
+        </p:nvSpPr>
+        <p:spPr>
+          <a:xfrm>
+            <a:off x="2247064" y="3739786"/>
+            <a:ext cx="2255153" cy="919687"/>
+          </a:xfrm>
+          <a:prstGeom prst="roundRect">
+            <a:avLst>
+              <a:gd name="adj" fmla="val 0"/>
+            </a:avLst>
+          </a:prstGeom>
+          <a:noFill/>
+          <a:ln w="12700" cap="flat" cmpd="sng" algn="ctr">
+            <a:noFill/>
+            <a:prstDash val="solid"/>
+            <a:miter lim="800000"/>
+          </a:ln>
+          <a:effectLst/>
+        </p:spPr>
+        <p:txBody>
+          <a:bodyPr rtlCol="0" anchor="ctr" anchorCtr="0"/>
+          <a:lstStyle/>
+          <a:p>
+            <a:pPr algn="ctr" defTabSz="609585" fontAlgn="base">
+              <a:spcBef>
+                <a:spcPct val="0"/>
+              </a:spcBef>
+              <a:spcAft>
+                <a:spcPct val="0"/>
+              </a:spcAft>
+              <a:defRPr/>
+            </a:pPr>
+            <a:r>
+              <a:rPr lang="en-US" sz="1200" b="1" dirty="0">
+                <a:solidFill>
+                  <a:prstClr val="black"/>
+                </a:solidFill>
+                <a:latin typeface="Arial" panose="020B0604020202020204" pitchFamily="34" charset="0"/>
+                <a:ea typeface="ヒラギノ角ゴ Pro W3" pitchFamily="-126" charset="-128"/>
+                <a:cs typeface="Arial" panose="020B0604020202020204" pitchFamily="34" charset="0"/>
+              </a:rPr>
+              <a:t>Payer sends codes to CMS for use in calculating appropriate monthly member premium</a:t>
+            </a:r>
+          </a:p>
+        </p:txBody>
+      </p:sp>
+      <p:sp>
+        <p:nvSpPr>
+          <p:cNvPr id="52" name="Rounded Rectangle 15">
+            <a:extLst>
+              <a:ext uri="{FF2B5EF4-FFF2-40B4-BE49-F238E27FC236}">
+                <a16:creationId xmlns:a16="http://schemas.microsoft.com/office/drawing/2014/main" id="{22C6AAF8-C3A5-4B46-B7CD-85F1D3E9DB03}"/>
+              </a:ext>
+            </a:extLst>
+          </p:cNvPr>
+          <p:cNvSpPr/>
+          <p:nvPr/>
+        </p:nvSpPr>
+        <p:spPr>
+          <a:xfrm>
+            <a:off x="9263348" y="5804889"/>
+            <a:ext cx="1363173" cy="681056"/>
+          </a:xfrm>
+          <a:prstGeom prst="roundRect">
+            <a:avLst>
+              <a:gd name="adj" fmla="val 0"/>
+            </a:avLst>
+          </a:prstGeom>
+          <a:noFill/>
+          <a:ln w="12700" cap="flat" cmpd="sng" algn="ctr">
+            <a:noFill/>
+            <a:prstDash val="solid"/>
+            <a:miter lim="800000"/>
+          </a:ln>
+          <a:effectLst/>
+        </p:spPr>
+        <p:txBody>
+          <a:bodyPr rtlCol="0" anchor="ctr" anchorCtr="0"/>
+          <a:lstStyle/>
+          <a:p>
+            <a:pPr algn="ctr" defTabSz="1219170">
+              <a:defRPr/>
+            </a:pPr>
+            <a:r>
+              <a:rPr lang="en-US" sz="1333" b="1" dirty="0">
+                <a:solidFill>
+                  <a:srgbClr val="C00000"/>
+                </a:solidFill>
+                <a:latin typeface="Arial"/>
+                <a:ea typeface="ヒラギノ角ゴ Pro W3" pitchFamily="-126" charset="-128"/>
+              </a:rPr>
+              <a:t>Patient</a:t>
+            </a:r>
+            <a:endParaRPr lang="en-US" sz="1333" b="1" kern="0" dirty="0">
+              <a:solidFill>
+                <a:srgbClr val="C00000"/>
+              </a:solidFill>
+              <a:latin typeface="Arial"/>
+              <a:ea typeface="ヒラギノ角ゴ Pro W3" pitchFamily="-126" charset="-128"/>
+            </a:endParaRPr>
+          </a:p>
+        </p:txBody>
+      </p:sp>
+      <p:sp>
+        <p:nvSpPr>
+          <p:cNvPr id="53" name="TextBox 52">
+            <a:extLst>
+              <a:ext uri="{FF2B5EF4-FFF2-40B4-BE49-F238E27FC236}">
+                <a16:creationId xmlns:a16="http://schemas.microsoft.com/office/drawing/2014/main" id="{BA5094DE-7D34-4FC5-82BA-BAF7A1628703}"/>
+              </a:ext>
+            </a:extLst>
+          </p:cNvPr>
+          <p:cNvSpPr txBox="1"/>
+          <p:nvPr/>
+        </p:nvSpPr>
+        <p:spPr>
+          <a:xfrm>
+            <a:off x="7212228" y="2395209"/>
+            <a:ext cx="1259821" cy="502573"/>
+          </a:xfrm>
+          <a:prstGeom prst="rect">
+            <a:avLst/>
+          </a:prstGeom>
+          <a:noFill/>
+        </p:spPr>
+        <p:txBody>
+          <a:bodyPr wrap="square" rtlCol="0">
+            <a:spAutoFit/>
+          </a:bodyPr>
+          <a:lstStyle/>
+          <a:p>
+            <a:pPr algn="ctr" defTabSz="609585" fontAlgn="base">
+              <a:spcBef>
+                <a:spcPct val="0"/>
+              </a:spcBef>
+              <a:spcAft>
+                <a:spcPct val="0"/>
+              </a:spcAft>
+              <a:defRPr/>
+            </a:pPr>
+            <a:r>
+              <a:rPr lang="en-US" sz="1333" b="1" dirty="0">
+                <a:solidFill>
+                  <a:srgbClr val="C00000"/>
+                </a:solidFill>
+                <a:latin typeface="Arial"/>
+                <a:ea typeface="ヒラギノ角ゴ Pro W3" pitchFamily="-126" charset="-128"/>
+              </a:rPr>
+              <a:t>Provider Group</a:t>
+            </a:r>
+          </a:p>
+        </p:txBody>
+      </p:sp>
+      <p:sp>
+        <p:nvSpPr>
+          <p:cNvPr id="54" name="TextBox 53">
+            <a:extLst>
+              <a:ext uri="{FF2B5EF4-FFF2-40B4-BE49-F238E27FC236}">
+                <a16:creationId xmlns:a16="http://schemas.microsoft.com/office/drawing/2014/main" id="{1BF9B401-9E22-49A1-8DA8-76E6172C43D0}"/>
+              </a:ext>
+            </a:extLst>
+          </p:cNvPr>
+          <p:cNvSpPr txBox="1"/>
+          <p:nvPr/>
+        </p:nvSpPr>
+        <p:spPr>
+          <a:xfrm>
+            <a:off x="3764497" y="2514002"/>
+            <a:ext cx="2115679" cy="297454"/>
+          </a:xfrm>
+          <a:prstGeom prst="rect">
+            <a:avLst/>
+          </a:prstGeom>
+          <a:noFill/>
+        </p:spPr>
+        <p:txBody>
+          <a:bodyPr wrap="square" rtlCol="0">
+            <a:spAutoFit/>
+          </a:bodyPr>
+          <a:lstStyle/>
+          <a:p>
+            <a:pPr algn="ctr" defTabSz="609585" fontAlgn="base">
+              <a:spcBef>
+                <a:spcPct val="0"/>
+              </a:spcBef>
+              <a:spcAft>
+                <a:spcPct val="0"/>
+              </a:spcAft>
+              <a:defRPr/>
+            </a:pPr>
+            <a:r>
+              <a:rPr lang="en-US" sz="1333" b="1" dirty="0">
                 <a:solidFill>
                   <a:srgbClr val="F79646">
                     <a:lumMod val="50000"/>
@@ -21778,17 +24935,17 @@
                 <a:latin typeface="Arial"/>
                 <a:ea typeface="ヒラギノ角ゴ Pro W3" pitchFamily="-126" charset="-128"/>
               </a:rPr>
-              <a:t>(example Payer)</a:t>
-            </a:r>
-          </a:p>
-        </p:txBody>
-      </p:sp>
-      <p:sp>
-        <p:nvSpPr>
-          <p:cNvPr id="8" name="Arrow: U-Turn 7">
-            <a:extLst>
-              <a:ext uri="{FF2B5EF4-FFF2-40B4-BE49-F238E27FC236}">
-                <a16:creationId xmlns:a16="http://schemas.microsoft.com/office/drawing/2014/main" id="{BBA494F5-C840-4276-B567-19F510FB3BE8}"/>
+              <a:t>Payer</a:t>
+            </a:r>
+          </a:p>
+        </p:txBody>
+      </p:sp>
+      <p:sp>
+        <p:nvSpPr>
+          <p:cNvPr id="2" name="Oval 1">
+            <a:extLst>
+              <a:ext uri="{FF2B5EF4-FFF2-40B4-BE49-F238E27FC236}">
+                <a16:creationId xmlns:a16="http://schemas.microsoft.com/office/drawing/2014/main" id="{5D0169D5-6BC7-48EA-B0F1-149FA0F465C3}"/>
               </a:ext>
             </a:extLst>
           </p:cNvPr>
@@ -21796,13 +24953,19 @@
           <p:nvPr/>
         </p:nvSpPr>
         <p:spPr>
-          <a:xfrm rot="10800000" flipH="1" flipV="1">
-            <a:off x="3604184" y="1851892"/>
-            <a:ext cx="4572963" cy="1202435"/>
-          </a:xfrm>
-          <a:prstGeom prst="uturnArrow">
+          <a:xfrm>
+            <a:off x="4414964" y="1657510"/>
+            <a:ext cx="3912321" cy="1917711"/>
+          </a:xfrm>
+          <a:prstGeom prst="ellipse">
             <a:avLst/>
           </a:prstGeom>
+          <a:noFill/>
+          <a:ln>
+            <a:solidFill>
+              <a:srgbClr val="00B050"/>
+            </a:solidFill>
+          </a:ln>
         </p:spPr>
         <p:style>
           <a:lnRef idx="1">
@@ -21822,21 +24985,319 @@
           <a:bodyPr rtlCol="0" anchor="ctr"/>
           <a:lstStyle/>
           <a:p>
-            <a:pPr algn="ctr"/>
-            <a:endParaRPr lang="en-US">
+            <a:pPr algn="ctr" defTabSz="609585" fontAlgn="base">
+              <a:spcBef>
+                <a:spcPct val="0"/>
+              </a:spcBef>
+              <a:spcAft>
+                <a:spcPct val="0"/>
+              </a:spcAft>
+            </a:pPr>
+            <a:endParaRPr lang="en-US" sz="2400" dirty="0">
               <a:solidFill>
-                <a:schemeClr val="tx1"/>
+                <a:prstClr val="white"/>
               </a:solidFill>
+              <a:latin typeface="Arial"/>
             </a:endParaRPr>
           </a:p>
         </p:txBody>
       </p:sp>
       <p:sp>
         <p:nvSpPr>
-          <p:cNvPr id="13" name="Arrow: U-Turn 12">
-            <a:extLst>
-              <a:ext uri="{FF2B5EF4-FFF2-40B4-BE49-F238E27FC236}">
-                <a16:creationId xmlns:a16="http://schemas.microsoft.com/office/drawing/2014/main" id="{174416F3-D18D-44B8-B799-1F518BBC5027}"/>
+          <p:cNvPr id="3" name="TextBox 2">
+            <a:extLst>
+              <a:ext uri="{FF2B5EF4-FFF2-40B4-BE49-F238E27FC236}">
+                <a16:creationId xmlns:a16="http://schemas.microsoft.com/office/drawing/2014/main" id="{C58EE0DD-6D0B-4581-BB37-C408CD8456B4}"/>
+              </a:ext>
+            </a:extLst>
+          </p:cNvPr>
+          <p:cNvSpPr txBox="1"/>
+          <p:nvPr/>
+        </p:nvSpPr>
+        <p:spPr>
+          <a:xfrm>
+            <a:off x="5645918" y="1674039"/>
+            <a:ext cx="764953" cy="338554"/>
+          </a:xfrm>
+          <a:prstGeom prst="rect">
+            <a:avLst/>
+          </a:prstGeom>
+          <a:noFill/>
+        </p:spPr>
+        <p:txBody>
+          <a:bodyPr wrap="none" rtlCol="0">
+            <a:spAutoFit/>
+          </a:bodyPr>
+          <a:lstStyle/>
+          <a:p>
+            <a:pPr defTabSz="609585" fontAlgn="base">
+              <a:spcBef>
+                <a:spcPct val="0"/>
+              </a:spcBef>
+              <a:spcAft>
+                <a:spcPct val="0"/>
+              </a:spcAft>
+            </a:pPr>
+            <a:r>
+              <a:rPr lang="en-US" sz="1600" dirty="0">
+                <a:solidFill>
+                  <a:srgbClr val="00B050"/>
+                </a:solidFill>
+                <a:latin typeface="Arial" panose="020B0604020202020204" pitchFamily="34" charset="0"/>
+                <a:ea typeface="ヒラギノ角ゴ Pro W3" pitchFamily="-126" charset="-128"/>
+              </a:rPr>
+              <a:t>STU 1</a:t>
+            </a:r>
+          </a:p>
+        </p:txBody>
+      </p:sp>
+      <p:pic>
+        <p:nvPicPr>
+          <p:cNvPr id="45" name="Graphic 44">
+            <a:extLst>
+              <a:ext uri="{FF2B5EF4-FFF2-40B4-BE49-F238E27FC236}">
+                <a16:creationId xmlns:a16="http://schemas.microsoft.com/office/drawing/2014/main" id="{EF8BA341-F28F-4CAC-84E6-0369C91D6B9D}"/>
+              </a:ext>
+            </a:extLst>
+          </p:cNvPr>
+          <p:cNvPicPr>
+            <a:picLocks noChangeAspect="1"/>
+          </p:cNvPicPr>
+          <p:nvPr/>
+        </p:nvPicPr>
+        <p:blipFill>
+          <a:blip r:embed="rId7">
+            <a:extLst>
+              <a:ext uri="{96DAC541-7B7A-43D3-8B79-37D633B846F1}">
+                <asvg:svgBlip xmlns:asvg="http://schemas.microsoft.com/office/drawing/2016/SVG/main" r:embed="rId8"/>
+              </a:ext>
+            </a:extLst>
+          </a:blip>
+          <a:stretch>
+            <a:fillRect/>
+          </a:stretch>
+        </p:blipFill>
+        <p:spPr>
+          <a:xfrm>
+            <a:off x="4466258" y="5221374"/>
+            <a:ext cx="814124" cy="899821"/>
+          </a:xfrm>
+          <a:prstGeom prst="rect">
+            <a:avLst/>
+          </a:prstGeom>
+        </p:spPr>
+      </p:pic>
+      <p:pic>
+        <p:nvPicPr>
+          <p:cNvPr id="46" name="Graphic 45" descr="Microscope outline">
+            <a:extLst>
+              <a:ext uri="{FF2B5EF4-FFF2-40B4-BE49-F238E27FC236}">
+                <a16:creationId xmlns:a16="http://schemas.microsoft.com/office/drawing/2014/main" id="{A8735016-A45E-4FA7-9A6C-A472745BFE22}"/>
+              </a:ext>
+            </a:extLst>
+          </p:cNvPr>
+          <p:cNvPicPr>
+            <a:picLocks noChangeAspect="1"/>
+          </p:cNvPicPr>
+          <p:nvPr/>
+        </p:nvPicPr>
+        <p:blipFill>
+          <a:blip r:embed="rId12">
+            <a:extLst>
+              <a:ext uri="{28A0092B-C50C-407E-A947-70E740481C1C}">
+                <a14:useLocalDpi xmlns:a14="http://schemas.microsoft.com/office/drawing/2010/main" val="0"/>
+              </a:ext>
+              <a:ext uri="{96DAC541-7B7A-43D3-8B79-37D633B846F1}">
+                <asvg:svgBlip xmlns:asvg="http://schemas.microsoft.com/office/drawing/2016/SVG/main" r:embed="rId13"/>
+              </a:ext>
+            </a:extLst>
+          </a:blip>
+          <a:stretch>
+            <a:fillRect/>
+          </a:stretch>
+        </p:blipFill>
+        <p:spPr>
+          <a:xfrm>
+            <a:off x="2530626" y="5207722"/>
+            <a:ext cx="914400" cy="914400"/>
+          </a:xfrm>
+          <a:prstGeom prst="rect">
+            <a:avLst/>
+          </a:prstGeom>
+        </p:spPr>
+      </p:pic>
+      <p:cxnSp>
+        <p:nvCxnSpPr>
+          <p:cNvPr id="47" name="Straight Arrow Connector 46">
+            <a:extLst>
+              <a:ext uri="{FF2B5EF4-FFF2-40B4-BE49-F238E27FC236}">
+                <a16:creationId xmlns:a16="http://schemas.microsoft.com/office/drawing/2014/main" id="{F0B9FBCB-09F4-408F-AEB5-E5D1A016BE63}"/>
+              </a:ext>
+            </a:extLst>
+          </p:cNvPr>
+          <p:cNvCxnSpPr>
+            <a:cxnSpLocks/>
+          </p:cNvCxnSpPr>
+          <p:nvPr/>
+        </p:nvCxnSpPr>
+        <p:spPr>
+          <a:xfrm flipV="1">
+            <a:off x="9951344" y="4214933"/>
+            <a:ext cx="965002" cy="971582"/>
+          </a:xfrm>
+          <a:prstGeom prst="straightConnector1">
+            <a:avLst/>
+          </a:prstGeom>
+          <a:ln w="38100">
+            <a:solidFill>
+              <a:schemeClr val="bg1">
+                <a:lumMod val="75000"/>
+              </a:schemeClr>
+            </a:solidFill>
+            <a:headEnd type="triangle" w="med" len="med"/>
+            <a:tailEnd type="none" w="med" len="med"/>
+          </a:ln>
+        </p:spPr>
+        <p:style>
+          <a:lnRef idx="1">
+            <a:schemeClr val="accent1"/>
+          </a:lnRef>
+          <a:fillRef idx="0">
+            <a:schemeClr val="accent1"/>
+          </a:fillRef>
+          <a:effectRef idx="0">
+            <a:schemeClr val="accent1"/>
+          </a:effectRef>
+          <a:fontRef idx="minor">
+            <a:schemeClr val="tx1"/>
+          </a:fontRef>
+        </p:style>
+      </p:cxnSp>
+      <p:cxnSp>
+        <p:nvCxnSpPr>
+          <p:cNvPr id="48" name="Straight Arrow Connector 47">
+            <a:extLst>
+              <a:ext uri="{FF2B5EF4-FFF2-40B4-BE49-F238E27FC236}">
+                <a16:creationId xmlns:a16="http://schemas.microsoft.com/office/drawing/2014/main" id="{579C8660-292B-4923-948A-4C74F1BB3BAE}"/>
+              </a:ext>
+            </a:extLst>
+          </p:cNvPr>
+          <p:cNvCxnSpPr>
+            <a:cxnSpLocks/>
+          </p:cNvCxnSpPr>
+          <p:nvPr/>
+        </p:nvCxnSpPr>
+        <p:spPr>
+          <a:xfrm flipH="1">
+            <a:off x="4649386" y="3983391"/>
+            <a:ext cx="146198" cy="1117568"/>
+          </a:xfrm>
+          <a:prstGeom prst="straightConnector1">
+            <a:avLst/>
+          </a:prstGeom>
+          <a:ln w="38100">
+            <a:solidFill>
+              <a:schemeClr val="bg1">
+                <a:lumMod val="75000"/>
+              </a:schemeClr>
+            </a:solidFill>
+            <a:headEnd type="triangle" w="med" len="med"/>
+            <a:tailEnd type="none" w="med" len="med"/>
+          </a:ln>
+        </p:spPr>
+        <p:style>
+          <a:lnRef idx="1">
+            <a:schemeClr val="accent1"/>
+          </a:lnRef>
+          <a:fillRef idx="0">
+            <a:schemeClr val="accent1"/>
+          </a:fillRef>
+          <a:effectRef idx="0">
+            <a:schemeClr val="accent1"/>
+          </a:effectRef>
+          <a:fontRef idx="minor">
+            <a:schemeClr val="tx1"/>
+          </a:fontRef>
+        </p:style>
+      </p:cxnSp>
+      <p:pic>
+        <p:nvPicPr>
+          <p:cNvPr id="50" name="Graphic 49">
+            <a:extLst>
+              <a:ext uri="{FF2B5EF4-FFF2-40B4-BE49-F238E27FC236}">
+                <a16:creationId xmlns:a16="http://schemas.microsoft.com/office/drawing/2014/main" id="{86DF99FA-6065-4F47-AFC5-7DF64B218D66}"/>
+              </a:ext>
+            </a:extLst>
+          </p:cNvPr>
+          <p:cNvPicPr>
+            <a:picLocks noChangeAspect="1"/>
+          </p:cNvPicPr>
+          <p:nvPr/>
+        </p:nvPicPr>
+        <p:blipFill>
+          <a:blip r:embed="rId5">
+            <a:extLst>
+              <a:ext uri="{96DAC541-7B7A-43D3-8B79-37D633B846F1}">
+                <asvg:svgBlip xmlns:asvg="http://schemas.microsoft.com/office/drawing/2016/SVG/main" r:embed="rId6"/>
+              </a:ext>
+            </a:extLst>
+          </a:blip>
+          <a:stretch>
+            <a:fillRect/>
+          </a:stretch>
+        </p:blipFill>
+        <p:spPr>
+          <a:xfrm>
+            <a:off x="5515718" y="5144072"/>
+            <a:ext cx="659817" cy="996459"/>
+          </a:xfrm>
+          <a:prstGeom prst="rect">
+            <a:avLst/>
+          </a:prstGeom>
+        </p:spPr>
+      </p:pic>
+      <p:pic>
+        <p:nvPicPr>
+          <p:cNvPr id="55" name="Graphic 54">
+            <a:extLst>
+              <a:ext uri="{FF2B5EF4-FFF2-40B4-BE49-F238E27FC236}">
+                <a16:creationId xmlns:a16="http://schemas.microsoft.com/office/drawing/2014/main" id="{5D4A3B1F-66CC-40AA-80EB-AFAB436B166B}"/>
+              </a:ext>
+            </a:extLst>
+          </p:cNvPr>
+          <p:cNvPicPr>
+            <a:picLocks noChangeAspect="1"/>
+          </p:cNvPicPr>
+          <p:nvPr/>
+        </p:nvPicPr>
+        <p:blipFill>
+          <a:blip r:embed="rId14">
+            <a:extLst>
+              <a:ext uri="{96DAC541-7B7A-43D3-8B79-37D633B846F1}">
+                <asvg:svgBlip xmlns:asvg="http://schemas.microsoft.com/office/drawing/2016/SVG/main" r:embed="rId15"/>
+              </a:ext>
+            </a:extLst>
+          </a:blip>
+          <a:stretch>
+            <a:fillRect/>
+          </a:stretch>
+        </p:blipFill>
+        <p:spPr>
+          <a:xfrm>
+            <a:off x="1732391" y="5186515"/>
+            <a:ext cx="659817" cy="996459"/>
+          </a:xfrm>
+          <a:prstGeom prst="rect">
+            <a:avLst/>
+          </a:prstGeom>
+        </p:spPr>
+      </p:pic>
+      <p:sp>
+        <p:nvSpPr>
+          <p:cNvPr id="22" name="Rectangle 21">
+            <a:extLst>
+              <a:ext uri="{FF2B5EF4-FFF2-40B4-BE49-F238E27FC236}">
+                <a16:creationId xmlns:a16="http://schemas.microsoft.com/office/drawing/2014/main" id="{E05D57A9-C026-4189-BA85-066DAF1A2485}"/>
               </a:ext>
             </a:extLst>
           </p:cNvPr>
@@ -21844,11 +25305,11 @@
           <p:nvPr/>
         </p:nvSpPr>
         <p:spPr>
-          <a:xfrm rot="10800000">
-            <a:off x="3531047" y="3933241"/>
-            <a:ext cx="4472642" cy="1202435"/>
-          </a:xfrm>
-          <a:prstGeom prst="uturnArrow">
+          <a:xfrm>
+            <a:off x="2722880" y="4916314"/>
+            <a:ext cx="2579605" cy="270201"/>
+          </a:xfrm>
+          <a:prstGeom prst="rect">
             <a:avLst/>
           </a:prstGeom>
         </p:spPr>
@@ -21871,128 +25332,56 @@
           <a:lstStyle/>
           <a:p>
             <a:pPr algn="ctr"/>
-            <a:endParaRPr lang="en-US">
-              <a:solidFill>
-                <a:schemeClr val="tx1"/>
-              </a:solidFill>
-            </a:endParaRPr>
-          </a:p>
-        </p:txBody>
-      </p:sp>
-      <p:sp>
-        <p:nvSpPr>
-          <p:cNvPr id="14" name="Rectangle 13">
-            <a:extLst>
-              <a:ext uri="{FF2B5EF4-FFF2-40B4-BE49-F238E27FC236}">
-                <a16:creationId xmlns:a16="http://schemas.microsoft.com/office/drawing/2014/main" id="{330FFA72-BBBD-4DBC-800E-90E49E5C0B79}"/>
-              </a:ext>
-            </a:extLst>
-          </p:cNvPr>
-          <p:cNvSpPr/>
+            <a:r>
+              <a:rPr lang="en-US" dirty="0"/>
+              <a:t>Payer Data on File</a:t>
+            </a:r>
+          </a:p>
+        </p:txBody>
+      </p:sp>
+      <p:pic>
+        <p:nvPicPr>
+          <p:cNvPr id="62" name="Graphic 61" descr="Medicine with solid fill">
+            <a:extLst>
+              <a:ext uri="{FF2B5EF4-FFF2-40B4-BE49-F238E27FC236}">
+                <a16:creationId xmlns:a16="http://schemas.microsoft.com/office/drawing/2014/main" id="{FF5549DF-3B55-4924-9628-49E08F228496}"/>
+              </a:ext>
+            </a:extLst>
+          </p:cNvPr>
+          <p:cNvPicPr>
+            <a:picLocks noChangeAspect="1"/>
+          </p:cNvPicPr>
           <p:nvPr/>
-        </p:nvSpPr>
-        <p:spPr>
-          <a:xfrm>
-            <a:off x="4878367" y="1693366"/>
-            <a:ext cx="1778000" cy="598013"/>
+        </p:nvPicPr>
+        <p:blipFill>
+          <a:blip r:embed="rId16">
+            <a:extLst>
+              <a:ext uri="{28A0092B-C50C-407E-A947-70E740481C1C}">
+                <a14:useLocalDpi xmlns:a14="http://schemas.microsoft.com/office/drawing/2010/main" val="0"/>
+              </a:ext>
+              <a:ext uri="{96DAC541-7B7A-43D3-8B79-37D633B846F1}">
+                <asvg:svgBlip xmlns:asvg="http://schemas.microsoft.com/office/drawing/2016/SVG/main" r:embed="rId17"/>
+              </a:ext>
+            </a:extLst>
+          </a:blip>
+          <a:stretch>
+            <a:fillRect/>
+          </a:stretch>
+        </p:blipFill>
+        <p:spPr>
+          <a:xfrm>
+            <a:off x="3487139" y="5276201"/>
+            <a:ext cx="914400" cy="914400"/>
           </a:xfrm>
           <a:prstGeom prst="rect">
             <a:avLst/>
           </a:prstGeom>
-          <a:solidFill>
-            <a:schemeClr val="bg1"/>
-          </a:solidFill>
-        </p:spPr>
-        <p:style>
-          <a:lnRef idx="1">
-            <a:schemeClr val="accent1"/>
-          </a:lnRef>
-          <a:fillRef idx="3">
-            <a:schemeClr val="accent1"/>
-          </a:fillRef>
-          <a:effectRef idx="2">
-            <a:schemeClr val="accent1"/>
-          </a:effectRef>
-          <a:fontRef idx="minor">
-            <a:schemeClr val="lt1"/>
-          </a:fontRef>
-        </p:style>
-        <p:txBody>
-          <a:bodyPr rtlCol="0" anchor="ctr"/>
-          <a:lstStyle/>
-          <a:p>
-            <a:pPr algn="ctr"/>
-            <a:r>
-              <a:rPr lang="en-US" sz="1600" b="1" dirty="0">
-                <a:solidFill>
-                  <a:schemeClr val="tx1"/>
-                </a:solidFill>
-              </a:rPr>
-              <a:t>$report</a:t>
-            </a:r>
-          </a:p>
-        </p:txBody>
-      </p:sp>
-      <p:sp>
-        <p:nvSpPr>
-          <p:cNvPr id="16" name="Rectangle 15">
-            <a:extLst>
-              <a:ext uri="{FF2B5EF4-FFF2-40B4-BE49-F238E27FC236}">
-                <a16:creationId xmlns:a16="http://schemas.microsoft.com/office/drawing/2014/main" id="{6908AAC3-35FE-4372-8B8E-78FD5F752EEB}"/>
-              </a:ext>
-            </a:extLst>
-          </p:cNvPr>
-          <p:cNvSpPr/>
-          <p:nvPr/>
-        </p:nvSpPr>
-        <p:spPr>
-          <a:xfrm>
-            <a:off x="4880094" y="4665336"/>
-            <a:ext cx="2021142" cy="658153"/>
-          </a:xfrm>
-          <a:prstGeom prst="rect">
-            <a:avLst/>
-          </a:prstGeom>
-          <a:solidFill>
-            <a:schemeClr val="bg1"/>
-          </a:solidFill>
-        </p:spPr>
-        <p:style>
-          <a:lnRef idx="1">
-            <a:schemeClr val="accent1"/>
-          </a:lnRef>
-          <a:fillRef idx="3">
-            <a:schemeClr val="accent1"/>
-          </a:fillRef>
-          <a:effectRef idx="2">
-            <a:schemeClr val="accent1"/>
-          </a:effectRef>
-          <a:fontRef idx="minor">
-            <a:schemeClr val="lt1"/>
-          </a:fontRef>
-        </p:style>
-        <p:txBody>
-          <a:bodyPr rtlCol="0" anchor="ctr"/>
-          <a:lstStyle/>
-          <a:p>
-            <a:pPr algn="ctr"/>
-            <a:r>
-              <a:rPr lang="en-US" sz="1400" b="1" dirty="0">
-                <a:solidFill>
-                  <a:schemeClr val="tx1"/>
-                </a:solidFill>
-                <a:latin typeface="Arial" panose="020B0604020202020204" pitchFamily="34" charset="0"/>
-                <a:cs typeface="Arial" panose="020B0604020202020204" pitchFamily="34" charset="0"/>
-              </a:rPr>
-              <a:t>Risk Adjustment Coding Gap Reports</a:t>
-            </a:r>
-          </a:p>
-        </p:txBody>
-      </p:sp>
+        </p:spPr>
+      </p:pic>
     </p:spTree>
     <p:extLst>
       <p:ext uri="{BB962C8B-B14F-4D97-AF65-F5344CB8AC3E}">
-        <p14:creationId xmlns:p14="http://schemas.microsoft.com/office/powerpoint/2010/main" val="841643404"/>
+        <p14:creationId xmlns:p14="http://schemas.microsoft.com/office/powerpoint/2010/main" val="3931672537"/>
       </p:ext>
     </p:extLst>
   </p:cSld>
@@ -22021,10 +25410,38 @@
       </p:grpSpPr>
       <p:sp>
         <p:nvSpPr>
-          <p:cNvPr id="2" name="Footer Placeholder 1">
-            <a:extLst>
-              <a:ext uri="{FF2B5EF4-FFF2-40B4-BE49-F238E27FC236}">
-                <a16:creationId xmlns:a16="http://schemas.microsoft.com/office/drawing/2014/main" id="{67613D0C-21FF-445C-8A61-522FC6EF2821}"/>
+          <p:cNvPr id="2" name="Title 1">
+            <a:extLst>
+              <a:ext uri="{FF2B5EF4-FFF2-40B4-BE49-F238E27FC236}">
+                <a16:creationId xmlns:a16="http://schemas.microsoft.com/office/drawing/2014/main" id="{D839B762-5734-44CA-BA78-76FD98019C0D}"/>
+              </a:ext>
+            </a:extLst>
+          </p:cNvPr>
+          <p:cNvSpPr>
+            <a:spLocks noGrp="1"/>
+          </p:cNvSpPr>
+          <p:nvPr>
+            <p:ph type="title"/>
+          </p:nvPr>
+        </p:nvSpPr>
+        <p:spPr/>
+        <p:txBody>
+          <a:bodyPr/>
+          <a:lstStyle/>
+          <a:p>
+            <a:r>
+              <a:rPr lang="en-US" dirty="0"/>
+              <a:t>Example Risk Adjustment Report</a:t>
+            </a:r>
+          </a:p>
+        </p:txBody>
+      </p:sp>
+      <p:sp>
+        <p:nvSpPr>
+          <p:cNvPr id="4" name="Footer Placeholder 3">
+            <a:extLst>
+              <a:ext uri="{FF2B5EF4-FFF2-40B4-BE49-F238E27FC236}">
+                <a16:creationId xmlns:a16="http://schemas.microsoft.com/office/drawing/2014/main" id="{C18F18B0-D93F-44AA-9787-691A06C0D216}"/>
               </a:ext>
             </a:extLst>
           </p:cNvPr>
@@ -22040,26 +25457,51 @@
           <a:bodyPr/>
           <a:lstStyle/>
           <a:p>
-            <a:r>
-              <a:rPr lang="en-US" b="1"/>
+            <a:pPr defTabSz="609585" fontAlgn="base">
+              <a:spcBef>
+                <a:spcPct val="0"/>
+              </a:spcBef>
+              <a:spcAft>
+                <a:spcPct val="0"/>
+              </a:spcAft>
+            </a:pPr>
+            <a:r>
+              <a:rPr lang="en-US" b="1">
+                <a:latin typeface="Arial" panose="020B0604020202020204" pitchFamily="34" charset="0"/>
+                <a:ea typeface="ヒラギノ角ゴ Pro W3" pitchFamily="-126" charset="-128"/>
+              </a:rPr>
               <a:t>© 2019 Health Level Seven ® International. Licensed under Creative Commons Attribution 4.0 International</a:t>
             </a:r>
           </a:p>
           <a:p>
-            <a:r>
-              <a:rPr lang="en-US" b="1"/>
+            <a:pPr defTabSz="609585" fontAlgn="base">
+              <a:spcBef>
+                <a:spcPct val="0"/>
+              </a:spcBef>
+              <a:spcAft>
+                <a:spcPct val="0"/>
+              </a:spcAft>
+            </a:pPr>
+            <a:r>
+              <a:rPr lang="en-US" b="1">
+                <a:latin typeface="Arial" panose="020B0604020202020204" pitchFamily="34" charset="0"/>
+                <a:ea typeface="ヒラギノ角ゴ Pro W3" pitchFamily="-126" charset="-128"/>
+              </a:rPr>
               <a:t>HL7, Health Level Seven, FHIR and the FHIR flame logo are registered trademarks of Health Level Seven International. Reg. U.S. TM Office.</a:t>
             </a:r>
-            <a:endParaRPr lang="en-US" b="1" dirty="0"/>
-          </a:p>
-        </p:txBody>
-      </p:sp>
-      <p:sp>
-        <p:nvSpPr>
-          <p:cNvPr id="3" name="Slide Number Placeholder 2">
-            <a:extLst>
-              <a:ext uri="{FF2B5EF4-FFF2-40B4-BE49-F238E27FC236}">
-                <a16:creationId xmlns:a16="http://schemas.microsoft.com/office/drawing/2014/main" id="{885B4913-2A0A-4D07-9844-3EA1D67CFB4E}"/>
+            <a:endParaRPr lang="en-US" b="1" dirty="0">
+              <a:latin typeface="Arial" panose="020B0604020202020204" pitchFamily="34" charset="0"/>
+              <a:ea typeface="ヒラギノ角ゴ Pro W3" pitchFamily="-126" charset="-128"/>
+            </a:endParaRPr>
+          </a:p>
+        </p:txBody>
+      </p:sp>
+      <p:sp>
+        <p:nvSpPr>
+          <p:cNvPr id="5" name="Slide Number Placeholder 4">
+            <a:extLst>
+              <a:ext uri="{FF2B5EF4-FFF2-40B4-BE49-F238E27FC236}">
+                <a16:creationId xmlns:a16="http://schemas.microsoft.com/office/drawing/2014/main" id="{8536C7B4-DF79-45E4-A016-77A29D38BF35}"/>
               </a:ext>
             </a:extLst>
           </p:cNvPr>
@@ -22075,10 +25517,747 @@
           <a:bodyPr/>
           <a:lstStyle/>
           <a:p>
+            <a:pPr defTabSz="609585" fontAlgn="base">
+              <a:spcBef>
+                <a:spcPct val="0"/>
+              </a:spcBef>
+              <a:spcAft>
+                <a:spcPct val="0"/>
+              </a:spcAft>
+            </a:pPr>
+            <a:fld id="{6CACE926-AEF5-4BFE-8BD7-24414108CB7B}" type="slidenum">
+              <a:rPr lang="en-US" altLang="en-US">
+                <a:solidFill>
+                  <a:prstClr val="black"/>
+                </a:solidFill>
+                <a:latin typeface="Arial" panose="020B0604020202020204" pitchFamily="34" charset="0"/>
+                <a:ea typeface="ヒラギノ角ゴ Pro W3" pitchFamily="-126" charset="-128"/>
+              </a:rPr>
+              <a:pPr defTabSz="609585" fontAlgn="base">
+                <a:spcBef>
+                  <a:spcPct val="0"/>
+                </a:spcBef>
+                <a:spcAft>
+                  <a:spcPct val="0"/>
+                </a:spcAft>
+              </a:pPr>
+              <a:t>7</a:t>
+            </a:fld>
+            <a:endParaRPr lang="en-US" altLang="en-US" dirty="0">
+              <a:solidFill>
+                <a:prstClr val="black"/>
+              </a:solidFill>
+              <a:latin typeface="Arial" panose="020B0604020202020204" pitchFamily="34" charset="0"/>
+              <a:ea typeface="ヒラギノ角ゴ Pro W3" pitchFamily="-126" charset="-128"/>
+            </a:endParaRPr>
+          </a:p>
+        </p:txBody>
+      </p:sp>
+      <p:pic>
+        <p:nvPicPr>
+          <p:cNvPr id="7" name="Picture 6">
+            <a:extLst>
+              <a:ext uri="{FF2B5EF4-FFF2-40B4-BE49-F238E27FC236}">
+                <a16:creationId xmlns:a16="http://schemas.microsoft.com/office/drawing/2014/main" id="{A550DA12-3A5E-41B1-AC70-AB0E4A5610EE}"/>
+              </a:ext>
+            </a:extLst>
+          </p:cNvPr>
+          <p:cNvPicPr>
+            <a:picLocks noChangeAspect="1"/>
+          </p:cNvPicPr>
+          <p:nvPr/>
+        </p:nvPicPr>
+        <p:blipFill>
+          <a:blip r:embed="rId3">
+            <a:extLst>
+              <a:ext uri="{28A0092B-C50C-407E-A947-70E740481C1C}">
+                <a14:useLocalDpi xmlns:a14="http://schemas.microsoft.com/office/drawing/2010/main" val="0"/>
+              </a:ext>
+            </a:extLst>
+          </a:blip>
+          <a:stretch>
+            <a:fillRect/>
+          </a:stretch>
+        </p:blipFill>
+        <p:spPr>
+          <a:xfrm>
+            <a:off x="3062977" y="1035815"/>
+            <a:ext cx="6066046" cy="5822185"/>
+          </a:xfrm>
+          <a:prstGeom prst="rect">
+            <a:avLst/>
+          </a:prstGeom>
+        </p:spPr>
+      </p:pic>
+    </p:spTree>
+    <p:extLst>
+      <p:ext uri="{BB962C8B-B14F-4D97-AF65-F5344CB8AC3E}">
+        <p14:creationId xmlns:p14="http://schemas.microsoft.com/office/powerpoint/2010/main" val="4285956358"/>
+      </p:ext>
+    </p:extLst>
+  </p:cSld>
+  <p:clrMapOvr>
+    <a:masterClrMapping/>
+  </p:clrMapOvr>
+</p:sld>
+</file>
+
+<file path=ppt/slides/slide8.xml><?xml version="1.0" encoding="utf-8"?>
+<p:sld xmlns:a="http://schemas.openxmlformats.org/drawingml/2006/main" xmlns:r="http://schemas.openxmlformats.org/officeDocument/2006/relationships" xmlns:p="http://schemas.openxmlformats.org/presentationml/2006/main">
+  <p:cSld>
+    <p:spTree>
+      <p:nvGrpSpPr>
+        <p:cNvPr id="1" name=""/>
+        <p:cNvGrpSpPr/>
+        <p:nvPr/>
+      </p:nvGrpSpPr>
+      <p:grpSpPr>
+        <a:xfrm>
+          <a:off x="0" y="0"/>
+          <a:ext cx="0" cy="0"/>
+          <a:chOff x="0" y="0"/>
+          <a:chExt cx="0" cy="0"/>
+        </a:xfrm>
+      </p:grpSpPr>
+      <p:sp>
+        <p:nvSpPr>
+          <p:cNvPr id="2" name="Title 1">
+            <a:extLst>
+              <a:ext uri="{FF2B5EF4-FFF2-40B4-BE49-F238E27FC236}">
+                <a16:creationId xmlns:a16="http://schemas.microsoft.com/office/drawing/2014/main" id="{DE4FC254-7E84-4C1E-B2B1-8F45C616E91E}"/>
+              </a:ext>
+            </a:extLst>
+          </p:cNvPr>
+          <p:cNvSpPr>
+            <a:spLocks noGrp="1"/>
+          </p:cNvSpPr>
+          <p:nvPr>
+            <p:ph type="title"/>
+          </p:nvPr>
+        </p:nvSpPr>
+        <p:spPr/>
+        <p:txBody>
+          <a:bodyPr/>
+          <a:lstStyle/>
+          <a:p>
+            <a:r>
+              <a:rPr lang="en-US"/>
+              <a:t>Figure 1-3 (Home page)</a:t>
+            </a:r>
+            <a:endParaRPr lang="en-US" dirty="0"/>
+          </a:p>
+        </p:txBody>
+      </p:sp>
+      <p:sp>
+        <p:nvSpPr>
+          <p:cNvPr id="3" name="Text Placeholder 2">
+            <a:extLst>
+              <a:ext uri="{FF2B5EF4-FFF2-40B4-BE49-F238E27FC236}">
+                <a16:creationId xmlns:a16="http://schemas.microsoft.com/office/drawing/2014/main" id="{4025DF32-5ADE-4348-8F51-B2255B4D83D2}"/>
+              </a:ext>
+            </a:extLst>
+          </p:cNvPr>
+          <p:cNvSpPr>
+            <a:spLocks noGrp="1"/>
+          </p:cNvSpPr>
+          <p:nvPr>
+            <p:ph type="body" sz="quarter" idx="13"/>
+          </p:nvPr>
+        </p:nvSpPr>
+        <p:spPr/>
+        <p:txBody>
+          <a:bodyPr/>
+          <a:lstStyle/>
+          <a:p>
+            <a:pPr marL="0" indent="0">
+              <a:buNone/>
+            </a:pPr>
+            <a:r>
+              <a:rPr lang="en-US" dirty="0"/>
+              <a:t> </a:t>
+            </a:r>
+          </a:p>
+        </p:txBody>
+      </p:sp>
+      <p:sp>
+        <p:nvSpPr>
+          <p:cNvPr id="4" name="Footer Placeholder 3">
+            <a:extLst>
+              <a:ext uri="{FF2B5EF4-FFF2-40B4-BE49-F238E27FC236}">
+                <a16:creationId xmlns:a16="http://schemas.microsoft.com/office/drawing/2014/main" id="{6F1D9FDC-5EC9-421B-B816-669D4CBA8D03}"/>
+              </a:ext>
+            </a:extLst>
+          </p:cNvPr>
+          <p:cNvSpPr>
+            <a:spLocks noGrp="1"/>
+          </p:cNvSpPr>
+          <p:nvPr>
+            <p:ph type="ftr" sz="quarter" idx="10"/>
+          </p:nvPr>
+        </p:nvSpPr>
+        <p:spPr/>
+        <p:txBody>
+          <a:bodyPr/>
+          <a:lstStyle/>
+          <a:p>
+            <a:r>
+              <a:rPr lang="en-US" b="1"/>
+              <a:t>© 2019 Health Level Seven ® International. Licensed under Creative Commons Attribution 4.0 International</a:t>
+            </a:r>
+          </a:p>
+          <a:p>
+            <a:r>
+              <a:rPr lang="en-US" b="1"/>
+              <a:t>HL7, Health Level Seven, FHIR and the FHIR flame logo are registered trademarks of Health Level Seven International. Reg. U.S. TM Office.</a:t>
+            </a:r>
+            <a:endParaRPr lang="en-US" b="1" dirty="0"/>
+          </a:p>
+        </p:txBody>
+      </p:sp>
+      <p:sp>
+        <p:nvSpPr>
+          <p:cNvPr id="5" name="Slide Number Placeholder 4">
+            <a:extLst>
+              <a:ext uri="{FF2B5EF4-FFF2-40B4-BE49-F238E27FC236}">
+                <a16:creationId xmlns:a16="http://schemas.microsoft.com/office/drawing/2014/main" id="{ABC91477-8158-43AE-8C67-AA1E9785A906}"/>
+              </a:ext>
+            </a:extLst>
+          </p:cNvPr>
+          <p:cNvSpPr>
+            <a:spLocks noGrp="1"/>
+          </p:cNvSpPr>
+          <p:nvPr>
+            <p:ph type="sldNum" sz="quarter" idx="11"/>
+          </p:nvPr>
+        </p:nvSpPr>
+        <p:spPr/>
+        <p:txBody>
+          <a:bodyPr/>
+          <a:lstStyle/>
+          <a:p>
             <a:fld id="{6CACE926-AEF5-4BFE-8BD7-24414108CB7B}" type="slidenum">
               <a:rPr lang="en-US" altLang="en-US" smtClean="0"/>
               <a:pPr/>
-              <a:t>7</a:t>
+              <a:t>8</a:t>
+            </a:fld>
+            <a:endParaRPr lang="en-US" altLang="en-US" dirty="0"/>
+          </a:p>
+        </p:txBody>
+      </p:sp>
+      <p:pic>
+        <p:nvPicPr>
+          <p:cNvPr id="6" name="Graphic 5">
+            <a:extLst>
+              <a:ext uri="{FF2B5EF4-FFF2-40B4-BE49-F238E27FC236}">
+                <a16:creationId xmlns:a16="http://schemas.microsoft.com/office/drawing/2014/main" id="{842186CE-C3CB-491F-B90D-334B74F93238}"/>
+              </a:ext>
+            </a:extLst>
+          </p:cNvPr>
+          <p:cNvPicPr>
+            <a:picLocks noChangeAspect="1"/>
+          </p:cNvPicPr>
+          <p:nvPr/>
+        </p:nvPicPr>
+        <p:blipFill>
+          <a:blip r:embed="rId3">
+            <a:extLst>
+              <a:ext uri="{96DAC541-7B7A-43D3-8B79-37D633B846F1}">
+                <asvg:svgBlip xmlns:asvg="http://schemas.microsoft.com/office/drawing/2016/SVG/main" r:embed="rId4"/>
+              </a:ext>
+            </a:extLst>
+          </a:blip>
+          <a:stretch>
+            <a:fillRect/>
+          </a:stretch>
+        </p:blipFill>
+        <p:spPr>
+          <a:xfrm>
+            <a:off x="3428016" y="3173224"/>
+            <a:ext cx="659817" cy="996459"/>
+          </a:xfrm>
+          <a:prstGeom prst="rect">
+            <a:avLst/>
+          </a:prstGeom>
+        </p:spPr>
+      </p:pic>
+      <p:pic>
+        <p:nvPicPr>
+          <p:cNvPr id="7" name="Graphic 6">
+            <a:extLst>
+              <a:ext uri="{FF2B5EF4-FFF2-40B4-BE49-F238E27FC236}">
+                <a16:creationId xmlns:a16="http://schemas.microsoft.com/office/drawing/2014/main" id="{3E4BF30F-2D52-4FA7-8B6E-989427E65C55}"/>
+              </a:ext>
+            </a:extLst>
+          </p:cNvPr>
+          <p:cNvPicPr>
+            <a:picLocks noChangeAspect="1"/>
+          </p:cNvPicPr>
+          <p:nvPr/>
+        </p:nvPicPr>
+        <p:blipFill>
+          <a:blip r:embed="rId5">
+            <a:extLst>
+              <a:ext uri="{96DAC541-7B7A-43D3-8B79-37D633B846F1}">
+                <asvg:svgBlip xmlns:asvg="http://schemas.microsoft.com/office/drawing/2016/SVG/main" r:embed="rId6"/>
+              </a:ext>
+            </a:extLst>
+          </a:blip>
+          <a:stretch>
+            <a:fillRect/>
+          </a:stretch>
+        </p:blipFill>
+        <p:spPr>
+          <a:xfrm>
+            <a:off x="7464510" y="2979089"/>
+            <a:ext cx="814124" cy="899821"/>
+          </a:xfrm>
+          <a:prstGeom prst="rect">
+            <a:avLst/>
+          </a:prstGeom>
+        </p:spPr>
+      </p:pic>
+      <p:sp>
+        <p:nvSpPr>
+          <p:cNvPr id="9" name="TextBox 8">
+            <a:extLst>
+              <a:ext uri="{FF2B5EF4-FFF2-40B4-BE49-F238E27FC236}">
+                <a16:creationId xmlns:a16="http://schemas.microsoft.com/office/drawing/2014/main" id="{F400E8FA-0292-4288-B1BB-DA58B38789C1}"/>
+              </a:ext>
+            </a:extLst>
+          </p:cNvPr>
+          <p:cNvSpPr txBox="1"/>
+          <p:nvPr/>
+        </p:nvSpPr>
+        <p:spPr>
+          <a:xfrm>
+            <a:off x="1368638" y="3121037"/>
+            <a:ext cx="2162408" cy="584775"/>
+          </a:xfrm>
+          <a:prstGeom prst="rect">
+            <a:avLst/>
+          </a:prstGeom>
+          <a:noFill/>
+        </p:spPr>
+        <p:txBody>
+          <a:bodyPr wrap="square" rtlCol="0">
+            <a:spAutoFit/>
+          </a:bodyPr>
+          <a:lstStyle/>
+          <a:p>
+            <a:pPr algn="ctr" defTabSz="609585" fontAlgn="base">
+              <a:spcBef>
+                <a:spcPct val="0"/>
+              </a:spcBef>
+              <a:spcAft>
+                <a:spcPct val="0"/>
+              </a:spcAft>
+              <a:defRPr/>
+            </a:pPr>
+            <a:r>
+              <a:rPr lang="en-US" sz="1600" b="1" dirty="0">
+                <a:solidFill>
+                  <a:srgbClr val="C00000"/>
+                </a:solidFill>
+                <a:latin typeface="Arial"/>
+                <a:ea typeface="ヒラギノ角ゴ Pro W3" pitchFamily="-126" charset="-128"/>
+              </a:rPr>
+              <a:t>Client</a:t>
+            </a:r>
+          </a:p>
+          <a:p>
+            <a:pPr algn="ctr" defTabSz="609585" fontAlgn="base">
+              <a:spcBef>
+                <a:spcPct val="0"/>
+              </a:spcBef>
+              <a:spcAft>
+                <a:spcPct val="0"/>
+              </a:spcAft>
+              <a:defRPr/>
+            </a:pPr>
+            <a:r>
+              <a:rPr lang="en-US" sz="1600" b="1" dirty="0">
+                <a:solidFill>
+                  <a:srgbClr val="C00000"/>
+                </a:solidFill>
+                <a:latin typeface="Arial"/>
+                <a:ea typeface="ヒラギノ角ゴ Pro W3" pitchFamily="-126" charset="-128"/>
+              </a:rPr>
+              <a:t>(example Provider)</a:t>
+            </a:r>
+          </a:p>
+        </p:txBody>
+      </p:sp>
+      <p:sp>
+        <p:nvSpPr>
+          <p:cNvPr id="10" name="TextBox 9">
+            <a:extLst>
+              <a:ext uri="{FF2B5EF4-FFF2-40B4-BE49-F238E27FC236}">
+                <a16:creationId xmlns:a16="http://schemas.microsoft.com/office/drawing/2014/main" id="{984AE2E2-20A9-4B44-A58D-4BBB1DF61213}"/>
+              </a:ext>
+            </a:extLst>
+          </p:cNvPr>
+          <p:cNvSpPr txBox="1"/>
+          <p:nvPr/>
+        </p:nvSpPr>
+        <p:spPr>
+          <a:xfrm>
+            <a:off x="8076248" y="3100638"/>
+            <a:ext cx="2115679" cy="584775"/>
+          </a:xfrm>
+          <a:prstGeom prst="rect">
+            <a:avLst/>
+          </a:prstGeom>
+          <a:noFill/>
+        </p:spPr>
+        <p:txBody>
+          <a:bodyPr wrap="square" rtlCol="0">
+            <a:spAutoFit/>
+          </a:bodyPr>
+          <a:lstStyle/>
+          <a:p>
+            <a:pPr algn="ctr" defTabSz="609585" fontAlgn="base">
+              <a:spcBef>
+                <a:spcPct val="0"/>
+              </a:spcBef>
+              <a:spcAft>
+                <a:spcPct val="0"/>
+              </a:spcAft>
+              <a:defRPr/>
+            </a:pPr>
+            <a:r>
+              <a:rPr lang="en-US" sz="1600" b="1" dirty="0">
+                <a:solidFill>
+                  <a:srgbClr val="F79646">
+                    <a:lumMod val="50000"/>
+                  </a:srgbClr>
+                </a:solidFill>
+                <a:latin typeface="Arial"/>
+                <a:ea typeface="ヒラギノ角ゴ Pro W3" pitchFamily="-126" charset="-128"/>
+              </a:rPr>
+              <a:t>Server</a:t>
+            </a:r>
+          </a:p>
+          <a:p>
+            <a:pPr algn="ctr" defTabSz="609585" fontAlgn="base">
+              <a:spcBef>
+                <a:spcPct val="0"/>
+              </a:spcBef>
+              <a:spcAft>
+                <a:spcPct val="0"/>
+              </a:spcAft>
+              <a:defRPr/>
+            </a:pPr>
+            <a:r>
+              <a:rPr lang="en-US" sz="1600" b="1" dirty="0">
+                <a:solidFill>
+                  <a:srgbClr val="F79646">
+                    <a:lumMod val="50000"/>
+                  </a:srgbClr>
+                </a:solidFill>
+                <a:latin typeface="Arial"/>
+                <a:ea typeface="ヒラギノ角ゴ Pro W3" pitchFamily="-126" charset="-128"/>
+              </a:rPr>
+              <a:t>(example Payer)</a:t>
+            </a:r>
+          </a:p>
+        </p:txBody>
+      </p:sp>
+      <p:sp>
+        <p:nvSpPr>
+          <p:cNvPr id="8" name="Arrow: U-Turn 7">
+            <a:extLst>
+              <a:ext uri="{FF2B5EF4-FFF2-40B4-BE49-F238E27FC236}">
+                <a16:creationId xmlns:a16="http://schemas.microsoft.com/office/drawing/2014/main" id="{BBA494F5-C840-4276-B567-19F510FB3BE8}"/>
+              </a:ext>
+            </a:extLst>
+          </p:cNvPr>
+          <p:cNvSpPr/>
+          <p:nvPr/>
+        </p:nvSpPr>
+        <p:spPr>
+          <a:xfrm rot="10800000" flipH="1" flipV="1">
+            <a:off x="3604184" y="1851892"/>
+            <a:ext cx="4572963" cy="1202435"/>
+          </a:xfrm>
+          <a:prstGeom prst="uturnArrow">
+            <a:avLst/>
+          </a:prstGeom>
+        </p:spPr>
+        <p:style>
+          <a:lnRef idx="1">
+            <a:schemeClr val="accent1"/>
+          </a:lnRef>
+          <a:fillRef idx="3">
+            <a:schemeClr val="accent1"/>
+          </a:fillRef>
+          <a:effectRef idx="2">
+            <a:schemeClr val="accent1"/>
+          </a:effectRef>
+          <a:fontRef idx="minor">
+            <a:schemeClr val="lt1"/>
+          </a:fontRef>
+        </p:style>
+        <p:txBody>
+          <a:bodyPr rtlCol="0" anchor="ctr"/>
+          <a:lstStyle/>
+          <a:p>
+            <a:pPr algn="ctr"/>
+            <a:endParaRPr lang="en-US">
+              <a:solidFill>
+                <a:schemeClr val="tx1"/>
+              </a:solidFill>
+            </a:endParaRPr>
+          </a:p>
+        </p:txBody>
+      </p:sp>
+      <p:sp>
+        <p:nvSpPr>
+          <p:cNvPr id="13" name="Arrow: U-Turn 12">
+            <a:extLst>
+              <a:ext uri="{FF2B5EF4-FFF2-40B4-BE49-F238E27FC236}">
+                <a16:creationId xmlns:a16="http://schemas.microsoft.com/office/drawing/2014/main" id="{174416F3-D18D-44B8-B799-1F518BBC5027}"/>
+              </a:ext>
+            </a:extLst>
+          </p:cNvPr>
+          <p:cNvSpPr/>
+          <p:nvPr/>
+        </p:nvSpPr>
+        <p:spPr>
+          <a:xfrm rot="10800000">
+            <a:off x="3531047" y="3933241"/>
+            <a:ext cx="4472642" cy="1202435"/>
+          </a:xfrm>
+          <a:prstGeom prst="uturnArrow">
+            <a:avLst/>
+          </a:prstGeom>
+        </p:spPr>
+        <p:style>
+          <a:lnRef idx="1">
+            <a:schemeClr val="accent1"/>
+          </a:lnRef>
+          <a:fillRef idx="3">
+            <a:schemeClr val="accent1"/>
+          </a:fillRef>
+          <a:effectRef idx="2">
+            <a:schemeClr val="accent1"/>
+          </a:effectRef>
+          <a:fontRef idx="minor">
+            <a:schemeClr val="lt1"/>
+          </a:fontRef>
+        </p:style>
+        <p:txBody>
+          <a:bodyPr rtlCol="0" anchor="ctr"/>
+          <a:lstStyle/>
+          <a:p>
+            <a:pPr algn="ctr"/>
+            <a:endParaRPr lang="en-US">
+              <a:solidFill>
+                <a:schemeClr val="tx1"/>
+              </a:solidFill>
+            </a:endParaRPr>
+          </a:p>
+        </p:txBody>
+      </p:sp>
+      <p:sp>
+        <p:nvSpPr>
+          <p:cNvPr id="14" name="Rectangle 13">
+            <a:extLst>
+              <a:ext uri="{FF2B5EF4-FFF2-40B4-BE49-F238E27FC236}">
+                <a16:creationId xmlns:a16="http://schemas.microsoft.com/office/drawing/2014/main" id="{330FFA72-BBBD-4DBC-800E-90E49E5C0B79}"/>
+              </a:ext>
+            </a:extLst>
+          </p:cNvPr>
+          <p:cNvSpPr/>
+          <p:nvPr/>
+        </p:nvSpPr>
+        <p:spPr>
+          <a:xfrm>
+            <a:off x="4878367" y="1693366"/>
+            <a:ext cx="1778000" cy="598013"/>
+          </a:xfrm>
+          <a:prstGeom prst="rect">
+            <a:avLst/>
+          </a:prstGeom>
+          <a:solidFill>
+            <a:schemeClr val="bg1"/>
+          </a:solidFill>
+        </p:spPr>
+        <p:style>
+          <a:lnRef idx="1">
+            <a:schemeClr val="accent1"/>
+          </a:lnRef>
+          <a:fillRef idx="3">
+            <a:schemeClr val="accent1"/>
+          </a:fillRef>
+          <a:effectRef idx="2">
+            <a:schemeClr val="accent1"/>
+          </a:effectRef>
+          <a:fontRef idx="minor">
+            <a:schemeClr val="lt1"/>
+          </a:fontRef>
+        </p:style>
+        <p:txBody>
+          <a:bodyPr rtlCol="0" anchor="ctr"/>
+          <a:lstStyle/>
+          <a:p>
+            <a:pPr algn="ctr"/>
+            <a:r>
+              <a:rPr lang="en-US" sz="1600" b="1" dirty="0">
+                <a:solidFill>
+                  <a:schemeClr val="tx1"/>
+                </a:solidFill>
+              </a:rPr>
+              <a:t>$report</a:t>
+            </a:r>
+          </a:p>
+        </p:txBody>
+      </p:sp>
+      <p:sp>
+        <p:nvSpPr>
+          <p:cNvPr id="16" name="Rectangle 15">
+            <a:extLst>
+              <a:ext uri="{FF2B5EF4-FFF2-40B4-BE49-F238E27FC236}">
+                <a16:creationId xmlns:a16="http://schemas.microsoft.com/office/drawing/2014/main" id="{6908AAC3-35FE-4372-8B8E-78FD5F752EEB}"/>
+              </a:ext>
+            </a:extLst>
+          </p:cNvPr>
+          <p:cNvSpPr/>
+          <p:nvPr/>
+        </p:nvSpPr>
+        <p:spPr>
+          <a:xfrm>
+            <a:off x="4880094" y="4665336"/>
+            <a:ext cx="2021142" cy="658153"/>
+          </a:xfrm>
+          <a:prstGeom prst="rect">
+            <a:avLst/>
+          </a:prstGeom>
+          <a:solidFill>
+            <a:schemeClr val="bg1"/>
+          </a:solidFill>
+        </p:spPr>
+        <p:style>
+          <a:lnRef idx="1">
+            <a:schemeClr val="accent1"/>
+          </a:lnRef>
+          <a:fillRef idx="3">
+            <a:schemeClr val="accent1"/>
+          </a:fillRef>
+          <a:effectRef idx="2">
+            <a:schemeClr val="accent1"/>
+          </a:effectRef>
+          <a:fontRef idx="minor">
+            <a:schemeClr val="lt1"/>
+          </a:fontRef>
+        </p:style>
+        <p:txBody>
+          <a:bodyPr rtlCol="0" anchor="ctr"/>
+          <a:lstStyle/>
+          <a:p>
+            <a:pPr algn="ctr"/>
+            <a:r>
+              <a:rPr lang="en-US" sz="1400" b="1" dirty="0">
+                <a:solidFill>
+                  <a:schemeClr val="tx1"/>
+                </a:solidFill>
+                <a:latin typeface="Arial" panose="020B0604020202020204" pitchFamily="34" charset="0"/>
+                <a:cs typeface="Arial" panose="020B0604020202020204" pitchFamily="34" charset="0"/>
+              </a:rPr>
+              <a:t>Risk Adjustment Coding Gap Reports</a:t>
+            </a:r>
+          </a:p>
+        </p:txBody>
+      </p:sp>
+    </p:spTree>
+    <p:extLst>
+      <p:ext uri="{BB962C8B-B14F-4D97-AF65-F5344CB8AC3E}">
+        <p14:creationId xmlns:p14="http://schemas.microsoft.com/office/powerpoint/2010/main" val="841643404"/>
+      </p:ext>
+    </p:extLst>
+  </p:cSld>
+  <p:clrMapOvr>
+    <a:masterClrMapping/>
+  </p:clrMapOvr>
+</p:sld>
+</file>
+
+<file path=ppt/slides/slide9.xml><?xml version="1.0" encoding="utf-8"?>
+<p:sld xmlns:a="http://schemas.openxmlformats.org/drawingml/2006/main" xmlns:r="http://schemas.openxmlformats.org/officeDocument/2006/relationships" xmlns:p="http://schemas.openxmlformats.org/presentationml/2006/main">
+  <p:cSld>
+    <p:spTree>
+      <p:nvGrpSpPr>
+        <p:cNvPr id="1" name=""/>
+        <p:cNvGrpSpPr/>
+        <p:nvPr/>
+      </p:nvGrpSpPr>
+      <p:grpSpPr>
+        <a:xfrm>
+          <a:off x="0" y="0"/>
+          <a:ext cx="0" cy="0"/>
+          <a:chOff x="0" y="0"/>
+          <a:chExt cx="0" cy="0"/>
+        </a:xfrm>
+      </p:grpSpPr>
+      <p:sp>
+        <p:nvSpPr>
+          <p:cNvPr id="2" name="Footer Placeholder 1">
+            <a:extLst>
+              <a:ext uri="{FF2B5EF4-FFF2-40B4-BE49-F238E27FC236}">
+                <a16:creationId xmlns:a16="http://schemas.microsoft.com/office/drawing/2014/main" id="{67613D0C-21FF-445C-8A61-522FC6EF2821}"/>
+              </a:ext>
+            </a:extLst>
+          </p:cNvPr>
+          <p:cNvSpPr>
+            <a:spLocks noGrp="1"/>
+          </p:cNvSpPr>
+          <p:nvPr>
+            <p:ph type="ftr" sz="quarter" idx="10"/>
+          </p:nvPr>
+        </p:nvSpPr>
+        <p:spPr/>
+        <p:txBody>
+          <a:bodyPr/>
+          <a:lstStyle/>
+          <a:p>
+            <a:r>
+              <a:rPr lang="en-US" b="1"/>
+              <a:t>© 2019 Health Level Seven ® International. Licensed under Creative Commons Attribution 4.0 International</a:t>
+            </a:r>
+          </a:p>
+          <a:p>
+            <a:r>
+              <a:rPr lang="en-US" b="1"/>
+              <a:t>HL7, Health Level Seven, FHIR and the FHIR flame logo are registered trademarks of Health Level Seven International. Reg. U.S. TM Office.</a:t>
+            </a:r>
+            <a:endParaRPr lang="en-US" b="1" dirty="0"/>
+          </a:p>
+        </p:txBody>
+      </p:sp>
+      <p:sp>
+        <p:nvSpPr>
+          <p:cNvPr id="3" name="Slide Number Placeholder 2">
+            <a:extLst>
+              <a:ext uri="{FF2B5EF4-FFF2-40B4-BE49-F238E27FC236}">
+                <a16:creationId xmlns:a16="http://schemas.microsoft.com/office/drawing/2014/main" id="{885B4913-2A0A-4D07-9844-3EA1D67CFB4E}"/>
+              </a:ext>
+            </a:extLst>
+          </p:cNvPr>
+          <p:cNvSpPr>
+            <a:spLocks noGrp="1"/>
+          </p:cNvSpPr>
+          <p:nvPr>
+            <p:ph type="sldNum" sz="quarter" idx="11"/>
+          </p:nvPr>
+        </p:nvSpPr>
+        <p:spPr/>
+        <p:txBody>
+          <a:bodyPr/>
+          <a:lstStyle/>
+          <a:p>
+            <a:fld id="{6CACE926-AEF5-4BFE-8BD7-24414108CB7B}" type="slidenum">
+              <a:rPr lang="en-US" altLang="en-US" smtClean="0"/>
+              <a:pPr/>
+              <a:t>9</a:t>
             </a:fld>
             <a:endParaRPr lang="en-US" altLang="en-US" dirty="0"/>
           </a:p>
@@ -25437,179 +29616,6 @@
     <p:extLst>
       <p:ext uri="{BB962C8B-B14F-4D97-AF65-F5344CB8AC3E}">
         <p14:creationId xmlns:p14="http://schemas.microsoft.com/office/powerpoint/2010/main" val="1489137117"/>
-      </p:ext>
-    </p:extLst>
-  </p:cSld>
-  <p:clrMapOvr>
-    <a:masterClrMapping/>
-  </p:clrMapOvr>
-</p:sld>
-</file>
-
-<file path=ppt/slides/slide8.xml><?xml version="1.0" encoding="utf-8"?>
-<p:sld xmlns:a="http://schemas.openxmlformats.org/drawingml/2006/main" xmlns:r="http://schemas.openxmlformats.org/officeDocument/2006/relationships" xmlns:p="http://schemas.openxmlformats.org/presentationml/2006/main">
-  <p:cSld>
-    <p:spTree>
-      <p:nvGrpSpPr>
-        <p:cNvPr id="1" name=""/>
-        <p:cNvGrpSpPr/>
-        <p:nvPr/>
-      </p:nvGrpSpPr>
-      <p:grpSpPr>
-        <a:xfrm>
-          <a:off x="0" y="0"/>
-          <a:ext cx="0" cy="0"/>
-          <a:chOff x="0" y="0"/>
-          <a:chExt cx="0" cy="0"/>
-        </a:xfrm>
-      </p:grpSpPr>
-      <p:sp>
-        <p:nvSpPr>
-          <p:cNvPr id="2" name="Title 1">
-            <a:extLst>
-              <a:ext uri="{FF2B5EF4-FFF2-40B4-BE49-F238E27FC236}">
-                <a16:creationId xmlns:a16="http://schemas.microsoft.com/office/drawing/2014/main" id="{EAFD3DE7-0219-45E4-80C3-649D2F20F1CA}"/>
-              </a:ext>
-            </a:extLst>
-          </p:cNvPr>
-          <p:cNvSpPr>
-            <a:spLocks noGrp="1"/>
-          </p:cNvSpPr>
-          <p:nvPr>
-            <p:ph type="title"/>
-          </p:nvPr>
-        </p:nvSpPr>
-        <p:spPr/>
-        <p:txBody>
-          <a:bodyPr>
-            <a:normAutofit/>
-          </a:bodyPr>
-          <a:lstStyle/>
-          <a:p>
-            <a:r>
-              <a:rPr lang="en-US" sz="3600" dirty="0"/>
-              <a:t>Risk Adjustment Coding Gap Report (Single Patient)</a:t>
-            </a:r>
-          </a:p>
-        </p:txBody>
-      </p:sp>
-      <p:pic>
-        <p:nvPicPr>
-          <p:cNvPr id="3" name="Picture 2">
-            <a:extLst>
-              <a:ext uri="{FF2B5EF4-FFF2-40B4-BE49-F238E27FC236}">
-                <a16:creationId xmlns:a16="http://schemas.microsoft.com/office/drawing/2014/main" id="{7BD6F338-751B-41B7-A1C7-5059E3FC5D07}"/>
-              </a:ext>
-            </a:extLst>
-          </p:cNvPr>
-          <p:cNvPicPr>
-            <a:picLocks noChangeAspect="1"/>
-          </p:cNvPicPr>
-          <p:nvPr/>
-        </p:nvPicPr>
-        <p:blipFill>
-          <a:blip r:embed="rId3"/>
-          <a:stretch>
-            <a:fillRect/>
-          </a:stretch>
-        </p:blipFill>
-        <p:spPr>
-          <a:xfrm>
-            <a:off x="1477880" y="1497162"/>
-            <a:ext cx="9236240" cy="3863675"/>
-          </a:xfrm>
-          <a:prstGeom prst="rect">
-            <a:avLst/>
-          </a:prstGeom>
-        </p:spPr>
-      </p:pic>
-    </p:spTree>
-    <p:extLst>
-      <p:ext uri="{BB962C8B-B14F-4D97-AF65-F5344CB8AC3E}">
-        <p14:creationId xmlns:p14="http://schemas.microsoft.com/office/powerpoint/2010/main" val="2554652219"/>
-      </p:ext>
-    </p:extLst>
-  </p:cSld>
-  <p:clrMapOvr>
-    <a:masterClrMapping/>
-  </p:clrMapOvr>
-</p:sld>
-</file>
-
-<file path=ppt/slides/slide9.xml><?xml version="1.0" encoding="utf-8"?>
-<p:sld xmlns:a="http://schemas.openxmlformats.org/drawingml/2006/main" xmlns:r="http://schemas.openxmlformats.org/officeDocument/2006/relationships" xmlns:p="http://schemas.openxmlformats.org/presentationml/2006/main">
-  <p:cSld>
-    <p:spTree>
-      <p:nvGrpSpPr>
-        <p:cNvPr id="1" name=""/>
-        <p:cNvGrpSpPr/>
-        <p:nvPr/>
-      </p:nvGrpSpPr>
-      <p:grpSpPr>
-        <a:xfrm>
-          <a:off x="0" y="0"/>
-          <a:ext cx="0" cy="0"/>
-          <a:chOff x="0" y="0"/>
-          <a:chExt cx="0" cy="0"/>
-        </a:xfrm>
-      </p:grpSpPr>
-      <p:sp>
-        <p:nvSpPr>
-          <p:cNvPr id="2" name="Title 1">
-            <a:extLst>
-              <a:ext uri="{FF2B5EF4-FFF2-40B4-BE49-F238E27FC236}">
-                <a16:creationId xmlns:a16="http://schemas.microsoft.com/office/drawing/2014/main" id="{53418D1A-52BF-46AF-A383-E397DB5CB828}"/>
-              </a:ext>
-            </a:extLst>
-          </p:cNvPr>
-          <p:cNvSpPr>
-            <a:spLocks noGrp="1"/>
-          </p:cNvSpPr>
-          <p:nvPr>
-            <p:ph type="title"/>
-          </p:nvPr>
-        </p:nvSpPr>
-        <p:spPr/>
-        <p:txBody>
-          <a:bodyPr/>
-          <a:lstStyle/>
-          <a:p>
-            <a:r>
-              <a:rPr lang="en-US" dirty="0"/>
-              <a:t>Multiple Measure Reports</a:t>
-            </a:r>
-          </a:p>
-        </p:txBody>
-      </p:sp>
-      <p:sp>
-        <p:nvSpPr>
-          <p:cNvPr id="3" name="Content Placeholder 2">
-            <a:extLst>
-              <a:ext uri="{FF2B5EF4-FFF2-40B4-BE49-F238E27FC236}">
-                <a16:creationId xmlns:a16="http://schemas.microsoft.com/office/drawing/2014/main" id="{9D8DD8C6-DD1F-4ADE-A56D-92DA7F694DD6}"/>
-              </a:ext>
-            </a:extLst>
-          </p:cNvPr>
-          <p:cNvSpPr>
-            <a:spLocks noGrp="1"/>
-          </p:cNvSpPr>
-          <p:nvPr>
-            <p:ph idx="1"/>
-          </p:nvPr>
-        </p:nvSpPr>
-        <p:spPr/>
-        <p:txBody>
-          <a:bodyPr/>
-          <a:lstStyle/>
-          <a:p>
-            <a:endParaRPr lang="en-US"/>
-          </a:p>
-        </p:txBody>
-      </p:sp>
-    </p:spTree>
-    <p:extLst>
-      <p:ext uri="{BB962C8B-B14F-4D97-AF65-F5344CB8AC3E}">
-        <p14:creationId xmlns:p14="http://schemas.microsoft.com/office/powerpoint/2010/main" val="2271221613"/>
       </p:ext>
     </p:extLst>
   </p:cSld>

--- a/input/images/Source/Risk Adjustment Images.pptx
+++ b/input/images/Source/Risk Adjustment Images.pptx
@@ -6,25 +6,26 @@
     <p:sldMasterId id="2147483660" r:id="rId2"/>
   </p:sldMasterIdLst>
   <p:notesMasterIdLst>
-    <p:notesMasterId r:id="rId19"/>
+    <p:notesMasterId r:id="rId20"/>
   </p:notesMasterIdLst>
   <p:sldIdLst>
     <p:sldId id="256" r:id="rId3"/>
     <p:sldId id="273" r:id="rId4"/>
     <p:sldId id="2970" r:id="rId5"/>
     <p:sldId id="267" r:id="rId6"/>
-    <p:sldId id="2977" r:id="rId7"/>
-    <p:sldId id="2978" r:id="rId8"/>
-    <p:sldId id="2973" r:id="rId9"/>
-    <p:sldId id="2971" r:id="rId10"/>
+    <p:sldId id="2986" r:id="rId7"/>
+    <p:sldId id="2973" r:id="rId8"/>
+    <p:sldId id="2985" r:id="rId9"/>
+    <p:sldId id="2984" r:id="rId10"/>
     <p:sldId id="2976" r:id="rId11"/>
     <p:sldId id="2969" r:id="rId12"/>
     <p:sldId id="2968" r:id="rId13"/>
     <p:sldId id="2967" r:id="rId14"/>
     <p:sldId id="2972" r:id="rId15"/>
-    <p:sldId id="268" r:id="rId16"/>
-    <p:sldId id="2966" r:id="rId17"/>
-    <p:sldId id="2975" r:id="rId18"/>
+    <p:sldId id="2971" r:id="rId16"/>
+    <p:sldId id="268" r:id="rId17"/>
+    <p:sldId id="2966" r:id="rId18"/>
+    <p:sldId id="2975" r:id="rId19"/>
   </p:sldIdLst>
   <p:sldSz cx="12192000" cy="6858000"/>
   <p:notesSz cx="6858000" cy="9144000"/>
@@ -213,7 +214,7 @@
           <a:p>
             <a:fld id="{4337D45E-38B5-4093-B633-D3DDCA61416C}" type="datetimeFigureOut">
               <a:rPr lang="en-US" smtClean="0"/>
-              <a:t>1/31/2022</a:t>
+              <a:t>2/18/2022</a:t>
             </a:fld>
             <a:endParaRPr lang="en-US"/>
           </a:p>
@@ -653,15 +654,7 @@
           <a:p>
             <a:r>
               <a:rPr lang="en-US" dirty="0"/>
-              <a:t>Source is </a:t>
-            </a:r>
-            <a:r>
-              <a:rPr lang="en-US" dirty="0" err="1"/>
-              <a:t>visio</a:t>
-            </a:r>
-            <a:r>
-              <a:rPr lang="en-US" dirty="0"/>
-              <a:t>, </a:t>
+              <a:t>Used for risk-adjustment-gaps-workflow.png</a:t>
             </a:r>
           </a:p>
         </p:txBody>
@@ -692,7 +685,7 @@
     </p:spTree>
     <p:extLst>
       <p:ext uri="{BB962C8B-B14F-4D97-AF65-F5344CB8AC3E}">
-        <p14:creationId xmlns:p14="http://schemas.microsoft.com/office/powerpoint/2010/main" val="1997305611"/>
+        <p14:creationId xmlns:p14="http://schemas.microsoft.com/office/powerpoint/2010/main" val="2896009126"/>
       </p:ext>
     </p:extLst>
   </p:cSld>
@@ -748,7 +741,15 @@
           <a:p>
             <a:r>
               <a:rPr lang="en-US" dirty="0"/>
-              <a:t>Resource Graph to match Report	</a:t>
+              <a:t>Source is </a:t>
+            </a:r>
+            <a:r>
+              <a:rPr lang="en-US" dirty="0" err="1"/>
+              <a:t>visio</a:t>
+            </a:r>
+            <a:r>
+              <a:rPr lang="en-US" dirty="0"/>
+              <a:t>, </a:t>
             </a:r>
           </a:p>
         </p:txBody>
@@ -771,6 +772,93 @@
             <a:fld id="{1D553A4D-C549-44B5-B4F2-4FBA040D2BDB}" type="slidenum">
               <a:rPr lang="en-US" smtClean="0"/>
               <a:t>16</a:t>
+            </a:fld>
+            <a:endParaRPr lang="en-US"/>
+          </a:p>
+        </p:txBody>
+      </p:sp>
+    </p:spTree>
+    <p:extLst>
+      <p:ext uri="{BB962C8B-B14F-4D97-AF65-F5344CB8AC3E}">
+        <p14:creationId xmlns:p14="http://schemas.microsoft.com/office/powerpoint/2010/main" val="1997305611"/>
+      </p:ext>
+    </p:extLst>
+  </p:cSld>
+  <p:clrMapOvr>
+    <a:masterClrMapping/>
+  </p:clrMapOvr>
+</p:notes>
+</file>
+
+<file path=ppt/notesSlides/notesSlide12.xml><?xml version="1.0" encoding="utf-8"?>
+<p:notes xmlns:a="http://schemas.openxmlformats.org/drawingml/2006/main" xmlns:r="http://schemas.openxmlformats.org/officeDocument/2006/relationships" xmlns:p="http://schemas.openxmlformats.org/presentationml/2006/main">
+  <p:cSld>
+    <p:spTree>
+      <p:nvGrpSpPr>
+        <p:cNvPr id="1" name=""/>
+        <p:cNvGrpSpPr/>
+        <p:nvPr/>
+      </p:nvGrpSpPr>
+      <p:grpSpPr>
+        <a:xfrm>
+          <a:off x="0" y="0"/>
+          <a:ext cx="0" cy="0"/>
+          <a:chOff x="0" y="0"/>
+          <a:chExt cx="0" cy="0"/>
+        </a:xfrm>
+      </p:grpSpPr>
+      <p:sp>
+        <p:nvSpPr>
+          <p:cNvPr id="2" name="Slide Image Placeholder 1"/>
+          <p:cNvSpPr>
+            <a:spLocks noGrp="1" noRot="1" noChangeAspect="1"/>
+          </p:cNvSpPr>
+          <p:nvPr>
+            <p:ph type="sldImg"/>
+          </p:nvPr>
+        </p:nvSpPr>
+        <p:spPr/>
+      </p:sp>
+      <p:sp>
+        <p:nvSpPr>
+          <p:cNvPr id="3" name="Notes Placeholder 2"/>
+          <p:cNvSpPr>
+            <a:spLocks noGrp="1"/>
+          </p:cNvSpPr>
+          <p:nvPr>
+            <p:ph type="body" idx="1"/>
+          </p:nvPr>
+        </p:nvSpPr>
+        <p:spPr/>
+        <p:txBody>
+          <a:bodyPr/>
+          <a:lstStyle/>
+          <a:p>
+            <a:r>
+              <a:rPr lang="en-US" dirty="0"/>
+              <a:t>Resource Graph to match Report	</a:t>
+            </a:r>
+          </a:p>
+        </p:txBody>
+      </p:sp>
+      <p:sp>
+        <p:nvSpPr>
+          <p:cNvPr id="4" name="Slide Number Placeholder 3"/>
+          <p:cNvSpPr>
+            <a:spLocks noGrp="1"/>
+          </p:cNvSpPr>
+          <p:nvPr>
+            <p:ph type="sldNum" sz="quarter" idx="5"/>
+          </p:nvPr>
+        </p:nvSpPr>
+        <p:spPr/>
+        <p:txBody>
+          <a:bodyPr/>
+          <a:lstStyle/>
+          <a:p>
+            <a:fld id="{1D553A4D-C549-44B5-B4F2-4FBA040D2BDB}" type="slidenum">
+              <a:rPr lang="en-US" smtClean="0"/>
+              <a:t>17</a:t>
             </a:fld>
             <a:endParaRPr lang="en-US"/>
           </a:p>
@@ -977,10 +1065,7 @@
           <a:bodyPr/>
           <a:lstStyle/>
           <a:p>
-            <a:r>
-              <a:rPr lang="en-US" dirty="0"/>
-              <a:t>FHIR Tracker possible revision FHIR-34778</a:t>
-            </a:r>
+            <a:endParaRPr lang="en-US" dirty="0"/>
           </a:p>
         </p:txBody>
       </p:sp>
@@ -1070,7 +1155,7 @@
     </p:spTree>
     <p:extLst>
       <p:ext uri="{BB962C8B-B14F-4D97-AF65-F5344CB8AC3E}">
-        <p14:creationId xmlns:p14="http://schemas.microsoft.com/office/powerpoint/2010/main" val="1618216121"/>
+        <p14:creationId xmlns:p14="http://schemas.microsoft.com/office/powerpoint/2010/main" val="4117986192"/>
       </p:ext>
     </p:extLst>
   </p:cSld>
@@ -1126,13 +1211,16 @@
           <a:p>
             <a:r>
               <a:rPr lang="en-US" dirty="0"/>
-              <a:t>FHIR Tracker possible revision FHIR-35324 – adding push/</a:t>
-            </a:r>
-            <a:r>
-              <a:rPr lang="en-US"/>
-              <a:t>post scenario</a:t>
-            </a:r>
-            <a:endParaRPr lang="en-US" dirty="0"/>
+              <a:t>Source is </a:t>
+            </a:r>
+            <a:r>
+              <a:rPr lang="en-US" dirty="0" err="1"/>
+              <a:t>visio</a:t>
+            </a:r>
+            <a:r>
+              <a:rPr lang="en-US" dirty="0"/>
+              <a:t>, </a:t>
+            </a:r>
           </a:p>
         </p:txBody>
       </p:sp>
@@ -1151,78 +1239,18 @@
           <a:bodyPr/>
           <a:lstStyle/>
           <a:p>
-            <a:pPr marL="0" marR="0" lvl="0" indent="0" algn="r" defTabSz="457200" rtl="0" eaLnBrk="1" fontAlgn="base" latinLnBrk="0" hangingPunct="1">
-              <a:lnSpc>
-                <a:spcPct val="100000"/>
-              </a:lnSpc>
-              <a:spcBef>
-                <a:spcPct val="0"/>
-              </a:spcBef>
-              <a:spcAft>
-                <a:spcPct val="0"/>
-              </a:spcAft>
-              <a:buClrTx/>
-              <a:buSzTx/>
-              <a:buFontTx/>
-              <a:buNone/>
-              <a:tabLst/>
-              <a:defRPr/>
-            </a:pPr>
-            <a:fld id="{CF4A7F80-F256-4EC8-A9CC-1A842C6C5143}" type="slidenum">
-              <a:rPr kumimoji="0" lang="en-US" altLang="en-US" sz="1200" b="0" i="0" u="none" strike="noStrike" kern="1200" cap="none" spc="0" normalizeH="0" baseline="0" noProof="0" smtClean="0">
-                <a:ln>
-                  <a:noFill/>
-                </a:ln>
-                <a:solidFill>
-                  <a:prstClr val="black"/>
-                </a:solidFill>
-                <a:effectLst/>
-                <a:uLnTx/>
-                <a:uFillTx/>
-                <a:latin typeface="Calibri" panose="020F0502020204030204" pitchFamily="34" charset="0"/>
-                <a:ea typeface="ヒラギノ角ゴ Pro W3" pitchFamily="-126" charset="-128"/>
-                <a:cs typeface="+mn-cs"/>
-              </a:rPr>
-              <a:pPr marL="0" marR="0" lvl="0" indent="0" algn="r" defTabSz="457200" rtl="0" eaLnBrk="1" fontAlgn="base" latinLnBrk="0" hangingPunct="1">
-                <a:lnSpc>
-                  <a:spcPct val="100000"/>
-                </a:lnSpc>
-                <a:spcBef>
-                  <a:spcPct val="0"/>
-                </a:spcBef>
-                <a:spcAft>
-                  <a:spcPct val="0"/>
-                </a:spcAft>
-                <a:buClrTx/>
-                <a:buSzTx/>
-                <a:buFontTx/>
-                <a:buNone/>
-                <a:tabLst/>
-                <a:defRPr/>
-              </a:pPr>
+            <a:fld id="{1D553A4D-C549-44B5-B4F2-4FBA040D2BDB}" type="slidenum">
+              <a:rPr lang="en-US" smtClean="0"/>
               <a:t>6</a:t>
             </a:fld>
-            <a:endParaRPr kumimoji="0" lang="en-US" altLang="en-US" sz="1200" b="0" i="0" u="none" strike="noStrike" kern="1200" cap="none" spc="0" normalizeH="0" baseline="0" noProof="0">
-              <a:ln>
-                <a:noFill/>
-              </a:ln>
-              <a:solidFill>
-                <a:prstClr val="black"/>
-              </a:solidFill>
-              <a:effectLst/>
-              <a:uLnTx/>
-              <a:uFillTx/>
-              <a:latin typeface="Calibri" panose="020F0502020204030204" pitchFamily="34" charset="0"/>
-              <a:ea typeface="ヒラギノ角ゴ Pro W3" pitchFamily="-126" charset="-128"/>
-              <a:cs typeface="+mn-cs"/>
-            </a:endParaRPr>
+            <a:endParaRPr lang="en-US"/>
           </a:p>
         </p:txBody>
       </p:sp>
     </p:spTree>
     <p:extLst>
       <p:ext uri="{BB962C8B-B14F-4D97-AF65-F5344CB8AC3E}">
-        <p14:creationId xmlns:p14="http://schemas.microsoft.com/office/powerpoint/2010/main" val="1470079664"/>
+        <p14:creationId xmlns:p14="http://schemas.microsoft.com/office/powerpoint/2010/main" val="3003593020"/>
       </p:ext>
     </p:extLst>
   </p:cSld>
@@ -1278,15 +1306,31 @@
           <a:p>
             <a:r>
               <a:rPr lang="en-US" dirty="0"/>
-              <a:t>Source is </a:t>
-            </a:r>
-            <a:r>
-              <a:rPr lang="en-US" dirty="0" err="1"/>
-              <a:t>visio</a:t>
-            </a:r>
+              <a:t>Used for risk-adjustment-gaps-workflow.png</a:t>
+            </a:r>
+          </a:p>
+          <a:p>
             <a:r>
               <a:rPr lang="en-US" dirty="0"/>
-              <a:t>, </a:t>
+              <a:t>2/8/2022: Updated during ballot reconciliations as proposed resolutions</a:t>
+            </a:r>
+          </a:p>
+          <a:p>
+            <a:pPr marL="228600" indent="-228600">
+              <a:buAutoNum type="arabicPeriod"/>
+            </a:pPr>
+            <a:r>
+              <a:rPr lang="en-US" dirty="0"/>
+              <a:t>Removed the word Example</a:t>
+            </a:r>
+          </a:p>
+          <a:p>
+            <a:pPr marL="228600" indent="-228600">
+              <a:buAutoNum type="arabicPeriod"/>
+            </a:pPr>
+            <a:r>
+              <a:rPr lang="en-US" dirty="0"/>
+              <a:t>Figure is now Figure 1-4 instead of Figure 1-3</a:t>
             </a:r>
           </a:p>
         </p:txBody>
@@ -1317,7 +1361,7 @@
     </p:spTree>
     <p:extLst>
       <p:ext uri="{BB962C8B-B14F-4D97-AF65-F5344CB8AC3E}">
-        <p14:creationId xmlns:p14="http://schemas.microsoft.com/office/powerpoint/2010/main" val="3003593020"/>
+        <p14:creationId xmlns:p14="http://schemas.microsoft.com/office/powerpoint/2010/main" val="4279205649"/>
       </p:ext>
     </p:extLst>
   </p:cSld>
@@ -1371,9 +1415,77 @@
           <a:bodyPr/>
           <a:lstStyle/>
           <a:p>
+            <a:pPr marL="0" marR="0" lvl="0" indent="0" algn="l" defTabSz="914400" rtl="0" eaLnBrk="1" fontAlgn="auto" latinLnBrk="0" hangingPunct="1">
+              <a:lnSpc>
+                <a:spcPct val="100000"/>
+              </a:lnSpc>
+              <a:spcBef>
+                <a:spcPts val="0"/>
+              </a:spcBef>
+              <a:spcAft>
+                <a:spcPts val="0"/>
+              </a:spcAft>
+              <a:buClrTx/>
+              <a:buSzTx/>
+              <a:buFontTx/>
+              <a:buNone/>
+              <a:tabLst/>
+              <a:defRPr/>
+            </a:pPr>
+            <a:r>
+              <a:rPr lang="en-US" sz="1200" b="1" dirty="0">
+                <a:solidFill>
+                  <a:srgbClr val="F79646">
+                    <a:lumMod val="50000"/>
+                  </a:srgbClr>
+                </a:solidFill>
+                <a:latin typeface="Arial"/>
+                <a:ea typeface="ヒラギノ角ゴ Pro W3" pitchFamily="-126" charset="-128"/>
+              </a:rPr>
+              <a:t>Payer is the Client, it initiates the request and pushes the report</a:t>
+            </a:r>
+          </a:p>
+          <a:p>
+            <a:pPr marL="0" marR="0" lvl="0" indent="0" algn="l" defTabSz="914400" rtl="0" eaLnBrk="1" fontAlgn="auto" latinLnBrk="0" hangingPunct="1">
+              <a:lnSpc>
+                <a:spcPct val="100000"/>
+              </a:lnSpc>
+              <a:spcBef>
+                <a:spcPts val="0"/>
+              </a:spcBef>
+              <a:spcAft>
+                <a:spcPts val="0"/>
+              </a:spcAft>
+              <a:buClrTx/>
+              <a:buSzTx/>
+              <a:buFontTx/>
+              <a:buNone/>
+              <a:tabLst/>
+              <a:defRPr/>
+            </a:pPr>
+            <a:r>
+              <a:rPr lang="en-US" sz="1200" b="1" dirty="0">
+                <a:solidFill>
+                  <a:srgbClr val="F79646">
+                    <a:lumMod val="50000"/>
+                  </a:srgbClr>
+                </a:solidFill>
+                <a:latin typeface="Arial"/>
+                <a:ea typeface="ヒラギノ角ゴ Pro W3" pitchFamily="-126" charset="-128"/>
+              </a:rPr>
+              <a:t>(note: Provider’s FHIR Server receives the report)</a:t>
+            </a:r>
+          </a:p>
+          <a:p>
             <a:r>
               <a:rPr lang="en-US" dirty="0"/>
-              <a:t>Used for risk-adjustment-gaps-workflow.png</a:t>
+              <a:t>2/8/2022:</a:t>
+            </a:r>
+          </a:p>
+          <a:p>
+            <a:r>
+              <a:rPr lang="en-US" dirty="0"/>
+              <a:t>1. Added POST above </a:t>
             </a:r>
           </a:p>
         </p:txBody>
@@ -1404,7 +1516,7 @@
     </p:spTree>
     <p:extLst>
       <p:ext uri="{BB962C8B-B14F-4D97-AF65-F5344CB8AC3E}">
-        <p14:creationId xmlns:p14="http://schemas.microsoft.com/office/powerpoint/2010/main" val="2511305095"/>
+        <p14:creationId xmlns:p14="http://schemas.microsoft.com/office/powerpoint/2010/main" val="358498186"/>
       </p:ext>
     </p:extLst>
   </p:cSld>
@@ -1671,7 +1783,7 @@
     </p:spTree>
     <p:extLst>
       <p:ext uri="{BB962C8B-B14F-4D97-AF65-F5344CB8AC3E}">
-        <p14:creationId xmlns:p14="http://schemas.microsoft.com/office/powerpoint/2010/main" val="2896009126"/>
+        <p14:creationId xmlns:p14="http://schemas.microsoft.com/office/powerpoint/2010/main" val="2511305095"/>
       </p:ext>
     </p:extLst>
   </p:cSld>
@@ -1828,7 +1940,7 @@
           <a:p>
             <a:fld id="{3E232C92-DF21-4A04-859B-AAF8BD4EC904}" type="datetimeFigureOut">
               <a:rPr lang="en-US" smtClean="0"/>
-              <a:t>1/31/2022</a:t>
+              <a:t>2/18/2022</a:t>
             </a:fld>
             <a:endParaRPr lang="en-US"/>
           </a:p>
@@ -2026,7 +2138,7 @@
           <a:p>
             <a:fld id="{3E232C92-DF21-4A04-859B-AAF8BD4EC904}" type="datetimeFigureOut">
               <a:rPr lang="en-US" smtClean="0"/>
-              <a:t>1/31/2022</a:t>
+              <a:t>2/18/2022</a:t>
             </a:fld>
             <a:endParaRPr lang="en-US"/>
           </a:p>
@@ -2234,7 +2346,7 @@
           <a:p>
             <a:fld id="{3E232C92-DF21-4A04-859B-AAF8BD4EC904}" type="datetimeFigureOut">
               <a:rPr lang="en-US" smtClean="0"/>
-              <a:t>1/31/2022</a:t>
+              <a:t>2/18/2022</a:t>
             </a:fld>
             <a:endParaRPr lang="en-US"/>
           </a:p>
@@ -3176,7 +3288,7 @@
           <a:p>
             <a:fld id="{23F303CC-BC6F-44EE-9A09-81F690F71D2E}" type="datetime1">
               <a:rPr lang="en-US" altLang="en-US" smtClean="0"/>
-              <a:t>1/31/2022</a:t>
+              <a:t>2/18/2022</a:t>
             </a:fld>
             <a:endParaRPr lang="en-US" altLang="en-US" dirty="0"/>
           </a:p>
@@ -6998,7 +7110,7 @@
           <a:p>
             <a:fld id="{3E232C92-DF21-4A04-859B-AAF8BD4EC904}" type="datetimeFigureOut">
               <a:rPr lang="en-US" smtClean="0"/>
-              <a:t>1/31/2022</a:t>
+              <a:t>2/18/2022</a:t>
             </a:fld>
             <a:endParaRPr lang="en-US"/>
           </a:p>
@@ -8014,7 +8126,7 @@
           <a:p>
             <a:fld id="{3E232C92-DF21-4A04-859B-AAF8BD4EC904}" type="datetimeFigureOut">
               <a:rPr lang="en-US" smtClean="0"/>
-              <a:t>1/31/2022</a:t>
+              <a:t>2/18/2022</a:t>
             </a:fld>
             <a:endParaRPr lang="en-US"/>
           </a:p>
@@ -8289,7 +8401,7 @@
           <a:p>
             <a:fld id="{3E232C92-DF21-4A04-859B-AAF8BD4EC904}" type="datetimeFigureOut">
               <a:rPr lang="en-US" smtClean="0"/>
-              <a:t>1/31/2022</a:t>
+              <a:t>2/18/2022</a:t>
             </a:fld>
             <a:endParaRPr lang="en-US"/>
           </a:p>
@@ -8554,7 +8666,7 @@
           <a:p>
             <a:fld id="{3E232C92-DF21-4A04-859B-AAF8BD4EC904}" type="datetimeFigureOut">
               <a:rPr lang="en-US" smtClean="0"/>
-              <a:t>1/31/2022</a:t>
+              <a:t>2/18/2022</a:t>
             </a:fld>
             <a:endParaRPr lang="en-US"/>
           </a:p>
@@ -8966,7 +9078,7 @@
           <a:p>
             <a:fld id="{3E232C92-DF21-4A04-859B-AAF8BD4EC904}" type="datetimeFigureOut">
               <a:rPr lang="en-US" smtClean="0"/>
-              <a:t>1/31/2022</a:t>
+              <a:t>2/18/2022</a:t>
             </a:fld>
             <a:endParaRPr lang="en-US"/>
           </a:p>
@@ -9107,7 +9219,7 @@
           <a:p>
             <a:fld id="{3E232C92-DF21-4A04-859B-AAF8BD4EC904}" type="datetimeFigureOut">
               <a:rPr lang="en-US" smtClean="0"/>
-              <a:t>1/31/2022</a:t>
+              <a:t>2/18/2022</a:t>
             </a:fld>
             <a:endParaRPr lang="en-US"/>
           </a:p>
@@ -9220,7 +9332,7 @@
           <a:p>
             <a:fld id="{3E232C92-DF21-4A04-859B-AAF8BD4EC904}" type="datetimeFigureOut">
               <a:rPr lang="en-US" smtClean="0"/>
-              <a:t>1/31/2022</a:t>
+              <a:t>2/18/2022</a:t>
             </a:fld>
             <a:endParaRPr lang="en-US"/>
           </a:p>
@@ -9531,7 +9643,7 @@
           <a:p>
             <a:fld id="{3E232C92-DF21-4A04-859B-AAF8BD4EC904}" type="datetimeFigureOut">
               <a:rPr lang="en-US" smtClean="0"/>
-              <a:t>1/31/2022</a:t>
+              <a:t>2/18/2022</a:t>
             </a:fld>
             <a:endParaRPr lang="en-US"/>
           </a:p>
@@ -9819,7 +9931,7 @@
           <a:p>
             <a:fld id="{3E232C92-DF21-4A04-859B-AAF8BD4EC904}" type="datetimeFigureOut">
               <a:rPr lang="en-US" smtClean="0"/>
-              <a:t>1/31/2022</a:t>
+              <a:t>2/18/2022</a:t>
             </a:fld>
             <a:endParaRPr lang="en-US"/>
           </a:p>
@@ -10060,7 +10172,7 @@
           <a:p>
             <a:fld id="{3E232C92-DF21-4A04-859B-AAF8BD4EC904}" type="datetimeFigureOut">
               <a:rPr lang="en-US" smtClean="0"/>
-              <a:t>1/31/2022</a:t>
+              <a:t>2/18/2022</a:t>
             </a:fld>
             <a:endParaRPr lang="en-US"/>
           </a:p>
@@ -10686,7 +10798,7 @@
           <a:p>
             <a:fld id="{7CE3BD8C-C39F-4FFF-9CD5-05E4806DBFF3}" type="datetime1">
               <a:rPr lang="en-US" altLang="en-US" smtClean="0"/>
-              <a:t>1/31/2022</a:t>
+              <a:t>2/18/2022</a:t>
             </a:fld>
             <a:endParaRPr lang="en-US" altLang="en-US"/>
           </a:p>
@@ -15168,7 +15280,7 @@
           <a:p>
             <a:r>
               <a:rPr lang="en-US" dirty="0"/>
-              <a:t>For Guidance Page</a:t>
+              <a:t>Balloted: Figure 1-3 (Home page)</a:t>
             </a:r>
           </a:p>
         </p:txBody>
@@ -15297,7 +15409,7 @@
         </p:blipFill>
         <p:spPr>
           <a:xfrm>
-            <a:off x="7512232" y="2961683"/>
+            <a:off x="3428016" y="3173224"/>
             <a:ext cx="659817" cy="996459"/>
           </a:xfrm>
           <a:prstGeom prst="rect">
@@ -15333,7 +15445,7 @@
         </p:blipFill>
         <p:spPr>
           <a:xfrm>
-            <a:off x="3683355" y="3080690"/>
+            <a:off x="7464510" y="2979089"/>
             <a:ext cx="814124" cy="899821"/>
           </a:xfrm>
           <a:prstGeom prst="rect">
@@ -15355,8 +15467,8 @@
         </p:nvSpPr>
         <p:spPr>
           <a:xfrm>
-            <a:off x="8282875" y="3157505"/>
-            <a:ext cx="1259821" cy="707694"/>
+            <a:off x="1368638" y="3121037"/>
+            <a:ext cx="2162408" cy="584775"/>
           </a:xfrm>
           <a:prstGeom prst="rect">
             <a:avLst/>
@@ -15379,7 +15491,7 @@
               <a:defRPr/>
             </a:pPr>
             <a:r>
-              <a:rPr lang="en-US" sz="1333" b="1" dirty="0">
+              <a:rPr lang="en-US" sz="1600" b="1" dirty="0">
                 <a:solidFill>
                   <a:srgbClr val="C00000"/>
                 </a:solidFill>
@@ -15400,7 +15512,7 @@
               <a:defRPr/>
             </a:pPr>
             <a:r>
-              <a:rPr lang="en-US" sz="1333" b="1" dirty="0">
+              <a:rPr lang="en-US" sz="1600" b="1" dirty="0">
                 <a:solidFill>
                   <a:srgbClr val="C00000"/>
                 </a:solidFill>
@@ -15426,8 +15538,8 @@
         </p:nvSpPr>
         <p:spPr>
           <a:xfrm>
-            <a:off x="1831532" y="3442508"/>
-            <a:ext cx="2115679" cy="502573"/>
+            <a:off x="8076248" y="3100638"/>
+            <a:ext cx="2115679" cy="584775"/>
           </a:xfrm>
           <a:prstGeom prst="rect">
             <a:avLst/>
@@ -15450,7 +15562,7 @@
               <a:defRPr/>
             </a:pPr>
             <a:r>
-              <a:rPr lang="en-US" sz="1333" b="1" dirty="0">
+              <a:rPr lang="en-US" sz="1600" b="1" dirty="0">
                 <a:solidFill>
                   <a:srgbClr val="F79646">
                     <a:lumMod val="50000"/>
@@ -15473,7 +15585,7 @@
               <a:defRPr/>
             </a:pPr>
             <a:r>
-              <a:rPr lang="en-US" sz="1333" b="1" dirty="0">
+              <a:rPr lang="en-US" sz="1600" b="1" dirty="0">
                 <a:solidFill>
                   <a:srgbClr val="F79646">
                     <a:lumMod val="50000"/>
@@ -15500,9 +15612,9 @@
           <p:nvPr/>
         </p:nvSpPr>
         <p:spPr>
-          <a:xfrm flipH="1">
-            <a:off x="3931920" y="2326640"/>
-            <a:ext cx="3911600" cy="426720"/>
+          <a:xfrm rot="10800000" flipH="1" flipV="1">
+            <a:off x="3604184" y="1851892"/>
+            <a:ext cx="4572963" cy="1202435"/>
           </a:xfrm>
           <a:prstGeom prst="uturnArrow">
             <a:avLst/>
@@ -15548,9 +15660,9 @@
           <p:nvPr/>
         </p:nvSpPr>
         <p:spPr>
-          <a:xfrm flipV="1">
-            <a:off x="4013200" y="4104640"/>
-            <a:ext cx="3870960" cy="497840"/>
+          <a:xfrm rot="10800000">
+            <a:off x="3531047" y="3933241"/>
+            <a:ext cx="4472642" cy="1202435"/>
           </a:xfrm>
           <a:prstGeom prst="uturnArrow">
             <a:avLst/>
@@ -15597,8 +15709,8 @@
         </p:nvSpPr>
         <p:spPr>
           <a:xfrm>
-            <a:off x="4998720" y="2225040"/>
-            <a:ext cx="1778000" cy="335280"/>
+            <a:off x="4878367" y="1693366"/>
+            <a:ext cx="1778000" cy="598013"/>
           </a:xfrm>
           <a:prstGeom prst="rect">
             <a:avLst/>
@@ -15627,7 +15739,7 @@
           <a:p>
             <a:pPr algn="ctr"/>
             <a:r>
-              <a:rPr lang="en-US" dirty="0">
+              <a:rPr lang="en-US" sz="1600" b="1" dirty="0">
                 <a:solidFill>
                   <a:schemeClr val="tx1"/>
                 </a:solidFill>
@@ -15651,8 +15763,8 @@
         </p:nvSpPr>
         <p:spPr>
           <a:xfrm>
-            <a:off x="5029200" y="4297680"/>
-            <a:ext cx="1778000" cy="396240"/>
+            <a:off x="4880094" y="4665336"/>
+            <a:ext cx="2021142" cy="658153"/>
           </a:xfrm>
           <a:prstGeom prst="rect">
             <a:avLst/>
@@ -15681,12 +15793,14 @@
           <a:p>
             <a:pPr algn="ctr"/>
             <a:r>
-              <a:rPr lang="en-US" sz="1400" dirty="0">
+              <a:rPr lang="en-US" sz="1400" b="1" dirty="0">
                 <a:solidFill>
                   <a:schemeClr val="tx1"/>
                 </a:solidFill>
+                <a:latin typeface="Arial" panose="020B0604020202020204" pitchFamily="34" charset="0"/>
+                <a:cs typeface="Arial" panose="020B0604020202020204" pitchFamily="34" charset="0"/>
               </a:rPr>
-              <a:t>Risk Adjustment Care Gap Reports</a:t>
+              <a:t>Risk Adjustment Coding Gap Reports</a:t>
             </a:r>
           </a:p>
         </p:txBody>
@@ -15694,7 +15808,7 @@
     </p:spTree>
     <p:extLst>
       <p:ext uri="{BB962C8B-B14F-4D97-AF65-F5344CB8AC3E}">
-        <p14:creationId xmlns:p14="http://schemas.microsoft.com/office/powerpoint/2010/main" val="2117979091"/>
+        <p14:creationId xmlns:p14="http://schemas.microsoft.com/office/powerpoint/2010/main" val="841643404"/>
       </p:ext>
     </p:extLst>
   </p:cSld>
@@ -15726,6 +15840,582 @@
           <p:cNvPr id="2" name="Title 1">
             <a:extLst>
               <a:ext uri="{FF2B5EF4-FFF2-40B4-BE49-F238E27FC236}">
+                <a16:creationId xmlns:a16="http://schemas.microsoft.com/office/drawing/2014/main" id="{DE4FC254-7E84-4C1E-B2B1-8F45C616E91E}"/>
+              </a:ext>
+            </a:extLst>
+          </p:cNvPr>
+          <p:cNvSpPr>
+            <a:spLocks noGrp="1"/>
+          </p:cNvSpPr>
+          <p:nvPr>
+            <p:ph type="title"/>
+          </p:nvPr>
+        </p:nvSpPr>
+        <p:spPr/>
+        <p:txBody>
+          <a:bodyPr/>
+          <a:lstStyle/>
+          <a:p>
+            <a:r>
+              <a:rPr lang="en-US" dirty="0"/>
+              <a:t>For Guidance Page</a:t>
+            </a:r>
+          </a:p>
+        </p:txBody>
+      </p:sp>
+      <p:sp>
+        <p:nvSpPr>
+          <p:cNvPr id="3" name="Text Placeholder 2">
+            <a:extLst>
+              <a:ext uri="{FF2B5EF4-FFF2-40B4-BE49-F238E27FC236}">
+                <a16:creationId xmlns:a16="http://schemas.microsoft.com/office/drawing/2014/main" id="{4025DF32-5ADE-4348-8F51-B2255B4D83D2}"/>
+              </a:ext>
+            </a:extLst>
+          </p:cNvPr>
+          <p:cNvSpPr>
+            <a:spLocks noGrp="1"/>
+          </p:cNvSpPr>
+          <p:nvPr>
+            <p:ph type="body" sz="quarter" idx="13"/>
+          </p:nvPr>
+        </p:nvSpPr>
+        <p:spPr/>
+        <p:txBody>
+          <a:bodyPr/>
+          <a:lstStyle/>
+          <a:p>
+            <a:pPr marL="0" indent="0">
+              <a:buNone/>
+            </a:pPr>
+            <a:r>
+              <a:rPr lang="en-US" dirty="0"/>
+              <a:t> </a:t>
+            </a:r>
+          </a:p>
+        </p:txBody>
+      </p:sp>
+      <p:sp>
+        <p:nvSpPr>
+          <p:cNvPr id="4" name="Footer Placeholder 3">
+            <a:extLst>
+              <a:ext uri="{FF2B5EF4-FFF2-40B4-BE49-F238E27FC236}">
+                <a16:creationId xmlns:a16="http://schemas.microsoft.com/office/drawing/2014/main" id="{6F1D9FDC-5EC9-421B-B816-669D4CBA8D03}"/>
+              </a:ext>
+            </a:extLst>
+          </p:cNvPr>
+          <p:cNvSpPr>
+            <a:spLocks noGrp="1"/>
+          </p:cNvSpPr>
+          <p:nvPr>
+            <p:ph type="ftr" sz="quarter" idx="10"/>
+          </p:nvPr>
+        </p:nvSpPr>
+        <p:spPr/>
+        <p:txBody>
+          <a:bodyPr/>
+          <a:lstStyle/>
+          <a:p>
+            <a:r>
+              <a:rPr lang="en-US" b="1"/>
+              <a:t>© 2019 Health Level Seven ® International. Licensed under Creative Commons Attribution 4.0 International</a:t>
+            </a:r>
+          </a:p>
+          <a:p>
+            <a:r>
+              <a:rPr lang="en-US" b="1"/>
+              <a:t>HL7, Health Level Seven, FHIR and the FHIR flame logo are registered trademarks of Health Level Seven International. Reg. U.S. TM Office.</a:t>
+            </a:r>
+            <a:endParaRPr lang="en-US" b="1" dirty="0"/>
+          </a:p>
+        </p:txBody>
+      </p:sp>
+      <p:sp>
+        <p:nvSpPr>
+          <p:cNvPr id="5" name="Slide Number Placeholder 4">
+            <a:extLst>
+              <a:ext uri="{FF2B5EF4-FFF2-40B4-BE49-F238E27FC236}">
+                <a16:creationId xmlns:a16="http://schemas.microsoft.com/office/drawing/2014/main" id="{ABC91477-8158-43AE-8C67-AA1E9785A906}"/>
+              </a:ext>
+            </a:extLst>
+          </p:cNvPr>
+          <p:cNvSpPr>
+            <a:spLocks noGrp="1"/>
+          </p:cNvSpPr>
+          <p:nvPr>
+            <p:ph type="sldNum" sz="quarter" idx="11"/>
+          </p:nvPr>
+        </p:nvSpPr>
+        <p:spPr/>
+        <p:txBody>
+          <a:bodyPr/>
+          <a:lstStyle/>
+          <a:p>
+            <a:fld id="{6CACE926-AEF5-4BFE-8BD7-24414108CB7B}" type="slidenum">
+              <a:rPr lang="en-US" altLang="en-US" smtClean="0"/>
+              <a:pPr/>
+              <a:t>15</a:t>
+            </a:fld>
+            <a:endParaRPr lang="en-US" altLang="en-US" dirty="0"/>
+          </a:p>
+        </p:txBody>
+      </p:sp>
+      <p:pic>
+        <p:nvPicPr>
+          <p:cNvPr id="6" name="Graphic 5">
+            <a:extLst>
+              <a:ext uri="{FF2B5EF4-FFF2-40B4-BE49-F238E27FC236}">
+                <a16:creationId xmlns:a16="http://schemas.microsoft.com/office/drawing/2014/main" id="{842186CE-C3CB-491F-B90D-334B74F93238}"/>
+              </a:ext>
+            </a:extLst>
+          </p:cNvPr>
+          <p:cNvPicPr>
+            <a:picLocks noChangeAspect="1"/>
+          </p:cNvPicPr>
+          <p:nvPr/>
+        </p:nvPicPr>
+        <p:blipFill>
+          <a:blip r:embed="rId3">
+            <a:extLst>
+              <a:ext uri="{96DAC541-7B7A-43D3-8B79-37D633B846F1}">
+                <asvg:svgBlip xmlns:asvg="http://schemas.microsoft.com/office/drawing/2016/SVG/main" r:embed="rId4"/>
+              </a:ext>
+            </a:extLst>
+          </a:blip>
+          <a:stretch>
+            <a:fillRect/>
+          </a:stretch>
+        </p:blipFill>
+        <p:spPr>
+          <a:xfrm>
+            <a:off x="7512232" y="2961683"/>
+            <a:ext cx="659817" cy="996459"/>
+          </a:xfrm>
+          <a:prstGeom prst="rect">
+            <a:avLst/>
+          </a:prstGeom>
+        </p:spPr>
+      </p:pic>
+      <p:pic>
+        <p:nvPicPr>
+          <p:cNvPr id="7" name="Graphic 6">
+            <a:extLst>
+              <a:ext uri="{FF2B5EF4-FFF2-40B4-BE49-F238E27FC236}">
+                <a16:creationId xmlns:a16="http://schemas.microsoft.com/office/drawing/2014/main" id="{3E4BF30F-2D52-4FA7-8B6E-989427E65C55}"/>
+              </a:ext>
+            </a:extLst>
+          </p:cNvPr>
+          <p:cNvPicPr>
+            <a:picLocks noChangeAspect="1"/>
+          </p:cNvPicPr>
+          <p:nvPr/>
+        </p:nvPicPr>
+        <p:blipFill>
+          <a:blip r:embed="rId5">
+            <a:extLst>
+              <a:ext uri="{96DAC541-7B7A-43D3-8B79-37D633B846F1}">
+                <asvg:svgBlip xmlns:asvg="http://schemas.microsoft.com/office/drawing/2016/SVG/main" r:embed="rId6"/>
+              </a:ext>
+            </a:extLst>
+          </a:blip>
+          <a:stretch>
+            <a:fillRect/>
+          </a:stretch>
+        </p:blipFill>
+        <p:spPr>
+          <a:xfrm>
+            <a:off x="3683355" y="3080690"/>
+            <a:ext cx="814124" cy="899821"/>
+          </a:xfrm>
+          <a:prstGeom prst="rect">
+            <a:avLst/>
+          </a:prstGeom>
+        </p:spPr>
+      </p:pic>
+      <p:sp>
+        <p:nvSpPr>
+          <p:cNvPr id="9" name="TextBox 8">
+            <a:extLst>
+              <a:ext uri="{FF2B5EF4-FFF2-40B4-BE49-F238E27FC236}">
+                <a16:creationId xmlns:a16="http://schemas.microsoft.com/office/drawing/2014/main" id="{F400E8FA-0292-4288-B1BB-DA58B38789C1}"/>
+              </a:ext>
+            </a:extLst>
+          </p:cNvPr>
+          <p:cNvSpPr txBox="1"/>
+          <p:nvPr/>
+        </p:nvSpPr>
+        <p:spPr>
+          <a:xfrm>
+            <a:off x="8282875" y="3157505"/>
+            <a:ext cx="1259821" cy="707694"/>
+          </a:xfrm>
+          <a:prstGeom prst="rect">
+            <a:avLst/>
+          </a:prstGeom>
+          <a:noFill/>
+        </p:spPr>
+        <p:txBody>
+          <a:bodyPr wrap="square" rtlCol="0">
+            <a:spAutoFit/>
+          </a:bodyPr>
+          <a:lstStyle/>
+          <a:p>
+            <a:pPr algn="ctr" defTabSz="609585" fontAlgn="base">
+              <a:spcBef>
+                <a:spcPct val="0"/>
+              </a:spcBef>
+              <a:spcAft>
+                <a:spcPct val="0"/>
+              </a:spcAft>
+              <a:defRPr/>
+            </a:pPr>
+            <a:r>
+              <a:rPr lang="en-US" sz="1333" b="1" dirty="0">
+                <a:solidFill>
+                  <a:srgbClr val="C00000"/>
+                </a:solidFill>
+                <a:latin typeface="Arial"/>
+                <a:ea typeface="ヒラギノ角ゴ Pro W3" pitchFamily="-126" charset="-128"/>
+              </a:rPr>
+              <a:t>Client</a:t>
+            </a:r>
+          </a:p>
+          <a:p>
+            <a:pPr algn="ctr" defTabSz="609585" fontAlgn="base">
+              <a:spcBef>
+                <a:spcPct val="0"/>
+              </a:spcBef>
+              <a:spcAft>
+                <a:spcPct val="0"/>
+              </a:spcAft>
+              <a:defRPr/>
+            </a:pPr>
+            <a:r>
+              <a:rPr lang="en-US" sz="1333" b="1" dirty="0">
+                <a:solidFill>
+                  <a:srgbClr val="C00000"/>
+                </a:solidFill>
+                <a:latin typeface="Arial"/>
+                <a:ea typeface="ヒラギノ角ゴ Pro W3" pitchFamily="-126" charset="-128"/>
+              </a:rPr>
+              <a:t>(example Provider)</a:t>
+            </a:r>
+          </a:p>
+        </p:txBody>
+      </p:sp>
+      <p:sp>
+        <p:nvSpPr>
+          <p:cNvPr id="10" name="TextBox 9">
+            <a:extLst>
+              <a:ext uri="{FF2B5EF4-FFF2-40B4-BE49-F238E27FC236}">
+                <a16:creationId xmlns:a16="http://schemas.microsoft.com/office/drawing/2014/main" id="{984AE2E2-20A9-4B44-A58D-4BBB1DF61213}"/>
+              </a:ext>
+            </a:extLst>
+          </p:cNvPr>
+          <p:cNvSpPr txBox="1"/>
+          <p:nvPr/>
+        </p:nvSpPr>
+        <p:spPr>
+          <a:xfrm>
+            <a:off x="1831532" y="3442508"/>
+            <a:ext cx="2115679" cy="502573"/>
+          </a:xfrm>
+          <a:prstGeom prst="rect">
+            <a:avLst/>
+          </a:prstGeom>
+          <a:noFill/>
+        </p:spPr>
+        <p:txBody>
+          <a:bodyPr wrap="square" rtlCol="0">
+            <a:spAutoFit/>
+          </a:bodyPr>
+          <a:lstStyle/>
+          <a:p>
+            <a:pPr algn="ctr" defTabSz="609585" fontAlgn="base">
+              <a:spcBef>
+                <a:spcPct val="0"/>
+              </a:spcBef>
+              <a:spcAft>
+                <a:spcPct val="0"/>
+              </a:spcAft>
+              <a:defRPr/>
+            </a:pPr>
+            <a:r>
+              <a:rPr lang="en-US" sz="1333" b="1" dirty="0">
+                <a:solidFill>
+                  <a:srgbClr val="F79646">
+                    <a:lumMod val="50000"/>
+                  </a:srgbClr>
+                </a:solidFill>
+                <a:latin typeface="Arial"/>
+                <a:ea typeface="ヒラギノ角ゴ Pro W3" pitchFamily="-126" charset="-128"/>
+              </a:rPr>
+              <a:t>Server</a:t>
+            </a:r>
+          </a:p>
+          <a:p>
+            <a:pPr algn="ctr" defTabSz="609585" fontAlgn="base">
+              <a:spcBef>
+                <a:spcPct val="0"/>
+              </a:spcBef>
+              <a:spcAft>
+                <a:spcPct val="0"/>
+              </a:spcAft>
+              <a:defRPr/>
+            </a:pPr>
+            <a:r>
+              <a:rPr lang="en-US" sz="1333" b="1" dirty="0">
+                <a:solidFill>
+                  <a:srgbClr val="F79646">
+                    <a:lumMod val="50000"/>
+                  </a:srgbClr>
+                </a:solidFill>
+                <a:latin typeface="Arial"/>
+                <a:ea typeface="ヒラギノ角ゴ Pro W3" pitchFamily="-126" charset="-128"/>
+              </a:rPr>
+              <a:t>(example Payer)</a:t>
+            </a:r>
+          </a:p>
+        </p:txBody>
+      </p:sp>
+      <p:sp>
+        <p:nvSpPr>
+          <p:cNvPr id="8" name="Arrow: U-Turn 7">
+            <a:extLst>
+              <a:ext uri="{FF2B5EF4-FFF2-40B4-BE49-F238E27FC236}">
+                <a16:creationId xmlns:a16="http://schemas.microsoft.com/office/drawing/2014/main" id="{BBA494F5-C840-4276-B567-19F510FB3BE8}"/>
+              </a:ext>
+            </a:extLst>
+          </p:cNvPr>
+          <p:cNvSpPr/>
+          <p:nvPr/>
+        </p:nvSpPr>
+        <p:spPr>
+          <a:xfrm flipH="1">
+            <a:off x="3931920" y="2326640"/>
+            <a:ext cx="3911600" cy="426720"/>
+          </a:xfrm>
+          <a:prstGeom prst="uturnArrow">
+            <a:avLst/>
+          </a:prstGeom>
+        </p:spPr>
+        <p:style>
+          <a:lnRef idx="1">
+            <a:schemeClr val="accent1"/>
+          </a:lnRef>
+          <a:fillRef idx="3">
+            <a:schemeClr val="accent1"/>
+          </a:fillRef>
+          <a:effectRef idx="2">
+            <a:schemeClr val="accent1"/>
+          </a:effectRef>
+          <a:fontRef idx="minor">
+            <a:schemeClr val="lt1"/>
+          </a:fontRef>
+        </p:style>
+        <p:txBody>
+          <a:bodyPr rtlCol="0" anchor="ctr"/>
+          <a:lstStyle/>
+          <a:p>
+            <a:pPr algn="ctr"/>
+            <a:endParaRPr lang="en-US">
+              <a:solidFill>
+                <a:schemeClr val="tx1"/>
+              </a:solidFill>
+            </a:endParaRPr>
+          </a:p>
+        </p:txBody>
+      </p:sp>
+      <p:sp>
+        <p:nvSpPr>
+          <p:cNvPr id="13" name="Arrow: U-Turn 12">
+            <a:extLst>
+              <a:ext uri="{FF2B5EF4-FFF2-40B4-BE49-F238E27FC236}">
+                <a16:creationId xmlns:a16="http://schemas.microsoft.com/office/drawing/2014/main" id="{174416F3-D18D-44B8-B799-1F518BBC5027}"/>
+              </a:ext>
+            </a:extLst>
+          </p:cNvPr>
+          <p:cNvSpPr/>
+          <p:nvPr/>
+        </p:nvSpPr>
+        <p:spPr>
+          <a:xfrm flipV="1">
+            <a:off x="4013200" y="4104640"/>
+            <a:ext cx="3870960" cy="497840"/>
+          </a:xfrm>
+          <a:prstGeom prst="uturnArrow">
+            <a:avLst/>
+          </a:prstGeom>
+        </p:spPr>
+        <p:style>
+          <a:lnRef idx="1">
+            <a:schemeClr val="accent1"/>
+          </a:lnRef>
+          <a:fillRef idx="3">
+            <a:schemeClr val="accent1"/>
+          </a:fillRef>
+          <a:effectRef idx="2">
+            <a:schemeClr val="accent1"/>
+          </a:effectRef>
+          <a:fontRef idx="minor">
+            <a:schemeClr val="lt1"/>
+          </a:fontRef>
+        </p:style>
+        <p:txBody>
+          <a:bodyPr rtlCol="0" anchor="ctr"/>
+          <a:lstStyle/>
+          <a:p>
+            <a:pPr algn="ctr"/>
+            <a:endParaRPr lang="en-US">
+              <a:solidFill>
+                <a:schemeClr val="tx1"/>
+              </a:solidFill>
+            </a:endParaRPr>
+          </a:p>
+        </p:txBody>
+      </p:sp>
+      <p:sp>
+        <p:nvSpPr>
+          <p:cNvPr id="14" name="Rectangle 13">
+            <a:extLst>
+              <a:ext uri="{FF2B5EF4-FFF2-40B4-BE49-F238E27FC236}">
+                <a16:creationId xmlns:a16="http://schemas.microsoft.com/office/drawing/2014/main" id="{330FFA72-BBBD-4DBC-800E-90E49E5C0B79}"/>
+              </a:ext>
+            </a:extLst>
+          </p:cNvPr>
+          <p:cNvSpPr/>
+          <p:nvPr/>
+        </p:nvSpPr>
+        <p:spPr>
+          <a:xfrm>
+            <a:off x="4998720" y="2225040"/>
+            <a:ext cx="1778000" cy="335280"/>
+          </a:xfrm>
+          <a:prstGeom prst="rect">
+            <a:avLst/>
+          </a:prstGeom>
+          <a:solidFill>
+            <a:schemeClr val="bg1"/>
+          </a:solidFill>
+        </p:spPr>
+        <p:style>
+          <a:lnRef idx="1">
+            <a:schemeClr val="accent1"/>
+          </a:lnRef>
+          <a:fillRef idx="3">
+            <a:schemeClr val="accent1"/>
+          </a:fillRef>
+          <a:effectRef idx="2">
+            <a:schemeClr val="accent1"/>
+          </a:effectRef>
+          <a:fontRef idx="minor">
+            <a:schemeClr val="lt1"/>
+          </a:fontRef>
+        </p:style>
+        <p:txBody>
+          <a:bodyPr rtlCol="0" anchor="ctr"/>
+          <a:lstStyle/>
+          <a:p>
+            <a:pPr algn="ctr"/>
+            <a:r>
+              <a:rPr lang="en-US" dirty="0">
+                <a:solidFill>
+                  <a:schemeClr val="tx1"/>
+                </a:solidFill>
+              </a:rPr>
+              <a:t>$report</a:t>
+            </a:r>
+          </a:p>
+        </p:txBody>
+      </p:sp>
+      <p:sp>
+        <p:nvSpPr>
+          <p:cNvPr id="16" name="Rectangle 15">
+            <a:extLst>
+              <a:ext uri="{FF2B5EF4-FFF2-40B4-BE49-F238E27FC236}">
+                <a16:creationId xmlns:a16="http://schemas.microsoft.com/office/drawing/2014/main" id="{6908AAC3-35FE-4372-8B8E-78FD5F752EEB}"/>
+              </a:ext>
+            </a:extLst>
+          </p:cNvPr>
+          <p:cNvSpPr/>
+          <p:nvPr/>
+        </p:nvSpPr>
+        <p:spPr>
+          <a:xfrm>
+            <a:off x="5029200" y="4297680"/>
+            <a:ext cx="1778000" cy="396240"/>
+          </a:xfrm>
+          <a:prstGeom prst="rect">
+            <a:avLst/>
+          </a:prstGeom>
+          <a:solidFill>
+            <a:schemeClr val="bg1"/>
+          </a:solidFill>
+        </p:spPr>
+        <p:style>
+          <a:lnRef idx="1">
+            <a:schemeClr val="accent1"/>
+          </a:lnRef>
+          <a:fillRef idx="3">
+            <a:schemeClr val="accent1"/>
+          </a:fillRef>
+          <a:effectRef idx="2">
+            <a:schemeClr val="accent1"/>
+          </a:effectRef>
+          <a:fontRef idx="minor">
+            <a:schemeClr val="lt1"/>
+          </a:fontRef>
+        </p:style>
+        <p:txBody>
+          <a:bodyPr rtlCol="0" anchor="ctr"/>
+          <a:lstStyle/>
+          <a:p>
+            <a:pPr algn="ctr"/>
+            <a:r>
+              <a:rPr lang="en-US" sz="1400" dirty="0">
+                <a:solidFill>
+                  <a:schemeClr val="tx1"/>
+                </a:solidFill>
+              </a:rPr>
+              <a:t>Risk Adjustment Care Gap Reports</a:t>
+            </a:r>
+          </a:p>
+        </p:txBody>
+      </p:sp>
+    </p:spTree>
+    <p:extLst>
+      <p:ext uri="{BB962C8B-B14F-4D97-AF65-F5344CB8AC3E}">
+        <p14:creationId xmlns:p14="http://schemas.microsoft.com/office/powerpoint/2010/main" val="2117979091"/>
+      </p:ext>
+    </p:extLst>
+  </p:cSld>
+  <p:clrMapOvr>
+    <a:masterClrMapping/>
+  </p:clrMapOvr>
+</p:sld>
+</file>
+
+<file path=ppt/slides/slide16.xml><?xml version="1.0" encoding="utf-8"?>
+<p:sld xmlns:a="http://schemas.openxmlformats.org/drawingml/2006/main" xmlns:r="http://schemas.openxmlformats.org/officeDocument/2006/relationships" xmlns:p="http://schemas.openxmlformats.org/presentationml/2006/main">
+  <p:cSld>
+    <p:spTree>
+      <p:nvGrpSpPr>
+        <p:cNvPr id="1" name=""/>
+        <p:cNvGrpSpPr/>
+        <p:nvPr/>
+      </p:nvGrpSpPr>
+      <p:grpSpPr>
+        <a:xfrm>
+          <a:off x="0" y="0"/>
+          <a:ext cx="0" cy="0"/>
+          <a:chOff x="0" y="0"/>
+          <a:chExt cx="0" cy="0"/>
+        </a:xfrm>
+      </p:grpSpPr>
+      <p:sp>
+        <p:nvSpPr>
+          <p:cNvPr id="2" name="Title 1">
+            <a:extLst>
+              <a:ext uri="{FF2B5EF4-FFF2-40B4-BE49-F238E27FC236}">
                 <a16:creationId xmlns:a16="http://schemas.microsoft.com/office/drawing/2014/main" id="{D839B762-5734-44CA-BA78-76FD98019C0D}"/>
               </a:ext>
             </a:extLst>
@@ -15854,7 +16544,7 @@
                   <a:spcPct val="0"/>
                 </a:spcAft>
               </a:pPr>
-              <a:t>15</a:t>
+              <a:t>16</a:t>
             </a:fld>
             <a:endParaRPr lang="en-US" altLang="en-US" dirty="0">
               <a:solidFill>
@@ -15909,7 +16599,7 @@
 </p:sld>
 </file>
 
-<file path=ppt/slides/slide16.xml><?xml version="1.0" encoding="utf-8"?>
+<file path=ppt/slides/slide17.xml><?xml version="1.0" encoding="utf-8"?>
 <p:sld xmlns:a="http://schemas.openxmlformats.org/drawingml/2006/main" xmlns:r="http://schemas.openxmlformats.org/officeDocument/2006/relationships" xmlns:p="http://schemas.openxmlformats.org/presentationml/2006/main">
   <p:cSld>
     <p:spTree>
@@ -21705,50 +22395,6 @@
       </p:grpSpPr>
       <p:sp>
         <p:nvSpPr>
-          <p:cNvPr id="14" name="Rectangle 13">
-            <a:extLst>
-              <a:ext uri="{FF2B5EF4-FFF2-40B4-BE49-F238E27FC236}">
-                <a16:creationId xmlns:a16="http://schemas.microsoft.com/office/drawing/2014/main" id="{CF806683-A300-4B81-8383-0467E3567E38}"/>
-              </a:ext>
-            </a:extLst>
-          </p:cNvPr>
-          <p:cNvSpPr/>
-          <p:nvPr/>
-        </p:nvSpPr>
-        <p:spPr>
-          <a:xfrm>
-            <a:off x="1510199" y="4890716"/>
-            <a:ext cx="4900672" cy="1360809"/>
-          </a:xfrm>
-          <a:prstGeom prst="rect">
-            <a:avLst/>
-          </a:prstGeom>
-        </p:spPr>
-        <p:style>
-          <a:lnRef idx="1">
-            <a:schemeClr val="accent1"/>
-          </a:lnRef>
-          <a:fillRef idx="3">
-            <a:schemeClr val="accent1"/>
-          </a:fillRef>
-          <a:effectRef idx="2">
-            <a:schemeClr val="accent1"/>
-          </a:effectRef>
-          <a:fontRef idx="minor">
-            <a:schemeClr val="lt1"/>
-          </a:fontRef>
-        </p:style>
-        <p:txBody>
-          <a:bodyPr rtlCol="0" anchor="ctr"/>
-          <a:lstStyle/>
-          <a:p>
-            <a:pPr algn="ctr"/>
-            <a:endParaRPr lang="en-US"/>
-          </a:p>
-        </p:txBody>
-      </p:sp>
-      <p:sp>
-        <p:nvSpPr>
           <p:cNvPr id="15361" name="Title 1">
             <a:extLst>
               <a:ext uri="{FF2B5EF4-FFF2-40B4-BE49-F238E27FC236}">
@@ -22108,7 +22754,7 @@
         </p:blipFill>
         <p:spPr>
           <a:xfrm>
-            <a:off x="9615027" y="5137051"/>
+            <a:off x="10150582" y="2961684"/>
             <a:ext cx="659817" cy="817600"/>
           </a:xfrm>
           <a:prstGeom prst="rect">
@@ -22144,7 +22790,7 @@
         </p:blipFill>
         <p:spPr>
           <a:xfrm>
-            <a:off x="9643308" y="2769053"/>
+            <a:off x="7512232" y="2961683"/>
             <a:ext cx="659817" cy="996459"/>
           </a:xfrm>
           <a:prstGeom prst="rect">
@@ -22180,7 +22826,7 @@
         </p:blipFill>
         <p:spPr>
           <a:xfrm>
-            <a:off x="4488361" y="2989394"/>
+            <a:off x="4445355" y="2979090"/>
             <a:ext cx="814124" cy="899821"/>
           </a:xfrm>
           <a:prstGeom prst="rect">
@@ -22202,8 +22848,8 @@
         </p:nvSpPr>
         <p:spPr>
           <a:xfrm>
-            <a:off x="5601878" y="2241622"/>
-            <a:ext cx="1630257" cy="997412"/>
+            <a:off x="5601878" y="2381431"/>
+            <a:ext cx="1630257" cy="784360"/>
           </a:xfrm>
           <a:prstGeom prst="roundRect">
             <a:avLst/>
@@ -22248,7 +22894,7 @@
                 <a:ea typeface="ヒラギノ角ゴ Pro W3" pitchFamily="-126" charset="-128"/>
                 <a:cs typeface="Arial" panose="020B0604020202020204" pitchFamily="34" charset="0"/>
               </a:rPr>
-              <a:t>Provider requests and Payer Sends Risk Coding report to provider group</a:t>
+              <a:t>Payer sends risk coding gap report to provider group</a:t>
             </a:r>
           </a:p>
         </p:txBody>
@@ -22269,8 +22915,8 @@
         </p:nvCxnSpPr>
         <p:spPr>
           <a:xfrm>
-            <a:off x="9057746" y="4144972"/>
-            <a:ext cx="893598" cy="1052051"/>
+            <a:off x="8416630" y="3676571"/>
+            <a:ext cx="1415973" cy="0"/>
           </a:xfrm>
           <a:prstGeom prst="straightConnector1">
             <a:avLst/>
@@ -22328,7 +22974,7 @@
         </p:blipFill>
         <p:spPr>
           <a:xfrm>
-            <a:off x="8829058" y="2827421"/>
+            <a:off x="7558975" y="3937220"/>
             <a:ext cx="566328" cy="499701"/>
           </a:xfrm>
           <a:prstGeom prst="rect">
@@ -22347,15 +22993,13 @@
           </p:cNvPr>
           <p:cNvCxnSpPr>
             <a:cxnSpLocks/>
-            <a:stCxn id="14" idx="3"/>
-            <a:endCxn id="27" idx="1"/>
           </p:cNvCxnSpPr>
           <p:nvPr/>
         </p:nvCxnSpPr>
         <p:spPr>
-          <a:xfrm flipV="1">
-            <a:off x="6410871" y="5545851"/>
-            <a:ext cx="3204156" cy="25270"/>
+          <a:xfrm flipH="1">
+            <a:off x="8416629" y="3434805"/>
+            <a:ext cx="1489371" cy="0"/>
           </a:xfrm>
           <a:prstGeom prst="straightConnector1">
             <a:avLst/>
@@ -22446,8 +23090,8 @@
         </p:nvSpPr>
         <p:spPr>
           <a:xfrm>
-            <a:off x="6013467" y="4247482"/>
-            <a:ext cx="1705799" cy="667561"/>
+            <a:off x="5561851" y="3743369"/>
+            <a:ext cx="1705799" cy="693552"/>
           </a:xfrm>
           <a:prstGeom prst="roundRect">
             <a:avLst>
@@ -22701,7 +23345,7 @@
         </p:nvSpPr>
         <p:spPr>
           <a:xfrm>
-            <a:off x="9944936" y="3618221"/>
+            <a:off x="8172048" y="2773611"/>
             <a:ext cx="1869760" cy="652728"/>
           </a:xfrm>
           <a:prstGeom prst="roundRect">
@@ -22757,7 +23401,7 @@
         </p:nvSpPr>
         <p:spPr>
           <a:xfrm>
-            <a:off x="8259322" y="3453303"/>
+            <a:off x="8327284" y="3706981"/>
             <a:ext cx="1705800" cy="803231"/>
           </a:xfrm>
           <a:prstGeom prst="roundRect">
@@ -22811,14 +23455,13 @@
           </p:cNvPr>
           <p:cNvCxnSpPr>
             <a:cxnSpLocks/>
-            <a:endCxn id="32" idx="1"/>
           </p:cNvCxnSpPr>
           <p:nvPr/>
         </p:nvCxnSpPr>
         <p:spPr>
           <a:xfrm flipV="1">
-            <a:off x="6002989" y="3077272"/>
-            <a:ext cx="2826069" cy="1813446"/>
+            <a:off x="5637430" y="3677189"/>
+            <a:ext cx="1519164" cy="11924"/>
           </a:xfrm>
           <a:prstGeom prst="straightConnector1">
             <a:avLst/>
@@ -22919,7 +23562,7 @@
         </p:nvSpPr>
         <p:spPr>
           <a:xfrm>
-            <a:off x="9263348" y="5804889"/>
+            <a:off x="9759906" y="2364603"/>
             <a:ext cx="1363173" cy="681056"/>
           </a:xfrm>
           <a:prstGeom prst="roundRect">
@@ -23140,7 +23783,7 @@
         </p:nvSpPr>
         <p:spPr>
           <a:xfrm>
-            <a:off x="5645918" y="1674039"/>
+            <a:off x="5988647" y="1654283"/>
             <a:ext cx="764953" cy="338554"/>
           </a:xfrm>
           <a:prstGeom prst="rect">
@@ -23175,384 +23818,10 @@
           </a:p>
         </p:txBody>
       </p:sp>
-      <p:pic>
-        <p:nvPicPr>
-          <p:cNvPr id="45" name="Graphic 44">
-            <a:extLst>
-              <a:ext uri="{FF2B5EF4-FFF2-40B4-BE49-F238E27FC236}">
-                <a16:creationId xmlns:a16="http://schemas.microsoft.com/office/drawing/2014/main" id="{EF8BA341-F28F-4CAC-84E6-0369C91D6B9D}"/>
-              </a:ext>
-            </a:extLst>
-          </p:cNvPr>
-          <p:cNvPicPr>
-            <a:picLocks noChangeAspect="1"/>
-          </p:cNvPicPr>
-          <p:nvPr/>
-        </p:nvPicPr>
-        <p:blipFill>
-          <a:blip r:embed="rId7">
-            <a:extLst>
-              <a:ext uri="{96DAC541-7B7A-43D3-8B79-37D633B846F1}">
-                <asvg:svgBlip xmlns:asvg="http://schemas.microsoft.com/office/drawing/2016/SVG/main" r:embed="rId8"/>
-              </a:ext>
-            </a:extLst>
-          </a:blip>
-          <a:stretch>
-            <a:fillRect/>
-          </a:stretch>
-        </p:blipFill>
-        <p:spPr>
-          <a:xfrm>
-            <a:off x="4488361" y="5222301"/>
-            <a:ext cx="814124" cy="899821"/>
-          </a:xfrm>
-          <a:prstGeom prst="rect">
-            <a:avLst/>
-          </a:prstGeom>
-        </p:spPr>
-      </p:pic>
-      <p:pic>
-        <p:nvPicPr>
-          <p:cNvPr id="46" name="Graphic 45" descr="Microscope outline">
-            <a:extLst>
-              <a:ext uri="{FF2B5EF4-FFF2-40B4-BE49-F238E27FC236}">
-                <a16:creationId xmlns:a16="http://schemas.microsoft.com/office/drawing/2014/main" id="{A8735016-A45E-4FA7-9A6C-A472745BFE22}"/>
-              </a:ext>
-            </a:extLst>
-          </p:cNvPr>
-          <p:cNvPicPr>
-            <a:picLocks noChangeAspect="1"/>
-          </p:cNvPicPr>
-          <p:nvPr/>
-        </p:nvPicPr>
-        <p:blipFill>
-          <a:blip r:embed="rId12">
-            <a:extLst>
-              <a:ext uri="{28A0092B-C50C-407E-A947-70E740481C1C}">
-                <a14:useLocalDpi xmlns:a14="http://schemas.microsoft.com/office/drawing/2010/main" val="0"/>
-              </a:ext>
-              <a:ext uri="{96DAC541-7B7A-43D3-8B79-37D633B846F1}">
-                <asvg:svgBlip xmlns:asvg="http://schemas.microsoft.com/office/drawing/2016/SVG/main" r:embed="rId13"/>
-              </a:ext>
-            </a:extLst>
-          </a:blip>
-          <a:stretch>
-            <a:fillRect/>
-          </a:stretch>
-        </p:blipFill>
-        <p:spPr>
-          <a:xfrm>
-            <a:off x="2530626" y="5207722"/>
-            <a:ext cx="914400" cy="914400"/>
-          </a:xfrm>
-          <a:prstGeom prst="rect">
-            <a:avLst/>
-          </a:prstGeom>
-        </p:spPr>
-      </p:pic>
-      <p:cxnSp>
-        <p:nvCxnSpPr>
-          <p:cNvPr id="47" name="Straight Arrow Connector 46">
-            <a:extLst>
-              <a:ext uri="{FF2B5EF4-FFF2-40B4-BE49-F238E27FC236}">
-                <a16:creationId xmlns:a16="http://schemas.microsoft.com/office/drawing/2014/main" id="{F0B9FBCB-09F4-408F-AEB5-E5D1A016BE63}"/>
-              </a:ext>
-            </a:extLst>
-          </p:cNvPr>
-          <p:cNvCxnSpPr>
-            <a:cxnSpLocks/>
-          </p:cNvCxnSpPr>
-          <p:nvPr/>
-        </p:nvCxnSpPr>
-        <p:spPr>
-          <a:xfrm flipV="1">
-            <a:off x="9951344" y="4214933"/>
-            <a:ext cx="965002" cy="971582"/>
-          </a:xfrm>
-          <a:prstGeom prst="straightConnector1">
-            <a:avLst/>
-          </a:prstGeom>
-          <a:ln w="38100">
-            <a:solidFill>
-              <a:schemeClr val="bg1">
-                <a:lumMod val="75000"/>
-              </a:schemeClr>
-            </a:solidFill>
-            <a:headEnd type="triangle" w="med" len="med"/>
-            <a:tailEnd type="none" w="med" len="med"/>
-          </a:ln>
-        </p:spPr>
-        <p:style>
-          <a:lnRef idx="1">
-            <a:schemeClr val="accent1"/>
-          </a:lnRef>
-          <a:fillRef idx="0">
-            <a:schemeClr val="accent1"/>
-          </a:fillRef>
-          <a:effectRef idx="0">
-            <a:schemeClr val="accent1"/>
-          </a:effectRef>
-          <a:fontRef idx="minor">
-            <a:schemeClr val="tx1"/>
-          </a:fontRef>
-        </p:style>
-      </p:cxnSp>
-      <p:cxnSp>
-        <p:nvCxnSpPr>
-          <p:cNvPr id="48" name="Straight Arrow Connector 47">
-            <a:extLst>
-              <a:ext uri="{FF2B5EF4-FFF2-40B4-BE49-F238E27FC236}">
-                <a16:creationId xmlns:a16="http://schemas.microsoft.com/office/drawing/2014/main" id="{579C8660-292B-4923-948A-4C74F1BB3BAE}"/>
-              </a:ext>
-            </a:extLst>
-          </p:cNvPr>
-          <p:cNvCxnSpPr>
-            <a:cxnSpLocks/>
-          </p:cNvCxnSpPr>
-          <p:nvPr/>
-        </p:nvCxnSpPr>
-        <p:spPr>
-          <a:xfrm flipH="1">
-            <a:off x="4649386" y="3983391"/>
-            <a:ext cx="146198" cy="1117568"/>
-          </a:xfrm>
-          <a:prstGeom prst="straightConnector1">
-            <a:avLst/>
-          </a:prstGeom>
-          <a:ln w="38100">
-            <a:solidFill>
-              <a:schemeClr val="bg1">
-                <a:lumMod val="75000"/>
-              </a:schemeClr>
-            </a:solidFill>
-            <a:headEnd type="triangle" w="med" len="med"/>
-            <a:tailEnd type="none" w="med" len="med"/>
-          </a:ln>
-        </p:spPr>
-        <p:style>
-          <a:lnRef idx="1">
-            <a:schemeClr val="accent1"/>
-          </a:lnRef>
-          <a:fillRef idx="0">
-            <a:schemeClr val="accent1"/>
-          </a:fillRef>
-          <a:effectRef idx="0">
-            <a:schemeClr val="accent1"/>
-          </a:effectRef>
-          <a:fontRef idx="minor">
-            <a:schemeClr val="tx1"/>
-          </a:fontRef>
-        </p:style>
-      </p:cxnSp>
-      <p:pic>
-        <p:nvPicPr>
-          <p:cNvPr id="50" name="Graphic 49">
-            <a:extLst>
-              <a:ext uri="{FF2B5EF4-FFF2-40B4-BE49-F238E27FC236}">
-                <a16:creationId xmlns:a16="http://schemas.microsoft.com/office/drawing/2014/main" id="{86DF99FA-6065-4F47-AFC5-7DF64B218D66}"/>
-              </a:ext>
-            </a:extLst>
-          </p:cNvPr>
-          <p:cNvPicPr>
-            <a:picLocks noChangeAspect="1"/>
-          </p:cNvPicPr>
-          <p:nvPr/>
-        </p:nvPicPr>
-        <p:blipFill>
-          <a:blip r:embed="rId5">
-            <a:extLst>
-              <a:ext uri="{96DAC541-7B7A-43D3-8B79-37D633B846F1}">
-                <asvg:svgBlip xmlns:asvg="http://schemas.microsoft.com/office/drawing/2016/SVG/main" r:embed="rId6"/>
-              </a:ext>
-            </a:extLst>
-          </a:blip>
-          <a:stretch>
-            <a:fillRect/>
-          </a:stretch>
-        </p:blipFill>
-        <p:spPr>
-          <a:xfrm>
-            <a:off x="5515718" y="5144072"/>
-            <a:ext cx="659817" cy="996459"/>
-          </a:xfrm>
-          <a:prstGeom prst="rect">
-            <a:avLst/>
-          </a:prstGeom>
-        </p:spPr>
-      </p:pic>
-      <p:pic>
-        <p:nvPicPr>
-          <p:cNvPr id="55" name="Graphic 54">
-            <a:extLst>
-              <a:ext uri="{FF2B5EF4-FFF2-40B4-BE49-F238E27FC236}">
-                <a16:creationId xmlns:a16="http://schemas.microsoft.com/office/drawing/2014/main" id="{5D4A3B1F-66CC-40AA-80EB-AFAB436B166B}"/>
-              </a:ext>
-            </a:extLst>
-          </p:cNvPr>
-          <p:cNvPicPr>
-            <a:picLocks noChangeAspect="1"/>
-          </p:cNvPicPr>
-          <p:nvPr/>
-        </p:nvPicPr>
-        <p:blipFill>
-          <a:blip r:embed="rId14">
-            <a:extLst>
-              <a:ext uri="{96DAC541-7B7A-43D3-8B79-37D633B846F1}">
-                <asvg:svgBlip xmlns:asvg="http://schemas.microsoft.com/office/drawing/2016/SVG/main" r:embed="rId15"/>
-              </a:ext>
-            </a:extLst>
-          </a:blip>
-          <a:stretch>
-            <a:fillRect/>
-          </a:stretch>
-        </p:blipFill>
-        <p:spPr>
-          <a:xfrm>
-            <a:off x="1732391" y="5186515"/>
-            <a:ext cx="659817" cy="996459"/>
-          </a:xfrm>
-          <a:prstGeom prst="rect">
-            <a:avLst/>
-          </a:prstGeom>
-        </p:spPr>
-      </p:pic>
-      <p:sp>
-        <p:nvSpPr>
-          <p:cNvPr id="22" name="Rectangle 21">
-            <a:extLst>
-              <a:ext uri="{FF2B5EF4-FFF2-40B4-BE49-F238E27FC236}">
-                <a16:creationId xmlns:a16="http://schemas.microsoft.com/office/drawing/2014/main" id="{E05D57A9-C026-4189-BA85-066DAF1A2485}"/>
-              </a:ext>
-            </a:extLst>
-          </p:cNvPr>
-          <p:cNvSpPr/>
-          <p:nvPr/>
-        </p:nvSpPr>
-        <p:spPr>
-          <a:xfrm>
-            <a:off x="2722880" y="4916314"/>
-            <a:ext cx="2579605" cy="270201"/>
-          </a:xfrm>
-          <a:prstGeom prst="rect">
-            <a:avLst/>
-          </a:prstGeom>
-        </p:spPr>
-        <p:style>
-          <a:lnRef idx="1">
-            <a:schemeClr val="accent1"/>
-          </a:lnRef>
-          <a:fillRef idx="3">
-            <a:schemeClr val="accent1"/>
-          </a:fillRef>
-          <a:effectRef idx="2">
-            <a:schemeClr val="accent1"/>
-          </a:effectRef>
-          <a:fontRef idx="minor">
-            <a:schemeClr val="lt1"/>
-          </a:fontRef>
-        </p:style>
-        <p:txBody>
-          <a:bodyPr rtlCol="0" anchor="ctr"/>
-          <a:lstStyle/>
-          <a:p>
-            <a:pPr algn="ctr"/>
-            <a:r>
-              <a:rPr lang="en-US" dirty="0"/>
-              <a:t>Payer Data on File</a:t>
-            </a:r>
-          </a:p>
-        </p:txBody>
-      </p:sp>
-      <p:pic>
-        <p:nvPicPr>
-          <p:cNvPr id="62" name="Graphic 61" descr="Medicine with solid fill">
-            <a:extLst>
-              <a:ext uri="{FF2B5EF4-FFF2-40B4-BE49-F238E27FC236}">
-                <a16:creationId xmlns:a16="http://schemas.microsoft.com/office/drawing/2014/main" id="{FF5549DF-3B55-4924-9628-49E08F228496}"/>
-              </a:ext>
-            </a:extLst>
-          </p:cNvPr>
-          <p:cNvPicPr>
-            <a:picLocks noChangeAspect="1"/>
-          </p:cNvPicPr>
-          <p:nvPr/>
-        </p:nvPicPr>
-        <p:blipFill>
-          <a:blip r:embed="rId16">
-            <a:extLst>
-              <a:ext uri="{28A0092B-C50C-407E-A947-70E740481C1C}">
-                <a14:useLocalDpi xmlns:a14="http://schemas.microsoft.com/office/drawing/2010/main" val="0"/>
-              </a:ext>
-              <a:ext uri="{96DAC541-7B7A-43D3-8B79-37D633B846F1}">
-                <asvg:svgBlip xmlns:asvg="http://schemas.microsoft.com/office/drawing/2016/SVG/main" r:embed="rId17"/>
-              </a:ext>
-            </a:extLst>
-          </a:blip>
-          <a:stretch>
-            <a:fillRect/>
-          </a:stretch>
-        </p:blipFill>
-        <p:spPr>
-          <a:xfrm>
-            <a:off x="3487139" y="5276201"/>
-            <a:ext cx="914400" cy="914400"/>
-          </a:xfrm>
-          <a:prstGeom prst="rect">
-            <a:avLst/>
-          </a:prstGeom>
-        </p:spPr>
-      </p:pic>
-      <p:cxnSp>
-        <p:nvCxnSpPr>
-          <p:cNvPr id="66" name="Straight Arrow Connector 65">
-            <a:extLst>
-              <a:ext uri="{FF2B5EF4-FFF2-40B4-BE49-F238E27FC236}">
-                <a16:creationId xmlns:a16="http://schemas.microsoft.com/office/drawing/2014/main" id="{D9D12828-2FD6-49DF-8299-2E412D427DDB}"/>
-              </a:ext>
-            </a:extLst>
-          </p:cNvPr>
-          <p:cNvCxnSpPr>
-            <a:cxnSpLocks/>
-          </p:cNvCxnSpPr>
-          <p:nvPr/>
-        </p:nvCxnSpPr>
-        <p:spPr>
-          <a:xfrm>
-            <a:off x="5720080" y="2113280"/>
-            <a:ext cx="1492148" cy="0"/>
-          </a:xfrm>
-          <a:prstGeom prst="straightConnector1">
-            <a:avLst/>
-          </a:prstGeom>
-          <a:ln w="38100">
-            <a:solidFill>
-              <a:schemeClr val="bg1">
-                <a:lumMod val="75000"/>
-              </a:schemeClr>
-            </a:solidFill>
-            <a:headEnd type="triangle" w="med" len="med"/>
-            <a:tailEnd type="none" w="med" len="med"/>
-          </a:ln>
-        </p:spPr>
-        <p:style>
-          <a:lnRef idx="1">
-            <a:schemeClr val="accent1"/>
-          </a:lnRef>
-          <a:fillRef idx="0">
-            <a:schemeClr val="accent1"/>
-          </a:fillRef>
-          <a:effectRef idx="0">
-            <a:schemeClr val="accent1"/>
-          </a:effectRef>
-          <a:fontRef idx="minor">
-            <a:schemeClr val="tx1"/>
-          </a:fontRef>
-        </p:style>
-      </p:cxnSp>
     </p:spTree>
     <p:extLst>
       <p:ext uri="{BB962C8B-B14F-4D97-AF65-F5344CB8AC3E}">
-        <p14:creationId xmlns:p14="http://schemas.microsoft.com/office/powerpoint/2010/main" val="786638985"/>
+        <p14:creationId xmlns:p14="http://schemas.microsoft.com/office/powerpoint/2010/main" val="2285653365"/>
       </p:ext>
     </p:extLst>
   </p:cSld>
@@ -23581,54 +23850,10 @@
       </p:grpSpPr>
       <p:sp>
         <p:nvSpPr>
-          <p:cNvPr id="14" name="Rectangle 13">
-            <a:extLst>
-              <a:ext uri="{FF2B5EF4-FFF2-40B4-BE49-F238E27FC236}">
-                <a16:creationId xmlns:a16="http://schemas.microsoft.com/office/drawing/2014/main" id="{CF806683-A300-4B81-8383-0467E3567E38}"/>
-              </a:ext>
-            </a:extLst>
-          </p:cNvPr>
-          <p:cNvSpPr/>
-          <p:nvPr/>
-        </p:nvSpPr>
-        <p:spPr>
-          <a:xfrm>
-            <a:off x="1510199" y="4890716"/>
-            <a:ext cx="4900672" cy="1360809"/>
-          </a:xfrm>
-          <a:prstGeom prst="rect">
-            <a:avLst/>
-          </a:prstGeom>
-        </p:spPr>
-        <p:style>
-          <a:lnRef idx="1">
-            <a:schemeClr val="accent1"/>
-          </a:lnRef>
-          <a:fillRef idx="3">
-            <a:schemeClr val="accent1"/>
-          </a:fillRef>
-          <a:effectRef idx="2">
-            <a:schemeClr val="accent1"/>
-          </a:effectRef>
-          <a:fontRef idx="minor">
-            <a:schemeClr val="lt1"/>
-          </a:fontRef>
-        </p:style>
-        <p:txBody>
-          <a:bodyPr rtlCol="0" anchor="ctr"/>
-          <a:lstStyle/>
-          <a:p>
-            <a:pPr algn="ctr"/>
-            <a:endParaRPr lang="en-US"/>
-          </a:p>
-        </p:txBody>
-      </p:sp>
-      <p:sp>
-        <p:nvSpPr>
-          <p:cNvPr id="15361" name="Title 1">
-            <a:extLst>
-              <a:ext uri="{FF2B5EF4-FFF2-40B4-BE49-F238E27FC236}">
-                <a16:creationId xmlns:a16="http://schemas.microsoft.com/office/drawing/2014/main" id="{9BD03358-C736-4C1A-8E91-843C37ADF1DB}"/>
+          <p:cNvPr id="2" name="Title 1">
+            <a:extLst>
+              <a:ext uri="{FF2B5EF4-FFF2-40B4-BE49-F238E27FC236}">
+                <a16:creationId xmlns:a16="http://schemas.microsoft.com/office/drawing/2014/main" id="{D839B762-5734-44CA-BA78-76FD98019C0D}"/>
               </a:ext>
             </a:extLst>
           </p:cNvPr>
@@ -23645,18 +23870,18 @@
           <a:lstStyle/>
           <a:p>
             <a:r>
-              <a:rPr lang="en-US" altLang="en-US" dirty="0"/>
-              <a:t>Workflow for Medicare Advantage Population</a:t>
-            </a:r>
-          </a:p>
-        </p:txBody>
-      </p:sp>
-      <p:sp>
-        <p:nvSpPr>
-          <p:cNvPr id="15363" name="Footer Placeholder 3">
-            <a:extLst>
-              <a:ext uri="{FF2B5EF4-FFF2-40B4-BE49-F238E27FC236}">
-                <a16:creationId xmlns:a16="http://schemas.microsoft.com/office/drawing/2014/main" id="{62AFA8FB-2E5A-4324-ADD7-1326236DA958}"/>
+              <a:rPr lang="en-US" dirty="0"/>
+              <a:t>Example Risk Adjustment Report</a:t>
+            </a:r>
+          </a:p>
+        </p:txBody>
+      </p:sp>
+      <p:sp>
+        <p:nvSpPr>
+          <p:cNvPr id="4" name="Footer Placeholder 3">
+            <a:extLst>
+              <a:ext uri="{FF2B5EF4-FFF2-40B4-BE49-F238E27FC236}">
+                <a16:creationId xmlns:a16="http://schemas.microsoft.com/office/drawing/2014/main" id="{C18F18B0-D93F-44AA-9787-691A06C0D216}"/>
               </a:ext>
             </a:extLst>
           </p:cNvPr>
@@ -23670,113 +23895,7 @@
         <p:spPr/>
         <p:txBody>
           <a:bodyPr/>
-          <a:lstStyle>
-            <a:lvl1pPr>
-              <a:defRPr>
-                <a:solidFill>
-                  <a:schemeClr val="tx1"/>
-                </a:solidFill>
-                <a:latin typeface="Arial" panose="020B0604020202020204" pitchFamily="34" charset="0"/>
-                <a:ea typeface="ヒラギノ角ゴ Pro W3" pitchFamily="-126" charset="-128"/>
-              </a:defRPr>
-            </a:lvl1pPr>
-            <a:lvl2pPr marL="990575" indent="-380990">
-              <a:defRPr>
-                <a:solidFill>
-                  <a:schemeClr val="tx1"/>
-                </a:solidFill>
-                <a:latin typeface="Arial" panose="020B0604020202020204" pitchFamily="34" charset="0"/>
-                <a:ea typeface="ヒラギノ角ゴ Pro W3" pitchFamily="-126" charset="-128"/>
-              </a:defRPr>
-            </a:lvl2pPr>
-            <a:lvl3pPr marL="1523962" indent="-304792">
-              <a:defRPr>
-                <a:solidFill>
-                  <a:schemeClr val="tx1"/>
-                </a:solidFill>
-                <a:latin typeface="Arial" panose="020B0604020202020204" pitchFamily="34" charset="0"/>
-                <a:ea typeface="ヒラギノ角ゴ Pro W3" pitchFamily="-126" charset="-128"/>
-              </a:defRPr>
-            </a:lvl3pPr>
-            <a:lvl4pPr marL="2133547" indent="-304792">
-              <a:defRPr>
-                <a:solidFill>
-                  <a:schemeClr val="tx1"/>
-                </a:solidFill>
-                <a:latin typeface="Arial" panose="020B0604020202020204" pitchFamily="34" charset="0"/>
-                <a:ea typeface="ヒラギノ角ゴ Pro W3" pitchFamily="-126" charset="-128"/>
-              </a:defRPr>
-            </a:lvl4pPr>
-            <a:lvl5pPr marL="2743131" indent="-304792">
-              <a:defRPr>
-                <a:solidFill>
-                  <a:schemeClr val="tx1"/>
-                </a:solidFill>
-                <a:latin typeface="Arial" panose="020B0604020202020204" pitchFamily="34" charset="0"/>
-                <a:ea typeface="ヒラギノ角ゴ Pro W3" pitchFamily="-126" charset="-128"/>
-              </a:defRPr>
-            </a:lvl5pPr>
-            <a:lvl6pPr marL="3352716" indent="-304792" defTabSz="609585" fontAlgn="base">
-              <a:spcBef>
-                <a:spcPct val="0"/>
-              </a:spcBef>
-              <a:spcAft>
-                <a:spcPct val="0"/>
-              </a:spcAft>
-              <a:defRPr>
-                <a:solidFill>
-                  <a:schemeClr val="tx1"/>
-                </a:solidFill>
-                <a:latin typeface="Arial" panose="020B0604020202020204" pitchFamily="34" charset="0"/>
-                <a:ea typeface="ヒラギノ角ゴ Pro W3" pitchFamily="-126" charset="-128"/>
-              </a:defRPr>
-            </a:lvl6pPr>
-            <a:lvl7pPr marL="3962301" indent="-304792" defTabSz="609585" fontAlgn="base">
-              <a:spcBef>
-                <a:spcPct val="0"/>
-              </a:spcBef>
-              <a:spcAft>
-                <a:spcPct val="0"/>
-              </a:spcAft>
-              <a:defRPr>
-                <a:solidFill>
-                  <a:schemeClr val="tx1"/>
-                </a:solidFill>
-                <a:latin typeface="Arial" panose="020B0604020202020204" pitchFamily="34" charset="0"/>
-                <a:ea typeface="ヒラギノ角ゴ Pro W3" pitchFamily="-126" charset="-128"/>
-              </a:defRPr>
-            </a:lvl7pPr>
-            <a:lvl8pPr marL="4571886" indent="-304792" defTabSz="609585" fontAlgn="base">
-              <a:spcBef>
-                <a:spcPct val="0"/>
-              </a:spcBef>
-              <a:spcAft>
-                <a:spcPct val="0"/>
-              </a:spcAft>
-              <a:defRPr>
-                <a:solidFill>
-                  <a:schemeClr val="tx1"/>
-                </a:solidFill>
-                <a:latin typeface="Arial" panose="020B0604020202020204" pitchFamily="34" charset="0"/>
-                <a:ea typeface="ヒラギノ角ゴ Pro W3" pitchFamily="-126" charset="-128"/>
-              </a:defRPr>
-            </a:lvl8pPr>
-            <a:lvl9pPr marL="5181470" indent="-304792" defTabSz="609585" fontAlgn="base">
-              <a:spcBef>
-                <a:spcPct val="0"/>
-              </a:spcBef>
-              <a:spcAft>
-                <a:spcPct val="0"/>
-              </a:spcAft>
-              <a:defRPr>
-                <a:solidFill>
-                  <a:schemeClr val="tx1"/>
-                </a:solidFill>
-                <a:latin typeface="Arial" panose="020B0604020202020204" pitchFamily="34" charset="0"/>
-                <a:ea typeface="ヒラギノ角ゴ Pro W3" pitchFamily="-126" charset="-128"/>
-              </a:defRPr>
-            </a:lvl9pPr>
-          </a:lstStyle>
+          <a:lstStyle/>
           <a:p>
             <a:pPr defTabSz="609585" fontAlgn="base">
               <a:spcBef>
@@ -23787,142 +23906,13 @@
               </a:spcAft>
             </a:pPr>
             <a:r>
-              <a:rPr lang="en-US" altLang="en-US">
-                <a:solidFill>
-                  <a:prstClr val="black"/>
-                </a:solidFill>
-              </a:rPr>
-              <a:t>© 2019 Health Level Seven ® International. Licensed under Creative Commons Attribution 4.0 International HL7, Health Level Seven, FHIR and the FHIR flame logo are registered trademarks of Health Level Seven International. Reg. U.S. TM Office.</a:t>
-            </a:r>
-          </a:p>
-        </p:txBody>
-      </p:sp>
-      <p:sp>
-        <p:nvSpPr>
-          <p:cNvPr id="15364" name="Slide Number Placeholder 4">
-            <a:extLst>
-              <a:ext uri="{FF2B5EF4-FFF2-40B4-BE49-F238E27FC236}">
-                <a16:creationId xmlns:a16="http://schemas.microsoft.com/office/drawing/2014/main" id="{2EEC91F9-0B4D-4914-992D-9AA65CF32774}"/>
-              </a:ext>
-            </a:extLst>
-          </p:cNvPr>
-          <p:cNvSpPr>
-            <a:spLocks noGrp="1"/>
-          </p:cNvSpPr>
-          <p:nvPr>
-            <p:ph type="sldNum" sz="quarter" idx="11"/>
-          </p:nvPr>
-        </p:nvSpPr>
-        <p:spPr/>
-        <p:txBody>
-          <a:bodyPr/>
-          <a:lstStyle>
-            <a:lvl1pPr>
-              <a:defRPr>
-                <a:solidFill>
-                  <a:schemeClr val="tx1"/>
-                </a:solidFill>
+              <a:rPr lang="en-US" b="1">
                 <a:latin typeface="Arial" panose="020B0604020202020204" pitchFamily="34" charset="0"/>
                 <a:ea typeface="ヒラギノ角ゴ Pro W3" pitchFamily="-126" charset="-128"/>
-              </a:defRPr>
-            </a:lvl1pPr>
-            <a:lvl2pPr marL="990575" indent="-380990">
-              <a:defRPr>
-                <a:solidFill>
-                  <a:schemeClr val="tx1"/>
-                </a:solidFill>
-                <a:latin typeface="Arial" panose="020B0604020202020204" pitchFamily="34" charset="0"/>
-                <a:ea typeface="ヒラギノ角ゴ Pro W3" pitchFamily="-126" charset="-128"/>
-              </a:defRPr>
-            </a:lvl2pPr>
-            <a:lvl3pPr marL="1523962" indent="-304792">
-              <a:defRPr>
-                <a:solidFill>
-                  <a:schemeClr val="tx1"/>
-                </a:solidFill>
-                <a:latin typeface="Arial" panose="020B0604020202020204" pitchFamily="34" charset="0"/>
-                <a:ea typeface="ヒラギノ角ゴ Pro W3" pitchFamily="-126" charset="-128"/>
-              </a:defRPr>
-            </a:lvl3pPr>
-            <a:lvl4pPr marL="2133547" indent="-304792">
-              <a:defRPr>
-                <a:solidFill>
-                  <a:schemeClr val="tx1"/>
-                </a:solidFill>
-                <a:latin typeface="Arial" panose="020B0604020202020204" pitchFamily="34" charset="0"/>
-                <a:ea typeface="ヒラギノ角ゴ Pro W3" pitchFamily="-126" charset="-128"/>
-              </a:defRPr>
-            </a:lvl4pPr>
-            <a:lvl5pPr marL="2743131" indent="-304792">
-              <a:defRPr>
-                <a:solidFill>
-                  <a:schemeClr val="tx1"/>
-                </a:solidFill>
-                <a:latin typeface="Arial" panose="020B0604020202020204" pitchFamily="34" charset="0"/>
-                <a:ea typeface="ヒラギノ角ゴ Pro W3" pitchFamily="-126" charset="-128"/>
-              </a:defRPr>
-            </a:lvl5pPr>
-            <a:lvl6pPr marL="3352716" indent="-304792" defTabSz="609585" fontAlgn="base">
-              <a:spcBef>
-                <a:spcPct val="0"/>
-              </a:spcBef>
-              <a:spcAft>
-                <a:spcPct val="0"/>
-              </a:spcAft>
-              <a:defRPr>
-                <a:solidFill>
-                  <a:schemeClr val="tx1"/>
-                </a:solidFill>
-                <a:latin typeface="Arial" panose="020B0604020202020204" pitchFamily="34" charset="0"/>
-                <a:ea typeface="ヒラギノ角ゴ Pro W3" pitchFamily="-126" charset="-128"/>
-              </a:defRPr>
-            </a:lvl6pPr>
-            <a:lvl7pPr marL="3962301" indent="-304792" defTabSz="609585" fontAlgn="base">
-              <a:spcBef>
-                <a:spcPct val="0"/>
-              </a:spcBef>
-              <a:spcAft>
-                <a:spcPct val="0"/>
-              </a:spcAft>
-              <a:defRPr>
-                <a:solidFill>
-                  <a:schemeClr val="tx1"/>
-                </a:solidFill>
-                <a:latin typeface="Arial" panose="020B0604020202020204" pitchFamily="34" charset="0"/>
-                <a:ea typeface="ヒラギノ角ゴ Pro W3" pitchFamily="-126" charset="-128"/>
-              </a:defRPr>
-            </a:lvl7pPr>
-            <a:lvl8pPr marL="4571886" indent="-304792" defTabSz="609585" fontAlgn="base">
-              <a:spcBef>
-                <a:spcPct val="0"/>
-              </a:spcBef>
-              <a:spcAft>
-                <a:spcPct val="0"/>
-              </a:spcAft>
-              <a:defRPr>
-                <a:solidFill>
-                  <a:schemeClr val="tx1"/>
-                </a:solidFill>
-                <a:latin typeface="Arial" panose="020B0604020202020204" pitchFamily="34" charset="0"/>
-                <a:ea typeface="ヒラギノ角ゴ Pro W3" pitchFamily="-126" charset="-128"/>
-              </a:defRPr>
-            </a:lvl8pPr>
-            <a:lvl9pPr marL="5181470" indent="-304792" defTabSz="609585" fontAlgn="base">
-              <a:spcBef>
-                <a:spcPct val="0"/>
-              </a:spcBef>
-              <a:spcAft>
-                <a:spcPct val="0"/>
-              </a:spcAft>
-              <a:defRPr>
-                <a:solidFill>
-                  <a:schemeClr val="tx1"/>
-                </a:solidFill>
-                <a:latin typeface="Arial" panose="020B0604020202020204" pitchFamily="34" charset="0"/>
-                <a:ea typeface="ヒラギノ角ゴ Pro W3" pitchFamily="-126" charset="-128"/>
-              </a:defRPr>
-            </a:lvl9pPr>
-          </a:lstStyle>
+              </a:rPr>
+              <a:t>© 2019 Health Level Seven ® International. Licensed under Creative Commons Attribution 4.0 International</a:t>
+            </a:r>
+          </a:p>
           <a:p>
             <a:pPr defTabSz="609585" fontAlgn="base">
               <a:spcBef>
@@ -23932,11 +23922,56 @@
                 <a:spcPct val="0"/>
               </a:spcAft>
             </a:pPr>
-            <a:fld id="{A6B490F0-9F17-4BC8-B7C0-FB1407BB346B}" type="slidenum">
+            <a:r>
+              <a:rPr lang="en-US" b="1">
+                <a:latin typeface="Arial" panose="020B0604020202020204" pitchFamily="34" charset="0"/>
+                <a:ea typeface="ヒラギノ角ゴ Pro W3" pitchFamily="-126" charset="-128"/>
+              </a:rPr>
+              <a:t>HL7, Health Level Seven, FHIR and the FHIR flame logo are registered trademarks of Health Level Seven International. Reg. U.S. TM Office.</a:t>
+            </a:r>
+            <a:endParaRPr lang="en-US" b="1" dirty="0">
+              <a:latin typeface="Arial" panose="020B0604020202020204" pitchFamily="34" charset="0"/>
+              <a:ea typeface="ヒラギノ角ゴ Pro W3" pitchFamily="-126" charset="-128"/>
+            </a:endParaRPr>
+          </a:p>
+        </p:txBody>
+      </p:sp>
+      <p:sp>
+        <p:nvSpPr>
+          <p:cNvPr id="5" name="Slide Number Placeholder 4">
+            <a:extLst>
+              <a:ext uri="{FF2B5EF4-FFF2-40B4-BE49-F238E27FC236}">
+                <a16:creationId xmlns:a16="http://schemas.microsoft.com/office/drawing/2014/main" id="{8536C7B4-DF79-45E4-A016-77A29D38BF35}"/>
+              </a:ext>
+            </a:extLst>
+          </p:cNvPr>
+          <p:cNvSpPr>
+            <a:spLocks noGrp="1"/>
+          </p:cNvSpPr>
+          <p:nvPr>
+            <p:ph type="sldNum" sz="quarter" idx="11"/>
+          </p:nvPr>
+        </p:nvSpPr>
+        <p:spPr/>
+        <p:txBody>
+          <a:bodyPr/>
+          <a:lstStyle/>
+          <a:p>
+            <a:pPr defTabSz="609585" fontAlgn="base">
+              <a:spcBef>
+                <a:spcPct val="0"/>
+              </a:spcBef>
+              <a:spcAft>
+                <a:spcPct val="0"/>
+              </a:spcAft>
+            </a:pPr>
+            <a:fld id="{6CACE926-AEF5-4BFE-8BD7-24414108CB7B}" type="slidenum">
               <a:rPr lang="en-US" altLang="en-US">
                 <a:solidFill>
                   <a:prstClr val="black"/>
                 </a:solidFill>
+                <a:latin typeface="Arial" panose="020B0604020202020204" pitchFamily="34" charset="0"/>
+                <a:ea typeface="ヒラギノ角ゴ Pro W3" pitchFamily="-126" charset="-128"/>
               </a:rPr>
               <a:pPr defTabSz="609585" fontAlgn="base">
                 <a:spcBef>
@@ -23948,20 +23983,22 @@
               </a:pPr>
               <a:t>6</a:t>
             </a:fld>
-            <a:endParaRPr lang="en-US" altLang="en-US">
+            <a:endParaRPr lang="en-US" altLang="en-US" dirty="0">
               <a:solidFill>
                 <a:prstClr val="black"/>
               </a:solidFill>
+              <a:latin typeface="Arial" panose="020B0604020202020204" pitchFamily="34" charset="0"/>
+              <a:ea typeface="ヒラギノ角ゴ Pro W3" pitchFamily="-126" charset="-128"/>
             </a:endParaRPr>
           </a:p>
         </p:txBody>
       </p:sp>
       <p:pic>
         <p:nvPicPr>
-          <p:cNvPr id="27" name="Graphic 26">
-            <a:extLst>
-              <a:ext uri="{FF2B5EF4-FFF2-40B4-BE49-F238E27FC236}">
-                <a16:creationId xmlns:a16="http://schemas.microsoft.com/office/drawing/2014/main" id="{FCA3DB60-E4FD-411D-BFC4-01DA17A8ABBA}"/>
+          <p:cNvPr id="7" name="Picture 6">
+            <a:extLst>
+              <a:ext uri="{FF2B5EF4-FFF2-40B4-BE49-F238E27FC236}">
+                <a16:creationId xmlns:a16="http://schemas.microsoft.com/office/drawing/2014/main" id="{A550DA12-3A5E-41B1-AC70-AB0E4A5610EE}"/>
               </a:ext>
             </a:extLst>
           </p:cNvPr>
@@ -23973,8 +24010,8 @@
         <p:blipFill>
           <a:blip r:embed="rId3">
             <a:extLst>
-              <a:ext uri="{96DAC541-7B7A-43D3-8B79-37D633B846F1}">
-                <asvg:svgBlip xmlns:asvg="http://schemas.microsoft.com/office/drawing/2016/SVG/main" r:embed="rId4"/>
+              <a:ext uri="{28A0092B-C50C-407E-A947-70E740481C1C}">
+                <a14:useLocalDpi xmlns:a14="http://schemas.microsoft.com/office/drawing/2010/main" val="0"/>
               </a:ext>
             </a:extLst>
           </a:blip>
@@ -23984,1394 +24021,8 @@
         </p:blipFill>
         <p:spPr>
           <a:xfrm>
-            <a:off x="9615027" y="5137051"/>
-            <a:ext cx="659817" cy="817600"/>
-          </a:xfrm>
-          <a:prstGeom prst="rect">
-            <a:avLst/>
-          </a:prstGeom>
-        </p:spPr>
-      </p:pic>
-      <p:pic>
-        <p:nvPicPr>
-          <p:cNvPr id="28" name="Graphic 27">
-            <a:extLst>
-              <a:ext uri="{FF2B5EF4-FFF2-40B4-BE49-F238E27FC236}">
-                <a16:creationId xmlns:a16="http://schemas.microsoft.com/office/drawing/2014/main" id="{8129DB4E-D9A3-45FE-9463-3C9796BFFFB2}"/>
-              </a:ext>
-            </a:extLst>
-          </p:cNvPr>
-          <p:cNvPicPr>
-            <a:picLocks noChangeAspect="1"/>
-          </p:cNvPicPr>
-          <p:nvPr/>
-        </p:nvPicPr>
-        <p:blipFill>
-          <a:blip r:embed="rId5">
-            <a:extLst>
-              <a:ext uri="{96DAC541-7B7A-43D3-8B79-37D633B846F1}">
-                <asvg:svgBlip xmlns:asvg="http://schemas.microsoft.com/office/drawing/2016/SVG/main" r:embed="rId6"/>
-              </a:ext>
-            </a:extLst>
-          </a:blip>
-          <a:stretch>
-            <a:fillRect/>
-          </a:stretch>
-        </p:blipFill>
-        <p:spPr>
-          <a:xfrm>
-            <a:off x="9643308" y="2769053"/>
-            <a:ext cx="659817" cy="996459"/>
-          </a:xfrm>
-          <a:prstGeom prst="rect">
-            <a:avLst/>
-          </a:prstGeom>
-        </p:spPr>
-      </p:pic>
-      <p:pic>
-        <p:nvPicPr>
-          <p:cNvPr id="29" name="Graphic 28">
-            <a:extLst>
-              <a:ext uri="{FF2B5EF4-FFF2-40B4-BE49-F238E27FC236}">
-                <a16:creationId xmlns:a16="http://schemas.microsoft.com/office/drawing/2014/main" id="{D25F9C97-C24C-4ADA-AAB2-031E49EE5393}"/>
-              </a:ext>
-            </a:extLst>
-          </p:cNvPr>
-          <p:cNvPicPr>
-            <a:picLocks noChangeAspect="1"/>
-          </p:cNvPicPr>
-          <p:nvPr/>
-        </p:nvPicPr>
-        <p:blipFill>
-          <a:blip r:embed="rId7">
-            <a:extLst>
-              <a:ext uri="{96DAC541-7B7A-43D3-8B79-37D633B846F1}">
-                <asvg:svgBlip xmlns:asvg="http://schemas.microsoft.com/office/drawing/2016/SVG/main" r:embed="rId8"/>
-              </a:ext>
-            </a:extLst>
-          </a:blip>
-          <a:stretch>
-            <a:fillRect/>
-          </a:stretch>
-        </p:blipFill>
-        <p:spPr>
-          <a:xfrm>
-            <a:off x="4488361" y="2989394"/>
-            <a:ext cx="814124" cy="899821"/>
-          </a:xfrm>
-          <a:prstGeom prst="rect">
-            <a:avLst/>
-          </a:prstGeom>
-        </p:spPr>
-      </p:pic>
-      <p:sp>
-        <p:nvSpPr>
-          <p:cNvPr id="30" name="Rounded Rectangle 3">
-            <a:extLst>
-              <a:ext uri="{FF2B5EF4-FFF2-40B4-BE49-F238E27FC236}">
-                <a16:creationId xmlns:a16="http://schemas.microsoft.com/office/drawing/2014/main" id="{02FF7B03-5F23-45A9-82FE-ABEE01E53862}"/>
-              </a:ext>
-            </a:extLst>
-          </p:cNvPr>
-          <p:cNvSpPr/>
-          <p:nvPr/>
-        </p:nvSpPr>
-        <p:spPr>
-          <a:xfrm>
-            <a:off x="5601878" y="2381431"/>
-            <a:ext cx="1630257" cy="784360"/>
-          </a:xfrm>
-          <a:prstGeom prst="roundRect">
-            <a:avLst/>
-          </a:prstGeom>
-          <a:solidFill>
-            <a:schemeClr val="accent2">
-              <a:lumMod val="40000"/>
-              <a:lumOff val="60000"/>
-            </a:schemeClr>
-          </a:solidFill>
-          <a:ln w="28575" cap="flat" cmpd="sng" algn="ctr">
-            <a:solidFill>
-              <a:schemeClr val="accent2">
-                <a:lumMod val="60000"/>
-                <a:lumOff val="40000"/>
-              </a:schemeClr>
-            </a:solidFill>
-            <a:prstDash val="solid"/>
-            <a:miter lim="800000"/>
-          </a:ln>
-          <a:effectLst/>
-        </p:spPr>
-        <p:txBody>
-          <a:bodyPr rtlCol="0" anchor="t" anchorCtr="0"/>
-          <a:lstStyle/>
-          <a:p>
-            <a:pPr algn="ctr" defTabSz="609585" fontAlgn="base">
-              <a:spcBef>
-                <a:spcPct val="0"/>
-              </a:spcBef>
-              <a:spcAft>
-                <a:spcPct val="0"/>
-              </a:spcAft>
-              <a:defRPr/>
-            </a:pPr>
-            <a:r>
-              <a:rPr lang="en-US" sz="1200" b="1" dirty="0">
-                <a:solidFill>
-                  <a:prstClr val="black"/>
-                </a:solidFill>
-                <a:latin typeface="Arial" panose="020B0604020202020204" pitchFamily="34" charset="0"/>
-                <a:ea typeface="ヒラギノ角ゴ Pro W3" pitchFamily="-126" charset="-128"/>
-                <a:cs typeface="Arial" panose="020B0604020202020204" pitchFamily="34" charset="0"/>
-              </a:rPr>
-              <a:t>Payer Posts Risk Coding report to provider group</a:t>
-            </a:r>
-          </a:p>
-        </p:txBody>
-      </p:sp>
-      <p:cxnSp>
-        <p:nvCxnSpPr>
-          <p:cNvPr id="31" name="Straight Arrow Connector 30">
-            <a:extLst>
-              <a:ext uri="{FF2B5EF4-FFF2-40B4-BE49-F238E27FC236}">
-                <a16:creationId xmlns:a16="http://schemas.microsoft.com/office/drawing/2014/main" id="{9719D31E-8A9E-445D-B5AE-979F276B314D}"/>
-              </a:ext>
-            </a:extLst>
-          </p:cNvPr>
-          <p:cNvCxnSpPr>
-            <a:cxnSpLocks/>
-          </p:cNvCxnSpPr>
-          <p:nvPr/>
-        </p:nvCxnSpPr>
-        <p:spPr>
-          <a:xfrm>
-            <a:off x="9057746" y="4144972"/>
-            <a:ext cx="893598" cy="1052051"/>
-          </a:xfrm>
-          <a:prstGeom prst="straightConnector1">
-            <a:avLst/>
-          </a:prstGeom>
-          <a:ln w="38100">
-            <a:solidFill>
-              <a:schemeClr val="bg1">
-                <a:lumMod val="75000"/>
-              </a:schemeClr>
-            </a:solidFill>
-            <a:headEnd type="triangle" w="med" len="med"/>
-            <a:tailEnd type="none" w="med" len="med"/>
-          </a:ln>
-        </p:spPr>
-        <p:style>
-          <a:lnRef idx="1">
-            <a:schemeClr val="accent1"/>
-          </a:lnRef>
-          <a:fillRef idx="0">
-            <a:schemeClr val="accent1"/>
-          </a:fillRef>
-          <a:effectRef idx="0">
-            <a:schemeClr val="accent1"/>
-          </a:effectRef>
-          <a:fontRef idx="minor">
-            <a:schemeClr val="tx1"/>
-          </a:fontRef>
-        </p:style>
-      </p:cxnSp>
-      <p:pic>
-        <p:nvPicPr>
-          <p:cNvPr id="32" name="Graphic 31">
-            <a:extLst>
-              <a:ext uri="{FF2B5EF4-FFF2-40B4-BE49-F238E27FC236}">
-                <a16:creationId xmlns:a16="http://schemas.microsoft.com/office/drawing/2014/main" id="{67B26F22-9F6E-4E1E-9DFE-1B22426633F9}"/>
-              </a:ext>
-            </a:extLst>
-          </p:cNvPr>
-          <p:cNvPicPr>
-            <a:picLocks noChangeAspect="1"/>
-          </p:cNvPicPr>
-          <p:nvPr/>
-        </p:nvPicPr>
-        <p:blipFill>
-          <a:blip r:embed="rId9">
-            <a:extLst>
-              <a:ext uri="{96DAC541-7B7A-43D3-8B79-37D633B846F1}">
-                <asvg:svgBlip xmlns:asvg="http://schemas.microsoft.com/office/drawing/2016/SVG/main" r:embed="rId10"/>
-              </a:ext>
-            </a:extLst>
-          </a:blip>
-          <a:stretch>
-            <a:fillRect/>
-          </a:stretch>
-        </p:blipFill>
-        <p:spPr>
-          <a:xfrm>
-            <a:off x="8829058" y="2827421"/>
-            <a:ext cx="566328" cy="499701"/>
-          </a:xfrm>
-          <a:prstGeom prst="rect">
-            <a:avLst/>
-          </a:prstGeom>
-        </p:spPr>
-      </p:pic>
-      <p:cxnSp>
-        <p:nvCxnSpPr>
-          <p:cNvPr id="33" name="Straight Arrow Connector 32">
-            <a:extLst>
-              <a:ext uri="{FF2B5EF4-FFF2-40B4-BE49-F238E27FC236}">
-                <a16:creationId xmlns:a16="http://schemas.microsoft.com/office/drawing/2014/main" id="{D7F51C0D-6B70-4864-874E-EA5E93427A95}"/>
-              </a:ext>
-            </a:extLst>
-          </p:cNvPr>
-          <p:cNvCxnSpPr>
-            <a:cxnSpLocks/>
-            <a:stCxn id="14" idx="3"/>
-            <a:endCxn id="27" idx="1"/>
-          </p:cNvCxnSpPr>
-          <p:nvPr/>
-        </p:nvCxnSpPr>
-        <p:spPr>
-          <a:xfrm flipV="1">
-            <a:off x="6410871" y="5545851"/>
-            <a:ext cx="3204156" cy="25270"/>
-          </a:xfrm>
-          <a:prstGeom prst="straightConnector1">
-            <a:avLst/>
-          </a:prstGeom>
-          <a:ln w="38100">
-            <a:solidFill>
-              <a:schemeClr val="bg1">
-                <a:lumMod val="75000"/>
-              </a:schemeClr>
-            </a:solidFill>
-            <a:headEnd type="triangle" w="med" len="med"/>
-            <a:tailEnd type="none" w="med" len="med"/>
-          </a:ln>
-        </p:spPr>
-        <p:style>
-          <a:lnRef idx="1">
-            <a:schemeClr val="accent1"/>
-          </a:lnRef>
-          <a:fillRef idx="0">
-            <a:schemeClr val="accent1"/>
-          </a:fillRef>
-          <a:effectRef idx="0">
-            <a:schemeClr val="accent1"/>
-          </a:effectRef>
-          <a:fontRef idx="minor">
-            <a:schemeClr val="tx1"/>
-          </a:fontRef>
-        </p:style>
-      </p:cxnSp>
-      <p:cxnSp>
-        <p:nvCxnSpPr>
-          <p:cNvPr id="34" name="Straight Arrow Connector 33">
-            <a:extLst>
-              <a:ext uri="{FF2B5EF4-FFF2-40B4-BE49-F238E27FC236}">
-                <a16:creationId xmlns:a16="http://schemas.microsoft.com/office/drawing/2014/main" id="{F8591E37-DF51-4BFB-9CA6-E112737AFCEF}"/>
-              </a:ext>
-            </a:extLst>
-          </p:cNvPr>
-          <p:cNvCxnSpPr>
-            <a:cxnSpLocks/>
-          </p:cNvCxnSpPr>
-          <p:nvPr/>
-        </p:nvCxnSpPr>
-        <p:spPr>
-          <a:xfrm flipH="1">
-            <a:off x="5645918" y="3403600"/>
-            <a:ext cx="1595364" cy="0"/>
-          </a:xfrm>
-          <a:prstGeom prst="straightConnector1">
-            <a:avLst/>
-          </a:prstGeom>
-          <a:ln w="38100">
-            <a:solidFill>
-              <a:schemeClr val="bg1">
-                <a:lumMod val="75000"/>
-              </a:schemeClr>
-            </a:solidFill>
-            <a:headEnd type="triangle" w="med" len="med"/>
-            <a:tailEnd type="none" w="med" len="med"/>
-          </a:ln>
-        </p:spPr>
-        <p:style>
-          <a:lnRef idx="1">
-            <a:schemeClr val="accent1"/>
-          </a:lnRef>
-          <a:fillRef idx="0">
-            <a:schemeClr val="accent1"/>
-          </a:fillRef>
-          <a:effectRef idx="0">
-            <a:schemeClr val="accent1"/>
-          </a:effectRef>
-          <a:fontRef idx="minor">
-            <a:schemeClr val="tx1"/>
-          </a:fontRef>
-        </p:style>
-      </p:cxnSp>
-      <p:sp>
-        <p:nvSpPr>
-          <p:cNvPr id="35" name="Rounded Rectangle 3">
-            <a:extLst>
-              <a:ext uri="{FF2B5EF4-FFF2-40B4-BE49-F238E27FC236}">
-                <a16:creationId xmlns:a16="http://schemas.microsoft.com/office/drawing/2014/main" id="{DBF3F585-87FF-4A30-A5F2-55205A27B61F}"/>
-              </a:ext>
-            </a:extLst>
-          </p:cNvPr>
-          <p:cNvSpPr/>
-          <p:nvPr/>
-        </p:nvSpPr>
-        <p:spPr>
-          <a:xfrm>
-            <a:off x="6013467" y="4247482"/>
-            <a:ext cx="1705799" cy="667561"/>
-          </a:xfrm>
-          <a:prstGeom prst="roundRect">
-            <a:avLst>
-              <a:gd name="adj" fmla="val 0"/>
-            </a:avLst>
-          </a:prstGeom>
-          <a:noFill/>
-          <a:ln w="12700" cap="flat" cmpd="sng" algn="ctr">
-            <a:noFill/>
-            <a:prstDash val="solid"/>
-            <a:miter lim="800000"/>
-          </a:ln>
-          <a:effectLst/>
-        </p:spPr>
-        <p:txBody>
-          <a:bodyPr rtlCol="0" anchor="ctr" anchorCtr="0"/>
-          <a:lstStyle/>
-          <a:p>
-            <a:pPr algn="ctr" defTabSz="609585" fontAlgn="base">
-              <a:spcBef>
-                <a:spcPct val="0"/>
-              </a:spcBef>
-              <a:spcAft>
-                <a:spcPct val="0"/>
-              </a:spcAft>
-              <a:defRPr/>
-            </a:pPr>
-            <a:r>
-              <a:rPr lang="en-US" sz="1200" b="1" dirty="0">
-                <a:solidFill>
-                  <a:prstClr val="black"/>
-                </a:solidFill>
-                <a:latin typeface="Arial" panose="020B0604020202020204" pitchFamily="34" charset="0"/>
-                <a:ea typeface="ヒラギノ角ゴ Pro W3" pitchFamily="-126" charset="-128"/>
-                <a:cs typeface="Arial" panose="020B0604020202020204" pitchFamily="34" charset="0"/>
-              </a:rPr>
-              <a:t>Provider submits accurate diagnoses to payer</a:t>
-            </a:r>
-          </a:p>
-        </p:txBody>
-      </p:sp>
-      <p:pic>
-        <p:nvPicPr>
-          <p:cNvPr id="36" name="Picture 2" descr="Centers for Medicare &amp; Medicaid Services - Wikipedia">
-            <a:extLst>
-              <a:ext uri="{FF2B5EF4-FFF2-40B4-BE49-F238E27FC236}">
-                <a16:creationId xmlns:a16="http://schemas.microsoft.com/office/drawing/2014/main" id="{890BA03F-6052-4F98-886E-B5C1A9D0AC21}"/>
-              </a:ext>
-            </a:extLst>
-          </p:cNvPr>
-          <p:cNvPicPr>
-            <a:picLocks noChangeAspect="1" noChangeArrowheads="1"/>
-          </p:cNvPicPr>
-          <p:nvPr/>
-        </p:nvPicPr>
-        <p:blipFill>
-          <a:blip r:embed="rId11">
-            <a:extLst>
-              <a:ext uri="{28A0092B-C50C-407E-A947-70E740481C1C}">
-                <a14:useLocalDpi xmlns:a14="http://schemas.microsoft.com/office/drawing/2010/main" val="0"/>
-              </a:ext>
-            </a:extLst>
-          </a:blip>
-          <a:srcRect/>
-          <a:stretch>
-            <a:fillRect/>
-          </a:stretch>
-        </p:blipFill>
-        <p:spPr bwMode="auto">
-          <a:xfrm>
-            <a:off x="452084" y="3235005"/>
-            <a:ext cx="1711037" cy="592800"/>
-          </a:xfrm>
-          <a:prstGeom prst="rect">
-            <a:avLst/>
-          </a:prstGeom>
-          <a:noFill/>
-          <a:extLst>
-            <a:ext uri="{909E8E84-426E-40DD-AFC4-6F175D3DCCD1}">
-              <a14:hiddenFill xmlns:a14="http://schemas.microsoft.com/office/drawing/2010/main">
-                <a:solidFill>
-                  <a:srgbClr val="FFFFFF"/>
-                </a:solidFill>
-              </a14:hiddenFill>
-            </a:ext>
-          </a:extLst>
-        </p:spPr>
-      </p:pic>
-      <p:cxnSp>
-        <p:nvCxnSpPr>
-          <p:cNvPr id="37" name="Straight Arrow Connector 36">
-            <a:extLst>
-              <a:ext uri="{FF2B5EF4-FFF2-40B4-BE49-F238E27FC236}">
-                <a16:creationId xmlns:a16="http://schemas.microsoft.com/office/drawing/2014/main" id="{4A02C928-3291-45D2-AE0A-6DCA2CCAB054}"/>
-              </a:ext>
-            </a:extLst>
-          </p:cNvPr>
-          <p:cNvCxnSpPr>
-            <a:cxnSpLocks/>
-          </p:cNvCxnSpPr>
-          <p:nvPr/>
-        </p:nvCxnSpPr>
-        <p:spPr>
-          <a:xfrm flipH="1">
-            <a:off x="2594194" y="3429000"/>
-            <a:ext cx="1529073" cy="0"/>
-          </a:xfrm>
-          <a:prstGeom prst="straightConnector1">
-            <a:avLst/>
-          </a:prstGeom>
-          <a:ln w="38100">
-            <a:solidFill>
-              <a:schemeClr val="bg1">
-                <a:lumMod val="75000"/>
-              </a:schemeClr>
-            </a:solidFill>
-            <a:headEnd type="triangle" w="med" len="med"/>
-            <a:tailEnd type="none" w="med" len="med"/>
-          </a:ln>
-        </p:spPr>
-        <p:style>
-          <a:lnRef idx="1">
-            <a:schemeClr val="accent1"/>
-          </a:lnRef>
-          <a:fillRef idx="0">
-            <a:schemeClr val="accent1"/>
-          </a:fillRef>
-          <a:effectRef idx="0">
-            <a:schemeClr val="accent1"/>
-          </a:effectRef>
-          <a:fontRef idx="minor">
-            <a:schemeClr val="tx1"/>
-          </a:fontRef>
-        </p:style>
-      </p:cxnSp>
-      <p:sp>
-        <p:nvSpPr>
-          <p:cNvPr id="38" name="Rounded Rectangle 3">
-            <a:extLst>
-              <a:ext uri="{FF2B5EF4-FFF2-40B4-BE49-F238E27FC236}">
-                <a16:creationId xmlns:a16="http://schemas.microsoft.com/office/drawing/2014/main" id="{6DEC7F72-7631-48C7-8470-8BA4F3FE5E2E}"/>
-              </a:ext>
-            </a:extLst>
-          </p:cNvPr>
-          <p:cNvSpPr/>
-          <p:nvPr/>
-        </p:nvSpPr>
-        <p:spPr>
-          <a:xfrm>
-            <a:off x="2167395" y="2557579"/>
-            <a:ext cx="2002987" cy="808208"/>
-          </a:xfrm>
-          <a:prstGeom prst="roundRect">
-            <a:avLst>
-              <a:gd name="adj" fmla="val 0"/>
-            </a:avLst>
-          </a:prstGeom>
-          <a:noFill/>
-          <a:ln w="12700" cap="flat" cmpd="sng" algn="ctr">
-            <a:noFill/>
-            <a:prstDash val="solid"/>
-            <a:miter lim="800000"/>
-          </a:ln>
-          <a:effectLst/>
-        </p:spPr>
-        <p:txBody>
-          <a:bodyPr rtlCol="0" anchor="b" anchorCtr="0"/>
-          <a:lstStyle/>
-          <a:p>
-            <a:pPr algn="ctr" defTabSz="609585" fontAlgn="base">
-              <a:spcBef>
-                <a:spcPct val="0"/>
-              </a:spcBef>
-              <a:spcAft>
-                <a:spcPct val="0"/>
-              </a:spcAft>
-              <a:defRPr/>
-            </a:pPr>
-            <a:r>
-              <a:rPr lang="en-US" sz="1200" b="1" dirty="0">
-                <a:solidFill>
-                  <a:prstClr val="black"/>
-                </a:solidFill>
-                <a:latin typeface="Arial" panose="020B0604020202020204" pitchFamily="34" charset="0"/>
-                <a:ea typeface="ヒラギノ角ゴ Pro W3" pitchFamily="-126" charset="-128"/>
-                <a:cs typeface="Arial" panose="020B0604020202020204" pitchFamily="34" charset="0"/>
-              </a:rPr>
-              <a:t>CMS allows payer to offer MA plan</a:t>
-            </a:r>
-          </a:p>
-        </p:txBody>
-      </p:sp>
-      <p:cxnSp>
-        <p:nvCxnSpPr>
-          <p:cNvPr id="39" name="Straight Arrow Connector 38">
-            <a:extLst>
-              <a:ext uri="{FF2B5EF4-FFF2-40B4-BE49-F238E27FC236}">
-                <a16:creationId xmlns:a16="http://schemas.microsoft.com/office/drawing/2014/main" id="{7F924731-280C-4507-8CA6-D28D52C23F72}"/>
-              </a:ext>
-            </a:extLst>
-          </p:cNvPr>
-          <p:cNvCxnSpPr>
-            <a:cxnSpLocks/>
-          </p:cNvCxnSpPr>
-          <p:nvPr/>
-        </p:nvCxnSpPr>
-        <p:spPr>
-          <a:xfrm>
-            <a:off x="2594191" y="3676571"/>
-            <a:ext cx="1529076" cy="0"/>
-          </a:xfrm>
-          <a:prstGeom prst="straightConnector1">
-            <a:avLst/>
-          </a:prstGeom>
-          <a:ln w="38100">
-            <a:solidFill>
-              <a:schemeClr val="bg1">
-                <a:lumMod val="75000"/>
-              </a:schemeClr>
-            </a:solidFill>
-            <a:headEnd type="triangle" w="med" len="med"/>
-            <a:tailEnd type="none" w="med" len="med"/>
-          </a:ln>
-        </p:spPr>
-        <p:style>
-          <a:lnRef idx="1">
-            <a:schemeClr val="accent1"/>
-          </a:lnRef>
-          <a:fillRef idx="0">
-            <a:schemeClr val="accent1"/>
-          </a:fillRef>
-          <a:effectRef idx="0">
-            <a:schemeClr val="accent1"/>
-          </a:effectRef>
-          <a:fontRef idx="minor">
-            <a:schemeClr val="tx1"/>
-          </a:fontRef>
-        </p:style>
-      </p:cxnSp>
-      <p:sp>
-        <p:nvSpPr>
-          <p:cNvPr id="40" name="Rounded Rectangle 3">
-            <a:extLst>
-              <a:ext uri="{FF2B5EF4-FFF2-40B4-BE49-F238E27FC236}">
-                <a16:creationId xmlns:a16="http://schemas.microsoft.com/office/drawing/2014/main" id="{89FB3CA7-AFC2-4D51-BE81-EBE43508B846}"/>
-              </a:ext>
-            </a:extLst>
-          </p:cNvPr>
-          <p:cNvSpPr/>
-          <p:nvPr/>
-        </p:nvSpPr>
-        <p:spPr>
-          <a:xfrm>
-            <a:off x="9944936" y="3618221"/>
-            <a:ext cx="1869760" cy="652728"/>
-          </a:xfrm>
-          <a:prstGeom prst="roundRect">
-            <a:avLst>
-              <a:gd name="adj" fmla="val 0"/>
-            </a:avLst>
-          </a:prstGeom>
-          <a:noFill/>
-          <a:ln w="12700" cap="flat" cmpd="sng" algn="ctr">
-            <a:noFill/>
-            <a:prstDash val="solid"/>
-            <a:miter lim="800000"/>
-          </a:ln>
-          <a:effectLst/>
-        </p:spPr>
-        <p:txBody>
-          <a:bodyPr lIns="121920" tIns="60960" rIns="121920" bIns="60960" rtlCol="0" anchor="b" anchorCtr="0"/>
-          <a:lstStyle/>
-          <a:p>
-            <a:pPr algn="ctr" defTabSz="609585" fontAlgn="base">
-              <a:spcBef>
-                <a:spcPct val="0"/>
-              </a:spcBef>
-              <a:spcAft>
-                <a:spcPct val="0"/>
-              </a:spcAft>
-              <a:defRPr/>
-            </a:pPr>
-            <a:r>
-              <a:rPr lang="en-US" sz="1200" b="1" dirty="0">
-                <a:solidFill>
-                  <a:prstClr val="black"/>
-                </a:solidFill>
-                <a:latin typeface="Arial" panose="020B0604020202020204" pitchFamily="34" charset="0"/>
-                <a:ea typeface="ヒラギノ角ゴ Pro W3" pitchFamily="-126" charset="-128"/>
-              </a:rPr>
-              <a:t>Provider group may schedule a visit with the patient</a:t>
-            </a:r>
-          </a:p>
-        </p:txBody>
-      </p:sp>
-      <p:sp>
-        <p:nvSpPr>
-          <p:cNvPr id="41" name="Rounded Rectangle 3">
-            <a:extLst>
-              <a:ext uri="{FF2B5EF4-FFF2-40B4-BE49-F238E27FC236}">
-                <a16:creationId xmlns:a16="http://schemas.microsoft.com/office/drawing/2014/main" id="{93419742-EA41-4935-B639-2E758B2480CE}"/>
-              </a:ext>
-            </a:extLst>
-          </p:cNvPr>
-          <p:cNvSpPr/>
-          <p:nvPr/>
-        </p:nvSpPr>
-        <p:spPr>
-          <a:xfrm>
-            <a:off x="8259322" y="3453303"/>
-            <a:ext cx="1705800" cy="803231"/>
-          </a:xfrm>
-          <a:prstGeom prst="roundRect">
-            <a:avLst>
-              <a:gd name="adj" fmla="val 0"/>
-            </a:avLst>
-          </a:prstGeom>
-          <a:noFill/>
-          <a:ln w="12700" cap="flat" cmpd="sng" algn="ctr">
-            <a:noFill/>
-            <a:prstDash val="solid"/>
-            <a:miter lim="800000"/>
-          </a:ln>
-          <a:effectLst/>
-        </p:spPr>
-        <p:txBody>
-          <a:bodyPr rtlCol="0" anchor="ctr" anchorCtr="0"/>
-          <a:lstStyle/>
-          <a:p>
-            <a:pPr algn="ctr" defTabSz="609585" fontAlgn="base">
-              <a:spcBef>
-                <a:spcPct val="0"/>
-              </a:spcBef>
-              <a:spcAft>
-                <a:spcPct val="0"/>
-              </a:spcAft>
-              <a:defRPr/>
-            </a:pPr>
-            <a:r>
-              <a:rPr lang="en-US" sz="1200" b="1" dirty="0">
-                <a:solidFill>
-                  <a:prstClr val="black"/>
-                </a:solidFill>
-                <a:latin typeface="Arial" panose="020B0604020202020204" pitchFamily="34" charset="0"/>
-                <a:ea typeface="ヒラギノ角ゴ Pro W3" pitchFamily="-126" charset="-128"/>
-                <a:cs typeface="Arial" panose="020B0604020202020204" pitchFamily="34" charset="0"/>
-              </a:rPr>
-              <a:t>Patient comes in and the appropriate codes get captured</a:t>
-            </a:r>
-          </a:p>
-        </p:txBody>
-      </p:sp>
-      <p:cxnSp>
-        <p:nvCxnSpPr>
-          <p:cNvPr id="42" name="Straight Arrow Connector 41">
-            <a:extLst>
-              <a:ext uri="{FF2B5EF4-FFF2-40B4-BE49-F238E27FC236}">
-                <a16:creationId xmlns:a16="http://schemas.microsoft.com/office/drawing/2014/main" id="{864EE59C-9E32-4468-8F5E-0D3BC2F1F405}"/>
-              </a:ext>
-            </a:extLst>
-          </p:cNvPr>
-          <p:cNvCxnSpPr>
-            <a:cxnSpLocks/>
-            <a:endCxn id="32" idx="1"/>
-          </p:cNvCxnSpPr>
-          <p:nvPr/>
-        </p:nvCxnSpPr>
-        <p:spPr>
-          <a:xfrm flipV="1">
-            <a:off x="6002989" y="3077272"/>
-            <a:ext cx="2826069" cy="1813446"/>
-          </a:xfrm>
-          <a:prstGeom prst="straightConnector1">
-            <a:avLst/>
-          </a:prstGeom>
-          <a:ln w="38100">
-            <a:solidFill>
-              <a:schemeClr val="bg1">
-                <a:lumMod val="75000"/>
-              </a:schemeClr>
-            </a:solidFill>
-            <a:headEnd type="triangle" w="med" len="med"/>
-            <a:tailEnd type="none" w="med" len="med"/>
-          </a:ln>
-        </p:spPr>
-        <p:style>
-          <a:lnRef idx="1">
-            <a:schemeClr val="accent1"/>
-          </a:lnRef>
-          <a:fillRef idx="0">
-            <a:schemeClr val="accent1"/>
-          </a:fillRef>
-          <a:effectRef idx="0">
-            <a:schemeClr val="accent1"/>
-          </a:effectRef>
-          <a:fontRef idx="minor">
-            <a:schemeClr val="tx1"/>
-          </a:fontRef>
-        </p:style>
-      </p:cxnSp>
-      <p:sp>
-        <p:nvSpPr>
-          <p:cNvPr id="43" name="Rounded Rectangle 3">
-            <a:extLst>
-              <a:ext uri="{FF2B5EF4-FFF2-40B4-BE49-F238E27FC236}">
-                <a16:creationId xmlns:a16="http://schemas.microsoft.com/office/drawing/2014/main" id="{CF99DBC3-EA4C-4379-B165-91BB61B50DAF}"/>
-              </a:ext>
-            </a:extLst>
-          </p:cNvPr>
-          <p:cNvSpPr/>
-          <p:nvPr/>
-        </p:nvSpPr>
-        <p:spPr>
-          <a:xfrm>
-            <a:off x="2247064" y="3739786"/>
-            <a:ext cx="2255153" cy="919687"/>
-          </a:xfrm>
-          <a:prstGeom prst="roundRect">
-            <a:avLst>
-              <a:gd name="adj" fmla="val 0"/>
-            </a:avLst>
-          </a:prstGeom>
-          <a:noFill/>
-          <a:ln w="12700" cap="flat" cmpd="sng" algn="ctr">
-            <a:noFill/>
-            <a:prstDash val="solid"/>
-            <a:miter lim="800000"/>
-          </a:ln>
-          <a:effectLst/>
-        </p:spPr>
-        <p:txBody>
-          <a:bodyPr rtlCol="0" anchor="ctr" anchorCtr="0"/>
-          <a:lstStyle/>
-          <a:p>
-            <a:pPr algn="ctr" defTabSz="609585" fontAlgn="base">
-              <a:spcBef>
-                <a:spcPct val="0"/>
-              </a:spcBef>
-              <a:spcAft>
-                <a:spcPct val="0"/>
-              </a:spcAft>
-              <a:defRPr/>
-            </a:pPr>
-            <a:r>
-              <a:rPr lang="en-US" sz="1200" b="1" dirty="0">
-                <a:solidFill>
-                  <a:prstClr val="black"/>
-                </a:solidFill>
-                <a:latin typeface="Arial" panose="020B0604020202020204" pitchFamily="34" charset="0"/>
-                <a:ea typeface="ヒラギノ角ゴ Pro W3" pitchFamily="-126" charset="-128"/>
-                <a:cs typeface="Arial" panose="020B0604020202020204" pitchFamily="34" charset="0"/>
-              </a:rPr>
-              <a:t>Payer sends codes to CMS for use in calculating appropriate monthly member premium</a:t>
-            </a:r>
-          </a:p>
-        </p:txBody>
-      </p:sp>
-      <p:sp>
-        <p:nvSpPr>
-          <p:cNvPr id="52" name="Rounded Rectangle 15">
-            <a:extLst>
-              <a:ext uri="{FF2B5EF4-FFF2-40B4-BE49-F238E27FC236}">
-                <a16:creationId xmlns:a16="http://schemas.microsoft.com/office/drawing/2014/main" id="{22C6AAF8-C3A5-4B46-B7CD-85F1D3E9DB03}"/>
-              </a:ext>
-            </a:extLst>
-          </p:cNvPr>
-          <p:cNvSpPr/>
-          <p:nvPr/>
-        </p:nvSpPr>
-        <p:spPr>
-          <a:xfrm>
-            <a:off x="9263348" y="5804889"/>
-            <a:ext cx="1363173" cy="681056"/>
-          </a:xfrm>
-          <a:prstGeom prst="roundRect">
-            <a:avLst>
-              <a:gd name="adj" fmla="val 0"/>
-            </a:avLst>
-          </a:prstGeom>
-          <a:noFill/>
-          <a:ln w="12700" cap="flat" cmpd="sng" algn="ctr">
-            <a:noFill/>
-            <a:prstDash val="solid"/>
-            <a:miter lim="800000"/>
-          </a:ln>
-          <a:effectLst/>
-        </p:spPr>
-        <p:txBody>
-          <a:bodyPr rtlCol="0" anchor="ctr" anchorCtr="0"/>
-          <a:lstStyle/>
-          <a:p>
-            <a:pPr algn="ctr" defTabSz="1219170">
-              <a:defRPr/>
-            </a:pPr>
-            <a:r>
-              <a:rPr lang="en-US" sz="1333" b="1" dirty="0">
-                <a:solidFill>
-                  <a:srgbClr val="C00000"/>
-                </a:solidFill>
-                <a:latin typeface="Arial"/>
-                <a:ea typeface="ヒラギノ角ゴ Pro W3" pitchFamily="-126" charset="-128"/>
-              </a:rPr>
-              <a:t>Patient</a:t>
-            </a:r>
-            <a:endParaRPr lang="en-US" sz="1333" b="1" kern="0" dirty="0">
-              <a:solidFill>
-                <a:srgbClr val="C00000"/>
-              </a:solidFill>
-              <a:latin typeface="Arial"/>
-              <a:ea typeface="ヒラギノ角ゴ Pro W3" pitchFamily="-126" charset="-128"/>
-            </a:endParaRPr>
-          </a:p>
-        </p:txBody>
-      </p:sp>
-      <p:sp>
-        <p:nvSpPr>
-          <p:cNvPr id="53" name="TextBox 52">
-            <a:extLst>
-              <a:ext uri="{FF2B5EF4-FFF2-40B4-BE49-F238E27FC236}">
-                <a16:creationId xmlns:a16="http://schemas.microsoft.com/office/drawing/2014/main" id="{BA5094DE-7D34-4FC5-82BA-BAF7A1628703}"/>
-              </a:ext>
-            </a:extLst>
-          </p:cNvPr>
-          <p:cNvSpPr txBox="1"/>
-          <p:nvPr/>
-        </p:nvSpPr>
-        <p:spPr>
-          <a:xfrm>
-            <a:off x="7212228" y="2395209"/>
-            <a:ext cx="1259821" cy="502573"/>
-          </a:xfrm>
-          <a:prstGeom prst="rect">
-            <a:avLst/>
-          </a:prstGeom>
-          <a:noFill/>
-        </p:spPr>
-        <p:txBody>
-          <a:bodyPr wrap="square" rtlCol="0">
-            <a:spAutoFit/>
-          </a:bodyPr>
-          <a:lstStyle/>
-          <a:p>
-            <a:pPr algn="ctr" defTabSz="609585" fontAlgn="base">
-              <a:spcBef>
-                <a:spcPct val="0"/>
-              </a:spcBef>
-              <a:spcAft>
-                <a:spcPct val="0"/>
-              </a:spcAft>
-              <a:defRPr/>
-            </a:pPr>
-            <a:r>
-              <a:rPr lang="en-US" sz="1333" b="1" dirty="0">
-                <a:solidFill>
-                  <a:srgbClr val="C00000"/>
-                </a:solidFill>
-                <a:latin typeface="Arial"/>
-                <a:ea typeface="ヒラギノ角ゴ Pro W3" pitchFamily="-126" charset="-128"/>
-              </a:rPr>
-              <a:t>Provider Group</a:t>
-            </a:r>
-          </a:p>
-        </p:txBody>
-      </p:sp>
-      <p:sp>
-        <p:nvSpPr>
-          <p:cNvPr id="54" name="TextBox 53">
-            <a:extLst>
-              <a:ext uri="{FF2B5EF4-FFF2-40B4-BE49-F238E27FC236}">
-                <a16:creationId xmlns:a16="http://schemas.microsoft.com/office/drawing/2014/main" id="{1BF9B401-9E22-49A1-8DA8-76E6172C43D0}"/>
-              </a:ext>
-            </a:extLst>
-          </p:cNvPr>
-          <p:cNvSpPr txBox="1"/>
-          <p:nvPr/>
-        </p:nvSpPr>
-        <p:spPr>
-          <a:xfrm>
-            <a:off x="3764497" y="2514002"/>
-            <a:ext cx="2115679" cy="297454"/>
-          </a:xfrm>
-          <a:prstGeom prst="rect">
-            <a:avLst/>
-          </a:prstGeom>
-          <a:noFill/>
-        </p:spPr>
-        <p:txBody>
-          <a:bodyPr wrap="square" rtlCol="0">
-            <a:spAutoFit/>
-          </a:bodyPr>
-          <a:lstStyle/>
-          <a:p>
-            <a:pPr algn="ctr" defTabSz="609585" fontAlgn="base">
-              <a:spcBef>
-                <a:spcPct val="0"/>
-              </a:spcBef>
-              <a:spcAft>
-                <a:spcPct val="0"/>
-              </a:spcAft>
-              <a:defRPr/>
-            </a:pPr>
-            <a:r>
-              <a:rPr lang="en-US" sz="1333" b="1" dirty="0">
-                <a:solidFill>
-                  <a:srgbClr val="F79646">
-                    <a:lumMod val="50000"/>
-                  </a:srgbClr>
-                </a:solidFill>
-                <a:latin typeface="Arial"/>
-                <a:ea typeface="ヒラギノ角ゴ Pro W3" pitchFamily="-126" charset="-128"/>
-              </a:rPr>
-              <a:t>Payer</a:t>
-            </a:r>
-          </a:p>
-        </p:txBody>
-      </p:sp>
-      <p:sp>
-        <p:nvSpPr>
-          <p:cNvPr id="2" name="Oval 1">
-            <a:extLst>
-              <a:ext uri="{FF2B5EF4-FFF2-40B4-BE49-F238E27FC236}">
-                <a16:creationId xmlns:a16="http://schemas.microsoft.com/office/drawing/2014/main" id="{5D0169D5-6BC7-48EA-B0F1-149FA0F465C3}"/>
-              </a:ext>
-            </a:extLst>
-          </p:cNvPr>
-          <p:cNvSpPr/>
-          <p:nvPr/>
-        </p:nvSpPr>
-        <p:spPr>
-          <a:xfrm>
-            <a:off x="4414964" y="1657510"/>
-            <a:ext cx="3912321" cy="1917711"/>
-          </a:xfrm>
-          <a:prstGeom prst="ellipse">
-            <a:avLst/>
-          </a:prstGeom>
-          <a:noFill/>
-          <a:ln>
-            <a:solidFill>
-              <a:srgbClr val="00B050"/>
-            </a:solidFill>
-          </a:ln>
-        </p:spPr>
-        <p:style>
-          <a:lnRef idx="1">
-            <a:schemeClr val="accent1"/>
-          </a:lnRef>
-          <a:fillRef idx="3">
-            <a:schemeClr val="accent1"/>
-          </a:fillRef>
-          <a:effectRef idx="2">
-            <a:schemeClr val="accent1"/>
-          </a:effectRef>
-          <a:fontRef idx="minor">
-            <a:schemeClr val="lt1"/>
-          </a:fontRef>
-        </p:style>
-        <p:txBody>
-          <a:bodyPr rtlCol="0" anchor="ctr"/>
-          <a:lstStyle/>
-          <a:p>
-            <a:pPr algn="ctr" defTabSz="609585" fontAlgn="base">
-              <a:spcBef>
-                <a:spcPct val="0"/>
-              </a:spcBef>
-              <a:spcAft>
-                <a:spcPct val="0"/>
-              </a:spcAft>
-            </a:pPr>
-            <a:endParaRPr lang="en-US" sz="2400" dirty="0">
-              <a:solidFill>
-                <a:prstClr val="white"/>
-              </a:solidFill>
-              <a:latin typeface="Arial"/>
-            </a:endParaRPr>
-          </a:p>
-        </p:txBody>
-      </p:sp>
-      <p:sp>
-        <p:nvSpPr>
-          <p:cNvPr id="3" name="TextBox 2">
-            <a:extLst>
-              <a:ext uri="{FF2B5EF4-FFF2-40B4-BE49-F238E27FC236}">
-                <a16:creationId xmlns:a16="http://schemas.microsoft.com/office/drawing/2014/main" id="{C58EE0DD-6D0B-4581-BB37-C408CD8456B4}"/>
-              </a:ext>
-            </a:extLst>
-          </p:cNvPr>
-          <p:cNvSpPr txBox="1"/>
-          <p:nvPr/>
-        </p:nvSpPr>
-        <p:spPr>
-          <a:xfrm>
-            <a:off x="5645918" y="1674039"/>
-            <a:ext cx="764953" cy="338554"/>
-          </a:xfrm>
-          <a:prstGeom prst="rect">
-            <a:avLst/>
-          </a:prstGeom>
-          <a:noFill/>
-        </p:spPr>
-        <p:txBody>
-          <a:bodyPr wrap="none" rtlCol="0">
-            <a:spAutoFit/>
-          </a:bodyPr>
-          <a:lstStyle/>
-          <a:p>
-            <a:pPr defTabSz="609585" fontAlgn="base">
-              <a:spcBef>
-                <a:spcPct val="0"/>
-              </a:spcBef>
-              <a:spcAft>
-                <a:spcPct val="0"/>
-              </a:spcAft>
-            </a:pPr>
-            <a:r>
-              <a:rPr lang="en-US" sz="1600" dirty="0">
-                <a:solidFill>
-                  <a:srgbClr val="00B050"/>
-                </a:solidFill>
-                <a:latin typeface="Arial" panose="020B0604020202020204" pitchFamily="34" charset="0"/>
-                <a:ea typeface="ヒラギノ角ゴ Pro W3" pitchFamily="-126" charset="-128"/>
-              </a:rPr>
-              <a:t>STU 1</a:t>
-            </a:r>
-          </a:p>
-        </p:txBody>
-      </p:sp>
-      <p:pic>
-        <p:nvPicPr>
-          <p:cNvPr id="45" name="Graphic 44">
-            <a:extLst>
-              <a:ext uri="{FF2B5EF4-FFF2-40B4-BE49-F238E27FC236}">
-                <a16:creationId xmlns:a16="http://schemas.microsoft.com/office/drawing/2014/main" id="{EF8BA341-F28F-4CAC-84E6-0369C91D6B9D}"/>
-              </a:ext>
-            </a:extLst>
-          </p:cNvPr>
-          <p:cNvPicPr>
-            <a:picLocks noChangeAspect="1"/>
-          </p:cNvPicPr>
-          <p:nvPr/>
-        </p:nvPicPr>
-        <p:blipFill>
-          <a:blip r:embed="rId7">
-            <a:extLst>
-              <a:ext uri="{96DAC541-7B7A-43D3-8B79-37D633B846F1}">
-                <asvg:svgBlip xmlns:asvg="http://schemas.microsoft.com/office/drawing/2016/SVG/main" r:embed="rId8"/>
-              </a:ext>
-            </a:extLst>
-          </a:blip>
-          <a:stretch>
-            <a:fillRect/>
-          </a:stretch>
-        </p:blipFill>
-        <p:spPr>
-          <a:xfrm>
-            <a:off x="4466258" y="5221374"/>
-            <a:ext cx="814124" cy="899821"/>
-          </a:xfrm>
-          <a:prstGeom prst="rect">
-            <a:avLst/>
-          </a:prstGeom>
-        </p:spPr>
-      </p:pic>
-      <p:pic>
-        <p:nvPicPr>
-          <p:cNvPr id="46" name="Graphic 45" descr="Microscope outline">
-            <a:extLst>
-              <a:ext uri="{FF2B5EF4-FFF2-40B4-BE49-F238E27FC236}">
-                <a16:creationId xmlns:a16="http://schemas.microsoft.com/office/drawing/2014/main" id="{A8735016-A45E-4FA7-9A6C-A472745BFE22}"/>
-              </a:ext>
-            </a:extLst>
-          </p:cNvPr>
-          <p:cNvPicPr>
-            <a:picLocks noChangeAspect="1"/>
-          </p:cNvPicPr>
-          <p:nvPr/>
-        </p:nvPicPr>
-        <p:blipFill>
-          <a:blip r:embed="rId12">
-            <a:extLst>
-              <a:ext uri="{28A0092B-C50C-407E-A947-70E740481C1C}">
-                <a14:useLocalDpi xmlns:a14="http://schemas.microsoft.com/office/drawing/2010/main" val="0"/>
-              </a:ext>
-              <a:ext uri="{96DAC541-7B7A-43D3-8B79-37D633B846F1}">
-                <asvg:svgBlip xmlns:asvg="http://schemas.microsoft.com/office/drawing/2016/SVG/main" r:embed="rId13"/>
-              </a:ext>
-            </a:extLst>
-          </a:blip>
-          <a:stretch>
-            <a:fillRect/>
-          </a:stretch>
-        </p:blipFill>
-        <p:spPr>
-          <a:xfrm>
-            <a:off x="2530626" y="5207722"/>
-            <a:ext cx="914400" cy="914400"/>
-          </a:xfrm>
-          <a:prstGeom prst="rect">
-            <a:avLst/>
-          </a:prstGeom>
-        </p:spPr>
-      </p:pic>
-      <p:cxnSp>
-        <p:nvCxnSpPr>
-          <p:cNvPr id="47" name="Straight Arrow Connector 46">
-            <a:extLst>
-              <a:ext uri="{FF2B5EF4-FFF2-40B4-BE49-F238E27FC236}">
-                <a16:creationId xmlns:a16="http://schemas.microsoft.com/office/drawing/2014/main" id="{F0B9FBCB-09F4-408F-AEB5-E5D1A016BE63}"/>
-              </a:ext>
-            </a:extLst>
-          </p:cNvPr>
-          <p:cNvCxnSpPr>
-            <a:cxnSpLocks/>
-          </p:cNvCxnSpPr>
-          <p:nvPr/>
-        </p:nvCxnSpPr>
-        <p:spPr>
-          <a:xfrm flipV="1">
-            <a:off x="9951344" y="4214933"/>
-            <a:ext cx="965002" cy="971582"/>
-          </a:xfrm>
-          <a:prstGeom prst="straightConnector1">
-            <a:avLst/>
-          </a:prstGeom>
-          <a:ln w="38100">
-            <a:solidFill>
-              <a:schemeClr val="bg1">
-                <a:lumMod val="75000"/>
-              </a:schemeClr>
-            </a:solidFill>
-            <a:headEnd type="triangle" w="med" len="med"/>
-            <a:tailEnd type="none" w="med" len="med"/>
-          </a:ln>
-        </p:spPr>
-        <p:style>
-          <a:lnRef idx="1">
-            <a:schemeClr val="accent1"/>
-          </a:lnRef>
-          <a:fillRef idx="0">
-            <a:schemeClr val="accent1"/>
-          </a:fillRef>
-          <a:effectRef idx="0">
-            <a:schemeClr val="accent1"/>
-          </a:effectRef>
-          <a:fontRef idx="minor">
-            <a:schemeClr val="tx1"/>
-          </a:fontRef>
-        </p:style>
-      </p:cxnSp>
-      <p:cxnSp>
-        <p:nvCxnSpPr>
-          <p:cNvPr id="48" name="Straight Arrow Connector 47">
-            <a:extLst>
-              <a:ext uri="{FF2B5EF4-FFF2-40B4-BE49-F238E27FC236}">
-                <a16:creationId xmlns:a16="http://schemas.microsoft.com/office/drawing/2014/main" id="{579C8660-292B-4923-948A-4C74F1BB3BAE}"/>
-              </a:ext>
-            </a:extLst>
-          </p:cNvPr>
-          <p:cNvCxnSpPr>
-            <a:cxnSpLocks/>
-          </p:cNvCxnSpPr>
-          <p:nvPr/>
-        </p:nvCxnSpPr>
-        <p:spPr>
-          <a:xfrm flipH="1">
-            <a:off x="4649386" y="3983391"/>
-            <a:ext cx="146198" cy="1117568"/>
-          </a:xfrm>
-          <a:prstGeom prst="straightConnector1">
-            <a:avLst/>
-          </a:prstGeom>
-          <a:ln w="38100">
-            <a:solidFill>
-              <a:schemeClr val="bg1">
-                <a:lumMod val="75000"/>
-              </a:schemeClr>
-            </a:solidFill>
-            <a:headEnd type="triangle" w="med" len="med"/>
-            <a:tailEnd type="none" w="med" len="med"/>
-          </a:ln>
-        </p:spPr>
-        <p:style>
-          <a:lnRef idx="1">
-            <a:schemeClr val="accent1"/>
-          </a:lnRef>
-          <a:fillRef idx="0">
-            <a:schemeClr val="accent1"/>
-          </a:fillRef>
-          <a:effectRef idx="0">
-            <a:schemeClr val="accent1"/>
-          </a:effectRef>
-          <a:fontRef idx="minor">
-            <a:schemeClr val="tx1"/>
-          </a:fontRef>
-        </p:style>
-      </p:cxnSp>
-      <p:pic>
-        <p:nvPicPr>
-          <p:cNvPr id="50" name="Graphic 49">
-            <a:extLst>
-              <a:ext uri="{FF2B5EF4-FFF2-40B4-BE49-F238E27FC236}">
-                <a16:creationId xmlns:a16="http://schemas.microsoft.com/office/drawing/2014/main" id="{86DF99FA-6065-4F47-AFC5-7DF64B218D66}"/>
-              </a:ext>
-            </a:extLst>
-          </p:cNvPr>
-          <p:cNvPicPr>
-            <a:picLocks noChangeAspect="1"/>
-          </p:cNvPicPr>
-          <p:nvPr/>
-        </p:nvPicPr>
-        <p:blipFill>
-          <a:blip r:embed="rId5">
-            <a:extLst>
-              <a:ext uri="{96DAC541-7B7A-43D3-8B79-37D633B846F1}">
-                <asvg:svgBlip xmlns:asvg="http://schemas.microsoft.com/office/drawing/2016/SVG/main" r:embed="rId6"/>
-              </a:ext>
-            </a:extLst>
-          </a:blip>
-          <a:stretch>
-            <a:fillRect/>
-          </a:stretch>
-        </p:blipFill>
-        <p:spPr>
-          <a:xfrm>
-            <a:off x="5515718" y="5144072"/>
-            <a:ext cx="659817" cy="996459"/>
-          </a:xfrm>
-          <a:prstGeom prst="rect">
-            <a:avLst/>
-          </a:prstGeom>
-        </p:spPr>
-      </p:pic>
-      <p:pic>
-        <p:nvPicPr>
-          <p:cNvPr id="55" name="Graphic 54">
-            <a:extLst>
-              <a:ext uri="{FF2B5EF4-FFF2-40B4-BE49-F238E27FC236}">
-                <a16:creationId xmlns:a16="http://schemas.microsoft.com/office/drawing/2014/main" id="{5D4A3B1F-66CC-40AA-80EB-AFAB436B166B}"/>
-              </a:ext>
-            </a:extLst>
-          </p:cNvPr>
-          <p:cNvPicPr>
-            <a:picLocks noChangeAspect="1"/>
-          </p:cNvPicPr>
-          <p:nvPr/>
-        </p:nvPicPr>
-        <p:blipFill>
-          <a:blip r:embed="rId14">
-            <a:extLst>
-              <a:ext uri="{96DAC541-7B7A-43D3-8B79-37D633B846F1}">
-                <asvg:svgBlip xmlns:asvg="http://schemas.microsoft.com/office/drawing/2016/SVG/main" r:embed="rId15"/>
-              </a:ext>
-            </a:extLst>
-          </a:blip>
-          <a:stretch>
-            <a:fillRect/>
-          </a:stretch>
-        </p:blipFill>
-        <p:spPr>
-          <a:xfrm>
-            <a:off x="1732391" y="5186515"/>
-            <a:ext cx="659817" cy="996459"/>
-          </a:xfrm>
-          <a:prstGeom prst="rect">
-            <a:avLst/>
-          </a:prstGeom>
-        </p:spPr>
-      </p:pic>
-      <p:sp>
-        <p:nvSpPr>
-          <p:cNvPr id="22" name="Rectangle 21">
-            <a:extLst>
-              <a:ext uri="{FF2B5EF4-FFF2-40B4-BE49-F238E27FC236}">
-                <a16:creationId xmlns:a16="http://schemas.microsoft.com/office/drawing/2014/main" id="{E05D57A9-C026-4189-BA85-066DAF1A2485}"/>
-              </a:ext>
-            </a:extLst>
-          </p:cNvPr>
-          <p:cNvSpPr/>
-          <p:nvPr/>
-        </p:nvSpPr>
-        <p:spPr>
-          <a:xfrm>
-            <a:off x="2722880" y="4916314"/>
-            <a:ext cx="2579605" cy="270201"/>
-          </a:xfrm>
-          <a:prstGeom prst="rect">
-            <a:avLst/>
-          </a:prstGeom>
-        </p:spPr>
-        <p:style>
-          <a:lnRef idx="1">
-            <a:schemeClr val="accent1"/>
-          </a:lnRef>
-          <a:fillRef idx="3">
-            <a:schemeClr val="accent1"/>
-          </a:fillRef>
-          <a:effectRef idx="2">
-            <a:schemeClr val="accent1"/>
-          </a:effectRef>
-          <a:fontRef idx="minor">
-            <a:schemeClr val="lt1"/>
-          </a:fontRef>
-        </p:style>
-        <p:txBody>
-          <a:bodyPr rtlCol="0" anchor="ctr"/>
-          <a:lstStyle/>
-          <a:p>
-            <a:pPr algn="ctr"/>
-            <a:r>
-              <a:rPr lang="en-US" dirty="0"/>
-              <a:t>Payer Data on File</a:t>
-            </a:r>
-          </a:p>
-        </p:txBody>
-      </p:sp>
-      <p:pic>
-        <p:nvPicPr>
-          <p:cNvPr id="62" name="Graphic 61" descr="Medicine with solid fill">
-            <a:extLst>
-              <a:ext uri="{FF2B5EF4-FFF2-40B4-BE49-F238E27FC236}">
-                <a16:creationId xmlns:a16="http://schemas.microsoft.com/office/drawing/2014/main" id="{FF5549DF-3B55-4924-9628-49E08F228496}"/>
-              </a:ext>
-            </a:extLst>
-          </p:cNvPr>
-          <p:cNvPicPr>
-            <a:picLocks noChangeAspect="1"/>
-          </p:cNvPicPr>
-          <p:nvPr/>
-        </p:nvPicPr>
-        <p:blipFill>
-          <a:blip r:embed="rId16">
-            <a:extLst>
-              <a:ext uri="{28A0092B-C50C-407E-A947-70E740481C1C}">
-                <a14:useLocalDpi xmlns:a14="http://schemas.microsoft.com/office/drawing/2010/main" val="0"/>
-              </a:ext>
-              <a:ext uri="{96DAC541-7B7A-43D3-8B79-37D633B846F1}">
-                <asvg:svgBlip xmlns:asvg="http://schemas.microsoft.com/office/drawing/2016/SVG/main" r:embed="rId17"/>
-              </a:ext>
-            </a:extLst>
-          </a:blip>
-          <a:stretch>
-            <a:fillRect/>
-          </a:stretch>
-        </p:blipFill>
-        <p:spPr>
-          <a:xfrm>
-            <a:off x="3487139" y="5276201"/>
-            <a:ext cx="914400" cy="914400"/>
+            <a:off x="3062977" y="1035815"/>
+            <a:ext cx="6066046" cy="5822185"/>
           </a:xfrm>
           <a:prstGeom prst="rect">
             <a:avLst/>
@@ -25381,7 +24032,7 @@
     </p:spTree>
     <p:extLst>
       <p:ext uri="{BB962C8B-B14F-4D97-AF65-F5344CB8AC3E}">
-        <p14:creationId xmlns:p14="http://schemas.microsoft.com/office/powerpoint/2010/main" val="3931672537"/>
+        <p14:creationId xmlns:p14="http://schemas.microsoft.com/office/powerpoint/2010/main" val="4285956358"/>
       </p:ext>
     </p:extLst>
   </p:cSld>
@@ -25413,7 +24064,7 @@
           <p:cNvPr id="2" name="Title 1">
             <a:extLst>
               <a:ext uri="{FF2B5EF4-FFF2-40B4-BE49-F238E27FC236}">
-                <a16:creationId xmlns:a16="http://schemas.microsoft.com/office/drawing/2014/main" id="{D839B762-5734-44CA-BA78-76FD98019C0D}"/>
+                <a16:creationId xmlns:a16="http://schemas.microsoft.com/office/drawing/2014/main" id="{DE4FC254-7E84-4C1E-B2B1-8F45C616E91E}"/>
               </a:ext>
             </a:extLst>
           </p:cNvPr>
@@ -25431,7 +24082,38 @@
           <a:p>
             <a:r>
               <a:rPr lang="en-US" dirty="0"/>
-              <a:t>Example Risk Adjustment Report</a:t>
+              <a:t>Updated during STU1 ballot reconciliations: Figure 1-4 (Home page)</a:t>
+            </a:r>
+          </a:p>
+        </p:txBody>
+      </p:sp>
+      <p:sp>
+        <p:nvSpPr>
+          <p:cNvPr id="3" name="Text Placeholder 2">
+            <a:extLst>
+              <a:ext uri="{FF2B5EF4-FFF2-40B4-BE49-F238E27FC236}">
+                <a16:creationId xmlns:a16="http://schemas.microsoft.com/office/drawing/2014/main" id="{4025DF32-5ADE-4348-8F51-B2255B4D83D2}"/>
+              </a:ext>
+            </a:extLst>
+          </p:cNvPr>
+          <p:cNvSpPr>
+            <a:spLocks noGrp="1"/>
+          </p:cNvSpPr>
+          <p:nvPr>
+            <p:ph type="body" sz="quarter" idx="13"/>
+          </p:nvPr>
+        </p:nvSpPr>
+        <p:spPr/>
+        <p:txBody>
+          <a:bodyPr/>
+          <a:lstStyle/>
+          <a:p>
+            <a:pPr marL="0" indent="0">
+              <a:buNone/>
+            </a:pPr>
+            <a:r>
+              <a:rPr lang="en-US" dirty="0"/>
+              <a:t> </a:t>
             </a:r>
           </a:p>
         </p:txBody>
@@ -25441,7 +24123,7 @@
           <p:cNvPr id="4" name="Footer Placeholder 3">
             <a:extLst>
               <a:ext uri="{FF2B5EF4-FFF2-40B4-BE49-F238E27FC236}">
-                <a16:creationId xmlns:a16="http://schemas.microsoft.com/office/drawing/2014/main" id="{C18F18B0-D93F-44AA-9787-691A06C0D216}"/>
+                <a16:creationId xmlns:a16="http://schemas.microsoft.com/office/drawing/2014/main" id="{6F1D9FDC-5EC9-421B-B816-669D4CBA8D03}"/>
               </a:ext>
             </a:extLst>
           </p:cNvPr>
@@ -25457,42 +24139,17 @@
           <a:bodyPr/>
           <a:lstStyle/>
           <a:p>
-            <a:pPr defTabSz="609585" fontAlgn="base">
-              <a:spcBef>
-                <a:spcPct val="0"/>
-              </a:spcBef>
-              <a:spcAft>
-                <a:spcPct val="0"/>
-              </a:spcAft>
-            </a:pPr>
-            <a:r>
-              <a:rPr lang="en-US" b="1">
-                <a:latin typeface="Arial" panose="020B0604020202020204" pitchFamily="34" charset="0"/>
-                <a:ea typeface="ヒラギノ角ゴ Pro W3" pitchFamily="-126" charset="-128"/>
-              </a:rPr>
+            <a:r>
+              <a:rPr lang="en-US" b="1"/>
               <a:t>© 2019 Health Level Seven ® International. Licensed under Creative Commons Attribution 4.0 International</a:t>
             </a:r>
           </a:p>
           <a:p>
-            <a:pPr defTabSz="609585" fontAlgn="base">
-              <a:spcBef>
-                <a:spcPct val="0"/>
-              </a:spcBef>
-              <a:spcAft>
-                <a:spcPct val="0"/>
-              </a:spcAft>
-            </a:pPr>
-            <a:r>
-              <a:rPr lang="en-US" b="1">
-                <a:latin typeface="Arial" panose="020B0604020202020204" pitchFamily="34" charset="0"/>
-                <a:ea typeface="ヒラギノ角ゴ Pro W3" pitchFamily="-126" charset="-128"/>
-              </a:rPr>
+            <a:r>
+              <a:rPr lang="en-US" b="1"/>
               <a:t>HL7, Health Level Seven, FHIR and the FHIR flame logo are registered trademarks of Health Level Seven International. Reg. U.S. TM Office.</a:t>
             </a:r>
-            <a:endParaRPr lang="en-US" b="1" dirty="0">
-              <a:latin typeface="Arial" panose="020B0604020202020204" pitchFamily="34" charset="0"/>
-              <a:ea typeface="ヒラギノ角ゴ Pro W3" pitchFamily="-126" charset="-128"/>
-            </a:endParaRPr>
+            <a:endParaRPr lang="en-US" b="1" dirty="0"/>
           </a:p>
         </p:txBody>
       </p:sp>
@@ -25501,7 +24158,7 @@
           <p:cNvPr id="5" name="Slide Number Placeholder 4">
             <a:extLst>
               <a:ext uri="{FF2B5EF4-FFF2-40B4-BE49-F238E27FC236}">
-                <a16:creationId xmlns:a16="http://schemas.microsoft.com/office/drawing/2014/main" id="{8536C7B4-DF79-45E4-A016-77A29D38BF35}"/>
+                <a16:creationId xmlns:a16="http://schemas.microsoft.com/office/drawing/2014/main" id="{ABC91477-8158-43AE-8C67-AA1E9785A906}"/>
               </a:ext>
             </a:extLst>
           </p:cNvPr>
@@ -25517,48 +24174,21 @@
           <a:bodyPr/>
           <a:lstStyle/>
           <a:p>
-            <a:pPr defTabSz="609585" fontAlgn="base">
-              <a:spcBef>
-                <a:spcPct val="0"/>
-              </a:spcBef>
-              <a:spcAft>
-                <a:spcPct val="0"/>
-              </a:spcAft>
-            </a:pPr>
             <a:fld id="{6CACE926-AEF5-4BFE-8BD7-24414108CB7B}" type="slidenum">
-              <a:rPr lang="en-US" altLang="en-US">
-                <a:solidFill>
-                  <a:prstClr val="black"/>
-                </a:solidFill>
-                <a:latin typeface="Arial" panose="020B0604020202020204" pitchFamily="34" charset="0"/>
-                <a:ea typeface="ヒラギノ角ゴ Pro W3" pitchFamily="-126" charset="-128"/>
-              </a:rPr>
-              <a:pPr defTabSz="609585" fontAlgn="base">
-                <a:spcBef>
-                  <a:spcPct val="0"/>
-                </a:spcBef>
-                <a:spcAft>
-                  <a:spcPct val="0"/>
-                </a:spcAft>
-              </a:pPr>
+              <a:rPr lang="en-US" altLang="en-US" smtClean="0"/>
+              <a:pPr/>
               <a:t>7</a:t>
             </a:fld>
-            <a:endParaRPr lang="en-US" altLang="en-US" dirty="0">
-              <a:solidFill>
-                <a:prstClr val="black"/>
-              </a:solidFill>
-              <a:latin typeface="Arial" panose="020B0604020202020204" pitchFamily="34" charset="0"/>
-              <a:ea typeface="ヒラギノ角ゴ Pro W3" pitchFamily="-126" charset="-128"/>
-            </a:endParaRPr>
+            <a:endParaRPr lang="en-US" altLang="en-US" dirty="0"/>
           </a:p>
         </p:txBody>
       </p:sp>
       <p:pic>
         <p:nvPicPr>
-          <p:cNvPr id="7" name="Picture 6">
-            <a:extLst>
-              <a:ext uri="{FF2B5EF4-FFF2-40B4-BE49-F238E27FC236}">
-                <a16:creationId xmlns:a16="http://schemas.microsoft.com/office/drawing/2014/main" id="{A550DA12-3A5E-41B1-AC70-AB0E4A5610EE}"/>
+          <p:cNvPr id="6" name="Graphic 5">
+            <a:extLst>
+              <a:ext uri="{FF2B5EF4-FFF2-40B4-BE49-F238E27FC236}">
+                <a16:creationId xmlns:a16="http://schemas.microsoft.com/office/drawing/2014/main" id="{842186CE-C3CB-491F-B90D-334B74F93238}"/>
               </a:ext>
             </a:extLst>
           </p:cNvPr>
@@ -25570,8 +24200,8 @@
         <p:blipFill>
           <a:blip r:embed="rId3">
             <a:extLst>
-              <a:ext uri="{28A0092B-C50C-407E-A947-70E740481C1C}">
-                <a14:useLocalDpi xmlns:a14="http://schemas.microsoft.com/office/drawing/2010/main" val="0"/>
+              <a:ext uri="{96DAC541-7B7A-43D3-8B79-37D633B846F1}">
+                <asvg:svgBlip xmlns:asvg="http://schemas.microsoft.com/office/drawing/2016/SVG/main" r:embed="rId4"/>
               </a:ext>
             </a:extLst>
           </a:blip>
@@ -25581,18 +24211,406 @@
         </p:blipFill>
         <p:spPr>
           <a:xfrm>
-            <a:off x="3062977" y="1035815"/>
-            <a:ext cx="6066046" cy="5822185"/>
+            <a:off x="3428016" y="3173224"/>
+            <a:ext cx="659817" cy="996459"/>
           </a:xfrm>
           <a:prstGeom prst="rect">
             <a:avLst/>
           </a:prstGeom>
         </p:spPr>
       </p:pic>
+      <p:pic>
+        <p:nvPicPr>
+          <p:cNvPr id="7" name="Graphic 6">
+            <a:extLst>
+              <a:ext uri="{FF2B5EF4-FFF2-40B4-BE49-F238E27FC236}">
+                <a16:creationId xmlns:a16="http://schemas.microsoft.com/office/drawing/2014/main" id="{3E4BF30F-2D52-4FA7-8B6E-989427E65C55}"/>
+              </a:ext>
+            </a:extLst>
+          </p:cNvPr>
+          <p:cNvPicPr>
+            <a:picLocks noChangeAspect="1"/>
+          </p:cNvPicPr>
+          <p:nvPr/>
+        </p:nvPicPr>
+        <p:blipFill>
+          <a:blip r:embed="rId5">
+            <a:extLst>
+              <a:ext uri="{96DAC541-7B7A-43D3-8B79-37D633B846F1}">
+                <asvg:svgBlip xmlns:asvg="http://schemas.microsoft.com/office/drawing/2016/SVG/main" r:embed="rId6"/>
+              </a:ext>
+            </a:extLst>
+          </a:blip>
+          <a:stretch>
+            <a:fillRect/>
+          </a:stretch>
+        </p:blipFill>
+        <p:spPr>
+          <a:xfrm>
+            <a:off x="7464510" y="2979089"/>
+            <a:ext cx="814124" cy="899821"/>
+          </a:xfrm>
+          <a:prstGeom prst="rect">
+            <a:avLst/>
+          </a:prstGeom>
+        </p:spPr>
+      </p:pic>
+      <p:sp>
+        <p:nvSpPr>
+          <p:cNvPr id="9" name="TextBox 8">
+            <a:extLst>
+              <a:ext uri="{FF2B5EF4-FFF2-40B4-BE49-F238E27FC236}">
+                <a16:creationId xmlns:a16="http://schemas.microsoft.com/office/drawing/2014/main" id="{F400E8FA-0292-4288-B1BB-DA58B38789C1}"/>
+              </a:ext>
+            </a:extLst>
+          </p:cNvPr>
+          <p:cNvSpPr txBox="1"/>
+          <p:nvPr/>
+        </p:nvSpPr>
+        <p:spPr>
+          <a:xfrm>
+            <a:off x="1368638" y="3121037"/>
+            <a:ext cx="2162408" cy="584775"/>
+          </a:xfrm>
+          <a:prstGeom prst="rect">
+            <a:avLst/>
+          </a:prstGeom>
+          <a:noFill/>
+        </p:spPr>
+        <p:txBody>
+          <a:bodyPr wrap="square" rtlCol="0">
+            <a:spAutoFit/>
+          </a:bodyPr>
+          <a:lstStyle/>
+          <a:p>
+            <a:pPr algn="ctr" defTabSz="609585" fontAlgn="base">
+              <a:spcBef>
+                <a:spcPct val="0"/>
+              </a:spcBef>
+              <a:spcAft>
+                <a:spcPct val="0"/>
+              </a:spcAft>
+              <a:defRPr/>
+            </a:pPr>
+            <a:r>
+              <a:rPr lang="en-US" sz="1600" b="1" dirty="0">
+                <a:solidFill>
+                  <a:srgbClr val="C00000"/>
+                </a:solidFill>
+                <a:latin typeface="Arial"/>
+                <a:ea typeface="ヒラギノ角ゴ Pro W3" pitchFamily="-126" charset="-128"/>
+              </a:rPr>
+              <a:t>Client</a:t>
+            </a:r>
+          </a:p>
+          <a:p>
+            <a:pPr algn="ctr" defTabSz="609585" fontAlgn="base">
+              <a:spcBef>
+                <a:spcPct val="0"/>
+              </a:spcBef>
+              <a:spcAft>
+                <a:spcPct val="0"/>
+              </a:spcAft>
+              <a:defRPr/>
+            </a:pPr>
+            <a:r>
+              <a:rPr lang="en-US" sz="1600" b="1" dirty="0">
+                <a:solidFill>
+                  <a:srgbClr val="C00000"/>
+                </a:solidFill>
+                <a:latin typeface="Arial"/>
+                <a:ea typeface="ヒラギノ角ゴ Pro W3" pitchFamily="-126" charset="-128"/>
+              </a:rPr>
+              <a:t>(Provider)</a:t>
+            </a:r>
+          </a:p>
+        </p:txBody>
+      </p:sp>
+      <p:sp>
+        <p:nvSpPr>
+          <p:cNvPr id="10" name="TextBox 9">
+            <a:extLst>
+              <a:ext uri="{FF2B5EF4-FFF2-40B4-BE49-F238E27FC236}">
+                <a16:creationId xmlns:a16="http://schemas.microsoft.com/office/drawing/2014/main" id="{984AE2E2-20A9-4B44-A58D-4BBB1DF61213}"/>
+              </a:ext>
+            </a:extLst>
+          </p:cNvPr>
+          <p:cNvSpPr txBox="1"/>
+          <p:nvPr/>
+        </p:nvSpPr>
+        <p:spPr>
+          <a:xfrm>
+            <a:off x="8076248" y="3100638"/>
+            <a:ext cx="2115679" cy="584775"/>
+          </a:xfrm>
+          <a:prstGeom prst="rect">
+            <a:avLst/>
+          </a:prstGeom>
+          <a:noFill/>
+        </p:spPr>
+        <p:txBody>
+          <a:bodyPr wrap="square" rtlCol="0">
+            <a:spAutoFit/>
+          </a:bodyPr>
+          <a:lstStyle/>
+          <a:p>
+            <a:pPr algn="ctr" defTabSz="609585" fontAlgn="base">
+              <a:spcBef>
+                <a:spcPct val="0"/>
+              </a:spcBef>
+              <a:spcAft>
+                <a:spcPct val="0"/>
+              </a:spcAft>
+              <a:defRPr/>
+            </a:pPr>
+            <a:r>
+              <a:rPr lang="en-US" sz="1600" b="1" dirty="0">
+                <a:solidFill>
+                  <a:srgbClr val="F79646">
+                    <a:lumMod val="50000"/>
+                  </a:srgbClr>
+                </a:solidFill>
+                <a:latin typeface="Arial"/>
+                <a:ea typeface="ヒラギノ角ゴ Pro W3" pitchFamily="-126" charset="-128"/>
+              </a:rPr>
+              <a:t>Server</a:t>
+            </a:r>
+          </a:p>
+          <a:p>
+            <a:pPr algn="ctr" defTabSz="609585" fontAlgn="base">
+              <a:spcBef>
+                <a:spcPct val="0"/>
+              </a:spcBef>
+              <a:spcAft>
+                <a:spcPct val="0"/>
+              </a:spcAft>
+              <a:defRPr/>
+            </a:pPr>
+            <a:r>
+              <a:rPr lang="en-US" sz="1600" b="1" dirty="0">
+                <a:solidFill>
+                  <a:srgbClr val="F79646">
+                    <a:lumMod val="50000"/>
+                  </a:srgbClr>
+                </a:solidFill>
+                <a:latin typeface="Arial"/>
+                <a:ea typeface="ヒラギノ角ゴ Pro W3" pitchFamily="-126" charset="-128"/>
+              </a:rPr>
+              <a:t>(Payer)</a:t>
+            </a:r>
+          </a:p>
+        </p:txBody>
+      </p:sp>
+      <p:sp>
+        <p:nvSpPr>
+          <p:cNvPr id="8" name="Arrow: U-Turn 7">
+            <a:extLst>
+              <a:ext uri="{FF2B5EF4-FFF2-40B4-BE49-F238E27FC236}">
+                <a16:creationId xmlns:a16="http://schemas.microsoft.com/office/drawing/2014/main" id="{BBA494F5-C840-4276-B567-19F510FB3BE8}"/>
+              </a:ext>
+            </a:extLst>
+          </p:cNvPr>
+          <p:cNvSpPr/>
+          <p:nvPr/>
+        </p:nvSpPr>
+        <p:spPr>
+          <a:xfrm rot="10800000" flipH="1" flipV="1">
+            <a:off x="3604184" y="1851892"/>
+            <a:ext cx="4572963" cy="1202435"/>
+          </a:xfrm>
+          <a:prstGeom prst="uturnArrow">
+            <a:avLst/>
+          </a:prstGeom>
+        </p:spPr>
+        <p:style>
+          <a:lnRef idx="1">
+            <a:schemeClr val="accent1"/>
+          </a:lnRef>
+          <a:fillRef idx="3">
+            <a:schemeClr val="accent1"/>
+          </a:fillRef>
+          <a:effectRef idx="2">
+            <a:schemeClr val="accent1"/>
+          </a:effectRef>
+          <a:fontRef idx="minor">
+            <a:schemeClr val="lt1"/>
+          </a:fontRef>
+        </p:style>
+        <p:txBody>
+          <a:bodyPr rtlCol="0" anchor="ctr"/>
+          <a:lstStyle/>
+          <a:p>
+            <a:pPr algn="ctr"/>
+            <a:endParaRPr lang="en-US">
+              <a:solidFill>
+                <a:schemeClr val="tx1"/>
+              </a:solidFill>
+            </a:endParaRPr>
+          </a:p>
+        </p:txBody>
+      </p:sp>
+      <p:sp>
+        <p:nvSpPr>
+          <p:cNvPr id="13" name="Arrow: U-Turn 12">
+            <a:extLst>
+              <a:ext uri="{FF2B5EF4-FFF2-40B4-BE49-F238E27FC236}">
+                <a16:creationId xmlns:a16="http://schemas.microsoft.com/office/drawing/2014/main" id="{174416F3-D18D-44B8-B799-1F518BBC5027}"/>
+              </a:ext>
+            </a:extLst>
+          </p:cNvPr>
+          <p:cNvSpPr/>
+          <p:nvPr/>
+        </p:nvSpPr>
+        <p:spPr>
+          <a:xfrm rot="10800000">
+            <a:off x="3531047" y="3933241"/>
+            <a:ext cx="4472642" cy="1202435"/>
+          </a:xfrm>
+          <a:prstGeom prst="uturnArrow">
+            <a:avLst/>
+          </a:prstGeom>
+        </p:spPr>
+        <p:style>
+          <a:lnRef idx="1">
+            <a:schemeClr val="accent1"/>
+          </a:lnRef>
+          <a:fillRef idx="3">
+            <a:schemeClr val="accent1"/>
+          </a:fillRef>
+          <a:effectRef idx="2">
+            <a:schemeClr val="accent1"/>
+          </a:effectRef>
+          <a:fontRef idx="minor">
+            <a:schemeClr val="lt1"/>
+          </a:fontRef>
+        </p:style>
+        <p:txBody>
+          <a:bodyPr rtlCol="0" anchor="ctr"/>
+          <a:lstStyle/>
+          <a:p>
+            <a:pPr algn="ctr"/>
+            <a:endParaRPr lang="en-US">
+              <a:solidFill>
+                <a:schemeClr val="tx1"/>
+              </a:solidFill>
+            </a:endParaRPr>
+          </a:p>
+        </p:txBody>
+      </p:sp>
+      <p:sp>
+        <p:nvSpPr>
+          <p:cNvPr id="14" name="Rectangle 13">
+            <a:extLst>
+              <a:ext uri="{FF2B5EF4-FFF2-40B4-BE49-F238E27FC236}">
+                <a16:creationId xmlns:a16="http://schemas.microsoft.com/office/drawing/2014/main" id="{330FFA72-BBBD-4DBC-800E-90E49E5C0B79}"/>
+              </a:ext>
+            </a:extLst>
+          </p:cNvPr>
+          <p:cNvSpPr/>
+          <p:nvPr/>
+        </p:nvSpPr>
+        <p:spPr>
+          <a:xfrm>
+            <a:off x="4878367" y="1693366"/>
+            <a:ext cx="1778000" cy="598013"/>
+          </a:xfrm>
+          <a:prstGeom prst="rect">
+            <a:avLst/>
+          </a:prstGeom>
+          <a:solidFill>
+            <a:schemeClr val="bg1"/>
+          </a:solidFill>
+        </p:spPr>
+        <p:style>
+          <a:lnRef idx="1">
+            <a:schemeClr val="accent1"/>
+          </a:lnRef>
+          <a:fillRef idx="3">
+            <a:schemeClr val="accent1"/>
+          </a:fillRef>
+          <a:effectRef idx="2">
+            <a:schemeClr val="accent1"/>
+          </a:effectRef>
+          <a:fontRef idx="minor">
+            <a:schemeClr val="lt1"/>
+          </a:fontRef>
+        </p:style>
+        <p:txBody>
+          <a:bodyPr rtlCol="0" anchor="ctr"/>
+          <a:lstStyle/>
+          <a:p>
+            <a:pPr algn="ctr"/>
+            <a:r>
+              <a:rPr lang="en-US" sz="1600" b="1" dirty="0">
+                <a:solidFill>
+                  <a:schemeClr val="tx1"/>
+                </a:solidFill>
+              </a:rPr>
+              <a:t>$report</a:t>
+            </a:r>
+          </a:p>
+        </p:txBody>
+      </p:sp>
+      <p:sp>
+        <p:nvSpPr>
+          <p:cNvPr id="16" name="Rectangle 15">
+            <a:extLst>
+              <a:ext uri="{FF2B5EF4-FFF2-40B4-BE49-F238E27FC236}">
+                <a16:creationId xmlns:a16="http://schemas.microsoft.com/office/drawing/2014/main" id="{6908AAC3-35FE-4372-8B8E-78FD5F752EEB}"/>
+              </a:ext>
+            </a:extLst>
+          </p:cNvPr>
+          <p:cNvSpPr/>
+          <p:nvPr/>
+        </p:nvSpPr>
+        <p:spPr>
+          <a:xfrm>
+            <a:off x="4880094" y="4665336"/>
+            <a:ext cx="2021142" cy="658153"/>
+          </a:xfrm>
+          <a:prstGeom prst="rect">
+            <a:avLst/>
+          </a:prstGeom>
+          <a:solidFill>
+            <a:schemeClr val="bg1"/>
+          </a:solidFill>
+        </p:spPr>
+        <p:style>
+          <a:lnRef idx="1">
+            <a:schemeClr val="accent1"/>
+          </a:lnRef>
+          <a:fillRef idx="3">
+            <a:schemeClr val="accent1"/>
+          </a:fillRef>
+          <a:effectRef idx="2">
+            <a:schemeClr val="accent1"/>
+          </a:effectRef>
+          <a:fontRef idx="minor">
+            <a:schemeClr val="lt1"/>
+          </a:fontRef>
+        </p:style>
+        <p:txBody>
+          <a:bodyPr rtlCol="0" anchor="ctr"/>
+          <a:lstStyle/>
+          <a:p>
+            <a:pPr algn="ctr"/>
+            <a:r>
+              <a:rPr lang="en-US" sz="1400" b="1" dirty="0">
+                <a:solidFill>
+                  <a:schemeClr val="tx1"/>
+                </a:solidFill>
+                <a:latin typeface="Arial" panose="020B0604020202020204" pitchFamily="34" charset="0"/>
+                <a:cs typeface="Arial" panose="020B0604020202020204" pitchFamily="34" charset="0"/>
+              </a:rPr>
+              <a:t>Risk Adjustment Coding Gap Reports</a:t>
+            </a:r>
+          </a:p>
+        </p:txBody>
+      </p:sp>
     </p:spTree>
     <p:extLst>
       <p:ext uri="{BB962C8B-B14F-4D97-AF65-F5344CB8AC3E}">
-        <p14:creationId xmlns:p14="http://schemas.microsoft.com/office/powerpoint/2010/main" val="4285956358"/>
+        <p14:creationId xmlns:p14="http://schemas.microsoft.com/office/powerpoint/2010/main" val="1821753144"/>
       </p:ext>
     </p:extLst>
   </p:cSld>
@@ -25624,7 +24642,7 @@
           <p:cNvPr id="2" name="Title 1">
             <a:extLst>
               <a:ext uri="{FF2B5EF4-FFF2-40B4-BE49-F238E27FC236}">
-                <a16:creationId xmlns:a16="http://schemas.microsoft.com/office/drawing/2014/main" id="{DE4FC254-7E84-4C1E-B2B1-8F45C616E91E}"/>
+                <a16:creationId xmlns:a16="http://schemas.microsoft.com/office/drawing/2014/main" id="{E6992073-D200-42E0-9FB9-A038AA6450B8}"/>
               </a:ext>
             </a:extLst>
           </p:cNvPr>
@@ -25641,10 +24659,9 @@
           <a:lstStyle/>
           <a:p>
             <a:r>
-              <a:rPr lang="en-US"/>
-              <a:t>Figure 1-3 (Home page)</a:t>
-            </a:r>
-            <a:endParaRPr lang="en-US" dirty="0"/>
+              <a:rPr lang="en-US" dirty="0"/>
+              <a:t>New Figure 1-3 created during ballot reconciliations</a:t>
+            </a:r>
           </a:p>
         </p:txBody>
       </p:sp>
@@ -25653,7 +24670,7 @@
           <p:cNvPr id="3" name="Text Placeholder 2">
             <a:extLst>
               <a:ext uri="{FF2B5EF4-FFF2-40B4-BE49-F238E27FC236}">
-                <a16:creationId xmlns:a16="http://schemas.microsoft.com/office/drawing/2014/main" id="{4025DF32-5ADE-4348-8F51-B2255B4D83D2}"/>
+                <a16:creationId xmlns:a16="http://schemas.microsoft.com/office/drawing/2014/main" id="{9A34AC66-A8B9-4352-A5F1-CFA56745734D}"/>
               </a:ext>
             </a:extLst>
           </p:cNvPr>
@@ -25669,13 +24686,7 @@
           <a:bodyPr/>
           <a:lstStyle/>
           <a:p>
-            <a:pPr marL="0" indent="0">
-              <a:buNone/>
-            </a:pPr>
-            <a:r>
-              <a:rPr lang="en-US" dirty="0"/>
-              <a:t> </a:t>
-            </a:r>
+            <a:endParaRPr lang="en-US" dirty="0"/>
           </a:p>
         </p:txBody>
       </p:sp>
@@ -25684,7 +24695,7 @@
           <p:cNvPr id="4" name="Footer Placeholder 3">
             <a:extLst>
               <a:ext uri="{FF2B5EF4-FFF2-40B4-BE49-F238E27FC236}">
-                <a16:creationId xmlns:a16="http://schemas.microsoft.com/office/drawing/2014/main" id="{6F1D9FDC-5EC9-421B-B816-669D4CBA8D03}"/>
+                <a16:creationId xmlns:a16="http://schemas.microsoft.com/office/drawing/2014/main" id="{C5B4F8C2-7293-47C8-B3AA-03648885EC3E}"/>
               </a:ext>
             </a:extLst>
           </p:cNvPr>
@@ -25701,16 +24712,15 @@
           <a:lstStyle/>
           <a:p>
             <a:r>
-              <a:rPr lang="en-US" b="1"/>
+              <a:rPr lang="en-US" b="1" dirty="0"/>
               <a:t>© 2019 Health Level Seven ® International. Licensed under Creative Commons Attribution 4.0 International</a:t>
             </a:r>
           </a:p>
           <a:p>
             <a:r>
-              <a:rPr lang="en-US" b="1"/>
+              <a:rPr lang="en-US" b="1" dirty="0"/>
               <a:t>HL7, Health Level Seven, FHIR and the FHIR flame logo are registered trademarks of Health Level Seven International. Reg. U.S. TM Office.</a:t>
             </a:r>
-            <a:endParaRPr lang="en-US" b="1" dirty="0"/>
           </a:p>
         </p:txBody>
       </p:sp>
@@ -25719,7 +24729,7 @@
           <p:cNvPr id="5" name="Slide Number Placeholder 4">
             <a:extLst>
               <a:ext uri="{FF2B5EF4-FFF2-40B4-BE49-F238E27FC236}">
-                <a16:creationId xmlns:a16="http://schemas.microsoft.com/office/drawing/2014/main" id="{ABC91477-8158-43AE-8C67-AA1E9785A906}"/>
+                <a16:creationId xmlns:a16="http://schemas.microsoft.com/office/drawing/2014/main" id="{9B90074F-DE65-45EB-9571-9D3C185F2116}"/>
               </a:ext>
             </a:extLst>
           </p:cNvPr>
@@ -25749,7 +24759,7 @@
           <p:cNvPr id="6" name="Graphic 5">
             <a:extLst>
               <a:ext uri="{FF2B5EF4-FFF2-40B4-BE49-F238E27FC236}">
-                <a16:creationId xmlns:a16="http://schemas.microsoft.com/office/drawing/2014/main" id="{842186CE-C3CB-491F-B90D-334B74F93238}"/>
+                <a16:creationId xmlns:a16="http://schemas.microsoft.com/office/drawing/2014/main" id="{2FC42DAA-9420-4457-A39A-66D03B33B85C}"/>
               </a:ext>
             </a:extLst>
           </p:cNvPr>
@@ -25772,7 +24782,7 @@
         </p:blipFill>
         <p:spPr>
           <a:xfrm>
-            <a:off x="3428016" y="3173224"/>
+            <a:off x="8001659" y="3907606"/>
             <a:ext cx="659817" cy="996459"/>
           </a:xfrm>
           <a:prstGeom prst="rect">
@@ -25785,7 +24795,7 @@
           <p:cNvPr id="7" name="Graphic 6">
             <a:extLst>
               <a:ext uri="{FF2B5EF4-FFF2-40B4-BE49-F238E27FC236}">
-                <a16:creationId xmlns:a16="http://schemas.microsoft.com/office/drawing/2014/main" id="{3E4BF30F-2D52-4FA7-8B6E-989427E65C55}"/>
+                <a16:creationId xmlns:a16="http://schemas.microsoft.com/office/drawing/2014/main" id="{F1E0878E-B15A-4705-B9BD-922A7EC97066}"/>
               </a:ext>
             </a:extLst>
           </p:cNvPr>
@@ -25808,7 +24818,7 @@
         </p:blipFill>
         <p:spPr>
           <a:xfrm>
-            <a:off x="7464510" y="2979089"/>
+            <a:off x="3881659" y="4027147"/>
             <a:ext cx="814124" cy="899821"/>
           </a:xfrm>
           <a:prstGeom prst="rect">
@@ -25818,10 +24828,10 @@
       </p:pic>
       <p:sp>
         <p:nvSpPr>
-          <p:cNvPr id="9" name="TextBox 8">
-            <a:extLst>
-              <a:ext uri="{FF2B5EF4-FFF2-40B4-BE49-F238E27FC236}">
-                <a16:creationId xmlns:a16="http://schemas.microsoft.com/office/drawing/2014/main" id="{F400E8FA-0292-4288-B1BB-DA58B38789C1}"/>
+          <p:cNvPr id="8" name="TextBox 7">
+            <a:extLst>
+              <a:ext uri="{FF2B5EF4-FFF2-40B4-BE49-F238E27FC236}">
+                <a16:creationId xmlns:a16="http://schemas.microsoft.com/office/drawing/2014/main" id="{F0FE43D4-24B0-4D09-9F99-A614069FFCAA}"/>
               </a:ext>
             </a:extLst>
           </p:cNvPr>
@@ -25830,8 +24840,8 @@
         </p:nvSpPr>
         <p:spPr>
           <a:xfrm>
-            <a:off x="1368638" y="3121037"/>
-            <a:ext cx="2162408" cy="584775"/>
+            <a:off x="2420000" y="4210866"/>
+            <a:ext cx="1415320" cy="584775"/>
           </a:xfrm>
           <a:prstGeom prst="rect">
             <a:avLst/>
@@ -25882,17 +24892,186 @@
                 <a:latin typeface="Arial"/>
                 <a:ea typeface="ヒラギノ角ゴ Pro W3" pitchFamily="-126" charset="-128"/>
               </a:rPr>
-              <a:t>(example Provider)</a:t>
-            </a:r>
-          </a:p>
-        </p:txBody>
-      </p:sp>
-      <p:sp>
-        <p:nvSpPr>
-          <p:cNvPr id="10" name="TextBox 9">
-            <a:extLst>
-              <a:ext uri="{FF2B5EF4-FFF2-40B4-BE49-F238E27FC236}">
-                <a16:creationId xmlns:a16="http://schemas.microsoft.com/office/drawing/2014/main" id="{984AE2E2-20A9-4B44-A58D-4BBB1DF61213}"/>
+              <a:t>(Payer)</a:t>
+            </a:r>
+          </a:p>
+        </p:txBody>
+      </p:sp>
+      <p:sp>
+        <p:nvSpPr>
+          <p:cNvPr id="9" name="Arrow: U-Turn 8">
+            <a:extLst>
+              <a:ext uri="{FF2B5EF4-FFF2-40B4-BE49-F238E27FC236}">
+                <a16:creationId xmlns:a16="http://schemas.microsoft.com/office/drawing/2014/main" id="{09BF3D1E-B047-45D0-A4AE-6BACE7A28B3F}"/>
+              </a:ext>
+            </a:extLst>
+          </p:cNvPr>
+          <p:cNvSpPr/>
+          <p:nvPr/>
+        </p:nvSpPr>
+        <p:spPr>
+          <a:xfrm rot="10800000" flipH="1" flipV="1">
+            <a:off x="4088513" y="2705171"/>
+            <a:ext cx="4572963" cy="1202435"/>
+          </a:xfrm>
+          <a:prstGeom prst="uturnArrow">
+            <a:avLst>
+              <a:gd name="adj1" fmla="val 25000"/>
+              <a:gd name="adj2" fmla="val 25000"/>
+              <a:gd name="adj3" fmla="val 28042"/>
+              <a:gd name="adj4" fmla="val 43750"/>
+              <a:gd name="adj5" fmla="val 75000"/>
+            </a:avLst>
+          </a:prstGeom>
+        </p:spPr>
+        <p:style>
+          <a:lnRef idx="1">
+            <a:schemeClr val="accent1"/>
+          </a:lnRef>
+          <a:fillRef idx="3">
+            <a:schemeClr val="accent1"/>
+          </a:fillRef>
+          <a:effectRef idx="2">
+            <a:schemeClr val="accent1"/>
+          </a:effectRef>
+          <a:fontRef idx="minor">
+            <a:schemeClr val="lt1"/>
+          </a:fontRef>
+        </p:style>
+        <p:txBody>
+          <a:bodyPr rtlCol="0" anchor="ctr"/>
+          <a:lstStyle/>
+          <a:p>
+            <a:pPr algn="ctr"/>
+            <a:endParaRPr lang="en-US">
+              <a:solidFill>
+                <a:schemeClr val="tx1"/>
+              </a:solidFill>
+            </a:endParaRPr>
+          </a:p>
+        </p:txBody>
+      </p:sp>
+      <p:sp>
+        <p:nvSpPr>
+          <p:cNvPr id="11" name="Rectangle 10">
+            <a:extLst>
+              <a:ext uri="{FF2B5EF4-FFF2-40B4-BE49-F238E27FC236}">
+                <a16:creationId xmlns:a16="http://schemas.microsoft.com/office/drawing/2014/main" id="{9207507E-29D8-4D70-850B-8907BCFB4B71}"/>
+              </a:ext>
+            </a:extLst>
+          </p:cNvPr>
+          <p:cNvSpPr/>
+          <p:nvPr/>
+        </p:nvSpPr>
+        <p:spPr>
+          <a:xfrm>
+            <a:off x="5299671" y="2376094"/>
+            <a:ext cx="2021142" cy="658153"/>
+          </a:xfrm>
+          <a:prstGeom prst="rect">
+            <a:avLst/>
+          </a:prstGeom>
+          <a:solidFill>
+            <a:schemeClr val="bg1"/>
+          </a:solidFill>
+        </p:spPr>
+        <p:style>
+          <a:lnRef idx="1">
+            <a:schemeClr val="accent1"/>
+          </a:lnRef>
+          <a:fillRef idx="3">
+            <a:schemeClr val="accent1"/>
+          </a:fillRef>
+          <a:effectRef idx="2">
+            <a:schemeClr val="accent1"/>
+          </a:effectRef>
+          <a:fontRef idx="minor">
+            <a:schemeClr val="lt1"/>
+          </a:fontRef>
+        </p:style>
+        <p:txBody>
+          <a:bodyPr rtlCol="0" anchor="ctr"/>
+          <a:lstStyle/>
+          <a:p>
+            <a:pPr algn="ctr"/>
+            <a:r>
+              <a:rPr lang="en-US" sz="1400" b="1" dirty="0">
+                <a:solidFill>
+                  <a:schemeClr val="tx1"/>
+                </a:solidFill>
+                <a:latin typeface="Arial" panose="020B0604020202020204" pitchFamily="34" charset="0"/>
+                <a:cs typeface="Arial" panose="020B0604020202020204" pitchFamily="34" charset="0"/>
+              </a:rPr>
+              <a:t>POST</a:t>
+            </a:r>
+          </a:p>
+          <a:p>
+            <a:pPr algn="ctr"/>
+            <a:r>
+              <a:rPr lang="en-US" sz="1400" b="1" dirty="0">
+                <a:solidFill>
+                  <a:schemeClr val="tx1"/>
+                </a:solidFill>
+                <a:latin typeface="Arial" panose="020B0604020202020204" pitchFamily="34" charset="0"/>
+                <a:cs typeface="Arial" panose="020B0604020202020204" pitchFamily="34" charset="0"/>
+              </a:rPr>
+              <a:t>Risk Adjustment Coding Gap Reports</a:t>
+            </a:r>
+          </a:p>
+        </p:txBody>
+      </p:sp>
+      <p:cxnSp>
+        <p:nvCxnSpPr>
+          <p:cNvPr id="12" name="Connector: Elbow 11">
+            <a:extLst>
+              <a:ext uri="{FF2B5EF4-FFF2-40B4-BE49-F238E27FC236}">
+                <a16:creationId xmlns:a16="http://schemas.microsoft.com/office/drawing/2014/main" id="{C5FA8C8A-D977-43D9-B0D0-73A6E6DE717A}"/>
+              </a:ext>
+            </a:extLst>
+          </p:cNvPr>
+          <p:cNvCxnSpPr>
+            <a:cxnSpLocks/>
+            <a:stCxn id="7" idx="3"/>
+            <a:endCxn id="7" idx="2"/>
+          </p:cNvCxnSpPr>
+          <p:nvPr/>
+        </p:nvCxnSpPr>
+        <p:spPr>
+          <a:xfrm flipH="1">
+            <a:off x="4288721" y="4477058"/>
+            <a:ext cx="407062" cy="449910"/>
+          </a:xfrm>
+          <a:prstGeom prst="bentConnector4">
+            <a:avLst>
+              <a:gd name="adj1" fmla="val -464993"/>
+              <a:gd name="adj2" fmla="val 150810"/>
+            </a:avLst>
+          </a:prstGeom>
+          <a:ln>
+            <a:tailEnd type="triangle"/>
+          </a:ln>
+        </p:spPr>
+        <p:style>
+          <a:lnRef idx="2">
+            <a:schemeClr val="accent1"/>
+          </a:lnRef>
+          <a:fillRef idx="0">
+            <a:schemeClr val="accent1"/>
+          </a:fillRef>
+          <a:effectRef idx="1">
+            <a:schemeClr val="accent1"/>
+          </a:effectRef>
+          <a:fontRef idx="minor">
+            <a:schemeClr val="tx1"/>
+          </a:fontRef>
+        </p:style>
+      </p:cxnSp>
+      <p:sp>
+        <p:nvSpPr>
+          <p:cNvPr id="13" name="TextBox 12">
+            <a:extLst>
+              <a:ext uri="{FF2B5EF4-FFF2-40B4-BE49-F238E27FC236}">
+                <a16:creationId xmlns:a16="http://schemas.microsoft.com/office/drawing/2014/main" id="{E0AE934C-A70B-4BB7-A14B-50CF63C83613}"/>
               </a:ext>
             </a:extLst>
           </p:cNvPr>
@@ -25901,8 +25080,8 @@
         </p:nvSpPr>
         <p:spPr>
           <a:xfrm>
-            <a:off x="8076248" y="3100638"/>
-            <a:ext cx="2115679" cy="584775"/>
+            <a:off x="8661476" y="4236682"/>
+            <a:ext cx="1160049" cy="338554"/>
           </a:xfrm>
           <a:prstGeom prst="rect">
             <a:avLst/>
@@ -25934,9 +25113,92 @@
                 <a:latin typeface="Arial"/>
                 <a:ea typeface="ヒラギノ角ゴ Pro W3" pitchFamily="-126" charset="-128"/>
               </a:rPr>
-              <a:t>Server</a:t>
-            </a:r>
-          </a:p>
+              <a:t>Providers</a:t>
+            </a:r>
+          </a:p>
+        </p:txBody>
+      </p:sp>
+      <p:sp>
+        <p:nvSpPr>
+          <p:cNvPr id="20" name="Rectangle 19">
+            <a:extLst>
+              <a:ext uri="{FF2B5EF4-FFF2-40B4-BE49-F238E27FC236}">
+                <a16:creationId xmlns:a16="http://schemas.microsoft.com/office/drawing/2014/main" id="{4706AF83-B445-422F-9E0C-6983926A1C70}"/>
+              </a:ext>
+            </a:extLst>
+          </p:cNvPr>
+          <p:cNvSpPr/>
+          <p:nvPr/>
+        </p:nvSpPr>
+        <p:spPr>
+          <a:xfrm>
+            <a:off x="5024416" y="4220102"/>
+            <a:ext cx="1216325" cy="440049"/>
+          </a:xfrm>
+          <a:prstGeom prst="rect">
+            <a:avLst/>
+          </a:prstGeom>
+          <a:solidFill>
+            <a:schemeClr val="bg1"/>
+          </a:solidFill>
+        </p:spPr>
+        <p:style>
+          <a:lnRef idx="1">
+            <a:schemeClr val="accent1"/>
+          </a:lnRef>
+          <a:fillRef idx="3">
+            <a:schemeClr val="accent1"/>
+          </a:fillRef>
+          <a:effectRef idx="2">
+            <a:schemeClr val="accent1"/>
+          </a:effectRef>
+          <a:fontRef idx="minor">
+            <a:schemeClr val="lt1"/>
+          </a:fontRef>
+        </p:style>
+        <p:txBody>
+          <a:bodyPr rtlCol="0" anchor="ctr"/>
+          <a:lstStyle/>
+          <a:p>
+            <a:pPr algn="ctr"/>
+            <a:r>
+              <a:rPr lang="en-US" sz="1600" b="1" dirty="0">
+                <a:solidFill>
+                  <a:schemeClr val="tx1"/>
+                </a:solidFill>
+              </a:rPr>
+              <a:t>$report</a:t>
+            </a:r>
+          </a:p>
+        </p:txBody>
+      </p:sp>
+      <p:sp>
+        <p:nvSpPr>
+          <p:cNvPr id="14" name="TextBox 13">
+            <a:extLst>
+              <a:ext uri="{FF2B5EF4-FFF2-40B4-BE49-F238E27FC236}">
+                <a16:creationId xmlns:a16="http://schemas.microsoft.com/office/drawing/2014/main" id="{5A4A93A9-19A3-45F2-8D6B-A30B365CC0B5}"/>
+              </a:ext>
+            </a:extLst>
+          </p:cNvPr>
+          <p:cNvSpPr txBox="1"/>
+          <p:nvPr/>
+        </p:nvSpPr>
+        <p:spPr>
+          <a:xfrm>
+            <a:off x="4590566" y="5228323"/>
+            <a:ext cx="2162408" cy="584775"/>
+          </a:xfrm>
+          <a:prstGeom prst="rect">
+            <a:avLst/>
+          </a:prstGeom>
+          <a:noFill/>
+        </p:spPr>
+        <p:txBody>
+          <a:bodyPr wrap="square" rtlCol="0">
+            <a:spAutoFit/>
+          </a:bodyPr>
+          <a:lstStyle/>
           <a:p>
             <a:pPr algn="ctr" defTabSz="609585" fontAlgn="base">
               <a:spcBef>
@@ -25950,220 +25212,33 @@
             <a:r>
               <a:rPr lang="en-US" sz="1600" b="1" dirty="0">
                 <a:solidFill>
-                  <a:srgbClr val="F79646">
-                    <a:lumMod val="50000"/>
-                  </a:srgbClr>
+                  <a:srgbClr val="C00000"/>
                 </a:solidFill>
                 <a:latin typeface="Arial"/>
                 <a:ea typeface="ヒラギノ角ゴ Pro W3" pitchFamily="-126" charset="-128"/>
               </a:rPr>
-              <a:t>(example Payer)</a:t>
-            </a:r>
-          </a:p>
-        </p:txBody>
-      </p:sp>
-      <p:sp>
-        <p:nvSpPr>
-          <p:cNvPr id="8" name="Arrow: U-Turn 7">
-            <a:extLst>
-              <a:ext uri="{FF2B5EF4-FFF2-40B4-BE49-F238E27FC236}">
-                <a16:creationId xmlns:a16="http://schemas.microsoft.com/office/drawing/2014/main" id="{BBA494F5-C840-4276-B567-19F510FB3BE8}"/>
-              </a:ext>
-            </a:extLst>
-          </p:cNvPr>
-          <p:cNvSpPr/>
-          <p:nvPr/>
-        </p:nvSpPr>
-        <p:spPr>
-          <a:xfrm rot="10800000" flipH="1" flipV="1">
-            <a:off x="3604184" y="1851892"/>
-            <a:ext cx="4572963" cy="1202435"/>
-          </a:xfrm>
-          <a:prstGeom prst="uturnArrow">
-            <a:avLst/>
-          </a:prstGeom>
-        </p:spPr>
-        <p:style>
-          <a:lnRef idx="1">
-            <a:schemeClr val="accent1"/>
-          </a:lnRef>
-          <a:fillRef idx="3">
-            <a:schemeClr val="accent1"/>
-          </a:fillRef>
-          <a:effectRef idx="2">
-            <a:schemeClr val="accent1"/>
-          </a:effectRef>
-          <a:fontRef idx="minor">
-            <a:schemeClr val="lt1"/>
-          </a:fontRef>
-        </p:style>
-        <p:txBody>
-          <a:bodyPr rtlCol="0" anchor="ctr"/>
-          <a:lstStyle/>
-          <a:p>
-            <a:pPr algn="ctr"/>
-            <a:endParaRPr lang="en-US">
-              <a:solidFill>
-                <a:schemeClr val="tx1"/>
-              </a:solidFill>
-            </a:endParaRPr>
-          </a:p>
-        </p:txBody>
-      </p:sp>
-      <p:sp>
-        <p:nvSpPr>
-          <p:cNvPr id="13" name="Arrow: U-Turn 12">
-            <a:extLst>
-              <a:ext uri="{FF2B5EF4-FFF2-40B4-BE49-F238E27FC236}">
-                <a16:creationId xmlns:a16="http://schemas.microsoft.com/office/drawing/2014/main" id="{174416F3-D18D-44B8-B799-1F518BBC5027}"/>
-              </a:ext>
-            </a:extLst>
-          </p:cNvPr>
-          <p:cNvSpPr/>
-          <p:nvPr/>
-        </p:nvSpPr>
-        <p:spPr>
-          <a:xfrm rot="10800000">
-            <a:off x="3531047" y="3933241"/>
-            <a:ext cx="4472642" cy="1202435"/>
-          </a:xfrm>
-          <a:prstGeom prst="uturnArrow">
-            <a:avLst/>
-          </a:prstGeom>
-        </p:spPr>
-        <p:style>
-          <a:lnRef idx="1">
-            <a:schemeClr val="accent1"/>
-          </a:lnRef>
-          <a:fillRef idx="3">
-            <a:schemeClr val="accent1"/>
-          </a:fillRef>
-          <a:effectRef idx="2">
-            <a:schemeClr val="accent1"/>
-          </a:effectRef>
-          <a:fontRef idx="minor">
-            <a:schemeClr val="lt1"/>
-          </a:fontRef>
-        </p:style>
-        <p:txBody>
-          <a:bodyPr rtlCol="0" anchor="ctr"/>
-          <a:lstStyle/>
-          <a:p>
-            <a:pPr algn="ctr"/>
-            <a:endParaRPr lang="en-US">
-              <a:solidFill>
-                <a:schemeClr val="tx1"/>
-              </a:solidFill>
-            </a:endParaRPr>
-          </a:p>
-        </p:txBody>
-      </p:sp>
-      <p:sp>
-        <p:nvSpPr>
-          <p:cNvPr id="14" name="Rectangle 13">
-            <a:extLst>
-              <a:ext uri="{FF2B5EF4-FFF2-40B4-BE49-F238E27FC236}">
-                <a16:creationId xmlns:a16="http://schemas.microsoft.com/office/drawing/2014/main" id="{330FFA72-BBBD-4DBC-800E-90E49E5C0B79}"/>
-              </a:ext>
-            </a:extLst>
-          </p:cNvPr>
-          <p:cNvSpPr/>
-          <p:nvPr/>
-        </p:nvSpPr>
-        <p:spPr>
-          <a:xfrm>
-            <a:off x="4878367" y="1693366"/>
-            <a:ext cx="1778000" cy="598013"/>
-          </a:xfrm>
-          <a:prstGeom prst="rect">
-            <a:avLst/>
-          </a:prstGeom>
-          <a:solidFill>
-            <a:schemeClr val="bg1"/>
-          </a:solidFill>
-        </p:spPr>
-        <p:style>
-          <a:lnRef idx="1">
-            <a:schemeClr val="accent1"/>
-          </a:lnRef>
-          <a:fillRef idx="3">
-            <a:schemeClr val="accent1"/>
-          </a:fillRef>
-          <a:effectRef idx="2">
-            <a:schemeClr val="accent1"/>
-          </a:effectRef>
-          <a:fontRef idx="minor">
-            <a:schemeClr val="lt1"/>
-          </a:fontRef>
-        </p:style>
-        <p:txBody>
-          <a:bodyPr rtlCol="0" anchor="ctr"/>
-          <a:lstStyle/>
-          <a:p>
-            <a:pPr algn="ctr"/>
+              <a:t>Server</a:t>
+            </a:r>
+          </a:p>
+          <a:p>
+            <a:pPr algn="ctr" defTabSz="609585" fontAlgn="base">
+              <a:spcBef>
+                <a:spcPct val="0"/>
+              </a:spcBef>
+              <a:spcAft>
+                <a:spcPct val="0"/>
+              </a:spcAft>
+              <a:defRPr/>
+            </a:pPr>
             <a:r>
               <a:rPr lang="en-US" sz="1600" b="1" dirty="0">
                 <a:solidFill>
-                  <a:schemeClr val="tx1"/>
-                </a:solidFill>
+                  <a:srgbClr val="C00000"/>
+                </a:solidFill>
+                <a:latin typeface="Arial"/>
+                <a:ea typeface="ヒラギノ角ゴ Pro W3" pitchFamily="-126" charset="-128"/>
               </a:rPr>
-              <a:t>$report</a:t>
-            </a:r>
-          </a:p>
-        </p:txBody>
-      </p:sp>
-      <p:sp>
-        <p:nvSpPr>
-          <p:cNvPr id="16" name="Rectangle 15">
-            <a:extLst>
-              <a:ext uri="{FF2B5EF4-FFF2-40B4-BE49-F238E27FC236}">
-                <a16:creationId xmlns:a16="http://schemas.microsoft.com/office/drawing/2014/main" id="{6908AAC3-35FE-4372-8B8E-78FD5F752EEB}"/>
-              </a:ext>
-            </a:extLst>
-          </p:cNvPr>
-          <p:cNvSpPr/>
-          <p:nvPr/>
-        </p:nvSpPr>
-        <p:spPr>
-          <a:xfrm>
-            <a:off x="4880094" y="4665336"/>
-            <a:ext cx="2021142" cy="658153"/>
-          </a:xfrm>
-          <a:prstGeom prst="rect">
-            <a:avLst/>
-          </a:prstGeom>
-          <a:solidFill>
-            <a:schemeClr val="bg1"/>
-          </a:solidFill>
-        </p:spPr>
-        <p:style>
-          <a:lnRef idx="1">
-            <a:schemeClr val="accent1"/>
-          </a:lnRef>
-          <a:fillRef idx="3">
-            <a:schemeClr val="accent1"/>
-          </a:fillRef>
-          <a:effectRef idx="2">
-            <a:schemeClr val="accent1"/>
-          </a:effectRef>
-          <a:fontRef idx="minor">
-            <a:schemeClr val="lt1"/>
-          </a:fontRef>
-        </p:style>
-        <p:txBody>
-          <a:bodyPr rtlCol="0" anchor="ctr"/>
-          <a:lstStyle/>
-          <a:p>
-            <a:pPr algn="ctr"/>
-            <a:r>
-              <a:rPr lang="en-US" sz="1400" b="1" dirty="0">
-                <a:solidFill>
-                  <a:schemeClr val="tx1"/>
-                </a:solidFill>
-                <a:latin typeface="Arial" panose="020B0604020202020204" pitchFamily="34" charset="0"/>
-                <a:cs typeface="Arial" panose="020B0604020202020204" pitchFamily="34" charset="0"/>
-              </a:rPr>
-              <a:t>Risk Adjustment Coding Gap Reports</a:t>
+              <a:t>(Payer)</a:t>
             </a:r>
           </a:p>
         </p:txBody>
@@ -26171,7 +25246,7 @@
     </p:spTree>
     <p:extLst>
       <p:ext uri="{BB962C8B-B14F-4D97-AF65-F5344CB8AC3E}">
-        <p14:creationId xmlns:p14="http://schemas.microsoft.com/office/powerpoint/2010/main" val="841643404"/>
+        <p14:creationId xmlns:p14="http://schemas.microsoft.com/office/powerpoint/2010/main" val="2549133857"/>
       </p:ext>
     </p:extLst>
   </p:cSld>

--- a/input/images/Source/Risk Adjustment Images.pptx
+++ b/input/images/Source/Risk Adjustment Images.pptx
@@ -214,7 +214,7 @@
           <a:p>
             <a:fld id="{4337D45E-38B5-4093-B633-D3DDCA61416C}" type="datetimeFigureOut">
               <a:rPr lang="en-US" smtClean="0"/>
-              <a:t>2/18/2022</a:t>
+              <a:t>11/3/2022</a:t>
             </a:fld>
             <a:endParaRPr lang="en-US"/>
           </a:p>
@@ -1940,7 +1940,7 @@
           <a:p>
             <a:fld id="{3E232C92-DF21-4A04-859B-AAF8BD4EC904}" type="datetimeFigureOut">
               <a:rPr lang="en-US" smtClean="0"/>
-              <a:t>2/18/2022</a:t>
+              <a:t>11/3/2022</a:t>
             </a:fld>
             <a:endParaRPr lang="en-US"/>
           </a:p>
@@ -2138,7 +2138,7 @@
           <a:p>
             <a:fld id="{3E232C92-DF21-4A04-859B-AAF8BD4EC904}" type="datetimeFigureOut">
               <a:rPr lang="en-US" smtClean="0"/>
-              <a:t>2/18/2022</a:t>
+              <a:t>11/3/2022</a:t>
             </a:fld>
             <a:endParaRPr lang="en-US"/>
           </a:p>
@@ -2346,7 +2346,7 @@
           <a:p>
             <a:fld id="{3E232C92-DF21-4A04-859B-AAF8BD4EC904}" type="datetimeFigureOut">
               <a:rPr lang="en-US" smtClean="0"/>
-              <a:t>2/18/2022</a:t>
+              <a:t>11/3/2022</a:t>
             </a:fld>
             <a:endParaRPr lang="en-US"/>
           </a:p>
@@ -3288,7 +3288,7 @@
           <a:p>
             <a:fld id="{23F303CC-BC6F-44EE-9A09-81F690F71D2E}" type="datetime1">
               <a:rPr lang="en-US" altLang="en-US" smtClean="0"/>
-              <a:t>2/18/2022</a:t>
+              <a:t>11/3/2022</a:t>
             </a:fld>
             <a:endParaRPr lang="en-US" altLang="en-US" dirty="0"/>
           </a:p>
@@ -7110,7 +7110,7 @@
           <a:p>
             <a:fld id="{3E232C92-DF21-4A04-859B-AAF8BD4EC904}" type="datetimeFigureOut">
               <a:rPr lang="en-US" smtClean="0"/>
-              <a:t>2/18/2022</a:t>
+              <a:t>11/3/2022</a:t>
             </a:fld>
             <a:endParaRPr lang="en-US"/>
           </a:p>
@@ -8126,7 +8126,7 @@
           <a:p>
             <a:fld id="{3E232C92-DF21-4A04-859B-AAF8BD4EC904}" type="datetimeFigureOut">
               <a:rPr lang="en-US" smtClean="0"/>
-              <a:t>2/18/2022</a:t>
+              <a:t>11/3/2022</a:t>
             </a:fld>
             <a:endParaRPr lang="en-US"/>
           </a:p>
@@ -8401,7 +8401,7 @@
           <a:p>
             <a:fld id="{3E232C92-DF21-4A04-859B-AAF8BD4EC904}" type="datetimeFigureOut">
               <a:rPr lang="en-US" smtClean="0"/>
-              <a:t>2/18/2022</a:t>
+              <a:t>11/3/2022</a:t>
             </a:fld>
             <a:endParaRPr lang="en-US"/>
           </a:p>
@@ -8666,7 +8666,7 @@
           <a:p>
             <a:fld id="{3E232C92-DF21-4A04-859B-AAF8BD4EC904}" type="datetimeFigureOut">
               <a:rPr lang="en-US" smtClean="0"/>
-              <a:t>2/18/2022</a:t>
+              <a:t>11/3/2022</a:t>
             </a:fld>
             <a:endParaRPr lang="en-US"/>
           </a:p>
@@ -9078,7 +9078,7 @@
           <a:p>
             <a:fld id="{3E232C92-DF21-4A04-859B-AAF8BD4EC904}" type="datetimeFigureOut">
               <a:rPr lang="en-US" smtClean="0"/>
-              <a:t>2/18/2022</a:t>
+              <a:t>11/3/2022</a:t>
             </a:fld>
             <a:endParaRPr lang="en-US"/>
           </a:p>
@@ -9219,7 +9219,7 @@
           <a:p>
             <a:fld id="{3E232C92-DF21-4A04-859B-AAF8BD4EC904}" type="datetimeFigureOut">
               <a:rPr lang="en-US" smtClean="0"/>
-              <a:t>2/18/2022</a:t>
+              <a:t>11/3/2022</a:t>
             </a:fld>
             <a:endParaRPr lang="en-US"/>
           </a:p>
@@ -9332,7 +9332,7 @@
           <a:p>
             <a:fld id="{3E232C92-DF21-4A04-859B-AAF8BD4EC904}" type="datetimeFigureOut">
               <a:rPr lang="en-US" smtClean="0"/>
-              <a:t>2/18/2022</a:t>
+              <a:t>11/3/2022</a:t>
             </a:fld>
             <a:endParaRPr lang="en-US"/>
           </a:p>
@@ -9643,7 +9643,7 @@
           <a:p>
             <a:fld id="{3E232C92-DF21-4A04-859B-AAF8BD4EC904}" type="datetimeFigureOut">
               <a:rPr lang="en-US" smtClean="0"/>
-              <a:t>2/18/2022</a:t>
+              <a:t>11/3/2022</a:t>
             </a:fld>
             <a:endParaRPr lang="en-US"/>
           </a:p>
@@ -9931,7 +9931,7 @@
           <a:p>
             <a:fld id="{3E232C92-DF21-4A04-859B-AAF8BD4EC904}" type="datetimeFigureOut">
               <a:rPr lang="en-US" smtClean="0"/>
-              <a:t>2/18/2022</a:t>
+              <a:t>11/3/2022</a:t>
             </a:fld>
             <a:endParaRPr lang="en-US"/>
           </a:p>
@@ -10172,7 +10172,7 @@
           <a:p>
             <a:fld id="{3E232C92-DF21-4A04-859B-AAF8BD4EC904}" type="datetimeFigureOut">
               <a:rPr lang="en-US" smtClean="0"/>
-              <a:t>2/18/2022</a:t>
+              <a:t>11/3/2022</a:t>
             </a:fld>
             <a:endParaRPr lang="en-US"/>
           </a:p>
@@ -10798,7 +10798,7 @@
           <a:p>
             <a:fld id="{7CE3BD8C-C39F-4FFF-9CD5-05E4806DBFF3}" type="datetime1">
               <a:rPr lang="en-US" altLang="en-US" smtClean="0"/>
-              <a:t>2/18/2022</a:t>
+              <a:t>11/3/2022</a:t>
             </a:fld>
             <a:endParaRPr lang="en-US" altLang="en-US"/>
           </a:p>
@@ -24270,7 +24270,7 @@
         <p:spPr>
           <a:xfrm>
             <a:off x="1368638" y="3121037"/>
-            <a:ext cx="2162408" cy="584775"/>
+            <a:ext cx="2162408" cy="338554"/>
           </a:xfrm>
           <a:prstGeom prst="rect">
             <a:avLst/>
@@ -24300,9 +24300,38 @@
                 <a:latin typeface="Arial"/>
                 <a:ea typeface="ヒラギノ角ゴ Pro W3" pitchFamily="-126" charset="-128"/>
               </a:rPr>
-              <a:t>Client</a:t>
-            </a:r>
-          </a:p>
+              <a:t>Provider</a:t>
+            </a:r>
+          </a:p>
+        </p:txBody>
+      </p:sp>
+      <p:sp>
+        <p:nvSpPr>
+          <p:cNvPr id="10" name="TextBox 9">
+            <a:extLst>
+              <a:ext uri="{FF2B5EF4-FFF2-40B4-BE49-F238E27FC236}">
+                <a16:creationId xmlns:a16="http://schemas.microsoft.com/office/drawing/2014/main" id="{984AE2E2-20A9-4B44-A58D-4BBB1DF61213}"/>
+              </a:ext>
+            </a:extLst>
+          </p:cNvPr>
+          <p:cNvSpPr txBox="1"/>
+          <p:nvPr/>
+        </p:nvSpPr>
+        <p:spPr>
+          <a:xfrm>
+            <a:off x="8076248" y="3100638"/>
+            <a:ext cx="2115679" cy="338554"/>
+          </a:xfrm>
+          <a:prstGeom prst="rect">
+            <a:avLst/>
+          </a:prstGeom>
+          <a:noFill/>
+        </p:spPr>
+        <p:txBody>
+          <a:bodyPr wrap="square" rtlCol="0">
+            <a:spAutoFit/>
+          </a:bodyPr>
+          <a:lstStyle/>
           <a:p>
             <a:pPr algn="ctr" defTabSz="609585" fontAlgn="base">
               <a:spcBef>
@@ -24316,87 +24345,14 @@
             <a:r>
               <a:rPr lang="en-US" sz="1600" b="1" dirty="0">
                 <a:solidFill>
-                  <a:srgbClr val="C00000"/>
+                  <a:srgbClr val="F79646">
+                    <a:lumMod val="50000"/>
+                  </a:srgbClr>
                 </a:solidFill>
                 <a:latin typeface="Arial"/>
                 <a:ea typeface="ヒラギノ角ゴ Pro W3" pitchFamily="-126" charset="-128"/>
               </a:rPr>
-              <a:t>(Provider)</a:t>
-            </a:r>
-          </a:p>
-        </p:txBody>
-      </p:sp>
-      <p:sp>
-        <p:nvSpPr>
-          <p:cNvPr id="10" name="TextBox 9">
-            <a:extLst>
-              <a:ext uri="{FF2B5EF4-FFF2-40B4-BE49-F238E27FC236}">
-                <a16:creationId xmlns:a16="http://schemas.microsoft.com/office/drawing/2014/main" id="{984AE2E2-20A9-4B44-A58D-4BBB1DF61213}"/>
-              </a:ext>
-            </a:extLst>
-          </p:cNvPr>
-          <p:cNvSpPr txBox="1"/>
-          <p:nvPr/>
-        </p:nvSpPr>
-        <p:spPr>
-          <a:xfrm>
-            <a:off x="8076248" y="3100638"/>
-            <a:ext cx="2115679" cy="584775"/>
-          </a:xfrm>
-          <a:prstGeom prst="rect">
-            <a:avLst/>
-          </a:prstGeom>
-          <a:noFill/>
-        </p:spPr>
-        <p:txBody>
-          <a:bodyPr wrap="square" rtlCol="0">
-            <a:spAutoFit/>
-          </a:bodyPr>
-          <a:lstStyle/>
-          <a:p>
-            <a:pPr algn="ctr" defTabSz="609585" fontAlgn="base">
-              <a:spcBef>
-                <a:spcPct val="0"/>
-              </a:spcBef>
-              <a:spcAft>
-                <a:spcPct val="0"/>
-              </a:spcAft>
-              <a:defRPr/>
-            </a:pPr>
-            <a:r>
-              <a:rPr lang="en-US" sz="1600" b="1" dirty="0">
-                <a:solidFill>
-                  <a:srgbClr val="F79646">
-                    <a:lumMod val="50000"/>
-                  </a:srgbClr>
-                </a:solidFill>
-                <a:latin typeface="Arial"/>
-                <a:ea typeface="ヒラギノ角ゴ Pro W3" pitchFamily="-126" charset="-128"/>
-              </a:rPr>
-              <a:t>Server</a:t>
-            </a:r>
-          </a:p>
-          <a:p>
-            <a:pPr algn="ctr" defTabSz="609585" fontAlgn="base">
-              <a:spcBef>
-                <a:spcPct val="0"/>
-              </a:spcBef>
-              <a:spcAft>
-                <a:spcPct val="0"/>
-              </a:spcAft>
-              <a:defRPr/>
-            </a:pPr>
-            <a:r>
-              <a:rPr lang="en-US" sz="1600" b="1" dirty="0">
-                <a:solidFill>
-                  <a:srgbClr val="F79646">
-                    <a:lumMod val="50000"/>
-                  </a:srgbClr>
-                </a:solidFill>
-                <a:latin typeface="Arial"/>
-                <a:ea typeface="ヒラギノ角ゴ Pro W3" pitchFamily="-126" charset="-128"/>
-              </a:rPr>
-              <a:t>(Payer)</a:t>
+              <a:t>Payer</a:t>
             </a:r>
           </a:p>
         </p:txBody>
@@ -24546,7 +24502,7 @@
                   <a:schemeClr val="tx1"/>
                 </a:solidFill>
               </a:rPr>
-              <a:t>$report</a:t>
+              <a:t>$cc-gaps</a:t>
             </a:r>
           </a:p>
         </p:txBody>
@@ -24686,6 +24642,13 @@
           <a:bodyPr/>
           <a:lstStyle/>
           <a:p>
+            <a:pPr marL="0" indent="0">
+              <a:buNone/>
+            </a:pPr>
+            <a:r>
+              <a:rPr lang="en-US"/>
+              <a:t> </a:t>
+            </a:r>
             <a:endParaRPr lang="en-US" dirty="0"/>
           </a:p>
         </p:txBody>
@@ -24841,7 +24804,7 @@
         <p:spPr>
           <a:xfrm>
             <a:off x="2420000" y="4210866"/>
-            <a:ext cx="1415320" cy="584775"/>
+            <a:ext cx="1415320" cy="338554"/>
           </a:xfrm>
           <a:prstGeom prst="rect">
             <a:avLst/>
@@ -24871,9 +24834,207 @@
                 <a:latin typeface="Arial"/>
                 <a:ea typeface="ヒラギノ角ゴ Pro W3" pitchFamily="-126" charset="-128"/>
               </a:rPr>
-              <a:t>Client</a:t>
-            </a:r>
-          </a:p>
+              <a:t>Payer</a:t>
+            </a:r>
+          </a:p>
+        </p:txBody>
+      </p:sp>
+      <p:sp>
+        <p:nvSpPr>
+          <p:cNvPr id="9" name="Arrow: U-Turn 8">
+            <a:extLst>
+              <a:ext uri="{FF2B5EF4-FFF2-40B4-BE49-F238E27FC236}">
+                <a16:creationId xmlns:a16="http://schemas.microsoft.com/office/drawing/2014/main" id="{09BF3D1E-B047-45D0-A4AE-6BACE7A28B3F}"/>
+              </a:ext>
+            </a:extLst>
+          </p:cNvPr>
+          <p:cNvSpPr/>
+          <p:nvPr/>
+        </p:nvSpPr>
+        <p:spPr>
+          <a:xfrm rot="10800000" flipH="1" flipV="1">
+            <a:off x="4088513" y="2705171"/>
+            <a:ext cx="4572963" cy="1202435"/>
+          </a:xfrm>
+          <a:prstGeom prst="uturnArrow">
+            <a:avLst>
+              <a:gd name="adj1" fmla="val 25000"/>
+              <a:gd name="adj2" fmla="val 25000"/>
+              <a:gd name="adj3" fmla="val 28042"/>
+              <a:gd name="adj4" fmla="val 43750"/>
+              <a:gd name="adj5" fmla="val 75000"/>
+            </a:avLst>
+          </a:prstGeom>
+        </p:spPr>
+        <p:style>
+          <a:lnRef idx="1">
+            <a:schemeClr val="accent1"/>
+          </a:lnRef>
+          <a:fillRef idx="3">
+            <a:schemeClr val="accent1"/>
+          </a:fillRef>
+          <a:effectRef idx="2">
+            <a:schemeClr val="accent1"/>
+          </a:effectRef>
+          <a:fontRef idx="minor">
+            <a:schemeClr val="lt1"/>
+          </a:fontRef>
+        </p:style>
+        <p:txBody>
+          <a:bodyPr rtlCol="0" anchor="ctr"/>
+          <a:lstStyle/>
+          <a:p>
+            <a:pPr algn="ctr"/>
+            <a:endParaRPr lang="en-US">
+              <a:solidFill>
+                <a:schemeClr val="tx1"/>
+              </a:solidFill>
+            </a:endParaRPr>
+          </a:p>
+        </p:txBody>
+      </p:sp>
+      <p:sp>
+        <p:nvSpPr>
+          <p:cNvPr id="11" name="Rectangle 10">
+            <a:extLst>
+              <a:ext uri="{FF2B5EF4-FFF2-40B4-BE49-F238E27FC236}">
+                <a16:creationId xmlns:a16="http://schemas.microsoft.com/office/drawing/2014/main" id="{9207507E-29D8-4D70-850B-8907BCFB4B71}"/>
+              </a:ext>
+            </a:extLst>
+          </p:cNvPr>
+          <p:cNvSpPr/>
+          <p:nvPr/>
+        </p:nvSpPr>
+        <p:spPr>
+          <a:xfrm>
+            <a:off x="5299671" y="2376094"/>
+            <a:ext cx="2021142" cy="658153"/>
+          </a:xfrm>
+          <a:prstGeom prst="rect">
+            <a:avLst/>
+          </a:prstGeom>
+          <a:solidFill>
+            <a:schemeClr val="bg1"/>
+          </a:solidFill>
+        </p:spPr>
+        <p:style>
+          <a:lnRef idx="1">
+            <a:schemeClr val="accent1"/>
+          </a:lnRef>
+          <a:fillRef idx="3">
+            <a:schemeClr val="accent1"/>
+          </a:fillRef>
+          <a:effectRef idx="2">
+            <a:schemeClr val="accent1"/>
+          </a:effectRef>
+          <a:fontRef idx="minor">
+            <a:schemeClr val="lt1"/>
+          </a:fontRef>
+        </p:style>
+        <p:txBody>
+          <a:bodyPr rtlCol="0" anchor="ctr"/>
+          <a:lstStyle/>
+          <a:p>
+            <a:pPr algn="ctr"/>
+            <a:r>
+              <a:rPr lang="en-US" sz="1400" b="1" dirty="0">
+                <a:solidFill>
+                  <a:schemeClr val="tx1"/>
+                </a:solidFill>
+                <a:latin typeface="Arial" panose="020B0604020202020204" pitchFamily="34" charset="0"/>
+                <a:cs typeface="Arial" panose="020B0604020202020204" pitchFamily="34" charset="0"/>
+              </a:rPr>
+              <a:t>POST</a:t>
+            </a:r>
+          </a:p>
+          <a:p>
+            <a:pPr algn="ctr"/>
+            <a:r>
+              <a:rPr lang="en-US" sz="1400" b="1" dirty="0">
+                <a:solidFill>
+                  <a:schemeClr val="tx1"/>
+                </a:solidFill>
+                <a:latin typeface="Arial" panose="020B0604020202020204" pitchFamily="34" charset="0"/>
+                <a:cs typeface="Arial" panose="020B0604020202020204" pitchFamily="34" charset="0"/>
+              </a:rPr>
+              <a:t>Risk Adjustment Coding Gap Reports</a:t>
+            </a:r>
+          </a:p>
+        </p:txBody>
+      </p:sp>
+      <p:cxnSp>
+        <p:nvCxnSpPr>
+          <p:cNvPr id="12" name="Connector: Elbow 11">
+            <a:extLst>
+              <a:ext uri="{FF2B5EF4-FFF2-40B4-BE49-F238E27FC236}">
+                <a16:creationId xmlns:a16="http://schemas.microsoft.com/office/drawing/2014/main" id="{C5FA8C8A-D977-43D9-B0D0-73A6E6DE717A}"/>
+              </a:ext>
+            </a:extLst>
+          </p:cNvPr>
+          <p:cNvCxnSpPr>
+            <a:cxnSpLocks/>
+            <a:stCxn id="7" idx="3"/>
+            <a:endCxn id="7" idx="2"/>
+          </p:cNvCxnSpPr>
+          <p:nvPr/>
+        </p:nvCxnSpPr>
+        <p:spPr>
+          <a:xfrm flipH="1">
+            <a:off x="4288721" y="4477058"/>
+            <a:ext cx="407062" cy="449910"/>
+          </a:xfrm>
+          <a:prstGeom prst="bentConnector4">
+            <a:avLst>
+              <a:gd name="adj1" fmla="val -464993"/>
+              <a:gd name="adj2" fmla="val 150810"/>
+            </a:avLst>
+          </a:prstGeom>
+          <a:ln>
+            <a:tailEnd type="triangle"/>
+          </a:ln>
+        </p:spPr>
+        <p:style>
+          <a:lnRef idx="2">
+            <a:schemeClr val="accent1"/>
+          </a:lnRef>
+          <a:fillRef idx="0">
+            <a:schemeClr val="accent1"/>
+          </a:fillRef>
+          <a:effectRef idx="1">
+            <a:schemeClr val="accent1"/>
+          </a:effectRef>
+          <a:fontRef idx="minor">
+            <a:schemeClr val="tx1"/>
+          </a:fontRef>
+        </p:style>
+      </p:cxnSp>
+      <p:sp>
+        <p:nvSpPr>
+          <p:cNvPr id="13" name="TextBox 12">
+            <a:extLst>
+              <a:ext uri="{FF2B5EF4-FFF2-40B4-BE49-F238E27FC236}">
+                <a16:creationId xmlns:a16="http://schemas.microsoft.com/office/drawing/2014/main" id="{E0AE934C-A70B-4BB7-A14B-50CF63C83613}"/>
+              </a:ext>
+            </a:extLst>
+          </p:cNvPr>
+          <p:cNvSpPr txBox="1"/>
+          <p:nvPr/>
+        </p:nvSpPr>
+        <p:spPr>
+          <a:xfrm>
+            <a:off x="8661476" y="4236682"/>
+            <a:ext cx="1160049" cy="338554"/>
+          </a:xfrm>
+          <a:prstGeom prst="rect">
+            <a:avLst/>
+          </a:prstGeom>
+          <a:noFill/>
+        </p:spPr>
+        <p:txBody>
+          <a:bodyPr wrap="square" rtlCol="0">
+            <a:spAutoFit/>
+          </a:bodyPr>
+          <a:lstStyle/>
           <a:p>
             <a:pPr algn="ctr" defTabSz="609585" fontAlgn="base">
               <a:spcBef>
@@ -24887,22 +25048,24 @@
             <a:r>
               <a:rPr lang="en-US" sz="1600" b="1" dirty="0">
                 <a:solidFill>
-                  <a:srgbClr val="C00000"/>
+                  <a:srgbClr val="F79646">
+                    <a:lumMod val="50000"/>
+                  </a:srgbClr>
                 </a:solidFill>
                 <a:latin typeface="Arial"/>
                 <a:ea typeface="ヒラギノ角ゴ Pro W3" pitchFamily="-126" charset="-128"/>
               </a:rPr>
-              <a:t>(Payer)</a:t>
-            </a:r>
-          </a:p>
-        </p:txBody>
-      </p:sp>
-      <p:sp>
-        <p:nvSpPr>
-          <p:cNvPr id="9" name="Arrow: U-Turn 8">
-            <a:extLst>
-              <a:ext uri="{FF2B5EF4-FFF2-40B4-BE49-F238E27FC236}">
-                <a16:creationId xmlns:a16="http://schemas.microsoft.com/office/drawing/2014/main" id="{09BF3D1E-B047-45D0-A4AE-6BACE7A28B3F}"/>
+              <a:t>Providers</a:t>
+            </a:r>
+          </a:p>
+        </p:txBody>
+      </p:sp>
+      <p:sp>
+        <p:nvSpPr>
+          <p:cNvPr id="20" name="Rectangle 19">
+            <a:extLst>
+              <a:ext uri="{FF2B5EF4-FFF2-40B4-BE49-F238E27FC236}">
+                <a16:creationId xmlns:a16="http://schemas.microsoft.com/office/drawing/2014/main" id="{4706AF83-B445-422F-9E0C-6983926A1C70}"/>
               </a:ext>
             </a:extLst>
           </p:cNvPr>
@@ -24910,63 +25073,9 @@
           <p:nvPr/>
         </p:nvSpPr>
         <p:spPr>
-          <a:xfrm rot="10800000" flipH="1" flipV="1">
-            <a:off x="4088513" y="2705171"/>
-            <a:ext cx="4572963" cy="1202435"/>
-          </a:xfrm>
-          <a:prstGeom prst="uturnArrow">
-            <a:avLst>
-              <a:gd name="adj1" fmla="val 25000"/>
-              <a:gd name="adj2" fmla="val 25000"/>
-              <a:gd name="adj3" fmla="val 28042"/>
-              <a:gd name="adj4" fmla="val 43750"/>
-              <a:gd name="adj5" fmla="val 75000"/>
-            </a:avLst>
-          </a:prstGeom>
-        </p:spPr>
-        <p:style>
-          <a:lnRef idx="1">
-            <a:schemeClr val="accent1"/>
-          </a:lnRef>
-          <a:fillRef idx="3">
-            <a:schemeClr val="accent1"/>
-          </a:fillRef>
-          <a:effectRef idx="2">
-            <a:schemeClr val="accent1"/>
-          </a:effectRef>
-          <a:fontRef idx="minor">
-            <a:schemeClr val="lt1"/>
-          </a:fontRef>
-        </p:style>
-        <p:txBody>
-          <a:bodyPr rtlCol="0" anchor="ctr"/>
-          <a:lstStyle/>
-          <a:p>
-            <a:pPr algn="ctr"/>
-            <a:endParaRPr lang="en-US">
-              <a:solidFill>
-                <a:schemeClr val="tx1"/>
-              </a:solidFill>
-            </a:endParaRPr>
-          </a:p>
-        </p:txBody>
-      </p:sp>
-      <p:sp>
-        <p:nvSpPr>
-          <p:cNvPr id="11" name="Rectangle 10">
-            <a:extLst>
-              <a:ext uri="{FF2B5EF4-FFF2-40B4-BE49-F238E27FC236}">
-                <a16:creationId xmlns:a16="http://schemas.microsoft.com/office/drawing/2014/main" id="{9207507E-29D8-4D70-850B-8907BCFB4B71}"/>
-              </a:ext>
-            </a:extLst>
-          </p:cNvPr>
-          <p:cNvSpPr/>
-          <p:nvPr/>
-        </p:nvSpPr>
-        <p:spPr>
-          <a:xfrm>
-            <a:off x="5299671" y="2376094"/>
-            <a:ext cx="2021142" cy="658153"/>
+          <a:xfrm>
+            <a:off x="5024416" y="4220102"/>
+            <a:ext cx="1216325" cy="440049"/>
           </a:xfrm>
           <a:prstGeom prst="rect">
             <a:avLst/>
@@ -24995,250 +25104,12 @@
           <a:p>
             <a:pPr algn="ctr"/>
             <a:r>
-              <a:rPr lang="en-US" sz="1400" b="1" dirty="0">
+              <a:rPr lang="en-US" sz="1600" b="1" dirty="0">
                 <a:solidFill>
                   <a:schemeClr val="tx1"/>
                 </a:solidFill>
-                <a:latin typeface="Arial" panose="020B0604020202020204" pitchFamily="34" charset="0"/>
-                <a:cs typeface="Arial" panose="020B0604020202020204" pitchFamily="34" charset="0"/>
               </a:rPr>
-              <a:t>POST</a:t>
-            </a:r>
-          </a:p>
-          <a:p>
-            <a:pPr algn="ctr"/>
-            <a:r>
-              <a:rPr lang="en-US" sz="1400" b="1" dirty="0">
-                <a:solidFill>
-                  <a:schemeClr val="tx1"/>
-                </a:solidFill>
-                <a:latin typeface="Arial" panose="020B0604020202020204" pitchFamily="34" charset="0"/>
-                <a:cs typeface="Arial" panose="020B0604020202020204" pitchFamily="34" charset="0"/>
-              </a:rPr>
-              <a:t>Risk Adjustment Coding Gap Reports</a:t>
-            </a:r>
-          </a:p>
-        </p:txBody>
-      </p:sp>
-      <p:cxnSp>
-        <p:nvCxnSpPr>
-          <p:cNvPr id="12" name="Connector: Elbow 11">
-            <a:extLst>
-              <a:ext uri="{FF2B5EF4-FFF2-40B4-BE49-F238E27FC236}">
-                <a16:creationId xmlns:a16="http://schemas.microsoft.com/office/drawing/2014/main" id="{C5FA8C8A-D977-43D9-B0D0-73A6E6DE717A}"/>
-              </a:ext>
-            </a:extLst>
-          </p:cNvPr>
-          <p:cNvCxnSpPr>
-            <a:cxnSpLocks/>
-            <a:stCxn id="7" idx="3"/>
-            <a:endCxn id="7" idx="2"/>
-          </p:cNvCxnSpPr>
-          <p:nvPr/>
-        </p:nvCxnSpPr>
-        <p:spPr>
-          <a:xfrm flipH="1">
-            <a:off x="4288721" y="4477058"/>
-            <a:ext cx="407062" cy="449910"/>
-          </a:xfrm>
-          <a:prstGeom prst="bentConnector4">
-            <a:avLst>
-              <a:gd name="adj1" fmla="val -464993"/>
-              <a:gd name="adj2" fmla="val 150810"/>
-            </a:avLst>
-          </a:prstGeom>
-          <a:ln>
-            <a:tailEnd type="triangle"/>
-          </a:ln>
-        </p:spPr>
-        <p:style>
-          <a:lnRef idx="2">
-            <a:schemeClr val="accent1"/>
-          </a:lnRef>
-          <a:fillRef idx="0">
-            <a:schemeClr val="accent1"/>
-          </a:fillRef>
-          <a:effectRef idx="1">
-            <a:schemeClr val="accent1"/>
-          </a:effectRef>
-          <a:fontRef idx="minor">
-            <a:schemeClr val="tx1"/>
-          </a:fontRef>
-        </p:style>
-      </p:cxnSp>
-      <p:sp>
-        <p:nvSpPr>
-          <p:cNvPr id="13" name="TextBox 12">
-            <a:extLst>
-              <a:ext uri="{FF2B5EF4-FFF2-40B4-BE49-F238E27FC236}">
-                <a16:creationId xmlns:a16="http://schemas.microsoft.com/office/drawing/2014/main" id="{E0AE934C-A70B-4BB7-A14B-50CF63C83613}"/>
-              </a:ext>
-            </a:extLst>
-          </p:cNvPr>
-          <p:cNvSpPr txBox="1"/>
-          <p:nvPr/>
-        </p:nvSpPr>
-        <p:spPr>
-          <a:xfrm>
-            <a:off x="8661476" y="4236682"/>
-            <a:ext cx="1160049" cy="338554"/>
-          </a:xfrm>
-          <a:prstGeom prst="rect">
-            <a:avLst/>
-          </a:prstGeom>
-          <a:noFill/>
-        </p:spPr>
-        <p:txBody>
-          <a:bodyPr wrap="square" rtlCol="0">
-            <a:spAutoFit/>
-          </a:bodyPr>
-          <a:lstStyle/>
-          <a:p>
-            <a:pPr algn="ctr" defTabSz="609585" fontAlgn="base">
-              <a:spcBef>
-                <a:spcPct val="0"/>
-              </a:spcBef>
-              <a:spcAft>
-                <a:spcPct val="0"/>
-              </a:spcAft>
-              <a:defRPr/>
-            </a:pPr>
-            <a:r>
-              <a:rPr lang="en-US" sz="1600" b="1" dirty="0">
-                <a:solidFill>
-                  <a:srgbClr val="F79646">
-                    <a:lumMod val="50000"/>
-                  </a:srgbClr>
-                </a:solidFill>
-                <a:latin typeface="Arial"/>
-                <a:ea typeface="ヒラギノ角ゴ Pro W3" pitchFamily="-126" charset="-128"/>
-              </a:rPr>
-              <a:t>Providers</a:t>
-            </a:r>
-          </a:p>
-        </p:txBody>
-      </p:sp>
-      <p:sp>
-        <p:nvSpPr>
-          <p:cNvPr id="20" name="Rectangle 19">
-            <a:extLst>
-              <a:ext uri="{FF2B5EF4-FFF2-40B4-BE49-F238E27FC236}">
-                <a16:creationId xmlns:a16="http://schemas.microsoft.com/office/drawing/2014/main" id="{4706AF83-B445-422F-9E0C-6983926A1C70}"/>
-              </a:ext>
-            </a:extLst>
-          </p:cNvPr>
-          <p:cNvSpPr/>
-          <p:nvPr/>
-        </p:nvSpPr>
-        <p:spPr>
-          <a:xfrm>
-            <a:off x="5024416" y="4220102"/>
-            <a:ext cx="1216325" cy="440049"/>
-          </a:xfrm>
-          <a:prstGeom prst="rect">
-            <a:avLst/>
-          </a:prstGeom>
-          <a:solidFill>
-            <a:schemeClr val="bg1"/>
-          </a:solidFill>
-        </p:spPr>
-        <p:style>
-          <a:lnRef idx="1">
-            <a:schemeClr val="accent1"/>
-          </a:lnRef>
-          <a:fillRef idx="3">
-            <a:schemeClr val="accent1"/>
-          </a:fillRef>
-          <a:effectRef idx="2">
-            <a:schemeClr val="accent1"/>
-          </a:effectRef>
-          <a:fontRef idx="minor">
-            <a:schemeClr val="lt1"/>
-          </a:fontRef>
-        </p:style>
-        <p:txBody>
-          <a:bodyPr rtlCol="0" anchor="ctr"/>
-          <a:lstStyle/>
-          <a:p>
-            <a:pPr algn="ctr"/>
-            <a:r>
-              <a:rPr lang="en-US" sz="1600" b="1" dirty="0">
-                <a:solidFill>
-                  <a:schemeClr val="tx1"/>
-                </a:solidFill>
-              </a:rPr>
-              <a:t>$report</a:t>
-            </a:r>
-          </a:p>
-        </p:txBody>
-      </p:sp>
-      <p:sp>
-        <p:nvSpPr>
-          <p:cNvPr id="14" name="TextBox 13">
-            <a:extLst>
-              <a:ext uri="{FF2B5EF4-FFF2-40B4-BE49-F238E27FC236}">
-                <a16:creationId xmlns:a16="http://schemas.microsoft.com/office/drawing/2014/main" id="{5A4A93A9-19A3-45F2-8D6B-A30B365CC0B5}"/>
-              </a:ext>
-            </a:extLst>
-          </p:cNvPr>
-          <p:cNvSpPr txBox="1"/>
-          <p:nvPr/>
-        </p:nvSpPr>
-        <p:spPr>
-          <a:xfrm>
-            <a:off x="4590566" y="5228323"/>
-            <a:ext cx="2162408" cy="584775"/>
-          </a:xfrm>
-          <a:prstGeom prst="rect">
-            <a:avLst/>
-          </a:prstGeom>
-          <a:noFill/>
-        </p:spPr>
-        <p:txBody>
-          <a:bodyPr wrap="square" rtlCol="0">
-            <a:spAutoFit/>
-          </a:bodyPr>
-          <a:lstStyle/>
-          <a:p>
-            <a:pPr algn="ctr" defTabSz="609585" fontAlgn="base">
-              <a:spcBef>
-                <a:spcPct val="0"/>
-              </a:spcBef>
-              <a:spcAft>
-                <a:spcPct val="0"/>
-              </a:spcAft>
-              <a:defRPr/>
-            </a:pPr>
-            <a:r>
-              <a:rPr lang="en-US" sz="1600" b="1" dirty="0">
-                <a:solidFill>
-                  <a:srgbClr val="C00000"/>
-                </a:solidFill>
-                <a:latin typeface="Arial"/>
-                <a:ea typeface="ヒラギノ角ゴ Pro W3" pitchFamily="-126" charset="-128"/>
-              </a:rPr>
-              <a:t>Server</a:t>
-            </a:r>
-          </a:p>
-          <a:p>
-            <a:pPr algn="ctr" defTabSz="609585" fontAlgn="base">
-              <a:spcBef>
-                <a:spcPct val="0"/>
-              </a:spcBef>
-              <a:spcAft>
-                <a:spcPct val="0"/>
-              </a:spcAft>
-              <a:defRPr/>
-            </a:pPr>
-            <a:r>
-              <a:rPr lang="en-US" sz="1600" b="1" dirty="0">
-                <a:solidFill>
-                  <a:srgbClr val="C00000"/>
-                </a:solidFill>
-                <a:latin typeface="Arial"/>
-                <a:ea typeface="ヒラギノ角ゴ Pro W3" pitchFamily="-126" charset="-128"/>
-              </a:rPr>
-              <a:t>(Payer)</a:t>
+              <a:t>$cc-gaps</a:t>
             </a:r>
           </a:p>
         </p:txBody>

--- a/input/images/Source/Risk Adjustment Images.pptx
+++ b/input/images/Source/Risk Adjustment Images.pptx
@@ -6,7 +6,7 @@
     <p:sldMasterId id="2147483660" r:id="rId2"/>
   </p:sldMasterIdLst>
   <p:notesMasterIdLst>
-    <p:notesMasterId r:id="rId41"/>
+    <p:notesMasterId r:id="rId43"/>
   </p:notesMasterIdLst>
   <p:sldIdLst>
     <p:sldId id="256" r:id="rId3"/>
@@ -39,14 +39,16 @@
     <p:sldId id="3001" r:id="rId30"/>
     <p:sldId id="2968" r:id="rId31"/>
     <p:sldId id="2967" r:id="rId32"/>
-    <p:sldId id="2972" r:id="rId33"/>
-    <p:sldId id="2971" r:id="rId34"/>
-    <p:sldId id="268" r:id="rId35"/>
-    <p:sldId id="2966" r:id="rId36"/>
-    <p:sldId id="2975" r:id="rId37"/>
-    <p:sldId id="3004" r:id="rId38"/>
-    <p:sldId id="3005" r:id="rId39"/>
-    <p:sldId id="2993" r:id="rId40"/>
+    <p:sldId id="3009" r:id="rId33"/>
+    <p:sldId id="2979" r:id="rId34"/>
+    <p:sldId id="2972" r:id="rId35"/>
+    <p:sldId id="2971" r:id="rId36"/>
+    <p:sldId id="268" r:id="rId37"/>
+    <p:sldId id="2966" r:id="rId38"/>
+    <p:sldId id="2975" r:id="rId39"/>
+    <p:sldId id="3004" r:id="rId40"/>
+    <p:sldId id="3005" r:id="rId41"/>
+    <p:sldId id="2993" r:id="rId42"/>
   </p:sldIdLst>
   <p:sldSz cx="12192000" cy="6858000"/>
   <p:notesSz cx="6858000" cy="9144000"/>
@@ -235,7 +237,7 @@
           <a:p>
             <a:fld id="{4337D45E-38B5-4093-B633-D3DDCA61416C}" type="datetimeFigureOut">
               <a:rPr lang="en-US" smtClean="0"/>
-              <a:t>3/4/2023</a:t>
+              <a:t>3/10/2023</a:t>
             </a:fld>
             <a:endParaRPr lang="en-US"/>
           </a:p>
@@ -2522,7 +2524,7 @@
           <a:p>
             <a:fld id="{1D553A4D-C549-44B5-B4F2-4FBA040D2BDB}" type="slidenum">
               <a:rPr lang="en-US" smtClean="0"/>
-              <a:t>32</a:t>
+              <a:t>34</a:t>
             </a:fld>
             <a:endParaRPr lang="en-US"/>
           </a:p>
@@ -2609,7 +2611,7 @@
           <a:p>
             <a:fld id="{1D553A4D-C549-44B5-B4F2-4FBA040D2BDB}" type="slidenum">
               <a:rPr lang="en-US" smtClean="0"/>
-              <a:t>33</a:t>
+              <a:t>35</a:t>
             </a:fld>
             <a:endParaRPr lang="en-US"/>
           </a:p>
@@ -2704,7 +2706,7 @@
           <a:p>
             <a:fld id="{1D553A4D-C549-44B5-B4F2-4FBA040D2BDB}" type="slidenum">
               <a:rPr lang="en-US" smtClean="0"/>
-              <a:t>34</a:t>
+              <a:t>36</a:t>
             </a:fld>
             <a:endParaRPr lang="en-US"/>
           </a:p>
@@ -2791,7 +2793,7 @@
           <a:p>
             <a:fld id="{1D553A4D-C549-44B5-B4F2-4FBA040D2BDB}" type="slidenum">
               <a:rPr lang="en-US" smtClean="0"/>
-              <a:t>35</a:t>
+              <a:t>37</a:t>
             </a:fld>
             <a:endParaRPr lang="en-US"/>
           </a:p>
@@ -2892,7 +2894,7 @@
           <a:p>
             <a:fld id="{1D553A4D-C549-44B5-B4F2-4FBA040D2BDB}" type="slidenum">
               <a:rPr lang="en-US" smtClean="0"/>
-              <a:t>37</a:t>
+              <a:t>39</a:t>
             </a:fld>
             <a:endParaRPr lang="en-US"/>
           </a:p>
@@ -3127,7 +3129,7 @@
           <a:p>
             <a:fld id="{1D553A4D-C549-44B5-B4F2-4FBA040D2BDB}" type="slidenum">
               <a:rPr lang="en-US" smtClean="0"/>
-              <a:t>38</a:t>
+              <a:t>40</a:t>
             </a:fld>
             <a:endParaRPr lang="en-US"/>
           </a:p>
@@ -4007,7 +4009,7 @@
           <a:p>
             <a:fld id="{3E232C92-DF21-4A04-859B-AAF8BD4EC904}" type="datetimeFigureOut">
               <a:rPr lang="en-US" smtClean="0"/>
-              <a:t>3/4/2023</a:t>
+              <a:t>3/10/2023</a:t>
             </a:fld>
             <a:endParaRPr lang="en-US"/>
           </a:p>
@@ -4205,7 +4207,7 @@
           <a:p>
             <a:fld id="{3E232C92-DF21-4A04-859B-AAF8BD4EC904}" type="datetimeFigureOut">
               <a:rPr lang="en-US" smtClean="0"/>
-              <a:t>3/4/2023</a:t>
+              <a:t>3/10/2023</a:t>
             </a:fld>
             <a:endParaRPr lang="en-US"/>
           </a:p>
@@ -4413,7 +4415,7 @@
           <a:p>
             <a:fld id="{3E232C92-DF21-4A04-859B-AAF8BD4EC904}" type="datetimeFigureOut">
               <a:rPr lang="en-US" smtClean="0"/>
-              <a:t>3/4/2023</a:t>
+              <a:t>3/10/2023</a:t>
             </a:fld>
             <a:endParaRPr lang="en-US"/>
           </a:p>
@@ -6257,7 +6259,7 @@
           <a:p>
             <a:fld id="{23F303CC-BC6F-44EE-9A09-81F690F71D2E}" type="datetime1">
               <a:rPr lang="en-US" altLang="en-US" smtClean="0"/>
-              <a:t>3/4/2023</a:t>
+              <a:t>3/10/2023</a:t>
             </a:fld>
             <a:endParaRPr lang="en-US" altLang="en-US" dirty="0"/>
           </a:p>
@@ -8915,7 +8917,7 @@
           <a:p>
             <a:fld id="{3E232C92-DF21-4A04-859B-AAF8BD4EC904}" type="datetimeFigureOut">
               <a:rPr lang="en-US" smtClean="0"/>
-              <a:t>3/4/2023</a:t>
+              <a:t>3/10/2023</a:t>
             </a:fld>
             <a:endParaRPr lang="en-US"/>
           </a:p>
@@ -11095,7 +11097,7 @@
           <a:p>
             <a:fld id="{3E232C92-DF21-4A04-859B-AAF8BD4EC904}" type="datetimeFigureOut">
               <a:rPr lang="en-US" smtClean="0"/>
-              <a:t>3/4/2023</a:t>
+              <a:t>3/10/2023</a:t>
             </a:fld>
             <a:endParaRPr lang="en-US"/>
           </a:p>
@@ -11370,7 +11372,7 @@
           <a:p>
             <a:fld id="{3E232C92-DF21-4A04-859B-AAF8BD4EC904}" type="datetimeFigureOut">
               <a:rPr lang="en-US" smtClean="0"/>
-              <a:t>3/4/2023</a:t>
+              <a:t>3/10/2023</a:t>
             </a:fld>
             <a:endParaRPr lang="en-US"/>
           </a:p>
@@ -11635,7 +11637,7 @@
           <a:p>
             <a:fld id="{3E232C92-DF21-4A04-859B-AAF8BD4EC904}" type="datetimeFigureOut">
               <a:rPr lang="en-US" smtClean="0"/>
-              <a:t>3/4/2023</a:t>
+              <a:t>3/10/2023</a:t>
             </a:fld>
             <a:endParaRPr lang="en-US"/>
           </a:p>
@@ -12047,7 +12049,7 @@
           <a:p>
             <a:fld id="{3E232C92-DF21-4A04-859B-AAF8BD4EC904}" type="datetimeFigureOut">
               <a:rPr lang="en-US" smtClean="0"/>
-              <a:t>3/4/2023</a:t>
+              <a:t>3/10/2023</a:t>
             </a:fld>
             <a:endParaRPr lang="en-US"/>
           </a:p>
@@ -12188,7 +12190,7 @@
           <a:p>
             <a:fld id="{3E232C92-DF21-4A04-859B-AAF8BD4EC904}" type="datetimeFigureOut">
               <a:rPr lang="en-US" smtClean="0"/>
-              <a:t>3/4/2023</a:t>
+              <a:t>3/10/2023</a:t>
             </a:fld>
             <a:endParaRPr lang="en-US"/>
           </a:p>
@@ -12301,7 +12303,7 @@
           <a:p>
             <a:fld id="{3E232C92-DF21-4A04-859B-AAF8BD4EC904}" type="datetimeFigureOut">
               <a:rPr lang="en-US" smtClean="0"/>
-              <a:t>3/4/2023</a:t>
+              <a:t>3/10/2023</a:t>
             </a:fld>
             <a:endParaRPr lang="en-US"/>
           </a:p>
@@ -12612,7 +12614,7 @@
           <a:p>
             <a:fld id="{3E232C92-DF21-4A04-859B-AAF8BD4EC904}" type="datetimeFigureOut">
               <a:rPr lang="en-US" smtClean="0"/>
-              <a:t>3/4/2023</a:t>
+              <a:t>3/10/2023</a:t>
             </a:fld>
             <a:endParaRPr lang="en-US"/>
           </a:p>
@@ -12900,7 +12902,7 @@
           <a:p>
             <a:fld id="{3E232C92-DF21-4A04-859B-AAF8BD4EC904}" type="datetimeFigureOut">
               <a:rPr lang="en-US" smtClean="0"/>
-              <a:t>3/4/2023</a:t>
+              <a:t>3/10/2023</a:t>
             </a:fld>
             <a:endParaRPr lang="en-US"/>
           </a:p>
@@ -13141,7 +13143,7 @@
           <a:p>
             <a:fld id="{3E232C92-DF21-4A04-859B-AAF8BD4EC904}" type="datetimeFigureOut">
               <a:rPr lang="en-US" smtClean="0"/>
-              <a:t>3/4/2023</a:t>
+              <a:t>3/10/2023</a:t>
             </a:fld>
             <a:endParaRPr lang="en-US"/>
           </a:p>
@@ -13769,7 +13771,7 @@
           <a:p>
             <a:fld id="{7CE3BD8C-C39F-4FFF-9CD5-05E4806DBFF3}" type="datetime1">
               <a:rPr lang="en-US" altLang="en-US" smtClean="0"/>
-              <a:t>3/4/2023</a:t>
+              <a:t>3/10/2023</a:t>
             </a:fld>
             <a:endParaRPr lang="en-US" altLang="en-US"/>
           </a:p>
@@ -36915,103 +36917,604 @@
           <a:chExt cx="0" cy="0"/>
         </a:xfrm>
       </p:grpSpPr>
-      <p:sp>
-        <p:nvSpPr>
-          <p:cNvPr id="2" name="Title 1">
-            <a:extLst>
-              <a:ext uri="{FF2B5EF4-FFF2-40B4-BE49-F238E27FC236}">
-                <a16:creationId xmlns:a16="http://schemas.microsoft.com/office/drawing/2014/main" id="{EEE064F5-F9F1-43C0-A746-25B3F07B0F1F}"/>
-              </a:ext>
-            </a:extLst>
-          </p:cNvPr>
-          <p:cNvSpPr>
-            <a:spLocks noGrp="1"/>
-          </p:cNvSpPr>
-          <p:nvPr>
-            <p:ph type="title"/>
-          </p:nvPr>
-        </p:nvSpPr>
-        <p:spPr/>
-        <p:txBody>
-          <a:bodyPr/>
-          <a:lstStyle/>
-          <a:p>
-            <a:r>
-              <a:rPr lang="en-US" dirty="0"/>
-              <a:t>Old versions of figures – not used</a:t>
-            </a:r>
-          </a:p>
-        </p:txBody>
-      </p:sp>
-      <p:sp>
-        <p:nvSpPr>
-          <p:cNvPr id="3" name="Footer Placeholder 2">
-            <a:extLst>
-              <a:ext uri="{FF2B5EF4-FFF2-40B4-BE49-F238E27FC236}">
-                <a16:creationId xmlns:a16="http://schemas.microsoft.com/office/drawing/2014/main" id="{03AE268B-CF95-4E65-B1EF-7AF43BDA13AB}"/>
-              </a:ext>
-            </a:extLst>
-          </p:cNvPr>
-          <p:cNvSpPr>
-            <a:spLocks noGrp="1"/>
-          </p:cNvSpPr>
-          <p:nvPr>
-            <p:ph type="ftr" sz="quarter" idx="10"/>
-          </p:nvPr>
-        </p:nvSpPr>
-        <p:spPr/>
-        <p:txBody>
-          <a:bodyPr/>
-          <a:lstStyle/>
-          <a:p>
-            <a:r>
-              <a:rPr lang="en-US" b="1"/>
-              <a:t>© 2019 Health Level Seven ® International. Licensed under Creative Commons Attribution 4.0 International</a:t>
-            </a:r>
-          </a:p>
-          <a:p>
-            <a:r>
-              <a:rPr lang="en-US" b="1"/>
-              <a:t>HL7, Health Level Seven, FHIR and the FHIR flame logo are registered trademarks of Health Level Seven International. Reg. U.S. TM Office.</a:t>
-            </a:r>
-            <a:endParaRPr lang="en-US" b="1" dirty="0"/>
-          </a:p>
-        </p:txBody>
-      </p:sp>
-      <p:sp>
-        <p:nvSpPr>
-          <p:cNvPr id="4" name="Slide Number Placeholder 3">
-            <a:extLst>
-              <a:ext uri="{FF2B5EF4-FFF2-40B4-BE49-F238E27FC236}">
-                <a16:creationId xmlns:a16="http://schemas.microsoft.com/office/drawing/2014/main" id="{18373F79-2D3A-494D-B6F2-9975501DB261}"/>
-              </a:ext>
-            </a:extLst>
-          </p:cNvPr>
-          <p:cNvSpPr>
-            <a:spLocks noGrp="1"/>
-          </p:cNvSpPr>
-          <p:nvPr>
-            <p:ph type="sldNum" sz="quarter" idx="11"/>
-          </p:nvPr>
-        </p:nvSpPr>
-        <p:spPr/>
-        <p:txBody>
-          <a:bodyPr/>
-          <a:lstStyle/>
-          <a:p>
-            <a:fld id="{6CACE926-AEF5-4BFE-8BD7-24414108CB7B}" type="slidenum">
-              <a:rPr lang="en-US" altLang="en-US" smtClean="0"/>
-              <a:pPr/>
-              <a:t>31</a:t>
-            </a:fld>
-            <a:endParaRPr lang="en-US" altLang="en-US" dirty="0"/>
+      <p:grpSp>
+        <p:nvGrpSpPr>
+          <p:cNvPr id="16" name="Group 15">
+            <a:extLst>
+              <a:ext uri="{FF2B5EF4-FFF2-40B4-BE49-F238E27FC236}">
+                <a16:creationId xmlns:a16="http://schemas.microsoft.com/office/drawing/2014/main" id="{A1011D70-2573-BAE4-00C3-8BC56F708B2B}"/>
+              </a:ext>
+            </a:extLst>
+          </p:cNvPr>
+          <p:cNvGrpSpPr/>
+          <p:nvPr/>
+        </p:nvGrpSpPr>
+        <p:grpSpPr>
+          <a:xfrm>
+            <a:off x="846798" y="536793"/>
+            <a:ext cx="10540447" cy="5683033"/>
+            <a:chOff x="537099" y="359939"/>
+            <a:chExt cx="6347012" cy="3872192"/>
+          </a:xfrm>
+        </p:grpSpPr>
+        <p:sp>
+          <p:nvSpPr>
+            <p:cNvPr id="6" name="Oval 5">
+              <a:extLst>
+                <a:ext uri="{FF2B5EF4-FFF2-40B4-BE49-F238E27FC236}">
+                  <a16:creationId xmlns:a16="http://schemas.microsoft.com/office/drawing/2014/main" id="{509B8A9C-22A8-4DD4-5ADA-F6F8D196290F}"/>
+                </a:ext>
+              </a:extLst>
+            </p:cNvPr>
+            <p:cNvSpPr/>
+            <p:nvPr/>
+          </p:nvSpPr>
+          <p:spPr>
+            <a:xfrm>
+              <a:off x="537099" y="359939"/>
+              <a:ext cx="6347012" cy="3872192"/>
+            </a:xfrm>
+            <a:prstGeom prst="ellipse">
+              <a:avLst/>
+            </a:prstGeom>
+            <a:solidFill>
+              <a:schemeClr val="accent3">
+                <a:lumMod val="20000"/>
+                <a:lumOff val="80000"/>
+              </a:schemeClr>
+            </a:solidFill>
+          </p:spPr>
+          <p:style>
+            <a:lnRef idx="1">
+              <a:schemeClr val="accent1"/>
+            </a:lnRef>
+            <a:fillRef idx="3">
+              <a:schemeClr val="accent1"/>
+            </a:fillRef>
+            <a:effectRef idx="2">
+              <a:schemeClr val="accent1"/>
+            </a:effectRef>
+            <a:fontRef idx="minor">
+              <a:schemeClr val="lt1"/>
+            </a:fontRef>
+          </p:style>
+          <p:txBody>
+            <a:bodyPr wrap="none" rtlCol="0" anchor="t"/>
+            <a:lstStyle/>
+            <a:p>
+              <a:pPr algn="ctr"/>
+              <a:endParaRPr lang="en-US" sz="2400" dirty="0"/>
+            </a:p>
+          </p:txBody>
+        </p:sp>
+        <p:sp>
+          <p:nvSpPr>
+            <p:cNvPr id="9" name="TextBox 8">
+              <a:extLst>
+                <a:ext uri="{FF2B5EF4-FFF2-40B4-BE49-F238E27FC236}">
+                  <a16:creationId xmlns:a16="http://schemas.microsoft.com/office/drawing/2014/main" id="{1747B4E7-3FA0-D19B-7DCA-B70A17CAD51B}"/>
+                </a:ext>
+              </a:extLst>
+            </p:cNvPr>
+            <p:cNvSpPr txBox="1"/>
+            <p:nvPr/>
+          </p:nvSpPr>
+          <p:spPr>
+            <a:xfrm>
+              <a:off x="2226472" y="479351"/>
+              <a:ext cx="2968266" cy="356501"/>
+            </a:xfrm>
+            <a:prstGeom prst="rect">
+              <a:avLst/>
+            </a:prstGeom>
+            <a:noFill/>
+          </p:spPr>
+          <p:txBody>
+            <a:bodyPr wrap="square">
+              <a:spAutoFit/>
+            </a:bodyPr>
+            <a:lstStyle/>
+            <a:p>
+              <a:pPr algn="ctr"/>
+              <a:r>
+                <a:rPr lang="en-US" sz="2800" dirty="0">
+                  <a:latin typeface="Arial" panose="020B0604020202020204" pitchFamily="34" charset="0"/>
+                  <a:cs typeface="Arial" panose="020B0604020202020204" pitchFamily="34" charset="0"/>
+                </a:rPr>
+                <a:t>Initial Population</a:t>
+              </a:r>
+            </a:p>
+          </p:txBody>
+        </p:sp>
+      </p:grpSp>
+      <p:sp>
+        <p:nvSpPr>
+          <p:cNvPr id="23" name="Freeform: Shape 22">
+            <a:extLst>
+              <a:ext uri="{FF2B5EF4-FFF2-40B4-BE49-F238E27FC236}">
+                <a16:creationId xmlns:a16="http://schemas.microsoft.com/office/drawing/2014/main" id="{727C4559-2EF9-B96E-2440-6236C74D58A6}"/>
+              </a:ext>
+            </a:extLst>
+          </p:cNvPr>
+          <p:cNvSpPr/>
+          <p:nvPr/>
+        </p:nvSpPr>
+        <p:spPr>
+          <a:xfrm>
+            <a:off x="1187671" y="1539854"/>
+            <a:ext cx="9858701" cy="4359613"/>
+          </a:xfrm>
+          <a:custGeom>
+            <a:avLst/>
+            <a:gdLst>
+              <a:gd name="connsiteX0" fmla="*/ 5464350 w 7394026"/>
+              <a:gd name="connsiteY0" fmla="*/ 1136885 h 3269710"/>
+              <a:gd name="connsiteX1" fmla="*/ 3888175 w 7394026"/>
+              <a:gd name="connsiteY1" fmla="*/ 1852642 h 3269710"/>
+              <a:gd name="connsiteX2" fmla="*/ 5464350 w 7394026"/>
+              <a:gd name="connsiteY2" fmla="*/ 2568399 h 3269710"/>
+              <a:gd name="connsiteX3" fmla="*/ 7040525 w 7394026"/>
+              <a:gd name="connsiteY3" fmla="*/ 1852642 h 3269710"/>
+              <a:gd name="connsiteX4" fmla="*/ 5464350 w 7394026"/>
+              <a:gd name="connsiteY4" fmla="*/ 1136885 h 3269710"/>
+              <a:gd name="connsiteX5" fmla="*/ 3697013 w 7394026"/>
+              <a:gd name="connsiteY5" fmla="*/ 0 h 3269710"/>
+              <a:gd name="connsiteX6" fmla="*/ 7394026 w 7394026"/>
+              <a:gd name="connsiteY6" fmla="*/ 1634855 h 3269710"/>
+              <a:gd name="connsiteX7" fmla="*/ 3697013 w 7394026"/>
+              <a:gd name="connsiteY7" fmla="*/ 3269710 h 3269710"/>
+              <a:gd name="connsiteX8" fmla="*/ 0 w 7394026"/>
+              <a:gd name="connsiteY8" fmla="*/ 1634855 h 3269710"/>
+              <a:gd name="connsiteX9" fmla="*/ 3697013 w 7394026"/>
+              <a:gd name="connsiteY9" fmla="*/ 0 h 3269710"/>
+            </a:gdLst>
+            <a:ahLst/>
+            <a:cxnLst>
+              <a:cxn ang="0">
+                <a:pos x="connsiteX0" y="connsiteY0"/>
+              </a:cxn>
+              <a:cxn ang="0">
+                <a:pos x="connsiteX1" y="connsiteY1"/>
+              </a:cxn>
+              <a:cxn ang="0">
+                <a:pos x="connsiteX2" y="connsiteY2"/>
+              </a:cxn>
+              <a:cxn ang="0">
+                <a:pos x="connsiteX3" y="connsiteY3"/>
+              </a:cxn>
+              <a:cxn ang="0">
+                <a:pos x="connsiteX4" y="connsiteY4"/>
+              </a:cxn>
+              <a:cxn ang="0">
+                <a:pos x="connsiteX5" y="connsiteY5"/>
+              </a:cxn>
+              <a:cxn ang="0">
+                <a:pos x="connsiteX6" y="connsiteY6"/>
+              </a:cxn>
+              <a:cxn ang="0">
+                <a:pos x="connsiteX7" y="connsiteY7"/>
+              </a:cxn>
+              <a:cxn ang="0">
+                <a:pos x="connsiteX8" y="connsiteY8"/>
+              </a:cxn>
+              <a:cxn ang="0">
+                <a:pos x="connsiteX9" y="connsiteY9"/>
+              </a:cxn>
+            </a:cxnLst>
+            <a:rect l="l" t="t" r="r" b="b"/>
+            <a:pathLst>
+              <a:path w="7394026" h="3269710">
+                <a:moveTo>
+                  <a:pt x="5464350" y="1136885"/>
+                </a:moveTo>
+                <a:cubicBezTo>
+                  <a:pt x="4593853" y="1136885"/>
+                  <a:pt x="3888175" y="1457340"/>
+                  <a:pt x="3888175" y="1852642"/>
+                </a:cubicBezTo>
+                <a:cubicBezTo>
+                  <a:pt x="3888175" y="2247944"/>
+                  <a:pt x="4593853" y="2568399"/>
+                  <a:pt x="5464350" y="2568399"/>
+                </a:cubicBezTo>
+                <a:cubicBezTo>
+                  <a:pt x="6334847" y="2568399"/>
+                  <a:pt x="7040525" y="2247944"/>
+                  <a:pt x="7040525" y="1852642"/>
+                </a:cubicBezTo>
+                <a:cubicBezTo>
+                  <a:pt x="7040525" y="1457340"/>
+                  <a:pt x="6334847" y="1136885"/>
+                  <a:pt x="5464350" y="1136885"/>
+                </a:cubicBezTo>
+                <a:close/>
+                <a:moveTo>
+                  <a:pt x="3697013" y="0"/>
+                </a:moveTo>
+                <a:cubicBezTo>
+                  <a:pt x="5738817" y="0"/>
+                  <a:pt x="7394026" y="731950"/>
+                  <a:pt x="7394026" y="1634855"/>
+                </a:cubicBezTo>
+                <a:cubicBezTo>
+                  <a:pt x="7394026" y="2537760"/>
+                  <a:pt x="5738817" y="3269710"/>
+                  <a:pt x="3697013" y="3269710"/>
+                </a:cubicBezTo>
+                <a:cubicBezTo>
+                  <a:pt x="1655209" y="3269710"/>
+                  <a:pt x="0" y="2537760"/>
+                  <a:pt x="0" y="1634855"/>
+                </a:cubicBezTo>
+                <a:cubicBezTo>
+                  <a:pt x="0" y="731950"/>
+                  <a:pt x="1655209" y="0"/>
+                  <a:pt x="3697013" y="0"/>
+                </a:cubicBezTo>
+                <a:close/>
+              </a:path>
+            </a:pathLst>
+          </a:custGeom>
+          <a:solidFill>
+            <a:schemeClr val="accent1">
+              <a:lumMod val="60000"/>
+              <a:lumOff val="40000"/>
+            </a:schemeClr>
+          </a:solidFill>
+        </p:spPr>
+        <p:style>
+          <a:lnRef idx="1">
+            <a:schemeClr val="accent1"/>
+          </a:lnRef>
+          <a:fillRef idx="3">
+            <a:schemeClr val="accent1"/>
+          </a:fillRef>
+          <a:effectRef idx="2">
+            <a:schemeClr val="accent1"/>
+          </a:effectRef>
+          <a:fontRef idx="minor">
+            <a:schemeClr val="lt1"/>
+          </a:fontRef>
+        </p:style>
+        <p:txBody>
+          <a:bodyPr rtlCol="0" anchor="ctr"/>
+          <a:lstStyle/>
+          <a:p>
+            <a:pPr algn="ctr"/>
+            <a:endParaRPr lang="en-US" sz="2400"/>
+          </a:p>
+        </p:txBody>
+      </p:sp>
+      <p:sp>
+        <p:nvSpPr>
+          <p:cNvPr id="11" name="TextBox 10">
+            <a:extLst>
+              <a:ext uri="{FF2B5EF4-FFF2-40B4-BE49-F238E27FC236}">
+                <a16:creationId xmlns:a16="http://schemas.microsoft.com/office/drawing/2014/main" id="{D5E30804-09B0-DBBC-B09D-CE2778BAE393}"/>
+              </a:ext>
+            </a:extLst>
+          </p:cNvPr>
+          <p:cNvSpPr txBox="1"/>
+          <p:nvPr/>
+        </p:nvSpPr>
+        <p:spPr>
+          <a:xfrm>
+            <a:off x="3651859" y="1886564"/>
+            <a:ext cx="4930325" cy="523220"/>
+          </a:xfrm>
+          <a:prstGeom prst="rect">
+            <a:avLst/>
+          </a:prstGeom>
+          <a:noFill/>
+        </p:spPr>
+        <p:txBody>
+          <a:bodyPr wrap="square">
+            <a:spAutoFit/>
+          </a:bodyPr>
+          <a:lstStyle/>
+          <a:p>
+            <a:pPr algn="ctr"/>
+            <a:r>
+              <a:rPr lang="en-US" sz="2800" dirty="0">
+                <a:latin typeface="Arial" panose="020B0604020202020204" pitchFamily="34" charset="0"/>
+                <a:cs typeface="Arial" panose="020B0604020202020204" pitchFamily="34" charset="0"/>
+              </a:rPr>
+              <a:t>Denominator</a:t>
+            </a:r>
+          </a:p>
+        </p:txBody>
+      </p:sp>
+      <p:sp>
+        <p:nvSpPr>
+          <p:cNvPr id="12" name="TextBox 11">
+            <a:extLst>
+              <a:ext uri="{FF2B5EF4-FFF2-40B4-BE49-F238E27FC236}">
+                <a16:creationId xmlns:a16="http://schemas.microsoft.com/office/drawing/2014/main" id="{841BDC70-383A-EE34-A980-475DF01E8577}"/>
+              </a:ext>
+            </a:extLst>
+          </p:cNvPr>
+          <p:cNvSpPr txBox="1"/>
+          <p:nvPr/>
+        </p:nvSpPr>
+        <p:spPr>
+          <a:xfrm>
+            <a:off x="1826449" y="2442350"/>
+            <a:ext cx="8581148" cy="369332"/>
+          </a:xfrm>
+          <a:prstGeom prst="rect">
+            <a:avLst/>
+          </a:prstGeom>
+          <a:noFill/>
+        </p:spPr>
+        <p:txBody>
+          <a:bodyPr wrap="square">
+            <a:spAutoFit/>
+          </a:bodyPr>
+          <a:lstStyle/>
+          <a:p>
+            <a:pPr algn="ctr"/>
+            <a:r>
+              <a:rPr lang="en-US" dirty="0">
+                <a:latin typeface="Arial" panose="020B0604020202020204" pitchFamily="34" charset="0"/>
+                <a:cs typeface="Arial" panose="020B0604020202020204" pitchFamily="34" charset="0"/>
+              </a:rPr>
+              <a:t>Open/Closed historic and suspected gaps, and closed net-new gaps</a:t>
+            </a:r>
+          </a:p>
+        </p:txBody>
+      </p:sp>
+      <p:sp>
+        <p:nvSpPr>
+          <p:cNvPr id="13" name="Oval 12">
+            <a:extLst>
+              <a:ext uri="{FF2B5EF4-FFF2-40B4-BE49-F238E27FC236}">
+                <a16:creationId xmlns:a16="http://schemas.microsoft.com/office/drawing/2014/main" id="{F441CD94-6D1C-D53A-9E15-4D555FB349EA}"/>
+              </a:ext>
+            </a:extLst>
+          </p:cNvPr>
+          <p:cNvSpPr/>
+          <p:nvPr/>
+        </p:nvSpPr>
+        <p:spPr>
+          <a:xfrm>
+            <a:off x="1623864" y="3063503"/>
+            <a:ext cx="4203133" cy="1908684"/>
+          </a:xfrm>
+          <a:prstGeom prst="ellipse">
+            <a:avLst/>
+          </a:prstGeom>
+          <a:solidFill>
+            <a:schemeClr val="accent1">
+              <a:lumMod val="50000"/>
+            </a:schemeClr>
+          </a:solidFill>
+        </p:spPr>
+        <p:style>
+          <a:lnRef idx="1">
+            <a:schemeClr val="accent1"/>
+          </a:lnRef>
+          <a:fillRef idx="3">
+            <a:schemeClr val="accent1"/>
+          </a:fillRef>
+          <a:effectRef idx="2">
+            <a:schemeClr val="accent1"/>
+          </a:effectRef>
+          <a:fontRef idx="minor">
+            <a:schemeClr val="lt1"/>
+          </a:fontRef>
+        </p:style>
+        <p:txBody>
+          <a:bodyPr rtlCol="0" anchor="ctr"/>
+          <a:lstStyle/>
+          <a:p>
+            <a:pPr algn="ctr"/>
+            <a:endParaRPr lang="en-US" sz="2400">
+              <a:latin typeface="Arial" panose="020B0604020202020204" pitchFamily="34" charset="0"/>
+              <a:cs typeface="Arial" panose="020B0604020202020204" pitchFamily="34" charset="0"/>
+            </a:endParaRPr>
+          </a:p>
+        </p:txBody>
+      </p:sp>
+      <p:sp>
+        <p:nvSpPr>
+          <p:cNvPr id="14" name="TextBox 13">
+            <a:extLst>
+              <a:ext uri="{FF2B5EF4-FFF2-40B4-BE49-F238E27FC236}">
+                <a16:creationId xmlns:a16="http://schemas.microsoft.com/office/drawing/2014/main" id="{7C24BB70-85D1-2C8E-EC63-108C86CE44CF}"/>
+              </a:ext>
+            </a:extLst>
+          </p:cNvPr>
+          <p:cNvSpPr txBox="1"/>
+          <p:nvPr/>
+        </p:nvSpPr>
+        <p:spPr>
+          <a:xfrm>
+            <a:off x="2125964" y="3375597"/>
+            <a:ext cx="3198933" cy="523220"/>
+          </a:xfrm>
+          <a:prstGeom prst="rect">
+            <a:avLst/>
+          </a:prstGeom>
+          <a:noFill/>
+        </p:spPr>
+        <p:txBody>
+          <a:bodyPr wrap="square">
+            <a:spAutoFit/>
+          </a:bodyPr>
+          <a:lstStyle/>
+          <a:p>
+            <a:pPr algn="ctr"/>
+            <a:r>
+              <a:rPr lang="en-US" sz="2800" dirty="0">
+                <a:solidFill>
+                  <a:schemeClr val="bg1"/>
+                </a:solidFill>
+                <a:latin typeface="Arial" panose="020B0604020202020204" pitchFamily="34" charset="0"/>
+                <a:cs typeface="Arial" panose="020B0604020202020204" pitchFamily="34" charset="0"/>
+              </a:rPr>
+              <a:t>Numerator</a:t>
+            </a:r>
+            <a:endParaRPr lang="en-US" sz="2400" dirty="0">
+              <a:solidFill>
+                <a:schemeClr val="bg1"/>
+              </a:solidFill>
+              <a:latin typeface="Arial" panose="020B0604020202020204" pitchFamily="34" charset="0"/>
+              <a:cs typeface="Arial" panose="020B0604020202020204" pitchFamily="34" charset="0"/>
+            </a:endParaRPr>
+          </a:p>
+        </p:txBody>
+      </p:sp>
+      <p:sp>
+        <p:nvSpPr>
+          <p:cNvPr id="21" name="TextBox 20">
+            <a:extLst>
+              <a:ext uri="{FF2B5EF4-FFF2-40B4-BE49-F238E27FC236}">
+                <a16:creationId xmlns:a16="http://schemas.microsoft.com/office/drawing/2014/main" id="{3205C947-DBBB-B8DA-5D87-06B818C8670D}"/>
+              </a:ext>
+            </a:extLst>
+          </p:cNvPr>
+          <p:cNvSpPr txBox="1"/>
+          <p:nvPr/>
+        </p:nvSpPr>
+        <p:spPr>
+          <a:xfrm>
+            <a:off x="6461096" y="3593193"/>
+            <a:ext cx="4024749" cy="523220"/>
+          </a:xfrm>
+          <a:prstGeom prst="rect">
+            <a:avLst/>
+          </a:prstGeom>
+          <a:noFill/>
+        </p:spPr>
+        <p:txBody>
+          <a:bodyPr wrap="square">
+            <a:spAutoFit/>
+          </a:bodyPr>
+          <a:lstStyle/>
+          <a:p>
+            <a:pPr algn="ctr"/>
+            <a:r>
+              <a:rPr lang="en-US" sz="2800" dirty="0">
+                <a:latin typeface="Arial" panose="020B0604020202020204" pitchFamily="34" charset="0"/>
+                <a:cs typeface="Arial" panose="020B0604020202020204" pitchFamily="34" charset="0"/>
+              </a:rPr>
+              <a:t>Denominator Exclusions</a:t>
+            </a:r>
+          </a:p>
+        </p:txBody>
+      </p:sp>
+      <p:sp>
+        <p:nvSpPr>
+          <p:cNvPr id="24" name="TextBox 23">
+            <a:extLst>
+              <a:ext uri="{FF2B5EF4-FFF2-40B4-BE49-F238E27FC236}">
+                <a16:creationId xmlns:a16="http://schemas.microsoft.com/office/drawing/2014/main" id="{F952F606-A542-B5C3-1A33-2B8B4ACD87C9}"/>
+              </a:ext>
+            </a:extLst>
+          </p:cNvPr>
+          <p:cNvSpPr txBox="1"/>
+          <p:nvPr/>
+        </p:nvSpPr>
+        <p:spPr>
+          <a:xfrm>
+            <a:off x="1639955" y="3824630"/>
+            <a:ext cx="4024749" cy="646331"/>
+          </a:xfrm>
+          <a:prstGeom prst="rect">
+            <a:avLst/>
+          </a:prstGeom>
+          <a:noFill/>
+        </p:spPr>
+        <p:txBody>
+          <a:bodyPr wrap="square">
+            <a:spAutoFit/>
+          </a:bodyPr>
+          <a:lstStyle/>
+          <a:p>
+            <a:pPr algn="ctr"/>
+            <a:r>
+              <a:rPr lang="en-US" dirty="0">
+                <a:solidFill>
+                  <a:schemeClr val="bg1"/>
+                </a:solidFill>
+                <a:latin typeface="Arial" panose="020B0604020202020204" pitchFamily="34" charset="0"/>
+                <a:cs typeface="Arial" panose="020B0604020202020204" pitchFamily="34" charset="0"/>
+              </a:rPr>
+              <a:t>Closed historic, suspected, and </a:t>
+            </a:r>
+          </a:p>
+          <a:p>
+            <a:pPr algn="ctr"/>
+            <a:r>
+              <a:rPr lang="en-US" dirty="0">
+                <a:solidFill>
+                  <a:schemeClr val="bg1"/>
+                </a:solidFill>
+                <a:latin typeface="Arial" panose="020B0604020202020204" pitchFamily="34" charset="0"/>
+                <a:cs typeface="Arial" panose="020B0604020202020204" pitchFamily="34" charset="0"/>
+              </a:rPr>
+              <a:t>net-new gaps</a:t>
+            </a:r>
+          </a:p>
+        </p:txBody>
+      </p:sp>
+      <p:sp>
+        <p:nvSpPr>
+          <p:cNvPr id="17" name="TextBox 16">
+            <a:extLst>
+              <a:ext uri="{FF2B5EF4-FFF2-40B4-BE49-F238E27FC236}">
+                <a16:creationId xmlns:a16="http://schemas.microsoft.com/office/drawing/2014/main" id="{61C49829-36C0-91AD-5D7C-B60CED391628}"/>
+              </a:ext>
+            </a:extLst>
+          </p:cNvPr>
+          <p:cNvSpPr txBox="1"/>
+          <p:nvPr/>
+        </p:nvSpPr>
+        <p:spPr>
+          <a:xfrm>
+            <a:off x="100119" y="69790"/>
+            <a:ext cx="6510231" cy="338554"/>
+          </a:xfrm>
+          <a:prstGeom prst="rect">
+            <a:avLst/>
+          </a:prstGeom>
+          <a:noFill/>
+        </p:spPr>
+        <p:txBody>
+          <a:bodyPr wrap="square">
+            <a:spAutoFit/>
+          </a:bodyPr>
+          <a:lstStyle/>
+          <a:p>
+            <a:pPr marL="0" lvl="1"/>
+            <a:r>
+              <a:rPr lang="en-US" altLang="en-US" sz="1600" dirty="0">
+                <a:latin typeface="Arial" panose="020B0604020202020204" pitchFamily="34" charset="0"/>
+                <a:cs typeface="Arial" panose="020B0604020202020204" pitchFamily="34" charset="0"/>
+              </a:rPr>
+              <a:t>HCC189: </a:t>
+            </a:r>
+            <a:r>
+              <a:rPr lang="en-US" sz="1600" dirty="0">
+                <a:solidFill>
+                  <a:srgbClr val="000000"/>
+                </a:solidFill>
+                <a:latin typeface="Arial" panose="020B0604020202020204" pitchFamily="34" charset="0"/>
+                <a:cs typeface="Arial" panose="020B0604020202020204" pitchFamily="34" charset="0"/>
+              </a:rPr>
+              <a:t>Amputation Status, Lower Limb/Amputation Complications</a:t>
+            </a:r>
+            <a:endParaRPr lang="en-US" altLang="en-US" sz="1600" dirty="0">
+              <a:latin typeface="Arial" panose="020B0604020202020204" pitchFamily="34" charset="0"/>
+              <a:cs typeface="Arial" panose="020B0604020202020204" pitchFamily="34" charset="0"/>
+            </a:endParaRPr>
           </a:p>
         </p:txBody>
       </p:sp>
     </p:spTree>
     <p:extLst>
       <p:ext uri="{BB962C8B-B14F-4D97-AF65-F5344CB8AC3E}">
-        <p14:creationId xmlns:p14="http://schemas.microsoft.com/office/powerpoint/2010/main" val="2034284899"/>
+        <p14:creationId xmlns:p14="http://schemas.microsoft.com/office/powerpoint/2010/main" val="1927574247"/>
       </p:ext>
     </p:extLst>
   </p:cSld>
@@ -37038,354 +37541,119 @@
           <a:chExt cx="0" cy="0"/>
         </a:xfrm>
       </p:grpSpPr>
-      <p:sp>
-        <p:nvSpPr>
-          <p:cNvPr id="2" name="Title 1">
-            <a:extLst>
-              <a:ext uri="{FF2B5EF4-FFF2-40B4-BE49-F238E27FC236}">
-                <a16:creationId xmlns:a16="http://schemas.microsoft.com/office/drawing/2014/main" id="{DE4FC254-7E84-4C1E-B2B1-8F45C616E91E}"/>
-              </a:ext>
-            </a:extLst>
-          </p:cNvPr>
-          <p:cNvSpPr>
-            <a:spLocks noGrp="1"/>
-          </p:cNvSpPr>
-          <p:nvPr>
-            <p:ph type="title"/>
-          </p:nvPr>
-        </p:nvSpPr>
-        <p:spPr/>
-        <p:txBody>
-          <a:bodyPr/>
-          <a:lstStyle/>
-          <a:p>
-            <a:r>
-              <a:rPr lang="en-US" dirty="0"/>
-              <a:t>Balloted: Figure 1-3 (Home page)</a:t>
-            </a:r>
-          </a:p>
-        </p:txBody>
-      </p:sp>
-      <p:sp>
-        <p:nvSpPr>
-          <p:cNvPr id="3" name="Text Placeholder 2">
-            <a:extLst>
-              <a:ext uri="{FF2B5EF4-FFF2-40B4-BE49-F238E27FC236}">
-                <a16:creationId xmlns:a16="http://schemas.microsoft.com/office/drawing/2014/main" id="{4025DF32-5ADE-4348-8F51-B2255B4D83D2}"/>
-              </a:ext>
-            </a:extLst>
-          </p:cNvPr>
-          <p:cNvSpPr>
-            <a:spLocks noGrp="1"/>
-          </p:cNvSpPr>
-          <p:nvPr>
-            <p:ph type="body" sz="quarter" idx="13"/>
-          </p:nvPr>
-        </p:nvSpPr>
-        <p:spPr/>
-        <p:txBody>
-          <a:bodyPr/>
-          <a:lstStyle/>
-          <a:p>
-            <a:pPr marL="0" indent="0">
-              <a:buNone/>
-            </a:pPr>
-            <a:r>
-              <a:rPr lang="en-US" dirty="0"/>
-              <a:t> </a:t>
-            </a:r>
-          </a:p>
-        </p:txBody>
-      </p:sp>
-      <p:sp>
-        <p:nvSpPr>
-          <p:cNvPr id="4" name="Footer Placeholder 3">
-            <a:extLst>
-              <a:ext uri="{FF2B5EF4-FFF2-40B4-BE49-F238E27FC236}">
-                <a16:creationId xmlns:a16="http://schemas.microsoft.com/office/drawing/2014/main" id="{6F1D9FDC-5EC9-421B-B816-669D4CBA8D03}"/>
-              </a:ext>
-            </a:extLst>
-          </p:cNvPr>
-          <p:cNvSpPr>
-            <a:spLocks noGrp="1"/>
-          </p:cNvSpPr>
-          <p:nvPr>
-            <p:ph type="ftr" sz="quarter" idx="10"/>
-          </p:nvPr>
-        </p:nvSpPr>
-        <p:spPr/>
-        <p:txBody>
-          <a:bodyPr/>
-          <a:lstStyle/>
-          <a:p>
-            <a:r>
-              <a:rPr lang="en-US" b="1"/>
-              <a:t>© 2019 Health Level Seven ® International. Licensed under Creative Commons Attribution 4.0 International</a:t>
-            </a:r>
-          </a:p>
-          <a:p>
-            <a:r>
-              <a:rPr lang="en-US" b="1"/>
-              <a:t>HL7, Health Level Seven, FHIR and the FHIR flame logo are registered trademarks of Health Level Seven International. Reg. U.S. TM Office.</a:t>
-            </a:r>
-            <a:endParaRPr lang="en-US" b="1" dirty="0"/>
-          </a:p>
-        </p:txBody>
-      </p:sp>
-      <p:sp>
-        <p:nvSpPr>
-          <p:cNvPr id="5" name="Slide Number Placeholder 4">
-            <a:extLst>
-              <a:ext uri="{FF2B5EF4-FFF2-40B4-BE49-F238E27FC236}">
-                <a16:creationId xmlns:a16="http://schemas.microsoft.com/office/drawing/2014/main" id="{ABC91477-8158-43AE-8C67-AA1E9785A906}"/>
-              </a:ext>
-            </a:extLst>
-          </p:cNvPr>
-          <p:cNvSpPr>
-            <a:spLocks noGrp="1"/>
-          </p:cNvSpPr>
-          <p:nvPr>
-            <p:ph type="sldNum" sz="quarter" idx="11"/>
-          </p:nvPr>
-        </p:nvSpPr>
-        <p:spPr/>
-        <p:txBody>
-          <a:bodyPr/>
-          <a:lstStyle/>
-          <a:p>
-            <a:fld id="{6CACE926-AEF5-4BFE-8BD7-24414108CB7B}" type="slidenum">
-              <a:rPr lang="en-US" altLang="en-US" smtClean="0"/>
-              <a:pPr/>
-              <a:t>32</a:t>
-            </a:fld>
-            <a:endParaRPr lang="en-US" altLang="en-US" dirty="0"/>
-          </a:p>
-        </p:txBody>
-      </p:sp>
-      <p:pic>
-        <p:nvPicPr>
-          <p:cNvPr id="6" name="Graphic 5">
-            <a:extLst>
-              <a:ext uri="{FF2B5EF4-FFF2-40B4-BE49-F238E27FC236}">
-                <a16:creationId xmlns:a16="http://schemas.microsoft.com/office/drawing/2014/main" id="{842186CE-C3CB-491F-B90D-334B74F93238}"/>
-              </a:ext>
-            </a:extLst>
-          </p:cNvPr>
-          <p:cNvPicPr>
-            <a:picLocks noChangeAspect="1"/>
-          </p:cNvPicPr>
-          <p:nvPr/>
-        </p:nvPicPr>
-        <p:blipFill>
-          <a:blip r:embed="rId3">
-            <a:extLst>
-              <a:ext uri="{96DAC541-7B7A-43D3-8B79-37D633B846F1}">
-                <asvg:svgBlip xmlns:asvg="http://schemas.microsoft.com/office/drawing/2016/SVG/main" r:embed="rId4"/>
-              </a:ext>
-            </a:extLst>
-          </a:blip>
-          <a:stretch>
-            <a:fillRect/>
-          </a:stretch>
-        </p:blipFill>
-        <p:spPr>
-          <a:xfrm>
-            <a:off x="3428016" y="3173224"/>
-            <a:ext cx="659817" cy="996459"/>
-          </a:xfrm>
-          <a:prstGeom prst="rect">
-            <a:avLst/>
-          </a:prstGeom>
-        </p:spPr>
-      </p:pic>
-      <p:pic>
-        <p:nvPicPr>
-          <p:cNvPr id="7" name="Graphic 6">
-            <a:extLst>
-              <a:ext uri="{FF2B5EF4-FFF2-40B4-BE49-F238E27FC236}">
-                <a16:creationId xmlns:a16="http://schemas.microsoft.com/office/drawing/2014/main" id="{3E4BF30F-2D52-4FA7-8B6E-989427E65C55}"/>
-              </a:ext>
-            </a:extLst>
-          </p:cNvPr>
-          <p:cNvPicPr>
-            <a:picLocks noChangeAspect="1"/>
-          </p:cNvPicPr>
-          <p:nvPr/>
-        </p:nvPicPr>
-        <p:blipFill>
-          <a:blip r:embed="rId5">
-            <a:extLst>
-              <a:ext uri="{96DAC541-7B7A-43D3-8B79-37D633B846F1}">
-                <asvg:svgBlip xmlns:asvg="http://schemas.microsoft.com/office/drawing/2016/SVG/main" r:embed="rId6"/>
-              </a:ext>
-            </a:extLst>
-          </a:blip>
-          <a:stretch>
-            <a:fillRect/>
-          </a:stretch>
-        </p:blipFill>
-        <p:spPr>
-          <a:xfrm>
-            <a:off x="7464510" y="2979089"/>
-            <a:ext cx="814124" cy="899821"/>
-          </a:xfrm>
-          <a:prstGeom prst="rect">
-            <a:avLst/>
-          </a:prstGeom>
-        </p:spPr>
-      </p:pic>
-      <p:sp>
-        <p:nvSpPr>
-          <p:cNvPr id="9" name="TextBox 8">
-            <a:extLst>
-              <a:ext uri="{FF2B5EF4-FFF2-40B4-BE49-F238E27FC236}">
-                <a16:creationId xmlns:a16="http://schemas.microsoft.com/office/drawing/2014/main" id="{F400E8FA-0292-4288-B1BB-DA58B38789C1}"/>
-              </a:ext>
-            </a:extLst>
-          </p:cNvPr>
-          <p:cNvSpPr txBox="1"/>
-          <p:nvPr/>
-        </p:nvSpPr>
-        <p:spPr>
-          <a:xfrm>
-            <a:off x="1368638" y="3121037"/>
-            <a:ext cx="2162408" cy="584775"/>
-          </a:xfrm>
-          <a:prstGeom prst="rect">
-            <a:avLst/>
-          </a:prstGeom>
-          <a:noFill/>
-        </p:spPr>
-        <p:txBody>
-          <a:bodyPr wrap="square" rtlCol="0">
-            <a:spAutoFit/>
-          </a:bodyPr>
-          <a:lstStyle/>
-          <a:p>
-            <a:pPr algn="ctr" defTabSz="609585" fontAlgn="base">
-              <a:spcBef>
-                <a:spcPct val="0"/>
-              </a:spcBef>
-              <a:spcAft>
-                <a:spcPct val="0"/>
-              </a:spcAft>
-              <a:defRPr/>
-            </a:pPr>
-            <a:r>
-              <a:rPr lang="en-US" sz="1600" b="1" dirty="0">
-                <a:solidFill>
-                  <a:srgbClr val="C00000"/>
-                </a:solidFill>
-                <a:latin typeface="Arial"/>
-                <a:ea typeface="ヒラギノ角ゴ Pro W3" pitchFamily="-126" charset="-128"/>
-              </a:rPr>
-              <a:t>Client</a:t>
-            </a:r>
-          </a:p>
-          <a:p>
-            <a:pPr algn="ctr" defTabSz="609585" fontAlgn="base">
-              <a:spcBef>
-                <a:spcPct val="0"/>
-              </a:spcBef>
-              <a:spcAft>
-                <a:spcPct val="0"/>
-              </a:spcAft>
-              <a:defRPr/>
-            </a:pPr>
-            <a:r>
-              <a:rPr lang="en-US" sz="1600" b="1" dirty="0">
-                <a:solidFill>
-                  <a:srgbClr val="C00000"/>
-                </a:solidFill>
-                <a:latin typeface="Arial"/>
-                <a:ea typeface="ヒラギノ角ゴ Pro W3" pitchFamily="-126" charset="-128"/>
-              </a:rPr>
-              <a:t>(example Provider)</a:t>
-            </a:r>
-          </a:p>
-        </p:txBody>
-      </p:sp>
-      <p:sp>
-        <p:nvSpPr>
-          <p:cNvPr id="10" name="TextBox 9">
-            <a:extLst>
-              <a:ext uri="{FF2B5EF4-FFF2-40B4-BE49-F238E27FC236}">
-                <a16:creationId xmlns:a16="http://schemas.microsoft.com/office/drawing/2014/main" id="{984AE2E2-20A9-4B44-A58D-4BBB1DF61213}"/>
-              </a:ext>
-            </a:extLst>
-          </p:cNvPr>
-          <p:cNvSpPr txBox="1"/>
-          <p:nvPr/>
-        </p:nvSpPr>
-        <p:spPr>
-          <a:xfrm>
-            <a:off x="8076248" y="3100638"/>
-            <a:ext cx="2115679" cy="584775"/>
-          </a:xfrm>
-          <a:prstGeom prst="rect">
-            <a:avLst/>
-          </a:prstGeom>
-          <a:noFill/>
-        </p:spPr>
-        <p:txBody>
-          <a:bodyPr wrap="square" rtlCol="0">
-            <a:spAutoFit/>
-          </a:bodyPr>
-          <a:lstStyle/>
-          <a:p>
-            <a:pPr algn="ctr" defTabSz="609585" fontAlgn="base">
-              <a:spcBef>
-                <a:spcPct val="0"/>
-              </a:spcBef>
-              <a:spcAft>
-                <a:spcPct val="0"/>
-              </a:spcAft>
-              <a:defRPr/>
-            </a:pPr>
-            <a:r>
-              <a:rPr lang="en-US" sz="1600" b="1" dirty="0">
-                <a:solidFill>
-                  <a:srgbClr val="F79646">
-                    <a:lumMod val="50000"/>
-                  </a:srgbClr>
-                </a:solidFill>
-                <a:latin typeface="Arial"/>
-                <a:ea typeface="ヒラギノ角ゴ Pro W3" pitchFamily="-126" charset="-128"/>
-              </a:rPr>
-              <a:t>Server</a:t>
-            </a:r>
-          </a:p>
-          <a:p>
-            <a:pPr algn="ctr" defTabSz="609585" fontAlgn="base">
-              <a:spcBef>
-                <a:spcPct val="0"/>
-              </a:spcBef>
-              <a:spcAft>
-                <a:spcPct val="0"/>
-              </a:spcAft>
-              <a:defRPr/>
-            </a:pPr>
-            <a:r>
-              <a:rPr lang="en-US" sz="1600" b="1" dirty="0">
-                <a:solidFill>
-                  <a:srgbClr val="F79646">
-                    <a:lumMod val="50000"/>
-                  </a:srgbClr>
-                </a:solidFill>
-                <a:latin typeface="Arial"/>
-                <a:ea typeface="ヒラギノ角ゴ Pro W3" pitchFamily="-126" charset="-128"/>
-              </a:rPr>
-              <a:t>(example Payer)</a:t>
-            </a:r>
-          </a:p>
-        </p:txBody>
-      </p:sp>
-      <p:sp>
-        <p:nvSpPr>
-          <p:cNvPr id="8" name="Arrow: U-Turn 7">
-            <a:extLst>
-              <a:ext uri="{FF2B5EF4-FFF2-40B4-BE49-F238E27FC236}">
-                <a16:creationId xmlns:a16="http://schemas.microsoft.com/office/drawing/2014/main" id="{BBA494F5-C840-4276-B567-19F510FB3BE8}"/>
+      <p:grpSp>
+        <p:nvGrpSpPr>
+          <p:cNvPr id="16" name="Group 15">
+            <a:extLst>
+              <a:ext uri="{FF2B5EF4-FFF2-40B4-BE49-F238E27FC236}">
+                <a16:creationId xmlns:a16="http://schemas.microsoft.com/office/drawing/2014/main" id="{A1011D70-2573-BAE4-00C3-8BC56F708B2B}"/>
+              </a:ext>
+            </a:extLst>
+          </p:cNvPr>
+          <p:cNvGrpSpPr/>
+          <p:nvPr/>
+        </p:nvGrpSpPr>
+        <p:grpSpPr>
+          <a:xfrm>
+            <a:off x="846798" y="536793"/>
+            <a:ext cx="10540447" cy="5683033"/>
+            <a:chOff x="537099" y="359939"/>
+            <a:chExt cx="6347012" cy="3872192"/>
+          </a:xfrm>
+        </p:grpSpPr>
+        <p:sp>
+          <p:nvSpPr>
+            <p:cNvPr id="6" name="Oval 5">
+              <a:extLst>
+                <a:ext uri="{FF2B5EF4-FFF2-40B4-BE49-F238E27FC236}">
+                  <a16:creationId xmlns:a16="http://schemas.microsoft.com/office/drawing/2014/main" id="{509B8A9C-22A8-4DD4-5ADA-F6F8D196290F}"/>
+                </a:ext>
+              </a:extLst>
+            </p:cNvPr>
+            <p:cNvSpPr/>
+            <p:nvPr/>
+          </p:nvSpPr>
+          <p:spPr>
+            <a:xfrm>
+              <a:off x="537099" y="359939"/>
+              <a:ext cx="6347012" cy="3872192"/>
+            </a:xfrm>
+            <a:prstGeom prst="ellipse">
+              <a:avLst/>
+            </a:prstGeom>
+            <a:solidFill>
+              <a:schemeClr val="accent3">
+                <a:lumMod val="20000"/>
+                <a:lumOff val="80000"/>
+              </a:schemeClr>
+            </a:solidFill>
+          </p:spPr>
+          <p:style>
+            <a:lnRef idx="1">
+              <a:schemeClr val="accent1"/>
+            </a:lnRef>
+            <a:fillRef idx="3">
+              <a:schemeClr val="accent1"/>
+            </a:fillRef>
+            <a:effectRef idx="2">
+              <a:schemeClr val="accent1"/>
+            </a:effectRef>
+            <a:fontRef idx="minor">
+              <a:schemeClr val="lt1"/>
+            </a:fontRef>
+          </p:style>
+          <p:txBody>
+            <a:bodyPr wrap="none" rtlCol="0" anchor="t"/>
+            <a:lstStyle/>
+            <a:p>
+              <a:pPr algn="ctr"/>
+              <a:endParaRPr lang="en-US" sz="2400" dirty="0"/>
+            </a:p>
+          </p:txBody>
+        </p:sp>
+        <p:sp>
+          <p:nvSpPr>
+            <p:cNvPr id="9" name="TextBox 8">
+              <a:extLst>
+                <a:ext uri="{FF2B5EF4-FFF2-40B4-BE49-F238E27FC236}">
+                  <a16:creationId xmlns:a16="http://schemas.microsoft.com/office/drawing/2014/main" id="{1747B4E7-3FA0-D19B-7DCA-B70A17CAD51B}"/>
+                </a:ext>
+              </a:extLst>
+            </p:cNvPr>
+            <p:cNvSpPr txBox="1"/>
+            <p:nvPr/>
+          </p:nvSpPr>
+          <p:spPr>
+            <a:xfrm>
+              <a:off x="2226472" y="479351"/>
+              <a:ext cx="2968266" cy="314560"/>
+            </a:xfrm>
+            <a:prstGeom prst="rect">
+              <a:avLst/>
+            </a:prstGeom>
+            <a:noFill/>
+          </p:spPr>
+          <p:txBody>
+            <a:bodyPr wrap="square">
+              <a:spAutoFit/>
+            </a:bodyPr>
+            <a:lstStyle/>
+            <a:p>
+              <a:pPr algn="ctr"/>
+              <a:r>
+                <a:rPr lang="en-US" sz="2400" dirty="0"/>
+                <a:t>HCC 189 Initial Population</a:t>
+              </a:r>
+            </a:p>
+          </p:txBody>
+        </p:sp>
+      </p:grpSp>
+      <p:sp>
+        <p:nvSpPr>
+          <p:cNvPr id="23" name="Freeform: Shape 22">
+            <a:extLst>
+              <a:ext uri="{FF2B5EF4-FFF2-40B4-BE49-F238E27FC236}">
+                <a16:creationId xmlns:a16="http://schemas.microsoft.com/office/drawing/2014/main" id="{727C4559-2EF9-B96E-2440-6236C74D58A6}"/>
               </a:ext>
             </a:extLst>
           </p:cNvPr>
@@ -37393,13 +37661,127 @@
           <p:nvPr/>
         </p:nvSpPr>
         <p:spPr>
-          <a:xfrm rot="10800000" flipH="1" flipV="1">
-            <a:off x="3604184" y="1851892"/>
-            <a:ext cx="4572963" cy="1202435"/>
-          </a:xfrm>
-          <a:prstGeom prst="uturnArrow">
-            <a:avLst/>
-          </a:prstGeom>
+          <a:xfrm>
+            <a:off x="1187671" y="1539854"/>
+            <a:ext cx="9858701" cy="4359613"/>
+          </a:xfrm>
+          <a:custGeom>
+            <a:avLst/>
+            <a:gdLst>
+              <a:gd name="connsiteX0" fmla="*/ 5464350 w 7394026"/>
+              <a:gd name="connsiteY0" fmla="*/ 1136885 h 3269710"/>
+              <a:gd name="connsiteX1" fmla="*/ 3888175 w 7394026"/>
+              <a:gd name="connsiteY1" fmla="*/ 1852642 h 3269710"/>
+              <a:gd name="connsiteX2" fmla="*/ 5464350 w 7394026"/>
+              <a:gd name="connsiteY2" fmla="*/ 2568399 h 3269710"/>
+              <a:gd name="connsiteX3" fmla="*/ 7040525 w 7394026"/>
+              <a:gd name="connsiteY3" fmla="*/ 1852642 h 3269710"/>
+              <a:gd name="connsiteX4" fmla="*/ 5464350 w 7394026"/>
+              <a:gd name="connsiteY4" fmla="*/ 1136885 h 3269710"/>
+              <a:gd name="connsiteX5" fmla="*/ 3697013 w 7394026"/>
+              <a:gd name="connsiteY5" fmla="*/ 0 h 3269710"/>
+              <a:gd name="connsiteX6" fmla="*/ 7394026 w 7394026"/>
+              <a:gd name="connsiteY6" fmla="*/ 1634855 h 3269710"/>
+              <a:gd name="connsiteX7" fmla="*/ 3697013 w 7394026"/>
+              <a:gd name="connsiteY7" fmla="*/ 3269710 h 3269710"/>
+              <a:gd name="connsiteX8" fmla="*/ 0 w 7394026"/>
+              <a:gd name="connsiteY8" fmla="*/ 1634855 h 3269710"/>
+              <a:gd name="connsiteX9" fmla="*/ 3697013 w 7394026"/>
+              <a:gd name="connsiteY9" fmla="*/ 0 h 3269710"/>
+            </a:gdLst>
+            <a:ahLst/>
+            <a:cxnLst>
+              <a:cxn ang="0">
+                <a:pos x="connsiteX0" y="connsiteY0"/>
+              </a:cxn>
+              <a:cxn ang="0">
+                <a:pos x="connsiteX1" y="connsiteY1"/>
+              </a:cxn>
+              <a:cxn ang="0">
+                <a:pos x="connsiteX2" y="connsiteY2"/>
+              </a:cxn>
+              <a:cxn ang="0">
+                <a:pos x="connsiteX3" y="connsiteY3"/>
+              </a:cxn>
+              <a:cxn ang="0">
+                <a:pos x="connsiteX4" y="connsiteY4"/>
+              </a:cxn>
+              <a:cxn ang="0">
+                <a:pos x="connsiteX5" y="connsiteY5"/>
+              </a:cxn>
+              <a:cxn ang="0">
+                <a:pos x="connsiteX6" y="connsiteY6"/>
+              </a:cxn>
+              <a:cxn ang="0">
+                <a:pos x="connsiteX7" y="connsiteY7"/>
+              </a:cxn>
+              <a:cxn ang="0">
+                <a:pos x="connsiteX8" y="connsiteY8"/>
+              </a:cxn>
+              <a:cxn ang="0">
+                <a:pos x="connsiteX9" y="connsiteY9"/>
+              </a:cxn>
+            </a:cxnLst>
+            <a:rect l="l" t="t" r="r" b="b"/>
+            <a:pathLst>
+              <a:path w="7394026" h="3269710">
+                <a:moveTo>
+                  <a:pt x="5464350" y="1136885"/>
+                </a:moveTo>
+                <a:cubicBezTo>
+                  <a:pt x="4593853" y="1136885"/>
+                  <a:pt x="3888175" y="1457340"/>
+                  <a:pt x="3888175" y="1852642"/>
+                </a:cubicBezTo>
+                <a:cubicBezTo>
+                  <a:pt x="3888175" y="2247944"/>
+                  <a:pt x="4593853" y="2568399"/>
+                  <a:pt x="5464350" y="2568399"/>
+                </a:cubicBezTo>
+                <a:cubicBezTo>
+                  <a:pt x="6334847" y="2568399"/>
+                  <a:pt x="7040525" y="2247944"/>
+                  <a:pt x="7040525" y="1852642"/>
+                </a:cubicBezTo>
+                <a:cubicBezTo>
+                  <a:pt x="7040525" y="1457340"/>
+                  <a:pt x="6334847" y="1136885"/>
+                  <a:pt x="5464350" y="1136885"/>
+                </a:cubicBezTo>
+                <a:close/>
+                <a:moveTo>
+                  <a:pt x="3697013" y="0"/>
+                </a:moveTo>
+                <a:cubicBezTo>
+                  <a:pt x="5738817" y="0"/>
+                  <a:pt x="7394026" y="731950"/>
+                  <a:pt x="7394026" y="1634855"/>
+                </a:cubicBezTo>
+                <a:cubicBezTo>
+                  <a:pt x="7394026" y="2537760"/>
+                  <a:pt x="5738817" y="3269710"/>
+                  <a:pt x="3697013" y="3269710"/>
+                </a:cubicBezTo>
+                <a:cubicBezTo>
+                  <a:pt x="1655209" y="3269710"/>
+                  <a:pt x="0" y="2537760"/>
+                  <a:pt x="0" y="1634855"/>
+                </a:cubicBezTo>
+                <a:cubicBezTo>
+                  <a:pt x="0" y="731950"/>
+                  <a:pt x="1655209" y="0"/>
+                  <a:pt x="3697013" y="0"/>
+                </a:cubicBezTo>
+                <a:close/>
+              </a:path>
+            </a:pathLst>
+          </a:custGeom>
+          <a:solidFill>
+            <a:schemeClr val="accent1">
+              <a:lumMod val="60000"/>
+              <a:lumOff val="40000"/>
+            </a:schemeClr>
+          </a:solidFill>
         </p:spPr>
         <p:style>
           <a:lnRef idx="1">
@@ -37420,20 +37802,94 @@
           <a:lstStyle/>
           <a:p>
             <a:pPr algn="ctr"/>
-            <a:endParaRPr lang="en-US">
-              <a:solidFill>
-                <a:schemeClr val="tx1"/>
-              </a:solidFill>
-            </a:endParaRPr>
-          </a:p>
-        </p:txBody>
-      </p:sp>
-      <p:sp>
-        <p:nvSpPr>
-          <p:cNvPr id="13" name="Arrow: U-Turn 12">
-            <a:extLst>
-              <a:ext uri="{FF2B5EF4-FFF2-40B4-BE49-F238E27FC236}">
-                <a16:creationId xmlns:a16="http://schemas.microsoft.com/office/drawing/2014/main" id="{174416F3-D18D-44B8-B799-1F518BBC5027}"/>
+            <a:endParaRPr lang="en-US" sz="2400"/>
+          </a:p>
+        </p:txBody>
+      </p:sp>
+      <p:sp>
+        <p:nvSpPr>
+          <p:cNvPr id="11" name="TextBox 10">
+            <a:extLst>
+              <a:ext uri="{FF2B5EF4-FFF2-40B4-BE49-F238E27FC236}">
+                <a16:creationId xmlns:a16="http://schemas.microsoft.com/office/drawing/2014/main" id="{D5E30804-09B0-DBBC-B09D-CE2778BAE393}"/>
+              </a:ext>
+            </a:extLst>
+          </p:cNvPr>
+          <p:cNvSpPr txBox="1"/>
+          <p:nvPr/>
+        </p:nvSpPr>
+        <p:spPr>
+          <a:xfrm>
+            <a:off x="3651859" y="1886564"/>
+            <a:ext cx="4930325" cy="461665"/>
+          </a:xfrm>
+          <a:prstGeom prst="rect">
+            <a:avLst/>
+          </a:prstGeom>
+          <a:noFill/>
+        </p:spPr>
+        <p:txBody>
+          <a:bodyPr wrap="square">
+            <a:spAutoFit/>
+          </a:bodyPr>
+          <a:lstStyle/>
+          <a:p>
+            <a:pPr algn="ctr"/>
+            <a:r>
+              <a:rPr lang="en-US" sz="2400" dirty="0">
+                <a:latin typeface="Arial" panose="020B0604020202020204" pitchFamily="34" charset="0"/>
+                <a:cs typeface="Arial" panose="020B0604020202020204" pitchFamily="34" charset="0"/>
+              </a:rPr>
+              <a:t>HCC 189 Denominator</a:t>
+            </a:r>
+          </a:p>
+        </p:txBody>
+      </p:sp>
+      <p:sp>
+        <p:nvSpPr>
+          <p:cNvPr id="12" name="TextBox 11">
+            <a:extLst>
+              <a:ext uri="{FF2B5EF4-FFF2-40B4-BE49-F238E27FC236}">
+                <a16:creationId xmlns:a16="http://schemas.microsoft.com/office/drawing/2014/main" id="{841BDC70-383A-EE34-A980-475DF01E8577}"/>
+              </a:ext>
+            </a:extLst>
+          </p:cNvPr>
+          <p:cNvSpPr txBox="1"/>
+          <p:nvPr/>
+        </p:nvSpPr>
+        <p:spPr>
+          <a:xfrm>
+            <a:off x="1826449" y="2442350"/>
+            <a:ext cx="8581148" cy="318100"/>
+          </a:xfrm>
+          <a:prstGeom prst="rect">
+            <a:avLst/>
+          </a:prstGeom>
+          <a:noFill/>
+        </p:spPr>
+        <p:txBody>
+          <a:bodyPr wrap="square">
+            <a:spAutoFit/>
+          </a:bodyPr>
+          <a:lstStyle/>
+          <a:p>
+            <a:pPr algn="ctr"/>
+            <a:r>
+              <a:rPr lang="en-US" sz="1467" dirty="0">
+                <a:latin typeface="Arial" panose="020B0604020202020204" pitchFamily="34" charset="0"/>
+                <a:cs typeface="Arial" panose="020B0604020202020204" pitchFamily="34" charset="0"/>
+              </a:rPr>
+              <a:t>Open/Closed historic and suspected gaps, and Closed net-new gaps</a:t>
+            </a:r>
+          </a:p>
+        </p:txBody>
+      </p:sp>
+      <p:sp>
+        <p:nvSpPr>
+          <p:cNvPr id="13" name="Oval 12">
+            <a:extLst>
+              <a:ext uri="{FF2B5EF4-FFF2-40B4-BE49-F238E27FC236}">
+                <a16:creationId xmlns:a16="http://schemas.microsoft.com/office/drawing/2014/main" id="{F441CD94-6D1C-D53A-9E15-4D555FB349EA}"/>
               </a:ext>
             </a:extLst>
           </p:cNvPr>
@@ -37441,13 +37897,18 @@
           <p:nvPr/>
         </p:nvSpPr>
         <p:spPr>
-          <a:xfrm rot="10800000">
-            <a:off x="3531047" y="3933241"/>
-            <a:ext cx="4472642" cy="1202435"/>
-          </a:xfrm>
-          <a:prstGeom prst="uturnArrow">
-            <a:avLst/>
-          </a:prstGeom>
+          <a:xfrm>
+            <a:off x="1623864" y="3063503"/>
+            <a:ext cx="4203133" cy="1908684"/>
+          </a:xfrm>
+          <a:prstGeom prst="ellipse">
+            <a:avLst/>
+          </a:prstGeom>
+          <a:solidFill>
+            <a:schemeClr val="accent1">
+              <a:lumMod val="50000"/>
+            </a:schemeClr>
+          </a:solidFill>
         </p:spPr>
         <p:style>
           <a:lnRef idx="1">
@@ -37468,120 +37929,276 @@
           <a:lstStyle/>
           <a:p>
             <a:pPr algn="ctr"/>
-            <a:endParaRPr lang="en-US">
-              <a:solidFill>
-                <a:schemeClr val="tx1"/>
-              </a:solidFill>
+            <a:endParaRPr lang="en-US" sz="2400">
+              <a:latin typeface="Arial" panose="020B0604020202020204" pitchFamily="34" charset="0"/>
+              <a:cs typeface="Arial" panose="020B0604020202020204" pitchFamily="34" charset="0"/>
             </a:endParaRPr>
           </a:p>
         </p:txBody>
       </p:sp>
       <p:sp>
         <p:nvSpPr>
-          <p:cNvPr id="14" name="Rectangle 13">
-            <a:extLst>
-              <a:ext uri="{FF2B5EF4-FFF2-40B4-BE49-F238E27FC236}">
-                <a16:creationId xmlns:a16="http://schemas.microsoft.com/office/drawing/2014/main" id="{330FFA72-BBBD-4DBC-800E-90E49E5C0B79}"/>
-              </a:ext>
-            </a:extLst>
-          </p:cNvPr>
-          <p:cNvSpPr/>
-          <p:nvPr/>
-        </p:nvSpPr>
-        <p:spPr>
-          <a:xfrm>
-            <a:off x="4878367" y="1693366"/>
-            <a:ext cx="1778000" cy="598013"/>
+          <p:cNvPr id="14" name="TextBox 13">
+            <a:extLst>
+              <a:ext uri="{FF2B5EF4-FFF2-40B4-BE49-F238E27FC236}">
+                <a16:creationId xmlns:a16="http://schemas.microsoft.com/office/drawing/2014/main" id="{7C24BB70-85D1-2C8E-EC63-108C86CE44CF}"/>
+              </a:ext>
+            </a:extLst>
+          </p:cNvPr>
+          <p:cNvSpPr txBox="1"/>
+          <p:nvPr/>
+        </p:nvSpPr>
+        <p:spPr>
+          <a:xfrm>
+            <a:off x="2125964" y="3375597"/>
+            <a:ext cx="3198933" cy="461665"/>
           </a:xfrm>
           <a:prstGeom prst="rect">
             <a:avLst/>
           </a:prstGeom>
-          <a:solidFill>
-            <a:schemeClr val="bg1"/>
-          </a:solidFill>
-        </p:spPr>
-        <p:style>
-          <a:lnRef idx="1">
-            <a:schemeClr val="accent1"/>
-          </a:lnRef>
-          <a:fillRef idx="3">
-            <a:schemeClr val="accent1"/>
-          </a:fillRef>
-          <a:effectRef idx="2">
-            <a:schemeClr val="accent1"/>
-          </a:effectRef>
-          <a:fontRef idx="minor">
-            <a:schemeClr val="lt1"/>
-          </a:fontRef>
-        </p:style>
-        <p:txBody>
-          <a:bodyPr rtlCol="0" anchor="ctr"/>
+          <a:noFill/>
+        </p:spPr>
+        <p:txBody>
+          <a:bodyPr wrap="square">
+            <a:spAutoFit/>
+          </a:bodyPr>
           <a:lstStyle/>
           <a:p>
             <a:pPr algn="ctr"/>
             <a:r>
-              <a:rPr lang="en-US" sz="1600" b="1" dirty="0">
+              <a:rPr lang="en-US" sz="2400" dirty="0">
                 <a:solidFill>
-                  <a:schemeClr val="tx1"/>
-                </a:solidFill>
-              </a:rPr>
-              <a:t>$report</a:t>
-            </a:r>
-          </a:p>
-        </p:txBody>
-      </p:sp>
-      <p:sp>
-        <p:nvSpPr>
-          <p:cNvPr id="16" name="Rectangle 15">
-            <a:extLst>
-              <a:ext uri="{FF2B5EF4-FFF2-40B4-BE49-F238E27FC236}">
-                <a16:creationId xmlns:a16="http://schemas.microsoft.com/office/drawing/2014/main" id="{6908AAC3-35FE-4372-8B8E-78FD5F752EEB}"/>
-              </a:ext>
-            </a:extLst>
-          </p:cNvPr>
-          <p:cNvSpPr/>
-          <p:nvPr/>
-        </p:nvSpPr>
-        <p:spPr>
-          <a:xfrm>
-            <a:off x="4880094" y="4665336"/>
-            <a:ext cx="2021142" cy="658153"/>
-          </a:xfrm>
-          <a:prstGeom prst="rect">
-            <a:avLst/>
-          </a:prstGeom>
-          <a:solidFill>
-            <a:schemeClr val="bg1"/>
-          </a:solidFill>
-        </p:spPr>
-        <p:style>
-          <a:lnRef idx="1">
-            <a:schemeClr val="accent1"/>
-          </a:lnRef>
-          <a:fillRef idx="3">
-            <a:schemeClr val="accent1"/>
-          </a:fillRef>
-          <a:effectRef idx="2">
-            <a:schemeClr val="accent1"/>
-          </a:effectRef>
-          <a:fontRef idx="minor">
-            <a:schemeClr val="lt1"/>
-          </a:fontRef>
-        </p:style>
-        <p:txBody>
-          <a:bodyPr rtlCol="0" anchor="ctr"/>
-          <a:lstStyle/>
-          <a:p>
-            <a:pPr algn="ctr"/>
-            <a:r>
-              <a:rPr lang="en-US" sz="1400" b="1" dirty="0">
-                <a:solidFill>
-                  <a:schemeClr val="tx1"/>
+                  <a:schemeClr val="bg1"/>
                 </a:solidFill>
                 <a:latin typeface="Arial" panose="020B0604020202020204" pitchFamily="34" charset="0"/>
                 <a:cs typeface="Arial" panose="020B0604020202020204" pitchFamily="34" charset="0"/>
               </a:rPr>
-              <a:t>Risk Adjustment Coding Gap Reports</a:t>
+              <a:t>HCC 189 Numerator</a:t>
+            </a:r>
+          </a:p>
+        </p:txBody>
+      </p:sp>
+      <p:sp>
+        <p:nvSpPr>
+          <p:cNvPr id="15" name="TextBox 14">
+            <a:extLst>
+              <a:ext uri="{FF2B5EF4-FFF2-40B4-BE49-F238E27FC236}">
+                <a16:creationId xmlns:a16="http://schemas.microsoft.com/office/drawing/2014/main" id="{2731A21E-4701-95E6-ED63-09F3D012BEE7}"/>
+              </a:ext>
+            </a:extLst>
+          </p:cNvPr>
+          <p:cNvSpPr txBox="1"/>
+          <p:nvPr/>
+        </p:nvSpPr>
+        <p:spPr>
+          <a:xfrm>
+            <a:off x="6543387" y="4050027"/>
+            <a:ext cx="4024749" cy="318100"/>
+          </a:xfrm>
+          <a:prstGeom prst="rect">
+            <a:avLst/>
+          </a:prstGeom>
+          <a:noFill/>
+        </p:spPr>
+        <p:txBody>
+          <a:bodyPr wrap="square">
+            <a:spAutoFit/>
+          </a:bodyPr>
+          <a:lstStyle/>
+          <a:p>
+            <a:pPr algn="ctr"/>
+            <a:r>
+              <a:rPr lang="en-US" sz="1467" dirty="0">
+                <a:latin typeface="Arial" panose="020B0604020202020204" pitchFamily="34" charset="0"/>
+                <a:cs typeface="Arial" panose="020B0604020202020204" pitchFamily="34" charset="0"/>
+              </a:rPr>
+              <a:t>Congenital absences of fingers and toes</a:t>
+            </a:r>
+          </a:p>
+        </p:txBody>
+      </p:sp>
+      <p:sp>
+        <p:nvSpPr>
+          <p:cNvPr id="21" name="TextBox 20">
+            <a:extLst>
+              <a:ext uri="{FF2B5EF4-FFF2-40B4-BE49-F238E27FC236}">
+                <a16:creationId xmlns:a16="http://schemas.microsoft.com/office/drawing/2014/main" id="{3205C947-DBBB-B8DA-5D87-06B818C8670D}"/>
+              </a:ext>
+            </a:extLst>
+          </p:cNvPr>
+          <p:cNvSpPr txBox="1"/>
+          <p:nvPr/>
+        </p:nvSpPr>
+        <p:spPr>
+          <a:xfrm>
+            <a:off x="6461096" y="3593193"/>
+            <a:ext cx="4024749" cy="461665"/>
+          </a:xfrm>
+          <a:prstGeom prst="rect">
+            <a:avLst/>
+          </a:prstGeom>
+          <a:noFill/>
+        </p:spPr>
+        <p:txBody>
+          <a:bodyPr wrap="square">
+            <a:spAutoFit/>
+          </a:bodyPr>
+          <a:lstStyle/>
+          <a:p>
+            <a:pPr algn="ctr"/>
+            <a:r>
+              <a:rPr lang="en-US" sz="2400" dirty="0">
+                <a:latin typeface="Arial" panose="020B0604020202020204" pitchFamily="34" charset="0"/>
+                <a:cs typeface="Arial" panose="020B0604020202020204" pitchFamily="34" charset="0"/>
+              </a:rPr>
+              <a:t>Denominator Exclusions</a:t>
+            </a:r>
+          </a:p>
+        </p:txBody>
+      </p:sp>
+      <p:sp>
+        <p:nvSpPr>
+          <p:cNvPr id="24" name="TextBox 23">
+            <a:extLst>
+              <a:ext uri="{FF2B5EF4-FFF2-40B4-BE49-F238E27FC236}">
+                <a16:creationId xmlns:a16="http://schemas.microsoft.com/office/drawing/2014/main" id="{F952F606-A542-B5C3-1A33-2B8B4ACD87C9}"/>
+              </a:ext>
+            </a:extLst>
+          </p:cNvPr>
+          <p:cNvSpPr txBox="1"/>
+          <p:nvPr/>
+        </p:nvSpPr>
+        <p:spPr>
+          <a:xfrm>
+            <a:off x="1639955" y="3824630"/>
+            <a:ext cx="4024749" cy="543867"/>
+          </a:xfrm>
+          <a:prstGeom prst="rect">
+            <a:avLst/>
+          </a:prstGeom>
+          <a:noFill/>
+        </p:spPr>
+        <p:txBody>
+          <a:bodyPr wrap="square">
+            <a:spAutoFit/>
+          </a:bodyPr>
+          <a:lstStyle/>
+          <a:p>
+            <a:pPr algn="ctr"/>
+            <a:r>
+              <a:rPr lang="en-US" sz="1467" dirty="0">
+                <a:solidFill>
+                  <a:schemeClr val="bg1"/>
+                </a:solidFill>
+                <a:latin typeface="Arial" panose="020B0604020202020204" pitchFamily="34" charset="0"/>
+                <a:cs typeface="Arial" panose="020B0604020202020204" pitchFamily="34" charset="0"/>
+              </a:rPr>
+              <a:t>Acquired absences of fingers and toes:</a:t>
+            </a:r>
+          </a:p>
+          <a:p>
+            <a:pPr algn="ctr"/>
+            <a:r>
+              <a:rPr lang="en-US" sz="1467" dirty="0">
+                <a:solidFill>
+                  <a:schemeClr val="bg1"/>
+                </a:solidFill>
+                <a:latin typeface="Arial" panose="020B0604020202020204" pitchFamily="34" charset="0"/>
+                <a:cs typeface="Arial" panose="020B0604020202020204" pitchFamily="34" charset="0"/>
+              </a:rPr>
+              <a:t>Closed historic, suspected, and net-new gaps</a:t>
+            </a:r>
+          </a:p>
+        </p:txBody>
+      </p:sp>
+      <p:sp>
+        <p:nvSpPr>
+          <p:cNvPr id="17" name="TextBox 16">
+            <a:extLst>
+              <a:ext uri="{FF2B5EF4-FFF2-40B4-BE49-F238E27FC236}">
+                <a16:creationId xmlns:a16="http://schemas.microsoft.com/office/drawing/2014/main" id="{61C49829-36C0-91AD-5D7C-B60CED391628}"/>
+              </a:ext>
+            </a:extLst>
+          </p:cNvPr>
+          <p:cNvSpPr txBox="1"/>
+          <p:nvPr/>
+        </p:nvSpPr>
+        <p:spPr>
+          <a:xfrm>
+            <a:off x="100119" y="69790"/>
+            <a:ext cx="6510231" cy="338554"/>
+          </a:xfrm>
+          <a:prstGeom prst="rect">
+            <a:avLst/>
+          </a:prstGeom>
+          <a:noFill/>
+        </p:spPr>
+        <p:txBody>
+          <a:bodyPr wrap="square">
+            <a:spAutoFit/>
+          </a:bodyPr>
+          <a:lstStyle/>
+          <a:p>
+            <a:pPr marL="0" lvl="1"/>
+            <a:r>
+              <a:rPr lang="en-US" altLang="en-US" sz="1600" dirty="0">
+                <a:latin typeface="Arial" panose="020B0604020202020204" pitchFamily="34" charset="0"/>
+                <a:cs typeface="Arial" panose="020B0604020202020204" pitchFamily="34" charset="0"/>
+              </a:rPr>
+              <a:t>HCC189: </a:t>
+            </a:r>
+            <a:r>
+              <a:rPr lang="en-US" sz="1600" dirty="0">
+                <a:solidFill>
+                  <a:srgbClr val="000000"/>
+                </a:solidFill>
+                <a:latin typeface="Arial" panose="020B0604020202020204" pitchFamily="34" charset="0"/>
+                <a:cs typeface="Arial" panose="020B0604020202020204" pitchFamily="34" charset="0"/>
+              </a:rPr>
+              <a:t>Amputation Status, Lower Limb/Amputation Complications</a:t>
+            </a:r>
+            <a:endParaRPr lang="en-US" altLang="en-US" sz="1600" dirty="0">
+              <a:latin typeface="Arial" panose="020B0604020202020204" pitchFamily="34" charset="0"/>
+              <a:cs typeface="Arial" panose="020B0604020202020204" pitchFamily="34" charset="0"/>
+            </a:endParaRPr>
+          </a:p>
+        </p:txBody>
+      </p:sp>
+      <p:sp>
+        <p:nvSpPr>
+          <p:cNvPr id="18" name="TextBox 17">
+            <a:extLst>
+              <a:ext uri="{FF2B5EF4-FFF2-40B4-BE49-F238E27FC236}">
+                <a16:creationId xmlns:a16="http://schemas.microsoft.com/office/drawing/2014/main" id="{2B501836-F5D4-F00E-AA2E-D021D46ED0CB}"/>
+              </a:ext>
+            </a:extLst>
+          </p:cNvPr>
+          <p:cNvSpPr txBox="1"/>
+          <p:nvPr/>
+        </p:nvSpPr>
+        <p:spPr>
+          <a:xfrm>
+            <a:off x="3312028" y="1151193"/>
+            <a:ext cx="5567944" cy="318100"/>
+          </a:xfrm>
+          <a:prstGeom prst="rect">
+            <a:avLst/>
+          </a:prstGeom>
+          <a:noFill/>
+        </p:spPr>
+        <p:txBody>
+          <a:bodyPr wrap="square">
+            <a:spAutoFit/>
+          </a:bodyPr>
+          <a:lstStyle/>
+          <a:p>
+            <a:pPr algn="ctr"/>
+            <a:r>
+              <a:rPr lang="en-US" sz="1467" dirty="0">
+                <a:latin typeface="Arial" panose="020B0604020202020204" pitchFamily="34" charset="0"/>
+                <a:cs typeface="Arial" panose="020B0604020202020204" pitchFamily="34" charset="0"/>
+              </a:rPr>
+              <a:t>Enrolled Medicare Advantage members</a:t>
             </a:r>
           </a:p>
         </p:txBody>
@@ -37589,7 +38206,7 @@
     </p:spTree>
     <p:extLst>
       <p:ext uri="{BB962C8B-B14F-4D97-AF65-F5344CB8AC3E}">
-        <p14:creationId xmlns:p14="http://schemas.microsoft.com/office/powerpoint/2010/main" val="841643404"/>
+        <p14:creationId xmlns:p14="http://schemas.microsoft.com/office/powerpoint/2010/main" val="1127410911"/>
       </p:ext>
     </p:extLst>
   </p:cSld>
@@ -37621,7 +38238,7 @@
           <p:cNvPr id="2" name="Title 1">
             <a:extLst>
               <a:ext uri="{FF2B5EF4-FFF2-40B4-BE49-F238E27FC236}">
-                <a16:creationId xmlns:a16="http://schemas.microsoft.com/office/drawing/2014/main" id="{DE4FC254-7E84-4C1E-B2B1-8F45C616E91E}"/>
+                <a16:creationId xmlns:a16="http://schemas.microsoft.com/office/drawing/2014/main" id="{EEE064F5-F9F1-43C0-A746-25B3F07B0F1F}"/>
               </a:ext>
             </a:extLst>
           </p:cNvPr>
@@ -37639,48 +38256,17 @@
           <a:p>
             <a:r>
               <a:rPr lang="en-US" dirty="0"/>
-              <a:t>For Guidance Page</a:t>
-            </a:r>
-          </a:p>
-        </p:txBody>
-      </p:sp>
-      <p:sp>
-        <p:nvSpPr>
-          <p:cNvPr id="3" name="Text Placeholder 2">
-            <a:extLst>
-              <a:ext uri="{FF2B5EF4-FFF2-40B4-BE49-F238E27FC236}">
-                <a16:creationId xmlns:a16="http://schemas.microsoft.com/office/drawing/2014/main" id="{4025DF32-5ADE-4348-8F51-B2255B4D83D2}"/>
-              </a:ext>
-            </a:extLst>
-          </p:cNvPr>
-          <p:cNvSpPr>
-            <a:spLocks noGrp="1"/>
-          </p:cNvSpPr>
-          <p:nvPr>
-            <p:ph type="body" sz="quarter" idx="13"/>
-          </p:nvPr>
-        </p:nvSpPr>
-        <p:spPr/>
-        <p:txBody>
-          <a:bodyPr/>
-          <a:lstStyle/>
-          <a:p>
-            <a:pPr marL="0" indent="0">
-              <a:buNone/>
-            </a:pPr>
-            <a:r>
-              <a:rPr lang="en-US" dirty="0"/>
-              <a:t> </a:t>
-            </a:r>
-          </a:p>
-        </p:txBody>
-      </p:sp>
-      <p:sp>
-        <p:nvSpPr>
-          <p:cNvPr id="4" name="Footer Placeholder 3">
-            <a:extLst>
-              <a:ext uri="{FF2B5EF4-FFF2-40B4-BE49-F238E27FC236}">
-                <a16:creationId xmlns:a16="http://schemas.microsoft.com/office/drawing/2014/main" id="{6F1D9FDC-5EC9-421B-B816-669D4CBA8D03}"/>
+              <a:t>Old versions of figures – not used</a:t>
+            </a:r>
+          </a:p>
+        </p:txBody>
+      </p:sp>
+      <p:sp>
+        <p:nvSpPr>
+          <p:cNvPr id="3" name="Footer Placeholder 2">
+            <a:extLst>
+              <a:ext uri="{FF2B5EF4-FFF2-40B4-BE49-F238E27FC236}">
+                <a16:creationId xmlns:a16="http://schemas.microsoft.com/office/drawing/2014/main" id="{03AE268B-CF95-4E65-B1EF-7AF43BDA13AB}"/>
               </a:ext>
             </a:extLst>
           </p:cNvPr>
@@ -37712,10 +38298,10 @@
       </p:sp>
       <p:sp>
         <p:nvSpPr>
-          <p:cNvPr id="5" name="Slide Number Placeholder 4">
-            <a:extLst>
-              <a:ext uri="{FF2B5EF4-FFF2-40B4-BE49-F238E27FC236}">
-                <a16:creationId xmlns:a16="http://schemas.microsoft.com/office/drawing/2014/main" id="{ABC91477-8158-43AE-8C67-AA1E9785A906}"/>
+          <p:cNvPr id="4" name="Slide Number Placeholder 3">
+            <a:extLst>
+              <a:ext uri="{FF2B5EF4-FFF2-40B4-BE49-F238E27FC236}">
+                <a16:creationId xmlns:a16="http://schemas.microsoft.com/office/drawing/2014/main" id="{18373F79-2D3A-494D-B6F2-9975501DB261}"/>
               </a:ext>
             </a:extLst>
           </p:cNvPr>
@@ -37740,432 +38326,10 @@
           </a:p>
         </p:txBody>
       </p:sp>
-      <p:pic>
-        <p:nvPicPr>
-          <p:cNvPr id="6" name="Graphic 5">
-            <a:extLst>
-              <a:ext uri="{FF2B5EF4-FFF2-40B4-BE49-F238E27FC236}">
-                <a16:creationId xmlns:a16="http://schemas.microsoft.com/office/drawing/2014/main" id="{842186CE-C3CB-491F-B90D-334B74F93238}"/>
-              </a:ext>
-            </a:extLst>
-          </p:cNvPr>
-          <p:cNvPicPr>
-            <a:picLocks noChangeAspect="1"/>
-          </p:cNvPicPr>
-          <p:nvPr/>
-        </p:nvPicPr>
-        <p:blipFill>
-          <a:blip r:embed="rId3">
-            <a:extLst>
-              <a:ext uri="{96DAC541-7B7A-43D3-8B79-37D633B846F1}">
-                <asvg:svgBlip xmlns:asvg="http://schemas.microsoft.com/office/drawing/2016/SVG/main" r:embed="rId4"/>
-              </a:ext>
-            </a:extLst>
-          </a:blip>
-          <a:stretch>
-            <a:fillRect/>
-          </a:stretch>
-        </p:blipFill>
-        <p:spPr>
-          <a:xfrm>
-            <a:off x="7512232" y="2961683"/>
-            <a:ext cx="659817" cy="996459"/>
-          </a:xfrm>
-          <a:prstGeom prst="rect">
-            <a:avLst/>
-          </a:prstGeom>
-        </p:spPr>
-      </p:pic>
-      <p:pic>
-        <p:nvPicPr>
-          <p:cNvPr id="7" name="Graphic 6">
-            <a:extLst>
-              <a:ext uri="{FF2B5EF4-FFF2-40B4-BE49-F238E27FC236}">
-                <a16:creationId xmlns:a16="http://schemas.microsoft.com/office/drawing/2014/main" id="{3E4BF30F-2D52-4FA7-8B6E-989427E65C55}"/>
-              </a:ext>
-            </a:extLst>
-          </p:cNvPr>
-          <p:cNvPicPr>
-            <a:picLocks noChangeAspect="1"/>
-          </p:cNvPicPr>
-          <p:nvPr/>
-        </p:nvPicPr>
-        <p:blipFill>
-          <a:blip r:embed="rId5">
-            <a:extLst>
-              <a:ext uri="{96DAC541-7B7A-43D3-8B79-37D633B846F1}">
-                <asvg:svgBlip xmlns:asvg="http://schemas.microsoft.com/office/drawing/2016/SVG/main" r:embed="rId6"/>
-              </a:ext>
-            </a:extLst>
-          </a:blip>
-          <a:stretch>
-            <a:fillRect/>
-          </a:stretch>
-        </p:blipFill>
-        <p:spPr>
-          <a:xfrm>
-            <a:off x="3683355" y="3080690"/>
-            <a:ext cx="814124" cy="899821"/>
-          </a:xfrm>
-          <a:prstGeom prst="rect">
-            <a:avLst/>
-          </a:prstGeom>
-        </p:spPr>
-      </p:pic>
-      <p:sp>
-        <p:nvSpPr>
-          <p:cNvPr id="9" name="TextBox 8">
-            <a:extLst>
-              <a:ext uri="{FF2B5EF4-FFF2-40B4-BE49-F238E27FC236}">
-                <a16:creationId xmlns:a16="http://schemas.microsoft.com/office/drawing/2014/main" id="{F400E8FA-0292-4288-B1BB-DA58B38789C1}"/>
-              </a:ext>
-            </a:extLst>
-          </p:cNvPr>
-          <p:cNvSpPr txBox="1"/>
-          <p:nvPr/>
-        </p:nvSpPr>
-        <p:spPr>
-          <a:xfrm>
-            <a:off x="8282875" y="3157505"/>
-            <a:ext cx="1259821" cy="707694"/>
-          </a:xfrm>
-          <a:prstGeom prst="rect">
-            <a:avLst/>
-          </a:prstGeom>
-          <a:noFill/>
-        </p:spPr>
-        <p:txBody>
-          <a:bodyPr wrap="square" rtlCol="0">
-            <a:spAutoFit/>
-          </a:bodyPr>
-          <a:lstStyle/>
-          <a:p>
-            <a:pPr algn="ctr" defTabSz="609585" fontAlgn="base">
-              <a:spcBef>
-                <a:spcPct val="0"/>
-              </a:spcBef>
-              <a:spcAft>
-                <a:spcPct val="0"/>
-              </a:spcAft>
-              <a:defRPr/>
-            </a:pPr>
-            <a:r>
-              <a:rPr lang="en-US" sz="1333" b="1" dirty="0">
-                <a:solidFill>
-                  <a:srgbClr val="C00000"/>
-                </a:solidFill>
-                <a:latin typeface="Arial"/>
-                <a:ea typeface="ヒラギノ角ゴ Pro W3" pitchFamily="-126" charset="-128"/>
-              </a:rPr>
-              <a:t>Client</a:t>
-            </a:r>
-          </a:p>
-          <a:p>
-            <a:pPr algn="ctr" defTabSz="609585" fontAlgn="base">
-              <a:spcBef>
-                <a:spcPct val="0"/>
-              </a:spcBef>
-              <a:spcAft>
-                <a:spcPct val="0"/>
-              </a:spcAft>
-              <a:defRPr/>
-            </a:pPr>
-            <a:r>
-              <a:rPr lang="en-US" sz="1333" b="1" dirty="0">
-                <a:solidFill>
-                  <a:srgbClr val="C00000"/>
-                </a:solidFill>
-                <a:latin typeface="Arial"/>
-                <a:ea typeface="ヒラギノ角ゴ Pro W3" pitchFamily="-126" charset="-128"/>
-              </a:rPr>
-              <a:t>(example Provider)</a:t>
-            </a:r>
-          </a:p>
-        </p:txBody>
-      </p:sp>
-      <p:sp>
-        <p:nvSpPr>
-          <p:cNvPr id="10" name="TextBox 9">
-            <a:extLst>
-              <a:ext uri="{FF2B5EF4-FFF2-40B4-BE49-F238E27FC236}">
-                <a16:creationId xmlns:a16="http://schemas.microsoft.com/office/drawing/2014/main" id="{984AE2E2-20A9-4B44-A58D-4BBB1DF61213}"/>
-              </a:ext>
-            </a:extLst>
-          </p:cNvPr>
-          <p:cNvSpPr txBox="1"/>
-          <p:nvPr/>
-        </p:nvSpPr>
-        <p:spPr>
-          <a:xfrm>
-            <a:off x="1831532" y="3442508"/>
-            <a:ext cx="2115679" cy="502573"/>
-          </a:xfrm>
-          <a:prstGeom prst="rect">
-            <a:avLst/>
-          </a:prstGeom>
-          <a:noFill/>
-        </p:spPr>
-        <p:txBody>
-          <a:bodyPr wrap="square" rtlCol="0">
-            <a:spAutoFit/>
-          </a:bodyPr>
-          <a:lstStyle/>
-          <a:p>
-            <a:pPr algn="ctr" defTabSz="609585" fontAlgn="base">
-              <a:spcBef>
-                <a:spcPct val="0"/>
-              </a:spcBef>
-              <a:spcAft>
-                <a:spcPct val="0"/>
-              </a:spcAft>
-              <a:defRPr/>
-            </a:pPr>
-            <a:r>
-              <a:rPr lang="en-US" sz="1333" b="1" dirty="0">
-                <a:solidFill>
-                  <a:srgbClr val="F79646">
-                    <a:lumMod val="50000"/>
-                  </a:srgbClr>
-                </a:solidFill>
-                <a:latin typeface="Arial"/>
-                <a:ea typeface="ヒラギノ角ゴ Pro W3" pitchFamily="-126" charset="-128"/>
-              </a:rPr>
-              <a:t>Server</a:t>
-            </a:r>
-          </a:p>
-          <a:p>
-            <a:pPr algn="ctr" defTabSz="609585" fontAlgn="base">
-              <a:spcBef>
-                <a:spcPct val="0"/>
-              </a:spcBef>
-              <a:spcAft>
-                <a:spcPct val="0"/>
-              </a:spcAft>
-              <a:defRPr/>
-            </a:pPr>
-            <a:r>
-              <a:rPr lang="en-US" sz="1333" b="1" dirty="0">
-                <a:solidFill>
-                  <a:srgbClr val="F79646">
-                    <a:lumMod val="50000"/>
-                  </a:srgbClr>
-                </a:solidFill>
-                <a:latin typeface="Arial"/>
-                <a:ea typeface="ヒラギノ角ゴ Pro W3" pitchFamily="-126" charset="-128"/>
-              </a:rPr>
-              <a:t>(example Payer)</a:t>
-            </a:r>
-          </a:p>
-        </p:txBody>
-      </p:sp>
-      <p:sp>
-        <p:nvSpPr>
-          <p:cNvPr id="8" name="Arrow: U-Turn 7">
-            <a:extLst>
-              <a:ext uri="{FF2B5EF4-FFF2-40B4-BE49-F238E27FC236}">
-                <a16:creationId xmlns:a16="http://schemas.microsoft.com/office/drawing/2014/main" id="{BBA494F5-C840-4276-B567-19F510FB3BE8}"/>
-              </a:ext>
-            </a:extLst>
-          </p:cNvPr>
-          <p:cNvSpPr/>
-          <p:nvPr/>
-        </p:nvSpPr>
-        <p:spPr>
-          <a:xfrm flipH="1">
-            <a:off x="3931920" y="2326640"/>
-            <a:ext cx="3911600" cy="426720"/>
-          </a:xfrm>
-          <a:prstGeom prst="uturnArrow">
-            <a:avLst/>
-          </a:prstGeom>
-        </p:spPr>
-        <p:style>
-          <a:lnRef idx="1">
-            <a:schemeClr val="accent1"/>
-          </a:lnRef>
-          <a:fillRef idx="3">
-            <a:schemeClr val="accent1"/>
-          </a:fillRef>
-          <a:effectRef idx="2">
-            <a:schemeClr val="accent1"/>
-          </a:effectRef>
-          <a:fontRef idx="minor">
-            <a:schemeClr val="lt1"/>
-          </a:fontRef>
-        </p:style>
-        <p:txBody>
-          <a:bodyPr rtlCol="0" anchor="ctr"/>
-          <a:lstStyle/>
-          <a:p>
-            <a:pPr algn="ctr"/>
-            <a:endParaRPr lang="en-US">
-              <a:solidFill>
-                <a:schemeClr val="tx1"/>
-              </a:solidFill>
-            </a:endParaRPr>
-          </a:p>
-        </p:txBody>
-      </p:sp>
-      <p:sp>
-        <p:nvSpPr>
-          <p:cNvPr id="13" name="Arrow: U-Turn 12">
-            <a:extLst>
-              <a:ext uri="{FF2B5EF4-FFF2-40B4-BE49-F238E27FC236}">
-                <a16:creationId xmlns:a16="http://schemas.microsoft.com/office/drawing/2014/main" id="{174416F3-D18D-44B8-B799-1F518BBC5027}"/>
-              </a:ext>
-            </a:extLst>
-          </p:cNvPr>
-          <p:cNvSpPr/>
-          <p:nvPr/>
-        </p:nvSpPr>
-        <p:spPr>
-          <a:xfrm flipV="1">
-            <a:off x="4013200" y="4104640"/>
-            <a:ext cx="3870960" cy="497840"/>
-          </a:xfrm>
-          <a:prstGeom prst="uturnArrow">
-            <a:avLst/>
-          </a:prstGeom>
-        </p:spPr>
-        <p:style>
-          <a:lnRef idx="1">
-            <a:schemeClr val="accent1"/>
-          </a:lnRef>
-          <a:fillRef idx="3">
-            <a:schemeClr val="accent1"/>
-          </a:fillRef>
-          <a:effectRef idx="2">
-            <a:schemeClr val="accent1"/>
-          </a:effectRef>
-          <a:fontRef idx="minor">
-            <a:schemeClr val="lt1"/>
-          </a:fontRef>
-        </p:style>
-        <p:txBody>
-          <a:bodyPr rtlCol="0" anchor="ctr"/>
-          <a:lstStyle/>
-          <a:p>
-            <a:pPr algn="ctr"/>
-            <a:endParaRPr lang="en-US">
-              <a:solidFill>
-                <a:schemeClr val="tx1"/>
-              </a:solidFill>
-            </a:endParaRPr>
-          </a:p>
-        </p:txBody>
-      </p:sp>
-      <p:sp>
-        <p:nvSpPr>
-          <p:cNvPr id="14" name="Rectangle 13">
-            <a:extLst>
-              <a:ext uri="{FF2B5EF4-FFF2-40B4-BE49-F238E27FC236}">
-                <a16:creationId xmlns:a16="http://schemas.microsoft.com/office/drawing/2014/main" id="{330FFA72-BBBD-4DBC-800E-90E49E5C0B79}"/>
-              </a:ext>
-            </a:extLst>
-          </p:cNvPr>
-          <p:cNvSpPr/>
-          <p:nvPr/>
-        </p:nvSpPr>
-        <p:spPr>
-          <a:xfrm>
-            <a:off x="4998720" y="2225040"/>
-            <a:ext cx="1778000" cy="335280"/>
-          </a:xfrm>
-          <a:prstGeom prst="rect">
-            <a:avLst/>
-          </a:prstGeom>
-          <a:solidFill>
-            <a:schemeClr val="bg1"/>
-          </a:solidFill>
-        </p:spPr>
-        <p:style>
-          <a:lnRef idx="1">
-            <a:schemeClr val="accent1"/>
-          </a:lnRef>
-          <a:fillRef idx="3">
-            <a:schemeClr val="accent1"/>
-          </a:fillRef>
-          <a:effectRef idx="2">
-            <a:schemeClr val="accent1"/>
-          </a:effectRef>
-          <a:fontRef idx="minor">
-            <a:schemeClr val="lt1"/>
-          </a:fontRef>
-        </p:style>
-        <p:txBody>
-          <a:bodyPr rtlCol="0" anchor="ctr"/>
-          <a:lstStyle/>
-          <a:p>
-            <a:pPr algn="ctr"/>
-            <a:r>
-              <a:rPr lang="en-US" dirty="0">
-                <a:solidFill>
-                  <a:schemeClr val="tx1"/>
-                </a:solidFill>
-              </a:rPr>
-              <a:t>$report</a:t>
-            </a:r>
-          </a:p>
-        </p:txBody>
-      </p:sp>
-      <p:sp>
-        <p:nvSpPr>
-          <p:cNvPr id="16" name="Rectangle 15">
-            <a:extLst>
-              <a:ext uri="{FF2B5EF4-FFF2-40B4-BE49-F238E27FC236}">
-                <a16:creationId xmlns:a16="http://schemas.microsoft.com/office/drawing/2014/main" id="{6908AAC3-35FE-4372-8B8E-78FD5F752EEB}"/>
-              </a:ext>
-            </a:extLst>
-          </p:cNvPr>
-          <p:cNvSpPr/>
-          <p:nvPr/>
-        </p:nvSpPr>
-        <p:spPr>
-          <a:xfrm>
-            <a:off x="5029200" y="4297680"/>
-            <a:ext cx="1778000" cy="396240"/>
-          </a:xfrm>
-          <a:prstGeom prst="rect">
-            <a:avLst/>
-          </a:prstGeom>
-          <a:solidFill>
-            <a:schemeClr val="bg1"/>
-          </a:solidFill>
-        </p:spPr>
-        <p:style>
-          <a:lnRef idx="1">
-            <a:schemeClr val="accent1"/>
-          </a:lnRef>
-          <a:fillRef idx="3">
-            <a:schemeClr val="accent1"/>
-          </a:fillRef>
-          <a:effectRef idx="2">
-            <a:schemeClr val="accent1"/>
-          </a:effectRef>
-          <a:fontRef idx="minor">
-            <a:schemeClr val="lt1"/>
-          </a:fontRef>
-        </p:style>
-        <p:txBody>
-          <a:bodyPr rtlCol="0" anchor="ctr"/>
-          <a:lstStyle/>
-          <a:p>
-            <a:pPr algn="ctr"/>
-            <a:r>
-              <a:rPr lang="en-US" sz="1400" dirty="0">
-                <a:solidFill>
-                  <a:schemeClr val="tx1"/>
-                </a:solidFill>
-              </a:rPr>
-              <a:t>Risk Adjustment Care Gap Reports</a:t>
-            </a:r>
-          </a:p>
-        </p:txBody>
-      </p:sp>
     </p:spTree>
     <p:extLst>
       <p:ext uri="{BB962C8B-B14F-4D97-AF65-F5344CB8AC3E}">
-        <p14:creationId xmlns:p14="http://schemas.microsoft.com/office/powerpoint/2010/main" val="2117979091"/>
+        <p14:creationId xmlns:p14="http://schemas.microsoft.com/office/powerpoint/2010/main" val="2034284899"/>
       </p:ext>
     </p:extLst>
   </p:cSld>
@@ -38197,6 +38361,1160 @@
           <p:cNvPr id="2" name="Title 1">
             <a:extLst>
               <a:ext uri="{FF2B5EF4-FFF2-40B4-BE49-F238E27FC236}">
+                <a16:creationId xmlns:a16="http://schemas.microsoft.com/office/drawing/2014/main" id="{DE4FC254-7E84-4C1E-B2B1-8F45C616E91E}"/>
+              </a:ext>
+            </a:extLst>
+          </p:cNvPr>
+          <p:cNvSpPr>
+            <a:spLocks noGrp="1"/>
+          </p:cNvSpPr>
+          <p:nvPr>
+            <p:ph type="title"/>
+          </p:nvPr>
+        </p:nvSpPr>
+        <p:spPr/>
+        <p:txBody>
+          <a:bodyPr/>
+          <a:lstStyle/>
+          <a:p>
+            <a:r>
+              <a:rPr lang="en-US" dirty="0"/>
+              <a:t>Balloted: Figure 1-3 (Home page)</a:t>
+            </a:r>
+          </a:p>
+        </p:txBody>
+      </p:sp>
+      <p:sp>
+        <p:nvSpPr>
+          <p:cNvPr id="3" name="Text Placeholder 2">
+            <a:extLst>
+              <a:ext uri="{FF2B5EF4-FFF2-40B4-BE49-F238E27FC236}">
+                <a16:creationId xmlns:a16="http://schemas.microsoft.com/office/drawing/2014/main" id="{4025DF32-5ADE-4348-8F51-B2255B4D83D2}"/>
+              </a:ext>
+            </a:extLst>
+          </p:cNvPr>
+          <p:cNvSpPr>
+            <a:spLocks noGrp="1"/>
+          </p:cNvSpPr>
+          <p:nvPr>
+            <p:ph type="body" sz="quarter" idx="13"/>
+          </p:nvPr>
+        </p:nvSpPr>
+        <p:spPr/>
+        <p:txBody>
+          <a:bodyPr/>
+          <a:lstStyle/>
+          <a:p>
+            <a:pPr marL="0" indent="0">
+              <a:buNone/>
+            </a:pPr>
+            <a:r>
+              <a:rPr lang="en-US" dirty="0"/>
+              <a:t> </a:t>
+            </a:r>
+          </a:p>
+        </p:txBody>
+      </p:sp>
+      <p:sp>
+        <p:nvSpPr>
+          <p:cNvPr id="4" name="Footer Placeholder 3">
+            <a:extLst>
+              <a:ext uri="{FF2B5EF4-FFF2-40B4-BE49-F238E27FC236}">
+                <a16:creationId xmlns:a16="http://schemas.microsoft.com/office/drawing/2014/main" id="{6F1D9FDC-5EC9-421B-B816-669D4CBA8D03}"/>
+              </a:ext>
+            </a:extLst>
+          </p:cNvPr>
+          <p:cNvSpPr>
+            <a:spLocks noGrp="1"/>
+          </p:cNvSpPr>
+          <p:nvPr>
+            <p:ph type="ftr" sz="quarter" idx="10"/>
+          </p:nvPr>
+        </p:nvSpPr>
+        <p:spPr/>
+        <p:txBody>
+          <a:bodyPr/>
+          <a:lstStyle/>
+          <a:p>
+            <a:r>
+              <a:rPr lang="en-US" b="1"/>
+              <a:t>© 2019 Health Level Seven ® International. Licensed under Creative Commons Attribution 4.0 International</a:t>
+            </a:r>
+          </a:p>
+          <a:p>
+            <a:r>
+              <a:rPr lang="en-US" b="1"/>
+              <a:t>HL7, Health Level Seven, FHIR and the FHIR flame logo are registered trademarks of Health Level Seven International. Reg. U.S. TM Office.</a:t>
+            </a:r>
+            <a:endParaRPr lang="en-US" b="1" dirty="0"/>
+          </a:p>
+        </p:txBody>
+      </p:sp>
+      <p:sp>
+        <p:nvSpPr>
+          <p:cNvPr id="5" name="Slide Number Placeholder 4">
+            <a:extLst>
+              <a:ext uri="{FF2B5EF4-FFF2-40B4-BE49-F238E27FC236}">
+                <a16:creationId xmlns:a16="http://schemas.microsoft.com/office/drawing/2014/main" id="{ABC91477-8158-43AE-8C67-AA1E9785A906}"/>
+              </a:ext>
+            </a:extLst>
+          </p:cNvPr>
+          <p:cNvSpPr>
+            <a:spLocks noGrp="1"/>
+          </p:cNvSpPr>
+          <p:nvPr>
+            <p:ph type="sldNum" sz="quarter" idx="11"/>
+          </p:nvPr>
+        </p:nvSpPr>
+        <p:spPr/>
+        <p:txBody>
+          <a:bodyPr/>
+          <a:lstStyle/>
+          <a:p>
+            <a:fld id="{6CACE926-AEF5-4BFE-8BD7-24414108CB7B}" type="slidenum">
+              <a:rPr lang="en-US" altLang="en-US" smtClean="0"/>
+              <a:pPr/>
+              <a:t>34</a:t>
+            </a:fld>
+            <a:endParaRPr lang="en-US" altLang="en-US" dirty="0"/>
+          </a:p>
+        </p:txBody>
+      </p:sp>
+      <p:pic>
+        <p:nvPicPr>
+          <p:cNvPr id="6" name="Graphic 5">
+            <a:extLst>
+              <a:ext uri="{FF2B5EF4-FFF2-40B4-BE49-F238E27FC236}">
+                <a16:creationId xmlns:a16="http://schemas.microsoft.com/office/drawing/2014/main" id="{842186CE-C3CB-491F-B90D-334B74F93238}"/>
+              </a:ext>
+            </a:extLst>
+          </p:cNvPr>
+          <p:cNvPicPr>
+            <a:picLocks noChangeAspect="1"/>
+          </p:cNvPicPr>
+          <p:nvPr/>
+        </p:nvPicPr>
+        <p:blipFill>
+          <a:blip r:embed="rId3">
+            <a:extLst>
+              <a:ext uri="{96DAC541-7B7A-43D3-8B79-37D633B846F1}">
+                <asvg:svgBlip xmlns:asvg="http://schemas.microsoft.com/office/drawing/2016/SVG/main" r:embed="rId4"/>
+              </a:ext>
+            </a:extLst>
+          </a:blip>
+          <a:stretch>
+            <a:fillRect/>
+          </a:stretch>
+        </p:blipFill>
+        <p:spPr>
+          <a:xfrm>
+            <a:off x="3428016" y="3173224"/>
+            <a:ext cx="659817" cy="996459"/>
+          </a:xfrm>
+          <a:prstGeom prst="rect">
+            <a:avLst/>
+          </a:prstGeom>
+        </p:spPr>
+      </p:pic>
+      <p:pic>
+        <p:nvPicPr>
+          <p:cNvPr id="7" name="Graphic 6">
+            <a:extLst>
+              <a:ext uri="{FF2B5EF4-FFF2-40B4-BE49-F238E27FC236}">
+                <a16:creationId xmlns:a16="http://schemas.microsoft.com/office/drawing/2014/main" id="{3E4BF30F-2D52-4FA7-8B6E-989427E65C55}"/>
+              </a:ext>
+            </a:extLst>
+          </p:cNvPr>
+          <p:cNvPicPr>
+            <a:picLocks noChangeAspect="1"/>
+          </p:cNvPicPr>
+          <p:nvPr/>
+        </p:nvPicPr>
+        <p:blipFill>
+          <a:blip r:embed="rId5">
+            <a:extLst>
+              <a:ext uri="{96DAC541-7B7A-43D3-8B79-37D633B846F1}">
+                <asvg:svgBlip xmlns:asvg="http://schemas.microsoft.com/office/drawing/2016/SVG/main" r:embed="rId6"/>
+              </a:ext>
+            </a:extLst>
+          </a:blip>
+          <a:stretch>
+            <a:fillRect/>
+          </a:stretch>
+        </p:blipFill>
+        <p:spPr>
+          <a:xfrm>
+            <a:off x="7464510" y="2979089"/>
+            <a:ext cx="814124" cy="899821"/>
+          </a:xfrm>
+          <a:prstGeom prst="rect">
+            <a:avLst/>
+          </a:prstGeom>
+        </p:spPr>
+      </p:pic>
+      <p:sp>
+        <p:nvSpPr>
+          <p:cNvPr id="9" name="TextBox 8">
+            <a:extLst>
+              <a:ext uri="{FF2B5EF4-FFF2-40B4-BE49-F238E27FC236}">
+                <a16:creationId xmlns:a16="http://schemas.microsoft.com/office/drawing/2014/main" id="{F400E8FA-0292-4288-B1BB-DA58B38789C1}"/>
+              </a:ext>
+            </a:extLst>
+          </p:cNvPr>
+          <p:cNvSpPr txBox="1"/>
+          <p:nvPr/>
+        </p:nvSpPr>
+        <p:spPr>
+          <a:xfrm>
+            <a:off x="1368638" y="3121037"/>
+            <a:ext cx="2162408" cy="584775"/>
+          </a:xfrm>
+          <a:prstGeom prst="rect">
+            <a:avLst/>
+          </a:prstGeom>
+          <a:noFill/>
+        </p:spPr>
+        <p:txBody>
+          <a:bodyPr wrap="square" rtlCol="0">
+            <a:spAutoFit/>
+          </a:bodyPr>
+          <a:lstStyle/>
+          <a:p>
+            <a:pPr algn="ctr" defTabSz="609585" fontAlgn="base">
+              <a:spcBef>
+                <a:spcPct val="0"/>
+              </a:spcBef>
+              <a:spcAft>
+                <a:spcPct val="0"/>
+              </a:spcAft>
+              <a:defRPr/>
+            </a:pPr>
+            <a:r>
+              <a:rPr lang="en-US" sz="1600" b="1" dirty="0">
+                <a:solidFill>
+                  <a:srgbClr val="C00000"/>
+                </a:solidFill>
+                <a:latin typeface="Arial"/>
+                <a:ea typeface="ヒラギノ角ゴ Pro W3" pitchFamily="-126" charset="-128"/>
+              </a:rPr>
+              <a:t>Client</a:t>
+            </a:r>
+          </a:p>
+          <a:p>
+            <a:pPr algn="ctr" defTabSz="609585" fontAlgn="base">
+              <a:spcBef>
+                <a:spcPct val="0"/>
+              </a:spcBef>
+              <a:spcAft>
+                <a:spcPct val="0"/>
+              </a:spcAft>
+              <a:defRPr/>
+            </a:pPr>
+            <a:r>
+              <a:rPr lang="en-US" sz="1600" b="1" dirty="0">
+                <a:solidFill>
+                  <a:srgbClr val="C00000"/>
+                </a:solidFill>
+                <a:latin typeface="Arial"/>
+                <a:ea typeface="ヒラギノ角ゴ Pro W3" pitchFamily="-126" charset="-128"/>
+              </a:rPr>
+              <a:t>(example Provider)</a:t>
+            </a:r>
+          </a:p>
+        </p:txBody>
+      </p:sp>
+      <p:sp>
+        <p:nvSpPr>
+          <p:cNvPr id="10" name="TextBox 9">
+            <a:extLst>
+              <a:ext uri="{FF2B5EF4-FFF2-40B4-BE49-F238E27FC236}">
+                <a16:creationId xmlns:a16="http://schemas.microsoft.com/office/drawing/2014/main" id="{984AE2E2-20A9-4B44-A58D-4BBB1DF61213}"/>
+              </a:ext>
+            </a:extLst>
+          </p:cNvPr>
+          <p:cNvSpPr txBox="1"/>
+          <p:nvPr/>
+        </p:nvSpPr>
+        <p:spPr>
+          <a:xfrm>
+            <a:off x="8076248" y="3100638"/>
+            <a:ext cx="2115679" cy="584775"/>
+          </a:xfrm>
+          <a:prstGeom prst="rect">
+            <a:avLst/>
+          </a:prstGeom>
+          <a:noFill/>
+        </p:spPr>
+        <p:txBody>
+          <a:bodyPr wrap="square" rtlCol="0">
+            <a:spAutoFit/>
+          </a:bodyPr>
+          <a:lstStyle/>
+          <a:p>
+            <a:pPr algn="ctr" defTabSz="609585" fontAlgn="base">
+              <a:spcBef>
+                <a:spcPct val="0"/>
+              </a:spcBef>
+              <a:spcAft>
+                <a:spcPct val="0"/>
+              </a:spcAft>
+              <a:defRPr/>
+            </a:pPr>
+            <a:r>
+              <a:rPr lang="en-US" sz="1600" b="1" dirty="0">
+                <a:solidFill>
+                  <a:srgbClr val="F79646">
+                    <a:lumMod val="50000"/>
+                  </a:srgbClr>
+                </a:solidFill>
+                <a:latin typeface="Arial"/>
+                <a:ea typeface="ヒラギノ角ゴ Pro W3" pitchFamily="-126" charset="-128"/>
+              </a:rPr>
+              <a:t>Server</a:t>
+            </a:r>
+          </a:p>
+          <a:p>
+            <a:pPr algn="ctr" defTabSz="609585" fontAlgn="base">
+              <a:spcBef>
+                <a:spcPct val="0"/>
+              </a:spcBef>
+              <a:spcAft>
+                <a:spcPct val="0"/>
+              </a:spcAft>
+              <a:defRPr/>
+            </a:pPr>
+            <a:r>
+              <a:rPr lang="en-US" sz="1600" b="1" dirty="0">
+                <a:solidFill>
+                  <a:srgbClr val="F79646">
+                    <a:lumMod val="50000"/>
+                  </a:srgbClr>
+                </a:solidFill>
+                <a:latin typeface="Arial"/>
+                <a:ea typeface="ヒラギノ角ゴ Pro W3" pitchFamily="-126" charset="-128"/>
+              </a:rPr>
+              <a:t>(example Payer)</a:t>
+            </a:r>
+          </a:p>
+        </p:txBody>
+      </p:sp>
+      <p:sp>
+        <p:nvSpPr>
+          <p:cNvPr id="8" name="Arrow: U-Turn 7">
+            <a:extLst>
+              <a:ext uri="{FF2B5EF4-FFF2-40B4-BE49-F238E27FC236}">
+                <a16:creationId xmlns:a16="http://schemas.microsoft.com/office/drawing/2014/main" id="{BBA494F5-C840-4276-B567-19F510FB3BE8}"/>
+              </a:ext>
+            </a:extLst>
+          </p:cNvPr>
+          <p:cNvSpPr/>
+          <p:nvPr/>
+        </p:nvSpPr>
+        <p:spPr>
+          <a:xfrm rot="10800000" flipH="1" flipV="1">
+            <a:off x="3604184" y="1851892"/>
+            <a:ext cx="4572963" cy="1202435"/>
+          </a:xfrm>
+          <a:prstGeom prst="uturnArrow">
+            <a:avLst/>
+          </a:prstGeom>
+        </p:spPr>
+        <p:style>
+          <a:lnRef idx="1">
+            <a:schemeClr val="accent1"/>
+          </a:lnRef>
+          <a:fillRef idx="3">
+            <a:schemeClr val="accent1"/>
+          </a:fillRef>
+          <a:effectRef idx="2">
+            <a:schemeClr val="accent1"/>
+          </a:effectRef>
+          <a:fontRef idx="minor">
+            <a:schemeClr val="lt1"/>
+          </a:fontRef>
+        </p:style>
+        <p:txBody>
+          <a:bodyPr rtlCol="0" anchor="ctr"/>
+          <a:lstStyle/>
+          <a:p>
+            <a:pPr algn="ctr"/>
+            <a:endParaRPr lang="en-US">
+              <a:solidFill>
+                <a:schemeClr val="tx1"/>
+              </a:solidFill>
+            </a:endParaRPr>
+          </a:p>
+        </p:txBody>
+      </p:sp>
+      <p:sp>
+        <p:nvSpPr>
+          <p:cNvPr id="13" name="Arrow: U-Turn 12">
+            <a:extLst>
+              <a:ext uri="{FF2B5EF4-FFF2-40B4-BE49-F238E27FC236}">
+                <a16:creationId xmlns:a16="http://schemas.microsoft.com/office/drawing/2014/main" id="{174416F3-D18D-44B8-B799-1F518BBC5027}"/>
+              </a:ext>
+            </a:extLst>
+          </p:cNvPr>
+          <p:cNvSpPr/>
+          <p:nvPr/>
+        </p:nvSpPr>
+        <p:spPr>
+          <a:xfrm rot="10800000">
+            <a:off x="3531047" y="3933241"/>
+            <a:ext cx="4472642" cy="1202435"/>
+          </a:xfrm>
+          <a:prstGeom prst="uturnArrow">
+            <a:avLst/>
+          </a:prstGeom>
+        </p:spPr>
+        <p:style>
+          <a:lnRef idx="1">
+            <a:schemeClr val="accent1"/>
+          </a:lnRef>
+          <a:fillRef idx="3">
+            <a:schemeClr val="accent1"/>
+          </a:fillRef>
+          <a:effectRef idx="2">
+            <a:schemeClr val="accent1"/>
+          </a:effectRef>
+          <a:fontRef idx="minor">
+            <a:schemeClr val="lt1"/>
+          </a:fontRef>
+        </p:style>
+        <p:txBody>
+          <a:bodyPr rtlCol="0" anchor="ctr"/>
+          <a:lstStyle/>
+          <a:p>
+            <a:pPr algn="ctr"/>
+            <a:endParaRPr lang="en-US">
+              <a:solidFill>
+                <a:schemeClr val="tx1"/>
+              </a:solidFill>
+            </a:endParaRPr>
+          </a:p>
+        </p:txBody>
+      </p:sp>
+      <p:sp>
+        <p:nvSpPr>
+          <p:cNvPr id="14" name="Rectangle 13">
+            <a:extLst>
+              <a:ext uri="{FF2B5EF4-FFF2-40B4-BE49-F238E27FC236}">
+                <a16:creationId xmlns:a16="http://schemas.microsoft.com/office/drawing/2014/main" id="{330FFA72-BBBD-4DBC-800E-90E49E5C0B79}"/>
+              </a:ext>
+            </a:extLst>
+          </p:cNvPr>
+          <p:cNvSpPr/>
+          <p:nvPr/>
+        </p:nvSpPr>
+        <p:spPr>
+          <a:xfrm>
+            <a:off x="4878367" y="1693366"/>
+            <a:ext cx="1778000" cy="598013"/>
+          </a:xfrm>
+          <a:prstGeom prst="rect">
+            <a:avLst/>
+          </a:prstGeom>
+          <a:solidFill>
+            <a:schemeClr val="bg1"/>
+          </a:solidFill>
+        </p:spPr>
+        <p:style>
+          <a:lnRef idx="1">
+            <a:schemeClr val="accent1"/>
+          </a:lnRef>
+          <a:fillRef idx="3">
+            <a:schemeClr val="accent1"/>
+          </a:fillRef>
+          <a:effectRef idx="2">
+            <a:schemeClr val="accent1"/>
+          </a:effectRef>
+          <a:fontRef idx="minor">
+            <a:schemeClr val="lt1"/>
+          </a:fontRef>
+        </p:style>
+        <p:txBody>
+          <a:bodyPr rtlCol="0" anchor="ctr"/>
+          <a:lstStyle/>
+          <a:p>
+            <a:pPr algn="ctr"/>
+            <a:r>
+              <a:rPr lang="en-US" sz="1600" b="1" dirty="0">
+                <a:solidFill>
+                  <a:schemeClr val="tx1"/>
+                </a:solidFill>
+              </a:rPr>
+              <a:t>$report</a:t>
+            </a:r>
+          </a:p>
+        </p:txBody>
+      </p:sp>
+      <p:sp>
+        <p:nvSpPr>
+          <p:cNvPr id="16" name="Rectangle 15">
+            <a:extLst>
+              <a:ext uri="{FF2B5EF4-FFF2-40B4-BE49-F238E27FC236}">
+                <a16:creationId xmlns:a16="http://schemas.microsoft.com/office/drawing/2014/main" id="{6908AAC3-35FE-4372-8B8E-78FD5F752EEB}"/>
+              </a:ext>
+            </a:extLst>
+          </p:cNvPr>
+          <p:cNvSpPr/>
+          <p:nvPr/>
+        </p:nvSpPr>
+        <p:spPr>
+          <a:xfrm>
+            <a:off x="4880094" y="4665336"/>
+            <a:ext cx="2021142" cy="658153"/>
+          </a:xfrm>
+          <a:prstGeom prst="rect">
+            <a:avLst/>
+          </a:prstGeom>
+          <a:solidFill>
+            <a:schemeClr val="bg1"/>
+          </a:solidFill>
+        </p:spPr>
+        <p:style>
+          <a:lnRef idx="1">
+            <a:schemeClr val="accent1"/>
+          </a:lnRef>
+          <a:fillRef idx="3">
+            <a:schemeClr val="accent1"/>
+          </a:fillRef>
+          <a:effectRef idx="2">
+            <a:schemeClr val="accent1"/>
+          </a:effectRef>
+          <a:fontRef idx="minor">
+            <a:schemeClr val="lt1"/>
+          </a:fontRef>
+        </p:style>
+        <p:txBody>
+          <a:bodyPr rtlCol="0" anchor="ctr"/>
+          <a:lstStyle/>
+          <a:p>
+            <a:pPr algn="ctr"/>
+            <a:r>
+              <a:rPr lang="en-US" sz="1400" b="1" dirty="0">
+                <a:solidFill>
+                  <a:schemeClr val="tx1"/>
+                </a:solidFill>
+                <a:latin typeface="Arial" panose="020B0604020202020204" pitchFamily="34" charset="0"/>
+                <a:cs typeface="Arial" panose="020B0604020202020204" pitchFamily="34" charset="0"/>
+              </a:rPr>
+              <a:t>Risk Adjustment Coding Gap Reports</a:t>
+            </a:r>
+          </a:p>
+        </p:txBody>
+      </p:sp>
+    </p:spTree>
+    <p:extLst>
+      <p:ext uri="{BB962C8B-B14F-4D97-AF65-F5344CB8AC3E}">
+        <p14:creationId xmlns:p14="http://schemas.microsoft.com/office/powerpoint/2010/main" val="841643404"/>
+      </p:ext>
+    </p:extLst>
+  </p:cSld>
+  <p:clrMapOvr>
+    <a:masterClrMapping/>
+  </p:clrMapOvr>
+</p:sld>
+</file>
+
+<file path=ppt/slides/slide35.xml><?xml version="1.0" encoding="utf-8"?>
+<p:sld xmlns:a="http://schemas.openxmlformats.org/drawingml/2006/main" xmlns:r="http://schemas.openxmlformats.org/officeDocument/2006/relationships" xmlns:p="http://schemas.openxmlformats.org/presentationml/2006/main">
+  <p:cSld>
+    <p:spTree>
+      <p:nvGrpSpPr>
+        <p:cNvPr id="1" name=""/>
+        <p:cNvGrpSpPr/>
+        <p:nvPr/>
+      </p:nvGrpSpPr>
+      <p:grpSpPr>
+        <a:xfrm>
+          <a:off x="0" y="0"/>
+          <a:ext cx="0" cy="0"/>
+          <a:chOff x="0" y="0"/>
+          <a:chExt cx="0" cy="0"/>
+        </a:xfrm>
+      </p:grpSpPr>
+      <p:sp>
+        <p:nvSpPr>
+          <p:cNvPr id="2" name="Title 1">
+            <a:extLst>
+              <a:ext uri="{FF2B5EF4-FFF2-40B4-BE49-F238E27FC236}">
+                <a16:creationId xmlns:a16="http://schemas.microsoft.com/office/drawing/2014/main" id="{DE4FC254-7E84-4C1E-B2B1-8F45C616E91E}"/>
+              </a:ext>
+            </a:extLst>
+          </p:cNvPr>
+          <p:cNvSpPr>
+            <a:spLocks noGrp="1"/>
+          </p:cNvSpPr>
+          <p:nvPr>
+            <p:ph type="title"/>
+          </p:nvPr>
+        </p:nvSpPr>
+        <p:spPr/>
+        <p:txBody>
+          <a:bodyPr/>
+          <a:lstStyle/>
+          <a:p>
+            <a:r>
+              <a:rPr lang="en-US" dirty="0"/>
+              <a:t>For Guidance Page</a:t>
+            </a:r>
+          </a:p>
+        </p:txBody>
+      </p:sp>
+      <p:sp>
+        <p:nvSpPr>
+          <p:cNvPr id="3" name="Text Placeholder 2">
+            <a:extLst>
+              <a:ext uri="{FF2B5EF4-FFF2-40B4-BE49-F238E27FC236}">
+                <a16:creationId xmlns:a16="http://schemas.microsoft.com/office/drawing/2014/main" id="{4025DF32-5ADE-4348-8F51-B2255B4D83D2}"/>
+              </a:ext>
+            </a:extLst>
+          </p:cNvPr>
+          <p:cNvSpPr>
+            <a:spLocks noGrp="1"/>
+          </p:cNvSpPr>
+          <p:nvPr>
+            <p:ph type="body" sz="quarter" idx="13"/>
+          </p:nvPr>
+        </p:nvSpPr>
+        <p:spPr/>
+        <p:txBody>
+          <a:bodyPr/>
+          <a:lstStyle/>
+          <a:p>
+            <a:pPr marL="0" indent="0">
+              <a:buNone/>
+            </a:pPr>
+            <a:r>
+              <a:rPr lang="en-US" dirty="0"/>
+              <a:t> </a:t>
+            </a:r>
+          </a:p>
+        </p:txBody>
+      </p:sp>
+      <p:sp>
+        <p:nvSpPr>
+          <p:cNvPr id="4" name="Footer Placeholder 3">
+            <a:extLst>
+              <a:ext uri="{FF2B5EF4-FFF2-40B4-BE49-F238E27FC236}">
+                <a16:creationId xmlns:a16="http://schemas.microsoft.com/office/drawing/2014/main" id="{6F1D9FDC-5EC9-421B-B816-669D4CBA8D03}"/>
+              </a:ext>
+            </a:extLst>
+          </p:cNvPr>
+          <p:cNvSpPr>
+            <a:spLocks noGrp="1"/>
+          </p:cNvSpPr>
+          <p:nvPr>
+            <p:ph type="ftr" sz="quarter" idx="10"/>
+          </p:nvPr>
+        </p:nvSpPr>
+        <p:spPr/>
+        <p:txBody>
+          <a:bodyPr/>
+          <a:lstStyle/>
+          <a:p>
+            <a:r>
+              <a:rPr lang="en-US" b="1"/>
+              <a:t>© 2019 Health Level Seven ® International. Licensed under Creative Commons Attribution 4.0 International</a:t>
+            </a:r>
+          </a:p>
+          <a:p>
+            <a:r>
+              <a:rPr lang="en-US" b="1"/>
+              <a:t>HL7, Health Level Seven, FHIR and the FHIR flame logo are registered trademarks of Health Level Seven International. Reg. U.S. TM Office.</a:t>
+            </a:r>
+            <a:endParaRPr lang="en-US" b="1" dirty="0"/>
+          </a:p>
+        </p:txBody>
+      </p:sp>
+      <p:sp>
+        <p:nvSpPr>
+          <p:cNvPr id="5" name="Slide Number Placeholder 4">
+            <a:extLst>
+              <a:ext uri="{FF2B5EF4-FFF2-40B4-BE49-F238E27FC236}">
+                <a16:creationId xmlns:a16="http://schemas.microsoft.com/office/drawing/2014/main" id="{ABC91477-8158-43AE-8C67-AA1E9785A906}"/>
+              </a:ext>
+            </a:extLst>
+          </p:cNvPr>
+          <p:cNvSpPr>
+            <a:spLocks noGrp="1"/>
+          </p:cNvSpPr>
+          <p:nvPr>
+            <p:ph type="sldNum" sz="quarter" idx="11"/>
+          </p:nvPr>
+        </p:nvSpPr>
+        <p:spPr/>
+        <p:txBody>
+          <a:bodyPr/>
+          <a:lstStyle/>
+          <a:p>
+            <a:fld id="{6CACE926-AEF5-4BFE-8BD7-24414108CB7B}" type="slidenum">
+              <a:rPr lang="en-US" altLang="en-US" smtClean="0"/>
+              <a:pPr/>
+              <a:t>35</a:t>
+            </a:fld>
+            <a:endParaRPr lang="en-US" altLang="en-US" dirty="0"/>
+          </a:p>
+        </p:txBody>
+      </p:sp>
+      <p:pic>
+        <p:nvPicPr>
+          <p:cNvPr id="6" name="Graphic 5">
+            <a:extLst>
+              <a:ext uri="{FF2B5EF4-FFF2-40B4-BE49-F238E27FC236}">
+                <a16:creationId xmlns:a16="http://schemas.microsoft.com/office/drawing/2014/main" id="{842186CE-C3CB-491F-B90D-334B74F93238}"/>
+              </a:ext>
+            </a:extLst>
+          </p:cNvPr>
+          <p:cNvPicPr>
+            <a:picLocks noChangeAspect="1"/>
+          </p:cNvPicPr>
+          <p:nvPr/>
+        </p:nvPicPr>
+        <p:blipFill>
+          <a:blip r:embed="rId3">
+            <a:extLst>
+              <a:ext uri="{96DAC541-7B7A-43D3-8B79-37D633B846F1}">
+                <asvg:svgBlip xmlns:asvg="http://schemas.microsoft.com/office/drawing/2016/SVG/main" r:embed="rId4"/>
+              </a:ext>
+            </a:extLst>
+          </a:blip>
+          <a:stretch>
+            <a:fillRect/>
+          </a:stretch>
+        </p:blipFill>
+        <p:spPr>
+          <a:xfrm>
+            <a:off x="7512232" y="2961683"/>
+            <a:ext cx="659817" cy="996459"/>
+          </a:xfrm>
+          <a:prstGeom prst="rect">
+            <a:avLst/>
+          </a:prstGeom>
+        </p:spPr>
+      </p:pic>
+      <p:pic>
+        <p:nvPicPr>
+          <p:cNvPr id="7" name="Graphic 6">
+            <a:extLst>
+              <a:ext uri="{FF2B5EF4-FFF2-40B4-BE49-F238E27FC236}">
+                <a16:creationId xmlns:a16="http://schemas.microsoft.com/office/drawing/2014/main" id="{3E4BF30F-2D52-4FA7-8B6E-989427E65C55}"/>
+              </a:ext>
+            </a:extLst>
+          </p:cNvPr>
+          <p:cNvPicPr>
+            <a:picLocks noChangeAspect="1"/>
+          </p:cNvPicPr>
+          <p:nvPr/>
+        </p:nvPicPr>
+        <p:blipFill>
+          <a:blip r:embed="rId5">
+            <a:extLst>
+              <a:ext uri="{96DAC541-7B7A-43D3-8B79-37D633B846F1}">
+                <asvg:svgBlip xmlns:asvg="http://schemas.microsoft.com/office/drawing/2016/SVG/main" r:embed="rId6"/>
+              </a:ext>
+            </a:extLst>
+          </a:blip>
+          <a:stretch>
+            <a:fillRect/>
+          </a:stretch>
+        </p:blipFill>
+        <p:spPr>
+          <a:xfrm>
+            <a:off x="3683355" y="3080690"/>
+            <a:ext cx="814124" cy="899821"/>
+          </a:xfrm>
+          <a:prstGeom prst="rect">
+            <a:avLst/>
+          </a:prstGeom>
+        </p:spPr>
+      </p:pic>
+      <p:sp>
+        <p:nvSpPr>
+          <p:cNvPr id="9" name="TextBox 8">
+            <a:extLst>
+              <a:ext uri="{FF2B5EF4-FFF2-40B4-BE49-F238E27FC236}">
+                <a16:creationId xmlns:a16="http://schemas.microsoft.com/office/drawing/2014/main" id="{F400E8FA-0292-4288-B1BB-DA58B38789C1}"/>
+              </a:ext>
+            </a:extLst>
+          </p:cNvPr>
+          <p:cNvSpPr txBox="1"/>
+          <p:nvPr/>
+        </p:nvSpPr>
+        <p:spPr>
+          <a:xfrm>
+            <a:off x="8282875" y="3157505"/>
+            <a:ext cx="1259821" cy="707694"/>
+          </a:xfrm>
+          <a:prstGeom prst="rect">
+            <a:avLst/>
+          </a:prstGeom>
+          <a:noFill/>
+        </p:spPr>
+        <p:txBody>
+          <a:bodyPr wrap="square" rtlCol="0">
+            <a:spAutoFit/>
+          </a:bodyPr>
+          <a:lstStyle/>
+          <a:p>
+            <a:pPr algn="ctr" defTabSz="609585" fontAlgn="base">
+              <a:spcBef>
+                <a:spcPct val="0"/>
+              </a:spcBef>
+              <a:spcAft>
+                <a:spcPct val="0"/>
+              </a:spcAft>
+              <a:defRPr/>
+            </a:pPr>
+            <a:r>
+              <a:rPr lang="en-US" sz="1333" b="1" dirty="0">
+                <a:solidFill>
+                  <a:srgbClr val="C00000"/>
+                </a:solidFill>
+                <a:latin typeface="Arial"/>
+                <a:ea typeface="ヒラギノ角ゴ Pro W3" pitchFamily="-126" charset="-128"/>
+              </a:rPr>
+              <a:t>Client</a:t>
+            </a:r>
+          </a:p>
+          <a:p>
+            <a:pPr algn="ctr" defTabSz="609585" fontAlgn="base">
+              <a:spcBef>
+                <a:spcPct val="0"/>
+              </a:spcBef>
+              <a:spcAft>
+                <a:spcPct val="0"/>
+              </a:spcAft>
+              <a:defRPr/>
+            </a:pPr>
+            <a:r>
+              <a:rPr lang="en-US" sz="1333" b="1" dirty="0">
+                <a:solidFill>
+                  <a:srgbClr val="C00000"/>
+                </a:solidFill>
+                <a:latin typeface="Arial"/>
+                <a:ea typeface="ヒラギノ角ゴ Pro W3" pitchFamily="-126" charset="-128"/>
+              </a:rPr>
+              <a:t>(example Provider)</a:t>
+            </a:r>
+          </a:p>
+        </p:txBody>
+      </p:sp>
+      <p:sp>
+        <p:nvSpPr>
+          <p:cNvPr id="10" name="TextBox 9">
+            <a:extLst>
+              <a:ext uri="{FF2B5EF4-FFF2-40B4-BE49-F238E27FC236}">
+                <a16:creationId xmlns:a16="http://schemas.microsoft.com/office/drawing/2014/main" id="{984AE2E2-20A9-4B44-A58D-4BBB1DF61213}"/>
+              </a:ext>
+            </a:extLst>
+          </p:cNvPr>
+          <p:cNvSpPr txBox="1"/>
+          <p:nvPr/>
+        </p:nvSpPr>
+        <p:spPr>
+          <a:xfrm>
+            <a:off x="1831532" y="3442508"/>
+            <a:ext cx="2115679" cy="502573"/>
+          </a:xfrm>
+          <a:prstGeom prst="rect">
+            <a:avLst/>
+          </a:prstGeom>
+          <a:noFill/>
+        </p:spPr>
+        <p:txBody>
+          <a:bodyPr wrap="square" rtlCol="0">
+            <a:spAutoFit/>
+          </a:bodyPr>
+          <a:lstStyle/>
+          <a:p>
+            <a:pPr algn="ctr" defTabSz="609585" fontAlgn="base">
+              <a:spcBef>
+                <a:spcPct val="0"/>
+              </a:spcBef>
+              <a:spcAft>
+                <a:spcPct val="0"/>
+              </a:spcAft>
+              <a:defRPr/>
+            </a:pPr>
+            <a:r>
+              <a:rPr lang="en-US" sz="1333" b="1" dirty="0">
+                <a:solidFill>
+                  <a:srgbClr val="F79646">
+                    <a:lumMod val="50000"/>
+                  </a:srgbClr>
+                </a:solidFill>
+                <a:latin typeface="Arial"/>
+                <a:ea typeface="ヒラギノ角ゴ Pro W3" pitchFamily="-126" charset="-128"/>
+              </a:rPr>
+              <a:t>Server</a:t>
+            </a:r>
+          </a:p>
+          <a:p>
+            <a:pPr algn="ctr" defTabSz="609585" fontAlgn="base">
+              <a:spcBef>
+                <a:spcPct val="0"/>
+              </a:spcBef>
+              <a:spcAft>
+                <a:spcPct val="0"/>
+              </a:spcAft>
+              <a:defRPr/>
+            </a:pPr>
+            <a:r>
+              <a:rPr lang="en-US" sz="1333" b="1" dirty="0">
+                <a:solidFill>
+                  <a:srgbClr val="F79646">
+                    <a:lumMod val="50000"/>
+                  </a:srgbClr>
+                </a:solidFill>
+                <a:latin typeface="Arial"/>
+                <a:ea typeface="ヒラギノ角ゴ Pro W3" pitchFamily="-126" charset="-128"/>
+              </a:rPr>
+              <a:t>(example Payer)</a:t>
+            </a:r>
+          </a:p>
+        </p:txBody>
+      </p:sp>
+      <p:sp>
+        <p:nvSpPr>
+          <p:cNvPr id="8" name="Arrow: U-Turn 7">
+            <a:extLst>
+              <a:ext uri="{FF2B5EF4-FFF2-40B4-BE49-F238E27FC236}">
+                <a16:creationId xmlns:a16="http://schemas.microsoft.com/office/drawing/2014/main" id="{BBA494F5-C840-4276-B567-19F510FB3BE8}"/>
+              </a:ext>
+            </a:extLst>
+          </p:cNvPr>
+          <p:cNvSpPr/>
+          <p:nvPr/>
+        </p:nvSpPr>
+        <p:spPr>
+          <a:xfrm flipH="1">
+            <a:off x="3931920" y="2326640"/>
+            <a:ext cx="3911600" cy="426720"/>
+          </a:xfrm>
+          <a:prstGeom prst="uturnArrow">
+            <a:avLst/>
+          </a:prstGeom>
+        </p:spPr>
+        <p:style>
+          <a:lnRef idx="1">
+            <a:schemeClr val="accent1"/>
+          </a:lnRef>
+          <a:fillRef idx="3">
+            <a:schemeClr val="accent1"/>
+          </a:fillRef>
+          <a:effectRef idx="2">
+            <a:schemeClr val="accent1"/>
+          </a:effectRef>
+          <a:fontRef idx="minor">
+            <a:schemeClr val="lt1"/>
+          </a:fontRef>
+        </p:style>
+        <p:txBody>
+          <a:bodyPr rtlCol="0" anchor="ctr"/>
+          <a:lstStyle/>
+          <a:p>
+            <a:pPr algn="ctr"/>
+            <a:endParaRPr lang="en-US">
+              <a:solidFill>
+                <a:schemeClr val="tx1"/>
+              </a:solidFill>
+            </a:endParaRPr>
+          </a:p>
+        </p:txBody>
+      </p:sp>
+      <p:sp>
+        <p:nvSpPr>
+          <p:cNvPr id="13" name="Arrow: U-Turn 12">
+            <a:extLst>
+              <a:ext uri="{FF2B5EF4-FFF2-40B4-BE49-F238E27FC236}">
+                <a16:creationId xmlns:a16="http://schemas.microsoft.com/office/drawing/2014/main" id="{174416F3-D18D-44B8-B799-1F518BBC5027}"/>
+              </a:ext>
+            </a:extLst>
+          </p:cNvPr>
+          <p:cNvSpPr/>
+          <p:nvPr/>
+        </p:nvSpPr>
+        <p:spPr>
+          <a:xfrm flipV="1">
+            <a:off x="4013200" y="4104640"/>
+            <a:ext cx="3870960" cy="497840"/>
+          </a:xfrm>
+          <a:prstGeom prst="uturnArrow">
+            <a:avLst/>
+          </a:prstGeom>
+        </p:spPr>
+        <p:style>
+          <a:lnRef idx="1">
+            <a:schemeClr val="accent1"/>
+          </a:lnRef>
+          <a:fillRef idx="3">
+            <a:schemeClr val="accent1"/>
+          </a:fillRef>
+          <a:effectRef idx="2">
+            <a:schemeClr val="accent1"/>
+          </a:effectRef>
+          <a:fontRef idx="minor">
+            <a:schemeClr val="lt1"/>
+          </a:fontRef>
+        </p:style>
+        <p:txBody>
+          <a:bodyPr rtlCol="0" anchor="ctr"/>
+          <a:lstStyle/>
+          <a:p>
+            <a:pPr algn="ctr"/>
+            <a:endParaRPr lang="en-US">
+              <a:solidFill>
+                <a:schemeClr val="tx1"/>
+              </a:solidFill>
+            </a:endParaRPr>
+          </a:p>
+        </p:txBody>
+      </p:sp>
+      <p:sp>
+        <p:nvSpPr>
+          <p:cNvPr id="14" name="Rectangle 13">
+            <a:extLst>
+              <a:ext uri="{FF2B5EF4-FFF2-40B4-BE49-F238E27FC236}">
+                <a16:creationId xmlns:a16="http://schemas.microsoft.com/office/drawing/2014/main" id="{330FFA72-BBBD-4DBC-800E-90E49E5C0B79}"/>
+              </a:ext>
+            </a:extLst>
+          </p:cNvPr>
+          <p:cNvSpPr/>
+          <p:nvPr/>
+        </p:nvSpPr>
+        <p:spPr>
+          <a:xfrm>
+            <a:off x="4998720" y="2225040"/>
+            <a:ext cx="1778000" cy="335280"/>
+          </a:xfrm>
+          <a:prstGeom prst="rect">
+            <a:avLst/>
+          </a:prstGeom>
+          <a:solidFill>
+            <a:schemeClr val="bg1"/>
+          </a:solidFill>
+        </p:spPr>
+        <p:style>
+          <a:lnRef idx="1">
+            <a:schemeClr val="accent1"/>
+          </a:lnRef>
+          <a:fillRef idx="3">
+            <a:schemeClr val="accent1"/>
+          </a:fillRef>
+          <a:effectRef idx="2">
+            <a:schemeClr val="accent1"/>
+          </a:effectRef>
+          <a:fontRef idx="minor">
+            <a:schemeClr val="lt1"/>
+          </a:fontRef>
+        </p:style>
+        <p:txBody>
+          <a:bodyPr rtlCol="0" anchor="ctr"/>
+          <a:lstStyle/>
+          <a:p>
+            <a:pPr algn="ctr"/>
+            <a:r>
+              <a:rPr lang="en-US" dirty="0">
+                <a:solidFill>
+                  <a:schemeClr val="tx1"/>
+                </a:solidFill>
+              </a:rPr>
+              <a:t>$report</a:t>
+            </a:r>
+          </a:p>
+        </p:txBody>
+      </p:sp>
+      <p:sp>
+        <p:nvSpPr>
+          <p:cNvPr id="16" name="Rectangle 15">
+            <a:extLst>
+              <a:ext uri="{FF2B5EF4-FFF2-40B4-BE49-F238E27FC236}">
+                <a16:creationId xmlns:a16="http://schemas.microsoft.com/office/drawing/2014/main" id="{6908AAC3-35FE-4372-8B8E-78FD5F752EEB}"/>
+              </a:ext>
+            </a:extLst>
+          </p:cNvPr>
+          <p:cNvSpPr/>
+          <p:nvPr/>
+        </p:nvSpPr>
+        <p:spPr>
+          <a:xfrm>
+            <a:off x="5029200" y="4297680"/>
+            <a:ext cx="1778000" cy="396240"/>
+          </a:xfrm>
+          <a:prstGeom prst="rect">
+            <a:avLst/>
+          </a:prstGeom>
+          <a:solidFill>
+            <a:schemeClr val="bg1"/>
+          </a:solidFill>
+        </p:spPr>
+        <p:style>
+          <a:lnRef idx="1">
+            <a:schemeClr val="accent1"/>
+          </a:lnRef>
+          <a:fillRef idx="3">
+            <a:schemeClr val="accent1"/>
+          </a:fillRef>
+          <a:effectRef idx="2">
+            <a:schemeClr val="accent1"/>
+          </a:effectRef>
+          <a:fontRef idx="minor">
+            <a:schemeClr val="lt1"/>
+          </a:fontRef>
+        </p:style>
+        <p:txBody>
+          <a:bodyPr rtlCol="0" anchor="ctr"/>
+          <a:lstStyle/>
+          <a:p>
+            <a:pPr algn="ctr"/>
+            <a:r>
+              <a:rPr lang="en-US" sz="1400" dirty="0">
+                <a:solidFill>
+                  <a:schemeClr val="tx1"/>
+                </a:solidFill>
+              </a:rPr>
+              <a:t>Risk Adjustment Care Gap Reports</a:t>
+            </a:r>
+          </a:p>
+        </p:txBody>
+      </p:sp>
+    </p:spTree>
+    <p:extLst>
+      <p:ext uri="{BB962C8B-B14F-4D97-AF65-F5344CB8AC3E}">
+        <p14:creationId xmlns:p14="http://schemas.microsoft.com/office/powerpoint/2010/main" val="2117979091"/>
+      </p:ext>
+    </p:extLst>
+  </p:cSld>
+  <p:clrMapOvr>
+    <a:masterClrMapping/>
+  </p:clrMapOvr>
+</p:sld>
+</file>
+
+<file path=ppt/slides/slide36.xml><?xml version="1.0" encoding="utf-8"?>
+<p:sld xmlns:a="http://schemas.openxmlformats.org/drawingml/2006/main" xmlns:r="http://schemas.openxmlformats.org/officeDocument/2006/relationships" xmlns:p="http://schemas.openxmlformats.org/presentationml/2006/main">
+  <p:cSld>
+    <p:spTree>
+      <p:nvGrpSpPr>
+        <p:cNvPr id="1" name=""/>
+        <p:cNvGrpSpPr/>
+        <p:nvPr/>
+      </p:nvGrpSpPr>
+      <p:grpSpPr>
+        <a:xfrm>
+          <a:off x="0" y="0"/>
+          <a:ext cx="0" cy="0"/>
+          <a:chOff x="0" y="0"/>
+          <a:chExt cx="0" cy="0"/>
+        </a:xfrm>
+      </p:grpSpPr>
+      <p:sp>
+        <p:nvSpPr>
+          <p:cNvPr id="2" name="Title 1">
+            <a:extLst>
+              <a:ext uri="{FF2B5EF4-FFF2-40B4-BE49-F238E27FC236}">
                 <a16:creationId xmlns:a16="http://schemas.microsoft.com/office/drawing/2014/main" id="{D839B762-5734-44CA-BA78-76FD98019C0D}"/>
               </a:ext>
             </a:extLst>
@@ -38325,7 +39643,7 @@
                   <a:spcPct val="0"/>
                 </a:spcAft>
               </a:pPr>
-              <a:t>34</a:t>
+              <a:t>36</a:t>
             </a:fld>
             <a:endParaRPr lang="en-US" altLang="en-US" dirty="0">
               <a:solidFill>
@@ -38380,7 +39698,7 @@
 </p:sld>
 </file>
 
-<file path=ppt/slides/slide35.xml><?xml version="1.0" encoding="utf-8"?>
+<file path=ppt/slides/slide37.xml><?xml version="1.0" encoding="utf-8"?>
 <p:sld xmlns:a="http://schemas.openxmlformats.org/drawingml/2006/main" xmlns:r="http://schemas.openxmlformats.org/officeDocument/2006/relationships" xmlns:p="http://schemas.openxmlformats.org/presentationml/2006/main">
   <p:cSld>
     <p:spTree>
@@ -41144,1277 +42462,6 @@
 </p:sld>
 </file>
 
-<file path=ppt/slides/slide36.xml><?xml version="1.0" encoding="utf-8"?>
-<p:sld xmlns:a="http://schemas.openxmlformats.org/drawingml/2006/main" xmlns:r="http://schemas.openxmlformats.org/officeDocument/2006/relationships" xmlns:p="http://schemas.openxmlformats.org/presentationml/2006/main">
-  <p:cSld>
-    <p:spTree>
-      <p:nvGrpSpPr>
-        <p:cNvPr id="1" name=""/>
-        <p:cNvGrpSpPr/>
-        <p:nvPr/>
-      </p:nvGrpSpPr>
-      <p:grpSpPr>
-        <a:xfrm>
-          <a:off x="0" y="0"/>
-          <a:ext cx="0" cy="0"/>
-          <a:chOff x="0" y="0"/>
-          <a:chExt cx="0" cy="0"/>
-        </a:xfrm>
-      </p:grpSpPr>
-      <p:sp>
-        <p:nvSpPr>
-          <p:cNvPr id="2" name="Title 1">
-            <a:extLst>
-              <a:ext uri="{FF2B5EF4-FFF2-40B4-BE49-F238E27FC236}">
-                <a16:creationId xmlns:a16="http://schemas.microsoft.com/office/drawing/2014/main" id="{45C36D41-3B9C-4F88-A537-A19E6C98DD9A}"/>
-              </a:ext>
-            </a:extLst>
-          </p:cNvPr>
-          <p:cNvSpPr>
-            <a:spLocks noGrp="1"/>
-          </p:cNvSpPr>
-          <p:nvPr>
-            <p:ph type="title"/>
-          </p:nvPr>
-        </p:nvSpPr>
-        <p:spPr/>
-        <p:txBody>
-          <a:bodyPr/>
-          <a:lstStyle/>
-          <a:p>
-            <a:endParaRPr lang="en-US"/>
-          </a:p>
-        </p:txBody>
-      </p:sp>
-      <p:sp>
-        <p:nvSpPr>
-          <p:cNvPr id="3" name="Footer Placeholder 2">
-            <a:extLst>
-              <a:ext uri="{FF2B5EF4-FFF2-40B4-BE49-F238E27FC236}">
-                <a16:creationId xmlns:a16="http://schemas.microsoft.com/office/drawing/2014/main" id="{B8BE07C0-1CDE-4921-A586-97651085D940}"/>
-              </a:ext>
-            </a:extLst>
-          </p:cNvPr>
-          <p:cNvSpPr>
-            <a:spLocks noGrp="1"/>
-          </p:cNvSpPr>
-          <p:nvPr>
-            <p:ph type="ftr" sz="quarter" idx="10"/>
-          </p:nvPr>
-        </p:nvSpPr>
-        <p:spPr/>
-        <p:txBody>
-          <a:bodyPr/>
-          <a:lstStyle/>
-          <a:p>
-            <a:r>
-              <a:rPr lang="en-US" b="1"/>
-              <a:t>© 2019 Health Level Seven ® International. Licensed under Creative Commons Attribution 4.0 International</a:t>
-            </a:r>
-          </a:p>
-          <a:p>
-            <a:r>
-              <a:rPr lang="en-US" b="1"/>
-              <a:t>HL7, Health Level Seven, FHIR and the FHIR flame logo are registered trademarks of Health Level Seven International. Reg. U.S. TM Office.</a:t>
-            </a:r>
-            <a:endParaRPr lang="en-US" b="1" dirty="0"/>
-          </a:p>
-        </p:txBody>
-      </p:sp>
-      <p:sp>
-        <p:nvSpPr>
-          <p:cNvPr id="4" name="Slide Number Placeholder 3">
-            <a:extLst>
-              <a:ext uri="{FF2B5EF4-FFF2-40B4-BE49-F238E27FC236}">
-                <a16:creationId xmlns:a16="http://schemas.microsoft.com/office/drawing/2014/main" id="{FBE7E021-938E-4D23-BC9C-3A3D1C5F61CF}"/>
-              </a:ext>
-            </a:extLst>
-          </p:cNvPr>
-          <p:cNvSpPr>
-            <a:spLocks noGrp="1"/>
-          </p:cNvSpPr>
-          <p:nvPr>
-            <p:ph type="sldNum" sz="quarter" idx="11"/>
-          </p:nvPr>
-        </p:nvSpPr>
-        <p:spPr/>
-        <p:txBody>
-          <a:bodyPr/>
-          <a:lstStyle/>
-          <a:p>
-            <a:fld id="{6CACE926-AEF5-4BFE-8BD7-24414108CB7B}" type="slidenum">
-              <a:rPr lang="en-US" altLang="en-US" smtClean="0"/>
-              <a:pPr/>
-              <a:t>36</a:t>
-            </a:fld>
-            <a:endParaRPr lang="en-US" altLang="en-US" dirty="0"/>
-          </a:p>
-        </p:txBody>
-      </p:sp>
-    </p:spTree>
-    <p:extLst>
-      <p:ext uri="{BB962C8B-B14F-4D97-AF65-F5344CB8AC3E}">
-        <p14:creationId xmlns:p14="http://schemas.microsoft.com/office/powerpoint/2010/main" val="2711422049"/>
-      </p:ext>
-    </p:extLst>
-  </p:cSld>
-  <p:clrMapOvr>
-    <a:masterClrMapping/>
-  </p:clrMapOvr>
-</p:sld>
-</file>
-
-<file path=ppt/slides/slide37.xml><?xml version="1.0" encoding="utf-8"?>
-<p:sld xmlns:a="http://schemas.openxmlformats.org/drawingml/2006/main" xmlns:r="http://schemas.openxmlformats.org/officeDocument/2006/relationships" xmlns:p="http://schemas.openxmlformats.org/presentationml/2006/main">
-  <p:cSld>
-    <p:spTree>
-      <p:nvGrpSpPr>
-        <p:cNvPr id="1" name=""/>
-        <p:cNvGrpSpPr/>
-        <p:nvPr/>
-      </p:nvGrpSpPr>
-      <p:grpSpPr>
-        <a:xfrm>
-          <a:off x="0" y="0"/>
-          <a:ext cx="0" cy="0"/>
-          <a:chOff x="0" y="0"/>
-          <a:chExt cx="0" cy="0"/>
-        </a:xfrm>
-      </p:grpSpPr>
-      <p:sp>
-        <p:nvSpPr>
-          <p:cNvPr id="2" name="Title 1">
-            <a:extLst>
-              <a:ext uri="{FF2B5EF4-FFF2-40B4-BE49-F238E27FC236}">
-                <a16:creationId xmlns:a16="http://schemas.microsoft.com/office/drawing/2014/main" id="{E6992073-D200-42E0-9FB9-A038AA6450B8}"/>
-              </a:ext>
-            </a:extLst>
-          </p:cNvPr>
-          <p:cNvSpPr>
-            <a:spLocks noGrp="1"/>
-          </p:cNvSpPr>
-          <p:nvPr>
-            <p:ph type="title"/>
-          </p:nvPr>
-        </p:nvSpPr>
-        <p:spPr>
-          <a:xfrm>
-            <a:off x="591768" y="197930"/>
-            <a:ext cx="10972800" cy="1043103"/>
-          </a:xfrm>
-        </p:spPr>
-        <p:txBody>
-          <a:bodyPr/>
-          <a:lstStyle/>
-          <a:p>
-            <a:r>
-              <a:rPr lang="en-US" dirty="0"/>
-              <a:t>Three Stages Overview</a:t>
-            </a:r>
-          </a:p>
-        </p:txBody>
-      </p:sp>
-      <p:sp>
-        <p:nvSpPr>
-          <p:cNvPr id="3" name="Text Placeholder 2">
-            <a:extLst>
-              <a:ext uri="{FF2B5EF4-FFF2-40B4-BE49-F238E27FC236}">
-                <a16:creationId xmlns:a16="http://schemas.microsoft.com/office/drawing/2014/main" id="{9A34AC66-A8B9-4352-A5F1-CFA56745734D}"/>
-              </a:ext>
-            </a:extLst>
-          </p:cNvPr>
-          <p:cNvSpPr>
-            <a:spLocks noGrp="1"/>
-          </p:cNvSpPr>
-          <p:nvPr>
-            <p:ph type="body" sz="quarter" idx="13"/>
-          </p:nvPr>
-        </p:nvSpPr>
-        <p:spPr>
-          <a:xfrm>
-            <a:off x="864779" y="1820755"/>
-            <a:ext cx="10971844" cy="3456096"/>
-          </a:xfrm>
-        </p:spPr>
-        <p:txBody>
-          <a:bodyPr/>
-          <a:lstStyle/>
-          <a:p>
-            <a:pPr marL="0" indent="0">
-              <a:buNone/>
-            </a:pPr>
-            <a:r>
-              <a:rPr lang="en-US" dirty="0"/>
-              <a:t> </a:t>
-            </a:r>
-          </a:p>
-        </p:txBody>
-      </p:sp>
-      <p:sp>
-        <p:nvSpPr>
-          <p:cNvPr id="5" name="Slide Number Placeholder 4">
-            <a:extLst>
-              <a:ext uri="{FF2B5EF4-FFF2-40B4-BE49-F238E27FC236}">
-                <a16:creationId xmlns:a16="http://schemas.microsoft.com/office/drawing/2014/main" id="{9B90074F-DE65-45EB-9571-9D3C185F2116}"/>
-              </a:ext>
-            </a:extLst>
-          </p:cNvPr>
-          <p:cNvSpPr>
-            <a:spLocks noGrp="1"/>
-          </p:cNvSpPr>
-          <p:nvPr>
-            <p:ph type="sldNum" sz="quarter" idx="11"/>
-          </p:nvPr>
-        </p:nvSpPr>
-        <p:spPr/>
-        <p:txBody>
-          <a:bodyPr/>
-          <a:lstStyle/>
-          <a:p>
-            <a:fld id="{6CACE926-AEF5-4BFE-8BD7-24414108CB7B}" type="slidenum">
-              <a:rPr lang="en-US" altLang="en-US" smtClean="0"/>
-              <a:pPr/>
-              <a:t>37</a:t>
-            </a:fld>
-            <a:endParaRPr lang="en-US" altLang="en-US" dirty="0"/>
-          </a:p>
-        </p:txBody>
-      </p:sp>
-      <p:sp>
-        <p:nvSpPr>
-          <p:cNvPr id="6" name="Rectangle 5">
-            <a:extLst>
-              <a:ext uri="{FF2B5EF4-FFF2-40B4-BE49-F238E27FC236}">
-                <a16:creationId xmlns:a16="http://schemas.microsoft.com/office/drawing/2014/main" id="{AA5AC8FB-912D-43A8-8D0F-F9254F59B281}"/>
-              </a:ext>
-            </a:extLst>
-          </p:cNvPr>
-          <p:cNvSpPr/>
-          <p:nvPr/>
-        </p:nvSpPr>
-        <p:spPr>
-          <a:xfrm>
-            <a:off x="7668555" y="3335372"/>
-            <a:ext cx="1709840" cy="604332"/>
-          </a:xfrm>
-          <a:prstGeom prst="rect">
-            <a:avLst/>
-          </a:prstGeom>
-        </p:spPr>
-        <p:style>
-          <a:lnRef idx="2">
-            <a:schemeClr val="accent2">
-              <a:shade val="50000"/>
-            </a:schemeClr>
-          </a:lnRef>
-          <a:fillRef idx="1">
-            <a:schemeClr val="accent2"/>
-          </a:fillRef>
-          <a:effectRef idx="0">
-            <a:schemeClr val="accent2"/>
-          </a:effectRef>
-          <a:fontRef idx="minor">
-            <a:schemeClr val="lt1"/>
-          </a:fontRef>
-        </p:style>
-        <p:txBody>
-          <a:bodyPr rtlCol="0" anchor="ctr"/>
-          <a:lstStyle/>
-          <a:p>
-            <a:pPr algn="ctr"/>
-            <a:r>
-              <a:rPr lang="en-US" sz="1600" dirty="0"/>
-              <a:t>Remediation</a:t>
-            </a:r>
-          </a:p>
-          <a:p>
-            <a:pPr algn="ctr"/>
-            <a:r>
-              <a:rPr lang="en-US" sz="1200" dirty="0"/>
-              <a:t>(gap closure/ invalidation/net-new)</a:t>
-            </a:r>
-          </a:p>
-        </p:txBody>
-      </p:sp>
-      <p:pic>
-        <p:nvPicPr>
-          <p:cNvPr id="17" name="Graphic 16">
-            <a:extLst>
-              <a:ext uri="{FF2B5EF4-FFF2-40B4-BE49-F238E27FC236}">
-                <a16:creationId xmlns:a16="http://schemas.microsoft.com/office/drawing/2014/main" id="{5711CF3B-BEF6-4360-AD34-59E17D963A15}"/>
-              </a:ext>
-            </a:extLst>
-          </p:cNvPr>
-          <p:cNvPicPr>
-            <a:picLocks noChangeAspect="1"/>
-          </p:cNvPicPr>
-          <p:nvPr/>
-        </p:nvPicPr>
-        <p:blipFill>
-          <a:blip r:embed="rId3">
-            <a:extLst>
-              <a:ext uri="{96DAC541-7B7A-43D3-8B79-37D633B846F1}">
-                <asvg:svgBlip xmlns:asvg="http://schemas.microsoft.com/office/drawing/2016/SVG/main" r:embed="rId4"/>
-              </a:ext>
-            </a:extLst>
-          </a:blip>
-          <a:stretch>
-            <a:fillRect/>
-          </a:stretch>
-        </p:blipFill>
-        <p:spPr>
-          <a:xfrm>
-            <a:off x="6921590" y="3199669"/>
-            <a:ext cx="659817" cy="996459"/>
-          </a:xfrm>
-          <a:prstGeom prst="rect">
-            <a:avLst/>
-          </a:prstGeom>
-        </p:spPr>
-      </p:pic>
-      <p:pic>
-        <p:nvPicPr>
-          <p:cNvPr id="18" name="Graphic 17">
-            <a:extLst>
-              <a:ext uri="{FF2B5EF4-FFF2-40B4-BE49-F238E27FC236}">
-                <a16:creationId xmlns:a16="http://schemas.microsoft.com/office/drawing/2014/main" id="{28AEFE85-7684-4B09-9315-5EAC7B7C9E5F}"/>
-              </a:ext>
-            </a:extLst>
-          </p:cNvPr>
-          <p:cNvPicPr>
-            <a:picLocks noChangeAspect="1"/>
-          </p:cNvPicPr>
-          <p:nvPr/>
-        </p:nvPicPr>
-        <p:blipFill>
-          <a:blip r:embed="rId5">
-            <a:extLst>
-              <a:ext uri="{96DAC541-7B7A-43D3-8B79-37D633B846F1}">
-                <asvg:svgBlip xmlns:asvg="http://schemas.microsoft.com/office/drawing/2016/SVG/main" r:embed="rId6"/>
-              </a:ext>
-            </a:extLst>
-          </a:blip>
-          <a:stretch>
-            <a:fillRect/>
-          </a:stretch>
-        </p:blipFill>
-        <p:spPr>
-          <a:xfrm>
-            <a:off x="9550777" y="3116859"/>
-            <a:ext cx="659817" cy="817600"/>
-          </a:xfrm>
-          <a:prstGeom prst="rect">
-            <a:avLst/>
-          </a:prstGeom>
-        </p:spPr>
-      </p:pic>
-      <p:sp>
-        <p:nvSpPr>
-          <p:cNvPr id="22" name="TextBox 21">
-            <a:extLst>
-              <a:ext uri="{FF2B5EF4-FFF2-40B4-BE49-F238E27FC236}">
-                <a16:creationId xmlns:a16="http://schemas.microsoft.com/office/drawing/2014/main" id="{556B9B98-30EF-4669-8230-213DA7EB59F6}"/>
-              </a:ext>
-            </a:extLst>
-          </p:cNvPr>
-          <p:cNvSpPr txBox="1"/>
-          <p:nvPr/>
-        </p:nvSpPr>
-        <p:spPr>
-          <a:xfrm>
-            <a:off x="9295420" y="3960307"/>
-            <a:ext cx="1366020" cy="646331"/>
-          </a:xfrm>
-          <a:prstGeom prst="rect">
-            <a:avLst/>
-          </a:prstGeom>
-          <a:noFill/>
-        </p:spPr>
-        <p:txBody>
-          <a:bodyPr wrap="square" rtlCol="0">
-            <a:spAutoFit/>
-          </a:bodyPr>
-          <a:lstStyle/>
-          <a:p>
-            <a:pPr algn="ctr" defTabSz="609585" fontAlgn="base">
-              <a:spcBef>
-                <a:spcPct val="0"/>
-              </a:spcBef>
-              <a:spcAft>
-                <a:spcPct val="0"/>
-              </a:spcAft>
-              <a:defRPr/>
-            </a:pPr>
-            <a:r>
-              <a:rPr lang="en-US" sz="1200" b="1" dirty="0">
-                <a:solidFill>
-                  <a:srgbClr val="F79646">
-                    <a:lumMod val="50000"/>
-                  </a:srgbClr>
-                </a:solidFill>
-                <a:latin typeface="Arial"/>
-                <a:ea typeface="ヒラギノ角ゴ Pro W3" pitchFamily="-126" charset="-128"/>
-              </a:rPr>
-              <a:t>Risk Adjustment Coder</a:t>
-            </a:r>
-          </a:p>
-        </p:txBody>
-      </p:sp>
-      <p:sp>
-        <p:nvSpPr>
-          <p:cNvPr id="23" name="TextBox 22">
-            <a:extLst>
-              <a:ext uri="{FF2B5EF4-FFF2-40B4-BE49-F238E27FC236}">
-                <a16:creationId xmlns:a16="http://schemas.microsoft.com/office/drawing/2014/main" id="{BE5FA384-4166-4E2C-B2D7-3515E331E8E3}"/>
-              </a:ext>
-            </a:extLst>
-          </p:cNvPr>
-          <p:cNvSpPr txBox="1"/>
-          <p:nvPr/>
-        </p:nvSpPr>
-        <p:spPr>
-          <a:xfrm>
-            <a:off x="6664027" y="4196128"/>
-            <a:ext cx="1366020" cy="276999"/>
-          </a:xfrm>
-          <a:prstGeom prst="rect">
-            <a:avLst/>
-          </a:prstGeom>
-          <a:noFill/>
-        </p:spPr>
-        <p:txBody>
-          <a:bodyPr wrap="square" rtlCol="0">
-            <a:spAutoFit/>
-          </a:bodyPr>
-          <a:lstStyle/>
-          <a:p>
-            <a:pPr algn="ctr" defTabSz="609585" fontAlgn="base">
-              <a:spcBef>
-                <a:spcPct val="0"/>
-              </a:spcBef>
-              <a:spcAft>
-                <a:spcPct val="0"/>
-              </a:spcAft>
-              <a:defRPr/>
-            </a:pPr>
-            <a:r>
-              <a:rPr lang="en-US" sz="1200" b="1" dirty="0">
-                <a:solidFill>
-                  <a:srgbClr val="F79646">
-                    <a:lumMod val="50000"/>
-                  </a:srgbClr>
-                </a:solidFill>
-                <a:latin typeface="Arial"/>
-                <a:ea typeface="ヒラギノ角ゴ Pro W3" pitchFamily="-126" charset="-128"/>
-              </a:rPr>
-              <a:t>Provider</a:t>
-            </a:r>
-          </a:p>
-        </p:txBody>
-      </p:sp>
-      <p:pic>
-        <p:nvPicPr>
-          <p:cNvPr id="24" name="Graphic 23">
-            <a:extLst>
-              <a:ext uri="{FF2B5EF4-FFF2-40B4-BE49-F238E27FC236}">
-                <a16:creationId xmlns:a16="http://schemas.microsoft.com/office/drawing/2014/main" id="{5F02176F-6C48-4B66-BF46-F739D8F9F52D}"/>
-              </a:ext>
-            </a:extLst>
-          </p:cNvPr>
-          <p:cNvPicPr>
-            <a:picLocks noChangeAspect="1"/>
-          </p:cNvPicPr>
-          <p:nvPr/>
-        </p:nvPicPr>
-        <p:blipFill>
-          <a:blip r:embed="rId7">
-            <a:extLst>
-              <a:ext uri="{96DAC541-7B7A-43D3-8B79-37D633B846F1}">
-                <asvg:svgBlip xmlns:asvg="http://schemas.microsoft.com/office/drawing/2016/SVG/main" r:embed="rId8"/>
-              </a:ext>
-            </a:extLst>
-          </a:blip>
-          <a:stretch>
-            <a:fillRect/>
-          </a:stretch>
-        </p:blipFill>
-        <p:spPr>
-          <a:xfrm>
-            <a:off x="2364854" y="3620719"/>
-            <a:ext cx="814124" cy="691379"/>
-          </a:xfrm>
-          <a:prstGeom prst="rect">
-            <a:avLst/>
-          </a:prstGeom>
-        </p:spPr>
-      </p:pic>
-      <p:sp>
-        <p:nvSpPr>
-          <p:cNvPr id="26" name="TextBox 25">
-            <a:extLst>
-              <a:ext uri="{FF2B5EF4-FFF2-40B4-BE49-F238E27FC236}">
-                <a16:creationId xmlns:a16="http://schemas.microsoft.com/office/drawing/2014/main" id="{1DE39854-6D80-4F9E-9853-5D038F217BF8}"/>
-              </a:ext>
-            </a:extLst>
-          </p:cNvPr>
-          <p:cNvSpPr txBox="1"/>
-          <p:nvPr/>
-        </p:nvSpPr>
-        <p:spPr>
-          <a:xfrm>
-            <a:off x="2160141" y="4318092"/>
-            <a:ext cx="1366020" cy="276999"/>
-          </a:xfrm>
-          <a:prstGeom prst="rect">
-            <a:avLst/>
-          </a:prstGeom>
-          <a:noFill/>
-        </p:spPr>
-        <p:txBody>
-          <a:bodyPr wrap="square" rtlCol="0">
-            <a:spAutoFit/>
-          </a:bodyPr>
-          <a:lstStyle/>
-          <a:p>
-            <a:pPr algn="ctr" defTabSz="609585" fontAlgn="base">
-              <a:spcBef>
-                <a:spcPct val="0"/>
-              </a:spcBef>
-              <a:spcAft>
-                <a:spcPct val="0"/>
-              </a:spcAft>
-              <a:defRPr/>
-            </a:pPr>
-            <a:r>
-              <a:rPr lang="en-US" sz="1200" b="1" dirty="0">
-                <a:solidFill>
-                  <a:srgbClr val="F79646">
-                    <a:lumMod val="50000"/>
-                  </a:srgbClr>
-                </a:solidFill>
-                <a:latin typeface="Arial"/>
-                <a:ea typeface="ヒラギノ角ゴ Pro W3" pitchFamily="-126" charset="-128"/>
-              </a:rPr>
-              <a:t>Payer</a:t>
-            </a:r>
-          </a:p>
-        </p:txBody>
-      </p:sp>
-      <p:sp>
-        <p:nvSpPr>
-          <p:cNvPr id="27" name="Rectangle 26">
-            <a:extLst>
-              <a:ext uri="{FF2B5EF4-FFF2-40B4-BE49-F238E27FC236}">
-                <a16:creationId xmlns:a16="http://schemas.microsoft.com/office/drawing/2014/main" id="{8E8DBBBD-C24E-42EF-A9CA-89667C8C2403}"/>
-              </a:ext>
-            </a:extLst>
-          </p:cNvPr>
-          <p:cNvSpPr/>
-          <p:nvPr/>
-        </p:nvSpPr>
-        <p:spPr>
-          <a:xfrm>
-            <a:off x="2331045" y="2939742"/>
-            <a:ext cx="1694923" cy="592953"/>
-          </a:xfrm>
-          <a:prstGeom prst="rect">
-            <a:avLst/>
-          </a:prstGeom>
-          <a:solidFill>
-            <a:schemeClr val="accent1"/>
-          </a:solidFill>
-          <a:ln>
-            <a:solidFill>
-              <a:schemeClr val="accent1"/>
-            </a:solidFill>
-          </a:ln>
-        </p:spPr>
-        <p:style>
-          <a:lnRef idx="2">
-            <a:schemeClr val="accent2">
-              <a:shade val="50000"/>
-            </a:schemeClr>
-          </a:lnRef>
-          <a:fillRef idx="1">
-            <a:schemeClr val="accent2"/>
-          </a:fillRef>
-          <a:effectRef idx="0">
-            <a:schemeClr val="accent2"/>
-          </a:effectRef>
-          <a:fontRef idx="minor">
-            <a:schemeClr val="lt1"/>
-          </a:fontRef>
-        </p:style>
-        <p:txBody>
-          <a:bodyPr rtlCol="0" anchor="ctr"/>
-          <a:lstStyle/>
-          <a:p>
-            <a:pPr algn="ctr"/>
-            <a:r>
-              <a:rPr lang="en-US" sz="1600" dirty="0"/>
-              <a:t>Generation</a:t>
-            </a:r>
-          </a:p>
-          <a:p>
-            <a:pPr algn="ctr"/>
-            <a:r>
-              <a:rPr lang="en-US" sz="1200" dirty="0"/>
-              <a:t>(coding gap reports)</a:t>
-            </a:r>
-          </a:p>
-        </p:txBody>
-      </p:sp>
-      <p:sp>
-        <p:nvSpPr>
-          <p:cNvPr id="29" name="Arrow: Curved Down 28">
-            <a:extLst>
-              <a:ext uri="{FF2B5EF4-FFF2-40B4-BE49-F238E27FC236}">
-                <a16:creationId xmlns:a16="http://schemas.microsoft.com/office/drawing/2014/main" id="{D00F570A-3214-4CAE-B8CE-88B13114B2C2}"/>
-              </a:ext>
-            </a:extLst>
-          </p:cNvPr>
-          <p:cNvSpPr/>
-          <p:nvPr/>
-        </p:nvSpPr>
-        <p:spPr>
-          <a:xfrm>
-            <a:off x="4144934" y="2270366"/>
-            <a:ext cx="2957656" cy="599230"/>
-          </a:xfrm>
-          <a:prstGeom prst="curvedDownArrow">
-            <a:avLst/>
-          </a:prstGeom>
-          <a:solidFill>
-            <a:schemeClr val="accent6">
-              <a:lumMod val="60000"/>
-              <a:lumOff val="40000"/>
-            </a:schemeClr>
-          </a:solidFill>
-        </p:spPr>
-        <p:style>
-          <a:lnRef idx="2">
-            <a:schemeClr val="accent1">
-              <a:shade val="50000"/>
-            </a:schemeClr>
-          </a:lnRef>
-          <a:fillRef idx="1">
-            <a:schemeClr val="accent1"/>
-          </a:fillRef>
-          <a:effectRef idx="0">
-            <a:schemeClr val="accent1"/>
-          </a:effectRef>
-          <a:fontRef idx="minor">
-            <a:schemeClr val="lt1"/>
-          </a:fontRef>
-        </p:style>
-        <p:txBody>
-          <a:bodyPr rtlCol="0" anchor="ctr"/>
-          <a:lstStyle/>
-          <a:p>
-            <a:pPr algn="ctr"/>
-            <a:endParaRPr lang="en-US">
-              <a:solidFill>
-                <a:schemeClr val="tx1"/>
-              </a:solidFill>
-            </a:endParaRPr>
-          </a:p>
-        </p:txBody>
-      </p:sp>
-      <p:sp>
-        <p:nvSpPr>
-          <p:cNvPr id="15" name="Arrow: Curved Down 14">
-            <a:extLst>
-              <a:ext uri="{FF2B5EF4-FFF2-40B4-BE49-F238E27FC236}">
-                <a16:creationId xmlns:a16="http://schemas.microsoft.com/office/drawing/2014/main" id="{064DA815-2EBC-40F6-83F6-36524558366D}"/>
-              </a:ext>
-            </a:extLst>
-          </p:cNvPr>
-          <p:cNvSpPr/>
-          <p:nvPr/>
-        </p:nvSpPr>
-        <p:spPr>
-          <a:xfrm>
-            <a:off x="7528651" y="2689726"/>
-            <a:ext cx="2067713" cy="556071"/>
-          </a:xfrm>
-          <a:prstGeom prst="curvedDownArrow">
-            <a:avLst/>
-          </a:prstGeom>
-        </p:spPr>
-        <p:style>
-          <a:lnRef idx="2">
-            <a:schemeClr val="accent1">
-              <a:shade val="50000"/>
-            </a:schemeClr>
-          </a:lnRef>
-          <a:fillRef idx="1">
-            <a:schemeClr val="accent1"/>
-          </a:fillRef>
-          <a:effectRef idx="0">
-            <a:schemeClr val="accent1"/>
-          </a:effectRef>
-          <a:fontRef idx="minor">
-            <a:schemeClr val="lt1"/>
-          </a:fontRef>
-        </p:style>
-        <p:txBody>
-          <a:bodyPr rtlCol="0" anchor="ctr"/>
-          <a:lstStyle/>
-          <a:p>
-            <a:pPr algn="ctr"/>
-            <a:endParaRPr lang="en-US">
-              <a:solidFill>
-                <a:schemeClr val="tx1"/>
-              </a:solidFill>
-            </a:endParaRPr>
-          </a:p>
-        </p:txBody>
-      </p:sp>
-      <p:sp>
-        <p:nvSpPr>
-          <p:cNvPr id="30" name="Arrow: Curved Down 29">
-            <a:extLst>
-              <a:ext uri="{FF2B5EF4-FFF2-40B4-BE49-F238E27FC236}">
-                <a16:creationId xmlns:a16="http://schemas.microsoft.com/office/drawing/2014/main" id="{3AAE86C9-836A-465E-A80A-5ECC827E88FF}"/>
-              </a:ext>
-            </a:extLst>
-          </p:cNvPr>
-          <p:cNvSpPr/>
-          <p:nvPr/>
-        </p:nvSpPr>
-        <p:spPr>
-          <a:xfrm rot="10800000">
-            <a:off x="3873341" y="4189619"/>
-            <a:ext cx="5505054" cy="885863"/>
-          </a:xfrm>
-          <a:prstGeom prst="curvedDownArrow">
-            <a:avLst/>
-          </a:prstGeom>
-        </p:spPr>
-        <p:style>
-          <a:lnRef idx="2">
-            <a:schemeClr val="accent1">
-              <a:shade val="50000"/>
-            </a:schemeClr>
-          </a:lnRef>
-          <a:fillRef idx="1">
-            <a:schemeClr val="accent1"/>
-          </a:fillRef>
-          <a:effectRef idx="0">
-            <a:schemeClr val="accent1"/>
-          </a:effectRef>
-          <a:fontRef idx="minor">
-            <a:schemeClr val="lt1"/>
-          </a:fontRef>
-        </p:style>
-        <p:txBody>
-          <a:bodyPr rtlCol="0" anchor="ctr"/>
-          <a:lstStyle/>
-          <a:p>
-            <a:pPr algn="ctr"/>
-            <a:endParaRPr lang="en-US">
-              <a:solidFill>
-                <a:schemeClr val="tx1"/>
-              </a:solidFill>
-            </a:endParaRPr>
-          </a:p>
-        </p:txBody>
-      </p:sp>
-      <p:sp>
-        <p:nvSpPr>
-          <p:cNvPr id="19" name="Cylinder 18">
-            <a:extLst>
-              <a:ext uri="{FF2B5EF4-FFF2-40B4-BE49-F238E27FC236}">
-                <a16:creationId xmlns:a16="http://schemas.microsoft.com/office/drawing/2014/main" id="{A34C4C6E-6266-4911-B02E-527883FB1971}"/>
-              </a:ext>
-            </a:extLst>
-          </p:cNvPr>
-          <p:cNvSpPr/>
-          <p:nvPr/>
-        </p:nvSpPr>
-        <p:spPr>
-          <a:xfrm>
-            <a:off x="8196099" y="3960515"/>
-            <a:ext cx="756790" cy="580170"/>
-          </a:xfrm>
-          <a:prstGeom prst="can">
-            <a:avLst/>
-          </a:prstGeom>
-          <a:ln>
-            <a:solidFill>
-              <a:schemeClr val="bg1">
-                <a:lumMod val="95000"/>
-              </a:schemeClr>
-            </a:solidFill>
-          </a:ln>
-        </p:spPr>
-        <p:style>
-          <a:lnRef idx="2">
-            <a:schemeClr val="accent1">
-              <a:shade val="50000"/>
-            </a:schemeClr>
-          </a:lnRef>
-          <a:fillRef idx="1">
-            <a:schemeClr val="accent1"/>
-          </a:fillRef>
-          <a:effectRef idx="0">
-            <a:schemeClr val="accent1"/>
-          </a:effectRef>
-          <a:fontRef idx="minor">
-            <a:schemeClr val="lt1"/>
-          </a:fontRef>
-        </p:style>
-        <p:txBody>
-          <a:bodyPr tIns="137160" rtlCol="0" anchor="ctr"/>
-          <a:lstStyle/>
-          <a:p>
-            <a:pPr algn="ctr">
-              <a:lnSpc>
-                <a:spcPts val="1100"/>
-              </a:lnSpc>
-            </a:pPr>
-            <a:r>
-              <a:rPr lang="en-US" sz="1100" dirty="0"/>
-              <a:t>Provider Patient Records</a:t>
-            </a:r>
-          </a:p>
-        </p:txBody>
-      </p:sp>
-      <p:sp>
-        <p:nvSpPr>
-          <p:cNvPr id="21" name="Cylinder 20">
-            <a:extLst>
-              <a:ext uri="{FF2B5EF4-FFF2-40B4-BE49-F238E27FC236}">
-                <a16:creationId xmlns:a16="http://schemas.microsoft.com/office/drawing/2014/main" id="{D3F92A35-7AE5-4F27-9E30-1FA04160C44D}"/>
-              </a:ext>
-            </a:extLst>
-          </p:cNvPr>
-          <p:cNvSpPr/>
-          <p:nvPr/>
-        </p:nvSpPr>
-        <p:spPr>
-          <a:xfrm>
-            <a:off x="3316154" y="3661989"/>
-            <a:ext cx="756790" cy="585606"/>
-          </a:xfrm>
-          <a:prstGeom prst="can">
-            <a:avLst/>
-          </a:prstGeom>
-          <a:ln>
-            <a:solidFill>
-              <a:schemeClr val="bg1">
-                <a:lumMod val="95000"/>
-              </a:schemeClr>
-            </a:solidFill>
-          </a:ln>
-        </p:spPr>
-        <p:style>
-          <a:lnRef idx="2">
-            <a:schemeClr val="accent1">
-              <a:shade val="50000"/>
-            </a:schemeClr>
-          </a:lnRef>
-          <a:fillRef idx="1">
-            <a:schemeClr val="accent1"/>
-          </a:fillRef>
-          <a:effectRef idx="0">
-            <a:schemeClr val="accent1"/>
-          </a:effectRef>
-          <a:fontRef idx="minor">
-            <a:schemeClr val="lt1"/>
-          </a:fontRef>
-        </p:style>
-        <p:txBody>
-          <a:bodyPr tIns="137160" rtlCol="0" anchor="ctr"/>
-          <a:lstStyle/>
-          <a:p>
-            <a:pPr algn="ctr">
-              <a:lnSpc>
-                <a:spcPts val="1100"/>
-              </a:lnSpc>
-            </a:pPr>
-            <a:r>
-              <a:rPr lang="en-US" sz="1100" dirty="0"/>
-              <a:t>Payer Patient Records</a:t>
-            </a:r>
-          </a:p>
-        </p:txBody>
-      </p:sp>
-      <p:sp>
-        <p:nvSpPr>
-          <p:cNvPr id="20" name="Rectangle 19">
-            <a:extLst>
-              <a:ext uri="{FF2B5EF4-FFF2-40B4-BE49-F238E27FC236}">
-                <a16:creationId xmlns:a16="http://schemas.microsoft.com/office/drawing/2014/main" id="{79A5677D-88DB-4182-9823-C1B40B85F2B4}"/>
-              </a:ext>
-            </a:extLst>
-          </p:cNvPr>
-          <p:cNvSpPr/>
-          <p:nvPr/>
-        </p:nvSpPr>
-        <p:spPr>
-          <a:xfrm>
-            <a:off x="4812313" y="2504891"/>
-            <a:ext cx="1543313" cy="592954"/>
-          </a:xfrm>
-          <a:prstGeom prst="rect">
-            <a:avLst/>
-          </a:prstGeom>
-          <a:solidFill>
-            <a:schemeClr val="accent6">
-              <a:lumMod val="75000"/>
-            </a:schemeClr>
-          </a:solidFill>
-          <a:ln>
-            <a:solidFill>
-              <a:schemeClr val="accent1"/>
-            </a:solidFill>
-          </a:ln>
-        </p:spPr>
-        <p:style>
-          <a:lnRef idx="2">
-            <a:schemeClr val="accent2">
-              <a:shade val="50000"/>
-            </a:schemeClr>
-          </a:lnRef>
-          <a:fillRef idx="1">
-            <a:schemeClr val="accent2"/>
-          </a:fillRef>
-          <a:effectRef idx="0">
-            <a:schemeClr val="accent2"/>
-          </a:effectRef>
-          <a:fontRef idx="minor">
-            <a:schemeClr val="lt1"/>
-          </a:fontRef>
-        </p:style>
-        <p:txBody>
-          <a:bodyPr rtlCol="0" anchor="ctr"/>
-          <a:lstStyle/>
-          <a:p>
-            <a:pPr algn="ctr"/>
-            <a:r>
-              <a:rPr lang="en-US" sz="1600" dirty="0"/>
-              <a:t>Query</a:t>
-            </a:r>
-          </a:p>
-          <a:p>
-            <a:pPr algn="ctr"/>
-            <a:r>
-              <a:rPr lang="en-US" sz="1200" dirty="0"/>
-              <a:t>(coding gap reports)</a:t>
-            </a:r>
-          </a:p>
-        </p:txBody>
-      </p:sp>
-      <p:sp>
-        <p:nvSpPr>
-          <p:cNvPr id="28" name="Arrow: Curved Down 27">
-            <a:extLst>
-              <a:ext uri="{FF2B5EF4-FFF2-40B4-BE49-F238E27FC236}">
-                <a16:creationId xmlns:a16="http://schemas.microsoft.com/office/drawing/2014/main" id="{2A7858BD-689D-47B5-B2DC-863F06809245}"/>
-              </a:ext>
-            </a:extLst>
-          </p:cNvPr>
-          <p:cNvSpPr/>
-          <p:nvPr/>
-        </p:nvSpPr>
-        <p:spPr>
-          <a:xfrm rot="10800000">
-            <a:off x="4144931" y="2875167"/>
-            <a:ext cx="2858983" cy="450801"/>
-          </a:xfrm>
-          <a:prstGeom prst="curvedDownArrow">
-            <a:avLst/>
-          </a:prstGeom>
-          <a:solidFill>
-            <a:schemeClr val="accent6">
-              <a:lumMod val="60000"/>
-              <a:lumOff val="40000"/>
-            </a:schemeClr>
-          </a:solidFill>
-        </p:spPr>
-        <p:style>
-          <a:lnRef idx="2">
-            <a:schemeClr val="accent1">
-              <a:shade val="50000"/>
-            </a:schemeClr>
-          </a:lnRef>
-          <a:fillRef idx="1">
-            <a:schemeClr val="accent1"/>
-          </a:fillRef>
-          <a:effectRef idx="0">
-            <a:schemeClr val="accent1"/>
-          </a:effectRef>
-          <a:fontRef idx="minor">
-            <a:schemeClr val="lt1"/>
-          </a:fontRef>
-        </p:style>
-        <p:txBody>
-          <a:bodyPr rtlCol="0" anchor="ctr"/>
-          <a:lstStyle/>
-          <a:p>
-            <a:pPr algn="ctr"/>
-            <a:endParaRPr lang="en-US">
-              <a:solidFill>
-                <a:schemeClr val="tx1"/>
-              </a:solidFill>
-            </a:endParaRPr>
-          </a:p>
-        </p:txBody>
-      </p:sp>
-      <p:sp>
-        <p:nvSpPr>
-          <p:cNvPr id="8" name="TextBox 7">
-            <a:extLst>
-              <a:ext uri="{FF2B5EF4-FFF2-40B4-BE49-F238E27FC236}">
-                <a16:creationId xmlns:a16="http://schemas.microsoft.com/office/drawing/2014/main" id="{DD7AFA5D-D1C7-4A3B-B082-64F1EA38CFFD}"/>
-              </a:ext>
-            </a:extLst>
-          </p:cNvPr>
-          <p:cNvSpPr txBox="1"/>
-          <p:nvPr/>
-        </p:nvSpPr>
-        <p:spPr>
-          <a:xfrm>
-            <a:off x="8188568" y="2730442"/>
-            <a:ext cx="583429" cy="369332"/>
-          </a:xfrm>
-          <a:prstGeom prst="rect">
-            <a:avLst/>
-          </a:prstGeom>
-          <a:noFill/>
-        </p:spPr>
-        <p:txBody>
-          <a:bodyPr wrap="none" rtlCol="0">
-            <a:spAutoFit/>
-          </a:bodyPr>
-          <a:lstStyle/>
-          <a:p>
-            <a:r>
-              <a:rPr lang="en-US" dirty="0"/>
-              <a:t>Task</a:t>
-            </a:r>
-          </a:p>
-        </p:txBody>
-      </p:sp>
-      <p:sp>
-        <p:nvSpPr>
-          <p:cNvPr id="32" name="TextBox 31">
-            <a:extLst>
-              <a:ext uri="{FF2B5EF4-FFF2-40B4-BE49-F238E27FC236}">
-                <a16:creationId xmlns:a16="http://schemas.microsoft.com/office/drawing/2014/main" id="{4F21EC11-E5A5-4A0B-8B7B-3F3813B97252}"/>
-              </a:ext>
-            </a:extLst>
-          </p:cNvPr>
-          <p:cNvSpPr txBox="1"/>
-          <p:nvPr/>
-        </p:nvSpPr>
-        <p:spPr>
-          <a:xfrm>
-            <a:off x="6668069" y="4683517"/>
-            <a:ext cx="583429" cy="369332"/>
-          </a:xfrm>
-          <a:prstGeom prst="rect">
-            <a:avLst/>
-          </a:prstGeom>
-          <a:noFill/>
-        </p:spPr>
-        <p:txBody>
-          <a:bodyPr wrap="none" rtlCol="0">
-            <a:spAutoFit/>
-          </a:bodyPr>
-          <a:lstStyle/>
-          <a:p>
-            <a:r>
-              <a:rPr lang="en-US" dirty="0"/>
-              <a:t>Task</a:t>
-            </a:r>
-          </a:p>
-        </p:txBody>
-      </p:sp>
-      <p:sp>
-        <p:nvSpPr>
-          <p:cNvPr id="25" name="Rectangle 24">
-            <a:extLst>
-              <a:ext uri="{FF2B5EF4-FFF2-40B4-BE49-F238E27FC236}">
-                <a16:creationId xmlns:a16="http://schemas.microsoft.com/office/drawing/2014/main" id="{F63D65DC-7995-483F-9DBD-92ADFC1E55CF}"/>
-              </a:ext>
-            </a:extLst>
-          </p:cNvPr>
-          <p:cNvSpPr/>
-          <p:nvPr/>
-        </p:nvSpPr>
-        <p:spPr>
-          <a:xfrm>
-            <a:off x="4031373" y="3464300"/>
-            <a:ext cx="6486031" cy="1751136"/>
-          </a:xfrm>
-          <a:prstGeom prst="rect">
-            <a:avLst/>
-          </a:prstGeom>
-          <a:solidFill>
-            <a:schemeClr val="accent4">
-              <a:lumMod val="40000"/>
-              <a:lumOff val="60000"/>
-              <a:alpha val="12000"/>
-            </a:schemeClr>
-          </a:solidFill>
-          <a:ln>
-            <a:noFill/>
-            <a:prstDash val="dash"/>
-          </a:ln>
-        </p:spPr>
-        <p:style>
-          <a:lnRef idx="2">
-            <a:schemeClr val="accent1">
-              <a:shade val="50000"/>
-            </a:schemeClr>
-          </a:lnRef>
-          <a:fillRef idx="1">
-            <a:schemeClr val="accent1"/>
-          </a:fillRef>
-          <a:effectRef idx="0">
-            <a:schemeClr val="accent1"/>
-          </a:effectRef>
-          <a:fontRef idx="minor">
-            <a:schemeClr val="lt1"/>
-          </a:fontRef>
-        </p:style>
-        <p:txBody>
-          <a:bodyPr rtlCol="0" anchor="ctr"/>
-          <a:lstStyle/>
-          <a:p>
-            <a:pPr algn="ctr"/>
-            <a:endParaRPr lang="en-US" dirty="0"/>
-          </a:p>
-        </p:txBody>
-      </p:sp>
-      <p:sp>
-        <p:nvSpPr>
-          <p:cNvPr id="31" name="Rectangle 30">
-            <a:extLst>
-              <a:ext uri="{FF2B5EF4-FFF2-40B4-BE49-F238E27FC236}">
-                <a16:creationId xmlns:a16="http://schemas.microsoft.com/office/drawing/2014/main" id="{A15FE628-F34E-4CBF-984C-9EEE9B1BF69D}"/>
-              </a:ext>
-            </a:extLst>
-          </p:cNvPr>
-          <p:cNvSpPr/>
-          <p:nvPr/>
-        </p:nvSpPr>
-        <p:spPr>
-          <a:xfrm>
-            <a:off x="6633194" y="2284332"/>
-            <a:ext cx="3882599" cy="1179968"/>
-          </a:xfrm>
-          <a:prstGeom prst="rect">
-            <a:avLst/>
-          </a:prstGeom>
-          <a:solidFill>
-            <a:schemeClr val="accent4">
-              <a:lumMod val="40000"/>
-              <a:lumOff val="60000"/>
-              <a:alpha val="12000"/>
-            </a:schemeClr>
-          </a:solidFill>
-          <a:ln>
-            <a:noFill/>
-            <a:prstDash val="dash"/>
-          </a:ln>
-        </p:spPr>
-        <p:style>
-          <a:lnRef idx="2">
-            <a:schemeClr val="accent1">
-              <a:shade val="50000"/>
-            </a:schemeClr>
-          </a:lnRef>
-          <a:fillRef idx="1">
-            <a:schemeClr val="accent1"/>
-          </a:fillRef>
-          <a:effectRef idx="0">
-            <a:schemeClr val="accent1"/>
-          </a:effectRef>
-          <a:fontRef idx="minor">
-            <a:schemeClr val="lt1"/>
-          </a:fontRef>
-        </p:style>
-        <p:txBody>
-          <a:bodyPr rtlCol="0" anchor="ctr"/>
-          <a:lstStyle/>
-          <a:p>
-            <a:pPr algn="ctr"/>
-            <a:endParaRPr lang="en-US" dirty="0"/>
-          </a:p>
-        </p:txBody>
-      </p:sp>
-      <p:sp>
-        <p:nvSpPr>
-          <p:cNvPr id="33" name="Rectangle 32">
-            <a:extLst>
-              <a:ext uri="{FF2B5EF4-FFF2-40B4-BE49-F238E27FC236}">
-                <a16:creationId xmlns:a16="http://schemas.microsoft.com/office/drawing/2014/main" id="{DE8343F4-F539-43E1-9E62-72D49257EC88}"/>
-              </a:ext>
-            </a:extLst>
-          </p:cNvPr>
-          <p:cNvSpPr/>
-          <p:nvPr/>
-        </p:nvSpPr>
-        <p:spPr>
-          <a:xfrm>
-            <a:off x="6435574" y="6277377"/>
-            <a:ext cx="1709840" cy="604332"/>
-          </a:xfrm>
-          <a:prstGeom prst="rect">
-            <a:avLst/>
-          </a:prstGeom>
-        </p:spPr>
-        <p:style>
-          <a:lnRef idx="2">
-            <a:schemeClr val="accent2">
-              <a:shade val="50000"/>
-            </a:schemeClr>
-          </a:lnRef>
-          <a:fillRef idx="1">
-            <a:schemeClr val="accent2"/>
-          </a:fillRef>
-          <a:effectRef idx="0">
-            <a:schemeClr val="accent2"/>
-          </a:effectRef>
-          <a:fontRef idx="minor">
-            <a:schemeClr val="lt1"/>
-          </a:fontRef>
-        </p:style>
-        <p:txBody>
-          <a:bodyPr rtlCol="0" anchor="ctr"/>
-          <a:lstStyle/>
-          <a:p>
-            <a:pPr algn="ctr"/>
-            <a:r>
-              <a:rPr lang="en-US" sz="1600" dirty="0"/>
-              <a:t>Remediation</a:t>
-            </a:r>
-          </a:p>
-          <a:p>
-            <a:pPr algn="ctr"/>
-            <a:r>
-              <a:rPr lang="en-US" sz="1200" dirty="0"/>
-              <a:t>(gap closure/ invalidation/net-new)</a:t>
-            </a:r>
-          </a:p>
-        </p:txBody>
-      </p:sp>
-    </p:spTree>
-    <p:extLst>
-      <p:ext uri="{BB962C8B-B14F-4D97-AF65-F5344CB8AC3E}">
-        <p14:creationId xmlns:p14="http://schemas.microsoft.com/office/powerpoint/2010/main" val="523768926"/>
-      </p:ext>
-    </p:extLst>
-  </p:cSld>
-  <p:clrMapOvr>
-    <a:masterClrMapping/>
-  </p:clrMapOvr>
-</p:sld>
-</file>
-
 <file path=ppt/slides/slide38.xml><?xml version="1.0" encoding="utf-8"?>
 <p:sld xmlns:a="http://schemas.openxmlformats.org/drawingml/2006/main" xmlns:r="http://schemas.openxmlformats.org/officeDocument/2006/relationships" xmlns:p="http://schemas.openxmlformats.org/presentationml/2006/main">
   <p:cSld>
@@ -42437,7 +42484,7 @@
           <p:cNvPr id="2" name="Title 1">
             <a:extLst>
               <a:ext uri="{FF2B5EF4-FFF2-40B4-BE49-F238E27FC236}">
-                <a16:creationId xmlns:a16="http://schemas.microsoft.com/office/drawing/2014/main" id="{E6992073-D200-42E0-9FB9-A038AA6450B8}"/>
+                <a16:creationId xmlns:a16="http://schemas.microsoft.com/office/drawing/2014/main" id="{45C36D41-3B9C-4F88-A537-A19E6C98DD9A}"/>
               </a:ext>
             </a:extLst>
           </p:cNvPr>
@@ -42448,9 +42495,129 @@
             <p:ph type="title"/>
           </p:nvPr>
         </p:nvSpPr>
-        <p:spPr>
-          <a:xfrm>
-            <a:off x="818196" y="234882"/>
+        <p:spPr/>
+        <p:txBody>
+          <a:bodyPr/>
+          <a:lstStyle/>
+          <a:p>
+            <a:endParaRPr lang="en-US"/>
+          </a:p>
+        </p:txBody>
+      </p:sp>
+      <p:sp>
+        <p:nvSpPr>
+          <p:cNvPr id="3" name="Footer Placeholder 2">
+            <a:extLst>
+              <a:ext uri="{FF2B5EF4-FFF2-40B4-BE49-F238E27FC236}">
+                <a16:creationId xmlns:a16="http://schemas.microsoft.com/office/drawing/2014/main" id="{B8BE07C0-1CDE-4921-A586-97651085D940}"/>
+              </a:ext>
+            </a:extLst>
+          </p:cNvPr>
+          <p:cNvSpPr>
+            <a:spLocks noGrp="1"/>
+          </p:cNvSpPr>
+          <p:nvPr>
+            <p:ph type="ftr" sz="quarter" idx="10"/>
+          </p:nvPr>
+        </p:nvSpPr>
+        <p:spPr/>
+        <p:txBody>
+          <a:bodyPr/>
+          <a:lstStyle/>
+          <a:p>
+            <a:r>
+              <a:rPr lang="en-US" b="1"/>
+              <a:t>© 2019 Health Level Seven ® International. Licensed under Creative Commons Attribution 4.0 International</a:t>
+            </a:r>
+          </a:p>
+          <a:p>
+            <a:r>
+              <a:rPr lang="en-US" b="1"/>
+              <a:t>HL7, Health Level Seven, FHIR and the FHIR flame logo are registered trademarks of Health Level Seven International. Reg. U.S. TM Office.</a:t>
+            </a:r>
+            <a:endParaRPr lang="en-US" b="1" dirty="0"/>
+          </a:p>
+        </p:txBody>
+      </p:sp>
+      <p:sp>
+        <p:nvSpPr>
+          <p:cNvPr id="4" name="Slide Number Placeholder 3">
+            <a:extLst>
+              <a:ext uri="{FF2B5EF4-FFF2-40B4-BE49-F238E27FC236}">
+                <a16:creationId xmlns:a16="http://schemas.microsoft.com/office/drawing/2014/main" id="{FBE7E021-938E-4D23-BC9C-3A3D1C5F61CF}"/>
+              </a:ext>
+            </a:extLst>
+          </p:cNvPr>
+          <p:cNvSpPr>
+            <a:spLocks noGrp="1"/>
+          </p:cNvSpPr>
+          <p:nvPr>
+            <p:ph type="sldNum" sz="quarter" idx="11"/>
+          </p:nvPr>
+        </p:nvSpPr>
+        <p:spPr/>
+        <p:txBody>
+          <a:bodyPr/>
+          <a:lstStyle/>
+          <a:p>
+            <a:fld id="{6CACE926-AEF5-4BFE-8BD7-24414108CB7B}" type="slidenum">
+              <a:rPr lang="en-US" altLang="en-US" smtClean="0"/>
+              <a:pPr/>
+              <a:t>38</a:t>
+            </a:fld>
+            <a:endParaRPr lang="en-US" altLang="en-US" dirty="0"/>
+          </a:p>
+        </p:txBody>
+      </p:sp>
+    </p:spTree>
+    <p:extLst>
+      <p:ext uri="{BB962C8B-B14F-4D97-AF65-F5344CB8AC3E}">
+        <p14:creationId xmlns:p14="http://schemas.microsoft.com/office/powerpoint/2010/main" val="2711422049"/>
+      </p:ext>
+    </p:extLst>
+  </p:cSld>
+  <p:clrMapOvr>
+    <a:masterClrMapping/>
+  </p:clrMapOvr>
+</p:sld>
+</file>
+
+<file path=ppt/slides/slide39.xml><?xml version="1.0" encoding="utf-8"?>
+<p:sld xmlns:a="http://schemas.openxmlformats.org/drawingml/2006/main" xmlns:r="http://schemas.openxmlformats.org/officeDocument/2006/relationships" xmlns:p="http://schemas.openxmlformats.org/presentationml/2006/main">
+  <p:cSld>
+    <p:spTree>
+      <p:nvGrpSpPr>
+        <p:cNvPr id="1" name=""/>
+        <p:cNvGrpSpPr/>
+        <p:nvPr/>
+      </p:nvGrpSpPr>
+      <p:grpSpPr>
+        <a:xfrm>
+          <a:off x="0" y="0"/>
+          <a:ext cx="0" cy="0"/>
+          <a:chOff x="0" y="0"/>
+          <a:chExt cx="0" cy="0"/>
+        </a:xfrm>
+      </p:grpSpPr>
+      <p:sp>
+        <p:nvSpPr>
+          <p:cNvPr id="2" name="Title 1">
+            <a:extLst>
+              <a:ext uri="{FF2B5EF4-FFF2-40B4-BE49-F238E27FC236}">
+                <a16:creationId xmlns:a16="http://schemas.microsoft.com/office/drawing/2014/main" id="{E6992073-D200-42E0-9FB9-A038AA6450B8}"/>
+              </a:ext>
+            </a:extLst>
+          </p:cNvPr>
+          <p:cNvSpPr>
+            <a:spLocks noGrp="1"/>
+          </p:cNvSpPr>
+          <p:nvPr>
+            <p:ph type="title"/>
+          </p:nvPr>
+        </p:nvSpPr>
+        <p:spPr>
+          <a:xfrm>
+            <a:off x="591768" y="197930"/>
             <a:ext cx="10972800" cy="1043103"/>
           </a:xfrm>
         </p:spPr>
@@ -42483,8 +42650,8 @@
         </p:nvSpPr>
         <p:spPr>
           <a:xfrm>
-            <a:off x="1150529" y="2015845"/>
-            <a:ext cx="10971844" cy="4501401"/>
+            <a:off x="864779" y="1820755"/>
+            <a:ext cx="10971844" cy="3456096"/>
           </a:xfrm>
         </p:spPr>
         <p:txBody>
@@ -42525,7 +42692,7 @@
             <a:fld id="{6CACE926-AEF5-4BFE-8BD7-24414108CB7B}" type="slidenum">
               <a:rPr lang="en-US" altLang="en-US" smtClean="0"/>
               <a:pPr/>
-              <a:t>38</a:t>
+              <a:t>39</a:t>
             </a:fld>
             <a:endParaRPr lang="en-US" altLang="en-US" dirty="0"/>
           </a:p>
@@ -42545,8 +42712,8 @@
         </p:nvSpPr>
         <p:spPr>
           <a:xfrm>
-            <a:off x="6889475" y="3079074"/>
-            <a:ext cx="1543313" cy="622319"/>
+            <a:off x="7668555" y="3335372"/>
+            <a:ext cx="1709840" cy="604332"/>
           </a:xfrm>
           <a:prstGeom prst="rect">
             <a:avLst/>
@@ -42582,7 +42749,7 @@
             <a:pPr algn="ctr"/>
             <a:r>
               <a:rPr lang="en-US" sz="1200" dirty="0"/>
-              <a:t>(gap closure/ invalidation)</a:t>
+              <a:t>(gap closure/ invalidation/net-new)</a:t>
             </a:r>
           </a:p>
         </p:txBody>
@@ -42615,7 +42782,7 @@
         </p:blipFill>
         <p:spPr>
           <a:xfrm>
-            <a:off x="5879149" y="3059160"/>
+            <a:off x="6921590" y="3199669"/>
             <a:ext cx="659817" cy="996459"/>
           </a:xfrm>
           <a:prstGeom prst="rect">
@@ -42651,7 +42818,7 @@
         </p:blipFill>
         <p:spPr>
           <a:xfrm>
-            <a:off x="8650860" y="2968907"/>
+            <a:off x="9550777" y="3116859"/>
             <a:ext cx="659817" cy="817600"/>
           </a:xfrm>
           <a:prstGeom prst="rect">
@@ -42673,7 +42840,7 @@
         </p:nvSpPr>
         <p:spPr>
           <a:xfrm>
-            <a:off x="8395503" y="3812355"/>
+            <a:off x="9295420" y="3960307"/>
             <a:ext cx="1366020" cy="646331"/>
           </a:xfrm>
           <a:prstGeom prst="rect">
@@ -42725,7 +42892,7 @@
         </p:nvSpPr>
         <p:spPr>
           <a:xfrm>
-            <a:off x="5621586" y="4055619"/>
+            <a:off x="6664027" y="4196128"/>
             <a:ext cx="1366020" cy="276999"/>
           </a:xfrm>
           <a:prstGeom prst="rect">
@@ -42791,7 +42958,7 @@
         </p:blipFill>
         <p:spPr>
           <a:xfrm>
-            <a:off x="3657128" y="2990139"/>
+            <a:off x="2364854" y="3620719"/>
             <a:ext cx="814124" cy="691379"/>
           </a:xfrm>
           <a:prstGeom prst="rect">
@@ -42801,10 +42968,62 @@
       </p:pic>
       <p:sp>
         <p:nvSpPr>
-          <p:cNvPr id="25" name="Rectangle 24">
-            <a:extLst>
-              <a:ext uri="{FF2B5EF4-FFF2-40B4-BE49-F238E27FC236}">
-                <a16:creationId xmlns:a16="http://schemas.microsoft.com/office/drawing/2014/main" id="{8A5124E1-3137-4951-955F-06EAED810031}"/>
+          <p:cNvPr id="26" name="TextBox 25">
+            <a:extLst>
+              <a:ext uri="{FF2B5EF4-FFF2-40B4-BE49-F238E27FC236}">
+                <a16:creationId xmlns:a16="http://schemas.microsoft.com/office/drawing/2014/main" id="{1DE39854-6D80-4F9E-9853-5D038F217BF8}"/>
+              </a:ext>
+            </a:extLst>
+          </p:cNvPr>
+          <p:cNvSpPr txBox="1"/>
+          <p:nvPr/>
+        </p:nvSpPr>
+        <p:spPr>
+          <a:xfrm>
+            <a:off x="2160141" y="4318092"/>
+            <a:ext cx="1366020" cy="276999"/>
+          </a:xfrm>
+          <a:prstGeom prst="rect">
+            <a:avLst/>
+          </a:prstGeom>
+          <a:noFill/>
+        </p:spPr>
+        <p:txBody>
+          <a:bodyPr wrap="square" rtlCol="0">
+            <a:spAutoFit/>
+          </a:bodyPr>
+          <a:lstStyle/>
+          <a:p>
+            <a:pPr algn="ctr" defTabSz="609585" fontAlgn="base">
+              <a:spcBef>
+                <a:spcPct val="0"/>
+              </a:spcBef>
+              <a:spcAft>
+                <a:spcPct val="0"/>
+              </a:spcAft>
+              <a:defRPr/>
+            </a:pPr>
+            <a:r>
+              <a:rPr lang="en-US" sz="1200" b="1" dirty="0">
+                <a:solidFill>
+                  <a:srgbClr val="F79646">
+                    <a:lumMod val="50000"/>
+                  </a:srgbClr>
+                </a:solidFill>
+                <a:latin typeface="Arial"/>
+                <a:ea typeface="ヒラギノ角ゴ Pro W3" pitchFamily="-126" charset="-128"/>
+              </a:rPr>
+              <a:t>Payer</a:t>
+            </a:r>
+          </a:p>
+        </p:txBody>
+      </p:sp>
+      <p:sp>
+        <p:nvSpPr>
+          <p:cNvPr id="27" name="Rectangle 26">
+            <a:extLst>
+              <a:ext uri="{FF2B5EF4-FFF2-40B4-BE49-F238E27FC236}">
+                <a16:creationId xmlns:a16="http://schemas.microsoft.com/office/drawing/2014/main" id="{8E8DBBBD-C24E-42EF-A9CA-89667C8C2403}"/>
               </a:ext>
             </a:extLst>
           </p:cNvPr>
@@ -42813,16 +43032,14 @@
         </p:nvSpPr>
         <p:spPr>
           <a:xfrm>
-            <a:off x="3280817" y="3925227"/>
-            <a:ext cx="1543313" cy="592954"/>
+            <a:off x="2331045" y="2939742"/>
+            <a:ext cx="1694923" cy="592953"/>
           </a:xfrm>
           <a:prstGeom prst="rect">
             <a:avLst/>
           </a:prstGeom>
           <a:solidFill>
-            <a:schemeClr val="accent6">
-              <a:lumMod val="75000"/>
-            </a:schemeClr>
+            <a:schemeClr val="accent1"/>
           </a:solidFill>
           <a:ln>
             <a:solidFill>
@@ -42853,92 +43070,318 @@
             <a:pPr algn="ctr"/>
             <a:r>
               <a:rPr lang="en-US" sz="1600" dirty="0"/>
-              <a:t>Resolution</a:t>
+              <a:t>Generation</a:t>
             </a:r>
           </a:p>
           <a:p>
             <a:pPr algn="ctr"/>
             <a:r>
               <a:rPr lang="en-US" sz="1200" dirty="0"/>
-              <a:t>(resolve gap closure/ invalidation)</a:t>
-            </a:r>
-          </a:p>
-        </p:txBody>
-      </p:sp>
-      <p:sp>
-        <p:nvSpPr>
-          <p:cNvPr id="26" name="TextBox 25">
-            <a:extLst>
-              <a:ext uri="{FF2B5EF4-FFF2-40B4-BE49-F238E27FC236}">
-                <a16:creationId xmlns:a16="http://schemas.microsoft.com/office/drawing/2014/main" id="{1DE39854-6D80-4F9E-9853-5D038F217BF8}"/>
-              </a:ext>
-            </a:extLst>
-          </p:cNvPr>
-          <p:cNvSpPr txBox="1"/>
-          <p:nvPr/>
-        </p:nvSpPr>
-        <p:spPr>
-          <a:xfrm>
-            <a:off x="3394769" y="3613543"/>
-            <a:ext cx="1366020" cy="276999"/>
+              <a:t>(coding gap reports)</a:t>
+            </a:r>
+          </a:p>
+        </p:txBody>
+      </p:sp>
+      <p:sp>
+        <p:nvSpPr>
+          <p:cNvPr id="29" name="Arrow: Curved Down 28">
+            <a:extLst>
+              <a:ext uri="{FF2B5EF4-FFF2-40B4-BE49-F238E27FC236}">
+                <a16:creationId xmlns:a16="http://schemas.microsoft.com/office/drawing/2014/main" id="{D00F570A-3214-4CAE-B8CE-88B13114B2C2}"/>
+              </a:ext>
+            </a:extLst>
+          </p:cNvPr>
+          <p:cNvSpPr/>
+          <p:nvPr/>
+        </p:nvSpPr>
+        <p:spPr>
+          <a:xfrm>
+            <a:off x="4144934" y="2270366"/>
+            <a:ext cx="2957656" cy="599230"/>
+          </a:xfrm>
+          <a:prstGeom prst="curvedDownArrow">
+            <a:avLst/>
+          </a:prstGeom>
+          <a:solidFill>
+            <a:schemeClr val="accent6">
+              <a:lumMod val="60000"/>
+              <a:lumOff val="40000"/>
+            </a:schemeClr>
+          </a:solidFill>
+        </p:spPr>
+        <p:style>
+          <a:lnRef idx="2">
+            <a:schemeClr val="accent1">
+              <a:shade val="50000"/>
+            </a:schemeClr>
+          </a:lnRef>
+          <a:fillRef idx="1">
+            <a:schemeClr val="accent1"/>
+          </a:fillRef>
+          <a:effectRef idx="0">
+            <a:schemeClr val="accent1"/>
+          </a:effectRef>
+          <a:fontRef idx="minor">
+            <a:schemeClr val="lt1"/>
+          </a:fontRef>
+        </p:style>
+        <p:txBody>
+          <a:bodyPr rtlCol="0" anchor="ctr"/>
+          <a:lstStyle/>
+          <a:p>
+            <a:pPr algn="ctr"/>
+            <a:endParaRPr lang="en-US">
+              <a:solidFill>
+                <a:schemeClr val="tx1"/>
+              </a:solidFill>
+            </a:endParaRPr>
+          </a:p>
+        </p:txBody>
+      </p:sp>
+      <p:sp>
+        <p:nvSpPr>
+          <p:cNvPr id="15" name="Arrow: Curved Down 14">
+            <a:extLst>
+              <a:ext uri="{FF2B5EF4-FFF2-40B4-BE49-F238E27FC236}">
+                <a16:creationId xmlns:a16="http://schemas.microsoft.com/office/drawing/2014/main" id="{064DA815-2EBC-40F6-83F6-36524558366D}"/>
+              </a:ext>
+            </a:extLst>
+          </p:cNvPr>
+          <p:cNvSpPr/>
+          <p:nvPr/>
+        </p:nvSpPr>
+        <p:spPr>
+          <a:xfrm>
+            <a:off x="7528651" y="2689726"/>
+            <a:ext cx="2067713" cy="556071"/>
+          </a:xfrm>
+          <a:prstGeom prst="curvedDownArrow">
+            <a:avLst/>
+          </a:prstGeom>
+        </p:spPr>
+        <p:style>
+          <a:lnRef idx="2">
+            <a:schemeClr val="accent1">
+              <a:shade val="50000"/>
+            </a:schemeClr>
+          </a:lnRef>
+          <a:fillRef idx="1">
+            <a:schemeClr val="accent1"/>
+          </a:fillRef>
+          <a:effectRef idx="0">
+            <a:schemeClr val="accent1"/>
+          </a:effectRef>
+          <a:fontRef idx="minor">
+            <a:schemeClr val="lt1"/>
+          </a:fontRef>
+        </p:style>
+        <p:txBody>
+          <a:bodyPr rtlCol="0" anchor="ctr"/>
+          <a:lstStyle/>
+          <a:p>
+            <a:pPr algn="ctr"/>
+            <a:endParaRPr lang="en-US">
+              <a:solidFill>
+                <a:schemeClr val="tx1"/>
+              </a:solidFill>
+            </a:endParaRPr>
+          </a:p>
+        </p:txBody>
+      </p:sp>
+      <p:sp>
+        <p:nvSpPr>
+          <p:cNvPr id="30" name="Arrow: Curved Down 29">
+            <a:extLst>
+              <a:ext uri="{FF2B5EF4-FFF2-40B4-BE49-F238E27FC236}">
+                <a16:creationId xmlns:a16="http://schemas.microsoft.com/office/drawing/2014/main" id="{3AAE86C9-836A-465E-A80A-5ECC827E88FF}"/>
+              </a:ext>
+            </a:extLst>
+          </p:cNvPr>
+          <p:cNvSpPr/>
+          <p:nvPr/>
+        </p:nvSpPr>
+        <p:spPr>
+          <a:xfrm rot="10800000">
+            <a:off x="3873341" y="4189619"/>
+            <a:ext cx="5505054" cy="885863"/>
+          </a:xfrm>
+          <a:prstGeom prst="curvedDownArrow">
+            <a:avLst/>
+          </a:prstGeom>
+        </p:spPr>
+        <p:style>
+          <a:lnRef idx="2">
+            <a:schemeClr val="accent1">
+              <a:shade val="50000"/>
+            </a:schemeClr>
+          </a:lnRef>
+          <a:fillRef idx="1">
+            <a:schemeClr val="accent1"/>
+          </a:fillRef>
+          <a:effectRef idx="0">
+            <a:schemeClr val="accent1"/>
+          </a:effectRef>
+          <a:fontRef idx="minor">
+            <a:schemeClr val="lt1"/>
+          </a:fontRef>
+        </p:style>
+        <p:txBody>
+          <a:bodyPr rtlCol="0" anchor="ctr"/>
+          <a:lstStyle/>
+          <a:p>
+            <a:pPr algn="ctr"/>
+            <a:endParaRPr lang="en-US">
+              <a:solidFill>
+                <a:schemeClr val="tx1"/>
+              </a:solidFill>
+            </a:endParaRPr>
+          </a:p>
+        </p:txBody>
+      </p:sp>
+      <p:sp>
+        <p:nvSpPr>
+          <p:cNvPr id="19" name="Cylinder 18">
+            <a:extLst>
+              <a:ext uri="{FF2B5EF4-FFF2-40B4-BE49-F238E27FC236}">
+                <a16:creationId xmlns:a16="http://schemas.microsoft.com/office/drawing/2014/main" id="{A34C4C6E-6266-4911-B02E-527883FB1971}"/>
+              </a:ext>
+            </a:extLst>
+          </p:cNvPr>
+          <p:cNvSpPr/>
+          <p:nvPr/>
+        </p:nvSpPr>
+        <p:spPr>
+          <a:xfrm>
+            <a:off x="8196099" y="3960515"/>
+            <a:ext cx="756790" cy="580170"/>
+          </a:xfrm>
+          <a:prstGeom prst="can">
+            <a:avLst/>
+          </a:prstGeom>
+          <a:ln>
+            <a:solidFill>
+              <a:schemeClr val="bg1">
+                <a:lumMod val="95000"/>
+              </a:schemeClr>
+            </a:solidFill>
+          </a:ln>
+        </p:spPr>
+        <p:style>
+          <a:lnRef idx="2">
+            <a:schemeClr val="accent1">
+              <a:shade val="50000"/>
+            </a:schemeClr>
+          </a:lnRef>
+          <a:fillRef idx="1">
+            <a:schemeClr val="accent1"/>
+          </a:fillRef>
+          <a:effectRef idx="0">
+            <a:schemeClr val="accent1"/>
+          </a:effectRef>
+          <a:fontRef idx="minor">
+            <a:schemeClr val="lt1"/>
+          </a:fontRef>
+        </p:style>
+        <p:txBody>
+          <a:bodyPr tIns="137160" rtlCol="0" anchor="ctr"/>
+          <a:lstStyle/>
+          <a:p>
+            <a:pPr algn="ctr">
+              <a:lnSpc>
+                <a:spcPts val="1100"/>
+              </a:lnSpc>
+            </a:pPr>
+            <a:r>
+              <a:rPr lang="en-US" sz="1100" dirty="0"/>
+              <a:t>Provider Patient Records</a:t>
+            </a:r>
+          </a:p>
+        </p:txBody>
+      </p:sp>
+      <p:sp>
+        <p:nvSpPr>
+          <p:cNvPr id="21" name="Cylinder 20">
+            <a:extLst>
+              <a:ext uri="{FF2B5EF4-FFF2-40B4-BE49-F238E27FC236}">
+                <a16:creationId xmlns:a16="http://schemas.microsoft.com/office/drawing/2014/main" id="{D3F92A35-7AE5-4F27-9E30-1FA04160C44D}"/>
+              </a:ext>
+            </a:extLst>
+          </p:cNvPr>
+          <p:cNvSpPr/>
+          <p:nvPr/>
+        </p:nvSpPr>
+        <p:spPr>
+          <a:xfrm>
+            <a:off x="3316154" y="3661989"/>
+            <a:ext cx="756790" cy="585606"/>
+          </a:xfrm>
+          <a:prstGeom prst="can">
+            <a:avLst/>
+          </a:prstGeom>
+          <a:ln>
+            <a:solidFill>
+              <a:schemeClr val="bg1">
+                <a:lumMod val="95000"/>
+              </a:schemeClr>
+            </a:solidFill>
+          </a:ln>
+        </p:spPr>
+        <p:style>
+          <a:lnRef idx="2">
+            <a:schemeClr val="accent1">
+              <a:shade val="50000"/>
+            </a:schemeClr>
+          </a:lnRef>
+          <a:fillRef idx="1">
+            <a:schemeClr val="accent1"/>
+          </a:fillRef>
+          <a:effectRef idx="0">
+            <a:schemeClr val="accent1"/>
+          </a:effectRef>
+          <a:fontRef idx="minor">
+            <a:schemeClr val="lt1"/>
+          </a:fontRef>
+        </p:style>
+        <p:txBody>
+          <a:bodyPr tIns="137160" rtlCol="0" anchor="ctr"/>
+          <a:lstStyle/>
+          <a:p>
+            <a:pPr algn="ctr">
+              <a:lnSpc>
+                <a:spcPts val="1100"/>
+              </a:lnSpc>
+            </a:pPr>
+            <a:r>
+              <a:rPr lang="en-US" sz="1100" dirty="0"/>
+              <a:t>Payer Patient Records</a:t>
+            </a:r>
+          </a:p>
+        </p:txBody>
+      </p:sp>
+      <p:sp>
+        <p:nvSpPr>
+          <p:cNvPr id="20" name="Rectangle 19">
+            <a:extLst>
+              <a:ext uri="{FF2B5EF4-FFF2-40B4-BE49-F238E27FC236}">
+                <a16:creationId xmlns:a16="http://schemas.microsoft.com/office/drawing/2014/main" id="{79A5677D-88DB-4182-9823-C1B40B85F2B4}"/>
+              </a:ext>
+            </a:extLst>
+          </p:cNvPr>
+          <p:cNvSpPr/>
+          <p:nvPr/>
+        </p:nvSpPr>
+        <p:spPr>
+          <a:xfrm>
+            <a:off x="4812313" y="2504891"/>
+            <a:ext cx="1543313" cy="592954"/>
           </a:xfrm>
           <a:prstGeom prst="rect">
             <a:avLst/>
           </a:prstGeom>
-          <a:noFill/>
-        </p:spPr>
-        <p:txBody>
-          <a:bodyPr wrap="square" rtlCol="0">
-            <a:spAutoFit/>
-          </a:bodyPr>
-          <a:lstStyle/>
-          <a:p>
-            <a:pPr algn="ctr" defTabSz="609585" fontAlgn="base">
-              <a:spcBef>
-                <a:spcPct val="0"/>
-              </a:spcBef>
-              <a:spcAft>
-                <a:spcPct val="0"/>
-              </a:spcAft>
-              <a:defRPr/>
-            </a:pPr>
-            <a:r>
-              <a:rPr lang="en-US" sz="1200" b="1" dirty="0">
-                <a:solidFill>
-                  <a:srgbClr val="F79646">
-                    <a:lumMod val="50000"/>
-                  </a:srgbClr>
-                </a:solidFill>
-                <a:latin typeface="Arial"/>
-                <a:ea typeface="ヒラギノ角ゴ Pro W3" pitchFamily="-126" charset="-128"/>
-              </a:rPr>
-              <a:t>Payer</a:t>
-            </a:r>
-          </a:p>
-        </p:txBody>
-      </p:sp>
-      <p:sp>
-        <p:nvSpPr>
-          <p:cNvPr id="27" name="Rectangle 26">
-            <a:extLst>
-              <a:ext uri="{FF2B5EF4-FFF2-40B4-BE49-F238E27FC236}">
-                <a16:creationId xmlns:a16="http://schemas.microsoft.com/office/drawing/2014/main" id="{8E8DBBBD-C24E-42EF-A9CA-89667C8C2403}"/>
-              </a:ext>
-            </a:extLst>
-          </p:cNvPr>
-          <p:cNvSpPr/>
-          <p:nvPr/>
-        </p:nvSpPr>
-        <p:spPr>
-          <a:xfrm>
-            <a:off x="3280816" y="2279145"/>
-            <a:ext cx="1543313" cy="592953"/>
-          </a:xfrm>
-          <a:prstGeom prst="rect">
-            <a:avLst/>
-          </a:prstGeom>
           <a:solidFill>
-            <a:schemeClr val="accent1"/>
+            <a:schemeClr val="accent6">
+              <a:lumMod val="75000"/>
+            </a:schemeClr>
           </a:solidFill>
           <a:ln>
             <a:solidFill>
@@ -42969,7 +43412,7 @@
             <a:pPr algn="ctr"/>
             <a:r>
               <a:rPr lang="en-US" sz="1600" dirty="0"/>
-              <a:t>Generation</a:t>
+              <a:t>Query</a:t>
             </a:r>
           </a:p>
           <a:p>
@@ -42983,10 +43426,10 @@
       </p:sp>
       <p:sp>
         <p:nvSpPr>
-          <p:cNvPr id="13" name="Arrow: Curved Down 12">
-            <a:extLst>
-              <a:ext uri="{FF2B5EF4-FFF2-40B4-BE49-F238E27FC236}">
-                <a16:creationId xmlns:a16="http://schemas.microsoft.com/office/drawing/2014/main" id="{049F932E-55AF-455D-B792-48B4E9AA466D}"/>
+          <p:cNvPr id="28" name="Arrow: Curved Down 27">
+            <a:extLst>
+              <a:ext uri="{FF2B5EF4-FFF2-40B4-BE49-F238E27FC236}">
+                <a16:creationId xmlns:a16="http://schemas.microsoft.com/office/drawing/2014/main" id="{2A7858BD-689D-47B5-B2DC-863F06809245}"/>
               </a:ext>
             </a:extLst>
           </p:cNvPr>
@@ -42995,8 +43438,8 @@
         </p:nvSpPr>
         <p:spPr>
           <a:xfrm rot="10800000">
-            <a:off x="4599339" y="4631986"/>
-            <a:ext cx="2858983" cy="731521"/>
+            <a:off x="4144931" y="2875167"/>
+            <a:ext cx="2858983" cy="450801"/>
           </a:xfrm>
           <a:prstGeom prst="curvedDownArrow">
             <a:avLst/>
@@ -43039,10 +43482,80 @@
       </p:sp>
       <p:sp>
         <p:nvSpPr>
-          <p:cNvPr id="29" name="Arrow: Curved Down 28">
-            <a:extLst>
-              <a:ext uri="{FF2B5EF4-FFF2-40B4-BE49-F238E27FC236}">
-                <a16:creationId xmlns:a16="http://schemas.microsoft.com/office/drawing/2014/main" id="{D00F570A-3214-4CAE-B8CE-88B13114B2C2}"/>
+          <p:cNvPr id="8" name="TextBox 7">
+            <a:extLst>
+              <a:ext uri="{FF2B5EF4-FFF2-40B4-BE49-F238E27FC236}">
+                <a16:creationId xmlns:a16="http://schemas.microsoft.com/office/drawing/2014/main" id="{DD7AFA5D-D1C7-4A3B-B082-64F1EA38CFFD}"/>
+              </a:ext>
+            </a:extLst>
+          </p:cNvPr>
+          <p:cNvSpPr txBox="1"/>
+          <p:nvPr/>
+        </p:nvSpPr>
+        <p:spPr>
+          <a:xfrm>
+            <a:off x="8188568" y="2730442"/>
+            <a:ext cx="583429" cy="369332"/>
+          </a:xfrm>
+          <a:prstGeom prst="rect">
+            <a:avLst/>
+          </a:prstGeom>
+          <a:noFill/>
+        </p:spPr>
+        <p:txBody>
+          <a:bodyPr wrap="none" rtlCol="0">
+            <a:spAutoFit/>
+          </a:bodyPr>
+          <a:lstStyle/>
+          <a:p>
+            <a:r>
+              <a:rPr lang="en-US" dirty="0"/>
+              <a:t>Task</a:t>
+            </a:r>
+          </a:p>
+        </p:txBody>
+      </p:sp>
+      <p:sp>
+        <p:nvSpPr>
+          <p:cNvPr id="32" name="TextBox 31">
+            <a:extLst>
+              <a:ext uri="{FF2B5EF4-FFF2-40B4-BE49-F238E27FC236}">
+                <a16:creationId xmlns:a16="http://schemas.microsoft.com/office/drawing/2014/main" id="{4F21EC11-E5A5-4A0B-8B7B-3F3813B97252}"/>
+              </a:ext>
+            </a:extLst>
+          </p:cNvPr>
+          <p:cNvSpPr txBox="1"/>
+          <p:nvPr/>
+        </p:nvSpPr>
+        <p:spPr>
+          <a:xfrm>
+            <a:off x="6668069" y="4683517"/>
+            <a:ext cx="583429" cy="369332"/>
+          </a:xfrm>
+          <a:prstGeom prst="rect">
+            <a:avLst/>
+          </a:prstGeom>
+          <a:noFill/>
+        </p:spPr>
+        <p:txBody>
+          <a:bodyPr wrap="none" rtlCol="0">
+            <a:spAutoFit/>
+          </a:bodyPr>
+          <a:lstStyle/>
+          <a:p>
+            <a:r>
+              <a:rPr lang="en-US" dirty="0"/>
+              <a:t>Task</a:t>
+            </a:r>
+          </a:p>
+        </p:txBody>
+      </p:sp>
+      <p:sp>
+        <p:nvSpPr>
+          <p:cNvPr id="25" name="Rectangle 24">
+            <a:extLst>
+              <a:ext uri="{FF2B5EF4-FFF2-40B4-BE49-F238E27FC236}">
+                <a16:creationId xmlns:a16="http://schemas.microsoft.com/office/drawing/2014/main" id="{F63D65DC-7995-483F-9DBD-92ADFC1E55CF}"/>
               </a:ext>
             </a:extLst>
           </p:cNvPr>
@@ -43051,18 +43564,23 @@
         </p:nvSpPr>
         <p:spPr>
           <a:xfrm>
-            <a:off x="4599340" y="1436739"/>
-            <a:ext cx="2957656" cy="771278"/>
-          </a:xfrm>
-          <a:prstGeom prst="curvedDownArrow">
+            <a:off x="4031373" y="3464300"/>
+            <a:ext cx="6486031" cy="1751136"/>
+          </a:xfrm>
+          <a:prstGeom prst="rect">
             <a:avLst/>
           </a:prstGeom>
           <a:solidFill>
-            <a:schemeClr val="accent6">
-              <a:lumMod val="60000"/>
-              <a:lumOff val="40000"/>
+            <a:schemeClr val="accent4">
+              <a:lumMod val="40000"/>
+              <a:lumOff val="60000"/>
+              <a:alpha val="12000"/>
             </a:schemeClr>
           </a:solidFill>
+          <a:ln>
+            <a:noFill/>
+            <a:prstDash val="dash"/>
+          </a:ln>
         </p:spPr>
         <p:style>
           <a:lnRef idx="2">
@@ -43085,20 +43603,16 @@
           <a:lstStyle/>
           <a:p>
             <a:pPr algn="ctr"/>
-            <a:endParaRPr lang="en-US">
-              <a:solidFill>
-                <a:schemeClr val="tx1"/>
-              </a:solidFill>
-            </a:endParaRPr>
-          </a:p>
-        </p:txBody>
-      </p:sp>
-      <p:sp>
-        <p:nvSpPr>
-          <p:cNvPr id="15" name="Arrow: Curved Down 14">
-            <a:extLst>
-              <a:ext uri="{FF2B5EF4-FFF2-40B4-BE49-F238E27FC236}">
-                <a16:creationId xmlns:a16="http://schemas.microsoft.com/office/drawing/2014/main" id="{064DA815-2EBC-40F6-83F6-36524558366D}"/>
+            <a:endParaRPr lang="en-US" dirty="0"/>
+          </a:p>
+        </p:txBody>
+      </p:sp>
+      <p:sp>
+        <p:nvSpPr>
+          <p:cNvPr id="31" name="Rectangle 30">
+            <a:extLst>
+              <a:ext uri="{FF2B5EF4-FFF2-40B4-BE49-F238E27FC236}">
+                <a16:creationId xmlns:a16="http://schemas.microsoft.com/office/drawing/2014/main" id="{A15FE628-F34E-4CBF-984C-9EEE9B1BF69D}"/>
               </a:ext>
             </a:extLst>
           </p:cNvPr>
@@ -43107,12 +43621,23 @@
         </p:nvSpPr>
         <p:spPr>
           <a:xfrm>
-            <a:off x="6583147" y="2258619"/>
-            <a:ext cx="2067713" cy="731520"/>
-          </a:xfrm>
-          <a:prstGeom prst="curvedDownArrow">
-            <a:avLst/>
-          </a:prstGeom>
+            <a:off x="6633194" y="2284332"/>
+            <a:ext cx="3882599" cy="1179968"/>
+          </a:xfrm>
+          <a:prstGeom prst="rect">
+            <a:avLst/>
+          </a:prstGeom>
+          <a:solidFill>
+            <a:schemeClr val="accent4">
+              <a:lumMod val="40000"/>
+              <a:lumOff val="60000"/>
+              <a:alpha val="12000"/>
+            </a:schemeClr>
+          </a:solidFill>
+          <a:ln>
+            <a:noFill/>
+            <a:prstDash val="dash"/>
+          </a:ln>
         </p:spPr>
         <p:style>
           <a:lnRef idx="2">
@@ -43135,20 +43660,16 @@
           <a:lstStyle/>
           <a:p>
             <a:pPr algn="ctr"/>
-            <a:endParaRPr lang="en-US">
-              <a:solidFill>
-                <a:schemeClr val="tx1"/>
-              </a:solidFill>
-            </a:endParaRPr>
-          </a:p>
-        </p:txBody>
-      </p:sp>
-      <p:sp>
-        <p:nvSpPr>
-          <p:cNvPr id="30" name="Arrow: Curved Down 29">
-            <a:extLst>
-              <a:ext uri="{FF2B5EF4-FFF2-40B4-BE49-F238E27FC236}">
-                <a16:creationId xmlns:a16="http://schemas.microsoft.com/office/drawing/2014/main" id="{3AAE86C9-836A-465E-A80A-5ECC827E88FF}"/>
+            <a:endParaRPr lang="en-US" dirty="0"/>
+          </a:p>
+        </p:txBody>
+      </p:sp>
+      <p:sp>
+        <p:nvSpPr>
+          <p:cNvPr id="33" name="Rectangle 32">
+            <a:extLst>
+              <a:ext uri="{FF2B5EF4-FFF2-40B4-BE49-F238E27FC236}">
+                <a16:creationId xmlns:a16="http://schemas.microsoft.com/office/drawing/2014/main" id="{DE8343F4-F539-43E1-9E62-72D49257EC88}"/>
               </a:ext>
             </a:extLst>
           </p:cNvPr>
@@ -43156,25 +43677,25 @@
           <p:nvPr/>
         </p:nvSpPr>
         <p:spPr>
-          <a:xfrm rot="10800000">
-            <a:off x="6553284" y="3742776"/>
-            <a:ext cx="2053395" cy="731520"/>
-          </a:xfrm>
-          <a:prstGeom prst="curvedDownArrow">
+          <a:xfrm>
+            <a:off x="6435574" y="6277377"/>
+            <a:ext cx="1709840" cy="604332"/>
+          </a:xfrm>
+          <a:prstGeom prst="rect">
             <a:avLst/>
           </a:prstGeom>
         </p:spPr>
         <p:style>
           <a:lnRef idx="2">
-            <a:schemeClr val="accent1">
+            <a:schemeClr val="accent2">
               <a:shade val="50000"/>
             </a:schemeClr>
           </a:lnRef>
           <a:fillRef idx="1">
-            <a:schemeClr val="accent1"/>
+            <a:schemeClr val="accent2"/>
           </a:fillRef>
           <a:effectRef idx="0">
-            <a:schemeClr val="accent1"/>
+            <a:schemeClr val="accent2"/>
           </a:effectRef>
           <a:fontRef idx="minor">
             <a:schemeClr val="lt1"/>
@@ -43185,130 +43706,16 @@
           <a:lstStyle/>
           <a:p>
             <a:pPr algn="ctr"/>
-            <a:endParaRPr lang="en-US">
-              <a:solidFill>
-                <a:schemeClr val="tx1"/>
-              </a:solidFill>
-            </a:endParaRPr>
-          </a:p>
-        </p:txBody>
-      </p:sp>
-      <p:sp>
-        <p:nvSpPr>
-          <p:cNvPr id="19" name="Cylinder 18">
-            <a:extLst>
-              <a:ext uri="{FF2B5EF4-FFF2-40B4-BE49-F238E27FC236}">
-                <a16:creationId xmlns:a16="http://schemas.microsoft.com/office/drawing/2014/main" id="{A34C4C6E-6266-4911-B02E-527883FB1971}"/>
-              </a:ext>
-            </a:extLst>
-          </p:cNvPr>
-          <p:cNvSpPr/>
-          <p:nvPr/>
-        </p:nvSpPr>
-        <p:spPr>
-          <a:xfrm>
-            <a:off x="7253159" y="3818451"/>
-            <a:ext cx="756790" cy="580170"/>
-          </a:xfrm>
-          <a:prstGeom prst="can">
-            <a:avLst/>
-          </a:prstGeom>
-          <a:ln>
-            <a:solidFill>
-              <a:schemeClr val="bg1">
-                <a:lumMod val="95000"/>
-              </a:schemeClr>
-            </a:solidFill>
-          </a:ln>
-        </p:spPr>
-        <p:style>
-          <a:lnRef idx="2">
-            <a:schemeClr val="accent1">
-              <a:shade val="50000"/>
-            </a:schemeClr>
-          </a:lnRef>
-          <a:fillRef idx="1">
-            <a:schemeClr val="accent1"/>
-          </a:fillRef>
-          <a:effectRef idx="0">
-            <a:schemeClr val="accent1"/>
-          </a:effectRef>
-          <a:fontRef idx="minor">
-            <a:schemeClr val="lt1"/>
-          </a:fontRef>
-        </p:style>
-        <p:txBody>
-          <a:bodyPr tIns="137160" rtlCol="0" anchor="ctr"/>
-          <a:lstStyle/>
-          <a:p>
-            <a:pPr algn="ctr">
-              <a:lnSpc>
-                <a:spcPts val="1100"/>
-              </a:lnSpc>
-            </a:pPr>
-            <a:r>
-              <a:rPr lang="en-US" sz="1100" dirty="0"/>
-              <a:t>Provider Patient Records</a:t>
-            </a:r>
-          </a:p>
-        </p:txBody>
-      </p:sp>
-      <p:sp>
-        <p:nvSpPr>
-          <p:cNvPr id="21" name="Cylinder 20">
-            <a:extLst>
-              <a:ext uri="{FF2B5EF4-FFF2-40B4-BE49-F238E27FC236}">
-                <a16:creationId xmlns:a16="http://schemas.microsoft.com/office/drawing/2014/main" id="{D3F92A35-7AE5-4F27-9E30-1FA04160C44D}"/>
-              </a:ext>
-            </a:extLst>
-          </p:cNvPr>
-          <p:cNvSpPr/>
-          <p:nvPr/>
-        </p:nvSpPr>
-        <p:spPr>
-          <a:xfrm>
-            <a:off x="2831781" y="3157170"/>
-            <a:ext cx="756790" cy="585606"/>
-          </a:xfrm>
-          <a:prstGeom prst="can">
-            <a:avLst/>
-          </a:prstGeom>
-          <a:ln>
-            <a:solidFill>
-              <a:schemeClr val="bg1">
-                <a:lumMod val="95000"/>
-              </a:schemeClr>
-            </a:solidFill>
-          </a:ln>
-        </p:spPr>
-        <p:style>
-          <a:lnRef idx="2">
-            <a:schemeClr val="accent1">
-              <a:shade val="50000"/>
-            </a:schemeClr>
-          </a:lnRef>
-          <a:fillRef idx="1">
-            <a:schemeClr val="accent1"/>
-          </a:fillRef>
-          <a:effectRef idx="0">
-            <a:schemeClr val="accent1"/>
-          </a:effectRef>
-          <a:fontRef idx="minor">
-            <a:schemeClr val="lt1"/>
-          </a:fontRef>
-        </p:style>
-        <p:txBody>
-          <a:bodyPr tIns="137160" rtlCol="0" anchor="ctr"/>
-          <a:lstStyle/>
-          <a:p>
-            <a:pPr algn="ctr">
-              <a:lnSpc>
-                <a:spcPts val="1100"/>
-              </a:lnSpc>
-            </a:pPr>
-            <a:r>
-              <a:rPr lang="en-US" sz="1100" dirty="0"/>
-              <a:t>Payer Patient Records</a:t>
+            <a:r>
+              <a:rPr lang="en-US" sz="1600" dirty="0"/>
+              <a:t>Remediation</a:t>
+            </a:r>
+          </a:p>
+          <a:p>
+            <a:pPr algn="ctr"/>
+            <a:r>
+              <a:rPr lang="en-US" sz="1200" dirty="0"/>
+              <a:t>(gap closure/ invalidation/net-new)</a:t>
             </a:r>
           </a:p>
         </p:txBody>
@@ -43316,7 +43723,7 @@
     </p:spTree>
     <p:extLst>
       <p:ext uri="{BB962C8B-B14F-4D97-AF65-F5344CB8AC3E}">
-        <p14:creationId xmlns:p14="http://schemas.microsoft.com/office/powerpoint/2010/main" val="242770793"/>
+        <p14:creationId xmlns:p14="http://schemas.microsoft.com/office/powerpoint/2010/main" val="523768926"/>
       </p:ext>
     </p:extLst>
   </p:cSld>
@@ -43814,6 +44221,917 @@
     <p:extLst>
       <p:ext uri="{BB962C8B-B14F-4D97-AF65-F5344CB8AC3E}">
         <p14:creationId xmlns:p14="http://schemas.microsoft.com/office/powerpoint/2010/main" val="2443949124"/>
+      </p:ext>
+    </p:extLst>
+  </p:cSld>
+  <p:clrMapOvr>
+    <a:masterClrMapping/>
+  </p:clrMapOvr>
+</p:sld>
+</file>
+
+<file path=ppt/slides/slide40.xml><?xml version="1.0" encoding="utf-8"?>
+<p:sld xmlns:a="http://schemas.openxmlformats.org/drawingml/2006/main" xmlns:r="http://schemas.openxmlformats.org/officeDocument/2006/relationships" xmlns:p="http://schemas.openxmlformats.org/presentationml/2006/main">
+  <p:cSld>
+    <p:spTree>
+      <p:nvGrpSpPr>
+        <p:cNvPr id="1" name=""/>
+        <p:cNvGrpSpPr/>
+        <p:nvPr/>
+      </p:nvGrpSpPr>
+      <p:grpSpPr>
+        <a:xfrm>
+          <a:off x="0" y="0"/>
+          <a:ext cx="0" cy="0"/>
+          <a:chOff x="0" y="0"/>
+          <a:chExt cx="0" cy="0"/>
+        </a:xfrm>
+      </p:grpSpPr>
+      <p:sp>
+        <p:nvSpPr>
+          <p:cNvPr id="2" name="Title 1">
+            <a:extLst>
+              <a:ext uri="{FF2B5EF4-FFF2-40B4-BE49-F238E27FC236}">
+                <a16:creationId xmlns:a16="http://schemas.microsoft.com/office/drawing/2014/main" id="{E6992073-D200-42E0-9FB9-A038AA6450B8}"/>
+              </a:ext>
+            </a:extLst>
+          </p:cNvPr>
+          <p:cNvSpPr>
+            <a:spLocks noGrp="1"/>
+          </p:cNvSpPr>
+          <p:nvPr>
+            <p:ph type="title"/>
+          </p:nvPr>
+        </p:nvSpPr>
+        <p:spPr>
+          <a:xfrm>
+            <a:off x="818196" y="234882"/>
+            <a:ext cx="10972800" cy="1043103"/>
+          </a:xfrm>
+        </p:spPr>
+        <p:txBody>
+          <a:bodyPr/>
+          <a:lstStyle/>
+          <a:p>
+            <a:r>
+              <a:rPr lang="en-US" dirty="0"/>
+              <a:t>Three Stages Overview</a:t>
+            </a:r>
+          </a:p>
+        </p:txBody>
+      </p:sp>
+      <p:sp>
+        <p:nvSpPr>
+          <p:cNvPr id="3" name="Text Placeholder 2">
+            <a:extLst>
+              <a:ext uri="{FF2B5EF4-FFF2-40B4-BE49-F238E27FC236}">
+                <a16:creationId xmlns:a16="http://schemas.microsoft.com/office/drawing/2014/main" id="{9A34AC66-A8B9-4352-A5F1-CFA56745734D}"/>
+              </a:ext>
+            </a:extLst>
+          </p:cNvPr>
+          <p:cNvSpPr>
+            <a:spLocks noGrp="1"/>
+          </p:cNvSpPr>
+          <p:nvPr>
+            <p:ph type="body" sz="quarter" idx="13"/>
+          </p:nvPr>
+        </p:nvSpPr>
+        <p:spPr>
+          <a:xfrm>
+            <a:off x="1150529" y="2015845"/>
+            <a:ext cx="10971844" cy="4501401"/>
+          </a:xfrm>
+        </p:spPr>
+        <p:txBody>
+          <a:bodyPr/>
+          <a:lstStyle/>
+          <a:p>
+            <a:pPr marL="0" indent="0">
+              <a:buNone/>
+            </a:pPr>
+            <a:r>
+              <a:rPr lang="en-US" dirty="0"/>
+              <a:t> </a:t>
+            </a:r>
+          </a:p>
+        </p:txBody>
+      </p:sp>
+      <p:sp>
+        <p:nvSpPr>
+          <p:cNvPr id="5" name="Slide Number Placeholder 4">
+            <a:extLst>
+              <a:ext uri="{FF2B5EF4-FFF2-40B4-BE49-F238E27FC236}">
+                <a16:creationId xmlns:a16="http://schemas.microsoft.com/office/drawing/2014/main" id="{9B90074F-DE65-45EB-9571-9D3C185F2116}"/>
+              </a:ext>
+            </a:extLst>
+          </p:cNvPr>
+          <p:cNvSpPr>
+            <a:spLocks noGrp="1"/>
+          </p:cNvSpPr>
+          <p:nvPr>
+            <p:ph type="sldNum" sz="quarter" idx="11"/>
+          </p:nvPr>
+        </p:nvSpPr>
+        <p:spPr/>
+        <p:txBody>
+          <a:bodyPr/>
+          <a:lstStyle/>
+          <a:p>
+            <a:fld id="{6CACE926-AEF5-4BFE-8BD7-24414108CB7B}" type="slidenum">
+              <a:rPr lang="en-US" altLang="en-US" smtClean="0"/>
+              <a:pPr/>
+              <a:t>40</a:t>
+            </a:fld>
+            <a:endParaRPr lang="en-US" altLang="en-US" dirty="0"/>
+          </a:p>
+        </p:txBody>
+      </p:sp>
+      <p:sp>
+        <p:nvSpPr>
+          <p:cNvPr id="6" name="Rectangle 5">
+            <a:extLst>
+              <a:ext uri="{FF2B5EF4-FFF2-40B4-BE49-F238E27FC236}">
+                <a16:creationId xmlns:a16="http://schemas.microsoft.com/office/drawing/2014/main" id="{AA5AC8FB-912D-43A8-8D0F-F9254F59B281}"/>
+              </a:ext>
+            </a:extLst>
+          </p:cNvPr>
+          <p:cNvSpPr/>
+          <p:nvPr/>
+        </p:nvSpPr>
+        <p:spPr>
+          <a:xfrm>
+            <a:off x="6889475" y="3079074"/>
+            <a:ext cx="1543313" cy="622319"/>
+          </a:xfrm>
+          <a:prstGeom prst="rect">
+            <a:avLst/>
+          </a:prstGeom>
+        </p:spPr>
+        <p:style>
+          <a:lnRef idx="2">
+            <a:schemeClr val="accent2">
+              <a:shade val="50000"/>
+            </a:schemeClr>
+          </a:lnRef>
+          <a:fillRef idx="1">
+            <a:schemeClr val="accent2"/>
+          </a:fillRef>
+          <a:effectRef idx="0">
+            <a:schemeClr val="accent2"/>
+          </a:effectRef>
+          <a:fontRef idx="minor">
+            <a:schemeClr val="lt1"/>
+          </a:fontRef>
+        </p:style>
+        <p:txBody>
+          <a:bodyPr rtlCol="0" anchor="ctr"/>
+          <a:lstStyle/>
+          <a:p>
+            <a:pPr algn="ctr"/>
+            <a:r>
+              <a:rPr lang="en-US" sz="1600" dirty="0"/>
+              <a:t>Remediation</a:t>
+            </a:r>
+          </a:p>
+          <a:p>
+            <a:pPr algn="ctr"/>
+            <a:r>
+              <a:rPr lang="en-US" sz="1200" dirty="0"/>
+              <a:t>(gap closure/ invalidation)</a:t>
+            </a:r>
+          </a:p>
+        </p:txBody>
+      </p:sp>
+      <p:pic>
+        <p:nvPicPr>
+          <p:cNvPr id="17" name="Graphic 16">
+            <a:extLst>
+              <a:ext uri="{FF2B5EF4-FFF2-40B4-BE49-F238E27FC236}">
+                <a16:creationId xmlns:a16="http://schemas.microsoft.com/office/drawing/2014/main" id="{5711CF3B-BEF6-4360-AD34-59E17D963A15}"/>
+              </a:ext>
+            </a:extLst>
+          </p:cNvPr>
+          <p:cNvPicPr>
+            <a:picLocks noChangeAspect="1"/>
+          </p:cNvPicPr>
+          <p:nvPr/>
+        </p:nvPicPr>
+        <p:blipFill>
+          <a:blip r:embed="rId3">
+            <a:extLst>
+              <a:ext uri="{96DAC541-7B7A-43D3-8B79-37D633B846F1}">
+                <asvg:svgBlip xmlns:asvg="http://schemas.microsoft.com/office/drawing/2016/SVG/main" r:embed="rId4"/>
+              </a:ext>
+            </a:extLst>
+          </a:blip>
+          <a:stretch>
+            <a:fillRect/>
+          </a:stretch>
+        </p:blipFill>
+        <p:spPr>
+          <a:xfrm>
+            <a:off x="5879149" y="3059160"/>
+            <a:ext cx="659817" cy="996459"/>
+          </a:xfrm>
+          <a:prstGeom prst="rect">
+            <a:avLst/>
+          </a:prstGeom>
+        </p:spPr>
+      </p:pic>
+      <p:pic>
+        <p:nvPicPr>
+          <p:cNvPr id="18" name="Graphic 17">
+            <a:extLst>
+              <a:ext uri="{FF2B5EF4-FFF2-40B4-BE49-F238E27FC236}">
+                <a16:creationId xmlns:a16="http://schemas.microsoft.com/office/drawing/2014/main" id="{28AEFE85-7684-4B09-9315-5EAC7B7C9E5F}"/>
+              </a:ext>
+            </a:extLst>
+          </p:cNvPr>
+          <p:cNvPicPr>
+            <a:picLocks noChangeAspect="1"/>
+          </p:cNvPicPr>
+          <p:nvPr/>
+        </p:nvPicPr>
+        <p:blipFill>
+          <a:blip r:embed="rId5">
+            <a:extLst>
+              <a:ext uri="{96DAC541-7B7A-43D3-8B79-37D633B846F1}">
+                <asvg:svgBlip xmlns:asvg="http://schemas.microsoft.com/office/drawing/2016/SVG/main" r:embed="rId6"/>
+              </a:ext>
+            </a:extLst>
+          </a:blip>
+          <a:stretch>
+            <a:fillRect/>
+          </a:stretch>
+        </p:blipFill>
+        <p:spPr>
+          <a:xfrm>
+            <a:off x="8650860" y="2968907"/>
+            <a:ext cx="659817" cy="817600"/>
+          </a:xfrm>
+          <a:prstGeom prst="rect">
+            <a:avLst/>
+          </a:prstGeom>
+        </p:spPr>
+      </p:pic>
+      <p:sp>
+        <p:nvSpPr>
+          <p:cNvPr id="22" name="TextBox 21">
+            <a:extLst>
+              <a:ext uri="{FF2B5EF4-FFF2-40B4-BE49-F238E27FC236}">
+                <a16:creationId xmlns:a16="http://schemas.microsoft.com/office/drawing/2014/main" id="{556B9B98-30EF-4669-8230-213DA7EB59F6}"/>
+              </a:ext>
+            </a:extLst>
+          </p:cNvPr>
+          <p:cNvSpPr txBox="1"/>
+          <p:nvPr/>
+        </p:nvSpPr>
+        <p:spPr>
+          <a:xfrm>
+            <a:off x="8395503" y="3812355"/>
+            <a:ext cx="1366020" cy="646331"/>
+          </a:xfrm>
+          <a:prstGeom prst="rect">
+            <a:avLst/>
+          </a:prstGeom>
+          <a:noFill/>
+        </p:spPr>
+        <p:txBody>
+          <a:bodyPr wrap="square" rtlCol="0">
+            <a:spAutoFit/>
+          </a:bodyPr>
+          <a:lstStyle/>
+          <a:p>
+            <a:pPr algn="ctr" defTabSz="609585" fontAlgn="base">
+              <a:spcBef>
+                <a:spcPct val="0"/>
+              </a:spcBef>
+              <a:spcAft>
+                <a:spcPct val="0"/>
+              </a:spcAft>
+              <a:defRPr/>
+            </a:pPr>
+            <a:r>
+              <a:rPr lang="en-US" sz="1200" b="1" dirty="0">
+                <a:solidFill>
+                  <a:srgbClr val="F79646">
+                    <a:lumMod val="50000"/>
+                  </a:srgbClr>
+                </a:solidFill>
+                <a:latin typeface="Arial"/>
+                <a:ea typeface="ヒラギノ角ゴ Pro W3" pitchFamily="-126" charset="-128"/>
+              </a:rPr>
+              <a:t>Risk Adjustment Coder</a:t>
+            </a:r>
+          </a:p>
+        </p:txBody>
+      </p:sp>
+      <p:sp>
+        <p:nvSpPr>
+          <p:cNvPr id="23" name="TextBox 22">
+            <a:extLst>
+              <a:ext uri="{FF2B5EF4-FFF2-40B4-BE49-F238E27FC236}">
+                <a16:creationId xmlns:a16="http://schemas.microsoft.com/office/drawing/2014/main" id="{BE5FA384-4166-4E2C-B2D7-3515E331E8E3}"/>
+              </a:ext>
+            </a:extLst>
+          </p:cNvPr>
+          <p:cNvSpPr txBox="1"/>
+          <p:nvPr/>
+        </p:nvSpPr>
+        <p:spPr>
+          <a:xfrm>
+            <a:off x="5621586" y="4055619"/>
+            <a:ext cx="1366020" cy="276999"/>
+          </a:xfrm>
+          <a:prstGeom prst="rect">
+            <a:avLst/>
+          </a:prstGeom>
+          <a:noFill/>
+        </p:spPr>
+        <p:txBody>
+          <a:bodyPr wrap="square" rtlCol="0">
+            <a:spAutoFit/>
+          </a:bodyPr>
+          <a:lstStyle/>
+          <a:p>
+            <a:pPr algn="ctr" defTabSz="609585" fontAlgn="base">
+              <a:spcBef>
+                <a:spcPct val="0"/>
+              </a:spcBef>
+              <a:spcAft>
+                <a:spcPct val="0"/>
+              </a:spcAft>
+              <a:defRPr/>
+            </a:pPr>
+            <a:r>
+              <a:rPr lang="en-US" sz="1200" b="1" dirty="0">
+                <a:solidFill>
+                  <a:srgbClr val="F79646">
+                    <a:lumMod val="50000"/>
+                  </a:srgbClr>
+                </a:solidFill>
+                <a:latin typeface="Arial"/>
+                <a:ea typeface="ヒラギノ角ゴ Pro W3" pitchFamily="-126" charset="-128"/>
+              </a:rPr>
+              <a:t>Provider</a:t>
+            </a:r>
+          </a:p>
+        </p:txBody>
+      </p:sp>
+      <p:pic>
+        <p:nvPicPr>
+          <p:cNvPr id="24" name="Graphic 23">
+            <a:extLst>
+              <a:ext uri="{FF2B5EF4-FFF2-40B4-BE49-F238E27FC236}">
+                <a16:creationId xmlns:a16="http://schemas.microsoft.com/office/drawing/2014/main" id="{5F02176F-6C48-4B66-BF46-F739D8F9F52D}"/>
+              </a:ext>
+            </a:extLst>
+          </p:cNvPr>
+          <p:cNvPicPr>
+            <a:picLocks noChangeAspect="1"/>
+          </p:cNvPicPr>
+          <p:nvPr/>
+        </p:nvPicPr>
+        <p:blipFill>
+          <a:blip r:embed="rId7">
+            <a:extLst>
+              <a:ext uri="{96DAC541-7B7A-43D3-8B79-37D633B846F1}">
+                <asvg:svgBlip xmlns:asvg="http://schemas.microsoft.com/office/drawing/2016/SVG/main" r:embed="rId8"/>
+              </a:ext>
+            </a:extLst>
+          </a:blip>
+          <a:stretch>
+            <a:fillRect/>
+          </a:stretch>
+        </p:blipFill>
+        <p:spPr>
+          <a:xfrm>
+            <a:off x="3657128" y="2990139"/>
+            <a:ext cx="814124" cy="691379"/>
+          </a:xfrm>
+          <a:prstGeom prst="rect">
+            <a:avLst/>
+          </a:prstGeom>
+        </p:spPr>
+      </p:pic>
+      <p:sp>
+        <p:nvSpPr>
+          <p:cNvPr id="25" name="Rectangle 24">
+            <a:extLst>
+              <a:ext uri="{FF2B5EF4-FFF2-40B4-BE49-F238E27FC236}">
+                <a16:creationId xmlns:a16="http://schemas.microsoft.com/office/drawing/2014/main" id="{8A5124E1-3137-4951-955F-06EAED810031}"/>
+              </a:ext>
+            </a:extLst>
+          </p:cNvPr>
+          <p:cNvSpPr/>
+          <p:nvPr/>
+        </p:nvSpPr>
+        <p:spPr>
+          <a:xfrm>
+            <a:off x="3280817" y="3925227"/>
+            <a:ext cx="1543313" cy="592954"/>
+          </a:xfrm>
+          <a:prstGeom prst="rect">
+            <a:avLst/>
+          </a:prstGeom>
+          <a:solidFill>
+            <a:schemeClr val="accent6">
+              <a:lumMod val="75000"/>
+            </a:schemeClr>
+          </a:solidFill>
+          <a:ln>
+            <a:solidFill>
+              <a:schemeClr val="accent1"/>
+            </a:solidFill>
+          </a:ln>
+        </p:spPr>
+        <p:style>
+          <a:lnRef idx="2">
+            <a:schemeClr val="accent2">
+              <a:shade val="50000"/>
+            </a:schemeClr>
+          </a:lnRef>
+          <a:fillRef idx="1">
+            <a:schemeClr val="accent2"/>
+          </a:fillRef>
+          <a:effectRef idx="0">
+            <a:schemeClr val="accent2"/>
+          </a:effectRef>
+          <a:fontRef idx="minor">
+            <a:schemeClr val="lt1"/>
+          </a:fontRef>
+        </p:style>
+        <p:txBody>
+          <a:bodyPr rtlCol="0" anchor="ctr"/>
+          <a:lstStyle/>
+          <a:p>
+            <a:pPr algn="ctr"/>
+            <a:r>
+              <a:rPr lang="en-US" sz="1600" dirty="0"/>
+              <a:t>Resolution</a:t>
+            </a:r>
+          </a:p>
+          <a:p>
+            <a:pPr algn="ctr"/>
+            <a:r>
+              <a:rPr lang="en-US" sz="1200" dirty="0"/>
+              <a:t>(resolve gap closure/ invalidation)</a:t>
+            </a:r>
+          </a:p>
+        </p:txBody>
+      </p:sp>
+      <p:sp>
+        <p:nvSpPr>
+          <p:cNvPr id="26" name="TextBox 25">
+            <a:extLst>
+              <a:ext uri="{FF2B5EF4-FFF2-40B4-BE49-F238E27FC236}">
+                <a16:creationId xmlns:a16="http://schemas.microsoft.com/office/drawing/2014/main" id="{1DE39854-6D80-4F9E-9853-5D038F217BF8}"/>
+              </a:ext>
+            </a:extLst>
+          </p:cNvPr>
+          <p:cNvSpPr txBox="1"/>
+          <p:nvPr/>
+        </p:nvSpPr>
+        <p:spPr>
+          <a:xfrm>
+            <a:off x="3394769" y="3613543"/>
+            <a:ext cx="1366020" cy="276999"/>
+          </a:xfrm>
+          <a:prstGeom prst="rect">
+            <a:avLst/>
+          </a:prstGeom>
+          <a:noFill/>
+        </p:spPr>
+        <p:txBody>
+          <a:bodyPr wrap="square" rtlCol="0">
+            <a:spAutoFit/>
+          </a:bodyPr>
+          <a:lstStyle/>
+          <a:p>
+            <a:pPr algn="ctr" defTabSz="609585" fontAlgn="base">
+              <a:spcBef>
+                <a:spcPct val="0"/>
+              </a:spcBef>
+              <a:spcAft>
+                <a:spcPct val="0"/>
+              </a:spcAft>
+              <a:defRPr/>
+            </a:pPr>
+            <a:r>
+              <a:rPr lang="en-US" sz="1200" b="1" dirty="0">
+                <a:solidFill>
+                  <a:srgbClr val="F79646">
+                    <a:lumMod val="50000"/>
+                  </a:srgbClr>
+                </a:solidFill>
+                <a:latin typeface="Arial"/>
+                <a:ea typeface="ヒラギノ角ゴ Pro W3" pitchFamily="-126" charset="-128"/>
+              </a:rPr>
+              <a:t>Payer</a:t>
+            </a:r>
+          </a:p>
+        </p:txBody>
+      </p:sp>
+      <p:sp>
+        <p:nvSpPr>
+          <p:cNvPr id="27" name="Rectangle 26">
+            <a:extLst>
+              <a:ext uri="{FF2B5EF4-FFF2-40B4-BE49-F238E27FC236}">
+                <a16:creationId xmlns:a16="http://schemas.microsoft.com/office/drawing/2014/main" id="{8E8DBBBD-C24E-42EF-A9CA-89667C8C2403}"/>
+              </a:ext>
+            </a:extLst>
+          </p:cNvPr>
+          <p:cNvSpPr/>
+          <p:nvPr/>
+        </p:nvSpPr>
+        <p:spPr>
+          <a:xfrm>
+            <a:off x="3280816" y="2279145"/>
+            <a:ext cx="1543313" cy="592953"/>
+          </a:xfrm>
+          <a:prstGeom prst="rect">
+            <a:avLst/>
+          </a:prstGeom>
+          <a:solidFill>
+            <a:schemeClr val="accent1"/>
+          </a:solidFill>
+          <a:ln>
+            <a:solidFill>
+              <a:schemeClr val="accent1"/>
+            </a:solidFill>
+          </a:ln>
+        </p:spPr>
+        <p:style>
+          <a:lnRef idx="2">
+            <a:schemeClr val="accent2">
+              <a:shade val="50000"/>
+            </a:schemeClr>
+          </a:lnRef>
+          <a:fillRef idx="1">
+            <a:schemeClr val="accent2"/>
+          </a:fillRef>
+          <a:effectRef idx="0">
+            <a:schemeClr val="accent2"/>
+          </a:effectRef>
+          <a:fontRef idx="minor">
+            <a:schemeClr val="lt1"/>
+          </a:fontRef>
+        </p:style>
+        <p:txBody>
+          <a:bodyPr rtlCol="0" anchor="ctr"/>
+          <a:lstStyle/>
+          <a:p>
+            <a:pPr algn="ctr"/>
+            <a:r>
+              <a:rPr lang="en-US" sz="1600" dirty="0"/>
+              <a:t>Generation</a:t>
+            </a:r>
+          </a:p>
+          <a:p>
+            <a:pPr algn="ctr"/>
+            <a:r>
+              <a:rPr lang="en-US" sz="1200" dirty="0"/>
+              <a:t>(coding gap reports)</a:t>
+            </a:r>
+          </a:p>
+        </p:txBody>
+      </p:sp>
+      <p:sp>
+        <p:nvSpPr>
+          <p:cNvPr id="13" name="Arrow: Curved Down 12">
+            <a:extLst>
+              <a:ext uri="{FF2B5EF4-FFF2-40B4-BE49-F238E27FC236}">
+                <a16:creationId xmlns:a16="http://schemas.microsoft.com/office/drawing/2014/main" id="{049F932E-55AF-455D-B792-48B4E9AA466D}"/>
+              </a:ext>
+            </a:extLst>
+          </p:cNvPr>
+          <p:cNvSpPr/>
+          <p:nvPr/>
+        </p:nvSpPr>
+        <p:spPr>
+          <a:xfrm rot="10800000">
+            <a:off x="4599339" y="4631986"/>
+            <a:ext cx="2858983" cy="731521"/>
+          </a:xfrm>
+          <a:prstGeom prst="curvedDownArrow">
+            <a:avLst/>
+          </a:prstGeom>
+          <a:solidFill>
+            <a:schemeClr val="accent6">
+              <a:lumMod val="60000"/>
+              <a:lumOff val="40000"/>
+            </a:schemeClr>
+          </a:solidFill>
+        </p:spPr>
+        <p:style>
+          <a:lnRef idx="2">
+            <a:schemeClr val="accent1">
+              <a:shade val="50000"/>
+            </a:schemeClr>
+          </a:lnRef>
+          <a:fillRef idx="1">
+            <a:schemeClr val="accent1"/>
+          </a:fillRef>
+          <a:effectRef idx="0">
+            <a:schemeClr val="accent1"/>
+          </a:effectRef>
+          <a:fontRef idx="minor">
+            <a:schemeClr val="lt1"/>
+          </a:fontRef>
+        </p:style>
+        <p:txBody>
+          <a:bodyPr rtlCol="0" anchor="ctr"/>
+          <a:lstStyle/>
+          <a:p>
+            <a:pPr algn="ctr"/>
+            <a:endParaRPr lang="en-US">
+              <a:solidFill>
+                <a:schemeClr val="tx1"/>
+              </a:solidFill>
+            </a:endParaRPr>
+          </a:p>
+        </p:txBody>
+      </p:sp>
+      <p:sp>
+        <p:nvSpPr>
+          <p:cNvPr id="29" name="Arrow: Curved Down 28">
+            <a:extLst>
+              <a:ext uri="{FF2B5EF4-FFF2-40B4-BE49-F238E27FC236}">
+                <a16:creationId xmlns:a16="http://schemas.microsoft.com/office/drawing/2014/main" id="{D00F570A-3214-4CAE-B8CE-88B13114B2C2}"/>
+              </a:ext>
+            </a:extLst>
+          </p:cNvPr>
+          <p:cNvSpPr/>
+          <p:nvPr/>
+        </p:nvSpPr>
+        <p:spPr>
+          <a:xfrm>
+            <a:off x="4599340" y="1436739"/>
+            <a:ext cx="2957656" cy="771278"/>
+          </a:xfrm>
+          <a:prstGeom prst="curvedDownArrow">
+            <a:avLst/>
+          </a:prstGeom>
+          <a:solidFill>
+            <a:schemeClr val="accent6">
+              <a:lumMod val="60000"/>
+              <a:lumOff val="40000"/>
+            </a:schemeClr>
+          </a:solidFill>
+        </p:spPr>
+        <p:style>
+          <a:lnRef idx="2">
+            <a:schemeClr val="accent1">
+              <a:shade val="50000"/>
+            </a:schemeClr>
+          </a:lnRef>
+          <a:fillRef idx="1">
+            <a:schemeClr val="accent1"/>
+          </a:fillRef>
+          <a:effectRef idx="0">
+            <a:schemeClr val="accent1"/>
+          </a:effectRef>
+          <a:fontRef idx="minor">
+            <a:schemeClr val="lt1"/>
+          </a:fontRef>
+        </p:style>
+        <p:txBody>
+          <a:bodyPr rtlCol="0" anchor="ctr"/>
+          <a:lstStyle/>
+          <a:p>
+            <a:pPr algn="ctr"/>
+            <a:endParaRPr lang="en-US">
+              <a:solidFill>
+                <a:schemeClr val="tx1"/>
+              </a:solidFill>
+            </a:endParaRPr>
+          </a:p>
+        </p:txBody>
+      </p:sp>
+      <p:sp>
+        <p:nvSpPr>
+          <p:cNvPr id="15" name="Arrow: Curved Down 14">
+            <a:extLst>
+              <a:ext uri="{FF2B5EF4-FFF2-40B4-BE49-F238E27FC236}">
+                <a16:creationId xmlns:a16="http://schemas.microsoft.com/office/drawing/2014/main" id="{064DA815-2EBC-40F6-83F6-36524558366D}"/>
+              </a:ext>
+            </a:extLst>
+          </p:cNvPr>
+          <p:cNvSpPr/>
+          <p:nvPr/>
+        </p:nvSpPr>
+        <p:spPr>
+          <a:xfrm>
+            <a:off x="6583147" y="2258619"/>
+            <a:ext cx="2067713" cy="731520"/>
+          </a:xfrm>
+          <a:prstGeom prst="curvedDownArrow">
+            <a:avLst/>
+          </a:prstGeom>
+        </p:spPr>
+        <p:style>
+          <a:lnRef idx="2">
+            <a:schemeClr val="accent1">
+              <a:shade val="50000"/>
+            </a:schemeClr>
+          </a:lnRef>
+          <a:fillRef idx="1">
+            <a:schemeClr val="accent1"/>
+          </a:fillRef>
+          <a:effectRef idx="0">
+            <a:schemeClr val="accent1"/>
+          </a:effectRef>
+          <a:fontRef idx="minor">
+            <a:schemeClr val="lt1"/>
+          </a:fontRef>
+        </p:style>
+        <p:txBody>
+          <a:bodyPr rtlCol="0" anchor="ctr"/>
+          <a:lstStyle/>
+          <a:p>
+            <a:pPr algn="ctr"/>
+            <a:endParaRPr lang="en-US">
+              <a:solidFill>
+                <a:schemeClr val="tx1"/>
+              </a:solidFill>
+            </a:endParaRPr>
+          </a:p>
+        </p:txBody>
+      </p:sp>
+      <p:sp>
+        <p:nvSpPr>
+          <p:cNvPr id="30" name="Arrow: Curved Down 29">
+            <a:extLst>
+              <a:ext uri="{FF2B5EF4-FFF2-40B4-BE49-F238E27FC236}">
+                <a16:creationId xmlns:a16="http://schemas.microsoft.com/office/drawing/2014/main" id="{3AAE86C9-836A-465E-A80A-5ECC827E88FF}"/>
+              </a:ext>
+            </a:extLst>
+          </p:cNvPr>
+          <p:cNvSpPr/>
+          <p:nvPr/>
+        </p:nvSpPr>
+        <p:spPr>
+          <a:xfrm rot="10800000">
+            <a:off x="6553284" y="3742776"/>
+            <a:ext cx="2053395" cy="731520"/>
+          </a:xfrm>
+          <a:prstGeom prst="curvedDownArrow">
+            <a:avLst/>
+          </a:prstGeom>
+        </p:spPr>
+        <p:style>
+          <a:lnRef idx="2">
+            <a:schemeClr val="accent1">
+              <a:shade val="50000"/>
+            </a:schemeClr>
+          </a:lnRef>
+          <a:fillRef idx="1">
+            <a:schemeClr val="accent1"/>
+          </a:fillRef>
+          <a:effectRef idx="0">
+            <a:schemeClr val="accent1"/>
+          </a:effectRef>
+          <a:fontRef idx="minor">
+            <a:schemeClr val="lt1"/>
+          </a:fontRef>
+        </p:style>
+        <p:txBody>
+          <a:bodyPr rtlCol="0" anchor="ctr"/>
+          <a:lstStyle/>
+          <a:p>
+            <a:pPr algn="ctr"/>
+            <a:endParaRPr lang="en-US">
+              <a:solidFill>
+                <a:schemeClr val="tx1"/>
+              </a:solidFill>
+            </a:endParaRPr>
+          </a:p>
+        </p:txBody>
+      </p:sp>
+      <p:sp>
+        <p:nvSpPr>
+          <p:cNvPr id="19" name="Cylinder 18">
+            <a:extLst>
+              <a:ext uri="{FF2B5EF4-FFF2-40B4-BE49-F238E27FC236}">
+                <a16:creationId xmlns:a16="http://schemas.microsoft.com/office/drawing/2014/main" id="{A34C4C6E-6266-4911-B02E-527883FB1971}"/>
+              </a:ext>
+            </a:extLst>
+          </p:cNvPr>
+          <p:cNvSpPr/>
+          <p:nvPr/>
+        </p:nvSpPr>
+        <p:spPr>
+          <a:xfrm>
+            <a:off x="7253159" y="3818451"/>
+            <a:ext cx="756790" cy="580170"/>
+          </a:xfrm>
+          <a:prstGeom prst="can">
+            <a:avLst/>
+          </a:prstGeom>
+          <a:ln>
+            <a:solidFill>
+              <a:schemeClr val="bg1">
+                <a:lumMod val="95000"/>
+              </a:schemeClr>
+            </a:solidFill>
+          </a:ln>
+        </p:spPr>
+        <p:style>
+          <a:lnRef idx="2">
+            <a:schemeClr val="accent1">
+              <a:shade val="50000"/>
+            </a:schemeClr>
+          </a:lnRef>
+          <a:fillRef idx="1">
+            <a:schemeClr val="accent1"/>
+          </a:fillRef>
+          <a:effectRef idx="0">
+            <a:schemeClr val="accent1"/>
+          </a:effectRef>
+          <a:fontRef idx="minor">
+            <a:schemeClr val="lt1"/>
+          </a:fontRef>
+        </p:style>
+        <p:txBody>
+          <a:bodyPr tIns="137160" rtlCol="0" anchor="ctr"/>
+          <a:lstStyle/>
+          <a:p>
+            <a:pPr algn="ctr">
+              <a:lnSpc>
+                <a:spcPts val="1100"/>
+              </a:lnSpc>
+            </a:pPr>
+            <a:r>
+              <a:rPr lang="en-US" sz="1100" dirty="0"/>
+              <a:t>Provider Patient Records</a:t>
+            </a:r>
+          </a:p>
+        </p:txBody>
+      </p:sp>
+      <p:sp>
+        <p:nvSpPr>
+          <p:cNvPr id="21" name="Cylinder 20">
+            <a:extLst>
+              <a:ext uri="{FF2B5EF4-FFF2-40B4-BE49-F238E27FC236}">
+                <a16:creationId xmlns:a16="http://schemas.microsoft.com/office/drawing/2014/main" id="{D3F92A35-7AE5-4F27-9E30-1FA04160C44D}"/>
+              </a:ext>
+            </a:extLst>
+          </p:cNvPr>
+          <p:cNvSpPr/>
+          <p:nvPr/>
+        </p:nvSpPr>
+        <p:spPr>
+          <a:xfrm>
+            <a:off x="2831781" y="3157170"/>
+            <a:ext cx="756790" cy="585606"/>
+          </a:xfrm>
+          <a:prstGeom prst="can">
+            <a:avLst/>
+          </a:prstGeom>
+          <a:ln>
+            <a:solidFill>
+              <a:schemeClr val="bg1">
+                <a:lumMod val="95000"/>
+              </a:schemeClr>
+            </a:solidFill>
+          </a:ln>
+        </p:spPr>
+        <p:style>
+          <a:lnRef idx="2">
+            <a:schemeClr val="accent1">
+              <a:shade val="50000"/>
+            </a:schemeClr>
+          </a:lnRef>
+          <a:fillRef idx="1">
+            <a:schemeClr val="accent1"/>
+          </a:fillRef>
+          <a:effectRef idx="0">
+            <a:schemeClr val="accent1"/>
+          </a:effectRef>
+          <a:fontRef idx="minor">
+            <a:schemeClr val="lt1"/>
+          </a:fontRef>
+        </p:style>
+        <p:txBody>
+          <a:bodyPr tIns="137160" rtlCol="0" anchor="ctr"/>
+          <a:lstStyle/>
+          <a:p>
+            <a:pPr algn="ctr">
+              <a:lnSpc>
+                <a:spcPts val="1100"/>
+              </a:lnSpc>
+            </a:pPr>
+            <a:r>
+              <a:rPr lang="en-US" sz="1100" dirty="0"/>
+              <a:t>Payer Patient Records</a:t>
+            </a:r>
+          </a:p>
+        </p:txBody>
+      </p:sp>
+    </p:spTree>
+    <p:extLst>
+      <p:ext uri="{BB962C8B-B14F-4D97-AF65-F5344CB8AC3E}">
+        <p14:creationId xmlns:p14="http://schemas.microsoft.com/office/powerpoint/2010/main" val="242770793"/>
       </p:ext>
     </p:extLst>
   </p:cSld>

--- a/input/images/Source/Risk Adjustment Images.pptx
+++ b/input/images/Source/Risk Adjustment Images.pptx
@@ -37641,7 +37641,10 @@
             <a:p>
               <a:pPr algn="ctr"/>
               <a:r>
-                <a:rPr lang="en-US" sz="2400" dirty="0"/>
+                <a:rPr lang="en-US" sz="2400" dirty="0">
+                  <a:latin typeface="Arial" panose="020B0604020202020204" pitchFamily="34" charset="0"/>
+                  <a:cs typeface="Arial" panose="020B0604020202020204" pitchFamily="34" charset="0"/>
+                </a:rPr>
                 <a:t>HCC 189 Initial Population</a:t>
               </a:r>
             </a:p>
@@ -37860,7 +37863,7 @@
         <p:spPr>
           <a:xfrm>
             <a:off x="1826449" y="2442350"/>
-            <a:ext cx="8581148" cy="318100"/>
+            <a:ext cx="8581148" cy="338554"/>
           </a:xfrm>
           <a:prstGeom prst="rect">
             <a:avLst/>
@@ -37875,7 +37878,7 @@
           <a:p>
             <a:pPr algn="ctr"/>
             <a:r>
-              <a:rPr lang="en-US" sz="1467" dirty="0">
+              <a:rPr lang="en-US" sz="1600" dirty="0">
                 <a:latin typeface="Arial" panose="020B0604020202020204" pitchFamily="34" charset="0"/>
                 <a:cs typeface="Arial" panose="020B0604020202020204" pitchFamily="34" charset="0"/>
               </a:rPr>
@@ -37993,7 +37996,7 @@
         <p:spPr>
           <a:xfrm>
             <a:off x="6543387" y="4050027"/>
-            <a:ext cx="4024749" cy="318100"/>
+            <a:ext cx="4024749" cy="338554"/>
           </a:xfrm>
           <a:prstGeom prst="rect">
             <a:avLst/>
@@ -38008,7 +38011,7 @@
           <a:p>
             <a:pPr algn="ctr"/>
             <a:r>
-              <a:rPr lang="en-US" sz="1467" dirty="0">
+              <a:rPr lang="en-US" sz="1600" dirty="0">
                 <a:latin typeface="Arial" panose="020B0604020202020204" pitchFamily="34" charset="0"/>
                 <a:cs typeface="Arial" panose="020B0604020202020204" pitchFamily="34" charset="0"/>
               </a:rPr>
@@ -38071,7 +38074,7 @@
         <p:spPr>
           <a:xfrm>
             <a:off x="1639955" y="3824630"/>
-            <a:ext cx="4024749" cy="543867"/>
+            <a:ext cx="4024749" cy="830997"/>
           </a:xfrm>
           <a:prstGeom prst="rect">
             <a:avLst/>
@@ -38086,7 +38089,7 @@
           <a:p>
             <a:pPr algn="ctr"/>
             <a:r>
-              <a:rPr lang="en-US" sz="1467" dirty="0">
+              <a:rPr lang="en-US" sz="1600" dirty="0">
                 <a:solidFill>
                   <a:schemeClr val="bg1"/>
                 </a:solidFill>
@@ -38099,7 +38102,7 @@
           <a:p>
             <a:pPr algn="ctr"/>
             <a:r>
-              <a:rPr lang="en-US" sz="1467" dirty="0">
+              <a:rPr lang="en-US" sz="1600" dirty="0">
                 <a:solidFill>
                   <a:schemeClr val="bg1"/>
                 </a:solidFill>
@@ -38179,7 +38182,7 @@
         <p:spPr>
           <a:xfrm>
             <a:off x="3312028" y="1151193"/>
-            <a:ext cx="5567944" cy="318100"/>
+            <a:ext cx="5567944" cy="338554"/>
           </a:xfrm>
           <a:prstGeom prst="rect">
             <a:avLst/>
@@ -38194,7 +38197,7 @@
           <a:p>
             <a:pPr algn="ctr"/>
             <a:r>
-              <a:rPr lang="en-US" sz="1467" dirty="0">
+              <a:rPr lang="en-US" sz="1600" dirty="0">
                 <a:latin typeface="Arial" panose="020B0604020202020204" pitchFamily="34" charset="0"/>
                 <a:cs typeface="Arial" panose="020B0604020202020204" pitchFamily="34" charset="0"/>
               </a:rPr>

--- a/input/images/Source/Risk Adjustment Images.pptx
+++ b/input/images/Source/Risk Adjustment Images.pptx
@@ -238,7 +238,7 @@
           <a:p>
             <a:fld id="{4337D45E-38B5-4093-B633-D3DDCA61416C}" type="datetimeFigureOut">
               <a:rPr lang="en-US" smtClean="0"/>
-              <a:t>3/15/2023</a:t>
+              <a:t>3/16/2023</a:t>
             </a:fld>
             <a:endParaRPr lang="en-US"/>
           </a:p>
@@ -912,6 +912,10 @@
               <a:tabLst/>
               <a:defRPr/>
             </a:pPr>
+            <a:r>
+              <a:rPr lang="en-US"/>
+              <a:t>Updated payer to Payer</a:t>
+            </a:r>
             <a:endParaRPr lang="en-US" dirty="0"/>
           </a:p>
         </p:txBody>
@@ -4114,7 +4118,7 @@
           <a:p>
             <a:fld id="{3E232C92-DF21-4A04-859B-AAF8BD4EC904}" type="datetimeFigureOut">
               <a:rPr lang="en-US" smtClean="0"/>
-              <a:t>3/15/2023</a:t>
+              <a:t>3/16/2023</a:t>
             </a:fld>
             <a:endParaRPr lang="en-US"/>
           </a:p>
@@ -4312,7 +4316,7 @@
           <a:p>
             <a:fld id="{3E232C92-DF21-4A04-859B-AAF8BD4EC904}" type="datetimeFigureOut">
               <a:rPr lang="en-US" smtClean="0"/>
-              <a:t>3/15/2023</a:t>
+              <a:t>3/16/2023</a:t>
             </a:fld>
             <a:endParaRPr lang="en-US"/>
           </a:p>
@@ -4520,7 +4524,7 @@
           <a:p>
             <a:fld id="{3E232C92-DF21-4A04-859B-AAF8BD4EC904}" type="datetimeFigureOut">
               <a:rPr lang="en-US" smtClean="0"/>
-              <a:t>3/15/2023</a:t>
+              <a:t>3/16/2023</a:t>
             </a:fld>
             <a:endParaRPr lang="en-US"/>
           </a:p>
@@ -6364,7 +6368,7 @@
           <a:p>
             <a:fld id="{23F303CC-BC6F-44EE-9A09-81F690F71D2E}" type="datetime1">
               <a:rPr lang="en-US" altLang="en-US" smtClean="0"/>
-              <a:t>3/15/2023</a:t>
+              <a:t>3/16/2023</a:t>
             </a:fld>
             <a:endParaRPr lang="en-US" altLang="en-US" dirty="0"/>
           </a:p>
@@ -9022,7 +9026,7 @@
           <a:p>
             <a:fld id="{3E232C92-DF21-4A04-859B-AAF8BD4EC904}" type="datetimeFigureOut">
               <a:rPr lang="en-US" smtClean="0"/>
-              <a:t>3/15/2023</a:t>
+              <a:t>3/16/2023</a:t>
             </a:fld>
             <a:endParaRPr lang="en-US"/>
           </a:p>
@@ -11202,7 +11206,7 @@
           <a:p>
             <a:fld id="{3E232C92-DF21-4A04-859B-AAF8BD4EC904}" type="datetimeFigureOut">
               <a:rPr lang="en-US" smtClean="0"/>
-              <a:t>3/15/2023</a:t>
+              <a:t>3/16/2023</a:t>
             </a:fld>
             <a:endParaRPr lang="en-US"/>
           </a:p>
@@ -11477,7 +11481,7 @@
           <a:p>
             <a:fld id="{3E232C92-DF21-4A04-859B-AAF8BD4EC904}" type="datetimeFigureOut">
               <a:rPr lang="en-US" smtClean="0"/>
-              <a:t>3/15/2023</a:t>
+              <a:t>3/16/2023</a:t>
             </a:fld>
             <a:endParaRPr lang="en-US"/>
           </a:p>
@@ -11742,7 +11746,7 @@
           <a:p>
             <a:fld id="{3E232C92-DF21-4A04-859B-AAF8BD4EC904}" type="datetimeFigureOut">
               <a:rPr lang="en-US" smtClean="0"/>
-              <a:t>3/15/2023</a:t>
+              <a:t>3/16/2023</a:t>
             </a:fld>
             <a:endParaRPr lang="en-US"/>
           </a:p>
@@ -12154,7 +12158,7 @@
           <a:p>
             <a:fld id="{3E232C92-DF21-4A04-859B-AAF8BD4EC904}" type="datetimeFigureOut">
               <a:rPr lang="en-US" smtClean="0"/>
-              <a:t>3/15/2023</a:t>
+              <a:t>3/16/2023</a:t>
             </a:fld>
             <a:endParaRPr lang="en-US"/>
           </a:p>
@@ -12295,7 +12299,7 @@
           <a:p>
             <a:fld id="{3E232C92-DF21-4A04-859B-AAF8BD4EC904}" type="datetimeFigureOut">
               <a:rPr lang="en-US" smtClean="0"/>
-              <a:t>3/15/2023</a:t>
+              <a:t>3/16/2023</a:t>
             </a:fld>
             <a:endParaRPr lang="en-US"/>
           </a:p>
@@ -12408,7 +12412,7 @@
           <a:p>
             <a:fld id="{3E232C92-DF21-4A04-859B-AAF8BD4EC904}" type="datetimeFigureOut">
               <a:rPr lang="en-US" smtClean="0"/>
-              <a:t>3/15/2023</a:t>
+              <a:t>3/16/2023</a:t>
             </a:fld>
             <a:endParaRPr lang="en-US"/>
           </a:p>
@@ -12719,7 +12723,7 @@
           <a:p>
             <a:fld id="{3E232C92-DF21-4A04-859B-AAF8BD4EC904}" type="datetimeFigureOut">
               <a:rPr lang="en-US" smtClean="0"/>
-              <a:t>3/15/2023</a:t>
+              <a:t>3/16/2023</a:t>
             </a:fld>
             <a:endParaRPr lang="en-US"/>
           </a:p>
@@ -13007,7 +13011,7 @@
           <a:p>
             <a:fld id="{3E232C92-DF21-4A04-859B-AAF8BD4EC904}" type="datetimeFigureOut">
               <a:rPr lang="en-US" smtClean="0"/>
-              <a:t>3/15/2023</a:t>
+              <a:t>3/16/2023</a:t>
             </a:fld>
             <a:endParaRPr lang="en-US"/>
           </a:p>
@@ -13248,7 +13252,7 @@
           <a:p>
             <a:fld id="{3E232C92-DF21-4A04-859B-AAF8BD4EC904}" type="datetimeFigureOut">
               <a:rPr lang="en-US" smtClean="0"/>
-              <a:t>3/15/2023</a:t>
+              <a:t>3/16/2023</a:t>
             </a:fld>
             <a:endParaRPr lang="en-US"/>
           </a:p>
@@ -13876,7 +13880,7 @@
           <a:p>
             <a:fld id="{7CE3BD8C-C39F-4FFF-9CD5-05E4806DBFF3}" type="datetime1">
               <a:rPr lang="en-US" altLang="en-US" smtClean="0"/>
-              <a:t>3/15/2023</a:t>
+              <a:t>3/16/2023</a:t>
             </a:fld>
             <a:endParaRPr lang="en-US" altLang="en-US"/>
           </a:p>
@@ -19571,7 +19575,7 @@
                   <a:schemeClr val="bg1"/>
                 </a:solidFill>
               </a:rPr>
-              <a:t>Annotated report posted to payer</a:t>
+              <a:t>Annotated report posted to Payer</a:t>
             </a:r>
           </a:p>
         </p:txBody>

--- a/input/images/Source/Risk Adjustment Images.pptx
+++ b/input/images/Source/Risk Adjustment Images.pptx
@@ -6,7 +6,7 @@
     <p:sldMasterId id="2147483660" r:id="rId2"/>
   </p:sldMasterIdLst>
   <p:notesMasterIdLst>
-    <p:notesMasterId r:id="rId44"/>
+    <p:notesMasterId r:id="rId45"/>
   </p:notesMasterIdLst>
   <p:sldIdLst>
     <p:sldId id="256" r:id="rId3"/>
@@ -50,6 +50,7 @@
     <p:sldId id="3004" r:id="rId41"/>
     <p:sldId id="3005" r:id="rId42"/>
     <p:sldId id="2993" r:id="rId43"/>
+    <p:sldId id="3011" r:id="rId44"/>
   </p:sldIdLst>
   <p:sldSz cx="12192000" cy="6858000"/>
   <p:notesSz cx="6858000" cy="9144000"/>
@@ -2329,6 +2330,12 @@
               <a:t>Note: 1-16-2022 corrected HCC 18 from Diabetes with No Complication to Diabetes with Chronic Complication</a:t>
             </a:r>
           </a:p>
+          <a:p>
+            <a:r>
+              <a:rPr lang="en-US" dirty="0"/>
+              <a:t>3/16/2023: updated Risk Adjustment Coding Gap Report Bundle to “Bundle (searchSet)</a:t>
+            </a:r>
+          </a:p>
         </p:txBody>
       </p:sp>
       <p:sp>
@@ -3245,6 +3252,93 @@
     <p:extLst>
       <p:ext uri="{BB962C8B-B14F-4D97-AF65-F5344CB8AC3E}">
         <p14:creationId xmlns:p14="http://schemas.microsoft.com/office/powerpoint/2010/main" val="948978376"/>
+      </p:ext>
+    </p:extLst>
+  </p:cSld>
+  <p:clrMapOvr>
+    <a:masterClrMapping/>
+  </p:clrMapOvr>
+</p:notes>
+</file>
+
+<file path=ppt/notesSlides/notesSlide32.xml><?xml version="1.0" encoding="utf-8"?>
+<p:notes xmlns:a="http://schemas.openxmlformats.org/drawingml/2006/main" xmlns:r="http://schemas.openxmlformats.org/officeDocument/2006/relationships" xmlns:p="http://schemas.openxmlformats.org/presentationml/2006/main">
+  <p:cSld>
+    <p:spTree>
+      <p:nvGrpSpPr>
+        <p:cNvPr id="1" name=""/>
+        <p:cNvGrpSpPr/>
+        <p:nvPr/>
+      </p:nvGrpSpPr>
+      <p:grpSpPr>
+        <a:xfrm>
+          <a:off x="0" y="0"/>
+          <a:ext cx="0" cy="0"/>
+          <a:chOff x="0" y="0"/>
+          <a:chExt cx="0" cy="0"/>
+        </a:xfrm>
+      </p:grpSpPr>
+      <p:sp>
+        <p:nvSpPr>
+          <p:cNvPr id="2" name="Slide Image Placeholder 1"/>
+          <p:cNvSpPr>
+            <a:spLocks noGrp="1" noRot="1" noChangeAspect="1"/>
+          </p:cNvSpPr>
+          <p:nvPr>
+            <p:ph type="sldImg"/>
+          </p:nvPr>
+        </p:nvSpPr>
+        <p:spPr/>
+      </p:sp>
+      <p:sp>
+        <p:nvSpPr>
+          <p:cNvPr id="3" name="Notes Placeholder 2"/>
+          <p:cNvSpPr>
+            <a:spLocks noGrp="1"/>
+          </p:cNvSpPr>
+          <p:nvPr>
+            <p:ph type="body" idx="1"/>
+          </p:nvPr>
+        </p:nvSpPr>
+        <p:spPr/>
+        <p:txBody>
+          <a:bodyPr/>
+          <a:lstStyle/>
+          <a:p>
+            <a:r>
+              <a:rPr lang="en-US" dirty="0"/>
+              <a:t>Note: 1-16-2022 corrected HCC 18 from Diabetes with No Complication to Diabetes with Chronic Complication</a:t>
+            </a:r>
+          </a:p>
+        </p:txBody>
+      </p:sp>
+      <p:sp>
+        <p:nvSpPr>
+          <p:cNvPr id="4" name="Slide Number Placeholder 3"/>
+          <p:cNvSpPr>
+            <a:spLocks noGrp="1"/>
+          </p:cNvSpPr>
+          <p:nvPr>
+            <p:ph type="sldNum" sz="quarter" idx="5"/>
+          </p:nvPr>
+        </p:nvSpPr>
+        <p:spPr/>
+        <p:txBody>
+          <a:bodyPr/>
+          <a:lstStyle/>
+          <a:p>
+            <a:fld id="{1D553A4D-C549-44B5-B4F2-4FBA040D2BDB}" type="slidenum">
+              <a:rPr lang="en-US" smtClean="0"/>
+              <a:t>42</a:t>
+            </a:fld>
+            <a:endParaRPr lang="en-US"/>
+          </a:p>
+        </p:txBody>
+      </p:sp>
+    </p:spTree>
+    <p:extLst>
+      <p:ext uri="{BB962C8B-B14F-4D97-AF65-F5344CB8AC3E}">
+        <p14:creationId xmlns:p14="http://schemas.microsoft.com/office/powerpoint/2010/main" val="2203163658"/>
       </p:ext>
     </p:extLst>
   </p:cSld>
@@ -29607,8 +29701,50 @@
                 <a:ea typeface="+mn-ea"/>
                 <a:cs typeface="+mn-cs"/>
               </a:rPr>
-              <a:t>Risk Adjustment Coding Gap Report Bundle</a:t>
-            </a:r>
+              <a:t>Bundle</a:t>
+            </a:r>
+          </a:p>
+          <a:p>
+            <a:pPr marL="0" marR="0" lvl="0" indent="0" algn="ctr" defTabSz="914400" rtl="0" eaLnBrk="1" fontAlgn="auto" latinLnBrk="0" hangingPunct="1">
+              <a:lnSpc>
+                <a:spcPct val="100000"/>
+              </a:lnSpc>
+              <a:spcBef>
+                <a:spcPts val="0"/>
+              </a:spcBef>
+              <a:spcAft>
+                <a:spcPts val="0"/>
+              </a:spcAft>
+              <a:buClrTx/>
+              <a:buSzTx/>
+              <a:buFontTx/>
+              <a:buNone/>
+              <a:tabLst/>
+              <a:defRPr/>
+            </a:pPr>
+            <a:r>
+              <a:rPr lang="en-US" sz="1600" dirty="0">
+                <a:solidFill>
+                  <a:prstClr val="white"/>
+                </a:solidFill>
+                <a:latin typeface="Calibri" panose="020F0502020204030204"/>
+              </a:rPr>
+              <a:t>(searchSet)</a:t>
+            </a:r>
+            <a:endParaRPr kumimoji="0" lang="en-US" sz="1600" b="0" i="0" u="none" strike="noStrike" kern="1200" cap="none" spc="0" normalizeH="0" baseline="0" noProof="0" dirty="0">
+              <a:ln>
+                <a:noFill/>
+              </a:ln>
+              <a:solidFill>
+                <a:prstClr val="white"/>
+              </a:solidFill>
+              <a:effectLst/>
+              <a:uLnTx/>
+              <a:uFillTx/>
+              <a:latin typeface="Calibri" panose="020F0502020204030204"/>
+              <a:ea typeface="+mn-ea"/>
+              <a:cs typeface="+mn-cs"/>
+            </a:endParaRPr>
           </a:p>
         </p:txBody>
       </p:sp>
@@ -46234,6 +46370,3450 @@
 </p:sld>
 </file>
 
+<file path=ppt/slides/slide42.xml><?xml version="1.0" encoding="utf-8"?>
+<p:sld xmlns:a="http://schemas.openxmlformats.org/drawingml/2006/main" xmlns:r="http://schemas.openxmlformats.org/officeDocument/2006/relationships" xmlns:p="http://schemas.openxmlformats.org/presentationml/2006/main">
+  <p:cSld>
+    <p:spTree>
+      <p:nvGrpSpPr>
+        <p:cNvPr id="1" name=""/>
+        <p:cNvGrpSpPr/>
+        <p:nvPr/>
+      </p:nvGrpSpPr>
+      <p:grpSpPr>
+        <a:xfrm>
+          <a:off x="0" y="0"/>
+          <a:ext cx="0" cy="0"/>
+          <a:chOff x="0" y="0"/>
+          <a:chExt cx="0" cy="0"/>
+        </a:xfrm>
+      </p:grpSpPr>
+      <p:sp>
+        <p:nvSpPr>
+          <p:cNvPr id="2" name="Footer Placeholder 1">
+            <a:extLst>
+              <a:ext uri="{FF2B5EF4-FFF2-40B4-BE49-F238E27FC236}">
+                <a16:creationId xmlns:a16="http://schemas.microsoft.com/office/drawing/2014/main" id="{67613D0C-21FF-445C-8A61-522FC6EF2821}"/>
+              </a:ext>
+            </a:extLst>
+          </p:cNvPr>
+          <p:cNvSpPr>
+            <a:spLocks noGrp="1"/>
+          </p:cNvSpPr>
+          <p:nvPr>
+            <p:ph type="ftr" sz="quarter" idx="10"/>
+          </p:nvPr>
+        </p:nvSpPr>
+        <p:spPr/>
+        <p:txBody>
+          <a:bodyPr/>
+          <a:lstStyle/>
+          <a:p>
+            <a:r>
+              <a:rPr lang="en-US" b="1"/>
+              <a:t>© 2019 Health Level Seven ® International. Licensed under Creative Commons Attribution 4.0 International</a:t>
+            </a:r>
+          </a:p>
+          <a:p>
+            <a:r>
+              <a:rPr lang="en-US" b="1"/>
+              <a:t>HL7, Health Level Seven, FHIR and the FHIR flame logo are registered trademarks of Health Level Seven International. Reg. U.S. TM Office.</a:t>
+            </a:r>
+            <a:endParaRPr lang="en-US" b="1" dirty="0"/>
+          </a:p>
+        </p:txBody>
+      </p:sp>
+      <p:sp>
+        <p:nvSpPr>
+          <p:cNvPr id="3" name="Slide Number Placeholder 2">
+            <a:extLst>
+              <a:ext uri="{FF2B5EF4-FFF2-40B4-BE49-F238E27FC236}">
+                <a16:creationId xmlns:a16="http://schemas.microsoft.com/office/drawing/2014/main" id="{885B4913-2A0A-4D07-9844-3EA1D67CFB4E}"/>
+              </a:ext>
+            </a:extLst>
+          </p:cNvPr>
+          <p:cNvSpPr>
+            <a:spLocks noGrp="1"/>
+          </p:cNvSpPr>
+          <p:nvPr>
+            <p:ph type="sldNum" sz="quarter" idx="11"/>
+          </p:nvPr>
+        </p:nvSpPr>
+        <p:spPr/>
+        <p:txBody>
+          <a:bodyPr/>
+          <a:lstStyle/>
+          <a:p>
+            <a:fld id="{6CACE926-AEF5-4BFE-8BD7-24414108CB7B}" type="slidenum">
+              <a:rPr lang="en-US" altLang="en-US" smtClean="0"/>
+              <a:pPr/>
+              <a:t>42</a:t>
+            </a:fld>
+            <a:endParaRPr lang="en-US" altLang="en-US" dirty="0"/>
+          </a:p>
+        </p:txBody>
+      </p:sp>
+      <p:sp>
+        <p:nvSpPr>
+          <p:cNvPr id="4" name="Flowchart: Process 3">
+            <a:extLst>
+              <a:ext uri="{FF2B5EF4-FFF2-40B4-BE49-F238E27FC236}">
+                <a16:creationId xmlns:a16="http://schemas.microsoft.com/office/drawing/2014/main" id="{5C516E0B-A1CD-4A5B-9084-C21C57F69DB1}"/>
+              </a:ext>
+            </a:extLst>
+          </p:cNvPr>
+          <p:cNvSpPr/>
+          <p:nvPr/>
+        </p:nvSpPr>
+        <p:spPr>
+          <a:xfrm>
+            <a:off x="3887508" y="459890"/>
+            <a:ext cx="1934738" cy="755570"/>
+          </a:xfrm>
+          <a:prstGeom prst="flowChartProcess">
+            <a:avLst/>
+          </a:prstGeom>
+          <a:ln>
+            <a:solidFill>
+              <a:schemeClr val="accent1"/>
+            </a:solidFill>
+          </a:ln>
+        </p:spPr>
+        <p:style>
+          <a:lnRef idx="2">
+            <a:schemeClr val="accent1">
+              <a:shade val="50000"/>
+            </a:schemeClr>
+          </a:lnRef>
+          <a:fillRef idx="1">
+            <a:schemeClr val="accent1"/>
+          </a:fillRef>
+          <a:effectRef idx="0">
+            <a:schemeClr val="accent1"/>
+          </a:effectRef>
+          <a:fontRef idx="minor">
+            <a:schemeClr val="lt1"/>
+          </a:fontRef>
+        </p:style>
+        <p:txBody>
+          <a:bodyPr rtlCol="0" anchor="ctr"/>
+          <a:lstStyle/>
+          <a:p>
+            <a:pPr marL="0" marR="0" lvl="0" indent="0" algn="ctr" defTabSz="914400" rtl="0" eaLnBrk="1" fontAlgn="auto" latinLnBrk="0" hangingPunct="1">
+              <a:lnSpc>
+                <a:spcPct val="100000"/>
+              </a:lnSpc>
+              <a:spcBef>
+                <a:spcPts val="0"/>
+              </a:spcBef>
+              <a:spcAft>
+                <a:spcPts val="0"/>
+              </a:spcAft>
+              <a:buClrTx/>
+              <a:buSzTx/>
+              <a:buFontTx/>
+              <a:buNone/>
+              <a:tabLst/>
+              <a:defRPr/>
+            </a:pPr>
+            <a:r>
+              <a:rPr kumimoji="0" lang="en-US" sz="1600" b="0" i="0" u="none" strike="noStrike" kern="1200" cap="none" spc="0" normalizeH="0" baseline="0" noProof="0" dirty="0">
+                <a:ln>
+                  <a:noFill/>
+                </a:ln>
+                <a:solidFill>
+                  <a:prstClr val="white"/>
+                </a:solidFill>
+                <a:effectLst/>
+                <a:uLnTx/>
+                <a:uFillTx/>
+                <a:latin typeface="Calibri" panose="020F0502020204030204"/>
+                <a:ea typeface="+mn-ea"/>
+                <a:cs typeface="+mn-cs"/>
+              </a:rPr>
+              <a:t>Risk Adjustment Model Measure</a:t>
+            </a:r>
+          </a:p>
+          <a:p>
+            <a:pPr marL="0" marR="0" lvl="0" indent="0" algn="ctr" defTabSz="914400" rtl="0" eaLnBrk="1" fontAlgn="auto" latinLnBrk="0" hangingPunct="1">
+              <a:lnSpc>
+                <a:spcPct val="100000"/>
+              </a:lnSpc>
+              <a:spcBef>
+                <a:spcPts val="0"/>
+              </a:spcBef>
+              <a:spcAft>
+                <a:spcPts val="0"/>
+              </a:spcAft>
+              <a:buClrTx/>
+              <a:buSzTx/>
+              <a:buFontTx/>
+              <a:buNone/>
+              <a:tabLst/>
+              <a:defRPr/>
+            </a:pPr>
+            <a:r>
+              <a:rPr kumimoji="0" lang="en-US" sz="1600" b="0" i="0" u="none" strike="noStrike" kern="1200" cap="none" spc="0" normalizeH="0" baseline="0" noProof="0" dirty="0">
+                <a:ln>
+                  <a:noFill/>
+                </a:ln>
+                <a:solidFill>
+                  <a:prstClr val="white"/>
+                </a:solidFill>
+                <a:effectLst/>
+                <a:uLnTx/>
+                <a:uFillTx/>
+                <a:latin typeface="Calibri" panose="020F0502020204030204"/>
+                <a:ea typeface="+mn-ea"/>
+                <a:cs typeface="+mn-cs"/>
+              </a:rPr>
+              <a:t>CMS-HCC </a:t>
+            </a:r>
+            <a:r>
+              <a:rPr lang="en-US" sz="1600" dirty="0">
+                <a:solidFill>
+                  <a:prstClr val="white"/>
+                </a:solidFill>
+                <a:latin typeface="Calibri" panose="020F0502020204030204"/>
+              </a:rPr>
+              <a:t>V</a:t>
+            </a:r>
+            <a:r>
+              <a:rPr kumimoji="0" lang="en-US" sz="1600" b="0" i="0" u="none" strike="noStrike" kern="1200" cap="none" spc="0" normalizeH="0" baseline="0" noProof="0" dirty="0">
+                <a:ln>
+                  <a:noFill/>
+                </a:ln>
+                <a:solidFill>
+                  <a:prstClr val="white"/>
+                </a:solidFill>
+                <a:effectLst/>
+                <a:uLnTx/>
+                <a:uFillTx/>
+                <a:latin typeface="Calibri" panose="020F0502020204030204"/>
+                <a:ea typeface="+mn-ea"/>
+                <a:cs typeface="+mn-cs"/>
+              </a:rPr>
+              <a:t>24</a:t>
+            </a:r>
+          </a:p>
+        </p:txBody>
+      </p:sp>
+      <p:sp>
+        <p:nvSpPr>
+          <p:cNvPr id="5" name="Flowchart: Process 4">
+            <a:extLst>
+              <a:ext uri="{FF2B5EF4-FFF2-40B4-BE49-F238E27FC236}">
+                <a16:creationId xmlns:a16="http://schemas.microsoft.com/office/drawing/2014/main" id="{2888FE2A-B8B8-4B30-85ED-07CE10E8BEAC}"/>
+              </a:ext>
+            </a:extLst>
+          </p:cNvPr>
+          <p:cNvSpPr/>
+          <p:nvPr/>
+        </p:nvSpPr>
+        <p:spPr>
+          <a:xfrm>
+            <a:off x="792540" y="459890"/>
+            <a:ext cx="1934738" cy="755570"/>
+          </a:xfrm>
+          <a:prstGeom prst="flowChartProcess">
+            <a:avLst/>
+          </a:prstGeom>
+          <a:ln>
+            <a:solidFill>
+              <a:srgbClr val="0070C0"/>
+            </a:solidFill>
+          </a:ln>
+        </p:spPr>
+        <p:style>
+          <a:lnRef idx="2">
+            <a:schemeClr val="accent1">
+              <a:shade val="50000"/>
+            </a:schemeClr>
+          </a:lnRef>
+          <a:fillRef idx="1">
+            <a:schemeClr val="accent1"/>
+          </a:fillRef>
+          <a:effectRef idx="0">
+            <a:schemeClr val="accent1"/>
+          </a:effectRef>
+          <a:fontRef idx="minor">
+            <a:schemeClr val="lt1"/>
+          </a:fontRef>
+        </p:style>
+        <p:txBody>
+          <a:bodyPr rtlCol="0" anchor="ctr"/>
+          <a:lstStyle/>
+          <a:p>
+            <a:pPr marL="0" marR="0" lvl="0" indent="0" algn="ctr" defTabSz="914400" rtl="0" eaLnBrk="1" fontAlgn="auto" latinLnBrk="0" hangingPunct="1">
+              <a:lnSpc>
+                <a:spcPct val="100000"/>
+              </a:lnSpc>
+              <a:spcBef>
+                <a:spcPts val="0"/>
+              </a:spcBef>
+              <a:spcAft>
+                <a:spcPts val="0"/>
+              </a:spcAft>
+              <a:buClrTx/>
+              <a:buSzTx/>
+              <a:buFontTx/>
+              <a:buNone/>
+              <a:tabLst/>
+              <a:defRPr/>
+            </a:pPr>
+            <a:r>
+              <a:rPr kumimoji="0" lang="en-US" sz="1600" b="0" i="0" u="none" strike="noStrike" kern="1200" cap="none" spc="0" normalizeH="0" baseline="0" noProof="0" dirty="0">
+                <a:ln>
+                  <a:noFill/>
+                </a:ln>
+                <a:solidFill>
+                  <a:prstClr val="white"/>
+                </a:solidFill>
+                <a:effectLst/>
+                <a:uLnTx/>
+                <a:uFillTx/>
+                <a:latin typeface="Calibri" panose="020F0502020204030204"/>
+                <a:ea typeface="+mn-ea"/>
+                <a:cs typeface="+mn-cs"/>
+              </a:rPr>
+              <a:t>Risk Adjustment Coding Gap Report Bundle</a:t>
+            </a:r>
+          </a:p>
+        </p:txBody>
+      </p:sp>
+      <p:sp>
+        <p:nvSpPr>
+          <p:cNvPr id="6" name="Flowchart: Process 5">
+            <a:extLst>
+              <a:ext uri="{FF2B5EF4-FFF2-40B4-BE49-F238E27FC236}">
+                <a16:creationId xmlns:a16="http://schemas.microsoft.com/office/drawing/2014/main" id="{6538187D-1CBA-4D3E-B9CF-FB1141184837}"/>
+              </a:ext>
+            </a:extLst>
+          </p:cNvPr>
+          <p:cNvSpPr/>
+          <p:nvPr/>
+        </p:nvSpPr>
+        <p:spPr>
+          <a:xfrm>
+            <a:off x="3887508" y="1722136"/>
+            <a:ext cx="1934738" cy="3459464"/>
+          </a:xfrm>
+          <a:prstGeom prst="flowChartProcess">
+            <a:avLst/>
+          </a:prstGeom>
+          <a:ln>
+            <a:solidFill>
+              <a:srgbClr val="0070C0"/>
+            </a:solidFill>
+          </a:ln>
+        </p:spPr>
+        <p:style>
+          <a:lnRef idx="2">
+            <a:schemeClr val="accent1">
+              <a:shade val="50000"/>
+            </a:schemeClr>
+          </a:lnRef>
+          <a:fillRef idx="1">
+            <a:schemeClr val="accent1"/>
+          </a:fillRef>
+          <a:effectRef idx="0">
+            <a:schemeClr val="accent1"/>
+          </a:effectRef>
+          <a:fontRef idx="minor">
+            <a:schemeClr val="lt1"/>
+          </a:fontRef>
+        </p:style>
+        <p:txBody>
+          <a:bodyPr rtlCol="0" anchor="ctr"/>
+          <a:lstStyle/>
+          <a:p>
+            <a:pPr marL="0" marR="0" lvl="0" indent="0" algn="ctr" defTabSz="914400" rtl="0" eaLnBrk="1" fontAlgn="auto" latinLnBrk="0" hangingPunct="1">
+              <a:lnSpc>
+                <a:spcPct val="100000"/>
+              </a:lnSpc>
+              <a:spcBef>
+                <a:spcPts val="0"/>
+              </a:spcBef>
+              <a:spcAft>
+                <a:spcPts val="0"/>
+              </a:spcAft>
+              <a:buClrTx/>
+              <a:buSzTx/>
+              <a:buFontTx/>
+              <a:buNone/>
+              <a:tabLst/>
+              <a:defRPr/>
+            </a:pPr>
+            <a:endParaRPr kumimoji="0" lang="en-US" sz="1600" b="0" i="0" u="none" strike="noStrike" kern="1200" cap="none" spc="0" normalizeH="0" baseline="0" noProof="0" dirty="0">
+              <a:ln>
+                <a:noFill/>
+              </a:ln>
+              <a:solidFill>
+                <a:prstClr val="white"/>
+              </a:solidFill>
+              <a:effectLst/>
+              <a:uLnTx/>
+              <a:uFillTx/>
+              <a:latin typeface="Calibri" panose="020F0502020204030204"/>
+              <a:ea typeface="+mn-ea"/>
+              <a:cs typeface="+mn-cs"/>
+            </a:endParaRPr>
+          </a:p>
+          <a:p>
+            <a:pPr marL="0" marR="0" lvl="0" indent="0" algn="ctr" defTabSz="914400" rtl="0" eaLnBrk="1" fontAlgn="auto" latinLnBrk="0" hangingPunct="1">
+              <a:lnSpc>
+                <a:spcPct val="100000"/>
+              </a:lnSpc>
+              <a:spcBef>
+                <a:spcPts val="0"/>
+              </a:spcBef>
+              <a:spcAft>
+                <a:spcPts val="0"/>
+              </a:spcAft>
+              <a:buClrTx/>
+              <a:buSzTx/>
+              <a:buFontTx/>
+              <a:buNone/>
+              <a:tabLst/>
+              <a:defRPr/>
+            </a:pPr>
+            <a:r>
+              <a:rPr kumimoji="0" lang="en-US" sz="1600" b="0" i="0" u="none" strike="noStrike" kern="1200" cap="none" spc="0" normalizeH="0" baseline="0" noProof="0" dirty="0">
+                <a:ln>
+                  <a:noFill/>
+                </a:ln>
+                <a:solidFill>
+                  <a:prstClr val="white"/>
+                </a:solidFill>
+                <a:effectLst/>
+                <a:uLnTx/>
+                <a:uFillTx/>
+                <a:latin typeface="Calibri" panose="020F0502020204030204"/>
+                <a:ea typeface="+mn-ea"/>
+                <a:cs typeface="+mn-cs"/>
+              </a:rPr>
+              <a:t>Risk Adjustment </a:t>
+            </a:r>
+            <a:endParaRPr lang="en-US" sz="1600" dirty="0">
+              <a:solidFill>
+                <a:prstClr val="white"/>
+              </a:solidFill>
+              <a:latin typeface="Calibri" panose="020F0502020204030204"/>
+            </a:endParaRPr>
+          </a:p>
+          <a:p>
+            <a:pPr marL="0" marR="0" lvl="0" indent="0" algn="ctr" defTabSz="914400" rtl="0" eaLnBrk="1" fontAlgn="auto" latinLnBrk="0" hangingPunct="1">
+              <a:lnSpc>
+                <a:spcPct val="100000"/>
+              </a:lnSpc>
+              <a:spcBef>
+                <a:spcPts val="0"/>
+              </a:spcBef>
+              <a:spcAft>
+                <a:spcPts val="0"/>
+              </a:spcAft>
+              <a:buClrTx/>
+              <a:buSzTx/>
+              <a:buFontTx/>
+              <a:buNone/>
+              <a:tabLst/>
+              <a:defRPr/>
+            </a:pPr>
+            <a:r>
+              <a:rPr kumimoji="0" lang="en-US" sz="1600" b="0" i="0" u="none" strike="noStrike" kern="1200" cap="none" spc="0" normalizeH="0" baseline="0" noProof="0" dirty="0">
+                <a:ln>
+                  <a:noFill/>
+                </a:ln>
+                <a:solidFill>
+                  <a:prstClr val="white"/>
+                </a:solidFill>
+                <a:effectLst/>
+                <a:uLnTx/>
+                <a:uFillTx/>
+                <a:latin typeface="Calibri" panose="020F0502020204030204"/>
+                <a:ea typeface="+mn-ea"/>
+                <a:cs typeface="+mn-cs"/>
+              </a:rPr>
+              <a:t>Coding Gap Report</a:t>
+            </a:r>
+          </a:p>
+          <a:p>
+            <a:pPr marL="0" marR="0" lvl="0" indent="0" algn="ctr" defTabSz="914400" rtl="0" eaLnBrk="1" fontAlgn="auto" latinLnBrk="0" hangingPunct="1">
+              <a:lnSpc>
+                <a:spcPct val="100000"/>
+              </a:lnSpc>
+              <a:spcBef>
+                <a:spcPts val="0"/>
+              </a:spcBef>
+              <a:spcAft>
+                <a:spcPts val="0"/>
+              </a:spcAft>
+              <a:buClrTx/>
+              <a:buSzTx/>
+              <a:buFontTx/>
+              <a:buNone/>
+              <a:tabLst/>
+              <a:defRPr/>
+            </a:pPr>
+            <a:endParaRPr lang="en-US" sz="1600" dirty="0">
+              <a:solidFill>
+                <a:prstClr val="white"/>
+              </a:solidFill>
+              <a:latin typeface="Calibri" panose="020F0502020204030204"/>
+            </a:endParaRPr>
+          </a:p>
+          <a:p>
+            <a:pPr marL="0" marR="0" lvl="0" indent="0" algn="ctr" defTabSz="914400" rtl="0" eaLnBrk="1" fontAlgn="auto" latinLnBrk="0" hangingPunct="1">
+              <a:lnSpc>
+                <a:spcPct val="100000"/>
+              </a:lnSpc>
+              <a:spcBef>
+                <a:spcPts val="0"/>
+              </a:spcBef>
+              <a:spcAft>
+                <a:spcPts val="0"/>
+              </a:spcAft>
+              <a:buClrTx/>
+              <a:buSzTx/>
+              <a:buFontTx/>
+              <a:buNone/>
+              <a:tabLst/>
+              <a:defRPr/>
+            </a:pPr>
+            <a:endParaRPr kumimoji="0" lang="en-US" sz="1600" b="0" i="0" u="none" strike="noStrike" kern="1200" cap="none" spc="0" normalizeH="0" baseline="0" noProof="0" dirty="0">
+              <a:ln>
+                <a:noFill/>
+              </a:ln>
+              <a:solidFill>
+                <a:prstClr val="white"/>
+              </a:solidFill>
+              <a:effectLst/>
+              <a:uLnTx/>
+              <a:uFillTx/>
+              <a:latin typeface="Calibri" panose="020F0502020204030204"/>
+              <a:ea typeface="+mn-ea"/>
+              <a:cs typeface="+mn-cs"/>
+            </a:endParaRPr>
+          </a:p>
+          <a:p>
+            <a:pPr marL="0" marR="0" lvl="0" indent="0" algn="ctr" defTabSz="914400" rtl="0" eaLnBrk="1" fontAlgn="auto" latinLnBrk="0" hangingPunct="1">
+              <a:lnSpc>
+                <a:spcPct val="100000"/>
+              </a:lnSpc>
+              <a:spcBef>
+                <a:spcPts val="0"/>
+              </a:spcBef>
+              <a:spcAft>
+                <a:spcPts val="0"/>
+              </a:spcAft>
+              <a:buClrTx/>
+              <a:buSzTx/>
+              <a:buFontTx/>
+              <a:buNone/>
+              <a:tabLst/>
+              <a:defRPr/>
+            </a:pPr>
+            <a:endParaRPr lang="en-US" sz="1600" dirty="0">
+              <a:solidFill>
+                <a:prstClr val="white"/>
+              </a:solidFill>
+              <a:latin typeface="Calibri" panose="020F0502020204030204"/>
+            </a:endParaRPr>
+          </a:p>
+          <a:p>
+            <a:pPr marL="0" marR="0" lvl="0" indent="0" algn="ctr" defTabSz="914400" rtl="0" eaLnBrk="1" fontAlgn="auto" latinLnBrk="0" hangingPunct="1">
+              <a:lnSpc>
+                <a:spcPct val="100000"/>
+              </a:lnSpc>
+              <a:spcBef>
+                <a:spcPts val="0"/>
+              </a:spcBef>
+              <a:spcAft>
+                <a:spcPts val="0"/>
+              </a:spcAft>
+              <a:buClrTx/>
+              <a:buSzTx/>
+              <a:buFontTx/>
+              <a:buNone/>
+              <a:tabLst/>
+              <a:defRPr/>
+            </a:pPr>
+            <a:endParaRPr kumimoji="0" lang="en-US" sz="1600" b="0" i="0" u="none" strike="noStrike" kern="1200" cap="none" spc="0" normalizeH="0" baseline="0" noProof="0" dirty="0">
+              <a:ln>
+                <a:noFill/>
+              </a:ln>
+              <a:solidFill>
+                <a:prstClr val="white"/>
+              </a:solidFill>
+              <a:effectLst/>
+              <a:uLnTx/>
+              <a:uFillTx/>
+              <a:latin typeface="Calibri" panose="020F0502020204030204"/>
+              <a:ea typeface="+mn-ea"/>
+              <a:cs typeface="+mn-cs"/>
+            </a:endParaRPr>
+          </a:p>
+          <a:p>
+            <a:pPr marL="0" marR="0" lvl="0" indent="0" algn="ctr" defTabSz="914400" rtl="0" eaLnBrk="1" fontAlgn="auto" latinLnBrk="0" hangingPunct="1">
+              <a:lnSpc>
+                <a:spcPct val="100000"/>
+              </a:lnSpc>
+              <a:spcBef>
+                <a:spcPts val="0"/>
+              </a:spcBef>
+              <a:spcAft>
+                <a:spcPts val="0"/>
+              </a:spcAft>
+              <a:buClrTx/>
+              <a:buSzTx/>
+              <a:buFontTx/>
+              <a:buNone/>
+              <a:tabLst/>
+              <a:defRPr/>
+            </a:pPr>
+            <a:endParaRPr lang="en-US" sz="1600" dirty="0">
+              <a:solidFill>
+                <a:prstClr val="white"/>
+              </a:solidFill>
+              <a:latin typeface="Calibri" panose="020F0502020204030204"/>
+            </a:endParaRPr>
+          </a:p>
+          <a:p>
+            <a:pPr marL="0" marR="0" lvl="0" indent="0" algn="ctr" defTabSz="914400" rtl="0" eaLnBrk="1" fontAlgn="auto" latinLnBrk="0" hangingPunct="1">
+              <a:lnSpc>
+                <a:spcPct val="100000"/>
+              </a:lnSpc>
+              <a:spcBef>
+                <a:spcPts val="0"/>
+              </a:spcBef>
+              <a:spcAft>
+                <a:spcPts val="0"/>
+              </a:spcAft>
+              <a:buClrTx/>
+              <a:buSzTx/>
+              <a:buFontTx/>
+              <a:buNone/>
+              <a:tabLst/>
+              <a:defRPr/>
+            </a:pPr>
+            <a:endParaRPr kumimoji="0" lang="en-US" sz="1600" b="0" i="0" u="none" strike="noStrike" kern="1200" cap="none" spc="0" normalizeH="0" baseline="0" noProof="0" dirty="0">
+              <a:ln>
+                <a:noFill/>
+              </a:ln>
+              <a:solidFill>
+                <a:prstClr val="white"/>
+              </a:solidFill>
+              <a:effectLst/>
+              <a:uLnTx/>
+              <a:uFillTx/>
+              <a:latin typeface="Calibri" panose="020F0502020204030204"/>
+              <a:ea typeface="+mn-ea"/>
+              <a:cs typeface="+mn-cs"/>
+            </a:endParaRPr>
+          </a:p>
+          <a:p>
+            <a:pPr marL="0" marR="0" lvl="0" indent="0" algn="ctr" defTabSz="914400" rtl="0" eaLnBrk="1" fontAlgn="auto" latinLnBrk="0" hangingPunct="1">
+              <a:lnSpc>
+                <a:spcPct val="100000"/>
+              </a:lnSpc>
+              <a:spcBef>
+                <a:spcPts val="0"/>
+              </a:spcBef>
+              <a:spcAft>
+                <a:spcPts val="0"/>
+              </a:spcAft>
+              <a:buClrTx/>
+              <a:buSzTx/>
+              <a:buFontTx/>
+              <a:buNone/>
+              <a:tabLst/>
+              <a:defRPr/>
+            </a:pPr>
+            <a:endParaRPr lang="en-US" sz="1600" dirty="0">
+              <a:solidFill>
+                <a:prstClr val="white"/>
+              </a:solidFill>
+              <a:latin typeface="Calibri" panose="020F0502020204030204"/>
+            </a:endParaRPr>
+          </a:p>
+          <a:p>
+            <a:pPr marL="0" marR="0" lvl="0" indent="0" algn="ctr" defTabSz="914400" rtl="0" eaLnBrk="1" fontAlgn="auto" latinLnBrk="0" hangingPunct="1">
+              <a:lnSpc>
+                <a:spcPct val="100000"/>
+              </a:lnSpc>
+              <a:spcBef>
+                <a:spcPts val="0"/>
+              </a:spcBef>
+              <a:spcAft>
+                <a:spcPts val="0"/>
+              </a:spcAft>
+              <a:buClrTx/>
+              <a:buSzTx/>
+              <a:buFontTx/>
+              <a:buNone/>
+              <a:tabLst/>
+              <a:defRPr/>
+            </a:pPr>
+            <a:endParaRPr kumimoji="0" lang="en-US" sz="1600" b="0" i="0" u="none" strike="noStrike" kern="1200" cap="none" spc="0" normalizeH="0" baseline="0" noProof="0" dirty="0">
+              <a:ln>
+                <a:noFill/>
+              </a:ln>
+              <a:solidFill>
+                <a:prstClr val="white"/>
+              </a:solidFill>
+              <a:effectLst/>
+              <a:uLnTx/>
+              <a:uFillTx/>
+              <a:latin typeface="Calibri" panose="020F0502020204030204"/>
+              <a:ea typeface="+mn-ea"/>
+              <a:cs typeface="+mn-cs"/>
+            </a:endParaRPr>
+          </a:p>
+          <a:p>
+            <a:pPr marL="0" marR="0" lvl="0" indent="0" algn="ctr" defTabSz="914400" rtl="0" eaLnBrk="1" fontAlgn="auto" latinLnBrk="0" hangingPunct="1">
+              <a:lnSpc>
+                <a:spcPct val="100000"/>
+              </a:lnSpc>
+              <a:spcBef>
+                <a:spcPts val="0"/>
+              </a:spcBef>
+              <a:spcAft>
+                <a:spcPts val="0"/>
+              </a:spcAft>
+              <a:buClrTx/>
+              <a:buSzTx/>
+              <a:buFontTx/>
+              <a:buNone/>
+              <a:tabLst/>
+              <a:defRPr/>
+            </a:pPr>
+            <a:endParaRPr lang="en-US" sz="1600" dirty="0">
+              <a:solidFill>
+                <a:prstClr val="white"/>
+              </a:solidFill>
+              <a:latin typeface="Calibri" panose="020F0502020204030204"/>
+            </a:endParaRPr>
+          </a:p>
+          <a:p>
+            <a:pPr marL="0" marR="0" lvl="0" indent="0" algn="ctr" defTabSz="914400" rtl="0" eaLnBrk="1" fontAlgn="auto" latinLnBrk="0" hangingPunct="1">
+              <a:lnSpc>
+                <a:spcPct val="100000"/>
+              </a:lnSpc>
+              <a:spcBef>
+                <a:spcPts val="0"/>
+              </a:spcBef>
+              <a:spcAft>
+                <a:spcPts val="0"/>
+              </a:spcAft>
+              <a:buClrTx/>
+              <a:buSzTx/>
+              <a:buFontTx/>
+              <a:buNone/>
+              <a:tabLst/>
+              <a:defRPr/>
+            </a:pPr>
+            <a:endParaRPr kumimoji="0" lang="en-US" sz="1600" b="0" i="0" u="none" strike="noStrike" kern="1200" cap="none" spc="0" normalizeH="0" baseline="0" noProof="0" dirty="0">
+              <a:ln>
+                <a:noFill/>
+              </a:ln>
+              <a:solidFill>
+                <a:prstClr val="white"/>
+              </a:solidFill>
+              <a:effectLst/>
+              <a:uLnTx/>
+              <a:uFillTx/>
+              <a:latin typeface="Calibri" panose="020F0502020204030204"/>
+              <a:ea typeface="+mn-ea"/>
+              <a:cs typeface="+mn-cs"/>
+            </a:endParaRPr>
+          </a:p>
+          <a:p>
+            <a:pPr marL="0" marR="0" lvl="0" indent="0" algn="ctr" defTabSz="914400" rtl="0" eaLnBrk="1" fontAlgn="auto" latinLnBrk="0" hangingPunct="1">
+              <a:lnSpc>
+                <a:spcPct val="100000"/>
+              </a:lnSpc>
+              <a:spcBef>
+                <a:spcPts val="0"/>
+              </a:spcBef>
+              <a:spcAft>
+                <a:spcPts val="0"/>
+              </a:spcAft>
+              <a:buClrTx/>
+              <a:buSzTx/>
+              <a:buFontTx/>
+              <a:buNone/>
+              <a:tabLst/>
+              <a:defRPr/>
+            </a:pPr>
+            <a:endParaRPr lang="en-US" sz="1600" dirty="0">
+              <a:solidFill>
+                <a:prstClr val="white"/>
+              </a:solidFill>
+              <a:latin typeface="Calibri" panose="020F0502020204030204"/>
+            </a:endParaRPr>
+          </a:p>
+          <a:p>
+            <a:pPr marL="0" marR="0" lvl="0" indent="0" algn="ctr" defTabSz="914400" rtl="0" eaLnBrk="1" fontAlgn="auto" latinLnBrk="0" hangingPunct="1">
+              <a:lnSpc>
+                <a:spcPct val="100000"/>
+              </a:lnSpc>
+              <a:spcBef>
+                <a:spcPts val="0"/>
+              </a:spcBef>
+              <a:spcAft>
+                <a:spcPts val="0"/>
+              </a:spcAft>
+              <a:buClrTx/>
+              <a:buSzTx/>
+              <a:buFontTx/>
+              <a:buNone/>
+              <a:tabLst/>
+              <a:defRPr/>
+            </a:pPr>
+            <a:endParaRPr kumimoji="0" lang="en-US" sz="1600" b="0" i="0" u="none" strike="noStrike" kern="1200" cap="none" spc="0" normalizeH="0" baseline="0" noProof="0" dirty="0">
+              <a:ln>
+                <a:noFill/>
+              </a:ln>
+              <a:solidFill>
+                <a:prstClr val="white"/>
+              </a:solidFill>
+              <a:effectLst/>
+              <a:uLnTx/>
+              <a:uFillTx/>
+              <a:latin typeface="Calibri" panose="020F0502020204030204"/>
+              <a:ea typeface="+mn-ea"/>
+              <a:cs typeface="+mn-cs"/>
+            </a:endParaRPr>
+          </a:p>
+          <a:p>
+            <a:pPr marL="0" marR="0" lvl="0" indent="0" algn="ctr" defTabSz="914400" rtl="0" eaLnBrk="1" fontAlgn="auto" latinLnBrk="0" hangingPunct="1">
+              <a:lnSpc>
+                <a:spcPct val="100000"/>
+              </a:lnSpc>
+              <a:spcBef>
+                <a:spcPts val="0"/>
+              </a:spcBef>
+              <a:spcAft>
+                <a:spcPts val="0"/>
+              </a:spcAft>
+              <a:buClrTx/>
+              <a:buSzTx/>
+              <a:buFontTx/>
+              <a:buNone/>
+              <a:tabLst/>
+              <a:defRPr/>
+            </a:pPr>
+            <a:endParaRPr kumimoji="0" lang="en-US" sz="1600" b="0" i="0" u="none" strike="noStrike" kern="1200" cap="none" spc="0" normalizeH="0" baseline="0" noProof="0" dirty="0">
+              <a:ln>
+                <a:noFill/>
+              </a:ln>
+              <a:solidFill>
+                <a:prstClr val="white"/>
+              </a:solidFill>
+              <a:effectLst/>
+              <a:uLnTx/>
+              <a:uFillTx/>
+              <a:latin typeface="Calibri" panose="020F0502020204030204"/>
+              <a:ea typeface="+mn-ea"/>
+              <a:cs typeface="+mn-cs"/>
+            </a:endParaRPr>
+          </a:p>
+        </p:txBody>
+      </p:sp>
+      <p:cxnSp>
+        <p:nvCxnSpPr>
+          <p:cNvPr id="7" name="Straight Arrow Connector 6">
+            <a:extLst>
+              <a:ext uri="{FF2B5EF4-FFF2-40B4-BE49-F238E27FC236}">
+                <a16:creationId xmlns:a16="http://schemas.microsoft.com/office/drawing/2014/main" id="{049F4E04-B597-4594-8DDB-B9B1793B9466}"/>
+              </a:ext>
+            </a:extLst>
+          </p:cNvPr>
+          <p:cNvCxnSpPr>
+            <a:cxnSpLocks/>
+            <a:stCxn id="5" idx="3"/>
+            <a:endCxn id="6" idx="0"/>
+          </p:cNvCxnSpPr>
+          <p:nvPr/>
+        </p:nvCxnSpPr>
+        <p:spPr>
+          <a:xfrm>
+            <a:off x="2727278" y="837675"/>
+            <a:ext cx="2127599" cy="884461"/>
+          </a:xfrm>
+          <a:prstGeom prst="straightConnector1">
+            <a:avLst/>
+          </a:prstGeom>
+          <a:ln w="12700">
+            <a:tailEnd type="triangle"/>
+          </a:ln>
+        </p:spPr>
+        <p:style>
+          <a:lnRef idx="1">
+            <a:schemeClr val="accent1"/>
+          </a:lnRef>
+          <a:fillRef idx="0">
+            <a:schemeClr val="accent1"/>
+          </a:fillRef>
+          <a:effectRef idx="0">
+            <a:schemeClr val="accent1"/>
+          </a:effectRef>
+          <a:fontRef idx="minor">
+            <a:schemeClr val="tx1"/>
+          </a:fontRef>
+        </p:style>
+      </p:cxnSp>
+      <p:cxnSp>
+        <p:nvCxnSpPr>
+          <p:cNvPr id="10" name="Straight Arrow Connector 9">
+            <a:extLst>
+              <a:ext uri="{FF2B5EF4-FFF2-40B4-BE49-F238E27FC236}">
+                <a16:creationId xmlns:a16="http://schemas.microsoft.com/office/drawing/2014/main" id="{43B4802E-C369-4600-9790-CE55B28A9C51}"/>
+              </a:ext>
+            </a:extLst>
+          </p:cNvPr>
+          <p:cNvCxnSpPr>
+            <a:cxnSpLocks/>
+            <a:stCxn id="6" idx="0"/>
+            <a:endCxn id="4" idx="2"/>
+          </p:cNvCxnSpPr>
+          <p:nvPr/>
+        </p:nvCxnSpPr>
+        <p:spPr>
+          <a:xfrm flipV="1">
+            <a:off x="4854877" y="1215460"/>
+            <a:ext cx="0" cy="506676"/>
+          </a:xfrm>
+          <a:prstGeom prst="straightConnector1">
+            <a:avLst/>
+          </a:prstGeom>
+          <a:ln w="12700">
+            <a:tailEnd type="triangle"/>
+          </a:ln>
+        </p:spPr>
+        <p:style>
+          <a:lnRef idx="1">
+            <a:schemeClr val="accent1"/>
+          </a:lnRef>
+          <a:fillRef idx="0">
+            <a:schemeClr val="accent1"/>
+          </a:fillRef>
+          <a:effectRef idx="0">
+            <a:schemeClr val="accent1"/>
+          </a:effectRef>
+          <a:fontRef idx="minor">
+            <a:schemeClr val="tx1"/>
+          </a:fontRef>
+        </p:style>
+      </p:cxnSp>
+      <p:sp>
+        <p:nvSpPr>
+          <p:cNvPr id="14" name="TextBox 13">
+            <a:extLst>
+              <a:ext uri="{FF2B5EF4-FFF2-40B4-BE49-F238E27FC236}">
+                <a16:creationId xmlns:a16="http://schemas.microsoft.com/office/drawing/2014/main" id="{959336AF-67D3-43CA-B96A-647BEFDE54B0}"/>
+              </a:ext>
+            </a:extLst>
+          </p:cNvPr>
+          <p:cNvSpPr txBox="1"/>
+          <p:nvPr/>
+        </p:nvSpPr>
+        <p:spPr>
+          <a:xfrm>
+            <a:off x="4574102" y="1347024"/>
+            <a:ext cx="696646" cy="246221"/>
+          </a:xfrm>
+          <a:prstGeom prst="rect">
+            <a:avLst/>
+          </a:prstGeom>
+          <a:solidFill>
+            <a:schemeClr val="bg1"/>
+          </a:solidFill>
+        </p:spPr>
+        <p:txBody>
+          <a:bodyPr wrap="square" rtlCol="0">
+            <a:spAutoFit/>
+          </a:bodyPr>
+          <a:lstStyle/>
+          <a:p>
+            <a:pPr marL="0" marR="0" lvl="0" indent="0" algn="l" defTabSz="914400" rtl="0" eaLnBrk="1" fontAlgn="auto" latinLnBrk="0" hangingPunct="1">
+              <a:lnSpc>
+                <a:spcPct val="100000"/>
+              </a:lnSpc>
+              <a:spcBef>
+                <a:spcPts val="0"/>
+              </a:spcBef>
+              <a:spcAft>
+                <a:spcPts val="0"/>
+              </a:spcAft>
+              <a:buClrTx/>
+              <a:buSzTx/>
+              <a:buFontTx/>
+              <a:buNone/>
+              <a:tabLst/>
+              <a:defRPr/>
+            </a:pPr>
+            <a:r>
+              <a:rPr kumimoji="0" lang="en-US" sz="1000" b="1" i="0" u="none" strike="noStrike" kern="1200" cap="none" spc="0" normalizeH="0" baseline="0" noProof="0" dirty="0">
+                <a:ln>
+                  <a:noFill/>
+                </a:ln>
+                <a:solidFill>
+                  <a:prstClr val="black"/>
+                </a:solidFill>
+                <a:effectLst/>
+                <a:uLnTx/>
+                <a:uFillTx/>
+                <a:latin typeface="Calibri" panose="020F0502020204030204"/>
+                <a:ea typeface="+mn-ea"/>
+                <a:cs typeface="+mn-cs"/>
+              </a:rPr>
+              <a:t>measure</a:t>
+            </a:r>
+            <a:endParaRPr kumimoji="0" lang="en-US" sz="900" b="1" i="0" u="none" strike="noStrike" kern="1200" cap="none" spc="0" normalizeH="0" baseline="0" noProof="0" dirty="0">
+              <a:ln>
+                <a:noFill/>
+              </a:ln>
+              <a:solidFill>
+                <a:prstClr val="black"/>
+              </a:solidFill>
+              <a:effectLst/>
+              <a:uLnTx/>
+              <a:uFillTx/>
+              <a:latin typeface="Calibri" panose="020F0502020204030204"/>
+              <a:ea typeface="+mn-ea"/>
+              <a:cs typeface="+mn-cs"/>
+            </a:endParaRPr>
+          </a:p>
+        </p:txBody>
+      </p:sp>
+      <p:sp>
+        <p:nvSpPr>
+          <p:cNvPr id="11" name="Flowchart: Process 10">
+            <a:extLst>
+              <a:ext uri="{FF2B5EF4-FFF2-40B4-BE49-F238E27FC236}">
+                <a16:creationId xmlns:a16="http://schemas.microsoft.com/office/drawing/2014/main" id="{B33ED533-7AF9-403A-9F59-25CBA5A9CE93}"/>
+              </a:ext>
+            </a:extLst>
+          </p:cNvPr>
+          <p:cNvSpPr/>
+          <p:nvPr/>
+        </p:nvSpPr>
+        <p:spPr>
+          <a:xfrm>
+            <a:off x="792540" y="3074083"/>
+            <a:ext cx="1934738" cy="755570"/>
+          </a:xfrm>
+          <a:prstGeom prst="flowChartProcess">
+            <a:avLst/>
+          </a:prstGeom>
+          <a:ln>
+            <a:solidFill>
+              <a:srgbClr val="0070C0"/>
+            </a:solidFill>
+          </a:ln>
+        </p:spPr>
+        <p:style>
+          <a:lnRef idx="2">
+            <a:schemeClr val="accent1">
+              <a:shade val="50000"/>
+            </a:schemeClr>
+          </a:lnRef>
+          <a:fillRef idx="1">
+            <a:schemeClr val="accent1"/>
+          </a:fillRef>
+          <a:effectRef idx="0">
+            <a:schemeClr val="accent1"/>
+          </a:effectRef>
+          <a:fontRef idx="minor">
+            <a:schemeClr val="lt1"/>
+          </a:fontRef>
+        </p:style>
+        <p:txBody>
+          <a:bodyPr rtlCol="0" anchor="ctr"/>
+          <a:lstStyle/>
+          <a:p>
+            <a:pPr marL="0" marR="0" lvl="0" indent="0" algn="ctr" defTabSz="914400" rtl="0" eaLnBrk="1" fontAlgn="auto" latinLnBrk="0" hangingPunct="1">
+              <a:lnSpc>
+                <a:spcPct val="100000"/>
+              </a:lnSpc>
+              <a:spcBef>
+                <a:spcPts val="0"/>
+              </a:spcBef>
+              <a:spcAft>
+                <a:spcPts val="0"/>
+              </a:spcAft>
+              <a:buClrTx/>
+              <a:buSzTx/>
+              <a:buFontTx/>
+              <a:buNone/>
+              <a:tabLst/>
+              <a:defRPr/>
+            </a:pPr>
+            <a:r>
+              <a:rPr kumimoji="0" lang="en-US" sz="1600" b="0" i="0" u="none" strike="noStrike" kern="1200" cap="none" spc="0" normalizeH="0" baseline="0" noProof="0" dirty="0">
+                <a:ln>
+                  <a:noFill/>
+                </a:ln>
+                <a:solidFill>
+                  <a:prstClr val="white"/>
+                </a:solidFill>
+                <a:effectLst/>
+                <a:uLnTx/>
+                <a:uFillTx/>
+                <a:latin typeface="Calibri" panose="020F0502020204030204"/>
+                <a:ea typeface="+mn-ea"/>
+                <a:cs typeface="+mn-cs"/>
+              </a:rPr>
+              <a:t>US Core Patient</a:t>
+            </a:r>
+          </a:p>
+          <a:p>
+            <a:pPr marL="0" marR="0" lvl="0" indent="0" algn="ctr" defTabSz="914400" rtl="0" eaLnBrk="1" fontAlgn="auto" latinLnBrk="0" hangingPunct="1">
+              <a:lnSpc>
+                <a:spcPct val="100000"/>
+              </a:lnSpc>
+              <a:spcBef>
+                <a:spcPts val="0"/>
+              </a:spcBef>
+              <a:spcAft>
+                <a:spcPts val="0"/>
+              </a:spcAft>
+              <a:buClrTx/>
+              <a:buSzTx/>
+              <a:buFontTx/>
+              <a:buNone/>
+              <a:tabLst/>
+              <a:defRPr/>
+            </a:pPr>
+            <a:r>
+              <a:rPr lang="en-US" sz="1200" dirty="0">
+                <a:solidFill>
+                  <a:prstClr val="white"/>
+                </a:solidFill>
+                <a:latin typeface="Calibri" panose="020F0502020204030204"/>
+              </a:rPr>
+              <a:t>Eve Everywoman</a:t>
+            </a:r>
+          </a:p>
+          <a:p>
+            <a:pPr marL="0" marR="0" lvl="0" indent="0" algn="ctr" defTabSz="914400" rtl="0" eaLnBrk="1" fontAlgn="auto" latinLnBrk="0" hangingPunct="1">
+              <a:lnSpc>
+                <a:spcPct val="100000"/>
+              </a:lnSpc>
+              <a:spcBef>
+                <a:spcPts val="0"/>
+              </a:spcBef>
+              <a:spcAft>
+                <a:spcPts val="0"/>
+              </a:spcAft>
+              <a:buClrTx/>
+              <a:buSzTx/>
+              <a:buFontTx/>
+              <a:buNone/>
+              <a:tabLst/>
+              <a:defRPr/>
+            </a:pPr>
+            <a:r>
+              <a:rPr kumimoji="0" lang="en-US" sz="1100" b="0" i="0" u="none" strike="noStrike" kern="1200" cap="none" spc="0" normalizeH="0" baseline="0" noProof="0" dirty="0">
+                <a:ln>
+                  <a:noFill/>
+                </a:ln>
+                <a:solidFill>
+                  <a:prstClr val="white"/>
+                </a:solidFill>
+                <a:effectLst/>
+                <a:uLnTx/>
+                <a:uFillTx/>
+                <a:latin typeface="Calibri" panose="020F0502020204030204"/>
+                <a:ea typeface="+mn-ea"/>
+                <a:cs typeface="+mn-cs"/>
+              </a:rPr>
+              <a:t>DOB: 01/16/1975</a:t>
+            </a:r>
+          </a:p>
+        </p:txBody>
+      </p:sp>
+      <p:cxnSp>
+        <p:nvCxnSpPr>
+          <p:cNvPr id="12" name="Straight Arrow Connector 11">
+            <a:extLst>
+              <a:ext uri="{FF2B5EF4-FFF2-40B4-BE49-F238E27FC236}">
+                <a16:creationId xmlns:a16="http://schemas.microsoft.com/office/drawing/2014/main" id="{73B34E6C-DFD9-49DE-86F3-25C6C9784F38}"/>
+              </a:ext>
+            </a:extLst>
+          </p:cNvPr>
+          <p:cNvCxnSpPr>
+            <a:cxnSpLocks/>
+            <a:stCxn id="6" idx="1"/>
+            <a:endCxn id="11" idx="3"/>
+          </p:cNvCxnSpPr>
+          <p:nvPr/>
+        </p:nvCxnSpPr>
+        <p:spPr>
+          <a:xfrm flipH="1">
+            <a:off x="2727278" y="3451868"/>
+            <a:ext cx="1160230" cy="0"/>
+          </a:xfrm>
+          <a:prstGeom prst="straightConnector1">
+            <a:avLst/>
+          </a:prstGeom>
+          <a:ln w="12700">
+            <a:headEnd type="none" w="med" len="med"/>
+            <a:tailEnd type="triangle" w="med" len="med"/>
+          </a:ln>
+        </p:spPr>
+        <p:style>
+          <a:lnRef idx="1">
+            <a:schemeClr val="accent1"/>
+          </a:lnRef>
+          <a:fillRef idx="0">
+            <a:schemeClr val="accent1"/>
+          </a:fillRef>
+          <a:effectRef idx="0">
+            <a:schemeClr val="accent1"/>
+          </a:effectRef>
+          <a:fontRef idx="minor">
+            <a:schemeClr val="tx1"/>
+          </a:fontRef>
+        </p:style>
+      </p:cxnSp>
+      <p:sp>
+        <p:nvSpPr>
+          <p:cNvPr id="15" name="TextBox 14">
+            <a:extLst>
+              <a:ext uri="{FF2B5EF4-FFF2-40B4-BE49-F238E27FC236}">
+                <a16:creationId xmlns:a16="http://schemas.microsoft.com/office/drawing/2014/main" id="{E58AF1D7-3B7B-47E7-BCED-3017253BDA1C}"/>
+              </a:ext>
+            </a:extLst>
+          </p:cNvPr>
+          <p:cNvSpPr txBox="1"/>
+          <p:nvPr/>
+        </p:nvSpPr>
+        <p:spPr>
+          <a:xfrm>
+            <a:off x="2976661" y="3292189"/>
+            <a:ext cx="580599" cy="246221"/>
+          </a:xfrm>
+          <a:prstGeom prst="rect">
+            <a:avLst/>
+          </a:prstGeom>
+          <a:solidFill>
+            <a:schemeClr val="bg1"/>
+          </a:solidFill>
+        </p:spPr>
+        <p:txBody>
+          <a:bodyPr wrap="square" rtlCol="0">
+            <a:spAutoFit/>
+          </a:bodyPr>
+          <a:lstStyle/>
+          <a:p>
+            <a:pPr marL="0" marR="0" lvl="0" indent="0" algn="l" defTabSz="914400" rtl="0" eaLnBrk="1" fontAlgn="auto" latinLnBrk="0" hangingPunct="1">
+              <a:lnSpc>
+                <a:spcPct val="100000"/>
+              </a:lnSpc>
+              <a:spcBef>
+                <a:spcPts val="0"/>
+              </a:spcBef>
+              <a:spcAft>
+                <a:spcPts val="0"/>
+              </a:spcAft>
+              <a:buClrTx/>
+              <a:buSzTx/>
+              <a:buFontTx/>
+              <a:buNone/>
+              <a:tabLst/>
+              <a:defRPr/>
+            </a:pPr>
+            <a:r>
+              <a:rPr kumimoji="0" lang="en-US" sz="1000" b="1" i="0" u="none" strike="noStrike" kern="1200" cap="none" spc="0" normalizeH="0" baseline="0" noProof="0" dirty="0">
+                <a:ln>
+                  <a:noFill/>
+                </a:ln>
+                <a:solidFill>
+                  <a:prstClr val="black"/>
+                </a:solidFill>
+                <a:effectLst/>
+                <a:uLnTx/>
+                <a:uFillTx/>
+                <a:latin typeface="Calibri" panose="020F0502020204030204"/>
+                <a:ea typeface="+mn-ea"/>
+                <a:cs typeface="+mn-cs"/>
+              </a:rPr>
+              <a:t>subject</a:t>
+            </a:r>
+            <a:endParaRPr kumimoji="0" lang="en-US" sz="900" b="1" i="0" u="none" strike="noStrike" kern="1200" cap="none" spc="0" normalizeH="0" baseline="0" noProof="0" dirty="0">
+              <a:ln>
+                <a:noFill/>
+              </a:ln>
+              <a:solidFill>
+                <a:prstClr val="black"/>
+              </a:solidFill>
+              <a:effectLst/>
+              <a:uLnTx/>
+              <a:uFillTx/>
+              <a:latin typeface="Calibri" panose="020F0502020204030204"/>
+              <a:ea typeface="+mn-ea"/>
+              <a:cs typeface="+mn-cs"/>
+            </a:endParaRPr>
+          </a:p>
+        </p:txBody>
+      </p:sp>
+      <p:sp>
+        <p:nvSpPr>
+          <p:cNvPr id="16" name="Flowchart: Process 15">
+            <a:extLst>
+              <a:ext uri="{FF2B5EF4-FFF2-40B4-BE49-F238E27FC236}">
+                <a16:creationId xmlns:a16="http://schemas.microsoft.com/office/drawing/2014/main" id="{5DE82B70-5B74-4336-B855-7942DFA7CFBB}"/>
+              </a:ext>
+            </a:extLst>
+          </p:cNvPr>
+          <p:cNvSpPr/>
+          <p:nvPr/>
+        </p:nvSpPr>
+        <p:spPr>
+          <a:xfrm>
+            <a:off x="792540" y="4340444"/>
+            <a:ext cx="1872861" cy="776860"/>
+          </a:xfrm>
+          <a:prstGeom prst="flowChartProcess">
+            <a:avLst/>
+          </a:prstGeom>
+          <a:solidFill>
+            <a:schemeClr val="bg1">
+              <a:lumMod val="65000"/>
+            </a:schemeClr>
+          </a:solidFill>
+          <a:ln>
+            <a:noFill/>
+          </a:ln>
+        </p:spPr>
+        <p:style>
+          <a:lnRef idx="2">
+            <a:schemeClr val="accent1">
+              <a:shade val="50000"/>
+            </a:schemeClr>
+          </a:lnRef>
+          <a:fillRef idx="1">
+            <a:schemeClr val="accent1"/>
+          </a:fillRef>
+          <a:effectRef idx="0">
+            <a:schemeClr val="accent1"/>
+          </a:effectRef>
+          <a:fontRef idx="minor">
+            <a:schemeClr val="lt1"/>
+          </a:fontRef>
+        </p:style>
+        <p:txBody>
+          <a:bodyPr rtlCol="0" anchor="ctr"/>
+          <a:lstStyle/>
+          <a:p>
+            <a:pPr marL="0" marR="0" lvl="0" indent="0" algn="ctr" defTabSz="914400" rtl="0" eaLnBrk="1" fontAlgn="auto" latinLnBrk="0" hangingPunct="1">
+              <a:lnSpc>
+                <a:spcPct val="100000"/>
+              </a:lnSpc>
+              <a:spcBef>
+                <a:spcPts val="0"/>
+              </a:spcBef>
+              <a:spcAft>
+                <a:spcPts val="0"/>
+              </a:spcAft>
+              <a:buClrTx/>
+              <a:buSzTx/>
+              <a:buFontTx/>
+              <a:buNone/>
+              <a:tabLst/>
+              <a:defRPr/>
+            </a:pPr>
+            <a:r>
+              <a:rPr kumimoji="0" lang="en-US" sz="1600" b="0" i="0" u="none" strike="noStrike" kern="1200" cap="none" spc="0" normalizeH="0" baseline="0" noProof="0" dirty="0">
+                <a:ln>
+                  <a:noFill/>
+                </a:ln>
+                <a:solidFill>
+                  <a:prstClr val="white"/>
+                </a:solidFill>
+                <a:effectLst/>
+                <a:uLnTx/>
+                <a:uFillTx/>
+                <a:latin typeface="Calibri" panose="020F0502020204030204"/>
+                <a:ea typeface="+mn-ea"/>
+                <a:cs typeface="+mn-cs"/>
+              </a:rPr>
+              <a:t>US Core Organization</a:t>
+            </a:r>
+          </a:p>
+          <a:p>
+            <a:pPr marL="0" marR="0" lvl="0" indent="0" algn="ctr" defTabSz="914400" rtl="0" eaLnBrk="1" fontAlgn="auto" latinLnBrk="0" hangingPunct="1">
+              <a:lnSpc>
+                <a:spcPct val="100000"/>
+              </a:lnSpc>
+              <a:spcBef>
+                <a:spcPts val="0"/>
+              </a:spcBef>
+              <a:spcAft>
+                <a:spcPts val="0"/>
+              </a:spcAft>
+              <a:buClrTx/>
+              <a:buSzTx/>
+              <a:buFontTx/>
+              <a:buNone/>
+              <a:tabLst/>
+              <a:defRPr/>
+            </a:pPr>
+            <a:r>
+              <a:rPr kumimoji="0" lang="en-US" sz="1200" b="0" i="0" u="none" strike="noStrike" kern="1200" cap="none" spc="0" normalizeH="0" baseline="0" noProof="0" dirty="0">
+                <a:ln>
+                  <a:noFill/>
+                </a:ln>
+                <a:solidFill>
+                  <a:prstClr val="white"/>
+                </a:solidFill>
+                <a:effectLst/>
+                <a:uLnTx/>
+                <a:uFillTx/>
+                <a:latin typeface="Calibri" panose="020F0502020204030204"/>
+                <a:ea typeface="+mn-ea"/>
+                <a:cs typeface="+mn-cs"/>
+              </a:rPr>
+              <a:t>ABC Payer</a:t>
+            </a:r>
+          </a:p>
+        </p:txBody>
+      </p:sp>
+      <p:sp>
+        <p:nvSpPr>
+          <p:cNvPr id="28" name="Rectangle 27">
+            <a:extLst>
+              <a:ext uri="{FF2B5EF4-FFF2-40B4-BE49-F238E27FC236}">
+                <a16:creationId xmlns:a16="http://schemas.microsoft.com/office/drawing/2014/main" id="{C76BA75C-9C8C-4C6D-A479-80DF40E9BB48}"/>
+              </a:ext>
+            </a:extLst>
+          </p:cNvPr>
+          <p:cNvSpPr/>
+          <p:nvPr/>
+        </p:nvSpPr>
+        <p:spPr>
+          <a:xfrm>
+            <a:off x="3909997" y="2255444"/>
+            <a:ext cx="1889760" cy="931670"/>
+          </a:xfrm>
+          <a:prstGeom prst="rect">
+            <a:avLst/>
+          </a:prstGeom>
+          <a:solidFill>
+            <a:schemeClr val="accent1">
+              <a:lumMod val="75000"/>
+            </a:schemeClr>
+          </a:solidFill>
+          <a:ln>
+            <a:solidFill>
+              <a:srgbClr val="00B050"/>
+            </a:solidFill>
+          </a:ln>
+        </p:spPr>
+        <p:style>
+          <a:lnRef idx="2">
+            <a:schemeClr val="accent4">
+              <a:shade val="50000"/>
+            </a:schemeClr>
+          </a:lnRef>
+          <a:fillRef idx="1">
+            <a:schemeClr val="accent4"/>
+          </a:fillRef>
+          <a:effectRef idx="0">
+            <a:schemeClr val="accent4"/>
+          </a:effectRef>
+          <a:fontRef idx="minor">
+            <a:schemeClr val="lt1"/>
+          </a:fontRef>
+        </p:style>
+        <p:txBody>
+          <a:bodyPr rtlCol="0" anchor="t" anchorCtr="0"/>
+          <a:lstStyle/>
+          <a:p>
+            <a:pPr lvl="0">
+              <a:defRPr/>
+            </a:pPr>
+            <a:r>
+              <a:rPr lang="en-US" sz="900" dirty="0">
+                <a:solidFill>
+                  <a:prstClr val="white"/>
+                </a:solidFill>
+              </a:rPr>
+              <a:t>.</a:t>
+            </a:r>
+            <a:r>
+              <a:rPr lang="en-US" sz="900" b="1" dirty="0">
+                <a:solidFill>
+                  <a:prstClr val="white"/>
+                </a:solidFill>
+              </a:rPr>
+              <a:t>group[1]</a:t>
+            </a:r>
+          </a:p>
+          <a:p>
+            <a:pPr lvl="0">
+              <a:defRPr/>
+            </a:pPr>
+            <a:r>
+              <a:rPr lang="en-US" sz="900" b="1" dirty="0">
+                <a:solidFill>
+                  <a:prstClr val="white"/>
+                </a:solidFill>
+              </a:rPr>
+              <a:t>    .code: 18 Diabetes with Chronic Complications</a:t>
+            </a:r>
+          </a:p>
+          <a:p>
+            <a:pPr lvl="0">
+              <a:defRPr/>
+            </a:pPr>
+            <a:r>
+              <a:rPr lang="en-US" sz="900" b="1" dirty="0">
+                <a:solidFill>
+                  <a:prstClr val="white"/>
+                </a:solidFill>
+              </a:rPr>
+              <a:t>    historic</a:t>
+            </a:r>
+          </a:p>
+          <a:p>
+            <a:pPr lvl="0">
+              <a:defRPr/>
+            </a:pPr>
+            <a:r>
+              <a:rPr lang="en-US" sz="900" b="1" dirty="0">
+                <a:solidFill>
+                  <a:prstClr val="white"/>
+                </a:solidFill>
+              </a:rPr>
+              <a:t>    closed-gap</a:t>
+            </a:r>
+          </a:p>
+          <a:p>
+            <a:pPr lvl="0">
+              <a:defRPr/>
+            </a:pPr>
+            <a:r>
+              <a:rPr lang="en-US" sz="900" b="1" dirty="0">
+                <a:solidFill>
+                  <a:prstClr val="white"/>
+                </a:solidFill>
+              </a:rPr>
+              <a:t>    applied-not-superseded</a:t>
+            </a:r>
+          </a:p>
+          <a:p>
+            <a:pPr lvl="0">
+              <a:defRPr/>
+            </a:pPr>
+            <a:r>
+              <a:rPr lang="en-US" sz="900" b="1" dirty="0">
+                <a:solidFill>
+                  <a:prstClr val="white"/>
+                </a:solidFill>
+              </a:rPr>
+              <a:t>    </a:t>
+            </a:r>
+            <a:r>
+              <a:rPr lang="en-US" dirty="0">
+                <a:solidFill>
+                  <a:prstClr val="white"/>
+                </a:solidFill>
+              </a:rPr>
+              <a:t> </a:t>
+            </a:r>
+          </a:p>
+        </p:txBody>
+      </p:sp>
+      <p:sp>
+        <p:nvSpPr>
+          <p:cNvPr id="32" name="Rectangle 31">
+            <a:extLst>
+              <a:ext uri="{FF2B5EF4-FFF2-40B4-BE49-F238E27FC236}">
+                <a16:creationId xmlns:a16="http://schemas.microsoft.com/office/drawing/2014/main" id="{EEA15C61-E722-47F4-8036-17245CCEB335}"/>
+              </a:ext>
+            </a:extLst>
+          </p:cNvPr>
+          <p:cNvSpPr/>
+          <p:nvPr/>
+        </p:nvSpPr>
+        <p:spPr>
+          <a:xfrm>
+            <a:off x="3914517" y="4078654"/>
+            <a:ext cx="1889760" cy="1056439"/>
+          </a:xfrm>
+          <a:prstGeom prst="rect">
+            <a:avLst/>
+          </a:prstGeom>
+          <a:solidFill>
+            <a:schemeClr val="accent1">
+              <a:lumMod val="75000"/>
+            </a:schemeClr>
+          </a:solidFill>
+          <a:ln>
+            <a:solidFill>
+              <a:srgbClr val="00B050"/>
+            </a:solidFill>
+          </a:ln>
+        </p:spPr>
+        <p:style>
+          <a:lnRef idx="2">
+            <a:schemeClr val="accent4">
+              <a:shade val="50000"/>
+            </a:schemeClr>
+          </a:lnRef>
+          <a:fillRef idx="1">
+            <a:schemeClr val="accent4"/>
+          </a:fillRef>
+          <a:effectRef idx="0">
+            <a:schemeClr val="accent4"/>
+          </a:effectRef>
+          <a:fontRef idx="minor">
+            <a:schemeClr val="lt1"/>
+          </a:fontRef>
+        </p:style>
+        <p:txBody>
+          <a:bodyPr rtlCol="0" anchor="t" anchorCtr="0"/>
+          <a:lstStyle/>
+          <a:p>
+            <a:pPr lvl="0">
+              <a:defRPr/>
+            </a:pPr>
+            <a:r>
+              <a:rPr lang="en-US" sz="900" dirty="0">
+                <a:solidFill>
+                  <a:prstClr val="white"/>
+                </a:solidFill>
+              </a:rPr>
+              <a:t>.</a:t>
+            </a:r>
+            <a:r>
+              <a:rPr lang="en-US" sz="900" b="1" dirty="0">
+                <a:solidFill>
+                  <a:prstClr val="white"/>
+                </a:solidFill>
+              </a:rPr>
+              <a:t>group[2]</a:t>
+            </a:r>
+          </a:p>
+          <a:p>
+            <a:pPr lvl="0">
+              <a:defRPr/>
+            </a:pPr>
+            <a:r>
+              <a:rPr lang="en-US" sz="900" b="1" dirty="0">
+                <a:solidFill>
+                  <a:prstClr val="white"/>
+                </a:solidFill>
+              </a:rPr>
+              <a:t>    .code: 111 Chronic Obstructive Pulmonary Disease</a:t>
+            </a:r>
+          </a:p>
+          <a:p>
+            <a:pPr lvl="0">
+              <a:defRPr/>
+            </a:pPr>
+            <a:r>
+              <a:rPr lang="en-US" sz="900" b="1" dirty="0">
+                <a:solidFill>
+                  <a:prstClr val="white"/>
+                </a:solidFill>
+              </a:rPr>
+              <a:t>    historic</a:t>
+            </a:r>
+          </a:p>
+          <a:p>
+            <a:pPr lvl="0">
+              <a:defRPr/>
+            </a:pPr>
+            <a:r>
+              <a:rPr lang="en-US" sz="900" b="1" dirty="0">
+                <a:solidFill>
+                  <a:prstClr val="white"/>
+                </a:solidFill>
+              </a:rPr>
+              <a:t>    closed-gap</a:t>
+            </a:r>
+          </a:p>
+          <a:p>
+            <a:pPr lvl="0">
+              <a:defRPr/>
+            </a:pPr>
+            <a:r>
+              <a:rPr lang="en-US" sz="900" b="1" dirty="0">
+                <a:solidFill>
+                  <a:prstClr val="white"/>
+                </a:solidFill>
+              </a:rPr>
+              <a:t>    applied-not-superseded</a:t>
+            </a:r>
+          </a:p>
+          <a:p>
+            <a:pPr lvl="0" algn="ctr">
+              <a:defRPr/>
+            </a:pPr>
+            <a:r>
+              <a:rPr lang="en-US" dirty="0">
+                <a:solidFill>
+                  <a:prstClr val="white"/>
+                </a:solidFill>
+              </a:rPr>
+              <a:t> </a:t>
+            </a:r>
+          </a:p>
+        </p:txBody>
+      </p:sp>
+      <p:sp>
+        <p:nvSpPr>
+          <p:cNvPr id="35" name="Rectangle 34">
+            <a:extLst>
+              <a:ext uri="{FF2B5EF4-FFF2-40B4-BE49-F238E27FC236}">
+                <a16:creationId xmlns:a16="http://schemas.microsoft.com/office/drawing/2014/main" id="{4808AB26-B7CC-405A-A29B-9510E10A1866}"/>
+              </a:ext>
+            </a:extLst>
+          </p:cNvPr>
+          <p:cNvSpPr/>
+          <p:nvPr/>
+        </p:nvSpPr>
+        <p:spPr>
+          <a:xfrm>
+            <a:off x="3906929" y="3247031"/>
+            <a:ext cx="1889760" cy="755381"/>
+          </a:xfrm>
+          <a:prstGeom prst="rect">
+            <a:avLst/>
+          </a:prstGeom>
+          <a:solidFill>
+            <a:schemeClr val="accent1">
+              <a:lumMod val="75000"/>
+            </a:schemeClr>
+          </a:solidFill>
+          <a:ln>
+            <a:solidFill>
+              <a:srgbClr val="00B050"/>
+            </a:solidFill>
+          </a:ln>
+        </p:spPr>
+        <p:style>
+          <a:lnRef idx="2">
+            <a:schemeClr val="accent4">
+              <a:shade val="50000"/>
+            </a:schemeClr>
+          </a:lnRef>
+          <a:fillRef idx="1">
+            <a:schemeClr val="accent4"/>
+          </a:fillRef>
+          <a:effectRef idx="0">
+            <a:schemeClr val="accent4"/>
+          </a:effectRef>
+          <a:fontRef idx="minor">
+            <a:schemeClr val="lt1"/>
+          </a:fontRef>
+        </p:style>
+        <p:txBody>
+          <a:bodyPr rtlCol="0" anchor="t" anchorCtr="0"/>
+          <a:lstStyle/>
+          <a:p>
+            <a:pPr lvl="0">
+              <a:defRPr/>
+            </a:pPr>
+            <a:r>
+              <a:rPr lang="en-US" sz="900" dirty="0">
+                <a:solidFill>
+                  <a:prstClr val="white"/>
+                </a:solidFill>
+              </a:rPr>
+              <a:t>.</a:t>
+            </a:r>
+            <a:r>
+              <a:rPr lang="en-US" sz="900" b="1" dirty="0">
+                <a:solidFill>
+                  <a:prstClr val="white"/>
+                </a:solidFill>
+              </a:rPr>
+              <a:t>group[4]</a:t>
+            </a:r>
+          </a:p>
+          <a:p>
+            <a:pPr lvl="0">
+              <a:defRPr/>
+            </a:pPr>
+            <a:r>
+              <a:rPr lang="en-US" sz="900" b="1" dirty="0">
+                <a:solidFill>
+                  <a:prstClr val="white"/>
+                </a:solidFill>
+              </a:rPr>
+              <a:t>    .code: 22 Morbid Obesity</a:t>
+            </a:r>
+          </a:p>
+          <a:p>
+            <a:pPr lvl="0">
+              <a:defRPr/>
+            </a:pPr>
+            <a:r>
+              <a:rPr lang="en-US" sz="900" b="1" dirty="0">
+                <a:solidFill>
+                  <a:prstClr val="white"/>
+                </a:solidFill>
+              </a:rPr>
+              <a:t>    suspected</a:t>
+            </a:r>
+          </a:p>
+          <a:p>
+            <a:pPr lvl="0">
+              <a:defRPr/>
+            </a:pPr>
+            <a:r>
+              <a:rPr lang="en-US" sz="900" b="1" dirty="0">
+                <a:solidFill>
+                  <a:prstClr val="white"/>
+                </a:solidFill>
+              </a:rPr>
+              <a:t>    closed-gap</a:t>
+            </a:r>
+          </a:p>
+          <a:p>
+            <a:pPr lvl="0">
+              <a:defRPr/>
+            </a:pPr>
+            <a:r>
+              <a:rPr lang="en-US" sz="900" b="1" dirty="0">
+                <a:solidFill>
+                  <a:prstClr val="white"/>
+                </a:solidFill>
+              </a:rPr>
+              <a:t>    applied-not-superseded</a:t>
+            </a:r>
+          </a:p>
+          <a:p>
+            <a:pPr lvl="0" algn="ctr">
+              <a:defRPr/>
+            </a:pPr>
+            <a:endParaRPr lang="en-US" dirty="0">
+              <a:solidFill>
+                <a:prstClr val="white"/>
+              </a:solidFill>
+            </a:endParaRPr>
+          </a:p>
+        </p:txBody>
+      </p:sp>
+      <p:sp>
+        <p:nvSpPr>
+          <p:cNvPr id="50" name="Flowchart: Process 49">
+            <a:extLst>
+              <a:ext uri="{FF2B5EF4-FFF2-40B4-BE49-F238E27FC236}">
+                <a16:creationId xmlns:a16="http://schemas.microsoft.com/office/drawing/2014/main" id="{43898F04-C4F3-44B2-9DA3-DD349768ADB5}"/>
+              </a:ext>
+            </a:extLst>
+          </p:cNvPr>
+          <p:cNvSpPr/>
+          <p:nvPr/>
+        </p:nvSpPr>
+        <p:spPr>
+          <a:xfrm>
+            <a:off x="7489786" y="2367440"/>
+            <a:ext cx="1872860" cy="755570"/>
+          </a:xfrm>
+          <a:prstGeom prst="flowChartProcess">
+            <a:avLst/>
+          </a:prstGeom>
+          <a:ln>
+            <a:solidFill>
+              <a:srgbClr val="0070C0"/>
+            </a:solidFill>
+          </a:ln>
+        </p:spPr>
+        <p:style>
+          <a:lnRef idx="2">
+            <a:schemeClr val="accent1">
+              <a:shade val="50000"/>
+            </a:schemeClr>
+          </a:lnRef>
+          <a:fillRef idx="1">
+            <a:schemeClr val="accent1"/>
+          </a:fillRef>
+          <a:effectRef idx="0">
+            <a:schemeClr val="accent1"/>
+          </a:effectRef>
+          <a:fontRef idx="minor">
+            <a:schemeClr val="lt1"/>
+          </a:fontRef>
+        </p:style>
+        <p:txBody>
+          <a:bodyPr rtlCol="0" anchor="ctr"/>
+          <a:lstStyle/>
+          <a:p>
+            <a:pPr marL="0" marR="0" lvl="0" indent="0" algn="ctr" defTabSz="914400" rtl="0" eaLnBrk="1" fontAlgn="auto" latinLnBrk="0" hangingPunct="1">
+              <a:lnSpc>
+                <a:spcPct val="100000"/>
+              </a:lnSpc>
+              <a:spcBef>
+                <a:spcPts val="0"/>
+              </a:spcBef>
+              <a:spcAft>
+                <a:spcPts val="0"/>
+              </a:spcAft>
+              <a:buClrTx/>
+              <a:buSzTx/>
+              <a:buFontTx/>
+              <a:buNone/>
+              <a:tabLst/>
+              <a:defRPr/>
+            </a:pPr>
+            <a:r>
+              <a:rPr kumimoji="0" lang="en-US" sz="1600" b="0" i="0" u="none" strike="noStrike" kern="1200" cap="none" spc="0" normalizeH="0" baseline="0" noProof="0" dirty="0">
+                <a:ln>
+                  <a:noFill/>
+                </a:ln>
+                <a:solidFill>
+                  <a:prstClr val="white"/>
+                </a:solidFill>
+                <a:effectLst/>
+                <a:uLnTx/>
+                <a:uFillTx/>
+                <a:latin typeface="Calibri" panose="020F0502020204030204"/>
+                <a:ea typeface="+mn-ea"/>
+                <a:cs typeface="+mn-cs"/>
+              </a:rPr>
+              <a:t>US Core Condition</a:t>
+            </a:r>
+          </a:p>
+          <a:p>
+            <a:pPr marL="0" marR="0" lvl="0" indent="0" algn="ctr" defTabSz="914400" rtl="0" eaLnBrk="1" fontAlgn="auto" latinLnBrk="0" hangingPunct="1">
+              <a:lnSpc>
+                <a:spcPct val="100000"/>
+              </a:lnSpc>
+              <a:spcBef>
+                <a:spcPts val="0"/>
+              </a:spcBef>
+              <a:spcAft>
+                <a:spcPts val="0"/>
+              </a:spcAft>
+              <a:buClrTx/>
+              <a:buSzTx/>
+              <a:buFontTx/>
+              <a:buNone/>
+              <a:tabLst/>
+              <a:defRPr/>
+            </a:pPr>
+            <a:r>
+              <a:rPr lang="en-US" sz="1000" dirty="0">
+                <a:solidFill>
+                  <a:prstClr val="white"/>
+                </a:solidFill>
+                <a:latin typeface="Calibri" panose="020F0502020204030204"/>
+              </a:rPr>
+              <a:t>E08.29 Diabetes mellitus due to underlying condition with other diabetic kidney complication</a:t>
+            </a:r>
+            <a:endParaRPr kumimoji="0" lang="en-US" sz="900" b="0" i="0" u="none" strike="noStrike" kern="1200" cap="none" spc="0" normalizeH="0" baseline="0" noProof="0" dirty="0">
+              <a:ln>
+                <a:noFill/>
+              </a:ln>
+              <a:solidFill>
+                <a:prstClr val="white"/>
+              </a:solidFill>
+              <a:effectLst/>
+              <a:uLnTx/>
+              <a:uFillTx/>
+              <a:latin typeface="Calibri" panose="020F0502020204030204"/>
+              <a:ea typeface="+mn-ea"/>
+              <a:cs typeface="+mn-cs"/>
+            </a:endParaRPr>
+          </a:p>
+        </p:txBody>
+      </p:sp>
+      <p:sp>
+        <p:nvSpPr>
+          <p:cNvPr id="51" name="Flowchart: Process 50">
+            <a:extLst>
+              <a:ext uri="{FF2B5EF4-FFF2-40B4-BE49-F238E27FC236}">
+                <a16:creationId xmlns:a16="http://schemas.microsoft.com/office/drawing/2014/main" id="{2397CBB5-489F-4C61-B0CC-8BB8BD1B2D3C}"/>
+              </a:ext>
+            </a:extLst>
+          </p:cNvPr>
+          <p:cNvSpPr/>
+          <p:nvPr/>
+        </p:nvSpPr>
+        <p:spPr>
+          <a:xfrm>
+            <a:off x="7514436" y="4224960"/>
+            <a:ext cx="1872860" cy="755570"/>
+          </a:xfrm>
+          <a:prstGeom prst="flowChartProcess">
+            <a:avLst/>
+          </a:prstGeom>
+          <a:ln>
+            <a:solidFill>
+              <a:srgbClr val="0070C0"/>
+            </a:solidFill>
+          </a:ln>
+        </p:spPr>
+        <p:style>
+          <a:lnRef idx="2">
+            <a:schemeClr val="accent1">
+              <a:shade val="50000"/>
+            </a:schemeClr>
+          </a:lnRef>
+          <a:fillRef idx="1">
+            <a:schemeClr val="accent1"/>
+          </a:fillRef>
+          <a:effectRef idx="0">
+            <a:schemeClr val="accent1"/>
+          </a:effectRef>
+          <a:fontRef idx="minor">
+            <a:schemeClr val="lt1"/>
+          </a:fontRef>
+        </p:style>
+        <p:txBody>
+          <a:bodyPr rtlCol="0" anchor="ctr"/>
+          <a:lstStyle/>
+          <a:p>
+            <a:pPr marL="0" marR="0" lvl="0" indent="0" algn="ctr" defTabSz="914400" rtl="0" eaLnBrk="1" fontAlgn="auto" latinLnBrk="0" hangingPunct="1">
+              <a:lnSpc>
+                <a:spcPct val="100000"/>
+              </a:lnSpc>
+              <a:spcBef>
+                <a:spcPts val="0"/>
+              </a:spcBef>
+              <a:spcAft>
+                <a:spcPts val="0"/>
+              </a:spcAft>
+              <a:buClrTx/>
+              <a:buSzTx/>
+              <a:buFontTx/>
+              <a:buNone/>
+              <a:tabLst/>
+              <a:defRPr/>
+            </a:pPr>
+            <a:r>
+              <a:rPr kumimoji="0" lang="en-US" sz="1600" b="0" i="0" u="none" strike="noStrike" kern="1200" cap="none" spc="0" normalizeH="0" baseline="0" noProof="0" dirty="0">
+                <a:ln>
+                  <a:noFill/>
+                </a:ln>
+                <a:solidFill>
+                  <a:prstClr val="white"/>
+                </a:solidFill>
+                <a:effectLst/>
+                <a:uLnTx/>
+                <a:uFillTx/>
+                <a:latin typeface="Calibri" panose="020F0502020204030204"/>
+                <a:ea typeface="+mn-ea"/>
+                <a:cs typeface="+mn-cs"/>
+              </a:rPr>
+              <a:t>US Core Condition</a:t>
+            </a:r>
+          </a:p>
+          <a:p>
+            <a:pPr marL="0" marR="0" lvl="0" indent="0" algn="ctr" defTabSz="914400" rtl="0" eaLnBrk="1" fontAlgn="auto" latinLnBrk="0" hangingPunct="1">
+              <a:lnSpc>
+                <a:spcPct val="100000"/>
+              </a:lnSpc>
+              <a:spcBef>
+                <a:spcPts val="0"/>
+              </a:spcBef>
+              <a:spcAft>
+                <a:spcPts val="0"/>
+              </a:spcAft>
+              <a:buClrTx/>
+              <a:buSzTx/>
+              <a:buFontTx/>
+              <a:buNone/>
+              <a:tabLst/>
+              <a:defRPr/>
+            </a:pPr>
+            <a:r>
+              <a:rPr lang="en-US" sz="1000" dirty="0">
+                <a:solidFill>
+                  <a:prstClr val="white"/>
+                </a:solidFill>
+                <a:latin typeface="Calibri" panose="020F0502020204030204"/>
+              </a:rPr>
+              <a:t>J45.31 Mild persistent asthma with (acute) exacerbation</a:t>
+            </a:r>
+            <a:endParaRPr kumimoji="0" lang="en-US" sz="900" b="0" i="0" u="none" strike="noStrike" kern="1200" cap="none" spc="0" normalizeH="0" baseline="0" noProof="0" dirty="0">
+              <a:ln>
+                <a:noFill/>
+              </a:ln>
+              <a:solidFill>
+                <a:prstClr val="white"/>
+              </a:solidFill>
+              <a:effectLst/>
+              <a:uLnTx/>
+              <a:uFillTx/>
+              <a:latin typeface="Calibri" panose="020F0502020204030204"/>
+              <a:ea typeface="+mn-ea"/>
+              <a:cs typeface="+mn-cs"/>
+            </a:endParaRPr>
+          </a:p>
+        </p:txBody>
+      </p:sp>
+      <p:sp>
+        <p:nvSpPr>
+          <p:cNvPr id="55" name="Flowchart: Process 54">
+            <a:extLst>
+              <a:ext uri="{FF2B5EF4-FFF2-40B4-BE49-F238E27FC236}">
+                <a16:creationId xmlns:a16="http://schemas.microsoft.com/office/drawing/2014/main" id="{29AC9E13-A3B2-44B1-855E-6477F1B82D73}"/>
+              </a:ext>
+            </a:extLst>
+          </p:cNvPr>
+          <p:cNvSpPr/>
+          <p:nvPr/>
+        </p:nvSpPr>
+        <p:spPr>
+          <a:xfrm>
+            <a:off x="7504288" y="3266178"/>
+            <a:ext cx="1872860" cy="755570"/>
+          </a:xfrm>
+          <a:prstGeom prst="flowChartProcess">
+            <a:avLst/>
+          </a:prstGeom>
+          <a:ln>
+            <a:solidFill>
+              <a:srgbClr val="0070C0"/>
+            </a:solidFill>
+          </a:ln>
+        </p:spPr>
+        <p:style>
+          <a:lnRef idx="2">
+            <a:schemeClr val="accent1">
+              <a:shade val="50000"/>
+            </a:schemeClr>
+          </a:lnRef>
+          <a:fillRef idx="1">
+            <a:schemeClr val="accent1"/>
+          </a:fillRef>
+          <a:effectRef idx="0">
+            <a:schemeClr val="accent1"/>
+          </a:effectRef>
+          <a:fontRef idx="minor">
+            <a:schemeClr val="lt1"/>
+          </a:fontRef>
+        </p:style>
+        <p:txBody>
+          <a:bodyPr rtlCol="0" anchor="ctr"/>
+          <a:lstStyle/>
+          <a:p>
+            <a:pPr marL="0" marR="0" lvl="0" indent="0" algn="ctr" defTabSz="914400" rtl="0" eaLnBrk="1" fontAlgn="auto" latinLnBrk="0" hangingPunct="1">
+              <a:lnSpc>
+                <a:spcPct val="100000"/>
+              </a:lnSpc>
+              <a:spcBef>
+                <a:spcPts val="0"/>
+              </a:spcBef>
+              <a:spcAft>
+                <a:spcPts val="0"/>
+              </a:spcAft>
+              <a:buClrTx/>
+              <a:buSzTx/>
+              <a:buFontTx/>
+              <a:buNone/>
+              <a:tabLst/>
+              <a:defRPr/>
+            </a:pPr>
+            <a:r>
+              <a:rPr kumimoji="0" lang="en-US" sz="1600" b="0" i="0" u="none" strike="noStrike" kern="1200" cap="none" spc="0" normalizeH="0" baseline="0" noProof="0" dirty="0">
+                <a:ln>
+                  <a:noFill/>
+                </a:ln>
+                <a:solidFill>
+                  <a:prstClr val="white"/>
+                </a:solidFill>
+                <a:effectLst/>
+                <a:uLnTx/>
+                <a:uFillTx/>
+                <a:latin typeface="Calibri" panose="020F0502020204030204"/>
+                <a:ea typeface="+mn-ea"/>
+                <a:cs typeface="+mn-cs"/>
+              </a:rPr>
+              <a:t>US Core Condition</a:t>
+            </a:r>
+          </a:p>
+          <a:p>
+            <a:pPr lvl="0" algn="ctr">
+              <a:defRPr/>
+            </a:pPr>
+            <a:r>
+              <a:rPr lang="en-US" sz="1000" dirty="0">
+                <a:solidFill>
+                  <a:prstClr val="white"/>
+                </a:solidFill>
+                <a:latin typeface="Calibri" panose="020F0502020204030204"/>
+              </a:rPr>
+              <a:t>Z68.42 Body mass index (BMI) 45.0-49.9, adult</a:t>
+            </a:r>
+            <a:endParaRPr kumimoji="0" lang="en-US" sz="900" b="0" i="0" u="none" strike="noStrike" kern="1200" cap="none" spc="0" normalizeH="0" baseline="0" noProof="0" dirty="0">
+              <a:ln>
+                <a:noFill/>
+              </a:ln>
+              <a:solidFill>
+                <a:prstClr val="white"/>
+              </a:solidFill>
+              <a:effectLst/>
+              <a:uLnTx/>
+              <a:uFillTx/>
+              <a:latin typeface="Calibri" panose="020F0502020204030204"/>
+              <a:ea typeface="+mn-ea"/>
+              <a:cs typeface="+mn-cs"/>
+            </a:endParaRPr>
+          </a:p>
+        </p:txBody>
+      </p:sp>
+      <p:sp>
+        <p:nvSpPr>
+          <p:cNvPr id="56" name="Flowchart: Process 55">
+            <a:extLst>
+              <a:ext uri="{FF2B5EF4-FFF2-40B4-BE49-F238E27FC236}">
+                <a16:creationId xmlns:a16="http://schemas.microsoft.com/office/drawing/2014/main" id="{511CF435-6659-4E5A-8316-25057B7C12B6}"/>
+              </a:ext>
+            </a:extLst>
+          </p:cNvPr>
+          <p:cNvSpPr/>
+          <p:nvPr/>
+        </p:nvSpPr>
+        <p:spPr>
+          <a:xfrm>
+            <a:off x="7482167" y="1420886"/>
+            <a:ext cx="1872860" cy="755570"/>
+          </a:xfrm>
+          <a:prstGeom prst="flowChartProcess">
+            <a:avLst/>
+          </a:prstGeom>
+          <a:ln>
+            <a:solidFill>
+              <a:srgbClr val="0070C0"/>
+            </a:solidFill>
+          </a:ln>
+        </p:spPr>
+        <p:style>
+          <a:lnRef idx="2">
+            <a:schemeClr val="accent1">
+              <a:shade val="50000"/>
+            </a:schemeClr>
+          </a:lnRef>
+          <a:fillRef idx="1">
+            <a:schemeClr val="accent1"/>
+          </a:fillRef>
+          <a:effectRef idx="0">
+            <a:schemeClr val="accent1"/>
+          </a:effectRef>
+          <a:fontRef idx="minor">
+            <a:schemeClr val="lt1"/>
+          </a:fontRef>
+        </p:style>
+        <p:txBody>
+          <a:bodyPr rtlCol="0" anchor="ctr"/>
+          <a:lstStyle/>
+          <a:p>
+            <a:pPr marL="0" marR="0" lvl="0" indent="0" algn="ctr" defTabSz="914400" rtl="0" eaLnBrk="1" fontAlgn="auto" latinLnBrk="0" hangingPunct="1">
+              <a:lnSpc>
+                <a:spcPct val="100000"/>
+              </a:lnSpc>
+              <a:spcBef>
+                <a:spcPts val="0"/>
+              </a:spcBef>
+              <a:spcAft>
+                <a:spcPts val="0"/>
+              </a:spcAft>
+              <a:buClrTx/>
+              <a:buSzTx/>
+              <a:buFontTx/>
+              <a:buNone/>
+              <a:tabLst/>
+              <a:defRPr/>
+            </a:pPr>
+            <a:r>
+              <a:rPr kumimoji="0" lang="en-US" sz="1600" b="0" i="0" u="none" strike="noStrike" kern="1200" cap="none" spc="0" normalizeH="0" baseline="0" noProof="0" dirty="0">
+                <a:ln>
+                  <a:noFill/>
+                </a:ln>
+                <a:solidFill>
+                  <a:prstClr val="white"/>
+                </a:solidFill>
+                <a:effectLst/>
+                <a:uLnTx/>
+                <a:uFillTx/>
+                <a:latin typeface="Calibri" panose="020F0502020204030204"/>
+                <a:ea typeface="+mn-ea"/>
+                <a:cs typeface="+mn-cs"/>
+              </a:rPr>
+              <a:t>US Core Encounter</a:t>
+            </a:r>
+          </a:p>
+          <a:p>
+            <a:pPr marL="0" marR="0" lvl="0" indent="0" algn="ctr" defTabSz="914400" rtl="0" eaLnBrk="1" fontAlgn="auto" latinLnBrk="0" hangingPunct="1">
+              <a:lnSpc>
+                <a:spcPct val="100000"/>
+              </a:lnSpc>
+              <a:spcBef>
+                <a:spcPts val="0"/>
+              </a:spcBef>
+              <a:spcAft>
+                <a:spcPts val="0"/>
+              </a:spcAft>
+              <a:buClrTx/>
+              <a:buSzTx/>
+              <a:buFontTx/>
+              <a:buNone/>
+              <a:tabLst/>
+              <a:defRPr/>
+            </a:pPr>
+            <a:r>
+              <a:rPr lang="en-US" sz="1000" dirty="0">
+                <a:solidFill>
+                  <a:prstClr val="white"/>
+                </a:solidFill>
+                <a:latin typeface="Calibri" panose="020F0502020204030204"/>
+              </a:rPr>
+              <a:t>DOS: 01/31/2021</a:t>
+            </a:r>
+            <a:endParaRPr kumimoji="0" lang="en-US" sz="900" b="0" i="0" u="none" strike="noStrike" kern="1200" cap="none" spc="0" normalizeH="0" baseline="0" noProof="0" dirty="0">
+              <a:ln>
+                <a:noFill/>
+              </a:ln>
+              <a:solidFill>
+                <a:prstClr val="white"/>
+              </a:solidFill>
+              <a:effectLst/>
+              <a:uLnTx/>
+              <a:uFillTx/>
+              <a:latin typeface="Calibri" panose="020F0502020204030204"/>
+              <a:ea typeface="+mn-ea"/>
+              <a:cs typeface="+mn-cs"/>
+            </a:endParaRPr>
+          </a:p>
+        </p:txBody>
+      </p:sp>
+      <p:sp>
+        <p:nvSpPr>
+          <p:cNvPr id="58" name="Flowchart: Process 57">
+            <a:extLst>
+              <a:ext uri="{FF2B5EF4-FFF2-40B4-BE49-F238E27FC236}">
+                <a16:creationId xmlns:a16="http://schemas.microsoft.com/office/drawing/2014/main" id="{2D712595-0112-40A5-8927-588F1C4E89BC}"/>
+              </a:ext>
+            </a:extLst>
+          </p:cNvPr>
+          <p:cNvSpPr/>
+          <p:nvPr/>
+        </p:nvSpPr>
+        <p:spPr>
+          <a:xfrm>
+            <a:off x="7514436" y="5181600"/>
+            <a:ext cx="1872860" cy="755570"/>
+          </a:xfrm>
+          <a:prstGeom prst="flowChartProcess">
+            <a:avLst/>
+          </a:prstGeom>
+          <a:ln>
+            <a:solidFill>
+              <a:srgbClr val="0070C0"/>
+            </a:solidFill>
+          </a:ln>
+        </p:spPr>
+        <p:style>
+          <a:lnRef idx="2">
+            <a:schemeClr val="accent1">
+              <a:shade val="50000"/>
+            </a:schemeClr>
+          </a:lnRef>
+          <a:fillRef idx="1">
+            <a:schemeClr val="accent1"/>
+          </a:fillRef>
+          <a:effectRef idx="0">
+            <a:schemeClr val="accent1"/>
+          </a:effectRef>
+          <a:fontRef idx="minor">
+            <a:schemeClr val="lt1"/>
+          </a:fontRef>
+        </p:style>
+        <p:txBody>
+          <a:bodyPr rtlCol="0" anchor="ctr"/>
+          <a:lstStyle/>
+          <a:p>
+            <a:pPr marL="0" marR="0" lvl="0" indent="0" algn="ctr" defTabSz="914400" rtl="0" eaLnBrk="1" fontAlgn="auto" latinLnBrk="0" hangingPunct="1">
+              <a:lnSpc>
+                <a:spcPct val="100000"/>
+              </a:lnSpc>
+              <a:spcBef>
+                <a:spcPts val="0"/>
+              </a:spcBef>
+              <a:spcAft>
+                <a:spcPts val="0"/>
+              </a:spcAft>
+              <a:buClrTx/>
+              <a:buSzTx/>
+              <a:buFontTx/>
+              <a:buNone/>
+              <a:tabLst/>
+              <a:defRPr/>
+            </a:pPr>
+            <a:r>
+              <a:rPr kumimoji="0" lang="en-US" sz="1600" b="0" i="0" u="none" strike="noStrike" kern="1200" cap="none" spc="0" normalizeH="0" baseline="0" noProof="0" dirty="0">
+                <a:ln>
+                  <a:noFill/>
+                </a:ln>
+                <a:solidFill>
+                  <a:prstClr val="white"/>
+                </a:solidFill>
+                <a:effectLst/>
+                <a:uLnTx/>
+                <a:uFillTx/>
+                <a:latin typeface="Calibri" panose="020F0502020204030204"/>
+                <a:ea typeface="+mn-ea"/>
+                <a:cs typeface="+mn-cs"/>
+              </a:rPr>
+              <a:t>US Core Encounter</a:t>
+            </a:r>
+          </a:p>
+          <a:p>
+            <a:pPr marL="0" marR="0" lvl="0" indent="0" algn="ctr" defTabSz="914400" rtl="0" eaLnBrk="1" fontAlgn="auto" latinLnBrk="0" hangingPunct="1">
+              <a:lnSpc>
+                <a:spcPct val="100000"/>
+              </a:lnSpc>
+              <a:spcBef>
+                <a:spcPts val="0"/>
+              </a:spcBef>
+              <a:spcAft>
+                <a:spcPts val="0"/>
+              </a:spcAft>
+              <a:buClrTx/>
+              <a:buSzTx/>
+              <a:buFontTx/>
+              <a:buNone/>
+              <a:tabLst/>
+              <a:defRPr/>
+            </a:pPr>
+            <a:r>
+              <a:rPr lang="en-US" sz="1000" dirty="0">
+                <a:solidFill>
+                  <a:prstClr val="white"/>
+                </a:solidFill>
+                <a:latin typeface="Calibri" panose="020F0502020204030204"/>
+              </a:rPr>
+              <a:t>DOS: 09/26/2021</a:t>
+            </a:r>
+            <a:endParaRPr kumimoji="0" lang="en-US" sz="900" b="0" i="0" u="none" strike="noStrike" kern="1200" cap="none" spc="0" normalizeH="0" baseline="0" noProof="0" dirty="0">
+              <a:ln>
+                <a:noFill/>
+              </a:ln>
+              <a:solidFill>
+                <a:prstClr val="white"/>
+              </a:solidFill>
+              <a:effectLst/>
+              <a:uLnTx/>
+              <a:uFillTx/>
+              <a:latin typeface="Calibri" panose="020F0502020204030204"/>
+              <a:ea typeface="+mn-ea"/>
+              <a:cs typeface="+mn-cs"/>
+            </a:endParaRPr>
+          </a:p>
+        </p:txBody>
+      </p:sp>
+      <p:cxnSp>
+        <p:nvCxnSpPr>
+          <p:cNvPr id="59" name="Straight Arrow Connector 58">
+            <a:extLst>
+              <a:ext uri="{FF2B5EF4-FFF2-40B4-BE49-F238E27FC236}">
+                <a16:creationId xmlns:a16="http://schemas.microsoft.com/office/drawing/2014/main" id="{19C70E6E-2F47-4D51-8678-B99216131D78}"/>
+              </a:ext>
+            </a:extLst>
+          </p:cNvPr>
+          <p:cNvCxnSpPr>
+            <a:cxnSpLocks/>
+            <a:stCxn id="28" idx="3"/>
+            <a:endCxn id="50" idx="1"/>
+          </p:cNvCxnSpPr>
+          <p:nvPr/>
+        </p:nvCxnSpPr>
+        <p:spPr>
+          <a:xfrm>
+            <a:off x="5799757" y="2721279"/>
+            <a:ext cx="1690029" cy="23946"/>
+          </a:xfrm>
+          <a:prstGeom prst="straightConnector1">
+            <a:avLst/>
+          </a:prstGeom>
+          <a:ln w="12700">
+            <a:tailEnd type="triangle"/>
+          </a:ln>
+        </p:spPr>
+        <p:style>
+          <a:lnRef idx="1">
+            <a:schemeClr val="accent1"/>
+          </a:lnRef>
+          <a:fillRef idx="0">
+            <a:schemeClr val="accent1"/>
+          </a:fillRef>
+          <a:effectRef idx="0">
+            <a:schemeClr val="accent1"/>
+          </a:effectRef>
+          <a:fontRef idx="minor">
+            <a:schemeClr val="tx1"/>
+          </a:fontRef>
+        </p:style>
+      </p:cxnSp>
+      <p:cxnSp>
+        <p:nvCxnSpPr>
+          <p:cNvPr id="63" name="Straight Arrow Connector 62">
+            <a:extLst>
+              <a:ext uri="{FF2B5EF4-FFF2-40B4-BE49-F238E27FC236}">
+                <a16:creationId xmlns:a16="http://schemas.microsoft.com/office/drawing/2014/main" id="{4876D8A6-4F0A-447B-AC4E-61933C93FEE4}"/>
+              </a:ext>
+            </a:extLst>
+          </p:cNvPr>
+          <p:cNvCxnSpPr>
+            <a:cxnSpLocks/>
+            <a:stCxn id="32" idx="3"/>
+            <a:endCxn id="51" idx="1"/>
+          </p:cNvCxnSpPr>
+          <p:nvPr/>
+        </p:nvCxnSpPr>
+        <p:spPr>
+          <a:xfrm flipV="1">
+            <a:off x="5804277" y="4602745"/>
+            <a:ext cx="1710159" cy="4129"/>
+          </a:xfrm>
+          <a:prstGeom prst="straightConnector1">
+            <a:avLst/>
+          </a:prstGeom>
+          <a:ln w="12700">
+            <a:tailEnd type="triangle"/>
+          </a:ln>
+        </p:spPr>
+        <p:style>
+          <a:lnRef idx="1">
+            <a:schemeClr val="accent1"/>
+          </a:lnRef>
+          <a:fillRef idx="0">
+            <a:schemeClr val="accent1"/>
+          </a:fillRef>
+          <a:effectRef idx="0">
+            <a:schemeClr val="accent1"/>
+          </a:effectRef>
+          <a:fontRef idx="minor">
+            <a:schemeClr val="tx1"/>
+          </a:fontRef>
+        </p:style>
+      </p:cxnSp>
+      <p:cxnSp>
+        <p:nvCxnSpPr>
+          <p:cNvPr id="64" name="Straight Arrow Connector 63">
+            <a:extLst>
+              <a:ext uri="{FF2B5EF4-FFF2-40B4-BE49-F238E27FC236}">
+                <a16:creationId xmlns:a16="http://schemas.microsoft.com/office/drawing/2014/main" id="{A7D2EBC4-9411-4817-A86A-3F78AB2B534E}"/>
+              </a:ext>
+            </a:extLst>
+          </p:cNvPr>
+          <p:cNvCxnSpPr>
+            <a:cxnSpLocks/>
+            <a:stCxn id="35" idx="3"/>
+            <a:endCxn id="55" idx="1"/>
+          </p:cNvCxnSpPr>
+          <p:nvPr/>
+        </p:nvCxnSpPr>
+        <p:spPr>
+          <a:xfrm>
+            <a:off x="5796689" y="3624722"/>
+            <a:ext cx="1707599" cy="19241"/>
+          </a:xfrm>
+          <a:prstGeom prst="straightConnector1">
+            <a:avLst/>
+          </a:prstGeom>
+          <a:ln w="12700">
+            <a:tailEnd type="triangle"/>
+          </a:ln>
+        </p:spPr>
+        <p:style>
+          <a:lnRef idx="1">
+            <a:schemeClr val="accent1"/>
+          </a:lnRef>
+          <a:fillRef idx="0">
+            <a:schemeClr val="accent1"/>
+          </a:fillRef>
+          <a:effectRef idx="0">
+            <a:schemeClr val="accent1"/>
+          </a:effectRef>
+          <a:fontRef idx="minor">
+            <a:schemeClr val="tx1"/>
+          </a:fontRef>
+        </p:style>
+      </p:cxnSp>
+      <p:sp>
+        <p:nvSpPr>
+          <p:cNvPr id="76" name="TextBox 75">
+            <a:extLst>
+              <a:ext uri="{FF2B5EF4-FFF2-40B4-BE49-F238E27FC236}">
+                <a16:creationId xmlns:a16="http://schemas.microsoft.com/office/drawing/2014/main" id="{0712497F-FF6A-458E-92DD-01F72C350E7B}"/>
+              </a:ext>
+            </a:extLst>
+          </p:cNvPr>
+          <p:cNvSpPr txBox="1"/>
+          <p:nvPr/>
+        </p:nvSpPr>
+        <p:spPr>
+          <a:xfrm>
+            <a:off x="6054497" y="3510691"/>
+            <a:ext cx="1217539" cy="246221"/>
+          </a:xfrm>
+          <a:prstGeom prst="rect">
+            <a:avLst/>
+          </a:prstGeom>
+          <a:solidFill>
+            <a:schemeClr val="bg1"/>
+          </a:solidFill>
+        </p:spPr>
+        <p:txBody>
+          <a:bodyPr wrap="square" rtlCol="0">
+            <a:spAutoFit/>
+          </a:bodyPr>
+          <a:lstStyle/>
+          <a:p>
+            <a:pPr marL="0" marR="0" lvl="0" indent="0" algn="l" defTabSz="914400" rtl="0" eaLnBrk="1" fontAlgn="auto" latinLnBrk="0" hangingPunct="1">
+              <a:lnSpc>
+                <a:spcPct val="100000"/>
+              </a:lnSpc>
+              <a:spcBef>
+                <a:spcPts val="0"/>
+              </a:spcBef>
+              <a:spcAft>
+                <a:spcPts val="0"/>
+              </a:spcAft>
+              <a:buClrTx/>
+              <a:buSzTx/>
+              <a:buFontTx/>
+              <a:buNone/>
+              <a:tabLst/>
+              <a:defRPr/>
+            </a:pPr>
+            <a:r>
+              <a:rPr kumimoji="0" lang="en-US" sz="1000" b="1" i="0" u="none" strike="noStrike" kern="1200" cap="none" spc="0" normalizeH="0" baseline="0" noProof="0" dirty="0">
+                <a:ln>
+                  <a:noFill/>
+                </a:ln>
+                <a:solidFill>
+                  <a:prstClr val="black"/>
+                </a:solidFill>
+                <a:effectLst/>
+                <a:uLnTx/>
+                <a:uFillTx/>
+                <a:latin typeface="Calibri" panose="020F0502020204030204"/>
+                <a:ea typeface="+mn-ea"/>
+                <a:cs typeface="+mn-cs"/>
+              </a:rPr>
+              <a:t>evaluatedResource</a:t>
+            </a:r>
+            <a:endParaRPr kumimoji="0" lang="en-US" sz="900" b="1" i="0" u="none" strike="noStrike" kern="1200" cap="none" spc="0" normalizeH="0" baseline="0" noProof="0" dirty="0">
+              <a:ln>
+                <a:noFill/>
+              </a:ln>
+              <a:solidFill>
+                <a:prstClr val="black"/>
+              </a:solidFill>
+              <a:effectLst/>
+              <a:uLnTx/>
+              <a:uFillTx/>
+              <a:latin typeface="Calibri" panose="020F0502020204030204"/>
+              <a:ea typeface="+mn-ea"/>
+              <a:cs typeface="+mn-cs"/>
+            </a:endParaRPr>
+          </a:p>
+        </p:txBody>
+      </p:sp>
+      <p:sp>
+        <p:nvSpPr>
+          <p:cNvPr id="77" name="TextBox 76">
+            <a:extLst>
+              <a:ext uri="{FF2B5EF4-FFF2-40B4-BE49-F238E27FC236}">
+                <a16:creationId xmlns:a16="http://schemas.microsoft.com/office/drawing/2014/main" id="{1DC807B2-EF1A-43C9-8B03-FDA2A3A65E64}"/>
+              </a:ext>
+            </a:extLst>
+          </p:cNvPr>
+          <p:cNvSpPr txBox="1"/>
+          <p:nvPr/>
+        </p:nvSpPr>
+        <p:spPr>
+          <a:xfrm>
+            <a:off x="6084397" y="4479634"/>
+            <a:ext cx="1217539" cy="246221"/>
+          </a:xfrm>
+          <a:prstGeom prst="rect">
+            <a:avLst/>
+          </a:prstGeom>
+          <a:solidFill>
+            <a:schemeClr val="bg1"/>
+          </a:solidFill>
+        </p:spPr>
+        <p:txBody>
+          <a:bodyPr wrap="square" rtlCol="0">
+            <a:spAutoFit/>
+          </a:bodyPr>
+          <a:lstStyle/>
+          <a:p>
+            <a:pPr marL="0" marR="0" lvl="0" indent="0" algn="l" defTabSz="914400" rtl="0" eaLnBrk="1" fontAlgn="auto" latinLnBrk="0" hangingPunct="1">
+              <a:lnSpc>
+                <a:spcPct val="100000"/>
+              </a:lnSpc>
+              <a:spcBef>
+                <a:spcPts val="0"/>
+              </a:spcBef>
+              <a:spcAft>
+                <a:spcPts val="0"/>
+              </a:spcAft>
+              <a:buClrTx/>
+              <a:buSzTx/>
+              <a:buFontTx/>
+              <a:buNone/>
+              <a:tabLst/>
+              <a:defRPr/>
+            </a:pPr>
+            <a:r>
+              <a:rPr kumimoji="0" lang="en-US" sz="1000" b="1" i="0" u="none" strike="noStrike" kern="1200" cap="none" spc="0" normalizeH="0" baseline="0" noProof="0" dirty="0">
+                <a:ln>
+                  <a:noFill/>
+                </a:ln>
+                <a:solidFill>
+                  <a:prstClr val="black"/>
+                </a:solidFill>
+                <a:effectLst/>
+                <a:uLnTx/>
+                <a:uFillTx/>
+                <a:latin typeface="Calibri" panose="020F0502020204030204"/>
+                <a:ea typeface="+mn-ea"/>
+                <a:cs typeface="+mn-cs"/>
+              </a:rPr>
+              <a:t>evaluatedResource</a:t>
+            </a:r>
+            <a:endParaRPr kumimoji="0" lang="en-US" sz="900" b="1" i="0" u="none" strike="noStrike" kern="1200" cap="none" spc="0" normalizeH="0" baseline="0" noProof="0" dirty="0">
+              <a:ln>
+                <a:noFill/>
+              </a:ln>
+              <a:solidFill>
+                <a:prstClr val="black"/>
+              </a:solidFill>
+              <a:effectLst/>
+              <a:uLnTx/>
+              <a:uFillTx/>
+              <a:latin typeface="Calibri" panose="020F0502020204030204"/>
+              <a:ea typeface="+mn-ea"/>
+              <a:cs typeface="+mn-cs"/>
+            </a:endParaRPr>
+          </a:p>
+        </p:txBody>
+      </p:sp>
+      <p:cxnSp>
+        <p:nvCxnSpPr>
+          <p:cNvPr id="91" name="Straight Arrow Connector 90">
+            <a:extLst>
+              <a:ext uri="{FF2B5EF4-FFF2-40B4-BE49-F238E27FC236}">
+                <a16:creationId xmlns:a16="http://schemas.microsoft.com/office/drawing/2014/main" id="{254DEF4E-9D1A-48E0-B245-D8C08901FA27}"/>
+              </a:ext>
+            </a:extLst>
+          </p:cNvPr>
+          <p:cNvCxnSpPr>
+            <a:cxnSpLocks/>
+            <a:endCxn id="56" idx="1"/>
+          </p:cNvCxnSpPr>
+          <p:nvPr/>
+        </p:nvCxnSpPr>
+        <p:spPr>
+          <a:xfrm flipV="1">
+            <a:off x="5827187" y="1798671"/>
+            <a:ext cx="1654980" cy="922608"/>
+          </a:xfrm>
+          <a:prstGeom prst="straightConnector1">
+            <a:avLst/>
+          </a:prstGeom>
+          <a:ln w="12700">
+            <a:tailEnd type="triangle"/>
+          </a:ln>
+        </p:spPr>
+        <p:style>
+          <a:lnRef idx="1">
+            <a:schemeClr val="accent1"/>
+          </a:lnRef>
+          <a:fillRef idx="0">
+            <a:schemeClr val="accent1"/>
+          </a:fillRef>
+          <a:effectRef idx="0">
+            <a:schemeClr val="accent1"/>
+          </a:effectRef>
+          <a:fontRef idx="minor">
+            <a:schemeClr val="tx1"/>
+          </a:fontRef>
+        </p:style>
+      </p:cxnSp>
+      <p:sp>
+        <p:nvSpPr>
+          <p:cNvPr id="93" name="TextBox 92">
+            <a:extLst>
+              <a:ext uri="{FF2B5EF4-FFF2-40B4-BE49-F238E27FC236}">
+                <a16:creationId xmlns:a16="http://schemas.microsoft.com/office/drawing/2014/main" id="{9420730E-079C-4158-8650-264C4A2C42DC}"/>
+              </a:ext>
+            </a:extLst>
+          </p:cNvPr>
+          <p:cNvSpPr txBox="1"/>
+          <p:nvPr/>
+        </p:nvSpPr>
+        <p:spPr>
+          <a:xfrm rot="19834726">
+            <a:off x="6072534" y="2069610"/>
+            <a:ext cx="1217539" cy="246221"/>
+          </a:xfrm>
+          <a:prstGeom prst="rect">
+            <a:avLst/>
+          </a:prstGeom>
+          <a:solidFill>
+            <a:schemeClr val="bg1"/>
+          </a:solidFill>
+        </p:spPr>
+        <p:txBody>
+          <a:bodyPr wrap="square" rtlCol="0">
+            <a:spAutoFit/>
+          </a:bodyPr>
+          <a:lstStyle/>
+          <a:p>
+            <a:pPr marL="0" marR="0" lvl="0" indent="0" algn="l" defTabSz="914400" rtl="0" eaLnBrk="1" fontAlgn="auto" latinLnBrk="0" hangingPunct="1">
+              <a:lnSpc>
+                <a:spcPct val="100000"/>
+              </a:lnSpc>
+              <a:spcBef>
+                <a:spcPts val="0"/>
+              </a:spcBef>
+              <a:spcAft>
+                <a:spcPts val="0"/>
+              </a:spcAft>
+              <a:buClrTx/>
+              <a:buSzTx/>
+              <a:buFontTx/>
+              <a:buNone/>
+              <a:tabLst/>
+              <a:defRPr/>
+            </a:pPr>
+            <a:r>
+              <a:rPr kumimoji="0" lang="en-US" sz="1000" b="1" i="0" u="none" strike="noStrike" kern="1200" cap="none" spc="0" normalizeH="0" baseline="0" noProof="0" dirty="0">
+                <a:ln>
+                  <a:noFill/>
+                </a:ln>
+                <a:solidFill>
+                  <a:prstClr val="black"/>
+                </a:solidFill>
+                <a:effectLst/>
+                <a:uLnTx/>
+                <a:uFillTx/>
+                <a:latin typeface="Calibri" panose="020F0502020204030204"/>
+                <a:ea typeface="+mn-ea"/>
+                <a:cs typeface="+mn-cs"/>
+              </a:rPr>
+              <a:t>evaluatedResource</a:t>
+            </a:r>
+            <a:endParaRPr kumimoji="0" lang="en-US" sz="900" b="1" i="0" u="none" strike="noStrike" kern="1200" cap="none" spc="0" normalizeH="0" baseline="0" noProof="0" dirty="0">
+              <a:ln>
+                <a:noFill/>
+              </a:ln>
+              <a:solidFill>
+                <a:prstClr val="black"/>
+              </a:solidFill>
+              <a:effectLst/>
+              <a:uLnTx/>
+              <a:uFillTx/>
+              <a:latin typeface="Calibri" panose="020F0502020204030204"/>
+              <a:ea typeface="+mn-ea"/>
+              <a:cs typeface="+mn-cs"/>
+            </a:endParaRPr>
+          </a:p>
+        </p:txBody>
+      </p:sp>
+      <p:cxnSp>
+        <p:nvCxnSpPr>
+          <p:cNvPr id="95" name="Straight Arrow Connector 94">
+            <a:extLst>
+              <a:ext uri="{FF2B5EF4-FFF2-40B4-BE49-F238E27FC236}">
+                <a16:creationId xmlns:a16="http://schemas.microsoft.com/office/drawing/2014/main" id="{106EB4D3-C864-4696-9DE9-5D27123A6680}"/>
+              </a:ext>
+            </a:extLst>
+          </p:cNvPr>
+          <p:cNvCxnSpPr>
+            <a:cxnSpLocks/>
+            <a:stCxn id="35" idx="3"/>
+            <a:endCxn id="56" idx="1"/>
+          </p:cNvCxnSpPr>
+          <p:nvPr/>
+        </p:nvCxnSpPr>
+        <p:spPr>
+          <a:xfrm flipV="1">
+            <a:off x="5796689" y="1798671"/>
+            <a:ext cx="1685478" cy="1826051"/>
+          </a:xfrm>
+          <a:prstGeom prst="straightConnector1">
+            <a:avLst/>
+          </a:prstGeom>
+          <a:ln w="12700">
+            <a:tailEnd type="triangle"/>
+          </a:ln>
+        </p:spPr>
+        <p:style>
+          <a:lnRef idx="1">
+            <a:schemeClr val="accent1"/>
+          </a:lnRef>
+          <a:fillRef idx="0">
+            <a:schemeClr val="accent1"/>
+          </a:fillRef>
+          <a:effectRef idx="0">
+            <a:schemeClr val="accent1"/>
+          </a:effectRef>
+          <a:fontRef idx="minor">
+            <a:schemeClr val="tx1"/>
+          </a:fontRef>
+        </p:style>
+      </p:cxnSp>
+      <p:sp>
+        <p:nvSpPr>
+          <p:cNvPr id="98" name="TextBox 97">
+            <a:extLst>
+              <a:ext uri="{FF2B5EF4-FFF2-40B4-BE49-F238E27FC236}">
+                <a16:creationId xmlns:a16="http://schemas.microsoft.com/office/drawing/2014/main" id="{B7081640-A001-43D9-BD01-BBCA9A8AADF1}"/>
+              </a:ext>
+            </a:extLst>
+          </p:cNvPr>
+          <p:cNvSpPr txBox="1"/>
+          <p:nvPr/>
+        </p:nvSpPr>
+        <p:spPr>
+          <a:xfrm>
+            <a:off x="6054497" y="2622114"/>
+            <a:ext cx="1217539" cy="246221"/>
+          </a:xfrm>
+          <a:prstGeom prst="rect">
+            <a:avLst/>
+          </a:prstGeom>
+          <a:solidFill>
+            <a:schemeClr val="bg1"/>
+          </a:solidFill>
+        </p:spPr>
+        <p:txBody>
+          <a:bodyPr wrap="square" rtlCol="0">
+            <a:spAutoFit/>
+          </a:bodyPr>
+          <a:lstStyle/>
+          <a:p>
+            <a:pPr marL="0" marR="0" lvl="0" indent="0" algn="l" defTabSz="914400" rtl="0" eaLnBrk="1" fontAlgn="auto" latinLnBrk="0" hangingPunct="1">
+              <a:lnSpc>
+                <a:spcPct val="100000"/>
+              </a:lnSpc>
+              <a:spcBef>
+                <a:spcPts val="0"/>
+              </a:spcBef>
+              <a:spcAft>
+                <a:spcPts val="0"/>
+              </a:spcAft>
+              <a:buClrTx/>
+              <a:buSzTx/>
+              <a:buFontTx/>
+              <a:buNone/>
+              <a:tabLst/>
+              <a:defRPr/>
+            </a:pPr>
+            <a:r>
+              <a:rPr kumimoji="0" lang="en-US" sz="1000" b="1" i="0" u="none" strike="noStrike" kern="1200" cap="none" spc="0" normalizeH="0" baseline="0" noProof="0" dirty="0">
+                <a:ln>
+                  <a:noFill/>
+                </a:ln>
+                <a:solidFill>
+                  <a:prstClr val="black"/>
+                </a:solidFill>
+                <a:effectLst/>
+                <a:uLnTx/>
+                <a:uFillTx/>
+                <a:latin typeface="Calibri" panose="020F0502020204030204"/>
+                <a:ea typeface="+mn-ea"/>
+                <a:cs typeface="+mn-cs"/>
+              </a:rPr>
+              <a:t>evaluatedResource</a:t>
+            </a:r>
+            <a:endParaRPr kumimoji="0" lang="en-US" sz="900" b="1" i="0" u="none" strike="noStrike" kern="1200" cap="none" spc="0" normalizeH="0" baseline="0" noProof="0" dirty="0">
+              <a:ln>
+                <a:noFill/>
+              </a:ln>
+              <a:solidFill>
+                <a:prstClr val="black"/>
+              </a:solidFill>
+              <a:effectLst/>
+              <a:uLnTx/>
+              <a:uFillTx/>
+              <a:latin typeface="Calibri" panose="020F0502020204030204"/>
+              <a:ea typeface="+mn-ea"/>
+              <a:cs typeface="+mn-cs"/>
+            </a:endParaRPr>
+          </a:p>
+        </p:txBody>
+      </p:sp>
+      <p:cxnSp>
+        <p:nvCxnSpPr>
+          <p:cNvPr id="99" name="Straight Arrow Connector 98">
+            <a:extLst>
+              <a:ext uri="{FF2B5EF4-FFF2-40B4-BE49-F238E27FC236}">
+                <a16:creationId xmlns:a16="http://schemas.microsoft.com/office/drawing/2014/main" id="{6521FE98-80AD-48C7-A1CE-B36238BE7C76}"/>
+              </a:ext>
+            </a:extLst>
+          </p:cNvPr>
+          <p:cNvCxnSpPr>
+            <a:cxnSpLocks/>
+            <a:stCxn id="32" idx="3"/>
+            <a:endCxn id="58" idx="1"/>
+          </p:cNvCxnSpPr>
+          <p:nvPr/>
+        </p:nvCxnSpPr>
+        <p:spPr>
+          <a:xfrm>
+            <a:off x="5804277" y="4606874"/>
+            <a:ext cx="1710159" cy="952511"/>
+          </a:xfrm>
+          <a:prstGeom prst="straightConnector1">
+            <a:avLst/>
+          </a:prstGeom>
+          <a:ln w="12700">
+            <a:tailEnd type="triangle"/>
+          </a:ln>
+        </p:spPr>
+        <p:style>
+          <a:lnRef idx="1">
+            <a:schemeClr val="accent1"/>
+          </a:lnRef>
+          <a:fillRef idx="0">
+            <a:schemeClr val="accent1"/>
+          </a:fillRef>
+          <a:effectRef idx="0">
+            <a:schemeClr val="accent1"/>
+          </a:effectRef>
+          <a:fontRef idx="minor">
+            <a:schemeClr val="tx1"/>
+          </a:fontRef>
+        </p:style>
+      </p:cxnSp>
+      <p:sp>
+        <p:nvSpPr>
+          <p:cNvPr id="102" name="TextBox 101">
+            <a:extLst>
+              <a:ext uri="{FF2B5EF4-FFF2-40B4-BE49-F238E27FC236}">
+                <a16:creationId xmlns:a16="http://schemas.microsoft.com/office/drawing/2014/main" id="{ABE0BA0A-6327-43E5-AF27-F008F2D92186}"/>
+              </a:ext>
+            </a:extLst>
+          </p:cNvPr>
+          <p:cNvSpPr txBox="1"/>
+          <p:nvPr/>
+        </p:nvSpPr>
+        <p:spPr>
+          <a:xfrm rot="1725328">
+            <a:off x="6089278" y="4994194"/>
+            <a:ext cx="1217539" cy="246221"/>
+          </a:xfrm>
+          <a:prstGeom prst="rect">
+            <a:avLst/>
+          </a:prstGeom>
+          <a:solidFill>
+            <a:schemeClr val="bg1"/>
+          </a:solidFill>
+        </p:spPr>
+        <p:txBody>
+          <a:bodyPr wrap="square" rtlCol="0">
+            <a:spAutoFit/>
+          </a:bodyPr>
+          <a:lstStyle/>
+          <a:p>
+            <a:pPr marL="0" marR="0" lvl="0" indent="0" algn="l" defTabSz="914400" rtl="0" eaLnBrk="1" fontAlgn="auto" latinLnBrk="0" hangingPunct="1">
+              <a:lnSpc>
+                <a:spcPct val="100000"/>
+              </a:lnSpc>
+              <a:spcBef>
+                <a:spcPts val="0"/>
+              </a:spcBef>
+              <a:spcAft>
+                <a:spcPts val="0"/>
+              </a:spcAft>
+              <a:buClrTx/>
+              <a:buSzTx/>
+              <a:buFontTx/>
+              <a:buNone/>
+              <a:tabLst/>
+              <a:defRPr/>
+            </a:pPr>
+            <a:r>
+              <a:rPr kumimoji="0" lang="en-US" sz="1000" b="1" i="0" u="none" strike="noStrike" kern="1200" cap="none" spc="0" normalizeH="0" baseline="0" noProof="0" dirty="0">
+                <a:ln>
+                  <a:noFill/>
+                </a:ln>
+                <a:solidFill>
+                  <a:prstClr val="black"/>
+                </a:solidFill>
+                <a:effectLst/>
+                <a:uLnTx/>
+                <a:uFillTx/>
+                <a:latin typeface="Calibri" panose="020F0502020204030204"/>
+                <a:ea typeface="+mn-ea"/>
+                <a:cs typeface="+mn-cs"/>
+              </a:rPr>
+              <a:t>evaluatedResource</a:t>
+            </a:r>
+            <a:endParaRPr kumimoji="0" lang="en-US" sz="900" b="1" i="0" u="none" strike="noStrike" kern="1200" cap="none" spc="0" normalizeH="0" baseline="0" noProof="0" dirty="0">
+              <a:ln>
+                <a:noFill/>
+              </a:ln>
+              <a:solidFill>
+                <a:prstClr val="black"/>
+              </a:solidFill>
+              <a:effectLst/>
+              <a:uLnTx/>
+              <a:uFillTx/>
+              <a:latin typeface="Calibri" panose="020F0502020204030204"/>
+              <a:ea typeface="+mn-ea"/>
+              <a:cs typeface="+mn-cs"/>
+            </a:endParaRPr>
+          </a:p>
+        </p:txBody>
+      </p:sp>
+      <p:cxnSp>
+        <p:nvCxnSpPr>
+          <p:cNvPr id="103" name="Straight Arrow Connector 102">
+            <a:extLst>
+              <a:ext uri="{FF2B5EF4-FFF2-40B4-BE49-F238E27FC236}">
+                <a16:creationId xmlns:a16="http://schemas.microsoft.com/office/drawing/2014/main" id="{B13031F9-623E-4B92-AB8D-504A75028369}"/>
+              </a:ext>
+            </a:extLst>
+          </p:cNvPr>
+          <p:cNvCxnSpPr>
+            <a:cxnSpLocks/>
+            <a:stCxn id="6" idx="1"/>
+            <a:endCxn id="16" idx="3"/>
+          </p:cNvCxnSpPr>
+          <p:nvPr/>
+        </p:nvCxnSpPr>
+        <p:spPr>
+          <a:xfrm flipH="1">
+            <a:off x="2665401" y="3451868"/>
+            <a:ext cx="1222107" cy="1277006"/>
+          </a:xfrm>
+          <a:prstGeom prst="straightConnector1">
+            <a:avLst/>
+          </a:prstGeom>
+          <a:ln w="12700">
+            <a:tailEnd type="triangle"/>
+          </a:ln>
+        </p:spPr>
+        <p:style>
+          <a:lnRef idx="1">
+            <a:schemeClr val="accent1"/>
+          </a:lnRef>
+          <a:fillRef idx="0">
+            <a:schemeClr val="accent1"/>
+          </a:fillRef>
+          <a:effectRef idx="0">
+            <a:schemeClr val="accent1"/>
+          </a:effectRef>
+          <a:fontRef idx="minor">
+            <a:schemeClr val="tx1"/>
+          </a:fontRef>
+        </p:style>
+      </p:cxnSp>
+      <p:sp>
+        <p:nvSpPr>
+          <p:cNvPr id="111" name="TextBox 110">
+            <a:extLst>
+              <a:ext uri="{FF2B5EF4-FFF2-40B4-BE49-F238E27FC236}">
+                <a16:creationId xmlns:a16="http://schemas.microsoft.com/office/drawing/2014/main" id="{5D6EBA97-FE36-4527-A824-39C4F2447318}"/>
+              </a:ext>
+            </a:extLst>
+          </p:cNvPr>
+          <p:cNvSpPr txBox="1"/>
+          <p:nvPr/>
+        </p:nvSpPr>
+        <p:spPr>
+          <a:xfrm>
+            <a:off x="3058140" y="952576"/>
+            <a:ext cx="580599" cy="246221"/>
+          </a:xfrm>
+          <a:prstGeom prst="rect">
+            <a:avLst/>
+          </a:prstGeom>
+          <a:solidFill>
+            <a:schemeClr val="bg1"/>
+          </a:solidFill>
+        </p:spPr>
+        <p:txBody>
+          <a:bodyPr wrap="square" rtlCol="0">
+            <a:spAutoFit/>
+          </a:bodyPr>
+          <a:lstStyle/>
+          <a:p>
+            <a:pPr marL="0" marR="0" lvl="0" indent="0" algn="l" defTabSz="914400" rtl="0" eaLnBrk="1" fontAlgn="auto" latinLnBrk="0" hangingPunct="1">
+              <a:lnSpc>
+                <a:spcPct val="100000"/>
+              </a:lnSpc>
+              <a:spcBef>
+                <a:spcPts val="0"/>
+              </a:spcBef>
+              <a:spcAft>
+                <a:spcPts val="0"/>
+              </a:spcAft>
+              <a:buClrTx/>
+              <a:buSzTx/>
+              <a:buFontTx/>
+              <a:buNone/>
+              <a:tabLst/>
+              <a:defRPr/>
+            </a:pPr>
+            <a:r>
+              <a:rPr kumimoji="0" lang="en-US" sz="1000" b="1" i="0" u="none" strike="noStrike" kern="1200" cap="none" spc="0" normalizeH="0" baseline="0" noProof="0" dirty="0">
+                <a:ln>
+                  <a:noFill/>
+                </a:ln>
+                <a:solidFill>
+                  <a:prstClr val="black"/>
+                </a:solidFill>
+                <a:effectLst/>
+                <a:uLnTx/>
+                <a:uFillTx/>
+                <a:latin typeface="Calibri" panose="020F0502020204030204"/>
+                <a:ea typeface="+mn-ea"/>
+                <a:cs typeface="+mn-cs"/>
+              </a:rPr>
+              <a:t>entry</a:t>
+            </a:r>
+            <a:endParaRPr kumimoji="0" lang="en-US" sz="900" b="1" i="0" u="none" strike="noStrike" kern="1200" cap="none" spc="0" normalizeH="0" baseline="0" noProof="0" dirty="0">
+              <a:ln>
+                <a:noFill/>
+              </a:ln>
+              <a:solidFill>
+                <a:prstClr val="black"/>
+              </a:solidFill>
+              <a:effectLst/>
+              <a:uLnTx/>
+              <a:uFillTx/>
+              <a:latin typeface="Calibri" panose="020F0502020204030204"/>
+              <a:ea typeface="+mn-ea"/>
+              <a:cs typeface="+mn-cs"/>
+            </a:endParaRPr>
+          </a:p>
+        </p:txBody>
+      </p:sp>
+      <p:sp>
+        <p:nvSpPr>
+          <p:cNvPr id="113" name="TextBox 112">
+            <a:extLst>
+              <a:ext uri="{FF2B5EF4-FFF2-40B4-BE49-F238E27FC236}">
+                <a16:creationId xmlns:a16="http://schemas.microsoft.com/office/drawing/2014/main" id="{05AAD563-13F4-4BA3-B6D6-B95685BE5C19}"/>
+              </a:ext>
+            </a:extLst>
+          </p:cNvPr>
+          <p:cNvSpPr txBox="1"/>
+          <p:nvPr/>
+        </p:nvSpPr>
+        <p:spPr>
+          <a:xfrm>
+            <a:off x="2986155" y="3999070"/>
+            <a:ext cx="652584" cy="246221"/>
+          </a:xfrm>
+          <a:prstGeom prst="rect">
+            <a:avLst/>
+          </a:prstGeom>
+          <a:solidFill>
+            <a:schemeClr val="bg1"/>
+          </a:solidFill>
+        </p:spPr>
+        <p:txBody>
+          <a:bodyPr wrap="square" rtlCol="0">
+            <a:spAutoFit/>
+          </a:bodyPr>
+          <a:lstStyle/>
+          <a:p>
+            <a:pPr marL="0" marR="0" lvl="0" indent="0" algn="l" defTabSz="914400" rtl="0" eaLnBrk="1" fontAlgn="auto" latinLnBrk="0" hangingPunct="1">
+              <a:lnSpc>
+                <a:spcPct val="100000"/>
+              </a:lnSpc>
+              <a:spcBef>
+                <a:spcPts val="0"/>
+              </a:spcBef>
+              <a:spcAft>
+                <a:spcPts val="0"/>
+              </a:spcAft>
+              <a:buClrTx/>
+              <a:buSzTx/>
+              <a:buFontTx/>
+              <a:buNone/>
+              <a:tabLst/>
+              <a:defRPr/>
+            </a:pPr>
+            <a:r>
+              <a:rPr kumimoji="0" lang="en-US" sz="1000" b="1" i="0" u="none" strike="noStrike" kern="1200" cap="none" spc="0" normalizeH="0" baseline="0" noProof="0" dirty="0">
+                <a:ln>
+                  <a:noFill/>
+                </a:ln>
+                <a:solidFill>
+                  <a:prstClr val="black"/>
+                </a:solidFill>
+                <a:effectLst/>
+                <a:uLnTx/>
+                <a:uFillTx/>
+                <a:latin typeface="Calibri" panose="020F0502020204030204"/>
+                <a:ea typeface="+mn-ea"/>
+                <a:cs typeface="+mn-cs"/>
+              </a:rPr>
+              <a:t>reporter</a:t>
+            </a:r>
+            <a:endParaRPr kumimoji="0" lang="en-US" sz="900" b="1" i="0" u="none" strike="noStrike" kern="1200" cap="none" spc="0" normalizeH="0" baseline="0" noProof="0" dirty="0">
+              <a:ln>
+                <a:noFill/>
+              </a:ln>
+              <a:solidFill>
+                <a:prstClr val="black"/>
+              </a:solidFill>
+              <a:effectLst/>
+              <a:uLnTx/>
+              <a:uFillTx/>
+              <a:latin typeface="Calibri" panose="020F0502020204030204"/>
+              <a:ea typeface="+mn-ea"/>
+              <a:cs typeface="+mn-cs"/>
+            </a:endParaRPr>
+          </a:p>
+        </p:txBody>
+      </p:sp>
+      <p:cxnSp>
+        <p:nvCxnSpPr>
+          <p:cNvPr id="114" name="Straight Arrow Connector 113">
+            <a:extLst>
+              <a:ext uri="{FF2B5EF4-FFF2-40B4-BE49-F238E27FC236}">
+                <a16:creationId xmlns:a16="http://schemas.microsoft.com/office/drawing/2014/main" id="{27DB4D4F-0EAE-406D-8D42-7F23F83D1907}"/>
+              </a:ext>
+            </a:extLst>
+          </p:cNvPr>
+          <p:cNvCxnSpPr>
+            <a:cxnSpLocks/>
+            <a:stCxn id="5" idx="2"/>
+            <a:endCxn id="11" idx="0"/>
+          </p:cNvCxnSpPr>
+          <p:nvPr/>
+        </p:nvCxnSpPr>
+        <p:spPr>
+          <a:xfrm>
+            <a:off x="1759909" y="1215460"/>
+            <a:ext cx="0" cy="1858623"/>
+          </a:xfrm>
+          <a:prstGeom prst="straightConnector1">
+            <a:avLst/>
+          </a:prstGeom>
+          <a:ln w="12700">
+            <a:tailEnd type="triangle"/>
+          </a:ln>
+        </p:spPr>
+        <p:style>
+          <a:lnRef idx="1">
+            <a:schemeClr val="accent1"/>
+          </a:lnRef>
+          <a:fillRef idx="0">
+            <a:schemeClr val="accent1"/>
+          </a:fillRef>
+          <a:effectRef idx="0">
+            <a:schemeClr val="accent1"/>
+          </a:effectRef>
+          <a:fontRef idx="minor">
+            <a:schemeClr val="tx1"/>
+          </a:fontRef>
+        </p:style>
+      </p:cxnSp>
+      <p:sp>
+        <p:nvSpPr>
+          <p:cNvPr id="117" name="TextBox 116">
+            <a:extLst>
+              <a:ext uri="{FF2B5EF4-FFF2-40B4-BE49-F238E27FC236}">
+                <a16:creationId xmlns:a16="http://schemas.microsoft.com/office/drawing/2014/main" id="{DD388C81-A24F-42E4-86C7-975B661F035A}"/>
+              </a:ext>
+            </a:extLst>
+          </p:cNvPr>
+          <p:cNvSpPr txBox="1"/>
+          <p:nvPr/>
+        </p:nvSpPr>
+        <p:spPr>
+          <a:xfrm>
+            <a:off x="1537076" y="1898550"/>
+            <a:ext cx="580599" cy="246221"/>
+          </a:xfrm>
+          <a:prstGeom prst="rect">
+            <a:avLst/>
+          </a:prstGeom>
+          <a:solidFill>
+            <a:schemeClr val="bg1"/>
+          </a:solidFill>
+        </p:spPr>
+        <p:txBody>
+          <a:bodyPr wrap="square" rtlCol="0">
+            <a:spAutoFit/>
+          </a:bodyPr>
+          <a:lstStyle/>
+          <a:p>
+            <a:pPr marL="0" marR="0" lvl="0" indent="0" algn="l" defTabSz="914400" rtl="0" eaLnBrk="1" fontAlgn="auto" latinLnBrk="0" hangingPunct="1">
+              <a:lnSpc>
+                <a:spcPct val="100000"/>
+              </a:lnSpc>
+              <a:spcBef>
+                <a:spcPts val="0"/>
+              </a:spcBef>
+              <a:spcAft>
+                <a:spcPts val="0"/>
+              </a:spcAft>
+              <a:buClrTx/>
+              <a:buSzTx/>
+              <a:buFontTx/>
+              <a:buNone/>
+              <a:tabLst/>
+              <a:defRPr/>
+            </a:pPr>
+            <a:r>
+              <a:rPr kumimoji="0" lang="en-US" sz="1000" b="1" i="0" u="none" strike="noStrike" kern="1200" cap="none" spc="0" normalizeH="0" baseline="0" noProof="0" dirty="0">
+                <a:ln>
+                  <a:noFill/>
+                </a:ln>
+                <a:solidFill>
+                  <a:prstClr val="black"/>
+                </a:solidFill>
+                <a:effectLst/>
+                <a:uLnTx/>
+                <a:uFillTx/>
+                <a:latin typeface="Calibri" panose="020F0502020204030204"/>
+                <a:ea typeface="+mn-ea"/>
+                <a:cs typeface="+mn-cs"/>
+              </a:rPr>
+              <a:t>entry</a:t>
+            </a:r>
+            <a:endParaRPr kumimoji="0" lang="en-US" sz="900" b="1" i="0" u="none" strike="noStrike" kern="1200" cap="none" spc="0" normalizeH="0" baseline="0" noProof="0" dirty="0">
+              <a:ln>
+                <a:noFill/>
+              </a:ln>
+              <a:solidFill>
+                <a:prstClr val="black"/>
+              </a:solidFill>
+              <a:effectLst/>
+              <a:uLnTx/>
+              <a:uFillTx/>
+              <a:latin typeface="Calibri" panose="020F0502020204030204"/>
+              <a:ea typeface="+mn-ea"/>
+              <a:cs typeface="+mn-cs"/>
+            </a:endParaRPr>
+          </a:p>
+        </p:txBody>
+      </p:sp>
+    </p:spTree>
+    <p:extLst>
+      <p:ext uri="{BB962C8B-B14F-4D97-AF65-F5344CB8AC3E}">
+        <p14:creationId xmlns:p14="http://schemas.microsoft.com/office/powerpoint/2010/main" val="3283057723"/>
+      </p:ext>
+    </p:extLst>
+  </p:cSld>
+  <p:clrMapOvr>
+    <a:masterClrMapping/>
+  </p:clrMapOvr>
+</p:sld>
+</file>
+
 <file path=ppt/slides/slide5.xml><?xml version="1.0" encoding="utf-8"?>
 <p:sld xmlns:a="http://schemas.openxmlformats.org/drawingml/2006/main" xmlns:r="http://schemas.openxmlformats.org/officeDocument/2006/relationships" xmlns:p="http://schemas.openxmlformats.org/presentationml/2006/main">
   <p:cSld>
@@ -46613,7 +50193,27 @@
                 <a:latin typeface="Arial" panose="020B0604020202020204" pitchFamily="34" charset="0"/>
                 <a:cs typeface="Arial" panose="020B0604020202020204" pitchFamily="34" charset="0"/>
               </a:rPr>
-              <a:t>Bundle(searchset) from MeasureReport Query</a:t>
+              <a:t>Bundle(</a:t>
+            </a:r>
+            <a:r>
+              <a:rPr lang="en-US" sz="1400" b="1" dirty="0" err="1">
+                <a:solidFill>
+                  <a:schemeClr val="tx1"/>
+                </a:solidFill>
+                <a:latin typeface="Arial" panose="020B0604020202020204" pitchFamily="34" charset="0"/>
+                <a:cs typeface="Arial" panose="020B0604020202020204" pitchFamily="34" charset="0"/>
+              </a:rPr>
+              <a:t>searchset</a:t>
+            </a:r>
+            <a:r>
+              <a:rPr lang="en-US" sz="1400" b="1" dirty="0">
+                <a:solidFill>
+                  <a:schemeClr val="tx1"/>
+                </a:solidFill>
+                <a:latin typeface="Arial" panose="020B0604020202020204" pitchFamily="34" charset="0"/>
+                <a:cs typeface="Arial" panose="020B0604020202020204" pitchFamily="34" charset="0"/>
+              </a:rPr>
+              <a:t>) from MeasureReport Query</a:t>
             </a:r>
           </a:p>
         </p:txBody>
@@ -47591,7 +51191,27 @@
                 <a:latin typeface="Arial" panose="020B0604020202020204" pitchFamily="34" charset="0"/>
                 <a:cs typeface="Arial" panose="020B0604020202020204" pitchFamily="34" charset="0"/>
               </a:rPr>
-              <a:t>Bundle (searchset) from MeasureReport Query</a:t>
+              <a:t>Bundle (</a:t>
+            </a:r>
+            <a:r>
+              <a:rPr lang="en-US" sz="1400" b="1" dirty="0" err="1">
+                <a:solidFill>
+                  <a:schemeClr val="tx1"/>
+                </a:solidFill>
+                <a:latin typeface="Arial" panose="020B0604020202020204" pitchFamily="34" charset="0"/>
+                <a:cs typeface="Arial" panose="020B0604020202020204" pitchFamily="34" charset="0"/>
+              </a:rPr>
+              <a:t>searchset</a:t>
+            </a:r>
+            <a:r>
+              <a:rPr lang="en-US" sz="1400" b="1" dirty="0">
+                <a:solidFill>
+                  <a:schemeClr val="tx1"/>
+                </a:solidFill>
+                <a:latin typeface="Arial" panose="020B0604020202020204" pitchFamily="34" charset="0"/>
+                <a:cs typeface="Arial" panose="020B0604020202020204" pitchFamily="34" charset="0"/>
+              </a:rPr>
+              <a:t>) from MeasureReport Query</a:t>
             </a:r>
           </a:p>
         </p:txBody>

--- a/input/images/Source/Risk Adjustment Images.pptx
+++ b/input/images/Source/Risk Adjustment Images.pptx
@@ -241,7 +241,7 @@
           <a:p>
             <a:fld id="{4337D45E-38B5-4093-B633-D3DDCA61416C}" type="datetimeFigureOut">
               <a:rPr lang="en-US" smtClean="0"/>
-              <a:t>11/16/2023</a:t>
+              <a:t>12/27/2023</a:t>
             </a:fld>
             <a:endParaRPr lang="en-US"/>
           </a:p>
@@ -4422,7 +4422,7 @@
           <a:p>
             <a:fld id="{3E232C92-DF21-4A04-859B-AAF8BD4EC904}" type="datetimeFigureOut">
               <a:rPr lang="en-US" smtClean="0"/>
-              <a:t>11/16/2023</a:t>
+              <a:t>12/27/2023</a:t>
             </a:fld>
             <a:endParaRPr lang="en-US"/>
           </a:p>
@@ -4620,7 +4620,7 @@
           <a:p>
             <a:fld id="{3E232C92-DF21-4A04-859B-AAF8BD4EC904}" type="datetimeFigureOut">
               <a:rPr lang="en-US" smtClean="0"/>
-              <a:t>11/16/2023</a:t>
+              <a:t>12/27/2023</a:t>
             </a:fld>
             <a:endParaRPr lang="en-US"/>
           </a:p>
@@ -4828,7 +4828,7 @@
           <a:p>
             <a:fld id="{3E232C92-DF21-4A04-859B-AAF8BD4EC904}" type="datetimeFigureOut">
               <a:rPr lang="en-US" smtClean="0"/>
-              <a:t>11/16/2023</a:t>
+              <a:t>12/27/2023</a:t>
             </a:fld>
             <a:endParaRPr lang="en-US"/>
           </a:p>
@@ -6672,7 +6672,7 @@
           <a:p>
             <a:fld id="{23F303CC-BC6F-44EE-9A09-81F690F71D2E}" type="datetime1">
               <a:rPr lang="en-US" altLang="en-US" smtClean="0"/>
-              <a:t>11/16/2023</a:t>
+              <a:t>12/27/2023</a:t>
             </a:fld>
             <a:endParaRPr lang="en-US" altLang="en-US" dirty="0"/>
           </a:p>
@@ -9330,7 +9330,7 @@
           <a:p>
             <a:fld id="{3E232C92-DF21-4A04-859B-AAF8BD4EC904}" type="datetimeFigureOut">
               <a:rPr lang="en-US" smtClean="0"/>
-              <a:t>11/16/2023</a:t>
+              <a:t>12/27/2023</a:t>
             </a:fld>
             <a:endParaRPr lang="en-US"/>
           </a:p>
@@ -11510,7 +11510,7 @@
           <a:p>
             <a:fld id="{3E232C92-DF21-4A04-859B-AAF8BD4EC904}" type="datetimeFigureOut">
               <a:rPr lang="en-US" smtClean="0"/>
-              <a:t>11/16/2023</a:t>
+              <a:t>12/27/2023</a:t>
             </a:fld>
             <a:endParaRPr lang="en-US"/>
           </a:p>
@@ -11785,7 +11785,7 @@
           <a:p>
             <a:fld id="{3E232C92-DF21-4A04-859B-AAF8BD4EC904}" type="datetimeFigureOut">
               <a:rPr lang="en-US" smtClean="0"/>
-              <a:t>11/16/2023</a:t>
+              <a:t>12/27/2023</a:t>
             </a:fld>
             <a:endParaRPr lang="en-US"/>
           </a:p>
@@ -12050,7 +12050,7 @@
           <a:p>
             <a:fld id="{3E232C92-DF21-4A04-859B-AAF8BD4EC904}" type="datetimeFigureOut">
               <a:rPr lang="en-US" smtClean="0"/>
-              <a:t>11/16/2023</a:t>
+              <a:t>12/27/2023</a:t>
             </a:fld>
             <a:endParaRPr lang="en-US"/>
           </a:p>
@@ -12462,7 +12462,7 @@
           <a:p>
             <a:fld id="{3E232C92-DF21-4A04-859B-AAF8BD4EC904}" type="datetimeFigureOut">
               <a:rPr lang="en-US" smtClean="0"/>
-              <a:t>11/16/2023</a:t>
+              <a:t>12/27/2023</a:t>
             </a:fld>
             <a:endParaRPr lang="en-US"/>
           </a:p>
@@ -12603,7 +12603,7 @@
           <a:p>
             <a:fld id="{3E232C92-DF21-4A04-859B-AAF8BD4EC904}" type="datetimeFigureOut">
               <a:rPr lang="en-US" smtClean="0"/>
-              <a:t>11/16/2023</a:t>
+              <a:t>12/27/2023</a:t>
             </a:fld>
             <a:endParaRPr lang="en-US"/>
           </a:p>
@@ -12716,7 +12716,7 @@
           <a:p>
             <a:fld id="{3E232C92-DF21-4A04-859B-AAF8BD4EC904}" type="datetimeFigureOut">
               <a:rPr lang="en-US" smtClean="0"/>
-              <a:t>11/16/2023</a:t>
+              <a:t>12/27/2023</a:t>
             </a:fld>
             <a:endParaRPr lang="en-US"/>
           </a:p>
@@ -13027,7 +13027,7 @@
           <a:p>
             <a:fld id="{3E232C92-DF21-4A04-859B-AAF8BD4EC904}" type="datetimeFigureOut">
               <a:rPr lang="en-US" smtClean="0"/>
-              <a:t>11/16/2023</a:t>
+              <a:t>12/27/2023</a:t>
             </a:fld>
             <a:endParaRPr lang="en-US"/>
           </a:p>
@@ -13315,7 +13315,7 @@
           <a:p>
             <a:fld id="{3E232C92-DF21-4A04-859B-AAF8BD4EC904}" type="datetimeFigureOut">
               <a:rPr lang="en-US" smtClean="0"/>
-              <a:t>11/16/2023</a:t>
+              <a:t>12/27/2023</a:t>
             </a:fld>
             <a:endParaRPr lang="en-US"/>
           </a:p>
@@ -13556,7 +13556,7 @@
           <a:p>
             <a:fld id="{3E232C92-DF21-4A04-859B-AAF8BD4EC904}" type="datetimeFigureOut">
               <a:rPr lang="en-US" smtClean="0"/>
-              <a:t>11/16/2023</a:t>
+              <a:t>12/27/2023</a:t>
             </a:fld>
             <a:endParaRPr lang="en-US"/>
           </a:p>
@@ -14184,7 +14184,7 @@
           <a:p>
             <a:fld id="{7CE3BD8C-C39F-4FFF-9CD5-05E4806DBFF3}" type="datetime1">
               <a:rPr lang="en-US" altLang="en-US" smtClean="0"/>
-              <a:t>11/16/2023</a:t>
+              <a:t>12/27/2023</a:t>
             </a:fld>
             <a:endParaRPr lang="en-US" altLang="en-US"/>
           </a:p>
@@ -17024,7 +17024,7 @@
             <a:pPr algn="ctr"/>
             <a:r>
               <a:rPr lang="en-US" sz="1400" dirty="0"/>
-              <a:t>Annotation added to coding gap report</a:t>
+              <a:t>Condition Category Remark  added to coding gap report</a:t>
             </a:r>
           </a:p>
         </p:txBody>
@@ -17738,7 +17738,7 @@
         <p:spPr>
           <a:xfrm>
             <a:off x="7110751" y="2355966"/>
-            <a:ext cx="2170338" cy="307777"/>
+            <a:ext cx="1941109" cy="523220"/>
           </a:xfrm>
           <a:prstGeom prst="rect">
             <a:avLst/>
@@ -17761,40 +17761,9 @@
                   <a:schemeClr val="bg1"/>
                 </a:solidFill>
               </a:rPr>
-              <a:t>Provider makes Annotation</a:t>
-            </a:r>
-          </a:p>
-        </p:txBody>
-      </p:sp>
-      <p:sp>
-        <p:nvSpPr>
-          <p:cNvPr id="32" name="TextBox 31">
-            <a:extLst>
-              <a:ext uri="{FF2B5EF4-FFF2-40B4-BE49-F238E27FC236}">
-                <a16:creationId xmlns:a16="http://schemas.microsoft.com/office/drawing/2014/main" id="{4F21EC11-E5A5-4A0B-8B7B-3F3813B97252}"/>
-              </a:ext>
-            </a:extLst>
-          </p:cNvPr>
-          <p:cNvSpPr txBox="1"/>
-          <p:nvPr/>
-        </p:nvSpPr>
-        <p:spPr>
-          <a:xfrm>
-            <a:off x="4607971" y="5041375"/>
-            <a:ext cx="2694874" cy="307777"/>
-          </a:xfrm>
-          <a:prstGeom prst="rect">
-            <a:avLst/>
-          </a:prstGeom>
-          <a:solidFill>
-            <a:schemeClr val="accent4"/>
-          </a:solidFill>
-        </p:spPr>
-        <p:txBody>
-          <a:bodyPr wrap="square" rtlCol="0">
-            <a:spAutoFit/>
-          </a:bodyPr>
-          <a:lstStyle/>
+              <a:t>Provider adds Condition</a:t>
+            </a:r>
+          </a:p>
           <a:p>
             <a:r>
               <a:rPr lang="en-US" sz="1400" dirty="0">
@@ -17802,7 +17771,48 @@
                   <a:schemeClr val="bg1"/>
                 </a:solidFill>
               </a:rPr>
-              <a:t>Annotated report posted to Payer</a:t>
+              <a:t> Category Remarks</a:t>
+            </a:r>
+          </a:p>
+        </p:txBody>
+      </p:sp>
+      <p:sp>
+        <p:nvSpPr>
+          <p:cNvPr id="32" name="TextBox 31">
+            <a:extLst>
+              <a:ext uri="{FF2B5EF4-FFF2-40B4-BE49-F238E27FC236}">
+                <a16:creationId xmlns:a16="http://schemas.microsoft.com/office/drawing/2014/main" id="{4F21EC11-E5A5-4A0B-8B7B-3F3813B97252}"/>
+              </a:ext>
+            </a:extLst>
+          </p:cNvPr>
+          <p:cNvSpPr txBox="1"/>
+          <p:nvPr/>
+        </p:nvSpPr>
+        <p:spPr>
+          <a:xfrm>
+            <a:off x="4587651" y="4777745"/>
+            <a:ext cx="2694874" cy="523220"/>
+          </a:xfrm>
+          <a:prstGeom prst="rect">
+            <a:avLst/>
+          </a:prstGeom>
+          <a:solidFill>
+            <a:schemeClr val="accent4"/>
+          </a:solidFill>
+        </p:spPr>
+        <p:txBody>
+          <a:bodyPr wrap="square" rtlCol="0">
+            <a:spAutoFit/>
+          </a:bodyPr>
+          <a:lstStyle/>
+          <a:p>
+            <a:r>
+              <a:rPr lang="en-US" sz="1400" dirty="0">
+                <a:solidFill>
+                  <a:schemeClr val="bg1"/>
+                </a:solidFill>
+              </a:rPr>
+              <a:t>Report with Condition Category Remark(s) posted to Payer</a:t>
             </a:r>
           </a:p>
         </p:txBody>
